--- a/courses/apcsp/lect6.pptx
+++ b/courses/apcsp/lect6.pptx
@@ -144,7 +144,7 @@
 <file path=ppt/revisionInfo.xml><?xml version="1.0" encoding="utf-8"?>
 <p1510:revInfo xmlns:a="http://schemas.openxmlformats.org/drawingml/2006/main" xmlns:r="http://schemas.openxmlformats.org/officeDocument/2006/relationships" xmlns:p1510="http://schemas.microsoft.com/office/powerpoint/2015/10/main">
   <p1510:revLst>
-    <p1510:client id="{EC1E750C-42C7-A84F-81F0-83B2F940DF8B}" v="1299" dt="2019-10-11T02:15:32.330"/>
+    <p1510:client id="{EC1E750C-42C7-A84F-81F0-83B2F940DF8B}" v="1479" dt="2019-10-11T13:56:41.895"/>
   </p1510:revLst>
 </p1510:revInfo>
 </file>
@@ -166,7 +166,7 @@
   <pc:docChgLst>
     <pc:chgData name="Long B Nguyen" userId="f59fb8f3-a021-417a-8bc1-65c8d471c621" providerId="ADAL" clId="{EC1E750C-42C7-A84F-81F0-83B2F940DF8B}"/>
     <pc:docChg chg="undo custSel addSld delSld modSld">
-      <pc:chgData name="Long B Nguyen" userId="f59fb8f3-a021-417a-8bc1-65c8d471c621" providerId="ADAL" clId="{EC1E750C-42C7-A84F-81F0-83B2F940DF8B}" dt="2019-10-11T02:15:32.330" v="6674" actId="20577"/>
+      <pc:chgData name="Long B Nguyen" userId="f59fb8f3-a021-417a-8bc1-65c8d471c621" providerId="ADAL" clId="{EC1E750C-42C7-A84F-81F0-83B2F940DF8B}" dt="2019-10-11T13:56:41.895" v="6982" actId="20577"/>
       <pc:docMkLst>
         <pc:docMk/>
       </pc:docMkLst>
@@ -573,7 +573,7 @@
         </pc:spChg>
       </pc:sldChg>
       <pc:sldChg chg="delSp modSp">
-        <pc:chgData name="Long B Nguyen" userId="f59fb8f3-a021-417a-8bc1-65c8d471c621" providerId="ADAL" clId="{EC1E750C-42C7-A84F-81F0-83B2F940DF8B}" dt="2019-10-10T15:16:29.163" v="5285" actId="20577"/>
+        <pc:chgData name="Long B Nguyen" userId="f59fb8f3-a021-417a-8bc1-65c8d471c621" providerId="ADAL" clId="{EC1E750C-42C7-A84F-81F0-83B2F940DF8B}" dt="2019-10-11T13:56:01.338" v="6873" actId="20577"/>
         <pc:sldMkLst>
           <pc:docMk/>
           <pc:sldMk cId="97464883" sldId="325"/>
@@ -587,7 +587,7 @@
           </ac:spMkLst>
         </pc:spChg>
         <pc:spChg chg="mod">
-          <ac:chgData name="Long B Nguyen" userId="f59fb8f3-a021-417a-8bc1-65c8d471c621" providerId="ADAL" clId="{EC1E750C-42C7-A84F-81F0-83B2F940DF8B}" dt="2019-10-10T15:16:29.163" v="5285" actId="20577"/>
+          <ac:chgData name="Long B Nguyen" userId="f59fb8f3-a021-417a-8bc1-65c8d471c621" providerId="ADAL" clId="{EC1E750C-42C7-A84F-81F0-83B2F940DF8B}" dt="2019-10-11T13:56:01.338" v="6873" actId="20577"/>
           <ac:spMkLst>
             <pc:docMk/>
             <pc:sldMk cId="97464883" sldId="325"/>
@@ -672,13 +672,13 @@
         </pc:spChg>
       </pc:sldChg>
       <pc:sldChg chg="modSp add modAnim">
-        <pc:chgData name="Long B Nguyen" userId="f59fb8f3-a021-417a-8bc1-65c8d471c621" providerId="ADAL" clId="{EC1E750C-42C7-A84F-81F0-83B2F940DF8B}" dt="2019-10-11T02:09:04.696" v="6323" actId="20577"/>
+        <pc:chgData name="Long B Nguyen" userId="f59fb8f3-a021-417a-8bc1-65c8d471c621" providerId="ADAL" clId="{EC1E750C-42C7-A84F-81F0-83B2F940DF8B}" dt="2019-10-11T13:53:37.005" v="6752" actId="20577"/>
         <pc:sldMkLst>
           <pc:docMk/>
           <pc:sldMk cId="1160750792" sldId="330"/>
         </pc:sldMkLst>
         <pc:spChg chg="mod">
-          <ac:chgData name="Long B Nguyen" userId="f59fb8f3-a021-417a-8bc1-65c8d471c621" providerId="ADAL" clId="{EC1E750C-42C7-A84F-81F0-83B2F940DF8B}" dt="2019-10-11T02:09:04.696" v="6323" actId="20577"/>
+          <ac:chgData name="Long B Nguyen" userId="f59fb8f3-a021-417a-8bc1-65c8d471c621" providerId="ADAL" clId="{EC1E750C-42C7-A84F-81F0-83B2F940DF8B}" dt="2019-10-11T13:53:37.005" v="6752" actId="20577"/>
           <ac:spMkLst>
             <pc:docMk/>
             <pc:sldMk cId="1160750792" sldId="330"/>
@@ -687,7 +687,7 @@
         </pc:spChg>
       </pc:sldChg>
       <pc:sldChg chg="modSp add modAnim">
-        <pc:chgData name="Long B Nguyen" userId="f59fb8f3-a021-417a-8bc1-65c8d471c621" providerId="ADAL" clId="{EC1E750C-42C7-A84F-81F0-83B2F940DF8B}" dt="2019-10-10T17:17:22.422" v="5594" actId="20577"/>
+        <pc:chgData name="Long B Nguyen" userId="f59fb8f3-a021-417a-8bc1-65c8d471c621" providerId="ADAL" clId="{EC1E750C-42C7-A84F-81F0-83B2F940DF8B}" dt="2019-10-11T13:52:13.245" v="6720"/>
         <pc:sldMkLst>
           <pc:docMk/>
           <pc:sldMk cId="121458461" sldId="332"/>
@@ -725,7 +725,7 @@
         </pc:spChg>
       </pc:sldChg>
       <pc:sldChg chg="delSp modSp add modAnim">
-        <pc:chgData name="Long B Nguyen" userId="f59fb8f3-a021-417a-8bc1-65c8d471c621" providerId="ADAL" clId="{EC1E750C-42C7-A84F-81F0-83B2F940DF8B}" dt="2019-10-10T17:01:22.036" v="5554"/>
+        <pc:chgData name="Long B Nguyen" userId="f59fb8f3-a021-417a-8bc1-65c8d471c621" providerId="ADAL" clId="{EC1E750C-42C7-A84F-81F0-83B2F940DF8B}" dt="2019-10-11T13:56:41.895" v="6982" actId="20577"/>
         <pc:sldMkLst>
           <pc:docMk/>
           <pc:sldMk cId="1297630579" sldId="334"/>
@@ -739,7 +739,7 @@
           </ac:spMkLst>
         </pc:spChg>
         <pc:spChg chg="mod">
-          <ac:chgData name="Long B Nguyen" userId="f59fb8f3-a021-417a-8bc1-65c8d471c621" providerId="ADAL" clId="{EC1E750C-42C7-A84F-81F0-83B2F940DF8B}" dt="2019-10-10T15:18:30.244" v="5303" actId="20577"/>
+          <ac:chgData name="Long B Nguyen" userId="f59fb8f3-a021-417a-8bc1-65c8d471c621" providerId="ADAL" clId="{EC1E750C-42C7-A84F-81F0-83B2F940DF8B}" dt="2019-10-11T13:56:41.895" v="6982" actId="20577"/>
           <ac:spMkLst>
             <pc:docMk/>
             <pc:sldMk cId="1297630579" sldId="334"/>
@@ -770,14 +770,54 @@
           </ac:spMkLst>
         </pc:spChg>
       </pc:sldChg>
-      <pc:sldChg chg="delSp modSp add">
-        <pc:chgData name="Long B Nguyen" userId="f59fb8f3-a021-417a-8bc1-65c8d471c621" providerId="ADAL" clId="{EC1E750C-42C7-A84F-81F0-83B2F940DF8B}" dt="2019-10-10T14:59:15.033" v="4949" actId="20577"/>
+      <pc:sldChg chg="addSp delSp modSp add modAnim">
+        <pc:chgData name="Long B Nguyen" userId="f59fb8f3-a021-417a-8bc1-65c8d471c621" providerId="ADAL" clId="{EC1E750C-42C7-A84F-81F0-83B2F940DF8B}" dt="2019-10-11T13:51:05.253" v="6713"/>
         <pc:sldMkLst>
           <pc:docMk/>
           <pc:sldMk cId="4200601291" sldId="336"/>
         </pc:sldMkLst>
+        <pc:spChg chg="add mod">
+          <ac:chgData name="Long B Nguyen" userId="f59fb8f3-a021-417a-8bc1-65c8d471c621" providerId="ADAL" clId="{EC1E750C-42C7-A84F-81F0-83B2F940DF8B}" dt="2019-10-11T13:48:43.827" v="6675" actId="767"/>
+          <ac:spMkLst>
+            <pc:docMk/>
+            <pc:sldMk cId="4200601291" sldId="336"/>
+            <ac:spMk id="3" creationId="{173E9F05-B64E-E749-8B7B-230BB7FDAB0C}"/>
+          </ac:spMkLst>
+        </pc:spChg>
+        <pc:spChg chg="add mod">
+          <ac:chgData name="Long B Nguyen" userId="f59fb8f3-a021-417a-8bc1-65c8d471c621" providerId="ADAL" clId="{EC1E750C-42C7-A84F-81F0-83B2F940DF8B}" dt="2019-10-11T13:50:10.414" v="6698" actId="1076"/>
+          <ac:spMkLst>
+            <pc:docMk/>
+            <pc:sldMk cId="4200601291" sldId="336"/>
+            <ac:spMk id="4" creationId="{42731CB2-C74B-2442-916C-3C51C2CD9B58}"/>
+          </ac:spMkLst>
+        </pc:spChg>
+        <pc:spChg chg="add mod">
+          <ac:chgData name="Long B Nguyen" userId="f59fb8f3-a021-417a-8bc1-65c8d471c621" providerId="ADAL" clId="{EC1E750C-42C7-A84F-81F0-83B2F940DF8B}" dt="2019-10-11T13:50:37.305" v="6703" actId="1076"/>
+          <ac:spMkLst>
+            <pc:docMk/>
+            <pc:sldMk cId="4200601291" sldId="336"/>
+            <ac:spMk id="6" creationId="{15EA9413-4DF1-674A-A4A8-6163F4F1D022}"/>
+          </ac:spMkLst>
+        </pc:spChg>
+        <pc:spChg chg="add mod">
+          <ac:chgData name="Long B Nguyen" userId="f59fb8f3-a021-417a-8bc1-65c8d471c621" providerId="ADAL" clId="{EC1E750C-42C7-A84F-81F0-83B2F940DF8B}" dt="2019-10-11T13:50:49.484" v="6707" actId="1076"/>
+          <ac:spMkLst>
+            <pc:docMk/>
+            <pc:sldMk cId="4200601291" sldId="336"/>
+            <ac:spMk id="7" creationId="{3A370C33-776E-B041-9FF0-69E39873A4A4}"/>
+          </ac:spMkLst>
+        </pc:spChg>
+        <pc:spChg chg="add mod">
+          <ac:chgData name="Long B Nguyen" userId="f59fb8f3-a021-417a-8bc1-65c8d471c621" providerId="ADAL" clId="{EC1E750C-42C7-A84F-81F0-83B2F940DF8B}" dt="2019-10-11T13:51:01.245" v="6711" actId="1076"/>
+          <ac:spMkLst>
+            <pc:docMk/>
+            <pc:sldMk cId="4200601291" sldId="336"/>
+            <ac:spMk id="8" creationId="{3C29331E-90C2-3A40-8F47-70CC36C0A6F5}"/>
+          </ac:spMkLst>
+        </pc:spChg>
         <pc:spChg chg="mod">
-          <ac:chgData name="Long B Nguyen" userId="f59fb8f3-a021-417a-8bc1-65c8d471c621" providerId="ADAL" clId="{EC1E750C-42C7-A84F-81F0-83B2F940DF8B}" dt="2019-10-10T14:59:15.033" v="4949" actId="20577"/>
+          <ac:chgData name="Long B Nguyen" userId="f59fb8f3-a021-417a-8bc1-65c8d471c621" providerId="ADAL" clId="{EC1E750C-42C7-A84F-81F0-83B2F940DF8B}" dt="2019-10-11T13:49:26.510" v="6689"/>
           <ac:spMkLst>
             <pc:docMk/>
             <pc:sldMk cId="4200601291" sldId="336"/>
@@ -862,15 +902,15 @@
           </ac:spMkLst>
         </pc:spChg>
       </pc:sldChg>
-      <pc:sldChg chg="add">
-        <pc:chgData name="Long B Nguyen" userId="f59fb8f3-a021-417a-8bc1-65c8d471c621" providerId="ADAL" clId="{EC1E750C-42C7-A84F-81F0-83B2F940DF8B}" dt="2019-10-11T01:56:18.193" v="6047"/>
+      <pc:sldChg chg="add modAnim">
+        <pc:chgData name="Long B Nguyen" userId="f59fb8f3-a021-417a-8bc1-65c8d471c621" providerId="ADAL" clId="{EC1E750C-42C7-A84F-81F0-83B2F940DF8B}" dt="2019-10-11T13:54:12.677" v="6753"/>
         <pc:sldMkLst>
           <pc:docMk/>
           <pc:sldMk cId="3893998552" sldId="337"/>
         </pc:sldMkLst>
       </pc:sldChg>
       <pc:sldChg chg="modSp add modAnim">
-        <pc:chgData name="Long B Nguyen" userId="f59fb8f3-a021-417a-8bc1-65c8d471c621" providerId="ADAL" clId="{EC1E750C-42C7-A84F-81F0-83B2F940DF8B}" dt="2019-10-11T02:15:32.330" v="6674" actId="20577"/>
+        <pc:chgData name="Long B Nguyen" userId="f59fb8f3-a021-417a-8bc1-65c8d471c621" providerId="ADAL" clId="{EC1E750C-42C7-A84F-81F0-83B2F940DF8B}" dt="2019-10-11T13:54:28.315" v="6758"/>
         <pc:sldMkLst>
           <pc:docMk/>
           <pc:sldMk cId="1222806230" sldId="338"/>
@@ -1039,7 +1079,7 @@
           <a:p>
             <a:fld id="{4AAD347D-5ACD-4C99-B74B-A9C85AD731AF}" type="datetimeFigureOut">
               <a:rPr lang="en-US" smtClean="0"/>
-              <a:t>10/10/19</a:t>
+              <a:t>10/11/19</a:t>
             </a:fld>
             <a:endParaRPr lang="en-US" dirty="0"/>
           </a:p>
@@ -1209,7 +1249,7 @@
           <a:p>
             <a:fld id="{4509A250-FF31-4206-8172-F9D3106AACB1}" type="datetimeFigureOut">
               <a:rPr lang="en-US" smtClean="0"/>
-              <a:t>10/10/19</a:t>
+              <a:t>10/11/19</a:t>
             </a:fld>
             <a:endParaRPr lang="en-US" dirty="0"/>
           </a:p>
@@ -1389,7 +1429,7 @@
           <a:p>
             <a:fld id="{4509A250-FF31-4206-8172-F9D3106AACB1}" type="datetimeFigureOut">
               <a:rPr lang="en-US" smtClean="0"/>
-              <a:t>10/10/19</a:t>
+              <a:t>10/11/19</a:t>
             </a:fld>
             <a:endParaRPr lang="en-US" dirty="0"/>
           </a:p>
@@ -1559,7 +1599,7 @@
           <a:p>
             <a:fld id="{4509A250-FF31-4206-8172-F9D3106AACB1}" type="datetimeFigureOut">
               <a:rPr lang="en-US" smtClean="0"/>
-              <a:t>10/10/19</a:t>
+              <a:t>10/11/19</a:t>
             </a:fld>
             <a:endParaRPr lang="en-US" dirty="0"/>
           </a:p>
@@ -1805,7 +1845,7 @@
           <a:p>
             <a:fld id="{9796027F-7875-4030-9381-8BD8C4F21935}" type="datetimeFigureOut">
               <a:rPr lang="en-US" smtClean="0"/>
-              <a:t>10/10/19</a:t>
+              <a:t>10/11/19</a:t>
             </a:fld>
             <a:endParaRPr lang="en-US" dirty="0"/>
           </a:p>
@@ -2037,7 +2077,7 @@
           <a:p>
             <a:fld id="{9796027F-7875-4030-9381-8BD8C4F21935}" type="datetimeFigureOut">
               <a:rPr lang="en-US" smtClean="0"/>
-              <a:t>10/10/19</a:t>
+              <a:t>10/11/19</a:t>
             </a:fld>
             <a:endParaRPr lang="en-US" dirty="0"/>
           </a:p>
@@ -2404,7 +2444,7 @@
           <a:p>
             <a:fld id="{9796027F-7875-4030-9381-8BD8C4F21935}" type="datetimeFigureOut">
               <a:rPr lang="en-US" smtClean="0"/>
-              <a:t>10/10/19</a:t>
+              <a:t>10/11/19</a:t>
             </a:fld>
             <a:endParaRPr lang="en-US" dirty="0"/>
           </a:p>
@@ -2522,7 +2562,7 @@
           <a:p>
             <a:fld id="{4509A250-FF31-4206-8172-F9D3106AACB1}" type="datetimeFigureOut">
               <a:rPr lang="en-US" smtClean="0"/>
-              <a:t>10/10/19</a:t>
+              <a:t>10/11/19</a:t>
             </a:fld>
             <a:endParaRPr lang="en-US" dirty="0"/>
           </a:p>
@@ -2617,7 +2657,7 @@
           <a:p>
             <a:fld id="{4509A250-FF31-4206-8172-F9D3106AACB1}" type="datetimeFigureOut">
               <a:rPr lang="en-US" smtClean="0"/>
-              <a:t>10/10/19</a:t>
+              <a:t>10/11/19</a:t>
             </a:fld>
             <a:endParaRPr lang="en-US" dirty="0"/>
           </a:p>
@@ -2894,7 +2934,7 @@
           <a:p>
             <a:fld id="{4509A250-FF31-4206-8172-F9D3106AACB1}" type="datetimeFigureOut">
               <a:rPr lang="en-US" smtClean="0"/>
-              <a:t>10/10/19</a:t>
+              <a:t>10/11/19</a:t>
             </a:fld>
             <a:endParaRPr lang="en-US" dirty="0"/>
           </a:p>
@@ -3151,7 +3191,7 @@
           <a:p>
             <a:fld id="{4509A250-FF31-4206-8172-F9D3106AACB1}" type="datetimeFigureOut">
               <a:rPr lang="en-US" smtClean="0"/>
-              <a:t>10/10/19</a:t>
+              <a:t>10/11/19</a:t>
             </a:fld>
             <a:endParaRPr lang="en-US" dirty="0"/>
           </a:p>
@@ -3364,7 +3404,7 @@
           <a:p>
             <a:fld id="{4AAD347D-5ACD-4C99-B74B-A9C85AD731AF}" type="datetimeFigureOut">
               <a:rPr lang="en-US" smtClean="0"/>
-              <a:t>10/10/19</a:t>
+              <a:t>10/11/19</a:t>
             </a:fld>
             <a:endParaRPr lang="en-US" dirty="0"/>
           </a:p>
@@ -4357,15 +4397,12 @@
               </a:rPr>
               <a:t>] </a:t>
             </a:r>
-            <a:r>
-              <a:rPr lang="en-US" b="1" dirty="0">
-                <a:solidFill>
-                  <a:srgbClr val="33566B"/>
-                </a:solidFill>
-                <a:latin typeface="Inconsolata Medium" panose="020B0609030003000000" pitchFamily="49" charset="77"/>
-              </a:rPr>
-              <a:t># defaults end of array to beginning </a:t>
-            </a:r>
+            <a:endParaRPr lang="en-US" b="1" dirty="0">
+              <a:solidFill>
+                <a:srgbClr val="33566B"/>
+              </a:solidFill>
+              <a:latin typeface="Inconsolata Medium" panose="020B0609030003000000" pitchFamily="49" charset="77"/>
+            </a:endParaRPr>
           </a:p>
           <a:p>
             <a:pPr marL="0" indent="0">
@@ -4466,15 +4503,12 @@
               </a:rPr>
               <a:t>] </a:t>
             </a:r>
-            <a:r>
-              <a:rPr lang="en-US" b="1" dirty="0">
-                <a:solidFill>
-                  <a:srgbClr val="33566B"/>
-                </a:solidFill>
-                <a:latin typeface="Inconsolata Medium" panose="020B0609030003000000" pitchFamily="49" charset="77"/>
-              </a:rPr>
-              <a:t># first two items reversed</a:t>
-            </a:r>
+            <a:endParaRPr lang="en-US" b="1" dirty="0">
+              <a:solidFill>
+                <a:srgbClr val="33566B"/>
+              </a:solidFill>
+              <a:latin typeface="Inconsolata Medium" panose="020B0609030003000000" pitchFamily="49" charset="77"/>
+            </a:endParaRPr>
           </a:p>
           <a:p>
             <a:pPr marL="0" indent="0">
@@ -4575,15 +4609,12 @@
               </a:rPr>
               <a:t>] </a:t>
             </a:r>
-            <a:r>
-              <a:rPr lang="en-US" b="1" dirty="0">
-                <a:solidFill>
-                  <a:srgbClr val="33566B"/>
-                </a:solidFill>
-                <a:latin typeface="Inconsolata Medium" panose="020B0609030003000000" pitchFamily="49" charset="77"/>
-              </a:rPr>
-              <a:t># last two items reversed</a:t>
-            </a:r>
+            <a:endParaRPr lang="en-US" b="1" dirty="0">
+              <a:solidFill>
+                <a:srgbClr val="33566B"/>
+              </a:solidFill>
+              <a:latin typeface="Inconsolata Medium" panose="020B0609030003000000" pitchFamily="49" charset="77"/>
+            </a:endParaRPr>
           </a:p>
           <a:p>
             <a:pPr marL="0" indent="0">
@@ -4684,24 +4715,12 @@
               </a:rPr>
               <a:t>] </a:t>
             </a:r>
-            <a:r>
-              <a:rPr lang="en-US" b="1" dirty="0">
-                <a:solidFill>
-                  <a:srgbClr val="33566B"/>
-                </a:solidFill>
-                <a:latin typeface="Inconsolata Medium" panose="020B0609030003000000" pitchFamily="49" charset="77"/>
-              </a:rPr>
-              <a:t># </a:t>
-            </a:r>
-            <a:r>
-              <a:rPr lang="en-US" sz="1800" b="1" dirty="0">
-                <a:solidFill>
-                  <a:srgbClr val="33566B"/>
-                </a:solidFill>
-                <a:latin typeface="Inconsolata Medium" panose="020B0609030003000000" pitchFamily="49" charset="77"/>
-              </a:rPr>
-              <a:t>everything except last two items reversed</a:t>
-            </a:r>
+            <a:endParaRPr lang="en-US" sz="1800" b="1" dirty="0">
+              <a:solidFill>
+                <a:srgbClr val="33566B"/>
+              </a:solidFill>
+              <a:latin typeface="Inconsolata Medium" panose="020B0609030003000000" pitchFamily="49" charset="77"/>
+            </a:endParaRPr>
           </a:p>
           <a:p>
             <a:pPr marL="0" indent="0">
@@ -4748,6 +4767,202 @@
               </a:solidFill>
               <a:latin typeface="Inconsolata Medium" panose="020B0609030003000000" pitchFamily="49" charset="77"/>
             </a:endParaRPr>
+          </a:p>
+        </p:txBody>
+      </p:sp>
+      <p:sp>
+        <p:nvSpPr>
+          <p:cNvPr id="3" name="TextBox 2">
+            <a:extLst>
+              <a:ext uri="{FF2B5EF4-FFF2-40B4-BE49-F238E27FC236}">
+                <a16:creationId xmlns:a16="http://schemas.microsoft.com/office/drawing/2014/main" id="{173E9F05-B64E-E749-8B7B-230BB7FDAB0C}"/>
+              </a:ext>
+            </a:extLst>
+          </p:cNvPr>
+          <p:cNvSpPr txBox="1"/>
+          <p:nvPr/>
+        </p:nvSpPr>
+        <p:spPr>
+          <a:xfrm>
+            <a:off x="8767985" y="2076628"/>
+            <a:ext cx="184731" cy="308418"/>
+          </a:xfrm>
+          <a:prstGeom prst="rect">
+            <a:avLst/>
+          </a:prstGeom>
+          <a:noFill/>
+        </p:spPr>
+        <p:txBody>
+          <a:bodyPr wrap="none" rtlCol="0">
+            <a:spAutoFit/>
+          </a:bodyPr>
+          <a:lstStyle/>
+          <a:p>
+            <a:endParaRPr lang="en-US" dirty="0"/>
+          </a:p>
+        </p:txBody>
+      </p:sp>
+      <p:sp>
+        <p:nvSpPr>
+          <p:cNvPr id="4" name="TextBox 3">
+            <a:extLst>
+              <a:ext uri="{FF2B5EF4-FFF2-40B4-BE49-F238E27FC236}">
+                <a16:creationId xmlns:a16="http://schemas.microsoft.com/office/drawing/2014/main" id="{42731CB2-C74B-2442-916C-3C51C2CD9B58}"/>
+              </a:ext>
+            </a:extLst>
+          </p:cNvPr>
+          <p:cNvSpPr txBox="1"/>
+          <p:nvPr/>
+        </p:nvSpPr>
+        <p:spPr>
+          <a:xfrm>
+            <a:off x="2904390" y="2397930"/>
+            <a:ext cx="4633000" cy="369332"/>
+          </a:xfrm>
+          <a:prstGeom prst="rect">
+            <a:avLst/>
+          </a:prstGeom>
+          <a:noFill/>
+        </p:spPr>
+        <p:txBody>
+          <a:bodyPr wrap="none" rtlCol="0">
+            <a:spAutoFit/>
+          </a:bodyPr>
+          <a:lstStyle/>
+          <a:p>
+            <a:r>
+              <a:rPr lang="en-US" sz="1800" b="1" dirty="0">
+                <a:solidFill>
+                  <a:srgbClr val="33566B"/>
+                </a:solidFill>
+                <a:latin typeface="Inconsolata Medium" panose="020B0609030003000000" pitchFamily="49" charset="77"/>
+              </a:rPr>
+              <a:t># defaults end of array to beginning </a:t>
+            </a:r>
+            <a:endParaRPr lang="en-US" sz="1800" dirty="0"/>
+          </a:p>
+        </p:txBody>
+      </p:sp>
+      <p:sp>
+        <p:nvSpPr>
+          <p:cNvPr id="6" name="TextBox 5">
+            <a:extLst>
+              <a:ext uri="{FF2B5EF4-FFF2-40B4-BE49-F238E27FC236}">
+                <a16:creationId xmlns:a16="http://schemas.microsoft.com/office/drawing/2014/main" id="{15EA9413-4DF1-674A-A4A8-6163F4F1D022}"/>
+              </a:ext>
+            </a:extLst>
+          </p:cNvPr>
+          <p:cNvSpPr txBox="1"/>
+          <p:nvPr/>
+        </p:nvSpPr>
+        <p:spPr>
+          <a:xfrm>
+            <a:off x="3093527" y="3185951"/>
+            <a:ext cx="3310522" cy="369332"/>
+          </a:xfrm>
+          <a:prstGeom prst="rect">
+            <a:avLst/>
+          </a:prstGeom>
+          <a:noFill/>
+        </p:spPr>
+        <p:txBody>
+          <a:bodyPr wrap="none" rtlCol="0">
+            <a:spAutoFit/>
+          </a:bodyPr>
+          <a:lstStyle/>
+          <a:p>
+            <a:r>
+              <a:rPr lang="en-US" sz="1800" b="1" dirty="0">
+                <a:solidFill>
+                  <a:srgbClr val="33566B"/>
+                </a:solidFill>
+                <a:latin typeface="Inconsolata Medium" panose="020B0609030003000000" pitchFamily="49" charset="77"/>
+              </a:rPr>
+              <a:t># first two items reversed</a:t>
+            </a:r>
+            <a:endParaRPr lang="en-US" sz="1800" dirty="0"/>
+          </a:p>
+        </p:txBody>
+      </p:sp>
+      <p:sp>
+        <p:nvSpPr>
+          <p:cNvPr id="7" name="TextBox 6">
+            <a:extLst>
+              <a:ext uri="{FF2B5EF4-FFF2-40B4-BE49-F238E27FC236}">
+                <a16:creationId xmlns:a16="http://schemas.microsoft.com/office/drawing/2014/main" id="{3A370C33-776E-B041-9FF0-69E39873A4A4}"/>
+              </a:ext>
+            </a:extLst>
+          </p:cNvPr>
+          <p:cNvSpPr txBox="1"/>
+          <p:nvPr/>
+        </p:nvSpPr>
+        <p:spPr>
+          <a:xfrm>
+            <a:off x="3213752" y="3954983"/>
+            <a:ext cx="3190297" cy="369332"/>
+          </a:xfrm>
+          <a:prstGeom prst="rect">
+            <a:avLst/>
+          </a:prstGeom>
+          <a:noFill/>
+        </p:spPr>
+        <p:txBody>
+          <a:bodyPr wrap="none" rtlCol="0">
+            <a:spAutoFit/>
+          </a:bodyPr>
+          <a:lstStyle/>
+          <a:p>
+            <a:r>
+              <a:rPr lang="en-US" sz="1800" b="1" dirty="0">
+                <a:solidFill>
+                  <a:srgbClr val="33566B"/>
+                </a:solidFill>
+                <a:latin typeface="Inconsolata Medium" panose="020B0609030003000000" pitchFamily="49" charset="77"/>
+              </a:rPr>
+              <a:t># last two items reversed</a:t>
+            </a:r>
+            <a:endParaRPr lang="en-US" sz="1800" dirty="0"/>
+          </a:p>
+        </p:txBody>
+      </p:sp>
+      <p:sp>
+        <p:nvSpPr>
+          <p:cNvPr id="8" name="TextBox 7">
+            <a:extLst>
+              <a:ext uri="{FF2B5EF4-FFF2-40B4-BE49-F238E27FC236}">
+                <a16:creationId xmlns:a16="http://schemas.microsoft.com/office/drawing/2014/main" id="{3C29331E-90C2-3A40-8F47-70CC36C0A6F5}"/>
+              </a:ext>
+            </a:extLst>
+          </p:cNvPr>
+          <p:cNvSpPr txBox="1"/>
+          <p:nvPr/>
+        </p:nvSpPr>
+        <p:spPr>
+          <a:xfrm>
+            <a:off x="3297428" y="4726286"/>
+            <a:ext cx="5354351" cy="369332"/>
+          </a:xfrm>
+          <a:prstGeom prst="rect">
+            <a:avLst/>
+          </a:prstGeom>
+          <a:noFill/>
+        </p:spPr>
+        <p:txBody>
+          <a:bodyPr wrap="none" rtlCol="0">
+            <a:spAutoFit/>
+          </a:bodyPr>
+          <a:lstStyle/>
+          <a:p>
+            <a:r>
+              <a:rPr lang="en-US" sz="1800" b="1" dirty="0">
+                <a:solidFill>
+                  <a:srgbClr val="33566B"/>
+                </a:solidFill>
+                <a:latin typeface="Inconsolata Medium" panose="020B0609030003000000" pitchFamily="49" charset="77"/>
+              </a:rPr>
+              <a:t># everything except last two items reversed</a:t>
+            </a:r>
+            <a:endParaRPr lang="en-US" sz="1800" dirty="0"/>
           </a:p>
         </p:txBody>
       </p:sp>
@@ -4761,6 +4976,645 @@
   <p:clrMapOvr>
     <a:masterClrMapping/>
   </p:clrMapOvr>
+  <p:timing>
+    <p:tnLst>
+      <p:par>
+        <p:cTn id="1" dur="indefinite" restart="never" nodeType="tmRoot">
+          <p:childTnLst>
+            <p:seq concurrent="1" nextAc="seek">
+              <p:cTn id="2" dur="indefinite" nodeType="mainSeq">
+                <p:childTnLst>
+                  <p:par>
+                    <p:cTn id="3" fill="hold">
+                      <p:stCondLst>
+                        <p:cond delay="indefinite"/>
+                      </p:stCondLst>
+                      <p:childTnLst>
+                        <p:par>
+                          <p:cTn id="4" fill="hold">
+                            <p:stCondLst>
+                              <p:cond delay="0"/>
+                            </p:stCondLst>
+                            <p:childTnLst>
+                              <p:par>
+                                <p:cTn id="5" presetID="1" presetClass="entr" presetSubtype="0" fill="hold" nodeType="clickEffect">
+                                  <p:stCondLst>
+                                    <p:cond delay="0"/>
+                                  </p:stCondLst>
+                                  <p:childTnLst>
+                                    <p:set>
+                                      <p:cBhvr>
+                                        <p:cTn id="6" dur="1" fill="hold">
+                                          <p:stCondLst>
+                                            <p:cond delay="0"/>
+                                          </p:stCondLst>
+                                        </p:cTn>
+                                        <p:tgtEl>
+                                          <p:spTgt spid="9">
+                                            <p:txEl>
+                                              <p:pRg st="1" end="1"/>
+                                            </p:txEl>
+                                          </p:spTgt>
+                                        </p:tgtEl>
+                                        <p:attrNameLst>
+                                          <p:attrName>style.visibility</p:attrName>
+                                        </p:attrNameLst>
+                                      </p:cBhvr>
+                                      <p:to>
+                                        <p:strVal val="visible"/>
+                                      </p:to>
+                                    </p:set>
+                                  </p:childTnLst>
+                                </p:cTn>
+                              </p:par>
+                              <p:par>
+                                <p:cTn id="7" presetID="1" presetClass="entr" presetSubtype="0" fill="hold" nodeType="withEffect">
+                                  <p:stCondLst>
+                                    <p:cond delay="0"/>
+                                  </p:stCondLst>
+                                  <p:childTnLst>
+                                    <p:set>
+                                      <p:cBhvr>
+                                        <p:cTn id="8" dur="1" fill="hold">
+                                          <p:stCondLst>
+                                            <p:cond delay="0"/>
+                                          </p:stCondLst>
+                                        </p:cTn>
+                                        <p:tgtEl>
+                                          <p:spTgt spid="9">
+                                            <p:txEl>
+                                              <p:pRg st="2" end="2"/>
+                                            </p:txEl>
+                                          </p:spTgt>
+                                        </p:tgtEl>
+                                        <p:attrNameLst>
+                                          <p:attrName>style.visibility</p:attrName>
+                                        </p:attrNameLst>
+                                      </p:cBhvr>
+                                      <p:to>
+                                        <p:strVal val="visible"/>
+                                      </p:to>
+                                    </p:set>
+                                  </p:childTnLst>
+                                </p:cTn>
+                              </p:par>
+                            </p:childTnLst>
+                          </p:cTn>
+                        </p:par>
+                      </p:childTnLst>
+                    </p:cTn>
+                  </p:par>
+                  <p:par>
+                    <p:cTn id="9" fill="hold">
+                      <p:stCondLst>
+                        <p:cond delay="indefinite"/>
+                      </p:stCondLst>
+                      <p:childTnLst>
+                        <p:par>
+                          <p:cTn id="10" fill="hold">
+                            <p:stCondLst>
+                              <p:cond delay="0"/>
+                            </p:stCondLst>
+                            <p:childTnLst>
+                              <p:par>
+                                <p:cTn id="11" presetID="1" presetClass="entr" presetSubtype="0" fill="hold" grpId="0" nodeType="clickEffect">
+                                  <p:stCondLst>
+                                    <p:cond delay="0"/>
+                                  </p:stCondLst>
+                                  <p:childTnLst>
+                                    <p:set>
+                                      <p:cBhvr>
+                                        <p:cTn id="12" dur="1" fill="hold">
+                                          <p:stCondLst>
+                                            <p:cond delay="0"/>
+                                          </p:stCondLst>
+                                        </p:cTn>
+                                        <p:tgtEl>
+                                          <p:spTgt spid="4"/>
+                                        </p:tgtEl>
+                                        <p:attrNameLst>
+                                          <p:attrName>style.visibility</p:attrName>
+                                        </p:attrNameLst>
+                                      </p:cBhvr>
+                                      <p:to>
+                                        <p:strVal val="visible"/>
+                                      </p:to>
+                                    </p:set>
+                                  </p:childTnLst>
+                                </p:cTn>
+                              </p:par>
+                            </p:childTnLst>
+                          </p:cTn>
+                        </p:par>
+                      </p:childTnLst>
+                    </p:cTn>
+                  </p:par>
+                  <p:par>
+                    <p:cTn id="13" fill="hold">
+                      <p:stCondLst>
+                        <p:cond delay="indefinite"/>
+                      </p:stCondLst>
+                      <p:childTnLst>
+                        <p:par>
+                          <p:cTn id="14" fill="hold">
+                            <p:stCondLst>
+                              <p:cond delay="0"/>
+                            </p:stCondLst>
+                            <p:childTnLst>
+                              <p:par>
+                                <p:cTn id="15" presetID="1" presetClass="entr" presetSubtype="0" fill="hold" nodeType="clickEffect">
+                                  <p:stCondLst>
+                                    <p:cond delay="0"/>
+                                  </p:stCondLst>
+                                  <p:childTnLst>
+                                    <p:set>
+                                      <p:cBhvr>
+                                        <p:cTn id="16" dur="1" fill="hold">
+                                          <p:stCondLst>
+                                            <p:cond delay="0"/>
+                                          </p:stCondLst>
+                                        </p:cTn>
+                                        <p:tgtEl>
+                                          <p:spTgt spid="9">
+                                            <p:txEl>
+                                              <p:pRg st="3" end="3"/>
+                                            </p:txEl>
+                                          </p:spTgt>
+                                        </p:tgtEl>
+                                        <p:attrNameLst>
+                                          <p:attrName>style.visibility</p:attrName>
+                                        </p:attrNameLst>
+                                      </p:cBhvr>
+                                      <p:to>
+                                        <p:strVal val="visible"/>
+                                      </p:to>
+                                    </p:set>
+                                  </p:childTnLst>
+                                </p:cTn>
+                              </p:par>
+                            </p:childTnLst>
+                          </p:cTn>
+                        </p:par>
+                      </p:childTnLst>
+                    </p:cTn>
+                  </p:par>
+                  <p:par>
+                    <p:cTn id="17" fill="hold">
+                      <p:stCondLst>
+                        <p:cond delay="indefinite"/>
+                      </p:stCondLst>
+                      <p:childTnLst>
+                        <p:par>
+                          <p:cTn id="18" fill="hold">
+                            <p:stCondLst>
+                              <p:cond delay="0"/>
+                            </p:stCondLst>
+                            <p:childTnLst>
+                              <p:par>
+                                <p:cTn id="19" presetID="1" presetClass="entr" presetSubtype="0" fill="hold" nodeType="clickEffect">
+                                  <p:stCondLst>
+                                    <p:cond delay="0"/>
+                                  </p:stCondLst>
+                                  <p:childTnLst>
+                                    <p:set>
+                                      <p:cBhvr>
+                                        <p:cTn id="20" dur="1" fill="hold">
+                                          <p:stCondLst>
+                                            <p:cond delay="0"/>
+                                          </p:stCondLst>
+                                        </p:cTn>
+                                        <p:tgtEl>
+                                          <p:spTgt spid="9">
+                                            <p:txEl>
+                                              <p:pRg st="4" end="4"/>
+                                            </p:txEl>
+                                          </p:spTgt>
+                                        </p:tgtEl>
+                                        <p:attrNameLst>
+                                          <p:attrName>style.visibility</p:attrName>
+                                        </p:attrNameLst>
+                                      </p:cBhvr>
+                                      <p:to>
+                                        <p:strVal val="visible"/>
+                                      </p:to>
+                                    </p:set>
+                                  </p:childTnLst>
+                                </p:cTn>
+                              </p:par>
+                            </p:childTnLst>
+                          </p:cTn>
+                        </p:par>
+                      </p:childTnLst>
+                    </p:cTn>
+                  </p:par>
+                  <p:par>
+                    <p:cTn id="21" fill="hold">
+                      <p:stCondLst>
+                        <p:cond delay="indefinite"/>
+                      </p:stCondLst>
+                      <p:childTnLst>
+                        <p:par>
+                          <p:cTn id="22" fill="hold">
+                            <p:stCondLst>
+                              <p:cond delay="0"/>
+                            </p:stCondLst>
+                            <p:childTnLst>
+                              <p:par>
+                                <p:cTn id="23" presetID="1" presetClass="entr" presetSubtype="0" fill="hold" grpId="0" nodeType="clickEffect">
+                                  <p:stCondLst>
+                                    <p:cond delay="0"/>
+                                  </p:stCondLst>
+                                  <p:childTnLst>
+                                    <p:set>
+                                      <p:cBhvr>
+                                        <p:cTn id="24" dur="1" fill="hold">
+                                          <p:stCondLst>
+                                            <p:cond delay="0"/>
+                                          </p:stCondLst>
+                                        </p:cTn>
+                                        <p:tgtEl>
+                                          <p:spTgt spid="6"/>
+                                        </p:tgtEl>
+                                        <p:attrNameLst>
+                                          <p:attrName>style.visibility</p:attrName>
+                                        </p:attrNameLst>
+                                      </p:cBhvr>
+                                      <p:to>
+                                        <p:strVal val="visible"/>
+                                      </p:to>
+                                    </p:set>
+                                  </p:childTnLst>
+                                </p:cTn>
+                              </p:par>
+                            </p:childTnLst>
+                          </p:cTn>
+                        </p:par>
+                      </p:childTnLst>
+                    </p:cTn>
+                  </p:par>
+                  <p:par>
+                    <p:cTn id="25" fill="hold">
+                      <p:stCondLst>
+                        <p:cond delay="indefinite"/>
+                      </p:stCondLst>
+                      <p:childTnLst>
+                        <p:par>
+                          <p:cTn id="26" fill="hold">
+                            <p:stCondLst>
+                              <p:cond delay="0"/>
+                            </p:stCondLst>
+                            <p:childTnLst>
+                              <p:par>
+                                <p:cTn id="27" presetID="1" presetClass="entr" presetSubtype="0" fill="hold" nodeType="clickEffect">
+                                  <p:stCondLst>
+                                    <p:cond delay="0"/>
+                                  </p:stCondLst>
+                                  <p:childTnLst>
+                                    <p:set>
+                                      <p:cBhvr>
+                                        <p:cTn id="28" dur="1" fill="hold">
+                                          <p:stCondLst>
+                                            <p:cond delay="0"/>
+                                          </p:stCondLst>
+                                        </p:cTn>
+                                        <p:tgtEl>
+                                          <p:spTgt spid="9">
+                                            <p:txEl>
+                                              <p:pRg st="5" end="5"/>
+                                            </p:txEl>
+                                          </p:spTgt>
+                                        </p:tgtEl>
+                                        <p:attrNameLst>
+                                          <p:attrName>style.visibility</p:attrName>
+                                        </p:attrNameLst>
+                                      </p:cBhvr>
+                                      <p:to>
+                                        <p:strVal val="visible"/>
+                                      </p:to>
+                                    </p:set>
+                                  </p:childTnLst>
+                                </p:cTn>
+                              </p:par>
+                            </p:childTnLst>
+                          </p:cTn>
+                        </p:par>
+                      </p:childTnLst>
+                    </p:cTn>
+                  </p:par>
+                  <p:par>
+                    <p:cTn id="29" fill="hold">
+                      <p:stCondLst>
+                        <p:cond delay="indefinite"/>
+                      </p:stCondLst>
+                      <p:childTnLst>
+                        <p:par>
+                          <p:cTn id="30" fill="hold">
+                            <p:stCondLst>
+                              <p:cond delay="0"/>
+                            </p:stCondLst>
+                            <p:childTnLst>
+                              <p:par>
+                                <p:cTn id="31" presetID="1" presetClass="entr" presetSubtype="0" fill="hold" nodeType="clickEffect">
+                                  <p:stCondLst>
+                                    <p:cond delay="0"/>
+                                  </p:stCondLst>
+                                  <p:childTnLst>
+                                    <p:set>
+                                      <p:cBhvr>
+                                        <p:cTn id="32" dur="1" fill="hold">
+                                          <p:stCondLst>
+                                            <p:cond delay="0"/>
+                                          </p:stCondLst>
+                                        </p:cTn>
+                                        <p:tgtEl>
+                                          <p:spTgt spid="9">
+                                            <p:txEl>
+                                              <p:pRg st="6" end="6"/>
+                                            </p:txEl>
+                                          </p:spTgt>
+                                        </p:tgtEl>
+                                        <p:attrNameLst>
+                                          <p:attrName>style.visibility</p:attrName>
+                                        </p:attrNameLst>
+                                      </p:cBhvr>
+                                      <p:to>
+                                        <p:strVal val="visible"/>
+                                      </p:to>
+                                    </p:set>
+                                  </p:childTnLst>
+                                </p:cTn>
+                              </p:par>
+                            </p:childTnLst>
+                          </p:cTn>
+                        </p:par>
+                      </p:childTnLst>
+                    </p:cTn>
+                  </p:par>
+                  <p:par>
+                    <p:cTn id="33" fill="hold">
+                      <p:stCondLst>
+                        <p:cond delay="indefinite"/>
+                      </p:stCondLst>
+                      <p:childTnLst>
+                        <p:par>
+                          <p:cTn id="34" fill="hold">
+                            <p:stCondLst>
+                              <p:cond delay="0"/>
+                            </p:stCondLst>
+                            <p:childTnLst>
+                              <p:par>
+                                <p:cTn id="35" presetID="1" presetClass="entr" presetSubtype="0" fill="hold" grpId="0" nodeType="clickEffect">
+                                  <p:stCondLst>
+                                    <p:cond delay="0"/>
+                                  </p:stCondLst>
+                                  <p:childTnLst>
+                                    <p:set>
+                                      <p:cBhvr>
+                                        <p:cTn id="36" dur="1" fill="hold">
+                                          <p:stCondLst>
+                                            <p:cond delay="0"/>
+                                          </p:stCondLst>
+                                        </p:cTn>
+                                        <p:tgtEl>
+                                          <p:spTgt spid="7"/>
+                                        </p:tgtEl>
+                                        <p:attrNameLst>
+                                          <p:attrName>style.visibility</p:attrName>
+                                        </p:attrNameLst>
+                                      </p:cBhvr>
+                                      <p:to>
+                                        <p:strVal val="visible"/>
+                                      </p:to>
+                                    </p:set>
+                                  </p:childTnLst>
+                                </p:cTn>
+                              </p:par>
+                            </p:childTnLst>
+                          </p:cTn>
+                        </p:par>
+                      </p:childTnLst>
+                    </p:cTn>
+                  </p:par>
+                  <p:par>
+                    <p:cTn id="37" fill="hold">
+                      <p:stCondLst>
+                        <p:cond delay="indefinite"/>
+                      </p:stCondLst>
+                      <p:childTnLst>
+                        <p:par>
+                          <p:cTn id="38" fill="hold">
+                            <p:stCondLst>
+                              <p:cond delay="0"/>
+                            </p:stCondLst>
+                            <p:childTnLst>
+                              <p:par>
+                                <p:cTn id="39" presetID="1" presetClass="entr" presetSubtype="0" fill="hold" nodeType="clickEffect">
+                                  <p:stCondLst>
+                                    <p:cond delay="0"/>
+                                  </p:stCondLst>
+                                  <p:childTnLst>
+                                    <p:set>
+                                      <p:cBhvr>
+                                        <p:cTn id="40" dur="1" fill="hold">
+                                          <p:stCondLst>
+                                            <p:cond delay="0"/>
+                                          </p:stCondLst>
+                                        </p:cTn>
+                                        <p:tgtEl>
+                                          <p:spTgt spid="9">
+                                            <p:txEl>
+                                              <p:pRg st="7" end="7"/>
+                                            </p:txEl>
+                                          </p:spTgt>
+                                        </p:tgtEl>
+                                        <p:attrNameLst>
+                                          <p:attrName>style.visibility</p:attrName>
+                                        </p:attrNameLst>
+                                      </p:cBhvr>
+                                      <p:to>
+                                        <p:strVal val="visible"/>
+                                      </p:to>
+                                    </p:set>
+                                  </p:childTnLst>
+                                </p:cTn>
+                              </p:par>
+                            </p:childTnLst>
+                          </p:cTn>
+                        </p:par>
+                      </p:childTnLst>
+                    </p:cTn>
+                  </p:par>
+                  <p:par>
+                    <p:cTn id="41" fill="hold">
+                      <p:stCondLst>
+                        <p:cond delay="indefinite"/>
+                      </p:stCondLst>
+                      <p:childTnLst>
+                        <p:par>
+                          <p:cTn id="42" fill="hold">
+                            <p:stCondLst>
+                              <p:cond delay="0"/>
+                            </p:stCondLst>
+                            <p:childTnLst>
+                              <p:par>
+                                <p:cTn id="43" presetID="1" presetClass="entr" presetSubtype="0" fill="hold" nodeType="clickEffect">
+                                  <p:stCondLst>
+                                    <p:cond delay="0"/>
+                                  </p:stCondLst>
+                                  <p:childTnLst>
+                                    <p:set>
+                                      <p:cBhvr>
+                                        <p:cTn id="44" dur="1" fill="hold">
+                                          <p:stCondLst>
+                                            <p:cond delay="0"/>
+                                          </p:stCondLst>
+                                        </p:cTn>
+                                        <p:tgtEl>
+                                          <p:spTgt spid="9">
+                                            <p:txEl>
+                                              <p:pRg st="8" end="8"/>
+                                            </p:txEl>
+                                          </p:spTgt>
+                                        </p:tgtEl>
+                                        <p:attrNameLst>
+                                          <p:attrName>style.visibility</p:attrName>
+                                        </p:attrNameLst>
+                                      </p:cBhvr>
+                                      <p:to>
+                                        <p:strVal val="visible"/>
+                                      </p:to>
+                                    </p:set>
+                                  </p:childTnLst>
+                                </p:cTn>
+                              </p:par>
+                            </p:childTnLst>
+                          </p:cTn>
+                        </p:par>
+                      </p:childTnLst>
+                    </p:cTn>
+                  </p:par>
+                  <p:par>
+                    <p:cTn id="45" fill="hold">
+                      <p:stCondLst>
+                        <p:cond delay="indefinite"/>
+                      </p:stCondLst>
+                      <p:childTnLst>
+                        <p:par>
+                          <p:cTn id="46" fill="hold">
+                            <p:stCondLst>
+                              <p:cond delay="0"/>
+                            </p:stCondLst>
+                            <p:childTnLst>
+                              <p:par>
+                                <p:cTn id="47" presetID="1" presetClass="entr" presetSubtype="0" fill="hold" grpId="0" nodeType="clickEffect">
+                                  <p:stCondLst>
+                                    <p:cond delay="0"/>
+                                  </p:stCondLst>
+                                  <p:childTnLst>
+                                    <p:set>
+                                      <p:cBhvr>
+                                        <p:cTn id="48" dur="1" fill="hold">
+                                          <p:stCondLst>
+                                            <p:cond delay="0"/>
+                                          </p:stCondLst>
+                                        </p:cTn>
+                                        <p:tgtEl>
+                                          <p:spTgt spid="8"/>
+                                        </p:tgtEl>
+                                        <p:attrNameLst>
+                                          <p:attrName>style.visibility</p:attrName>
+                                        </p:attrNameLst>
+                                      </p:cBhvr>
+                                      <p:to>
+                                        <p:strVal val="visible"/>
+                                      </p:to>
+                                    </p:set>
+                                  </p:childTnLst>
+                                </p:cTn>
+                              </p:par>
+                            </p:childTnLst>
+                          </p:cTn>
+                        </p:par>
+                      </p:childTnLst>
+                    </p:cTn>
+                  </p:par>
+                  <p:par>
+                    <p:cTn id="49" fill="hold">
+                      <p:stCondLst>
+                        <p:cond delay="indefinite"/>
+                      </p:stCondLst>
+                      <p:childTnLst>
+                        <p:par>
+                          <p:cTn id="50" fill="hold">
+                            <p:stCondLst>
+                              <p:cond delay="0"/>
+                            </p:stCondLst>
+                            <p:childTnLst>
+                              <p:par>
+                                <p:cTn id="51" presetID="1" presetClass="entr" presetSubtype="0" fill="hold" nodeType="clickEffect">
+                                  <p:stCondLst>
+                                    <p:cond delay="0"/>
+                                  </p:stCondLst>
+                                  <p:childTnLst>
+                                    <p:set>
+                                      <p:cBhvr>
+                                        <p:cTn id="52" dur="1" fill="hold">
+                                          <p:stCondLst>
+                                            <p:cond delay="0"/>
+                                          </p:stCondLst>
+                                        </p:cTn>
+                                        <p:tgtEl>
+                                          <p:spTgt spid="9">
+                                            <p:txEl>
+                                              <p:pRg st="9" end="9"/>
+                                            </p:txEl>
+                                          </p:spTgt>
+                                        </p:tgtEl>
+                                        <p:attrNameLst>
+                                          <p:attrName>style.visibility</p:attrName>
+                                        </p:attrNameLst>
+                                      </p:cBhvr>
+                                      <p:to>
+                                        <p:strVal val="visible"/>
+                                      </p:to>
+                                    </p:set>
+                                  </p:childTnLst>
+                                </p:cTn>
+                              </p:par>
+                            </p:childTnLst>
+                          </p:cTn>
+                        </p:par>
+                      </p:childTnLst>
+                    </p:cTn>
+                  </p:par>
+                </p:childTnLst>
+              </p:cTn>
+              <p:prevCondLst>
+                <p:cond evt="onPrev" delay="0">
+                  <p:tgtEl>
+                    <p:sldTgt/>
+                  </p:tgtEl>
+                </p:cond>
+              </p:prevCondLst>
+              <p:nextCondLst>
+                <p:cond evt="onNext" delay="0">
+                  <p:tgtEl>
+                    <p:sldTgt/>
+                  </p:tgtEl>
+                </p:cond>
+              </p:nextCondLst>
+            </p:seq>
+          </p:childTnLst>
+        </p:cTn>
+      </p:par>
+    </p:tnLst>
+    <p:bldLst>
+      <p:bldP spid="4" grpId="0"/>
+      <p:bldP spid="6" grpId="0"/>
+      <p:bldP spid="7" grpId="0"/>
+      <p:bldP spid="8" grpId="0"/>
+    </p:bldLst>
+  </p:timing>
 </p:sld>
 </file>
 
@@ -7592,7 +8446,7 @@
                                         <p:tgtEl>
                                           <p:spTgt spid="9">
                                             <p:txEl>
-                                              <p:pRg st="7" end="7"/>
+                                              <p:pRg st="5" end="5"/>
                                             </p:txEl>
                                           </p:spTgt>
                                         </p:tgtEl>
@@ -7641,7 +8495,7 @@
                                         <p:tgtEl>
                                           <p:spTgt spid="9">
                                             <p:txEl>
-                                              <p:pRg st="8" end="8"/>
+                                              <p:pRg st="7" end="7"/>
                                             </p:txEl>
                                           </p:spTgt>
                                         </p:tgtEl>
@@ -7690,7 +8544,7 @@
                                         <p:tgtEl>
                                           <p:spTgt spid="9">
                                             <p:txEl>
-                                              <p:pRg st="9" end="9"/>
+                                              <p:pRg st="8" end="8"/>
                                             </p:txEl>
                                           </p:spTgt>
                                         </p:tgtEl>
@@ -7732,6 +8586,55 @@
                                     <p:set>
                                       <p:cBhvr>
                                         <p:cTn id="34" dur="1" fill="hold">
+                                          <p:stCondLst>
+                                            <p:cond delay="0"/>
+                                          </p:stCondLst>
+                                        </p:cTn>
+                                        <p:tgtEl>
+                                          <p:spTgt spid="9">
+                                            <p:txEl>
+                                              <p:pRg st="9" end="9"/>
+                                            </p:txEl>
+                                          </p:spTgt>
+                                        </p:tgtEl>
+                                        <p:attrNameLst>
+                                          <p:attrName>style.visibility</p:attrName>
+                                        </p:attrNameLst>
+                                      </p:cBhvr>
+                                      <p:to>
+                                        <p:strVal val="visible"/>
+                                      </p:to>
+                                    </p:set>
+                                  </p:childTnLst>
+                                </p:cTn>
+                              </p:par>
+                            </p:childTnLst>
+                          </p:cTn>
+                        </p:par>
+                      </p:childTnLst>
+                    </p:cTn>
+                  </p:par>
+                  <p:par>
+                    <p:cTn id="35" fill="hold">
+                      <p:stCondLst>
+                        <p:cond delay="indefinite"/>
+                      </p:stCondLst>
+                      <p:childTnLst>
+                        <p:par>
+                          <p:cTn id="36" fill="hold">
+                            <p:stCondLst>
+                              <p:cond delay="0"/>
+                            </p:stCondLst>
+                            <p:childTnLst>
+                              <p:par>
+                                <p:cTn id="37" presetID="1" presetClass="entr" presetSubtype="0" fill="hold" nodeType="clickEffect">
+                                  <p:stCondLst>
+                                    <p:cond delay="0"/>
+                                  </p:stCondLst>
+                                  <p:childTnLst>
+                                    <p:set>
+                                      <p:cBhvr>
+                                        <p:cTn id="38" dur="1" fill="hold">
                                           <p:stCondLst>
                                             <p:cond delay="0"/>
                                           </p:stCondLst>
@@ -10722,7 +11625,7 @@
             </a:pPr>
             <a:r>
               <a:rPr lang="en-US" dirty="0"/>
-              <a:t>List comprehension can also contain nested loops. A list of lists or a list of tuples can be created in this way.</a:t>
+              <a:t>List comprehension can also contain nested loops.  A list of lists can be created in this way.</a:t>
             </a:r>
             <a:endParaRPr lang="en-US" b="1" dirty="0">
               <a:solidFill>
@@ -10952,7 +11855,7 @@
               <a:rPr lang="en-US" sz="2000" b="1" dirty="0">
                 <a:latin typeface="Inconsolata Medium" panose="020B0609030003000000" pitchFamily="49" charset="77"/>
               </a:rPr>
-              <a:t>[(color, size) for color in colors </a:t>
+              <a:t>[[color, size] for color in colors </a:t>
             </a:r>
           </a:p>
           <a:p>
@@ -11050,7 +11953,7 @@
               <a:rPr lang="en-US" sz="2000" b="1" dirty="0">
                 <a:latin typeface="Inconsolata Medium" panose="020B0609030003000000" pitchFamily="49" charset="77"/>
               </a:rPr>
-              <a:t>[('red', 'S'),('red', 'M'),('red', 'L'),('black', 'S'),</a:t>
+              <a:t>[['red', 'S'],['red', 'M'],['red', 'L'],['black', 'S'],</a:t>
             </a:r>
           </a:p>
           <a:p>
@@ -11061,7 +11964,7 @@
               <a:rPr lang="en-US" sz="2000" b="1" dirty="0">
                 <a:latin typeface="Inconsolata Medium" panose="020B0609030003000000" pitchFamily="49" charset="77"/>
               </a:rPr>
-              <a:t> ('black', 'M'),('black', 'L')]</a:t>
+              <a:t> ['black', 'M'],['black', 'L']]</a:t>
             </a:r>
           </a:p>
           <a:p>
@@ -12854,6 +13757,117 @@
                       </p:childTnLst>
                     </p:cTn>
                   </p:par>
+                  <p:par>
+                    <p:cTn id="11" fill="hold">
+                      <p:stCondLst>
+                        <p:cond delay="indefinite"/>
+                      </p:stCondLst>
+                      <p:childTnLst>
+                        <p:par>
+                          <p:cTn id="12" fill="hold">
+                            <p:stCondLst>
+                              <p:cond delay="0"/>
+                            </p:stCondLst>
+                            <p:childTnLst>
+                              <p:par>
+                                <p:cTn id="13" presetID="1" presetClass="entr" presetSubtype="0" fill="hold" nodeType="clickEffect">
+                                  <p:stCondLst>
+                                    <p:cond delay="0"/>
+                                  </p:stCondLst>
+                                  <p:childTnLst>
+                                    <p:set>
+                                      <p:cBhvr>
+                                        <p:cTn id="14" dur="1" fill="hold">
+                                          <p:stCondLst>
+                                            <p:cond delay="0"/>
+                                          </p:stCondLst>
+                                        </p:cTn>
+                                        <p:tgtEl>
+                                          <p:spTgt spid="9">
+                                            <p:txEl>
+                                              <p:pRg st="6" end="6"/>
+                                            </p:txEl>
+                                          </p:spTgt>
+                                        </p:tgtEl>
+                                        <p:attrNameLst>
+                                          <p:attrName>style.visibility</p:attrName>
+                                        </p:attrNameLst>
+                                      </p:cBhvr>
+                                      <p:to>
+                                        <p:strVal val="visible"/>
+                                      </p:to>
+                                    </p:set>
+                                  </p:childTnLst>
+                                </p:cTn>
+                              </p:par>
+                              <p:par>
+                                <p:cTn id="15" presetID="1" presetClass="entr" presetSubtype="0" fill="hold" nodeType="withEffect">
+                                  <p:stCondLst>
+                                    <p:cond delay="0"/>
+                                  </p:stCondLst>
+                                  <p:childTnLst>
+                                    <p:set>
+                                      <p:cBhvr>
+                                        <p:cTn id="16" dur="1" fill="hold">
+                                          <p:stCondLst>
+                                            <p:cond delay="0"/>
+                                          </p:stCondLst>
+                                        </p:cTn>
+                                        <p:tgtEl>
+                                          <p:spTgt spid="9">
+                                            <p:txEl>
+                                              <p:pRg st="7" end="7"/>
+                                            </p:txEl>
+                                          </p:spTgt>
+                                        </p:tgtEl>
+                                        <p:attrNameLst>
+                                          <p:attrName>style.visibility</p:attrName>
+                                        </p:attrNameLst>
+                                      </p:cBhvr>
+                                      <p:to>
+                                        <p:strVal val="visible"/>
+                                      </p:to>
+                                    </p:set>
+                                  </p:childTnLst>
+                                </p:cTn>
+                              </p:par>
+                              <p:par>
+                                <p:cTn id="17" presetID="1" presetClass="entr" presetSubtype="0" fill="hold" nodeType="withEffect">
+                                  <p:stCondLst>
+                                    <p:cond delay="0"/>
+                                  </p:stCondLst>
+                                  <p:childTnLst>
+                                    <p:set>
+                                      <p:cBhvr>
+                                        <p:cTn id="18" dur="1" fill="hold">
+                                          <p:stCondLst>
+                                            <p:cond delay="0"/>
+                                          </p:stCondLst>
+                                        </p:cTn>
+                                        <p:tgtEl>
+                                          <p:spTgt spid="9">
+                                            <p:txEl>
+                                              <p:pRg st="8" end="8"/>
+                                            </p:txEl>
+                                          </p:spTgt>
+                                        </p:tgtEl>
+                                        <p:attrNameLst>
+                                          <p:attrName>style.visibility</p:attrName>
+                                        </p:attrNameLst>
+                                      </p:cBhvr>
+                                      <p:to>
+                                        <p:strVal val="visible"/>
+                                      </p:to>
+                                    </p:set>
+                                  </p:childTnLst>
+                                </p:cTn>
+                              </p:par>
+                            </p:childTnLst>
+                          </p:cTn>
+                        </p:par>
+                      </p:childTnLst>
+                    </p:cTn>
+                  </p:par>
                 </p:childTnLst>
               </p:cTn>
               <p:prevCondLst>
@@ -13148,64 +14162,15 @@
                                   </p:childTnLst>
                                 </p:cTn>
                               </p:par>
-                            </p:childTnLst>
-                          </p:cTn>
-                        </p:par>
-                      </p:childTnLst>
-                    </p:cTn>
-                  </p:par>
-                  <p:par>
-                    <p:cTn id="7" fill="hold">
-                      <p:stCondLst>
-                        <p:cond delay="indefinite"/>
-                      </p:stCondLst>
-                      <p:childTnLst>
-                        <p:par>
-                          <p:cTn id="8" fill="hold">
-                            <p:stCondLst>
-                              <p:cond delay="0"/>
-                            </p:stCondLst>
-                            <p:childTnLst>
                               <p:par>
-                                <p:cTn id="9" presetID="1" presetClass="entr" presetSubtype="0" fill="hold" nodeType="clickEffect">
+                                <p:cTn id="7" presetID="1" presetClass="entr" presetSubtype="0" fill="hold" nodeType="withEffect">
                                   <p:stCondLst>
                                     <p:cond delay="0"/>
                                   </p:stCondLst>
                                   <p:childTnLst>
                                     <p:set>
                                       <p:cBhvr>
-                                        <p:cTn id="10" dur="1" fill="hold">
-                                          <p:stCondLst>
-                                            <p:cond delay="0"/>
-                                          </p:stCondLst>
-                                        </p:cTn>
-                                        <p:tgtEl>
-                                          <p:spTgt spid="9">
-                                            <p:txEl>
-                                              <p:pRg st="1" end="1"/>
-                                            </p:txEl>
-                                          </p:spTgt>
-                                        </p:tgtEl>
-                                        <p:attrNameLst>
-                                          <p:attrName>style.visibility</p:attrName>
-                                        </p:attrNameLst>
-                                      </p:cBhvr>
-                                      <p:to>
-                                        <p:strVal val="visible"/>
-                                      </p:to>
-                                    </p:set>
-                                  </p:childTnLst>
-                                </p:cTn>
-                              </p:par>
-                              <p:par>
-                                <p:cTn id="11" presetID="1" presetClass="entr" presetSubtype="0" fill="hold" nodeType="withEffect">
-                                  <p:stCondLst>
-                                    <p:cond delay="0"/>
-                                  </p:stCondLst>
-                                  <p:childTnLst>
-                                    <p:set>
-                                      <p:cBhvr>
-                                        <p:cTn id="12" dur="1" fill="hold">
+                                        <p:cTn id="8" dur="1" fill="hold">
                                           <p:stCondLst>
                                             <p:cond delay="0"/>
                                           </p:stCondLst>
@@ -13229,14 +14194,14 @@
                                 </p:cTn>
                               </p:par>
                               <p:par>
-                                <p:cTn id="13" presetID="1" presetClass="entr" presetSubtype="0" fill="hold" nodeType="withEffect">
+                                <p:cTn id="9" presetID="1" presetClass="entr" presetSubtype="0" fill="hold" nodeType="withEffect">
                                   <p:stCondLst>
                                     <p:cond delay="0"/>
                                   </p:stCondLst>
                                   <p:childTnLst>
                                     <p:set>
                                       <p:cBhvr>
-                                        <p:cTn id="14" dur="1" fill="hold">
+                                        <p:cTn id="10" dur="1" fill="hold">
                                           <p:stCondLst>
                                             <p:cond delay="0"/>
                                           </p:stCondLst>
@@ -13547,7 +14512,7 @@
             </a:r>
             <a:r>
               <a:rPr lang="en-US" dirty="0"/>
-              <a:t>. </a:t>
+              <a:t>. It checks to see if two objects have the same content. </a:t>
             </a:r>
           </a:p>
           <a:p>
@@ -13811,7 +14776,16 @@
               </a:rPr>
               <a:t>b </a:t>
             </a:r>
-            <a:endParaRPr lang="en-US" b="1" dirty="0">
+            <a:r>
+              <a:rPr lang="en-US" sz="2000" b="1" dirty="0">
+                <a:solidFill>
+                  <a:srgbClr val="33566B"/>
+                </a:solidFill>
+                <a:latin typeface="Inconsolata Medium" panose="020B0609030003000000" pitchFamily="49" charset="77"/>
+              </a:rPr>
+              <a:t># a and b are different lists, same content </a:t>
+            </a:r>
+            <a:endParaRPr lang="en-US" sz="2000" b="1" dirty="0">
               <a:latin typeface="Inconsolata Medium" panose="020B0609030003000000" pitchFamily="49" charset="77"/>
             </a:endParaRPr>
           </a:p>
@@ -13939,7 +14913,15 @@
             </a:r>
             <a:r>
               <a:rPr lang="en-US" dirty="0"/>
-              <a:t>. </a:t>
+              <a:t>.  </a:t>
+            </a:r>
+            <a:r>
+              <a:rPr lang="en-US"/>
+              <a:t>They check </a:t>
+            </a:r>
+            <a:r>
+              <a:rPr lang="en-US" dirty="0"/>
+              <a:t>whether two variable references the same object. </a:t>
             </a:r>
           </a:p>
           <a:p>

--- a/courses/apcsp/lect6.pptx
+++ b/courses/apcsp/lect6.pptx
@@ -144,7 +144,7 @@
 <file path=ppt/revisionInfo.xml><?xml version="1.0" encoding="utf-8"?>
 <p1510:revInfo xmlns:a="http://schemas.openxmlformats.org/drawingml/2006/main" xmlns:r="http://schemas.openxmlformats.org/officeDocument/2006/relationships" xmlns:p1510="http://schemas.microsoft.com/office/powerpoint/2015/10/main">
   <p1510:revLst>
-    <p1510:client id="{EC1E750C-42C7-A84F-81F0-83B2F940DF8B}" v="1479" dt="2019-10-11T13:56:41.895"/>
+    <p1510:client id="{EC1E750C-42C7-A84F-81F0-83B2F940DF8B}" v="1482" dt="2019-10-11T14:48:34.445"/>
   </p1510:revLst>
 </p1510:revInfo>
 </file>
@@ -166,7 +166,7 @@
   <pc:docChgLst>
     <pc:chgData name="Long B Nguyen" userId="f59fb8f3-a021-417a-8bc1-65c8d471c621" providerId="ADAL" clId="{EC1E750C-42C7-A84F-81F0-83B2F940DF8B}"/>
     <pc:docChg chg="undo custSel addSld delSld modSld">
-      <pc:chgData name="Long B Nguyen" userId="f59fb8f3-a021-417a-8bc1-65c8d471c621" providerId="ADAL" clId="{EC1E750C-42C7-A84F-81F0-83B2F940DF8B}" dt="2019-10-11T13:56:41.895" v="6982" actId="20577"/>
+      <pc:chgData name="Long B Nguyen" userId="f59fb8f3-a021-417a-8bc1-65c8d471c621" providerId="ADAL" clId="{EC1E750C-42C7-A84F-81F0-83B2F940DF8B}" dt="2019-10-11T14:48:34.445" v="6985" actId="20577"/>
       <pc:docMkLst>
         <pc:docMk/>
       </pc:docMkLst>
@@ -596,7 +596,7 @@
         </pc:spChg>
       </pc:sldChg>
       <pc:sldChg chg="modSp add modAnim">
-        <pc:chgData name="Long B Nguyen" userId="f59fb8f3-a021-417a-8bc1-65c8d471c621" providerId="ADAL" clId="{EC1E750C-42C7-A84F-81F0-83B2F940DF8B}" dt="2019-10-10T15:51:10.548" v="5349"/>
+        <pc:chgData name="Long B Nguyen" userId="f59fb8f3-a021-417a-8bc1-65c8d471c621" providerId="ADAL" clId="{EC1E750C-42C7-A84F-81F0-83B2F940DF8B}" dt="2019-10-11T14:48:34.445" v="6985" actId="20577"/>
         <pc:sldMkLst>
           <pc:docMk/>
           <pc:sldMk cId="2224964763" sldId="326"/>
@@ -610,7 +610,7 @@
           </ac:spMkLst>
         </pc:spChg>
         <pc:spChg chg="mod">
-          <ac:chgData name="Long B Nguyen" userId="f59fb8f3-a021-417a-8bc1-65c8d471c621" providerId="ADAL" clId="{EC1E750C-42C7-A84F-81F0-83B2F940DF8B}" dt="2019-10-10T14:34:27.916" v="4830" actId="20577"/>
+          <ac:chgData name="Long B Nguyen" userId="f59fb8f3-a021-417a-8bc1-65c8d471c621" providerId="ADAL" clId="{EC1E750C-42C7-A84F-81F0-83B2F940DF8B}" dt="2019-10-11T14:48:34.445" v="6985" actId="20577"/>
           <ac:spMkLst>
             <pc:docMk/>
             <pc:sldMk cId="2224964763" sldId="326"/>
@@ -21050,8 +21050,17 @@
               <a:rPr lang="en-US" b="1" dirty="0">
                 <a:latin typeface="Inconsolata Medium" panose="020B0609030003000000" pitchFamily="49" charset="77"/>
               </a:rPr>
-              <a:t>Out [2]: 3 </a:t>
-            </a:r>
+              <a:t>Out [2</a:t>
+            </a:r>
+            <a:r>
+              <a:rPr lang="en-US" b="1">
+                <a:latin typeface="Inconsolata Medium" panose="020B0609030003000000" pitchFamily="49" charset="77"/>
+              </a:rPr>
+              <a:t>]: 1</a:t>
+            </a:r>
+            <a:endParaRPr lang="en-US" b="1" dirty="0">
+              <a:latin typeface="Inconsolata Medium" panose="020B0609030003000000" pitchFamily="49" charset="77"/>
+            </a:endParaRPr>
           </a:p>
           <a:p>
             <a:pPr marL="0" indent="0">

--- a/courses/apcsp/lect6.pptx
+++ b/courses/apcsp/lect6.pptx
@@ -33,8 +33,10 @@
     <p:sldId id="334" r:id="rId27"/>
     <p:sldId id="288" r:id="rId28"/>
     <p:sldId id="266" r:id="rId29"/>
-    <p:sldId id="335" r:id="rId30"/>
-    <p:sldId id="284" r:id="rId31"/>
+    <p:sldId id="339" r:id="rId30"/>
+    <p:sldId id="340" r:id="rId31"/>
+    <p:sldId id="335" r:id="rId32"/>
+    <p:sldId id="284" r:id="rId33"/>
   </p:sldIdLst>
   <p:sldSz cx="9144000" cy="5715000" type="screen16x10"/>
   <p:notesSz cx="6858000" cy="9144000"/>
@@ -144,7 +146,7 @@
 <file path=ppt/revisionInfo.xml><?xml version="1.0" encoding="utf-8"?>
 <p1510:revInfo xmlns:a="http://schemas.openxmlformats.org/drawingml/2006/main" xmlns:r="http://schemas.openxmlformats.org/officeDocument/2006/relationships" xmlns:p1510="http://schemas.microsoft.com/office/powerpoint/2015/10/main">
   <p1510:revLst>
-    <p1510:client id="{EC1E750C-42C7-A84F-81F0-83B2F940DF8B}" v="1482" dt="2019-10-11T14:48:34.445"/>
+    <p1510:client id="{EC1E750C-42C7-A84F-81F0-83B2F940DF8B}" v="2271" dt="2019-10-11T16:46:34.755"/>
   </p1510:revLst>
 </p1510:revInfo>
 </file>
@@ -166,7 +168,7 @@
   <pc:docChgLst>
     <pc:chgData name="Long B Nguyen" userId="f59fb8f3-a021-417a-8bc1-65c8d471c621" providerId="ADAL" clId="{EC1E750C-42C7-A84F-81F0-83B2F940DF8B}"/>
     <pc:docChg chg="undo custSel addSld delSld modSld">
-      <pc:chgData name="Long B Nguyen" userId="f59fb8f3-a021-417a-8bc1-65c8d471c621" providerId="ADAL" clId="{EC1E750C-42C7-A84F-81F0-83B2F940DF8B}" dt="2019-10-11T14:48:34.445" v="6985" actId="20577"/>
+      <pc:chgData name="Long B Nguyen" userId="f59fb8f3-a021-417a-8bc1-65c8d471c621" providerId="ADAL" clId="{EC1E750C-42C7-A84F-81F0-83B2F940DF8B}" dt="2019-10-11T16:46:34.755" v="8068" actId="20577"/>
       <pc:docMkLst>
         <pc:docMk/>
       </pc:docMkLst>
@@ -200,20 +202,60 @@
           </ac:spMkLst>
         </pc:spChg>
       </pc:sldChg>
-      <pc:sldChg chg="modSp modAnim">
-        <pc:chgData name="Long B Nguyen" userId="f59fb8f3-a021-417a-8bc1-65c8d471c621" providerId="ADAL" clId="{EC1E750C-42C7-A84F-81F0-83B2F940DF8B}" dt="2019-10-10T17:01:54.204" v="5560"/>
+      <pc:sldChg chg="addSp modSp modAnim">
+        <pc:chgData name="Long B Nguyen" userId="f59fb8f3-a021-417a-8bc1-65c8d471c621" providerId="ADAL" clId="{EC1E750C-42C7-A84F-81F0-83B2F940DF8B}" dt="2019-10-11T16:40:42.617" v="7735" actId="1076"/>
         <pc:sldMkLst>
           <pc:docMk/>
           <pc:sldMk cId="15889227" sldId="266"/>
         </pc:sldMkLst>
+        <pc:spChg chg="add mod">
+          <ac:chgData name="Long B Nguyen" userId="f59fb8f3-a021-417a-8bc1-65c8d471c621" providerId="ADAL" clId="{EC1E750C-42C7-A84F-81F0-83B2F940DF8B}" dt="2019-10-11T16:40:42.617" v="7735" actId="1076"/>
+          <ac:spMkLst>
+            <pc:docMk/>
+            <pc:sldMk cId="15889227" sldId="266"/>
+            <ac:spMk id="3" creationId="{8386423E-3037-2A49-9738-854FD2D728E4}"/>
+          </ac:spMkLst>
+        </pc:spChg>
+        <pc:spChg chg="add mod">
+          <ac:chgData name="Long B Nguyen" userId="f59fb8f3-a021-417a-8bc1-65c8d471c621" providerId="ADAL" clId="{EC1E750C-42C7-A84F-81F0-83B2F940DF8B}" dt="2019-10-11T16:39:42.907" v="7711" actId="1076"/>
+          <ac:spMkLst>
+            <pc:docMk/>
+            <pc:sldMk cId="15889227" sldId="266"/>
+            <ac:spMk id="5" creationId="{CEFFF7E2-607D-B84B-A31C-75920BD80918}"/>
+          </ac:spMkLst>
+        </pc:spChg>
+        <pc:spChg chg="add mod">
+          <ac:chgData name="Long B Nguyen" userId="f59fb8f3-a021-417a-8bc1-65c8d471c621" providerId="ADAL" clId="{EC1E750C-42C7-A84F-81F0-83B2F940DF8B}" dt="2019-10-11T16:39:48.583" v="7720" actId="1037"/>
+          <ac:spMkLst>
+            <pc:docMk/>
+            <pc:sldMk cId="15889227" sldId="266"/>
+            <ac:spMk id="6" creationId="{F8218C05-E549-6147-BA2F-D290F8FA62D8}"/>
+          </ac:spMkLst>
+        </pc:spChg>
         <pc:spChg chg="mod">
-          <ac:chgData name="Long B Nguyen" userId="f59fb8f3-a021-417a-8bc1-65c8d471c621" providerId="ADAL" clId="{EC1E750C-42C7-A84F-81F0-83B2F940DF8B}" dt="2019-10-10T17:01:37.669" v="5557" actId="20577"/>
+          <ac:chgData name="Long B Nguyen" userId="f59fb8f3-a021-417a-8bc1-65c8d471c621" providerId="ADAL" clId="{EC1E750C-42C7-A84F-81F0-83B2F940DF8B}" dt="2019-10-11T16:38:55.243" v="7698" actId="20577"/>
           <ac:spMkLst>
             <pc:docMk/>
             <pc:sldMk cId="15889227" sldId="266"/>
             <ac:spMk id="9" creationId="{E3B2E017-30B2-884B-A113-B419A2ED51AD}"/>
           </ac:spMkLst>
         </pc:spChg>
+        <pc:cxnChg chg="add mod">
+          <ac:chgData name="Long B Nguyen" userId="f59fb8f3-a021-417a-8bc1-65c8d471c621" providerId="ADAL" clId="{EC1E750C-42C7-A84F-81F0-83B2F940DF8B}" dt="2019-10-11T16:40:26.450" v="7730" actId="14100"/>
+          <ac:cxnSpMkLst>
+            <pc:docMk/>
+            <pc:sldMk cId="15889227" sldId="266"/>
+            <ac:cxnSpMk id="7" creationId="{EDEA6E2A-03A7-7243-B1A2-0F530FDAACC5}"/>
+          </ac:cxnSpMkLst>
+        </pc:cxnChg>
+        <pc:cxnChg chg="add mod">
+          <ac:chgData name="Long B Nguyen" userId="f59fb8f3-a021-417a-8bc1-65c8d471c621" providerId="ADAL" clId="{EC1E750C-42C7-A84F-81F0-83B2F940DF8B}" dt="2019-10-11T16:40:37.452" v="7734" actId="14100"/>
+          <ac:cxnSpMkLst>
+            <pc:docMk/>
+            <pc:sldMk cId="15889227" sldId="266"/>
+            <ac:cxnSpMk id="11" creationId="{D5B26F3A-CE8B-234B-B022-02AA92C89514}"/>
+          </ac:cxnSpMkLst>
+        </pc:cxnChg>
       </pc:sldChg>
       <pc:sldChg chg="modSp">
         <pc:chgData name="Long B Nguyen" userId="f59fb8f3-a021-417a-8bc1-65c8d471c621" providerId="ADAL" clId="{EC1E750C-42C7-A84F-81F0-83B2F940DF8B}" dt="2019-10-08T12:20:29.153" v="3805" actId="20577"/>
@@ -748,7 +790,7 @@
         </pc:spChg>
       </pc:sldChg>
       <pc:sldChg chg="modSp add modAnim">
-        <pc:chgData name="Long B Nguyen" userId="f59fb8f3-a021-417a-8bc1-65c8d471c621" providerId="ADAL" clId="{EC1E750C-42C7-A84F-81F0-83B2F940DF8B}" dt="2019-10-10T17:02:19.093" v="5566"/>
+        <pc:chgData name="Long B Nguyen" userId="f59fb8f3-a021-417a-8bc1-65c8d471c621" providerId="ADAL" clId="{EC1E750C-42C7-A84F-81F0-83B2F940DF8B}" dt="2019-10-11T16:46:34.755" v="8068" actId="20577"/>
         <pc:sldMkLst>
           <pc:docMk/>
           <pc:sldMk cId="3679420171" sldId="335"/>
@@ -762,7 +804,7 @@
           </ac:spMkLst>
         </pc:spChg>
         <pc:spChg chg="mod">
-          <ac:chgData name="Long B Nguyen" userId="f59fb8f3-a021-417a-8bc1-65c8d471c621" providerId="ADAL" clId="{EC1E750C-42C7-A84F-81F0-83B2F940DF8B}" dt="2019-10-10T15:19:29.175" v="5335" actId="20577"/>
+          <ac:chgData name="Long B Nguyen" userId="f59fb8f3-a021-417a-8bc1-65c8d471c621" providerId="ADAL" clId="{EC1E750C-42C7-A84F-81F0-83B2F940DF8B}" dt="2019-10-11T16:46:34.755" v="8068" actId="20577"/>
           <ac:spMkLst>
             <pc:docMk/>
             <pc:sldMk cId="3679420171" sldId="335"/>
@@ -930,6 +972,60 @@
           <pc:docMk/>
           <pc:sldMk cId="4078468923" sldId="338"/>
         </pc:sldMkLst>
+      </pc:sldChg>
+      <pc:sldChg chg="addSp modSp add modAnim">
+        <pc:chgData name="Long B Nguyen" userId="f59fb8f3-a021-417a-8bc1-65c8d471c621" providerId="ADAL" clId="{EC1E750C-42C7-A84F-81F0-83B2F940DF8B}" dt="2019-10-11T16:42:24.754" v="7752"/>
+        <pc:sldMkLst>
+          <pc:docMk/>
+          <pc:sldMk cId="2049074062" sldId="339"/>
+        </pc:sldMkLst>
+        <pc:spChg chg="mod">
+          <ac:chgData name="Long B Nguyen" userId="f59fb8f3-a021-417a-8bc1-65c8d471c621" providerId="ADAL" clId="{EC1E750C-42C7-A84F-81F0-83B2F940DF8B}" dt="2019-10-11T16:35:18.098" v="7223" actId="20577"/>
+          <ac:spMkLst>
+            <pc:docMk/>
+            <pc:sldMk cId="2049074062" sldId="339"/>
+            <ac:spMk id="2" creationId="{AA3A228F-61D0-D949-A5E7-F83756230BF8}"/>
+          </ac:spMkLst>
+        </pc:spChg>
+        <pc:spChg chg="add mod">
+          <ac:chgData name="Long B Nguyen" userId="f59fb8f3-a021-417a-8bc1-65c8d471c621" providerId="ADAL" clId="{EC1E750C-42C7-A84F-81F0-83B2F940DF8B}" dt="2019-10-11T16:41:17.138" v="7747" actId="20577"/>
+          <ac:spMkLst>
+            <pc:docMk/>
+            <pc:sldMk cId="2049074062" sldId="339"/>
+            <ac:spMk id="3" creationId="{CEA124DC-F312-EC4E-8F44-AE7209FAD9D2}"/>
+          </ac:spMkLst>
+        </pc:spChg>
+        <pc:spChg chg="mod">
+          <ac:chgData name="Long B Nguyen" userId="f59fb8f3-a021-417a-8bc1-65c8d471c621" providerId="ADAL" clId="{EC1E750C-42C7-A84F-81F0-83B2F940DF8B}" dt="2019-10-11T16:37:24.155" v="7373" actId="20577"/>
+          <ac:spMkLst>
+            <pc:docMk/>
+            <pc:sldMk cId="2049074062" sldId="339"/>
+            <ac:spMk id="9" creationId="{E3B2E017-30B2-884B-A113-B419A2ED51AD}"/>
+          </ac:spMkLst>
+        </pc:spChg>
+      </pc:sldChg>
+      <pc:sldChg chg="modSp add modAnim">
+        <pc:chgData name="Long B Nguyen" userId="f59fb8f3-a021-417a-8bc1-65c8d471c621" providerId="ADAL" clId="{EC1E750C-42C7-A84F-81F0-83B2F940DF8B}" dt="2019-10-11T16:46:23.681" v="8053"/>
+        <pc:sldMkLst>
+          <pc:docMk/>
+          <pc:sldMk cId="3520320687" sldId="340"/>
+        </pc:sldMkLst>
+        <pc:spChg chg="mod">
+          <ac:chgData name="Long B Nguyen" userId="f59fb8f3-a021-417a-8bc1-65c8d471c621" providerId="ADAL" clId="{EC1E750C-42C7-A84F-81F0-83B2F940DF8B}" dt="2019-10-11T16:45:34.612" v="8044" actId="1076"/>
+          <ac:spMkLst>
+            <pc:docMk/>
+            <pc:sldMk cId="3520320687" sldId="340"/>
+            <ac:spMk id="3" creationId="{CEA124DC-F312-EC4E-8F44-AE7209FAD9D2}"/>
+          </ac:spMkLst>
+        </pc:spChg>
+        <pc:spChg chg="mod">
+          <ac:chgData name="Long B Nguyen" userId="f59fb8f3-a021-417a-8bc1-65c8d471c621" providerId="ADAL" clId="{EC1E750C-42C7-A84F-81F0-83B2F940DF8B}" dt="2019-10-11T16:44:57.478" v="7938" actId="113"/>
+          <ac:spMkLst>
+            <pc:docMk/>
+            <pc:sldMk cId="3520320687" sldId="340"/>
+            <ac:spMk id="9" creationId="{E3B2E017-30B2-884B-A113-B419A2ED51AD}"/>
+          </ac:spMkLst>
+        </pc:spChg>
       </pc:sldChg>
     </pc:docChg>
   </pc:docChgLst>
@@ -16266,6 +16362,25 @@
               <a:buNone/>
             </a:pPr>
             <a:r>
+              <a:rPr lang="en-US" dirty="0">
+                <a:latin typeface="Gill Sans MT" panose="020B0502020104020203" pitchFamily="34" charset="77"/>
+              </a:rPr>
+              <a:t>Variables are pointers, that is, they don't store the actual object just the address or reference to the object. </a:t>
+            </a:r>
+          </a:p>
+          <a:p>
+            <a:pPr marL="0" indent="0">
+              <a:buNone/>
+            </a:pPr>
+            <a:endParaRPr lang="en-US" dirty="0">
+              <a:latin typeface="Gill Sans MT" panose="020B0502020104020203" pitchFamily="34" charset="77"/>
+            </a:endParaRPr>
+          </a:p>
+          <a:p>
+            <a:pPr marL="0" indent="0">
+              <a:buNone/>
+            </a:pPr>
+            <a:r>
               <a:rPr lang="en-US" b="1" dirty="0">
                 <a:solidFill>
                   <a:srgbClr val="000087"/>
@@ -16317,6 +16432,58 @@
               <a:rPr lang="en-US" b="1" dirty="0">
                 <a:latin typeface="Inconsolata Medium" panose="020B0609030003000000" pitchFamily="49" charset="77"/>
               </a:rPr>
+              <a:t>3</a:t>
+            </a:r>
+          </a:p>
+          <a:p>
+            <a:pPr marL="0" indent="0">
+              <a:buNone/>
+            </a:pPr>
+            <a:r>
+              <a:rPr lang="en-US" b="1" dirty="0">
+                <a:solidFill>
+                  <a:srgbClr val="000087"/>
+                </a:solidFill>
+                <a:latin typeface="Inconsolata Medium" panose="020B0609030003000000" pitchFamily="49" charset="77"/>
+              </a:rPr>
+              <a:t>	   y </a:t>
+            </a:r>
+            <a:r>
+              <a:rPr lang="en-US" b="1" dirty="0">
+                <a:solidFill>
+                  <a:srgbClr val="545454"/>
+                </a:solidFill>
+                <a:latin typeface="Inconsolata Medium" panose="020B0609030003000000" pitchFamily="49" charset="77"/>
+              </a:rPr>
+              <a:t>= </a:t>
+            </a:r>
+            <a:r>
+              <a:rPr lang="en-US" b="1" dirty="0">
+                <a:solidFill>
+                  <a:srgbClr val="000087"/>
+                </a:solidFill>
+                <a:latin typeface="Inconsolata Medium" panose="020B0609030003000000" pitchFamily="49" charset="77"/>
+              </a:rPr>
+              <a:t>x</a:t>
+            </a:r>
+          </a:p>
+          <a:p>
+            <a:pPr marL="0" indent="0">
+              <a:buNone/>
+            </a:pPr>
+            <a:r>
+              <a:rPr lang="en-US" b="1" dirty="0">
+                <a:solidFill>
+                  <a:srgbClr val="000087"/>
+                </a:solidFill>
+                <a:latin typeface="Inconsolata Medium" panose="020B0609030003000000" pitchFamily="49" charset="77"/>
+              </a:rPr>
+              <a:t>In </a:t>
+            </a:r>
+            <a:r>
+              <a:rPr lang="en-US" b="1" dirty="0">
+                <a:latin typeface="Inconsolata Medium" panose="020B0609030003000000" pitchFamily="49" charset="77"/>
+              </a:rPr>
               <a:t>[</a:t>
             </a:r>
             <a:r>
@@ -16326,109 +16493,12 @@
                 </a:solidFill>
                 <a:latin typeface="Inconsolata Medium" panose="020B0609030003000000" pitchFamily="49" charset="77"/>
               </a:rPr>
-              <a:t>1</a:t>
-            </a:r>
-            <a:r>
-              <a:rPr lang="en-US" b="1" dirty="0">
-                <a:latin typeface="Inconsolata Medium" panose="020B0609030003000000" pitchFamily="49" charset="77"/>
-              </a:rPr>
-              <a:t>, </a:t>
-            </a:r>
-            <a:r>
-              <a:rPr lang="en-US" b="1" dirty="0">
-                <a:solidFill>
-                  <a:srgbClr val="FF6600"/>
-                </a:solidFill>
-                <a:latin typeface="Inconsolata Medium" panose="020B0609030003000000" pitchFamily="49" charset="77"/>
-              </a:rPr>
               <a:t>2</a:t>
             </a:r>
             <a:r>
               <a:rPr lang="en-US" b="1" dirty="0">
                 <a:latin typeface="Inconsolata Medium" panose="020B0609030003000000" pitchFamily="49" charset="77"/>
               </a:rPr>
-              <a:t>, </a:t>
-            </a:r>
-            <a:r>
-              <a:rPr lang="en-US" b="1" dirty="0">
-                <a:solidFill>
-                  <a:srgbClr val="FF6600"/>
-                </a:solidFill>
-                <a:latin typeface="Inconsolata Medium" panose="020B0609030003000000" pitchFamily="49" charset="77"/>
-              </a:rPr>
-              <a:t>3</a:t>
-            </a:r>
-            <a:r>
-              <a:rPr lang="en-US" b="1" dirty="0">
-                <a:latin typeface="Inconsolata Medium" panose="020B0609030003000000" pitchFamily="49" charset="77"/>
-              </a:rPr>
-              <a:t>] </a:t>
-            </a:r>
-          </a:p>
-          <a:p>
-            <a:pPr marL="0" indent="0">
-              <a:buNone/>
-            </a:pPr>
-            <a:r>
-              <a:rPr lang="en-US" b="1" dirty="0">
-                <a:solidFill>
-                  <a:srgbClr val="000087"/>
-                </a:solidFill>
-                <a:latin typeface="Inconsolata Medium" panose="020B0609030003000000" pitchFamily="49" charset="77"/>
-              </a:rPr>
-              <a:t>	   y </a:t>
-            </a:r>
-            <a:r>
-              <a:rPr lang="en-US" b="1" dirty="0">
-                <a:solidFill>
-                  <a:srgbClr val="545454"/>
-                </a:solidFill>
-                <a:latin typeface="Inconsolata Medium" panose="020B0609030003000000" pitchFamily="49" charset="77"/>
-              </a:rPr>
-              <a:t>= </a:t>
-            </a:r>
-            <a:r>
-              <a:rPr lang="en-US" b="1" dirty="0">
-                <a:solidFill>
-                  <a:srgbClr val="000087"/>
-                </a:solidFill>
-                <a:latin typeface="Inconsolata Medium" panose="020B0609030003000000" pitchFamily="49" charset="77"/>
-              </a:rPr>
-              <a:t>x</a:t>
-            </a:r>
-          </a:p>
-          <a:p>
-            <a:pPr marL="0" indent="0">
-              <a:buNone/>
-            </a:pPr>
-            <a:r>
-              <a:rPr lang="en-US" b="1" dirty="0">
-                <a:solidFill>
-                  <a:srgbClr val="000087"/>
-                </a:solidFill>
-                <a:latin typeface="Inconsolata Medium" panose="020B0609030003000000" pitchFamily="49" charset="77"/>
-              </a:rPr>
-              <a:t>In </a:t>
-            </a:r>
-            <a:r>
-              <a:rPr lang="en-US" b="1" dirty="0">
-                <a:latin typeface="Inconsolata Medium" panose="020B0609030003000000" pitchFamily="49" charset="77"/>
-              </a:rPr>
-              <a:t>[</a:t>
-            </a:r>
-            <a:r>
-              <a:rPr lang="en-US" b="1" dirty="0">
-                <a:solidFill>
-                  <a:srgbClr val="FF6600"/>
-                </a:solidFill>
-                <a:latin typeface="Inconsolata Medium" panose="020B0609030003000000" pitchFamily="49" charset="77"/>
-              </a:rPr>
-              <a:t>2</a:t>
-            </a:r>
-            <a:r>
-              <a:rPr lang="en-US" b="1" dirty="0">
-                <a:latin typeface="Inconsolata Medium" panose="020B0609030003000000" pitchFamily="49" charset="77"/>
-              </a:rPr>
               <a:t>]: </a:t>
             </a:r>
             <a:r>
@@ -16438,39 +16508,24 @@
                 </a:solidFill>
                 <a:latin typeface="Inconsolata Medium" panose="020B0609030003000000" pitchFamily="49" charset="77"/>
               </a:rPr>
-              <a:t>print</a:t>
-            </a:r>
-            <a:r>
-              <a:rPr lang="en-US" b="1" dirty="0">
-                <a:latin typeface="Inconsolata Medium" panose="020B0609030003000000" pitchFamily="49" charset="77"/>
-              </a:rPr>
-              <a:t>(</a:t>
-            </a:r>
-            <a:r>
-              <a:rPr lang="en-US" b="1" dirty="0">
-                <a:solidFill>
-                  <a:srgbClr val="000087"/>
-                </a:solidFill>
-                <a:latin typeface="Inconsolata Medium" panose="020B0609030003000000" pitchFamily="49" charset="77"/>
-              </a:rPr>
-              <a:t>y</a:t>
-            </a:r>
-            <a:r>
-              <a:rPr lang="en-US" b="1" dirty="0">
-                <a:latin typeface="Inconsolata Medium" panose="020B0609030003000000" pitchFamily="49" charset="77"/>
-              </a:rPr>
-              <a:t>) </a:t>
-            </a:r>
-          </a:p>
-          <a:p>
-            <a:pPr marL="0" indent="0">
-              <a:buNone/>
-            </a:pPr>
-            <a:r>
-              <a:rPr lang="en-US" b="1" dirty="0">
-                <a:latin typeface="Inconsolata Medium" panose="020B0609030003000000" pitchFamily="49" charset="77"/>
-              </a:rPr>
-              <a:t>[1, 2, 3] </a:t>
+              <a:t>x is y</a:t>
+            </a:r>
+            <a:r>
+              <a:rPr lang="en-US" b="1" dirty="0">
+                <a:latin typeface="Inconsolata Medium" panose="020B0609030003000000" pitchFamily="49" charset="77"/>
+              </a:rPr>
+              <a:t> </a:t>
+            </a:r>
+          </a:p>
+          <a:p>
+            <a:pPr marL="0" indent="0">
+              <a:buNone/>
+            </a:pPr>
+            <a:r>
+              <a:rPr lang="en-US" b="1" dirty="0">
+                <a:latin typeface="Inconsolata Medium" panose="020B0609030003000000" pitchFamily="49" charset="77"/>
+              </a:rPr>
+              <a:t>Out [2]: True </a:t>
             </a:r>
           </a:p>
           <a:p>
@@ -16516,37 +16571,80 @@
               <a:t>]: </a:t>
             </a:r>
             <a:r>
-              <a:rPr lang="en-US" b="1" dirty="0" err="1">
+              <a:rPr lang="en-US" b="1" dirty="0">
                 <a:solidFill>
                   <a:srgbClr val="000087"/>
                 </a:solidFill>
                 <a:latin typeface="Inconsolata Medium" panose="020B0609030003000000" pitchFamily="49" charset="77"/>
               </a:rPr>
-              <a:t>x</a:t>
-            </a:r>
-            <a:r>
-              <a:rPr lang="en-US" b="1" dirty="0" err="1">
+              <a:t>a </a:t>
+            </a:r>
+            <a:r>
+              <a:rPr lang="en-US" b="1" dirty="0">
                 <a:solidFill>
                   <a:srgbClr val="545454"/>
                 </a:solidFill>
                 <a:latin typeface="Inconsolata Medium" panose="020B0609030003000000" pitchFamily="49" charset="77"/>
               </a:rPr>
-              <a:t>.</a:t>
-            </a:r>
-            <a:r>
-              <a:rPr lang="en-US" b="1" dirty="0" err="1">
+              <a:t>= </a:t>
+            </a:r>
+            <a:r>
+              <a:rPr lang="en-US" b="1" dirty="0">
+                <a:latin typeface="Inconsolata Medium" panose="020B0609030003000000" pitchFamily="49" charset="77"/>
+              </a:rPr>
+              <a:t>[1, 2, 3]</a:t>
+            </a:r>
+          </a:p>
+          <a:p>
+            <a:pPr marL="0" indent="0">
+              <a:buNone/>
+            </a:pPr>
+            <a:r>
+              <a:rPr lang="en-US" b="1" dirty="0">
                 <a:solidFill>
                   <a:srgbClr val="000087"/>
                 </a:solidFill>
                 <a:latin typeface="Inconsolata Medium" panose="020B0609030003000000" pitchFamily="49" charset="77"/>
               </a:rPr>
-              <a:t>append</a:t>
-            </a:r>
-            <a:r>
-              <a:rPr lang="en-US" b="1" dirty="0">
-                <a:latin typeface="Inconsolata Medium" panose="020B0609030003000000" pitchFamily="49" charset="77"/>
-              </a:rPr>
-              <a:t>(</a:t>
+              <a:t>	   b </a:t>
+            </a:r>
+            <a:r>
+              <a:rPr lang="en-US" b="1" dirty="0">
+                <a:solidFill>
+                  <a:srgbClr val="545454"/>
+                </a:solidFill>
+                <a:latin typeface="Inconsolata Medium" panose="020B0609030003000000" pitchFamily="49" charset="77"/>
+              </a:rPr>
+              <a:t>= </a:t>
+            </a:r>
+            <a:r>
+              <a:rPr lang="en-US" b="1" dirty="0">
+                <a:solidFill>
+                  <a:srgbClr val="000087"/>
+                </a:solidFill>
+                <a:latin typeface="Inconsolata Medium" panose="020B0609030003000000" pitchFamily="49" charset="77"/>
+              </a:rPr>
+              <a:t>a</a:t>
+            </a:r>
+          </a:p>
+          <a:p>
+            <a:pPr marL="0" indent="0">
+              <a:buNone/>
+            </a:pPr>
+            <a:r>
+              <a:rPr lang="en-US" b="1" dirty="0">
+                <a:solidFill>
+                  <a:srgbClr val="000087"/>
+                </a:solidFill>
+                <a:latin typeface="Inconsolata Medium" panose="020B0609030003000000" pitchFamily="49" charset="77"/>
+              </a:rPr>
+              <a:t>In </a:t>
+            </a:r>
+            <a:r>
+              <a:rPr lang="en-US" b="1" dirty="0">
+                <a:latin typeface="Inconsolata Medium" panose="020B0609030003000000" pitchFamily="49" charset="77"/>
+              </a:rPr>
+              <a:t>[</a:t>
             </a:r>
             <a:r>
               <a:rPr lang="en-US" b="1" dirty="0">
@@ -16561,87 +16659,33 @@
               <a:rPr lang="en-US" b="1" dirty="0">
                 <a:latin typeface="Inconsolata Medium" panose="020B0609030003000000" pitchFamily="49" charset="77"/>
               </a:rPr>
-              <a:t>) </a:t>
-            </a:r>
-            <a:r>
-              <a:rPr lang="en-US" sz="2000" b="1" dirty="0">
-                <a:solidFill>
-                  <a:srgbClr val="33566B"/>
-                </a:solidFill>
-                <a:latin typeface="Inconsolata Medium" panose="020B0609030003000000" pitchFamily="49" charset="77"/>
-              </a:rPr>
-              <a:t># append 4 to the list pointed to by x</a:t>
-            </a:r>
-            <a:r>
-              <a:rPr lang="en-US" b="1" dirty="0">
-                <a:solidFill>
-                  <a:srgbClr val="33566B"/>
-                </a:solidFill>
+              <a:t>]: </a:t>
+            </a:r>
+            <a:r>
+              <a:rPr lang="en-US" b="1" dirty="0">
+                <a:solidFill>
+                  <a:srgbClr val="006699"/>
+                </a:solidFill>
+                <a:latin typeface="Inconsolata Medium" panose="020B0609030003000000" pitchFamily="49" charset="77"/>
+              </a:rPr>
+              <a:t>a is b</a:t>
+            </a:r>
+            <a:r>
+              <a:rPr lang="en-US" b="1" dirty="0">
                 <a:latin typeface="Inconsolata Medium" panose="020B0609030003000000" pitchFamily="49" charset="77"/>
               </a:rPr>
               <a:t> </a:t>
             </a:r>
-            <a:r>
-              <a:rPr lang="en-US" b="1" i="1" dirty="0">
-                <a:solidFill>
-                  <a:srgbClr val="33566B"/>
-                </a:solidFill>
-                <a:latin typeface="Inconsolata Medium" panose="020B0609030003000000" pitchFamily="49" charset="77"/>
-              </a:rPr>
-              <a:t>	   </a:t>
-            </a:r>
-            <a:r>
-              <a:rPr lang="en-US" b="1" dirty="0">
-                <a:solidFill>
-                  <a:srgbClr val="006699"/>
-                </a:solidFill>
-                <a:latin typeface="Inconsolata Medium" panose="020B0609030003000000" pitchFamily="49" charset="77"/>
-              </a:rPr>
-              <a:t>print</a:t>
-            </a:r>
-            <a:r>
-              <a:rPr lang="en-US" b="1" dirty="0">
-                <a:latin typeface="Inconsolata Medium" panose="020B0609030003000000" pitchFamily="49" charset="77"/>
-              </a:rPr>
-              <a:t>(</a:t>
-            </a:r>
-            <a:r>
-              <a:rPr lang="en-US" b="1" dirty="0">
-                <a:solidFill>
-                  <a:srgbClr val="000087"/>
-                </a:solidFill>
-                <a:latin typeface="Inconsolata Medium" panose="020B0609030003000000" pitchFamily="49" charset="77"/>
-              </a:rPr>
-              <a:t>y</a:t>
-            </a:r>
-            <a:r>
-              <a:rPr lang="en-US" b="1" dirty="0">
-                <a:latin typeface="Inconsolata Medium" panose="020B0609030003000000" pitchFamily="49" charset="77"/>
-              </a:rPr>
-              <a:t>) 	</a:t>
-            </a:r>
-            <a:r>
-              <a:rPr lang="en-US" sz="2000" b="1" dirty="0">
-                <a:solidFill>
-                  <a:srgbClr val="33566B"/>
-                </a:solidFill>
-                <a:latin typeface="Inconsolata Medium" panose="020B0609030003000000" pitchFamily="49" charset="77"/>
-              </a:rPr>
-              <a:t># y's list is modified as well! </a:t>
-            </a:r>
-            <a:endParaRPr lang="en-US" sz="2000" b="1" dirty="0">
-              <a:latin typeface="Inconsolata Medium" panose="020B0609030003000000" pitchFamily="49" charset="77"/>
-            </a:endParaRPr>
-          </a:p>
-          <a:p>
-            <a:pPr marL="0" indent="0">
-              <a:buNone/>
-            </a:pPr>
-            <a:r>
-              <a:rPr lang="en-US" b="1" dirty="0">
-                <a:latin typeface="Inconsolata Medium" panose="020B0609030003000000" pitchFamily="49" charset="77"/>
-              </a:rPr>
-              <a:t>[1, 2, 3, 4] </a:t>
+          </a:p>
+          <a:p>
+            <a:pPr marL="0" indent="0">
+              <a:buNone/>
+            </a:pPr>
+            <a:r>
+              <a:rPr lang="en-US" b="1" dirty="0">
+                <a:latin typeface="Inconsolata Medium" panose="020B0609030003000000" pitchFamily="49" charset="77"/>
+              </a:rPr>
+              <a:t>Out [4]: True </a:t>
             </a:r>
           </a:p>
           <a:p>
@@ -16656,150 +16700,200 @@
             <a:pPr marL="0" indent="0">
               <a:buNone/>
             </a:pPr>
-            <a:r>
-              <a:rPr lang="en-US" b="1" dirty="0">
-                <a:solidFill>
-                  <a:srgbClr val="000087"/>
-                </a:solidFill>
-                <a:latin typeface="Inconsolata Medium" panose="020B0609030003000000" pitchFamily="49" charset="77"/>
-              </a:rPr>
-              <a:t>In </a:t>
-            </a:r>
-            <a:r>
-              <a:rPr lang="en-US" b="1" dirty="0">
-                <a:latin typeface="Inconsolata Medium" panose="020B0609030003000000" pitchFamily="49" charset="77"/>
-              </a:rPr>
-              <a:t>[</a:t>
-            </a:r>
-            <a:r>
-              <a:rPr lang="en-US" b="1" dirty="0">
-                <a:solidFill>
-                  <a:srgbClr val="FF6600"/>
-                </a:solidFill>
-                <a:latin typeface="Inconsolata Medium" panose="020B0609030003000000" pitchFamily="49" charset="77"/>
-              </a:rPr>
-              <a:t>4</a:t>
-            </a:r>
-            <a:r>
-              <a:rPr lang="en-US" b="1" dirty="0">
-                <a:latin typeface="Inconsolata Medium" panose="020B0609030003000000" pitchFamily="49" charset="77"/>
-              </a:rPr>
-              <a:t>]: </a:t>
-            </a:r>
-            <a:r>
-              <a:rPr lang="en-US" b="1" dirty="0">
-                <a:solidFill>
-                  <a:srgbClr val="000087"/>
-                </a:solidFill>
-                <a:latin typeface="Inconsolata Medium" panose="020B0609030003000000" pitchFamily="49" charset="77"/>
-              </a:rPr>
-              <a:t>x </a:t>
-            </a:r>
-            <a:r>
-              <a:rPr lang="en-US" b="1" dirty="0">
-                <a:solidFill>
-                  <a:srgbClr val="545454"/>
-                </a:solidFill>
-                <a:latin typeface="Inconsolata Medium" panose="020B0609030003000000" pitchFamily="49" charset="77"/>
-              </a:rPr>
-              <a:t>= </a:t>
-            </a:r>
-            <a:r>
-              <a:rPr lang="en-US" b="1" dirty="0">
-                <a:solidFill>
-                  <a:srgbClr val="CC3300"/>
-                </a:solidFill>
-                <a:latin typeface="Inconsolata Medium" panose="020B0609030003000000" pitchFamily="49" charset="77"/>
-              </a:rPr>
-              <a:t>'something else’ </a:t>
-            </a:r>
-          </a:p>
-          <a:p>
-            <a:pPr marL="0" indent="0">
-              <a:buNone/>
-            </a:pPr>
-            <a:r>
-              <a:rPr lang="en-US" b="1" dirty="0">
-                <a:solidFill>
-                  <a:srgbClr val="CC3300"/>
-                </a:solidFill>
-                <a:latin typeface="Inconsolata Medium" panose="020B0609030003000000" pitchFamily="49" charset="77"/>
-              </a:rPr>
-              <a:t>	   </a:t>
-            </a:r>
-            <a:r>
-              <a:rPr lang="en-US" b="1" dirty="0">
-                <a:solidFill>
-                  <a:srgbClr val="006699"/>
-                </a:solidFill>
-                <a:latin typeface="Inconsolata Medium" panose="020B0609030003000000" pitchFamily="49" charset="77"/>
-              </a:rPr>
-              <a:t>print</a:t>
-            </a:r>
-            <a:r>
-              <a:rPr lang="en-US" b="1" dirty="0">
-                <a:latin typeface="Inconsolata Medium" panose="020B0609030003000000" pitchFamily="49" charset="77"/>
-              </a:rPr>
-              <a:t>(</a:t>
-            </a:r>
-            <a:r>
-              <a:rPr lang="en-US" b="1" dirty="0">
-                <a:solidFill>
-                  <a:srgbClr val="000087"/>
-                </a:solidFill>
-                <a:latin typeface="Inconsolata Medium" panose="020B0609030003000000" pitchFamily="49" charset="77"/>
-              </a:rPr>
-              <a:t>y</a:t>
-            </a:r>
-            <a:r>
-              <a:rPr lang="en-US" b="1" dirty="0">
-                <a:latin typeface="Inconsolata Medium" panose="020B0609030003000000" pitchFamily="49" charset="77"/>
-              </a:rPr>
-              <a:t>) </a:t>
-            </a:r>
-            <a:r>
-              <a:rPr lang="en-US" b="1" i="1" dirty="0">
-                <a:solidFill>
-                  <a:srgbClr val="33566B"/>
-                </a:solidFill>
-                <a:latin typeface="Inconsolata Medium" panose="020B0609030003000000" pitchFamily="49" charset="77"/>
-              </a:rPr>
-              <a:t># y is unchanged </a:t>
-            </a:r>
             <a:endParaRPr lang="en-US" b="1" dirty="0">
               <a:latin typeface="Inconsolata Medium" panose="020B0609030003000000" pitchFamily="49" charset="77"/>
             </a:endParaRPr>
           </a:p>
-          <a:p>
-            <a:pPr marL="0" indent="0">
-              <a:buNone/>
-            </a:pPr>
-            <a:r>
-              <a:rPr lang="en-US" b="1" dirty="0">
-                <a:latin typeface="Inconsolata Medium" panose="020B0609030003000000" pitchFamily="49" charset="77"/>
-              </a:rPr>
-              <a:t>[1, 2, 3, 4] </a:t>
-            </a:r>
-          </a:p>
-          <a:p>
-            <a:pPr marL="0" indent="0">
-              <a:buNone/>
-            </a:pPr>
-            <a:r>
-              <a:rPr lang="en-US" b="1" dirty="0">
-                <a:solidFill>
-                  <a:srgbClr val="000087"/>
-                </a:solidFill>
-                <a:latin typeface="Inconsolata Medium" panose="020B0609030003000000" pitchFamily="49" charset="77"/>
-              </a:rPr>
-              <a:t> </a:t>
-            </a:r>
-            <a:endParaRPr lang="en-US" b="1" dirty="0">
-              <a:latin typeface="Inconsolata Medium" panose="020B0609030003000000" pitchFamily="49" charset="77"/>
-            </a:endParaRPr>
-          </a:p>
         </p:txBody>
       </p:sp>
+      <p:sp>
+        <p:nvSpPr>
+          <p:cNvPr id="3" name="TextBox 2">
+            <a:extLst>
+              <a:ext uri="{FF2B5EF4-FFF2-40B4-BE49-F238E27FC236}">
+                <a16:creationId xmlns:a16="http://schemas.microsoft.com/office/drawing/2014/main" id="{8386423E-3037-2A49-9738-854FD2D728E4}"/>
+              </a:ext>
+            </a:extLst>
+          </p:cNvPr>
+          <p:cNvSpPr txBox="1"/>
+          <p:nvPr/>
+        </p:nvSpPr>
+        <p:spPr>
+          <a:xfrm>
+            <a:off x="7141738" y="3078050"/>
+            <a:ext cx="325730" cy="430887"/>
+          </a:xfrm>
+          <a:prstGeom prst="rect">
+            <a:avLst/>
+          </a:prstGeom>
+          <a:noFill/>
+        </p:spPr>
+        <p:txBody>
+          <a:bodyPr wrap="none" rtlCol="0">
+            <a:spAutoFit/>
+          </a:bodyPr>
+          <a:lstStyle/>
+          <a:p>
+            <a:r>
+              <a:rPr lang="en-US" sz="2200" dirty="0"/>
+              <a:t>3</a:t>
+            </a:r>
+          </a:p>
+        </p:txBody>
+      </p:sp>
+      <p:sp>
+        <p:nvSpPr>
+          <p:cNvPr id="5" name="TextBox 4">
+            <a:extLst>
+              <a:ext uri="{FF2B5EF4-FFF2-40B4-BE49-F238E27FC236}">
+                <a16:creationId xmlns:a16="http://schemas.microsoft.com/office/drawing/2014/main" id="{CEFFF7E2-607D-B84B-A31C-75920BD80918}"/>
+              </a:ext>
+            </a:extLst>
+          </p:cNvPr>
+          <p:cNvSpPr txBox="1"/>
+          <p:nvPr/>
+        </p:nvSpPr>
+        <p:spPr>
+          <a:xfrm>
+            <a:off x="5226800" y="2754885"/>
+            <a:ext cx="325730" cy="430887"/>
+          </a:xfrm>
+          <a:prstGeom prst="rect">
+            <a:avLst/>
+          </a:prstGeom>
+          <a:noFill/>
+        </p:spPr>
+        <p:txBody>
+          <a:bodyPr wrap="none" rtlCol="0">
+            <a:spAutoFit/>
+          </a:bodyPr>
+          <a:lstStyle/>
+          <a:p>
+            <a:r>
+              <a:rPr lang="en-US" sz="2200" dirty="0"/>
+              <a:t>x</a:t>
+            </a:r>
+          </a:p>
+        </p:txBody>
+      </p:sp>
+      <p:sp>
+        <p:nvSpPr>
+          <p:cNvPr id="6" name="TextBox 5">
+            <a:extLst>
+              <a:ext uri="{FF2B5EF4-FFF2-40B4-BE49-F238E27FC236}">
+                <a16:creationId xmlns:a16="http://schemas.microsoft.com/office/drawing/2014/main" id="{F8218C05-E549-6147-BA2F-D290F8FA62D8}"/>
+              </a:ext>
+            </a:extLst>
+          </p:cNvPr>
+          <p:cNvSpPr txBox="1"/>
+          <p:nvPr/>
+        </p:nvSpPr>
+        <p:spPr>
+          <a:xfrm>
+            <a:off x="5212727" y="3804055"/>
+            <a:ext cx="308098" cy="430887"/>
+          </a:xfrm>
+          <a:prstGeom prst="rect">
+            <a:avLst/>
+          </a:prstGeom>
+          <a:noFill/>
+        </p:spPr>
+        <p:txBody>
+          <a:bodyPr wrap="none" rtlCol="0">
+            <a:spAutoFit/>
+          </a:bodyPr>
+          <a:lstStyle/>
+          <a:p>
+            <a:r>
+              <a:rPr lang="en-US" sz="2200" dirty="0"/>
+              <a:t>y</a:t>
+            </a:r>
+          </a:p>
+        </p:txBody>
+      </p:sp>
+      <p:cxnSp>
+        <p:nvCxnSpPr>
+          <p:cNvPr id="7" name="Straight Arrow Connector 6">
+            <a:extLst>
+              <a:ext uri="{FF2B5EF4-FFF2-40B4-BE49-F238E27FC236}">
+                <a16:creationId xmlns:a16="http://schemas.microsoft.com/office/drawing/2014/main" id="{EDEA6E2A-03A7-7243-B1A2-0F530FDAACC5}"/>
+              </a:ext>
+            </a:extLst>
+          </p:cNvPr>
+          <p:cNvCxnSpPr>
+            <a:cxnSpLocks/>
+            <a:stCxn id="5" idx="3"/>
+          </p:cNvCxnSpPr>
+          <p:nvPr/>
+        </p:nvCxnSpPr>
+        <p:spPr>
+          <a:xfrm>
+            <a:off x="5552530" y="2970329"/>
+            <a:ext cx="1443975" cy="215442"/>
+          </a:xfrm>
+          <a:prstGeom prst="straightConnector1">
+            <a:avLst/>
+          </a:prstGeom>
+          <a:ln w="25400">
+            <a:tailEnd type="triangle"/>
+          </a:ln>
+        </p:spPr>
+        <p:style>
+          <a:lnRef idx="1">
+            <a:schemeClr val="accent1"/>
+          </a:lnRef>
+          <a:fillRef idx="0">
+            <a:schemeClr val="accent1"/>
+          </a:fillRef>
+          <a:effectRef idx="0">
+            <a:schemeClr val="accent1"/>
+          </a:effectRef>
+          <a:fontRef idx="minor">
+            <a:schemeClr val="tx1"/>
+          </a:fontRef>
+        </p:style>
+      </p:cxnSp>
+      <p:cxnSp>
+        <p:nvCxnSpPr>
+          <p:cNvPr id="11" name="Straight Arrow Connector 10">
+            <a:extLst>
+              <a:ext uri="{FF2B5EF4-FFF2-40B4-BE49-F238E27FC236}">
+                <a16:creationId xmlns:a16="http://schemas.microsoft.com/office/drawing/2014/main" id="{D5B26F3A-CE8B-234B-B022-02AA92C89514}"/>
+              </a:ext>
+            </a:extLst>
+          </p:cNvPr>
+          <p:cNvCxnSpPr>
+            <a:cxnSpLocks/>
+          </p:cNvCxnSpPr>
+          <p:nvPr/>
+        </p:nvCxnSpPr>
+        <p:spPr>
+          <a:xfrm flipV="1">
+            <a:off x="5520825" y="3432955"/>
+            <a:ext cx="1475680" cy="586544"/>
+          </a:xfrm>
+          <a:prstGeom prst="straightConnector1">
+            <a:avLst/>
+          </a:prstGeom>
+          <a:ln w="25400">
+            <a:tailEnd type="triangle"/>
+          </a:ln>
+        </p:spPr>
+        <p:style>
+          <a:lnRef idx="1">
+            <a:schemeClr val="accent1"/>
+          </a:lnRef>
+          <a:fillRef idx="0">
+            <a:schemeClr val="accent1"/>
+          </a:fillRef>
+          <a:effectRef idx="0">
+            <a:schemeClr val="accent1"/>
+          </a:effectRef>
+          <a:fontRef idx="minor">
+            <a:schemeClr val="tx1"/>
+          </a:fontRef>
+        </p:style>
+      </p:cxnSp>
     </p:spTree>
     <p:extLst>
       <p:ext uri="{BB962C8B-B14F-4D97-AF65-F5344CB8AC3E}">
@@ -16846,38 +16940,7 @@
                                         <p:tgtEl>
                                           <p:spTgt spid="9">
                                             <p:txEl>
-                                              <p:pRg st="2" end="2"/>
-                                            </p:txEl>
-                                          </p:spTgt>
-                                        </p:tgtEl>
-                                        <p:attrNameLst>
-                                          <p:attrName>style.visibility</p:attrName>
-                                        </p:attrNameLst>
-                                      </p:cBhvr>
-                                      <p:to>
-                                        <p:strVal val="visible"/>
-                                      </p:to>
-                                    </p:set>
-                                  </p:childTnLst>
-                                </p:cTn>
-                              </p:par>
-                              <p:par>
-                                <p:cTn id="7" presetID="1" presetClass="entr" presetSubtype="0" fill="hold" nodeType="withEffect">
-                                  <p:stCondLst>
-                                    <p:cond delay="0"/>
-                                  </p:stCondLst>
-                                  <p:childTnLst>
-                                    <p:set>
-                                      <p:cBhvr>
-                                        <p:cTn id="8" dur="1" fill="hold">
-                                          <p:stCondLst>
-                                            <p:cond delay="0"/>
-                                          </p:stCondLst>
-                                        </p:cTn>
-                                        <p:tgtEl>
-                                          <p:spTgt spid="9">
-                                            <p:txEl>
-                                              <p:pRg st="3" end="3"/>
+                                              <p:pRg st="4" end="4"/>
                                             </p:txEl>
                                           </p:spTgt>
                                         </p:tgtEl>
@@ -16899,26 +16962,26 @@
                     </p:cTn>
                   </p:par>
                   <p:par>
-                    <p:cTn id="9" fill="hold">
+                    <p:cTn id="7" fill="hold">
                       <p:stCondLst>
                         <p:cond delay="indefinite"/>
                       </p:stCondLst>
                       <p:childTnLst>
                         <p:par>
-                          <p:cTn id="10" fill="hold">
+                          <p:cTn id="8" fill="hold">
                             <p:stCondLst>
                               <p:cond delay="0"/>
                             </p:stCondLst>
                             <p:childTnLst>
                               <p:par>
-                                <p:cTn id="11" presetID="1" presetClass="entr" presetSubtype="0" fill="hold" nodeType="clickEffect">
+                                <p:cTn id="9" presetID="1" presetClass="entr" presetSubtype="0" fill="hold" nodeType="clickEffect">
                                   <p:stCondLst>
                                     <p:cond delay="0"/>
                                   </p:stCondLst>
                                   <p:childTnLst>
                                     <p:set>
                                       <p:cBhvr>
-                                        <p:cTn id="12" dur="1" fill="hold">
+                                        <p:cTn id="10" dur="1" fill="hold">
                                           <p:stCondLst>
                                             <p:cond delay="0"/>
                                           </p:stCondLst>
@@ -16941,8 +17004,26 @@
                                   </p:childTnLst>
                                 </p:cTn>
                               </p:par>
+                            </p:childTnLst>
+                          </p:cTn>
+                        </p:par>
+                      </p:childTnLst>
+                    </p:cTn>
+                  </p:par>
+                  <p:par>
+                    <p:cTn id="11" fill="hold">
+                      <p:stCondLst>
+                        <p:cond delay="indefinite"/>
+                      </p:stCondLst>
+                      <p:childTnLst>
+                        <p:par>
+                          <p:cTn id="12" fill="hold">
+                            <p:stCondLst>
+                              <p:cond delay="0"/>
+                            </p:stCondLst>
+                            <p:childTnLst>
                               <p:par>
-                                <p:cTn id="13" presetID="1" presetClass="entr" presetSubtype="0" fill="hold" nodeType="withEffect">
+                                <p:cTn id="13" presetID="1" presetClass="entr" presetSubtype="0" fill="hold" nodeType="clickEffect">
                                   <p:stCondLst>
                                     <p:cond delay="0"/>
                                   </p:stCondLst>
@@ -16957,7 +17038,7 @@
                                         <p:tgtEl>
                                           <p:spTgt spid="9">
                                             <p:txEl>
-                                              <p:pRg st="6" end="6"/>
+                                              <p:pRg st="7" end="7"/>
                                             </p:txEl>
                                           </p:spTgt>
                                         </p:tgtEl>
@@ -17021,15 +17102,33 @@
                                   </p:childTnLst>
                                 </p:cTn>
                               </p:par>
+                            </p:childTnLst>
+                          </p:cTn>
+                        </p:par>
+                      </p:childTnLst>
+                    </p:cTn>
+                  </p:par>
+                  <p:par>
+                    <p:cTn id="19" fill="hold">
+                      <p:stCondLst>
+                        <p:cond delay="indefinite"/>
+                      </p:stCondLst>
+                      <p:childTnLst>
+                        <p:par>
+                          <p:cTn id="20" fill="hold">
+                            <p:stCondLst>
+                              <p:cond delay="0"/>
+                            </p:stCondLst>
+                            <p:childTnLst>
                               <p:par>
-                                <p:cTn id="19" presetID="1" presetClass="entr" presetSubtype="0" fill="hold" nodeType="withEffect">
+                                <p:cTn id="21" presetID="1" presetClass="entr" presetSubtype="0" fill="hold" nodeType="clickEffect">
                                   <p:stCondLst>
                                     <p:cond delay="0"/>
                                   </p:stCondLst>
                                   <p:childTnLst>
                                     <p:set>
                                       <p:cBhvr>
-                                        <p:cTn id="20" dur="1" fill="hold">
+                                        <p:cTn id="22" dur="1" fill="hold">
                                           <p:stCondLst>
                                             <p:cond delay="0"/>
                                           </p:stCondLst>
@@ -17052,15 +17151,33 @@
                                   </p:childTnLst>
                                 </p:cTn>
                               </p:par>
+                            </p:childTnLst>
+                          </p:cTn>
+                        </p:par>
+                      </p:childTnLst>
+                    </p:cTn>
+                  </p:par>
+                  <p:par>
+                    <p:cTn id="23" fill="hold">
+                      <p:stCondLst>
+                        <p:cond delay="indefinite"/>
+                      </p:stCondLst>
+                      <p:childTnLst>
+                        <p:par>
+                          <p:cTn id="24" fill="hold">
+                            <p:stCondLst>
+                              <p:cond delay="0"/>
+                            </p:stCondLst>
+                            <p:childTnLst>
                               <p:par>
-                                <p:cTn id="21" presetID="1" presetClass="entr" presetSubtype="0" fill="hold" nodeType="withEffect">
+                                <p:cTn id="25" presetID="1" presetClass="entr" presetSubtype="0" fill="hold" nodeType="clickEffect">
                                   <p:stCondLst>
                                     <p:cond delay="0"/>
                                   </p:stCondLst>
                                   <p:childTnLst>
                                     <p:set>
                                       <p:cBhvr>
-                                        <p:cTn id="22" dur="1" fill="hold">
+                                        <p:cTn id="26" dur="1" fill="hold">
                                           <p:stCondLst>
                                             <p:cond delay="0"/>
                                           </p:stCondLst>
@@ -17159,7 +17276,7 @@
           <a:p>
             <a:r>
               <a:rPr lang="en-US" dirty="0"/>
-              <a:t>List items hold references</a:t>
+              <a:t>Mutable vs Immutable</a:t>
             </a:r>
           </a:p>
         </p:txBody>
@@ -17197,7 +17314,2280 @@
             </a:pPr>
             <a:r>
               <a:rPr lang="en-US" dirty="0"/>
-              <a:t>Items in lists and tuples hold references to objects they contain.</a:t>
+              <a:t>The class int, float, bool and str are all immutable. This means that these objects cannot be modified or changed. </a:t>
+            </a:r>
+          </a:p>
+          <a:p>
+            <a:pPr marL="0" indent="0">
+              <a:buNone/>
+            </a:pPr>
+            <a:r>
+              <a:rPr lang="en-US" b="1" dirty="0">
+                <a:solidFill>
+                  <a:srgbClr val="000087"/>
+                </a:solidFill>
+                <a:latin typeface="Inconsolata Medium" panose="020B0609030003000000" pitchFamily="49" charset="77"/>
+              </a:rPr>
+              <a:t>In </a:t>
+            </a:r>
+            <a:r>
+              <a:rPr lang="en-US" b="1" dirty="0">
+                <a:latin typeface="Inconsolata Medium" panose="020B0609030003000000" pitchFamily="49" charset="77"/>
+              </a:rPr>
+              <a:t>[</a:t>
+            </a:r>
+            <a:r>
+              <a:rPr lang="en-US" b="1" dirty="0">
+                <a:solidFill>
+                  <a:srgbClr val="FF6600"/>
+                </a:solidFill>
+                <a:latin typeface="Inconsolata Medium" panose="020B0609030003000000" pitchFamily="49" charset="77"/>
+              </a:rPr>
+              <a:t>1</a:t>
+            </a:r>
+            <a:r>
+              <a:rPr lang="en-US" b="1" dirty="0">
+                <a:latin typeface="Inconsolata Medium" panose="020B0609030003000000" pitchFamily="49" charset="77"/>
+              </a:rPr>
+              <a:t>]: </a:t>
+            </a:r>
+            <a:r>
+              <a:rPr lang="en-US" b="1" dirty="0">
+                <a:solidFill>
+                  <a:srgbClr val="000087"/>
+                </a:solidFill>
+                <a:latin typeface="Inconsolata Medium" panose="020B0609030003000000" pitchFamily="49" charset="77"/>
+              </a:rPr>
+              <a:t>x </a:t>
+            </a:r>
+            <a:r>
+              <a:rPr lang="en-US" b="1" dirty="0">
+                <a:solidFill>
+                  <a:srgbClr val="545454"/>
+                </a:solidFill>
+                <a:latin typeface="Inconsolata Medium" panose="020B0609030003000000" pitchFamily="49" charset="77"/>
+              </a:rPr>
+              <a:t>= </a:t>
+            </a:r>
+            <a:r>
+              <a:rPr lang="en-US" b="1" dirty="0">
+                <a:latin typeface="Inconsolata Medium" panose="020B0609030003000000" pitchFamily="49" charset="77"/>
+              </a:rPr>
+              <a:t>3</a:t>
+            </a:r>
+          </a:p>
+          <a:p>
+            <a:pPr marL="0" indent="0">
+              <a:buNone/>
+            </a:pPr>
+            <a:r>
+              <a:rPr lang="en-US" b="1" dirty="0">
+                <a:solidFill>
+                  <a:srgbClr val="000087"/>
+                </a:solidFill>
+                <a:latin typeface="Inconsolata Medium" panose="020B0609030003000000" pitchFamily="49" charset="77"/>
+              </a:rPr>
+              <a:t>	   y </a:t>
+            </a:r>
+            <a:r>
+              <a:rPr lang="en-US" b="1" dirty="0">
+                <a:solidFill>
+                  <a:srgbClr val="545454"/>
+                </a:solidFill>
+                <a:latin typeface="Inconsolata Medium" panose="020B0609030003000000" pitchFamily="49" charset="77"/>
+              </a:rPr>
+              <a:t>= </a:t>
+            </a:r>
+            <a:r>
+              <a:rPr lang="en-US" b="1" dirty="0">
+                <a:solidFill>
+                  <a:srgbClr val="000087"/>
+                </a:solidFill>
+                <a:latin typeface="Inconsolata Medium" panose="020B0609030003000000" pitchFamily="49" charset="77"/>
+              </a:rPr>
+              <a:t>x</a:t>
+            </a:r>
+          </a:p>
+          <a:p>
+            <a:pPr marL="0" indent="0">
+              <a:buNone/>
+            </a:pPr>
+            <a:r>
+              <a:rPr lang="en-US" b="1" dirty="0">
+                <a:solidFill>
+                  <a:srgbClr val="000087"/>
+                </a:solidFill>
+                <a:latin typeface="Inconsolata Medium" panose="020B0609030003000000" pitchFamily="49" charset="77"/>
+              </a:rPr>
+              <a:t>In </a:t>
+            </a:r>
+            <a:r>
+              <a:rPr lang="en-US" b="1" dirty="0">
+                <a:latin typeface="Inconsolata Medium" panose="020B0609030003000000" pitchFamily="49" charset="77"/>
+              </a:rPr>
+              <a:t>[</a:t>
+            </a:r>
+            <a:r>
+              <a:rPr lang="en-US" b="1" dirty="0">
+                <a:solidFill>
+                  <a:srgbClr val="FF6600"/>
+                </a:solidFill>
+                <a:latin typeface="Inconsolata Medium" panose="020B0609030003000000" pitchFamily="49" charset="77"/>
+              </a:rPr>
+              <a:t>2</a:t>
+            </a:r>
+            <a:r>
+              <a:rPr lang="en-US" b="1" dirty="0">
+                <a:latin typeface="Inconsolata Medium" panose="020B0609030003000000" pitchFamily="49" charset="77"/>
+              </a:rPr>
+              <a:t>]: </a:t>
+            </a:r>
+            <a:r>
+              <a:rPr lang="en-US" b="1" dirty="0">
+                <a:solidFill>
+                  <a:srgbClr val="006699"/>
+                </a:solidFill>
+                <a:latin typeface="Inconsolata Medium" panose="020B0609030003000000" pitchFamily="49" charset="77"/>
+              </a:rPr>
+              <a:t>x is y</a:t>
+            </a:r>
+            <a:r>
+              <a:rPr lang="en-US" b="1" dirty="0">
+                <a:latin typeface="Inconsolata Medium" panose="020B0609030003000000" pitchFamily="49" charset="77"/>
+              </a:rPr>
+              <a:t> </a:t>
+            </a:r>
+          </a:p>
+          <a:p>
+            <a:pPr marL="0" indent="0">
+              <a:buNone/>
+            </a:pPr>
+            <a:r>
+              <a:rPr lang="en-US" b="1" dirty="0">
+                <a:latin typeface="Inconsolata Medium" panose="020B0609030003000000" pitchFamily="49" charset="77"/>
+              </a:rPr>
+              <a:t>Out [2]: True </a:t>
+            </a:r>
+          </a:p>
+          <a:p>
+            <a:pPr marL="0" indent="0">
+              <a:buNone/>
+            </a:pPr>
+            <a:r>
+              <a:rPr lang="en-US" b="1" dirty="0">
+                <a:solidFill>
+                  <a:srgbClr val="000087"/>
+                </a:solidFill>
+                <a:latin typeface="Inconsolata Medium" panose="020B0609030003000000" pitchFamily="49" charset="77"/>
+              </a:rPr>
+              <a:t>In </a:t>
+            </a:r>
+            <a:r>
+              <a:rPr lang="en-US" b="1" dirty="0">
+                <a:latin typeface="Inconsolata Medium" panose="020B0609030003000000" pitchFamily="49" charset="77"/>
+              </a:rPr>
+              <a:t>[</a:t>
+            </a:r>
+            <a:r>
+              <a:rPr lang="en-US" b="1" dirty="0">
+                <a:solidFill>
+                  <a:srgbClr val="FF6600"/>
+                </a:solidFill>
+                <a:latin typeface="Inconsolata Medium" panose="020B0609030003000000" pitchFamily="49" charset="77"/>
+              </a:rPr>
+              <a:t>3</a:t>
+            </a:r>
+            <a:r>
+              <a:rPr lang="en-US" b="1" dirty="0">
+                <a:latin typeface="Inconsolata Medium" panose="020B0609030003000000" pitchFamily="49" charset="77"/>
+              </a:rPr>
+              <a:t>]: </a:t>
+            </a:r>
+            <a:r>
+              <a:rPr lang="en-US" b="1" dirty="0">
+                <a:solidFill>
+                  <a:srgbClr val="000087"/>
+                </a:solidFill>
+                <a:latin typeface="Inconsolata Medium" panose="020B0609030003000000" pitchFamily="49" charset="77"/>
+              </a:rPr>
+              <a:t>y </a:t>
+            </a:r>
+            <a:r>
+              <a:rPr lang="en-US" b="1" dirty="0">
+                <a:solidFill>
+                  <a:srgbClr val="545454"/>
+                </a:solidFill>
+                <a:latin typeface="Inconsolata Medium" panose="020B0609030003000000" pitchFamily="49" charset="77"/>
+              </a:rPr>
+              <a:t>= 4</a:t>
+            </a:r>
+            <a:r>
+              <a:rPr lang="en-US" sz="2400" b="1" dirty="0">
+                <a:solidFill>
+                  <a:srgbClr val="33566B"/>
+                </a:solidFill>
+                <a:latin typeface="Inconsolata Medium" panose="020B0609030003000000" pitchFamily="49" charset="77"/>
+              </a:rPr>
+              <a:t> </a:t>
+            </a:r>
+            <a:endParaRPr lang="en-US" b="1" dirty="0">
+              <a:latin typeface="Inconsolata Medium" panose="020B0609030003000000" pitchFamily="49" charset="77"/>
+            </a:endParaRPr>
+          </a:p>
+          <a:p>
+            <a:pPr marL="0" indent="0">
+              <a:buNone/>
+            </a:pPr>
+            <a:r>
+              <a:rPr lang="en-US" b="1" dirty="0">
+                <a:solidFill>
+                  <a:srgbClr val="000087"/>
+                </a:solidFill>
+                <a:latin typeface="Inconsolata Medium" panose="020B0609030003000000" pitchFamily="49" charset="77"/>
+              </a:rPr>
+              <a:t>In </a:t>
+            </a:r>
+            <a:r>
+              <a:rPr lang="en-US" b="1" dirty="0">
+                <a:latin typeface="Inconsolata Medium" panose="020B0609030003000000" pitchFamily="49" charset="77"/>
+              </a:rPr>
+              <a:t>[</a:t>
+            </a:r>
+            <a:r>
+              <a:rPr lang="en-US" b="1" dirty="0">
+                <a:solidFill>
+                  <a:srgbClr val="FF6600"/>
+                </a:solidFill>
+                <a:latin typeface="Inconsolata Medium" panose="020B0609030003000000" pitchFamily="49" charset="77"/>
+              </a:rPr>
+              <a:t>4</a:t>
+            </a:r>
+            <a:r>
+              <a:rPr lang="en-US" b="1" dirty="0">
+                <a:latin typeface="Inconsolata Medium" panose="020B0609030003000000" pitchFamily="49" charset="77"/>
+              </a:rPr>
+              <a:t>]: </a:t>
+            </a:r>
+            <a:r>
+              <a:rPr lang="en-US" b="1" dirty="0">
+                <a:solidFill>
+                  <a:srgbClr val="006699"/>
+                </a:solidFill>
+                <a:latin typeface="Inconsolata Medium" panose="020B0609030003000000" pitchFamily="49" charset="77"/>
+              </a:rPr>
+              <a:t>print(x, y)</a:t>
+            </a:r>
+            <a:r>
+              <a:rPr lang="en-US" b="1" dirty="0">
+                <a:latin typeface="Inconsolata Medium" panose="020B0609030003000000" pitchFamily="49" charset="77"/>
+              </a:rPr>
+              <a:t> </a:t>
+            </a:r>
+          </a:p>
+          <a:p>
+            <a:pPr marL="0" indent="0">
+              <a:buNone/>
+            </a:pPr>
+            <a:r>
+              <a:rPr lang="en-US" dirty="0"/>
+              <a:t>3 4</a:t>
+            </a:r>
+          </a:p>
+          <a:p>
+            <a:pPr marL="0" indent="0">
+              <a:buNone/>
+            </a:pPr>
+            <a:r>
+              <a:rPr lang="en-US" b="1" dirty="0">
+                <a:solidFill>
+                  <a:srgbClr val="000087"/>
+                </a:solidFill>
+                <a:latin typeface="Inconsolata Medium" panose="020B0609030003000000" pitchFamily="49" charset="77"/>
+              </a:rPr>
+              <a:t>In </a:t>
+            </a:r>
+            <a:r>
+              <a:rPr lang="en-US" b="1" dirty="0">
+                <a:latin typeface="Inconsolata Medium" panose="020B0609030003000000" pitchFamily="49" charset="77"/>
+              </a:rPr>
+              <a:t>[</a:t>
+            </a:r>
+            <a:r>
+              <a:rPr lang="en-US" b="1" dirty="0">
+                <a:solidFill>
+                  <a:srgbClr val="FF6600"/>
+                </a:solidFill>
+                <a:latin typeface="Inconsolata Medium" panose="020B0609030003000000" pitchFamily="49" charset="77"/>
+              </a:rPr>
+              <a:t>5</a:t>
+            </a:r>
+            <a:r>
+              <a:rPr lang="en-US" b="1" dirty="0">
+                <a:latin typeface="Inconsolata Medium" panose="020B0609030003000000" pitchFamily="49" charset="77"/>
+              </a:rPr>
+              <a:t>]: </a:t>
+            </a:r>
+            <a:r>
+              <a:rPr lang="en-US" b="1" dirty="0">
+                <a:solidFill>
+                  <a:srgbClr val="006699"/>
+                </a:solidFill>
+                <a:latin typeface="Inconsolata Medium" panose="020B0609030003000000" pitchFamily="49" charset="77"/>
+              </a:rPr>
+              <a:t>x is y</a:t>
+            </a:r>
+            <a:r>
+              <a:rPr lang="en-US" b="1" dirty="0">
+                <a:latin typeface="Inconsolata Medium" panose="020B0609030003000000" pitchFamily="49" charset="77"/>
+              </a:rPr>
+              <a:t> </a:t>
+            </a:r>
+          </a:p>
+          <a:p>
+            <a:pPr marL="0" indent="0">
+              <a:buNone/>
+            </a:pPr>
+            <a:r>
+              <a:rPr lang="en-US" b="1" dirty="0">
+                <a:latin typeface="Inconsolata Medium" panose="020B0609030003000000" pitchFamily="49" charset="77"/>
+              </a:rPr>
+              <a:t>Out [5]: False </a:t>
+            </a:r>
+          </a:p>
+          <a:p>
+            <a:pPr marL="0" indent="0">
+              <a:buNone/>
+            </a:pPr>
+            <a:endParaRPr lang="en-US" dirty="0"/>
+          </a:p>
+        </p:txBody>
+      </p:sp>
+      <p:sp>
+        <p:nvSpPr>
+          <p:cNvPr id="3" name="TextBox 2">
+            <a:extLst>
+              <a:ext uri="{FF2B5EF4-FFF2-40B4-BE49-F238E27FC236}">
+                <a16:creationId xmlns:a16="http://schemas.microsoft.com/office/drawing/2014/main" id="{CEA124DC-F312-EC4E-8F44-AE7209FAD9D2}"/>
+              </a:ext>
+            </a:extLst>
+          </p:cNvPr>
+          <p:cNvSpPr txBox="1"/>
+          <p:nvPr/>
+        </p:nvSpPr>
+        <p:spPr>
+          <a:xfrm>
+            <a:off x="3867878" y="2617347"/>
+            <a:ext cx="4792274" cy="1631216"/>
+          </a:xfrm>
+          <a:prstGeom prst="rect">
+            <a:avLst/>
+          </a:prstGeom>
+          <a:noFill/>
+        </p:spPr>
+        <p:txBody>
+          <a:bodyPr wrap="none" rtlCol="0">
+            <a:spAutoFit/>
+          </a:bodyPr>
+          <a:lstStyle/>
+          <a:p>
+            <a:r>
+              <a:rPr lang="en-US" sz="2000" dirty="0"/>
+              <a:t>Since y can't modify the immutable </a:t>
+            </a:r>
+          </a:p>
+          <a:p>
+            <a:r>
+              <a:rPr lang="en-US" sz="2000" dirty="0"/>
+              <a:t>integer 3, this creates a new integer object 4</a:t>
+            </a:r>
+          </a:p>
+          <a:p>
+            <a:r>
+              <a:rPr lang="en-US" sz="2000" dirty="0"/>
+              <a:t>and y now points to it. </a:t>
+            </a:r>
+          </a:p>
+          <a:p>
+            <a:endParaRPr lang="en-US" sz="2000" dirty="0"/>
+          </a:p>
+          <a:p>
+            <a:r>
+              <a:rPr lang="en-US" sz="2000" dirty="0"/>
+              <a:t>Thus x and y are now different objects. </a:t>
+            </a:r>
+          </a:p>
+        </p:txBody>
+      </p:sp>
+    </p:spTree>
+    <p:extLst>
+      <p:ext uri="{BB962C8B-B14F-4D97-AF65-F5344CB8AC3E}">
+        <p14:creationId xmlns:p14="http://schemas.microsoft.com/office/powerpoint/2010/main" val="2049074062"/>
+      </p:ext>
+    </p:extLst>
+  </p:cSld>
+  <p:clrMapOvr>
+    <a:masterClrMapping/>
+  </p:clrMapOvr>
+  <p:timing>
+    <p:tnLst>
+      <p:par>
+        <p:cTn id="1" dur="indefinite" restart="never" nodeType="tmRoot">
+          <p:childTnLst>
+            <p:seq concurrent="1" nextAc="seek">
+              <p:cTn id="2" dur="indefinite" nodeType="mainSeq">
+                <p:childTnLst>
+                  <p:par>
+                    <p:cTn id="3" fill="hold">
+                      <p:stCondLst>
+                        <p:cond delay="indefinite"/>
+                      </p:stCondLst>
+                      <p:childTnLst>
+                        <p:par>
+                          <p:cTn id="4" fill="hold">
+                            <p:stCondLst>
+                              <p:cond delay="0"/>
+                            </p:stCondLst>
+                            <p:childTnLst>
+                              <p:par>
+                                <p:cTn id="5" presetID="1" presetClass="entr" presetSubtype="0" fill="hold" nodeType="clickEffect">
+                                  <p:stCondLst>
+                                    <p:cond delay="0"/>
+                                  </p:stCondLst>
+                                  <p:childTnLst>
+                                    <p:set>
+                                      <p:cBhvr>
+                                        <p:cTn id="6" dur="1" fill="hold">
+                                          <p:stCondLst>
+                                            <p:cond delay="0"/>
+                                          </p:stCondLst>
+                                        </p:cTn>
+                                        <p:tgtEl>
+                                          <p:spTgt spid="9">
+                                            <p:txEl>
+                                              <p:pRg st="1" end="1"/>
+                                            </p:txEl>
+                                          </p:spTgt>
+                                        </p:tgtEl>
+                                        <p:attrNameLst>
+                                          <p:attrName>style.visibility</p:attrName>
+                                        </p:attrNameLst>
+                                      </p:cBhvr>
+                                      <p:to>
+                                        <p:strVal val="visible"/>
+                                      </p:to>
+                                    </p:set>
+                                  </p:childTnLst>
+                                </p:cTn>
+                              </p:par>
+                              <p:par>
+                                <p:cTn id="7" presetID="1" presetClass="entr" presetSubtype="0" fill="hold" nodeType="withEffect">
+                                  <p:stCondLst>
+                                    <p:cond delay="0"/>
+                                  </p:stCondLst>
+                                  <p:childTnLst>
+                                    <p:set>
+                                      <p:cBhvr>
+                                        <p:cTn id="8" dur="1" fill="hold">
+                                          <p:stCondLst>
+                                            <p:cond delay="0"/>
+                                          </p:stCondLst>
+                                        </p:cTn>
+                                        <p:tgtEl>
+                                          <p:spTgt spid="9">
+                                            <p:txEl>
+                                              <p:pRg st="2" end="2"/>
+                                            </p:txEl>
+                                          </p:spTgt>
+                                        </p:tgtEl>
+                                        <p:attrNameLst>
+                                          <p:attrName>style.visibility</p:attrName>
+                                        </p:attrNameLst>
+                                      </p:cBhvr>
+                                      <p:to>
+                                        <p:strVal val="visible"/>
+                                      </p:to>
+                                    </p:set>
+                                  </p:childTnLst>
+                                </p:cTn>
+                              </p:par>
+                              <p:par>
+                                <p:cTn id="9" presetID="1" presetClass="entr" presetSubtype="0" fill="hold" nodeType="withEffect">
+                                  <p:stCondLst>
+                                    <p:cond delay="0"/>
+                                  </p:stCondLst>
+                                  <p:childTnLst>
+                                    <p:set>
+                                      <p:cBhvr>
+                                        <p:cTn id="10" dur="1" fill="hold">
+                                          <p:stCondLst>
+                                            <p:cond delay="0"/>
+                                          </p:stCondLst>
+                                        </p:cTn>
+                                        <p:tgtEl>
+                                          <p:spTgt spid="9">
+                                            <p:txEl>
+                                              <p:pRg st="3" end="3"/>
+                                            </p:txEl>
+                                          </p:spTgt>
+                                        </p:tgtEl>
+                                        <p:attrNameLst>
+                                          <p:attrName>style.visibility</p:attrName>
+                                        </p:attrNameLst>
+                                      </p:cBhvr>
+                                      <p:to>
+                                        <p:strVal val="visible"/>
+                                      </p:to>
+                                    </p:set>
+                                  </p:childTnLst>
+                                </p:cTn>
+                              </p:par>
+                              <p:par>
+                                <p:cTn id="11" presetID="1" presetClass="entr" presetSubtype="0" fill="hold" nodeType="withEffect">
+                                  <p:stCondLst>
+                                    <p:cond delay="0"/>
+                                  </p:stCondLst>
+                                  <p:childTnLst>
+                                    <p:set>
+                                      <p:cBhvr>
+                                        <p:cTn id="12" dur="1" fill="hold">
+                                          <p:stCondLst>
+                                            <p:cond delay="0"/>
+                                          </p:stCondLst>
+                                        </p:cTn>
+                                        <p:tgtEl>
+                                          <p:spTgt spid="9">
+                                            <p:txEl>
+                                              <p:pRg st="4" end="4"/>
+                                            </p:txEl>
+                                          </p:spTgt>
+                                        </p:tgtEl>
+                                        <p:attrNameLst>
+                                          <p:attrName>style.visibility</p:attrName>
+                                        </p:attrNameLst>
+                                      </p:cBhvr>
+                                      <p:to>
+                                        <p:strVal val="visible"/>
+                                      </p:to>
+                                    </p:set>
+                                  </p:childTnLst>
+                                </p:cTn>
+                              </p:par>
+                            </p:childTnLst>
+                          </p:cTn>
+                        </p:par>
+                      </p:childTnLst>
+                    </p:cTn>
+                  </p:par>
+                  <p:par>
+                    <p:cTn id="13" fill="hold">
+                      <p:stCondLst>
+                        <p:cond delay="indefinite"/>
+                      </p:stCondLst>
+                      <p:childTnLst>
+                        <p:par>
+                          <p:cTn id="14" fill="hold">
+                            <p:stCondLst>
+                              <p:cond delay="0"/>
+                            </p:stCondLst>
+                            <p:childTnLst>
+                              <p:par>
+                                <p:cTn id="15" presetID="1" presetClass="entr" presetSubtype="0" fill="hold" nodeType="clickEffect">
+                                  <p:stCondLst>
+                                    <p:cond delay="0"/>
+                                  </p:stCondLst>
+                                  <p:childTnLst>
+                                    <p:set>
+                                      <p:cBhvr>
+                                        <p:cTn id="16" dur="1" fill="hold">
+                                          <p:stCondLst>
+                                            <p:cond delay="0"/>
+                                          </p:stCondLst>
+                                        </p:cTn>
+                                        <p:tgtEl>
+                                          <p:spTgt spid="9">
+                                            <p:txEl>
+                                              <p:pRg st="5" end="5"/>
+                                            </p:txEl>
+                                          </p:spTgt>
+                                        </p:tgtEl>
+                                        <p:attrNameLst>
+                                          <p:attrName>style.visibility</p:attrName>
+                                        </p:attrNameLst>
+                                      </p:cBhvr>
+                                      <p:to>
+                                        <p:strVal val="visible"/>
+                                      </p:to>
+                                    </p:set>
+                                  </p:childTnLst>
+                                </p:cTn>
+                              </p:par>
+                            </p:childTnLst>
+                          </p:cTn>
+                        </p:par>
+                      </p:childTnLst>
+                    </p:cTn>
+                  </p:par>
+                  <p:par>
+                    <p:cTn id="17" fill="hold">
+                      <p:stCondLst>
+                        <p:cond delay="indefinite"/>
+                      </p:stCondLst>
+                      <p:childTnLst>
+                        <p:par>
+                          <p:cTn id="18" fill="hold">
+                            <p:stCondLst>
+                              <p:cond delay="0"/>
+                            </p:stCondLst>
+                            <p:childTnLst>
+                              <p:par>
+                                <p:cTn id="19" presetID="1" presetClass="entr" presetSubtype="0" fill="hold" grpId="0" nodeType="clickEffect">
+                                  <p:stCondLst>
+                                    <p:cond delay="0"/>
+                                  </p:stCondLst>
+                                  <p:childTnLst>
+                                    <p:set>
+                                      <p:cBhvr>
+                                        <p:cTn id="20" dur="1" fill="hold">
+                                          <p:stCondLst>
+                                            <p:cond delay="0"/>
+                                          </p:stCondLst>
+                                        </p:cTn>
+                                        <p:tgtEl>
+                                          <p:spTgt spid="3"/>
+                                        </p:tgtEl>
+                                        <p:attrNameLst>
+                                          <p:attrName>style.visibility</p:attrName>
+                                        </p:attrNameLst>
+                                      </p:cBhvr>
+                                      <p:to>
+                                        <p:strVal val="visible"/>
+                                      </p:to>
+                                    </p:set>
+                                  </p:childTnLst>
+                                </p:cTn>
+                              </p:par>
+                            </p:childTnLst>
+                          </p:cTn>
+                        </p:par>
+                      </p:childTnLst>
+                    </p:cTn>
+                  </p:par>
+                  <p:par>
+                    <p:cTn id="21" fill="hold">
+                      <p:stCondLst>
+                        <p:cond delay="indefinite"/>
+                      </p:stCondLst>
+                      <p:childTnLst>
+                        <p:par>
+                          <p:cTn id="22" fill="hold">
+                            <p:stCondLst>
+                              <p:cond delay="0"/>
+                            </p:stCondLst>
+                            <p:childTnLst>
+                              <p:par>
+                                <p:cTn id="23" presetID="1" presetClass="entr" presetSubtype="0" fill="hold" nodeType="clickEffect">
+                                  <p:stCondLst>
+                                    <p:cond delay="0"/>
+                                  </p:stCondLst>
+                                  <p:childTnLst>
+                                    <p:set>
+                                      <p:cBhvr>
+                                        <p:cTn id="24" dur="1" fill="hold">
+                                          <p:stCondLst>
+                                            <p:cond delay="0"/>
+                                          </p:stCondLst>
+                                        </p:cTn>
+                                        <p:tgtEl>
+                                          <p:spTgt spid="9">
+                                            <p:txEl>
+                                              <p:pRg st="6" end="6"/>
+                                            </p:txEl>
+                                          </p:spTgt>
+                                        </p:tgtEl>
+                                        <p:attrNameLst>
+                                          <p:attrName>style.visibility</p:attrName>
+                                        </p:attrNameLst>
+                                      </p:cBhvr>
+                                      <p:to>
+                                        <p:strVal val="visible"/>
+                                      </p:to>
+                                    </p:set>
+                                  </p:childTnLst>
+                                </p:cTn>
+                              </p:par>
+                              <p:par>
+                                <p:cTn id="25" presetID="1" presetClass="entr" presetSubtype="0" fill="hold" nodeType="withEffect">
+                                  <p:stCondLst>
+                                    <p:cond delay="0"/>
+                                  </p:stCondLst>
+                                  <p:childTnLst>
+                                    <p:set>
+                                      <p:cBhvr>
+                                        <p:cTn id="26" dur="1" fill="hold">
+                                          <p:stCondLst>
+                                            <p:cond delay="0"/>
+                                          </p:stCondLst>
+                                        </p:cTn>
+                                        <p:tgtEl>
+                                          <p:spTgt spid="9">
+                                            <p:txEl>
+                                              <p:pRg st="7" end="7"/>
+                                            </p:txEl>
+                                          </p:spTgt>
+                                        </p:tgtEl>
+                                        <p:attrNameLst>
+                                          <p:attrName>style.visibility</p:attrName>
+                                        </p:attrNameLst>
+                                      </p:cBhvr>
+                                      <p:to>
+                                        <p:strVal val="visible"/>
+                                      </p:to>
+                                    </p:set>
+                                  </p:childTnLst>
+                                </p:cTn>
+                              </p:par>
+                            </p:childTnLst>
+                          </p:cTn>
+                        </p:par>
+                      </p:childTnLst>
+                    </p:cTn>
+                  </p:par>
+                  <p:par>
+                    <p:cTn id="27" fill="hold">
+                      <p:stCondLst>
+                        <p:cond delay="indefinite"/>
+                      </p:stCondLst>
+                      <p:childTnLst>
+                        <p:par>
+                          <p:cTn id="28" fill="hold">
+                            <p:stCondLst>
+                              <p:cond delay="0"/>
+                            </p:stCondLst>
+                            <p:childTnLst>
+                              <p:par>
+                                <p:cTn id="29" presetID="1" presetClass="entr" presetSubtype="0" fill="hold" nodeType="clickEffect">
+                                  <p:stCondLst>
+                                    <p:cond delay="0"/>
+                                  </p:stCondLst>
+                                  <p:childTnLst>
+                                    <p:set>
+                                      <p:cBhvr>
+                                        <p:cTn id="30" dur="1" fill="hold">
+                                          <p:stCondLst>
+                                            <p:cond delay="0"/>
+                                          </p:stCondLst>
+                                        </p:cTn>
+                                        <p:tgtEl>
+                                          <p:spTgt spid="9">
+                                            <p:txEl>
+                                              <p:pRg st="8" end="8"/>
+                                            </p:txEl>
+                                          </p:spTgt>
+                                        </p:tgtEl>
+                                        <p:attrNameLst>
+                                          <p:attrName>style.visibility</p:attrName>
+                                        </p:attrNameLst>
+                                      </p:cBhvr>
+                                      <p:to>
+                                        <p:strVal val="visible"/>
+                                      </p:to>
+                                    </p:set>
+                                  </p:childTnLst>
+                                </p:cTn>
+                              </p:par>
+                              <p:par>
+                                <p:cTn id="31" presetID="1" presetClass="entr" presetSubtype="0" fill="hold" nodeType="withEffect">
+                                  <p:stCondLst>
+                                    <p:cond delay="0"/>
+                                  </p:stCondLst>
+                                  <p:childTnLst>
+                                    <p:set>
+                                      <p:cBhvr>
+                                        <p:cTn id="32" dur="1" fill="hold">
+                                          <p:stCondLst>
+                                            <p:cond delay="0"/>
+                                          </p:stCondLst>
+                                        </p:cTn>
+                                        <p:tgtEl>
+                                          <p:spTgt spid="9">
+                                            <p:txEl>
+                                              <p:pRg st="9" end="9"/>
+                                            </p:txEl>
+                                          </p:spTgt>
+                                        </p:tgtEl>
+                                        <p:attrNameLst>
+                                          <p:attrName>style.visibility</p:attrName>
+                                        </p:attrNameLst>
+                                      </p:cBhvr>
+                                      <p:to>
+                                        <p:strVal val="visible"/>
+                                      </p:to>
+                                    </p:set>
+                                  </p:childTnLst>
+                                </p:cTn>
+                              </p:par>
+                            </p:childTnLst>
+                          </p:cTn>
+                        </p:par>
+                      </p:childTnLst>
+                    </p:cTn>
+                  </p:par>
+                </p:childTnLst>
+              </p:cTn>
+              <p:prevCondLst>
+                <p:cond evt="onPrev" delay="0">
+                  <p:tgtEl>
+                    <p:sldTgt/>
+                  </p:tgtEl>
+                </p:cond>
+              </p:prevCondLst>
+              <p:nextCondLst>
+                <p:cond evt="onNext" delay="0">
+                  <p:tgtEl>
+                    <p:sldTgt/>
+                  </p:tgtEl>
+                </p:cond>
+              </p:nextCondLst>
+            </p:seq>
+          </p:childTnLst>
+        </p:cTn>
+      </p:par>
+    </p:tnLst>
+    <p:bldLst>
+      <p:bldP spid="3" grpId="0"/>
+    </p:bldLst>
+  </p:timing>
+</p:sld>
+</file>
+
+<file path=ppt/slides/slide3.xml><?xml version="1.0" encoding="utf-8"?>
+<p:sld xmlns:a="http://schemas.openxmlformats.org/drawingml/2006/main" xmlns:r="http://schemas.openxmlformats.org/officeDocument/2006/relationships" xmlns:p="http://schemas.openxmlformats.org/presentationml/2006/main">
+  <p:cSld>
+    <p:spTree>
+      <p:nvGrpSpPr>
+        <p:cNvPr id="1" name=""/>
+        <p:cNvGrpSpPr/>
+        <p:nvPr/>
+      </p:nvGrpSpPr>
+      <p:grpSpPr>
+        <a:xfrm>
+          <a:off x="0" y="0"/>
+          <a:ext cx="0" cy="0"/>
+          <a:chOff x="0" y="0"/>
+          <a:chExt cx="0" cy="0"/>
+        </a:xfrm>
+      </p:grpSpPr>
+      <p:sp>
+        <p:nvSpPr>
+          <p:cNvPr id="2" name="Title 1">
+            <a:extLst>
+              <a:ext uri="{FF2B5EF4-FFF2-40B4-BE49-F238E27FC236}">
+                <a16:creationId xmlns:a16="http://schemas.microsoft.com/office/drawing/2014/main" id="{AA3A228F-61D0-D949-A5E7-F83756230BF8}"/>
+              </a:ext>
+            </a:extLst>
+          </p:cNvPr>
+          <p:cNvSpPr>
+            <a:spLocks noGrp="1"/>
+          </p:cNvSpPr>
+          <p:nvPr>
+            <p:ph type="title"/>
+          </p:nvPr>
+        </p:nvSpPr>
+        <p:spPr>
+          <a:xfrm>
+            <a:off x="483848" y="467027"/>
+            <a:ext cx="7053542" cy="683886"/>
+          </a:xfrm>
+        </p:spPr>
+        <p:txBody>
+          <a:bodyPr/>
+          <a:lstStyle/>
+          <a:p>
+            <a:r>
+              <a:rPr lang="en-US" dirty="0"/>
+              <a:t>Containers</a:t>
+            </a:r>
+          </a:p>
+        </p:txBody>
+      </p:sp>
+      <p:sp>
+        <p:nvSpPr>
+          <p:cNvPr id="9" name="Content Placeholder 8">
+            <a:extLst>
+              <a:ext uri="{FF2B5EF4-FFF2-40B4-BE49-F238E27FC236}">
+                <a16:creationId xmlns:a16="http://schemas.microsoft.com/office/drawing/2014/main" id="{E3B2E017-30B2-884B-A113-B419A2ED51AD}"/>
+              </a:ext>
+            </a:extLst>
+          </p:cNvPr>
+          <p:cNvSpPr>
+            <a:spLocks noGrp="1"/>
+          </p:cNvSpPr>
+          <p:nvPr>
+            <p:ph idx="1"/>
+          </p:nvPr>
+        </p:nvSpPr>
+        <p:spPr>
+          <a:xfrm>
+            <a:off x="483848" y="1288074"/>
+            <a:ext cx="8051725" cy="4051496"/>
+          </a:xfrm>
+        </p:spPr>
+        <p:txBody>
+          <a:bodyPr>
+            <a:normAutofit/>
+          </a:bodyPr>
+          <a:lstStyle/>
+          <a:p>
+            <a:pPr marL="0" indent="0">
+              <a:buNone/>
+            </a:pPr>
+            <a:r>
+              <a:rPr lang="en-US" dirty="0"/>
+              <a:t>Python includes several built-in sequences: </a:t>
+            </a:r>
+            <a:r>
+              <a:rPr lang="en-US" i="1" dirty="0"/>
+              <a:t>lists, tuples, strings</a:t>
+            </a:r>
+            <a:r>
+              <a:rPr lang="en-US" dirty="0"/>
+              <a:t>.</a:t>
+            </a:r>
+          </a:p>
+          <a:p>
+            <a:pPr marL="0" indent="0">
+              <a:buNone/>
+            </a:pPr>
+            <a:r>
+              <a:rPr lang="en-US" dirty="0"/>
+              <a:t>We discussed strings in the previous lecture. String is a flat sequence which holds item of one type. Flat sequences physically store the value of each item within its own memory space.</a:t>
+            </a:r>
+          </a:p>
+          <a:p>
+            <a:pPr marL="0" indent="0">
+              <a:buNone/>
+            </a:pPr>
+            <a:endParaRPr lang="en-US" dirty="0"/>
+          </a:p>
+          <a:p>
+            <a:pPr marL="0" indent="0">
+              <a:buNone/>
+            </a:pPr>
+            <a:r>
+              <a:rPr lang="en-US" i="1" dirty="0"/>
+              <a:t>Lists</a:t>
+            </a:r>
+            <a:r>
+              <a:rPr lang="en-US" dirty="0"/>
+              <a:t> and </a:t>
+            </a:r>
+            <a:r>
+              <a:rPr lang="en-US" i="1" dirty="0"/>
+              <a:t>tuples</a:t>
+            </a:r>
+            <a:r>
+              <a:rPr lang="en-US" dirty="0"/>
+              <a:t> are </a:t>
+            </a:r>
+            <a:r>
+              <a:rPr lang="en-US" i="1" dirty="0"/>
+              <a:t>container sequences</a:t>
+            </a:r>
+            <a:r>
+              <a:rPr lang="en-US" dirty="0"/>
+              <a:t>, which can hold items of different type. They hold references to objects they contain(more on this later).</a:t>
+            </a:r>
+          </a:p>
+          <a:p>
+            <a:pPr marL="0" indent="0">
+              <a:buNone/>
+            </a:pPr>
+            <a:endParaRPr lang="en-US" dirty="0"/>
+          </a:p>
+          <a:p>
+            <a:pPr marL="0" indent="0">
+              <a:buNone/>
+            </a:pPr>
+            <a:r>
+              <a:rPr lang="en-US" dirty="0"/>
+              <a:t>Another way of grouping sequence types is by </a:t>
+            </a:r>
+            <a:r>
+              <a:rPr lang="en-US" i="1" dirty="0"/>
+              <a:t>mutability</a:t>
+            </a:r>
+            <a:r>
+              <a:rPr lang="en-US" dirty="0"/>
+              <a:t>. Lists are </a:t>
+            </a:r>
+            <a:r>
+              <a:rPr lang="en-US" i="1" dirty="0"/>
+              <a:t>mutable(can be modified)</a:t>
+            </a:r>
+            <a:r>
+              <a:rPr lang="en-US" dirty="0"/>
+              <a:t> sequences while strings and tuples are </a:t>
+            </a:r>
+            <a:r>
+              <a:rPr lang="en-US" i="1" dirty="0"/>
+              <a:t>immutable</a:t>
+            </a:r>
+            <a:r>
+              <a:rPr lang="en-US" dirty="0"/>
+              <a:t> sequences. We discuss lists in this lecture and tuples in the next.</a:t>
+            </a:r>
+          </a:p>
+          <a:p>
+            <a:pPr marL="0" indent="0">
+              <a:buNone/>
+            </a:pPr>
+            <a:endParaRPr lang="en-US" b="1" dirty="0">
+              <a:latin typeface="Inconsolata Medium" panose="020B0609030003000000" pitchFamily="49" charset="77"/>
+            </a:endParaRPr>
+          </a:p>
+        </p:txBody>
+      </p:sp>
+    </p:spTree>
+    <p:extLst>
+      <p:ext uri="{BB962C8B-B14F-4D97-AF65-F5344CB8AC3E}">
+        <p14:creationId xmlns:p14="http://schemas.microsoft.com/office/powerpoint/2010/main" val="278045358"/>
+      </p:ext>
+    </p:extLst>
+  </p:cSld>
+  <p:clrMapOvr>
+    <a:masterClrMapping/>
+  </p:clrMapOvr>
+  <p:timing>
+    <p:tnLst>
+      <p:par>
+        <p:cTn id="1" dur="indefinite" restart="never" nodeType="tmRoot">
+          <p:childTnLst>
+            <p:seq concurrent="1" nextAc="seek">
+              <p:cTn id="2" dur="indefinite" nodeType="mainSeq">
+                <p:childTnLst>
+                  <p:par>
+                    <p:cTn id="3" fill="hold">
+                      <p:stCondLst>
+                        <p:cond delay="indefinite"/>
+                        <p:cond evt="onBegin" delay="0">
+                          <p:tn val="2"/>
+                        </p:cond>
+                      </p:stCondLst>
+                      <p:childTnLst>
+                        <p:par>
+                          <p:cTn id="4" fill="hold">
+                            <p:stCondLst>
+                              <p:cond delay="0"/>
+                            </p:stCondLst>
+                            <p:childTnLst>
+                              <p:par>
+                                <p:cTn id="5" presetID="1" presetClass="entr" presetSubtype="0" fill="hold" grpId="0" nodeType="withEffect">
+                                  <p:stCondLst>
+                                    <p:cond delay="0"/>
+                                  </p:stCondLst>
+                                  <p:childTnLst>
+                                    <p:set>
+                                      <p:cBhvr>
+                                        <p:cTn id="6" dur="1" fill="hold">
+                                          <p:stCondLst>
+                                            <p:cond delay="0"/>
+                                          </p:stCondLst>
+                                        </p:cTn>
+                                        <p:tgtEl>
+                                          <p:spTgt spid="9">
+                                            <p:txEl>
+                                              <p:pRg st="0" end="0"/>
+                                            </p:txEl>
+                                          </p:spTgt>
+                                        </p:tgtEl>
+                                        <p:attrNameLst>
+                                          <p:attrName>style.visibility</p:attrName>
+                                        </p:attrNameLst>
+                                      </p:cBhvr>
+                                      <p:to>
+                                        <p:strVal val="visible"/>
+                                      </p:to>
+                                    </p:set>
+                                  </p:childTnLst>
+                                </p:cTn>
+                              </p:par>
+                            </p:childTnLst>
+                          </p:cTn>
+                        </p:par>
+                      </p:childTnLst>
+                    </p:cTn>
+                  </p:par>
+                  <p:par>
+                    <p:cTn id="7" fill="hold">
+                      <p:stCondLst>
+                        <p:cond delay="indefinite"/>
+                      </p:stCondLst>
+                      <p:childTnLst>
+                        <p:par>
+                          <p:cTn id="8" fill="hold">
+                            <p:stCondLst>
+                              <p:cond delay="0"/>
+                            </p:stCondLst>
+                            <p:childTnLst>
+                              <p:par>
+                                <p:cTn id="9" presetID="1" presetClass="entr" presetSubtype="0" fill="hold" grpId="0" nodeType="clickEffect">
+                                  <p:stCondLst>
+                                    <p:cond delay="0"/>
+                                  </p:stCondLst>
+                                  <p:childTnLst>
+                                    <p:set>
+                                      <p:cBhvr>
+                                        <p:cTn id="10" dur="1" fill="hold">
+                                          <p:stCondLst>
+                                            <p:cond delay="0"/>
+                                          </p:stCondLst>
+                                        </p:cTn>
+                                        <p:tgtEl>
+                                          <p:spTgt spid="9">
+                                            <p:txEl>
+                                              <p:pRg st="1" end="1"/>
+                                            </p:txEl>
+                                          </p:spTgt>
+                                        </p:tgtEl>
+                                        <p:attrNameLst>
+                                          <p:attrName>style.visibility</p:attrName>
+                                        </p:attrNameLst>
+                                      </p:cBhvr>
+                                      <p:to>
+                                        <p:strVal val="visible"/>
+                                      </p:to>
+                                    </p:set>
+                                  </p:childTnLst>
+                                </p:cTn>
+                              </p:par>
+                            </p:childTnLst>
+                          </p:cTn>
+                        </p:par>
+                      </p:childTnLst>
+                    </p:cTn>
+                  </p:par>
+                  <p:par>
+                    <p:cTn id="11" fill="hold">
+                      <p:stCondLst>
+                        <p:cond delay="indefinite"/>
+                      </p:stCondLst>
+                      <p:childTnLst>
+                        <p:par>
+                          <p:cTn id="12" fill="hold">
+                            <p:stCondLst>
+                              <p:cond delay="0"/>
+                            </p:stCondLst>
+                            <p:childTnLst>
+                              <p:par>
+                                <p:cTn id="13" presetID="1" presetClass="entr" presetSubtype="0" fill="hold" grpId="0" nodeType="clickEffect">
+                                  <p:stCondLst>
+                                    <p:cond delay="0"/>
+                                  </p:stCondLst>
+                                  <p:childTnLst>
+                                    <p:set>
+                                      <p:cBhvr>
+                                        <p:cTn id="14" dur="1" fill="hold">
+                                          <p:stCondLst>
+                                            <p:cond delay="0"/>
+                                          </p:stCondLst>
+                                        </p:cTn>
+                                        <p:tgtEl>
+                                          <p:spTgt spid="9">
+                                            <p:txEl>
+                                              <p:pRg st="3" end="3"/>
+                                            </p:txEl>
+                                          </p:spTgt>
+                                        </p:tgtEl>
+                                        <p:attrNameLst>
+                                          <p:attrName>style.visibility</p:attrName>
+                                        </p:attrNameLst>
+                                      </p:cBhvr>
+                                      <p:to>
+                                        <p:strVal val="visible"/>
+                                      </p:to>
+                                    </p:set>
+                                  </p:childTnLst>
+                                </p:cTn>
+                              </p:par>
+                            </p:childTnLst>
+                          </p:cTn>
+                        </p:par>
+                      </p:childTnLst>
+                    </p:cTn>
+                  </p:par>
+                  <p:par>
+                    <p:cTn id="15" fill="hold">
+                      <p:stCondLst>
+                        <p:cond delay="indefinite"/>
+                      </p:stCondLst>
+                      <p:childTnLst>
+                        <p:par>
+                          <p:cTn id="16" fill="hold">
+                            <p:stCondLst>
+                              <p:cond delay="0"/>
+                            </p:stCondLst>
+                            <p:childTnLst>
+                              <p:par>
+                                <p:cTn id="17" presetID="1" presetClass="entr" presetSubtype="0" fill="hold" grpId="0" nodeType="clickEffect">
+                                  <p:stCondLst>
+                                    <p:cond delay="0"/>
+                                  </p:stCondLst>
+                                  <p:childTnLst>
+                                    <p:set>
+                                      <p:cBhvr>
+                                        <p:cTn id="18" dur="1" fill="hold">
+                                          <p:stCondLst>
+                                            <p:cond delay="0"/>
+                                          </p:stCondLst>
+                                        </p:cTn>
+                                        <p:tgtEl>
+                                          <p:spTgt spid="9">
+                                            <p:txEl>
+                                              <p:pRg st="5" end="5"/>
+                                            </p:txEl>
+                                          </p:spTgt>
+                                        </p:tgtEl>
+                                        <p:attrNameLst>
+                                          <p:attrName>style.visibility</p:attrName>
+                                        </p:attrNameLst>
+                                      </p:cBhvr>
+                                      <p:to>
+                                        <p:strVal val="visible"/>
+                                      </p:to>
+                                    </p:set>
+                                  </p:childTnLst>
+                                </p:cTn>
+                              </p:par>
+                            </p:childTnLst>
+                          </p:cTn>
+                        </p:par>
+                      </p:childTnLst>
+                    </p:cTn>
+                  </p:par>
+                </p:childTnLst>
+              </p:cTn>
+              <p:prevCondLst>
+                <p:cond evt="onPrev" delay="0">
+                  <p:tgtEl>
+                    <p:sldTgt/>
+                  </p:tgtEl>
+                </p:cond>
+              </p:prevCondLst>
+              <p:nextCondLst>
+                <p:cond evt="onNext" delay="0">
+                  <p:tgtEl>
+                    <p:sldTgt/>
+                  </p:tgtEl>
+                </p:cond>
+              </p:nextCondLst>
+            </p:seq>
+          </p:childTnLst>
+        </p:cTn>
+      </p:par>
+    </p:tnLst>
+    <p:bldLst>
+      <p:bldP spid="9" grpId="0" uiExpand="1" build="p"/>
+    </p:bldLst>
+  </p:timing>
+</p:sld>
+</file>
+
+<file path=ppt/slides/slide30.xml><?xml version="1.0" encoding="utf-8"?>
+<p:sld xmlns:a="http://schemas.openxmlformats.org/drawingml/2006/main" xmlns:r="http://schemas.openxmlformats.org/officeDocument/2006/relationships" xmlns:p="http://schemas.openxmlformats.org/presentationml/2006/main">
+  <p:cSld>
+    <p:spTree>
+      <p:nvGrpSpPr>
+        <p:cNvPr id="1" name=""/>
+        <p:cNvGrpSpPr/>
+        <p:nvPr/>
+      </p:nvGrpSpPr>
+      <p:grpSpPr>
+        <a:xfrm>
+          <a:off x="0" y="0"/>
+          <a:ext cx="0" cy="0"/>
+          <a:chOff x="0" y="0"/>
+          <a:chExt cx="0" cy="0"/>
+        </a:xfrm>
+      </p:grpSpPr>
+      <p:sp>
+        <p:nvSpPr>
+          <p:cNvPr id="2" name="Title 1">
+            <a:extLst>
+              <a:ext uri="{FF2B5EF4-FFF2-40B4-BE49-F238E27FC236}">
+                <a16:creationId xmlns:a16="http://schemas.microsoft.com/office/drawing/2014/main" id="{AA3A228F-61D0-D949-A5E7-F83756230BF8}"/>
+              </a:ext>
+            </a:extLst>
+          </p:cNvPr>
+          <p:cNvSpPr>
+            <a:spLocks noGrp="1"/>
+          </p:cNvSpPr>
+          <p:nvPr>
+            <p:ph type="title"/>
+          </p:nvPr>
+        </p:nvSpPr>
+        <p:spPr>
+          <a:xfrm>
+            <a:off x="483848" y="467027"/>
+            <a:ext cx="7053542" cy="683886"/>
+          </a:xfrm>
+        </p:spPr>
+        <p:txBody>
+          <a:bodyPr/>
+          <a:lstStyle/>
+          <a:p>
+            <a:r>
+              <a:rPr lang="en-US" dirty="0"/>
+              <a:t>Mutable vs Immutable</a:t>
+            </a:r>
+          </a:p>
+        </p:txBody>
+      </p:sp>
+      <p:sp>
+        <p:nvSpPr>
+          <p:cNvPr id="9" name="Content Placeholder 8">
+            <a:extLst>
+              <a:ext uri="{FF2B5EF4-FFF2-40B4-BE49-F238E27FC236}">
+                <a16:creationId xmlns:a16="http://schemas.microsoft.com/office/drawing/2014/main" id="{E3B2E017-30B2-884B-A113-B419A2ED51AD}"/>
+              </a:ext>
+            </a:extLst>
+          </p:cNvPr>
+          <p:cNvSpPr>
+            <a:spLocks noGrp="1"/>
+          </p:cNvSpPr>
+          <p:nvPr>
+            <p:ph idx="1"/>
+          </p:nvPr>
+        </p:nvSpPr>
+        <p:spPr>
+          <a:xfrm>
+            <a:off x="483848" y="1150912"/>
+            <a:ext cx="8051725" cy="4564087"/>
+          </a:xfrm>
+        </p:spPr>
+        <p:txBody>
+          <a:bodyPr>
+            <a:noAutofit/>
+          </a:bodyPr>
+          <a:lstStyle/>
+          <a:p>
+            <a:pPr marL="0" indent="0">
+              <a:buNone/>
+            </a:pPr>
+            <a:r>
+              <a:rPr lang="en-US" dirty="0"/>
+              <a:t>The list class is mutable.  Compare and contrast this example to the previous slide. </a:t>
+            </a:r>
+          </a:p>
+          <a:p>
+            <a:pPr marL="0" indent="0">
+              <a:buNone/>
+            </a:pPr>
+            <a:r>
+              <a:rPr lang="en-US" b="1" dirty="0">
+                <a:solidFill>
+                  <a:srgbClr val="000087"/>
+                </a:solidFill>
+                <a:latin typeface="Inconsolata Medium" panose="020B0609030003000000" pitchFamily="49" charset="77"/>
+              </a:rPr>
+              <a:t>In </a:t>
+            </a:r>
+            <a:r>
+              <a:rPr lang="en-US" b="1" dirty="0">
+                <a:latin typeface="Inconsolata Medium" panose="020B0609030003000000" pitchFamily="49" charset="77"/>
+              </a:rPr>
+              <a:t>[</a:t>
+            </a:r>
+            <a:r>
+              <a:rPr lang="en-US" b="1" dirty="0">
+                <a:solidFill>
+                  <a:srgbClr val="FF6600"/>
+                </a:solidFill>
+                <a:latin typeface="Inconsolata Medium" panose="020B0609030003000000" pitchFamily="49" charset="77"/>
+              </a:rPr>
+              <a:t>1</a:t>
+            </a:r>
+            <a:r>
+              <a:rPr lang="en-US" b="1" dirty="0">
+                <a:latin typeface="Inconsolata Medium" panose="020B0609030003000000" pitchFamily="49" charset="77"/>
+              </a:rPr>
+              <a:t>]: </a:t>
+            </a:r>
+            <a:r>
+              <a:rPr lang="en-US" b="1" dirty="0">
+                <a:solidFill>
+                  <a:srgbClr val="000087"/>
+                </a:solidFill>
+                <a:latin typeface="Inconsolata Medium" panose="020B0609030003000000" pitchFamily="49" charset="77"/>
+              </a:rPr>
+              <a:t>x </a:t>
+            </a:r>
+            <a:r>
+              <a:rPr lang="en-US" b="1" dirty="0">
+                <a:solidFill>
+                  <a:srgbClr val="545454"/>
+                </a:solidFill>
+                <a:latin typeface="Inconsolata Medium" panose="020B0609030003000000" pitchFamily="49" charset="77"/>
+              </a:rPr>
+              <a:t>= </a:t>
+            </a:r>
+            <a:r>
+              <a:rPr lang="en-US" b="1" dirty="0">
+                <a:latin typeface="Inconsolata Medium" panose="020B0609030003000000" pitchFamily="49" charset="77"/>
+              </a:rPr>
+              <a:t>[1, 2, 3]</a:t>
+            </a:r>
+          </a:p>
+          <a:p>
+            <a:pPr marL="0" indent="0">
+              <a:buNone/>
+            </a:pPr>
+            <a:r>
+              <a:rPr lang="en-US" b="1" dirty="0">
+                <a:solidFill>
+                  <a:srgbClr val="000087"/>
+                </a:solidFill>
+                <a:latin typeface="Inconsolata Medium" panose="020B0609030003000000" pitchFamily="49" charset="77"/>
+              </a:rPr>
+              <a:t>	   y </a:t>
+            </a:r>
+            <a:r>
+              <a:rPr lang="en-US" b="1" dirty="0">
+                <a:solidFill>
+                  <a:srgbClr val="545454"/>
+                </a:solidFill>
+                <a:latin typeface="Inconsolata Medium" panose="020B0609030003000000" pitchFamily="49" charset="77"/>
+              </a:rPr>
+              <a:t>= </a:t>
+            </a:r>
+            <a:r>
+              <a:rPr lang="en-US" b="1" dirty="0">
+                <a:solidFill>
+                  <a:srgbClr val="000087"/>
+                </a:solidFill>
+                <a:latin typeface="Inconsolata Medium" panose="020B0609030003000000" pitchFamily="49" charset="77"/>
+              </a:rPr>
+              <a:t>x</a:t>
+            </a:r>
+          </a:p>
+          <a:p>
+            <a:pPr marL="0" indent="0">
+              <a:buNone/>
+            </a:pPr>
+            <a:r>
+              <a:rPr lang="en-US" b="1" dirty="0">
+                <a:solidFill>
+                  <a:srgbClr val="000087"/>
+                </a:solidFill>
+                <a:latin typeface="Inconsolata Medium" panose="020B0609030003000000" pitchFamily="49" charset="77"/>
+              </a:rPr>
+              <a:t>In </a:t>
+            </a:r>
+            <a:r>
+              <a:rPr lang="en-US" b="1" dirty="0">
+                <a:latin typeface="Inconsolata Medium" panose="020B0609030003000000" pitchFamily="49" charset="77"/>
+              </a:rPr>
+              <a:t>[</a:t>
+            </a:r>
+            <a:r>
+              <a:rPr lang="en-US" b="1" dirty="0">
+                <a:solidFill>
+                  <a:srgbClr val="FF6600"/>
+                </a:solidFill>
+                <a:latin typeface="Inconsolata Medium" panose="020B0609030003000000" pitchFamily="49" charset="77"/>
+              </a:rPr>
+              <a:t>2</a:t>
+            </a:r>
+            <a:r>
+              <a:rPr lang="en-US" b="1" dirty="0">
+                <a:latin typeface="Inconsolata Medium" panose="020B0609030003000000" pitchFamily="49" charset="77"/>
+              </a:rPr>
+              <a:t>]: </a:t>
+            </a:r>
+            <a:r>
+              <a:rPr lang="en-US" b="1" dirty="0">
+                <a:solidFill>
+                  <a:srgbClr val="006699"/>
+                </a:solidFill>
+                <a:latin typeface="Inconsolata Medium" panose="020B0609030003000000" pitchFamily="49" charset="77"/>
+              </a:rPr>
+              <a:t>x is y</a:t>
+            </a:r>
+            <a:r>
+              <a:rPr lang="en-US" b="1" dirty="0">
+                <a:latin typeface="Inconsolata Medium" panose="020B0609030003000000" pitchFamily="49" charset="77"/>
+              </a:rPr>
+              <a:t> </a:t>
+            </a:r>
+          </a:p>
+          <a:p>
+            <a:pPr marL="0" indent="0">
+              <a:buNone/>
+            </a:pPr>
+            <a:r>
+              <a:rPr lang="en-US" b="1" dirty="0">
+                <a:latin typeface="Inconsolata Medium" panose="020B0609030003000000" pitchFamily="49" charset="77"/>
+              </a:rPr>
+              <a:t>Out [2]: True </a:t>
+            </a:r>
+          </a:p>
+          <a:p>
+            <a:pPr marL="0" indent="0">
+              <a:buNone/>
+            </a:pPr>
+            <a:r>
+              <a:rPr lang="en-US" b="1" dirty="0">
+                <a:solidFill>
+                  <a:srgbClr val="000087"/>
+                </a:solidFill>
+                <a:latin typeface="Inconsolata Medium" panose="020B0609030003000000" pitchFamily="49" charset="77"/>
+              </a:rPr>
+              <a:t>In </a:t>
+            </a:r>
+            <a:r>
+              <a:rPr lang="en-US" b="1" dirty="0">
+                <a:latin typeface="Inconsolata Medium" panose="020B0609030003000000" pitchFamily="49" charset="77"/>
+              </a:rPr>
+              <a:t>[</a:t>
+            </a:r>
+            <a:r>
+              <a:rPr lang="en-US" b="1" dirty="0">
+                <a:solidFill>
+                  <a:srgbClr val="FF6600"/>
+                </a:solidFill>
+                <a:latin typeface="Inconsolata Medium" panose="020B0609030003000000" pitchFamily="49" charset="77"/>
+              </a:rPr>
+              <a:t>3</a:t>
+            </a:r>
+            <a:r>
+              <a:rPr lang="en-US" b="1" dirty="0">
+                <a:latin typeface="Inconsolata Medium" panose="020B0609030003000000" pitchFamily="49" charset="77"/>
+              </a:rPr>
+              <a:t>]: </a:t>
+            </a:r>
+            <a:r>
+              <a:rPr lang="en-US" b="1" dirty="0">
+                <a:solidFill>
+                  <a:srgbClr val="000087"/>
+                </a:solidFill>
+                <a:latin typeface="Inconsolata Medium" panose="020B0609030003000000" pitchFamily="49" charset="77"/>
+              </a:rPr>
+              <a:t>y[0] </a:t>
+            </a:r>
+            <a:r>
+              <a:rPr lang="en-US" b="1" dirty="0">
+                <a:solidFill>
+                  <a:srgbClr val="545454"/>
+                </a:solidFill>
+                <a:latin typeface="Inconsolata Medium" panose="020B0609030003000000" pitchFamily="49" charset="77"/>
+              </a:rPr>
+              <a:t>= 4</a:t>
+            </a:r>
+            <a:r>
+              <a:rPr lang="en-US" sz="2400" b="1" dirty="0">
+                <a:solidFill>
+                  <a:srgbClr val="33566B"/>
+                </a:solidFill>
+                <a:latin typeface="Inconsolata Medium" panose="020B0609030003000000" pitchFamily="49" charset="77"/>
+              </a:rPr>
+              <a:t> </a:t>
+            </a:r>
+            <a:endParaRPr lang="en-US" b="1" dirty="0">
+              <a:latin typeface="Inconsolata Medium" panose="020B0609030003000000" pitchFamily="49" charset="77"/>
+            </a:endParaRPr>
+          </a:p>
+          <a:p>
+            <a:pPr marL="0" indent="0">
+              <a:buNone/>
+            </a:pPr>
+            <a:r>
+              <a:rPr lang="en-US" b="1" dirty="0">
+                <a:solidFill>
+                  <a:srgbClr val="000087"/>
+                </a:solidFill>
+                <a:latin typeface="Inconsolata Medium" panose="020B0609030003000000" pitchFamily="49" charset="77"/>
+              </a:rPr>
+              <a:t>In </a:t>
+            </a:r>
+            <a:r>
+              <a:rPr lang="en-US" b="1" dirty="0">
+                <a:latin typeface="Inconsolata Medium" panose="020B0609030003000000" pitchFamily="49" charset="77"/>
+              </a:rPr>
+              <a:t>[</a:t>
+            </a:r>
+            <a:r>
+              <a:rPr lang="en-US" b="1" dirty="0">
+                <a:solidFill>
+                  <a:srgbClr val="FF6600"/>
+                </a:solidFill>
+                <a:latin typeface="Inconsolata Medium" panose="020B0609030003000000" pitchFamily="49" charset="77"/>
+              </a:rPr>
+              <a:t>4</a:t>
+            </a:r>
+            <a:r>
+              <a:rPr lang="en-US" b="1" dirty="0">
+                <a:latin typeface="Inconsolata Medium" panose="020B0609030003000000" pitchFamily="49" charset="77"/>
+              </a:rPr>
+              <a:t>]: </a:t>
+            </a:r>
+            <a:r>
+              <a:rPr lang="en-US" b="1" dirty="0">
+                <a:solidFill>
+                  <a:srgbClr val="006699"/>
+                </a:solidFill>
+                <a:latin typeface="Inconsolata Medium" panose="020B0609030003000000" pitchFamily="49" charset="77"/>
+              </a:rPr>
+              <a:t>print(y)</a:t>
+            </a:r>
+            <a:r>
+              <a:rPr lang="en-US" b="1" dirty="0">
+                <a:latin typeface="Inconsolata Medium" panose="020B0609030003000000" pitchFamily="49" charset="77"/>
+              </a:rPr>
+              <a:t> </a:t>
+            </a:r>
+          </a:p>
+          <a:p>
+            <a:pPr marL="0" indent="0">
+              <a:buNone/>
+            </a:pPr>
+            <a:r>
+              <a:rPr lang="en-US" b="1" dirty="0">
+                <a:latin typeface="Inconsolata Medium" panose="020B0609030003000000" pitchFamily="49" charset="77"/>
+              </a:rPr>
+              <a:t>[4, 1, 2]</a:t>
+            </a:r>
+          </a:p>
+          <a:p>
+            <a:pPr marL="0" indent="0">
+              <a:buNone/>
+            </a:pPr>
+            <a:r>
+              <a:rPr lang="en-US" b="1" dirty="0">
+                <a:solidFill>
+                  <a:srgbClr val="000087"/>
+                </a:solidFill>
+                <a:latin typeface="Inconsolata Medium" panose="020B0609030003000000" pitchFamily="49" charset="77"/>
+              </a:rPr>
+              <a:t>In </a:t>
+            </a:r>
+            <a:r>
+              <a:rPr lang="en-US" b="1" dirty="0">
+                <a:latin typeface="Inconsolata Medium" panose="020B0609030003000000" pitchFamily="49" charset="77"/>
+              </a:rPr>
+              <a:t>[</a:t>
+            </a:r>
+            <a:r>
+              <a:rPr lang="en-US" b="1" dirty="0">
+                <a:solidFill>
+                  <a:srgbClr val="FF6600"/>
+                </a:solidFill>
+                <a:latin typeface="Inconsolata Medium" panose="020B0609030003000000" pitchFamily="49" charset="77"/>
+              </a:rPr>
+              <a:t>5</a:t>
+            </a:r>
+            <a:r>
+              <a:rPr lang="en-US" b="1" dirty="0">
+                <a:latin typeface="Inconsolata Medium" panose="020B0609030003000000" pitchFamily="49" charset="77"/>
+              </a:rPr>
+              <a:t>]: </a:t>
+            </a:r>
+            <a:r>
+              <a:rPr lang="en-US" b="1" dirty="0">
+                <a:solidFill>
+                  <a:srgbClr val="006699"/>
+                </a:solidFill>
+                <a:latin typeface="Inconsolata Medium" panose="020B0609030003000000" pitchFamily="49" charset="77"/>
+              </a:rPr>
+              <a:t>print(x)</a:t>
+            </a:r>
+            <a:r>
+              <a:rPr lang="en-US" b="1" dirty="0">
+                <a:latin typeface="Inconsolata Medium" panose="020B0609030003000000" pitchFamily="49" charset="77"/>
+              </a:rPr>
+              <a:t> </a:t>
+            </a:r>
+          </a:p>
+          <a:p>
+            <a:pPr marL="0" indent="0">
+              <a:buNone/>
+            </a:pPr>
+            <a:r>
+              <a:rPr lang="en-US" b="1" dirty="0">
+                <a:latin typeface="Inconsolata Medium" panose="020B0609030003000000" pitchFamily="49" charset="77"/>
+              </a:rPr>
+              <a:t>[4, 1, 2]</a:t>
+            </a:r>
+          </a:p>
+          <a:p>
+            <a:pPr marL="0" indent="0">
+              <a:buNone/>
+            </a:pPr>
+            <a:endParaRPr lang="en-US" dirty="0"/>
+          </a:p>
+        </p:txBody>
+      </p:sp>
+      <p:sp>
+        <p:nvSpPr>
+          <p:cNvPr id="3" name="TextBox 2">
+            <a:extLst>
+              <a:ext uri="{FF2B5EF4-FFF2-40B4-BE49-F238E27FC236}">
+                <a16:creationId xmlns:a16="http://schemas.microsoft.com/office/drawing/2014/main" id="{CEA124DC-F312-EC4E-8F44-AE7209FAD9D2}"/>
+              </a:ext>
+            </a:extLst>
+          </p:cNvPr>
+          <p:cNvSpPr txBox="1"/>
+          <p:nvPr/>
+        </p:nvSpPr>
+        <p:spPr>
+          <a:xfrm>
+            <a:off x="3282917" y="2761726"/>
+            <a:ext cx="5252656" cy="1015663"/>
+          </a:xfrm>
+          <a:prstGeom prst="rect">
+            <a:avLst/>
+          </a:prstGeom>
+          <a:noFill/>
+        </p:spPr>
+        <p:txBody>
+          <a:bodyPr wrap="none" rtlCol="0">
+            <a:spAutoFit/>
+          </a:bodyPr>
+          <a:lstStyle/>
+          <a:p>
+            <a:r>
+              <a:rPr lang="en-US" sz="2000" dirty="0"/>
+              <a:t>Since y can modify the mutable </a:t>
+            </a:r>
+          </a:p>
+          <a:p>
+            <a:r>
+              <a:rPr lang="en-US" sz="2000" dirty="0"/>
+              <a:t>list, changing y will also change x since they both </a:t>
+            </a:r>
+          </a:p>
+          <a:p>
+            <a:r>
+              <a:rPr lang="en-US" sz="2000" dirty="0"/>
+              <a:t>point to the same object!</a:t>
+            </a:r>
+          </a:p>
+        </p:txBody>
+      </p:sp>
+    </p:spTree>
+    <p:extLst>
+      <p:ext uri="{BB962C8B-B14F-4D97-AF65-F5344CB8AC3E}">
+        <p14:creationId xmlns:p14="http://schemas.microsoft.com/office/powerpoint/2010/main" val="3520320687"/>
+      </p:ext>
+    </p:extLst>
+  </p:cSld>
+  <p:clrMapOvr>
+    <a:masterClrMapping/>
+  </p:clrMapOvr>
+  <p:timing>
+    <p:tnLst>
+      <p:par>
+        <p:cTn id="1" dur="indefinite" restart="never" nodeType="tmRoot">
+          <p:childTnLst>
+            <p:seq concurrent="1" nextAc="seek">
+              <p:cTn id="2" dur="indefinite" nodeType="mainSeq">
+                <p:childTnLst>
+                  <p:par>
+                    <p:cTn id="3" fill="hold">
+                      <p:stCondLst>
+                        <p:cond delay="indefinite"/>
+                      </p:stCondLst>
+                      <p:childTnLst>
+                        <p:par>
+                          <p:cTn id="4" fill="hold">
+                            <p:stCondLst>
+                              <p:cond delay="0"/>
+                            </p:stCondLst>
+                            <p:childTnLst>
+                              <p:par>
+                                <p:cTn id="5" presetID="1" presetClass="entr" presetSubtype="0" fill="hold" nodeType="clickEffect">
+                                  <p:stCondLst>
+                                    <p:cond delay="0"/>
+                                  </p:stCondLst>
+                                  <p:childTnLst>
+                                    <p:set>
+                                      <p:cBhvr>
+                                        <p:cTn id="6" dur="1" fill="hold">
+                                          <p:stCondLst>
+                                            <p:cond delay="0"/>
+                                          </p:stCondLst>
+                                        </p:cTn>
+                                        <p:tgtEl>
+                                          <p:spTgt spid="9">
+                                            <p:txEl>
+                                              <p:pRg st="1" end="1"/>
+                                            </p:txEl>
+                                          </p:spTgt>
+                                        </p:tgtEl>
+                                        <p:attrNameLst>
+                                          <p:attrName>style.visibility</p:attrName>
+                                        </p:attrNameLst>
+                                      </p:cBhvr>
+                                      <p:to>
+                                        <p:strVal val="visible"/>
+                                      </p:to>
+                                    </p:set>
+                                  </p:childTnLst>
+                                </p:cTn>
+                              </p:par>
+                              <p:par>
+                                <p:cTn id="7" presetID="1" presetClass="entr" presetSubtype="0" fill="hold" nodeType="withEffect">
+                                  <p:stCondLst>
+                                    <p:cond delay="0"/>
+                                  </p:stCondLst>
+                                  <p:childTnLst>
+                                    <p:set>
+                                      <p:cBhvr>
+                                        <p:cTn id="8" dur="1" fill="hold">
+                                          <p:stCondLst>
+                                            <p:cond delay="0"/>
+                                          </p:stCondLst>
+                                        </p:cTn>
+                                        <p:tgtEl>
+                                          <p:spTgt spid="9">
+                                            <p:txEl>
+                                              <p:pRg st="2" end="2"/>
+                                            </p:txEl>
+                                          </p:spTgt>
+                                        </p:tgtEl>
+                                        <p:attrNameLst>
+                                          <p:attrName>style.visibility</p:attrName>
+                                        </p:attrNameLst>
+                                      </p:cBhvr>
+                                      <p:to>
+                                        <p:strVal val="visible"/>
+                                      </p:to>
+                                    </p:set>
+                                  </p:childTnLst>
+                                </p:cTn>
+                              </p:par>
+                              <p:par>
+                                <p:cTn id="9" presetID="1" presetClass="entr" presetSubtype="0" fill="hold" nodeType="withEffect">
+                                  <p:stCondLst>
+                                    <p:cond delay="0"/>
+                                  </p:stCondLst>
+                                  <p:childTnLst>
+                                    <p:set>
+                                      <p:cBhvr>
+                                        <p:cTn id="10" dur="1" fill="hold">
+                                          <p:stCondLst>
+                                            <p:cond delay="0"/>
+                                          </p:stCondLst>
+                                        </p:cTn>
+                                        <p:tgtEl>
+                                          <p:spTgt spid="9">
+                                            <p:txEl>
+                                              <p:pRg st="3" end="3"/>
+                                            </p:txEl>
+                                          </p:spTgt>
+                                        </p:tgtEl>
+                                        <p:attrNameLst>
+                                          <p:attrName>style.visibility</p:attrName>
+                                        </p:attrNameLst>
+                                      </p:cBhvr>
+                                      <p:to>
+                                        <p:strVal val="visible"/>
+                                      </p:to>
+                                    </p:set>
+                                  </p:childTnLst>
+                                </p:cTn>
+                              </p:par>
+                              <p:par>
+                                <p:cTn id="11" presetID="1" presetClass="entr" presetSubtype="0" fill="hold" nodeType="withEffect">
+                                  <p:stCondLst>
+                                    <p:cond delay="0"/>
+                                  </p:stCondLst>
+                                  <p:childTnLst>
+                                    <p:set>
+                                      <p:cBhvr>
+                                        <p:cTn id="12" dur="1" fill="hold">
+                                          <p:stCondLst>
+                                            <p:cond delay="0"/>
+                                          </p:stCondLst>
+                                        </p:cTn>
+                                        <p:tgtEl>
+                                          <p:spTgt spid="9">
+                                            <p:txEl>
+                                              <p:pRg st="4" end="4"/>
+                                            </p:txEl>
+                                          </p:spTgt>
+                                        </p:tgtEl>
+                                        <p:attrNameLst>
+                                          <p:attrName>style.visibility</p:attrName>
+                                        </p:attrNameLst>
+                                      </p:cBhvr>
+                                      <p:to>
+                                        <p:strVal val="visible"/>
+                                      </p:to>
+                                    </p:set>
+                                  </p:childTnLst>
+                                </p:cTn>
+                              </p:par>
+                            </p:childTnLst>
+                          </p:cTn>
+                        </p:par>
+                      </p:childTnLst>
+                    </p:cTn>
+                  </p:par>
+                  <p:par>
+                    <p:cTn id="13" fill="hold">
+                      <p:stCondLst>
+                        <p:cond delay="indefinite"/>
+                      </p:stCondLst>
+                      <p:childTnLst>
+                        <p:par>
+                          <p:cTn id="14" fill="hold">
+                            <p:stCondLst>
+                              <p:cond delay="0"/>
+                            </p:stCondLst>
+                            <p:childTnLst>
+                              <p:par>
+                                <p:cTn id="15" presetID="1" presetClass="entr" presetSubtype="0" fill="hold" nodeType="clickEffect">
+                                  <p:stCondLst>
+                                    <p:cond delay="0"/>
+                                  </p:stCondLst>
+                                  <p:childTnLst>
+                                    <p:set>
+                                      <p:cBhvr>
+                                        <p:cTn id="16" dur="1" fill="hold">
+                                          <p:stCondLst>
+                                            <p:cond delay="0"/>
+                                          </p:stCondLst>
+                                        </p:cTn>
+                                        <p:tgtEl>
+                                          <p:spTgt spid="9">
+                                            <p:txEl>
+                                              <p:pRg st="5" end="5"/>
+                                            </p:txEl>
+                                          </p:spTgt>
+                                        </p:tgtEl>
+                                        <p:attrNameLst>
+                                          <p:attrName>style.visibility</p:attrName>
+                                        </p:attrNameLst>
+                                      </p:cBhvr>
+                                      <p:to>
+                                        <p:strVal val="visible"/>
+                                      </p:to>
+                                    </p:set>
+                                  </p:childTnLst>
+                                </p:cTn>
+                              </p:par>
+                              <p:par>
+                                <p:cTn id="17" presetID="1" presetClass="entr" presetSubtype="0" fill="hold" nodeType="withEffect">
+                                  <p:stCondLst>
+                                    <p:cond delay="0"/>
+                                  </p:stCondLst>
+                                  <p:childTnLst>
+                                    <p:set>
+                                      <p:cBhvr>
+                                        <p:cTn id="18" dur="1" fill="hold">
+                                          <p:stCondLst>
+                                            <p:cond delay="0"/>
+                                          </p:stCondLst>
+                                        </p:cTn>
+                                        <p:tgtEl>
+                                          <p:spTgt spid="9">
+                                            <p:txEl>
+                                              <p:pRg st="6" end="6"/>
+                                            </p:txEl>
+                                          </p:spTgt>
+                                        </p:tgtEl>
+                                        <p:attrNameLst>
+                                          <p:attrName>style.visibility</p:attrName>
+                                        </p:attrNameLst>
+                                      </p:cBhvr>
+                                      <p:to>
+                                        <p:strVal val="visible"/>
+                                      </p:to>
+                                    </p:set>
+                                  </p:childTnLst>
+                                </p:cTn>
+                              </p:par>
+                              <p:par>
+                                <p:cTn id="19" presetID="1" presetClass="entr" presetSubtype="0" fill="hold" nodeType="withEffect">
+                                  <p:stCondLst>
+                                    <p:cond delay="0"/>
+                                  </p:stCondLst>
+                                  <p:childTnLst>
+                                    <p:set>
+                                      <p:cBhvr>
+                                        <p:cTn id="20" dur="1" fill="hold">
+                                          <p:stCondLst>
+                                            <p:cond delay="0"/>
+                                          </p:stCondLst>
+                                        </p:cTn>
+                                        <p:tgtEl>
+                                          <p:spTgt spid="9">
+                                            <p:txEl>
+                                              <p:pRg st="7" end="7"/>
+                                            </p:txEl>
+                                          </p:spTgt>
+                                        </p:tgtEl>
+                                        <p:attrNameLst>
+                                          <p:attrName>style.visibility</p:attrName>
+                                        </p:attrNameLst>
+                                      </p:cBhvr>
+                                      <p:to>
+                                        <p:strVal val="visible"/>
+                                      </p:to>
+                                    </p:set>
+                                  </p:childTnLst>
+                                </p:cTn>
+                              </p:par>
+                            </p:childTnLst>
+                          </p:cTn>
+                        </p:par>
+                      </p:childTnLst>
+                    </p:cTn>
+                  </p:par>
+                  <p:par>
+                    <p:cTn id="21" fill="hold">
+                      <p:stCondLst>
+                        <p:cond delay="indefinite"/>
+                      </p:stCondLst>
+                      <p:childTnLst>
+                        <p:par>
+                          <p:cTn id="22" fill="hold">
+                            <p:stCondLst>
+                              <p:cond delay="0"/>
+                            </p:stCondLst>
+                            <p:childTnLst>
+                              <p:par>
+                                <p:cTn id="23" presetID="1" presetClass="entr" presetSubtype="0" fill="hold" grpId="0" nodeType="clickEffect">
+                                  <p:stCondLst>
+                                    <p:cond delay="0"/>
+                                  </p:stCondLst>
+                                  <p:childTnLst>
+                                    <p:set>
+                                      <p:cBhvr>
+                                        <p:cTn id="24" dur="1" fill="hold">
+                                          <p:stCondLst>
+                                            <p:cond delay="0"/>
+                                          </p:stCondLst>
+                                        </p:cTn>
+                                        <p:tgtEl>
+                                          <p:spTgt spid="3"/>
+                                        </p:tgtEl>
+                                        <p:attrNameLst>
+                                          <p:attrName>style.visibility</p:attrName>
+                                        </p:attrNameLst>
+                                      </p:cBhvr>
+                                      <p:to>
+                                        <p:strVal val="visible"/>
+                                      </p:to>
+                                    </p:set>
+                                  </p:childTnLst>
+                                </p:cTn>
+                              </p:par>
+                            </p:childTnLst>
+                          </p:cTn>
+                        </p:par>
+                      </p:childTnLst>
+                    </p:cTn>
+                  </p:par>
+                  <p:par>
+                    <p:cTn id="25" fill="hold">
+                      <p:stCondLst>
+                        <p:cond delay="indefinite"/>
+                      </p:stCondLst>
+                      <p:childTnLst>
+                        <p:par>
+                          <p:cTn id="26" fill="hold">
+                            <p:stCondLst>
+                              <p:cond delay="0"/>
+                            </p:stCondLst>
+                            <p:childTnLst>
+                              <p:par>
+                                <p:cTn id="27" presetID="1" presetClass="entr" presetSubtype="0" fill="hold" nodeType="clickEffect">
+                                  <p:stCondLst>
+                                    <p:cond delay="0"/>
+                                  </p:stCondLst>
+                                  <p:childTnLst>
+                                    <p:set>
+                                      <p:cBhvr>
+                                        <p:cTn id="28" dur="1" fill="hold">
+                                          <p:stCondLst>
+                                            <p:cond delay="0"/>
+                                          </p:stCondLst>
+                                        </p:cTn>
+                                        <p:tgtEl>
+                                          <p:spTgt spid="9">
+                                            <p:txEl>
+                                              <p:pRg st="8" end="8"/>
+                                            </p:txEl>
+                                          </p:spTgt>
+                                        </p:tgtEl>
+                                        <p:attrNameLst>
+                                          <p:attrName>style.visibility</p:attrName>
+                                        </p:attrNameLst>
+                                      </p:cBhvr>
+                                      <p:to>
+                                        <p:strVal val="visible"/>
+                                      </p:to>
+                                    </p:set>
+                                  </p:childTnLst>
+                                </p:cTn>
+                              </p:par>
+                              <p:par>
+                                <p:cTn id="29" presetID="1" presetClass="entr" presetSubtype="0" fill="hold" nodeType="withEffect">
+                                  <p:stCondLst>
+                                    <p:cond delay="0"/>
+                                  </p:stCondLst>
+                                  <p:childTnLst>
+                                    <p:set>
+                                      <p:cBhvr>
+                                        <p:cTn id="30" dur="1" fill="hold">
+                                          <p:stCondLst>
+                                            <p:cond delay="0"/>
+                                          </p:stCondLst>
+                                        </p:cTn>
+                                        <p:tgtEl>
+                                          <p:spTgt spid="9">
+                                            <p:txEl>
+                                              <p:pRg st="9" end="9"/>
+                                            </p:txEl>
+                                          </p:spTgt>
+                                        </p:tgtEl>
+                                        <p:attrNameLst>
+                                          <p:attrName>style.visibility</p:attrName>
+                                        </p:attrNameLst>
+                                      </p:cBhvr>
+                                      <p:to>
+                                        <p:strVal val="visible"/>
+                                      </p:to>
+                                    </p:set>
+                                  </p:childTnLst>
+                                </p:cTn>
+                              </p:par>
+                            </p:childTnLst>
+                          </p:cTn>
+                        </p:par>
+                      </p:childTnLst>
+                    </p:cTn>
+                  </p:par>
+                </p:childTnLst>
+              </p:cTn>
+              <p:prevCondLst>
+                <p:cond evt="onPrev" delay="0">
+                  <p:tgtEl>
+                    <p:sldTgt/>
+                  </p:tgtEl>
+                </p:cond>
+              </p:prevCondLst>
+              <p:nextCondLst>
+                <p:cond evt="onNext" delay="0">
+                  <p:tgtEl>
+                    <p:sldTgt/>
+                  </p:tgtEl>
+                </p:cond>
+              </p:nextCondLst>
+            </p:seq>
+          </p:childTnLst>
+        </p:cTn>
+      </p:par>
+    </p:tnLst>
+    <p:bldLst>
+      <p:bldP spid="3" grpId="0"/>
+    </p:bldLst>
+  </p:timing>
+</p:sld>
+</file>
+
+<file path=ppt/slides/slide31.xml><?xml version="1.0" encoding="utf-8"?>
+<p:sld xmlns:a="http://schemas.openxmlformats.org/drawingml/2006/main" xmlns:r="http://schemas.openxmlformats.org/officeDocument/2006/relationships" xmlns:p="http://schemas.openxmlformats.org/presentationml/2006/main">
+  <p:cSld>
+    <p:spTree>
+      <p:nvGrpSpPr>
+        <p:cNvPr id="1" name=""/>
+        <p:cNvGrpSpPr/>
+        <p:nvPr/>
+      </p:nvGrpSpPr>
+      <p:grpSpPr>
+        <a:xfrm>
+          <a:off x="0" y="0"/>
+          <a:ext cx="0" cy="0"/>
+          <a:chOff x="0" y="0"/>
+          <a:chExt cx="0" cy="0"/>
+        </a:xfrm>
+      </p:grpSpPr>
+      <p:sp>
+        <p:nvSpPr>
+          <p:cNvPr id="2" name="Title 1">
+            <a:extLst>
+              <a:ext uri="{FF2B5EF4-FFF2-40B4-BE49-F238E27FC236}">
+                <a16:creationId xmlns:a16="http://schemas.microsoft.com/office/drawing/2014/main" id="{AA3A228F-61D0-D949-A5E7-F83756230BF8}"/>
+              </a:ext>
+            </a:extLst>
+          </p:cNvPr>
+          <p:cNvSpPr>
+            <a:spLocks noGrp="1"/>
+          </p:cNvSpPr>
+          <p:nvPr>
+            <p:ph type="title"/>
+          </p:nvPr>
+        </p:nvSpPr>
+        <p:spPr>
+          <a:xfrm>
+            <a:off x="483848" y="467027"/>
+            <a:ext cx="7053542" cy="683886"/>
+          </a:xfrm>
+        </p:spPr>
+        <p:txBody>
+          <a:bodyPr/>
+          <a:lstStyle/>
+          <a:p>
+            <a:r>
+              <a:rPr lang="en-US" dirty="0"/>
+              <a:t>List items hold references</a:t>
+            </a:r>
+          </a:p>
+        </p:txBody>
+      </p:sp>
+      <p:sp>
+        <p:nvSpPr>
+          <p:cNvPr id="9" name="Content Placeholder 8">
+            <a:extLst>
+              <a:ext uri="{FF2B5EF4-FFF2-40B4-BE49-F238E27FC236}">
+                <a16:creationId xmlns:a16="http://schemas.microsoft.com/office/drawing/2014/main" id="{E3B2E017-30B2-884B-A113-B419A2ED51AD}"/>
+              </a:ext>
+            </a:extLst>
+          </p:cNvPr>
+          <p:cNvSpPr>
+            <a:spLocks noGrp="1"/>
+          </p:cNvSpPr>
+          <p:nvPr>
+            <p:ph idx="1"/>
+          </p:nvPr>
+        </p:nvSpPr>
+        <p:spPr>
+          <a:xfrm>
+            <a:off x="483848" y="1150912"/>
+            <a:ext cx="8051725" cy="4564087"/>
+          </a:xfrm>
+        </p:spPr>
+        <p:txBody>
+          <a:bodyPr>
+            <a:noAutofit/>
+          </a:bodyPr>
+          <a:lstStyle/>
+          <a:p>
+            <a:pPr marL="0" indent="0">
+              <a:buNone/>
+            </a:pPr>
+            <a:r>
+              <a:rPr lang="en-US" dirty="0"/>
+              <a:t>Items in lists and tuples hold references </a:t>
+            </a:r>
+            <a:r>
+              <a:rPr lang="en-US"/>
+              <a:t>or addresses </a:t>
+            </a:r>
+            <a:r>
+              <a:rPr lang="en-US" dirty="0"/>
+              <a:t>to objects they contain.</a:t>
             </a:r>
             <a:endParaRPr lang="en-US" b="1" dirty="0">
               <a:solidFill>
@@ -17956,439 +20346,7 @@
 </p:sld>
 </file>
 
-<file path=ppt/slides/slide3.xml><?xml version="1.0" encoding="utf-8"?>
-<p:sld xmlns:a="http://schemas.openxmlformats.org/drawingml/2006/main" xmlns:r="http://schemas.openxmlformats.org/officeDocument/2006/relationships" xmlns:p="http://schemas.openxmlformats.org/presentationml/2006/main">
-  <p:cSld>
-    <p:spTree>
-      <p:nvGrpSpPr>
-        <p:cNvPr id="1" name=""/>
-        <p:cNvGrpSpPr/>
-        <p:nvPr/>
-      </p:nvGrpSpPr>
-      <p:grpSpPr>
-        <a:xfrm>
-          <a:off x="0" y="0"/>
-          <a:ext cx="0" cy="0"/>
-          <a:chOff x="0" y="0"/>
-          <a:chExt cx="0" cy="0"/>
-        </a:xfrm>
-      </p:grpSpPr>
-      <p:sp>
-        <p:nvSpPr>
-          <p:cNvPr id="2" name="Title 1">
-            <a:extLst>
-              <a:ext uri="{FF2B5EF4-FFF2-40B4-BE49-F238E27FC236}">
-                <a16:creationId xmlns:a16="http://schemas.microsoft.com/office/drawing/2014/main" id="{AA3A228F-61D0-D949-A5E7-F83756230BF8}"/>
-              </a:ext>
-            </a:extLst>
-          </p:cNvPr>
-          <p:cNvSpPr>
-            <a:spLocks noGrp="1"/>
-          </p:cNvSpPr>
-          <p:nvPr>
-            <p:ph type="title"/>
-          </p:nvPr>
-        </p:nvSpPr>
-        <p:spPr>
-          <a:xfrm>
-            <a:off x="483848" y="467027"/>
-            <a:ext cx="7053542" cy="683886"/>
-          </a:xfrm>
-        </p:spPr>
-        <p:txBody>
-          <a:bodyPr/>
-          <a:lstStyle/>
-          <a:p>
-            <a:r>
-              <a:rPr lang="en-US" dirty="0"/>
-              <a:t>Containers</a:t>
-            </a:r>
-          </a:p>
-        </p:txBody>
-      </p:sp>
-      <p:sp>
-        <p:nvSpPr>
-          <p:cNvPr id="9" name="Content Placeholder 8">
-            <a:extLst>
-              <a:ext uri="{FF2B5EF4-FFF2-40B4-BE49-F238E27FC236}">
-                <a16:creationId xmlns:a16="http://schemas.microsoft.com/office/drawing/2014/main" id="{E3B2E017-30B2-884B-A113-B419A2ED51AD}"/>
-              </a:ext>
-            </a:extLst>
-          </p:cNvPr>
-          <p:cNvSpPr>
-            <a:spLocks noGrp="1"/>
-          </p:cNvSpPr>
-          <p:nvPr>
-            <p:ph idx="1"/>
-          </p:nvPr>
-        </p:nvSpPr>
-        <p:spPr>
-          <a:xfrm>
-            <a:off x="483848" y="1288074"/>
-            <a:ext cx="8051725" cy="4051496"/>
-          </a:xfrm>
-        </p:spPr>
-        <p:txBody>
-          <a:bodyPr>
-            <a:normAutofit/>
-          </a:bodyPr>
-          <a:lstStyle/>
-          <a:p>
-            <a:pPr marL="0" indent="0">
-              <a:buNone/>
-            </a:pPr>
-            <a:r>
-              <a:rPr lang="en-US" dirty="0"/>
-              <a:t>Python includes several built-in sequences: </a:t>
-            </a:r>
-            <a:r>
-              <a:rPr lang="en-US" i="1" dirty="0"/>
-              <a:t>lists, tuples, strings</a:t>
-            </a:r>
-            <a:r>
-              <a:rPr lang="en-US" dirty="0"/>
-              <a:t>.</a:t>
-            </a:r>
-          </a:p>
-          <a:p>
-            <a:pPr marL="0" indent="0">
-              <a:buNone/>
-            </a:pPr>
-            <a:r>
-              <a:rPr lang="en-US" dirty="0"/>
-              <a:t>We discussed strings in the previous lecture. String is a flat sequence which holds item of one type. Flat sequences physically store the value of each item within its own memory space.</a:t>
-            </a:r>
-          </a:p>
-          <a:p>
-            <a:pPr marL="0" indent="0">
-              <a:buNone/>
-            </a:pPr>
-            <a:endParaRPr lang="en-US" dirty="0"/>
-          </a:p>
-          <a:p>
-            <a:pPr marL="0" indent="0">
-              <a:buNone/>
-            </a:pPr>
-            <a:r>
-              <a:rPr lang="en-US" i="1" dirty="0"/>
-              <a:t>Lists</a:t>
-            </a:r>
-            <a:r>
-              <a:rPr lang="en-US" dirty="0"/>
-              <a:t> and </a:t>
-            </a:r>
-            <a:r>
-              <a:rPr lang="en-US" i="1" dirty="0"/>
-              <a:t>tuples</a:t>
-            </a:r>
-            <a:r>
-              <a:rPr lang="en-US" dirty="0"/>
-              <a:t> are </a:t>
-            </a:r>
-            <a:r>
-              <a:rPr lang="en-US" i="1" dirty="0"/>
-              <a:t>container sequences</a:t>
-            </a:r>
-            <a:r>
-              <a:rPr lang="en-US" dirty="0"/>
-              <a:t>, which can hold items of different type. They hold references to objects they contain(more on this later).</a:t>
-            </a:r>
-          </a:p>
-          <a:p>
-            <a:pPr marL="0" indent="0">
-              <a:buNone/>
-            </a:pPr>
-            <a:endParaRPr lang="en-US" dirty="0"/>
-          </a:p>
-          <a:p>
-            <a:pPr marL="0" indent="0">
-              <a:buNone/>
-            </a:pPr>
-            <a:r>
-              <a:rPr lang="en-US" dirty="0"/>
-              <a:t>Another way of grouping sequence types is by </a:t>
-            </a:r>
-            <a:r>
-              <a:rPr lang="en-US" i="1" dirty="0"/>
-              <a:t>mutability</a:t>
-            </a:r>
-            <a:r>
-              <a:rPr lang="en-US" dirty="0"/>
-              <a:t>. Lists are </a:t>
-            </a:r>
-            <a:r>
-              <a:rPr lang="en-US" i="1" dirty="0"/>
-              <a:t>mutable(can be modified)</a:t>
-            </a:r>
-            <a:r>
-              <a:rPr lang="en-US" dirty="0"/>
-              <a:t> sequences while strings and tuples are </a:t>
-            </a:r>
-            <a:r>
-              <a:rPr lang="en-US" i="1" dirty="0"/>
-              <a:t>immutable</a:t>
-            </a:r>
-            <a:r>
-              <a:rPr lang="en-US" dirty="0"/>
-              <a:t> sequences. We discuss lists in this lecture and tuples in the next.</a:t>
-            </a:r>
-          </a:p>
-          <a:p>
-            <a:pPr marL="0" indent="0">
-              <a:buNone/>
-            </a:pPr>
-            <a:endParaRPr lang="en-US" b="1" dirty="0">
-              <a:latin typeface="Inconsolata Medium" panose="020B0609030003000000" pitchFamily="49" charset="77"/>
-            </a:endParaRPr>
-          </a:p>
-        </p:txBody>
-      </p:sp>
-    </p:spTree>
-    <p:extLst>
-      <p:ext uri="{BB962C8B-B14F-4D97-AF65-F5344CB8AC3E}">
-        <p14:creationId xmlns:p14="http://schemas.microsoft.com/office/powerpoint/2010/main" val="278045358"/>
-      </p:ext>
-    </p:extLst>
-  </p:cSld>
-  <p:clrMapOvr>
-    <a:masterClrMapping/>
-  </p:clrMapOvr>
-  <p:timing>
-    <p:tnLst>
-      <p:par>
-        <p:cTn id="1" dur="indefinite" restart="never" nodeType="tmRoot">
-          <p:childTnLst>
-            <p:seq concurrent="1" nextAc="seek">
-              <p:cTn id="2" dur="indefinite" nodeType="mainSeq">
-                <p:childTnLst>
-                  <p:par>
-                    <p:cTn id="3" fill="hold">
-                      <p:stCondLst>
-                        <p:cond delay="indefinite"/>
-                        <p:cond evt="onBegin" delay="0">
-                          <p:tn val="2"/>
-                        </p:cond>
-                      </p:stCondLst>
-                      <p:childTnLst>
-                        <p:par>
-                          <p:cTn id="4" fill="hold">
-                            <p:stCondLst>
-                              <p:cond delay="0"/>
-                            </p:stCondLst>
-                            <p:childTnLst>
-                              <p:par>
-                                <p:cTn id="5" presetID="1" presetClass="entr" presetSubtype="0" fill="hold" grpId="0" nodeType="withEffect">
-                                  <p:stCondLst>
-                                    <p:cond delay="0"/>
-                                  </p:stCondLst>
-                                  <p:childTnLst>
-                                    <p:set>
-                                      <p:cBhvr>
-                                        <p:cTn id="6" dur="1" fill="hold">
-                                          <p:stCondLst>
-                                            <p:cond delay="0"/>
-                                          </p:stCondLst>
-                                        </p:cTn>
-                                        <p:tgtEl>
-                                          <p:spTgt spid="9">
-                                            <p:txEl>
-                                              <p:pRg st="0" end="0"/>
-                                            </p:txEl>
-                                          </p:spTgt>
-                                        </p:tgtEl>
-                                        <p:attrNameLst>
-                                          <p:attrName>style.visibility</p:attrName>
-                                        </p:attrNameLst>
-                                      </p:cBhvr>
-                                      <p:to>
-                                        <p:strVal val="visible"/>
-                                      </p:to>
-                                    </p:set>
-                                  </p:childTnLst>
-                                </p:cTn>
-                              </p:par>
-                            </p:childTnLst>
-                          </p:cTn>
-                        </p:par>
-                      </p:childTnLst>
-                    </p:cTn>
-                  </p:par>
-                  <p:par>
-                    <p:cTn id="7" fill="hold">
-                      <p:stCondLst>
-                        <p:cond delay="indefinite"/>
-                      </p:stCondLst>
-                      <p:childTnLst>
-                        <p:par>
-                          <p:cTn id="8" fill="hold">
-                            <p:stCondLst>
-                              <p:cond delay="0"/>
-                            </p:stCondLst>
-                            <p:childTnLst>
-                              <p:par>
-                                <p:cTn id="9" presetID="1" presetClass="entr" presetSubtype="0" fill="hold" grpId="0" nodeType="clickEffect">
-                                  <p:stCondLst>
-                                    <p:cond delay="0"/>
-                                  </p:stCondLst>
-                                  <p:childTnLst>
-                                    <p:set>
-                                      <p:cBhvr>
-                                        <p:cTn id="10" dur="1" fill="hold">
-                                          <p:stCondLst>
-                                            <p:cond delay="0"/>
-                                          </p:stCondLst>
-                                        </p:cTn>
-                                        <p:tgtEl>
-                                          <p:spTgt spid="9">
-                                            <p:txEl>
-                                              <p:pRg st="1" end="1"/>
-                                            </p:txEl>
-                                          </p:spTgt>
-                                        </p:tgtEl>
-                                        <p:attrNameLst>
-                                          <p:attrName>style.visibility</p:attrName>
-                                        </p:attrNameLst>
-                                      </p:cBhvr>
-                                      <p:to>
-                                        <p:strVal val="visible"/>
-                                      </p:to>
-                                    </p:set>
-                                  </p:childTnLst>
-                                </p:cTn>
-                              </p:par>
-                            </p:childTnLst>
-                          </p:cTn>
-                        </p:par>
-                      </p:childTnLst>
-                    </p:cTn>
-                  </p:par>
-                  <p:par>
-                    <p:cTn id="11" fill="hold">
-                      <p:stCondLst>
-                        <p:cond delay="indefinite"/>
-                      </p:stCondLst>
-                      <p:childTnLst>
-                        <p:par>
-                          <p:cTn id="12" fill="hold">
-                            <p:stCondLst>
-                              <p:cond delay="0"/>
-                            </p:stCondLst>
-                            <p:childTnLst>
-                              <p:par>
-                                <p:cTn id="13" presetID="1" presetClass="entr" presetSubtype="0" fill="hold" grpId="0" nodeType="clickEffect">
-                                  <p:stCondLst>
-                                    <p:cond delay="0"/>
-                                  </p:stCondLst>
-                                  <p:childTnLst>
-                                    <p:set>
-                                      <p:cBhvr>
-                                        <p:cTn id="14" dur="1" fill="hold">
-                                          <p:stCondLst>
-                                            <p:cond delay="0"/>
-                                          </p:stCondLst>
-                                        </p:cTn>
-                                        <p:tgtEl>
-                                          <p:spTgt spid="9">
-                                            <p:txEl>
-                                              <p:pRg st="3" end="3"/>
-                                            </p:txEl>
-                                          </p:spTgt>
-                                        </p:tgtEl>
-                                        <p:attrNameLst>
-                                          <p:attrName>style.visibility</p:attrName>
-                                        </p:attrNameLst>
-                                      </p:cBhvr>
-                                      <p:to>
-                                        <p:strVal val="visible"/>
-                                      </p:to>
-                                    </p:set>
-                                  </p:childTnLst>
-                                </p:cTn>
-                              </p:par>
-                            </p:childTnLst>
-                          </p:cTn>
-                        </p:par>
-                      </p:childTnLst>
-                    </p:cTn>
-                  </p:par>
-                  <p:par>
-                    <p:cTn id="15" fill="hold">
-                      <p:stCondLst>
-                        <p:cond delay="indefinite"/>
-                      </p:stCondLst>
-                      <p:childTnLst>
-                        <p:par>
-                          <p:cTn id="16" fill="hold">
-                            <p:stCondLst>
-                              <p:cond delay="0"/>
-                            </p:stCondLst>
-                            <p:childTnLst>
-                              <p:par>
-                                <p:cTn id="17" presetID="1" presetClass="entr" presetSubtype="0" fill="hold" grpId="0" nodeType="clickEffect">
-                                  <p:stCondLst>
-                                    <p:cond delay="0"/>
-                                  </p:stCondLst>
-                                  <p:childTnLst>
-                                    <p:set>
-                                      <p:cBhvr>
-                                        <p:cTn id="18" dur="1" fill="hold">
-                                          <p:stCondLst>
-                                            <p:cond delay="0"/>
-                                          </p:stCondLst>
-                                        </p:cTn>
-                                        <p:tgtEl>
-                                          <p:spTgt spid="9">
-                                            <p:txEl>
-                                              <p:pRg st="5" end="5"/>
-                                            </p:txEl>
-                                          </p:spTgt>
-                                        </p:tgtEl>
-                                        <p:attrNameLst>
-                                          <p:attrName>style.visibility</p:attrName>
-                                        </p:attrNameLst>
-                                      </p:cBhvr>
-                                      <p:to>
-                                        <p:strVal val="visible"/>
-                                      </p:to>
-                                    </p:set>
-                                  </p:childTnLst>
-                                </p:cTn>
-                              </p:par>
-                            </p:childTnLst>
-                          </p:cTn>
-                        </p:par>
-                      </p:childTnLst>
-                    </p:cTn>
-                  </p:par>
-                </p:childTnLst>
-              </p:cTn>
-              <p:prevCondLst>
-                <p:cond evt="onPrev" delay="0">
-                  <p:tgtEl>
-                    <p:sldTgt/>
-                  </p:tgtEl>
-                </p:cond>
-              </p:prevCondLst>
-              <p:nextCondLst>
-                <p:cond evt="onNext" delay="0">
-                  <p:tgtEl>
-                    <p:sldTgt/>
-                  </p:tgtEl>
-                </p:cond>
-              </p:nextCondLst>
-            </p:seq>
-          </p:childTnLst>
-        </p:cTn>
-      </p:par>
-    </p:tnLst>
-    <p:bldLst>
-      <p:bldP spid="9" grpId="0" uiExpand="1" build="p"/>
-    </p:bldLst>
-  </p:timing>
-</p:sld>
-</file>
-
-<file path=ppt/slides/slide30.xml><?xml version="1.0" encoding="utf-8"?>
+<file path=ppt/slides/slide32.xml><?xml version="1.0" encoding="utf-8"?>
 <p:sld xmlns:a="http://schemas.openxmlformats.org/drawingml/2006/main" xmlns:r="http://schemas.openxmlformats.org/officeDocument/2006/relationships" xmlns:p="http://schemas.openxmlformats.org/presentationml/2006/main">
   <p:cSld>
     <p:spTree>

--- a/courses/apcsp/lect6.pptx
+++ b/courses/apcsp/lect6.pptx
@@ -36,7 +36,8 @@
     <p:sldId id="339" r:id="rId30"/>
     <p:sldId id="340" r:id="rId31"/>
     <p:sldId id="335" r:id="rId32"/>
-    <p:sldId id="284" r:id="rId33"/>
+    <p:sldId id="341" r:id="rId33"/>
+    <p:sldId id="284" r:id="rId34"/>
   </p:sldIdLst>
   <p:sldSz cx="9144000" cy="5715000" type="screen16x10"/>
   <p:notesSz cx="6858000" cy="9144000"/>
@@ -146,7 +147,7 @@
 <file path=ppt/revisionInfo.xml><?xml version="1.0" encoding="utf-8"?>
 <p1510:revInfo xmlns:a="http://schemas.openxmlformats.org/drawingml/2006/main" xmlns:r="http://schemas.openxmlformats.org/officeDocument/2006/relationships" xmlns:p1510="http://schemas.microsoft.com/office/powerpoint/2015/10/main">
   <p1510:revLst>
-    <p1510:client id="{EC1E750C-42C7-A84F-81F0-83B2F940DF8B}" v="2271" dt="2019-10-11T16:46:34.755"/>
+    <p1510:client id="{EC1E750C-42C7-A84F-81F0-83B2F940DF8B}" v="2649" dt="2019-10-18T11:09:20.866"/>
   </p1510:revLst>
 </p1510:revInfo>
 </file>
@@ -168,7 +169,7 @@
   <pc:docChgLst>
     <pc:chgData name="Long B Nguyen" userId="f59fb8f3-a021-417a-8bc1-65c8d471c621" providerId="ADAL" clId="{EC1E750C-42C7-A84F-81F0-83B2F940DF8B}"/>
     <pc:docChg chg="undo custSel addSld delSld modSld">
-      <pc:chgData name="Long B Nguyen" userId="f59fb8f3-a021-417a-8bc1-65c8d471c621" providerId="ADAL" clId="{EC1E750C-42C7-A84F-81F0-83B2F940DF8B}" dt="2019-10-11T16:46:34.755" v="8068" actId="20577"/>
+      <pc:chgData name="Long B Nguyen" userId="f59fb8f3-a021-417a-8bc1-65c8d471c621" providerId="ADAL" clId="{EC1E750C-42C7-A84F-81F0-83B2F940DF8B}" dt="2019-10-18T11:09:20.866" v="8449" actId="20577"/>
       <pc:docMkLst>
         <pc:docMk/>
       </pc:docMkLst>
@@ -471,36 +472,6 @@
           </ac:spMkLst>
         </pc:spChg>
       </pc:sldChg>
-      <pc:sldChg chg="modSp del modAnim">
-        <pc:chgData name="Long B Nguyen" userId="f59fb8f3-a021-417a-8bc1-65c8d471c621" providerId="ADAL" clId="{EC1E750C-42C7-A84F-81F0-83B2F940DF8B}" dt="2019-10-11T02:03:20.916" v="6246" actId="2696"/>
-        <pc:sldMkLst>
-          <pc:docMk/>
-          <pc:sldMk cId="2605170782" sldId="311"/>
-        </pc:sldMkLst>
-        <pc:spChg chg="mod">
-          <ac:chgData name="Long B Nguyen" userId="f59fb8f3-a021-417a-8bc1-65c8d471c621" providerId="ADAL" clId="{EC1E750C-42C7-A84F-81F0-83B2F940DF8B}" dt="2019-10-10T15:13:08.129" v="5243" actId="20577"/>
-          <ac:spMkLst>
-            <pc:docMk/>
-            <pc:sldMk cId="2605170782" sldId="311"/>
-            <ac:spMk id="9" creationId="{E3B2E017-30B2-884B-A113-B419A2ED51AD}"/>
-          </ac:spMkLst>
-        </pc:spChg>
-      </pc:sldChg>
-      <pc:sldChg chg="modSp del modAnim">
-        <pc:chgData name="Long B Nguyen" userId="f59fb8f3-a021-417a-8bc1-65c8d471c621" providerId="ADAL" clId="{EC1E750C-42C7-A84F-81F0-83B2F940DF8B}" dt="2019-10-11T02:03:20.913" v="6245" actId="2696"/>
-        <pc:sldMkLst>
-          <pc:docMk/>
-          <pc:sldMk cId="1753618663" sldId="312"/>
-        </pc:sldMkLst>
-        <pc:spChg chg="mod">
-          <ac:chgData name="Long B Nguyen" userId="f59fb8f3-a021-417a-8bc1-65c8d471c621" providerId="ADAL" clId="{EC1E750C-42C7-A84F-81F0-83B2F940DF8B}" dt="2019-10-10T15:13:39.877" v="5249" actId="20577"/>
-          <ac:spMkLst>
-            <pc:docMk/>
-            <pc:sldMk cId="1753618663" sldId="312"/>
-            <ac:spMk id="9" creationId="{E3B2E017-30B2-884B-A113-B419A2ED51AD}"/>
-          </ac:spMkLst>
-        </pc:spChg>
-      </pc:sldChg>
       <pc:sldChg chg="modSp modAnim">
         <pc:chgData name="Long B Nguyen" userId="f59fb8f3-a021-417a-8bc1-65c8d471c621" providerId="ADAL" clId="{EC1E750C-42C7-A84F-81F0-83B2F940DF8B}" dt="2019-10-11T02:09:39.763" v="6346" actId="20577"/>
         <pc:sldMkLst>
@@ -539,21 +510,6 @@
           </ac:spMkLst>
         </pc:spChg>
       </pc:sldChg>
-      <pc:sldChg chg="modSp del modAnim">
-        <pc:chgData name="Long B Nguyen" userId="f59fb8f3-a021-417a-8bc1-65c8d471c621" providerId="ADAL" clId="{EC1E750C-42C7-A84F-81F0-83B2F940DF8B}" dt="2019-10-11T02:03:20.910" v="6244" actId="2696"/>
-        <pc:sldMkLst>
-          <pc:docMk/>
-          <pc:sldMk cId="2097438965" sldId="320"/>
-        </pc:sldMkLst>
-        <pc:spChg chg="mod">
-          <ac:chgData name="Long B Nguyen" userId="f59fb8f3-a021-417a-8bc1-65c8d471c621" providerId="ADAL" clId="{EC1E750C-42C7-A84F-81F0-83B2F940DF8B}" dt="2019-10-06T15:14:00.927" v="949" actId="20577"/>
-          <ac:spMkLst>
-            <pc:docMk/>
-            <pc:sldMk cId="2097438965" sldId="320"/>
-            <ac:spMk id="9" creationId="{E3B2E017-30B2-884B-A113-B419A2ED51AD}"/>
-          </ac:spMkLst>
-        </pc:spChg>
-      </pc:sldChg>
       <pc:sldChg chg="modSp modAnim">
         <pc:chgData name="Long B Nguyen" userId="f59fb8f3-a021-417a-8bc1-65c8d471c621" providerId="ADAL" clId="{EC1E750C-42C7-A84F-81F0-83B2F940DF8B}" dt="2019-10-10T16:20:02.157" v="5386"/>
         <pc:sldMkLst>
@@ -580,21 +536,6 @@
           <ac:spMkLst>
             <pc:docMk/>
             <pc:sldMk cId="866882917" sldId="322"/>
-            <ac:spMk id="9" creationId="{E3B2E017-30B2-884B-A113-B419A2ED51AD}"/>
-          </ac:spMkLst>
-        </pc:spChg>
-      </pc:sldChg>
-      <pc:sldChg chg="modSp add del modAnim">
-        <pc:chgData name="Long B Nguyen" userId="f59fb8f3-a021-417a-8bc1-65c8d471c621" providerId="ADAL" clId="{EC1E750C-42C7-A84F-81F0-83B2F940DF8B}" dt="2019-10-11T02:07:27.931" v="6322" actId="2696"/>
-        <pc:sldMkLst>
-          <pc:docMk/>
-          <pc:sldMk cId="1289346350" sldId="323"/>
-        </pc:sldMkLst>
-        <pc:spChg chg="mod">
-          <ac:chgData name="Long B Nguyen" userId="f59fb8f3-a021-417a-8bc1-65c8d471c621" providerId="ADAL" clId="{EC1E750C-42C7-A84F-81F0-83B2F940DF8B}" dt="2019-10-10T15:15:41.404" v="5275" actId="20577"/>
-          <ac:spMkLst>
-            <pc:docMk/>
-            <pc:sldMk cId="1289346350" sldId="323"/>
             <ac:spMk id="9" creationId="{E3B2E017-30B2-884B-A113-B419A2ED51AD}"/>
           </ac:spMkLst>
         </pc:spChg>
@@ -671,21 +612,6 @@
           <ac:spMkLst>
             <pc:docMk/>
             <pc:sldMk cId="725508398" sldId="327"/>
-            <ac:spMk id="9" creationId="{E3B2E017-30B2-884B-A113-B419A2ED51AD}"/>
-          </ac:spMkLst>
-        </pc:spChg>
-      </pc:sldChg>
-      <pc:sldChg chg="modSp add del modAnim">
-        <pc:chgData name="Long B Nguyen" userId="f59fb8f3-a021-417a-8bc1-65c8d471c621" providerId="ADAL" clId="{EC1E750C-42C7-A84F-81F0-83B2F940DF8B}" dt="2019-10-11T02:03:20.908" v="6243" actId="2696"/>
-        <pc:sldMkLst>
-          <pc:docMk/>
-          <pc:sldMk cId="295479311" sldId="328"/>
-        </pc:sldMkLst>
-        <pc:spChg chg="mod">
-          <ac:chgData name="Long B Nguyen" userId="f59fb8f3-a021-417a-8bc1-65c8d471c621" providerId="ADAL" clId="{EC1E750C-42C7-A84F-81F0-83B2F940DF8B}" dt="2019-10-06T15:14:06.499" v="951" actId="20577"/>
-          <ac:spMkLst>
-            <pc:docMk/>
-            <pc:sldMk cId="295479311" sldId="328"/>
             <ac:spMk id="9" creationId="{E3B2E017-30B2-884B-A113-B419A2ED51AD}"/>
           </ac:spMkLst>
         </pc:spChg>
@@ -875,75 +801,6 @@
           </ac:picMkLst>
         </pc:picChg>
       </pc:sldChg>
-      <pc:sldChg chg="modSp add del">
-        <pc:chgData name="Long B Nguyen" userId="f59fb8f3-a021-417a-8bc1-65c8d471c621" providerId="ADAL" clId="{EC1E750C-42C7-A84F-81F0-83B2F940DF8B}" dt="2019-10-10T17:00:24.107" v="5512" actId="2696"/>
-        <pc:sldMkLst>
-          <pc:docMk/>
-          <pc:sldMk cId="3162468235" sldId="337"/>
-        </pc:sldMkLst>
-        <pc:spChg chg="mod">
-          <ac:chgData name="Long B Nguyen" userId="f59fb8f3-a021-417a-8bc1-65c8d471c621" providerId="ADAL" clId="{EC1E750C-42C7-A84F-81F0-83B2F940DF8B}" dt="2019-10-10T16:58:39.649" v="5402" actId="20577"/>
-          <ac:spMkLst>
-            <pc:docMk/>
-            <pc:sldMk cId="3162468235" sldId="337"/>
-            <ac:spMk id="2" creationId="{AA3A228F-61D0-D949-A5E7-F83756230BF8}"/>
-          </ac:spMkLst>
-        </pc:spChg>
-        <pc:spChg chg="mod">
-          <ac:chgData name="Long B Nguyen" userId="f59fb8f3-a021-417a-8bc1-65c8d471c621" providerId="ADAL" clId="{EC1E750C-42C7-A84F-81F0-83B2F940DF8B}" dt="2019-10-10T16:59:49.137" v="5509" actId="20577"/>
-          <ac:spMkLst>
-            <pc:docMk/>
-            <pc:sldMk cId="3162468235" sldId="337"/>
-            <ac:spMk id="9" creationId="{E3B2E017-30B2-884B-A113-B419A2ED51AD}"/>
-          </ac:spMkLst>
-        </pc:spChg>
-      </pc:sldChg>
-      <pc:sldChg chg="modSp add del modAnim">
-        <pc:chgData name="Long B Nguyen" userId="f59fb8f3-a021-417a-8bc1-65c8d471c621" providerId="ADAL" clId="{EC1E750C-42C7-A84F-81F0-83B2F940DF8B}" dt="2019-10-11T01:56:07.553" v="6046" actId="2696"/>
-        <pc:sldMkLst>
-          <pc:docMk/>
-          <pc:sldMk cId="3287048054" sldId="337"/>
-        </pc:sldMkLst>
-        <pc:spChg chg="mod">
-          <ac:chgData name="Long B Nguyen" userId="f59fb8f3-a021-417a-8bc1-65c8d471c621" providerId="ADAL" clId="{EC1E750C-42C7-A84F-81F0-83B2F940DF8B}" dt="2019-10-10T23:32:10.769" v="5604" actId="20577"/>
-          <ac:spMkLst>
-            <pc:docMk/>
-            <pc:sldMk cId="3287048054" sldId="337"/>
-            <ac:spMk id="2" creationId="{AA3A228F-61D0-D949-A5E7-F83756230BF8}"/>
-          </ac:spMkLst>
-        </pc:spChg>
-        <pc:spChg chg="mod">
-          <ac:chgData name="Long B Nguyen" userId="f59fb8f3-a021-417a-8bc1-65c8d471c621" providerId="ADAL" clId="{EC1E750C-42C7-A84F-81F0-83B2F940DF8B}" dt="2019-10-11T01:54:46.355" v="6041" actId="20577"/>
-          <ac:spMkLst>
-            <pc:docMk/>
-            <pc:sldMk cId="3287048054" sldId="337"/>
-            <ac:spMk id="9" creationId="{E3B2E017-30B2-884B-A113-B419A2ED51AD}"/>
-          </ac:spMkLst>
-        </pc:spChg>
-      </pc:sldChg>
-      <pc:sldChg chg="modSp add del">
-        <pc:chgData name="Long B Nguyen" userId="f59fb8f3-a021-417a-8bc1-65c8d471c621" providerId="ADAL" clId="{EC1E750C-42C7-A84F-81F0-83B2F940DF8B}" dt="2019-10-10T15:08:24.584" v="5120" actId="2696"/>
-        <pc:sldMkLst>
-          <pc:docMk/>
-          <pc:sldMk cId="3357074659" sldId="337"/>
-        </pc:sldMkLst>
-        <pc:spChg chg="mod">
-          <ac:chgData name="Long B Nguyen" userId="f59fb8f3-a021-417a-8bc1-65c8d471c621" providerId="ADAL" clId="{EC1E750C-42C7-A84F-81F0-83B2F940DF8B}" dt="2019-10-10T15:06:04.998" v="4982" actId="20577"/>
-          <ac:spMkLst>
-            <pc:docMk/>
-            <pc:sldMk cId="3357074659" sldId="337"/>
-            <ac:spMk id="2" creationId="{AA3A228F-61D0-D949-A5E7-F83756230BF8}"/>
-          </ac:spMkLst>
-        </pc:spChg>
-        <pc:spChg chg="mod">
-          <ac:chgData name="Long B Nguyen" userId="f59fb8f3-a021-417a-8bc1-65c8d471c621" providerId="ADAL" clId="{EC1E750C-42C7-A84F-81F0-83B2F940DF8B}" dt="2019-10-10T15:07:13.444" v="5119"/>
-          <ac:spMkLst>
-            <pc:docMk/>
-            <pc:sldMk cId="3357074659" sldId="337"/>
-            <ac:spMk id="9" creationId="{E3B2E017-30B2-884B-A113-B419A2ED51AD}"/>
-          </ac:spMkLst>
-        </pc:spChg>
-      </pc:sldChg>
       <pc:sldChg chg="add modAnim">
         <pc:chgData name="Long B Nguyen" userId="f59fb8f3-a021-417a-8bc1-65c8d471c621" providerId="ADAL" clId="{EC1E750C-42C7-A84F-81F0-83B2F940DF8B}" dt="2019-10-11T13:54:12.677" v="6753"/>
         <pc:sldMkLst>
@@ -965,13 +822,6 @@
             <ac:spMk id="9" creationId="{E3B2E017-30B2-884B-A113-B419A2ED51AD}"/>
           </ac:spMkLst>
         </pc:spChg>
-      </pc:sldChg>
-      <pc:sldChg chg="add del">
-        <pc:chgData name="Long B Nguyen" userId="f59fb8f3-a021-417a-8bc1-65c8d471c621" providerId="ADAL" clId="{EC1E750C-42C7-A84F-81F0-83B2F940DF8B}" dt="2019-10-11T01:56:05.847" v="6045" actId="2696"/>
-        <pc:sldMkLst>
-          <pc:docMk/>
-          <pc:sldMk cId="4078468923" sldId="338"/>
-        </pc:sldMkLst>
       </pc:sldChg>
       <pc:sldChg chg="addSp modSp add modAnim">
         <pc:chgData name="Long B Nguyen" userId="f59fb8f3-a021-417a-8bc1-65c8d471c621" providerId="ADAL" clId="{EC1E750C-42C7-A84F-81F0-83B2F940DF8B}" dt="2019-10-11T16:42:24.754" v="7752"/>
@@ -1023,6 +873,29 @@
           <ac:spMkLst>
             <pc:docMk/>
             <pc:sldMk cId="3520320687" sldId="340"/>
+            <ac:spMk id="9" creationId="{E3B2E017-30B2-884B-A113-B419A2ED51AD}"/>
+          </ac:spMkLst>
+        </pc:spChg>
+      </pc:sldChg>
+      <pc:sldChg chg="modSp add modAnim">
+        <pc:chgData name="Long B Nguyen" userId="f59fb8f3-a021-417a-8bc1-65c8d471c621" providerId="ADAL" clId="{EC1E750C-42C7-A84F-81F0-83B2F940DF8B}" dt="2019-10-18T11:09:20.866" v="8449" actId="20577"/>
+        <pc:sldMkLst>
+          <pc:docMk/>
+          <pc:sldMk cId="2050208201" sldId="341"/>
+        </pc:sldMkLst>
+        <pc:spChg chg="mod">
+          <ac:chgData name="Long B Nguyen" userId="f59fb8f3-a021-417a-8bc1-65c8d471c621" providerId="ADAL" clId="{EC1E750C-42C7-A84F-81F0-83B2F940DF8B}" dt="2019-10-18T10:59:59.680" v="8072" actId="20577"/>
+          <ac:spMkLst>
+            <pc:docMk/>
+            <pc:sldMk cId="2050208201" sldId="341"/>
+            <ac:spMk id="2" creationId="{AA3A228F-61D0-D949-A5E7-F83756230BF8}"/>
+          </ac:spMkLst>
+        </pc:spChg>
+        <pc:spChg chg="mod">
+          <ac:chgData name="Long B Nguyen" userId="f59fb8f3-a021-417a-8bc1-65c8d471c621" providerId="ADAL" clId="{EC1E750C-42C7-A84F-81F0-83B2F940DF8B}" dt="2019-10-18T11:09:20.866" v="8449" actId="20577"/>
+          <ac:spMkLst>
+            <pc:docMk/>
+            <pc:sldMk cId="2050208201" sldId="341"/>
             <ac:spMk id="9" creationId="{E3B2E017-30B2-884B-A113-B419A2ED51AD}"/>
           </ac:spMkLst>
         </pc:spChg>
@@ -1175,7 +1048,7 @@
           <a:p>
             <a:fld id="{4AAD347D-5ACD-4C99-B74B-A9C85AD731AF}" type="datetimeFigureOut">
               <a:rPr lang="en-US" smtClean="0"/>
-              <a:t>10/11/19</a:t>
+              <a:t>10/18/19</a:t>
             </a:fld>
             <a:endParaRPr lang="en-US" dirty="0"/>
           </a:p>
@@ -1345,7 +1218,7 @@
           <a:p>
             <a:fld id="{4509A250-FF31-4206-8172-F9D3106AACB1}" type="datetimeFigureOut">
               <a:rPr lang="en-US" smtClean="0"/>
-              <a:t>10/11/19</a:t>
+              <a:t>10/18/19</a:t>
             </a:fld>
             <a:endParaRPr lang="en-US" dirty="0"/>
           </a:p>
@@ -1525,7 +1398,7 @@
           <a:p>
             <a:fld id="{4509A250-FF31-4206-8172-F9D3106AACB1}" type="datetimeFigureOut">
               <a:rPr lang="en-US" smtClean="0"/>
-              <a:t>10/11/19</a:t>
+              <a:t>10/18/19</a:t>
             </a:fld>
             <a:endParaRPr lang="en-US" dirty="0"/>
           </a:p>
@@ -1695,7 +1568,7 @@
           <a:p>
             <a:fld id="{4509A250-FF31-4206-8172-F9D3106AACB1}" type="datetimeFigureOut">
               <a:rPr lang="en-US" smtClean="0"/>
-              <a:t>10/11/19</a:t>
+              <a:t>10/18/19</a:t>
             </a:fld>
             <a:endParaRPr lang="en-US" dirty="0"/>
           </a:p>
@@ -1941,7 +1814,7 @@
           <a:p>
             <a:fld id="{9796027F-7875-4030-9381-8BD8C4F21935}" type="datetimeFigureOut">
               <a:rPr lang="en-US" smtClean="0"/>
-              <a:t>10/11/19</a:t>
+              <a:t>10/18/19</a:t>
             </a:fld>
             <a:endParaRPr lang="en-US" dirty="0"/>
           </a:p>
@@ -2173,7 +2046,7 @@
           <a:p>
             <a:fld id="{9796027F-7875-4030-9381-8BD8C4F21935}" type="datetimeFigureOut">
               <a:rPr lang="en-US" smtClean="0"/>
-              <a:t>10/11/19</a:t>
+              <a:t>10/18/19</a:t>
             </a:fld>
             <a:endParaRPr lang="en-US" dirty="0"/>
           </a:p>
@@ -2540,7 +2413,7 @@
           <a:p>
             <a:fld id="{9796027F-7875-4030-9381-8BD8C4F21935}" type="datetimeFigureOut">
               <a:rPr lang="en-US" smtClean="0"/>
-              <a:t>10/11/19</a:t>
+              <a:t>10/18/19</a:t>
             </a:fld>
             <a:endParaRPr lang="en-US" dirty="0"/>
           </a:p>
@@ -2658,7 +2531,7 @@
           <a:p>
             <a:fld id="{4509A250-FF31-4206-8172-F9D3106AACB1}" type="datetimeFigureOut">
               <a:rPr lang="en-US" smtClean="0"/>
-              <a:t>10/11/19</a:t>
+              <a:t>10/18/19</a:t>
             </a:fld>
             <a:endParaRPr lang="en-US" dirty="0"/>
           </a:p>
@@ -2753,7 +2626,7 @@
           <a:p>
             <a:fld id="{4509A250-FF31-4206-8172-F9D3106AACB1}" type="datetimeFigureOut">
               <a:rPr lang="en-US" smtClean="0"/>
-              <a:t>10/11/19</a:t>
+              <a:t>10/18/19</a:t>
             </a:fld>
             <a:endParaRPr lang="en-US" dirty="0"/>
           </a:p>
@@ -3030,7 +2903,7 @@
           <a:p>
             <a:fld id="{4509A250-FF31-4206-8172-F9D3106AACB1}" type="datetimeFigureOut">
               <a:rPr lang="en-US" smtClean="0"/>
-              <a:t>10/11/19</a:t>
+              <a:t>10/18/19</a:t>
             </a:fld>
             <a:endParaRPr lang="en-US" dirty="0"/>
           </a:p>
@@ -3287,7 +3160,7 @@
           <a:p>
             <a:fld id="{4509A250-FF31-4206-8172-F9D3106AACB1}" type="datetimeFigureOut">
               <a:rPr lang="en-US" smtClean="0"/>
-              <a:t>10/11/19</a:t>
+              <a:t>10/18/19</a:t>
             </a:fld>
             <a:endParaRPr lang="en-US" dirty="0"/>
           </a:p>
@@ -3500,7 +3373,7 @@
           <a:p>
             <a:fld id="{4AAD347D-5ACD-4C99-B74B-A9C85AD731AF}" type="datetimeFigureOut">
               <a:rPr lang="en-US" smtClean="0"/>
-              <a:t>10/11/19</a:t>
+              <a:t>10/18/19</a:t>
             </a:fld>
             <a:endParaRPr lang="en-US" dirty="0"/>
           </a:p>
@@ -20391,6 +20264,215 @@
           <a:p>
             <a:r>
               <a:rPr lang="en-US" dirty="0"/>
+              <a:t>Lab</a:t>
+            </a:r>
+          </a:p>
+        </p:txBody>
+      </p:sp>
+      <p:sp>
+        <p:nvSpPr>
+          <p:cNvPr id="9" name="Content Placeholder 8">
+            <a:extLst>
+              <a:ext uri="{FF2B5EF4-FFF2-40B4-BE49-F238E27FC236}">
+                <a16:creationId xmlns:a16="http://schemas.microsoft.com/office/drawing/2014/main" id="{E3B2E017-30B2-884B-A113-B419A2ED51AD}"/>
+              </a:ext>
+            </a:extLst>
+          </p:cNvPr>
+          <p:cNvSpPr>
+            <a:spLocks noGrp="1"/>
+          </p:cNvSpPr>
+          <p:nvPr>
+            <p:ph idx="1"/>
+          </p:nvPr>
+        </p:nvSpPr>
+        <p:spPr>
+          <a:xfrm>
+            <a:off x="483848" y="1150912"/>
+            <a:ext cx="8051725" cy="4564087"/>
+          </a:xfrm>
+        </p:spPr>
+        <p:txBody>
+          <a:bodyPr>
+            <a:noAutofit/>
+          </a:bodyPr>
+          <a:lstStyle/>
+          <a:p>
+            <a:pPr marL="0" indent="0">
+              <a:buNone/>
+            </a:pPr>
+            <a:r>
+              <a:rPr lang="en-US" dirty="0"/>
+              <a:t>Create a new </a:t>
+            </a:r>
+            <a:r>
+              <a:rPr lang="en-US" dirty="0" err="1"/>
+              <a:t>repl</a:t>
+            </a:r>
+            <a:r>
+              <a:rPr lang="en-US" dirty="0"/>
+              <a:t> on </a:t>
+            </a:r>
+            <a:r>
+              <a:rPr lang="en-US" dirty="0" err="1"/>
+              <a:t>repl.it</a:t>
+            </a:r>
+            <a:r>
+              <a:rPr lang="en-US" dirty="0"/>
+              <a:t> Use list comprehensions to create the following lists.</a:t>
+            </a:r>
+            <a:endParaRPr lang="en-US" b="1" dirty="0">
+              <a:latin typeface="Inconsolata Medium" panose="020B0609030003000000" pitchFamily="49" charset="77"/>
+            </a:endParaRPr>
+          </a:p>
+          <a:p>
+            <a:pPr marL="457200" indent="-457200">
+              <a:buAutoNum type="arabicParenR"/>
+            </a:pPr>
+            <a:r>
+              <a:rPr lang="en-US" b="1" dirty="0">
+                <a:latin typeface="Inconsolata Medium" panose="020B0609030003000000" pitchFamily="49" charset="77"/>
+              </a:rPr>
+              <a:t>[2,4,6,8,10,…,20]</a:t>
+            </a:r>
+          </a:p>
+          <a:p>
+            <a:pPr marL="457200" indent="-457200">
+              <a:buAutoNum type="arabicParenR"/>
+            </a:pPr>
+            <a:r>
+              <a:rPr lang="en-US" b="1" dirty="0">
+                <a:latin typeface="Inconsolata Medium" panose="020B0609030003000000" pitchFamily="49" charset="77"/>
+              </a:rPr>
+              <a:t>[1,8,27,64,125]</a:t>
+            </a:r>
+          </a:p>
+          <a:p>
+            <a:pPr marL="457200" indent="-457200">
+              <a:buAutoNum type="arabicParenR"/>
+            </a:pPr>
+            <a:r>
+              <a:rPr lang="en-US" b="1" dirty="0">
+                <a:latin typeface="Inconsolata Medium" panose="020B0609030003000000" pitchFamily="49" charset="77"/>
+              </a:rPr>
+              <a:t>[0.5,1.0,1.5,2.0,2.5,3.0]</a:t>
+            </a:r>
+          </a:p>
+          <a:p>
+            <a:pPr marL="457200" indent="-457200">
+              <a:buAutoNum type="arabicParenR"/>
+            </a:pPr>
+            <a:r>
+              <a:rPr lang="en-US" b="1" dirty="0">
+                <a:latin typeface="Inconsolata Medium" panose="020B0609030003000000" pitchFamily="49" charset="77"/>
+              </a:rPr>
+              <a:t>['1','2','3','4','5']</a:t>
+            </a:r>
+          </a:p>
+          <a:p>
+            <a:pPr marL="457200" indent="-457200">
+              <a:buAutoNum type="arabicParenR"/>
+            </a:pPr>
+            <a:r>
+              <a:rPr lang="en-US" b="1" dirty="0">
+                <a:latin typeface="Inconsolata Medium" panose="020B0609030003000000" pitchFamily="49" charset="77"/>
+              </a:rPr>
+              <a:t>[1,3,5,7,9,…,99]. Must use condition in the list comprehension.</a:t>
+            </a:r>
+          </a:p>
+          <a:p>
+            <a:pPr marL="457200" indent="-457200">
+              <a:buAutoNum type="arabicParenR"/>
+            </a:pPr>
+            <a:r>
+              <a:rPr lang="en-US" b="1" dirty="0">
+                <a:latin typeface="Inconsolata Medium" panose="020B0609030003000000" pitchFamily="49" charset="77"/>
+              </a:rPr>
+              <a:t>The nested 2D list: [1,2,3,4,5] repeated 10 times.</a:t>
+            </a:r>
+          </a:p>
+          <a:p>
+            <a:pPr marL="457200" indent="-457200">
+              <a:buAutoNum type="arabicParenR"/>
+            </a:pPr>
+            <a:r>
+              <a:rPr lang="en-US" b="1" dirty="0">
+                <a:latin typeface="Inconsolata Medium" panose="020B0609030003000000" pitchFamily="49" charset="77"/>
+              </a:rPr>
+              <a:t>The nested </a:t>
+            </a:r>
+            <a:r>
+              <a:rPr lang="en-US" b="1">
+                <a:latin typeface="Inconsolata Medium" panose="020B0609030003000000" pitchFamily="49" charset="77"/>
+              </a:rPr>
+              <a:t>2D list: </a:t>
+            </a:r>
+            <a:r>
+              <a:rPr lang="en-US" b="1" dirty="0">
+                <a:latin typeface="Inconsolata Medium" panose="020B0609030003000000" pitchFamily="49" charset="77"/>
+              </a:rPr>
+              <a:t>[0,0,0,0,0] repeated 20 times.</a:t>
+            </a:r>
+          </a:p>
+        </p:txBody>
+      </p:sp>
+    </p:spTree>
+    <p:extLst>
+      <p:ext uri="{BB962C8B-B14F-4D97-AF65-F5344CB8AC3E}">
+        <p14:creationId xmlns:p14="http://schemas.microsoft.com/office/powerpoint/2010/main" val="2050208201"/>
+      </p:ext>
+    </p:extLst>
+  </p:cSld>
+  <p:clrMapOvr>
+    <a:masterClrMapping/>
+  </p:clrMapOvr>
+</p:sld>
+</file>
+
+<file path=ppt/slides/slide33.xml><?xml version="1.0" encoding="utf-8"?>
+<p:sld xmlns:a="http://schemas.openxmlformats.org/drawingml/2006/main" xmlns:r="http://schemas.openxmlformats.org/officeDocument/2006/relationships" xmlns:p="http://schemas.openxmlformats.org/presentationml/2006/main">
+  <p:cSld>
+    <p:spTree>
+      <p:nvGrpSpPr>
+        <p:cNvPr id="1" name=""/>
+        <p:cNvGrpSpPr/>
+        <p:nvPr/>
+      </p:nvGrpSpPr>
+      <p:grpSpPr>
+        <a:xfrm>
+          <a:off x="0" y="0"/>
+          <a:ext cx="0" cy="0"/>
+          <a:chOff x="0" y="0"/>
+          <a:chExt cx="0" cy="0"/>
+        </a:xfrm>
+      </p:grpSpPr>
+      <p:sp>
+        <p:nvSpPr>
+          <p:cNvPr id="2" name="Title 1">
+            <a:extLst>
+              <a:ext uri="{FF2B5EF4-FFF2-40B4-BE49-F238E27FC236}">
+                <a16:creationId xmlns:a16="http://schemas.microsoft.com/office/drawing/2014/main" id="{AA3A228F-61D0-D949-A5E7-F83756230BF8}"/>
+              </a:ext>
+            </a:extLst>
+          </p:cNvPr>
+          <p:cNvSpPr>
+            <a:spLocks noGrp="1"/>
+          </p:cNvSpPr>
+          <p:nvPr>
+            <p:ph type="title"/>
+          </p:nvPr>
+        </p:nvSpPr>
+        <p:spPr>
+          <a:xfrm>
+            <a:off x="483848" y="467027"/>
+            <a:ext cx="7053542" cy="683886"/>
+          </a:xfrm>
+        </p:spPr>
+        <p:txBody>
+          <a:bodyPr/>
+          <a:lstStyle/>
+          <a:p>
+            <a:r>
+              <a:rPr lang="en-US" dirty="0"/>
               <a:t>References</a:t>
             </a:r>
           </a:p>

--- a/courses/apcsp/lect6.pptx
+++ b/courses/apcsp/lect6.pptx
@@ -19,25 +19,28 @@
     <p:sldId id="306" r:id="rId13"/>
     <p:sldId id="300" r:id="rId14"/>
     <p:sldId id="332" r:id="rId15"/>
-    <p:sldId id="319" r:id="rId16"/>
-    <p:sldId id="329" r:id="rId17"/>
-    <p:sldId id="321" r:id="rId18"/>
-    <p:sldId id="333" r:id="rId19"/>
-    <p:sldId id="322" r:id="rId20"/>
-    <p:sldId id="330" r:id="rId21"/>
-    <p:sldId id="315" r:id="rId22"/>
-    <p:sldId id="337" r:id="rId23"/>
-    <p:sldId id="338" r:id="rId24"/>
-    <p:sldId id="324" r:id="rId25"/>
-    <p:sldId id="325" r:id="rId26"/>
-    <p:sldId id="334" r:id="rId27"/>
-    <p:sldId id="288" r:id="rId28"/>
-    <p:sldId id="266" r:id="rId29"/>
-    <p:sldId id="339" r:id="rId30"/>
-    <p:sldId id="340" r:id="rId31"/>
-    <p:sldId id="335" r:id="rId32"/>
-    <p:sldId id="341" r:id="rId33"/>
-    <p:sldId id="284" r:id="rId34"/>
+    <p:sldId id="342" r:id="rId16"/>
+    <p:sldId id="343" r:id="rId17"/>
+    <p:sldId id="344" r:id="rId18"/>
+    <p:sldId id="319" r:id="rId19"/>
+    <p:sldId id="329" r:id="rId20"/>
+    <p:sldId id="321" r:id="rId21"/>
+    <p:sldId id="333" r:id="rId22"/>
+    <p:sldId id="322" r:id="rId23"/>
+    <p:sldId id="330" r:id="rId24"/>
+    <p:sldId id="315" r:id="rId25"/>
+    <p:sldId id="337" r:id="rId26"/>
+    <p:sldId id="338" r:id="rId27"/>
+    <p:sldId id="324" r:id="rId28"/>
+    <p:sldId id="325" r:id="rId29"/>
+    <p:sldId id="334" r:id="rId30"/>
+    <p:sldId id="288" r:id="rId31"/>
+    <p:sldId id="266" r:id="rId32"/>
+    <p:sldId id="339" r:id="rId33"/>
+    <p:sldId id="340" r:id="rId34"/>
+    <p:sldId id="335" r:id="rId35"/>
+    <p:sldId id="341" r:id="rId36"/>
+    <p:sldId id="284" r:id="rId37"/>
   </p:sldIdLst>
   <p:sldSz cx="9144000" cy="5715000" type="screen16x10"/>
   <p:notesSz cx="6858000" cy="9144000"/>
@@ -147,7 +150,7 @@
 <file path=ppt/revisionInfo.xml><?xml version="1.0" encoding="utf-8"?>
 <p1510:revInfo xmlns:a="http://schemas.openxmlformats.org/drawingml/2006/main" xmlns:r="http://schemas.openxmlformats.org/officeDocument/2006/relationships" xmlns:p1510="http://schemas.microsoft.com/office/powerpoint/2015/10/main">
   <p1510:revLst>
-    <p1510:client id="{EC1E750C-42C7-A84F-81F0-83B2F940DF8B}" v="2649" dt="2019-10-18T11:09:20.866"/>
+    <p1510:client id="{EC1E750C-42C7-A84F-81F0-83B2F940DF8B}" v="3581" dt="2019-10-28T12:45:43.533"/>
   </p1510:revLst>
 </p1510:revInfo>
 </file>
@@ -169,7 +172,7 @@
   <pc:docChgLst>
     <pc:chgData name="Long B Nguyen" userId="f59fb8f3-a021-417a-8bc1-65c8d471c621" providerId="ADAL" clId="{EC1E750C-42C7-A84F-81F0-83B2F940DF8B}"/>
     <pc:docChg chg="undo custSel addSld delSld modSld">
-      <pc:chgData name="Long B Nguyen" userId="f59fb8f3-a021-417a-8bc1-65c8d471c621" providerId="ADAL" clId="{EC1E750C-42C7-A84F-81F0-83B2F940DF8B}" dt="2019-10-18T11:09:20.866" v="8449" actId="20577"/>
+      <pc:chgData name="Long B Nguyen" userId="f59fb8f3-a021-417a-8bc1-65c8d471c621" providerId="ADAL" clId="{EC1E750C-42C7-A84F-81F0-83B2F940DF8B}" dt="2019-10-28T12:45:43.533" v="9497" actId="207"/>
       <pc:docMkLst>
         <pc:docMk/>
       </pc:docMkLst>
@@ -319,7 +322,7 @@
         </pc:spChg>
       </pc:sldChg>
       <pc:sldChg chg="modSp add">
-        <pc:chgData name="Long B Nguyen" userId="f59fb8f3-a021-417a-8bc1-65c8d471c621" providerId="ADAL" clId="{EC1E750C-42C7-A84F-81F0-83B2F940DF8B}" dt="2019-10-07T20:38:07.354" v="2821" actId="20577"/>
+        <pc:chgData name="Long B Nguyen" userId="f59fb8f3-a021-417a-8bc1-65c8d471c621" providerId="ADAL" clId="{EC1E750C-42C7-A84F-81F0-83B2F940DF8B}" dt="2019-10-25T16:14:14.034" v="8522" actId="20577"/>
         <pc:sldMkLst>
           <pc:docMk/>
           <pc:sldMk cId="2259044443" sldId="300"/>
@@ -341,7 +344,7 @@
           </ac:spMkLst>
         </pc:spChg>
         <pc:graphicFrameChg chg="mod modGraphic">
-          <ac:chgData name="Long B Nguyen" userId="f59fb8f3-a021-417a-8bc1-65c8d471c621" providerId="ADAL" clId="{EC1E750C-42C7-A84F-81F0-83B2F940DF8B}" dt="2019-10-07T20:31:48.889" v="2559" actId="1076"/>
+          <ac:chgData name="Long B Nguyen" userId="f59fb8f3-a021-417a-8bc1-65c8d471c621" providerId="ADAL" clId="{EC1E750C-42C7-A84F-81F0-83B2F940DF8B}" dt="2019-10-25T16:14:14.034" v="8522" actId="20577"/>
           <ac:graphicFrameMkLst>
             <pc:docMk/>
             <pc:sldMk cId="2259044443" sldId="300"/>
@@ -900,6 +903,67 @@
           </ac:spMkLst>
         </pc:spChg>
       </pc:sldChg>
+      <pc:sldChg chg="modSp add modAnim">
+        <pc:chgData name="Long B Nguyen" userId="f59fb8f3-a021-417a-8bc1-65c8d471c621" providerId="ADAL" clId="{EC1E750C-42C7-A84F-81F0-83B2F940DF8B}" dt="2019-10-26T18:13:17.508" v="8989" actId="20577"/>
+        <pc:sldMkLst>
+          <pc:docMk/>
+          <pc:sldMk cId="2433533531" sldId="342"/>
+        </pc:sldMkLst>
+        <pc:spChg chg="mod">
+          <ac:chgData name="Long B Nguyen" userId="f59fb8f3-a021-417a-8bc1-65c8d471c621" providerId="ADAL" clId="{EC1E750C-42C7-A84F-81F0-83B2F940DF8B}" dt="2019-10-26T18:05:47.728" v="8634" actId="20577"/>
+          <ac:spMkLst>
+            <pc:docMk/>
+            <pc:sldMk cId="2433533531" sldId="342"/>
+            <ac:spMk id="2" creationId="{AA3A228F-61D0-D949-A5E7-F83756230BF8}"/>
+          </ac:spMkLst>
+        </pc:spChg>
+        <pc:spChg chg="mod">
+          <ac:chgData name="Long B Nguyen" userId="f59fb8f3-a021-417a-8bc1-65c8d471c621" providerId="ADAL" clId="{EC1E750C-42C7-A84F-81F0-83B2F940DF8B}" dt="2019-10-26T18:13:17.508" v="8989" actId="20577"/>
+          <ac:spMkLst>
+            <pc:docMk/>
+            <pc:sldMk cId="2433533531" sldId="342"/>
+            <ac:spMk id="9" creationId="{E3B2E017-30B2-884B-A113-B419A2ED51AD}"/>
+          </ac:spMkLst>
+        </pc:spChg>
+      </pc:sldChg>
+      <pc:sldChg chg="modSp add modAnim">
+        <pc:chgData name="Long B Nguyen" userId="f59fb8f3-a021-417a-8bc1-65c8d471c621" providerId="ADAL" clId="{EC1E750C-42C7-A84F-81F0-83B2F940DF8B}" dt="2019-10-28T12:39:25.158" v="9211" actId="20577"/>
+        <pc:sldMkLst>
+          <pc:docMk/>
+          <pc:sldMk cId="2916621840" sldId="343"/>
+        </pc:sldMkLst>
+        <pc:spChg chg="mod">
+          <ac:chgData name="Long B Nguyen" userId="f59fb8f3-a021-417a-8bc1-65c8d471c621" providerId="ADAL" clId="{EC1E750C-42C7-A84F-81F0-83B2F940DF8B}" dt="2019-10-28T12:39:25.158" v="9211" actId="20577"/>
+          <ac:spMkLst>
+            <pc:docMk/>
+            <pc:sldMk cId="2916621840" sldId="343"/>
+            <ac:spMk id="9" creationId="{E3B2E017-30B2-884B-A113-B419A2ED51AD}"/>
+          </ac:spMkLst>
+        </pc:spChg>
+      </pc:sldChg>
+      <pc:sldChg chg="modSp add modAnim">
+        <pc:chgData name="Long B Nguyen" userId="f59fb8f3-a021-417a-8bc1-65c8d471c621" providerId="ADAL" clId="{EC1E750C-42C7-A84F-81F0-83B2F940DF8B}" dt="2019-10-28T12:45:43.533" v="9497" actId="207"/>
+        <pc:sldMkLst>
+          <pc:docMk/>
+          <pc:sldMk cId="422445672" sldId="344"/>
+        </pc:sldMkLst>
+        <pc:spChg chg="mod">
+          <ac:chgData name="Long B Nguyen" userId="f59fb8f3-a021-417a-8bc1-65c8d471c621" providerId="ADAL" clId="{EC1E750C-42C7-A84F-81F0-83B2F940DF8B}" dt="2019-10-28T12:40:04.794" v="9224" actId="20577"/>
+          <ac:spMkLst>
+            <pc:docMk/>
+            <pc:sldMk cId="422445672" sldId="344"/>
+            <ac:spMk id="2" creationId="{AA3A228F-61D0-D949-A5E7-F83756230BF8}"/>
+          </ac:spMkLst>
+        </pc:spChg>
+        <pc:spChg chg="mod">
+          <ac:chgData name="Long B Nguyen" userId="f59fb8f3-a021-417a-8bc1-65c8d471c621" providerId="ADAL" clId="{EC1E750C-42C7-A84F-81F0-83B2F940DF8B}" dt="2019-10-28T12:45:43.533" v="9497" actId="207"/>
+          <ac:spMkLst>
+            <pc:docMk/>
+            <pc:sldMk cId="422445672" sldId="344"/>
+            <ac:spMk id="9" creationId="{E3B2E017-30B2-884B-A113-B419A2ED51AD}"/>
+          </ac:spMkLst>
+        </pc:spChg>
+      </pc:sldChg>
     </pc:docChg>
   </pc:docChgLst>
   <pc:docChgLst>
@@ -1048,7 +1112,7 @@
           <a:p>
             <a:fld id="{4AAD347D-5ACD-4C99-B74B-A9C85AD731AF}" type="datetimeFigureOut">
               <a:rPr lang="en-US" smtClean="0"/>
-              <a:t>10/18/19</a:t>
+              <a:t>10/28/19</a:t>
             </a:fld>
             <a:endParaRPr lang="en-US" dirty="0"/>
           </a:p>
@@ -1218,7 +1282,7 @@
           <a:p>
             <a:fld id="{4509A250-FF31-4206-8172-F9D3106AACB1}" type="datetimeFigureOut">
               <a:rPr lang="en-US" smtClean="0"/>
-              <a:t>10/18/19</a:t>
+              <a:t>10/28/19</a:t>
             </a:fld>
             <a:endParaRPr lang="en-US" dirty="0"/>
           </a:p>
@@ -1398,7 +1462,7 @@
           <a:p>
             <a:fld id="{4509A250-FF31-4206-8172-F9D3106AACB1}" type="datetimeFigureOut">
               <a:rPr lang="en-US" smtClean="0"/>
-              <a:t>10/18/19</a:t>
+              <a:t>10/28/19</a:t>
             </a:fld>
             <a:endParaRPr lang="en-US" dirty="0"/>
           </a:p>
@@ -1568,7 +1632,7 @@
           <a:p>
             <a:fld id="{4509A250-FF31-4206-8172-F9D3106AACB1}" type="datetimeFigureOut">
               <a:rPr lang="en-US" smtClean="0"/>
-              <a:t>10/18/19</a:t>
+              <a:t>10/28/19</a:t>
             </a:fld>
             <a:endParaRPr lang="en-US" dirty="0"/>
           </a:p>
@@ -1814,7 +1878,7 @@
           <a:p>
             <a:fld id="{9796027F-7875-4030-9381-8BD8C4F21935}" type="datetimeFigureOut">
               <a:rPr lang="en-US" smtClean="0"/>
-              <a:t>10/18/19</a:t>
+              <a:t>10/28/19</a:t>
             </a:fld>
             <a:endParaRPr lang="en-US" dirty="0"/>
           </a:p>
@@ -2046,7 +2110,7 @@
           <a:p>
             <a:fld id="{9796027F-7875-4030-9381-8BD8C4F21935}" type="datetimeFigureOut">
               <a:rPr lang="en-US" smtClean="0"/>
-              <a:t>10/18/19</a:t>
+              <a:t>10/28/19</a:t>
             </a:fld>
             <a:endParaRPr lang="en-US" dirty="0"/>
           </a:p>
@@ -2413,7 +2477,7 @@
           <a:p>
             <a:fld id="{9796027F-7875-4030-9381-8BD8C4F21935}" type="datetimeFigureOut">
               <a:rPr lang="en-US" smtClean="0"/>
-              <a:t>10/18/19</a:t>
+              <a:t>10/28/19</a:t>
             </a:fld>
             <a:endParaRPr lang="en-US" dirty="0"/>
           </a:p>
@@ -2531,7 +2595,7 @@
           <a:p>
             <a:fld id="{4509A250-FF31-4206-8172-F9D3106AACB1}" type="datetimeFigureOut">
               <a:rPr lang="en-US" smtClean="0"/>
-              <a:t>10/18/19</a:t>
+              <a:t>10/28/19</a:t>
             </a:fld>
             <a:endParaRPr lang="en-US" dirty="0"/>
           </a:p>
@@ -2626,7 +2690,7 @@
           <a:p>
             <a:fld id="{4509A250-FF31-4206-8172-F9D3106AACB1}" type="datetimeFigureOut">
               <a:rPr lang="en-US" smtClean="0"/>
-              <a:t>10/18/19</a:t>
+              <a:t>10/28/19</a:t>
             </a:fld>
             <a:endParaRPr lang="en-US" dirty="0"/>
           </a:p>
@@ -2903,7 +2967,7 @@
           <a:p>
             <a:fld id="{4509A250-FF31-4206-8172-F9D3106AACB1}" type="datetimeFigureOut">
               <a:rPr lang="en-US" smtClean="0"/>
-              <a:t>10/18/19</a:t>
+              <a:t>10/28/19</a:t>
             </a:fld>
             <a:endParaRPr lang="en-US" dirty="0"/>
           </a:p>
@@ -3160,7 +3224,7 @@
           <a:p>
             <a:fld id="{4509A250-FF31-4206-8172-F9D3106AACB1}" type="datetimeFigureOut">
               <a:rPr lang="en-US" smtClean="0"/>
-              <a:t>10/18/19</a:t>
+              <a:t>10/28/19</a:t>
             </a:fld>
             <a:endParaRPr lang="en-US" dirty="0"/>
           </a:p>
@@ -3373,7 +3437,7 @@
           <a:p>
             <a:fld id="{4AAD347D-5ACD-4C99-B74B-A9C85AD731AF}" type="datetimeFigureOut">
               <a:rPr lang="en-US" smtClean="0"/>
-              <a:t>10/18/19</a:t>
+              <a:t>10/28/19</a:t>
             </a:fld>
             <a:endParaRPr lang="en-US" dirty="0"/>
           </a:p>
@@ -7062,14 +7126,14 @@
           <p:nvPr>
             <p:extLst>
               <p:ext uri="{D42A27DB-BD31-4B8C-83A1-F6EECF244321}">
-                <p14:modId xmlns:p14="http://schemas.microsoft.com/office/powerpoint/2010/main" val="2251588440"/>
+                <p14:modId xmlns:p14="http://schemas.microsoft.com/office/powerpoint/2010/main" val="4035852778"/>
               </p:ext>
             </p:extLst>
           </p:nvPr>
         </p:nvGraphicFramePr>
         <p:xfrm>
           <a:off x="425450" y="1583383"/>
-          <a:ext cx="8293100" cy="4008120"/>
+          <a:ext cx="8293100" cy="4043680"/>
         </p:xfrm>
         <a:graphic>
           <a:graphicData uri="http://schemas.openxmlformats.org/drawingml/2006/table">
@@ -7234,8 +7298,17 @@
                       </a:r>
                       <a:r>
                         <a:rPr lang="en-US" sz="1800" b="1" dirty="0"/>
-                        <a:t>value.</a:t>
+                        <a:t>value. </a:t>
                       </a:r>
+                      <a:r>
+                        <a:rPr lang="en-US" sz="1800" b="0" dirty="0"/>
+                        <a:t>Remove only the first one if there are </a:t>
+                      </a:r>
+                      <a:r>
+                        <a:rPr lang="en-US" sz="1800" b="0"/>
+                        <a:t>multiple occurrences. </a:t>
+                      </a:r>
+                      <a:endParaRPr lang="en-US" sz="1800" b="1" dirty="0"/>
                     </a:p>
                   </a:txBody>
                   <a:tcPr/>
@@ -8702,6 +8775,2311 @@
           <a:p>
             <a:r>
               <a:rPr lang="en-US" dirty="0"/>
+              <a:t>Remove Duplicate Zeroes</a:t>
+            </a:r>
+          </a:p>
+        </p:txBody>
+      </p:sp>
+      <p:sp>
+        <p:nvSpPr>
+          <p:cNvPr id="9" name="Content Placeholder 8">
+            <a:extLst>
+              <a:ext uri="{FF2B5EF4-FFF2-40B4-BE49-F238E27FC236}">
+                <a16:creationId xmlns:a16="http://schemas.microsoft.com/office/drawing/2014/main" id="{E3B2E017-30B2-884B-A113-B419A2ED51AD}"/>
+              </a:ext>
+            </a:extLst>
+          </p:cNvPr>
+          <p:cNvSpPr>
+            <a:spLocks noGrp="1"/>
+          </p:cNvSpPr>
+          <p:nvPr>
+            <p:ph idx="1"/>
+          </p:nvPr>
+        </p:nvSpPr>
+        <p:spPr>
+          <a:xfrm>
+            <a:off x="483848" y="1288074"/>
+            <a:ext cx="8051725" cy="4275238"/>
+          </a:xfrm>
+        </p:spPr>
+        <p:txBody>
+          <a:bodyPr>
+            <a:normAutofit/>
+          </a:bodyPr>
+          <a:lstStyle/>
+          <a:p>
+            <a:pPr marL="0" indent="0">
+              <a:buNone/>
+            </a:pPr>
+            <a:r>
+              <a:rPr lang="en-US" dirty="0">
+                <a:latin typeface="Gill Sans MT" panose="020B0502020104020203" pitchFamily="34" charset="77"/>
+              </a:rPr>
+              <a:t>Write code that remove all zeroes from a list.</a:t>
+            </a:r>
+          </a:p>
+          <a:p>
+            <a:pPr marL="0" indent="0">
+              <a:buNone/>
+            </a:pPr>
+            <a:endParaRPr lang="en-US" b="1" dirty="0">
+              <a:solidFill>
+                <a:srgbClr val="000087"/>
+              </a:solidFill>
+              <a:latin typeface="Inconsolata Medium" panose="020B0609030003000000" pitchFamily="49" charset="77"/>
+            </a:endParaRPr>
+          </a:p>
+          <a:p>
+            <a:pPr marL="0" indent="0">
+              <a:buNone/>
+            </a:pPr>
+            <a:r>
+              <a:rPr lang="en-US" b="1" dirty="0">
+                <a:solidFill>
+                  <a:srgbClr val="000087"/>
+                </a:solidFill>
+                <a:latin typeface="Inconsolata Medium" panose="020B0609030003000000" pitchFamily="49" charset="77"/>
+              </a:rPr>
+              <a:t>In </a:t>
+            </a:r>
+            <a:r>
+              <a:rPr lang="en-US" b="1" dirty="0">
+                <a:latin typeface="Inconsolata Medium" panose="020B0609030003000000" pitchFamily="49" charset="77"/>
+              </a:rPr>
+              <a:t>[</a:t>
+            </a:r>
+            <a:r>
+              <a:rPr lang="en-US" b="1" dirty="0">
+                <a:solidFill>
+                  <a:srgbClr val="FF6600"/>
+                </a:solidFill>
+                <a:latin typeface="Inconsolata Medium" panose="020B0609030003000000" pitchFamily="49" charset="77"/>
+              </a:rPr>
+              <a:t>1</a:t>
+            </a:r>
+            <a:r>
+              <a:rPr lang="en-US" b="1" dirty="0">
+                <a:latin typeface="Inconsolata Medium" panose="020B0609030003000000" pitchFamily="49" charset="77"/>
+              </a:rPr>
+              <a:t>]: </a:t>
+            </a:r>
+            <a:r>
+              <a:rPr lang="en-US" b="1" dirty="0" err="1">
+                <a:solidFill>
+                  <a:srgbClr val="000087"/>
+                </a:solidFill>
+                <a:latin typeface="Inconsolata Medium" panose="020B0609030003000000" pitchFamily="49" charset="77"/>
+              </a:rPr>
+              <a:t>lst</a:t>
+            </a:r>
+            <a:r>
+              <a:rPr lang="en-US" b="1" dirty="0">
+                <a:solidFill>
+                  <a:srgbClr val="000087"/>
+                </a:solidFill>
+                <a:latin typeface="Inconsolata Medium" panose="020B0609030003000000" pitchFamily="49" charset="77"/>
+              </a:rPr>
+              <a:t> </a:t>
+            </a:r>
+            <a:r>
+              <a:rPr lang="en-US" b="1" dirty="0">
+                <a:solidFill>
+                  <a:srgbClr val="545454"/>
+                </a:solidFill>
+                <a:latin typeface="Inconsolata Medium" panose="020B0609030003000000" pitchFamily="49" charset="77"/>
+              </a:rPr>
+              <a:t>= </a:t>
+            </a:r>
+            <a:r>
+              <a:rPr lang="en-US" b="1" dirty="0">
+                <a:latin typeface="Inconsolata Medium" panose="020B0609030003000000" pitchFamily="49" charset="77"/>
+              </a:rPr>
+              <a:t>[</a:t>
+            </a:r>
+            <a:r>
+              <a:rPr lang="en-US" b="1" dirty="0">
+                <a:solidFill>
+                  <a:srgbClr val="FF6600"/>
+                </a:solidFill>
+                <a:latin typeface="Inconsolata Medium" panose="020B0609030003000000" pitchFamily="49" charset="77"/>
+              </a:rPr>
+              <a:t>1</a:t>
+            </a:r>
+            <a:r>
+              <a:rPr lang="en-US" b="1" dirty="0">
+                <a:latin typeface="Inconsolata Medium" panose="020B0609030003000000" pitchFamily="49" charset="77"/>
+              </a:rPr>
+              <a:t>, </a:t>
+            </a:r>
+            <a:r>
+              <a:rPr lang="en-US" b="1" dirty="0">
+                <a:solidFill>
+                  <a:srgbClr val="FF6600"/>
+                </a:solidFill>
+                <a:latin typeface="Inconsolata Medium" panose="020B0609030003000000" pitchFamily="49" charset="77"/>
+              </a:rPr>
+              <a:t>0</a:t>
+            </a:r>
+            <a:r>
+              <a:rPr lang="en-US" b="1" dirty="0">
+                <a:latin typeface="Inconsolata Medium" panose="020B0609030003000000" pitchFamily="49" charset="77"/>
+              </a:rPr>
+              <a:t>, </a:t>
+            </a:r>
+            <a:r>
+              <a:rPr lang="en-US" b="1" dirty="0">
+                <a:solidFill>
+                  <a:srgbClr val="FF6600"/>
+                </a:solidFill>
+                <a:latin typeface="Inconsolata Medium" panose="020B0609030003000000" pitchFamily="49" charset="77"/>
+              </a:rPr>
+              <a:t>0, 5, 0</a:t>
+            </a:r>
+            <a:r>
+              <a:rPr lang="en-US" b="1" dirty="0">
+                <a:latin typeface="Inconsolata Medium" panose="020B0609030003000000" pitchFamily="49" charset="77"/>
+              </a:rPr>
+              <a:t>] </a:t>
+            </a:r>
+          </a:p>
+          <a:p>
+            <a:pPr marL="0" indent="0">
+              <a:buNone/>
+            </a:pPr>
+            <a:r>
+              <a:rPr lang="en-US" b="1" dirty="0">
+                <a:solidFill>
+                  <a:srgbClr val="000087"/>
+                </a:solidFill>
+                <a:latin typeface="Inconsolata Medium" panose="020B0609030003000000" pitchFamily="49" charset="77"/>
+              </a:rPr>
+              <a:t>In </a:t>
+            </a:r>
+            <a:r>
+              <a:rPr lang="en-US" b="1" dirty="0">
+                <a:latin typeface="Inconsolata Medium" panose="020B0609030003000000" pitchFamily="49" charset="77"/>
+              </a:rPr>
+              <a:t>[</a:t>
+            </a:r>
+            <a:r>
+              <a:rPr lang="en-US" b="1" dirty="0">
+                <a:solidFill>
+                  <a:srgbClr val="FF6600"/>
+                </a:solidFill>
+                <a:latin typeface="Inconsolata Medium" panose="020B0609030003000000" pitchFamily="49" charset="77"/>
+              </a:rPr>
+              <a:t>2</a:t>
+            </a:r>
+            <a:r>
+              <a:rPr lang="en-US" b="1" dirty="0">
+                <a:latin typeface="Inconsolata Medium" panose="020B0609030003000000" pitchFamily="49" charset="77"/>
+              </a:rPr>
+              <a:t>]: </a:t>
+            </a:r>
+            <a:r>
+              <a:rPr lang="en-US" sz="2400" b="1" dirty="0">
+                <a:solidFill>
+                  <a:srgbClr val="006699"/>
+                </a:solidFill>
+                <a:latin typeface="Inconsolata Medium" panose="020B0609030003000000" pitchFamily="49" charset="77"/>
+              </a:rPr>
+              <a:t>for </a:t>
+            </a:r>
+            <a:r>
+              <a:rPr lang="en-US" sz="2400" b="1" dirty="0">
+                <a:solidFill>
+                  <a:srgbClr val="000087"/>
+                </a:solidFill>
+                <a:latin typeface="Inconsolata Medium" panose="020B0609030003000000" pitchFamily="49" charset="77"/>
+              </a:rPr>
+              <a:t>x </a:t>
+            </a:r>
+            <a:r>
+              <a:rPr lang="en-US" sz="2400" b="1" dirty="0">
+                <a:latin typeface="Inconsolata Medium" panose="020B0609030003000000" pitchFamily="49" charset="77"/>
+              </a:rPr>
+              <a:t>in </a:t>
+            </a:r>
+            <a:r>
+              <a:rPr lang="en-US" sz="2400" b="1" dirty="0" err="1">
+                <a:solidFill>
+                  <a:srgbClr val="336666"/>
+                </a:solidFill>
+                <a:latin typeface="Inconsolata Medium" panose="020B0609030003000000" pitchFamily="49" charset="77"/>
+              </a:rPr>
+              <a:t>lst</a:t>
+            </a:r>
+            <a:r>
+              <a:rPr lang="en-US" sz="2400" b="1" dirty="0">
+                <a:solidFill>
+                  <a:srgbClr val="336666"/>
+                </a:solidFill>
+                <a:latin typeface="Inconsolata Medium" panose="020B0609030003000000" pitchFamily="49" charset="77"/>
+              </a:rPr>
+              <a:t>:</a:t>
+            </a:r>
+          </a:p>
+          <a:p>
+            <a:pPr marL="0" indent="0">
+              <a:buNone/>
+            </a:pPr>
+            <a:r>
+              <a:rPr lang="en-US" sz="2400" b="1" dirty="0">
+                <a:solidFill>
+                  <a:srgbClr val="336666"/>
+                </a:solidFill>
+                <a:latin typeface="Inconsolata Medium" panose="020B0609030003000000" pitchFamily="49" charset="77"/>
+              </a:rPr>
+              <a:t>		</a:t>
+            </a:r>
+            <a:r>
+              <a:rPr lang="en-US" sz="2400" b="1" dirty="0">
+                <a:latin typeface="Inconsolata Medium" panose="020B0609030003000000" pitchFamily="49" charset="77"/>
+              </a:rPr>
+              <a:t> if x == 0:</a:t>
+            </a:r>
+          </a:p>
+          <a:p>
+            <a:pPr marL="0" indent="0">
+              <a:buNone/>
+            </a:pPr>
+            <a:r>
+              <a:rPr lang="en-US" sz="2400" b="1" dirty="0">
+                <a:latin typeface="Inconsolata Medium" panose="020B0609030003000000" pitchFamily="49" charset="77"/>
+              </a:rPr>
+              <a:t>			</a:t>
+            </a:r>
+            <a:r>
+              <a:rPr lang="en-US" sz="2400" b="1" dirty="0" err="1">
+                <a:latin typeface="Inconsolata Medium" panose="020B0609030003000000" pitchFamily="49" charset="77"/>
+              </a:rPr>
+              <a:t>lst.remove</a:t>
+            </a:r>
+            <a:r>
+              <a:rPr lang="en-US" sz="2400" b="1" dirty="0">
+                <a:latin typeface="Inconsolata Medium" panose="020B0609030003000000" pitchFamily="49" charset="77"/>
+              </a:rPr>
+              <a:t>(x)</a:t>
+            </a:r>
+          </a:p>
+          <a:p>
+            <a:pPr marL="0" indent="0">
+              <a:buNone/>
+            </a:pPr>
+            <a:r>
+              <a:rPr lang="en-US" sz="2400" b="1" dirty="0">
+                <a:latin typeface="Inconsolata Medium" panose="020B0609030003000000" pitchFamily="49" charset="77"/>
+              </a:rPr>
+              <a:t>	   print(</a:t>
+            </a:r>
+            <a:r>
+              <a:rPr lang="en-US" sz="2400" b="1" dirty="0" err="1">
+                <a:latin typeface="Inconsolata Medium" panose="020B0609030003000000" pitchFamily="49" charset="77"/>
+              </a:rPr>
+              <a:t>lst</a:t>
+            </a:r>
+            <a:r>
+              <a:rPr lang="en-US" sz="2400" b="1" dirty="0">
+                <a:latin typeface="Inconsolata Medium" panose="020B0609030003000000" pitchFamily="49" charset="77"/>
+              </a:rPr>
+              <a:t>)</a:t>
+            </a:r>
+          </a:p>
+          <a:p>
+            <a:pPr marL="0" indent="0">
+              <a:buNone/>
+            </a:pPr>
+            <a:r>
+              <a:rPr lang="en-US" sz="2400" dirty="0">
+                <a:latin typeface="Gill Sans MT" panose="020B0502020104020203" pitchFamily="34" charset="77"/>
+              </a:rPr>
+              <a:t>[1,0,5]</a:t>
+            </a:r>
+          </a:p>
+          <a:p>
+            <a:pPr marL="0" indent="0">
+              <a:buNone/>
+            </a:pPr>
+            <a:r>
+              <a:rPr lang="en-US" sz="2400" dirty="0">
+                <a:latin typeface="Gill Sans MT" panose="020B0502020104020203" pitchFamily="34" charset="77"/>
+              </a:rPr>
+              <a:t>This code doesn't work! Once a zero is removed, the elements get shifted to the left and causes the next zero element to be skipped! </a:t>
+            </a:r>
+            <a:endParaRPr lang="en-US" b="1" dirty="0">
+              <a:latin typeface="Inconsolata Medium" panose="020B0609030003000000" pitchFamily="49" charset="77"/>
+            </a:endParaRPr>
+          </a:p>
+        </p:txBody>
+      </p:sp>
+    </p:spTree>
+    <p:extLst>
+      <p:ext uri="{BB962C8B-B14F-4D97-AF65-F5344CB8AC3E}">
+        <p14:creationId xmlns:p14="http://schemas.microsoft.com/office/powerpoint/2010/main" val="2433533531"/>
+      </p:ext>
+    </p:extLst>
+  </p:cSld>
+  <p:clrMapOvr>
+    <a:masterClrMapping/>
+  </p:clrMapOvr>
+  <p:timing>
+    <p:tnLst>
+      <p:par>
+        <p:cTn id="1" dur="indefinite" restart="never" nodeType="tmRoot">
+          <p:childTnLst>
+            <p:seq concurrent="1" nextAc="seek">
+              <p:cTn id="2" dur="indefinite" nodeType="mainSeq">
+                <p:childTnLst>
+                  <p:par>
+                    <p:cTn id="3" fill="hold">
+                      <p:stCondLst>
+                        <p:cond delay="indefinite"/>
+                      </p:stCondLst>
+                      <p:childTnLst>
+                        <p:par>
+                          <p:cTn id="4" fill="hold">
+                            <p:stCondLst>
+                              <p:cond delay="0"/>
+                            </p:stCondLst>
+                            <p:childTnLst>
+                              <p:par>
+                                <p:cTn id="5" presetID="1" presetClass="entr" presetSubtype="0" fill="hold" nodeType="clickEffect">
+                                  <p:stCondLst>
+                                    <p:cond delay="0"/>
+                                  </p:stCondLst>
+                                  <p:childTnLst>
+                                    <p:set>
+                                      <p:cBhvr>
+                                        <p:cTn id="6" dur="1" fill="hold">
+                                          <p:stCondLst>
+                                            <p:cond delay="0"/>
+                                          </p:stCondLst>
+                                        </p:cTn>
+                                        <p:tgtEl>
+                                          <p:spTgt spid="9">
+                                            <p:txEl>
+                                              <p:pRg st="3" end="3"/>
+                                            </p:txEl>
+                                          </p:spTgt>
+                                        </p:tgtEl>
+                                        <p:attrNameLst>
+                                          <p:attrName>style.visibility</p:attrName>
+                                        </p:attrNameLst>
+                                      </p:cBhvr>
+                                      <p:to>
+                                        <p:strVal val="visible"/>
+                                      </p:to>
+                                    </p:set>
+                                  </p:childTnLst>
+                                </p:cTn>
+                              </p:par>
+                            </p:childTnLst>
+                          </p:cTn>
+                        </p:par>
+                      </p:childTnLst>
+                    </p:cTn>
+                  </p:par>
+                  <p:par>
+                    <p:cTn id="7" fill="hold">
+                      <p:stCondLst>
+                        <p:cond delay="indefinite"/>
+                      </p:stCondLst>
+                      <p:childTnLst>
+                        <p:par>
+                          <p:cTn id="8" fill="hold">
+                            <p:stCondLst>
+                              <p:cond delay="0"/>
+                            </p:stCondLst>
+                            <p:childTnLst>
+                              <p:par>
+                                <p:cTn id="9" presetID="1" presetClass="entr" presetSubtype="0" fill="hold" nodeType="clickEffect">
+                                  <p:stCondLst>
+                                    <p:cond delay="0"/>
+                                  </p:stCondLst>
+                                  <p:childTnLst>
+                                    <p:set>
+                                      <p:cBhvr>
+                                        <p:cTn id="10" dur="1" fill="hold">
+                                          <p:stCondLst>
+                                            <p:cond delay="0"/>
+                                          </p:stCondLst>
+                                        </p:cTn>
+                                        <p:tgtEl>
+                                          <p:spTgt spid="9">
+                                            <p:txEl>
+                                              <p:pRg st="4" end="4"/>
+                                            </p:txEl>
+                                          </p:spTgt>
+                                        </p:tgtEl>
+                                        <p:attrNameLst>
+                                          <p:attrName>style.visibility</p:attrName>
+                                        </p:attrNameLst>
+                                      </p:cBhvr>
+                                      <p:to>
+                                        <p:strVal val="visible"/>
+                                      </p:to>
+                                    </p:set>
+                                  </p:childTnLst>
+                                </p:cTn>
+                              </p:par>
+                            </p:childTnLst>
+                          </p:cTn>
+                        </p:par>
+                      </p:childTnLst>
+                    </p:cTn>
+                  </p:par>
+                  <p:par>
+                    <p:cTn id="11" fill="hold">
+                      <p:stCondLst>
+                        <p:cond delay="indefinite"/>
+                      </p:stCondLst>
+                      <p:childTnLst>
+                        <p:par>
+                          <p:cTn id="12" fill="hold">
+                            <p:stCondLst>
+                              <p:cond delay="0"/>
+                            </p:stCondLst>
+                            <p:childTnLst>
+                              <p:par>
+                                <p:cTn id="13" presetID="1" presetClass="entr" presetSubtype="0" fill="hold" nodeType="clickEffect">
+                                  <p:stCondLst>
+                                    <p:cond delay="0"/>
+                                  </p:stCondLst>
+                                  <p:childTnLst>
+                                    <p:set>
+                                      <p:cBhvr>
+                                        <p:cTn id="14" dur="1" fill="hold">
+                                          <p:stCondLst>
+                                            <p:cond delay="0"/>
+                                          </p:stCondLst>
+                                        </p:cTn>
+                                        <p:tgtEl>
+                                          <p:spTgt spid="9">
+                                            <p:txEl>
+                                              <p:pRg st="5" end="5"/>
+                                            </p:txEl>
+                                          </p:spTgt>
+                                        </p:tgtEl>
+                                        <p:attrNameLst>
+                                          <p:attrName>style.visibility</p:attrName>
+                                        </p:attrNameLst>
+                                      </p:cBhvr>
+                                      <p:to>
+                                        <p:strVal val="visible"/>
+                                      </p:to>
+                                    </p:set>
+                                  </p:childTnLst>
+                                </p:cTn>
+                              </p:par>
+                            </p:childTnLst>
+                          </p:cTn>
+                        </p:par>
+                      </p:childTnLst>
+                    </p:cTn>
+                  </p:par>
+                  <p:par>
+                    <p:cTn id="15" fill="hold">
+                      <p:stCondLst>
+                        <p:cond delay="indefinite"/>
+                      </p:stCondLst>
+                      <p:childTnLst>
+                        <p:par>
+                          <p:cTn id="16" fill="hold">
+                            <p:stCondLst>
+                              <p:cond delay="0"/>
+                            </p:stCondLst>
+                            <p:childTnLst>
+                              <p:par>
+                                <p:cTn id="17" presetID="1" presetClass="entr" presetSubtype="0" fill="hold" nodeType="clickEffect">
+                                  <p:stCondLst>
+                                    <p:cond delay="0"/>
+                                  </p:stCondLst>
+                                  <p:childTnLst>
+                                    <p:set>
+                                      <p:cBhvr>
+                                        <p:cTn id="18" dur="1" fill="hold">
+                                          <p:stCondLst>
+                                            <p:cond delay="0"/>
+                                          </p:stCondLst>
+                                        </p:cTn>
+                                        <p:tgtEl>
+                                          <p:spTgt spid="9">
+                                            <p:txEl>
+                                              <p:pRg st="6" end="6"/>
+                                            </p:txEl>
+                                          </p:spTgt>
+                                        </p:tgtEl>
+                                        <p:attrNameLst>
+                                          <p:attrName>style.visibility</p:attrName>
+                                        </p:attrNameLst>
+                                      </p:cBhvr>
+                                      <p:to>
+                                        <p:strVal val="visible"/>
+                                      </p:to>
+                                    </p:set>
+                                  </p:childTnLst>
+                                </p:cTn>
+                              </p:par>
+                            </p:childTnLst>
+                          </p:cTn>
+                        </p:par>
+                      </p:childTnLst>
+                    </p:cTn>
+                  </p:par>
+                  <p:par>
+                    <p:cTn id="19" fill="hold">
+                      <p:stCondLst>
+                        <p:cond delay="indefinite"/>
+                      </p:stCondLst>
+                      <p:childTnLst>
+                        <p:par>
+                          <p:cTn id="20" fill="hold">
+                            <p:stCondLst>
+                              <p:cond delay="0"/>
+                            </p:stCondLst>
+                            <p:childTnLst>
+                              <p:par>
+                                <p:cTn id="21" presetID="1" presetClass="entr" presetSubtype="0" fill="hold" nodeType="clickEffect">
+                                  <p:stCondLst>
+                                    <p:cond delay="0"/>
+                                  </p:stCondLst>
+                                  <p:childTnLst>
+                                    <p:set>
+                                      <p:cBhvr>
+                                        <p:cTn id="22" dur="1" fill="hold">
+                                          <p:stCondLst>
+                                            <p:cond delay="0"/>
+                                          </p:stCondLst>
+                                        </p:cTn>
+                                        <p:tgtEl>
+                                          <p:spTgt spid="9">
+                                            <p:txEl>
+                                              <p:pRg st="7" end="7"/>
+                                            </p:txEl>
+                                          </p:spTgt>
+                                        </p:tgtEl>
+                                        <p:attrNameLst>
+                                          <p:attrName>style.visibility</p:attrName>
+                                        </p:attrNameLst>
+                                      </p:cBhvr>
+                                      <p:to>
+                                        <p:strVal val="visible"/>
+                                      </p:to>
+                                    </p:set>
+                                  </p:childTnLst>
+                                </p:cTn>
+                              </p:par>
+                            </p:childTnLst>
+                          </p:cTn>
+                        </p:par>
+                      </p:childTnLst>
+                    </p:cTn>
+                  </p:par>
+                  <p:par>
+                    <p:cTn id="23" fill="hold">
+                      <p:stCondLst>
+                        <p:cond delay="indefinite"/>
+                      </p:stCondLst>
+                      <p:childTnLst>
+                        <p:par>
+                          <p:cTn id="24" fill="hold">
+                            <p:stCondLst>
+                              <p:cond delay="0"/>
+                            </p:stCondLst>
+                            <p:childTnLst>
+                              <p:par>
+                                <p:cTn id="25" presetID="1" presetClass="entr" presetSubtype="0" fill="hold" nodeType="clickEffect">
+                                  <p:stCondLst>
+                                    <p:cond delay="0"/>
+                                  </p:stCondLst>
+                                  <p:childTnLst>
+                                    <p:set>
+                                      <p:cBhvr>
+                                        <p:cTn id="26" dur="1" fill="hold">
+                                          <p:stCondLst>
+                                            <p:cond delay="0"/>
+                                          </p:stCondLst>
+                                        </p:cTn>
+                                        <p:tgtEl>
+                                          <p:spTgt spid="9">
+                                            <p:txEl>
+                                              <p:pRg st="8" end="8"/>
+                                            </p:txEl>
+                                          </p:spTgt>
+                                        </p:tgtEl>
+                                        <p:attrNameLst>
+                                          <p:attrName>style.visibility</p:attrName>
+                                        </p:attrNameLst>
+                                      </p:cBhvr>
+                                      <p:to>
+                                        <p:strVal val="visible"/>
+                                      </p:to>
+                                    </p:set>
+                                  </p:childTnLst>
+                                </p:cTn>
+                              </p:par>
+                            </p:childTnLst>
+                          </p:cTn>
+                        </p:par>
+                      </p:childTnLst>
+                    </p:cTn>
+                  </p:par>
+                </p:childTnLst>
+              </p:cTn>
+              <p:prevCondLst>
+                <p:cond evt="onPrev" delay="0">
+                  <p:tgtEl>
+                    <p:sldTgt/>
+                  </p:tgtEl>
+                </p:cond>
+              </p:prevCondLst>
+              <p:nextCondLst>
+                <p:cond evt="onNext" delay="0">
+                  <p:tgtEl>
+                    <p:sldTgt/>
+                  </p:tgtEl>
+                </p:cond>
+              </p:nextCondLst>
+            </p:seq>
+          </p:childTnLst>
+        </p:cTn>
+      </p:par>
+    </p:tnLst>
+  </p:timing>
+</p:sld>
+</file>
+
+<file path=ppt/slides/slide16.xml><?xml version="1.0" encoding="utf-8"?>
+<p:sld xmlns:a="http://schemas.openxmlformats.org/drawingml/2006/main" xmlns:r="http://schemas.openxmlformats.org/officeDocument/2006/relationships" xmlns:p="http://schemas.openxmlformats.org/presentationml/2006/main">
+  <p:cSld>
+    <p:spTree>
+      <p:nvGrpSpPr>
+        <p:cNvPr id="1" name=""/>
+        <p:cNvGrpSpPr/>
+        <p:nvPr/>
+      </p:nvGrpSpPr>
+      <p:grpSpPr>
+        <a:xfrm>
+          <a:off x="0" y="0"/>
+          <a:ext cx="0" cy="0"/>
+          <a:chOff x="0" y="0"/>
+          <a:chExt cx="0" cy="0"/>
+        </a:xfrm>
+      </p:grpSpPr>
+      <p:sp>
+        <p:nvSpPr>
+          <p:cNvPr id="2" name="Title 1">
+            <a:extLst>
+              <a:ext uri="{FF2B5EF4-FFF2-40B4-BE49-F238E27FC236}">
+                <a16:creationId xmlns:a16="http://schemas.microsoft.com/office/drawing/2014/main" id="{AA3A228F-61D0-D949-A5E7-F83756230BF8}"/>
+              </a:ext>
+            </a:extLst>
+          </p:cNvPr>
+          <p:cNvSpPr>
+            <a:spLocks noGrp="1"/>
+          </p:cNvSpPr>
+          <p:nvPr>
+            <p:ph type="title"/>
+          </p:nvPr>
+        </p:nvSpPr>
+        <p:spPr>
+          <a:xfrm>
+            <a:off x="483848" y="467027"/>
+            <a:ext cx="7053542" cy="683886"/>
+          </a:xfrm>
+        </p:spPr>
+        <p:txBody>
+          <a:bodyPr/>
+          <a:lstStyle/>
+          <a:p>
+            <a:r>
+              <a:rPr lang="en-US" dirty="0"/>
+              <a:t>Remove Duplicate Zeroes</a:t>
+            </a:r>
+          </a:p>
+        </p:txBody>
+      </p:sp>
+      <p:sp>
+        <p:nvSpPr>
+          <p:cNvPr id="9" name="Content Placeholder 8">
+            <a:extLst>
+              <a:ext uri="{FF2B5EF4-FFF2-40B4-BE49-F238E27FC236}">
+                <a16:creationId xmlns:a16="http://schemas.microsoft.com/office/drawing/2014/main" id="{E3B2E017-30B2-884B-A113-B419A2ED51AD}"/>
+              </a:ext>
+            </a:extLst>
+          </p:cNvPr>
+          <p:cNvSpPr>
+            <a:spLocks noGrp="1"/>
+          </p:cNvSpPr>
+          <p:nvPr>
+            <p:ph idx="1"/>
+          </p:nvPr>
+        </p:nvSpPr>
+        <p:spPr>
+          <a:xfrm>
+            <a:off x="483848" y="1288074"/>
+            <a:ext cx="8051725" cy="4275238"/>
+          </a:xfrm>
+        </p:spPr>
+        <p:txBody>
+          <a:bodyPr>
+            <a:normAutofit/>
+          </a:bodyPr>
+          <a:lstStyle/>
+          <a:p>
+            <a:pPr marL="0" indent="0">
+              <a:buNone/>
+            </a:pPr>
+            <a:r>
+              <a:rPr lang="en-US" dirty="0">
+                <a:latin typeface="Gill Sans MT" panose="020B0502020104020203" pitchFamily="34" charset="77"/>
+              </a:rPr>
+              <a:t>Traverse the list backwards!</a:t>
+            </a:r>
+          </a:p>
+          <a:p>
+            <a:pPr marL="0" indent="0">
+              <a:buNone/>
+            </a:pPr>
+            <a:endParaRPr lang="en-US" b="1" dirty="0">
+              <a:solidFill>
+                <a:srgbClr val="000087"/>
+              </a:solidFill>
+              <a:latin typeface="Inconsolata Medium" panose="020B0609030003000000" pitchFamily="49" charset="77"/>
+            </a:endParaRPr>
+          </a:p>
+          <a:p>
+            <a:pPr marL="0" indent="0">
+              <a:buNone/>
+            </a:pPr>
+            <a:r>
+              <a:rPr lang="en-US" b="1" dirty="0">
+                <a:solidFill>
+                  <a:srgbClr val="000087"/>
+                </a:solidFill>
+                <a:latin typeface="Inconsolata Medium" panose="020B0609030003000000" pitchFamily="49" charset="77"/>
+              </a:rPr>
+              <a:t>In </a:t>
+            </a:r>
+            <a:r>
+              <a:rPr lang="en-US" b="1" dirty="0">
+                <a:latin typeface="Inconsolata Medium" panose="020B0609030003000000" pitchFamily="49" charset="77"/>
+              </a:rPr>
+              <a:t>[</a:t>
+            </a:r>
+            <a:r>
+              <a:rPr lang="en-US" b="1" dirty="0">
+                <a:solidFill>
+                  <a:srgbClr val="FF6600"/>
+                </a:solidFill>
+                <a:latin typeface="Inconsolata Medium" panose="020B0609030003000000" pitchFamily="49" charset="77"/>
+              </a:rPr>
+              <a:t>1</a:t>
+            </a:r>
+            <a:r>
+              <a:rPr lang="en-US" b="1" dirty="0">
+                <a:latin typeface="Inconsolata Medium" panose="020B0609030003000000" pitchFamily="49" charset="77"/>
+              </a:rPr>
+              <a:t>]: </a:t>
+            </a:r>
+            <a:r>
+              <a:rPr lang="en-US" b="1" dirty="0" err="1">
+                <a:solidFill>
+                  <a:srgbClr val="000087"/>
+                </a:solidFill>
+                <a:latin typeface="Inconsolata Medium" panose="020B0609030003000000" pitchFamily="49" charset="77"/>
+              </a:rPr>
+              <a:t>lst</a:t>
+            </a:r>
+            <a:r>
+              <a:rPr lang="en-US" b="1" dirty="0">
+                <a:solidFill>
+                  <a:srgbClr val="000087"/>
+                </a:solidFill>
+                <a:latin typeface="Inconsolata Medium" panose="020B0609030003000000" pitchFamily="49" charset="77"/>
+              </a:rPr>
+              <a:t> </a:t>
+            </a:r>
+            <a:r>
+              <a:rPr lang="en-US" b="1" dirty="0">
+                <a:solidFill>
+                  <a:srgbClr val="545454"/>
+                </a:solidFill>
+                <a:latin typeface="Inconsolata Medium" panose="020B0609030003000000" pitchFamily="49" charset="77"/>
+              </a:rPr>
+              <a:t>= </a:t>
+            </a:r>
+            <a:r>
+              <a:rPr lang="en-US" b="1" dirty="0">
+                <a:latin typeface="Inconsolata Medium" panose="020B0609030003000000" pitchFamily="49" charset="77"/>
+              </a:rPr>
+              <a:t>[</a:t>
+            </a:r>
+            <a:r>
+              <a:rPr lang="en-US" b="1" dirty="0">
+                <a:solidFill>
+                  <a:srgbClr val="FF6600"/>
+                </a:solidFill>
+                <a:latin typeface="Inconsolata Medium" panose="020B0609030003000000" pitchFamily="49" charset="77"/>
+              </a:rPr>
+              <a:t>1</a:t>
+            </a:r>
+            <a:r>
+              <a:rPr lang="en-US" b="1" dirty="0">
+                <a:latin typeface="Inconsolata Medium" panose="020B0609030003000000" pitchFamily="49" charset="77"/>
+              </a:rPr>
+              <a:t>, </a:t>
+            </a:r>
+            <a:r>
+              <a:rPr lang="en-US" b="1" dirty="0">
+                <a:solidFill>
+                  <a:srgbClr val="FF6600"/>
+                </a:solidFill>
+                <a:latin typeface="Inconsolata Medium" panose="020B0609030003000000" pitchFamily="49" charset="77"/>
+              </a:rPr>
+              <a:t>0</a:t>
+            </a:r>
+            <a:r>
+              <a:rPr lang="en-US" b="1" dirty="0">
+                <a:latin typeface="Inconsolata Medium" panose="020B0609030003000000" pitchFamily="49" charset="77"/>
+              </a:rPr>
+              <a:t>, </a:t>
+            </a:r>
+            <a:r>
+              <a:rPr lang="en-US" b="1" dirty="0">
+                <a:solidFill>
+                  <a:srgbClr val="FF6600"/>
+                </a:solidFill>
+                <a:latin typeface="Inconsolata Medium" panose="020B0609030003000000" pitchFamily="49" charset="77"/>
+              </a:rPr>
+              <a:t>0, 5, 0</a:t>
+            </a:r>
+            <a:r>
+              <a:rPr lang="en-US" b="1" dirty="0">
+                <a:latin typeface="Inconsolata Medium" panose="020B0609030003000000" pitchFamily="49" charset="77"/>
+              </a:rPr>
+              <a:t>] </a:t>
+            </a:r>
+          </a:p>
+          <a:p>
+            <a:pPr marL="0" indent="0">
+              <a:buNone/>
+            </a:pPr>
+            <a:r>
+              <a:rPr lang="en-US" b="1" dirty="0">
+                <a:solidFill>
+                  <a:srgbClr val="000087"/>
+                </a:solidFill>
+                <a:latin typeface="Inconsolata Medium" panose="020B0609030003000000" pitchFamily="49" charset="77"/>
+              </a:rPr>
+              <a:t>In </a:t>
+            </a:r>
+            <a:r>
+              <a:rPr lang="en-US" b="1" dirty="0">
+                <a:latin typeface="Inconsolata Medium" panose="020B0609030003000000" pitchFamily="49" charset="77"/>
+              </a:rPr>
+              <a:t>[</a:t>
+            </a:r>
+            <a:r>
+              <a:rPr lang="en-US" b="1" dirty="0">
+                <a:solidFill>
+                  <a:srgbClr val="FF6600"/>
+                </a:solidFill>
+                <a:latin typeface="Inconsolata Medium" panose="020B0609030003000000" pitchFamily="49" charset="77"/>
+              </a:rPr>
+              <a:t>2</a:t>
+            </a:r>
+            <a:r>
+              <a:rPr lang="en-US" b="1" dirty="0">
+                <a:latin typeface="Inconsolata Medium" panose="020B0609030003000000" pitchFamily="49" charset="77"/>
+              </a:rPr>
+              <a:t>]: </a:t>
+            </a:r>
+            <a:r>
+              <a:rPr lang="en-US" sz="2400" b="1" dirty="0">
+                <a:solidFill>
+                  <a:srgbClr val="006699"/>
+                </a:solidFill>
+                <a:latin typeface="Inconsolata Medium" panose="020B0609030003000000" pitchFamily="49" charset="77"/>
+              </a:rPr>
+              <a:t>for </a:t>
+            </a:r>
+            <a:r>
+              <a:rPr lang="en-US" sz="2400" b="1" dirty="0">
+                <a:solidFill>
+                  <a:srgbClr val="000087"/>
+                </a:solidFill>
+                <a:latin typeface="Inconsolata Medium" panose="020B0609030003000000" pitchFamily="49" charset="77"/>
+              </a:rPr>
+              <a:t>i </a:t>
+            </a:r>
+            <a:r>
+              <a:rPr lang="en-US" sz="2400" b="1" dirty="0">
+                <a:latin typeface="Inconsolata Medium" panose="020B0609030003000000" pitchFamily="49" charset="77"/>
+              </a:rPr>
+              <a:t>in range(</a:t>
+            </a:r>
+            <a:r>
+              <a:rPr lang="en-US" sz="2400" b="1" dirty="0" err="1">
+                <a:solidFill>
+                  <a:srgbClr val="336666"/>
+                </a:solidFill>
+                <a:latin typeface="Inconsolata Medium" panose="020B0609030003000000" pitchFamily="49" charset="77"/>
+              </a:rPr>
+              <a:t>len</a:t>
+            </a:r>
+            <a:r>
+              <a:rPr lang="en-US" sz="2400" b="1" dirty="0">
+                <a:solidFill>
+                  <a:srgbClr val="336666"/>
+                </a:solidFill>
+                <a:latin typeface="Inconsolata Medium" panose="020B0609030003000000" pitchFamily="49" charset="77"/>
+              </a:rPr>
+              <a:t>(</a:t>
+            </a:r>
+            <a:r>
+              <a:rPr lang="en-US" sz="2400" b="1" dirty="0" err="1">
+                <a:solidFill>
+                  <a:srgbClr val="336666"/>
+                </a:solidFill>
+                <a:latin typeface="Inconsolata Medium" panose="020B0609030003000000" pitchFamily="49" charset="77"/>
+              </a:rPr>
+              <a:t>lst</a:t>
+            </a:r>
+            <a:r>
+              <a:rPr lang="en-US" sz="2400" b="1" dirty="0">
+                <a:solidFill>
+                  <a:srgbClr val="336666"/>
+                </a:solidFill>
+                <a:latin typeface="Inconsolata Medium" panose="020B0609030003000000" pitchFamily="49" charset="77"/>
+              </a:rPr>
+              <a:t>)-1, -1, -1</a:t>
+            </a:r>
+            <a:r>
+              <a:rPr lang="en-US" sz="2400" b="1" dirty="0">
+                <a:latin typeface="Inconsolata Medium" panose="020B0609030003000000" pitchFamily="49" charset="77"/>
+              </a:rPr>
+              <a:t>):</a:t>
+            </a:r>
+            <a:endParaRPr lang="en-US" sz="2400" b="1" dirty="0">
+              <a:solidFill>
+                <a:srgbClr val="336666"/>
+              </a:solidFill>
+              <a:latin typeface="Inconsolata Medium" panose="020B0609030003000000" pitchFamily="49" charset="77"/>
+            </a:endParaRPr>
+          </a:p>
+          <a:p>
+            <a:pPr marL="0" indent="0">
+              <a:buNone/>
+            </a:pPr>
+            <a:r>
+              <a:rPr lang="en-US" sz="2400" b="1" dirty="0">
+                <a:solidFill>
+                  <a:srgbClr val="336666"/>
+                </a:solidFill>
+                <a:latin typeface="Inconsolata Medium" panose="020B0609030003000000" pitchFamily="49" charset="77"/>
+              </a:rPr>
+              <a:t>		</a:t>
+            </a:r>
+            <a:r>
+              <a:rPr lang="en-US" sz="2400" b="1" dirty="0">
+                <a:latin typeface="Inconsolata Medium" panose="020B0609030003000000" pitchFamily="49" charset="77"/>
+              </a:rPr>
+              <a:t> if </a:t>
+            </a:r>
+            <a:r>
+              <a:rPr lang="en-US" sz="2400" b="1" dirty="0" err="1">
+                <a:latin typeface="Inconsolata Medium" panose="020B0609030003000000" pitchFamily="49" charset="77"/>
+              </a:rPr>
+              <a:t>lst</a:t>
+            </a:r>
+            <a:r>
+              <a:rPr lang="en-US" sz="2400" b="1" dirty="0">
+                <a:latin typeface="Inconsolata Medium" panose="020B0609030003000000" pitchFamily="49" charset="77"/>
+              </a:rPr>
+              <a:t>[</a:t>
+            </a:r>
+            <a:r>
+              <a:rPr lang="en-US" sz="2400" b="1" dirty="0" err="1">
+                <a:latin typeface="Inconsolata Medium" panose="020B0609030003000000" pitchFamily="49" charset="77"/>
+              </a:rPr>
+              <a:t>i</a:t>
+            </a:r>
+            <a:r>
+              <a:rPr lang="en-US" sz="2400" b="1" dirty="0">
+                <a:latin typeface="Inconsolata Medium" panose="020B0609030003000000" pitchFamily="49" charset="77"/>
+              </a:rPr>
+              <a:t>] == 0:</a:t>
+            </a:r>
+          </a:p>
+          <a:p>
+            <a:pPr marL="0" indent="0">
+              <a:buNone/>
+            </a:pPr>
+            <a:r>
+              <a:rPr lang="en-US" sz="2400" b="1" dirty="0">
+                <a:latin typeface="Inconsolata Medium" panose="020B0609030003000000" pitchFamily="49" charset="77"/>
+              </a:rPr>
+              <a:t>			</a:t>
+            </a:r>
+            <a:r>
+              <a:rPr lang="en-US" sz="2400" b="1" dirty="0" err="1">
+                <a:latin typeface="Inconsolata Medium" panose="020B0609030003000000" pitchFamily="49" charset="77"/>
+              </a:rPr>
+              <a:t>lst.pop</a:t>
+            </a:r>
+            <a:r>
+              <a:rPr lang="en-US" sz="2400" b="1" dirty="0">
+                <a:latin typeface="Inconsolata Medium" panose="020B0609030003000000" pitchFamily="49" charset="77"/>
+              </a:rPr>
+              <a:t>(</a:t>
+            </a:r>
+            <a:r>
+              <a:rPr lang="en-US" sz="2400" b="1" dirty="0" err="1">
+                <a:latin typeface="Inconsolata Medium" panose="020B0609030003000000" pitchFamily="49" charset="77"/>
+              </a:rPr>
+              <a:t>i</a:t>
+            </a:r>
+            <a:r>
+              <a:rPr lang="en-US" sz="2400" b="1" dirty="0">
+                <a:latin typeface="Inconsolata Medium" panose="020B0609030003000000" pitchFamily="49" charset="77"/>
+              </a:rPr>
+              <a:t>)  </a:t>
+            </a:r>
+            <a:endParaRPr lang="en-US" sz="2000" b="1" dirty="0">
+              <a:latin typeface="Inconsolata Medium" panose="020B0609030003000000" pitchFamily="49" charset="77"/>
+            </a:endParaRPr>
+          </a:p>
+          <a:p>
+            <a:pPr marL="0" indent="0">
+              <a:buNone/>
+            </a:pPr>
+            <a:r>
+              <a:rPr lang="en-US" sz="2400" b="1" dirty="0">
+                <a:latin typeface="Inconsolata Medium" panose="020B0609030003000000" pitchFamily="49" charset="77"/>
+              </a:rPr>
+              <a:t>	   print(</a:t>
+            </a:r>
+            <a:r>
+              <a:rPr lang="en-US" sz="2400" b="1" dirty="0" err="1">
+                <a:latin typeface="Inconsolata Medium" panose="020B0609030003000000" pitchFamily="49" charset="77"/>
+              </a:rPr>
+              <a:t>lst</a:t>
+            </a:r>
+            <a:r>
+              <a:rPr lang="en-US" sz="2400" b="1" dirty="0">
+                <a:latin typeface="Inconsolata Medium" panose="020B0609030003000000" pitchFamily="49" charset="77"/>
+              </a:rPr>
+              <a:t>)</a:t>
+            </a:r>
+          </a:p>
+          <a:p>
+            <a:pPr marL="0" indent="0">
+              <a:buNone/>
+            </a:pPr>
+            <a:r>
+              <a:rPr lang="en-US" sz="2400" dirty="0">
+                <a:latin typeface="Gill Sans MT" panose="020B0502020104020203" pitchFamily="34" charset="77"/>
+              </a:rPr>
+              <a:t>[1,5]</a:t>
+            </a:r>
+          </a:p>
+          <a:p>
+            <a:pPr marL="0" indent="0">
+              <a:buNone/>
+            </a:pPr>
+            <a:endParaRPr lang="en-US" sz="2400" dirty="0">
+              <a:latin typeface="Gill Sans MT" panose="020B0502020104020203" pitchFamily="34" charset="77"/>
+            </a:endParaRPr>
+          </a:p>
+          <a:p>
+            <a:pPr marL="0" indent="0">
+              <a:buNone/>
+            </a:pPr>
+            <a:r>
+              <a:rPr lang="en-US" sz="2400" dirty="0">
+                <a:latin typeface="Gill Sans MT" panose="020B0502020104020203" pitchFamily="34" charset="77"/>
+              </a:rPr>
+              <a:t>This works! Do you see why?</a:t>
+            </a:r>
+          </a:p>
+        </p:txBody>
+      </p:sp>
+    </p:spTree>
+    <p:extLst>
+      <p:ext uri="{BB962C8B-B14F-4D97-AF65-F5344CB8AC3E}">
+        <p14:creationId xmlns:p14="http://schemas.microsoft.com/office/powerpoint/2010/main" val="2916621840"/>
+      </p:ext>
+    </p:extLst>
+  </p:cSld>
+  <p:clrMapOvr>
+    <a:masterClrMapping/>
+  </p:clrMapOvr>
+  <p:timing>
+    <p:tnLst>
+      <p:par>
+        <p:cTn id="1" dur="indefinite" restart="never" nodeType="tmRoot">
+          <p:childTnLst>
+            <p:seq concurrent="1" nextAc="seek">
+              <p:cTn id="2" dur="indefinite" nodeType="mainSeq">
+                <p:childTnLst>
+                  <p:par>
+                    <p:cTn id="3" fill="hold">
+                      <p:stCondLst>
+                        <p:cond delay="indefinite"/>
+                      </p:stCondLst>
+                      <p:childTnLst>
+                        <p:par>
+                          <p:cTn id="4" fill="hold">
+                            <p:stCondLst>
+                              <p:cond delay="0"/>
+                            </p:stCondLst>
+                            <p:childTnLst>
+                              <p:par>
+                                <p:cTn id="5" presetID="1" presetClass="entr" presetSubtype="0" fill="hold" nodeType="clickEffect">
+                                  <p:stCondLst>
+                                    <p:cond delay="0"/>
+                                  </p:stCondLst>
+                                  <p:childTnLst>
+                                    <p:set>
+                                      <p:cBhvr>
+                                        <p:cTn id="6" dur="1" fill="hold">
+                                          <p:stCondLst>
+                                            <p:cond delay="0"/>
+                                          </p:stCondLst>
+                                        </p:cTn>
+                                        <p:tgtEl>
+                                          <p:spTgt spid="9">
+                                            <p:txEl>
+                                              <p:pRg st="3" end="3"/>
+                                            </p:txEl>
+                                          </p:spTgt>
+                                        </p:tgtEl>
+                                        <p:attrNameLst>
+                                          <p:attrName>style.visibility</p:attrName>
+                                        </p:attrNameLst>
+                                      </p:cBhvr>
+                                      <p:to>
+                                        <p:strVal val="visible"/>
+                                      </p:to>
+                                    </p:set>
+                                  </p:childTnLst>
+                                </p:cTn>
+                              </p:par>
+                            </p:childTnLst>
+                          </p:cTn>
+                        </p:par>
+                      </p:childTnLst>
+                    </p:cTn>
+                  </p:par>
+                  <p:par>
+                    <p:cTn id="7" fill="hold">
+                      <p:stCondLst>
+                        <p:cond delay="indefinite"/>
+                      </p:stCondLst>
+                      <p:childTnLst>
+                        <p:par>
+                          <p:cTn id="8" fill="hold">
+                            <p:stCondLst>
+                              <p:cond delay="0"/>
+                            </p:stCondLst>
+                            <p:childTnLst>
+                              <p:par>
+                                <p:cTn id="9" presetID="1" presetClass="entr" presetSubtype="0" fill="hold" nodeType="clickEffect">
+                                  <p:stCondLst>
+                                    <p:cond delay="0"/>
+                                  </p:stCondLst>
+                                  <p:childTnLst>
+                                    <p:set>
+                                      <p:cBhvr>
+                                        <p:cTn id="10" dur="1" fill="hold">
+                                          <p:stCondLst>
+                                            <p:cond delay="0"/>
+                                          </p:stCondLst>
+                                        </p:cTn>
+                                        <p:tgtEl>
+                                          <p:spTgt spid="9">
+                                            <p:txEl>
+                                              <p:pRg st="4" end="4"/>
+                                            </p:txEl>
+                                          </p:spTgt>
+                                        </p:tgtEl>
+                                        <p:attrNameLst>
+                                          <p:attrName>style.visibility</p:attrName>
+                                        </p:attrNameLst>
+                                      </p:cBhvr>
+                                      <p:to>
+                                        <p:strVal val="visible"/>
+                                      </p:to>
+                                    </p:set>
+                                  </p:childTnLst>
+                                </p:cTn>
+                              </p:par>
+                            </p:childTnLst>
+                          </p:cTn>
+                        </p:par>
+                      </p:childTnLst>
+                    </p:cTn>
+                  </p:par>
+                  <p:par>
+                    <p:cTn id="11" fill="hold">
+                      <p:stCondLst>
+                        <p:cond delay="indefinite"/>
+                      </p:stCondLst>
+                      <p:childTnLst>
+                        <p:par>
+                          <p:cTn id="12" fill="hold">
+                            <p:stCondLst>
+                              <p:cond delay="0"/>
+                            </p:stCondLst>
+                            <p:childTnLst>
+                              <p:par>
+                                <p:cTn id="13" presetID="1" presetClass="entr" presetSubtype="0" fill="hold" nodeType="clickEffect">
+                                  <p:stCondLst>
+                                    <p:cond delay="0"/>
+                                  </p:stCondLst>
+                                  <p:childTnLst>
+                                    <p:set>
+                                      <p:cBhvr>
+                                        <p:cTn id="14" dur="1" fill="hold">
+                                          <p:stCondLst>
+                                            <p:cond delay="0"/>
+                                          </p:stCondLst>
+                                        </p:cTn>
+                                        <p:tgtEl>
+                                          <p:spTgt spid="9">
+                                            <p:txEl>
+                                              <p:pRg st="5" end="5"/>
+                                            </p:txEl>
+                                          </p:spTgt>
+                                        </p:tgtEl>
+                                        <p:attrNameLst>
+                                          <p:attrName>style.visibility</p:attrName>
+                                        </p:attrNameLst>
+                                      </p:cBhvr>
+                                      <p:to>
+                                        <p:strVal val="visible"/>
+                                      </p:to>
+                                    </p:set>
+                                  </p:childTnLst>
+                                </p:cTn>
+                              </p:par>
+                            </p:childTnLst>
+                          </p:cTn>
+                        </p:par>
+                      </p:childTnLst>
+                    </p:cTn>
+                  </p:par>
+                  <p:par>
+                    <p:cTn id="15" fill="hold">
+                      <p:stCondLst>
+                        <p:cond delay="indefinite"/>
+                      </p:stCondLst>
+                      <p:childTnLst>
+                        <p:par>
+                          <p:cTn id="16" fill="hold">
+                            <p:stCondLst>
+                              <p:cond delay="0"/>
+                            </p:stCondLst>
+                            <p:childTnLst>
+                              <p:par>
+                                <p:cTn id="17" presetID="1" presetClass="entr" presetSubtype="0" fill="hold" nodeType="clickEffect">
+                                  <p:stCondLst>
+                                    <p:cond delay="0"/>
+                                  </p:stCondLst>
+                                  <p:childTnLst>
+                                    <p:set>
+                                      <p:cBhvr>
+                                        <p:cTn id="18" dur="1" fill="hold">
+                                          <p:stCondLst>
+                                            <p:cond delay="0"/>
+                                          </p:stCondLst>
+                                        </p:cTn>
+                                        <p:tgtEl>
+                                          <p:spTgt spid="9">
+                                            <p:txEl>
+                                              <p:pRg st="6" end="6"/>
+                                            </p:txEl>
+                                          </p:spTgt>
+                                        </p:tgtEl>
+                                        <p:attrNameLst>
+                                          <p:attrName>style.visibility</p:attrName>
+                                        </p:attrNameLst>
+                                      </p:cBhvr>
+                                      <p:to>
+                                        <p:strVal val="visible"/>
+                                      </p:to>
+                                    </p:set>
+                                  </p:childTnLst>
+                                </p:cTn>
+                              </p:par>
+                            </p:childTnLst>
+                          </p:cTn>
+                        </p:par>
+                      </p:childTnLst>
+                    </p:cTn>
+                  </p:par>
+                  <p:par>
+                    <p:cTn id="19" fill="hold">
+                      <p:stCondLst>
+                        <p:cond delay="indefinite"/>
+                      </p:stCondLst>
+                      <p:childTnLst>
+                        <p:par>
+                          <p:cTn id="20" fill="hold">
+                            <p:stCondLst>
+                              <p:cond delay="0"/>
+                            </p:stCondLst>
+                            <p:childTnLst>
+                              <p:par>
+                                <p:cTn id="21" presetID="1" presetClass="entr" presetSubtype="0" fill="hold" nodeType="clickEffect">
+                                  <p:stCondLst>
+                                    <p:cond delay="0"/>
+                                  </p:stCondLst>
+                                  <p:childTnLst>
+                                    <p:set>
+                                      <p:cBhvr>
+                                        <p:cTn id="22" dur="1" fill="hold">
+                                          <p:stCondLst>
+                                            <p:cond delay="0"/>
+                                          </p:stCondLst>
+                                        </p:cTn>
+                                        <p:tgtEl>
+                                          <p:spTgt spid="9">
+                                            <p:txEl>
+                                              <p:pRg st="7" end="7"/>
+                                            </p:txEl>
+                                          </p:spTgt>
+                                        </p:tgtEl>
+                                        <p:attrNameLst>
+                                          <p:attrName>style.visibility</p:attrName>
+                                        </p:attrNameLst>
+                                      </p:cBhvr>
+                                      <p:to>
+                                        <p:strVal val="visible"/>
+                                      </p:to>
+                                    </p:set>
+                                  </p:childTnLst>
+                                </p:cTn>
+                              </p:par>
+                            </p:childTnLst>
+                          </p:cTn>
+                        </p:par>
+                      </p:childTnLst>
+                    </p:cTn>
+                  </p:par>
+                  <p:par>
+                    <p:cTn id="23" fill="hold">
+                      <p:stCondLst>
+                        <p:cond delay="indefinite"/>
+                      </p:stCondLst>
+                      <p:childTnLst>
+                        <p:par>
+                          <p:cTn id="24" fill="hold">
+                            <p:stCondLst>
+                              <p:cond delay="0"/>
+                            </p:stCondLst>
+                            <p:childTnLst>
+                              <p:par>
+                                <p:cTn id="25" presetID="1" presetClass="entr" presetSubtype="0" fill="hold" nodeType="clickEffect">
+                                  <p:stCondLst>
+                                    <p:cond delay="0"/>
+                                  </p:stCondLst>
+                                  <p:childTnLst>
+                                    <p:set>
+                                      <p:cBhvr>
+                                        <p:cTn id="26" dur="1" fill="hold">
+                                          <p:stCondLst>
+                                            <p:cond delay="0"/>
+                                          </p:stCondLst>
+                                        </p:cTn>
+                                        <p:tgtEl>
+                                          <p:spTgt spid="9">
+                                            <p:txEl>
+                                              <p:pRg st="9" end="9"/>
+                                            </p:txEl>
+                                          </p:spTgt>
+                                        </p:tgtEl>
+                                        <p:attrNameLst>
+                                          <p:attrName>style.visibility</p:attrName>
+                                        </p:attrNameLst>
+                                      </p:cBhvr>
+                                      <p:to>
+                                        <p:strVal val="visible"/>
+                                      </p:to>
+                                    </p:set>
+                                  </p:childTnLst>
+                                </p:cTn>
+                              </p:par>
+                            </p:childTnLst>
+                          </p:cTn>
+                        </p:par>
+                      </p:childTnLst>
+                    </p:cTn>
+                  </p:par>
+                </p:childTnLst>
+              </p:cTn>
+              <p:prevCondLst>
+                <p:cond evt="onPrev" delay="0">
+                  <p:tgtEl>
+                    <p:sldTgt/>
+                  </p:tgtEl>
+                </p:cond>
+              </p:prevCondLst>
+              <p:nextCondLst>
+                <p:cond evt="onNext" delay="0">
+                  <p:tgtEl>
+                    <p:sldTgt/>
+                  </p:tgtEl>
+                </p:cond>
+              </p:nextCondLst>
+            </p:seq>
+          </p:childTnLst>
+        </p:cTn>
+      </p:par>
+    </p:tnLst>
+  </p:timing>
+</p:sld>
+</file>
+
+<file path=ppt/slides/slide17.xml><?xml version="1.0" encoding="utf-8"?>
+<p:sld xmlns:a="http://schemas.openxmlformats.org/drawingml/2006/main" xmlns:r="http://schemas.openxmlformats.org/officeDocument/2006/relationships" xmlns:p="http://schemas.openxmlformats.org/presentationml/2006/main">
+  <p:cSld>
+    <p:spTree>
+      <p:nvGrpSpPr>
+        <p:cNvPr id="1" name=""/>
+        <p:cNvGrpSpPr/>
+        <p:nvPr/>
+      </p:nvGrpSpPr>
+      <p:grpSpPr>
+        <a:xfrm>
+          <a:off x="0" y="0"/>
+          <a:ext cx="0" cy="0"/>
+          <a:chOff x="0" y="0"/>
+          <a:chExt cx="0" cy="0"/>
+        </a:xfrm>
+      </p:grpSpPr>
+      <p:sp>
+        <p:nvSpPr>
+          <p:cNvPr id="2" name="Title 1">
+            <a:extLst>
+              <a:ext uri="{FF2B5EF4-FFF2-40B4-BE49-F238E27FC236}">
+                <a16:creationId xmlns:a16="http://schemas.microsoft.com/office/drawing/2014/main" id="{AA3A228F-61D0-D949-A5E7-F83756230BF8}"/>
+              </a:ext>
+            </a:extLst>
+          </p:cNvPr>
+          <p:cNvSpPr>
+            <a:spLocks noGrp="1"/>
+          </p:cNvSpPr>
+          <p:nvPr>
+            <p:ph type="title"/>
+          </p:nvPr>
+        </p:nvSpPr>
+        <p:spPr>
+          <a:xfrm>
+            <a:off x="483848" y="467027"/>
+            <a:ext cx="7053542" cy="683886"/>
+          </a:xfrm>
+        </p:spPr>
+        <p:txBody>
+          <a:bodyPr/>
+          <a:lstStyle/>
+          <a:p>
+            <a:r>
+              <a:rPr lang="en-US" dirty="0"/>
+              <a:t>Insert Error</a:t>
+            </a:r>
+          </a:p>
+        </p:txBody>
+      </p:sp>
+      <p:sp>
+        <p:nvSpPr>
+          <p:cNvPr id="9" name="Content Placeholder 8">
+            <a:extLst>
+              <a:ext uri="{FF2B5EF4-FFF2-40B4-BE49-F238E27FC236}">
+                <a16:creationId xmlns:a16="http://schemas.microsoft.com/office/drawing/2014/main" id="{E3B2E017-30B2-884B-A113-B419A2ED51AD}"/>
+              </a:ext>
+            </a:extLst>
+          </p:cNvPr>
+          <p:cNvSpPr>
+            <a:spLocks noGrp="1"/>
+          </p:cNvSpPr>
+          <p:nvPr>
+            <p:ph idx="1"/>
+          </p:nvPr>
+        </p:nvSpPr>
+        <p:spPr>
+          <a:xfrm>
+            <a:off x="483848" y="1288074"/>
+            <a:ext cx="8051725" cy="4426926"/>
+          </a:xfrm>
+        </p:spPr>
+        <p:txBody>
+          <a:bodyPr>
+            <a:normAutofit/>
+          </a:bodyPr>
+          <a:lstStyle/>
+          <a:p>
+            <a:pPr marL="0" indent="0">
+              <a:buNone/>
+            </a:pPr>
+            <a:r>
+              <a:rPr lang="en-US" dirty="0">
+                <a:latin typeface="Gill Sans MT" panose="020B0502020104020203" pitchFamily="34" charset="77"/>
+              </a:rPr>
+              <a:t>Insert zeroes into a list. Be careful of the following error!</a:t>
+            </a:r>
+          </a:p>
+          <a:p>
+            <a:pPr marL="0" indent="0">
+              <a:buNone/>
+            </a:pPr>
+            <a:endParaRPr lang="en-US" b="1" dirty="0">
+              <a:solidFill>
+                <a:srgbClr val="000087"/>
+              </a:solidFill>
+              <a:latin typeface="Inconsolata Medium" panose="020B0609030003000000" pitchFamily="49" charset="77"/>
+            </a:endParaRPr>
+          </a:p>
+          <a:p>
+            <a:pPr marL="0" indent="0">
+              <a:buNone/>
+            </a:pPr>
+            <a:r>
+              <a:rPr lang="en-US" b="1" dirty="0">
+                <a:solidFill>
+                  <a:srgbClr val="000087"/>
+                </a:solidFill>
+                <a:latin typeface="Inconsolata Medium" panose="020B0609030003000000" pitchFamily="49" charset="77"/>
+              </a:rPr>
+              <a:t>In </a:t>
+            </a:r>
+            <a:r>
+              <a:rPr lang="en-US" b="1" dirty="0">
+                <a:latin typeface="Inconsolata Medium" panose="020B0609030003000000" pitchFamily="49" charset="77"/>
+              </a:rPr>
+              <a:t>[</a:t>
+            </a:r>
+            <a:r>
+              <a:rPr lang="en-US" b="1" dirty="0">
+                <a:solidFill>
+                  <a:srgbClr val="FF6600"/>
+                </a:solidFill>
+                <a:latin typeface="Inconsolata Medium" panose="020B0609030003000000" pitchFamily="49" charset="77"/>
+              </a:rPr>
+              <a:t>1</a:t>
+            </a:r>
+            <a:r>
+              <a:rPr lang="en-US" b="1" dirty="0">
+                <a:latin typeface="Inconsolata Medium" panose="020B0609030003000000" pitchFamily="49" charset="77"/>
+              </a:rPr>
+              <a:t>]: </a:t>
+            </a:r>
+            <a:r>
+              <a:rPr lang="en-US" b="1" dirty="0" err="1">
+                <a:solidFill>
+                  <a:srgbClr val="000087"/>
+                </a:solidFill>
+                <a:latin typeface="Inconsolata Medium" panose="020B0609030003000000" pitchFamily="49" charset="77"/>
+              </a:rPr>
+              <a:t>lst</a:t>
+            </a:r>
+            <a:r>
+              <a:rPr lang="en-US" b="1" dirty="0">
+                <a:solidFill>
+                  <a:srgbClr val="000087"/>
+                </a:solidFill>
+                <a:latin typeface="Inconsolata Medium" panose="020B0609030003000000" pitchFamily="49" charset="77"/>
+              </a:rPr>
+              <a:t> </a:t>
+            </a:r>
+            <a:r>
+              <a:rPr lang="en-US" b="1" dirty="0">
+                <a:solidFill>
+                  <a:srgbClr val="545454"/>
+                </a:solidFill>
+                <a:latin typeface="Inconsolata Medium" panose="020B0609030003000000" pitchFamily="49" charset="77"/>
+              </a:rPr>
+              <a:t>= </a:t>
+            </a:r>
+            <a:r>
+              <a:rPr lang="en-US" b="1" dirty="0">
+                <a:latin typeface="Inconsolata Medium" panose="020B0609030003000000" pitchFamily="49" charset="77"/>
+              </a:rPr>
+              <a:t>[</a:t>
+            </a:r>
+            <a:r>
+              <a:rPr lang="en-US" b="1" dirty="0">
+                <a:solidFill>
+                  <a:srgbClr val="FF6600"/>
+                </a:solidFill>
+                <a:latin typeface="Inconsolata Medium" panose="020B0609030003000000" pitchFamily="49" charset="77"/>
+              </a:rPr>
+              <a:t>1</a:t>
+            </a:r>
+            <a:r>
+              <a:rPr lang="en-US" b="1" dirty="0">
+                <a:latin typeface="Inconsolata Medium" panose="020B0609030003000000" pitchFamily="49" charset="77"/>
+              </a:rPr>
+              <a:t>, </a:t>
+            </a:r>
+            <a:r>
+              <a:rPr lang="en-US" b="1" dirty="0">
+                <a:solidFill>
+                  <a:srgbClr val="FF6600"/>
+                </a:solidFill>
+                <a:latin typeface="Inconsolata Medium" panose="020B0609030003000000" pitchFamily="49" charset="77"/>
+              </a:rPr>
+              <a:t>2</a:t>
+            </a:r>
+            <a:r>
+              <a:rPr lang="en-US" b="1" dirty="0">
+                <a:latin typeface="Inconsolata Medium" panose="020B0609030003000000" pitchFamily="49" charset="77"/>
+              </a:rPr>
+              <a:t>, </a:t>
+            </a:r>
+            <a:r>
+              <a:rPr lang="en-US" b="1" dirty="0">
+                <a:solidFill>
+                  <a:srgbClr val="FF6600"/>
+                </a:solidFill>
+                <a:latin typeface="Inconsolata Medium" panose="020B0609030003000000" pitchFamily="49" charset="77"/>
+              </a:rPr>
+              <a:t>3, 4, 5</a:t>
+            </a:r>
+            <a:r>
+              <a:rPr lang="en-US" b="1" dirty="0">
+                <a:latin typeface="Inconsolata Medium" panose="020B0609030003000000" pitchFamily="49" charset="77"/>
+              </a:rPr>
+              <a:t>] </a:t>
+            </a:r>
+          </a:p>
+          <a:p>
+            <a:pPr marL="0" indent="0">
+              <a:buNone/>
+            </a:pPr>
+            <a:r>
+              <a:rPr lang="en-US" b="1" dirty="0">
+                <a:solidFill>
+                  <a:srgbClr val="000087"/>
+                </a:solidFill>
+                <a:latin typeface="Inconsolata Medium" panose="020B0609030003000000" pitchFamily="49" charset="77"/>
+              </a:rPr>
+              <a:t>In </a:t>
+            </a:r>
+            <a:r>
+              <a:rPr lang="en-US" b="1" dirty="0">
+                <a:latin typeface="Inconsolata Medium" panose="020B0609030003000000" pitchFamily="49" charset="77"/>
+              </a:rPr>
+              <a:t>[</a:t>
+            </a:r>
+            <a:r>
+              <a:rPr lang="en-US" b="1" dirty="0">
+                <a:solidFill>
+                  <a:srgbClr val="FF6600"/>
+                </a:solidFill>
+                <a:latin typeface="Inconsolata Medium" panose="020B0609030003000000" pitchFamily="49" charset="77"/>
+              </a:rPr>
+              <a:t>2</a:t>
+            </a:r>
+            <a:r>
+              <a:rPr lang="en-US" b="1" dirty="0">
+                <a:latin typeface="Inconsolata Medium" panose="020B0609030003000000" pitchFamily="49" charset="77"/>
+              </a:rPr>
+              <a:t>]: index = 0</a:t>
+            </a:r>
+          </a:p>
+          <a:p>
+            <a:pPr marL="0" indent="0">
+              <a:buNone/>
+            </a:pPr>
+            <a:r>
+              <a:rPr lang="en-US" sz="2400" b="1" dirty="0">
+                <a:solidFill>
+                  <a:srgbClr val="006699"/>
+                </a:solidFill>
+                <a:latin typeface="Inconsolata Medium" panose="020B0609030003000000" pitchFamily="49" charset="77"/>
+              </a:rPr>
+              <a:t>       </a:t>
+            </a:r>
+            <a:r>
+              <a:rPr lang="en-US" b="1" dirty="0">
+                <a:solidFill>
+                  <a:srgbClr val="006699"/>
+                </a:solidFill>
+                <a:latin typeface="Inconsolata Medium" panose="020B0609030003000000" pitchFamily="49" charset="77"/>
+              </a:rPr>
+              <a:t>for </a:t>
+            </a:r>
+            <a:r>
+              <a:rPr lang="en-US" b="1" dirty="0">
+                <a:solidFill>
+                  <a:srgbClr val="000087"/>
+                </a:solidFill>
+                <a:latin typeface="Inconsolata Medium" panose="020B0609030003000000" pitchFamily="49" charset="77"/>
+              </a:rPr>
+              <a:t>x </a:t>
+            </a:r>
+            <a:r>
+              <a:rPr lang="en-US" b="1" dirty="0">
+                <a:latin typeface="Inconsolata Medium" panose="020B0609030003000000" pitchFamily="49" charset="77"/>
+              </a:rPr>
+              <a:t>in </a:t>
+            </a:r>
+            <a:r>
+              <a:rPr lang="en-US" b="1" dirty="0" err="1">
+                <a:solidFill>
+                  <a:srgbClr val="336666"/>
+                </a:solidFill>
+                <a:latin typeface="Inconsolata Medium" panose="020B0609030003000000" pitchFamily="49" charset="77"/>
+              </a:rPr>
+              <a:t>lst</a:t>
+            </a:r>
+            <a:r>
+              <a:rPr lang="en-US" b="1" dirty="0">
+                <a:latin typeface="Inconsolata Medium" panose="020B0609030003000000" pitchFamily="49" charset="77"/>
+              </a:rPr>
+              <a:t>:</a:t>
+            </a:r>
+            <a:endParaRPr lang="en-US" b="1" dirty="0">
+              <a:solidFill>
+                <a:srgbClr val="336666"/>
+              </a:solidFill>
+              <a:latin typeface="Inconsolata Medium" panose="020B0609030003000000" pitchFamily="49" charset="77"/>
+            </a:endParaRPr>
+          </a:p>
+          <a:p>
+            <a:pPr marL="0" indent="0">
+              <a:buNone/>
+            </a:pPr>
+            <a:r>
+              <a:rPr lang="en-US" b="1" dirty="0">
+                <a:solidFill>
+                  <a:srgbClr val="336666"/>
+                </a:solidFill>
+                <a:latin typeface="Inconsolata Medium" panose="020B0609030003000000" pitchFamily="49" charset="77"/>
+              </a:rPr>
+              <a:t>		</a:t>
+            </a:r>
+            <a:r>
+              <a:rPr lang="en-US" b="1" dirty="0">
+                <a:latin typeface="Inconsolata Medium" panose="020B0609030003000000" pitchFamily="49" charset="77"/>
+              </a:rPr>
+              <a:t> if x % 2 == 0:</a:t>
+            </a:r>
+          </a:p>
+          <a:p>
+            <a:pPr marL="0" indent="0">
+              <a:buNone/>
+            </a:pPr>
+            <a:r>
+              <a:rPr lang="en-US" b="1" dirty="0">
+                <a:latin typeface="Inconsolata Medium" panose="020B0609030003000000" pitchFamily="49" charset="77"/>
+              </a:rPr>
+              <a:t>			</a:t>
+            </a:r>
+            <a:r>
+              <a:rPr lang="en-US" b="1" dirty="0" err="1">
+                <a:latin typeface="Inconsolata Medium" panose="020B0609030003000000" pitchFamily="49" charset="77"/>
+              </a:rPr>
+              <a:t>lst.insert</a:t>
+            </a:r>
+            <a:r>
+              <a:rPr lang="en-US" b="1" dirty="0">
+                <a:latin typeface="Inconsolata Medium" panose="020B0609030003000000" pitchFamily="49" charset="77"/>
+              </a:rPr>
+              <a:t>(index, 0)</a:t>
+            </a:r>
+          </a:p>
+          <a:p>
+            <a:pPr marL="0" indent="0">
+              <a:buNone/>
+            </a:pPr>
+            <a:r>
+              <a:rPr lang="en-US" b="1" dirty="0">
+                <a:latin typeface="Inconsolata Medium" panose="020B0609030003000000" pitchFamily="49" charset="77"/>
+              </a:rPr>
+              <a:t>		 index += 1  </a:t>
+            </a:r>
+          </a:p>
+          <a:p>
+            <a:pPr marL="0" indent="0">
+              <a:buNone/>
+            </a:pPr>
+            <a:r>
+              <a:rPr lang="en-US" b="1" dirty="0">
+                <a:latin typeface="Inconsolata Medium" panose="020B0609030003000000" pitchFamily="49" charset="77"/>
+              </a:rPr>
+              <a:t>	   print(</a:t>
+            </a:r>
+            <a:r>
+              <a:rPr lang="en-US" b="1" dirty="0" err="1">
+                <a:latin typeface="Inconsolata Medium" panose="020B0609030003000000" pitchFamily="49" charset="77"/>
+              </a:rPr>
+              <a:t>lst</a:t>
+            </a:r>
+            <a:r>
+              <a:rPr lang="en-US" b="1" dirty="0">
+                <a:latin typeface="Inconsolata Medium" panose="020B0609030003000000" pitchFamily="49" charset="77"/>
+              </a:rPr>
+              <a:t>)</a:t>
+            </a:r>
+          </a:p>
+          <a:p>
+            <a:pPr marL="0" indent="0">
+              <a:buNone/>
+            </a:pPr>
+            <a:endParaRPr lang="en-US" sz="2400" dirty="0">
+              <a:latin typeface="Gill Sans MT" panose="020B0502020104020203" pitchFamily="34" charset="77"/>
+            </a:endParaRPr>
+          </a:p>
+          <a:p>
+            <a:pPr marL="0" indent="0">
+              <a:buNone/>
+            </a:pPr>
+            <a:r>
+              <a:rPr lang="en-US" sz="2400" dirty="0">
+                <a:solidFill>
+                  <a:srgbClr val="FF0000"/>
+                </a:solidFill>
+                <a:latin typeface="Gill Sans MT" panose="020B0502020104020203" pitchFamily="34" charset="77"/>
+              </a:rPr>
+              <a:t>This is an infinite loop!! Do you see why?</a:t>
+            </a:r>
+          </a:p>
+        </p:txBody>
+      </p:sp>
+    </p:spTree>
+    <p:extLst>
+      <p:ext uri="{BB962C8B-B14F-4D97-AF65-F5344CB8AC3E}">
+        <p14:creationId xmlns:p14="http://schemas.microsoft.com/office/powerpoint/2010/main" val="422445672"/>
+      </p:ext>
+    </p:extLst>
+  </p:cSld>
+  <p:clrMapOvr>
+    <a:masterClrMapping/>
+  </p:clrMapOvr>
+  <p:timing>
+    <p:tnLst>
+      <p:par>
+        <p:cTn id="1" dur="indefinite" restart="never" nodeType="tmRoot">
+          <p:childTnLst>
+            <p:seq concurrent="1" nextAc="seek">
+              <p:cTn id="2" dur="indefinite" nodeType="mainSeq">
+                <p:childTnLst>
+                  <p:par>
+                    <p:cTn id="3" fill="hold">
+                      <p:stCondLst>
+                        <p:cond delay="indefinite"/>
+                      </p:stCondLst>
+                      <p:childTnLst>
+                        <p:par>
+                          <p:cTn id="4" fill="hold">
+                            <p:stCondLst>
+                              <p:cond delay="0"/>
+                            </p:stCondLst>
+                            <p:childTnLst>
+                              <p:par>
+                                <p:cTn id="5" presetID="1" presetClass="entr" presetSubtype="0" fill="hold" nodeType="clickEffect">
+                                  <p:stCondLst>
+                                    <p:cond delay="0"/>
+                                  </p:stCondLst>
+                                  <p:childTnLst>
+                                    <p:set>
+                                      <p:cBhvr>
+                                        <p:cTn id="6" dur="1" fill="hold">
+                                          <p:stCondLst>
+                                            <p:cond delay="0"/>
+                                          </p:stCondLst>
+                                        </p:cTn>
+                                        <p:tgtEl>
+                                          <p:spTgt spid="9">
+                                            <p:txEl>
+                                              <p:pRg st="3" end="3"/>
+                                            </p:txEl>
+                                          </p:spTgt>
+                                        </p:tgtEl>
+                                        <p:attrNameLst>
+                                          <p:attrName>style.visibility</p:attrName>
+                                        </p:attrNameLst>
+                                      </p:cBhvr>
+                                      <p:to>
+                                        <p:strVal val="visible"/>
+                                      </p:to>
+                                    </p:set>
+                                  </p:childTnLst>
+                                </p:cTn>
+                              </p:par>
+                            </p:childTnLst>
+                          </p:cTn>
+                        </p:par>
+                      </p:childTnLst>
+                    </p:cTn>
+                  </p:par>
+                  <p:par>
+                    <p:cTn id="7" fill="hold">
+                      <p:stCondLst>
+                        <p:cond delay="indefinite"/>
+                      </p:stCondLst>
+                      <p:childTnLst>
+                        <p:par>
+                          <p:cTn id="8" fill="hold">
+                            <p:stCondLst>
+                              <p:cond delay="0"/>
+                            </p:stCondLst>
+                            <p:childTnLst>
+                              <p:par>
+                                <p:cTn id="9" presetID="1" presetClass="entr" presetSubtype="0" fill="hold" nodeType="clickEffect">
+                                  <p:stCondLst>
+                                    <p:cond delay="0"/>
+                                  </p:stCondLst>
+                                  <p:childTnLst>
+                                    <p:set>
+                                      <p:cBhvr>
+                                        <p:cTn id="10" dur="1" fill="hold">
+                                          <p:stCondLst>
+                                            <p:cond delay="0"/>
+                                          </p:stCondLst>
+                                        </p:cTn>
+                                        <p:tgtEl>
+                                          <p:spTgt spid="9">
+                                            <p:txEl>
+                                              <p:pRg st="4" end="4"/>
+                                            </p:txEl>
+                                          </p:spTgt>
+                                        </p:tgtEl>
+                                        <p:attrNameLst>
+                                          <p:attrName>style.visibility</p:attrName>
+                                        </p:attrNameLst>
+                                      </p:cBhvr>
+                                      <p:to>
+                                        <p:strVal val="visible"/>
+                                      </p:to>
+                                    </p:set>
+                                  </p:childTnLst>
+                                </p:cTn>
+                              </p:par>
+                            </p:childTnLst>
+                          </p:cTn>
+                        </p:par>
+                      </p:childTnLst>
+                    </p:cTn>
+                  </p:par>
+                  <p:par>
+                    <p:cTn id="11" fill="hold">
+                      <p:stCondLst>
+                        <p:cond delay="indefinite"/>
+                      </p:stCondLst>
+                      <p:childTnLst>
+                        <p:par>
+                          <p:cTn id="12" fill="hold">
+                            <p:stCondLst>
+                              <p:cond delay="0"/>
+                            </p:stCondLst>
+                            <p:childTnLst>
+                              <p:par>
+                                <p:cTn id="13" presetID="1" presetClass="entr" presetSubtype="0" fill="hold" nodeType="clickEffect">
+                                  <p:stCondLst>
+                                    <p:cond delay="0"/>
+                                  </p:stCondLst>
+                                  <p:childTnLst>
+                                    <p:set>
+                                      <p:cBhvr>
+                                        <p:cTn id="14" dur="1" fill="hold">
+                                          <p:stCondLst>
+                                            <p:cond delay="0"/>
+                                          </p:stCondLst>
+                                        </p:cTn>
+                                        <p:tgtEl>
+                                          <p:spTgt spid="9">
+                                            <p:txEl>
+                                              <p:pRg st="5" end="5"/>
+                                            </p:txEl>
+                                          </p:spTgt>
+                                        </p:tgtEl>
+                                        <p:attrNameLst>
+                                          <p:attrName>style.visibility</p:attrName>
+                                        </p:attrNameLst>
+                                      </p:cBhvr>
+                                      <p:to>
+                                        <p:strVal val="visible"/>
+                                      </p:to>
+                                    </p:set>
+                                  </p:childTnLst>
+                                </p:cTn>
+                              </p:par>
+                            </p:childTnLst>
+                          </p:cTn>
+                        </p:par>
+                      </p:childTnLst>
+                    </p:cTn>
+                  </p:par>
+                  <p:par>
+                    <p:cTn id="15" fill="hold">
+                      <p:stCondLst>
+                        <p:cond delay="indefinite"/>
+                      </p:stCondLst>
+                      <p:childTnLst>
+                        <p:par>
+                          <p:cTn id="16" fill="hold">
+                            <p:stCondLst>
+                              <p:cond delay="0"/>
+                            </p:stCondLst>
+                            <p:childTnLst>
+                              <p:par>
+                                <p:cTn id="17" presetID="1" presetClass="entr" presetSubtype="0" fill="hold" nodeType="clickEffect">
+                                  <p:stCondLst>
+                                    <p:cond delay="0"/>
+                                  </p:stCondLst>
+                                  <p:childTnLst>
+                                    <p:set>
+                                      <p:cBhvr>
+                                        <p:cTn id="18" dur="1" fill="hold">
+                                          <p:stCondLst>
+                                            <p:cond delay="0"/>
+                                          </p:stCondLst>
+                                        </p:cTn>
+                                        <p:tgtEl>
+                                          <p:spTgt spid="9">
+                                            <p:txEl>
+                                              <p:pRg st="6" end="6"/>
+                                            </p:txEl>
+                                          </p:spTgt>
+                                        </p:tgtEl>
+                                        <p:attrNameLst>
+                                          <p:attrName>style.visibility</p:attrName>
+                                        </p:attrNameLst>
+                                      </p:cBhvr>
+                                      <p:to>
+                                        <p:strVal val="visible"/>
+                                      </p:to>
+                                    </p:set>
+                                  </p:childTnLst>
+                                </p:cTn>
+                              </p:par>
+                            </p:childTnLst>
+                          </p:cTn>
+                        </p:par>
+                      </p:childTnLst>
+                    </p:cTn>
+                  </p:par>
+                  <p:par>
+                    <p:cTn id="19" fill="hold">
+                      <p:stCondLst>
+                        <p:cond delay="indefinite"/>
+                      </p:stCondLst>
+                      <p:childTnLst>
+                        <p:par>
+                          <p:cTn id="20" fill="hold">
+                            <p:stCondLst>
+                              <p:cond delay="0"/>
+                            </p:stCondLst>
+                            <p:childTnLst>
+                              <p:par>
+                                <p:cTn id="21" presetID="1" presetClass="entr" presetSubtype="0" fill="hold" nodeType="clickEffect">
+                                  <p:stCondLst>
+                                    <p:cond delay="0"/>
+                                  </p:stCondLst>
+                                  <p:childTnLst>
+                                    <p:set>
+                                      <p:cBhvr>
+                                        <p:cTn id="22" dur="1" fill="hold">
+                                          <p:stCondLst>
+                                            <p:cond delay="0"/>
+                                          </p:stCondLst>
+                                        </p:cTn>
+                                        <p:tgtEl>
+                                          <p:spTgt spid="9">
+                                            <p:txEl>
+                                              <p:pRg st="7" end="7"/>
+                                            </p:txEl>
+                                          </p:spTgt>
+                                        </p:tgtEl>
+                                        <p:attrNameLst>
+                                          <p:attrName>style.visibility</p:attrName>
+                                        </p:attrNameLst>
+                                      </p:cBhvr>
+                                      <p:to>
+                                        <p:strVal val="visible"/>
+                                      </p:to>
+                                    </p:set>
+                                  </p:childTnLst>
+                                </p:cTn>
+                              </p:par>
+                            </p:childTnLst>
+                          </p:cTn>
+                        </p:par>
+                      </p:childTnLst>
+                    </p:cTn>
+                  </p:par>
+                  <p:par>
+                    <p:cTn id="23" fill="hold">
+                      <p:stCondLst>
+                        <p:cond delay="indefinite"/>
+                      </p:stCondLst>
+                      <p:childTnLst>
+                        <p:par>
+                          <p:cTn id="24" fill="hold">
+                            <p:stCondLst>
+                              <p:cond delay="0"/>
+                            </p:stCondLst>
+                            <p:childTnLst>
+                              <p:par>
+                                <p:cTn id="25" presetID="1" presetClass="entr" presetSubtype="0" fill="hold" nodeType="clickEffect">
+                                  <p:stCondLst>
+                                    <p:cond delay="0"/>
+                                  </p:stCondLst>
+                                  <p:childTnLst>
+                                    <p:set>
+                                      <p:cBhvr>
+                                        <p:cTn id="26" dur="1" fill="hold">
+                                          <p:stCondLst>
+                                            <p:cond delay="0"/>
+                                          </p:stCondLst>
+                                        </p:cTn>
+                                        <p:tgtEl>
+                                          <p:spTgt spid="9">
+                                            <p:txEl>
+                                              <p:pRg st="8" end="8"/>
+                                            </p:txEl>
+                                          </p:spTgt>
+                                        </p:tgtEl>
+                                        <p:attrNameLst>
+                                          <p:attrName>style.visibility</p:attrName>
+                                        </p:attrNameLst>
+                                      </p:cBhvr>
+                                      <p:to>
+                                        <p:strVal val="visible"/>
+                                      </p:to>
+                                    </p:set>
+                                  </p:childTnLst>
+                                </p:cTn>
+                              </p:par>
+                            </p:childTnLst>
+                          </p:cTn>
+                        </p:par>
+                      </p:childTnLst>
+                    </p:cTn>
+                  </p:par>
+                  <p:par>
+                    <p:cTn id="27" fill="hold">
+                      <p:stCondLst>
+                        <p:cond delay="indefinite"/>
+                      </p:stCondLst>
+                      <p:childTnLst>
+                        <p:par>
+                          <p:cTn id="28" fill="hold">
+                            <p:stCondLst>
+                              <p:cond delay="0"/>
+                            </p:stCondLst>
+                            <p:childTnLst>
+                              <p:par>
+                                <p:cTn id="29" presetID="1" presetClass="entr" presetSubtype="0" fill="hold" nodeType="clickEffect">
+                                  <p:stCondLst>
+                                    <p:cond delay="0"/>
+                                  </p:stCondLst>
+                                  <p:childTnLst>
+                                    <p:set>
+                                      <p:cBhvr>
+                                        <p:cTn id="30" dur="1" fill="hold">
+                                          <p:stCondLst>
+                                            <p:cond delay="0"/>
+                                          </p:stCondLst>
+                                        </p:cTn>
+                                        <p:tgtEl>
+                                          <p:spTgt spid="9">
+                                            <p:txEl>
+                                              <p:pRg st="10" end="10"/>
+                                            </p:txEl>
+                                          </p:spTgt>
+                                        </p:tgtEl>
+                                        <p:attrNameLst>
+                                          <p:attrName>style.visibility</p:attrName>
+                                        </p:attrNameLst>
+                                      </p:cBhvr>
+                                      <p:to>
+                                        <p:strVal val="visible"/>
+                                      </p:to>
+                                    </p:set>
+                                  </p:childTnLst>
+                                </p:cTn>
+                              </p:par>
+                            </p:childTnLst>
+                          </p:cTn>
+                        </p:par>
+                      </p:childTnLst>
+                    </p:cTn>
+                  </p:par>
+                </p:childTnLst>
+              </p:cTn>
+              <p:prevCondLst>
+                <p:cond evt="onPrev" delay="0">
+                  <p:tgtEl>
+                    <p:sldTgt/>
+                  </p:tgtEl>
+                </p:cond>
+              </p:prevCondLst>
+              <p:nextCondLst>
+                <p:cond evt="onNext" delay="0">
+                  <p:tgtEl>
+                    <p:sldTgt/>
+                  </p:tgtEl>
+                </p:cond>
+              </p:nextCondLst>
+            </p:seq>
+          </p:childTnLst>
+        </p:cTn>
+      </p:par>
+    </p:tnLst>
+  </p:timing>
+</p:sld>
+</file>
+
+<file path=ppt/slides/slide18.xml><?xml version="1.0" encoding="utf-8"?>
+<p:sld xmlns:a="http://schemas.openxmlformats.org/drawingml/2006/main" xmlns:r="http://schemas.openxmlformats.org/officeDocument/2006/relationships" xmlns:p="http://schemas.openxmlformats.org/presentationml/2006/main">
+  <p:cSld>
+    <p:spTree>
+      <p:nvGrpSpPr>
+        <p:cNvPr id="1" name=""/>
+        <p:cNvGrpSpPr/>
+        <p:nvPr/>
+      </p:nvGrpSpPr>
+      <p:grpSpPr>
+        <a:xfrm>
+          <a:off x="0" y="0"/>
+          <a:ext cx="0" cy="0"/>
+          <a:chOff x="0" y="0"/>
+          <a:chExt cx="0" cy="0"/>
+        </a:xfrm>
+      </p:grpSpPr>
+      <p:sp>
+        <p:nvSpPr>
+          <p:cNvPr id="2" name="Title 1">
+            <a:extLst>
+              <a:ext uri="{FF2B5EF4-FFF2-40B4-BE49-F238E27FC236}">
+                <a16:creationId xmlns:a16="http://schemas.microsoft.com/office/drawing/2014/main" id="{AA3A228F-61D0-D949-A5E7-F83756230BF8}"/>
+              </a:ext>
+            </a:extLst>
+          </p:cNvPr>
+          <p:cNvSpPr>
+            <a:spLocks noGrp="1"/>
+          </p:cNvSpPr>
+          <p:nvPr>
+            <p:ph type="title"/>
+          </p:nvPr>
+        </p:nvSpPr>
+        <p:spPr>
+          <a:xfrm>
+            <a:off x="483848" y="467027"/>
+            <a:ext cx="7053542" cy="683886"/>
+          </a:xfrm>
+        </p:spPr>
+        <p:txBody>
+          <a:bodyPr/>
+          <a:lstStyle/>
+          <a:p>
+            <a:r>
+              <a:rPr lang="en-US" dirty="0"/>
               <a:t>list()</a:t>
             </a:r>
           </a:p>
@@ -9059,7 +11437,7 @@
 </p:sld>
 </file>
 
-<file path=ppt/slides/slide16.xml><?xml version="1.0" encoding="utf-8"?>
+<file path=ppt/slides/slide19.xml><?xml version="1.0" encoding="utf-8"?>
 <p:sld xmlns:a="http://schemas.openxmlformats.org/drawingml/2006/main" xmlns:r="http://schemas.openxmlformats.org/officeDocument/2006/relationships" xmlns:p="http://schemas.openxmlformats.org/presentationml/2006/main">
   <p:cSld>
     <p:spTree>
@@ -9612,7 +11990,216 @@
 </p:sld>
 </file>
 
-<file path=ppt/slides/slide17.xml><?xml version="1.0" encoding="utf-8"?>
+<file path=ppt/slides/slide2.xml><?xml version="1.0" encoding="utf-8"?>
+<p:sld xmlns:a="http://schemas.openxmlformats.org/drawingml/2006/main" xmlns:r="http://schemas.openxmlformats.org/officeDocument/2006/relationships" xmlns:p="http://schemas.openxmlformats.org/presentationml/2006/main">
+  <p:cSld>
+    <p:spTree>
+      <p:nvGrpSpPr>
+        <p:cNvPr id="1" name=""/>
+        <p:cNvGrpSpPr/>
+        <p:nvPr/>
+      </p:nvGrpSpPr>
+      <p:grpSpPr>
+        <a:xfrm>
+          <a:off x="0" y="0"/>
+          <a:ext cx="0" cy="0"/>
+          <a:chOff x="0" y="0"/>
+          <a:chExt cx="0" cy="0"/>
+        </a:xfrm>
+      </p:grpSpPr>
+      <p:sp>
+        <p:nvSpPr>
+          <p:cNvPr id="2" name="Title 1">
+            <a:extLst>
+              <a:ext uri="{FF2B5EF4-FFF2-40B4-BE49-F238E27FC236}">
+                <a16:creationId xmlns:a16="http://schemas.microsoft.com/office/drawing/2014/main" id="{AA3A228F-61D0-D949-A5E7-F83756230BF8}"/>
+              </a:ext>
+            </a:extLst>
+          </p:cNvPr>
+          <p:cNvSpPr>
+            <a:spLocks noGrp="1"/>
+          </p:cNvSpPr>
+          <p:nvPr>
+            <p:ph type="title"/>
+          </p:nvPr>
+        </p:nvSpPr>
+        <p:spPr>
+          <a:xfrm>
+            <a:off x="483848" y="467027"/>
+            <a:ext cx="7053542" cy="683886"/>
+          </a:xfrm>
+        </p:spPr>
+        <p:txBody>
+          <a:bodyPr/>
+          <a:lstStyle/>
+          <a:p>
+            <a:r>
+              <a:rPr lang="en-US" dirty="0"/>
+              <a:t>Topics</a:t>
+            </a:r>
+          </a:p>
+        </p:txBody>
+      </p:sp>
+      <p:sp>
+        <p:nvSpPr>
+          <p:cNvPr id="9" name="Content Placeholder 8">
+            <a:extLst>
+              <a:ext uri="{FF2B5EF4-FFF2-40B4-BE49-F238E27FC236}">
+                <a16:creationId xmlns:a16="http://schemas.microsoft.com/office/drawing/2014/main" id="{E3B2E017-30B2-884B-A113-B419A2ED51AD}"/>
+              </a:ext>
+            </a:extLst>
+          </p:cNvPr>
+          <p:cNvSpPr>
+            <a:spLocks noGrp="1"/>
+          </p:cNvSpPr>
+          <p:nvPr>
+            <p:ph idx="1"/>
+          </p:nvPr>
+        </p:nvSpPr>
+        <p:spPr>
+          <a:xfrm>
+            <a:off x="483848" y="1288073"/>
+            <a:ext cx="8051725" cy="4303429"/>
+          </a:xfrm>
+        </p:spPr>
+        <p:txBody>
+          <a:bodyPr/>
+          <a:lstStyle/>
+          <a:p>
+            <a:pPr marL="0" indent="0">
+              <a:buNone/>
+            </a:pPr>
+            <a:endParaRPr lang="en-US" dirty="0">
+              <a:latin typeface="Gill Sans MT" panose="020B0502020104020203" pitchFamily="34" charset="77"/>
+            </a:endParaRPr>
+          </a:p>
+          <a:p>
+            <a:pPr marL="457200" indent="-457200">
+              <a:buAutoNum type="arabicParenR"/>
+            </a:pPr>
+            <a:r>
+              <a:rPr lang="en-US" dirty="0">
+                <a:latin typeface="Gill Sans MT" panose="020B0502020104020203" pitchFamily="34" charset="77"/>
+              </a:rPr>
+              <a:t>Lists</a:t>
+            </a:r>
+          </a:p>
+          <a:p>
+            <a:pPr marL="685800" lvl="1" indent="-342900">
+              <a:buFont typeface="+mj-lt"/>
+              <a:buAutoNum type="alphaLcParenR"/>
+            </a:pPr>
+            <a:r>
+              <a:rPr lang="en-US" sz="2000" dirty="0">
+                <a:latin typeface="Gill Sans MT" panose="020B0502020104020203" pitchFamily="34" charset="77"/>
+              </a:rPr>
+              <a:t>Indexing and Slicing</a:t>
+            </a:r>
+          </a:p>
+          <a:p>
+            <a:pPr marL="685800" lvl="1" indent="-342900">
+              <a:buFont typeface="+mj-lt"/>
+              <a:buAutoNum type="alphaLcParenR"/>
+            </a:pPr>
+            <a:r>
+              <a:rPr lang="en-US" sz="2000" dirty="0">
+                <a:latin typeface="Gill Sans MT" panose="020B0502020104020203" pitchFamily="34" charset="77"/>
+              </a:rPr>
+              <a:t>List Methods</a:t>
+            </a:r>
+          </a:p>
+          <a:p>
+            <a:pPr marL="0" indent="0">
+              <a:buNone/>
+            </a:pPr>
+            <a:r>
+              <a:rPr lang="en-US" dirty="0">
+                <a:latin typeface="Gill Sans MT" panose="020B0502020104020203" pitchFamily="34" charset="77"/>
+              </a:rPr>
+              <a:t>3)   List comprehensions	</a:t>
+            </a:r>
+          </a:p>
+          <a:p>
+            <a:pPr marL="457200" indent="-457200">
+              <a:buAutoNum type="arabicParenR" startAt="4"/>
+            </a:pPr>
+            <a:r>
+              <a:rPr lang="en-US" dirty="0" err="1">
+                <a:latin typeface="Gill Sans MT" panose="020B0502020104020203" pitchFamily="34" charset="77"/>
+              </a:rPr>
+              <a:t>Iterables</a:t>
+            </a:r>
+            <a:endParaRPr lang="en-US" dirty="0">
+              <a:latin typeface="Gill Sans MT" panose="020B0502020104020203" pitchFamily="34" charset="77"/>
+            </a:endParaRPr>
+          </a:p>
+          <a:p>
+            <a:pPr marL="0" indent="0">
+              <a:buNone/>
+            </a:pPr>
+            <a:r>
+              <a:rPr lang="en-US" dirty="0">
+                <a:latin typeface="Gill Sans MT" panose="020B0502020104020203" pitchFamily="34" charset="77"/>
+              </a:rPr>
+              <a:t>5)   Membership and Operations</a:t>
+            </a:r>
+          </a:p>
+          <a:p>
+            <a:pPr marL="0" indent="0">
+              <a:buNone/>
+            </a:pPr>
+            <a:endParaRPr lang="en-US" dirty="0">
+              <a:latin typeface="Gill Sans MT" panose="020B0502020104020203" pitchFamily="34" charset="77"/>
+            </a:endParaRPr>
+          </a:p>
+          <a:p>
+            <a:pPr marL="457200" indent="-457200">
+              <a:buAutoNum type="arabicParenR"/>
+            </a:pPr>
+            <a:endParaRPr lang="en-US" dirty="0">
+              <a:latin typeface="Gill Sans MT" panose="020B0502020104020203" pitchFamily="34" charset="77"/>
+            </a:endParaRPr>
+          </a:p>
+          <a:p>
+            <a:pPr marL="457200" indent="-457200">
+              <a:buAutoNum type="arabicParenR"/>
+            </a:pPr>
+            <a:endParaRPr lang="en-US" dirty="0">
+              <a:latin typeface="Gill Sans MT" panose="020B0502020104020203" pitchFamily="34" charset="77"/>
+            </a:endParaRPr>
+          </a:p>
+          <a:p>
+            <a:pPr marL="0" indent="0">
+              <a:buNone/>
+            </a:pPr>
+            <a:endParaRPr lang="en-US" dirty="0">
+              <a:latin typeface="Gill Sans MT" panose="020B0502020104020203" pitchFamily="34" charset="77"/>
+            </a:endParaRPr>
+          </a:p>
+          <a:p>
+            <a:pPr marL="0" indent="0">
+              <a:buNone/>
+            </a:pPr>
+            <a:endParaRPr lang="en-US" b="1" dirty="0">
+              <a:latin typeface="Gill Sans MT" panose="020B0502020104020203" pitchFamily="34" charset="77"/>
+            </a:endParaRPr>
+          </a:p>
+        </p:txBody>
+      </p:sp>
+    </p:spTree>
+    <p:extLst>
+      <p:ext uri="{BB962C8B-B14F-4D97-AF65-F5344CB8AC3E}">
+        <p14:creationId xmlns:p14="http://schemas.microsoft.com/office/powerpoint/2010/main" val="131840209"/>
+      </p:ext>
+    </p:extLst>
+  </p:cSld>
+  <p:clrMapOvr>
+    <a:masterClrMapping/>
+  </p:clrMapOvr>
+</p:sld>
+</file>
+
+<file path=ppt/slides/slide20.xml><?xml version="1.0" encoding="utf-8"?>
 <p:sld xmlns:a="http://schemas.openxmlformats.org/drawingml/2006/main" xmlns:r="http://schemas.openxmlformats.org/officeDocument/2006/relationships" xmlns:p="http://schemas.openxmlformats.org/presentationml/2006/main">
   <p:cSld>
     <p:spTree>
@@ -10467,7 +13054,7 @@
 </p:sld>
 </file>
 
-<file path=ppt/slides/slide18.xml><?xml version="1.0" encoding="utf-8"?>
+<file path=ppt/slides/slide21.xml><?xml version="1.0" encoding="utf-8"?>
 <p:sld xmlns:a="http://schemas.openxmlformats.org/drawingml/2006/main" xmlns:r="http://schemas.openxmlformats.org/officeDocument/2006/relationships" xmlns:p="http://schemas.openxmlformats.org/presentationml/2006/main">
   <p:cSld>
     <p:spTree>
@@ -11001,7 +13588,7 @@
 </p:sld>
 </file>
 
-<file path=ppt/slides/slide19.xml><?xml version="1.0" encoding="utf-8"?>
+<file path=ppt/slides/slide22.xml><?xml version="1.0" encoding="utf-8"?>
 <p:sld xmlns:a="http://schemas.openxmlformats.org/drawingml/2006/main" xmlns:r="http://schemas.openxmlformats.org/officeDocument/2006/relationships" xmlns:p="http://schemas.openxmlformats.org/presentationml/2006/main">
   <p:cSld>
     <p:spTree>
@@ -11302,216 +13889,7 @@
 </p:sld>
 </file>
 
-<file path=ppt/slides/slide2.xml><?xml version="1.0" encoding="utf-8"?>
-<p:sld xmlns:a="http://schemas.openxmlformats.org/drawingml/2006/main" xmlns:r="http://schemas.openxmlformats.org/officeDocument/2006/relationships" xmlns:p="http://schemas.openxmlformats.org/presentationml/2006/main">
-  <p:cSld>
-    <p:spTree>
-      <p:nvGrpSpPr>
-        <p:cNvPr id="1" name=""/>
-        <p:cNvGrpSpPr/>
-        <p:nvPr/>
-      </p:nvGrpSpPr>
-      <p:grpSpPr>
-        <a:xfrm>
-          <a:off x="0" y="0"/>
-          <a:ext cx="0" cy="0"/>
-          <a:chOff x="0" y="0"/>
-          <a:chExt cx="0" cy="0"/>
-        </a:xfrm>
-      </p:grpSpPr>
-      <p:sp>
-        <p:nvSpPr>
-          <p:cNvPr id="2" name="Title 1">
-            <a:extLst>
-              <a:ext uri="{FF2B5EF4-FFF2-40B4-BE49-F238E27FC236}">
-                <a16:creationId xmlns:a16="http://schemas.microsoft.com/office/drawing/2014/main" id="{AA3A228F-61D0-D949-A5E7-F83756230BF8}"/>
-              </a:ext>
-            </a:extLst>
-          </p:cNvPr>
-          <p:cNvSpPr>
-            <a:spLocks noGrp="1"/>
-          </p:cNvSpPr>
-          <p:nvPr>
-            <p:ph type="title"/>
-          </p:nvPr>
-        </p:nvSpPr>
-        <p:spPr>
-          <a:xfrm>
-            <a:off x="483848" y="467027"/>
-            <a:ext cx="7053542" cy="683886"/>
-          </a:xfrm>
-        </p:spPr>
-        <p:txBody>
-          <a:bodyPr/>
-          <a:lstStyle/>
-          <a:p>
-            <a:r>
-              <a:rPr lang="en-US" dirty="0"/>
-              <a:t>Topics</a:t>
-            </a:r>
-          </a:p>
-        </p:txBody>
-      </p:sp>
-      <p:sp>
-        <p:nvSpPr>
-          <p:cNvPr id="9" name="Content Placeholder 8">
-            <a:extLst>
-              <a:ext uri="{FF2B5EF4-FFF2-40B4-BE49-F238E27FC236}">
-                <a16:creationId xmlns:a16="http://schemas.microsoft.com/office/drawing/2014/main" id="{E3B2E017-30B2-884B-A113-B419A2ED51AD}"/>
-              </a:ext>
-            </a:extLst>
-          </p:cNvPr>
-          <p:cNvSpPr>
-            <a:spLocks noGrp="1"/>
-          </p:cNvSpPr>
-          <p:nvPr>
-            <p:ph idx="1"/>
-          </p:nvPr>
-        </p:nvSpPr>
-        <p:spPr>
-          <a:xfrm>
-            <a:off x="483848" y="1288073"/>
-            <a:ext cx="8051725" cy="4303429"/>
-          </a:xfrm>
-        </p:spPr>
-        <p:txBody>
-          <a:bodyPr/>
-          <a:lstStyle/>
-          <a:p>
-            <a:pPr marL="0" indent="0">
-              <a:buNone/>
-            </a:pPr>
-            <a:endParaRPr lang="en-US" dirty="0">
-              <a:latin typeface="Gill Sans MT" panose="020B0502020104020203" pitchFamily="34" charset="77"/>
-            </a:endParaRPr>
-          </a:p>
-          <a:p>
-            <a:pPr marL="457200" indent="-457200">
-              <a:buAutoNum type="arabicParenR"/>
-            </a:pPr>
-            <a:r>
-              <a:rPr lang="en-US" dirty="0">
-                <a:latin typeface="Gill Sans MT" panose="020B0502020104020203" pitchFamily="34" charset="77"/>
-              </a:rPr>
-              <a:t>Lists</a:t>
-            </a:r>
-          </a:p>
-          <a:p>
-            <a:pPr marL="685800" lvl="1" indent="-342900">
-              <a:buFont typeface="+mj-lt"/>
-              <a:buAutoNum type="alphaLcParenR"/>
-            </a:pPr>
-            <a:r>
-              <a:rPr lang="en-US" sz="2000" dirty="0">
-                <a:latin typeface="Gill Sans MT" panose="020B0502020104020203" pitchFamily="34" charset="77"/>
-              </a:rPr>
-              <a:t>Indexing and Slicing</a:t>
-            </a:r>
-          </a:p>
-          <a:p>
-            <a:pPr marL="685800" lvl="1" indent="-342900">
-              <a:buFont typeface="+mj-lt"/>
-              <a:buAutoNum type="alphaLcParenR"/>
-            </a:pPr>
-            <a:r>
-              <a:rPr lang="en-US" sz="2000" dirty="0">
-                <a:latin typeface="Gill Sans MT" panose="020B0502020104020203" pitchFamily="34" charset="77"/>
-              </a:rPr>
-              <a:t>List Methods</a:t>
-            </a:r>
-          </a:p>
-          <a:p>
-            <a:pPr marL="0" indent="0">
-              <a:buNone/>
-            </a:pPr>
-            <a:r>
-              <a:rPr lang="en-US" dirty="0">
-                <a:latin typeface="Gill Sans MT" panose="020B0502020104020203" pitchFamily="34" charset="77"/>
-              </a:rPr>
-              <a:t>3)   List comprehensions	</a:t>
-            </a:r>
-          </a:p>
-          <a:p>
-            <a:pPr marL="457200" indent="-457200">
-              <a:buAutoNum type="arabicParenR" startAt="4"/>
-            </a:pPr>
-            <a:r>
-              <a:rPr lang="en-US" dirty="0" err="1">
-                <a:latin typeface="Gill Sans MT" panose="020B0502020104020203" pitchFamily="34" charset="77"/>
-              </a:rPr>
-              <a:t>Iterables</a:t>
-            </a:r>
-            <a:endParaRPr lang="en-US" dirty="0">
-              <a:latin typeface="Gill Sans MT" panose="020B0502020104020203" pitchFamily="34" charset="77"/>
-            </a:endParaRPr>
-          </a:p>
-          <a:p>
-            <a:pPr marL="0" indent="0">
-              <a:buNone/>
-            </a:pPr>
-            <a:r>
-              <a:rPr lang="en-US" dirty="0">
-                <a:latin typeface="Gill Sans MT" panose="020B0502020104020203" pitchFamily="34" charset="77"/>
-              </a:rPr>
-              <a:t>5)   Membership and Operations</a:t>
-            </a:r>
-          </a:p>
-          <a:p>
-            <a:pPr marL="0" indent="0">
-              <a:buNone/>
-            </a:pPr>
-            <a:endParaRPr lang="en-US" dirty="0">
-              <a:latin typeface="Gill Sans MT" panose="020B0502020104020203" pitchFamily="34" charset="77"/>
-            </a:endParaRPr>
-          </a:p>
-          <a:p>
-            <a:pPr marL="457200" indent="-457200">
-              <a:buAutoNum type="arabicParenR"/>
-            </a:pPr>
-            <a:endParaRPr lang="en-US" dirty="0">
-              <a:latin typeface="Gill Sans MT" panose="020B0502020104020203" pitchFamily="34" charset="77"/>
-            </a:endParaRPr>
-          </a:p>
-          <a:p>
-            <a:pPr marL="457200" indent="-457200">
-              <a:buAutoNum type="arabicParenR"/>
-            </a:pPr>
-            <a:endParaRPr lang="en-US" dirty="0">
-              <a:latin typeface="Gill Sans MT" panose="020B0502020104020203" pitchFamily="34" charset="77"/>
-            </a:endParaRPr>
-          </a:p>
-          <a:p>
-            <a:pPr marL="0" indent="0">
-              <a:buNone/>
-            </a:pPr>
-            <a:endParaRPr lang="en-US" dirty="0">
-              <a:latin typeface="Gill Sans MT" panose="020B0502020104020203" pitchFamily="34" charset="77"/>
-            </a:endParaRPr>
-          </a:p>
-          <a:p>
-            <a:pPr marL="0" indent="0">
-              <a:buNone/>
-            </a:pPr>
-            <a:endParaRPr lang="en-US" b="1" dirty="0">
-              <a:latin typeface="Gill Sans MT" panose="020B0502020104020203" pitchFamily="34" charset="77"/>
-            </a:endParaRPr>
-          </a:p>
-        </p:txBody>
-      </p:sp>
-    </p:spTree>
-    <p:extLst>
-      <p:ext uri="{BB962C8B-B14F-4D97-AF65-F5344CB8AC3E}">
-        <p14:creationId xmlns:p14="http://schemas.microsoft.com/office/powerpoint/2010/main" val="131840209"/>
-      </p:ext>
-    </p:extLst>
-  </p:cSld>
-  <p:clrMapOvr>
-    <a:masterClrMapping/>
-  </p:clrMapOvr>
-</p:sld>
-</file>
-
-<file path=ppt/slides/slide20.xml><?xml version="1.0" encoding="utf-8"?>
+<file path=ppt/slides/slide23.xml><?xml version="1.0" encoding="utf-8"?>
 <p:sld xmlns:a="http://schemas.openxmlformats.org/drawingml/2006/main" xmlns:r="http://schemas.openxmlformats.org/officeDocument/2006/relationships" xmlns:p="http://schemas.openxmlformats.org/presentationml/2006/main">
   <p:cSld>
     <p:spTree>
@@ -12331,7 +14709,7 @@
 </p:sld>
 </file>
 
-<file path=ppt/slides/slide21.xml><?xml version="1.0" encoding="utf-8"?>
+<file path=ppt/slides/slide24.xml><?xml version="1.0" encoding="utf-8"?>
 <p:sld xmlns:a="http://schemas.openxmlformats.org/drawingml/2006/main" xmlns:r="http://schemas.openxmlformats.org/officeDocument/2006/relationships" xmlns:p="http://schemas.openxmlformats.org/presentationml/2006/main">
   <p:cSld>
     <p:spTree>
@@ -13244,7 +15622,7 @@
 </p:sld>
 </file>
 
-<file path=ppt/slides/slide22.xml><?xml version="1.0" encoding="utf-8"?>
+<file path=ppt/slides/slide25.xml><?xml version="1.0" encoding="utf-8"?>
 <p:sld xmlns:a="http://schemas.openxmlformats.org/drawingml/2006/main" xmlns:r="http://schemas.openxmlformats.org/officeDocument/2006/relationships" xmlns:p="http://schemas.openxmlformats.org/presentationml/2006/main">
   <p:cSld>
     <p:spTree>
@@ -13862,7 +16240,7 @@
 </p:sld>
 </file>
 
-<file path=ppt/slides/slide23.xml><?xml version="1.0" encoding="utf-8"?>
+<file path=ppt/slides/slide26.xml><?xml version="1.0" encoding="utf-8"?>
 <p:sld xmlns:a="http://schemas.openxmlformats.org/drawingml/2006/main" xmlns:r="http://schemas.openxmlformats.org/officeDocument/2006/relationships" xmlns:p="http://schemas.openxmlformats.org/presentationml/2006/main">
   <p:cSld>
     <p:spTree>
@@ -14224,7 +16602,7 @@
 </p:sld>
 </file>
 
-<file path=ppt/slides/slide24.xml><?xml version="1.0" encoding="utf-8"?>
+<file path=ppt/slides/slide27.xml><?xml version="1.0" encoding="utf-8"?>
 <p:sld xmlns:a="http://schemas.openxmlformats.org/drawingml/2006/main" xmlns:r="http://schemas.openxmlformats.org/officeDocument/2006/relationships" xmlns:p="http://schemas.openxmlformats.org/presentationml/2006/main">
   <p:cSld>
     <p:spTree>
@@ -14390,7 +16768,7 @@
 </p:sld>
 </file>
 
-<file path=ppt/slides/slide25.xml><?xml version="1.0" encoding="utf-8"?>
+<file path=ppt/slides/slide28.xml><?xml version="1.0" encoding="utf-8"?>
 <p:sld xmlns:a="http://schemas.openxmlformats.org/drawingml/2006/main" xmlns:r="http://schemas.openxmlformats.org/officeDocument/2006/relationships" xmlns:p="http://schemas.openxmlformats.org/presentationml/2006/main">
   <p:cSld>
     <p:spTree>
@@ -14791,7 +17169,7 @@
 </p:sld>
 </file>
 
-<file path=ppt/slides/slide26.xml><?xml version="1.0" encoding="utf-8"?>
+<file path=ppt/slides/slide29.xml><?xml version="1.0" encoding="utf-8"?>
 <p:sld xmlns:a="http://schemas.openxmlformats.org/drawingml/2006/main" xmlns:r="http://schemas.openxmlformats.org/officeDocument/2006/relationships" xmlns:p="http://schemas.openxmlformats.org/presentationml/2006/main">
   <p:cSld>
     <p:spTree>
@@ -15515,7 +17893,439 @@
 </p:sld>
 </file>
 
-<file path=ppt/slides/slide27.xml><?xml version="1.0" encoding="utf-8"?>
+<file path=ppt/slides/slide3.xml><?xml version="1.0" encoding="utf-8"?>
+<p:sld xmlns:a="http://schemas.openxmlformats.org/drawingml/2006/main" xmlns:r="http://schemas.openxmlformats.org/officeDocument/2006/relationships" xmlns:p="http://schemas.openxmlformats.org/presentationml/2006/main">
+  <p:cSld>
+    <p:spTree>
+      <p:nvGrpSpPr>
+        <p:cNvPr id="1" name=""/>
+        <p:cNvGrpSpPr/>
+        <p:nvPr/>
+      </p:nvGrpSpPr>
+      <p:grpSpPr>
+        <a:xfrm>
+          <a:off x="0" y="0"/>
+          <a:ext cx="0" cy="0"/>
+          <a:chOff x="0" y="0"/>
+          <a:chExt cx="0" cy="0"/>
+        </a:xfrm>
+      </p:grpSpPr>
+      <p:sp>
+        <p:nvSpPr>
+          <p:cNvPr id="2" name="Title 1">
+            <a:extLst>
+              <a:ext uri="{FF2B5EF4-FFF2-40B4-BE49-F238E27FC236}">
+                <a16:creationId xmlns:a16="http://schemas.microsoft.com/office/drawing/2014/main" id="{AA3A228F-61D0-D949-A5E7-F83756230BF8}"/>
+              </a:ext>
+            </a:extLst>
+          </p:cNvPr>
+          <p:cNvSpPr>
+            <a:spLocks noGrp="1"/>
+          </p:cNvSpPr>
+          <p:nvPr>
+            <p:ph type="title"/>
+          </p:nvPr>
+        </p:nvSpPr>
+        <p:spPr>
+          <a:xfrm>
+            <a:off x="483848" y="467027"/>
+            <a:ext cx="7053542" cy="683886"/>
+          </a:xfrm>
+        </p:spPr>
+        <p:txBody>
+          <a:bodyPr/>
+          <a:lstStyle/>
+          <a:p>
+            <a:r>
+              <a:rPr lang="en-US" dirty="0"/>
+              <a:t>Containers</a:t>
+            </a:r>
+          </a:p>
+        </p:txBody>
+      </p:sp>
+      <p:sp>
+        <p:nvSpPr>
+          <p:cNvPr id="9" name="Content Placeholder 8">
+            <a:extLst>
+              <a:ext uri="{FF2B5EF4-FFF2-40B4-BE49-F238E27FC236}">
+                <a16:creationId xmlns:a16="http://schemas.microsoft.com/office/drawing/2014/main" id="{E3B2E017-30B2-884B-A113-B419A2ED51AD}"/>
+              </a:ext>
+            </a:extLst>
+          </p:cNvPr>
+          <p:cNvSpPr>
+            <a:spLocks noGrp="1"/>
+          </p:cNvSpPr>
+          <p:nvPr>
+            <p:ph idx="1"/>
+          </p:nvPr>
+        </p:nvSpPr>
+        <p:spPr>
+          <a:xfrm>
+            <a:off x="483848" y="1288074"/>
+            <a:ext cx="8051725" cy="4051496"/>
+          </a:xfrm>
+        </p:spPr>
+        <p:txBody>
+          <a:bodyPr>
+            <a:normAutofit/>
+          </a:bodyPr>
+          <a:lstStyle/>
+          <a:p>
+            <a:pPr marL="0" indent="0">
+              <a:buNone/>
+            </a:pPr>
+            <a:r>
+              <a:rPr lang="en-US" dirty="0"/>
+              <a:t>Python includes several built-in sequences: </a:t>
+            </a:r>
+            <a:r>
+              <a:rPr lang="en-US" i="1" dirty="0"/>
+              <a:t>lists, tuples, strings</a:t>
+            </a:r>
+            <a:r>
+              <a:rPr lang="en-US" dirty="0"/>
+              <a:t>.</a:t>
+            </a:r>
+          </a:p>
+          <a:p>
+            <a:pPr marL="0" indent="0">
+              <a:buNone/>
+            </a:pPr>
+            <a:r>
+              <a:rPr lang="en-US" dirty="0"/>
+              <a:t>We discussed strings in the previous lecture. String is a flat sequence which holds item of one type. Flat sequences physically store the value of each item within its own memory space.</a:t>
+            </a:r>
+          </a:p>
+          <a:p>
+            <a:pPr marL="0" indent="0">
+              <a:buNone/>
+            </a:pPr>
+            <a:endParaRPr lang="en-US" dirty="0"/>
+          </a:p>
+          <a:p>
+            <a:pPr marL="0" indent="0">
+              <a:buNone/>
+            </a:pPr>
+            <a:r>
+              <a:rPr lang="en-US" i="1" dirty="0"/>
+              <a:t>Lists</a:t>
+            </a:r>
+            <a:r>
+              <a:rPr lang="en-US" dirty="0"/>
+              <a:t> and </a:t>
+            </a:r>
+            <a:r>
+              <a:rPr lang="en-US" i="1" dirty="0"/>
+              <a:t>tuples</a:t>
+            </a:r>
+            <a:r>
+              <a:rPr lang="en-US" dirty="0"/>
+              <a:t> are </a:t>
+            </a:r>
+            <a:r>
+              <a:rPr lang="en-US" i="1" dirty="0"/>
+              <a:t>container sequences</a:t>
+            </a:r>
+            <a:r>
+              <a:rPr lang="en-US" dirty="0"/>
+              <a:t>, which can hold items of different type. They hold references to objects they contain(more on this later).</a:t>
+            </a:r>
+          </a:p>
+          <a:p>
+            <a:pPr marL="0" indent="0">
+              <a:buNone/>
+            </a:pPr>
+            <a:endParaRPr lang="en-US" dirty="0"/>
+          </a:p>
+          <a:p>
+            <a:pPr marL="0" indent="0">
+              <a:buNone/>
+            </a:pPr>
+            <a:r>
+              <a:rPr lang="en-US" dirty="0"/>
+              <a:t>Another way of grouping sequence types is by </a:t>
+            </a:r>
+            <a:r>
+              <a:rPr lang="en-US" i="1" dirty="0"/>
+              <a:t>mutability</a:t>
+            </a:r>
+            <a:r>
+              <a:rPr lang="en-US" dirty="0"/>
+              <a:t>. Lists are </a:t>
+            </a:r>
+            <a:r>
+              <a:rPr lang="en-US" i="1" dirty="0"/>
+              <a:t>mutable(can be modified)</a:t>
+            </a:r>
+            <a:r>
+              <a:rPr lang="en-US" dirty="0"/>
+              <a:t> sequences while strings and tuples are </a:t>
+            </a:r>
+            <a:r>
+              <a:rPr lang="en-US" i="1" dirty="0"/>
+              <a:t>immutable</a:t>
+            </a:r>
+            <a:r>
+              <a:rPr lang="en-US" dirty="0"/>
+              <a:t> sequences. We discuss lists in this lecture and tuples in the next.</a:t>
+            </a:r>
+          </a:p>
+          <a:p>
+            <a:pPr marL="0" indent="0">
+              <a:buNone/>
+            </a:pPr>
+            <a:endParaRPr lang="en-US" b="1" dirty="0">
+              <a:latin typeface="Inconsolata Medium" panose="020B0609030003000000" pitchFamily="49" charset="77"/>
+            </a:endParaRPr>
+          </a:p>
+        </p:txBody>
+      </p:sp>
+    </p:spTree>
+    <p:extLst>
+      <p:ext uri="{BB962C8B-B14F-4D97-AF65-F5344CB8AC3E}">
+        <p14:creationId xmlns:p14="http://schemas.microsoft.com/office/powerpoint/2010/main" val="278045358"/>
+      </p:ext>
+    </p:extLst>
+  </p:cSld>
+  <p:clrMapOvr>
+    <a:masterClrMapping/>
+  </p:clrMapOvr>
+  <p:timing>
+    <p:tnLst>
+      <p:par>
+        <p:cTn id="1" dur="indefinite" restart="never" nodeType="tmRoot">
+          <p:childTnLst>
+            <p:seq concurrent="1" nextAc="seek">
+              <p:cTn id="2" dur="indefinite" nodeType="mainSeq">
+                <p:childTnLst>
+                  <p:par>
+                    <p:cTn id="3" fill="hold">
+                      <p:stCondLst>
+                        <p:cond delay="indefinite"/>
+                        <p:cond evt="onBegin" delay="0">
+                          <p:tn val="2"/>
+                        </p:cond>
+                      </p:stCondLst>
+                      <p:childTnLst>
+                        <p:par>
+                          <p:cTn id="4" fill="hold">
+                            <p:stCondLst>
+                              <p:cond delay="0"/>
+                            </p:stCondLst>
+                            <p:childTnLst>
+                              <p:par>
+                                <p:cTn id="5" presetID="1" presetClass="entr" presetSubtype="0" fill="hold" grpId="0" nodeType="withEffect">
+                                  <p:stCondLst>
+                                    <p:cond delay="0"/>
+                                  </p:stCondLst>
+                                  <p:childTnLst>
+                                    <p:set>
+                                      <p:cBhvr>
+                                        <p:cTn id="6" dur="1" fill="hold">
+                                          <p:stCondLst>
+                                            <p:cond delay="0"/>
+                                          </p:stCondLst>
+                                        </p:cTn>
+                                        <p:tgtEl>
+                                          <p:spTgt spid="9">
+                                            <p:txEl>
+                                              <p:pRg st="0" end="0"/>
+                                            </p:txEl>
+                                          </p:spTgt>
+                                        </p:tgtEl>
+                                        <p:attrNameLst>
+                                          <p:attrName>style.visibility</p:attrName>
+                                        </p:attrNameLst>
+                                      </p:cBhvr>
+                                      <p:to>
+                                        <p:strVal val="visible"/>
+                                      </p:to>
+                                    </p:set>
+                                  </p:childTnLst>
+                                </p:cTn>
+                              </p:par>
+                            </p:childTnLst>
+                          </p:cTn>
+                        </p:par>
+                      </p:childTnLst>
+                    </p:cTn>
+                  </p:par>
+                  <p:par>
+                    <p:cTn id="7" fill="hold">
+                      <p:stCondLst>
+                        <p:cond delay="indefinite"/>
+                      </p:stCondLst>
+                      <p:childTnLst>
+                        <p:par>
+                          <p:cTn id="8" fill="hold">
+                            <p:stCondLst>
+                              <p:cond delay="0"/>
+                            </p:stCondLst>
+                            <p:childTnLst>
+                              <p:par>
+                                <p:cTn id="9" presetID="1" presetClass="entr" presetSubtype="0" fill="hold" grpId="0" nodeType="clickEffect">
+                                  <p:stCondLst>
+                                    <p:cond delay="0"/>
+                                  </p:stCondLst>
+                                  <p:childTnLst>
+                                    <p:set>
+                                      <p:cBhvr>
+                                        <p:cTn id="10" dur="1" fill="hold">
+                                          <p:stCondLst>
+                                            <p:cond delay="0"/>
+                                          </p:stCondLst>
+                                        </p:cTn>
+                                        <p:tgtEl>
+                                          <p:spTgt spid="9">
+                                            <p:txEl>
+                                              <p:pRg st="1" end="1"/>
+                                            </p:txEl>
+                                          </p:spTgt>
+                                        </p:tgtEl>
+                                        <p:attrNameLst>
+                                          <p:attrName>style.visibility</p:attrName>
+                                        </p:attrNameLst>
+                                      </p:cBhvr>
+                                      <p:to>
+                                        <p:strVal val="visible"/>
+                                      </p:to>
+                                    </p:set>
+                                  </p:childTnLst>
+                                </p:cTn>
+                              </p:par>
+                            </p:childTnLst>
+                          </p:cTn>
+                        </p:par>
+                      </p:childTnLst>
+                    </p:cTn>
+                  </p:par>
+                  <p:par>
+                    <p:cTn id="11" fill="hold">
+                      <p:stCondLst>
+                        <p:cond delay="indefinite"/>
+                      </p:stCondLst>
+                      <p:childTnLst>
+                        <p:par>
+                          <p:cTn id="12" fill="hold">
+                            <p:stCondLst>
+                              <p:cond delay="0"/>
+                            </p:stCondLst>
+                            <p:childTnLst>
+                              <p:par>
+                                <p:cTn id="13" presetID="1" presetClass="entr" presetSubtype="0" fill="hold" grpId="0" nodeType="clickEffect">
+                                  <p:stCondLst>
+                                    <p:cond delay="0"/>
+                                  </p:stCondLst>
+                                  <p:childTnLst>
+                                    <p:set>
+                                      <p:cBhvr>
+                                        <p:cTn id="14" dur="1" fill="hold">
+                                          <p:stCondLst>
+                                            <p:cond delay="0"/>
+                                          </p:stCondLst>
+                                        </p:cTn>
+                                        <p:tgtEl>
+                                          <p:spTgt spid="9">
+                                            <p:txEl>
+                                              <p:pRg st="3" end="3"/>
+                                            </p:txEl>
+                                          </p:spTgt>
+                                        </p:tgtEl>
+                                        <p:attrNameLst>
+                                          <p:attrName>style.visibility</p:attrName>
+                                        </p:attrNameLst>
+                                      </p:cBhvr>
+                                      <p:to>
+                                        <p:strVal val="visible"/>
+                                      </p:to>
+                                    </p:set>
+                                  </p:childTnLst>
+                                </p:cTn>
+                              </p:par>
+                            </p:childTnLst>
+                          </p:cTn>
+                        </p:par>
+                      </p:childTnLst>
+                    </p:cTn>
+                  </p:par>
+                  <p:par>
+                    <p:cTn id="15" fill="hold">
+                      <p:stCondLst>
+                        <p:cond delay="indefinite"/>
+                      </p:stCondLst>
+                      <p:childTnLst>
+                        <p:par>
+                          <p:cTn id="16" fill="hold">
+                            <p:stCondLst>
+                              <p:cond delay="0"/>
+                            </p:stCondLst>
+                            <p:childTnLst>
+                              <p:par>
+                                <p:cTn id="17" presetID="1" presetClass="entr" presetSubtype="0" fill="hold" grpId="0" nodeType="clickEffect">
+                                  <p:stCondLst>
+                                    <p:cond delay="0"/>
+                                  </p:stCondLst>
+                                  <p:childTnLst>
+                                    <p:set>
+                                      <p:cBhvr>
+                                        <p:cTn id="18" dur="1" fill="hold">
+                                          <p:stCondLst>
+                                            <p:cond delay="0"/>
+                                          </p:stCondLst>
+                                        </p:cTn>
+                                        <p:tgtEl>
+                                          <p:spTgt spid="9">
+                                            <p:txEl>
+                                              <p:pRg st="5" end="5"/>
+                                            </p:txEl>
+                                          </p:spTgt>
+                                        </p:tgtEl>
+                                        <p:attrNameLst>
+                                          <p:attrName>style.visibility</p:attrName>
+                                        </p:attrNameLst>
+                                      </p:cBhvr>
+                                      <p:to>
+                                        <p:strVal val="visible"/>
+                                      </p:to>
+                                    </p:set>
+                                  </p:childTnLst>
+                                </p:cTn>
+                              </p:par>
+                            </p:childTnLst>
+                          </p:cTn>
+                        </p:par>
+                      </p:childTnLst>
+                    </p:cTn>
+                  </p:par>
+                </p:childTnLst>
+              </p:cTn>
+              <p:prevCondLst>
+                <p:cond evt="onPrev" delay="0">
+                  <p:tgtEl>
+                    <p:sldTgt/>
+                  </p:tgtEl>
+                </p:cond>
+              </p:prevCondLst>
+              <p:nextCondLst>
+                <p:cond evt="onNext" delay="0">
+                  <p:tgtEl>
+                    <p:sldTgt/>
+                  </p:tgtEl>
+                </p:cond>
+              </p:nextCondLst>
+            </p:seq>
+          </p:childTnLst>
+        </p:cTn>
+      </p:par>
+    </p:tnLst>
+    <p:bldLst>
+      <p:bldP spid="9" grpId="0" uiExpand="1" build="p"/>
+    </p:bldLst>
+  </p:timing>
+</p:sld>
+</file>
+
+<file path=ppt/slides/slide30.xml><?xml version="1.0" encoding="utf-8"?>
 <p:sld xmlns:a="http://schemas.openxmlformats.org/drawingml/2006/main" xmlns:r="http://schemas.openxmlformats.org/officeDocument/2006/relationships" xmlns:p="http://schemas.openxmlformats.org/presentationml/2006/main">
   <p:cSld>
     <p:spTree>
@@ -16153,7 +18963,7 @@
 </p:sld>
 </file>
 
-<file path=ppt/slides/slide28.xml><?xml version="1.0" encoding="utf-8"?>
+<file path=ppt/slides/slide31.xml><?xml version="1.0" encoding="utf-8"?>
 <p:sld xmlns:a="http://schemas.openxmlformats.org/drawingml/2006/main" xmlns:r="http://schemas.openxmlformats.org/officeDocument/2006/relationships" xmlns:p="http://schemas.openxmlformats.org/presentationml/2006/main">
   <p:cSld>
     <p:spTree>
@@ -17104,7 +19914,7 @@
 </p:sld>
 </file>
 
-<file path=ppt/slides/slide29.xml><?xml version="1.0" encoding="utf-8"?>
+<file path=ppt/slides/slide32.xml><?xml version="1.0" encoding="utf-8"?>
 <p:sld xmlns:a="http://schemas.openxmlformats.org/drawingml/2006/main" xmlns:r="http://schemas.openxmlformats.org/officeDocument/2006/relationships" xmlns:p="http://schemas.openxmlformats.org/presentationml/2006/main">
   <p:cSld>
     <p:spTree>
@@ -18033,439 +20843,7 @@
 </p:sld>
 </file>
 
-<file path=ppt/slides/slide3.xml><?xml version="1.0" encoding="utf-8"?>
-<p:sld xmlns:a="http://schemas.openxmlformats.org/drawingml/2006/main" xmlns:r="http://schemas.openxmlformats.org/officeDocument/2006/relationships" xmlns:p="http://schemas.openxmlformats.org/presentationml/2006/main">
-  <p:cSld>
-    <p:spTree>
-      <p:nvGrpSpPr>
-        <p:cNvPr id="1" name=""/>
-        <p:cNvGrpSpPr/>
-        <p:nvPr/>
-      </p:nvGrpSpPr>
-      <p:grpSpPr>
-        <a:xfrm>
-          <a:off x="0" y="0"/>
-          <a:ext cx="0" cy="0"/>
-          <a:chOff x="0" y="0"/>
-          <a:chExt cx="0" cy="0"/>
-        </a:xfrm>
-      </p:grpSpPr>
-      <p:sp>
-        <p:nvSpPr>
-          <p:cNvPr id="2" name="Title 1">
-            <a:extLst>
-              <a:ext uri="{FF2B5EF4-FFF2-40B4-BE49-F238E27FC236}">
-                <a16:creationId xmlns:a16="http://schemas.microsoft.com/office/drawing/2014/main" id="{AA3A228F-61D0-D949-A5E7-F83756230BF8}"/>
-              </a:ext>
-            </a:extLst>
-          </p:cNvPr>
-          <p:cNvSpPr>
-            <a:spLocks noGrp="1"/>
-          </p:cNvSpPr>
-          <p:nvPr>
-            <p:ph type="title"/>
-          </p:nvPr>
-        </p:nvSpPr>
-        <p:spPr>
-          <a:xfrm>
-            <a:off x="483848" y="467027"/>
-            <a:ext cx="7053542" cy="683886"/>
-          </a:xfrm>
-        </p:spPr>
-        <p:txBody>
-          <a:bodyPr/>
-          <a:lstStyle/>
-          <a:p>
-            <a:r>
-              <a:rPr lang="en-US" dirty="0"/>
-              <a:t>Containers</a:t>
-            </a:r>
-          </a:p>
-        </p:txBody>
-      </p:sp>
-      <p:sp>
-        <p:nvSpPr>
-          <p:cNvPr id="9" name="Content Placeholder 8">
-            <a:extLst>
-              <a:ext uri="{FF2B5EF4-FFF2-40B4-BE49-F238E27FC236}">
-                <a16:creationId xmlns:a16="http://schemas.microsoft.com/office/drawing/2014/main" id="{E3B2E017-30B2-884B-A113-B419A2ED51AD}"/>
-              </a:ext>
-            </a:extLst>
-          </p:cNvPr>
-          <p:cNvSpPr>
-            <a:spLocks noGrp="1"/>
-          </p:cNvSpPr>
-          <p:nvPr>
-            <p:ph idx="1"/>
-          </p:nvPr>
-        </p:nvSpPr>
-        <p:spPr>
-          <a:xfrm>
-            <a:off x="483848" y="1288074"/>
-            <a:ext cx="8051725" cy="4051496"/>
-          </a:xfrm>
-        </p:spPr>
-        <p:txBody>
-          <a:bodyPr>
-            <a:normAutofit/>
-          </a:bodyPr>
-          <a:lstStyle/>
-          <a:p>
-            <a:pPr marL="0" indent="0">
-              <a:buNone/>
-            </a:pPr>
-            <a:r>
-              <a:rPr lang="en-US" dirty="0"/>
-              <a:t>Python includes several built-in sequences: </a:t>
-            </a:r>
-            <a:r>
-              <a:rPr lang="en-US" i="1" dirty="0"/>
-              <a:t>lists, tuples, strings</a:t>
-            </a:r>
-            <a:r>
-              <a:rPr lang="en-US" dirty="0"/>
-              <a:t>.</a:t>
-            </a:r>
-          </a:p>
-          <a:p>
-            <a:pPr marL="0" indent="0">
-              <a:buNone/>
-            </a:pPr>
-            <a:r>
-              <a:rPr lang="en-US" dirty="0"/>
-              <a:t>We discussed strings in the previous lecture. String is a flat sequence which holds item of one type. Flat sequences physically store the value of each item within its own memory space.</a:t>
-            </a:r>
-          </a:p>
-          <a:p>
-            <a:pPr marL="0" indent="0">
-              <a:buNone/>
-            </a:pPr>
-            <a:endParaRPr lang="en-US" dirty="0"/>
-          </a:p>
-          <a:p>
-            <a:pPr marL="0" indent="0">
-              <a:buNone/>
-            </a:pPr>
-            <a:r>
-              <a:rPr lang="en-US" i="1" dirty="0"/>
-              <a:t>Lists</a:t>
-            </a:r>
-            <a:r>
-              <a:rPr lang="en-US" dirty="0"/>
-              <a:t> and </a:t>
-            </a:r>
-            <a:r>
-              <a:rPr lang="en-US" i="1" dirty="0"/>
-              <a:t>tuples</a:t>
-            </a:r>
-            <a:r>
-              <a:rPr lang="en-US" dirty="0"/>
-              <a:t> are </a:t>
-            </a:r>
-            <a:r>
-              <a:rPr lang="en-US" i="1" dirty="0"/>
-              <a:t>container sequences</a:t>
-            </a:r>
-            <a:r>
-              <a:rPr lang="en-US" dirty="0"/>
-              <a:t>, which can hold items of different type. They hold references to objects they contain(more on this later).</a:t>
-            </a:r>
-          </a:p>
-          <a:p>
-            <a:pPr marL="0" indent="0">
-              <a:buNone/>
-            </a:pPr>
-            <a:endParaRPr lang="en-US" dirty="0"/>
-          </a:p>
-          <a:p>
-            <a:pPr marL="0" indent="0">
-              <a:buNone/>
-            </a:pPr>
-            <a:r>
-              <a:rPr lang="en-US" dirty="0"/>
-              <a:t>Another way of grouping sequence types is by </a:t>
-            </a:r>
-            <a:r>
-              <a:rPr lang="en-US" i="1" dirty="0"/>
-              <a:t>mutability</a:t>
-            </a:r>
-            <a:r>
-              <a:rPr lang="en-US" dirty="0"/>
-              <a:t>. Lists are </a:t>
-            </a:r>
-            <a:r>
-              <a:rPr lang="en-US" i="1" dirty="0"/>
-              <a:t>mutable(can be modified)</a:t>
-            </a:r>
-            <a:r>
-              <a:rPr lang="en-US" dirty="0"/>
-              <a:t> sequences while strings and tuples are </a:t>
-            </a:r>
-            <a:r>
-              <a:rPr lang="en-US" i="1" dirty="0"/>
-              <a:t>immutable</a:t>
-            </a:r>
-            <a:r>
-              <a:rPr lang="en-US" dirty="0"/>
-              <a:t> sequences. We discuss lists in this lecture and tuples in the next.</a:t>
-            </a:r>
-          </a:p>
-          <a:p>
-            <a:pPr marL="0" indent="0">
-              <a:buNone/>
-            </a:pPr>
-            <a:endParaRPr lang="en-US" b="1" dirty="0">
-              <a:latin typeface="Inconsolata Medium" panose="020B0609030003000000" pitchFamily="49" charset="77"/>
-            </a:endParaRPr>
-          </a:p>
-        </p:txBody>
-      </p:sp>
-    </p:spTree>
-    <p:extLst>
-      <p:ext uri="{BB962C8B-B14F-4D97-AF65-F5344CB8AC3E}">
-        <p14:creationId xmlns:p14="http://schemas.microsoft.com/office/powerpoint/2010/main" val="278045358"/>
-      </p:ext>
-    </p:extLst>
-  </p:cSld>
-  <p:clrMapOvr>
-    <a:masterClrMapping/>
-  </p:clrMapOvr>
-  <p:timing>
-    <p:tnLst>
-      <p:par>
-        <p:cTn id="1" dur="indefinite" restart="never" nodeType="tmRoot">
-          <p:childTnLst>
-            <p:seq concurrent="1" nextAc="seek">
-              <p:cTn id="2" dur="indefinite" nodeType="mainSeq">
-                <p:childTnLst>
-                  <p:par>
-                    <p:cTn id="3" fill="hold">
-                      <p:stCondLst>
-                        <p:cond delay="indefinite"/>
-                        <p:cond evt="onBegin" delay="0">
-                          <p:tn val="2"/>
-                        </p:cond>
-                      </p:stCondLst>
-                      <p:childTnLst>
-                        <p:par>
-                          <p:cTn id="4" fill="hold">
-                            <p:stCondLst>
-                              <p:cond delay="0"/>
-                            </p:stCondLst>
-                            <p:childTnLst>
-                              <p:par>
-                                <p:cTn id="5" presetID="1" presetClass="entr" presetSubtype="0" fill="hold" grpId="0" nodeType="withEffect">
-                                  <p:stCondLst>
-                                    <p:cond delay="0"/>
-                                  </p:stCondLst>
-                                  <p:childTnLst>
-                                    <p:set>
-                                      <p:cBhvr>
-                                        <p:cTn id="6" dur="1" fill="hold">
-                                          <p:stCondLst>
-                                            <p:cond delay="0"/>
-                                          </p:stCondLst>
-                                        </p:cTn>
-                                        <p:tgtEl>
-                                          <p:spTgt spid="9">
-                                            <p:txEl>
-                                              <p:pRg st="0" end="0"/>
-                                            </p:txEl>
-                                          </p:spTgt>
-                                        </p:tgtEl>
-                                        <p:attrNameLst>
-                                          <p:attrName>style.visibility</p:attrName>
-                                        </p:attrNameLst>
-                                      </p:cBhvr>
-                                      <p:to>
-                                        <p:strVal val="visible"/>
-                                      </p:to>
-                                    </p:set>
-                                  </p:childTnLst>
-                                </p:cTn>
-                              </p:par>
-                            </p:childTnLst>
-                          </p:cTn>
-                        </p:par>
-                      </p:childTnLst>
-                    </p:cTn>
-                  </p:par>
-                  <p:par>
-                    <p:cTn id="7" fill="hold">
-                      <p:stCondLst>
-                        <p:cond delay="indefinite"/>
-                      </p:stCondLst>
-                      <p:childTnLst>
-                        <p:par>
-                          <p:cTn id="8" fill="hold">
-                            <p:stCondLst>
-                              <p:cond delay="0"/>
-                            </p:stCondLst>
-                            <p:childTnLst>
-                              <p:par>
-                                <p:cTn id="9" presetID="1" presetClass="entr" presetSubtype="0" fill="hold" grpId="0" nodeType="clickEffect">
-                                  <p:stCondLst>
-                                    <p:cond delay="0"/>
-                                  </p:stCondLst>
-                                  <p:childTnLst>
-                                    <p:set>
-                                      <p:cBhvr>
-                                        <p:cTn id="10" dur="1" fill="hold">
-                                          <p:stCondLst>
-                                            <p:cond delay="0"/>
-                                          </p:stCondLst>
-                                        </p:cTn>
-                                        <p:tgtEl>
-                                          <p:spTgt spid="9">
-                                            <p:txEl>
-                                              <p:pRg st="1" end="1"/>
-                                            </p:txEl>
-                                          </p:spTgt>
-                                        </p:tgtEl>
-                                        <p:attrNameLst>
-                                          <p:attrName>style.visibility</p:attrName>
-                                        </p:attrNameLst>
-                                      </p:cBhvr>
-                                      <p:to>
-                                        <p:strVal val="visible"/>
-                                      </p:to>
-                                    </p:set>
-                                  </p:childTnLst>
-                                </p:cTn>
-                              </p:par>
-                            </p:childTnLst>
-                          </p:cTn>
-                        </p:par>
-                      </p:childTnLst>
-                    </p:cTn>
-                  </p:par>
-                  <p:par>
-                    <p:cTn id="11" fill="hold">
-                      <p:stCondLst>
-                        <p:cond delay="indefinite"/>
-                      </p:stCondLst>
-                      <p:childTnLst>
-                        <p:par>
-                          <p:cTn id="12" fill="hold">
-                            <p:stCondLst>
-                              <p:cond delay="0"/>
-                            </p:stCondLst>
-                            <p:childTnLst>
-                              <p:par>
-                                <p:cTn id="13" presetID="1" presetClass="entr" presetSubtype="0" fill="hold" grpId="0" nodeType="clickEffect">
-                                  <p:stCondLst>
-                                    <p:cond delay="0"/>
-                                  </p:stCondLst>
-                                  <p:childTnLst>
-                                    <p:set>
-                                      <p:cBhvr>
-                                        <p:cTn id="14" dur="1" fill="hold">
-                                          <p:stCondLst>
-                                            <p:cond delay="0"/>
-                                          </p:stCondLst>
-                                        </p:cTn>
-                                        <p:tgtEl>
-                                          <p:spTgt spid="9">
-                                            <p:txEl>
-                                              <p:pRg st="3" end="3"/>
-                                            </p:txEl>
-                                          </p:spTgt>
-                                        </p:tgtEl>
-                                        <p:attrNameLst>
-                                          <p:attrName>style.visibility</p:attrName>
-                                        </p:attrNameLst>
-                                      </p:cBhvr>
-                                      <p:to>
-                                        <p:strVal val="visible"/>
-                                      </p:to>
-                                    </p:set>
-                                  </p:childTnLst>
-                                </p:cTn>
-                              </p:par>
-                            </p:childTnLst>
-                          </p:cTn>
-                        </p:par>
-                      </p:childTnLst>
-                    </p:cTn>
-                  </p:par>
-                  <p:par>
-                    <p:cTn id="15" fill="hold">
-                      <p:stCondLst>
-                        <p:cond delay="indefinite"/>
-                      </p:stCondLst>
-                      <p:childTnLst>
-                        <p:par>
-                          <p:cTn id="16" fill="hold">
-                            <p:stCondLst>
-                              <p:cond delay="0"/>
-                            </p:stCondLst>
-                            <p:childTnLst>
-                              <p:par>
-                                <p:cTn id="17" presetID="1" presetClass="entr" presetSubtype="0" fill="hold" grpId="0" nodeType="clickEffect">
-                                  <p:stCondLst>
-                                    <p:cond delay="0"/>
-                                  </p:stCondLst>
-                                  <p:childTnLst>
-                                    <p:set>
-                                      <p:cBhvr>
-                                        <p:cTn id="18" dur="1" fill="hold">
-                                          <p:stCondLst>
-                                            <p:cond delay="0"/>
-                                          </p:stCondLst>
-                                        </p:cTn>
-                                        <p:tgtEl>
-                                          <p:spTgt spid="9">
-                                            <p:txEl>
-                                              <p:pRg st="5" end="5"/>
-                                            </p:txEl>
-                                          </p:spTgt>
-                                        </p:tgtEl>
-                                        <p:attrNameLst>
-                                          <p:attrName>style.visibility</p:attrName>
-                                        </p:attrNameLst>
-                                      </p:cBhvr>
-                                      <p:to>
-                                        <p:strVal val="visible"/>
-                                      </p:to>
-                                    </p:set>
-                                  </p:childTnLst>
-                                </p:cTn>
-                              </p:par>
-                            </p:childTnLst>
-                          </p:cTn>
-                        </p:par>
-                      </p:childTnLst>
-                    </p:cTn>
-                  </p:par>
-                </p:childTnLst>
-              </p:cTn>
-              <p:prevCondLst>
-                <p:cond evt="onPrev" delay="0">
-                  <p:tgtEl>
-                    <p:sldTgt/>
-                  </p:tgtEl>
-                </p:cond>
-              </p:prevCondLst>
-              <p:nextCondLst>
-                <p:cond evt="onNext" delay="0">
-                  <p:tgtEl>
-                    <p:sldTgt/>
-                  </p:tgtEl>
-                </p:cond>
-              </p:nextCondLst>
-            </p:seq>
-          </p:childTnLst>
-        </p:cTn>
-      </p:par>
-    </p:tnLst>
-    <p:bldLst>
-      <p:bldP spid="9" grpId="0" uiExpand="1" build="p"/>
-    </p:bldLst>
-  </p:timing>
-</p:sld>
-</file>
-
-<file path=ppt/slides/slide30.xml><?xml version="1.0" encoding="utf-8"?>
+<file path=ppt/slides/slide33.xml><?xml version="1.0" encoding="utf-8"?>
 <p:sld xmlns:a="http://schemas.openxmlformats.org/drawingml/2006/main" xmlns:r="http://schemas.openxmlformats.org/officeDocument/2006/relationships" xmlns:p="http://schemas.openxmlformats.org/presentationml/2006/main">
   <p:cSld>
     <p:spTree>
@@ -19369,7 +21747,7 @@
 </p:sld>
 </file>
 
-<file path=ppt/slides/slide31.xml><?xml version="1.0" encoding="utf-8"?>
+<file path=ppt/slides/slide34.xml><?xml version="1.0" encoding="utf-8"?>
 <p:sld xmlns:a="http://schemas.openxmlformats.org/drawingml/2006/main" xmlns:r="http://schemas.openxmlformats.org/officeDocument/2006/relationships" xmlns:p="http://schemas.openxmlformats.org/presentationml/2006/main">
   <p:cSld>
     <p:spTree>
@@ -20219,7 +22597,7 @@
 </p:sld>
 </file>
 
-<file path=ppt/slides/slide32.xml><?xml version="1.0" encoding="utf-8"?>
+<file path=ppt/slides/slide35.xml><?xml version="1.0" encoding="utf-8"?>
 <p:sld xmlns:a="http://schemas.openxmlformats.org/drawingml/2006/main" xmlns:r="http://schemas.openxmlformats.org/officeDocument/2006/relationships" xmlns:p="http://schemas.openxmlformats.org/presentationml/2006/main">
   <p:cSld>
     <p:spTree>
@@ -20428,7 +22806,7 @@
 </p:sld>
 </file>
 
-<file path=ppt/slides/slide33.xml><?xml version="1.0" encoding="utf-8"?>
+<file path=ppt/slides/slide36.xml><?xml version="1.0" encoding="utf-8"?>
 <p:sld xmlns:a="http://schemas.openxmlformats.org/drawingml/2006/main" xmlns:r="http://schemas.openxmlformats.org/officeDocument/2006/relationships" xmlns:p="http://schemas.openxmlformats.org/presentationml/2006/main">
   <p:cSld>
     <p:spTree>

--- a/courses/apcsp/lect6.pptx
+++ b/courses/apcsp/lect6.pptx
@@ -150,7 +150,7 @@
 <file path=ppt/revisionInfo.xml><?xml version="1.0" encoding="utf-8"?>
 <p1510:revInfo xmlns:a="http://schemas.openxmlformats.org/drawingml/2006/main" xmlns:r="http://schemas.openxmlformats.org/officeDocument/2006/relationships" xmlns:p1510="http://schemas.microsoft.com/office/powerpoint/2015/10/main">
   <p1510:revLst>
-    <p1510:client id="{EC1E750C-42C7-A84F-81F0-83B2F940DF8B}" v="3581" dt="2019-10-28T12:45:43.533"/>
+    <p1510:client id="{EC1E750C-42C7-A84F-81F0-83B2F940DF8B}" v="3769" dt="2019-10-28T15:41:48.346"/>
   </p1510:revLst>
 </p1510:revInfo>
 </file>
@@ -172,7 +172,7 @@
   <pc:docChgLst>
     <pc:chgData name="Long B Nguyen" userId="f59fb8f3-a021-417a-8bc1-65c8d471c621" providerId="ADAL" clId="{EC1E750C-42C7-A84F-81F0-83B2F940DF8B}"/>
     <pc:docChg chg="undo custSel addSld delSld modSld">
-      <pc:chgData name="Long B Nguyen" userId="f59fb8f3-a021-417a-8bc1-65c8d471c621" providerId="ADAL" clId="{EC1E750C-42C7-A84F-81F0-83B2F940DF8B}" dt="2019-10-28T12:45:43.533" v="9497" actId="207"/>
+      <pc:chgData name="Long B Nguyen" userId="f59fb8f3-a021-417a-8bc1-65c8d471c621" providerId="ADAL" clId="{EC1E750C-42C7-A84F-81F0-83B2F940DF8B}" dt="2019-10-28T15:41:53.002" v="9739" actId="20577"/>
       <pc:docMkLst>
         <pc:docMk/>
       </pc:docMkLst>
@@ -491,13 +491,13 @@
         </pc:spChg>
       </pc:sldChg>
       <pc:sldChg chg="modSp modAnim">
-        <pc:chgData name="Long B Nguyen" userId="f59fb8f3-a021-417a-8bc1-65c8d471c621" providerId="ADAL" clId="{EC1E750C-42C7-A84F-81F0-83B2F940DF8B}" dt="2019-10-11T02:07:12.041" v="6321" actId="20577"/>
+        <pc:chgData name="Long B Nguyen" userId="f59fb8f3-a021-417a-8bc1-65c8d471c621" providerId="ADAL" clId="{EC1E750C-42C7-A84F-81F0-83B2F940DF8B}" dt="2019-10-28T15:41:53.002" v="9739" actId="20577"/>
         <pc:sldMkLst>
           <pc:docMk/>
           <pc:sldMk cId="1997478848" sldId="319"/>
         </pc:sldMkLst>
         <pc:spChg chg="mod">
-          <ac:chgData name="Long B Nguyen" userId="f59fb8f3-a021-417a-8bc1-65c8d471c621" providerId="ADAL" clId="{EC1E750C-42C7-A84F-81F0-83B2F940DF8B}" dt="2019-10-11T02:06:12.946" v="6267" actId="20577"/>
+          <ac:chgData name="Long B Nguyen" userId="f59fb8f3-a021-417a-8bc1-65c8d471c621" providerId="ADAL" clId="{EC1E750C-42C7-A84F-81F0-83B2F940DF8B}" dt="2019-10-28T15:41:53.002" v="9739" actId="20577"/>
           <ac:spMkLst>
             <pc:docMk/>
             <pc:sldMk cId="1997478848" sldId="319"/>
@@ -505,7 +505,7 @@
           </ac:spMkLst>
         </pc:spChg>
         <pc:spChg chg="mod">
-          <ac:chgData name="Long B Nguyen" userId="f59fb8f3-a021-417a-8bc1-65c8d471c621" providerId="ADAL" clId="{EC1E750C-42C7-A84F-81F0-83B2F940DF8B}" dt="2019-10-11T02:07:12.041" v="6321" actId="20577"/>
+          <ac:chgData name="Long B Nguyen" userId="f59fb8f3-a021-417a-8bc1-65c8d471c621" providerId="ADAL" clId="{EC1E750C-42C7-A84F-81F0-83B2F940DF8B}" dt="2019-10-28T15:41:48.346" v="9738" actId="20577"/>
           <ac:spMkLst>
             <pc:docMk/>
             <pc:sldMk cId="1997478848" sldId="319"/>
@@ -11080,7 +11080,15 @@
           <a:p>
             <a:r>
               <a:rPr lang="en-US" dirty="0"/>
-              <a:t>list()</a:t>
+              <a:t>list() + </a:t>
+            </a:r>
+            <a:r>
+              <a:rPr lang="en-US"/>
+              <a:t>make copies </a:t>
+            </a:r>
+            <a:r>
+              <a:rPr lang="en-US" dirty="0"/>
+              <a:t>of a list</a:t>
             </a:r>
           </a:p>
         </p:txBody>
@@ -11125,12 +11133,6 @@
             <a:pPr marL="0" indent="0">
               <a:buNone/>
             </a:pPr>
-            <a:endParaRPr lang="en-US" dirty="0"/>
-          </a:p>
-          <a:p>
-            <a:pPr marL="0" indent="0">
-              <a:buNone/>
-            </a:pPr>
             <a:r>
               <a:rPr lang="en-US" b="1" dirty="0">
                 <a:solidFill>
@@ -11231,6 +11233,247 @@
               </a:rPr>
               <a:t>Out [1]: [‘p’, ‘y’, ‘t’, ‘h’, ‘o’, ‘n’] </a:t>
             </a:r>
+          </a:p>
+          <a:p>
+            <a:pPr marL="0" indent="0">
+              <a:buNone/>
+            </a:pPr>
+            <a:r>
+              <a:rPr lang="en-US" dirty="0"/>
+              <a:t>Calling a list constructor on another list will make a </a:t>
+            </a:r>
+            <a:r>
+              <a:rPr lang="en-US" dirty="0">
+                <a:solidFill>
+                  <a:srgbClr val="FF0000"/>
+                </a:solidFill>
+              </a:rPr>
+              <a:t>copy</a:t>
+            </a:r>
+            <a:r>
+              <a:rPr lang="en-US" dirty="0"/>
+              <a:t> of that list. </a:t>
+            </a:r>
+          </a:p>
+          <a:p>
+            <a:pPr marL="0" indent="0">
+              <a:buNone/>
+            </a:pPr>
+            <a:r>
+              <a:rPr lang="en-US" b="1" dirty="0">
+                <a:solidFill>
+                  <a:srgbClr val="000087"/>
+                </a:solidFill>
+                <a:latin typeface="Inconsolata Medium" panose="020B0609030003000000" pitchFamily="49" charset="77"/>
+              </a:rPr>
+              <a:t>In </a:t>
+            </a:r>
+            <a:r>
+              <a:rPr lang="en-US" b="1" dirty="0">
+                <a:latin typeface="Inconsolata Medium" panose="020B0609030003000000" pitchFamily="49" charset="77"/>
+              </a:rPr>
+              <a:t>[</a:t>
+            </a:r>
+            <a:r>
+              <a:rPr lang="en-US" b="1" dirty="0">
+                <a:solidFill>
+                  <a:srgbClr val="FF6600"/>
+                </a:solidFill>
+                <a:latin typeface="Inconsolata Medium" panose="020B0609030003000000" pitchFamily="49" charset="77"/>
+              </a:rPr>
+              <a:t>1</a:t>
+            </a:r>
+            <a:r>
+              <a:rPr lang="en-US" b="1" dirty="0">
+                <a:latin typeface="Inconsolata Medium" panose="020B0609030003000000" pitchFamily="49" charset="77"/>
+              </a:rPr>
+              <a:t>]: </a:t>
+            </a:r>
+            <a:r>
+              <a:rPr lang="en-US" b="1" dirty="0">
+                <a:solidFill>
+                  <a:srgbClr val="000087"/>
+                </a:solidFill>
+                <a:latin typeface="Inconsolata Medium" panose="020B0609030003000000" pitchFamily="49" charset="77"/>
+              </a:rPr>
+              <a:t>a = [1,2,3] </a:t>
+            </a:r>
+          </a:p>
+          <a:p>
+            <a:pPr marL="0" indent="0">
+              <a:buNone/>
+            </a:pPr>
+            <a:r>
+              <a:rPr lang="en-US" b="1" dirty="0">
+                <a:solidFill>
+                  <a:srgbClr val="000087"/>
+                </a:solidFill>
+                <a:latin typeface="Inconsolata Medium" panose="020B0609030003000000" pitchFamily="49" charset="77"/>
+              </a:rPr>
+              <a:t>In </a:t>
+            </a:r>
+            <a:r>
+              <a:rPr lang="en-US" b="1" dirty="0">
+                <a:latin typeface="Inconsolata Medium" panose="020B0609030003000000" pitchFamily="49" charset="77"/>
+              </a:rPr>
+              <a:t>[</a:t>
+            </a:r>
+            <a:r>
+              <a:rPr lang="en-US" b="1" dirty="0">
+                <a:solidFill>
+                  <a:srgbClr val="FF6600"/>
+                </a:solidFill>
+                <a:latin typeface="Inconsolata Medium" panose="020B0609030003000000" pitchFamily="49" charset="77"/>
+              </a:rPr>
+              <a:t>2</a:t>
+            </a:r>
+            <a:r>
+              <a:rPr lang="en-US" b="1" dirty="0">
+                <a:latin typeface="Inconsolata Medium" panose="020B0609030003000000" pitchFamily="49" charset="77"/>
+              </a:rPr>
+              <a:t>]: </a:t>
+            </a:r>
+            <a:r>
+              <a:rPr lang="en-US" b="1" dirty="0">
+                <a:solidFill>
+                  <a:srgbClr val="000087"/>
+                </a:solidFill>
+                <a:latin typeface="Inconsolata Medium" panose="020B0609030003000000" pitchFamily="49" charset="77"/>
+              </a:rPr>
+              <a:t>b = list(a) </a:t>
+            </a:r>
+          </a:p>
+          <a:p>
+            <a:pPr marL="0" indent="0">
+              <a:buNone/>
+            </a:pPr>
+            <a:r>
+              <a:rPr lang="en-US" b="1" dirty="0">
+                <a:solidFill>
+                  <a:srgbClr val="000087"/>
+                </a:solidFill>
+                <a:latin typeface="Inconsolata Medium" panose="020B0609030003000000" pitchFamily="49" charset="77"/>
+              </a:rPr>
+              <a:t>In </a:t>
+            </a:r>
+            <a:r>
+              <a:rPr lang="en-US" b="1" dirty="0">
+                <a:latin typeface="Inconsolata Medium" panose="020B0609030003000000" pitchFamily="49" charset="77"/>
+              </a:rPr>
+              <a:t>[</a:t>
+            </a:r>
+            <a:r>
+              <a:rPr lang="en-US" b="1" dirty="0">
+                <a:solidFill>
+                  <a:srgbClr val="FF6600"/>
+                </a:solidFill>
+                <a:latin typeface="Inconsolata Medium" panose="020B0609030003000000" pitchFamily="49" charset="77"/>
+              </a:rPr>
+              <a:t>2</a:t>
+            </a:r>
+            <a:r>
+              <a:rPr lang="en-US" b="1" dirty="0">
+                <a:latin typeface="Inconsolata Medium" panose="020B0609030003000000" pitchFamily="49" charset="77"/>
+              </a:rPr>
+              <a:t>]: a is b</a:t>
+            </a:r>
+            <a:r>
+              <a:rPr lang="en-US" b="1" dirty="0">
+                <a:solidFill>
+                  <a:srgbClr val="000087"/>
+                </a:solidFill>
+                <a:latin typeface="Inconsolata Medium" panose="020B0609030003000000" pitchFamily="49" charset="77"/>
+              </a:rPr>
+              <a:t> </a:t>
+            </a:r>
+            <a:endParaRPr lang="en-US" b="1" dirty="0">
+              <a:latin typeface="Inconsolata Medium" panose="020B0609030003000000" pitchFamily="49" charset="77"/>
+            </a:endParaRPr>
+          </a:p>
+          <a:p>
+            <a:pPr marL="0" indent="0">
+              <a:buNone/>
+            </a:pPr>
+            <a:r>
+              <a:rPr lang="en-US" b="1" dirty="0">
+                <a:latin typeface="Inconsolata Medium" panose="020B0609030003000000" pitchFamily="49" charset="77"/>
+              </a:rPr>
+              <a:t>Out [1]: False</a:t>
+            </a:r>
+          </a:p>
+          <a:p>
+            <a:pPr marL="0" indent="0">
+              <a:buNone/>
+            </a:pPr>
+            <a:r>
+              <a:rPr lang="en-US" b="1" dirty="0">
+                <a:solidFill>
+                  <a:srgbClr val="000087"/>
+                </a:solidFill>
+                <a:latin typeface="Inconsolata Medium" panose="020B0609030003000000" pitchFamily="49" charset="77"/>
+              </a:rPr>
+              <a:t>In </a:t>
+            </a:r>
+            <a:r>
+              <a:rPr lang="en-US" b="1" dirty="0">
+                <a:latin typeface="Inconsolata Medium" panose="020B0609030003000000" pitchFamily="49" charset="77"/>
+              </a:rPr>
+              <a:t>[</a:t>
+            </a:r>
+            <a:r>
+              <a:rPr lang="en-US" b="1" dirty="0">
+                <a:solidFill>
+                  <a:srgbClr val="FF6600"/>
+                </a:solidFill>
+                <a:latin typeface="Inconsolata Medium" panose="020B0609030003000000" pitchFamily="49" charset="77"/>
+              </a:rPr>
+              <a:t>2</a:t>
+            </a:r>
+            <a:r>
+              <a:rPr lang="en-US" b="1" dirty="0">
+                <a:latin typeface="Inconsolata Medium" panose="020B0609030003000000" pitchFamily="49" charset="77"/>
+              </a:rPr>
+              <a:t>]: a == b</a:t>
+            </a:r>
+            <a:r>
+              <a:rPr lang="en-US" b="1" dirty="0">
+                <a:solidFill>
+                  <a:srgbClr val="000087"/>
+                </a:solidFill>
+                <a:latin typeface="Inconsolata Medium" panose="020B0609030003000000" pitchFamily="49" charset="77"/>
+              </a:rPr>
+              <a:t> </a:t>
+            </a:r>
+            <a:endParaRPr lang="en-US" b="1" dirty="0">
+              <a:latin typeface="Inconsolata Medium" panose="020B0609030003000000" pitchFamily="49" charset="77"/>
+            </a:endParaRPr>
+          </a:p>
+          <a:p>
+            <a:pPr marL="0" indent="0">
+              <a:buNone/>
+            </a:pPr>
+            <a:r>
+              <a:rPr lang="en-US" b="1" dirty="0">
+                <a:latin typeface="Inconsolata Medium" panose="020B0609030003000000" pitchFamily="49" charset="77"/>
+              </a:rPr>
+              <a:t>Out [1]: True</a:t>
+            </a:r>
+          </a:p>
+          <a:p>
+            <a:pPr marL="0" indent="0">
+              <a:buNone/>
+            </a:pPr>
+            <a:endParaRPr lang="en-US" b="1" dirty="0">
+              <a:latin typeface="Inconsolata Medium" panose="020B0609030003000000" pitchFamily="49" charset="77"/>
+            </a:endParaRPr>
+          </a:p>
+          <a:p>
+            <a:pPr marL="0" indent="0">
+              <a:buNone/>
+            </a:pPr>
+            <a:endParaRPr lang="en-US" b="1" dirty="0">
+              <a:latin typeface="Inconsolata Medium" panose="020B0609030003000000" pitchFamily="49" charset="77"/>
+            </a:endParaRPr>
           </a:p>
           <a:p>
             <a:pPr marL="0" indent="0">
@@ -11329,7 +11572,7 @@
                                         <p:tgtEl>
                                           <p:spTgt spid="9">
                                             <p:txEl>
-                                              <p:pRg st="2" end="2"/>
+                                              <p:pRg st="1" end="1"/>
                                             </p:txEl>
                                           </p:spTgt>
                                         </p:tgtEl>
@@ -11360,7 +11603,7 @@
                                         <p:tgtEl>
                                           <p:spTgt spid="9">
                                             <p:txEl>
-                                              <p:pRg st="3" end="3"/>
+                                              <p:pRg st="2" end="2"/>
                                             </p:txEl>
                                           </p:spTgt>
                                         </p:tgtEl>
@@ -11391,7 +11634,224 @@
                                         <p:tgtEl>
                                           <p:spTgt spid="9">
                                             <p:txEl>
+                                              <p:pRg st="3" end="3"/>
+                                            </p:txEl>
+                                          </p:spTgt>
+                                        </p:tgtEl>
+                                        <p:attrNameLst>
+                                          <p:attrName>style.visibility</p:attrName>
+                                        </p:attrNameLst>
+                                      </p:cBhvr>
+                                      <p:to>
+                                        <p:strVal val="visible"/>
+                                      </p:to>
+                                    </p:set>
+                                  </p:childTnLst>
+                                </p:cTn>
+                              </p:par>
+                              <p:par>
+                                <p:cTn id="11" presetID="1" presetClass="entr" presetSubtype="0" fill="hold" nodeType="withEffect">
+                                  <p:stCondLst>
+                                    <p:cond delay="0"/>
+                                  </p:stCondLst>
+                                  <p:childTnLst>
+                                    <p:set>
+                                      <p:cBhvr>
+                                        <p:cTn id="12" dur="1" fill="hold">
+                                          <p:stCondLst>
+                                            <p:cond delay="0"/>
+                                          </p:stCondLst>
+                                        </p:cTn>
+                                        <p:tgtEl>
+                                          <p:spTgt spid="9">
+                                            <p:txEl>
                                               <p:pRg st="4" end="4"/>
+                                            </p:txEl>
+                                          </p:spTgt>
+                                        </p:tgtEl>
+                                        <p:attrNameLst>
+                                          <p:attrName>style.visibility</p:attrName>
+                                        </p:attrNameLst>
+                                      </p:cBhvr>
+                                      <p:to>
+                                        <p:strVal val="visible"/>
+                                      </p:to>
+                                    </p:set>
+                                  </p:childTnLst>
+                                </p:cTn>
+                              </p:par>
+                              <p:par>
+                                <p:cTn id="13" presetID="1" presetClass="entr" presetSubtype="0" fill="hold" nodeType="withEffect">
+                                  <p:stCondLst>
+                                    <p:cond delay="0"/>
+                                  </p:stCondLst>
+                                  <p:childTnLst>
+                                    <p:set>
+                                      <p:cBhvr>
+                                        <p:cTn id="14" dur="1" fill="hold">
+                                          <p:stCondLst>
+                                            <p:cond delay="0"/>
+                                          </p:stCondLst>
+                                        </p:cTn>
+                                        <p:tgtEl>
+                                          <p:spTgt spid="9">
+                                            <p:txEl>
+                                              <p:pRg st="5" end="5"/>
+                                            </p:txEl>
+                                          </p:spTgt>
+                                        </p:tgtEl>
+                                        <p:attrNameLst>
+                                          <p:attrName>style.visibility</p:attrName>
+                                        </p:attrNameLst>
+                                      </p:cBhvr>
+                                      <p:to>
+                                        <p:strVal val="visible"/>
+                                      </p:to>
+                                    </p:set>
+                                  </p:childTnLst>
+                                </p:cTn>
+                              </p:par>
+                              <p:par>
+                                <p:cTn id="15" presetID="1" presetClass="entr" presetSubtype="0" fill="hold" nodeType="withEffect">
+                                  <p:stCondLst>
+                                    <p:cond delay="0"/>
+                                  </p:stCondLst>
+                                  <p:childTnLst>
+                                    <p:set>
+                                      <p:cBhvr>
+                                        <p:cTn id="16" dur="1" fill="hold">
+                                          <p:stCondLst>
+                                            <p:cond delay="0"/>
+                                          </p:stCondLst>
+                                        </p:cTn>
+                                        <p:tgtEl>
+                                          <p:spTgt spid="9">
+                                            <p:txEl>
+                                              <p:pRg st="7" end="7"/>
+                                            </p:txEl>
+                                          </p:spTgt>
+                                        </p:tgtEl>
+                                        <p:attrNameLst>
+                                          <p:attrName>style.visibility</p:attrName>
+                                        </p:attrNameLst>
+                                      </p:cBhvr>
+                                      <p:to>
+                                        <p:strVal val="visible"/>
+                                      </p:to>
+                                    </p:set>
+                                  </p:childTnLst>
+                                </p:cTn>
+                              </p:par>
+                              <p:par>
+                                <p:cTn id="17" presetID="1" presetClass="entr" presetSubtype="0" fill="hold" nodeType="withEffect">
+                                  <p:stCondLst>
+                                    <p:cond delay="0"/>
+                                  </p:stCondLst>
+                                  <p:childTnLst>
+                                    <p:set>
+                                      <p:cBhvr>
+                                        <p:cTn id="18" dur="1" fill="hold">
+                                          <p:stCondLst>
+                                            <p:cond delay="0"/>
+                                          </p:stCondLst>
+                                        </p:cTn>
+                                        <p:tgtEl>
+                                          <p:spTgt spid="9">
+                                            <p:txEl>
+                                              <p:pRg st="6" end="6"/>
+                                            </p:txEl>
+                                          </p:spTgt>
+                                        </p:tgtEl>
+                                        <p:attrNameLst>
+                                          <p:attrName>style.visibility</p:attrName>
+                                        </p:attrNameLst>
+                                      </p:cBhvr>
+                                      <p:to>
+                                        <p:strVal val="visible"/>
+                                      </p:to>
+                                    </p:set>
+                                  </p:childTnLst>
+                                </p:cTn>
+                              </p:par>
+                              <p:par>
+                                <p:cTn id="19" presetID="1" presetClass="entr" presetSubtype="0" fill="hold" nodeType="withEffect">
+                                  <p:stCondLst>
+                                    <p:cond delay="0"/>
+                                  </p:stCondLst>
+                                  <p:childTnLst>
+                                    <p:set>
+                                      <p:cBhvr>
+                                        <p:cTn id="20" dur="1" fill="hold">
+                                          <p:stCondLst>
+                                            <p:cond delay="0"/>
+                                          </p:stCondLst>
+                                        </p:cTn>
+                                        <p:tgtEl>
+                                          <p:spTgt spid="9">
+                                            <p:txEl>
+                                              <p:pRg st="8" end="8"/>
+                                            </p:txEl>
+                                          </p:spTgt>
+                                        </p:tgtEl>
+                                        <p:attrNameLst>
+                                          <p:attrName>style.visibility</p:attrName>
+                                        </p:attrNameLst>
+                                      </p:cBhvr>
+                                      <p:to>
+                                        <p:strVal val="visible"/>
+                                      </p:to>
+                                    </p:set>
+                                  </p:childTnLst>
+                                </p:cTn>
+                              </p:par>
+                              <p:par>
+                                <p:cTn id="21" presetID="1" presetClass="entr" presetSubtype="0" fill="hold" nodeType="withEffect">
+                                  <p:stCondLst>
+                                    <p:cond delay="0"/>
+                                  </p:stCondLst>
+                                  <p:childTnLst>
+                                    <p:set>
+                                      <p:cBhvr>
+                                        <p:cTn id="22" dur="1" fill="hold">
+                                          <p:stCondLst>
+                                            <p:cond delay="0"/>
+                                          </p:stCondLst>
+                                        </p:cTn>
+                                        <p:tgtEl>
+                                          <p:spTgt spid="9">
+                                            <p:txEl>
+                                              <p:pRg st="9" end="9"/>
+                                            </p:txEl>
+                                          </p:spTgt>
+                                        </p:tgtEl>
+                                        <p:attrNameLst>
+                                          <p:attrName>style.visibility</p:attrName>
+                                        </p:attrNameLst>
+                                      </p:cBhvr>
+                                      <p:to>
+                                        <p:strVal val="visible"/>
+                                      </p:to>
+                                    </p:set>
+                                  </p:childTnLst>
+                                </p:cTn>
+                              </p:par>
+                              <p:par>
+                                <p:cTn id="23" presetID="1" presetClass="entr" presetSubtype="0" fill="hold" nodeType="withEffect">
+                                  <p:stCondLst>
+                                    <p:cond delay="0"/>
+                                  </p:stCondLst>
+                                  <p:childTnLst>
+                                    <p:set>
+                                      <p:cBhvr>
+                                        <p:cTn id="24" dur="1" fill="hold">
+                                          <p:stCondLst>
+                                            <p:cond delay="0"/>
+                                          </p:stCondLst>
+                                        </p:cTn>
+                                        <p:tgtEl>
+                                          <p:spTgt spid="9">
+                                            <p:txEl>
+                                              <p:pRg st="10" end="10"/>
                                             </p:txEl>
                                           </p:spTgt>
                                         </p:tgtEl>

--- a/courses/apcsp/lect6.pptx
+++ b/courses/apcsp/lect6.pptx
@@ -129,8 +129,7 @@
 <file path=ppt/revisionInfo.xml><?xml version="1.0" encoding="utf-8"?>
 <p1510:revInfo xmlns:a="http://schemas.openxmlformats.org/drawingml/2006/main" xmlns:r="http://schemas.openxmlformats.org/officeDocument/2006/relationships" xmlns:p1510="http://schemas.microsoft.com/office/powerpoint/2015/10/main">
   <p1510:revLst>
-    <p1510:client id="{AA9102B5-DACA-D841-B260-AEEBF90FC60A}" v="16" dt="2020-01-06T17:06:18.962"/>
-    <p1510:client id="{CC9C9D9A-5149-2947-86C0-576F501F60DC}" v="601" dt="2020-01-05T21:58:59.286"/>
+    <p1510:client id="{4D090DEB-D33E-0146-8FDE-1BD7A7A456A7}" v="13" dt="2020-11-12T13:15:57.985"/>
   </p1510:revLst>
 </p1510:revInfo>
 </file>
@@ -350,9 +349,6 @@
         </pc:sldMkLst>
       </pc:sldChg>
     </pc:docChg>
-  </pc:docChgLst>
-  <pc:docChgLst>
-    <pc:chgData name="Long B Nguyen" userId="f59fb8f3-a021-417a-8bc1-65c8d471c621" providerId="ADAL" clId="{359527BD-9D28-FA41-9B76-D4C412CACD55}"/>
   </pc:docChgLst>
   <pc:docChgLst>
     <pc:chgData name="Long B Nguyen" userId="f59fb8f3-a021-417a-8bc1-65c8d471c621" providerId="ADAL" clId="{A54A5039-9BC6-1548-AC61-7314DB675A9D}"/>
@@ -851,10 +847,120 @@
     </pc:docChg>
   </pc:docChgLst>
   <pc:docChgLst>
-    <pc:chgData name="Long B Nguyen" userId="f59fb8f3-a021-417a-8bc1-65c8d471c621" providerId="ADAL" clId="{E5BF62A1-4F8A-BC49-8FD7-ABEA3D28ED25}"/>
-  </pc:docChgLst>
-  <pc:docChgLst>
-    <pc:chgData name="Long B Nguyen" userId="f59fb8f3-a021-417a-8bc1-65c8d471c621" providerId="ADAL" clId="{6CD83B71-C243-244B-B302-DE2E82069201}"/>
+    <pc:chgData name="Long B Nguyen" userId="f59fb8f3-a021-417a-8bc1-65c8d471c621" providerId="ADAL" clId="{4D090DEB-D33E-0146-8FDE-1BD7A7A456A7}"/>
+    <pc:docChg chg="undo custSel modSld">
+      <pc:chgData name="Long B Nguyen" userId="f59fb8f3-a021-417a-8bc1-65c8d471c621" providerId="ADAL" clId="{4D090DEB-D33E-0146-8FDE-1BD7A7A456A7}" dt="2020-11-12T13:16:04.245" v="407" actId="5793"/>
+      <pc:docMkLst>
+        <pc:docMk/>
+      </pc:docMkLst>
+      <pc:sldChg chg="modSp mod">
+        <pc:chgData name="Long B Nguyen" userId="f59fb8f3-a021-417a-8bc1-65c8d471c621" providerId="ADAL" clId="{4D090DEB-D33E-0146-8FDE-1BD7A7A456A7}" dt="2020-11-12T12:07:08.968" v="141" actId="14100"/>
+        <pc:sldMkLst>
+          <pc:docMk/>
+          <pc:sldMk cId="1310010799" sldId="324"/>
+        </pc:sldMkLst>
+        <pc:spChg chg="mod">
+          <ac:chgData name="Long B Nguyen" userId="f59fb8f3-a021-417a-8bc1-65c8d471c621" providerId="ADAL" clId="{4D090DEB-D33E-0146-8FDE-1BD7A7A456A7}" dt="2020-11-12T12:07:08.968" v="141" actId="14100"/>
+          <ac:spMkLst>
+            <pc:docMk/>
+            <pc:sldMk cId="1310010799" sldId="324"/>
+            <ac:spMk id="9" creationId="{E3B2E017-30B2-884B-A113-B419A2ED51AD}"/>
+          </ac:spMkLst>
+        </pc:spChg>
+      </pc:sldChg>
+      <pc:sldChg chg="modSp mod">
+        <pc:chgData name="Long B Nguyen" userId="f59fb8f3-a021-417a-8bc1-65c8d471c621" providerId="ADAL" clId="{4D090DEB-D33E-0146-8FDE-1BD7A7A456A7}" dt="2020-11-12T13:16:04.245" v="407" actId="5793"/>
+        <pc:sldMkLst>
+          <pc:docMk/>
+          <pc:sldMk cId="3314372952" sldId="325"/>
+        </pc:sldMkLst>
+        <pc:spChg chg="mod">
+          <ac:chgData name="Long B Nguyen" userId="f59fb8f3-a021-417a-8bc1-65c8d471c621" providerId="ADAL" clId="{4D090DEB-D33E-0146-8FDE-1BD7A7A456A7}" dt="2020-11-12T12:08:02.340" v="146" actId="1076"/>
+          <ac:spMkLst>
+            <pc:docMk/>
+            <pc:sldMk cId="3314372952" sldId="325"/>
+            <ac:spMk id="2" creationId="{AA3A228F-61D0-D949-A5E7-F83756230BF8}"/>
+          </ac:spMkLst>
+        </pc:spChg>
+        <pc:spChg chg="mod">
+          <ac:chgData name="Long B Nguyen" userId="f59fb8f3-a021-417a-8bc1-65c8d471c621" providerId="ADAL" clId="{4D090DEB-D33E-0146-8FDE-1BD7A7A456A7}" dt="2020-11-12T13:16:04.245" v="407" actId="5793"/>
+          <ac:spMkLst>
+            <pc:docMk/>
+            <pc:sldMk cId="3314372952" sldId="325"/>
+            <ac:spMk id="9" creationId="{E3B2E017-30B2-884B-A113-B419A2ED51AD}"/>
+          </ac:spMkLst>
+        </pc:spChg>
+      </pc:sldChg>
+      <pc:sldChg chg="modSp mod">
+        <pc:chgData name="Long B Nguyen" userId="f59fb8f3-a021-417a-8bc1-65c8d471c621" providerId="ADAL" clId="{4D090DEB-D33E-0146-8FDE-1BD7A7A456A7}" dt="2020-11-12T12:04:13.614" v="0" actId="14100"/>
+        <pc:sldMkLst>
+          <pc:docMk/>
+          <pc:sldMk cId="3894299887" sldId="328"/>
+        </pc:sldMkLst>
+        <pc:spChg chg="mod">
+          <ac:chgData name="Long B Nguyen" userId="f59fb8f3-a021-417a-8bc1-65c8d471c621" providerId="ADAL" clId="{4D090DEB-D33E-0146-8FDE-1BD7A7A456A7}" dt="2020-11-12T12:04:13.614" v="0" actId="14100"/>
+          <ac:spMkLst>
+            <pc:docMk/>
+            <pc:sldMk cId="3894299887" sldId="328"/>
+            <ac:spMk id="9" creationId="{E3B2E017-30B2-884B-A113-B419A2ED51AD}"/>
+          </ac:spMkLst>
+        </pc:spChg>
+      </pc:sldChg>
+      <pc:sldChg chg="addSp delSp modSp mod">
+        <pc:chgData name="Long B Nguyen" userId="f59fb8f3-a021-417a-8bc1-65c8d471c621" providerId="ADAL" clId="{4D090DEB-D33E-0146-8FDE-1BD7A7A456A7}" dt="2020-11-12T13:15:47.185" v="400"/>
+        <pc:sldMkLst>
+          <pc:docMk/>
+          <pc:sldMk cId="3870816631" sldId="331"/>
+        </pc:sldMkLst>
+        <pc:spChg chg="mod">
+          <ac:chgData name="Long B Nguyen" userId="f59fb8f3-a021-417a-8bc1-65c8d471c621" providerId="ADAL" clId="{4D090DEB-D33E-0146-8FDE-1BD7A7A456A7}" dt="2020-11-12T13:14:17.527" v="323" actId="1076"/>
+          <ac:spMkLst>
+            <pc:docMk/>
+            <pc:sldMk cId="3870816631" sldId="331"/>
+            <ac:spMk id="2" creationId="{AA3A228F-61D0-D949-A5E7-F83756230BF8}"/>
+          </ac:spMkLst>
+        </pc:spChg>
+        <pc:spChg chg="add del mod">
+          <ac:chgData name="Long B Nguyen" userId="f59fb8f3-a021-417a-8bc1-65c8d471c621" providerId="ADAL" clId="{4D090DEB-D33E-0146-8FDE-1BD7A7A456A7}" dt="2020-11-12T13:15:47.185" v="400"/>
+          <ac:spMkLst>
+            <pc:docMk/>
+            <pc:sldMk cId="3870816631" sldId="331"/>
+            <ac:spMk id="3" creationId="{E68AA33E-8791-084B-A0F9-C8D0D2031050}"/>
+          </ac:spMkLst>
+        </pc:spChg>
+        <pc:spChg chg="add mod">
+          <ac:chgData name="Long B Nguyen" userId="f59fb8f3-a021-417a-8bc1-65c8d471c621" providerId="ADAL" clId="{4D090DEB-D33E-0146-8FDE-1BD7A7A456A7}" dt="2020-11-12T13:15:40.658" v="398" actId="207"/>
+          <ac:spMkLst>
+            <pc:docMk/>
+            <pc:sldMk cId="3870816631" sldId="331"/>
+            <ac:spMk id="4" creationId="{82B7CFAA-F2D6-8B42-AC58-997AD5662DAB}"/>
+          </ac:spMkLst>
+        </pc:spChg>
+        <pc:spChg chg="mod">
+          <ac:chgData name="Long B Nguyen" userId="f59fb8f3-a021-417a-8bc1-65c8d471c621" providerId="ADAL" clId="{4D090DEB-D33E-0146-8FDE-1BD7A7A456A7}" dt="2020-11-12T13:14:24.678" v="326" actId="21"/>
+          <ac:spMkLst>
+            <pc:docMk/>
+            <pc:sldMk cId="3870816631" sldId="331"/>
+            <ac:spMk id="9" creationId="{E3B2E017-30B2-884B-A113-B419A2ED51AD}"/>
+          </ac:spMkLst>
+        </pc:spChg>
+      </pc:sldChg>
+      <pc:sldChg chg="modSp mod">
+        <pc:chgData name="Long B Nguyen" userId="f59fb8f3-a021-417a-8bc1-65c8d471c621" providerId="ADAL" clId="{4D090DEB-D33E-0146-8FDE-1BD7A7A456A7}" dt="2020-11-12T12:07:34.465" v="143" actId="14100"/>
+        <pc:sldMkLst>
+          <pc:docMk/>
+          <pc:sldMk cId="3124353102" sldId="332"/>
+        </pc:sldMkLst>
+        <pc:spChg chg="mod">
+          <ac:chgData name="Long B Nguyen" userId="f59fb8f3-a021-417a-8bc1-65c8d471c621" providerId="ADAL" clId="{4D090DEB-D33E-0146-8FDE-1BD7A7A456A7}" dt="2020-11-12T12:07:34.465" v="143" actId="14100"/>
+          <ac:spMkLst>
+            <pc:docMk/>
+            <pc:sldMk cId="3124353102" sldId="332"/>
+            <ac:spMk id="9" creationId="{E3B2E017-30B2-884B-A113-B419A2ED51AD}"/>
+          </ac:spMkLst>
+        </pc:spChg>
+      </pc:sldChg>
+    </pc:docChg>
   </pc:docChgLst>
   <pc:docChgLst>
     <pc:chgData name="Long B Nguyen" userId="f59fb8f3-a021-417a-8bc1-65c8d471c621" providerId="ADAL" clId="{AA9102B5-DACA-D841-B260-AEEBF90FC60A}"/>
@@ -1343,7 +1449,7 @@
           <a:p>
             <a:fld id="{4AAD347D-5ACD-4C99-B74B-A9C85AD731AF}" type="datetimeFigureOut">
               <a:rPr lang="en-US" smtClean="0"/>
-              <a:t>1/6/20</a:t>
+              <a:t>11/12/20</a:t>
             </a:fld>
             <a:endParaRPr lang="en-US" dirty="0"/>
           </a:p>
@@ -1513,7 +1619,7 @@
           <a:p>
             <a:fld id="{4509A250-FF31-4206-8172-F9D3106AACB1}" type="datetimeFigureOut">
               <a:rPr lang="en-US" smtClean="0"/>
-              <a:t>1/6/20</a:t>
+              <a:t>11/12/20</a:t>
             </a:fld>
             <a:endParaRPr lang="en-US" dirty="0"/>
           </a:p>
@@ -1693,7 +1799,7 @@
           <a:p>
             <a:fld id="{4509A250-FF31-4206-8172-F9D3106AACB1}" type="datetimeFigureOut">
               <a:rPr lang="en-US" smtClean="0"/>
-              <a:t>1/6/20</a:t>
+              <a:t>11/12/20</a:t>
             </a:fld>
             <a:endParaRPr lang="en-US" dirty="0"/>
           </a:p>
@@ -1863,7 +1969,7 @@
           <a:p>
             <a:fld id="{4509A250-FF31-4206-8172-F9D3106AACB1}" type="datetimeFigureOut">
               <a:rPr lang="en-US" smtClean="0"/>
-              <a:t>1/6/20</a:t>
+              <a:t>11/12/20</a:t>
             </a:fld>
             <a:endParaRPr lang="en-US" dirty="0"/>
           </a:p>
@@ -2109,7 +2215,7 @@
           <a:p>
             <a:fld id="{9796027F-7875-4030-9381-8BD8C4F21935}" type="datetimeFigureOut">
               <a:rPr lang="en-US" smtClean="0"/>
-              <a:t>1/6/20</a:t>
+              <a:t>11/12/20</a:t>
             </a:fld>
             <a:endParaRPr lang="en-US" dirty="0"/>
           </a:p>
@@ -2341,7 +2447,7 @@
           <a:p>
             <a:fld id="{9796027F-7875-4030-9381-8BD8C4F21935}" type="datetimeFigureOut">
               <a:rPr lang="en-US" smtClean="0"/>
-              <a:t>1/6/20</a:t>
+              <a:t>11/12/20</a:t>
             </a:fld>
             <a:endParaRPr lang="en-US" dirty="0"/>
           </a:p>
@@ -2708,7 +2814,7 @@
           <a:p>
             <a:fld id="{9796027F-7875-4030-9381-8BD8C4F21935}" type="datetimeFigureOut">
               <a:rPr lang="en-US" smtClean="0"/>
-              <a:t>1/6/20</a:t>
+              <a:t>11/12/20</a:t>
             </a:fld>
             <a:endParaRPr lang="en-US" dirty="0"/>
           </a:p>
@@ -2826,7 +2932,7 @@
           <a:p>
             <a:fld id="{4509A250-FF31-4206-8172-F9D3106AACB1}" type="datetimeFigureOut">
               <a:rPr lang="en-US" smtClean="0"/>
-              <a:t>1/6/20</a:t>
+              <a:t>11/12/20</a:t>
             </a:fld>
             <a:endParaRPr lang="en-US" dirty="0"/>
           </a:p>
@@ -2921,7 +3027,7 @@
           <a:p>
             <a:fld id="{4509A250-FF31-4206-8172-F9D3106AACB1}" type="datetimeFigureOut">
               <a:rPr lang="en-US" smtClean="0"/>
-              <a:t>1/6/20</a:t>
+              <a:t>11/12/20</a:t>
             </a:fld>
             <a:endParaRPr lang="en-US" dirty="0"/>
           </a:p>
@@ -3198,7 +3304,7 @@
           <a:p>
             <a:fld id="{4509A250-FF31-4206-8172-F9D3106AACB1}" type="datetimeFigureOut">
               <a:rPr lang="en-US" smtClean="0"/>
-              <a:t>1/6/20</a:t>
+              <a:t>11/12/20</a:t>
             </a:fld>
             <a:endParaRPr lang="en-US" dirty="0"/>
           </a:p>
@@ -3455,7 +3561,7 @@
           <a:p>
             <a:fld id="{4509A250-FF31-4206-8172-F9D3106AACB1}" type="datetimeFigureOut">
               <a:rPr lang="en-US" smtClean="0"/>
-              <a:t>1/6/20</a:t>
+              <a:t>11/12/20</a:t>
             </a:fld>
             <a:endParaRPr lang="en-US" dirty="0"/>
           </a:p>
@@ -3668,7 +3774,7 @@
           <a:p>
             <a:fld id="{4AAD347D-5ACD-4C99-B74B-A9C85AD731AF}" type="datetimeFigureOut">
               <a:rPr lang="en-US" smtClean="0"/>
-              <a:t>1/6/20</a:t>
+              <a:t>11/12/20</a:t>
             </a:fld>
             <a:endParaRPr lang="en-US" dirty="0"/>
           </a:p>
@@ -4445,13 +4551,13 @@
                 <a:solidFill>
                   <a:srgbClr val="FF4C00"/>
                 </a:solidFill>
-                <a:latin typeface="Inconsolata Medium" panose="020B0609030003000000" pitchFamily="49" charset="77"/>
+                <a:latin typeface="Inconsolata" panose="020B0609030003000000" pitchFamily="49" charset="77"/>
               </a:rPr>
               <a:t>while True</a:t>
             </a:r>
             <a:r>
               <a:rPr lang="en-US" sz="2000" b="1" dirty="0">
-                <a:latin typeface="Inconsolata Medium" panose="020B0609030003000000" pitchFamily="49" charset="77"/>
+                <a:latin typeface="Inconsolata" panose="020B0609030003000000" pitchFamily="49" charset="77"/>
               </a:rPr>
               <a:t>: </a:t>
             </a:r>
@@ -4462,7 +4568,7 @@
             </a:pPr>
             <a:r>
               <a:rPr lang="en-US" sz="2000" b="1" dirty="0">
-                <a:latin typeface="Inconsolata Medium" panose="020B0609030003000000" pitchFamily="49" charset="77"/>
+                <a:latin typeface="Inconsolata" panose="020B0609030003000000" pitchFamily="49" charset="77"/>
               </a:rPr>
               <a:t>	number = </a:t>
             </a:r>
@@ -4471,13 +4577,13 @@
                 <a:solidFill>
                   <a:srgbClr val="990CFF"/>
                 </a:solidFill>
-                <a:latin typeface="Inconsolata Medium" panose="020B0609030003000000" pitchFamily="49" charset="77"/>
+                <a:latin typeface="Inconsolata" panose="020B0609030003000000" pitchFamily="49" charset="77"/>
               </a:rPr>
               <a:t>int</a:t>
             </a:r>
             <a:r>
               <a:rPr lang="en-US" sz="2000" b="1" dirty="0">
-                <a:latin typeface="Inconsolata Medium" panose="020B0609030003000000" pitchFamily="49" charset="77"/>
+                <a:latin typeface="Inconsolata" panose="020B0609030003000000" pitchFamily="49" charset="77"/>
               </a:rPr>
               <a:t>(</a:t>
             </a:r>
@@ -4486,13 +4592,13 @@
                 <a:solidFill>
                   <a:srgbClr val="990CFF"/>
                 </a:solidFill>
-                <a:latin typeface="Inconsolata Medium" panose="020B0609030003000000" pitchFamily="49" charset="77"/>
+                <a:latin typeface="Inconsolata" panose="020B0609030003000000" pitchFamily="49" charset="77"/>
               </a:rPr>
               <a:t>input</a:t>
             </a:r>
             <a:r>
               <a:rPr lang="en-US" sz="2000" b="1" dirty="0">
-                <a:latin typeface="Inconsolata Medium" panose="020B0609030003000000" pitchFamily="49" charset="77"/>
+                <a:latin typeface="Inconsolata" panose="020B0609030003000000" pitchFamily="49" charset="77"/>
               </a:rPr>
               <a:t>(</a:t>
             </a:r>
@@ -4501,13 +4607,13 @@
                 <a:solidFill>
                   <a:srgbClr val="0CFF00"/>
                 </a:solidFill>
-                <a:latin typeface="Inconsolata Medium" panose="020B0609030003000000" pitchFamily="49" charset="77"/>
+                <a:latin typeface="Inconsolata" panose="020B0609030003000000" pitchFamily="49" charset="77"/>
               </a:rPr>
               <a:t>"Enter the numeric grade: "</a:t>
             </a:r>
             <a:r>
               <a:rPr lang="en-US" sz="2000" b="1" dirty="0">
-                <a:latin typeface="Inconsolata Medium" panose="020B0609030003000000" pitchFamily="49" charset="77"/>
+                <a:latin typeface="Inconsolata" panose="020B0609030003000000" pitchFamily="49" charset="77"/>
               </a:rPr>
               <a:t>)) </a:t>
             </a:r>
@@ -4521,13 +4627,13 @@
                 <a:solidFill>
                   <a:srgbClr val="FF4C00"/>
                 </a:solidFill>
-                <a:latin typeface="Inconsolata Medium" panose="020B0609030003000000" pitchFamily="49" charset="77"/>
+                <a:latin typeface="Inconsolata" panose="020B0609030003000000" pitchFamily="49" charset="77"/>
               </a:rPr>
               <a:t>	if </a:t>
             </a:r>
             <a:r>
               <a:rPr lang="en-US" sz="2000" b="1" dirty="0">
-                <a:latin typeface="Inconsolata Medium" panose="020B0609030003000000" pitchFamily="49" charset="77"/>
+                <a:latin typeface="Inconsolata" panose="020B0609030003000000" pitchFamily="49" charset="77"/>
               </a:rPr>
               <a:t>number &gt;= 0 and number &lt;= 100: </a:t>
             </a:r>
@@ -4541,7 +4647,7 @@
                 <a:solidFill>
                   <a:srgbClr val="FF4C00"/>
                 </a:solidFill>
-                <a:latin typeface="Inconsolata Medium" panose="020B0609030003000000" pitchFamily="49" charset="77"/>
+                <a:latin typeface="Inconsolata" panose="020B0609030003000000" pitchFamily="49" charset="77"/>
               </a:rPr>
               <a:t>		break </a:t>
             </a:r>
@@ -4555,18 +4661,18 @@
                 <a:solidFill>
                   <a:srgbClr val="FF4C00"/>
                 </a:solidFill>
-                <a:latin typeface="Inconsolata Medium" panose="020B0609030003000000" pitchFamily="49" charset="77"/>
+                <a:latin typeface="Inconsolata" panose="020B0609030003000000" pitchFamily="49" charset="77"/>
               </a:rPr>
               <a:t>	else</a:t>
             </a:r>
             <a:r>
               <a:rPr lang="en-US" sz="2000" b="1" dirty="0">
-                <a:latin typeface="Inconsolata Medium" panose="020B0609030003000000" pitchFamily="49" charset="77"/>
+                <a:latin typeface="Inconsolata" panose="020B0609030003000000" pitchFamily="49" charset="77"/>
               </a:rPr>
               <a:t>: </a:t>
             </a:r>
             <a:endParaRPr lang="en-US" sz="2000" dirty="0">
-              <a:latin typeface="Inconsolata Medium" panose="020B0609030003000000" pitchFamily="49" charset="77"/>
+              <a:latin typeface="Inconsolata" panose="020B0609030003000000" pitchFamily="49" charset="77"/>
             </a:endParaRPr>
           </a:p>
           <a:p>
@@ -4578,13 +4684,13 @@
                 <a:solidFill>
                   <a:srgbClr val="990CFF"/>
                 </a:solidFill>
-                <a:latin typeface="Inconsolata Medium" panose="020B0609030003000000" pitchFamily="49" charset="77"/>
+                <a:latin typeface="Inconsolata" panose="020B0609030003000000" pitchFamily="49" charset="77"/>
               </a:rPr>
               <a:t>		print</a:t>
             </a:r>
             <a:r>
               <a:rPr lang="en-US" sz="2000" b="1" dirty="0">
-                <a:latin typeface="Inconsolata Medium" panose="020B0609030003000000" pitchFamily="49" charset="77"/>
+                <a:latin typeface="Inconsolata" panose="020B0609030003000000" pitchFamily="49" charset="77"/>
               </a:rPr>
               <a:t>(</a:t>
             </a:r>
@@ -4593,13 +4699,13 @@
                 <a:solidFill>
                   <a:srgbClr val="0CFF00"/>
                 </a:solidFill>
-                <a:latin typeface="Inconsolata Medium" panose="020B0609030003000000" pitchFamily="49" charset="77"/>
+                <a:latin typeface="Inconsolata" panose="020B0609030003000000" pitchFamily="49" charset="77"/>
               </a:rPr>
               <a:t>"Error: grade must be between 100 and 0"</a:t>
             </a:r>
             <a:r>
               <a:rPr lang="en-US" sz="2000" b="1" dirty="0">
-                <a:latin typeface="Inconsolata Medium" panose="020B0609030003000000" pitchFamily="49" charset="77"/>
+                <a:latin typeface="Inconsolata" panose="020B0609030003000000" pitchFamily="49" charset="77"/>
               </a:rPr>
               <a:t>) </a:t>
             </a:r>
@@ -4613,13 +4719,13 @@
                 <a:solidFill>
                   <a:srgbClr val="990CFF"/>
                 </a:solidFill>
-                <a:latin typeface="Inconsolata Medium" panose="020B0609030003000000" pitchFamily="49" charset="77"/>
+                <a:latin typeface="Inconsolata" panose="020B0609030003000000" pitchFamily="49" charset="77"/>
               </a:rPr>
               <a:t>print</a:t>
             </a:r>
             <a:r>
               <a:rPr lang="en-US" sz="2000" b="1" dirty="0">
-                <a:latin typeface="Inconsolata Medium" panose="020B0609030003000000" pitchFamily="49" charset="77"/>
+                <a:latin typeface="Inconsolata" panose="020B0609030003000000" pitchFamily="49" charset="77"/>
               </a:rPr>
               <a:t>(number)   </a:t>
             </a:r>
@@ -4630,7 +4736,7 @@
                     <a:lumMod val="75000"/>
                   </a:schemeClr>
                 </a:solidFill>
-                <a:latin typeface="Inconsolata Medium" panose="020B0609030003000000" pitchFamily="49" charset="77"/>
+                <a:latin typeface="Inconsolata" panose="020B0609030003000000" pitchFamily="49" charset="77"/>
               </a:rPr>
               <a:t># Just echo the valid input </a:t>
             </a:r>
@@ -4640,7 +4746,7 @@
                   <a:lumMod val="75000"/>
                 </a:schemeClr>
               </a:solidFill>
-              <a:latin typeface="Inconsolata Medium" panose="020B0609030003000000" pitchFamily="49" charset="77"/>
+              <a:latin typeface="Inconsolata" panose="020B0609030003000000" pitchFamily="49" charset="77"/>
             </a:endParaRPr>
           </a:p>
           <a:p>
@@ -4856,8 +4962,8 @@
         </p:nvSpPr>
         <p:spPr>
           <a:xfrm>
-            <a:off x="483848" y="683886"/>
-            <a:ext cx="8051725" cy="5088835"/>
+            <a:off x="150829" y="683886"/>
+            <a:ext cx="8766927" cy="5088835"/>
           </a:xfrm>
         </p:spPr>
         <p:txBody>
@@ -4880,14 +4986,6 @@
             <a:pPr marL="0" indent="0">
               <a:buNone/>
             </a:pPr>
-            <a:endParaRPr lang="en-US" sz="2000" dirty="0">
-              <a:latin typeface="Gill Sans MT" panose="020B0502020104020203" pitchFamily="34" charset="77"/>
-            </a:endParaRPr>
-          </a:p>
-          <a:p>
-            <a:pPr marL="0" indent="0">
-              <a:buNone/>
-            </a:pPr>
             <a:r>
               <a:rPr lang="en-US" sz="2000" dirty="0">
                 <a:latin typeface="Gill Sans MT" panose="020B0502020104020203" pitchFamily="34" charset="77"/>
@@ -4922,7 +5020,7 @@
               <a:rPr lang="en-US" sz="2000" dirty="0">
                 <a:latin typeface="Gill Sans MT" panose="020B0502020104020203" pitchFamily="34" charset="77"/>
               </a:rPr>
-              <a:t>function we used in for loops. </a:t>
+              <a:t>function we used in for loops. We must first import the random module to access its code. This is done using the statement "import random".</a:t>
             </a:r>
           </a:p>
           <a:p>
@@ -4952,9 +5050,15 @@
             <a:pPr marL="0" indent="0">
               <a:buNone/>
             </a:pPr>
-            <a:endParaRPr lang="en-US" sz="2000" b="1" dirty="0">
-              <a:latin typeface="Inconsolata Medium" panose="020B0609030003000000" pitchFamily="49" charset="77"/>
-            </a:endParaRPr>
+            <a:r>
+              <a:rPr lang="en-US" sz="2000" b="1" dirty="0">
+                <a:solidFill>
+                  <a:srgbClr val="FF0000"/>
+                </a:solidFill>
+                <a:latin typeface="Inconsolata" panose="020B0609030003000000" pitchFamily="49" charset="77"/>
+              </a:rPr>
+              <a:t>import random</a:t>
+            </a:r>
           </a:p>
           <a:p>
             <a:pPr marL="0" indent="0">
@@ -4965,7 +5069,7 @@
                 <a:solidFill>
                   <a:srgbClr val="34A327"/>
                 </a:solidFill>
-                <a:latin typeface="Inconsolata Medium" panose="020B0609030003000000" pitchFamily="49" charset="77"/>
+                <a:latin typeface="Inconsolata" panose="020B0609030003000000" pitchFamily="49" charset="77"/>
               </a:rPr>
               <a:t>for</a:t>
             </a:r>
@@ -4974,7 +5078,7 @@
                 <a:solidFill>
                   <a:srgbClr val="000000"/>
                 </a:solidFill>
-                <a:latin typeface="Inconsolata Medium" panose="020B0609030003000000" pitchFamily="49" charset="77"/>
+                <a:latin typeface="Inconsolata" panose="020B0609030003000000" pitchFamily="49" charset="77"/>
               </a:rPr>
               <a:t> </a:t>
             </a:r>
@@ -4983,7 +5087,7 @@
                 <a:solidFill>
                   <a:srgbClr val="000000"/>
                 </a:solidFill>
-                <a:latin typeface="Inconsolata Medium" panose="020B0609030003000000" pitchFamily="49" charset="77"/>
+                <a:latin typeface="Inconsolata" panose="020B0609030003000000" pitchFamily="49" charset="77"/>
               </a:rPr>
               <a:t>i</a:t>
             </a:r>
@@ -4992,7 +5096,7 @@
                 <a:solidFill>
                   <a:srgbClr val="000000"/>
                 </a:solidFill>
-                <a:latin typeface="Inconsolata Medium" panose="020B0609030003000000" pitchFamily="49" charset="77"/>
+                <a:latin typeface="Inconsolata" panose="020B0609030003000000" pitchFamily="49" charset="77"/>
               </a:rPr>
               <a:t> </a:t>
             </a:r>
@@ -5001,7 +5105,7 @@
                 <a:solidFill>
                   <a:srgbClr val="D03BFF"/>
                 </a:solidFill>
-                <a:latin typeface="Inconsolata Medium" panose="020B0609030003000000" pitchFamily="49" charset="77"/>
+                <a:latin typeface="Inconsolata" panose="020B0609030003000000" pitchFamily="49" charset="77"/>
               </a:rPr>
               <a:t>in</a:t>
             </a:r>
@@ -5010,7 +5114,7 @@
                 <a:solidFill>
                   <a:srgbClr val="000000"/>
                 </a:solidFill>
-                <a:latin typeface="Inconsolata Medium" panose="020B0609030003000000" pitchFamily="49" charset="77"/>
+                <a:latin typeface="Inconsolata" panose="020B0609030003000000" pitchFamily="49" charset="77"/>
               </a:rPr>
               <a:t> </a:t>
             </a:r>
@@ -5019,7 +5123,7 @@
                 <a:solidFill>
                   <a:srgbClr val="34A327"/>
                 </a:solidFill>
-                <a:latin typeface="Inconsolata Medium" panose="020B0609030003000000" pitchFamily="49" charset="77"/>
+                <a:latin typeface="Inconsolata" panose="020B0609030003000000" pitchFamily="49" charset="77"/>
               </a:rPr>
               <a:t>range</a:t>
             </a:r>
@@ -5028,7 +5132,7 @@
                 <a:solidFill>
                   <a:srgbClr val="000000"/>
                 </a:solidFill>
-                <a:latin typeface="Inconsolata Medium" panose="020B0609030003000000" pitchFamily="49" charset="77"/>
+                <a:latin typeface="Inconsolata" panose="020B0609030003000000" pitchFamily="49" charset="77"/>
               </a:rPr>
               <a:t>(</a:t>
             </a:r>
@@ -5037,7 +5141,7 @@
                 <a:solidFill>
                   <a:srgbClr val="34A327"/>
                 </a:solidFill>
-                <a:latin typeface="Inconsolata Medium" panose="020B0609030003000000" pitchFamily="49" charset="77"/>
+                <a:latin typeface="Inconsolata" panose="020B0609030003000000" pitchFamily="49" charset="77"/>
               </a:rPr>
               <a:t>10</a:t>
             </a:r>
@@ -5046,7 +5150,7 @@
                 <a:solidFill>
                   <a:srgbClr val="000000"/>
                 </a:solidFill>
-                <a:latin typeface="Inconsolata Medium" panose="020B0609030003000000" pitchFamily="49" charset="77"/>
+                <a:latin typeface="Inconsolata" panose="020B0609030003000000" pitchFamily="49" charset="77"/>
               </a:rPr>
               <a:t>): </a:t>
             </a:r>
@@ -5054,7 +5158,7 @@
               <a:solidFill>
                 <a:srgbClr val="34A327"/>
               </a:solidFill>
-              <a:latin typeface="Inconsolata Medium" panose="020B0609030003000000" pitchFamily="49" charset="77"/>
+              <a:latin typeface="Inconsolata" panose="020B0609030003000000" pitchFamily="49" charset="77"/>
             </a:endParaRPr>
           </a:p>
           <a:p>
@@ -5066,7 +5170,7 @@
                 <a:solidFill>
                   <a:srgbClr val="34A327"/>
                 </a:solidFill>
-                <a:latin typeface="Inconsolata Medium" panose="020B0609030003000000" pitchFamily="49" charset="77"/>
+                <a:latin typeface="Inconsolata" panose="020B0609030003000000" pitchFamily="49" charset="77"/>
               </a:rPr>
               <a:t>    </a:t>
             </a:r>
@@ -5075,7 +5179,7 @@
                 <a:solidFill>
                   <a:srgbClr val="000000"/>
                 </a:solidFill>
-                <a:latin typeface="Inconsolata Medium" panose="020B0609030003000000" pitchFamily="49" charset="77"/>
+                <a:latin typeface="Inconsolata" panose="020B0609030003000000" pitchFamily="49" charset="77"/>
               </a:rPr>
               <a:t>num = </a:t>
             </a:r>
@@ -5084,7 +5188,7 @@
                 <a:solidFill>
                   <a:srgbClr val="000000"/>
                 </a:solidFill>
-                <a:latin typeface="Inconsolata Medium" panose="020B0609030003000000" pitchFamily="49" charset="77"/>
+                <a:latin typeface="Inconsolata" panose="020B0609030003000000" pitchFamily="49" charset="77"/>
               </a:rPr>
               <a:t>random.randrange</a:t>
             </a:r>
@@ -5093,7 +5197,7 @@
                 <a:solidFill>
                   <a:srgbClr val="000000"/>
                 </a:solidFill>
-                <a:latin typeface="Inconsolata Medium" panose="020B0609030003000000" pitchFamily="49" charset="77"/>
+                <a:latin typeface="Inconsolata" panose="020B0609030003000000" pitchFamily="49" charset="77"/>
               </a:rPr>
               <a:t>(</a:t>
             </a:r>
@@ -5102,7 +5206,7 @@
                 <a:solidFill>
                   <a:srgbClr val="34A327"/>
                 </a:solidFill>
-                <a:latin typeface="Inconsolata Medium" panose="020B0609030003000000" pitchFamily="49" charset="77"/>
+                <a:latin typeface="Inconsolata" panose="020B0609030003000000" pitchFamily="49" charset="77"/>
               </a:rPr>
               <a:t>1</a:t>
             </a:r>
@@ -5111,7 +5215,7 @@
                 <a:solidFill>
                   <a:srgbClr val="000000"/>
                 </a:solidFill>
-                <a:latin typeface="Inconsolata Medium" panose="020B0609030003000000" pitchFamily="49" charset="77"/>
+                <a:latin typeface="Inconsolata" panose="020B0609030003000000" pitchFamily="49" charset="77"/>
               </a:rPr>
               <a:t>, </a:t>
             </a:r>
@@ -5120,7 +5224,7 @@
                 <a:solidFill>
                   <a:srgbClr val="34A327"/>
                 </a:solidFill>
-                <a:latin typeface="Inconsolata Medium" panose="020B0609030003000000" pitchFamily="49" charset="77"/>
+                <a:latin typeface="Inconsolata" panose="020B0609030003000000" pitchFamily="49" charset="77"/>
               </a:rPr>
               <a:t>5</a:t>
             </a:r>
@@ -5129,7 +5233,7 @@
                 <a:solidFill>
                   <a:srgbClr val="000000"/>
                 </a:solidFill>
-                <a:latin typeface="Inconsolata Medium" panose="020B0609030003000000" pitchFamily="49" charset="77"/>
+                <a:latin typeface="Inconsolata" panose="020B0609030003000000" pitchFamily="49" charset="77"/>
               </a:rPr>
               <a:t>) </a:t>
             </a:r>
@@ -5143,7 +5247,7 @@
                 <a:solidFill>
                   <a:srgbClr val="34A327"/>
                 </a:solidFill>
-                <a:latin typeface="Inconsolata Medium" panose="020B0609030003000000" pitchFamily="49" charset="77"/>
+                <a:latin typeface="Inconsolata" panose="020B0609030003000000" pitchFamily="49" charset="77"/>
               </a:rPr>
               <a:t>    print</a:t>
             </a:r>
@@ -5152,7 +5256,7 @@
                 <a:solidFill>
                   <a:srgbClr val="000000"/>
                 </a:solidFill>
-                <a:latin typeface="Inconsolata Medium" panose="020B0609030003000000" pitchFamily="49" charset="77"/>
+                <a:latin typeface="Inconsolata" panose="020B0609030003000000" pitchFamily="49" charset="77"/>
               </a:rPr>
               <a:t>(num, end=</a:t>
             </a:r>
@@ -5161,7 +5265,7 @@
                 <a:solidFill>
                   <a:srgbClr val="CD7923"/>
                 </a:solidFill>
-                <a:latin typeface="Inconsolata Medium" panose="020B0609030003000000" pitchFamily="49" charset="77"/>
+                <a:latin typeface="Inconsolata" panose="020B0609030003000000" pitchFamily="49" charset="77"/>
               </a:rPr>
               <a:t>" "</a:t>
             </a:r>
@@ -5170,7 +5274,7 @@
                 <a:solidFill>
                   <a:srgbClr val="000000"/>
                 </a:solidFill>
-                <a:latin typeface="Inconsolata Medium" panose="020B0609030003000000" pitchFamily="49" charset="77"/>
+                <a:latin typeface="Inconsolata" panose="020B0609030003000000" pitchFamily="49" charset="77"/>
               </a:rPr>
               <a:t>) </a:t>
             </a:r>
@@ -5287,8 +5391,8 @@
         </p:nvSpPr>
         <p:spPr>
           <a:xfrm>
-            <a:off x="483848" y="683886"/>
-            <a:ext cx="8051725" cy="5088835"/>
+            <a:off x="188536" y="683886"/>
+            <a:ext cx="8719794" cy="4811941"/>
           </a:xfrm>
         </p:spPr>
         <p:txBody>
@@ -5324,7 +5428,10 @@
             </a:pPr>
             <a:r>
               <a:rPr lang="en-US" sz="2000" b="1" dirty="0">
-                <a:latin typeface="Inconsolata Medium" panose="020B0609030003000000" pitchFamily="49" charset="77"/>
+                <a:solidFill>
+                  <a:srgbClr val="FF0000"/>
+                </a:solidFill>
+                <a:latin typeface="Inconsolata" panose="020B0609030003000000" pitchFamily="49" charset="77"/>
               </a:rPr>
               <a:t>import random</a:t>
             </a:r>
@@ -5335,7 +5442,7 @@
             </a:pPr>
             <a:r>
               <a:rPr lang="en-US" sz="2000" b="1" dirty="0">
-                <a:latin typeface="Inconsolata Medium" panose="020B0609030003000000" pitchFamily="49" charset="77"/>
+                <a:latin typeface="Inconsolata" panose="020B0609030003000000" pitchFamily="49" charset="77"/>
               </a:rPr>
               <a:t>count = 0 </a:t>
             </a:r>
@@ -5349,13 +5456,13 @@
                 <a:solidFill>
                   <a:srgbClr val="FF4C00"/>
                 </a:solidFill>
-                <a:latin typeface="Inconsolata Medium" panose="020B0609030003000000" pitchFamily="49" charset="77"/>
+                <a:latin typeface="Inconsolata" panose="020B0609030003000000" pitchFamily="49" charset="77"/>
               </a:rPr>
               <a:t>while count &lt;= 5</a:t>
             </a:r>
             <a:r>
               <a:rPr lang="en-US" sz="2000" b="1" dirty="0">
-                <a:latin typeface="Inconsolata Medium" panose="020B0609030003000000" pitchFamily="49" charset="77"/>
+                <a:latin typeface="Inconsolata" panose="020B0609030003000000" pitchFamily="49" charset="77"/>
               </a:rPr>
               <a:t>: </a:t>
             </a:r>
@@ -5366,7 +5473,7 @@
             </a:pPr>
             <a:r>
               <a:rPr lang="en-US" sz="2000" b="1" dirty="0">
-                <a:latin typeface="Inconsolata Medium" panose="020B0609030003000000" pitchFamily="49" charset="77"/>
+                <a:latin typeface="Inconsolata" panose="020B0609030003000000" pitchFamily="49" charset="77"/>
               </a:rPr>
               <a:t>    num = </a:t>
             </a:r>
@@ -5375,7 +5482,7 @@
                 <a:solidFill>
                   <a:srgbClr val="990CFF"/>
                 </a:solidFill>
-                <a:latin typeface="Inconsolata Medium" panose="020B0609030003000000" pitchFamily="49" charset="77"/>
+                <a:latin typeface="Inconsolata" panose="020B0609030003000000" pitchFamily="49" charset="77"/>
               </a:rPr>
               <a:t>random.randrange</a:t>
             </a:r>
@@ -5384,7 +5491,7 @@
                 <a:solidFill>
                   <a:srgbClr val="990CFF"/>
                 </a:solidFill>
-                <a:latin typeface="Inconsolata Medium" panose="020B0609030003000000" pitchFamily="49" charset="77"/>
+                <a:latin typeface="Inconsolata" panose="020B0609030003000000" pitchFamily="49" charset="77"/>
               </a:rPr>
               <a:t>(1, 101)</a:t>
             </a:r>
@@ -5398,13 +5505,13 @@
                 <a:solidFill>
                   <a:srgbClr val="990CFF"/>
                 </a:solidFill>
-                <a:latin typeface="Inconsolata Medium" panose="020B0609030003000000" pitchFamily="49" charset="77"/>
+                <a:latin typeface="Inconsolata" panose="020B0609030003000000" pitchFamily="49" charset="77"/>
               </a:rPr>
               <a:t>    </a:t>
             </a:r>
             <a:r>
               <a:rPr lang="en-US" sz="2000" b="1" dirty="0">
-                <a:latin typeface="Inconsolata Medium" panose="020B0609030003000000" pitchFamily="49" charset="77"/>
+                <a:latin typeface="Inconsolata" panose="020B0609030003000000" pitchFamily="49" charset="77"/>
               </a:rPr>
               <a:t>print(</a:t>
             </a:r>
@@ -5413,13 +5520,13 @@
                 <a:solidFill>
                   <a:srgbClr val="0CFF00"/>
                 </a:solidFill>
-                <a:latin typeface="Inconsolata Medium" panose="020B0609030003000000" pitchFamily="49" charset="77"/>
+                <a:latin typeface="Inconsolata" panose="020B0609030003000000" pitchFamily="49" charset="77"/>
               </a:rPr>
               <a:t>num</a:t>
             </a:r>
             <a:r>
               <a:rPr lang="en-US" sz="2000" b="1" dirty="0">
-                <a:latin typeface="Inconsolata Medium" panose="020B0609030003000000" pitchFamily="49" charset="77"/>
+                <a:latin typeface="Inconsolata" panose="020B0609030003000000" pitchFamily="49" charset="77"/>
               </a:rPr>
               <a:t>, end=" ") </a:t>
             </a:r>
@@ -5433,13 +5540,13 @@
                 <a:solidFill>
                   <a:srgbClr val="FF4C00"/>
                 </a:solidFill>
-                <a:latin typeface="Inconsolata Medium" panose="020B0609030003000000" pitchFamily="49" charset="77"/>
+                <a:latin typeface="Inconsolata" panose="020B0609030003000000" pitchFamily="49" charset="77"/>
               </a:rPr>
               <a:t>    if num</a:t>
             </a:r>
             <a:r>
               <a:rPr lang="en-US" sz="2000" b="1" dirty="0">
-                <a:latin typeface="Inconsolata Medium" panose="020B0609030003000000" pitchFamily="49" charset="77"/>
+                <a:latin typeface="Inconsolata" panose="020B0609030003000000" pitchFamily="49" charset="77"/>
               </a:rPr>
               <a:t> &lt;= </a:t>
             </a:r>
@@ -5448,13 +5555,13 @@
                 <a:solidFill>
                   <a:srgbClr val="0CFF00"/>
                 </a:solidFill>
-                <a:latin typeface="Inconsolata Medium" panose="020B0609030003000000" pitchFamily="49" charset="77"/>
+                <a:latin typeface="Inconsolata" panose="020B0609030003000000" pitchFamily="49" charset="77"/>
               </a:rPr>
               <a:t>10</a:t>
             </a:r>
             <a:r>
               <a:rPr lang="en-US" sz="2000" b="1" dirty="0">
-                <a:latin typeface="Inconsolata Medium" panose="020B0609030003000000" pitchFamily="49" charset="77"/>
+                <a:latin typeface="Inconsolata" panose="020B0609030003000000" pitchFamily="49" charset="77"/>
               </a:rPr>
               <a:t>: </a:t>
             </a:r>
@@ -5468,7 +5575,7 @@
                 <a:solidFill>
                   <a:srgbClr val="FF4C00"/>
                 </a:solidFill>
-                <a:latin typeface="Inconsolata Medium" panose="020B0609030003000000" pitchFamily="49" charset="77"/>
+                <a:latin typeface="Inconsolata" panose="020B0609030003000000" pitchFamily="49" charset="77"/>
               </a:rPr>
               <a:t>        count += 1 </a:t>
             </a:r>
@@ -5476,7 +5583,7 @@
               <a:solidFill>
                 <a:srgbClr val="000000"/>
               </a:solidFill>
-              <a:latin typeface="Inconsolata Medium" panose="020B0609030003000000" pitchFamily="49" charset="77"/>
+              <a:latin typeface="Inconsolata" panose="020B0609030003000000" pitchFamily="49" charset="77"/>
             </a:endParaRPr>
           </a:p>
           <a:p>
@@ -5557,8 +5664,8 @@
         </p:nvSpPr>
         <p:spPr>
           <a:xfrm>
-            <a:off x="483848" y="0"/>
-            <a:ext cx="7053542" cy="683886"/>
+            <a:off x="216816" y="97887"/>
+            <a:ext cx="6962355" cy="587809"/>
           </a:xfrm>
         </p:spPr>
         <p:txBody>
@@ -5590,8 +5697,8 @@
         </p:nvSpPr>
         <p:spPr>
           <a:xfrm>
-            <a:off x="483848" y="808383"/>
-            <a:ext cx="8051725" cy="4810539"/>
+            <a:off x="216816" y="683887"/>
+            <a:ext cx="8318757" cy="4935036"/>
           </a:xfrm>
         </p:spPr>
         <p:txBody>
@@ -5643,7 +5750,7 @@
               <a:buNone/>
             </a:pPr>
             <a:endParaRPr lang="en-US" sz="2000" b="1" dirty="0">
-              <a:latin typeface="Inconsolata Medium" panose="020B0609030003000000" pitchFamily="49" charset="77"/>
+              <a:latin typeface="Inconsolata" panose="020B0609030003000000" pitchFamily="49" charset="77"/>
             </a:endParaRPr>
           </a:p>
           <a:p>
@@ -5656,6 +5763,107 @@
               </a:rPr>
               <a:t>Let's look at a sample run. What's the strategy for guessing the number?</a:t>
             </a:r>
+          </a:p>
+          <a:p>
+            <a:pPr marL="0" indent="0">
+              <a:buNone/>
+            </a:pPr>
+            <a:endParaRPr lang="en-US" sz="2000" dirty="0">
+              <a:latin typeface="Gill Sans MT" panose="020B0502020104020203" pitchFamily="34" charset="77"/>
+            </a:endParaRPr>
+          </a:p>
+          <a:p>
+            <a:pPr marL="0" indent="0">
+              <a:buNone/>
+            </a:pPr>
+            <a:r>
+              <a:rPr lang="en-US" sz="2000" b="1" dirty="0">
+                <a:solidFill>
+                  <a:srgbClr val="FF0000"/>
+                </a:solidFill>
+                <a:latin typeface="Inconsolata" panose="020B0609030003000000" pitchFamily="49" charset="77"/>
+              </a:rPr>
+              <a:t>There is a template </a:t>
+            </a:r>
+            <a:r>
+              <a:rPr lang="en-US" sz="2000" b="1" dirty="0" err="1">
+                <a:solidFill>
+                  <a:srgbClr val="FF0000"/>
+                </a:solidFill>
+                <a:latin typeface="Inconsolata" panose="020B0609030003000000" pitchFamily="49" charset="77"/>
+              </a:rPr>
+              <a:t>repl</a:t>
+            </a:r>
+            <a:r>
+              <a:rPr lang="en-US" sz="2000" b="1" dirty="0">
+                <a:solidFill>
+                  <a:srgbClr val="FF0000"/>
+                </a:solidFill>
+                <a:latin typeface="Inconsolata" panose="020B0609030003000000" pitchFamily="49" charset="77"/>
+              </a:rPr>
+              <a:t> for this lab at here:</a:t>
+            </a:r>
+            <a:endParaRPr lang="en-US" sz="1800" b="1" dirty="0">
+              <a:solidFill>
+                <a:srgbClr val="FF0000"/>
+              </a:solidFill>
+              <a:latin typeface="Inconsolata" panose="020B0609030003000000" pitchFamily="49" charset="77"/>
+            </a:endParaRPr>
+          </a:p>
+          <a:p>
+            <a:pPr marL="0" indent="0">
+              <a:buNone/>
+            </a:pPr>
+            <a:r>
+              <a:rPr lang="en-US" sz="1800" b="1" dirty="0">
+                <a:solidFill>
+                  <a:srgbClr val="FF0000"/>
+                </a:solidFill>
+                <a:latin typeface="Inconsolata" panose="020B0609030003000000" pitchFamily="49" charset="77"/>
+              </a:rPr>
+              <a:t>https://</a:t>
+            </a:r>
+            <a:r>
+              <a:rPr lang="en-US" sz="1800" b="1" dirty="0" err="1">
+                <a:solidFill>
+                  <a:srgbClr val="FF0000"/>
+                </a:solidFill>
+                <a:latin typeface="Inconsolata" panose="020B0609030003000000" pitchFamily="49" charset="77"/>
+              </a:rPr>
+              <a:t>repl.it</a:t>
+            </a:r>
+            <a:r>
+              <a:rPr lang="en-US" sz="1800" b="1" dirty="0">
+                <a:solidFill>
+                  <a:srgbClr val="FF0000"/>
+                </a:solidFill>
+                <a:latin typeface="Inconsolata" panose="020B0609030003000000" pitchFamily="49" charset="77"/>
+              </a:rPr>
+              <a:t>/@LongNguyen18/</a:t>
+            </a:r>
+            <a:r>
+              <a:rPr lang="en-US" sz="1800" b="1" dirty="0" err="1">
+                <a:solidFill>
+                  <a:srgbClr val="FF0000"/>
+                </a:solidFill>
+                <a:latin typeface="Inconsolata" panose="020B0609030003000000" pitchFamily="49" charset="77"/>
+              </a:rPr>
+              <a:t>GuessingGameLab</a:t>
+            </a:r>
+            <a:endParaRPr lang="en-US" sz="1800" b="1" dirty="0">
+              <a:solidFill>
+                <a:srgbClr val="FF0000"/>
+              </a:solidFill>
+              <a:latin typeface="Inconsolata" panose="020B0609030003000000" pitchFamily="49" charset="77"/>
+            </a:endParaRPr>
+          </a:p>
+          <a:p>
+            <a:pPr marL="0" indent="0">
+              <a:buNone/>
+            </a:pPr>
+            <a:endParaRPr lang="en-US" sz="2000" dirty="0">
+              <a:latin typeface="Gill Sans MT" panose="020B0502020104020203" pitchFamily="34" charset="77"/>
+            </a:endParaRPr>
           </a:p>
         </p:txBody>
       </p:sp>
@@ -5707,8 +5915,8 @@
         </p:nvSpPr>
         <p:spPr>
           <a:xfrm>
-            <a:off x="483848" y="0"/>
-            <a:ext cx="7053542" cy="683886"/>
+            <a:off x="311084" y="0"/>
+            <a:ext cx="6849233" cy="580191"/>
           </a:xfrm>
         </p:spPr>
         <p:txBody>
@@ -5740,8 +5948,8 @@
         </p:nvSpPr>
         <p:spPr>
           <a:xfrm>
-            <a:off x="483848" y="808383"/>
-            <a:ext cx="8051725" cy="4810539"/>
+            <a:off x="216816" y="433633"/>
+            <a:ext cx="8861196" cy="5281367"/>
           </a:xfrm>
         </p:spPr>
         <p:txBody>
@@ -5766,7 +5974,7 @@
               <a:rPr lang="en-US" sz="1800" b="1" dirty="0">
                 <a:latin typeface="LucidaSansTypewriterStd"/>
               </a:rPr>
-              <a:t>1 </a:t>
+              <a:t>10 </a:t>
             </a:r>
           </a:p>
           <a:p>
@@ -5786,7 +5994,7 @@
               <a:rPr lang="en-US" sz="1800" b="1" dirty="0">
                 <a:latin typeface="LucidaSansTypewriterStd"/>
               </a:rPr>
-              <a:t>100 </a:t>
+              <a:t>5</a:t>
             </a:r>
           </a:p>
           <a:p>
@@ -5800,19 +6008,22 @@
                 </a:solidFill>
                 <a:latin typeface="LucidaSansTypewriterStd"/>
               </a:rPr>
-              <a:t>Enter your guess: </a:t>
-            </a:r>
+              <a:t>Error! The small number must be &lt;= the larger number. Try again!</a:t>
+            </a:r>
+            <a:endParaRPr lang="en-US" sz="1800" b="1" dirty="0">
+              <a:latin typeface="LucidaSansTypewriterStd"/>
+            </a:endParaRPr>
+          </a:p>
+          <a:p>
+            <a:pPr marL="0" indent="0">
+              <a:buNone/>
+            </a:pPr>
             <a:r>
               <a:rPr lang="en-US" sz="1800" b="1" dirty="0">
                 <a:latin typeface="LucidaSansTypewriterStd"/>
               </a:rPr>
-              <a:t>50 </a:t>
-            </a:r>
-          </a:p>
-          <a:p>
-            <a:pPr marL="0" indent="0">
-              <a:buNone/>
-            </a:pPr>
+              <a:t> </a:t>
+            </a:r>
             <a:r>
               <a:rPr lang="en-US" sz="1800" b="1" dirty="0">
                 <a:solidFill>
@@ -5820,27 +6031,13 @@
                 </a:solidFill>
                 <a:latin typeface="LucidaSansTypewriterStd"/>
               </a:rPr>
-              <a:t>Too small! </a:t>
-            </a:r>
-          </a:p>
-          <a:p>
-            <a:pPr marL="0" indent="0">
-              <a:buNone/>
-            </a:pPr>
-            <a:r>
-              <a:rPr lang="en-US" sz="1800" b="1" dirty="0">
-                <a:solidFill>
-                  <a:srgbClr val="193FFF"/>
-                </a:solidFill>
-                <a:latin typeface="LucidaSansTypewriterStd"/>
-              </a:rPr>
-              <a:t>Enter your guess: </a:t>
+              <a:t>Enter the smaller number: </a:t>
             </a:r>
             <a:r>
               <a:rPr lang="en-US" sz="1800" b="1" dirty="0">
                 <a:latin typeface="LucidaSansTypewriterStd"/>
               </a:rPr>
-              <a:t>75 </a:t>
+              <a:t>1</a:t>
             </a:r>
           </a:p>
           <a:p>
@@ -5854,41 +6051,13 @@
                 </a:solidFill>
                 <a:latin typeface="LucidaSansTypewriterStd"/>
               </a:rPr>
-              <a:t>Too large! </a:t>
-            </a:r>
-          </a:p>
-          <a:p>
-            <a:pPr marL="0" indent="0">
-              <a:buNone/>
-            </a:pPr>
-            <a:r>
-              <a:rPr lang="en-US" sz="1800" b="1" dirty="0">
-                <a:solidFill>
-                  <a:srgbClr val="193FFF"/>
-                </a:solidFill>
-                <a:latin typeface="LucidaSansTypewriterStd"/>
-              </a:rPr>
-              <a:t>Enter your guess: </a:t>
+              <a:t>Enter the larger number: </a:t>
             </a:r>
             <a:r>
               <a:rPr lang="en-US" sz="1800" b="1" dirty="0">
                 <a:latin typeface="LucidaSansTypewriterStd"/>
               </a:rPr>
-              <a:t>63 </a:t>
-            </a:r>
-          </a:p>
-          <a:p>
-            <a:pPr marL="0" indent="0">
-              <a:buNone/>
-            </a:pPr>
-            <a:r>
-              <a:rPr lang="en-US" sz="1800" b="1" dirty="0">
-                <a:solidFill>
-                  <a:srgbClr val="193FFF"/>
-                </a:solidFill>
-                <a:latin typeface="LucidaSansTypewriterStd"/>
-              </a:rPr>
-              <a:t>Too small! </a:t>
+              <a:t>100</a:t>
             </a:r>
           </a:p>
           <a:p>
@@ -5908,7 +6077,7 @@
               <a:rPr lang="en-US" sz="1800" b="1" dirty="0">
                 <a:latin typeface="LucidaSansTypewriterStd"/>
               </a:rPr>
-              <a:t>69 </a:t>
+              <a:t>50 </a:t>
             </a:r>
           </a:p>
           <a:p>
@@ -5922,7 +6091,7 @@
                 </a:solidFill>
                 <a:latin typeface="LucidaSansTypewriterStd"/>
               </a:rPr>
-              <a:t>Too large! </a:t>
+              <a:t>Too small! </a:t>
             </a:r>
           </a:p>
           <a:p>
@@ -5942,8 +6111,13 @@
               <a:rPr lang="en-US" sz="1800" b="1" dirty="0">
                 <a:latin typeface="LucidaSansTypewriterStd"/>
               </a:rPr>
-              <a:t>66 </a:t>
-            </a:r>
+              <a:t>75 </a:t>
+            </a:r>
+          </a:p>
+          <a:p>
+            <a:pPr marL="0" indent="0">
+              <a:buNone/>
+            </a:pPr>
             <a:r>
               <a:rPr lang="en-US" sz="1800" b="1" dirty="0">
                 <a:solidFill>
@@ -5971,6 +6145,74 @@
               <a:rPr lang="en-US" sz="1800" b="1" dirty="0">
                 <a:latin typeface="LucidaSansTypewriterStd"/>
               </a:rPr>
+              <a:t>62</a:t>
+            </a:r>
+          </a:p>
+          <a:p>
+            <a:pPr marL="0" indent="0">
+              <a:buNone/>
+            </a:pPr>
+            <a:r>
+              <a:rPr lang="en-US" sz="1800" b="1" dirty="0">
+                <a:solidFill>
+                  <a:srgbClr val="193FFF"/>
+                </a:solidFill>
+                <a:latin typeface="LucidaSansTypewriterStd"/>
+              </a:rPr>
+              <a:t>Too small! </a:t>
+            </a:r>
+          </a:p>
+          <a:p>
+            <a:pPr marL="0" indent="0">
+              <a:buNone/>
+            </a:pPr>
+            <a:r>
+              <a:rPr lang="en-US" sz="1800" b="1" dirty="0">
+                <a:solidFill>
+                  <a:srgbClr val="193FFF"/>
+                </a:solidFill>
+                <a:latin typeface="LucidaSansTypewriterStd"/>
+              </a:rPr>
+              <a:t>Enter your guess: </a:t>
+            </a:r>
+            <a:r>
+              <a:rPr lang="en-US" sz="1800" b="1" dirty="0">
+                <a:latin typeface="LucidaSansTypewriterStd"/>
+              </a:rPr>
+              <a:t>68</a:t>
+            </a:r>
+          </a:p>
+          <a:p>
+            <a:pPr marL="0" indent="0">
+              <a:buNone/>
+            </a:pPr>
+            <a:r>
+              <a:rPr lang="en-US" sz="1800" b="1" dirty="0">
+                <a:solidFill>
+                  <a:srgbClr val="193FFF"/>
+                </a:solidFill>
+                <a:latin typeface="LucidaSansTypewriterStd"/>
+              </a:rPr>
+              <a:t>Too large! </a:t>
+            </a:r>
+          </a:p>
+          <a:p>
+            <a:pPr marL="0" indent="0">
+              <a:buNone/>
+            </a:pPr>
+            <a:r>
+              <a:rPr lang="en-US" sz="1800" b="1" dirty="0">
+                <a:solidFill>
+                  <a:srgbClr val="193FFF"/>
+                </a:solidFill>
+                <a:latin typeface="LucidaSansTypewriterStd"/>
+              </a:rPr>
+              <a:t>Enter your guess: </a:t>
+            </a:r>
+            <a:r>
+              <a:rPr lang="en-US" sz="1800" b="1" dirty="0">
+                <a:latin typeface="LucidaSansTypewriterStd"/>
+              </a:rPr>
               <a:t>65 </a:t>
             </a:r>
           </a:p>
@@ -5985,17 +6227,122 @@
                 </a:solidFill>
                 <a:latin typeface="LucidaSansTypewriterStd"/>
               </a:rPr>
-              <a:t>You've got it in 6 tries! </a:t>
+              <a:t>You've got it in 5 tries! </a:t>
             </a:r>
             <a:endParaRPr lang="en-US" sz="1800" dirty="0"/>
           </a:p>
-          <a:p>
-            <a:pPr marL="0" indent="0">
-              <a:buNone/>
-            </a:pPr>
-            <a:endParaRPr lang="en-US" sz="1800" b="1" dirty="0">
-              <a:latin typeface="Inconsolata Medium" panose="020B0609030003000000" pitchFamily="49" charset="77"/>
+        </p:txBody>
+      </p:sp>
+      <p:sp>
+        <p:nvSpPr>
+          <p:cNvPr id="4" name="TextBox 3">
+            <a:extLst>
+              <a:ext uri="{FF2B5EF4-FFF2-40B4-BE49-F238E27FC236}">
+                <a16:creationId xmlns:a16="http://schemas.microsoft.com/office/drawing/2014/main" id="{82B7CFAA-F2D6-8B42-AC58-997AD5662DAB}"/>
+              </a:ext>
+            </a:extLst>
+          </p:cNvPr>
+          <p:cNvSpPr txBox="1"/>
+          <p:nvPr/>
+        </p:nvSpPr>
+        <p:spPr>
+          <a:xfrm>
+            <a:off x="3070683" y="2439389"/>
+            <a:ext cx="5771659" cy="1077859"/>
+          </a:xfrm>
+          <a:prstGeom prst="rect">
+            <a:avLst/>
+          </a:prstGeom>
+          <a:noFill/>
+        </p:spPr>
+        <p:txBody>
+          <a:bodyPr wrap="square" rtlCol="0">
+            <a:spAutoFit/>
+          </a:bodyPr>
+          <a:lstStyle/>
+          <a:p>
+            <a:r>
+              <a:rPr lang="en-US" sz="1800" b="1" dirty="0">
+                <a:solidFill>
+                  <a:srgbClr val="FF0000"/>
+                </a:solidFill>
+                <a:latin typeface="Inconsolata" panose="020B0609030003000000" pitchFamily="49" charset="77"/>
+              </a:rPr>
+              <a:t>There is a template </a:t>
+            </a:r>
+            <a:r>
+              <a:rPr lang="en-US" sz="1800" b="1" dirty="0" err="1">
+                <a:solidFill>
+                  <a:srgbClr val="FF0000"/>
+                </a:solidFill>
+                <a:latin typeface="Inconsolata" panose="020B0609030003000000" pitchFamily="49" charset="77"/>
+              </a:rPr>
+              <a:t>repl</a:t>
+            </a:r>
+            <a:r>
+              <a:rPr lang="en-US" sz="1800" b="1" dirty="0">
+                <a:solidFill>
+                  <a:srgbClr val="FF0000"/>
+                </a:solidFill>
+                <a:latin typeface="Inconsolata" panose="020B0609030003000000" pitchFamily="49" charset="77"/>
+              </a:rPr>
+              <a:t> for this lab at here:</a:t>
+            </a:r>
+          </a:p>
+          <a:p>
+            <a:endParaRPr lang="en-US" sz="1600" b="1" dirty="0">
+              <a:solidFill>
+                <a:srgbClr val="FF0000"/>
+              </a:solidFill>
+              <a:latin typeface="Inconsolata" panose="020B0609030003000000" pitchFamily="49" charset="77"/>
             </a:endParaRPr>
+          </a:p>
+          <a:p>
+            <a:r>
+              <a:rPr lang="en-US" sz="1600" b="1" dirty="0">
+                <a:solidFill>
+                  <a:srgbClr val="FF0000"/>
+                </a:solidFill>
+                <a:latin typeface="Inconsolata" panose="020B0609030003000000" pitchFamily="49" charset="77"/>
+              </a:rPr>
+              <a:t>https://</a:t>
+            </a:r>
+            <a:r>
+              <a:rPr lang="en-US" sz="1600" b="1" dirty="0" err="1">
+                <a:solidFill>
+                  <a:srgbClr val="FF0000"/>
+                </a:solidFill>
+                <a:latin typeface="Inconsolata" panose="020B0609030003000000" pitchFamily="49" charset="77"/>
+              </a:rPr>
+              <a:t>repl.it</a:t>
+            </a:r>
+            <a:r>
+              <a:rPr lang="en-US" sz="1600" b="1" dirty="0">
+                <a:solidFill>
+                  <a:srgbClr val="FF0000"/>
+                </a:solidFill>
+                <a:latin typeface="Inconsolata" panose="020B0609030003000000" pitchFamily="49" charset="77"/>
+              </a:rPr>
+              <a:t>/@LongNguyen18/</a:t>
+            </a:r>
+            <a:r>
+              <a:rPr lang="en-US" sz="1600" b="1" dirty="0" err="1">
+                <a:solidFill>
+                  <a:srgbClr val="FF0000"/>
+                </a:solidFill>
+                <a:latin typeface="Inconsolata" panose="020B0609030003000000" pitchFamily="49" charset="77"/>
+              </a:rPr>
+              <a:t>GuessingGameLab</a:t>
+            </a:r>
+            <a:endParaRPr lang="en-US" sz="1600" b="1" dirty="0">
+              <a:solidFill>
+                <a:srgbClr val="FF0000"/>
+              </a:solidFill>
+              <a:latin typeface="Inconsolata" panose="020B0609030003000000" pitchFamily="49" charset="77"/>
+            </a:endParaRPr>
+          </a:p>
+          <a:p>
+            <a:endParaRPr lang="en-US" dirty="0"/>
           </a:p>
         </p:txBody>
       </p:sp>
@@ -6445,7 +6792,7 @@
                 <a:solidFill>
                   <a:srgbClr val="006699"/>
                 </a:solidFill>
-                <a:latin typeface="Inconsolata Medium" panose="020B0609030003000000" pitchFamily="49" charset="77"/>
+                <a:latin typeface="Inconsolata" panose="020B0609030003000000" pitchFamily="49" charset="77"/>
               </a:rPr>
               <a:t>while </a:t>
             </a:r>
@@ -6454,24 +6801,24 @@
                 <a:solidFill>
                   <a:srgbClr val="FF0000"/>
                 </a:solidFill>
-                <a:latin typeface="Inconsolata Medium" panose="020B0609030003000000" pitchFamily="49" charset="77"/>
+                <a:latin typeface="Inconsolata" panose="020B0609030003000000" pitchFamily="49" charset="77"/>
               </a:rPr>
               <a:t>&lt;condition&gt;</a:t>
             </a:r>
             <a:r>
               <a:rPr lang="en-US" b="1" dirty="0">
-                <a:latin typeface="Inconsolata Medium" panose="020B0609030003000000" pitchFamily="49" charset="77"/>
+                <a:latin typeface="Inconsolata" panose="020B0609030003000000" pitchFamily="49" charset="77"/>
               </a:rPr>
               <a:t>:</a:t>
             </a:r>
             <a:br>
               <a:rPr lang="en-US" b="1" dirty="0">
-                <a:latin typeface="Inconsolata Medium" panose="020B0609030003000000" pitchFamily="49" charset="77"/>
+                <a:latin typeface="Inconsolata" panose="020B0609030003000000" pitchFamily="49" charset="77"/>
               </a:rPr>
             </a:br>
             <a:r>
               <a:rPr lang="en-US" b="1" dirty="0">
-                <a:latin typeface="Inconsolata Medium" panose="020B0609030003000000" pitchFamily="49" charset="77"/>
+                <a:latin typeface="Inconsolata" panose="020B0609030003000000" pitchFamily="49" charset="77"/>
               </a:rPr>
               <a:t>	</a:t>
             </a:r>
@@ -6480,13 +6827,13 @@
                 <a:solidFill>
                   <a:srgbClr val="006699"/>
                 </a:solidFill>
-                <a:latin typeface="Inconsolata Medium" panose="020B0609030003000000" pitchFamily="49" charset="77"/>
+                <a:latin typeface="Inconsolata" panose="020B0609030003000000" pitchFamily="49" charset="77"/>
               </a:rPr>
               <a:t>block</a:t>
             </a:r>
             <a:r>
               <a:rPr lang="en-US" b="1" dirty="0">
-                <a:latin typeface="Inconsolata Medium" panose="020B0609030003000000" pitchFamily="49" charset="77"/>
+                <a:latin typeface="Inconsolata" panose="020B0609030003000000" pitchFamily="49" charset="77"/>
               </a:rPr>
               <a:t> </a:t>
             </a:r>
@@ -6675,7 +7022,7 @@
               <a:buNone/>
             </a:pPr>
             <a:endParaRPr lang="en-US" sz="2000" b="1" dirty="0">
-              <a:latin typeface="Inconsolata Medium" panose="020B0609030003000000" pitchFamily="49" charset="77"/>
+              <a:latin typeface="Inconsolata" panose="020B0609030003000000" pitchFamily="49" charset="77"/>
             </a:endParaRPr>
           </a:p>
           <a:p>
@@ -6687,7 +7034,7 @@
                 <a:solidFill>
                   <a:srgbClr val="FF0000"/>
                 </a:solidFill>
-                <a:latin typeface="Inconsolata Medium" panose="020B0609030003000000" pitchFamily="49" charset="77"/>
+                <a:latin typeface="Inconsolata" panose="020B0609030003000000" pitchFamily="49" charset="77"/>
               </a:rPr>
               <a:t># Counting down with a for loop from 10 to 1.</a:t>
             </a:r>
@@ -6701,13 +7048,13 @@
                 <a:solidFill>
                   <a:srgbClr val="FF4C00"/>
                 </a:solidFill>
-                <a:latin typeface="Inconsolata Medium" panose="020B0609030003000000" pitchFamily="49" charset="77"/>
+                <a:latin typeface="Inconsolata" panose="020B0609030003000000" pitchFamily="49" charset="77"/>
               </a:rPr>
               <a:t>for </a:t>
             </a:r>
             <a:r>
               <a:rPr lang="en-US" sz="2000" b="1" dirty="0">
-                <a:latin typeface="Inconsolata Medium" panose="020B0609030003000000" pitchFamily="49" charset="77"/>
+                <a:latin typeface="Inconsolata" panose="020B0609030003000000" pitchFamily="49" charset="77"/>
               </a:rPr>
               <a:t>count </a:t>
             </a:r>
@@ -6716,13 +7063,13 @@
                 <a:solidFill>
                   <a:srgbClr val="FF4C00"/>
                 </a:solidFill>
-                <a:latin typeface="Inconsolata Medium" panose="020B0609030003000000" pitchFamily="49" charset="77"/>
+                <a:latin typeface="Inconsolata" panose="020B0609030003000000" pitchFamily="49" charset="77"/>
               </a:rPr>
               <a:t>in </a:t>
             </a:r>
             <a:r>
               <a:rPr lang="en-US" sz="2000" b="1" dirty="0">
-                <a:latin typeface="Inconsolata Medium" panose="020B0609030003000000" pitchFamily="49" charset="77"/>
+                <a:latin typeface="Inconsolata" panose="020B0609030003000000" pitchFamily="49" charset="77"/>
               </a:rPr>
               <a:t>range(10, 0, –1): </a:t>
             </a:r>
@@ -6736,13 +7083,13 @@
                 <a:solidFill>
                   <a:srgbClr val="990CFF"/>
                 </a:solidFill>
-                <a:latin typeface="Inconsolata Medium" panose="020B0609030003000000" pitchFamily="49" charset="77"/>
+                <a:latin typeface="Inconsolata" panose="020B0609030003000000" pitchFamily="49" charset="77"/>
               </a:rPr>
               <a:t>	print</a:t>
             </a:r>
             <a:r>
               <a:rPr lang="en-US" sz="2000" b="1" dirty="0">
-                <a:latin typeface="Inconsolata Medium" panose="020B0609030003000000" pitchFamily="49" charset="77"/>
+                <a:latin typeface="Inconsolata" panose="020B0609030003000000" pitchFamily="49" charset="77"/>
               </a:rPr>
               <a:t>(count, end = </a:t>
             </a:r>
@@ -6751,13 +7098,13 @@
                 <a:solidFill>
                   <a:srgbClr val="0CFF00"/>
                 </a:solidFill>
-                <a:latin typeface="Inconsolata Medium" panose="020B0609030003000000" pitchFamily="49" charset="77"/>
+                <a:latin typeface="Inconsolata" panose="020B0609030003000000" pitchFamily="49" charset="77"/>
               </a:rPr>
               <a:t>" "</a:t>
             </a:r>
             <a:r>
               <a:rPr lang="en-US" sz="2000" b="1" dirty="0">
-                <a:latin typeface="Inconsolata Medium" panose="020B0609030003000000" pitchFamily="49" charset="77"/>
+                <a:latin typeface="Inconsolata" panose="020B0609030003000000" pitchFamily="49" charset="77"/>
               </a:rPr>
               <a:t>) </a:t>
             </a:r>
@@ -6770,7 +7117,7 @@
               <a:solidFill>
                 <a:srgbClr val="FF0000"/>
               </a:solidFill>
-              <a:latin typeface="Inconsolata Medium" panose="020B0609030003000000" pitchFamily="49" charset="77"/>
+              <a:latin typeface="Inconsolata" panose="020B0609030003000000" pitchFamily="49" charset="77"/>
             </a:endParaRPr>
           </a:p>
           <a:p>
@@ -6781,7 +7128,7 @@
               <a:solidFill>
                 <a:srgbClr val="FF0000"/>
               </a:solidFill>
-              <a:latin typeface="Inconsolata Medium" panose="020B0609030003000000" pitchFamily="49" charset="77"/>
+              <a:latin typeface="Inconsolata" panose="020B0609030003000000" pitchFamily="49" charset="77"/>
             </a:endParaRPr>
           </a:p>
           <a:p>
@@ -6793,7 +7140,7 @@
                 <a:solidFill>
                   <a:srgbClr val="FF0000"/>
                 </a:solidFill>
-                <a:latin typeface="Inconsolata Medium" panose="020B0609030003000000" pitchFamily="49" charset="77"/>
+                <a:latin typeface="Inconsolata" panose="020B0609030003000000" pitchFamily="49" charset="77"/>
               </a:rPr>
               <a:t># Counting down with a while loop from 10 to 1.</a:t>
             </a:r>
@@ -6804,7 +7151,7 @@
             </a:pPr>
             <a:r>
               <a:rPr lang="en-US" sz="2000" b="1" dirty="0">
-                <a:latin typeface="Inconsolata Medium" panose="020B0609030003000000" pitchFamily="49" charset="77"/>
+                <a:latin typeface="Inconsolata" panose="020B0609030003000000" pitchFamily="49" charset="77"/>
               </a:rPr>
               <a:t>count = 10 </a:t>
             </a:r>
@@ -6818,13 +7165,13 @@
                 <a:solidFill>
                   <a:srgbClr val="FF4C00"/>
                 </a:solidFill>
-                <a:latin typeface="Inconsolata Medium" panose="020B0609030003000000" pitchFamily="49" charset="77"/>
+                <a:latin typeface="Inconsolata" panose="020B0609030003000000" pitchFamily="49" charset="77"/>
               </a:rPr>
               <a:t>while </a:t>
             </a:r>
             <a:r>
               <a:rPr lang="en-US" sz="2000" b="1" dirty="0">
-                <a:latin typeface="Inconsolata Medium" panose="020B0609030003000000" pitchFamily="49" charset="77"/>
+                <a:latin typeface="Inconsolata" panose="020B0609030003000000" pitchFamily="49" charset="77"/>
               </a:rPr>
               <a:t>count &gt;= 1: </a:t>
             </a:r>
@@ -6838,13 +7185,13 @@
                 <a:solidFill>
                   <a:srgbClr val="990CFF"/>
                 </a:solidFill>
-                <a:latin typeface="Inconsolata Medium" panose="020B0609030003000000" pitchFamily="49" charset="77"/>
+                <a:latin typeface="Inconsolata" panose="020B0609030003000000" pitchFamily="49" charset="77"/>
               </a:rPr>
               <a:t>	print</a:t>
             </a:r>
             <a:r>
               <a:rPr lang="en-US" sz="2000" b="1" dirty="0">
-                <a:latin typeface="Inconsolata Medium" panose="020B0609030003000000" pitchFamily="49" charset="77"/>
+                <a:latin typeface="Inconsolata" panose="020B0609030003000000" pitchFamily="49" charset="77"/>
               </a:rPr>
               <a:t>(count, end = </a:t>
             </a:r>
@@ -6853,13 +7200,13 @@
                 <a:solidFill>
                   <a:srgbClr val="0CFF00"/>
                 </a:solidFill>
-                <a:latin typeface="Inconsolata Medium" panose="020B0609030003000000" pitchFamily="49" charset="77"/>
+                <a:latin typeface="Inconsolata" panose="020B0609030003000000" pitchFamily="49" charset="77"/>
               </a:rPr>
               <a:t>" "</a:t>
             </a:r>
             <a:r>
               <a:rPr lang="en-US" sz="2000" b="1" dirty="0">
-                <a:latin typeface="Inconsolata Medium" panose="020B0609030003000000" pitchFamily="49" charset="77"/>
+                <a:latin typeface="Inconsolata" panose="020B0609030003000000" pitchFamily="49" charset="77"/>
               </a:rPr>
               <a:t>) </a:t>
             </a:r>
@@ -6870,7 +7217,7 @@
             </a:pPr>
             <a:r>
               <a:rPr lang="en-US" sz="2000" b="1" dirty="0">
-                <a:latin typeface="Inconsolata Medium" panose="020B0609030003000000" pitchFamily="49" charset="77"/>
+                <a:latin typeface="Inconsolata" panose="020B0609030003000000" pitchFamily="49" charset="77"/>
               </a:rPr>
               <a:t>	count -= 1 </a:t>
             </a:r>
@@ -6985,8 +7332,8 @@
         </p:nvSpPr>
         <p:spPr>
           <a:xfrm>
-            <a:off x="483848" y="715617"/>
-            <a:ext cx="8051725" cy="4865375"/>
+            <a:off x="179110" y="738382"/>
+            <a:ext cx="8356464" cy="4842610"/>
           </a:xfrm>
         </p:spPr>
         <p:txBody>
@@ -7005,7 +7352,7 @@
               <a:t>The following two segments of code are equivalent.</a:t>
             </a:r>
             <a:endParaRPr lang="en-US" sz="2000" b="1" dirty="0">
-              <a:latin typeface="Inconsolata Medium" panose="020B0609030003000000" pitchFamily="49" charset="77"/>
+              <a:latin typeface="Inconsolata" panose="020B0609030003000000" pitchFamily="49" charset="77"/>
             </a:endParaRPr>
           </a:p>
           <a:p>
@@ -7017,7 +7364,7 @@
                 <a:solidFill>
                   <a:srgbClr val="FF0000"/>
                 </a:solidFill>
-                <a:latin typeface="Inconsolata Medium" panose="020B0609030003000000" pitchFamily="49" charset="77"/>
+                <a:latin typeface="Inconsolata" panose="020B0609030003000000" pitchFamily="49" charset="77"/>
               </a:rPr>
               <a:t># Summation with a for loop </a:t>
             </a:r>
@@ -7028,13 +7375,13 @@
             </a:pPr>
             <a:r>
               <a:rPr lang="en-US" sz="2000" b="1" dirty="0" err="1">
-                <a:latin typeface="Inconsolata Medium" panose="020B0609030003000000" pitchFamily="49" charset="77"/>
+                <a:latin typeface="Inconsolata" panose="020B0609030003000000" pitchFamily="49" charset="77"/>
               </a:rPr>
               <a:t>theSum</a:t>
             </a:r>
             <a:r>
               <a:rPr lang="en-US" sz="2000" b="1" dirty="0">
-                <a:latin typeface="Inconsolata Medium" panose="020B0609030003000000" pitchFamily="49" charset="77"/>
+                <a:latin typeface="Inconsolata" panose="020B0609030003000000" pitchFamily="49" charset="77"/>
               </a:rPr>
               <a:t> = 0 </a:t>
             </a:r>
@@ -7048,13 +7395,13 @@
                 <a:solidFill>
                   <a:srgbClr val="FF4C00"/>
                 </a:solidFill>
-                <a:latin typeface="Inconsolata Medium" panose="020B0609030003000000" pitchFamily="49" charset="77"/>
+                <a:latin typeface="Inconsolata" panose="020B0609030003000000" pitchFamily="49" charset="77"/>
               </a:rPr>
               <a:t>for </a:t>
             </a:r>
             <a:r>
               <a:rPr lang="en-US" sz="2000" b="1" dirty="0">
-                <a:latin typeface="Inconsolata Medium" panose="020B0609030003000000" pitchFamily="49" charset="77"/>
+                <a:latin typeface="Inconsolata" panose="020B0609030003000000" pitchFamily="49" charset="77"/>
               </a:rPr>
               <a:t>count </a:t>
             </a:r>
@@ -7063,7 +7410,7 @@
                 <a:solidFill>
                   <a:srgbClr val="FF4C00"/>
                 </a:solidFill>
-                <a:latin typeface="Inconsolata Medium" panose="020B0609030003000000" pitchFamily="49" charset="77"/>
+                <a:latin typeface="Inconsolata" panose="020B0609030003000000" pitchFamily="49" charset="77"/>
               </a:rPr>
               <a:t>in </a:t>
             </a:r>
@@ -7072,13 +7419,13 @@
                 <a:solidFill>
                   <a:srgbClr val="990CFF"/>
                 </a:solidFill>
-                <a:latin typeface="Inconsolata Medium" panose="020B0609030003000000" pitchFamily="49" charset="77"/>
+                <a:latin typeface="Inconsolata" panose="020B0609030003000000" pitchFamily="49" charset="77"/>
               </a:rPr>
               <a:t>range</a:t>
             </a:r>
             <a:r>
               <a:rPr lang="en-US" sz="2000" b="1" dirty="0">
-                <a:latin typeface="Inconsolata Medium" panose="020B0609030003000000" pitchFamily="49" charset="77"/>
+                <a:latin typeface="Inconsolata" panose="020B0609030003000000" pitchFamily="49" charset="77"/>
               </a:rPr>
               <a:t>(1, 101): </a:t>
             </a:r>
@@ -7089,19 +7436,19 @@
             </a:pPr>
             <a:r>
               <a:rPr lang="en-US" sz="2000" b="1" dirty="0">
-                <a:latin typeface="Inconsolata Medium" panose="020B0609030003000000" pitchFamily="49" charset="77"/>
+                <a:latin typeface="Inconsolata" panose="020B0609030003000000" pitchFamily="49" charset="77"/>
               </a:rPr>
               <a:t>	</a:t>
             </a:r>
             <a:r>
               <a:rPr lang="en-US" sz="2000" b="1" dirty="0" err="1">
-                <a:latin typeface="Inconsolata Medium" panose="020B0609030003000000" pitchFamily="49" charset="77"/>
+                <a:latin typeface="Inconsolata" panose="020B0609030003000000" pitchFamily="49" charset="77"/>
               </a:rPr>
               <a:t>theSum</a:t>
             </a:r>
             <a:r>
               <a:rPr lang="en-US" sz="2000" b="1" dirty="0">
-                <a:latin typeface="Inconsolata Medium" panose="020B0609030003000000" pitchFamily="49" charset="77"/>
+                <a:latin typeface="Inconsolata" panose="020B0609030003000000" pitchFamily="49" charset="77"/>
               </a:rPr>
               <a:t> += count </a:t>
             </a:r>
@@ -7115,25 +7462,25 @@
                 <a:solidFill>
                   <a:srgbClr val="990CFF"/>
                 </a:solidFill>
-                <a:latin typeface="Inconsolata Medium" panose="020B0609030003000000" pitchFamily="49" charset="77"/>
+                <a:latin typeface="Inconsolata" panose="020B0609030003000000" pitchFamily="49" charset="77"/>
               </a:rPr>
               <a:t>print</a:t>
             </a:r>
             <a:r>
               <a:rPr lang="en-US" sz="2000" b="1" dirty="0">
-                <a:latin typeface="Inconsolata Medium" panose="020B0609030003000000" pitchFamily="49" charset="77"/>
+                <a:latin typeface="Inconsolata" panose="020B0609030003000000" pitchFamily="49" charset="77"/>
               </a:rPr>
               <a:t>(</a:t>
             </a:r>
             <a:r>
               <a:rPr lang="en-US" sz="2000" b="1" dirty="0" err="1">
-                <a:latin typeface="Inconsolata Medium" panose="020B0609030003000000" pitchFamily="49" charset="77"/>
+                <a:latin typeface="Inconsolata" panose="020B0609030003000000" pitchFamily="49" charset="77"/>
               </a:rPr>
               <a:t>theSum</a:t>
             </a:r>
             <a:r>
               <a:rPr lang="en-US" sz="2000" b="1" dirty="0">
-                <a:latin typeface="Inconsolata Medium" panose="020B0609030003000000" pitchFamily="49" charset="77"/>
+                <a:latin typeface="Inconsolata" panose="020B0609030003000000" pitchFamily="49" charset="77"/>
               </a:rPr>
               <a:t>) </a:t>
             </a:r>
@@ -7141,7 +7488,7 @@
               <a:solidFill>
                 <a:srgbClr val="FF0000"/>
               </a:solidFill>
-              <a:latin typeface="Inconsolata Medium" panose="020B0609030003000000" pitchFamily="49" charset="77"/>
+              <a:latin typeface="Inconsolata" panose="020B0609030003000000" pitchFamily="49" charset="77"/>
             </a:endParaRPr>
           </a:p>
           <a:p>
@@ -7153,7 +7500,7 @@
                 <a:solidFill>
                   <a:srgbClr val="FF0000"/>
                 </a:solidFill>
-                <a:latin typeface="Inconsolata Medium" panose="020B0609030003000000" pitchFamily="49" charset="77"/>
+                <a:latin typeface="Inconsolata" panose="020B0609030003000000" pitchFamily="49" charset="77"/>
               </a:rPr>
               <a:t># Summation with a while loop </a:t>
             </a:r>
@@ -7164,13 +7511,13 @@
             </a:pPr>
             <a:r>
               <a:rPr lang="en-US" sz="2000" b="1" dirty="0" err="1">
-                <a:latin typeface="Inconsolata Medium" panose="020B0609030003000000" pitchFamily="49" charset="77"/>
+                <a:latin typeface="Inconsolata" panose="020B0609030003000000" pitchFamily="49" charset="77"/>
               </a:rPr>
               <a:t>theSum</a:t>
             </a:r>
             <a:r>
               <a:rPr lang="en-US" sz="2000" b="1" dirty="0">
-                <a:latin typeface="Inconsolata Medium" panose="020B0609030003000000" pitchFamily="49" charset="77"/>
+                <a:latin typeface="Inconsolata" panose="020B0609030003000000" pitchFamily="49" charset="77"/>
               </a:rPr>
               <a:t> = 0 </a:t>
             </a:r>
@@ -7181,7 +7528,7 @@
             </a:pPr>
             <a:r>
               <a:rPr lang="en-US" sz="2000" b="1" dirty="0">
-                <a:latin typeface="Inconsolata Medium" panose="020B0609030003000000" pitchFamily="49" charset="77"/>
+                <a:latin typeface="Inconsolata" panose="020B0609030003000000" pitchFamily="49" charset="77"/>
               </a:rPr>
               <a:t>count = 1 </a:t>
             </a:r>
@@ -7195,13 +7542,13 @@
                 <a:solidFill>
                   <a:srgbClr val="FF4C00"/>
                 </a:solidFill>
-                <a:latin typeface="Inconsolata Medium" panose="020B0609030003000000" pitchFamily="49" charset="77"/>
+                <a:latin typeface="Inconsolata" panose="020B0609030003000000" pitchFamily="49" charset="77"/>
               </a:rPr>
               <a:t>while </a:t>
             </a:r>
             <a:r>
               <a:rPr lang="en-US" sz="2000" b="1" dirty="0">
-                <a:latin typeface="Inconsolata Medium" panose="020B0609030003000000" pitchFamily="49" charset="77"/>
+                <a:latin typeface="Inconsolata" panose="020B0609030003000000" pitchFamily="49" charset="77"/>
               </a:rPr>
               <a:t>count &lt;= 100:</a:t>
             </a:r>
@@ -7212,19 +7559,19 @@
             </a:pPr>
             <a:r>
               <a:rPr lang="en-US" sz="2000" b="1" dirty="0">
-                <a:latin typeface="Inconsolata Medium" panose="020B0609030003000000" pitchFamily="49" charset="77"/>
+                <a:latin typeface="Inconsolata" panose="020B0609030003000000" pitchFamily="49" charset="77"/>
               </a:rPr>
               <a:t>	</a:t>
             </a:r>
             <a:r>
               <a:rPr lang="en-US" sz="2000" b="1" dirty="0" err="1">
-                <a:latin typeface="Inconsolata Medium" panose="020B0609030003000000" pitchFamily="49" charset="77"/>
+                <a:latin typeface="Inconsolata" panose="020B0609030003000000" pitchFamily="49" charset="77"/>
               </a:rPr>
               <a:t>theSum</a:t>
             </a:r>
             <a:r>
               <a:rPr lang="en-US" sz="2000" b="1" dirty="0">
-                <a:latin typeface="Inconsolata Medium" panose="020B0609030003000000" pitchFamily="49" charset="77"/>
+                <a:latin typeface="Inconsolata" panose="020B0609030003000000" pitchFamily="49" charset="77"/>
               </a:rPr>
               <a:t> += count </a:t>
             </a:r>
@@ -7235,7 +7582,7 @@
             </a:pPr>
             <a:r>
               <a:rPr lang="en-US" sz="2000" b="1" dirty="0">
-                <a:latin typeface="Inconsolata Medium" panose="020B0609030003000000" pitchFamily="49" charset="77"/>
+                <a:latin typeface="Inconsolata" panose="020B0609030003000000" pitchFamily="49" charset="77"/>
               </a:rPr>
               <a:t>	count += 1 </a:t>
             </a:r>
@@ -7249,30 +7596,30 @@
                 <a:solidFill>
                   <a:srgbClr val="990CFF"/>
                 </a:solidFill>
-                <a:latin typeface="Inconsolata Medium" panose="020B0609030003000000" pitchFamily="49" charset="77"/>
+                <a:latin typeface="Inconsolata" panose="020B0609030003000000" pitchFamily="49" charset="77"/>
               </a:rPr>
               <a:t>print</a:t>
             </a:r>
             <a:r>
               <a:rPr lang="en-US" sz="2000" b="1" dirty="0">
-                <a:latin typeface="Inconsolata Medium" panose="020B0609030003000000" pitchFamily="49" charset="77"/>
+                <a:latin typeface="Inconsolata" panose="020B0609030003000000" pitchFamily="49" charset="77"/>
               </a:rPr>
               <a:t>(</a:t>
             </a:r>
             <a:r>
               <a:rPr lang="en-US" sz="2000" b="1" dirty="0" err="1">
-                <a:latin typeface="Inconsolata Medium" panose="020B0609030003000000" pitchFamily="49" charset="77"/>
+                <a:latin typeface="Inconsolata" panose="020B0609030003000000" pitchFamily="49" charset="77"/>
               </a:rPr>
               <a:t>theSum</a:t>
             </a:r>
             <a:r>
               <a:rPr lang="en-US" sz="2000" b="1" dirty="0">
-                <a:latin typeface="Inconsolata Medium" panose="020B0609030003000000" pitchFamily="49" charset="77"/>
+                <a:latin typeface="Inconsolata" panose="020B0609030003000000" pitchFamily="49" charset="77"/>
               </a:rPr>
               <a:t>) </a:t>
             </a:r>
             <a:endParaRPr lang="en-US" sz="2000" dirty="0">
-              <a:latin typeface="Inconsolata Medium" panose="020B0609030003000000" pitchFamily="49" charset="77"/>
+              <a:latin typeface="Inconsolata" panose="020B0609030003000000" pitchFamily="49" charset="77"/>
             </a:endParaRPr>
           </a:p>
           <a:p>
@@ -7410,7 +7757,7 @@
               <a:buNone/>
             </a:pPr>
             <a:endParaRPr lang="en-US" sz="2000" b="1" dirty="0">
-              <a:latin typeface="Inconsolata Medium" panose="020B0609030003000000" pitchFamily="49" charset="77"/>
+              <a:latin typeface="Inconsolata" panose="020B0609030003000000" pitchFamily="49" charset="77"/>
             </a:endParaRPr>
           </a:p>
           <a:p>
@@ -7419,7 +7766,7 @@
             </a:pPr>
             <a:r>
               <a:rPr lang="en-US" sz="2000" b="1" dirty="0">
-                <a:latin typeface="Inconsolata Medium" panose="020B0609030003000000" pitchFamily="49" charset="77"/>
+                <a:latin typeface="Inconsolata" panose="020B0609030003000000" pitchFamily="49" charset="77"/>
               </a:rPr>
               <a:t>s = 0.0 </a:t>
             </a:r>
@@ -7430,7 +7777,7 @@
             </a:pPr>
             <a:r>
               <a:rPr lang="en-US" sz="2000" b="1" dirty="0">
-                <a:latin typeface="Inconsolata Medium" panose="020B0609030003000000" pitchFamily="49" charset="77"/>
+                <a:latin typeface="Inconsolata" panose="020B0609030003000000" pitchFamily="49" charset="77"/>
               </a:rPr>
               <a:t>data = </a:t>
             </a:r>
@@ -7439,13 +7786,13 @@
                 <a:solidFill>
                   <a:srgbClr val="990CFF"/>
                 </a:solidFill>
-                <a:latin typeface="Inconsolata Medium" panose="020B0609030003000000" pitchFamily="49" charset="77"/>
+                <a:latin typeface="Inconsolata" panose="020B0609030003000000" pitchFamily="49" charset="77"/>
               </a:rPr>
               <a:t>input</a:t>
             </a:r>
             <a:r>
               <a:rPr lang="en-US" sz="2000" b="1" dirty="0">
-                <a:latin typeface="Inconsolata Medium" panose="020B0609030003000000" pitchFamily="49" charset="77"/>
+                <a:latin typeface="Inconsolata" panose="020B0609030003000000" pitchFamily="49" charset="77"/>
               </a:rPr>
               <a:t>(</a:t>
             </a:r>
@@ -7454,13 +7801,13 @@
                 <a:solidFill>
                   <a:srgbClr val="0CFF00"/>
                 </a:solidFill>
-                <a:latin typeface="Inconsolata Medium" panose="020B0609030003000000" pitchFamily="49" charset="77"/>
+                <a:latin typeface="Inconsolata" panose="020B0609030003000000" pitchFamily="49" charset="77"/>
               </a:rPr>
               <a:t>"Enter a number or just enter to quit: "</a:t>
             </a:r>
             <a:r>
               <a:rPr lang="en-US" sz="2000" b="1" dirty="0">
-                <a:latin typeface="Inconsolata Medium" panose="020B0609030003000000" pitchFamily="49" charset="77"/>
+                <a:latin typeface="Inconsolata" panose="020B0609030003000000" pitchFamily="49" charset="77"/>
               </a:rPr>
               <a:t>) </a:t>
             </a:r>
@@ -7474,13 +7821,13 @@
                 <a:solidFill>
                   <a:srgbClr val="FF4C00"/>
                 </a:solidFill>
-                <a:latin typeface="Inconsolata Medium" panose="020B0609030003000000" pitchFamily="49" charset="77"/>
+                <a:latin typeface="Inconsolata" panose="020B0609030003000000" pitchFamily="49" charset="77"/>
               </a:rPr>
               <a:t>while </a:t>
             </a:r>
             <a:r>
               <a:rPr lang="en-US" sz="2000" b="1" dirty="0">
-                <a:latin typeface="Inconsolata Medium" panose="020B0609030003000000" pitchFamily="49" charset="77"/>
+                <a:latin typeface="Inconsolata" panose="020B0609030003000000" pitchFamily="49" charset="77"/>
               </a:rPr>
               <a:t>data != </a:t>
             </a:r>
@@ -7489,13 +7836,13 @@
                 <a:solidFill>
                   <a:srgbClr val="0CFF00"/>
                 </a:solidFill>
-                <a:latin typeface="Inconsolata Medium" panose="020B0609030003000000" pitchFamily="49" charset="77"/>
+                <a:latin typeface="Inconsolata" panose="020B0609030003000000" pitchFamily="49" charset="77"/>
               </a:rPr>
               <a:t>""</a:t>
             </a:r>
             <a:r>
               <a:rPr lang="en-US" sz="2000" b="1" dirty="0">
-                <a:latin typeface="Inconsolata Medium" panose="020B0609030003000000" pitchFamily="49" charset="77"/>
+                <a:latin typeface="Inconsolata" panose="020B0609030003000000" pitchFamily="49" charset="77"/>
               </a:rPr>
               <a:t>: </a:t>
             </a:r>
@@ -7506,7 +7853,7 @@
             </a:pPr>
             <a:r>
               <a:rPr lang="en-US" sz="2000" b="1" dirty="0">
-                <a:latin typeface="Inconsolata Medium" panose="020B0609030003000000" pitchFamily="49" charset="77"/>
+                <a:latin typeface="Inconsolata" panose="020B0609030003000000" pitchFamily="49" charset="77"/>
               </a:rPr>
               <a:t>    number = </a:t>
             </a:r>
@@ -7515,13 +7862,13 @@
                 <a:solidFill>
                   <a:srgbClr val="990CFF"/>
                 </a:solidFill>
-                <a:latin typeface="Inconsolata Medium" panose="020B0609030003000000" pitchFamily="49" charset="77"/>
+                <a:latin typeface="Inconsolata" panose="020B0609030003000000" pitchFamily="49" charset="77"/>
               </a:rPr>
               <a:t>float</a:t>
             </a:r>
             <a:r>
               <a:rPr lang="en-US" sz="2000" b="1" dirty="0">
-                <a:latin typeface="Inconsolata Medium" panose="020B0609030003000000" pitchFamily="49" charset="77"/>
+                <a:latin typeface="Inconsolata" panose="020B0609030003000000" pitchFamily="49" charset="77"/>
               </a:rPr>
               <a:t>(data) </a:t>
             </a:r>
@@ -7532,7 +7879,7 @@
             </a:pPr>
             <a:r>
               <a:rPr lang="en-US" sz="2000" b="1" dirty="0">
-                <a:latin typeface="Inconsolata Medium" panose="020B0609030003000000" pitchFamily="49" charset="77"/>
+                <a:latin typeface="Inconsolata" panose="020B0609030003000000" pitchFamily="49" charset="77"/>
               </a:rPr>
               <a:t>    s += number </a:t>
             </a:r>
@@ -7543,7 +7890,7 @@
             </a:pPr>
             <a:r>
               <a:rPr lang="en-US" sz="2000" b="1" dirty="0">
-                <a:latin typeface="Inconsolata Medium" panose="020B0609030003000000" pitchFamily="49" charset="77"/>
+                <a:latin typeface="Inconsolata" panose="020B0609030003000000" pitchFamily="49" charset="77"/>
               </a:rPr>
               <a:t>    data = </a:t>
             </a:r>
@@ -7552,13 +7899,13 @@
                 <a:solidFill>
                   <a:srgbClr val="990CFF"/>
                 </a:solidFill>
-                <a:latin typeface="Inconsolata Medium" panose="020B0609030003000000" pitchFamily="49" charset="77"/>
+                <a:latin typeface="Inconsolata" panose="020B0609030003000000" pitchFamily="49" charset="77"/>
               </a:rPr>
               <a:t>input</a:t>
             </a:r>
             <a:r>
               <a:rPr lang="en-US" sz="2000" b="1" dirty="0">
-                <a:latin typeface="Inconsolata Medium" panose="020B0609030003000000" pitchFamily="49" charset="77"/>
+                <a:latin typeface="Inconsolata" panose="020B0609030003000000" pitchFamily="49" charset="77"/>
               </a:rPr>
               <a:t>(</a:t>
             </a:r>
@@ -7567,13 +7914,13 @@
                 <a:solidFill>
                   <a:srgbClr val="0CFF00"/>
                 </a:solidFill>
-                <a:latin typeface="Inconsolata Medium" panose="020B0609030003000000" pitchFamily="49" charset="77"/>
+                <a:latin typeface="Inconsolata" panose="020B0609030003000000" pitchFamily="49" charset="77"/>
               </a:rPr>
               <a:t>"Enter a number or just enter to quit: "</a:t>
             </a:r>
             <a:r>
               <a:rPr lang="en-US" sz="2000" b="1" dirty="0">
-                <a:latin typeface="Inconsolata Medium" panose="020B0609030003000000" pitchFamily="49" charset="77"/>
+                <a:latin typeface="Inconsolata" panose="020B0609030003000000" pitchFamily="49" charset="77"/>
               </a:rPr>
               <a:t>)   </a:t>
             </a:r>
@@ -7584,7 +7931,7 @@
             </a:pPr>
             <a:r>
               <a:rPr lang="en-US" sz="2000" b="1" dirty="0">
-                <a:latin typeface="Inconsolata Medium" panose="020B0609030003000000" pitchFamily="49" charset="77"/>
+                <a:latin typeface="Inconsolata" panose="020B0609030003000000" pitchFamily="49" charset="77"/>
               </a:rPr>
               <a:t>print(</a:t>
             </a:r>
@@ -7593,13 +7940,13 @@
                 <a:solidFill>
                   <a:srgbClr val="0CFF00"/>
                 </a:solidFill>
-                <a:latin typeface="Inconsolata Medium" panose="020B0609030003000000" pitchFamily="49" charset="77"/>
+                <a:latin typeface="Inconsolata" panose="020B0609030003000000" pitchFamily="49" charset="77"/>
               </a:rPr>
               <a:t>"The sum is"</a:t>
             </a:r>
             <a:r>
               <a:rPr lang="en-US" sz="2000" b="1" dirty="0">
-                <a:latin typeface="Inconsolata Medium" panose="020B0609030003000000" pitchFamily="49" charset="77"/>
+                <a:latin typeface="Inconsolata" panose="020B0609030003000000" pitchFamily="49" charset="77"/>
               </a:rPr>
               <a:t>, s) </a:t>
             </a:r>
@@ -7729,7 +8076,7 @@
             </a:pPr>
             <a:r>
               <a:rPr lang="en-US" sz="1800" b="1" dirty="0">
-                <a:latin typeface="Inconsolata Medium" panose="020B0609030003000000" pitchFamily="49" charset="77"/>
+                <a:latin typeface="Inconsolata" panose="020B0609030003000000" pitchFamily="49" charset="77"/>
               </a:rPr>
               <a:t>s = 0.0 </a:t>
             </a:r>
@@ -7740,7 +8087,7 @@
             </a:pPr>
             <a:r>
               <a:rPr lang="en-US" sz="1800" b="1" dirty="0">
-                <a:latin typeface="Inconsolata Medium" panose="020B0609030003000000" pitchFamily="49" charset="77"/>
+                <a:latin typeface="Inconsolata" panose="020B0609030003000000" pitchFamily="49" charset="77"/>
               </a:rPr>
               <a:t>data = </a:t>
             </a:r>
@@ -7749,13 +8096,13 @@
                 <a:solidFill>
                   <a:srgbClr val="990CFF"/>
                 </a:solidFill>
-                <a:latin typeface="Inconsolata Medium" panose="020B0609030003000000" pitchFamily="49" charset="77"/>
+                <a:latin typeface="Inconsolata" panose="020B0609030003000000" pitchFamily="49" charset="77"/>
               </a:rPr>
               <a:t>input</a:t>
             </a:r>
             <a:r>
               <a:rPr lang="en-US" sz="1800" b="1" dirty="0">
-                <a:latin typeface="Inconsolata Medium" panose="020B0609030003000000" pitchFamily="49" charset="77"/>
+                <a:latin typeface="Inconsolata" panose="020B0609030003000000" pitchFamily="49" charset="77"/>
               </a:rPr>
               <a:t>(</a:t>
             </a:r>
@@ -7764,13 +8111,13 @@
                 <a:solidFill>
                   <a:srgbClr val="0CFF00"/>
                 </a:solidFill>
-                <a:latin typeface="Inconsolata Medium" panose="020B0609030003000000" pitchFamily="49" charset="77"/>
+                <a:latin typeface="Inconsolata" panose="020B0609030003000000" pitchFamily="49" charset="77"/>
               </a:rPr>
               <a:t>"Enter a number or just enter to quit: "</a:t>
             </a:r>
             <a:r>
               <a:rPr lang="en-US" sz="1800" b="1" dirty="0">
-                <a:latin typeface="Inconsolata Medium" panose="020B0609030003000000" pitchFamily="49" charset="77"/>
+                <a:latin typeface="Inconsolata" panose="020B0609030003000000" pitchFamily="49" charset="77"/>
               </a:rPr>
               <a:t>) </a:t>
             </a:r>
@@ -7784,13 +8131,13 @@
                 <a:solidFill>
                   <a:srgbClr val="FF4C00"/>
                 </a:solidFill>
-                <a:latin typeface="Inconsolata Medium" panose="020B0609030003000000" pitchFamily="49" charset="77"/>
+                <a:latin typeface="Inconsolata" panose="020B0609030003000000" pitchFamily="49" charset="77"/>
               </a:rPr>
               <a:t>while </a:t>
             </a:r>
             <a:r>
               <a:rPr lang="en-US" sz="1800" b="1" dirty="0">
-                <a:latin typeface="Inconsolata Medium" panose="020B0609030003000000" pitchFamily="49" charset="77"/>
+                <a:latin typeface="Inconsolata" panose="020B0609030003000000" pitchFamily="49" charset="77"/>
               </a:rPr>
               <a:t>data != </a:t>
             </a:r>
@@ -7799,13 +8146,13 @@
                 <a:solidFill>
                   <a:srgbClr val="0CFF00"/>
                 </a:solidFill>
-                <a:latin typeface="Inconsolata Medium" panose="020B0609030003000000" pitchFamily="49" charset="77"/>
+                <a:latin typeface="Inconsolata" panose="020B0609030003000000" pitchFamily="49" charset="77"/>
               </a:rPr>
               <a:t>""</a:t>
             </a:r>
             <a:r>
               <a:rPr lang="en-US" sz="1800" b="1" dirty="0">
-                <a:latin typeface="Inconsolata Medium" panose="020B0609030003000000" pitchFamily="49" charset="77"/>
+                <a:latin typeface="Inconsolata" panose="020B0609030003000000" pitchFamily="49" charset="77"/>
               </a:rPr>
               <a:t>: </a:t>
             </a:r>
@@ -7816,7 +8163,7 @@
             </a:pPr>
             <a:r>
               <a:rPr lang="en-US" sz="1800" b="1" dirty="0">
-                <a:latin typeface="Inconsolata Medium" panose="020B0609030003000000" pitchFamily="49" charset="77"/>
+                <a:latin typeface="Inconsolata" panose="020B0609030003000000" pitchFamily="49" charset="77"/>
               </a:rPr>
               <a:t>    number = </a:t>
             </a:r>
@@ -7825,13 +8172,13 @@
                 <a:solidFill>
                   <a:srgbClr val="990CFF"/>
                 </a:solidFill>
-                <a:latin typeface="Inconsolata Medium" panose="020B0609030003000000" pitchFamily="49" charset="77"/>
+                <a:latin typeface="Inconsolata" panose="020B0609030003000000" pitchFamily="49" charset="77"/>
               </a:rPr>
               <a:t>float</a:t>
             </a:r>
             <a:r>
               <a:rPr lang="en-US" sz="1800" b="1" dirty="0">
-                <a:latin typeface="Inconsolata Medium" panose="020B0609030003000000" pitchFamily="49" charset="77"/>
+                <a:latin typeface="Inconsolata" panose="020B0609030003000000" pitchFamily="49" charset="77"/>
               </a:rPr>
               <a:t>(data) </a:t>
             </a:r>
@@ -7842,7 +8189,7 @@
             </a:pPr>
             <a:r>
               <a:rPr lang="en-US" sz="1800" b="1" dirty="0">
-                <a:latin typeface="Inconsolata Medium" panose="020B0609030003000000" pitchFamily="49" charset="77"/>
+                <a:latin typeface="Inconsolata" panose="020B0609030003000000" pitchFamily="49" charset="77"/>
               </a:rPr>
               <a:t>    s += number </a:t>
             </a:r>
@@ -7853,7 +8200,7 @@
             </a:pPr>
             <a:r>
               <a:rPr lang="en-US" sz="1800" b="1" dirty="0">
-                <a:latin typeface="Inconsolata Medium" panose="020B0609030003000000" pitchFamily="49" charset="77"/>
+                <a:latin typeface="Inconsolata" panose="020B0609030003000000" pitchFamily="49" charset="77"/>
               </a:rPr>
               <a:t>    data = </a:t>
             </a:r>
@@ -7862,13 +8209,13 @@
                 <a:solidFill>
                   <a:srgbClr val="990CFF"/>
                 </a:solidFill>
-                <a:latin typeface="Inconsolata Medium" panose="020B0609030003000000" pitchFamily="49" charset="77"/>
+                <a:latin typeface="Inconsolata" panose="020B0609030003000000" pitchFamily="49" charset="77"/>
               </a:rPr>
               <a:t>input</a:t>
             </a:r>
             <a:r>
               <a:rPr lang="en-US" sz="1800" b="1" dirty="0">
-                <a:latin typeface="Inconsolata Medium" panose="020B0609030003000000" pitchFamily="49" charset="77"/>
+                <a:latin typeface="Inconsolata" panose="020B0609030003000000" pitchFamily="49" charset="77"/>
               </a:rPr>
               <a:t>(</a:t>
             </a:r>
@@ -7877,13 +8224,13 @@
                 <a:solidFill>
                   <a:srgbClr val="0CFF00"/>
                 </a:solidFill>
-                <a:latin typeface="Inconsolata Medium" panose="020B0609030003000000" pitchFamily="49" charset="77"/>
+                <a:latin typeface="Inconsolata" panose="020B0609030003000000" pitchFamily="49" charset="77"/>
               </a:rPr>
               <a:t>"Enter a number or just enter to quit: "</a:t>
             </a:r>
             <a:r>
               <a:rPr lang="en-US" sz="1800" b="1" dirty="0">
-                <a:latin typeface="Inconsolata Medium" panose="020B0609030003000000" pitchFamily="49" charset="77"/>
+                <a:latin typeface="Inconsolata" panose="020B0609030003000000" pitchFamily="49" charset="77"/>
               </a:rPr>
               <a:t>)   </a:t>
             </a:r>
@@ -7894,7 +8241,7 @@
             </a:pPr>
             <a:r>
               <a:rPr lang="en-US" sz="1800" b="1" dirty="0">
-                <a:latin typeface="Inconsolata Medium" panose="020B0609030003000000" pitchFamily="49" charset="77"/>
+                <a:latin typeface="Inconsolata" panose="020B0609030003000000" pitchFamily="49" charset="77"/>
               </a:rPr>
               <a:t>print(</a:t>
             </a:r>
@@ -7903,13 +8250,13 @@
                 <a:solidFill>
                   <a:srgbClr val="0CFF00"/>
                 </a:solidFill>
-                <a:latin typeface="Inconsolata Medium" panose="020B0609030003000000" pitchFamily="49" charset="77"/>
+                <a:latin typeface="Inconsolata" panose="020B0609030003000000" pitchFamily="49" charset="77"/>
               </a:rPr>
               <a:t>"The sum is"</a:t>
             </a:r>
             <a:r>
               <a:rPr lang="en-US" sz="1800" b="1" dirty="0">
-                <a:latin typeface="Inconsolata Medium" panose="020B0609030003000000" pitchFamily="49" charset="77"/>
+                <a:latin typeface="Inconsolata" panose="020B0609030003000000" pitchFamily="49" charset="77"/>
               </a:rPr>
               <a:t>, s) </a:t>
             </a:r>
@@ -8159,7 +8506,7 @@
               <a:t> statement to exit the loop if the input is an empty string. </a:t>
             </a:r>
             <a:endParaRPr lang="en-US" sz="2000" b="1" dirty="0">
-              <a:latin typeface="Inconsolata Medium" panose="020B0609030003000000" pitchFamily="49" charset="77"/>
+              <a:latin typeface="Inconsolata" panose="020B0609030003000000" pitchFamily="49" charset="77"/>
             </a:endParaRPr>
           </a:p>
           <a:p>
@@ -8167,7 +8514,7 @@
               <a:buNone/>
             </a:pPr>
             <a:endParaRPr lang="en-US" sz="2000" b="1" dirty="0">
-              <a:latin typeface="Inconsolata Medium" panose="020B0609030003000000" pitchFamily="49" charset="77"/>
+              <a:latin typeface="Inconsolata" panose="020B0609030003000000" pitchFamily="49" charset="77"/>
             </a:endParaRPr>
           </a:p>
           <a:p>
@@ -8176,7 +8523,7 @@
             </a:pPr>
             <a:r>
               <a:rPr lang="en-US" sz="2000" b="1" dirty="0">
-                <a:latin typeface="Inconsolata Medium" panose="020B0609030003000000" pitchFamily="49" charset="77"/>
+                <a:latin typeface="Inconsolata" panose="020B0609030003000000" pitchFamily="49" charset="77"/>
               </a:rPr>
               <a:t>s = 0.0 </a:t>
             </a:r>
@@ -8190,13 +8537,13 @@
                 <a:solidFill>
                   <a:srgbClr val="FF4C00"/>
                 </a:solidFill>
-                <a:latin typeface="Inconsolata Medium" panose="020B0609030003000000" pitchFamily="49" charset="77"/>
+                <a:latin typeface="Inconsolata" panose="020B0609030003000000" pitchFamily="49" charset="77"/>
               </a:rPr>
               <a:t>while True</a:t>
             </a:r>
             <a:r>
               <a:rPr lang="en-US" sz="2000" b="1" dirty="0">
-                <a:latin typeface="Inconsolata Medium" panose="020B0609030003000000" pitchFamily="49" charset="77"/>
+                <a:latin typeface="Inconsolata" panose="020B0609030003000000" pitchFamily="49" charset="77"/>
               </a:rPr>
               <a:t>: </a:t>
             </a:r>
@@ -8207,7 +8554,7 @@
             </a:pPr>
             <a:r>
               <a:rPr lang="en-US" sz="2000" b="1" dirty="0">
-                <a:latin typeface="Inconsolata Medium" panose="020B0609030003000000" pitchFamily="49" charset="77"/>
+                <a:latin typeface="Inconsolata" panose="020B0609030003000000" pitchFamily="49" charset="77"/>
               </a:rPr>
               <a:t>    data = </a:t>
             </a:r>
@@ -8216,13 +8563,13 @@
                 <a:solidFill>
                   <a:srgbClr val="990CFF"/>
                 </a:solidFill>
-                <a:latin typeface="Inconsolata Medium" panose="020B0609030003000000" pitchFamily="49" charset="77"/>
+                <a:latin typeface="Inconsolata" panose="020B0609030003000000" pitchFamily="49" charset="77"/>
               </a:rPr>
               <a:t>input</a:t>
             </a:r>
             <a:r>
               <a:rPr lang="en-US" sz="2000" b="1" dirty="0">
-                <a:latin typeface="Inconsolata Medium" panose="020B0609030003000000" pitchFamily="49" charset="77"/>
+                <a:latin typeface="Inconsolata" panose="020B0609030003000000" pitchFamily="49" charset="77"/>
               </a:rPr>
               <a:t>(</a:t>
             </a:r>
@@ -8231,13 +8578,13 @@
                 <a:solidFill>
                   <a:srgbClr val="0CFF00"/>
                 </a:solidFill>
-                <a:latin typeface="Inconsolata Medium" panose="020B0609030003000000" pitchFamily="49" charset="77"/>
+                <a:latin typeface="Inconsolata" panose="020B0609030003000000" pitchFamily="49" charset="77"/>
               </a:rPr>
               <a:t>"Enter a number or just enter to quit: "</a:t>
             </a:r>
             <a:r>
               <a:rPr lang="en-US" sz="2000" b="1" dirty="0">
-                <a:latin typeface="Inconsolata Medium" panose="020B0609030003000000" pitchFamily="49" charset="77"/>
+                <a:latin typeface="Inconsolata" panose="020B0609030003000000" pitchFamily="49" charset="77"/>
               </a:rPr>
               <a:t>)   </a:t>
             </a:r>
@@ -8251,13 +8598,13 @@
                 <a:solidFill>
                   <a:srgbClr val="FF4C00"/>
                 </a:solidFill>
-                <a:latin typeface="Inconsolata Medium" panose="020B0609030003000000" pitchFamily="49" charset="77"/>
+                <a:latin typeface="Inconsolata" panose="020B0609030003000000" pitchFamily="49" charset="77"/>
               </a:rPr>
               <a:t>    if </a:t>
             </a:r>
             <a:r>
               <a:rPr lang="en-US" sz="2000" b="1" dirty="0">
-                <a:latin typeface="Inconsolata Medium" panose="020B0609030003000000" pitchFamily="49" charset="77"/>
+                <a:latin typeface="Inconsolata" panose="020B0609030003000000" pitchFamily="49" charset="77"/>
               </a:rPr>
               <a:t>data == </a:t>
             </a:r>
@@ -8266,13 +8613,13 @@
                 <a:solidFill>
                   <a:srgbClr val="0CFF00"/>
                 </a:solidFill>
-                <a:latin typeface="Inconsolata Medium" panose="020B0609030003000000" pitchFamily="49" charset="77"/>
+                <a:latin typeface="Inconsolata" panose="020B0609030003000000" pitchFamily="49" charset="77"/>
               </a:rPr>
               <a:t>""</a:t>
             </a:r>
             <a:r>
               <a:rPr lang="en-US" sz="2000" b="1" dirty="0">
-                <a:latin typeface="Inconsolata Medium" panose="020B0609030003000000" pitchFamily="49" charset="77"/>
+                <a:latin typeface="Inconsolata" panose="020B0609030003000000" pitchFamily="49" charset="77"/>
               </a:rPr>
               <a:t>: </a:t>
             </a:r>
@@ -8286,12 +8633,12 @@
                 <a:solidFill>
                   <a:srgbClr val="FF4C00"/>
                 </a:solidFill>
-                <a:latin typeface="Inconsolata Medium" panose="020B0609030003000000" pitchFamily="49" charset="77"/>
+                <a:latin typeface="Inconsolata" panose="020B0609030003000000" pitchFamily="49" charset="77"/>
               </a:rPr>
               <a:t>        break </a:t>
             </a:r>
             <a:endParaRPr lang="en-US" sz="2000" b="1" dirty="0">
-              <a:latin typeface="Inconsolata Medium" panose="020B0609030003000000" pitchFamily="49" charset="77"/>
+              <a:latin typeface="Inconsolata" panose="020B0609030003000000" pitchFamily="49" charset="77"/>
             </a:endParaRPr>
           </a:p>
           <a:p>
@@ -8300,7 +8647,7 @@
             </a:pPr>
             <a:r>
               <a:rPr lang="en-US" sz="2000" b="1" dirty="0">
-                <a:latin typeface="Inconsolata Medium" panose="020B0609030003000000" pitchFamily="49" charset="77"/>
+                <a:latin typeface="Inconsolata" panose="020B0609030003000000" pitchFamily="49" charset="77"/>
               </a:rPr>
               <a:t>    number = </a:t>
             </a:r>
@@ -8309,13 +8656,13 @@
                 <a:solidFill>
                   <a:srgbClr val="990CFF"/>
                 </a:solidFill>
-                <a:latin typeface="Inconsolata Medium" panose="020B0609030003000000" pitchFamily="49" charset="77"/>
+                <a:latin typeface="Inconsolata" panose="020B0609030003000000" pitchFamily="49" charset="77"/>
               </a:rPr>
               <a:t>float</a:t>
             </a:r>
             <a:r>
               <a:rPr lang="en-US" sz="2000" b="1" dirty="0">
-                <a:latin typeface="Inconsolata Medium" panose="020B0609030003000000" pitchFamily="49" charset="77"/>
+                <a:latin typeface="Inconsolata" panose="020B0609030003000000" pitchFamily="49" charset="77"/>
               </a:rPr>
               <a:t>(data) </a:t>
             </a:r>
@@ -8326,7 +8673,7 @@
             </a:pPr>
             <a:r>
               <a:rPr lang="en-US" sz="2000" b="1" dirty="0">
-                <a:latin typeface="Inconsolata Medium" panose="020B0609030003000000" pitchFamily="49" charset="77"/>
+                <a:latin typeface="Inconsolata" panose="020B0609030003000000" pitchFamily="49" charset="77"/>
               </a:rPr>
               <a:t>    s += number </a:t>
             </a:r>
@@ -8337,7 +8684,7 @@
             </a:pPr>
             <a:r>
               <a:rPr lang="en-US" sz="2000" b="1" dirty="0">
-                <a:latin typeface="Inconsolata Medium" panose="020B0609030003000000" pitchFamily="49" charset="77"/>
+                <a:latin typeface="Inconsolata" panose="020B0609030003000000" pitchFamily="49" charset="77"/>
               </a:rPr>
               <a:t>print(</a:t>
             </a:r>
@@ -8346,13 +8693,13 @@
                 <a:solidFill>
                   <a:srgbClr val="0CFF00"/>
                 </a:solidFill>
-                <a:latin typeface="Inconsolata Medium" panose="020B0609030003000000" pitchFamily="49" charset="77"/>
+                <a:latin typeface="Inconsolata" panose="020B0609030003000000" pitchFamily="49" charset="77"/>
               </a:rPr>
               <a:t>"The sum is"</a:t>
             </a:r>
             <a:r>
               <a:rPr lang="en-US" sz="2000" b="1" dirty="0">
-                <a:latin typeface="Inconsolata Medium" panose="020B0609030003000000" pitchFamily="49" charset="77"/>
+                <a:latin typeface="Inconsolata" panose="020B0609030003000000" pitchFamily="49" charset="77"/>
               </a:rPr>
               <a:t>, s) </a:t>
             </a:r>
@@ -8502,13 +8849,13 @@
                 <a:solidFill>
                   <a:srgbClr val="FF4C00"/>
                 </a:solidFill>
-                <a:latin typeface="Inconsolata Medium" panose="020B0609030003000000" pitchFamily="49" charset="77"/>
+                <a:latin typeface="Inconsolata" panose="020B0609030003000000" pitchFamily="49" charset="77"/>
               </a:rPr>
               <a:t>while True</a:t>
             </a:r>
             <a:r>
               <a:rPr lang="en-US" sz="2000" b="1" dirty="0">
-                <a:latin typeface="Inconsolata Medium" panose="020B0609030003000000" pitchFamily="49" charset="77"/>
+                <a:latin typeface="Inconsolata" panose="020B0609030003000000" pitchFamily="49" charset="77"/>
               </a:rPr>
               <a:t>: </a:t>
             </a:r>
@@ -8519,7 +8866,7 @@
             </a:pPr>
             <a:r>
               <a:rPr lang="en-US" sz="2000" b="1" dirty="0">
-                <a:latin typeface="Inconsolata Medium" panose="020B0609030003000000" pitchFamily="49" charset="77"/>
+                <a:latin typeface="Inconsolata" panose="020B0609030003000000" pitchFamily="49" charset="77"/>
               </a:rPr>
               <a:t>	number = </a:t>
             </a:r>
@@ -8528,13 +8875,13 @@
                 <a:solidFill>
                   <a:srgbClr val="990CFF"/>
                 </a:solidFill>
-                <a:latin typeface="Inconsolata Medium" panose="020B0609030003000000" pitchFamily="49" charset="77"/>
+                <a:latin typeface="Inconsolata" panose="020B0609030003000000" pitchFamily="49" charset="77"/>
               </a:rPr>
               <a:t>int</a:t>
             </a:r>
             <a:r>
               <a:rPr lang="en-US" sz="2000" b="1" dirty="0">
-                <a:latin typeface="Inconsolata Medium" panose="020B0609030003000000" pitchFamily="49" charset="77"/>
+                <a:latin typeface="Inconsolata" panose="020B0609030003000000" pitchFamily="49" charset="77"/>
               </a:rPr>
               <a:t>(</a:t>
             </a:r>
@@ -8543,13 +8890,13 @@
                 <a:solidFill>
                   <a:srgbClr val="990CFF"/>
                 </a:solidFill>
-                <a:latin typeface="Inconsolata Medium" panose="020B0609030003000000" pitchFamily="49" charset="77"/>
+                <a:latin typeface="Inconsolata" panose="020B0609030003000000" pitchFamily="49" charset="77"/>
               </a:rPr>
               <a:t>input</a:t>
             </a:r>
             <a:r>
               <a:rPr lang="en-US" sz="2000" b="1" dirty="0">
-                <a:latin typeface="Inconsolata Medium" panose="020B0609030003000000" pitchFamily="49" charset="77"/>
+                <a:latin typeface="Inconsolata" panose="020B0609030003000000" pitchFamily="49" charset="77"/>
               </a:rPr>
               <a:t>(</a:t>
             </a:r>
@@ -8558,13 +8905,13 @@
                 <a:solidFill>
                   <a:srgbClr val="0CFF00"/>
                 </a:solidFill>
-                <a:latin typeface="Inconsolata Medium" panose="020B0609030003000000" pitchFamily="49" charset="77"/>
+                <a:latin typeface="Inconsolata" panose="020B0609030003000000" pitchFamily="49" charset="77"/>
               </a:rPr>
               <a:t>"Enter the numeric grade: "</a:t>
             </a:r>
             <a:r>
               <a:rPr lang="en-US" sz="2000" b="1" dirty="0">
-                <a:latin typeface="Inconsolata Medium" panose="020B0609030003000000" pitchFamily="49" charset="77"/>
+                <a:latin typeface="Inconsolata" panose="020B0609030003000000" pitchFamily="49" charset="77"/>
               </a:rPr>
               <a:t>)) </a:t>
             </a:r>
@@ -8578,13 +8925,13 @@
                 <a:solidFill>
                   <a:srgbClr val="FF4C00"/>
                 </a:solidFill>
-                <a:latin typeface="Inconsolata Medium" panose="020B0609030003000000" pitchFamily="49" charset="77"/>
+                <a:latin typeface="Inconsolata" panose="020B0609030003000000" pitchFamily="49" charset="77"/>
               </a:rPr>
               <a:t>	if </a:t>
             </a:r>
             <a:r>
               <a:rPr lang="en-US" sz="2000" b="1" dirty="0">
-                <a:latin typeface="Inconsolata Medium" panose="020B0609030003000000" pitchFamily="49" charset="77"/>
+                <a:latin typeface="Inconsolata" panose="020B0609030003000000" pitchFamily="49" charset="77"/>
               </a:rPr>
               <a:t>number &gt;= 0 and number &lt;= 100: </a:t>
             </a:r>
@@ -8598,7 +8945,7 @@
                 <a:solidFill>
                   <a:srgbClr val="FF4C00"/>
                 </a:solidFill>
-                <a:latin typeface="Inconsolata Medium" panose="020B0609030003000000" pitchFamily="49" charset="77"/>
+                <a:latin typeface="Inconsolata" panose="020B0609030003000000" pitchFamily="49" charset="77"/>
               </a:rPr>
               <a:t>		break </a:t>
             </a:r>
@@ -8612,13 +8959,13 @@
                 <a:solidFill>
                   <a:srgbClr val="FF4C00"/>
                 </a:solidFill>
-                <a:latin typeface="Inconsolata Medium" panose="020B0609030003000000" pitchFamily="49" charset="77"/>
+                <a:latin typeface="Inconsolata" panose="020B0609030003000000" pitchFamily="49" charset="77"/>
               </a:rPr>
               <a:t>	else</a:t>
             </a:r>
             <a:r>
               <a:rPr lang="en-US" sz="2000" b="1" dirty="0">
-                <a:latin typeface="Inconsolata Medium" panose="020B0609030003000000" pitchFamily="49" charset="77"/>
+                <a:latin typeface="Inconsolata" panose="020B0609030003000000" pitchFamily="49" charset="77"/>
               </a:rPr>
               <a:t>: </a:t>
             </a:r>
@@ -8632,13 +8979,13 @@
                 <a:solidFill>
                   <a:srgbClr val="990CFF"/>
                 </a:solidFill>
-                <a:latin typeface="Inconsolata Medium" panose="020B0609030003000000" pitchFamily="49" charset="77"/>
+                <a:latin typeface="Inconsolata" panose="020B0609030003000000" pitchFamily="49" charset="77"/>
               </a:rPr>
               <a:t>		print</a:t>
             </a:r>
             <a:r>
               <a:rPr lang="en-US" sz="2000" b="1" dirty="0">
-                <a:latin typeface="Inconsolata Medium" panose="020B0609030003000000" pitchFamily="49" charset="77"/>
+                <a:latin typeface="Inconsolata" panose="020B0609030003000000" pitchFamily="49" charset="77"/>
               </a:rPr>
               <a:t>(</a:t>
             </a:r>
@@ -8647,13 +8994,13 @@
                 <a:solidFill>
                   <a:srgbClr val="0CFF00"/>
                 </a:solidFill>
-                <a:latin typeface="Inconsolata Medium" panose="020B0609030003000000" pitchFamily="49" charset="77"/>
+                <a:latin typeface="Inconsolata" panose="020B0609030003000000" pitchFamily="49" charset="77"/>
               </a:rPr>
               <a:t>"Error: grade must be between 100 and 0"</a:t>
             </a:r>
             <a:r>
               <a:rPr lang="en-US" sz="2000" b="1" dirty="0">
-                <a:latin typeface="Inconsolata Medium" panose="020B0609030003000000" pitchFamily="49" charset="77"/>
+                <a:latin typeface="Inconsolata" panose="020B0609030003000000" pitchFamily="49" charset="77"/>
               </a:rPr>
               <a:t>) </a:t>
             </a:r>
@@ -8667,13 +9014,13 @@
                 <a:solidFill>
                   <a:srgbClr val="990CFF"/>
                 </a:solidFill>
-                <a:latin typeface="Inconsolata Medium" panose="020B0609030003000000" pitchFamily="49" charset="77"/>
+                <a:latin typeface="Inconsolata" panose="020B0609030003000000" pitchFamily="49" charset="77"/>
               </a:rPr>
               <a:t>print</a:t>
             </a:r>
             <a:r>
               <a:rPr lang="en-US" sz="2000" b="1" dirty="0">
-                <a:latin typeface="Inconsolata Medium" panose="020B0609030003000000" pitchFamily="49" charset="77"/>
+                <a:latin typeface="Inconsolata" panose="020B0609030003000000" pitchFamily="49" charset="77"/>
               </a:rPr>
               <a:t>(number)    </a:t>
             </a:r>
@@ -8684,7 +9031,7 @@
                     <a:lumMod val="75000"/>
                   </a:schemeClr>
                 </a:solidFill>
-                <a:latin typeface="Inconsolata Medium" panose="020B0609030003000000" pitchFamily="49" charset="77"/>
+                <a:latin typeface="Inconsolata" panose="020B0609030003000000" pitchFamily="49" charset="77"/>
               </a:rPr>
               <a:t># Just echo the valid input </a:t>
             </a:r>
@@ -8697,7 +9044,7 @@
               <a:solidFill>
                 <a:srgbClr val="193FFF"/>
               </a:solidFill>
-              <a:latin typeface="Inconsolata Medium" panose="020B0609030003000000" pitchFamily="49" charset="77"/>
+              <a:latin typeface="Inconsolata" panose="020B0609030003000000" pitchFamily="49" charset="77"/>
             </a:endParaRPr>
           </a:p>
           <a:p>

--- a/courses/apcsp/lect6.pptx
+++ b/courses/apcsp/lect6.pptx
@@ -849,10 +849,33 @@
   <pc:docChgLst>
     <pc:chgData name="Long B Nguyen" userId="f59fb8f3-a021-417a-8bc1-65c8d471c621" providerId="ADAL" clId="{4D090DEB-D33E-0146-8FDE-1BD7A7A456A7}"/>
     <pc:docChg chg="undo custSel modSld">
-      <pc:chgData name="Long B Nguyen" userId="f59fb8f3-a021-417a-8bc1-65c8d471c621" providerId="ADAL" clId="{4D090DEB-D33E-0146-8FDE-1BD7A7A456A7}" dt="2020-11-12T13:16:04.245" v="407" actId="5793"/>
+      <pc:chgData name="Long B Nguyen" userId="f59fb8f3-a021-417a-8bc1-65c8d471c621" providerId="ADAL" clId="{4D090DEB-D33E-0146-8FDE-1BD7A7A456A7}" dt="2020-11-12T13:17:44.434" v="410" actId="14100"/>
       <pc:docMkLst>
         <pc:docMk/>
       </pc:docMkLst>
+      <pc:sldChg chg="modSp mod">
+        <pc:chgData name="Long B Nguyen" userId="f59fb8f3-a021-417a-8bc1-65c8d471c621" providerId="ADAL" clId="{4D090DEB-D33E-0146-8FDE-1BD7A7A456A7}" dt="2020-11-12T13:17:44.434" v="410" actId="14100"/>
+        <pc:sldMkLst>
+          <pc:docMk/>
+          <pc:sldMk cId="924617162" sldId="319"/>
+        </pc:sldMkLst>
+        <pc:spChg chg="mod">
+          <ac:chgData name="Long B Nguyen" userId="f59fb8f3-a021-417a-8bc1-65c8d471c621" providerId="ADAL" clId="{4D090DEB-D33E-0146-8FDE-1BD7A7A456A7}" dt="2020-11-12T13:17:41.413" v="409" actId="1076"/>
+          <ac:spMkLst>
+            <pc:docMk/>
+            <pc:sldMk cId="924617162" sldId="319"/>
+            <ac:spMk id="2" creationId="{AA3A228F-61D0-D949-A5E7-F83756230BF8}"/>
+          </ac:spMkLst>
+        </pc:spChg>
+        <pc:spChg chg="mod">
+          <ac:chgData name="Long B Nguyen" userId="f59fb8f3-a021-417a-8bc1-65c8d471c621" providerId="ADAL" clId="{4D090DEB-D33E-0146-8FDE-1BD7A7A456A7}" dt="2020-11-12T13:17:44.434" v="410" actId="14100"/>
+          <ac:spMkLst>
+            <pc:docMk/>
+            <pc:sldMk cId="924617162" sldId="319"/>
+            <ac:spMk id="9" creationId="{E3B2E017-30B2-884B-A113-B419A2ED51AD}"/>
+          </ac:spMkLst>
+        </pc:spChg>
+      </pc:sldChg>
       <pc:sldChg chg="modSp mod">
         <pc:chgData name="Long B Nguyen" userId="f59fb8f3-a021-417a-8bc1-65c8d471c621" providerId="ADAL" clId="{4D090DEB-D33E-0146-8FDE-1BD7A7A456A7}" dt="2020-11-12T12:07:08.968" v="141" actId="14100"/>
         <pc:sldMkLst>
@@ -6547,7 +6570,7 @@
         </p:nvSpPr>
         <p:spPr>
           <a:xfrm>
-            <a:off x="483848" y="467027"/>
+            <a:off x="169682" y="221930"/>
             <a:ext cx="7053542" cy="683886"/>
           </a:xfrm>
         </p:spPr>
@@ -6580,8 +6603,8 @@
         </p:nvSpPr>
         <p:spPr>
           <a:xfrm>
-            <a:off x="483848" y="1288073"/>
-            <a:ext cx="8051725" cy="4292919"/>
+            <a:off x="169682" y="1018095"/>
+            <a:ext cx="8365891" cy="4562898"/>
           </a:xfrm>
         </p:spPr>
         <p:txBody>

--- a/courses/apcsp/lect6.pptx
+++ b/courses/apcsp/lect6.pptx
@@ -849,7 +849,7 @@
   <pc:docChgLst>
     <pc:chgData name="Long B Nguyen" userId="f59fb8f3-a021-417a-8bc1-65c8d471c621" providerId="ADAL" clId="{4D090DEB-D33E-0146-8FDE-1BD7A7A456A7}"/>
     <pc:docChg chg="undo custSel modSld">
-      <pc:chgData name="Long B Nguyen" userId="f59fb8f3-a021-417a-8bc1-65c8d471c621" providerId="ADAL" clId="{4D090DEB-D33E-0146-8FDE-1BD7A7A456A7}" dt="2020-11-12T13:17:44.434" v="410" actId="14100"/>
+      <pc:chgData name="Long B Nguyen" userId="f59fb8f3-a021-417a-8bc1-65c8d471c621" providerId="ADAL" clId="{4D090DEB-D33E-0146-8FDE-1BD7A7A456A7}" dt="2020-11-19T04:32:15.917" v="542" actId="255"/>
       <pc:docMkLst>
         <pc:docMk/>
       </pc:docMkLst>
@@ -877,13 +877,113 @@
         </pc:spChg>
       </pc:sldChg>
       <pc:sldChg chg="modSp mod">
-        <pc:chgData name="Long B Nguyen" userId="f59fb8f3-a021-417a-8bc1-65c8d471c621" providerId="ADAL" clId="{4D090DEB-D33E-0146-8FDE-1BD7A7A456A7}" dt="2020-11-12T12:07:08.968" v="141" actId="14100"/>
+        <pc:chgData name="Long B Nguyen" userId="f59fb8f3-a021-417a-8bc1-65c8d471c621" providerId="ADAL" clId="{4D090DEB-D33E-0146-8FDE-1BD7A7A456A7}" dt="2020-11-19T04:26:47.866" v="412" actId="1076"/>
+        <pc:sldMkLst>
+          <pc:docMk/>
+          <pc:sldMk cId="3758830494" sldId="320"/>
+        </pc:sldMkLst>
+        <pc:spChg chg="mod">
+          <ac:chgData name="Long B Nguyen" userId="f59fb8f3-a021-417a-8bc1-65c8d471c621" providerId="ADAL" clId="{4D090DEB-D33E-0146-8FDE-1BD7A7A456A7}" dt="2020-11-19T04:26:47.866" v="412" actId="1076"/>
+          <ac:spMkLst>
+            <pc:docMk/>
+            <pc:sldMk cId="3758830494" sldId="320"/>
+            <ac:spMk id="2" creationId="{AA3A228F-61D0-D949-A5E7-F83756230BF8}"/>
+          </ac:spMkLst>
+        </pc:spChg>
+        <pc:spChg chg="mod">
+          <ac:chgData name="Long B Nguyen" userId="f59fb8f3-a021-417a-8bc1-65c8d471c621" providerId="ADAL" clId="{4D090DEB-D33E-0146-8FDE-1BD7A7A456A7}" dt="2020-11-19T04:26:45.399" v="411" actId="14100"/>
+          <ac:spMkLst>
+            <pc:docMk/>
+            <pc:sldMk cId="3758830494" sldId="320"/>
+            <ac:spMk id="9" creationId="{E3B2E017-30B2-884B-A113-B419A2ED51AD}"/>
+          </ac:spMkLst>
+        </pc:spChg>
+      </pc:sldChg>
+      <pc:sldChg chg="modSp mod">
+        <pc:chgData name="Long B Nguyen" userId="f59fb8f3-a021-417a-8bc1-65c8d471c621" providerId="ADAL" clId="{4D090DEB-D33E-0146-8FDE-1BD7A7A456A7}" dt="2020-11-19T04:28:21.841" v="468" actId="20577"/>
+        <pc:sldMkLst>
+          <pc:docMk/>
+          <pc:sldMk cId="1022945305" sldId="321"/>
+        </pc:sldMkLst>
+        <pc:spChg chg="mod">
+          <ac:chgData name="Long B Nguyen" userId="f59fb8f3-a021-417a-8bc1-65c8d471c621" providerId="ADAL" clId="{4D090DEB-D33E-0146-8FDE-1BD7A7A456A7}" dt="2020-11-19T04:26:53.269" v="413" actId="1076"/>
+          <ac:spMkLst>
+            <pc:docMk/>
+            <pc:sldMk cId="1022945305" sldId="321"/>
+            <ac:spMk id="2" creationId="{AA3A228F-61D0-D949-A5E7-F83756230BF8}"/>
+          </ac:spMkLst>
+        </pc:spChg>
+        <pc:spChg chg="mod">
+          <ac:chgData name="Long B Nguyen" userId="f59fb8f3-a021-417a-8bc1-65c8d471c621" providerId="ADAL" clId="{4D090DEB-D33E-0146-8FDE-1BD7A7A456A7}" dt="2020-11-19T04:28:21.841" v="468" actId="20577"/>
+          <ac:spMkLst>
+            <pc:docMk/>
+            <pc:sldMk cId="1022945305" sldId="321"/>
+            <ac:spMk id="9" creationId="{E3B2E017-30B2-884B-A113-B419A2ED51AD}"/>
+          </ac:spMkLst>
+        </pc:spChg>
+      </pc:sldChg>
+      <pc:sldChg chg="modSp mod">
+        <pc:chgData name="Long B Nguyen" userId="f59fb8f3-a021-417a-8bc1-65c8d471c621" providerId="ADAL" clId="{4D090DEB-D33E-0146-8FDE-1BD7A7A456A7}" dt="2020-11-19T04:29:45.657" v="505" actId="14100"/>
+        <pc:sldMkLst>
+          <pc:docMk/>
+          <pc:sldMk cId="3456840474" sldId="322"/>
+        </pc:sldMkLst>
+        <pc:spChg chg="mod">
+          <ac:chgData name="Long B Nguyen" userId="f59fb8f3-a021-417a-8bc1-65c8d471c621" providerId="ADAL" clId="{4D090DEB-D33E-0146-8FDE-1BD7A7A456A7}" dt="2020-11-19T04:29:42.741" v="504" actId="1076"/>
+          <ac:spMkLst>
+            <pc:docMk/>
+            <pc:sldMk cId="3456840474" sldId="322"/>
+            <ac:spMk id="2" creationId="{AA3A228F-61D0-D949-A5E7-F83756230BF8}"/>
+          </ac:spMkLst>
+        </pc:spChg>
+        <pc:spChg chg="mod">
+          <ac:chgData name="Long B Nguyen" userId="f59fb8f3-a021-417a-8bc1-65c8d471c621" providerId="ADAL" clId="{4D090DEB-D33E-0146-8FDE-1BD7A7A456A7}" dt="2020-11-19T04:29:45.657" v="505" actId="14100"/>
+          <ac:spMkLst>
+            <pc:docMk/>
+            <pc:sldMk cId="3456840474" sldId="322"/>
+            <ac:spMk id="9" creationId="{E3B2E017-30B2-884B-A113-B419A2ED51AD}"/>
+          </ac:spMkLst>
+        </pc:spChg>
+      </pc:sldChg>
+      <pc:sldChg chg="modSp mod">
+        <pc:chgData name="Long B Nguyen" userId="f59fb8f3-a021-417a-8bc1-65c8d471c621" providerId="ADAL" clId="{4D090DEB-D33E-0146-8FDE-1BD7A7A456A7}" dt="2020-11-19T04:30:28.655" v="535" actId="20577"/>
+        <pc:sldMkLst>
+          <pc:docMk/>
+          <pc:sldMk cId="1062075874" sldId="323"/>
+        </pc:sldMkLst>
+        <pc:spChg chg="mod">
+          <ac:chgData name="Long B Nguyen" userId="f59fb8f3-a021-417a-8bc1-65c8d471c621" providerId="ADAL" clId="{4D090DEB-D33E-0146-8FDE-1BD7A7A456A7}" dt="2020-11-19T04:30:28.655" v="535" actId="20577"/>
+          <ac:spMkLst>
+            <pc:docMk/>
+            <pc:sldMk cId="1062075874" sldId="323"/>
+            <ac:spMk id="2" creationId="{AA3A228F-61D0-D949-A5E7-F83756230BF8}"/>
+          </ac:spMkLst>
+        </pc:spChg>
+        <pc:spChg chg="mod">
+          <ac:chgData name="Long B Nguyen" userId="f59fb8f3-a021-417a-8bc1-65c8d471c621" providerId="ADAL" clId="{4D090DEB-D33E-0146-8FDE-1BD7A7A456A7}" dt="2020-11-19T04:29:52.399" v="506" actId="14100"/>
+          <ac:spMkLst>
+            <pc:docMk/>
+            <pc:sldMk cId="1062075874" sldId="323"/>
+            <ac:spMk id="9" creationId="{E3B2E017-30B2-884B-A113-B419A2ED51AD}"/>
+          </ac:spMkLst>
+        </pc:spChg>
+      </pc:sldChg>
+      <pc:sldChg chg="modSp mod">
+        <pc:chgData name="Long B Nguyen" userId="f59fb8f3-a021-417a-8bc1-65c8d471c621" providerId="ADAL" clId="{4D090DEB-D33E-0146-8FDE-1BD7A7A456A7}" dt="2020-11-19T04:31:04.571" v="539" actId="1076"/>
         <pc:sldMkLst>
           <pc:docMk/>
           <pc:sldMk cId="1310010799" sldId="324"/>
         </pc:sldMkLst>
         <pc:spChg chg="mod">
-          <ac:chgData name="Long B Nguyen" userId="f59fb8f3-a021-417a-8bc1-65c8d471c621" providerId="ADAL" clId="{4D090DEB-D33E-0146-8FDE-1BD7A7A456A7}" dt="2020-11-12T12:07:08.968" v="141" actId="14100"/>
+          <ac:chgData name="Long B Nguyen" userId="f59fb8f3-a021-417a-8bc1-65c8d471c621" providerId="ADAL" clId="{4D090DEB-D33E-0146-8FDE-1BD7A7A456A7}" dt="2020-11-19T04:31:04.571" v="539" actId="1076"/>
+          <ac:spMkLst>
+            <pc:docMk/>
+            <pc:sldMk cId="1310010799" sldId="324"/>
+            <ac:spMk id="2" creationId="{AA3A228F-61D0-D949-A5E7-F83756230BF8}"/>
+          </ac:spMkLst>
+        </pc:spChg>
+        <pc:spChg chg="mod">
+          <ac:chgData name="Long B Nguyen" userId="f59fb8f3-a021-417a-8bc1-65c8d471c621" providerId="ADAL" clId="{4D090DEB-D33E-0146-8FDE-1BD7A7A456A7}" dt="2020-11-19T04:30:58.529" v="538" actId="1076"/>
           <ac:spMkLst>
             <pc:docMk/>
             <pc:sldMk cId="1310010799" sldId="324"/>
@@ -915,13 +1015,44 @@
         </pc:spChg>
       </pc:sldChg>
       <pc:sldChg chg="modSp mod">
-        <pc:chgData name="Long B Nguyen" userId="f59fb8f3-a021-417a-8bc1-65c8d471c621" providerId="ADAL" clId="{4D090DEB-D33E-0146-8FDE-1BD7A7A456A7}" dt="2020-11-12T12:04:13.614" v="0" actId="14100"/>
+        <pc:chgData name="Long B Nguyen" userId="f59fb8f3-a021-417a-8bc1-65c8d471c621" providerId="ADAL" clId="{4D090DEB-D33E-0146-8FDE-1BD7A7A456A7}" dt="2020-11-19T04:30:22.456" v="522" actId="20577"/>
+        <pc:sldMkLst>
+          <pc:docMk/>
+          <pc:sldMk cId="1724104636" sldId="327"/>
+        </pc:sldMkLst>
+        <pc:spChg chg="mod">
+          <ac:chgData name="Long B Nguyen" userId="f59fb8f3-a021-417a-8bc1-65c8d471c621" providerId="ADAL" clId="{4D090DEB-D33E-0146-8FDE-1BD7A7A456A7}" dt="2020-11-19T04:30:22.456" v="522" actId="20577"/>
+          <ac:spMkLst>
+            <pc:docMk/>
+            <pc:sldMk cId="1724104636" sldId="327"/>
+            <ac:spMk id="2" creationId="{AA3A228F-61D0-D949-A5E7-F83756230BF8}"/>
+          </ac:spMkLst>
+        </pc:spChg>
+        <pc:spChg chg="mod">
+          <ac:chgData name="Long B Nguyen" userId="f59fb8f3-a021-417a-8bc1-65c8d471c621" providerId="ADAL" clId="{4D090DEB-D33E-0146-8FDE-1BD7A7A456A7}" dt="2020-11-19T04:30:06.009" v="508" actId="14100"/>
+          <ac:spMkLst>
+            <pc:docMk/>
+            <pc:sldMk cId="1724104636" sldId="327"/>
+            <ac:spMk id="9" creationId="{E3B2E017-30B2-884B-A113-B419A2ED51AD}"/>
+          </ac:spMkLst>
+        </pc:spChg>
+      </pc:sldChg>
+      <pc:sldChg chg="modSp mod">
+        <pc:chgData name="Long B Nguyen" userId="f59fb8f3-a021-417a-8bc1-65c8d471c621" providerId="ADAL" clId="{4D090DEB-D33E-0146-8FDE-1BD7A7A456A7}" dt="2020-11-19T04:29:02.623" v="501" actId="20577"/>
         <pc:sldMkLst>
           <pc:docMk/>
           <pc:sldMk cId="3894299887" sldId="328"/>
         </pc:sldMkLst>
         <pc:spChg chg="mod">
-          <ac:chgData name="Long B Nguyen" userId="f59fb8f3-a021-417a-8bc1-65c8d471c621" providerId="ADAL" clId="{4D090DEB-D33E-0146-8FDE-1BD7A7A456A7}" dt="2020-11-12T12:04:13.614" v="0" actId="14100"/>
+          <ac:chgData name="Long B Nguyen" userId="f59fb8f3-a021-417a-8bc1-65c8d471c621" providerId="ADAL" clId="{4D090DEB-D33E-0146-8FDE-1BD7A7A456A7}" dt="2020-11-19T04:28:32.104" v="469" actId="1076"/>
+          <ac:spMkLst>
+            <pc:docMk/>
+            <pc:sldMk cId="3894299887" sldId="328"/>
+            <ac:spMk id="2" creationId="{AA3A228F-61D0-D949-A5E7-F83756230BF8}"/>
+          </ac:spMkLst>
+        </pc:spChg>
+        <pc:spChg chg="mod">
+          <ac:chgData name="Long B Nguyen" userId="f59fb8f3-a021-417a-8bc1-65c8d471c621" providerId="ADAL" clId="{4D090DEB-D33E-0146-8FDE-1BD7A7A456A7}" dt="2020-11-19T04:29:02.623" v="501" actId="20577"/>
           <ac:spMkLst>
             <pc:docMk/>
             <pc:sldMk cId="3894299887" sldId="328"/>
@@ -929,14 +1060,60 @@
           </ac:spMkLst>
         </pc:spChg>
       </pc:sldChg>
+      <pc:sldChg chg="modSp mod">
+        <pc:chgData name="Long B Nguyen" userId="f59fb8f3-a021-417a-8bc1-65c8d471c621" providerId="ADAL" clId="{4D090DEB-D33E-0146-8FDE-1BD7A7A456A7}" dt="2020-11-19T04:29:15.696" v="503" actId="1076"/>
+        <pc:sldMkLst>
+          <pc:docMk/>
+          <pc:sldMk cId="4294143140" sldId="329"/>
+        </pc:sldMkLst>
+        <pc:spChg chg="mod">
+          <ac:chgData name="Long B Nguyen" userId="f59fb8f3-a021-417a-8bc1-65c8d471c621" providerId="ADAL" clId="{4D090DEB-D33E-0146-8FDE-1BD7A7A456A7}" dt="2020-11-19T04:29:15.696" v="503" actId="1076"/>
+          <ac:spMkLst>
+            <pc:docMk/>
+            <pc:sldMk cId="4294143140" sldId="329"/>
+            <ac:spMk id="2" creationId="{AA3A228F-61D0-D949-A5E7-F83756230BF8}"/>
+          </ac:spMkLst>
+        </pc:spChg>
+        <pc:spChg chg="mod">
+          <ac:chgData name="Long B Nguyen" userId="f59fb8f3-a021-417a-8bc1-65c8d471c621" providerId="ADAL" clId="{4D090DEB-D33E-0146-8FDE-1BD7A7A456A7}" dt="2020-11-19T04:29:13.159" v="502" actId="14100"/>
+          <ac:spMkLst>
+            <pc:docMk/>
+            <pc:sldMk cId="4294143140" sldId="329"/>
+            <ac:spMk id="9" creationId="{E3B2E017-30B2-884B-A113-B419A2ED51AD}"/>
+          </ac:spMkLst>
+        </pc:spChg>
+      </pc:sldChg>
+      <pc:sldChg chg="modSp mod">
+        <pc:chgData name="Long B Nguyen" userId="f59fb8f3-a021-417a-8bc1-65c8d471c621" providerId="ADAL" clId="{4D090DEB-D33E-0146-8FDE-1BD7A7A456A7}" dt="2020-11-19T04:30:51.008" v="537" actId="1076"/>
+        <pc:sldMkLst>
+          <pc:docMk/>
+          <pc:sldMk cId="3594730708" sldId="330"/>
+        </pc:sldMkLst>
+        <pc:spChg chg="mod">
+          <ac:chgData name="Long B Nguyen" userId="f59fb8f3-a021-417a-8bc1-65c8d471c621" providerId="ADAL" clId="{4D090DEB-D33E-0146-8FDE-1BD7A7A456A7}" dt="2020-11-19T04:30:51.008" v="537" actId="1076"/>
+          <ac:spMkLst>
+            <pc:docMk/>
+            <pc:sldMk cId="3594730708" sldId="330"/>
+            <ac:spMk id="2" creationId="{AA3A228F-61D0-D949-A5E7-F83756230BF8}"/>
+          </ac:spMkLst>
+        </pc:spChg>
+        <pc:spChg chg="mod">
+          <ac:chgData name="Long B Nguyen" userId="f59fb8f3-a021-417a-8bc1-65c8d471c621" providerId="ADAL" clId="{4D090DEB-D33E-0146-8FDE-1BD7A7A456A7}" dt="2020-11-19T04:30:48.552" v="536" actId="14100"/>
+          <ac:spMkLst>
+            <pc:docMk/>
+            <pc:sldMk cId="3594730708" sldId="330"/>
+            <ac:spMk id="9" creationId="{E3B2E017-30B2-884B-A113-B419A2ED51AD}"/>
+          </ac:spMkLst>
+        </pc:spChg>
+      </pc:sldChg>
       <pc:sldChg chg="addSp delSp modSp mod">
-        <pc:chgData name="Long B Nguyen" userId="f59fb8f3-a021-417a-8bc1-65c8d471c621" providerId="ADAL" clId="{4D090DEB-D33E-0146-8FDE-1BD7A7A456A7}" dt="2020-11-12T13:15:47.185" v="400"/>
+        <pc:chgData name="Long B Nguyen" userId="f59fb8f3-a021-417a-8bc1-65c8d471c621" providerId="ADAL" clId="{4D090DEB-D33E-0146-8FDE-1BD7A7A456A7}" dt="2020-11-19T04:32:15.917" v="542" actId="255"/>
         <pc:sldMkLst>
           <pc:docMk/>
           <pc:sldMk cId="3870816631" sldId="331"/>
         </pc:sldMkLst>
         <pc:spChg chg="mod">
-          <ac:chgData name="Long B Nguyen" userId="f59fb8f3-a021-417a-8bc1-65c8d471c621" providerId="ADAL" clId="{4D090DEB-D33E-0146-8FDE-1BD7A7A456A7}" dt="2020-11-12T13:14:17.527" v="323" actId="1076"/>
+          <ac:chgData name="Long B Nguyen" userId="f59fb8f3-a021-417a-8bc1-65c8d471c621" providerId="ADAL" clId="{4D090DEB-D33E-0146-8FDE-1BD7A7A456A7}" dt="2020-11-19T04:32:15.917" v="542" actId="255"/>
           <ac:spMkLst>
             <pc:docMk/>
             <pc:sldMk cId="3870816631" sldId="331"/>
@@ -969,11 +1146,19 @@
         </pc:spChg>
       </pc:sldChg>
       <pc:sldChg chg="modSp mod">
-        <pc:chgData name="Long B Nguyen" userId="f59fb8f3-a021-417a-8bc1-65c8d471c621" providerId="ADAL" clId="{4D090DEB-D33E-0146-8FDE-1BD7A7A456A7}" dt="2020-11-12T12:07:34.465" v="143" actId="14100"/>
+        <pc:chgData name="Long B Nguyen" userId="f59fb8f3-a021-417a-8bc1-65c8d471c621" providerId="ADAL" clId="{4D090DEB-D33E-0146-8FDE-1BD7A7A456A7}" dt="2020-11-19T04:31:26.138" v="540" actId="1076"/>
         <pc:sldMkLst>
           <pc:docMk/>
           <pc:sldMk cId="3124353102" sldId="332"/>
         </pc:sldMkLst>
+        <pc:spChg chg="mod">
+          <ac:chgData name="Long B Nguyen" userId="f59fb8f3-a021-417a-8bc1-65c8d471c621" providerId="ADAL" clId="{4D090DEB-D33E-0146-8FDE-1BD7A7A456A7}" dt="2020-11-19T04:31:26.138" v="540" actId="1076"/>
+          <ac:spMkLst>
+            <pc:docMk/>
+            <pc:sldMk cId="3124353102" sldId="332"/>
+            <ac:spMk id="2" creationId="{AA3A228F-61D0-D949-A5E7-F83756230BF8}"/>
+          </ac:spMkLst>
+        </pc:spChg>
         <pc:spChg chg="mod">
           <ac:chgData name="Long B Nguyen" userId="f59fb8f3-a021-417a-8bc1-65c8d471c621" providerId="ADAL" clId="{4D090DEB-D33E-0146-8FDE-1BD7A7A456A7}" dt="2020-11-12T12:07:34.465" v="143" actId="14100"/>
           <ac:spMkLst>
@@ -1472,7 +1657,7 @@
           <a:p>
             <a:fld id="{4AAD347D-5ACD-4C99-B74B-A9C85AD731AF}" type="datetimeFigureOut">
               <a:rPr lang="en-US" smtClean="0"/>
-              <a:t>11/12/20</a:t>
+              <a:t>11/18/20</a:t>
             </a:fld>
             <a:endParaRPr lang="en-US" dirty="0"/>
           </a:p>
@@ -1642,7 +1827,7 @@
           <a:p>
             <a:fld id="{4509A250-FF31-4206-8172-F9D3106AACB1}" type="datetimeFigureOut">
               <a:rPr lang="en-US" smtClean="0"/>
-              <a:t>11/12/20</a:t>
+              <a:t>11/18/20</a:t>
             </a:fld>
             <a:endParaRPr lang="en-US" dirty="0"/>
           </a:p>
@@ -1822,7 +2007,7 @@
           <a:p>
             <a:fld id="{4509A250-FF31-4206-8172-F9D3106AACB1}" type="datetimeFigureOut">
               <a:rPr lang="en-US" smtClean="0"/>
-              <a:t>11/12/20</a:t>
+              <a:t>11/18/20</a:t>
             </a:fld>
             <a:endParaRPr lang="en-US" dirty="0"/>
           </a:p>
@@ -1992,7 +2177,7 @@
           <a:p>
             <a:fld id="{4509A250-FF31-4206-8172-F9D3106AACB1}" type="datetimeFigureOut">
               <a:rPr lang="en-US" smtClean="0"/>
-              <a:t>11/12/20</a:t>
+              <a:t>11/18/20</a:t>
             </a:fld>
             <a:endParaRPr lang="en-US" dirty="0"/>
           </a:p>
@@ -2238,7 +2423,7 @@
           <a:p>
             <a:fld id="{9796027F-7875-4030-9381-8BD8C4F21935}" type="datetimeFigureOut">
               <a:rPr lang="en-US" smtClean="0"/>
-              <a:t>11/12/20</a:t>
+              <a:t>11/18/20</a:t>
             </a:fld>
             <a:endParaRPr lang="en-US" dirty="0"/>
           </a:p>
@@ -2470,7 +2655,7 @@
           <a:p>
             <a:fld id="{9796027F-7875-4030-9381-8BD8C4F21935}" type="datetimeFigureOut">
               <a:rPr lang="en-US" smtClean="0"/>
-              <a:t>11/12/20</a:t>
+              <a:t>11/18/20</a:t>
             </a:fld>
             <a:endParaRPr lang="en-US" dirty="0"/>
           </a:p>
@@ -2837,7 +3022,7 @@
           <a:p>
             <a:fld id="{9796027F-7875-4030-9381-8BD8C4F21935}" type="datetimeFigureOut">
               <a:rPr lang="en-US" smtClean="0"/>
-              <a:t>11/12/20</a:t>
+              <a:t>11/18/20</a:t>
             </a:fld>
             <a:endParaRPr lang="en-US" dirty="0"/>
           </a:p>
@@ -2955,7 +3140,7 @@
           <a:p>
             <a:fld id="{4509A250-FF31-4206-8172-F9D3106AACB1}" type="datetimeFigureOut">
               <a:rPr lang="en-US" smtClean="0"/>
-              <a:t>11/12/20</a:t>
+              <a:t>11/18/20</a:t>
             </a:fld>
             <a:endParaRPr lang="en-US" dirty="0"/>
           </a:p>
@@ -3050,7 +3235,7 @@
           <a:p>
             <a:fld id="{4509A250-FF31-4206-8172-F9D3106AACB1}" type="datetimeFigureOut">
               <a:rPr lang="en-US" smtClean="0"/>
-              <a:t>11/12/20</a:t>
+              <a:t>11/18/20</a:t>
             </a:fld>
             <a:endParaRPr lang="en-US" dirty="0"/>
           </a:p>
@@ -3327,7 +3512,7 @@
           <a:p>
             <a:fld id="{4509A250-FF31-4206-8172-F9D3106AACB1}" type="datetimeFigureOut">
               <a:rPr lang="en-US" smtClean="0"/>
-              <a:t>11/12/20</a:t>
+              <a:t>11/18/20</a:t>
             </a:fld>
             <a:endParaRPr lang="en-US" dirty="0"/>
           </a:p>
@@ -3584,7 +3769,7 @@
           <a:p>
             <a:fld id="{4509A250-FF31-4206-8172-F9D3106AACB1}" type="datetimeFigureOut">
               <a:rPr lang="en-US" smtClean="0"/>
-              <a:t>11/12/20</a:t>
+              <a:t>11/18/20</a:t>
             </a:fld>
             <a:endParaRPr lang="en-US" dirty="0"/>
           </a:p>
@@ -3797,7 +3982,7 @@
           <a:p>
             <a:fld id="{4AAD347D-5ACD-4C99-B74B-A9C85AD731AF}" type="datetimeFigureOut">
               <a:rPr lang="en-US" smtClean="0"/>
-              <a:t>11/12/20</a:t>
+              <a:t>11/18/20</a:t>
             </a:fld>
             <a:endParaRPr lang="en-US" dirty="0"/>
           </a:p>
@@ -4523,7 +4708,7 @@
         </p:nvSpPr>
         <p:spPr>
           <a:xfrm>
-            <a:off x="483848" y="54496"/>
+            <a:off x="160256" y="54495"/>
             <a:ext cx="7053542" cy="683886"/>
           </a:xfrm>
         </p:spPr>
@@ -4556,8 +4741,8 @@
         </p:nvSpPr>
         <p:spPr>
           <a:xfrm>
-            <a:off x="483848" y="583097"/>
-            <a:ext cx="8051725" cy="4997896"/>
+            <a:off x="160256" y="738381"/>
+            <a:ext cx="8375317" cy="4842611"/>
           </a:xfrm>
         </p:spPr>
         <p:txBody>
@@ -4952,7 +5137,7 @@
         </p:nvSpPr>
         <p:spPr>
           <a:xfrm>
-            <a:off x="483848" y="0"/>
+            <a:off x="188536" y="0"/>
             <a:ext cx="7053542" cy="683886"/>
           </a:xfrm>
         </p:spPr>
@@ -4985,7 +5170,7 @@
         </p:nvSpPr>
         <p:spPr>
           <a:xfrm>
-            <a:off x="150829" y="683886"/>
+            <a:off x="188536" y="626165"/>
             <a:ext cx="8766927" cy="5088835"/>
           </a:xfrm>
         </p:spPr>
@@ -5381,7 +5566,7 @@
         </p:nvSpPr>
         <p:spPr>
           <a:xfrm>
-            <a:off x="483848" y="0"/>
+            <a:off x="78496" y="9427"/>
             <a:ext cx="7053542" cy="683886"/>
           </a:xfrm>
         </p:spPr>
@@ -5938,16 +6123,18 @@
         </p:nvSpPr>
         <p:spPr>
           <a:xfrm>
-            <a:off x="311084" y="0"/>
+            <a:off x="65988" y="-48459"/>
             <a:ext cx="6849233" cy="580191"/>
           </a:xfrm>
         </p:spPr>
         <p:txBody>
-          <a:bodyPr/>
+          <a:bodyPr>
+            <a:normAutofit/>
+          </a:bodyPr>
           <a:lstStyle/>
           <a:p>
             <a:r>
-              <a:rPr lang="en-US" dirty="0"/>
+              <a:rPr lang="en-US" sz="3000" dirty="0"/>
               <a:t>Guessing Game</a:t>
             </a:r>
           </a:p>
@@ -6741,7 +6928,7 @@
         </p:nvSpPr>
         <p:spPr>
           <a:xfrm>
-            <a:off x="483848" y="134008"/>
+            <a:off x="197964" y="134007"/>
             <a:ext cx="7053542" cy="683886"/>
           </a:xfrm>
         </p:spPr>
@@ -6774,8 +6961,8 @@
         </p:nvSpPr>
         <p:spPr>
           <a:xfrm>
-            <a:off x="483848" y="817895"/>
-            <a:ext cx="8051725" cy="4763098"/>
+            <a:off x="197964" y="817894"/>
+            <a:ext cx="8337610" cy="4763099"/>
           </a:xfrm>
         </p:spPr>
         <p:txBody>
@@ -6987,7 +7174,7 @@
         </p:nvSpPr>
         <p:spPr>
           <a:xfrm>
-            <a:off x="483848" y="54496"/>
+            <a:off x="210470" y="31731"/>
             <a:ext cx="7053542" cy="683886"/>
           </a:xfrm>
         </p:spPr>
@@ -7020,8 +7207,8 @@
         </p:nvSpPr>
         <p:spPr>
           <a:xfrm>
-            <a:off x="483848" y="715617"/>
-            <a:ext cx="8051725" cy="4865375"/>
+            <a:off x="210470" y="829559"/>
+            <a:ext cx="8325103" cy="4751433"/>
           </a:xfrm>
         </p:spPr>
         <p:txBody>
@@ -7059,7 +7246,7 @@
                 </a:solidFill>
                 <a:latin typeface="Inconsolata" panose="020B0609030003000000" pitchFamily="49" charset="77"/>
               </a:rPr>
-              <a:t># Counting down with a for loop from 10 to 1.</a:t>
+              <a:t># Counting using a for loop from 1 to 10.</a:t>
             </a:r>
           </a:p>
           <a:p>
@@ -7094,7 +7281,7 @@
               <a:rPr lang="en-US" sz="2000" b="1" dirty="0">
                 <a:latin typeface="Inconsolata" panose="020B0609030003000000" pitchFamily="49" charset="77"/>
               </a:rPr>
-              <a:t>range(10, 0, –1): </a:t>
+              <a:t>range(1, 11): </a:t>
             </a:r>
           </a:p>
           <a:p>
@@ -7165,18 +7352,18 @@
                 </a:solidFill>
                 <a:latin typeface="Inconsolata" panose="020B0609030003000000" pitchFamily="49" charset="77"/>
               </a:rPr>
-              <a:t># Counting down with a while loop from 10 to 1.</a:t>
-            </a:r>
-          </a:p>
-          <a:p>
-            <a:pPr marL="0" indent="0">
-              <a:buNone/>
-            </a:pPr>
-            <a:r>
-              <a:rPr lang="en-US" sz="2000" b="1" dirty="0">
-                <a:latin typeface="Inconsolata" panose="020B0609030003000000" pitchFamily="49" charset="77"/>
-              </a:rPr>
-              <a:t>count = 10 </a:t>
+              <a:t># Counting using a while loop from 1 to 10.</a:t>
+            </a:r>
+          </a:p>
+          <a:p>
+            <a:pPr marL="0" indent="0">
+              <a:buNone/>
+            </a:pPr>
+            <a:r>
+              <a:rPr lang="en-US" sz="2000" b="1" dirty="0">
+                <a:latin typeface="Inconsolata" panose="020B0609030003000000" pitchFamily="49" charset="77"/>
+              </a:rPr>
+              <a:t>count = 1 </a:t>
             </a:r>
           </a:p>
           <a:p>
@@ -7196,7 +7383,7 @@
               <a:rPr lang="en-US" sz="2000" b="1" dirty="0">
                 <a:latin typeface="Inconsolata" panose="020B0609030003000000" pitchFamily="49" charset="77"/>
               </a:rPr>
-              <a:t>count &gt;= 1: </a:t>
+              <a:t>count &lt; 11: </a:t>
             </a:r>
           </a:p>
           <a:p>
@@ -7242,7 +7429,7 @@
               <a:rPr lang="en-US" sz="2000" b="1" dirty="0">
                 <a:latin typeface="Inconsolata" panose="020B0609030003000000" pitchFamily="49" charset="77"/>
               </a:rPr>
-              <a:t>	count -= 1 </a:t>
+              <a:t>	count += 1 </a:t>
             </a:r>
           </a:p>
           <a:p>
@@ -7322,7 +7509,7 @@
         </p:nvSpPr>
         <p:spPr>
           <a:xfrm>
-            <a:off x="483848" y="54496"/>
+            <a:off x="179110" y="115154"/>
             <a:ext cx="7053542" cy="683886"/>
           </a:xfrm>
         </p:spPr>
@@ -7355,8 +7542,8 @@
         </p:nvSpPr>
         <p:spPr>
           <a:xfrm>
-            <a:off x="179110" y="738382"/>
-            <a:ext cx="8356464" cy="4842610"/>
+            <a:off x="179110" y="799040"/>
+            <a:ext cx="8785780" cy="4800806"/>
           </a:xfrm>
         </p:spPr>
         <p:txBody>
@@ -7397,16 +7584,10 @@
               <a:buNone/>
             </a:pPr>
             <a:r>
-              <a:rPr lang="en-US" sz="2000" b="1" dirty="0" err="1">
-                <a:latin typeface="Inconsolata" panose="020B0609030003000000" pitchFamily="49" charset="77"/>
-              </a:rPr>
-              <a:t>theSum</a:t>
-            </a:r>
-            <a:r>
-              <a:rPr lang="en-US" sz="2000" b="1" dirty="0">
-                <a:latin typeface="Inconsolata" panose="020B0609030003000000" pitchFamily="49" charset="77"/>
-              </a:rPr>
-              <a:t> = 0 </a:t>
+              <a:rPr lang="en-US" sz="2000" b="1" dirty="0">
+                <a:latin typeface="Inconsolata" panose="020B0609030003000000" pitchFamily="49" charset="77"/>
+              </a:rPr>
+              <a:t>sum = 0 </a:t>
             </a:r>
           </a:p>
           <a:p>
@@ -7461,19 +7642,7 @@
               <a:rPr lang="en-US" sz="2000" b="1" dirty="0">
                 <a:latin typeface="Inconsolata" panose="020B0609030003000000" pitchFamily="49" charset="77"/>
               </a:rPr>
-              <a:t>	</a:t>
-            </a:r>
-            <a:r>
-              <a:rPr lang="en-US" sz="2000" b="1" dirty="0" err="1">
-                <a:latin typeface="Inconsolata" panose="020B0609030003000000" pitchFamily="49" charset="77"/>
-              </a:rPr>
-              <a:t>theSum</a:t>
-            </a:r>
-            <a:r>
-              <a:rPr lang="en-US" sz="2000" b="1" dirty="0">
-                <a:latin typeface="Inconsolata" panose="020B0609030003000000" pitchFamily="49" charset="77"/>
-              </a:rPr>
-              <a:t> += count </a:t>
+              <a:t>	sum += count </a:t>
             </a:r>
           </a:p>
           <a:p>
@@ -7493,19 +7662,7 @@
               <a:rPr lang="en-US" sz="2000" b="1" dirty="0">
                 <a:latin typeface="Inconsolata" panose="020B0609030003000000" pitchFamily="49" charset="77"/>
               </a:rPr>
-              <a:t>(</a:t>
-            </a:r>
-            <a:r>
-              <a:rPr lang="en-US" sz="2000" b="1" dirty="0" err="1">
-                <a:latin typeface="Inconsolata" panose="020B0609030003000000" pitchFamily="49" charset="77"/>
-              </a:rPr>
-              <a:t>theSum</a:t>
-            </a:r>
-            <a:r>
-              <a:rPr lang="en-US" sz="2000" b="1" dirty="0">
-                <a:latin typeface="Inconsolata" panose="020B0609030003000000" pitchFamily="49" charset="77"/>
-              </a:rPr>
-              <a:t>) </a:t>
+              <a:t>(sum) </a:t>
             </a:r>
             <a:endParaRPr lang="en-US" sz="2000" b="1" dirty="0">
               <a:solidFill>
@@ -7533,16 +7690,10 @@
               <a:buNone/>
             </a:pPr>
             <a:r>
-              <a:rPr lang="en-US" sz="2000" b="1" dirty="0" err="1">
-                <a:latin typeface="Inconsolata" panose="020B0609030003000000" pitchFamily="49" charset="77"/>
-              </a:rPr>
-              <a:t>theSum</a:t>
-            </a:r>
-            <a:r>
-              <a:rPr lang="en-US" sz="2000" b="1" dirty="0">
-                <a:latin typeface="Inconsolata" panose="020B0609030003000000" pitchFamily="49" charset="77"/>
-              </a:rPr>
-              <a:t> = 0 </a:t>
+              <a:rPr lang="en-US" sz="2000" b="1" dirty="0">
+                <a:latin typeface="Inconsolata" panose="020B0609030003000000" pitchFamily="49" charset="77"/>
+              </a:rPr>
+              <a:t>sum = 0 </a:t>
             </a:r>
           </a:p>
           <a:p>
@@ -7584,19 +7735,7 @@
               <a:rPr lang="en-US" sz="2000" b="1" dirty="0">
                 <a:latin typeface="Inconsolata" panose="020B0609030003000000" pitchFamily="49" charset="77"/>
               </a:rPr>
-              <a:t>	</a:t>
-            </a:r>
-            <a:r>
-              <a:rPr lang="en-US" sz="2000" b="1" dirty="0" err="1">
-                <a:latin typeface="Inconsolata" panose="020B0609030003000000" pitchFamily="49" charset="77"/>
-              </a:rPr>
-              <a:t>theSum</a:t>
-            </a:r>
-            <a:r>
-              <a:rPr lang="en-US" sz="2000" b="1" dirty="0">
-                <a:latin typeface="Inconsolata" panose="020B0609030003000000" pitchFamily="49" charset="77"/>
-              </a:rPr>
-              <a:t> += count </a:t>
+              <a:t>	sum += count </a:t>
             </a:r>
           </a:p>
           <a:p>
@@ -7627,19 +7766,7 @@
               <a:rPr lang="en-US" sz="2000" b="1" dirty="0">
                 <a:latin typeface="Inconsolata" panose="020B0609030003000000" pitchFamily="49" charset="77"/>
               </a:rPr>
-              <a:t>(</a:t>
-            </a:r>
-            <a:r>
-              <a:rPr lang="en-US" sz="2000" b="1" dirty="0" err="1">
-                <a:latin typeface="Inconsolata" panose="020B0609030003000000" pitchFamily="49" charset="77"/>
-              </a:rPr>
-              <a:t>theSum</a:t>
-            </a:r>
-            <a:r>
-              <a:rPr lang="en-US" sz="2000" b="1" dirty="0">
-                <a:latin typeface="Inconsolata" panose="020B0609030003000000" pitchFamily="49" charset="77"/>
-              </a:rPr>
-              <a:t>) </a:t>
+              <a:t>(sum) </a:t>
             </a:r>
             <a:endParaRPr lang="en-US" sz="2000" dirty="0">
               <a:latin typeface="Inconsolata" panose="020B0609030003000000" pitchFamily="49" charset="77"/>
@@ -7722,7 +7849,7 @@
         </p:nvSpPr>
         <p:spPr>
           <a:xfrm>
-            <a:off x="483848" y="54496"/>
+            <a:off x="160256" y="77447"/>
             <a:ext cx="7053542" cy="683886"/>
           </a:xfrm>
         </p:spPr>
@@ -7755,8 +7882,8 @@
         </p:nvSpPr>
         <p:spPr>
           <a:xfrm>
-            <a:off x="483848" y="715617"/>
-            <a:ext cx="8051725" cy="4865375"/>
+            <a:off x="160256" y="738382"/>
+            <a:ext cx="8375317" cy="4842610"/>
           </a:xfrm>
         </p:spPr>
         <p:txBody>
@@ -8051,7 +8178,7 @@
         </p:nvSpPr>
         <p:spPr>
           <a:xfrm>
-            <a:off x="483848" y="54496"/>
+            <a:off x="182190" y="86874"/>
             <a:ext cx="7053542" cy="683886"/>
           </a:xfrm>
         </p:spPr>
@@ -8084,8 +8211,8 @@
         </p:nvSpPr>
         <p:spPr>
           <a:xfrm>
-            <a:off x="483848" y="715617"/>
-            <a:ext cx="8051725" cy="4865375"/>
+            <a:off x="182190" y="770760"/>
+            <a:ext cx="8353383" cy="4810232"/>
           </a:xfrm>
         </p:spPr>
         <p:txBody>
@@ -8464,7 +8591,7 @@
         </p:nvSpPr>
         <p:spPr>
           <a:xfrm>
-            <a:off x="483848" y="54496"/>
+            <a:off x="153910" y="54496"/>
             <a:ext cx="7053542" cy="683886"/>
           </a:xfrm>
         </p:spPr>
@@ -8474,7 +8601,7 @@
           <a:p>
             <a:r>
               <a:rPr lang="en-US" dirty="0"/>
-              <a:t>While Loop</a:t>
+              <a:t>While and Break</a:t>
             </a:r>
           </a:p>
         </p:txBody>
@@ -8497,8 +8624,8 @@
         </p:nvSpPr>
         <p:spPr>
           <a:xfrm>
-            <a:off x="483848" y="715617"/>
-            <a:ext cx="8051725" cy="4865375"/>
+            <a:off x="226244" y="738382"/>
+            <a:ext cx="8309330" cy="4842610"/>
           </a:xfrm>
         </p:spPr>
         <p:txBody>
@@ -8793,7 +8920,7 @@
         </p:nvSpPr>
         <p:spPr>
           <a:xfrm>
-            <a:off x="483848" y="54496"/>
+            <a:off x="141402" y="54497"/>
             <a:ext cx="7053542" cy="683886"/>
           </a:xfrm>
         </p:spPr>
@@ -8803,7 +8930,7 @@
           <a:p>
             <a:r>
               <a:rPr lang="en-US" dirty="0"/>
-              <a:t>While Loop</a:t>
+              <a:t>While and Break</a:t>
             </a:r>
           </a:p>
         </p:txBody>
@@ -8826,8 +8953,8 @@
         </p:nvSpPr>
         <p:spPr>
           <a:xfrm>
-            <a:off x="483848" y="662608"/>
-            <a:ext cx="8051725" cy="4997896"/>
+            <a:off x="141402" y="829558"/>
+            <a:ext cx="8394171" cy="4830945"/>
           </a:xfrm>
         </p:spPr>
         <p:txBody>

--- a/courses/apcsp/lect6.pptx
+++ b/courses/apcsp/lect6.pptx
@@ -129,7 +129,7 @@
 <file path=ppt/revisionInfo.xml><?xml version="1.0" encoding="utf-8"?>
 <p1510:revInfo xmlns:a="http://schemas.openxmlformats.org/drawingml/2006/main" xmlns:r="http://schemas.openxmlformats.org/officeDocument/2006/relationships" xmlns:p1510="http://schemas.microsoft.com/office/powerpoint/2015/10/main">
   <p1510:revLst>
-    <p1510:client id="{4D090DEB-D33E-0146-8FDE-1BD7A7A456A7}" v="13" dt="2020-11-12T13:15:57.985"/>
+    <p1510:client id="{4D090DEB-D33E-0146-8FDE-1BD7A7A456A7}" v="289" dt="2020-11-19T13:05:31.040"/>
   </p1510:revLst>
 </p1510:revInfo>
 </file>
@@ -849,18 +849,18 @@
   <pc:docChgLst>
     <pc:chgData name="Long B Nguyen" userId="f59fb8f3-a021-417a-8bc1-65c8d471c621" providerId="ADAL" clId="{4D090DEB-D33E-0146-8FDE-1BD7A7A456A7}"/>
     <pc:docChg chg="undo custSel modSld">
-      <pc:chgData name="Long B Nguyen" userId="f59fb8f3-a021-417a-8bc1-65c8d471c621" providerId="ADAL" clId="{4D090DEB-D33E-0146-8FDE-1BD7A7A456A7}" dt="2020-11-19T04:32:15.917" v="542" actId="255"/>
+      <pc:chgData name="Long B Nguyen" userId="f59fb8f3-a021-417a-8bc1-65c8d471c621" providerId="ADAL" clId="{4D090DEB-D33E-0146-8FDE-1BD7A7A456A7}" dt="2020-11-19T13:05:31.040" v="1113"/>
       <pc:docMkLst>
         <pc:docMk/>
       </pc:docMkLst>
-      <pc:sldChg chg="modSp mod">
-        <pc:chgData name="Long B Nguyen" userId="f59fb8f3-a021-417a-8bc1-65c8d471c621" providerId="ADAL" clId="{4D090DEB-D33E-0146-8FDE-1BD7A7A456A7}" dt="2020-11-12T13:17:44.434" v="410" actId="14100"/>
+      <pc:sldChg chg="modSp mod modAnim">
+        <pc:chgData name="Long B Nguyen" userId="f59fb8f3-a021-417a-8bc1-65c8d471c621" providerId="ADAL" clId="{4D090DEB-D33E-0146-8FDE-1BD7A7A456A7}" dt="2020-11-19T04:45:19.757" v="781" actId="1076"/>
         <pc:sldMkLst>
           <pc:docMk/>
           <pc:sldMk cId="924617162" sldId="319"/>
         </pc:sldMkLst>
         <pc:spChg chg="mod">
-          <ac:chgData name="Long B Nguyen" userId="f59fb8f3-a021-417a-8bc1-65c8d471c621" providerId="ADAL" clId="{4D090DEB-D33E-0146-8FDE-1BD7A7A456A7}" dt="2020-11-12T13:17:41.413" v="409" actId="1076"/>
+          <ac:chgData name="Long B Nguyen" userId="f59fb8f3-a021-417a-8bc1-65c8d471c621" providerId="ADAL" clId="{4D090DEB-D33E-0146-8FDE-1BD7A7A456A7}" dt="2020-11-19T04:45:19.757" v="781" actId="1076"/>
           <ac:spMkLst>
             <pc:docMk/>
             <pc:sldMk cId="924617162" sldId="319"/>
@@ -868,7 +868,7 @@
           </ac:spMkLst>
         </pc:spChg>
         <pc:spChg chg="mod">
-          <ac:chgData name="Long B Nguyen" userId="f59fb8f3-a021-417a-8bc1-65c8d471c621" providerId="ADAL" clId="{4D090DEB-D33E-0146-8FDE-1BD7A7A456A7}" dt="2020-11-12T13:17:44.434" v="410" actId="14100"/>
+          <ac:chgData name="Long B Nguyen" userId="f59fb8f3-a021-417a-8bc1-65c8d471c621" providerId="ADAL" clId="{4D090DEB-D33E-0146-8FDE-1BD7A7A456A7}" dt="2020-11-19T04:45:14.666" v="779" actId="14100"/>
           <ac:spMkLst>
             <pc:docMk/>
             <pc:sldMk cId="924617162" sldId="319"/>
@@ -876,8 +876,8 @@
           </ac:spMkLst>
         </pc:spChg>
       </pc:sldChg>
-      <pc:sldChg chg="modSp mod">
-        <pc:chgData name="Long B Nguyen" userId="f59fb8f3-a021-417a-8bc1-65c8d471c621" providerId="ADAL" clId="{4D090DEB-D33E-0146-8FDE-1BD7A7A456A7}" dt="2020-11-19T04:26:47.866" v="412" actId="1076"/>
+      <pc:sldChg chg="modSp mod modAnim">
+        <pc:chgData name="Long B Nguyen" userId="f59fb8f3-a021-417a-8bc1-65c8d471c621" providerId="ADAL" clId="{4D090DEB-D33E-0146-8FDE-1BD7A7A456A7}" dt="2020-11-19T04:33:36.604" v="547"/>
         <pc:sldMkLst>
           <pc:docMk/>
           <pc:sldMk cId="3758830494" sldId="320"/>
@@ -899,8 +899,8 @@
           </ac:spMkLst>
         </pc:spChg>
       </pc:sldChg>
-      <pc:sldChg chg="modSp mod">
-        <pc:chgData name="Long B Nguyen" userId="f59fb8f3-a021-417a-8bc1-65c8d471c621" providerId="ADAL" clId="{4D090DEB-D33E-0146-8FDE-1BD7A7A456A7}" dt="2020-11-19T04:28:21.841" v="468" actId="20577"/>
+      <pc:sldChg chg="addSp modSp mod modAnim">
+        <pc:chgData name="Long B Nguyen" userId="f59fb8f3-a021-417a-8bc1-65c8d471c621" providerId="ADAL" clId="{4D090DEB-D33E-0146-8FDE-1BD7A7A456A7}" dt="2020-11-19T13:05:31.040" v="1113"/>
         <pc:sldMkLst>
           <pc:docMk/>
           <pc:sldMk cId="1022945305" sldId="321"/>
@@ -913,8 +913,24 @@
             <ac:spMk id="2" creationId="{AA3A228F-61D0-D949-A5E7-F83756230BF8}"/>
           </ac:spMkLst>
         </pc:spChg>
+        <pc:spChg chg="add mod">
+          <ac:chgData name="Long B Nguyen" userId="f59fb8f3-a021-417a-8bc1-65c8d471c621" providerId="ADAL" clId="{4D090DEB-D33E-0146-8FDE-1BD7A7A456A7}" dt="2020-11-19T13:05:18.398" v="1111" actId="1076"/>
+          <ac:spMkLst>
+            <pc:docMk/>
+            <pc:sldMk cId="1022945305" sldId="321"/>
+            <ac:spMk id="3" creationId="{3C72A7FE-2096-AA46-B5B0-556366A0BFB1}"/>
+          </ac:spMkLst>
+        </pc:spChg>
+        <pc:spChg chg="add mod">
+          <ac:chgData name="Long B Nguyen" userId="f59fb8f3-a021-417a-8bc1-65c8d471c621" providerId="ADAL" clId="{4D090DEB-D33E-0146-8FDE-1BD7A7A456A7}" dt="2020-11-19T13:05:16.504" v="1110" actId="1076"/>
+          <ac:spMkLst>
+            <pc:docMk/>
+            <pc:sldMk cId="1022945305" sldId="321"/>
+            <ac:spMk id="5" creationId="{DD72A416-729A-D14D-937B-E31E95D5697D}"/>
+          </ac:spMkLst>
+        </pc:spChg>
         <pc:spChg chg="mod">
-          <ac:chgData name="Long B Nguyen" userId="f59fb8f3-a021-417a-8bc1-65c8d471c621" providerId="ADAL" clId="{4D090DEB-D33E-0146-8FDE-1BD7A7A456A7}" dt="2020-11-19T04:28:21.841" v="468" actId="20577"/>
+          <ac:chgData name="Long B Nguyen" userId="f59fb8f3-a021-417a-8bc1-65c8d471c621" providerId="ADAL" clId="{4D090DEB-D33E-0146-8FDE-1BD7A7A456A7}" dt="2020-11-19T13:03:48.213" v="952" actId="20577"/>
           <ac:spMkLst>
             <pc:docMk/>
             <pc:sldMk cId="1022945305" sldId="321"/>
@@ -922,14 +938,14 @@
           </ac:spMkLst>
         </pc:spChg>
       </pc:sldChg>
-      <pc:sldChg chg="modSp mod">
-        <pc:chgData name="Long B Nguyen" userId="f59fb8f3-a021-417a-8bc1-65c8d471c621" providerId="ADAL" clId="{4D090DEB-D33E-0146-8FDE-1BD7A7A456A7}" dt="2020-11-19T04:29:45.657" v="505" actId="14100"/>
+      <pc:sldChg chg="modSp mod modAnim">
+        <pc:chgData name="Long B Nguyen" userId="f59fb8f3-a021-417a-8bc1-65c8d471c621" providerId="ADAL" clId="{4D090DEB-D33E-0146-8FDE-1BD7A7A456A7}" dt="2020-11-19T04:38:55.983" v="637"/>
         <pc:sldMkLst>
           <pc:docMk/>
           <pc:sldMk cId="3456840474" sldId="322"/>
         </pc:sldMkLst>
         <pc:spChg chg="mod">
-          <ac:chgData name="Long B Nguyen" userId="f59fb8f3-a021-417a-8bc1-65c8d471c621" providerId="ADAL" clId="{4D090DEB-D33E-0146-8FDE-1BD7A7A456A7}" dt="2020-11-19T04:29:42.741" v="504" actId="1076"/>
+          <ac:chgData name="Long B Nguyen" userId="f59fb8f3-a021-417a-8bc1-65c8d471c621" providerId="ADAL" clId="{4D090DEB-D33E-0146-8FDE-1BD7A7A456A7}" dt="2020-11-19T04:37:10.670" v="621" actId="1076"/>
           <ac:spMkLst>
             <pc:docMk/>
             <pc:sldMk cId="3456840474" sldId="322"/>
@@ -937,7 +953,7 @@
           </ac:spMkLst>
         </pc:spChg>
         <pc:spChg chg="mod">
-          <ac:chgData name="Long B Nguyen" userId="f59fb8f3-a021-417a-8bc1-65c8d471c621" providerId="ADAL" clId="{4D090DEB-D33E-0146-8FDE-1BD7A7A456A7}" dt="2020-11-19T04:29:45.657" v="505" actId="14100"/>
+          <ac:chgData name="Long B Nguyen" userId="f59fb8f3-a021-417a-8bc1-65c8d471c621" providerId="ADAL" clId="{4D090DEB-D33E-0146-8FDE-1BD7A7A456A7}" dt="2020-11-19T04:36:58.455" v="610" actId="20577"/>
           <ac:spMkLst>
             <pc:docMk/>
             <pc:sldMk cId="3456840474" sldId="322"/>
@@ -945,8 +961,8 @@
           </ac:spMkLst>
         </pc:spChg>
       </pc:sldChg>
-      <pc:sldChg chg="modSp mod">
-        <pc:chgData name="Long B Nguyen" userId="f59fb8f3-a021-417a-8bc1-65c8d471c621" providerId="ADAL" clId="{4D090DEB-D33E-0146-8FDE-1BD7A7A456A7}" dt="2020-11-19T04:30:28.655" v="535" actId="20577"/>
+      <pc:sldChg chg="modSp mod modAnim">
+        <pc:chgData name="Long B Nguyen" userId="f59fb8f3-a021-417a-8bc1-65c8d471c621" providerId="ADAL" clId="{4D090DEB-D33E-0146-8FDE-1BD7A7A456A7}" dt="2020-11-19T04:37:41.967" v="627"/>
         <pc:sldMkLst>
           <pc:docMk/>
           <pc:sldMk cId="1062075874" sldId="323"/>
@@ -968,8 +984,8 @@
           </ac:spMkLst>
         </pc:spChg>
       </pc:sldChg>
-      <pc:sldChg chg="modSp mod">
-        <pc:chgData name="Long B Nguyen" userId="f59fb8f3-a021-417a-8bc1-65c8d471c621" providerId="ADAL" clId="{4D090DEB-D33E-0146-8FDE-1BD7A7A456A7}" dt="2020-11-19T04:31:04.571" v="539" actId="1076"/>
+      <pc:sldChg chg="modSp mod modAnim">
+        <pc:chgData name="Long B Nguyen" userId="f59fb8f3-a021-417a-8bc1-65c8d471c621" providerId="ADAL" clId="{4D090DEB-D33E-0146-8FDE-1BD7A7A456A7}" dt="2020-11-19T04:48:10.088" v="870"/>
         <pc:sldMkLst>
           <pc:docMk/>
           <pc:sldMk cId="1310010799" sldId="324"/>
@@ -991,8 +1007,8 @@
           </ac:spMkLst>
         </pc:spChg>
       </pc:sldChg>
-      <pc:sldChg chg="modSp mod">
-        <pc:chgData name="Long B Nguyen" userId="f59fb8f3-a021-417a-8bc1-65c8d471c621" providerId="ADAL" clId="{4D090DEB-D33E-0146-8FDE-1BD7A7A456A7}" dt="2020-11-12T13:16:04.245" v="407" actId="5793"/>
+      <pc:sldChg chg="modSp mod modAnim">
+        <pc:chgData name="Long B Nguyen" userId="f59fb8f3-a021-417a-8bc1-65c8d471c621" providerId="ADAL" clId="{4D090DEB-D33E-0146-8FDE-1BD7A7A456A7}" dt="2020-11-19T04:49:22.406" v="887"/>
         <pc:sldMkLst>
           <pc:docMk/>
           <pc:sldMk cId="3314372952" sldId="325"/>
@@ -1006,7 +1022,7 @@
           </ac:spMkLst>
         </pc:spChg>
         <pc:spChg chg="mod">
-          <ac:chgData name="Long B Nguyen" userId="f59fb8f3-a021-417a-8bc1-65c8d471c621" providerId="ADAL" clId="{4D090DEB-D33E-0146-8FDE-1BD7A7A456A7}" dt="2020-11-12T13:16:04.245" v="407" actId="5793"/>
+          <ac:chgData name="Long B Nguyen" userId="f59fb8f3-a021-417a-8bc1-65c8d471c621" providerId="ADAL" clId="{4D090DEB-D33E-0146-8FDE-1BD7A7A456A7}" dt="2020-11-19T04:49:09.844" v="883" actId="20577"/>
           <ac:spMkLst>
             <pc:docMk/>
             <pc:sldMk cId="3314372952" sldId="325"/>
@@ -1014,8 +1030,8 @@
           </ac:spMkLst>
         </pc:spChg>
       </pc:sldChg>
-      <pc:sldChg chg="modSp mod">
-        <pc:chgData name="Long B Nguyen" userId="f59fb8f3-a021-417a-8bc1-65c8d471c621" providerId="ADAL" clId="{4D090DEB-D33E-0146-8FDE-1BD7A7A456A7}" dt="2020-11-19T04:30:22.456" v="522" actId="20577"/>
+      <pc:sldChg chg="modSp mod modAnim">
+        <pc:chgData name="Long B Nguyen" userId="f59fb8f3-a021-417a-8bc1-65c8d471c621" providerId="ADAL" clId="{4D090DEB-D33E-0146-8FDE-1BD7A7A456A7}" dt="2020-11-19T04:38:18.076" v="631"/>
         <pc:sldMkLst>
           <pc:docMk/>
           <pc:sldMk cId="1724104636" sldId="327"/>
@@ -1037,8 +1053,8 @@
           </ac:spMkLst>
         </pc:spChg>
       </pc:sldChg>
-      <pc:sldChg chg="modSp mod">
-        <pc:chgData name="Long B Nguyen" userId="f59fb8f3-a021-417a-8bc1-65c8d471c621" providerId="ADAL" clId="{4D090DEB-D33E-0146-8FDE-1BD7A7A456A7}" dt="2020-11-19T04:29:02.623" v="501" actId="20577"/>
+      <pc:sldChg chg="modSp mod modAnim">
+        <pc:chgData name="Long B Nguyen" userId="f59fb8f3-a021-417a-8bc1-65c8d471c621" providerId="ADAL" clId="{4D090DEB-D33E-0146-8FDE-1BD7A7A456A7}" dt="2020-11-19T04:35:29.630" v="597"/>
         <pc:sldMkLst>
           <pc:docMk/>
           <pc:sldMk cId="3894299887" sldId="328"/>
@@ -1052,7 +1068,7 @@
           </ac:spMkLst>
         </pc:spChg>
         <pc:spChg chg="mod">
-          <ac:chgData name="Long B Nguyen" userId="f59fb8f3-a021-417a-8bc1-65c8d471c621" providerId="ADAL" clId="{4D090DEB-D33E-0146-8FDE-1BD7A7A456A7}" dt="2020-11-19T04:29:02.623" v="501" actId="20577"/>
+          <ac:chgData name="Long B Nguyen" userId="f59fb8f3-a021-417a-8bc1-65c8d471c621" providerId="ADAL" clId="{4D090DEB-D33E-0146-8FDE-1BD7A7A456A7}" dt="2020-11-19T04:35:17.641" v="595" actId="20577"/>
           <ac:spMkLst>
             <pc:docMk/>
             <pc:sldMk cId="3894299887" sldId="328"/>
@@ -1060,8 +1076,8 @@
           </ac:spMkLst>
         </pc:spChg>
       </pc:sldChg>
-      <pc:sldChg chg="modSp mod">
-        <pc:chgData name="Long B Nguyen" userId="f59fb8f3-a021-417a-8bc1-65c8d471c621" providerId="ADAL" clId="{4D090DEB-D33E-0146-8FDE-1BD7A7A456A7}" dt="2020-11-19T04:29:15.696" v="503" actId="1076"/>
+      <pc:sldChg chg="modSp mod modAnim">
+        <pc:chgData name="Long B Nguyen" userId="f59fb8f3-a021-417a-8bc1-65c8d471c621" providerId="ADAL" clId="{4D090DEB-D33E-0146-8FDE-1BD7A7A456A7}" dt="2020-11-19T04:35:59.803" v="602"/>
         <pc:sldMkLst>
           <pc:docMk/>
           <pc:sldMk cId="4294143140" sldId="329"/>
@@ -1083,8 +1099,8 @@
           </ac:spMkLst>
         </pc:spChg>
       </pc:sldChg>
-      <pc:sldChg chg="modSp mod">
-        <pc:chgData name="Long B Nguyen" userId="f59fb8f3-a021-417a-8bc1-65c8d471c621" providerId="ADAL" clId="{4D090DEB-D33E-0146-8FDE-1BD7A7A456A7}" dt="2020-11-19T04:30:51.008" v="537" actId="1076"/>
+      <pc:sldChg chg="modSp mod modAnim">
+        <pc:chgData name="Long B Nguyen" userId="f59fb8f3-a021-417a-8bc1-65c8d471c621" providerId="ADAL" clId="{4D090DEB-D33E-0146-8FDE-1BD7A7A456A7}" dt="2020-11-19T04:47:48.607" v="864"/>
         <pc:sldMkLst>
           <pc:docMk/>
           <pc:sldMk cId="3594730708" sldId="330"/>
@@ -1098,7 +1114,7 @@
           </ac:spMkLst>
         </pc:spChg>
         <pc:spChg chg="mod">
-          <ac:chgData name="Long B Nguyen" userId="f59fb8f3-a021-417a-8bc1-65c8d471c621" providerId="ADAL" clId="{4D090DEB-D33E-0146-8FDE-1BD7A7A456A7}" dt="2020-11-19T04:30:48.552" v="536" actId="14100"/>
+          <ac:chgData name="Long B Nguyen" userId="f59fb8f3-a021-417a-8bc1-65c8d471c621" providerId="ADAL" clId="{4D090DEB-D33E-0146-8FDE-1BD7A7A456A7}" dt="2020-11-19T04:47:45.452" v="863" actId="14100"/>
           <ac:spMkLst>
             <pc:docMk/>
             <pc:sldMk cId="3594730708" sldId="330"/>
@@ -1106,8 +1122,8 @@
           </ac:spMkLst>
         </pc:spChg>
       </pc:sldChg>
-      <pc:sldChg chg="addSp delSp modSp mod">
-        <pc:chgData name="Long B Nguyen" userId="f59fb8f3-a021-417a-8bc1-65c8d471c621" providerId="ADAL" clId="{4D090DEB-D33E-0146-8FDE-1BD7A7A456A7}" dt="2020-11-19T04:32:15.917" v="542" actId="255"/>
+      <pc:sldChg chg="addSp delSp modSp mod modAnim">
+        <pc:chgData name="Long B Nguyen" userId="f59fb8f3-a021-417a-8bc1-65c8d471c621" providerId="ADAL" clId="{4D090DEB-D33E-0146-8FDE-1BD7A7A456A7}" dt="2020-11-19T04:50:19.326" v="901"/>
         <pc:sldMkLst>
           <pc:docMk/>
           <pc:sldMk cId="3870816631" sldId="331"/>
@@ -1137,7 +1153,7 @@
           </ac:spMkLst>
         </pc:spChg>
         <pc:spChg chg="mod">
-          <ac:chgData name="Long B Nguyen" userId="f59fb8f3-a021-417a-8bc1-65c8d471c621" providerId="ADAL" clId="{4D090DEB-D33E-0146-8FDE-1BD7A7A456A7}" dt="2020-11-12T13:14:24.678" v="326" actId="21"/>
+          <ac:chgData name="Long B Nguyen" userId="f59fb8f3-a021-417a-8bc1-65c8d471c621" providerId="ADAL" clId="{4D090DEB-D33E-0146-8FDE-1BD7A7A456A7}" dt="2020-11-19T04:32:21.193" v="543" actId="14100"/>
           <ac:spMkLst>
             <pc:docMk/>
             <pc:sldMk cId="3870816631" sldId="331"/>
@@ -1145,8 +1161,8 @@
           </ac:spMkLst>
         </pc:spChg>
       </pc:sldChg>
-      <pc:sldChg chg="modSp mod">
-        <pc:chgData name="Long B Nguyen" userId="f59fb8f3-a021-417a-8bc1-65c8d471c621" providerId="ADAL" clId="{4D090DEB-D33E-0146-8FDE-1BD7A7A456A7}" dt="2020-11-19T04:31:26.138" v="540" actId="1076"/>
+      <pc:sldChg chg="modSp mod modAnim">
+        <pc:chgData name="Long B Nguyen" userId="f59fb8f3-a021-417a-8bc1-65c8d471c621" providerId="ADAL" clId="{4D090DEB-D33E-0146-8FDE-1BD7A7A456A7}" dt="2020-11-19T04:48:49.604" v="877"/>
         <pc:sldMkLst>
           <pc:docMk/>
           <pc:sldMk cId="3124353102" sldId="332"/>
@@ -1657,7 +1673,7 @@
           <a:p>
             <a:fld id="{4AAD347D-5ACD-4C99-B74B-A9C85AD731AF}" type="datetimeFigureOut">
               <a:rPr lang="en-US" smtClean="0"/>
-              <a:t>11/18/20</a:t>
+              <a:t>11/19/20</a:t>
             </a:fld>
             <a:endParaRPr lang="en-US" dirty="0"/>
           </a:p>
@@ -1827,7 +1843,7 @@
           <a:p>
             <a:fld id="{4509A250-FF31-4206-8172-F9D3106AACB1}" type="datetimeFigureOut">
               <a:rPr lang="en-US" smtClean="0"/>
-              <a:t>11/18/20</a:t>
+              <a:t>11/19/20</a:t>
             </a:fld>
             <a:endParaRPr lang="en-US" dirty="0"/>
           </a:p>
@@ -2007,7 +2023,7 @@
           <a:p>
             <a:fld id="{4509A250-FF31-4206-8172-F9D3106AACB1}" type="datetimeFigureOut">
               <a:rPr lang="en-US" smtClean="0"/>
-              <a:t>11/18/20</a:t>
+              <a:t>11/19/20</a:t>
             </a:fld>
             <a:endParaRPr lang="en-US" dirty="0"/>
           </a:p>
@@ -2177,7 +2193,7 @@
           <a:p>
             <a:fld id="{4509A250-FF31-4206-8172-F9D3106AACB1}" type="datetimeFigureOut">
               <a:rPr lang="en-US" smtClean="0"/>
-              <a:t>11/18/20</a:t>
+              <a:t>11/19/20</a:t>
             </a:fld>
             <a:endParaRPr lang="en-US" dirty="0"/>
           </a:p>
@@ -2423,7 +2439,7 @@
           <a:p>
             <a:fld id="{9796027F-7875-4030-9381-8BD8C4F21935}" type="datetimeFigureOut">
               <a:rPr lang="en-US" smtClean="0"/>
-              <a:t>11/18/20</a:t>
+              <a:t>11/19/20</a:t>
             </a:fld>
             <a:endParaRPr lang="en-US" dirty="0"/>
           </a:p>
@@ -2655,7 +2671,7 @@
           <a:p>
             <a:fld id="{9796027F-7875-4030-9381-8BD8C4F21935}" type="datetimeFigureOut">
               <a:rPr lang="en-US" smtClean="0"/>
-              <a:t>11/18/20</a:t>
+              <a:t>11/19/20</a:t>
             </a:fld>
             <a:endParaRPr lang="en-US" dirty="0"/>
           </a:p>
@@ -3022,7 +3038,7 @@
           <a:p>
             <a:fld id="{9796027F-7875-4030-9381-8BD8C4F21935}" type="datetimeFigureOut">
               <a:rPr lang="en-US" smtClean="0"/>
-              <a:t>11/18/20</a:t>
+              <a:t>11/19/20</a:t>
             </a:fld>
             <a:endParaRPr lang="en-US" dirty="0"/>
           </a:p>
@@ -3140,7 +3156,7 @@
           <a:p>
             <a:fld id="{4509A250-FF31-4206-8172-F9D3106AACB1}" type="datetimeFigureOut">
               <a:rPr lang="en-US" smtClean="0"/>
-              <a:t>11/18/20</a:t>
+              <a:t>11/19/20</a:t>
             </a:fld>
             <a:endParaRPr lang="en-US" dirty="0"/>
           </a:p>
@@ -3235,7 +3251,7 @@
           <a:p>
             <a:fld id="{4509A250-FF31-4206-8172-F9D3106AACB1}" type="datetimeFigureOut">
               <a:rPr lang="en-US" smtClean="0"/>
-              <a:t>11/18/20</a:t>
+              <a:t>11/19/20</a:t>
             </a:fld>
             <a:endParaRPr lang="en-US" dirty="0"/>
           </a:p>
@@ -3512,7 +3528,7 @@
           <a:p>
             <a:fld id="{4509A250-FF31-4206-8172-F9D3106AACB1}" type="datetimeFigureOut">
               <a:rPr lang="en-US" smtClean="0"/>
-              <a:t>11/18/20</a:t>
+              <a:t>11/19/20</a:t>
             </a:fld>
             <a:endParaRPr lang="en-US" dirty="0"/>
           </a:p>
@@ -3769,7 +3785,7 @@
           <a:p>
             <a:fld id="{4509A250-FF31-4206-8172-F9D3106AACB1}" type="datetimeFigureOut">
               <a:rPr lang="en-US" smtClean="0"/>
-              <a:t>11/18/20</a:t>
+              <a:t>11/19/20</a:t>
             </a:fld>
             <a:endParaRPr lang="en-US" dirty="0"/>
           </a:p>
@@ -3982,7 +3998,7 @@
           <a:p>
             <a:fld id="{4AAD347D-5ACD-4C99-B74B-A9C85AD731AF}" type="datetimeFigureOut">
               <a:rPr lang="en-US" smtClean="0"/>
-              <a:t>11/18/20</a:t>
+              <a:t>11/19/20</a:t>
             </a:fld>
             <a:endParaRPr lang="en-US" dirty="0"/>
           </a:p>
@@ -4741,8 +4757,8 @@
         </p:nvSpPr>
         <p:spPr>
           <a:xfrm>
-            <a:off x="160256" y="738381"/>
-            <a:ext cx="8375317" cy="4842611"/>
+            <a:off x="160257" y="738381"/>
+            <a:ext cx="8374144" cy="4976619"/>
           </a:xfrm>
         </p:spPr>
         <p:txBody>
@@ -5099,6 +5115,330 @@
   <p:clrMapOvr>
     <a:masterClrMapping/>
   </p:clrMapOvr>
+  <p:timing>
+    <p:tnLst>
+      <p:par>
+        <p:cTn id="1" dur="indefinite" restart="never" nodeType="tmRoot">
+          <p:childTnLst>
+            <p:seq concurrent="1" nextAc="seek">
+              <p:cTn id="2" dur="indefinite" nodeType="mainSeq">
+                <p:childTnLst>
+                  <p:par>
+                    <p:cTn id="3" fill="hold">
+                      <p:stCondLst>
+                        <p:cond delay="indefinite"/>
+                      </p:stCondLst>
+                      <p:childTnLst>
+                        <p:par>
+                          <p:cTn id="4" fill="hold">
+                            <p:stCondLst>
+                              <p:cond delay="0"/>
+                            </p:stCondLst>
+                            <p:childTnLst>
+                              <p:par>
+                                <p:cTn id="5" presetID="1" presetClass="entr" presetSubtype="0" fill="hold" nodeType="clickEffect">
+                                  <p:stCondLst>
+                                    <p:cond delay="0"/>
+                                  </p:stCondLst>
+                                  <p:childTnLst>
+                                    <p:set>
+                                      <p:cBhvr>
+                                        <p:cTn id="6" dur="1" fill="hold">
+                                          <p:stCondLst>
+                                            <p:cond delay="0"/>
+                                          </p:stCondLst>
+                                        </p:cTn>
+                                        <p:tgtEl>
+                                          <p:spTgt spid="9">
+                                            <p:txEl>
+                                              <p:pRg st="8" end="8"/>
+                                            </p:txEl>
+                                          </p:spTgt>
+                                        </p:tgtEl>
+                                        <p:attrNameLst>
+                                          <p:attrName>style.visibility</p:attrName>
+                                        </p:attrNameLst>
+                                      </p:cBhvr>
+                                      <p:to>
+                                        <p:strVal val="visible"/>
+                                      </p:to>
+                                    </p:set>
+                                  </p:childTnLst>
+                                </p:cTn>
+                              </p:par>
+                            </p:childTnLst>
+                          </p:cTn>
+                        </p:par>
+                      </p:childTnLst>
+                    </p:cTn>
+                  </p:par>
+                  <p:par>
+                    <p:cTn id="7" fill="hold">
+                      <p:stCondLst>
+                        <p:cond delay="indefinite"/>
+                      </p:stCondLst>
+                      <p:childTnLst>
+                        <p:par>
+                          <p:cTn id="8" fill="hold">
+                            <p:stCondLst>
+                              <p:cond delay="0"/>
+                            </p:stCondLst>
+                            <p:childTnLst>
+                              <p:par>
+                                <p:cTn id="9" presetID="1" presetClass="entr" presetSubtype="0" fill="hold" nodeType="clickEffect">
+                                  <p:stCondLst>
+                                    <p:cond delay="0"/>
+                                  </p:stCondLst>
+                                  <p:childTnLst>
+                                    <p:set>
+                                      <p:cBhvr>
+                                        <p:cTn id="10" dur="1" fill="hold">
+                                          <p:stCondLst>
+                                            <p:cond delay="0"/>
+                                          </p:stCondLst>
+                                        </p:cTn>
+                                        <p:tgtEl>
+                                          <p:spTgt spid="9">
+                                            <p:txEl>
+                                              <p:pRg st="9" end="9"/>
+                                            </p:txEl>
+                                          </p:spTgt>
+                                        </p:tgtEl>
+                                        <p:attrNameLst>
+                                          <p:attrName>style.visibility</p:attrName>
+                                        </p:attrNameLst>
+                                      </p:cBhvr>
+                                      <p:to>
+                                        <p:strVal val="visible"/>
+                                      </p:to>
+                                    </p:set>
+                                  </p:childTnLst>
+                                </p:cTn>
+                              </p:par>
+                            </p:childTnLst>
+                          </p:cTn>
+                        </p:par>
+                      </p:childTnLst>
+                    </p:cTn>
+                  </p:par>
+                  <p:par>
+                    <p:cTn id="11" fill="hold">
+                      <p:stCondLst>
+                        <p:cond delay="indefinite"/>
+                      </p:stCondLst>
+                      <p:childTnLst>
+                        <p:par>
+                          <p:cTn id="12" fill="hold">
+                            <p:stCondLst>
+                              <p:cond delay="0"/>
+                            </p:stCondLst>
+                            <p:childTnLst>
+                              <p:par>
+                                <p:cTn id="13" presetID="1" presetClass="entr" presetSubtype="0" fill="hold" nodeType="clickEffect">
+                                  <p:stCondLst>
+                                    <p:cond delay="0"/>
+                                  </p:stCondLst>
+                                  <p:childTnLst>
+                                    <p:set>
+                                      <p:cBhvr>
+                                        <p:cTn id="14" dur="1" fill="hold">
+                                          <p:stCondLst>
+                                            <p:cond delay="0"/>
+                                          </p:stCondLst>
+                                        </p:cTn>
+                                        <p:tgtEl>
+                                          <p:spTgt spid="9">
+                                            <p:txEl>
+                                              <p:pRg st="10" end="10"/>
+                                            </p:txEl>
+                                          </p:spTgt>
+                                        </p:tgtEl>
+                                        <p:attrNameLst>
+                                          <p:attrName>style.visibility</p:attrName>
+                                        </p:attrNameLst>
+                                      </p:cBhvr>
+                                      <p:to>
+                                        <p:strVal val="visible"/>
+                                      </p:to>
+                                    </p:set>
+                                  </p:childTnLst>
+                                </p:cTn>
+                              </p:par>
+                            </p:childTnLst>
+                          </p:cTn>
+                        </p:par>
+                      </p:childTnLst>
+                    </p:cTn>
+                  </p:par>
+                  <p:par>
+                    <p:cTn id="15" fill="hold">
+                      <p:stCondLst>
+                        <p:cond delay="indefinite"/>
+                      </p:stCondLst>
+                      <p:childTnLst>
+                        <p:par>
+                          <p:cTn id="16" fill="hold">
+                            <p:stCondLst>
+                              <p:cond delay="0"/>
+                            </p:stCondLst>
+                            <p:childTnLst>
+                              <p:par>
+                                <p:cTn id="17" presetID="1" presetClass="entr" presetSubtype="0" fill="hold" nodeType="clickEffect">
+                                  <p:stCondLst>
+                                    <p:cond delay="0"/>
+                                  </p:stCondLst>
+                                  <p:childTnLst>
+                                    <p:set>
+                                      <p:cBhvr>
+                                        <p:cTn id="18" dur="1" fill="hold">
+                                          <p:stCondLst>
+                                            <p:cond delay="0"/>
+                                          </p:stCondLst>
+                                        </p:cTn>
+                                        <p:tgtEl>
+                                          <p:spTgt spid="9">
+                                            <p:txEl>
+                                              <p:pRg st="11" end="11"/>
+                                            </p:txEl>
+                                          </p:spTgt>
+                                        </p:tgtEl>
+                                        <p:attrNameLst>
+                                          <p:attrName>style.visibility</p:attrName>
+                                        </p:attrNameLst>
+                                      </p:cBhvr>
+                                      <p:to>
+                                        <p:strVal val="visible"/>
+                                      </p:to>
+                                    </p:set>
+                                  </p:childTnLst>
+                                </p:cTn>
+                              </p:par>
+                            </p:childTnLst>
+                          </p:cTn>
+                        </p:par>
+                      </p:childTnLst>
+                    </p:cTn>
+                  </p:par>
+                  <p:par>
+                    <p:cTn id="19" fill="hold">
+                      <p:stCondLst>
+                        <p:cond delay="indefinite"/>
+                      </p:stCondLst>
+                      <p:childTnLst>
+                        <p:par>
+                          <p:cTn id="20" fill="hold">
+                            <p:stCondLst>
+                              <p:cond delay="0"/>
+                            </p:stCondLst>
+                            <p:childTnLst>
+                              <p:par>
+                                <p:cTn id="21" presetID="1" presetClass="entr" presetSubtype="0" fill="hold" nodeType="clickEffect">
+                                  <p:stCondLst>
+                                    <p:cond delay="0"/>
+                                  </p:stCondLst>
+                                  <p:childTnLst>
+                                    <p:set>
+                                      <p:cBhvr>
+                                        <p:cTn id="22" dur="1" fill="hold">
+                                          <p:stCondLst>
+                                            <p:cond delay="0"/>
+                                          </p:stCondLst>
+                                        </p:cTn>
+                                        <p:tgtEl>
+                                          <p:spTgt spid="9">
+                                            <p:txEl>
+                                              <p:pRg st="12" end="12"/>
+                                            </p:txEl>
+                                          </p:spTgt>
+                                        </p:tgtEl>
+                                        <p:attrNameLst>
+                                          <p:attrName>style.visibility</p:attrName>
+                                        </p:attrNameLst>
+                                      </p:cBhvr>
+                                      <p:to>
+                                        <p:strVal val="visible"/>
+                                      </p:to>
+                                    </p:set>
+                                  </p:childTnLst>
+                                </p:cTn>
+                              </p:par>
+                            </p:childTnLst>
+                          </p:cTn>
+                        </p:par>
+                      </p:childTnLst>
+                    </p:cTn>
+                  </p:par>
+                  <p:par>
+                    <p:cTn id="23" fill="hold">
+                      <p:stCondLst>
+                        <p:cond delay="indefinite"/>
+                      </p:stCondLst>
+                      <p:childTnLst>
+                        <p:par>
+                          <p:cTn id="24" fill="hold">
+                            <p:stCondLst>
+                              <p:cond delay="0"/>
+                            </p:stCondLst>
+                            <p:childTnLst>
+                              <p:par>
+                                <p:cTn id="25" presetID="1" presetClass="entr" presetSubtype="0" fill="hold" nodeType="clickEffect">
+                                  <p:stCondLst>
+                                    <p:cond delay="0"/>
+                                  </p:stCondLst>
+                                  <p:childTnLst>
+                                    <p:set>
+                                      <p:cBhvr>
+                                        <p:cTn id="26" dur="1" fill="hold">
+                                          <p:stCondLst>
+                                            <p:cond delay="0"/>
+                                          </p:stCondLst>
+                                        </p:cTn>
+                                        <p:tgtEl>
+                                          <p:spTgt spid="9">
+                                            <p:txEl>
+                                              <p:pRg st="13" end="13"/>
+                                            </p:txEl>
+                                          </p:spTgt>
+                                        </p:tgtEl>
+                                        <p:attrNameLst>
+                                          <p:attrName>style.visibility</p:attrName>
+                                        </p:attrNameLst>
+                                      </p:cBhvr>
+                                      <p:to>
+                                        <p:strVal val="visible"/>
+                                      </p:to>
+                                    </p:set>
+                                  </p:childTnLst>
+                                </p:cTn>
+                              </p:par>
+                            </p:childTnLst>
+                          </p:cTn>
+                        </p:par>
+                      </p:childTnLst>
+                    </p:cTn>
+                  </p:par>
+                </p:childTnLst>
+              </p:cTn>
+              <p:prevCondLst>
+                <p:cond evt="onPrev" delay="0">
+                  <p:tgtEl>
+                    <p:sldTgt/>
+                  </p:tgtEl>
+                </p:cond>
+              </p:prevCondLst>
+              <p:nextCondLst>
+                <p:cond evt="onNext" delay="0">
+                  <p:tgtEl>
+                    <p:sldTgt/>
+                  </p:tgtEl>
+                </p:cond>
+              </p:nextCondLst>
+            </p:seq>
+          </p:childTnLst>
+        </p:cTn>
+      </p:par>
+    </p:tnLst>
+  </p:timing>
 </p:sld>
 </file>
 
@@ -5528,6 +5868,392 @@
   <p:clrMapOvr>
     <a:masterClrMapping/>
   </p:clrMapOvr>
+  <p:timing>
+    <p:tnLst>
+      <p:par>
+        <p:cTn id="1" dur="indefinite" restart="never" nodeType="tmRoot">
+          <p:childTnLst>
+            <p:seq concurrent="1" nextAc="seek">
+              <p:cTn id="2" dur="indefinite" nodeType="mainSeq">
+                <p:childTnLst>
+                  <p:par>
+                    <p:cTn id="3" fill="hold">
+                      <p:stCondLst>
+                        <p:cond delay="indefinite"/>
+                      </p:stCondLst>
+                      <p:childTnLst>
+                        <p:par>
+                          <p:cTn id="4" fill="hold">
+                            <p:stCondLst>
+                              <p:cond delay="0"/>
+                            </p:stCondLst>
+                            <p:childTnLst>
+                              <p:par>
+                                <p:cTn id="5" presetID="1" presetClass="entr" presetSubtype="0" fill="hold" nodeType="clickEffect">
+                                  <p:stCondLst>
+                                    <p:cond delay="0"/>
+                                  </p:stCondLst>
+                                  <p:childTnLst>
+                                    <p:set>
+                                      <p:cBhvr>
+                                        <p:cTn id="6" dur="1" fill="hold">
+                                          <p:stCondLst>
+                                            <p:cond delay="0"/>
+                                          </p:stCondLst>
+                                        </p:cTn>
+                                        <p:tgtEl>
+                                          <p:spTgt spid="9">
+                                            <p:txEl>
+                                              <p:pRg st="1" end="1"/>
+                                            </p:txEl>
+                                          </p:spTgt>
+                                        </p:tgtEl>
+                                        <p:attrNameLst>
+                                          <p:attrName>style.visibility</p:attrName>
+                                        </p:attrNameLst>
+                                      </p:cBhvr>
+                                      <p:to>
+                                        <p:strVal val="visible"/>
+                                      </p:to>
+                                    </p:set>
+                                  </p:childTnLst>
+                                </p:cTn>
+                              </p:par>
+                            </p:childTnLst>
+                          </p:cTn>
+                        </p:par>
+                      </p:childTnLst>
+                    </p:cTn>
+                  </p:par>
+                  <p:par>
+                    <p:cTn id="7" fill="hold">
+                      <p:stCondLst>
+                        <p:cond delay="indefinite"/>
+                      </p:stCondLst>
+                      <p:childTnLst>
+                        <p:par>
+                          <p:cTn id="8" fill="hold">
+                            <p:stCondLst>
+                              <p:cond delay="0"/>
+                            </p:stCondLst>
+                            <p:childTnLst>
+                              <p:par>
+                                <p:cTn id="9" presetID="1" presetClass="entr" presetSubtype="0" fill="hold" nodeType="clickEffect">
+                                  <p:stCondLst>
+                                    <p:cond delay="0"/>
+                                  </p:stCondLst>
+                                  <p:childTnLst>
+                                    <p:set>
+                                      <p:cBhvr>
+                                        <p:cTn id="10" dur="1" fill="hold">
+                                          <p:stCondLst>
+                                            <p:cond delay="0"/>
+                                          </p:stCondLst>
+                                        </p:cTn>
+                                        <p:tgtEl>
+                                          <p:spTgt spid="9">
+                                            <p:txEl>
+                                              <p:pRg st="2" end="2"/>
+                                            </p:txEl>
+                                          </p:spTgt>
+                                        </p:tgtEl>
+                                        <p:attrNameLst>
+                                          <p:attrName>style.visibility</p:attrName>
+                                        </p:attrNameLst>
+                                      </p:cBhvr>
+                                      <p:to>
+                                        <p:strVal val="visible"/>
+                                      </p:to>
+                                    </p:set>
+                                  </p:childTnLst>
+                                </p:cTn>
+                              </p:par>
+                            </p:childTnLst>
+                          </p:cTn>
+                        </p:par>
+                      </p:childTnLst>
+                    </p:cTn>
+                  </p:par>
+                  <p:par>
+                    <p:cTn id="11" fill="hold">
+                      <p:stCondLst>
+                        <p:cond delay="indefinite"/>
+                      </p:stCondLst>
+                      <p:childTnLst>
+                        <p:par>
+                          <p:cTn id="12" fill="hold">
+                            <p:stCondLst>
+                              <p:cond delay="0"/>
+                            </p:stCondLst>
+                            <p:childTnLst>
+                              <p:par>
+                                <p:cTn id="13" presetID="1" presetClass="entr" presetSubtype="0" fill="hold" nodeType="clickEffect">
+                                  <p:stCondLst>
+                                    <p:cond delay="0"/>
+                                  </p:stCondLst>
+                                  <p:childTnLst>
+                                    <p:set>
+                                      <p:cBhvr>
+                                        <p:cTn id="14" dur="1" fill="hold">
+                                          <p:stCondLst>
+                                            <p:cond delay="0"/>
+                                          </p:stCondLst>
+                                        </p:cTn>
+                                        <p:tgtEl>
+                                          <p:spTgt spid="9">
+                                            <p:txEl>
+                                              <p:pRg st="3" end="3"/>
+                                            </p:txEl>
+                                          </p:spTgt>
+                                        </p:tgtEl>
+                                        <p:attrNameLst>
+                                          <p:attrName>style.visibility</p:attrName>
+                                        </p:attrNameLst>
+                                      </p:cBhvr>
+                                      <p:to>
+                                        <p:strVal val="visible"/>
+                                      </p:to>
+                                    </p:set>
+                                  </p:childTnLst>
+                                </p:cTn>
+                              </p:par>
+                            </p:childTnLst>
+                          </p:cTn>
+                        </p:par>
+                      </p:childTnLst>
+                    </p:cTn>
+                  </p:par>
+                  <p:par>
+                    <p:cTn id="15" fill="hold">
+                      <p:stCondLst>
+                        <p:cond delay="indefinite"/>
+                      </p:stCondLst>
+                      <p:childTnLst>
+                        <p:par>
+                          <p:cTn id="16" fill="hold">
+                            <p:stCondLst>
+                              <p:cond delay="0"/>
+                            </p:stCondLst>
+                            <p:childTnLst>
+                              <p:par>
+                                <p:cTn id="17" presetID="1" presetClass="entr" presetSubtype="0" fill="hold" nodeType="clickEffect">
+                                  <p:stCondLst>
+                                    <p:cond delay="0"/>
+                                  </p:stCondLst>
+                                  <p:childTnLst>
+                                    <p:set>
+                                      <p:cBhvr>
+                                        <p:cTn id="18" dur="1" fill="hold">
+                                          <p:stCondLst>
+                                            <p:cond delay="0"/>
+                                          </p:stCondLst>
+                                        </p:cTn>
+                                        <p:tgtEl>
+                                          <p:spTgt spid="9">
+                                            <p:txEl>
+                                              <p:pRg st="4" end="4"/>
+                                            </p:txEl>
+                                          </p:spTgt>
+                                        </p:tgtEl>
+                                        <p:attrNameLst>
+                                          <p:attrName>style.visibility</p:attrName>
+                                        </p:attrNameLst>
+                                      </p:cBhvr>
+                                      <p:to>
+                                        <p:strVal val="visible"/>
+                                      </p:to>
+                                    </p:set>
+                                  </p:childTnLst>
+                                </p:cTn>
+                              </p:par>
+                              <p:par>
+                                <p:cTn id="19" presetID="1" presetClass="entr" presetSubtype="0" fill="hold" nodeType="withEffect">
+                                  <p:stCondLst>
+                                    <p:cond delay="0"/>
+                                  </p:stCondLst>
+                                  <p:childTnLst>
+                                    <p:set>
+                                      <p:cBhvr>
+                                        <p:cTn id="20" dur="1" fill="hold">
+                                          <p:stCondLst>
+                                            <p:cond delay="0"/>
+                                          </p:stCondLst>
+                                        </p:cTn>
+                                        <p:tgtEl>
+                                          <p:spTgt spid="9">
+                                            <p:txEl>
+                                              <p:pRg st="5" end="5"/>
+                                            </p:txEl>
+                                          </p:spTgt>
+                                        </p:tgtEl>
+                                        <p:attrNameLst>
+                                          <p:attrName>style.visibility</p:attrName>
+                                        </p:attrNameLst>
+                                      </p:cBhvr>
+                                      <p:to>
+                                        <p:strVal val="visible"/>
+                                      </p:to>
+                                    </p:set>
+                                  </p:childTnLst>
+                                </p:cTn>
+                              </p:par>
+                            </p:childTnLst>
+                          </p:cTn>
+                        </p:par>
+                      </p:childTnLst>
+                    </p:cTn>
+                  </p:par>
+                  <p:par>
+                    <p:cTn id="21" fill="hold">
+                      <p:stCondLst>
+                        <p:cond delay="indefinite"/>
+                      </p:stCondLst>
+                      <p:childTnLst>
+                        <p:par>
+                          <p:cTn id="22" fill="hold">
+                            <p:stCondLst>
+                              <p:cond delay="0"/>
+                            </p:stCondLst>
+                            <p:childTnLst>
+                              <p:par>
+                                <p:cTn id="23" presetID="1" presetClass="entr" presetSubtype="0" fill="hold" nodeType="clickEffect">
+                                  <p:stCondLst>
+                                    <p:cond delay="0"/>
+                                  </p:stCondLst>
+                                  <p:childTnLst>
+                                    <p:set>
+                                      <p:cBhvr>
+                                        <p:cTn id="24" dur="1" fill="hold">
+                                          <p:stCondLst>
+                                            <p:cond delay="0"/>
+                                          </p:stCondLst>
+                                        </p:cTn>
+                                        <p:tgtEl>
+                                          <p:spTgt spid="9">
+                                            <p:txEl>
+                                              <p:pRg st="6" end="6"/>
+                                            </p:txEl>
+                                          </p:spTgt>
+                                        </p:tgtEl>
+                                        <p:attrNameLst>
+                                          <p:attrName>style.visibility</p:attrName>
+                                        </p:attrNameLst>
+                                      </p:cBhvr>
+                                      <p:to>
+                                        <p:strVal val="visible"/>
+                                      </p:to>
+                                    </p:set>
+                                  </p:childTnLst>
+                                </p:cTn>
+                              </p:par>
+                            </p:childTnLst>
+                          </p:cTn>
+                        </p:par>
+                      </p:childTnLst>
+                    </p:cTn>
+                  </p:par>
+                  <p:par>
+                    <p:cTn id="25" fill="hold">
+                      <p:stCondLst>
+                        <p:cond delay="indefinite"/>
+                      </p:stCondLst>
+                      <p:childTnLst>
+                        <p:par>
+                          <p:cTn id="26" fill="hold">
+                            <p:stCondLst>
+                              <p:cond delay="0"/>
+                            </p:stCondLst>
+                            <p:childTnLst>
+                              <p:par>
+                                <p:cTn id="27" presetID="1" presetClass="entr" presetSubtype="0" fill="hold" nodeType="clickEffect">
+                                  <p:stCondLst>
+                                    <p:cond delay="0"/>
+                                  </p:stCondLst>
+                                  <p:childTnLst>
+                                    <p:set>
+                                      <p:cBhvr>
+                                        <p:cTn id="28" dur="1" fill="hold">
+                                          <p:stCondLst>
+                                            <p:cond delay="0"/>
+                                          </p:stCondLst>
+                                        </p:cTn>
+                                        <p:tgtEl>
+                                          <p:spTgt spid="9">
+                                            <p:txEl>
+                                              <p:pRg st="7" end="7"/>
+                                            </p:txEl>
+                                          </p:spTgt>
+                                        </p:tgtEl>
+                                        <p:attrNameLst>
+                                          <p:attrName>style.visibility</p:attrName>
+                                        </p:attrNameLst>
+                                      </p:cBhvr>
+                                      <p:to>
+                                        <p:strVal val="visible"/>
+                                      </p:to>
+                                    </p:set>
+                                  </p:childTnLst>
+                                </p:cTn>
+                              </p:par>
+                              <p:par>
+                                <p:cTn id="29" presetID="1" presetClass="entr" presetSubtype="0" fill="hold" nodeType="withEffect">
+                                  <p:stCondLst>
+                                    <p:cond delay="0"/>
+                                  </p:stCondLst>
+                                  <p:childTnLst>
+                                    <p:set>
+                                      <p:cBhvr>
+                                        <p:cTn id="30" dur="1" fill="hold">
+                                          <p:stCondLst>
+                                            <p:cond delay="0"/>
+                                          </p:stCondLst>
+                                        </p:cTn>
+                                        <p:tgtEl>
+                                          <p:spTgt spid="9">
+                                            <p:txEl>
+                                              <p:pRg st="8" end="8"/>
+                                            </p:txEl>
+                                          </p:spTgt>
+                                        </p:tgtEl>
+                                        <p:attrNameLst>
+                                          <p:attrName>style.visibility</p:attrName>
+                                        </p:attrNameLst>
+                                      </p:cBhvr>
+                                      <p:to>
+                                        <p:strVal val="visible"/>
+                                      </p:to>
+                                    </p:set>
+                                  </p:childTnLst>
+                                </p:cTn>
+                              </p:par>
+                            </p:childTnLst>
+                          </p:cTn>
+                        </p:par>
+                      </p:childTnLst>
+                    </p:cTn>
+                  </p:par>
+                </p:childTnLst>
+              </p:cTn>
+              <p:prevCondLst>
+                <p:cond evt="onPrev" delay="0">
+                  <p:tgtEl>
+                    <p:sldTgt/>
+                  </p:tgtEl>
+                </p:cond>
+              </p:prevCondLst>
+              <p:nextCondLst>
+                <p:cond evt="onNext" delay="0">
+                  <p:tgtEl>
+                    <p:sldTgt/>
+                  </p:tgtEl>
+                </p:cond>
+              </p:nextCondLst>
+            </p:seq>
+          </p:childTnLst>
+        </p:cTn>
+      </p:par>
+    </p:tnLst>
+  </p:timing>
 </p:sld>
 </file>
 
@@ -5834,6 +6560,472 @@
   <p:clrMapOvr>
     <a:masterClrMapping/>
   </p:clrMapOvr>
+  <p:timing>
+    <p:tnLst>
+      <p:par>
+        <p:cTn id="1" dur="indefinite" restart="never" nodeType="tmRoot">
+          <p:childTnLst>
+            <p:seq concurrent="1" nextAc="seek">
+              <p:cTn id="2" dur="indefinite" nodeType="mainSeq">
+                <p:childTnLst>
+                  <p:par>
+                    <p:cTn id="3" fill="hold">
+                      <p:stCondLst>
+                        <p:cond delay="indefinite"/>
+                      </p:stCondLst>
+                      <p:childTnLst>
+                        <p:par>
+                          <p:cTn id="4" fill="hold">
+                            <p:stCondLst>
+                              <p:cond delay="0"/>
+                            </p:stCondLst>
+                            <p:childTnLst>
+                              <p:par>
+                                <p:cTn id="5" presetID="1" presetClass="entr" presetSubtype="0" fill="hold" nodeType="clickEffect">
+                                  <p:stCondLst>
+                                    <p:cond delay="0"/>
+                                  </p:stCondLst>
+                                  <p:childTnLst>
+                                    <p:set>
+                                      <p:cBhvr>
+                                        <p:cTn id="6" dur="1" fill="hold">
+                                          <p:stCondLst>
+                                            <p:cond delay="0"/>
+                                          </p:stCondLst>
+                                        </p:cTn>
+                                        <p:tgtEl>
+                                          <p:spTgt spid="9">
+                                            <p:txEl>
+                                              <p:pRg st="1" end="1"/>
+                                            </p:txEl>
+                                          </p:spTgt>
+                                        </p:tgtEl>
+                                        <p:attrNameLst>
+                                          <p:attrName>style.visibility</p:attrName>
+                                        </p:attrNameLst>
+                                      </p:cBhvr>
+                                      <p:to>
+                                        <p:strVal val="visible"/>
+                                      </p:to>
+                                    </p:set>
+                                  </p:childTnLst>
+                                </p:cTn>
+                              </p:par>
+                            </p:childTnLst>
+                          </p:cTn>
+                        </p:par>
+                      </p:childTnLst>
+                    </p:cTn>
+                  </p:par>
+                  <p:par>
+                    <p:cTn id="7" fill="hold">
+                      <p:stCondLst>
+                        <p:cond delay="indefinite"/>
+                      </p:stCondLst>
+                      <p:childTnLst>
+                        <p:par>
+                          <p:cTn id="8" fill="hold">
+                            <p:stCondLst>
+                              <p:cond delay="0"/>
+                            </p:stCondLst>
+                            <p:childTnLst>
+                              <p:par>
+                                <p:cTn id="9" presetID="1" presetClass="entr" presetSubtype="0" fill="hold" nodeType="clickEffect">
+                                  <p:stCondLst>
+                                    <p:cond delay="0"/>
+                                  </p:stCondLst>
+                                  <p:childTnLst>
+                                    <p:set>
+                                      <p:cBhvr>
+                                        <p:cTn id="10" dur="1" fill="hold">
+                                          <p:stCondLst>
+                                            <p:cond delay="0"/>
+                                          </p:stCondLst>
+                                        </p:cTn>
+                                        <p:tgtEl>
+                                          <p:spTgt spid="9">
+                                            <p:txEl>
+                                              <p:pRg st="2" end="2"/>
+                                            </p:txEl>
+                                          </p:spTgt>
+                                        </p:tgtEl>
+                                        <p:attrNameLst>
+                                          <p:attrName>style.visibility</p:attrName>
+                                        </p:attrNameLst>
+                                      </p:cBhvr>
+                                      <p:to>
+                                        <p:strVal val="visible"/>
+                                      </p:to>
+                                    </p:set>
+                                  </p:childTnLst>
+                                </p:cTn>
+                              </p:par>
+                              <p:par>
+                                <p:cTn id="11" presetID="1" presetClass="entr" presetSubtype="0" fill="hold" nodeType="withEffect">
+                                  <p:stCondLst>
+                                    <p:cond delay="0"/>
+                                  </p:stCondLst>
+                                  <p:childTnLst>
+                                    <p:set>
+                                      <p:cBhvr>
+                                        <p:cTn id="12" dur="1" fill="hold">
+                                          <p:stCondLst>
+                                            <p:cond delay="0"/>
+                                          </p:stCondLst>
+                                        </p:cTn>
+                                        <p:tgtEl>
+                                          <p:spTgt spid="9">
+                                            <p:txEl>
+                                              <p:pRg st="3" end="3"/>
+                                            </p:txEl>
+                                          </p:spTgt>
+                                        </p:tgtEl>
+                                        <p:attrNameLst>
+                                          <p:attrName>style.visibility</p:attrName>
+                                        </p:attrNameLst>
+                                      </p:cBhvr>
+                                      <p:to>
+                                        <p:strVal val="visible"/>
+                                      </p:to>
+                                    </p:set>
+                                  </p:childTnLst>
+                                </p:cTn>
+                              </p:par>
+                            </p:childTnLst>
+                          </p:cTn>
+                        </p:par>
+                      </p:childTnLst>
+                    </p:cTn>
+                  </p:par>
+                  <p:par>
+                    <p:cTn id="13" fill="hold">
+                      <p:stCondLst>
+                        <p:cond delay="indefinite"/>
+                      </p:stCondLst>
+                      <p:childTnLst>
+                        <p:par>
+                          <p:cTn id="14" fill="hold">
+                            <p:stCondLst>
+                              <p:cond delay="0"/>
+                            </p:stCondLst>
+                            <p:childTnLst>
+                              <p:par>
+                                <p:cTn id="15" presetID="1" presetClass="entr" presetSubtype="0" fill="hold" nodeType="clickEffect">
+                                  <p:stCondLst>
+                                    <p:cond delay="0"/>
+                                  </p:stCondLst>
+                                  <p:childTnLst>
+                                    <p:set>
+                                      <p:cBhvr>
+                                        <p:cTn id="16" dur="1" fill="hold">
+                                          <p:stCondLst>
+                                            <p:cond delay="0"/>
+                                          </p:stCondLst>
+                                        </p:cTn>
+                                        <p:tgtEl>
+                                          <p:spTgt spid="9">
+                                            <p:txEl>
+                                              <p:pRg st="4" end="4"/>
+                                            </p:txEl>
+                                          </p:spTgt>
+                                        </p:tgtEl>
+                                        <p:attrNameLst>
+                                          <p:attrName>style.visibility</p:attrName>
+                                        </p:attrNameLst>
+                                      </p:cBhvr>
+                                      <p:to>
+                                        <p:strVal val="visible"/>
+                                      </p:to>
+                                    </p:set>
+                                  </p:childTnLst>
+                                </p:cTn>
+                              </p:par>
+                            </p:childTnLst>
+                          </p:cTn>
+                        </p:par>
+                      </p:childTnLst>
+                    </p:cTn>
+                  </p:par>
+                  <p:par>
+                    <p:cTn id="17" fill="hold">
+                      <p:stCondLst>
+                        <p:cond delay="indefinite"/>
+                      </p:stCondLst>
+                      <p:childTnLst>
+                        <p:par>
+                          <p:cTn id="18" fill="hold">
+                            <p:stCondLst>
+                              <p:cond delay="0"/>
+                            </p:stCondLst>
+                            <p:childTnLst>
+                              <p:par>
+                                <p:cTn id="19" presetID="1" presetClass="entr" presetSubtype="0" fill="hold" nodeType="clickEffect">
+                                  <p:stCondLst>
+                                    <p:cond delay="0"/>
+                                  </p:stCondLst>
+                                  <p:childTnLst>
+                                    <p:set>
+                                      <p:cBhvr>
+                                        <p:cTn id="20" dur="1" fill="hold">
+                                          <p:stCondLst>
+                                            <p:cond delay="0"/>
+                                          </p:stCondLst>
+                                        </p:cTn>
+                                        <p:tgtEl>
+                                          <p:spTgt spid="9">
+                                            <p:txEl>
+                                              <p:pRg st="5" end="5"/>
+                                            </p:txEl>
+                                          </p:spTgt>
+                                        </p:tgtEl>
+                                        <p:attrNameLst>
+                                          <p:attrName>style.visibility</p:attrName>
+                                        </p:attrNameLst>
+                                      </p:cBhvr>
+                                      <p:to>
+                                        <p:strVal val="visible"/>
+                                      </p:to>
+                                    </p:set>
+                                  </p:childTnLst>
+                                </p:cTn>
+                              </p:par>
+                            </p:childTnLst>
+                          </p:cTn>
+                        </p:par>
+                      </p:childTnLst>
+                    </p:cTn>
+                  </p:par>
+                  <p:par>
+                    <p:cTn id="21" fill="hold">
+                      <p:stCondLst>
+                        <p:cond delay="indefinite"/>
+                      </p:stCondLst>
+                      <p:childTnLst>
+                        <p:par>
+                          <p:cTn id="22" fill="hold">
+                            <p:stCondLst>
+                              <p:cond delay="0"/>
+                            </p:stCondLst>
+                            <p:childTnLst>
+                              <p:par>
+                                <p:cTn id="23" presetID="1" presetClass="entr" presetSubtype="0" fill="hold" nodeType="clickEffect">
+                                  <p:stCondLst>
+                                    <p:cond delay="0"/>
+                                  </p:stCondLst>
+                                  <p:childTnLst>
+                                    <p:set>
+                                      <p:cBhvr>
+                                        <p:cTn id="24" dur="1" fill="hold">
+                                          <p:stCondLst>
+                                            <p:cond delay="0"/>
+                                          </p:stCondLst>
+                                        </p:cTn>
+                                        <p:tgtEl>
+                                          <p:spTgt spid="9">
+                                            <p:txEl>
+                                              <p:pRg st="6" end="6"/>
+                                            </p:txEl>
+                                          </p:spTgt>
+                                        </p:tgtEl>
+                                        <p:attrNameLst>
+                                          <p:attrName>style.visibility</p:attrName>
+                                        </p:attrNameLst>
+                                      </p:cBhvr>
+                                      <p:to>
+                                        <p:strVal val="visible"/>
+                                      </p:to>
+                                    </p:set>
+                                  </p:childTnLst>
+                                </p:cTn>
+                              </p:par>
+                            </p:childTnLst>
+                          </p:cTn>
+                        </p:par>
+                      </p:childTnLst>
+                    </p:cTn>
+                  </p:par>
+                  <p:par>
+                    <p:cTn id="25" fill="hold">
+                      <p:stCondLst>
+                        <p:cond delay="indefinite"/>
+                      </p:stCondLst>
+                      <p:childTnLst>
+                        <p:par>
+                          <p:cTn id="26" fill="hold">
+                            <p:stCondLst>
+                              <p:cond delay="0"/>
+                            </p:stCondLst>
+                            <p:childTnLst>
+                              <p:par>
+                                <p:cTn id="27" presetID="1" presetClass="entr" presetSubtype="0" fill="hold" nodeType="clickEffect">
+                                  <p:stCondLst>
+                                    <p:cond delay="0"/>
+                                  </p:stCondLst>
+                                  <p:childTnLst>
+                                    <p:set>
+                                      <p:cBhvr>
+                                        <p:cTn id="28" dur="1" fill="hold">
+                                          <p:stCondLst>
+                                            <p:cond delay="0"/>
+                                          </p:stCondLst>
+                                        </p:cTn>
+                                        <p:tgtEl>
+                                          <p:spTgt spid="9">
+                                            <p:txEl>
+                                              <p:pRg st="7" end="7"/>
+                                            </p:txEl>
+                                          </p:spTgt>
+                                        </p:tgtEl>
+                                        <p:attrNameLst>
+                                          <p:attrName>style.visibility</p:attrName>
+                                        </p:attrNameLst>
+                                      </p:cBhvr>
+                                      <p:to>
+                                        <p:strVal val="visible"/>
+                                      </p:to>
+                                    </p:set>
+                                  </p:childTnLst>
+                                </p:cTn>
+                              </p:par>
+                              <p:par>
+                                <p:cTn id="29" presetID="1" presetClass="entr" presetSubtype="0" fill="hold" nodeType="withEffect">
+                                  <p:stCondLst>
+                                    <p:cond delay="0"/>
+                                  </p:stCondLst>
+                                  <p:childTnLst>
+                                    <p:set>
+                                      <p:cBhvr>
+                                        <p:cTn id="30" dur="1" fill="hold">
+                                          <p:stCondLst>
+                                            <p:cond delay="0"/>
+                                          </p:stCondLst>
+                                        </p:cTn>
+                                        <p:tgtEl>
+                                          <p:spTgt spid="9">
+                                            <p:txEl>
+                                              <p:pRg st="8" end="8"/>
+                                            </p:txEl>
+                                          </p:spTgt>
+                                        </p:tgtEl>
+                                        <p:attrNameLst>
+                                          <p:attrName>style.visibility</p:attrName>
+                                        </p:attrNameLst>
+                                      </p:cBhvr>
+                                      <p:to>
+                                        <p:strVal val="visible"/>
+                                      </p:to>
+                                    </p:set>
+                                  </p:childTnLst>
+                                </p:cTn>
+                              </p:par>
+                            </p:childTnLst>
+                          </p:cTn>
+                        </p:par>
+                      </p:childTnLst>
+                    </p:cTn>
+                  </p:par>
+                  <p:par>
+                    <p:cTn id="31" fill="hold">
+                      <p:stCondLst>
+                        <p:cond delay="indefinite"/>
+                      </p:stCondLst>
+                      <p:childTnLst>
+                        <p:par>
+                          <p:cTn id="32" fill="hold">
+                            <p:stCondLst>
+                              <p:cond delay="0"/>
+                            </p:stCondLst>
+                            <p:childTnLst>
+                              <p:par>
+                                <p:cTn id="33" presetID="1" presetClass="entr" presetSubtype="0" fill="hold" nodeType="clickEffect">
+                                  <p:stCondLst>
+                                    <p:cond delay="0"/>
+                                  </p:stCondLst>
+                                  <p:childTnLst>
+                                    <p:set>
+                                      <p:cBhvr>
+                                        <p:cTn id="34" dur="1" fill="hold">
+                                          <p:stCondLst>
+                                            <p:cond delay="0"/>
+                                          </p:stCondLst>
+                                        </p:cTn>
+                                        <p:tgtEl>
+                                          <p:spTgt spid="9">
+                                            <p:txEl>
+                                              <p:pRg st="9" end="9"/>
+                                            </p:txEl>
+                                          </p:spTgt>
+                                        </p:tgtEl>
+                                        <p:attrNameLst>
+                                          <p:attrName>style.visibility</p:attrName>
+                                        </p:attrNameLst>
+                                      </p:cBhvr>
+                                      <p:to>
+                                        <p:strVal val="visible"/>
+                                      </p:to>
+                                    </p:set>
+                                  </p:childTnLst>
+                                </p:cTn>
+                              </p:par>
+                              <p:par>
+                                <p:cTn id="35" presetID="1" presetClass="entr" presetSubtype="0" fill="hold" nodeType="withEffect">
+                                  <p:stCondLst>
+                                    <p:cond delay="0"/>
+                                  </p:stCondLst>
+                                  <p:childTnLst>
+                                    <p:set>
+                                      <p:cBhvr>
+                                        <p:cTn id="36" dur="1" fill="hold">
+                                          <p:stCondLst>
+                                            <p:cond delay="0"/>
+                                          </p:stCondLst>
+                                        </p:cTn>
+                                        <p:tgtEl>
+                                          <p:spTgt spid="9">
+                                            <p:txEl>
+                                              <p:pRg st="10" end="10"/>
+                                            </p:txEl>
+                                          </p:spTgt>
+                                        </p:tgtEl>
+                                        <p:attrNameLst>
+                                          <p:attrName>style.visibility</p:attrName>
+                                        </p:attrNameLst>
+                                      </p:cBhvr>
+                                      <p:to>
+                                        <p:strVal val="visible"/>
+                                      </p:to>
+                                    </p:set>
+                                  </p:childTnLst>
+                                </p:cTn>
+                              </p:par>
+                            </p:childTnLst>
+                          </p:cTn>
+                        </p:par>
+                      </p:childTnLst>
+                    </p:cTn>
+                  </p:par>
+                </p:childTnLst>
+              </p:cTn>
+              <p:prevCondLst>
+                <p:cond evt="onPrev" delay="0">
+                  <p:tgtEl>
+                    <p:sldTgt/>
+                  </p:tgtEl>
+                </p:cond>
+              </p:prevCondLst>
+              <p:nextCondLst>
+                <p:cond evt="onNext" delay="0">
+                  <p:tgtEl>
+                    <p:sldTgt/>
+                  </p:tgtEl>
+                </p:cond>
+              </p:nextCondLst>
+            </p:seq>
+          </p:childTnLst>
+        </p:cTn>
+      </p:par>
+    </p:tnLst>
+  </p:timing>
 </p:sld>
 </file>
 
@@ -5966,26 +7158,7 @@
               <a:buNone/>
             </a:pPr>
             <a:r>
-              <a:rPr lang="en-US" sz="2000" dirty="0">
-                <a:latin typeface="Gill Sans MT" panose="020B0502020104020203" pitchFamily="34" charset="77"/>
-              </a:rPr>
-              <a:t>Let's look at a sample run. What's the strategy for guessing the number?</a:t>
-            </a:r>
-          </a:p>
-          <a:p>
-            <a:pPr marL="0" indent="0">
-              <a:buNone/>
-            </a:pPr>
-            <a:endParaRPr lang="en-US" sz="2000" dirty="0">
-              <a:latin typeface="Gill Sans MT" panose="020B0502020104020203" pitchFamily="34" charset="77"/>
-            </a:endParaRPr>
-          </a:p>
-          <a:p>
-            <a:pPr marL="0" indent="0">
-              <a:buNone/>
-            </a:pPr>
-            <a:r>
-              <a:rPr lang="en-US" sz="2000" b="1" dirty="0">
+              <a:rPr lang="en-US" sz="2400" b="1" dirty="0">
                 <a:solidFill>
                   <a:srgbClr val="FF0000"/>
                 </a:solidFill>
@@ -5994,7 +7167,7 @@
               <a:t>There is a template </a:t>
             </a:r>
             <a:r>
-              <a:rPr lang="en-US" sz="2000" b="1" dirty="0" err="1">
+              <a:rPr lang="en-US" sz="2400" b="1" dirty="0" err="1">
                 <a:solidFill>
                   <a:srgbClr val="FF0000"/>
                 </a:solidFill>
@@ -6003,7 +7176,7 @@
               <a:t>repl</a:t>
             </a:r>
             <a:r>
-              <a:rPr lang="en-US" sz="2000" b="1" dirty="0">
+              <a:rPr lang="en-US" sz="2400" b="1" dirty="0">
                 <a:solidFill>
                   <a:srgbClr val="FF0000"/>
                 </a:solidFill>
@@ -6011,7 +7184,7 @@
               </a:rPr>
               <a:t> for this lab at here:</a:t>
             </a:r>
-            <a:endParaRPr lang="en-US" sz="1800" b="1" dirty="0">
+            <a:endParaRPr lang="en-US" sz="2000" b="1" dirty="0">
               <a:solidFill>
                 <a:srgbClr val="FF0000"/>
               </a:solidFill>
@@ -6023,7 +7196,7 @@
               <a:buNone/>
             </a:pPr>
             <a:r>
-              <a:rPr lang="en-US" sz="1800" b="1" dirty="0">
+              <a:rPr lang="en-US" sz="2000" b="1" dirty="0">
                 <a:solidFill>
                   <a:srgbClr val="FF0000"/>
                 </a:solidFill>
@@ -6032,7 +7205,7 @@
               <a:t>https://</a:t>
             </a:r>
             <a:r>
-              <a:rPr lang="en-US" sz="1800" b="1" dirty="0" err="1">
+              <a:rPr lang="en-US" sz="2000" b="1" dirty="0" err="1">
                 <a:solidFill>
                   <a:srgbClr val="FF0000"/>
                 </a:solidFill>
@@ -6041,7 +7214,7 @@
               <a:t>repl.it</a:t>
             </a:r>
             <a:r>
-              <a:rPr lang="en-US" sz="1800" b="1" dirty="0">
+              <a:rPr lang="en-US" sz="2000" b="1" dirty="0">
                 <a:solidFill>
                   <a:srgbClr val="FF0000"/>
                 </a:solidFill>
@@ -6050,7 +7223,7 @@
               <a:t>/@LongNguyen18/</a:t>
             </a:r>
             <a:r>
-              <a:rPr lang="en-US" sz="1800" b="1" dirty="0" err="1">
+              <a:rPr lang="en-US" sz="2000" b="1" dirty="0" err="1">
                 <a:solidFill>
                   <a:srgbClr val="FF0000"/>
                 </a:solidFill>
@@ -6058,11 +7231,35 @@
               </a:rPr>
               <a:t>GuessingGameLab</a:t>
             </a:r>
-            <a:endParaRPr lang="en-US" sz="1800" b="1" dirty="0">
-              <a:solidFill>
-                <a:srgbClr val="FF0000"/>
-              </a:solidFill>
+            <a:endParaRPr lang="en-US" sz="2000" b="1" dirty="0">
               <a:latin typeface="Inconsolata" panose="020B0609030003000000" pitchFamily="49" charset="77"/>
+            </a:endParaRPr>
+          </a:p>
+          <a:p>
+            <a:pPr marL="0" indent="0">
+              <a:buNone/>
+            </a:pPr>
+            <a:endParaRPr lang="en-US" sz="2000" b="1" dirty="0">
+              <a:latin typeface="Inconsolata" panose="020B0609030003000000" pitchFamily="49" charset="77"/>
+            </a:endParaRPr>
+          </a:p>
+          <a:p>
+            <a:pPr marL="0" indent="0">
+              <a:buNone/>
+            </a:pPr>
+            <a:r>
+              <a:rPr lang="en-US" sz="2000" dirty="0">
+                <a:latin typeface="Gill Sans MT" panose="020B0502020104020203" pitchFamily="34" charset="77"/>
+              </a:rPr>
+              <a:t>Let's look at a sample run. What's the strategy for guessing the number?</a:t>
+            </a:r>
+          </a:p>
+          <a:p>
+            <a:pPr marL="0" indent="0">
+              <a:buNone/>
+            </a:pPr>
+            <a:endParaRPr lang="en-US" sz="2000" dirty="0">
+              <a:latin typeface="Gill Sans MT" panose="020B0502020104020203" pitchFamily="34" charset="77"/>
             </a:endParaRPr>
           </a:p>
           <a:p>
@@ -6085,6 +7282,214 @@
   <p:clrMapOvr>
     <a:masterClrMapping/>
   </p:clrMapOvr>
+  <p:timing>
+    <p:tnLst>
+      <p:par>
+        <p:cTn id="1" dur="indefinite" restart="never" nodeType="tmRoot">
+          <p:childTnLst>
+            <p:seq concurrent="1" nextAc="seek">
+              <p:cTn id="2" dur="indefinite" nodeType="mainSeq">
+                <p:childTnLst>
+                  <p:par>
+                    <p:cTn id="3" fill="hold">
+                      <p:stCondLst>
+                        <p:cond delay="indefinite"/>
+                      </p:stCondLst>
+                      <p:childTnLst>
+                        <p:par>
+                          <p:cTn id="4" fill="hold">
+                            <p:stCondLst>
+                              <p:cond delay="0"/>
+                            </p:stCondLst>
+                            <p:childTnLst>
+                              <p:par>
+                                <p:cTn id="5" presetID="1" presetClass="entr" presetSubtype="0" fill="hold" nodeType="clickEffect">
+                                  <p:stCondLst>
+                                    <p:cond delay="0"/>
+                                  </p:stCondLst>
+                                  <p:childTnLst>
+                                    <p:set>
+                                      <p:cBhvr>
+                                        <p:cTn id="6" dur="1" fill="hold">
+                                          <p:stCondLst>
+                                            <p:cond delay="0"/>
+                                          </p:stCondLst>
+                                        </p:cTn>
+                                        <p:tgtEl>
+                                          <p:spTgt spid="9">
+                                            <p:txEl>
+                                              <p:pRg st="4" end="4"/>
+                                            </p:txEl>
+                                          </p:spTgt>
+                                        </p:tgtEl>
+                                        <p:attrNameLst>
+                                          <p:attrName>style.visibility</p:attrName>
+                                        </p:attrNameLst>
+                                      </p:cBhvr>
+                                      <p:to>
+                                        <p:strVal val="visible"/>
+                                      </p:to>
+                                    </p:set>
+                                  </p:childTnLst>
+                                </p:cTn>
+                              </p:par>
+                            </p:childTnLst>
+                          </p:cTn>
+                        </p:par>
+                      </p:childTnLst>
+                    </p:cTn>
+                  </p:par>
+                  <p:par>
+                    <p:cTn id="7" fill="hold">
+                      <p:stCondLst>
+                        <p:cond delay="indefinite"/>
+                      </p:stCondLst>
+                      <p:childTnLst>
+                        <p:par>
+                          <p:cTn id="8" fill="hold">
+                            <p:stCondLst>
+                              <p:cond delay="0"/>
+                            </p:stCondLst>
+                            <p:childTnLst>
+                              <p:par>
+                                <p:cTn id="9" presetID="1" presetClass="entr" presetSubtype="0" fill="hold" nodeType="clickEffect">
+                                  <p:stCondLst>
+                                    <p:cond delay="0"/>
+                                  </p:stCondLst>
+                                  <p:childTnLst>
+                                    <p:set>
+                                      <p:cBhvr>
+                                        <p:cTn id="10" dur="1" fill="hold">
+                                          <p:stCondLst>
+                                            <p:cond delay="0"/>
+                                          </p:stCondLst>
+                                        </p:cTn>
+                                        <p:tgtEl>
+                                          <p:spTgt spid="9">
+                                            <p:txEl>
+                                              <p:pRg st="6" end="6"/>
+                                            </p:txEl>
+                                          </p:spTgt>
+                                        </p:tgtEl>
+                                        <p:attrNameLst>
+                                          <p:attrName>style.visibility</p:attrName>
+                                        </p:attrNameLst>
+                                      </p:cBhvr>
+                                      <p:to>
+                                        <p:strVal val="visible"/>
+                                      </p:to>
+                                    </p:set>
+                                  </p:childTnLst>
+                                </p:cTn>
+                              </p:par>
+                              <p:par>
+                                <p:cTn id="11" presetID="1" presetClass="entr" presetSubtype="0" fill="hold" nodeType="withEffect">
+                                  <p:stCondLst>
+                                    <p:cond delay="0"/>
+                                  </p:stCondLst>
+                                  <p:childTnLst>
+                                    <p:set>
+                                      <p:cBhvr>
+                                        <p:cTn id="12" dur="1" fill="hold">
+                                          <p:stCondLst>
+                                            <p:cond delay="0"/>
+                                          </p:stCondLst>
+                                        </p:cTn>
+                                        <p:tgtEl>
+                                          <p:spTgt spid="9">
+                                            <p:txEl>
+                                              <p:pRg st="7" end="7"/>
+                                            </p:txEl>
+                                          </p:spTgt>
+                                        </p:tgtEl>
+                                        <p:attrNameLst>
+                                          <p:attrName>style.visibility</p:attrName>
+                                        </p:attrNameLst>
+                                      </p:cBhvr>
+                                      <p:to>
+                                        <p:strVal val="visible"/>
+                                      </p:to>
+                                    </p:set>
+                                  </p:childTnLst>
+                                </p:cTn>
+                              </p:par>
+                            </p:childTnLst>
+                          </p:cTn>
+                        </p:par>
+                      </p:childTnLst>
+                    </p:cTn>
+                  </p:par>
+                  <p:par>
+                    <p:cTn id="13" fill="hold">
+                      <p:stCondLst>
+                        <p:cond delay="indefinite"/>
+                      </p:stCondLst>
+                      <p:childTnLst>
+                        <p:par>
+                          <p:cTn id="14" fill="hold">
+                            <p:stCondLst>
+                              <p:cond delay="0"/>
+                            </p:stCondLst>
+                            <p:childTnLst>
+                              <p:par>
+                                <p:cTn id="15" presetID="1" presetClass="entr" presetSubtype="0" fill="hold" nodeType="clickEffect">
+                                  <p:stCondLst>
+                                    <p:cond delay="0"/>
+                                  </p:stCondLst>
+                                  <p:childTnLst>
+                                    <p:set>
+                                      <p:cBhvr>
+                                        <p:cTn id="16" dur="1" fill="hold">
+                                          <p:stCondLst>
+                                            <p:cond delay="0"/>
+                                          </p:stCondLst>
+                                        </p:cTn>
+                                        <p:tgtEl>
+                                          <p:spTgt spid="9">
+                                            <p:txEl>
+                                              <p:pRg st="9" end="9"/>
+                                            </p:txEl>
+                                          </p:spTgt>
+                                        </p:tgtEl>
+                                        <p:attrNameLst>
+                                          <p:attrName>style.visibility</p:attrName>
+                                        </p:attrNameLst>
+                                      </p:cBhvr>
+                                      <p:to>
+                                        <p:strVal val="visible"/>
+                                      </p:to>
+                                    </p:set>
+                                  </p:childTnLst>
+                                </p:cTn>
+                              </p:par>
+                            </p:childTnLst>
+                          </p:cTn>
+                        </p:par>
+                      </p:childTnLst>
+                    </p:cTn>
+                  </p:par>
+                </p:childTnLst>
+              </p:cTn>
+              <p:prevCondLst>
+                <p:cond evt="onPrev" delay="0">
+                  <p:tgtEl>
+                    <p:sldTgt/>
+                  </p:tgtEl>
+                </p:cond>
+              </p:prevCondLst>
+              <p:nextCondLst>
+                <p:cond evt="onNext" delay="0">
+                  <p:tgtEl>
+                    <p:sldTgt/>
+                  </p:tgtEl>
+                </p:cond>
+              </p:nextCondLst>
+            </p:seq>
+          </p:childTnLst>
+        </p:cTn>
+      </p:par>
+    </p:tnLst>
+  </p:timing>
 </p:sld>
 </file>
 
@@ -6158,8 +7563,8 @@
         </p:nvSpPr>
         <p:spPr>
           <a:xfrm>
-            <a:off x="216816" y="433633"/>
-            <a:ext cx="8861196" cy="5281367"/>
+            <a:off x="65988" y="531732"/>
+            <a:ext cx="9012024" cy="5183268"/>
           </a:xfrm>
         </p:spPr>
         <p:txBody>
@@ -6566,6 +7971,722 @@
   <p:clrMapOvr>
     <a:masterClrMapping/>
   </p:clrMapOvr>
+  <p:timing>
+    <p:tnLst>
+      <p:par>
+        <p:cTn id="1" dur="indefinite" restart="never" nodeType="tmRoot">
+          <p:childTnLst>
+            <p:seq concurrent="1" nextAc="seek">
+              <p:cTn id="2" dur="indefinite" nodeType="mainSeq">
+                <p:childTnLst>
+                  <p:par>
+                    <p:cTn id="3" fill="hold">
+                      <p:stCondLst>
+                        <p:cond delay="indefinite"/>
+                      </p:stCondLst>
+                      <p:childTnLst>
+                        <p:par>
+                          <p:cTn id="4" fill="hold">
+                            <p:stCondLst>
+                              <p:cond delay="0"/>
+                            </p:stCondLst>
+                            <p:childTnLst>
+                              <p:par>
+                                <p:cTn id="5" presetID="1" presetClass="entr" presetSubtype="0" fill="hold" nodeType="clickEffect">
+                                  <p:stCondLst>
+                                    <p:cond delay="0"/>
+                                  </p:stCondLst>
+                                  <p:childTnLst>
+                                    <p:set>
+                                      <p:cBhvr>
+                                        <p:cTn id="6" dur="1" fill="hold">
+                                          <p:stCondLst>
+                                            <p:cond delay="0"/>
+                                          </p:stCondLst>
+                                        </p:cTn>
+                                        <p:tgtEl>
+                                          <p:spTgt spid="9">
+                                            <p:txEl>
+                                              <p:pRg st="1" end="1"/>
+                                            </p:txEl>
+                                          </p:spTgt>
+                                        </p:tgtEl>
+                                        <p:attrNameLst>
+                                          <p:attrName>style.visibility</p:attrName>
+                                        </p:attrNameLst>
+                                      </p:cBhvr>
+                                      <p:to>
+                                        <p:strVal val="visible"/>
+                                      </p:to>
+                                    </p:set>
+                                  </p:childTnLst>
+                                </p:cTn>
+                              </p:par>
+                            </p:childTnLst>
+                          </p:cTn>
+                        </p:par>
+                      </p:childTnLst>
+                    </p:cTn>
+                  </p:par>
+                  <p:par>
+                    <p:cTn id="7" fill="hold">
+                      <p:stCondLst>
+                        <p:cond delay="indefinite"/>
+                      </p:stCondLst>
+                      <p:childTnLst>
+                        <p:par>
+                          <p:cTn id="8" fill="hold">
+                            <p:stCondLst>
+                              <p:cond delay="0"/>
+                            </p:stCondLst>
+                            <p:childTnLst>
+                              <p:par>
+                                <p:cTn id="9" presetID="1" presetClass="entr" presetSubtype="0" fill="hold" nodeType="clickEffect">
+                                  <p:stCondLst>
+                                    <p:cond delay="0"/>
+                                  </p:stCondLst>
+                                  <p:childTnLst>
+                                    <p:set>
+                                      <p:cBhvr>
+                                        <p:cTn id="10" dur="1" fill="hold">
+                                          <p:stCondLst>
+                                            <p:cond delay="0"/>
+                                          </p:stCondLst>
+                                        </p:cTn>
+                                        <p:tgtEl>
+                                          <p:spTgt spid="9">
+                                            <p:txEl>
+                                              <p:pRg st="2" end="2"/>
+                                            </p:txEl>
+                                          </p:spTgt>
+                                        </p:tgtEl>
+                                        <p:attrNameLst>
+                                          <p:attrName>style.visibility</p:attrName>
+                                        </p:attrNameLst>
+                                      </p:cBhvr>
+                                      <p:to>
+                                        <p:strVal val="visible"/>
+                                      </p:to>
+                                    </p:set>
+                                  </p:childTnLst>
+                                </p:cTn>
+                              </p:par>
+                            </p:childTnLst>
+                          </p:cTn>
+                        </p:par>
+                      </p:childTnLst>
+                    </p:cTn>
+                  </p:par>
+                  <p:par>
+                    <p:cTn id="11" fill="hold">
+                      <p:stCondLst>
+                        <p:cond delay="indefinite"/>
+                      </p:stCondLst>
+                      <p:childTnLst>
+                        <p:par>
+                          <p:cTn id="12" fill="hold">
+                            <p:stCondLst>
+                              <p:cond delay="0"/>
+                            </p:stCondLst>
+                            <p:childTnLst>
+                              <p:par>
+                                <p:cTn id="13" presetID="1" presetClass="entr" presetSubtype="0" fill="hold" nodeType="clickEffect">
+                                  <p:stCondLst>
+                                    <p:cond delay="0"/>
+                                  </p:stCondLst>
+                                  <p:childTnLst>
+                                    <p:set>
+                                      <p:cBhvr>
+                                        <p:cTn id="14" dur="1" fill="hold">
+                                          <p:stCondLst>
+                                            <p:cond delay="0"/>
+                                          </p:stCondLst>
+                                        </p:cTn>
+                                        <p:tgtEl>
+                                          <p:spTgt spid="9">
+                                            <p:txEl>
+                                              <p:pRg st="3" end="3"/>
+                                            </p:txEl>
+                                          </p:spTgt>
+                                        </p:tgtEl>
+                                        <p:attrNameLst>
+                                          <p:attrName>style.visibility</p:attrName>
+                                        </p:attrNameLst>
+                                      </p:cBhvr>
+                                      <p:to>
+                                        <p:strVal val="visible"/>
+                                      </p:to>
+                                    </p:set>
+                                  </p:childTnLst>
+                                </p:cTn>
+                              </p:par>
+                            </p:childTnLst>
+                          </p:cTn>
+                        </p:par>
+                      </p:childTnLst>
+                    </p:cTn>
+                  </p:par>
+                  <p:par>
+                    <p:cTn id="15" fill="hold">
+                      <p:stCondLst>
+                        <p:cond delay="indefinite"/>
+                      </p:stCondLst>
+                      <p:childTnLst>
+                        <p:par>
+                          <p:cTn id="16" fill="hold">
+                            <p:stCondLst>
+                              <p:cond delay="0"/>
+                            </p:stCondLst>
+                            <p:childTnLst>
+                              <p:par>
+                                <p:cTn id="17" presetID="1" presetClass="entr" presetSubtype="0" fill="hold" nodeType="clickEffect">
+                                  <p:stCondLst>
+                                    <p:cond delay="0"/>
+                                  </p:stCondLst>
+                                  <p:childTnLst>
+                                    <p:set>
+                                      <p:cBhvr>
+                                        <p:cTn id="18" dur="1" fill="hold">
+                                          <p:stCondLst>
+                                            <p:cond delay="0"/>
+                                          </p:stCondLst>
+                                        </p:cTn>
+                                        <p:tgtEl>
+                                          <p:spTgt spid="9">
+                                            <p:txEl>
+                                              <p:pRg st="4" end="4"/>
+                                            </p:txEl>
+                                          </p:spTgt>
+                                        </p:tgtEl>
+                                        <p:attrNameLst>
+                                          <p:attrName>style.visibility</p:attrName>
+                                        </p:attrNameLst>
+                                      </p:cBhvr>
+                                      <p:to>
+                                        <p:strVal val="visible"/>
+                                      </p:to>
+                                    </p:set>
+                                  </p:childTnLst>
+                                </p:cTn>
+                              </p:par>
+                            </p:childTnLst>
+                          </p:cTn>
+                        </p:par>
+                      </p:childTnLst>
+                    </p:cTn>
+                  </p:par>
+                  <p:par>
+                    <p:cTn id="19" fill="hold">
+                      <p:stCondLst>
+                        <p:cond delay="indefinite"/>
+                      </p:stCondLst>
+                      <p:childTnLst>
+                        <p:par>
+                          <p:cTn id="20" fill="hold">
+                            <p:stCondLst>
+                              <p:cond delay="0"/>
+                            </p:stCondLst>
+                            <p:childTnLst>
+                              <p:par>
+                                <p:cTn id="21" presetID="1" presetClass="entr" presetSubtype="0" fill="hold" nodeType="clickEffect">
+                                  <p:stCondLst>
+                                    <p:cond delay="0"/>
+                                  </p:stCondLst>
+                                  <p:childTnLst>
+                                    <p:set>
+                                      <p:cBhvr>
+                                        <p:cTn id="22" dur="1" fill="hold">
+                                          <p:stCondLst>
+                                            <p:cond delay="0"/>
+                                          </p:stCondLst>
+                                        </p:cTn>
+                                        <p:tgtEl>
+                                          <p:spTgt spid="9">
+                                            <p:txEl>
+                                              <p:pRg st="5" end="5"/>
+                                            </p:txEl>
+                                          </p:spTgt>
+                                        </p:tgtEl>
+                                        <p:attrNameLst>
+                                          <p:attrName>style.visibility</p:attrName>
+                                        </p:attrNameLst>
+                                      </p:cBhvr>
+                                      <p:to>
+                                        <p:strVal val="visible"/>
+                                      </p:to>
+                                    </p:set>
+                                  </p:childTnLst>
+                                </p:cTn>
+                              </p:par>
+                            </p:childTnLst>
+                          </p:cTn>
+                        </p:par>
+                      </p:childTnLst>
+                    </p:cTn>
+                  </p:par>
+                  <p:par>
+                    <p:cTn id="23" fill="hold">
+                      <p:stCondLst>
+                        <p:cond delay="indefinite"/>
+                      </p:stCondLst>
+                      <p:childTnLst>
+                        <p:par>
+                          <p:cTn id="24" fill="hold">
+                            <p:stCondLst>
+                              <p:cond delay="0"/>
+                            </p:stCondLst>
+                            <p:childTnLst>
+                              <p:par>
+                                <p:cTn id="25" presetID="1" presetClass="entr" presetSubtype="0" fill="hold" nodeType="clickEffect">
+                                  <p:stCondLst>
+                                    <p:cond delay="0"/>
+                                  </p:stCondLst>
+                                  <p:childTnLst>
+                                    <p:set>
+                                      <p:cBhvr>
+                                        <p:cTn id="26" dur="1" fill="hold">
+                                          <p:stCondLst>
+                                            <p:cond delay="0"/>
+                                          </p:stCondLst>
+                                        </p:cTn>
+                                        <p:tgtEl>
+                                          <p:spTgt spid="9">
+                                            <p:txEl>
+                                              <p:pRg st="6" end="6"/>
+                                            </p:txEl>
+                                          </p:spTgt>
+                                        </p:tgtEl>
+                                        <p:attrNameLst>
+                                          <p:attrName>style.visibility</p:attrName>
+                                        </p:attrNameLst>
+                                      </p:cBhvr>
+                                      <p:to>
+                                        <p:strVal val="visible"/>
+                                      </p:to>
+                                    </p:set>
+                                  </p:childTnLst>
+                                </p:cTn>
+                              </p:par>
+                            </p:childTnLst>
+                          </p:cTn>
+                        </p:par>
+                      </p:childTnLst>
+                    </p:cTn>
+                  </p:par>
+                  <p:par>
+                    <p:cTn id="27" fill="hold">
+                      <p:stCondLst>
+                        <p:cond delay="indefinite"/>
+                      </p:stCondLst>
+                      <p:childTnLst>
+                        <p:par>
+                          <p:cTn id="28" fill="hold">
+                            <p:stCondLst>
+                              <p:cond delay="0"/>
+                            </p:stCondLst>
+                            <p:childTnLst>
+                              <p:par>
+                                <p:cTn id="29" presetID="1" presetClass="entr" presetSubtype="0" fill="hold" nodeType="clickEffect">
+                                  <p:stCondLst>
+                                    <p:cond delay="0"/>
+                                  </p:stCondLst>
+                                  <p:childTnLst>
+                                    <p:set>
+                                      <p:cBhvr>
+                                        <p:cTn id="30" dur="1" fill="hold">
+                                          <p:stCondLst>
+                                            <p:cond delay="0"/>
+                                          </p:stCondLst>
+                                        </p:cTn>
+                                        <p:tgtEl>
+                                          <p:spTgt spid="9">
+                                            <p:txEl>
+                                              <p:pRg st="7" end="7"/>
+                                            </p:txEl>
+                                          </p:spTgt>
+                                        </p:tgtEl>
+                                        <p:attrNameLst>
+                                          <p:attrName>style.visibility</p:attrName>
+                                        </p:attrNameLst>
+                                      </p:cBhvr>
+                                      <p:to>
+                                        <p:strVal val="visible"/>
+                                      </p:to>
+                                    </p:set>
+                                  </p:childTnLst>
+                                </p:cTn>
+                              </p:par>
+                            </p:childTnLst>
+                          </p:cTn>
+                        </p:par>
+                      </p:childTnLst>
+                    </p:cTn>
+                  </p:par>
+                  <p:par>
+                    <p:cTn id="31" fill="hold">
+                      <p:stCondLst>
+                        <p:cond delay="indefinite"/>
+                      </p:stCondLst>
+                      <p:childTnLst>
+                        <p:par>
+                          <p:cTn id="32" fill="hold">
+                            <p:stCondLst>
+                              <p:cond delay="0"/>
+                            </p:stCondLst>
+                            <p:childTnLst>
+                              <p:par>
+                                <p:cTn id="33" presetID="1" presetClass="entr" presetSubtype="0" fill="hold" nodeType="clickEffect">
+                                  <p:stCondLst>
+                                    <p:cond delay="0"/>
+                                  </p:stCondLst>
+                                  <p:childTnLst>
+                                    <p:set>
+                                      <p:cBhvr>
+                                        <p:cTn id="34" dur="1" fill="hold">
+                                          <p:stCondLst>
+                                            <p:cond delay="0"/>
+                                          </p:stCondLst>
+                                        </p:cTn>
+                                        <p:tgtEl>
+                                          <p:spTgt spid="9">
+                                            <p:txEl>
+                                              <p:pRg st="8" end="8"/>
+                                            </p:txEl>
+                                          </p:spTgt>
+                                        </p:tgtEl>
+                                        <p:attrNameLst>
+                                          <p:attrName>style.visibility</p:attrName>
+                                        </p:attrNameLst>
+                                      </p:cBhvr>
+                                      <p:to>
+                                        <p:strVal val="visible"/>
+                                      </p:to>
+                                    </p:set>
+                                  </p:childTnLst>
+                                </p:cTn>
+                              </p:par>
+                            </p:childTnLst>
+                          </p:cTn>
+                        </p:par>
+                      </p:childTnLst>
+                    </p:cTn>
+                  </p:par>
+                  <p:par>
+                    <p:cTn id="35" fill="hold">
+                      <p:stCondLst>
+                        <p:cond delay="indefinite"/>
+                      </p:stCondLst>
+                      <p:childTnLst>
+                        <p:par>
+                          <p:cTn id="36" fill="hold">
+                            <p:stCondLst>
+                              <p:cond delay="0"/>
+                            </p:stCondLst>
+                            <p:childTnLst>
+                              <p:par>
+                                <p:cTn id="37" presetID="1" presetClass="entr" presetSubtype="0" fill="hold" nodeType="clickEffect">
+                                  <p:stCondLst>
+                                    <p:cond delay="0"/>
+                                  </p:stCondLst>
+                                  <p:childTnLst>
+                                    <p:set>
+                                      <p:cBhvr>
+                                        <p:cTn id="38" dur="1" fill="hold">
+                                          <p:stCondLst>
+                                            <p:cond delay="0"/>
+                                          </p:stCondLst>
+                                        </p:cTn>
+                                        <p:tgtEl>
+                                          <p:spTgt spid="9">
+                                            <p:txEl>
+                                              <p:pRg st="9" end="9"/>
+                                            </p:txEl>
+                                          </p:spTgt>
+                                        </p:tgtEl>
+                                        <p:attrNameLst>
+                                          <p:attrName>style.visibility</p:attrName>
+                                        </p:attrNameLst>
+                                      </p:cBhvr>
+                                      <p:to>
+                                        <p:strVal val="visible"/>
+                                      </p:to>
+                                    </p:set>
+                                  </p:childTnLst>
+                                </p:cTn>
+                              </p:par>
+                            </p:childTnLst>
+                          </p:cTn>
+                        </p:par>
+                      </p:childTnLst>
+                    </p:cTn>
+                  </p:par>
+                  <p:par>
+                    <p:cTn id="39" fill="hold">
+                      <p:stCondLst>
+                        <p:cond delay="indefinite"/>
+                      </p:stCondLst>
+                      <p:childTnLst>
+                        <p:par>
+                          <p:cTn id="40" fill="hold">
+                            <p:stCondLst>
+                              <p:cond delay="0"/>
+                            </p:stCondLst>
+                            <p:childTnLst>
+                              <p:par>
+                                <p:cTn id="41" presetID="1" presetClass="entr" presetSubtype="0" fill="hold" nodeType="clickEffect">
+                                  <p:stCondLst>
+                                    <p:cond delay="0"/>
+                                  </p:stCondLst>
+                                  <p:childTnLst>
+                                    <p:set>
+                                      <p:cBhvr>
+                                        <p:cTn id="42" dur="1" fill="hold">
+                                          <p:stCondLst>
+                                            <p:cond delay="0"/>
+                                          </p:stCondLst>
+                                        </p:cTn>
+                                        <p:tgtEl>
+                                          <p:spTgt spid="9">
+                                            <p:txEl>
+                                              <p:pRg st="10" end="10"/>
+                                            </p:txEl>
+                                          </p:spTgt>
+                                        </p:tgtEl>
+                                        <p:attrNameLst>
+                                          <p:attrName>style.visibility</p:attrName>
+                                        </p:attrNameLst>
+                                      </p:cBhvr>
+                                      <p:to>
+                                        <p:strVal val="visible"/>
+                                      </p:to>
+                                    </p:set>
+                                  </p:childTnLst>
+                                </p:cTn>
+                              </p:par>
+                            </p:childTnLst>
+                          </p:cTn>
+                        </p:par>
+                      </p:childTnLst>
+                    </p:cTn>
+                  </p:par>
+                  <p:par>
+                    <p:cTn id="43" fill="hold">
+                      <p:stCondLst>
+                        <p:cond delay="indefinite"/>
+                      </p:stCondLst>
+                      <p:childTnLst>
+                        <p:par>
+                          <p:cTn id="44" fill="hold">
+                            <p:stCondLst>
+                              <p:cond delay="0"/>
+                            </p:stCondLst>
+                            <p:childTnLst>
+                              <p:par>
+                                <p:cTn id="45" presetID="1" presetClass="entr" presetSubtype="0" fill="hold" nodeType="clickEffect">
+                                  <p:stCondLst>
+                                    <p:cond delay="0"/>
+                                  </p:stCondLst>
+                                  <p:childTnLst>
+                                    <p:set>
+                                      <p:cBhvr>
+                                        <p:cTn id="46" dur="1" fill="hold">
+                                          <p:stCondLst>
+                                            <p:cond delay="0"/>
+                                          </p:stCondLst>
+                                        </p:cTn>
+                                        <p:tgtEl>
+                                          <p:spTgt spid="9">
+                                            <p:txEl>
+                                              <p:pRg st="11" end="11"/>
+                                            </p:txEl>
+                                          </p:spTgt>
+                                        </p:tgtEl>
+                                        <p:attrNameLst>
+                                          <p:attrName>style.visibility</p:attrName>
+                                        </p:attrNameLst>
+                                      </p:cBhvr>
+                                      <p:to>
+                                        <p:strVal val="visible"/>
+                                      </p:to>
+                                    </p:set>
+                                  </p:childTnLst>
+                                </p:cTn>
+                              </p:par>
+                            </p:childTnLst>
+                          </p:cTn>
+                        </p:par>
+                      </p:childTnLst>
+                    </p:cTn>
+                  </p:par>
+                  <p:par>
+                    <p:cTn id="47" fill="hold">
+                      <p:stCondLst>
+                        <p:cond delay="indefinite"/>
+                      </p:stCondLst>
+                      <p:childTnLst>
+                        <p:par>
+                          <p:cTn id="48" fill="hold">
+                            <p:stCondLst>
+                              <p:cond delay="0"/>
+                            </p:stCondLst>
+                            <p:childTnLst>
+                              <p:par>
+                                <p:cTn id="49" presetID="1" presetClass="entr" presetSubtype="0" fill="hold" nodeType="clickEffect">
+                                  <p:stCondLst>
+                                    <p:cond delay="0"/>
+                                  </p:stCondLst>
+                                  <p:childTnLst>
+                                    <p:set>
+                                      <p:cBhvr>
+                                        <p:cTn id="50" dur="1" fill="hold">
+                                          <p:stCondLst>
+                                            <p:cond delay="0"/>
+                                          </p:stCondLst>
+                                        </p:cTn>
+                                        <p:tgtEl>
+                                          <p:spTgt spid="9">
+                                            <p:txEl>
+                                              <p:pRg st="12" end="12"/>
+                                            </p:txEl>
+                                          </p:spTgt>
+                                        </p:tgtEl>
+                                        <p:attrNameLst>
+                                          <p:attrName>style.visibility</p:attrName>
+                                        </p:attrNameLst>
+                                      </p:cBhvr>
+                                      <p:to>
+                                        <p:strVal val="visible"/>
+                                      </p:to>
+                                    </p:set>
+                                  </p:childTnLst>
+                                </p:cTn>
+                              </p:par>
+                            </p:childTnLst>
+                          </p:cTn>
+                        </p:par>
+                      </p:childTnLst>
+                    </p:cTn>
+                  </p:par>
+                  <p:par>
+                    <p:cTn id="51" fill="hold">
+                      <p:stCondLst>
+                        <p:cond delay="indefinite"/>
+                      </p:stCondLst>
+                      <p:childTnLst>
+                        <p:par>
+                          <p:cTn id="52" fill="hold">
+                            <p:stCondLst>
+                              <p:cond delay="0"/>
+                            </p:stCondLst>
+                            <p:childTnLst>
+                              <p:par>
+                                <p:cTn id="53" presetID="1" presetClass="entr" presetSubtype="0" fill="hold" nodeType="clickEffect">
+                                  <p:stCondLst>
+                                    <p:cond delay="0"/>
+                                  </p:stCondLst>
+                                  <p:childTnLst>
+                                    <p:set>
+                                      <p:cBhvr>
+                                        <p:cTn id="54" dur="1" fill="hold">
+                                          <p:stCondLst>
+                                            <p:cond delay="0"/>
+                                          </p:stCondLst>
+                                        </p:cTn>
+                                        <p:tgtEl>
+                                          <p:spTgt spid="9">
+                                            <p:txEl>
+                                              <p:pRg st="13" end="13"/>
+                                            </p:txEl>
+                                          </p:spTgt>
+                                        </p:tgtEl>
+                                        <p:attrNameLst>
+                                          <p:attrName>style.visibility</p:attrName>
+                                        </p:attrNameLst>
+                                      </p:cBhvr>
+                                      <p:to>
+                                        <p:strVal val="visible"/>
+                                      </p:to>
+                                    </p:set>
+                                  </p:childTnLst>
+                                </p:cTn>
+                              </p:par>
+                            </p:childTnLst>
+                          </p:cTn>
+                        </p:par>
+                      </p:childTnLst>
+                    </p:cTn>
+                  </p:par>
+                  <p:par>
+                    <p:cTn id="55" fill="hold">
+                      <p:stCondLst>
+                        <p:cond delay="indefinite"/>
+                      </p:stCondLst>
+                      <p:childTnLst>
+                        <p:par>
+                          <p:cTn id="56" fill="hold">
+                            <p:stCondLst>
+                              <p:cond delay="0"/>
+                            </p:stCondLst>
+                            <p:childTnLst>
+                              <p:par>
+                                <p:cTn id="57" presetID="1" presetClass="entr" presetSubtype="0" fill="hold" nodeType="clickEffect">
+                                  <p:stCondLst>
+                                    <p:cond delay="0"/>
+                                  </p:stCondLst>
+                                  <p:childTnLst>
+                                    <p:set>
+                                      <p:cBhvr>
+                                        <p:cTn id="58" dur="1" fill="hold">
+                                          <p:stCondLst>
+                                            <p:cond delay="0"/>
+                                          </p:stCondLst>
+                                        </p:cTn>
+                                        <p:tgtEl>
+                                          <p:spTgt spid="9">
+                                            <p:txEl>
+                                              <p:pRg st="14" end="14"/>
+                                            </p:txEl>
+                                          </p:spTgt>
+                                        </p:tgtEl>
+                                        <p:attrNameLst>
+                                          <p:attrName>style.visibility</p:attrName>
+                                        </p:attrNameLst>
+                                      </p:cBhvr>
+                                      <p:to>
+                                        <p:strVal val="visible"/>
+                                      </p:to>
+                                    </p:set>
+                                  </p:childTnLst>
+                                </p:cTn>
+                              </p:par>
+                            </p:childTnLst>
+                          </p:cTn>
+                        </p:par>
+                      </p:childTnLst>
+                    </p:cTn>
+                  </p:par>
+                </p:childTnLst>
+              </p:cTn>
+              <p:prevCondLst>
+                <p:cond evt="onPrev" delay="0">
+                  <p:tgtEl>
+                    <p:sldTgt/>
+                  </p:tgtEl>
+                </p:cond>
+              </p:prevCondLst>
+              <p:nextCondLst>
+                <p:cond evt="onNext" delay="0">
+                  <p:tgtEl>
+                    <p:sldTgt/>
+                  </p:tgtEl>
+                </p:cond>
+              </p:nextCondLst>
+            </p:seq>
+          </p:childTnLst>
+        </p:cTn>
+      </p:par>
+    </p:tnLst>
+  </p:timing>
 </p:sld>
 </file>
 
@@ -6757,7 +8878,7 @@
         </p:nvSpPr>
         <p:spPr>
           <a:xfrm>
-            <a:off x="169682" y="221930"/>
+            <a:off x="169682" y="134007"/>
             <a:ext cx="7053542" cy="683886"/>
           </a:xfrm>
         </p:spPr>
@@ -6790,8 +8911,8 @@
         </p:nvSpPr>
         <p:spPr>
           <a:xfrm>
-            <a:off x="169682" y="1018095"/>
-            <a:ext cx="8365891" cy="4562898"/>
+            <a:off x="169682" y="1007165"/>
+            <a:ext cx="8804636" cy="4573828"/>
           </a:xfrm>
         </p:spPr>
         <p:txBody>
@@ -6875,8 +8996,35 @@
             </a:r>
             <a:r>
               <a:rPr lang="en-US" dirty="0"/>
-              <a:t>loop to describe conditional iteration: iteration that repeats as long as a condition is true.</a:t>
-            </a:r>
+              <a:t>loop to describe conditional iteration: iteration that repeats as long as a condition is true. </a:t>
+            </a:r>
+          </a:p>
+          <a:p>
+            <a:pPr marL="0" indent="0">
+              <a:buNone/>
+            </a:pPr>
+            <a:endParaRPr lang="en-US" dirty="0"/>
+          </a:p>
+          <a:p>
+            <a:pPr marL="0" indent="0">
+              <a:buNone/>
+            </a:pPr>
+            <a:r>
+              <a:rPr lang="en-US" dirty="0"/>
+              <a:t>Between the two loops, the for loop is more common. </a:t>
+            </a:r>
+          </a:p>
+          <a:p>
+            <a:pPr marL="0" indent="0">
+              <a:buNone/>
+            </a:pPr>
+            <a:endParaRPr lang="en-US" dirty="0"/>
+          </a:p>
+          <a:p>
+            <a:pPr marL="0" indent="0">
+              <a:buNone/>
+            </a:pPr>
+            <a:endParaRPr lang="en-US" dirty="0"/>
           </a:p>
         </p:txBody>
       </p:sp>
@@ -6890,6 +9038,183 @@
   <p:clrMapOvr>
     <a:masterClrMapping/>
   </p:clrMapOvr>
+  <p:timing>
+    <p:tnLst>
+      <p:par>
+        <p:cTn id="1" dur="indefinite" restart="never" nodeType="tmRoot">
+          <p:childTnLst>
+            <p:seq concurrent="1" nextAc="seek">
+              <p:cTn id="2" dur="indefinite" nodeType="mainSeq">
+                <p:childTnLst>
+                  <p:par>
+                    <p:cTn id="3" fill="hold">
+                      <p:stCondLst>
+                        <p:cond delay="indefinite"/>
+                      </p:stCondLst>
+                      <p:childTnLst>
+                        <p:par>
+                          <p:cTn id="4" fill="hold">
+                            <p:stCondLst>
+                              <p:cond delay="0"/>
+                            </p:stCondLst>
+                            <p:childTnLst>
+                              <p:par>
+                                <p:cTn id="5" presetID="1" presetClass="entr" presetSubtype="0" fill="hold" nodeType="clickEffect">
+                                  <p:stCondLst>
+                                    <p:cond delay="0"/>
+                                  </p:stCondLst>
+                                  <p:childTnLst>
+                                    <p:set>
+                                      <p:cBhvr>
+                                        <p:cTn id="6" dur="1" fill="hold">
+                                          <p:stCondLst>
+                                            <p:cond delay="0"/>
+                                          </p:stCondLst>
+                                        </p:cTn>
+                                        <p:tgtEl>
+                                          <p:spTgt spid="9">
+                                            <p:txEl>
+                                              <p:pRg st="2" end="2"/>
+                                            </p:txEl>
+                                          </p:spTgt>
+                                        </p:tgtEl>
+                                        <p:attrNameLst>
+                                          <p:attrName>style.visibility</p:attrName>
+                                        </p:attrNameLst>
+                                      </p:cBhvr>
+                                      <p:to>
+                                        <p:strVal val="visible"/>
+                                      </p:to>
+                                    </p:set>
+                                  </p:childTnLst>
+                                </p:cTn>
+                              </p:par>
+                            </p:childTnLst>
+                          </p:cTn>
+                        </p:par>
+                      </p:childTnLst>
+                    </p:cTn>
+                  </p:par>
+                  <p:par>
+                    <p:cTn id="7" fill="hold">
+                      <p:stCondLst>
+                        <p:cond delay="indefinite"/>
+                      </p:stCondLst>
+                      <p:childTnLst>
+                        <p:par>
+                          <p:cTn id="8" fill="hold">
+                            <p:stCondLst>
+                              <p:cond delay="0"/>
+                            </p:stCondLst>
+                            <p:childTnLst>
+                              <p:par>
+                                <p:cTn id="9" presetID="1" presetClass="entr" presetSubtype="0" fill="hold" nodeType="clickEffect">
+                                  <p:stCondLst>
+                                    <p:cond delay="0"/>
+                                  </p:stCondLst>
+                                  <p:childTnLst>
+                                    <p:set>
+                                      <p:cBhvr>
+                                        <p:cTn id="10" dur="1" fill="hold">
+                                          <p:stCondLst>
+                                            <p:cond delay="0"/>
+                                          </p:stCondLst>
+                                        </p:cTn>
+                                        <p:tgtEl>
+                                          <p:spTgt spid="9">
+                                            <p:txEl>
+                                              <p:pRg st="4" end="4"/>
+                                            </p:txEl>
+                                          </p:spTgt>
+                                        </p:tgtEl>
+                                        <p:attrNameLst>
+                                          <p:attrName>style.visibility</p:attrName>
+                                        </p:attrNameLst>
+                                      </p:cBhvr>
+                                      <p:to>
+                                        <p:strVal val="visible"/>
+                                      </p:to>
+                                    </p:set>
+                                  </p:childTnLst>
+                                </p:cTn>
+                              </p:par>
+                            </p:childTnLst>
+                          </p:cTn>
+                        </p:par>
+                      </p:childTnLst>
+                    </p:cTn>
+                  </p:par>
+                  <p:par>
+                    <p:cTn id="11" fill="hold">
+                      <p:stCondLst>
+                        <p:cond delay="indefinite"/>
+                      </p:stCondLst>
+                      <p:childTnLst>
+                        <p:par>
+                          <p:cTn id="12" fill="hold">
+                            <p:stCondLst>
+                              <p:cond delay="0"/>
+                            </p:stCondLst>
+                            <p:childTnLst>
+                              <p:par>
+                                <p:cTn id="13" presetID="1" presetClass="entr" presetSubtype="0" fill="hold" nodeType="clickEffect">
+                                  <p:stCondLst>
+                                    <p:cond delay="0"/>
+                                  </p:stCondLst>
+                                  <p:childTnLst>
+                                    <p:set>
+                                      <p:cBhvr>
+                                        <p:cTn id="14" dur="1" fill="hold">
+                                          <p:stCondLst>
+                                            <p:cond delay="0"/>
+                                          </p:stCondLst>
+                                        </p:cTn>
+                                        <p:tgtEl>
+                                          <p:spTgt spid="9">
+                                            <p:txEl>
+                                              <p:pRg st="6" end="6"/>
+                                            </p:txEl>
+                                          </p:spTgt>
+                                        </p:tgtEl>
+                                        <p:attrNameLst>
+                                          <p:attrName>style.visibility</p:attrName>
+                                        </p:attrNameLst>
+                                      </p:cBhvr>
+                                      <p:to>
+                                        <p:strVal val="visible"/>
+                                      </p:to>
+                                    </p:set>
+                                  </p:childTnLst>
+                                </p:cTn>
+                              </p:par>
+                            </p:childTnLst>
+                          </p:cTn>
+                        </p:par>
+                      </p:childTnLst>
+                    </p:cTn>
+                  </p:par>
+                </p:childTnLst>
+              </p:cTn>
+              <p:prevCondLst>
+                <p:cond evt="onPrev" delay="0">
+                  <p:tgtEl>
+                    <p:sldTgt/>
+                  </p:tgtEl>
+                </p:cond>
+              </p:prevCondLst>
+              <p:nextCondLst>
+                <p:cond evt="onNext" delay="0">
+                  <p:tgtEl>
+                    <p:sldTgt/>
+                  </p:tgtEl>
+                </p:cond>
+              </p:nextCondLst>
+            </p:seq>
+          </p:childTnLst>
+        </p:cTn>
+      </p:par>
+    </p:tnLst>
+  </p:timing>
 </p:sld>
 </file>
 
@@ -7136,6 +9461,134 @@
   <p:clrMapOvr>
     <a:masterClrMapping/>
   </p:clrMapOvr>
+  <p:timing>
+    <p:tnLst>
+      <p:par>
+        <p:cTn id="1" dur="indefinite" restart="never" nodeType="tmRoot">
+          <p:childTnLst>
+            <p:seq concurrent="1" nextAc="seek">
+              <p:cTn id="2" dur="indefinite" nodeType="mainSeq">
+                <p:childTnLst>
+                  <p:par>
+                    <p:cTn id="3" fill="hold">
+                      <p:stCondLst>
+                        <p:cond delay="indefinite"/>
+                      </p:stCondLst>
+                      <p:childTnLst>
+                        <p:par>
+                          <p:cTn id="4" fill="hold">
+                            <p:stCondLst>
+                              <p:cond delay="0"/>
+                            </p:stCondLst>
+                            <p:childTnLst>
+                              <p:par>
+                                <p:cTn id="5" presetID="1" presetClass="entr" presetSubtype="0" fill="hold" nodeType="clickEffect">
+                                  <p:stCondLst>
+                                    <p:cond delay="0"/>
+                                  </p:stCondLst>
+                                  <p:childTnLst>
+                                    <p:set>
+                                      <p:cBhvr>
+                                        <p:cTn id="6" dur="1" fill="hold">
+                                          <p:stCondLst>
+                                            <p:cond delay="0"/>
+                                          </p:stCondLst>
+                                        </p:cTn>
+                                        <p:tgtEl>
+                                          <p:spTgt spid="9">
+                                            <p:txEl>
+                                              <p:pRg st="4" end="4"/>
+                                            </p:txEl>
+                                          </p:spTgt>
+                                        </p:tgtEl>
+                                        <p:attrNameLst>
+                                          <p:attrName>style.visibility</p:attrName>
+                                        </p:attrNameLst>
+                                      </p:cBhvr>
+                                      <p:to>
+                                        <p:strVal val="visible"/>
+                                      </p:to>
+                                    </p:set>
+                                  </p:childTnLst>
+                                </p:cTn>
+                              </p:par>
+                            </p:childTnLst>
+                          </p:cTn>
+                        </p:par>
+                      </p:childTnLst>
+                    </p:cTn>
+                  </p:par>
+                  <p:par>
+                    <p:cTn id="7" fill="hold">
+                      <p:stCondLst>
+                        <p:cond delay="indefinite"/>
+                      </p:stCondLst>
+                      <p:childTnLst>
+                        <p:par>
+                          <p:cTn id="8" fill="hold">
+                            <p:stCondLst>
+                              <p:cond delay="0"/>
+                            </p:stCondLst>
+                            <p:childTnLst>
+                              <p:par>
+                                <p:cTn id="9" presetID="1" presetClass="entr" presetSubtype="0" fill="hold" nodeType="clickEffect">
+                                  <p:stCondLst>
+                                    <p:cond delay="0"/>
+                                  </p:stCondLst>
+                                  <p:childTnLst>
+                                    <p:set>
+                                      <p:cBhvr>
+                                        <p:cTn id="10" dur="1" fill="hold">
+                                          <p:stCondLst>
+                                            <p:cond delay="0"/>
+                                          </p:stCondLst>
+                                        </p:cTn>
+                                        <p:tgtEl>
+                                          <p:spTgt spid="9">
+                                            <p:txEl>
+                                              <p:pRg st="6" end="6"/>
+                                            </p:txEl>
+                                          </p:spTgt>
+                                        </p:tgtEl>
+                                        <p:attrNameLst>
+                                          <p:attrName>style.visibility</p:attrName>
+                                        </p:attrNameLst>
+                                      </p:cBhvr>
+                                      <p:to>
+                                        <p:strVal val="visible"/>
+                                      </p:to>
+                                    </p:set>
+                                  </p:childTnLst>
+                                </p:cTn>
+                              </p:par>
+                            </p:childTnLst>
+                          </p:cTn>
+                        </p:par>
+                      </p:childTnLst>
+                    </p:cTn>
+                  </p:par>
+                </p:childTnLst>
+              </p:cTn>
+              <p:prevCondLst>
+                <p:cond evt="onPrev" delay="0">
+                  <p:tgtEl>
+                    <p:sldTgt/>
+                  </p:tgtEl>
+                </p:cond>
+              </p:prevCondLst>
+              <p:nextCondLst>
+                <p:cond evt="onNext" delay="0">
+                  <p:tgtEl>
+                    <p:sldTgt/>
+                  </p:tgtEl>
+                </p:cond>
+              </p:nextCondLst>
+            </p:seq>
+          </p:childTnLst>
+        </p:cTn>
+      </p:par>
+    </p:tnLst>
+  </p:timing>
 </p:sld>
 </file>
 
@@ -7242,7 +9695,7 @@
             <a:r>
               <a:rPr lang="en-US" sz="2000" b="1" dirty="0">
                 <a:solidFill>
-                  <a:srgbClr val="FF0000"/>
+                  <a:srgbClr val="00B0F0"/>
                 </a:solidFill>
                 <a:latin typeface="Inconsolata" panose="020B0609030003000000" pitchFamily="49" charset="77"/>
               </a:rPr>
@@ -7263,10 +9716,16 @@
               <a:t>for </a:t>
             </a:r>
             <a:r>
-              <a:rPr lang="en-US" sz="2000" b="1" dirty="0">
-                <a:latin typeface="Inconsolata" panose="020B0609030003000000" pitchFamily="49" charset="77"/>
-              </a:rPr>
-              <a:t>count </a:t>
+              <a:rPr lang="en-US" sz="2000" b="1" dirty="0" err="1">
+                <a:latin typeface="Inconsolata" panose="020B0609030003000000" pitchFamily="49" charset="77"/>
+              </a:rPr>
+              <a:t>i</a:t>
+            </a:r>
+            <a:r>
+              <a:rPr lang="en-US" sz="2000" b="1" dirty="0">
+                <a:latin typeface="Inconsolata" panose="020B0609030003000000" pitchFamily="49" charset="77"/>
+              </a:rPr>
+              <a:t> </a:t>
             </a:r>
             <a:r>
               <a:rPr lang="en-US" sz="2000" b="1" dirty="0">
@@ -7301,7 +9760,19 @@
               <a:rPr lang="en-US" sz="2000" b="1" dirty="0">
                 <a:latin typeface="Inconsolata" panose="020B0609030003000000" pitchFamily="49" charset="77"/>
               </a:rPr>
-              <a:t>(count, end = </a:t>
+              <a:t>(</a:t>
+            </a:r>
+            <a:r>
+              <a:rPr lang="en-US" sz="2000" b="1" dirty="0" err="1">
+                <a:latin typeface="Inconsolata" panose="020B0609030003000000" pitchFamily="49" charset="77"/>
+              </a:rPr>
+              <a:t>i</a:t>
+            </a:r>
+            <a:r>
+              <a:rPr lang="en-US" sz="2000" b="1" dirty="0">
+                <a:latin typeface="Inconsolata" panose="020B0609030003000000" pitchFamily="49" charset="77"/>
+              </a:rPr>
+              <a:t>, end=</a:t>
             </a:r>
             <a:r>
               <a:rPr lang="en-US" sz="2000" b="1" dirty="0">
@@ -7348,7 +9819,7 @@
             <a:r>
               <a:rPr lang="en-US" sz="2000" b="1" dirty="0">
                 <a:solidFill>
-                  <a:srgbClr val="FF0000"/>
+                  <a:srgbClr val="00B0F0"/>
                 </a:solidFill>
                 <a:latin typeface="Inconsolata" panose="020B0609030003000000" pitchFamily="49" charset="77"/>
               </a:rPr>
@@ -7360,10 +9831,16 @@
               <a:buNone/>
             </a:pPr>
             <a:r>
-              <a:rPr lang="en-US" sz="2000" b="1" dirty="0">
-                <a:latin typeface="Inconsolata" panose="020B0609030003000000" pitchFamily="49" charset="77"/>
-              </a:rPr>
-              <a:t>count = 1 </a:t>
+              <a:rPr lang="en-US" sz="2000" b="1" dirty="0" err="1">
+                <a:latin typeface="Inconsolata" panose="020B0609030003000000" pitchFamily="49" charset="77"/>
+              </a:rPr>
+              <a:t>i</a:t>
+            </a:r>
+            <a:r>
+              <a:rPr lang="en-US" sz="2000" b="1" dirty="0">
+                <a:latin typeface="Inconsolata" panose="020B0609030003000000" pitchFamily="49" charset="77"/>
+              </a:rPr>
+              <a:t> = 1 </a:t>
             </a:r>
           </a:p>
           <a:p>
@@ -7380,10 +9857,16 @@
               <a:t>while </a:t>
             </a:r>
             <a:r>
-              <a:rPr lang="en-US" sz="2000" b="1" dirty="0">
-                <a:latin typeface="Inconsolata" panose="020B0609030003000000" pitchFamily="49" charset="77"/>
-              </a:rPr>
-              <a:t>count &lt; 11: </a:t>
+              <a:rPr lang="en-US" sz="2000" b="1" dirty="0" err="1">
+                <a:latin typeface="Inconsolata" panose="020B0609030003000000" pitchFamily="49" charset="77"/>
+              </a:rPr>
+              <a:t>i</a:t>
+            </a:r>
+            <a:r>
+              <a:rPr lang="en-US" sz="2000" b="1" dirty="0">
+                <a:latin typeface="Inconsolata" panose="020B0609030003000000" pitchFamily="49" charset="77"/>
+              </a:rPr>
+              <a:t> &lt; 11: </a:t>
             </a:r>
           </a:p>
           <a:p>
@@ -7403,7 +9886,19 @@
               <a:rPr lang="en-US" sz="2000" b="1" dirty="0">
                 <a:latin typeface="Inconsolata" panose="020B0609030003000000" pitchFamily="49" charset="77"/>
               </a:rPr>
-              <a:t>(count, end = </a:t>
+              <a:t>(</a:t>
+            </a:r>
+            <a:r>
+              <a:rPr lang="en-US" sz="2000" b="1" dirty="0" err="1">
+                <a:latin typeface="Inconsolata" panose="020B0609030003000000" pitchFamily="49" charset="77"/>
+              </a:rPr>
+              <a:t>i</a:t>
+            </a:r>
+            <a:r>
+              <a:rPr lang="en-US" sz="2000" b="1" dirty="0">
+                <a:latin typeface="Inconsolata" panose="020B0609030003000000" pitchFamily="49" charset="77"/>
+              </a:rPr>
+              <a:t>, end=</a:t>
             </a:r>
             <a:r>
               <a:rPr lang="en-US" sz="2000" b="1" dirty="0">
@@ -7429,7 +9924,19 @@
               <a:rPr lang="en-US" sz="2000" b="1" dirty="0">
                 <a:latin typeface="Inconsolata" panose="020B0609030003000000" pitchFamily="49" charset="77"/>
               </a:rPr>
-              <a:t>	count += 1 </a:t>
+              <a:t>	</a:t>
+            </a:r>
+            <a:r>
+              <a:rPr lang="en-US" sz="2000" b="1" dirty="0" err="1">
+                <a:latin typeface="Inconsolata" panose="020B0609030003000000" pitchFamily="49" charset="77"/>
+              </a:rPr>
+              <a:t>i</a:t>
+            </a:r>
+            <a:r>
+              <a:rPr lang="en-US" sz="2000" b="1" dirty="0">
+                <a:latin typeface="Inconsolata" panose="020B0609030003000000" pitchFamily="49" charset="77"/>
+              </a:rPr>
+              <a:t> += 1 </a:t>
             </a:r>
           </a:p>
           <a:p>
@@ -7458,6 +9965,173 @@
             <a:endParaRPr lang="en-US" dirty="0">
               <a:latin typeface="Gill Sans MT" panose="020B0502020104020203" pitchFamily="34" charset="77"/>
             </a:endParaRPr>
+          </a:p>
+        </p:txBody>
+      </p:sp>
+      <p:sp>
+        <p:nvSpPr>
+          <p:cNvPr id="3" name="TextBox 2">
+            <a:extLst>
+              <a:ext uri="{FF2B5EF4-FFF2-40B4-BE49-F238E27FC236}">
+                <a16:creationId xmlns:a16="http://schemas.microsoft.com/office/drawing/2014/main" id="{3C72A7FE-2096-AA46-B5B0-556366A0BFB1}"/>
+              </a:ext>
+            </a:extLst>
+          </p:cNvPr>
+          <p:cNvSpPr txBox="1"/>
+          <p:nvPr/>
+        </p:nvSpPr>
+        <p:spPr>
+          <a:xfrm>
+            <a:off x="4151935" y="2041892"/>
+            <a:ext cx="4215898" cy="1631216"/>
+          </a:xfrm>
+          <a:prstGeom prst="rect">
+            <a:avLst/>
+          </a:prstGeom>
+          <a:noFill/>
+        </p:spPr>
+        <p:txBody>
+          <a:bodyPr wrap="none" rtlCol="0">
+            <a:spAutoFit/>
+          </a:bodyPr>
+          <a:lstStyle/>
+          <a:p>
+            <a:r>
+              <a:rPr lang="en-US" sz="2000" dirty="0">
+                <a:solidFill>
+                  <a:srgbClr val="FF0000"/>
+                </a:solidFill>
+              </a:rPr>
+              <a:t>For loop syntax is more </a:t>
+            </a:r>
+          </a:p>
+          <a:p>
+            <a:r>
+              <a:rPr lang="en-US" sz="2000" dirty="0">
+                <a:solidFill>
+                  <a:srgbClr val="FF0000"/>
+                </a:solidFill>
+              </a:rPr>
+              <a:t>rigid and structured. </a:t>
+            </a:r>
+          </a:p>
+          <a:p>
+            <a:r>
+              <a:rPr lang="en-US" sz="2000" dirty="0">
+                <a:solidFill>
+                  <a:srgbClr val="FF0000"/>
+                </a:solidFill>
+              </a:rPr>
+              <a:t>The index </a:t>
+            </a:r>
+            <a:r>
+              <a:rPr lang="en-US" sz="2000" dirty="0" err="1">
+                <a:solidFill>
+                  <a:srgbClr val="FF0000"/>
+                </a:solidFill>
+              </a:rPr>
+              <a:t>i</a:t>
+            </a:r>
+            <a:r>
+              <a:rPr lang="en-US" sz="2000" dirty="0">
+                <a:solidFill>
+                  <a:srgbClr val="FF0000"/>
+                </a:solidFill>
+              </a:rPr>
+              <a:t> initialization and increment</a:t>
+            </a:r>
+          </a:p>
+          <a:p>
+            <a:r>
+              <a:rPr lang="en-US" sz="2000" dirty="0">
+                <a:solidFill>
+                  <a:srgbClr val="FF0000"/>
+                </a:solidFill>
+              </a:rPr>
+              <a:t>is done compactly.</a:t>
+            </a:r>
+          </a:p>
+          <a:p>
+            <a:endParaRPr lang="en-US" sz="2000" dirty="0">
+              <a:solidFill>
+                <a:srgbClr val="FF0000"/>
+              </a:solidFill>
+            </a:endParaRPr>
+          </a:p>
+        </p:txBody>
+      </p:sp>
+      <p:sp>
+        <p:nvSpPr>
+          <p:cNvPr id="5" name="TextBox 4">
+            <a:extLst>
+              <a:ext uri="{FF2B5EF4-FFF2-40B4-BE49-F238E27FC236}">
+                <a16:creationId xmlns:a16="http://schemas.microsoft.com/office/drawing/2014/main" id="{DD72A416-729A-D14D-937B-E31E95D5697D}"/>
+              </a:ext>
+            </a:extLst>
+          </p:cNvPr>
+          <p:cNvSpPr txBox="1"/>
+          <p:nvPr/>
+        </p:nvSpPr>
+        <p:spPr>
+          <a:xfrm>
+            <a:off x="4151935" y="4034617"/>
+            <a:ext cx="4658070" cy="1015663"/>
+          </a:xfrm>
+          <a:prstGeom prst="rect">
+            <a:avLst/>
+          </a:prstGeom>
+          <a:noFill/>
+        </p:spPr>
+        <p:txBody>
+          <a:bodyPr wrap="none" rtlCol="0">
+            <a:spAutoFit/>
+          </a:bodyPr>
+          <a:lstStyle/>
+          <a:p>
+            <a:r>
+              <a:rPr lang="en-US" sz="2000" dirty="0">
+                <a:solidFill>
+                  <a:srgbClr val="FF0000"/>
+                </a:solidFill>
+              </a:rPr>
+              <a:t>The while loop has a looser syntax.</a:t>
+            </a:r>
+          </a:p>
+          <a:p>
+            <a:r>
+              <a:rPr lang="en-US" sz="2000" dirty="0">
+                <a:solidFill>
+                  <a:srgbClr val="FF0000"/>
+                </a:solidFill>
+              </a:rPr>
+              <a:t>The index </a:t>
+            </a:r>
+            <a:r>
+              <a:rPr lang="en-US" sz="2000" dirty="0" err="1">
+                <a:solidFill>
+                  <a:srgbClr val="FF0000"/>
+                </a:solidFill>
+              </a:rPr>
+              <a:t>i</a:t>
+            </a:r>
+            <a:r>
+              <a:rPr lang="en-US" sz="2000" dirty="0">
+                <a:solidFill>
+                  <a:srgbClr val="FF0000"/>
+                </a:solidFill>
+              </a:rPr>
+              <a:t> initialization, conditional check</a:t>
+            </a:r>
+          </a:p>
+          <a:p>
+            <a:r>
+              <a:rPr lang="en-US" sz="2000" dirty="0">
+                <a:solidFill>
+                  <a:srgbClr val="FF0000"/>
+                </a:solidFill>
+              </a:rPr>
+              <a:t>and increment are at three different places.</a:t>
+            </a:r>
           </a:p>
         </p:txBody>
       </p:sp>
@@ -7471,6 +10145,357 @@
   <p:clrMapOvr>
     <a:masterClrMapping/>
   </p:clrMapOvr>
+  <p:timing>
+    <p:tnLst>
+      <p:par>
+        <p:cTn id="1" dur="indefinite" restart="never" nodeType="tmRoot">
+          <p:childTnLst>
+            <p:seq concurrent="1" nextAc="seek">
+              <p:cTn id="2" dur="indefinite" nodeType="mainSeq">
+                <p:childTnLst>
+                  <p:par>
+                    <p:cTn id="3" fill="hold">
+                      <p:stCondLst>
+                        <p:cond delay="indefinite"/>
+                      </p:stCondLst>
+                      <p:childTnLst>
+                        <p:par>
+                          <p:cTn id="4" fill="hold">
+                            <p:stCondLst>
+                              <p:cond delay="0"/>
+                            </p:stCondLst>
+                            <p:childTnLst>
+                              <p:par>
+                                <p:cTn id="5" presetID="1" presetClass="entr" presetSubtype="0" fill="hold" nodeType="clickEffect">
+                                  <p:stCondLst>
+                                    <p:cond delay="0"/>
+                                  </p:stCondLst>
+                                  <p:childTnLst>
+                                    <p:set>
+                                      <p:cBhvr>
+                                        <p:cTn id="6" dur="1" fill="hold">
+                                          <p:stCondLst>
+                                            <p:cond delay="0"/>
+                                          </p:stCondLst>
+                                        </p:cTn>
+                                        <p:tgtEl>
+                                          <p:spTgt spid="9">
+                                            <p:txEl>
+                                              <p:pRg st="7" end="7"/>
+                                            </p:txEl>
+                                          </p:spTgt>
+                                        </p:tgtEl>
+                                        <p:attrNameLst>
+                                          <p:attrName>style.visibility</p:attrName>
+                                        </p:attrNameLst>
+                                      </p:cBhvr>
+                                      <p:to>
+                                        <p:strVal val="visible"/>
+                                      </p:to>
+                                    </p:set>
+                                  </p:childTnLst>
+                                </p:cTn>
+                              </p:par>
+                              <p:par>
+                                <p:cTn id="7" presetID="1" presetClass="entr" presetSubtype="0" fill="hold" nodeType="withEffect">
+                                  <p:stCondLst>
+                                    <p:cond delay="0"/>
+                                  </p:stCondLst>
+                                  <p:childTnLst>
+                                    <p:set>
+                                      <p:cBhvr>
+                                        <p:cTn id="8" dur="1" fill="hold">
+                                          <p:stCondLst>
+                                            <p:cond delay="0"/>
+                                          </p:stCondLst>
+                                        </p:cTn>
+                                        <p:tgtEl>
+                                          <p:spTgt spid="9">
+                                            <p:txEl>
+                                              <p:pRg st="8" end="8"/>
+                                            </p:txEl>
+                                          </p:spTgt>
+                                        </p:tgtEl>
+                                        <p:attrNameLst>
+                                          <p:attrName>style.visibility</p:attrName>
+                                        </p:attrNameLst>
+                                      </p:cBhvr>
+                                      <p:to>
+                                        <p:strVal val="visible"/>
+                                      </p:to>
+                                    </p:set>
+                                  </p:childTnLst>
+                                </p:cTn>
+                              </p:par>
+                            </p:childTnLst>
+                          </p:cTn>
+                        </p:par>
+                      </p:childTnLst>
+                    </p:cTn>
+                  </p:par>
+                  <p:par>
+                    <p:cTn id="9" fill="hold">
+                      <p:stCondLst>
+                        <p:cond delay="indefinite"/>
+                      </p:stCondLst>
+                      <p:childTnLst>
+                        <p:par>
+                          <p:cTn id="10" fill="hold">
+                            <p:stCondLst>
+                              <p:cond delay="0"/>
+                            </p:stCondLst>
+                            <p:childTnLst>
+                              <p:par>
+                                <p:cTn id="11" presetID="1" presetClass="entr" presetSubtype="0" fill="hold" nodeType="clickEffect">
+                                  <p:stCondLst>
+                                    <p:cond delay="0"/>
+                                  </p:stCondLst>
+                                  <p:childTnLst>
+                                    <p:set>
+                                      <p:cBhvr>
+                                        <p:cTn id="12" dur="1" fill="hold">
+                                          <p:stCondLst>
+                                            <p:cond delay="0"/>
+                                          </p:stCondLst>
+                                        </p:cTn>
+                                        <p:tgtEl>
+                                          <p:spTgt spid="9">
+                                            <p:txEl>
+                                              <p:pRg st="9" end="9"/>
+                                            </p:txEl>
+                                          </p:spTgt>
+                                        </p:tgtEl>
+                                        <p:attrNameLst>
+                                          <p:attrName>style.visibility</p:attrName>
+                                        </p:attrNameLst>
+                                      </p:cBhvr>
+                                      <p:to>
+                                        <p:strVal val="visible"/>
+                                      </p:to>
+                                    </p:set>
+                                  </p:childTnLst>
+                                </p:cTn>
+                              </p:par>
+                            </p:childTnLst>
+                          </p:cTn>
+                        </p:par>
+                      </p:childTnLst>
+                    </p:cTn>
+                  </p:par>
+                  <p:par>
+                    <p:cTn id="13" fill="hold">
+                      <p:stCondLst>
+                        <p:cond delay="indefinite"/>
+                      </p:stCondLst>
+                      <p:childTnLst>
+                        <p:par>
+                          <p:cTn id="14" fill="hold">
+                            <p:stCondLst>
+                              <p:cond delay="0"/>
+                            </p:stCondLst>
+                            <p:childTnLst>
+                              <p:par>
+                                <p:cTn id="15" presetID="1" presetClass="entr" presetSubtype="0" fill="hold" nodeType="clickEffect">
+                                  <p:stCondLst>
+                                    <p:cond delay="0"/>
+                                  </p:stCondLst>
+                                  <p:childTnLst>
+                                    <p:set>
+                                      <p:cBhvr>
+                                        <p:cTn id="16" dur="1" fill="hold">
+                                          <p:stCondLst>
+                                            <p:cond delay="0"/>
+                                          </p:stCondLst>
+                                        </p:cTn>
+                                        <p:tgtEl>
+                                          <p:spTgt spid="9">
+                                            <p:txEl>
+                                              <p:pRg st="10" end="10"/>
+                                            </p:txEl>
+                                          </p:spTgt>
+                                        </p:tgtEl>
+                                        <p:attrNameLst>
+                                          <p:attrName>style.visibility</p:attrName>
+                                        </p:attrNameLst>
+                                      </p:cBhvr>
+                                      <p:to>
+                                        <p:strVal val="visible"/>
+                                      </p:to>
+                                    </p:set>
+                                  </p:childTnLst>
+                                </p:cTn>
+                              </p:par>
+                            </p:childTnLst>
+                          </p:cTn>
+                        </p:par>
+                      </p:childTnLst>
+                    </p:cTn>
+                  </p:par>
+                  <p:par>
+                    <p:cTn id="17" fill="hold">
+                      <p:stCondLst>
+                        <p:cond delay="indefinite"/>
+                      </p:stCondLst>
+                      <p:childTnLst>
+                        <p:par>
+                          <p:cTn id="18" fill="hold">
+                            <p:stCondLst>
+                              <p:cond delay="0"/>
+                            </p:stCondLst>
+                            <p:childTnLst>
+                              <p:par>
+                                <p:cTn id="19" presetID="1" presetClass="entr" presetSubtype="0" fill="hold" nodeType="clickEffect">
+                                  <p:stCondLst>
+                                    <p:cond delay="0"/>
+                                  </p:stCondLst>
+                                  <p:childTnLst>
+                                    <p:set>
+                                      <p:cBhvr>
+                                        <p:cTn id="20" dur="1" fill="hold">
+                                          <p:stCondLst>
+                                            <p:cond delay="0"/>
+                                          </p:stCondLst>
+                                        </p:cTn>
+                                        <p:tgtEl>
+                                          <p:spTgt spid="9">
+                                            <p:txEl>
+                                              <p:pRg st="11" end="11"/>
+                                            </p:txEl>
+                                          </p:spTgt>
+                                        </p:tgtEl>
+                                        <p:attrNameLst>
+                                          <p:attrName>style.visibility</p:attrName>
+                                        </p:attrNameLst>
+                                      </p:cBhvr>
+                                      <p:to>
+                                        <p:strVal val="visible"/>
+                                      </p:to>
+                                    </p:set>
+                                  </p:childTnLst>
+                                </p:cTn>
+                              </p:par>
+                            </p:childTnLst>
+                          </p:cTn>
+                        </p:par>
+                      </p:childTnLst>
+                    </p:cTn>
+                  </p:par>
+                  <p:par>
+                    <p:cTn id="21" fill="hold">
+                      <p:stCondLst>
+                        <p:cond delay="indefinite"/>
+                      </p:stCondLst>
+                      <p:childTnLst>
+                        <p:par>
+                          <p:cTn id="22" fill="hold">
+                            <p:stCondLst>
+                              <p:cond delay="0"/>
+                            </p:stCondLst>
+                            <p:childTnLst>
+                              <p:par>
+                                <p:cTn id="23" presetID="1" presetClass="entr" presetSubtype="0" fill="hold" grpId="0" nodeType="clickEffect">
+                                  <p:stCondLst>
+                                    <p:cond delay="0"/>
+                                  </p:stCondLst>
+                                  <p:childTnLst>
+                                    <p:set>
+                                      <p:cBhvr>
+                                        <p:cTn id="24" dur="1" fill="hold">
+                                          <p:stCondLst>
+                                            <p:cond delay="0"/>
+                                          </p:stCondLst>
+                                        </p:cTn>
+                                        <p:tgtEl>
+                                          <p:spTgt spid="3"/>
+                                        </p:tgtEl>
+                                        <p:attrNameLst>
+                                          <p:attrName>style.visibility</p:attrName>
+                                        </p:attrNameLst>
+                                      </p:cBhvr>
+                                      <p:to>
+                                        <p:strVal val="visible"/>
+                                      </p:to>
+                                    </p:set>
+                                  </p:childTnLst>
+                                </p:cTn>
+                              </p:par>
+                            </p:childTnLst>
+                          </p:cTn>
+                        </p:par>
+                      </p:childTnLst>
+                    </p:cTn>
+                  </p:par>
+                  <p:par>
+                    <p:cTn id="25" fill="hold">
+                      <p:stCondLst>
+                        <p:cond delay="indefinite"/>
+                      </p:stCondLst>
+                      <p:childTnLst>
+                        <p:par>
+                          <p:cTn id="26" fill="hold">
+                            <p:stCondLst>
+                              <p:cond delay="0"/>
+                            </p:stCondLst>
+                            <p:childTnLst>
+                              <p:par>
+                                <p:cTn id="27" presetID="1" presetClass="entr" presetSubtype="0" fill="hold" grpId="0" nodeType="clickEffect">
+                                  <p:stCondLst>
+                                    <p:cond delay="0"/>
+                                  </p:stCondLst>
+                                  <p:childTnLst>
+                                    <p:set>
+                                      <p:cBhvr>
+                                        <p:cTn id="28" dur="1" fill="hold">
+                                          <p:stCondLst>
+                                            <p:cond delay="0"/>
+                                          </p:stCondLst>
+                                        </p:cTn>
+                                        <p:tgtEl>
+                                          <p:spTgt spid="5"/>
+                                        </p:tgtEl>
+                                        <p:attrNameLst>
+                                          <p:attrName>style.visibility</p:attrName>
+                                        </p:attrNameLst>
+                                      </p:cBhvr>
+                                      <p:to>
+                                        <p:strVal val="visible"/>
+                                      </p:to>
+                                    </p:set>
+                                  </p:childTnLst>
+                                </p:cTn>
+                              </p:par>
+                            </p:childTnLst>
+                          </p:cTn>
+                        </p:par>
+                      </p:childTnLst>
+                    </p:cTn>
+                  </p:par>
+                </p:childTnLst>
+              </p:cTn>
+              <p:prevCondLst>
+                <p:cond evt="onPrev" delay="0">
+                  <p:tgtEl>
+                    <p:sldTgt/>
+                  </p:tgtEl>
+                </p:cond>
+              </p:prevCondLst>
+              <p:nextCondLst>
+                <p:cond evt="onNext" delay="0">
+                  <p:tgtEl>
+                    <p:sldTgt/>
+                  </p:tgtEl>
+                </p:cond>
+              </p:nextCondLst>
+            </p:seq>
+          </p:childTnLst>
+        </p:cTn>
+      </p:par>
+    </p:tnLst>
+    <p:bldLst>
+      <p:bldP spid="3" grpId="0"/>
+      <p:bldP spid="5" grpId="0"/>
+    </p:bldLst>
+  </p:timing>
 </p:sld>
 </file>
 
@@ -7604,18 +10629,27 @@
               <a:t>for </a:t>
             </a:r>
             <a:r>
-              <a:rPr lang="en-US" sz="2000" b="1" dirty="0">
-                <a:latin typeface="Inconsolata" panose="020B0609030003000000" pitchFamily="49" charset="77"/>
-              </a:rPr>
-              <a:t>count </a:t>
-            </a:r>
-            <a:r>
-              <a:rPr lang="en-US" sz="2000" b="1" dirty="0">
+              <a:rPr lang="en-US" sz="2000" b="1" dirty="0" err="1">
                 <a:solidFill>
                   <a:srgbClr val="FF4C00"/>
                 </a:solidFill>
                 <a:latin typeface="Inconsolata" panose="020B0609030003000000" pitchFamily="49" charset="77"/>
               </a:rPr>
+              <a:t>i</a:t>
+            </a:r>
+            <a:r>
+              <a:rPr lang="en-US" sz="2000" b="1" dirty="0">
+                <a:latin typeface="Inconsolata" panose="020B0609030003000000" pitchFamily="49" charset="77"/>
+              </a:rPr>
+              <a:t> </a:t>
+            </a:r>
+            <a:r>
+              <a:rPr lang="en-US" sz="2000" b="1" dirty="0">
+                <a:solidFill>
+                  <a:srgbClr val="FF4C00"/>
+                </a:solidFill>
+                <a:latin typeface="Inconsolata" panose="020B0609030003000000" pitchFamily="49" charset="77"/>
+              </a:rPr>
               <a:t>in </a:t>
             </a:r>
             <a:r>
@@ -7642,7 +10676,19 @@
               <a:rPr lang="en-US" sz="2000" b="1" dirty="0">
                 <a:latin typeface="Inconsolata" panose="020B0609030003000000" pitchFamily="49" charset="77"/>
               </a:rPr>
-              <a:t>	sum += count </a:t>
+              <a:t>	sum += </a:t>
+            </a:r>
+            <a:r>
+              <a:rPr lang="en-US" sz="2000" b="1" dirty="0" err="1">
+                <a:latin typeface="Inconsolata" panose="020B0609030003000000" pitchFamily="49" charset="77"/>
+              </a:rPr>
+              <a:t>i</a:t>
+            </a:r>
+            <a:r>
+              <a:rPr lang="en-US" sz="2000" b="1" dirty="0">
+                <a:latin typeface="Inconsolata" panose="020B0609030003000000" pitchFamily="49" charset="77"/>
+              </a:rPr>
+              <a:t> </a:t>
             </a:r>
           </a:p>
           <a:p>
@@ -7701,10 +10747,16 @@
               <a:buNone/>
             </a:pPr>
             <a:r>
-              <a:rPr lang="en-US" sz="2000" b="1" dirty="0">
-                <a:latin typeface="Inconsolata" panose="020B0609030003000000" pitchFamily="49" charset="77"/>
-              </a:rPr>
-              <a:t>count = 1 </a:t>
+              <a:rPr lang="en-US" sz="2000" b="1" dirty="0" err="1">
+                <a:latin typeface="Inconsolata" panose="020B0609030003000000" pitchFamily="49" charset="77"/>
+              </a:rPr>
+              <a:t>i</a:t>
+            </a:r>
+            <a:r>
+              <a:rPr lang="en-US" sz="2000" b="1" dirty="0">
+                <a:latin typeface="Inconsolata" panose="020B0609030003000000" pitchFamily="49" charset="77"/>
+              </a:rPr>
+              <a:t> = 1 </a:t>
             </a:r>
           </a:p>
           <a:p>
@@ -7721,32 +10773,62 @@
               <a:t>while </a:t>
             </a:r>
             <a:r>
-              <a:rPr lang="en-US" sz="2000" b="1" dirty="0">
-                <a:latin typeface="Inconsolata" panose="020B0609030003000000" pitchFamily="49" charset="77"/>
-              </a:rPr>
-              <a:t>count &lt;= 100:</a:t>
-            </a:r>
-          </a:p>
-          <a:p>
-            <a:pPr marL="0" indent="0">
-              <a:buNone/>
-            </a:pPr>
-            <a:r>
-              <a:rPr lang="en-US" sz="2000" b="1" dirty="0">
-                <a:latin typeface="Inconsolata" panose="020B0609030003000000" pitchFamily="49" charset="77"/>
-              </a:rPr>
-              <a:t>	sum += count </a:t>
-            </a:r>
-          </a:p>
-          <a:p>
-            <a:pPr marL="0" indent="0">
-              <a:buNone/>
-            </a:pPr>
-            <a:r>
-              <a:rPr lang="en-US" sz="2000" b="1" dirty="0">
-                <a:latin typeface="Inconsolata" panose="020B0609030003000000" pitchFamily="49" charset="77"/>
-              </a:rPr>
-              <a:t>	count += 1 </a:t>
+              <a:rPr lang="en-US" sz="2000" b="1" dirty="0" err="1">
+                <a:latin typeface="Inconsolata" panose="020B0609030003000000" pitchFamily="49" charset="77"/>
+              </a:rPr>
+              <a:t>i</a:t>
+            </a:r>
+            <a:r>
+              <a:rPr lang="en-US" sz="2000" b="1" dirty="0">
+                <a:latin typeface="Inconsolata" panose="020B0609030003000000" pitchFamily="49" charset="77"/>
+              </a:rPr>
+              <a:t> &lt;= 100:</a:t>
+            </a:r>
+          </a:p>
+          <a:p>
+            <a:pPr marL="0" indent="0">
+              <a:buNone/>
+            </a:pPr>
+            <a:r>
+              <a:rPr lang="en-US" sz="2000" b="1" dirty="0">
+                <a:latin typeface="Inconsolata" panose="020B0609030003000000" pitchFamily="49" charset="77"/>
+              </a:rPr>
+              <a:t>	sum += </a:t>
+            </a:r>
+            <a:r>
+              <a:rPr lang="en-US" sz="2000" b="1" dirty="0" err="1">
+                <a:latin typeface="Inconsolata" panose="020B0609030003000000" pitchFamily="49" charset="77"/>
+              </a:rPr>
+              <a:t>i</a:t>
+            </a:r>
+            <a:r>
+              <a:rPr lang="en-US" sz="2000" b="1" dirty="0">
+                <a:latin typeface="Inconsolata" panose="020B0609030003000000" pitchFamily="49" charset="77"/>
+              </a:rPr>
+              <a:t> </a:t>
+            </a:r>
+          </a:p>
+          <a:p>
+            <a:pPr marL="0" indent="0">
+              <a:buNone/>
+            </a:pPr>
+            <a:r>
+              <a:rPr lang="en-US" sz="2000" b="1" dirty="0">
+                <a:latin typeface="Inconsolata" panose="020B0609030003000000" pitchFamily="49" charset="77"/>
+              </a:rPr>
+              <a:t>	</a:t>
+            </a:r>
+            <a:r>
+              <a:rPr lang="en-US" sz="2000" b="1" dirty="0" err="1">
+                <a:latin typeface="Inconsolata" panose="020B0609030003000000" pitchFamily="49" charset="77"/>
+              </a:rPr>
+              <a:t>i</a:t>
+            </a:r>
+            <a:r>
+              <a:rPr lang="en-US" sz="2000" b="1" dirty="0">
+                <a:latin typeface="Inconsolata" panose="020B0609030003000000" pitchFamily="49" charset="77"/>
+              </a:rPr>
+              <a:t> += 1 </a:t>
             </a:r>
           </a:p>
           <a:p>
@@ -7811,6 +10893,289 @@
   <p:clrMapOvr>
     <a:masterClrMapping/>
   </p:clrMapOvr>
+  <p:timing>
+    <p:tnLst>
+      <p:par>
+        <p:cTn id="1" dur="indefinite" restart="never" nodeType="tmRoot">
+          <p:childTnLst>
+            <p:seq concurrent="1" nextAc="seek">
+              <p:cTn id="2" dur="indefinite" nodeType="mainSeq">
+                <p:childTnLst>
+                  <p:par>
+                    <p:cTn id="3" fill="hold">
+                      <p:stCondLst>
+                        <p:cond delay="indefinite"/>
+                      </p:stCondLst>
+                      <p:childTnLst>
+                        <p:par>
+                          <p:cTn id="4" fill="hold">
+                            <p:stCondLst>
+                              <p:cond delay="0"/>
+                            </p:stCondLst>
+                            <p:childTnLst>
+                              <p:par>
+                                <p:cTn id="5" presetID="1" presetClass="entr" presetSubtype="0" fill="hold" nodeType="clickEffect">
+                                  <p:stCondLst>
+                                    <p:cond delay="0"/>
+                                  </p:stCondLst>
+                                  <p:childTnLst>
+                                    <p:set>
+                                      <p:cBhvr>
+                                        <p:cTn id="6" dur="1" fill="hold">
+                                          <p:stCondLst>
+                                            <p:cond delay="0"/>
+                                          </p:stCondLst>
+                                        </p:cTn>
+                                        <p:tgtEl>
+                                          <p:spTgt spid="9">
+                                            <p:txEl>
+                                              <p:pRg st="6" end="6"/>
+                                            </p:txEl>
+                                          </p:spTgt>
+                                        </p:tgtEl>
+                                        <p:attrNameLst>
+                                          <p:attrName>style.visibility</p:attrName>
+                                        </p:attrNameLst>
+                                      </p:cBhvr>
+                                      <p:to>
+                                        <p:strVal val="visible"/>
+                                      </p:to>
+                                    </p:set>
+                                  </p:childTnLst>
+                                </p:cTn>
+                              </p:par>
+                              <p:par>
+                                <p:cTn id="7" presetID="1" presetClass="entr" presetSubtype="0" fill="hold" nodeType="withEffect">
+                                  <p:stCondLst>
+                                    <p:cond delay="0"/>
+                                  </p:stCondLst>
+                                  <p:childTnLst>
+                                    <p:set>
+                                      <p:cBhvr>
+                                        <p:cTn id="8" dur="1" fill="hold">
+                                          <p:stCondLst>
+                                            <p:cond delay="0"/>
+                                          </p:stCondLst>
+                                        </p:cTn>
+                                        <p:tgtEl>
+                                          <p:spTgt spid="9">
+                                            <p:txEl>
+                                              <p:pRg st="7" end="7"/>
+                                            </p:txEl>
+                                          </p:spTgt>
+                                        </p:tgtEl>
+                                        <p:attrNameLst>
+                                          <p:attrName>style.visibility</p:attrName>
+                                        </p:attrNameLst>
+                                      </p:cBhvr>
+                                      <p:to>
+                                        <p:strVal val="visible"/>
+                                      </p:to>
+                                    </p:set>
+                                  </p:childTnLst>
+                                </p:cTn>
+                              </p:par>
+                              <p:par>
+                                <p:cTn id="9" presetID="1" presetClass="entr" presetSubtype="0" fill="hold" nodeType="withEffect">
+                                  <p:stCondLst>
+                                    <p:cond delay="0"/>
+                                  </p:stCondLst>
+                                  <p:childTnLst>
+                                    <p:set>
+                                      <p:cBhvr>
+                                        <p:cTn id="10" dur="1" fill="hold">
+                                          <p:stCondLst>
+                                            <p:cond delay="0"/>
+                                          </p:stCondLst>
+                                        </p:cTn>
+                                        <p:tgtEl>
+                                          <p:spTgt spid="9">
+                                            <p:txEl>
+                                              <p:pRg st="8" end="8"/>
+                                            </p:txEl>
+                                          </p:spTgt>
+                                        </p:tgtEl>
+                                        <p:attrNameLst>
+                                          <p:attrName>style.visibility</p:attrName>
+                                        </p:attrNameLst>
+                                      </p:cBhvr>
+                                      <p:to>
+                                        <p:strVal val="visible"/>
+                                      </p:to>
+                                    </p:set>
+                                  </p:childTnLst>
+                                </p:cTn>
+                              </p:par>
+                              <p:par>
+                                <p:cTn id="11" presetID="1" presetClass="entr" presetSubtype="0" fill="hold" nodeType="withEffect">
+                                  <p:stCondLst>
+                                    <p:cond delay="0"/>
+                                  </p:stCondLst>
+                                  <p:childTnLst>
+                                    <p:set>
+                                      <p:cBhvr>
+                                        <p:cTn id="12" dur="1" fill="hold">
+                                          <p:stCondLst>
+                                            <p:cond delay="0"/>
+                                          </p:stCondLst>
+                                        </p:cTn>
+                                        <p:tgtEl>
+                                          <p:spTgt spid="9">
+                                            <p:txEl>
+                                              <p:pRg st="9" end="9"/>
+                                            </p:txEl>
+                                          </p:spTgt>
+                                        </p:tgtEl>
+                                        <p:attrNameLst>
+                                          <p:attrName>style.visibility</p:attrName>
+                                        </p:attrNameLst>
+                                      </p:cBhvr>
+                                      <p:to>
+                                        <p:strVal val="visible"/>
+                                      </p:to>
+                                    </p:set>
+                                  </p:childTnLst>
+                                </p:cTn>
+                              </p:par>
+                            </p:childTnLst>
+                          </p:cTn>
+                        </p:par>
+                      </p:childTnLst>
+                    </p:cTn>
+                  </p:par>
+                  <p:par>
+                    <p:cTn id="13" fill="hold">
+                      <p:stCondLst>
+                        <p:cond delay="indefinite"/>
+                      </p:stCondLst>
+                      <p:childTnLst>
+                        <p:par>
+                          <p:cTn id="14" fill="hold">
+                            <p:stCondLst>
+                              <p:cond delay="0"/>
+                            </p:stCondLst>
+                            <p:childTnLst>
+                              <p:par>
+                                <p:cTn id="15" presetID="1" presetClass="entr" presetSubtype="0" fill="hold" nodeType="clickEffect">
+                                  <p:stCondLst>
+                                    <p:cond delay="0"/>
+                                  </p:stCondLst>
+                                  <p:childTnLst>
+                                    <p:set>
+                                      <p:cBhvr>
+                                        <p:cTn id="16" dur="1" fill="hold">
+                                          <p:stCondLst>
+                                            <p:cond delay="0"/>
+                                          </p:stCondLst>
+                                        </p:cTn>
+                                        <p:tgtEl>
+                                          <p:spTgt spid="9">
+                                            <p:txEl>
+                                              <p:pRg st="10" end="10"/>
+                                            </p:txEl>
+                                          </p:spTgt>
+                                        </p:tgtEl>
+                                        <p:attrNameLst>
+                                          <p:attrName>style.visibility</p:attrName>
+                                        </p:attrNameLst>
+                                      </p:cBhvr>
+                                      <p:to>
+                                        <p:strVal val="visible"/>
+                                      </p:to>
+                                    </p:set>
+                                  </p:childTnLst>
+                                </p:cTn>
+                              </p:par>
+                              <p:par>
+                                <p:cTn id="17" presetID="1" presetClass="entr" presetSubtype="0" fill="hold" nodeType="withEffect">
+                                  <p:stCondLst>
+                                    <p:cond delay="0"/>
+                                  </p:stCondLst>
+                                  <p:childTnLst>
+                                    <p:set>
+                                      <p:cBhvr>
+                                        <p:cTn id="18" dur="1" fill="hold">
+                                          <p:stCondLst>
+                                            <p:cond delay="0"/>
+                                          </p:stCondLst>
+                                        </p:cTn>
+                                        <p:tgtEl>
+                                          <p:spTgt spid="9">
+                                            <p:txEl>
+                                              <p:pRg st="11" end="11"/>
+                                            </p:txEl>
+                                          </p:spTgt>
+                                        </p:tgtEl>
+                                        <p:attrNameLst>
+                                          <p:attrName>style.visibility</p:attrName>
+                                        </p:attrNameLst>
+                                      </p:cBhvr>
+                                      <p:to>
+                                        <p:strVal val="visible"/>
+                                      </p:to>
+                                    </p:set>
+                                  </p:childTnLst>
+                                </p:cTn>
+                              </p:par>
+                              <p:par>
+                                <p:cTn id="19" presetID="1" presetClass="entr" presetSubtype="0" fill="hold" nodeType="withEffect">
+                                  <p:stCondLst>
+                                    <p:cond delay="0"/>
+                                  </p:stCondLst>
+                                  <p:childTnLst>
+                                    <p:set>
+                                      <p:cBhvr>
+                                        <p:cTn id="20" dur="1" fill="hold">
+                                          <p:stCondLst>
+                                            <p:cond delay="0"/>
+                                          </p:stCondLst>
+                                        </p:cTn>
+                                        <p:tgtEl>
+                                          <p:spTgt spid="9">
+                                            <p:txEl>
+                                              <p:pRg st="12" end="12"/>
+                                            </p:txEl>
+                                          </p:spTgt>
+                                        </p:tgtEl>
+                                        <p:attrNameLst>
+                                          <p:attrName>style.visibility</p:attrName>
+                                        </p:attrNameLst>
+                                      </p:cBhvr>
+                                      <p:to>
+                                        <p:strVal val="visible"/>
+                                      </p:to>
+                                    </p:set>
+                                  </p:childTnLst>
+                                </p:cTn>
+                              </p:par>
+                            </p:childTnLst>
+                          </p:cTn>
+                        </p:par>
+                      </p:childTnLst>
+                    </p:cTn>
+                  </p:par>
+                </p:childTnLst>
+              </p:cTn>
+              <p:prevCondLst>
+                <p:cond evt="onPrev" delay="0">
+                  <p:tgtEl>
+                    <p:sldTgt/>
+                  </p:tgtEl>
+                </p:cond>
+              </p:prevCondLst>
+              <p:nextCondLst>
+                <p:cond evt="onNext" delay="0">
+                  <p:tgtEl>
+                    <p:sldTgt/>
+                  </p:tgtEl>
+                </p:cond>
+              </p:nextCondLst>
+            </p:seq>
+          </p:childTnLst>
+        </p:cTn>
+      </p:par>
+    </p:tnLst>
+  </p:timing>
 </p:sld>
 </file>
 
@@ -8140,6 +11505,343 @@
   <p:clrMapOvr>
     <a:masterClrMapping/>
   </p:clrMapOvr>
+  <p:timing>
+    <p:tnLst>
+      <p:par>
+        <p:cTn id="1" dur="indefinite" restart="never" nodeType="tmRoot">
+          <p:childTnLst>
+            <p:seq concurrent="1" nextAc="seek">
+              <p:cTn id="2" dur="indefinite" nodeType="mainSeq">
+                <p:childTnLst>
+                  <p:par>
+                    <p:cTn id="3" fill="hold">
+                      <p:stCondLst>
+                        <p:cond delay="indefinite"/>
+                      </p:stCondLst>
+                      <p:childTnLst>
+                        <p:par>
+                          <p:cTn id="4" fill="hold">
+                            <p:stCondLst>
+                              <p:cond delay="0"/>
+                            </p:stCondLst>
+                            <p:childTnLst>
+                              <p:par>
+                                <p:cTn id="5" presetID="1" presetClass="entr" presetSubtype="0" fill="hold" nodeType="clickEffect">
+                                  <p:stCondLst>
+                                    <p:cond delay="0"/>
+                                  </p:stCondLst>
+                                  <p:childTnLst>
+                                    <p:set>
+                                      <p:cBhvr>
+                                        <p:cTn id="6" dur="1" fill="hold">
+                                          <p:stCondLst>
+                                            <p:cond delay="0"/>
+                                          </p:stCondLst>
+                                        </p:cTn>
+                                        <p:tgtEl>
+                                          <p:spTgt spid="9">
+                                            <p:txEl>
+                                              <p:pRg st="2" end="2"/>
+                                            </p:txEl>
+                                          </p:spTgt>
+                                        </p:tgtEl>
+                                        <p:attrNameLst>
+                                          <p:attrName>style.visibility</p:attrName>
+                                        </p:attrNameLst>
+                                      </p:cBhvr>
+                                      <p:to>
+                                        <p:strVal val="visible"/>
+                                      </p:to>
+                                    </p:set>
+                                  </p:childTnLst>
+                                </p:cTn>
+                              </p:par>
+                              <p:par>
+                                <p:cTn id="7" presetID="1" presetClass="entr" presetSubtype="0" fill="hold" nodeType="withEffect">
+                                  <p:stCondLst>
+                                    <p:cond delay="0"/>
+                                  </p:stCondLst>
+                                  <p:childTnLst>
+                                    <p:set>
+                                      <p:cBhvr>
+                                        <p:cTn id="8" dur="1" fill="hold">
+                                          <p:stCondLst>
+                                            <p:cond delay="0"/>
+                                          </p:stCondLst>
+                                        </p:cTn>
+                                        <p:tgtEl>
+                                          <p:spTgt spid="9">
+                                            <p:txEl>
+                                              <p:pRg st="3" end="3"/>
+                                            </p:txEl>
+                                          </p:spTgt>
+                                        </p:tgtEl>
+                                        <p:attrNameLst>
+                                          <p:attrName>style.visibility</p:attrName>
+                                        </p:attrNameLst>
+                                      </p:cBhvr>
+                                      <p:to>
+                                        <p:strVal val="visible"/>
+                                      </p:to>
+                                    </p:set>
+                                  </p:childTnLst>
+                                </p:cTn>
+                              </p:par>
+                            </p:childTnLst>
+                          </p:cTn>
+                        </p:par>
+                      </p:childTnLst>
+                    </p:cTn>
+                  </p:par>
+                  <p:par>
+                    <p:cTn id="9" fill="hold">
+                      <p:stCondLst>
+                        <p:cond delay="indefinite"/>
+                      </p:stCondLst>
+                      <p:childTnLst>
+                        <p:par>
+                          <p:cTn id="10" fill="hold">
+                            <p:stCondLst>
+                              <p:cond delay="0"/>
+                            </p:stCondLst>
+                            <p:childTnLst>
+                              <p:par>
+                                <p:cTn id="11" presetID="1" presetClass="entr" presetSubtype="0" fill="hold" nodeType="clickEffect">
+                                  <p:stCondLst>
+                                    <p:cond delay="0"/>
+                                  </p:stCondLst>
+                                  <p:childTnLst>
+                                    <p:set>
+                                      <p:cBhvr>
+                                        <p:cTn id="12" dur="1" fill="hold">
+                                          <p:stCondLst>
+                                            <p:cond delay="0"/>
+                                          </p:stCondLst>
+                                        </p:cTn>
+                                        <p:tgtEl>
+                                          <p:spTgt spid="9">
+                                            <p:txEl>
+                                              <p:pRg st="4" end="4"/>
+                                            </p:txEl>
+                                          </p:spTgt>
+                                        </p:tgtEl>
+                                        <p:attrNameLst>
+                                          <p:attrName>style.visibility</p:attrName>
+                                        </p:attrNameLst>
+                                      </p:cBhvr>
+                                      <p:to>
+                                        <p:strVal val="visible"/>
+                                      </p:to>
+                                    </p:set>
+                                  </p:childTnLst>
+                                </p:cTn>
+                              </p:par>
+                              <p:par>
+                                <p:cTn id="13" presetID="1" presetClass="entr" presetSubtype="0" fill="hold" nodeType="withEffect">
+                                  <p:stCondLst>
+                                    <p:cond delay="0"/>
+                                  </p:stCondLst>
+                                  <p:childTnLst>
+                                    <p:set>
+                                      <p:cBhvr>
+                                        <p:cTn id="14" dur="1" fill="hold">
+                                          <p:stCondLst>
+                                            <p:cond delay="0"/>
+                                          </p:stCondLst>
+                                        </p:cTn>
+                                        <p:tgtEl>
+                                          <p:spTgt spid="9">
+                                            <p:txEl>
+                                              <p:pRg st="5" end="5"/>
+                                            </p:txEl>
+                                          </p:spTgt>
+                                        </p:tgtEl>
+                                        <p:attrNameLst>
+                                          <p:attrName>style.visibility</p:attrName>
+                                        </p:attrNameLst>
+                                      </p:cBhvr>
+                                      <p:to>
+                                        <p:strVal val="visible"/>
+                                      </p:to>
+                                    </p:set>
+                                  </p:childTnLst>
+                                </p:cTn>
+                              </p:par>
+                            </p:childTnLst>
+                          </p:cTn>
+                        </p:par>
+                      </p:childTnLst>
+                    </p:cTn>
+                  </p:par>
+                  <p:par>
+                    <p:cTn id="15" fill="hold">
+                      <p:stCondLst>
+                        <p:cond delay="indefinite"/>
+                      </p:stCondLst>
+                      <p:childTnLst>
+                        <p:par>
+                          <p:cTn id="16" fill="hold">
+                            <p:stCondLst>
+                              <p:cond delay="0"/>
+                            </p:stCondLst>
+                            <p:childTnLst>
+                              <p:par>
+                                <p:cTn id="17" presetID="1" presetClass="entr" presetSubtype="0" fill="hold" nodeType="clickEffect">
+                                  <p:stCondLst>
+                                    <p:cond delay="0"/>
+                                  </p:stCondLst>
+                                  <p:childTnLst>
+                                    <p:set>
+                                      <p:cBhvr>
+                                        <p:cTn id="18" dur="1" fill="hold">
+                                          <p:stCondLst>
+                                            <p:cond delay="0"/>
+                                          </p:stCondLst>
+                                        </p:cTn>
+                                        <p:tgtEl>
+                                          <p:spTgt spid="9">
+                                            <p:txEl>
+                                              <p:pRg st="6" end="6"/>
+                                            </p:txEl>
+                                          </p:spTgt>
+                                        </p:tgtEl>
+                                        <p:attrNameLst>
+                                          <p:attrName>style.visibility</p:attrName>
+                                        </p:attrNameLst>
+                                      </p:cBhvr>
+                                      <p:to>
+                                        <p:strVal val="visible"/>
+                                      </p:to>
+                                    </p:set>
+                                  </p:childTnLst>
+                                </p:cTn>
+                              </p:par>
+                            </p:childTnLst>
+                          </p:cTn>
+                        </p:par>
+                      </p:childTnLst>
+                    </p:cTn>
+                  </p:par>
+                  <p:par>
+                    <p:cTn id="19" fill="hold">
+                      <p:stCondLst>
+                        <p:cond delay="indefinite"/>
+                      </p:stCondLst>
+                      <p:childTnLst>
+                        <p:par>
+                          <p:cTn id="20" fill="hold">
+                            <p:stCondLst>
+                              <p:cond delay="0"/>
+                            </p:stCondLst>
+                            <p:childTnLst>
+                              <p:par>
+                                <p:cTn id="21" presetID="1" presetClass="entr" presetSubtype="0" fill="hold" nodeType="clickEffect">
+                                  <p:stCondLst>
+                                    <p:cond delay="0"/>
+                                  </p:stCondLst>
+                                  <p:childTnLst>
+                                    <p:set>
+                                      <p:cBhvr>
+                                        <p:cTn id="22" dur="1" fill="hold">
+                                          <p:stCondLst>
+                                            <p:cond delay="0"/>
+                                          </p:stCondLst>
+                                        </p:cTn>
+                                        <p:tgtEl>
+                                          <p:spTgt spid="9">
+                                            <p:txEl>
+                                              <p:pRg st="7" end="7"/>
+                                            </p:txEl>
+                                          </p:spTgt>
+                                        </p:tgtEl>
+                                        <p:attrNameLst>
+                                          <p:attrName>style.visibility</p:attrName>
+                                        </p:attrNameLst>
+                                      </p:cBhvr>
+                                      <p:to>
+                                        <p:strVal val="visible"/>
+                                      </p:to>
+                                    </p:set>
+                                  </p:childTnLst>
+                                </p:cTn>
+                              </p:par>
+                            </p:childTnLst>
+                          </p:cTn>
+                        </p:par>
+                      </p:childTnLst>
+                    </p:cTn>
+                  </p:par>
+                  <p:par>
+                    <p:cTn id="23" fill="hold">
+                      <p:stCondLst>
+                        <p:cond delay="indefinite"/>
+                      </p:stCondLst>
+                      <p:childTnLst>
+                        <p:par>
+                          <p:cTn id="24" fill="hold">
+                            <p:stCondLst>
+                              <p:cond delay="0"/>
+                            </p:stCondLst>
+                            <p:childTnLst>
+                              <p:par>
+                                <p:cTn id="25" presetID="1" presetClass="entr" presetSubtype="0" fill="hold" nodeType="clickEffect">
+                                  <p:stCondLst>
+                                    <p:cond delay="0"/>
+                                  </p:stCondLst>
+                                  <p:childTnLst>
+                                    <p:set>
+                                      <p:cBhvr>
+                                        <p:cTn id="26" dur="1" fill="hold">
+                                          <p:stCondLst>
+                                            <p:cond delay="0"/>
+                                          </p:stCondLst>
+                                        </p:cTn>
+                                        <p:tgtEl>
+                                          <p:spTgt spid="9">
+                                            <p:txEl>
+                                              <p:pRg st="8" end="8"/>
+                                            </p:txEl>
+                                          </p:spTgt>
+                                        </p:tgtEl>
+                                        <p:attrNameLst>
+                                          <p:attrName>style.visibility</p:attrName>
+                                        </p:attrNameLst>
+                                      </p:cBhvr>
+                                      <p:to>
+                                        <p:strVal val="visible"/>
+                                      </p:to>
+                                    </p:set>
+                                  </p:childTnLst>
+                                </p:cTn>
+                              </p:par>
+                            </p:childTnLst>
+                          </p:cTn>
+                        </p:par>
+                      </p:childTnLst>
+                    </p:cTn>
+                  </p:par>
+                </p:childTnLst>
+              </p:cTn>
+              <p:prevCondLst>
+                <p:cond evt="onPrev" delay="0">
+                  <p:tgtEl>
+                    <p:sldTgt/>
+                  </p:tgtEl>
+                </p:cond>
+              </p:prevCondLst>
+              <p:nextCondLst>
+                <p:cond evt="onNext" delay="0">
+                  <p:tgtEl>
+                    <p:sldTgt/>
+                  </p:tgtEl>
+                </p:cond>
+              </p:nextCondLst>
+            </p:seq>
+          </p:childTnLst>
+        </p:cTn>
+      </p:par>
+    </p:tnLst>
+  </p:timing>
 </p:sld>
 </file>
 
@@ -8178,7 +11880,7 @@
         </p:nvSpPr>
         <p:spPr>
           <a:xfrm>
-            <a:off x="182190" y="86874"/>
+            <a:off x="113122" y="134008"/>
             <a:ext cx="7053542" cy="683886"/>
           </a:xfrm>
         </p:spPr>
@@ -8188,7 +11890,7 @@
           <a:p>
             <a:r>
               <a:rPr lang="en-US" dirty="0"/>
-              <a:t>While Loop</a:t>
+              <a:t>Sample Run</a:t>
             </a:r>
           </a:p>
         </p:txBody>
@@ -8211,8 +11913,8 @@
         </p:nvSpPr>
         <p:spPr>
           <a:xfrm>
-            <a:off x="182190" y="770760"/>
-            <a:ext cx="8353383" cy="4810232"/>
+            <a:off x="182190" y="631596"/>
+            <a:ext cx="8518750" cy="4949396"/>
           </a:xfrm>
         </p:spPr>
         <p:txBody>
@@ -8224,6 +11926,14 @@
             <a:pPr marL="0" indent="0">
               <a:buNone/>
             </a:pPr>
+            <a:endParaRPr lang="en-US" sz="1800" b="1" dirty="0">
+              <a:latin typeface="Inconsolata" panose="020B0609030003000000" pitchFamily="49" charset="77"/>
+            </a:endParaRPr>
+          </a:p>
+          <a:p>
+            <a:pPr marL="0" indent="0">
+              <a:buNone/>
+            </a:pPr>
             <a:r>
               <a:rPr lang="en-US" sz="1800" b="1" dirty="0">
                 <a:latin typeface="Inconsolata" panose="020B0609030003000000" pitchFamily="49" charset="77"/>
@@ -8410,17 +12120,6 @@
               </a:rPr>
               <a:t>, s) </a:t>
             </a:r>
-          </a:p>
-          <a:p>
-            <a:pPr marL="0" indent="0">
-              <a:buNone/>
-            </a:pPr>
-            <a:endParaRPr lang="en-US" sz="1800" b="1" dirty="0">
-              <a:solidFill>
-                <a:srgbClr val="FF0000"/>
-              </a:solidFill>
-              <a:latin typeface="LucidaSansTypewriterStd"/>
-            </a:endParaRPr>
           </a:p>
           <a:p>
             <a:pPr marL="0" indent="0">
@@ -8553,6 +12252,281 @@
   <p:clrMapOvr>
     <a:masterClrMapping/>
   </p:clrMapOvr>
+  <p:timing>
+    <p:tnLst>
+      <p:par>
+        <p:cTn id="1" dur="indefinite" restart="never" nodeType="tmRoot">
+          <p:childTnLst>
+            <p:seq concurrent="1" nextAc="seek">
+              <p:cTn id="2" dur="indefinite" nodeType="mainSeq">
+                <p:childTnLst>
+                  <p:par>
+                    <p:cTn id="3" fill="hold">
+                      <p:stCondLst>
+                        <p:cond delay="indefinite"/>
+                      </p:stCondLst>
+                      <p:childTnLst>
+                        <p:par>
+                          <p:cTn id="4" fill="hold">
+                            <p:stCondLst>
+                              <p:cond delay="0"/>
+                            </p:stCondLst>
+                            <p:childTnLst>
+                              <p:par>
+                                <p:cTn id="5" presetID="1" presetClass="entr" presetSubtype="0" fill="hold" nodeType="clickEffect">
+                                  <p:stCondLst>
+                                    <p:cond delay="0"/>
+                                  </p:stCondLst>
+                                  <p:childTnLst>
+                                    <p:set>
+                                      <p:cBhvr>
+                                        <p:cTn id="6" dur="1" fill="hold">
+                                          <p:stCondLst>
+                                            <p:cond delay="0"/>
+                                          </p:stCondLst>
+                                        </p:cTn>
+                                        <p:tgtEl>
+                                          <p:spTgt spid="9">
+                                            <p:txEl>
+                                              <p:pRg st="9" end="9"/>
+                                            </p:txEl>
+                                          </p:spTgt>
+                                        </p:tgtEl>
+                                        <p:attrNameLst>
+                                          <p:attrName>style.visibility</p:attrName>
+                                        </p:attrNameLst>
+                                      </p:cBhvr>
+                                      <p:to>
+                                        <p:strVal val="visible"/>
+                                      </p:to>
+                                    </p:set>
+                                  </p:childTnLst>
+                                </p:cTn>
+                              </p:par>
+                            </p:childTnLst>
+                          </p:cTn>
+                        </p:par>
+                      </p:childTnLst>
+                    </p:cTn>
+                  </p:par>
+                  <p:par>
+                    <p:cTn id="7" fill="hold">
+                      <p:stCondLst>
+                        <p:cond delay="indefinite"/>
+                      </p:stCondLst>
+                      <p:childTnLst>
+                        <p:par>
+                          <p:cTn id="8" fill="hold">
+                            <p:stCondLst>
+                              <p:cond delay="0"/>
+                            </p:stCondLst>
+                            <p:childTnLst>
+                              <p:par>
+                                <p:cTn id="9" presetID="1" presetClass="entr" presetSubtype="0" fill="hold" nodeType="clickEffect">
+                                  <p:stCondLst>
+                                    <p:cond delay="0"/>
+                                  </p:stCondLst>
+                                  <p:childTnLst>
+                                    <p:set>
+                                      <p:cBhvr>
+                                        <p:cTn id="10" dur="1" fill="hold">
+                                          <p:stCondLst>
+                                            <p:cond delay="0"/>
+                                          </p:stCondLst>
+                                        </p:cTn>
+                                        <p:tgtEl>
+                                          <p:spTgt spid="9">
+                                            <p:txEl>
+                                              <p:pRg st="10" end="10"/>
+                                            </p:txEl>
+                                          </p:spTgt>
+                                        </p:tgtEl>
+                                        <p:attrNameLst>
+                                          <p:attrName>style.visibility</p:attrName>
+                                        </p:attrNameLst>
+                                      </p:cBhvr>
+                                      <p:to>
+                                        <p:strVal val="visible"/>
+                                      </p:to>
+                                    </p:set>
+                                  </p:childTnLst>
+                                </p:cTn>
+                              </p:par>
+                            </p:childTnLst>
+                          </p:cTn>
+                        </p:par>
+                      </p:childTnLst>
+                    </p:cTn>
+                  </p:par>
+                  <p:par>
+                    <p:cTn id="11" fill="hold">
+                      <p:stCondLst>
+                        <p:cond delay="indefinite"/>
+                      </p:stCondLst>
+                      <p:childTnLst>
+                        <p:par>
+                          <p:cTn id="12" fill="hold">
+                            <p:stCondLst>
+                              <p:cond delay="0"/>
+                            </p:stCondLst>
+                            <p:childTnLst>
+                              <p:par>
+                                <p:cTn id="13" presetID="1" presetClass="entr" presetSubtype="0" fill="hold" nodeType="clickEffect">
+                                  <p:stCondLst>
+                                    <p:cond delay="0"/>
+                                  </p:stCondLst>
+                                  <p:childTnLst>
+                                    <p:set>
+                                      <p:cBhvr>
+                                        <p:cTn id="14" dur="1" fill="hold">
+                                          <p:stCondLst>
+                                            <p:cond delay="0"/>
+                                          </p:stCondLst>
+                                        </p:cTn>
+                                        <p:tgtEl>
+                                          <p:spTgt spid="9">
+                                            <p:txEl>
+                                              <p:pRg st="11" end="11"/>
+                                            </p:txEl>
+                                          </p:spTgt>
+                                        </p:tgtEl>
+                                        <p:attrNameLst>
+                                          <p:attrName>style.visibility</p:attrName>
+                                        </p:attrNameLst>
+                                      </p:cBhvr>
+                                      <p:to>
+                                        <p:strVal val="visible"/>
+                                      </p:to>
+                                    </p:set>
+                                  </p:childTnLst>
+                                </p:cTn>
+                              </p:par>
+                            </p:childTnLst>
+                          </p:cTn>
+                        </p:par>
+                      </p:childTnLst>
+                    </p:cTn>
+                  </p:par>
+                  <p:par>
+                    <p:cTn id="15" fill="hold">
+                      <p:stCondLst>
+                        <p:cond delay="indefinite"/>
+                      </p:stCondLst>
+                      <p:childTnLst>
+                        <p:par>
+                          <p:cTn id="16" fill="hold">
+                            <p:stCondLst>
+                              <p:cond delay="0"/>
+                            </p:stCondLst>
+                            <p:childTnLst>
+                              <p:par>
+                                <p:cTn id="17" presetID="1" presetClass="entr" presetSubtype="0" fill="hold" nodeType="clickEffect">
+                                  <p:stCondLst>
+                                    <p:cond delay="0"/>
+                                  </p:stCondLst>
+                                  <p:childTnLst>
+                                    <p:set>
+                                      <p:cBhvr>
+                                        <p:cTn id="18" dur="1" fill="hold">
+                                          <p:stCondLst>
+                                            <p:cond delay="0"/>
+                                          </p:stCondLst>
+                                        </p:cTn>
+                                        <p:tgtEl>
+                                          <p:spTgt spid="9">
+                                            <p:txEl>
+                                              <p:pRg st="12" end="12"/>
+                                            </p:txEl>
+                                          </p:spTgt>
+                                        </p:tgtEl>
+                                        <p:attrNameLst>
+                                          <p:attrName>style.visibility</p:attrName>
+                                        </p:attrNameLst>
+                                      </p:cBhvr>
+                                      <p:to>
+                                        <p:strVal val="visible"/>
+                                      </p:to>
+                                    </p:set>
+                                  </p:childTnLst>
+                                </p:cTn>
+                              </p:par>
+                            </p:childTnLst>
+                          </p:cTn>
+                        </p:par>
+                      </p:childTnLst>
+                    </p:cTn>
+                  </p:par>
+                  <p:par>
+                    <p:cTn id="19" fill="hold">
+                      <p:stCondLst>
+                        <p:cond delay="indefinite"/>
+                      </p:stCondLst>
+                      <p:childTnLst>
+                        <p:par>
+                          <p:cTn id="20" fill="hold">
+                            <p:stCondLst>
+                              <p:cond delay="0"/>
+                            </p:stCondLst>
+                            <p:childTnLst>
+                              <p:par>
+                                <p:cTn id="21" presetID="1" presetClass="entr" presetSubtype="0" fill="hold" nodeType="clickEffect">
+                                  <p:stCondLst>
+                                    <p:cond delay="0"/>
+                                  </p:stCondLst>
+                                  <p:childTnLst>
+                                    <p:set>
+                                      <p:cBhvr>
+                                        <p:cTn id="22" dur="1" fill="hold">
+                                          <p:stCondLst>
+                                            <p:cond delay="0"/>
+                                          </p:stCondLst>
+                                        </p:cTn>
+                                        <p:tgtEl>
+                                          <p:spTgt spid="9">
+                                            <p:txEl>
+                                              <p:pRg st="13" end="13"/>
+                                            </p:txEl>
+                                          </p:spTgt>
+                                        </p:tgtEl>
+                                        <p:attrNameLst>
+                                          <p:attrName>style.visibility</p:attrName>
+                                        </p:attrNameLst>
+                                      </p:cBhvr>
+                                      <p:to>
+                                        <p:strVal val="visible"/>
+                                      </p:to>
+                                    </p:set>
+                                  </p:childTnLst>
+                                </p:cTn>
+                              </p:par>
+                            </p:childTnLst>
+                          </p:cTn>
+                        </p:par>
+                      </p:childTnLst>
+                    </p:cTn>
+                  </p:par>
+                </p:childTnLst>
+              </p:cTn>
+              <p:prevCondLst>
+                <p:cond evt="onPrev" delay="0">
+                  <p:tgtEl>
+                    <p:sldTgt/>
+                  </p:tgtEl>
+                </p:cond>
+              </p:prevCondLst>
+              <p:nextCondLst>
+                <p:cond evt="onNext" delay="0">
+                  <p:tgtEl>
+                    <p:sldTgt/>
+                  </p:tgtEl>
+                </p:cond>
+              </p:nextCondLst>
+            </p:seq>
+          </p:childTnLst>
+        </p:cTn>
+      </p:par>
+    </p:tnLst>
+  </p:timing>
 </p:sld>
 </file>
 
@@ -8882,6 +12856,392 @@
   <p:clrMapOvr>
     <a:masterClrMapping/>
   </p:clrMapOvr>
+  <p:timing>
+    <p:tnLst>
+      <p:par>
+        <p:cTn id="1" dur="indefinite" restart="never" nodeType="tmRoot">
+          <p:childTnLst>
+            <p:seq concurrent="1" nextAc="seek">
+              <p:cTn id="2" dur="indefinite" nodeType="mainSeq">
+                <p:childTnLst>
+                  <p:par>
+                    <p:cTn id="3" fill="hold">
+                      <p:stCondLst>
+                        <p:cond delay="indefinite"/>
+                      </p:stCondLst>
+                      <p:childTnLst>
+                        <p:par>
+                          <p:cTn id="4" fill="hold">
+                            <p:stCondLst>
+                              <p:cond delay="0"/>
+                            </p:stCondLst>
+                            <p:childTnLst>
+                              <p:par>
+                                <p:cTn id="5" presetID="1" presetClass="entr" presetSubtype="0" fill="hold" nodeType="clickEffect">
+                                  <p:stCondLst>
+                                    <p:cond delay="0"/>
+                                  </p:stCondLst>
+                                  <p:childTnLst>
+                                    <p:set>
+                                      <p:cBhvr>
+                                        <p:cTn id="6" dur="1" fill="hold">
+                                          <p:stCondLst>
+                                            <p:cond delay="0"/>
+                                          </p:stCondLst>
+                                        </p:cTn>
+                                        <p:tgtEl>
+                                          <p:spTgt spid="9">
+                                            <p:txEl>
+                                              <p:pRg st="2" end="2"/>
+                                            </p:txEl>
+                                          </p:spTgt>
+                                        </p:tgtEl>
+                                        <p:attrNameLst>
+                                          <p:attrName>style.visibility</p:attrName>
+                                        </p:attrNameLst>
+                                      </p:cBhvr>
+                                      <p:to>
+                                        <p:strVal val="visible"/>
+                                      </p:to>
+                                    </p:set>
+                                  </p:childTnLst>
+                                </p:cTn>
+                              </p:par>
+                              <p:par>
+                                <p:cTn id="7" presetID="1" presetClass="entr" presetSubtype="0" fill="hold" nodeType="withEffect">
+                                  <p:stCondLst>
+                                    <p:cond delay="0"/>
+                                  </p:stCondLst>
+                                  <p:childTnLst>
+                                    <p:set>
+                                      <p:cBhvr>
+                                        <p:cTn id="8" dur="1" fill="hold">
+                                          <p:stCondLst>
+                                            <p:cond delay="0"/>
+                                          </p:stCondLst>
+                                        </p:cTn>
+                                        <p:tgtEl>
+                                          <p:spTgt spid="9">
+                                            <p:txEl>
+                                              <p:pRg st="3" end="3"/>
+                                            </p:txEl>
+                                          </p:spTgt>
+                                        </p:tgtEl>
+                                        <p:attrNameLst>
+                                          <p:attrName>style.visibility</p:attrName>
+                                        </p:attrNameLst>
+                                      </p:cBhvr>
+                                      <p:to>
+                                        <p:strVal val="visible"/>
+                                      </p:to>
+                                    </p:set>
+                                  </p:childTnLst>
+                                </p:cTn>
+                              </p:par>
+                              <p:par>
+                                <p:cTn id="9" presetID="1" presetClass="entr" presetSubtype="0" fill="hold" nodeType="withEffect">
+                                  <p:stCondLst>
+                                    <p:cond delay="0"/>
+                                  </p:stCondLst>
+                                  <p:childTnLst>
+                                    <p:set>
+                                      <p:cBhvr>
+                                        <p:cTn id="10" dur="1" fill="hold">
+                                          <p:stCondLst>
+                                            <p:cond delay="0"/>
+                                          </p:stCondLst>
+                                        </p:cTn>
+                                        <p:tgtEl>
+                                          <p:spTgt spid="9">
+                                            <p:txEl>
+                                              <p:pRg st="4" end="4"/>
+                                            </p:txEl>
+                                          </p:spTgt>
+                                        </p:tgtEl>
+                                        <p:attrNameLst>
+                                          <p:attrName>style.visibility</p:attrName>
+                                        </p:attrNameLst>
+                                      </p:cBhvr>
+                                      <p:to>
+                                        <p:strVal val="visible"/>
+                                      </p:to>
+                                    </p:set>
+                                  </p:childTnLst>
+                                </p:cTn>
+                              </p:par>
+                            </p:childTnLst>
+                          </p:cTn>
+                        </p:par>
+                      </p:childTnLst>
+                    </p:cTn>
+                  </p:par>
+                  <p:par>
+                    <p:cTn id="11" fill="hold">
+                      <p:stCondLst>
+                        <p:cond delay="indefinite"/>
+                      </p:stCondLst>
+                      <p:childTnLst>
+                        <p:par>
+                          <p:cTn id="12" fill="hold">
+                            <p:stCondLst>
+                              <p:cond delay="0"/>
+                            </p:stCondLst>
+                            <p:childTnLst>
+                              <p:par>
+                                <p:cTn id="13" presetID="1" presetClass="entr" presetSubtype="0" fill="hold" nodeType="clickEffect">
+                                  <p:stCondLst>
+                                    <p:cond delay="0"/>
+                                  </p:stCondLst>
+                                  <p:childTnLst>
+                                    <p:set>
+                                      <p:cBhvr>
+                                        <p:cTn id="14" dur="1" fill="hold">
+                                          <p:stCondLst>
+                                            <p:cond delay="0"/>
+                                          </p:stCondLst>
+                                        </p:cTn>
+                                        <p:tgtEl>
+                                          <p:spTgt spid="9">
+                                            <p:txEl>
+                                              <p:pRg st="5" end="5"/>
+                                            </p:txEl>
+                                          </p:spTgt>
+                                        </p:tgtEl>
+                                        <p:attrNameLst>
+                                          <p:attrName>style.visibility</p:attrName>
+                                        </p:attrNameLst>
+                                      </p:cBhvr>
+                                      <p:to>
+                                        <p:strVal val="visible"/>
+                                      </p:to>
+                                    </p:set>
+                                  </p:childTnLst>
+                                </p:cTn>
+                              </p:par>
+                            </p:childTnLst>
+                          </p:cTn>
+                        </p:par>
+                      </p:childTnLst>
+                    </p:cTn>
+                  </p:par>
+                  <p:par>
+                    <p:cTn id="15" fill="hold">
+                      <p:stCondLst>
+                        <p:cond delay="indefinite"/>
+                      </p:stCondLst>
+                      <p:childTnLst>
+                        <p:par>
+                          <p:cTn id="16" fill="hold">
+                            <p:stCondLst>
+                              <p:cond delay="0"/>
+                            </p:stCondLst>
+                            <p:childTnLst>
+                              <p:par>
+                                <p:cTn id="17" presetID="1" presetClass="entr" presetSubtype="0" fill="hold" nodeType="clickEffect">
+                                  <p:stCondLst>
+                                    <p:cond delay="0"/>
+                                  </p:stCondLst>
+                                  <p:childTnLst>
+                                    <p:set>
+                                      <p:cBhvr>
+                                        <p:cTn id="18" dur="1" fill="hold">
+                                          <p:stCondLst>
+                                            <p:cond delay="0"/>
+                                          </p:stCondLst>
+                                        </p:cTn>
+                                        <p:tgtEl>
+                                          <p:spTgt spid="9">
+                                            <p:txEl>
+                                              <p:pRg st="6" end="6"/>
+                                            </p:txEl>
+                                          </p:spTgt>
+                                        </p:tgtEl>
+                                        <p:attrNameLst>
+                                          <p:attrName>style.visibility</p:attrName>
+                                        </p:attrNameLst>
+                                      </p:cBhvr>
+                                      <p:to>
+                                        <p:strVal val="visible"/>
+                                      </p:to>
+                                    </p:set>
+                                  </p:childTnLst>
+                                </p:cTn>
+                              </p:par>
+                            </p:childTnLst>
+                          </p:cTn>
+                        </p:par>
+                      </p:childTnLst>
+                    </p:cTn>
+                  </p:par>
+                  <p:par>
+                    <p:cTn id="19" fill="hold">
+                      <p:stCondLst>
+                        <p:cond delay="indefinite"/>
+                      </p:stCondLst>
+                      <p:childTnLst>
+                        <p:par>
+                          <p:cTn id="20" fill="hold">
+                            <p:stCondLst>
+                              <p:cond delay="0"/>
+                            </p:stCondLst>
+                            <p:childTnLst>
+                              <p:par>
+                                <p:cTn id="21" presetID="1" presetClass="entr" presetSubtype="0" fill="hold" nodeType="clickEffect">
+                                  <p:stCondLst>
+                                    <p:cond delay="0"/>
+                                  </p:stCondLst>
+                                  <p:childTnLst>
+                                    <p:set>
+                                      <p:cBhvr>
+                                        <p:cTn id="22" dur="1" fill="hold">
+                                          <p:stCondLst>
+                                            <p:cond delay="0"/>
+                                          </p:stCondLst>
+                                        </p:cTn>
+                                        <p:tgtEl>
+                                          <p:spTgt spid="9">
+                                            <p:txEl>
+                                              <p:pRg st="7" end="7"/>
+                                            </p:txEl>
+                                          </p:spTgt>
+                                        </p:tgtEl>
+                                        <p:attrNameLst>
+                                          <p:attrName>style.visibility</p:attrName>
+                                        </p:attrNameLst>
+                                      </p:cBhvr>
+                                      <p:to>
+                                        <p:strVal val="visible"/>
+                                      </p:to>
+                                    </p:set>
+                                  </p:childTnLst>
+                                </p:cTn>
+                              </p:par>
+                            </p:childTnLst>
+                          </p:cTn>
+                        </p:par>
+                      </p:childTnLst>
+                    </p:cTn>
+                  </p:par>
+                  <p:par>
+                    <p:cTn id="23" fill="hold">
+                      <p:stCondLst>
+                        <p:cond delay="indefinite"/>
+                      </p:stCondLst>
+                      <p:childTnLst>
+                        <p:par>
+                          <p:cTn id="24" fill="hold">
+                            <p:stCondLst>
+                              <p:cond delay="0"/>
+                            </p:stCondLst>
+                            <p:childTnLst>
+                              <p:par>
+                                <p:cTn id="25" presetID="1" presetClass="entr" presetSubtype="0" fill="hold" nodeType="clickEffect">
+                                  <p:stCondLst>
+                                    <p:cond delay="0"/>
+                                  </p:stCondLst>
+                                  <p:childTnLst>
+                                    <p:set>
+                                      <p:cBhvr>
+                                        <p:cTn id="26" dur="1" fill="hold">
+                                          <p:stCondLst>
+                                            <p:cond delay="0"/>
+                                          </p:stCondLst>
+                                        </p:cTn>
+                                        <p:tgtEl>
+                                          <p:spTgt spid="9">
+                                            <p:txEl>
+                                              <p:pRg st="8" end="8"/>
+                                            </p:txEl>
+                                          </p:spTgt>
+                                        </p:tgtEl>
+                                        <p:attrNameLst>
+                                          <p:attrName>style.visibility</p:attrName>
+                                        </p:attrNameLst>
+                                      </p:cBhvr>
+                                      <p:to>
+                                        <p:strVal val="visible"/>
+                                      </p:to>
+                                    </p:set>
+                                  </p:childTnLst>
+                                </p:cTn>
+                              </p:par>
+                            </p:childTnLst>
+                          </p:cTn>
+                        </p:par>
+                      </p:childTnLst>
+                    </p:cTn>
+                  </p:par>
+                  <p:par>
+                    <p:cTn id="27" fill="hold">
+                      <p:stCondLst>
+                        <p:cond delay="indefinite"/>
+                      </p:stCondLst>
+                      <p:childTnLst>
+                        <p:par>
+                          <p:cTn id="28" fill="hold">
+                            <p:stCondLst>
+                              <p:cond delay="0"/>
+                            </p:stCondLst>
+                            <p:childTnLst>
+                              <p:par>
+                                <p:cTn id="29" presetID="1" presetClass="entr" presetSubtype="0" fill="hold" nodeType="clickEffect">
+                                  <p:stCondLst>
+                                    <p:cond delay="0"/>
+                                  </p:stCondLst>
+                                  <p:childTnLst>
+                                    <p:set>
+                                      <p:cBhvr>
+                                        <p:cTn id="30" dur="1" fill="hold">
+                                          <p:stCondLst>
+                                            <p:cond delay="0"/>
+                                          </p:stCondLst>
+                                        </p:cTn>
+                                        <p:tgtEl>
+                                          <p:spTgt spid="9">
+                                            <p:txEl>
+                                              <p:pRg st="9" end="9"/>
+                                            </p:txEl>
+                                          </p:spTgt>
+                                        </p:tgtEl>
+                                        <p:attrNameLst>
+                                          <p:attrName>style.visibility</p:attrName>
+                                        </p:attrNameLst>
+                                      </p:cBhvr>
+                                      <p:to>
+                                        <p:strVal val="visible"/>
+                                      </p:to>
+                                    </p:set>
+                                  </p:childTnLst>
+                                </p:cTn>
+                              </p:par>
+                            </p:childTnLst>
+                          </p:cTn>
+                        </p:par>
+                      </p:childTnLst>
+                    </p:cTn>
+                  </p:par>
+                </p:childTnLst>
+              </p:cTn>
+              <p:prevCondLst>
+                <p:cond evt="onPrev" delay="0">
+                  <p:tgtEl>
+                    <p:sldTgt/>
+                  </p:tgtEl>
+                </p:cond>
+              </p:prevCondLst>
+              <p:nextCondLst>
+                <p:cond evt="onNext" delay="0">
+                  <p:tgtEl>
+                    <p:sldTgt/>
+                  </p:tgtEl>
+                </p:cond>
+              </p:nextCondLst>
+            </p:seq>
+          </p:childTnLst>
+        </p:cTn>
+      </p:par>
+    </p:tnLst>
+  </p:timing>
 </p:sld>
 </file>
 
@@ -9225,6 +13585,325 @@
   <p:clrMapOvr>
     <a:masterClrMapping/>
   </p:clrMapOvr>
+  <p:timing>
+    <p:tnLst>
+      <p:par>
+        <p:cTn id="1" dur="indefinite" restart="never" nodeType="tmRoot">
+          <p:childTnLst>
+            <p:seq concurrent="1" nextAc="seek">
+              <p:cTn id="2" dur="indefinite" nodeType="mainSeq">
+                <p:childTnLst>
+                  <p:par>
+                    <p:cTn id="3" fill="hold">
+                      <p:stCondLst>
+                        <p:cond delay="indefinite"/>
+                      </p:stCondLst>
+                      <p:childTnLst>
+                        <p:par>
+                          <p:cTn id="4" fill="hold">
+                            <p:stCondLst>
+                              <p:cond delay="0"/>
+                            </p:stCondLst>
+                            <p:childTnLst>
+                              <p:par>
+                                <p:cTn id="5" presetID="1" presetClass="entr" presetSubtype="0" fill="hold" nodeType="clickEffect">
+                                  <p:stCondLst>
+                                    <p:cond delay="0"/>
+                                  </p:stCondLst>
+                                  <p:childTnLst>
+                                    <p:set>
+                                      <p:cBhvr>
+                                        <p:cTn id="6" dur="1" fill="hold">
+                                          <p:stCondLst>
+                                            <p:cond delay="0"/>
+                                          </p:stCondLst>
+                                        </p:cTn>
+                                        <p:tgtEl>
+                                          <p:spTgt spid="9">
+                                            <p:txEl>
+                                              <p:pRg st="2" end="2"/>
+                                            </p:txEl>
+                                          </p:spTgt>
+                                        </p:tgtEl>
+                                        <p:attrNameLst>
+                                          <p:attrName>style.visibility</p:attrName>
+                                        </p:attrNameLst>
+                                      </p:cBhvr>
+                                      <p:to>
+                                        <p:strVal val="visible"/>
+                                      </p:to>
+                                    </p:set>
+                                  </p:childTnLst>
+                                </p:cTn>
+                              </p:par>
+                              <p:par>
+                                <p:cTn id="7" presetID="1" presetClass="entr" presetSubtype="0" fill="hold" nodeType="withEffect">
+                                  <p:stCondLst>
+                                    <p:cond delay="0"/>
+                                  </p:stCondLst>
+                                  <p:childTnLst>
+                                    <p:set>
+                                      <p:cBhvr>
+                                        <p:cTn id="8" dur="1" fill="hold">
+                                          <p:stCondLst>
+                                            <p:cond delay="0"/>
+                                          </p:stCondLst>
+                                        </p:cTn>
+                                        <p:tgtEl>
+                                          <p:spTgt spid="9">
+                                            <p:txEl>
+                                              <p:pRg st="3" end="3"/>
+                                            </p:txEl>
+                                          </p:spTgt>
+                                        </p:tgtEl>
+                                        <p:attrNameLst>
+                                          <p:attrName>style.visibility</p:attrName>
+                                        </p:attrNameLst>
+                                      </p:cBhvr>
+                                      <p:to>
+                                        <p:strVal val="visible"/>
+                                      </p:to>
+                                    </p:set>
+                                  </p:childTnLst>
+                                </p:cTn>
+                              </p:par>
+                            </p:childTnLst>
+                          </p:cTn>
+                        </p:par>
+                      </p:childTnLst>
+                    </p:cTn>
+                  </p:par>
+                  <p:par>
+                    <p:cTn id="9" fill="hold">
+                      <p:stCondLst>
+                        <p:cond delay="indefinite"/>
+                      </p:stCondLst>
+                      <p:childTnLst>
+                        <p:par>
+                          <p:cTn id="10" fill="hold">
+                            <p:stCondLst>
+                              <p:cond delay="0"/>
+                            </p:stCondLst>
+                            <p:childTnLst>
+                              <p:par>
+                                <p:cTn id="11" presetID="1" presetClass="entr" presetSubtype="0" fill="hold" nodeType="clickEffect">
+                                  <p:stCondLst>
+                                    <p:cond delay="0"/>
+                                  </p:stCondLst>
+                                  <p:childTnLst>
+                                    <p:set>
+                                      <p:cBhvr>
+                                        <p:cTn id="12" dur="1" fill="hold">
+                                          <p:stCondLst>
+                                            <p:cond delay="0"/>
+                                          </p:stCondLst>
+                                        </p:cTn>
+                                        <p:tgtEl>
+                                          <p:spTgt spid="9">
+                                            <p:txEl>
+                                              <p:pRg st="4" end="4"/>
+                                            </p:txEl>
+                                          </p:spTgt>
+                                        </p:tgtEl>
+                                        <p:attrNameLst>
+                                          <p:attrName>style.visibility</p:attrName>
+                                        </p:attrNameLst>
+                                      </p:cBhvr>
+                                      <p:to>
+                                        <p:strVal val="visible"/>
+                                      </p:to>
+                                    </p:set>
+                                  </p:childTnLst>
+                                </p:cTn>
+                              </p:par>
+                              <p:par>
+                                <p:cTn id="13" presetID="1" presetClass="entr" presetSubtype="0" fill="hold" nodeType="withEffect">
+                                  <p:stCondLst>
+                                    <p:cond delay="0"/>
+                                  </p:stCondLst>
+                                  <p:childTnLst>
+                                    <p:set>
+                                      <p:cBhvr>
+                                        <p:cTn id="14" dur="1" fill="hold">
+                                          <p:stCondLst>
+                                            <p:cond delay="0"/>
+                                          </p:stCondLst>
+                                        </p:cTn>
+                                        <p:tgtEl>
+                                          <p:spTgt spid="9">
+                                            <p:txEl>
+                                              <p:pRg st="5" end="5"/>
+                                            </p:txEl>
+                                          </p:spTgt>
+                                        </p:tgtEl>
+                                        <p:attrNameLst>
+                                          <p:attrName>style.visibility</p:attrName>
+                                        </p:attrNameLst>
+                                      </p:cBhvr>
+                                      <p:to>
+                                        <p:strVal val="visible"/>
+                                      </p:to>
+                                    </p:set>
+                                  </p:childTnLst>
+                                </p:cTn>
+                              </p:par>
+                            </p:childTnLst>
+                          </p:cTn>
+                        </p:par>
+                      </p:childTnLst>
+                    </p:cTn>
+                  </p:par>
+                  <p:par>
+                    <p:cTn id="15" fill="hold">
+                      <p:stCondLst>
+                        <p:cond delay="indefinite"/>
+                      </p:stCondLst>
+                      <p:childTnLst>
+                        <p:par>
+                          <p:cTn id="16" fill="hold">
+                            <p:stCondLst>
+                              <p:cond delay="0"/>
+                            </p:stCondLst>
+                            <p:childTnLst>
+                              <p:par>
+                                <p:cTn id="17" presetID="1" presetClass="entr" presetSubtype="0" fill="hold" nodeType="clickEffect">
+                                  <p:stCondLst>
+                                    <p:cond delay="0"/>
+                                  </p:stCondLst>
+                                  <p:childTnLst>
+                                    <p:set>
+                                      <p:cBhvr>
+                                        <p:cTn id="18" dur="1" fill="hold">
+                                          <p:stCondLst>
+                                            <p:cond delay="0"/>
+                                          </p:stCondLst>
+                                        </p:cTn>
+                                        <p:tgtEl>
+                                          <p:spTgt spid="9">
+                                            <p:txEl>
+                                              <p:pRg st="6" end="6"/>
+                                            </p:txEl>
+                                          </p:spTgt>
+                                        </p:tgtEl>
+                                        <p:attrNameLst>
+                                          <p:attrName>style.visibility</p:attrName>
+                                        </p:attrNameLst>
+                                      </p:cBhvr>
+                                      <p:to>
+                                        <p:strVal val="visible"/>
+                                      </p:to>
+                                    </p:set>
+                                  </p:childTnLst>
+                                </p:cTn>
+                              </p:par>
+                              <p:par>
+                                <p:cTn id="19" presetID="1" presetClass="entr" presetSubtype="0" fill="hold" nodeType="withEffect">
+                                  <p:stCondLst>
+                                    <p:cond delay="0"/>
+                                  </p:stCondLst>
+                                  <p:childTnLst>
+                                    <p:set>
+                                      <p:cBhvr>
+                                        <p:cTn id="20" dur="1" fill="hold">
+                                          <p:stCondLst>
+                                            <p:cond delay="0"/>
+                                          </p:stCondLst>
+                                        </p:cTn>
+                                        <p:tgtEl>
+                                          <p:spTgt spid="9">
+                                            <p:txEl>
+                                              <p:pRg st="7" end="7"/>
+                                            </p:txEl>
+                                          </p:spTgt>
+                                        </p:tgtEl>
+                                        <p:attrNameLst>
+                                          <p:attrName>style.visibility</p:attrName>
+                                        </p:attrNameLst>
+                                      </p:cBhvr>
+                                      <p:to>
+                                        <p:strVal val="visible"/>
+                                      </p:to>
+                                    </p:set>
+                                  </p:childTnLst>
+                                </p:cTn>
+                              </p:par>
+                            </p:childTnLst>
+                          </p:cTn>
+                        </p:par>
+                      </p:childTnLst>
+                    </p:cTn>
+                  </p:par>
+                  <p:par>
+                    <p:cTn id="21" fill="hold">
+                      <p:stCondLst>
+                        <p:cond delay="indefinite"/>
+                      </p:stCondLst>
+                      <p:childTnLst>
+                        <p:par>
+                          <p:cTn id="22" fill="hold">
+                            <p:stCondLst>
+                              <p:cond delay="0"/>
+                            </p:stCondLst>
+                            <p:childTnLst>
+                              <p:par>
+                                <p:cTn id="23" presetID="1" presetClass="entr" presetSubtype="0" fill="hold" nodeType="clickEffect">
+                                  <p:stCondLst>
+                                    <p:cond delay="0"/>
+                                  </p:stCondLst>
+                                  <p:childTnLst>
+                                    <p:set>
+                                      <p:cBhvr>
+                                        <p:cTn id="24" dur="1" fill="hold">
+                                          <p:stCondLst>
+                                            <p:cond delay="0"/>
+                                          </p:stCondLst>
+                                        </p:cTn>
+                                        <p:tgtEl>
+                                          <p:spTgt spid="9">
+                                            <p:txEl>
+                                              <p:pRg st="8" end="8"/>
+                                            </p:txEl>
+                                          </p:spTgt>
+                                        </p:tgtEl>
+                                        <p:attrNameLst>
+                                          <p:attrName>style.visibility</p:attrName>
+                                        </p:attrNameLst>
+                                      </p:cBhvr>
+                                      <p:to>
+                                        <p:strVal val="visible"/>
+                                      </p:to>
+                                    </p:set>
+                                  </p:childTnLst>
+                                </p:cTn>
+                              </p:par>
+                            </p:childTnLst>
+                          </p:cTn>
+                        </p:par>
+                      </p:childTnLst>
+                    </p:cTn>
+                  </p:par>
+                </p:childTnLst>
+              </p:cTn>
+              <p:prevCondLst>
+                <p:cond evt="onPrev" delay="0">
+                  <p:tgtEl>
+                    <p:sldTgt/>
+                  </p:tgtEl>
+                </p:cond>
+              </p:prevCondLst>
+              <p:nextCondLst>
+                <p:cond evt="onNext" delay="0">
+                  <p:tgtEl>
+                    <p:sldTgt/>
+                  </p:tgtEl>
+                </p:cond>
+              </p:nextCondLst>
+            </p:seq>
+          </p:childTnLst>
+        </p:cTn>
+      </p:par>
+    </p:tnLst>
+  </p:timing>
 </p:sld>
 </file>
 

--- a/courses/apcsp/lect6.pptx
+++ b/courses/apcsp/lect6.pptx
@@ -129,7 +129,7 @@
 <file path=ppt/revisionInfo.xml><?xml version="1.0" encoding="utf-8"?>
 <p1510:revInfo xmlns:a="http://schemas.openxmlformats.org/drawingml/2006/main" xmlns:r="http://schemas.openxmlformats.org/officeDocument/2006/relationships" xmlns:p1510="http://schemas.microsoft.com/office/powerpoint/2015/10/main">
   <p1510:revLst>
-    <p1510:client id="{4D090DEB-D33E-0146-8FDE-1BD7A7A456A7}" v="289" dt="2020-11-19T13:05:31.040"/>
+    <p1510:client id="{4D090DEB-D33E-0146-8FDE-1BD7A7A456A7}" v="293" dt="2020-11-20T14:06:48.637"/>
   </p1510:revLst>
 </p1510:revInfo>
 </file>
@@ -849,7 +849,7 @@
   <pc:docChgLst>
     <pc:chgData name="Long B Nguyen" userId="f59fb8f3-a021-417a-8bc1-65c8d471c621" providerId="ADAL" clId="{4D090DEB-D33E-0146-8FDE-1BD7A7A456A7}"/>
     <pc:docChg chg="undo custSel modSld">
-      <pc:chgData name="Long B Nguyen" userId="f59fb8f3-a021-417a-8bc1-65c8d471c621" providerId="ADAL" clId="{4D090DEB-D33E-0146-8FDE-1BD7A7A456A7}" dt="2020-11-19T13:05:31.040" v="1113"/>
+      <pc:chgData name="Long B Nguyen" userId="f59fb8f3-a021-417a-8bc1-65c8d471c621" providerId="ADAL" clId="{4D090DEB-D33E-0146-8FDE-1BD7A7A456A7}" dt="2020-11-20T14:06:48.637" v="1117" actId="20577"/>
       <pc:docMkLst>
         <pc:docMk/>
       </pc:docMkLst>
@@ -1162,7 +1162,7 @@
         </pc:spChg>
       </pc:sldChg>
       <pc:sldChg chg="modSp mod modAnim">
-        <pc:chgData name="Long B Nguyen" userId="f59fb8f3-a021-417a-8bc1-65c8d471c621" providerId="ADAL" clId="{4D090DEB-D33E-0146-8FDE-1BD7A7A456A7}" dt="2020-11-19T04:48:49.604" v="877"/>
+        <pc:chgData name="Long B Nguyen" userId="f59fb8f3-a021-417a-8bc1-65c8d471c621" providerId="ADAL" clId="{4D090DEB-D33E-0146-8FDE-1BD7A7A456A7}" dt="2020-11-20T14:06:48.637" v="1117" actId="20577"/>
         <pc:sldMkLst>
           <pc:docMk/>
           <pc:sldMk cId="3124353102" sldId="332"/>
@@ -1176,7 +1176,7 @@
           </ac:spMkLst>
         </pc:spChg>
         <pc:spChg chg="mod">
-          <ac:chgData name="Long B Nguyen" userId="f59fb8f3-a021-417a-8bc1-65c8d471c621" providerId="ADAL" clId="{4D090DEB-D33E-0146-8FDE-1BD7A7A456A7}" dt="2020-11-12T12:07:34.465" v="143" actId="14100"/>
+          <ac:chgData name="Long B Nguyen" userId="f59fb8f3-a021-417a-8bc1-65c8d471c621" providerId="ADAL" clId="{4D090DEB-D33E-0146-8FDE-1BD7A7A456A7}" dt="2020-11-20T14:06:48.637" v="1117" actId="20577"/>
           <ac:spMkLst>
             <pc:docMk/>
             <pc:sldMk cId="3124353102" sldId="332"/>
@@ -1673,7 +1673,7 @@
           <a:p>
             <a:fld id="{4AAD347D-5ACD-4C99-B74B-A9C85AD731AF}" type="datetimeFigureOut">
               <a:rPr lang="en-US" smtClean="0"/>
-              <a:t>11/19/20</a:t>
+              <a:t>11/20/20</a:t>
             </a:fld>
             <a:endParaRPr lang="en-US" dirty="0"/>
           </a:p>
@@ -1843,7 +1843,7 @@
           <a:p>
             <a:fld id="{4509A250-FF31-4206-8172-F9D3106AACB1}" type="datetimeFigureOut">
               <a:rPr lang="en-US" smtClean="0"/>
-              <a:t>11/19/20</a:t>
+              <a:t>11/20/20</a:t>
             </a:fld>
             <a:endParaRPr lang="en-US" dirty="0"/>
           </a:p>
@@ -2023,7 +2023,7 @@
           <a:p>
             <a:fld id="{4509A250-FF31-4206-8172-F9D3106AACB1}" type="datetimeFigureOut">
               <a:rPr lang="en-US" smtClean="0"/>
-              <a:t>11/19/20</a:t>
+              <a:t>11/20/20</a:t>
             </a:fld>
             <a:endParaRPr lang="en-US" dirty="0"/>
           </a:p>
@@ -2193,7 +2193,7 @@
           <a:p>
             <a:fld id="{4509A250-FF31-4206-8172-F9D3106AACB1}" type="datetimeFigureOut">
               <a:rPr lang="en-US" smtClean="0"/>
-              <a:t>11/19/20</a:t>
+              <a:t>11/20/20</a:t>
             </a:fld>
             <a:endParaRPr lang="en-US" dirty="0"/>
           </a:p>
@@ -2439,7 +2439,7 @@
           <a:p>
             <a:fld id="{9796027F-7875-4030-9381-8BD8C4F21935}" type="datetimeFigureOut">
               <a:rPr lang="en-US" smtClean="0"/>
-              <a:t>11/19/20</a:t>
+              <a:t>11/20/20</a:t>
             </a:fld>
             <a:endParaRPr lang="en-US" dirty="0"/>
           </a:p>
@@ -2671,7 +2671,7 @@
           <a:p>
             <a:fld id="{9796027F-7875-4030-9381-8BD8C4F21935}" type="datetimeFigureOut">
               <a:rPr lang="en-US" smtClean="0"/>
-              <a:t>11/19/20</a:t>
+              <a:t>11/20/20</a:t>
             </a:fld>
             <a:endParaRPr lang="en-US" dirty="0"/>
           </a:p>
@@ -3038,7 +3038,7 @@
           <a:p>
             <a:fld id="{9796027F-7875-4030-9381-8BD8C4F21935}" type="datetimeFigureOut">
               <a:rPr lang="en-US" smtClean="0"/>
-              <a:t>11/19/20</a:t>
+              <a:t>11/20/20</a:t>
             </a:fld>
             <a:endParaRPr lang="en-US" dirty="0"/>
           </a:p>
@@ -3156,7 +3156,7 @@
           <a:p>
             <a:fld id="{4509A250-FF31-4206-8172-F9D3106AACB1}" type="datetimeFigureOut">
               <a:rPr lang="en-US" smtClean="0"/>
-              <a:t>11/19/20</a:t>
+              <a:t>11/20/20</a:t>
             </a:fld>
             <a:endParaRPr lang="en-US" dirty="0"/>
           </a:p>
@@ -3251,7 +3251,7 @@
           <a:p>
             <a:fld id="{4509A250-FF31-4206-8172-F9D3106AACB1}" type="datetimeFigureOut">
               <a:rPr lang="en-US" smtClean="0"/>
-              <a:t>11/19/20</a:t>
+              <a:t>11/20/20</a:t>
             </a:fld>
             <a:endParaRPr lang="en-US" dirty="0"/>
           </a:p>
@@ -3528,7 +3528,7 @@
           <a:p>
             <a:fld id="{4509A250-FF31-4206-8172-F9D3106AACB1}" type="datetimeFigureOut">
               <a:rPr lang="en-US" smtClean="0"/>
-              <a:t>11/19/20</a:t>
+              <a:t>11/20/20</a:t>
             </a:fld>
             <a:endParaRPr lang="en-US" dirty="0"/>
           </a:p>
@@ -3785,7 +3785,7 @@
           <a:p>
             <a:fld id="{4509A250-FF31-4206-8172-F9D3106AACB1}" type="datetimeFigureOut">
               <a:rPr lang="en-US" smtClean="0"/>
-              <a:t>11/19/20</a:t>
+              <a:t>11/20/20</a:t>
             </a:fld>
             <a:endParaRPr lang="en-US" dirty="0"/>
           </a:p>
@@ -3998,7 +3998,7 @@
           <a:p>
             <a:fld id="{4AAD347D-5ACD-4C99-B74B-A9C85AD731AF}" type="datetimeFigureOut">
               <a:rPr lang="en-US" smtClean="0"/>
-              <a:t>11/19/20</a:t>
+              <a:t>11/20/20</a:t>
             </a:fld>
             <a:endParaRPr lang="en-US" dirty="0"/>
           </a:p>
@@ -6392,7 +6392,7 @@
                 </a:solidFill>
                 <a:latin typeface="Inconsolata" panose="020B0609030003000000" pitchFamily="49" charset="77"/>
               </a:rPr>
-              <a:t>while count &lt;= 5</a:t>
+              <a:t>while count &lt; 5</a:t>
             </a:r>
             <a:r>
               <a:rPr lang="en-US" sz="2000" b="1" dirty="0">
@@ -6536,14 +6536,12 @@
             </a:pPr>
             <a:r>
               <a:rPr lang="en-US" dirty="0"/>
-              <a:t>3 26 22 5 69 86 45 30 45 53 34 82 94 4 21 30 2 87 94 80 41 8 79 41 6</a:t>
-            </a:r>
-          </a:p>
-          <a:p>
-            <a:pPr marL="0" indent="0">
-              <a:buNone/>
-              <a:defRPr/>
-            </a:pPr>
+              <a:t>3 26 22 5 69 86 45 30 45 53 34 82 94 4 21 30 2 87 94 80 41 </a:t>
+            </a:r>
+            <a:r>
+              <a:rPr lang="en-US"/>
+              <a:t>8 </a:t>
+            </a:r>
             <a:endParaRPr lang="en-US" dirty="0">
               <a:latin typeface="Gill Sans MT" panose="020B0502020104020203" pitchFamily="34" charset="77"/>
             </a:endParaRPr>

--- a/courses/apcsp/lect6.pptx
+++ b/courses/apcsp/lect6.pptx
@@ -25,9 +25,10 @@
     <p:sldId id="352" r:id="rId19"/>
     <p:sldId id="300" r:id="rId20"/>
     <p:sldId id="332" r:id="rId21"/>
-    <p:sldId id="341" r:id="rId22"/>
-    <p:sldId id="346" r:id="rId23"/>
-    <p:sldId id="284" r:id="rId24"/>
+    <p:sldId id="337" r:id="rId22"/>
+    <p:sldId id="341" r:id="rId23"/>
+    <p:sldId id="346" r:id="rId24"/>
+    <p:sldId id="284" r:id="rId25"/>
   </p:sldIdLst>
   <p:sldSz cx="9144000" cy="5715000" type="screen16x10"/>
   <p:notesSz cx="6858000" cy="9144000"/>
@@ -137,6 +138,7 @@
 <file path=ppt/revisionInfo.xml><?xml version="1.0" encoding="utf-8"?>
 <p1510:revInfo xmlns:a="http://schemas.openxmlformats.org/drawingml/2006/main" xmlns:r="http://schemas.openxmlformats.org/officeDocument/2006/relationships" xmlns:p1510="http://schemas.microsoft.com/office/powerpoint/2015/10/main">
   <p1510:revLst>
+    <p1510:client id="{4D565438-72D8-7342-B7D9-79686A2899D7}" v="183" dt="2021-06-05T15:24:20.423"/>
     <p1510:client id="{7279A8A5-2AEE-8349-A56F-AA85D50C2543}" v="2463" dt="2021-06-05T03:47:47.906"/>
   </p1510:revLst>
 </p1510:revInfo>
@@ -796,8 +798,8 @@
   </pc:docChgLst>
   <pc:docChgLst>
     <pc:chgData name="Long B Nguyen" userId="f59fb8f3-a021-417a-8bc1-65c8d471c621" providerId="ADAL" clId="{4D565438-72D8-7342-B7D9-79686A2899D7}"/>
-    <pc:docChg chg="modSld">
-      <pc:chgData name="Long B Nguyen" userId="f59fb8f3-a021-417a-8bc1-65c8d471c621" providerId="ADAL" clId="{4D565438-72D8-7342-B7D9-79686A2899D7}" dt="2021-06-05T03:52:52.775" v="192" actId="20577"/>
+    <pc:docChg chg="addSld delSld modSld">
+      <pc:chgData name="Long B Nguyen" userId="f59fb8f3-a021-417a-8bc1-65c8d471c621" providerId="ADAL" clId="{4D565438-72D8-7342-B7D9-79686A2899D7}" dt="2021-06-05T15:24:20.423" v="390"/>
       <pc:docMkLst>
         <pc:docMk/>
       </pc:docMkLst>
@@ -827,6 +829,67 @@
           <ac:spMkLst>
             <pc:docMk/>
             <pc:sldMk cId="131840209" sldId="286"/>
+            <ac:spMk id="9" creationId="{E3B2E017-30B2-884B-A113-B419A2ED51AD}"/>
+          </ac:spMkLst>
+        </pc:spChg>
+      </pc:sldChg>
+      <pc:sldChg chg="modSp mod">
+        <pc:chgData name="Long B Nguyen" userId="f59fb8f3-a021-417a-8bc1-65c8d471c621" providerId="ADAL" clId="{4D565438-72D8-7342-B7D9-79686A2899D7}" dt="2021-06-05T15:24:20.423" v="390"/>
+        <pc:sldMkLst>
+          <pc:docMk/>
+          <pc:sldMk cId="2259044443" sldId="300"/>
+        </pc:sldMkLst>
+        <pc:graphicFrameChg chg="mod modGraphic">
+          <ac:chgData name="Long B Nguyen" userId="f59fb8f3-a021-417a-8bc1-65c8d471c621" providerId="ADAL" clId="{4D565438-72D8-7342-B7D9-79686A2899D7}" dt="2021-06-05T15:24:20.423" v="390"/>
+          <ac:graphicFrameMkLst>
+            <pc:docMk/>
+            <pc:sldMk cId="2259044443" sldId="300"/>
+            <ac:graphicFrameMk id="3" creationId="{57EBABBC-BF53-D54B-B535-A6EEF3CDBAF8}"/>
+          </ac:graphicFrameMkLst>
+        </pc:graphicFrameChg>
+      </pc:sldChg>
+      <pc:sldChg chg="modSp add mod modAnim">
+        <pc:chgData name="Long B Nguyen" userId="f59fb8f3-a021-417a-8bc1-65c8d471c621" providerId="ADAL" clId="{4D565438-72D8-7342-B7D9-79686A2899D7}" dt="2021-06-05T15:21:33.001" v="379" actId="207"/>
+        <pc:sldMkLst>
+          <pc:docMk/>
+          <pc:sldMk cId="2211977495" sldId="337"/>
+        </pc:sldMkLst>
+        <pc:spChg chg="mod">
+          <ac:chgData name="Long B Nguyen" userId="f59fb8f3-a021-417a-8bc1-65c8d471c621" providerId="ADAL" clId="{4D565438-72D8-7342-B7D9-79686A2899D7}" dt="2021-06-05T15:19:26.350" v="195" actId="1076"/>
+          <ac:spMkLst>
+            <pc:docMk/>
+            <pc:sldMk cId="2211977495" sldId="337"/>
+            <ac:spMk id="2" creationId="{AA3A228F-61D0-D949-A5E7-F83756230BF8}"/>
+          </ac:spMkLst>
+        </pc:spChg>
+        <pc:spChg chg="mod">
+          <ac:chgData name="Long B Nguyen" userId="f59fb8f3-a021-417a-8bc1-65c8d471c621" providerId="ADAL" clId="{4D565438-72D8-7342-B7D9-79686A2899D7}" dt="2021-06-05T15:21:33.001" v="379" actId="207"/>
+          <ac:spMkLst>
+            <pc:docMk/>
+            <pc:sldMk cId="2211977495" sldId="337"/>
+            <ac:spMk id="9" creationId="{E3B2E017-30B2-884B-A113-B419A2ED51AD}"/>
+          </ac:spMkLst>
+        </pc:spChg>
+      </pc:sldChg>
+      <pc:sldChg chg="modSp add del mod">
+        <pc:chgData name="Long B Nguyen" userId="f59fb8f3-a021-417a-8bc1-65c8d471c621" providerId="ADAL" clId="{4D565438-72D8-7342-B7D9-79686A2899D7}" dt="2021-06-05T15:22:30.914" v="381" actId="2696"/>
+        <pc:sldMkLst>
+          <pc:docMk/>
+          <pc:sldMk cId="2945958577" sldId="338"/>
+        </pc:sldMkLst>
+        <pc:spChg chg="mod">
+          <ac:chgData name="Long B Nguyen" userId="f59fb8f3-a021-417a-8bc1-65c8d471c621" providerId="ADAL" clId="{4D565438-72D8-7342-B7D9-79686A2899D7}" dt="2021-06-05T15:21:44.133" v="380" actId="1076"/>
+          <ac:spMkLst>
+            <pc:docMk/>
+            <pc:sldMk cId="2945958577" sldId="338"/>
+            <ac:spMk id="2" creationId="{AA3A228F-61D0-D949-A5E7-F83756230BF8}"/>
+          </ac:spMkLst>
+        </pc:spChg>
+        <pc:spChg chg="mod">
+          <ac:chgData name="Long B Nguyen" userId="f59fb8f3-a021-417a-8bc1-65c8d471c621" providerId="ADAL" clId="{4D565438-72D8-7342-B7D9-79686A2899D7}" dt="2021-06-05T15:19:16.249" v="194" actId="1076"/>
+          <ac:spMkLst>
+            <pc:docMk/>
+            <pc:sldMk cId="2945958577" sldId="338"/>
             <ac:spMk id="9" creationId="{E3B2E017-30B2-884B-A113-B419A2ED51AD}"/>
           </ac:spMkLst>
         </pc:spChg>
@@ -2598,7 +2661,7 @@
           <a:p>
             <a:fld id="{4AAD347D-5ACD-4C99-B74B-A9C85AD731AF}" type="datetimeFigureOut">
               <a:rPr lang="en-US" smtClean="0"/>
-              <a:t>6/4/21</a:t>
+              <a:t>6/5/21</a:t>
             </a:fld>
             <a:endParaRPr lang="en-US" dirty="0"/>
           </a:p>
@@ -2768,7 +2831,7 @@
           <a:p>
             <a:fld id="{4509A250-FF31-4206-8172-F9D3106AACB1}" type="datetimeFigureOut">
               <a:rPr lang="en-US" smtClean="0"/>
-              <a:t>6/4/21</a:t>
+              <a:t>6/5/21</a:t>
             </a:fld>
             <a:endParaRPr lang="en-US" dirty="0"/>
           </a:p>
@@ -2948,7 +3011,7 @@
           <a:p>
             <a:fld id="{4509A250-FF31-4206-8172-F9D3106AACB1}" type="datetimeFigureOut">
               <a:rPr lang="en-US" smtClean="0"/>
-              <a:t>6/4/21</a:t>
+              <a:t>6/5/21</a:t>
             </a:fld>
             <a:endParaRPr lang="en-US" dirty="0"/>
           </a:p>
@@ -3118,7 +3181,7 @@
           <a:p>
             <a:fld id="{4509A250-FF31-4206-8172-F9D3106AACB1}" type="datetimeFigureOut">
               <a:rPr lang="en-US" smtClean="0"/>
-              <a:t>6/4/21</a:t>
+              <a:t>6/5/21</a:t>
             </a:fld>
             <a:endParaRPr lang="en-US" dirty="0"/>
           </a:p>
@@ -3364,7 +3427,7 @@
           <a:p>
             <a:fld id="{9796027F-7875-4030-9381-8BD8C4F21935}" type="datetimeFigureOut">
               <a:rPr lang="en-US" smtClean="0"/>
-              <a:t>6/4/21</a:t>
+              <a:t>6/5/21</a:t>
             </a:fld>
             <a:endParaRPr lang="en-US" dirty="0"/>
           </a:p>
@@ -3596,7 +3659,7 @@
           <a:p>
             <a:fld id="{9796027F-7875-4030-9381-8BD8C4F21935}" type="datetimeFigureOut">
               <a:rPr lang="en-US" smtClean="0"/>
-              <a:t>6/4/21</a:t>
+              <a:t>6/5/21</a:t>
             </a:fld>
             <a:endParaRPr lang="en-US" dirty="0"/>
           </a:p>
@@ -3963,7 +4026,7 @@
           <a:p>
             <a:fld id="{9796027F-7875-4030-9381-8BD8C4F21935}" type="datetimeFigureOut">
               <a:rPr lang="en-US" smtClean="0"/>
-              <a:t>6/4/21</a:t>
+              <a:t>6/5/21</a:t>
             </a:fld>
             <a:endParaRPr lang="en-US" dirty="0"/>
           </a:p>
@@ -4081,7 +4144,7 @@
           <a:p>
             <a:fld id="{4509A250-FF31-4206-8172-F9D3106AACB1}" type="datetimeFigureOut">
               <a:rPr lang="en-US" smtClean="0"/>
-              <a:t>6/4/21</a:t>
+              <a:t>6/5/21</a:t>
             </a:fld>
             <a:endParaRPr lang="en-US" dirty="0"/>
           </a:p>
@@ -4176,7 +4239,7 @@
           <a:p>
             <a:fld id="{4509A250-FF31-4206-8172-F9D3106AACB1}" type="datetimeFigureOut">
               <a:rPr lang="en-US" smtClean="0"/>
-              <a:t>6/4/21</a:t>
+              <a:t>6/5/21</a:t>
             </a:fld>
             <a:endParaRPr lang="en-US" dirty="0"/>
           </a:p>
@@ -4453,7 +4516,7 @@
           <a:p>
             <a:fld id="{4509A250-FF31-4206-8172-F9D3106AACB1}" type="datetimeFigureOut">
               <a:rPr lang="en-US" smtClean="0"/>
-              <a:t>6/4/21</a:t>
+              <a:t>6/5/21</a:t>
             </a:fld>
             <a:endParaRPr lang="en-US" dirty="0"/>
           </a:p>
@@ -4710,7 +4773,7 @@
           <a:p>
             <a:fld id="{4509A250-FF31-4206-8172-F9D3106AACB1}" type="datetimeFigureOut">
               <a:rPr lang="en-US" smtClean="0"/>
-              <a:t>6/4/21</a:t>
+              <a:t>6/5/21</a:t>
             </a:fld>
             <a:endParaRPr lang="en-US" dirty="0"/>
           </a:p>
@@ -4923,7 +4986,7 @@
           <a:p>
             <a:fld id="{4AAD347D-5ACD-4C99-B74B-A9C85AD731AF}" type="datetimeFigureOut">
               <a:rPr lang="en-US" smtClean="0"/>
-              <a:t>6/4/21</a:t>
+              <a:t>6/5/21</a:t>
             </a:fld>
             <a:endParaRPr lang="en-US" dirty="0"/>
           </a:p>
@@ -13462,14 +13525,14 @@
           <p:nvPr>
             <p:extLst>
               <p:ext uri="{D42A27DB-BD31-4B8C-83A1-F6EECF244321}">
-                <p14:modId xmlns:p14="http://schemas.microsoft.com/office/powerpoint/2010/main" val="1673548360"/>
+                <p14:modId xmlns:p14="http://schemas.microsoft.com/office/powerpoint/2010/main" val="2744525486"/>
               </p:ext>
             </p:extLst>
           </p:nvPr>
         </p:nvGraphicFramePr>
         <p:xfrm>
           <a:off x="564883" y="2033726"/>
-          <a:ext cx="8293100" cy="2159000"/>
+          <a:ext cx="8293100" cy="3073400"/>
         </p:xfrm>
         <a:graphic>
           <a:graphicData uri="http://schemas.openxmlformats.org/drawingml/2006/table">
@@ -13618,6 +13681,63 @@
                 <a:extLst>
                   <a:ext uri="{0D108BD9-81ED-4DB2-BD59-A6C34878D82A}">
                     <a16:rowId xmlns:a16="http://schemas.microsoft.com/office/drawing/2014/main" val="3567364839"/>
+                  </a:ext>
+                </a:extLst>
+              </a:tr>
+              <a:tr h="604520">
+                <a:tc>
+                  <a:txBody>
+                    <a:bodyPr/>
+                    <a:lstStyle/>
+                    <a:p>
+                      <a:r>
+                        <a:rPr lang="en-US" sz="1800" dirty="0">
+                          <a:solidFill>
+                            <a:srgbClr val="FF0000"/>
+                          </a:solidFill>
+                        </a:rPr>
+                        <a:t>split()</a:t>
+                      </a:r>
+                    </a:p>
+                  </a:txBody>
+                  <a:tcPr/>
+                </a:tc>
+                <a:tc>
+                  <a:txBody>
+                    <a:bodyPr/>
+                    <a:lstStyle/>
+                    <a:p>
+                      <a:pPr marL="0" marR="0" lvl="0" indent="0" algn="l" defTabSz="685800" rtl="0" eaLnBrk="1" fontAlgn="auto" latinLnBrk="0" hangingPunct="1">
+                        <a:lnSpc>
+                          <a:spcPct val="100000"/>
+                        </a:lnSpc>
+                        <a:spcBef>
+                          <a:spcPts val="0"/>
+                        </a:spcBef>
+                        <a:spcAft>
+                          <a:spcPts val="0"/>
+                        </a:spcAft>
+                        <a:buClrTx/>
+                        <a:buSzTx/>
+                        <a:buFontTx/>
+                        <a:buNone/>
+                        <a:tabLst/>
+                        <a:defRPr/>
+                      </a:pPr>
+                      <a:r>
+                        <a:rPr lang="en-US" sz="1800" dirty="0"/>
+                        <a:t>splits a string into a list.  A separator can be specified. The default separator is any whitespace. </a:t>
+                      </a:r>
+                    </a:p>
+                    <a:p>
+                      <a:endParaRPr lang="en-US" sz="1800" dirty="0"/>
+                    </a:p>
+                  </a:txBody>
+                  <a:tcPr/>
+                </a:tc>
+                <a:extLst>
+                  <a:ext uri="{0D108BD9-81ED-4DB2-BD59-A6C34878D82A}">
+                    <a16:rowId xmlns:a16="http://schemas.microsoft.com/office/drawing/2014/main" val="1638234708"/>
                   </a:ext>
                 </a:extLst>
               </a:tr>
@@ -14650,6 +14770,660 @@
         </p:nvSpPr>
         <p:spPr>
           <a:xfrm>
+            <a:off x="81292" y="134218"/>
+            <a:ext cx="7053542" cy="683886"/>
+          </a:xfrm>
+        </p:spPr>
+        <p:txBody>
+          <a:bodyPr/>
+          <a:lstStyle/>
+          <a:p>
+            <a:r>
+              <a:rPr lang="en-US" dirty="0"/>
+              <a:t>split()</a:t>
+            </a:r>
+          </a:p>
+        </p:txBody>
+      </p:sp>
+      <p:sp>
+        <p:nvSpPr>
+          <p:cNvPr id="9" name="Content Placeholder 8">
+            <a:extLst>
+              <a:ext uri="{FF2B5EF4-FFF2-40B4-BE49-F238E27FC236}">
+                <a16:creationId xmlns:a16="http://schemas.microsoft.com/office/drawing/2014/main" id="{E3B2E017-30B2-884B-A113-B419A2ED51AD}"/>
+              </a:ext>
+            </a:extLst>
+          </p:cNvPr>
+          <p:cNvSpPr>
+            <a:spLocks noGrp="1"/>
+          </p:cNvSpPr>
+          <p:nvPr>
+            <p:ph idx="1"/>
+          </p:nvPr>
+        </p:nvSpPr>
+        <p:spPr>
+          <a:xfrm>
+            <a:off x="172732" y="841967"/>
+            <a:ext cx="8900148" cy="4738815"/>
+          </a:xfrm>
+        </p:spPr>
+        <p:txBody>
+          <a:bodyPr>
+            <a:noAutofit/>
+          </a:bodyPr>
+          <a:lstStyle/>
+          <a:p>
+            <a:pPr marL="0" indent="0">
+              <a:buNone/>
+            </a:pPr>
+            <a:r>
+              <a:rPr lang="en-US" dirty="0"/>
+              <a:t>The split() method splits a string into a list.  A separator can be specified. The default separator is any whitespace. </a:t>
+            </a:r>
+          </a:p>
+          <a:p>
+            <a:pPr marL="0" indent="0">
+              <a:buNone/>
+            </a:pPr>
+            <a:endParaRPr lang="en-US" dirty="0"/>
+          </a:p>
+          <a:p>
+            <a:pPr marL="0" indent="0">
+              <a:buNone/>
+            </a:pPr>
+            <a:r>
+              <a:rPr lang="en-US" b="1" dirty="0">
+                <a:solidFill>
+                  <a:srgbClr val="000087"/>
+                </a:solidFill>
+                <a:latin typeface="INCONSOLATA" panose="020B0609030003000000" pitchFamily="49" charset="77"/>
+              </a:rPr>
+              <a:t>fruits = </a:t>
+            </a:r>
+            <a:r>
+              <a:rPr lang="en-US" b="1" dirty="0">
+                <a:solidFill>
+                  <a:srgbClr val="CC3300"/>
+                </a:solidFill>
+                <a:latin typeface="INCONSOLATA" panose="020B0609030003000000" pitchFamily="49" charset="77"/>
+              </a:rPr>
+              <a:t>"apple mango banana grape" </a:t>
+            </a:r>
+            <a:endParaRPr lang="en-US" b="1" dirty="0">
+              <a:solidFill>
+                <a:srgbClr val="000087"/>
+              </a:solidFill>
+              <a:latin typeface="INCONSOLATA" panose="020B0609030003000000" pitchFamily="49" charset="77"/>
+            </a:endParaRPr>
+          </a:p>
+          <a:p>
+            <a:pPr marL="0" indent="0">
+              <a:buNone/>
+            </a:pPr>
+            <a:r>
+              <a:rPr lang="en-US" b="1" dirty="0" err="1">
+                <a:solidFill>
+                  <a:srgbClr val="000087"/>
+                </a:solidFill>
+                <a:latin typeface="INCONSOLATA" panose="020B0609030003000000" pitchFamily="49" charset="77"/>
+              </a:rPr>
+              <a:t>fruits_lst</a:t>
+            </a:r>
+            <a:r>
+              <a:rPr lang="en-US" b="1" dirty="0">
+                <a:solidFill>
+                  <a:srgbClr val="000087"/>
+                </a:solidFill>
+                <a:latin typeface="INCONSOLATA" panose="020B0609030003000000" pitchFamily="49" charset="77"/>
+              </a:rPr>
+              <a:t> = </a:t>
+            </a:r>
+            <a:r>
+              <a:rPr lang="en-US" b="1" dirty="0" err="1">
+                <a:solidFill>
+                  <a:srgbClr val="000087"/>
+                </a:solidFill>
+                <a:latin typeface="INCONSOLATA" panose="020B0609030003000000" pitchFamily="49" charset="77"/>
+              </a:rPr>
+              <a:t>fruits.split</a:t>
+            </a:r>
+            <a:r>
+              <a:rPr lang="en-US" b="1" dirty="0">
+                <a:solidFill>
+                  <a:srgbClr val="000087"/>
+                </a:solidFill>
+                <a:latin typeface="INCONSOLATA" panose="020B0609030003000000" pitchFamily="49" charset="77"/>
+              </a:rPr>
+              <a:t>()</a:t>
+            </a:r>
+            <a:endParaRPr lang="en-US" b="1" dirty="0">
+              <a:latin typeface="INCONSOLATA" panose="020B0609030003000000" pitchFamily="49" charset="77"/>
+            </a:endParaRPr>
+          </a:p>
+          <a:p>
+            <a:pPr marL="0" indent="0">
+              <a:buNone/>
+            </a:pPr>
+            <a:r>
+              <a:rPr lang="en-US" b="1" dirty="0">
+                <a:latin typeface="INCONSOLATA" panose="020B0609030003000000" pitchFamily="49" charset="77"/>
+              </a:rPr>
+              <a:t>print(</a:t>
+            </a:r>
+            <a:r>
+              <a:rPr lang="en-US" b="1" dirty="0" err="1">
+                <a:latin typeface="INCONSOLATA" panose="020B0609030003000000" pitchFamily="49" charset="77"/>
+              </a:rPr>
+              <a:t>list_fruits</a:t>
+            </a:r>
+            <a:r>
+              <a:rPr lang="en-US" b="1" dirty="0">
+                <a:latin typeface="INCONSOLATA" panose="020B0609030003000000" pitchFamily="49" charset="77"/>
+              </a:rPr>
+              <a:t>)	</a:t>
+            </a:r>
+            <a:r>
+              <a:rPr lang="en-US" b="1" dirty="0">
+                <a:solidFill>
+                  <a:schemeClr val="accent1"/>
+                </a:solidFill>
+                <a:latin typeface="INCONSOLATA" panose="020B0609030003000000" pitchFamily="49" charset="77"/>
+              </a:rPr>
+              <a:t># [‘apple’, ‘mango’, ‘banana’, ‘grape’] </a:t>
+            </a:r>
+          </a:p>
+          <a:p>
+            <a:pPr marL="0" indent="0">
+              <a:buNone/>
+            </a:pPr>
+            <a:endParaRPr lang="en-US" b="1" dirty="0">
+              <a:latin typeface="INCONSOLATA" panose="020B0609030003000000" pitchFamily="49" charset="77"/>
+            </a:endParaRPr>
+          </a:p>
+          <a:p>
+            <a:pPr marL="0" indent="0">
+              <a:buNone/>
+            </a:pPr>
+            <a:r>
+              <a:rPr lang="en-US" b="1" dirty="0">
+                <a:solidFill>
+                  <a:srgbClr val="000087"/>
+                </a:solidFill>
+                <a:latin typeface="INCONSOLATA" panose="020B0609030003000000" pitchFamily="49" charset="77"/>
+              </a:rPr>
+              <a:t>greeting = </a:t>
+            </a:r>
+            <a:r>
+              <a:rPr lang="en-US" b="1" dirty="0">
+                <a:solidFill>
+                  <a:srgbClr val="CC3300"/>
+                </a:solidFill>
+                <a:latin typeface="INCONSOLATA" panose="020B0609030003000000" pitchFamily="49" charset="77"/>
+              </a:rPr>
+              <a:t>“hi, I am Mike, I just graduate.” </a:t>
+            </a:r>
+            <a:endParaRPr lang="en-US" b="1" dirty="0">
+              <a:solidFill>
+                <a:srgbClr val="000087"/>
+              </a:solidFill>
+              <a:latin typeface="INCONSOLATA" panose="020B0609030003000000" pitchFamily="49" charset="77"/>
+            </a:endParaRPr>
+          </a:p>
+          <a:p>
+            <a:pPr marL="0" indent="0">
+              <a:buNone/>
+            </a:pPr>
+            <a:r>
+              <a:rPr lang="en-US" b="1" dirty="0" err="1">
+                <a:solidFill>
+                  <a:srgbClr val="000087"/>
+                </a:solidFill>
+                <a:latin typeface="INCONSOLATA" panose="020B0609030003000000" pitchFamily="49" charset="77"/>
+              </a:rPr>
+              <a:t>greet_lst</a:t>
+            </a:r>
+            <a:r>
+              <a:rPr lang="en-US" b="1" dirty="0">
+                <a:solidFill>
+                  <a:srgbClr val="000087"/>
+                </a:solidFill>
+                <a:latin typeface="INCONSOLATA" panose="020B0609030003000000" pitchFamily="49" charset="77"/>
+              </a:rPr>
+              <a:t> = </a:t>
+            </a:r>
+            <a:r>
+              <a:rPr lang="en-US" b="1" dirty="0" err="1">
+                <a:solidFill>
+                  <a:srgbClr val="000087"/>
+                </a:solidFill>
+                <a:latin typeface="INCONSOLATA" panose="020B0609030003000000" pitchFamily="49" charset="77"/>
+              </a:rPr>
+              <a:t>greeting.split</a:t>
+            </a:r>
+            <a:r>
+              <a:rPr lang="en-US" b="1" dirty="0">
+                <a:solidFill>
+                  <a:srgbClr val="000087"/>
+                </a:solidFill>
+                <a:latin typeface="INCONSOLATA" panose="020B0609030003000000" pitchFamily="49" charset="77"/>
+              </a:rPr>
+              <a:t>(", ")</a:t>
+            </a:r>
+            <a:endParaRPr lang="en-US" b="1" dirty="0">
+              <a:latin typeface="INCONSOLATA" panose="020B0609030003000000" pitchFamily="49" charset="77"/>
+            </a:endParaRPr>
+          </a:p>
+          <a:p>
+            <a:pPr marL="0" indent="0">
+              <a:buNone/>
+            </a:pPr>
+            <a:r>
+              <a:rPr lang="en-US" b="1" dirty="0">
+                <a:latin typeface="INCONSOLATA" panose="020B0609030003000000" pitchFamily="49" charset="77"/>
+              </a:rPr>
+              <a:t>print(</a:t>
+            </a:r>
+            <a:r>
+              <a:rPr lang="en-US" b="1" dirty="0" err="1">
+                <a:latin typeface="INCONSOLATA" panose="020B0609030003000000" pitchFamily="49" charset="77"/>
+              </a:rPr>
+              <a:t>greet_lst</a:t>
+            </a:r>
+            <a:r>
+              <a:rPr lang="en-US" b="1" dirty="0">
+                <a:latin typeface="INCONSOLATA" panose="020B0609030003000000" pitchFamily="49" charset="77"/>
+              </a:rPr>
+              <a:t>)    </a:t>
+            </a:r>
+            <a:r>
+              <a:rPr lang="en-US" b="1" dirty="0">
+                <a:solidFill>
+                  <a:schemeClr val="accent1"/>
+                </a:solidFill>
+                <a:latin typeface="INCONSOLATA" panose="020B0609030003000000" pitchFamily="49" charset="77"/>
+              </a:rPr>
+              <a:t># [‘hi’, ‘I am Mike’, ‘I just graduate.’] </a:t>
+            </a:r>
+          </a:p>
+          <a:p>
+            <a:pPr marL="0" indent="0">
+              <a:buNone/>
+            </a:pPr>
+            <a:endParaRPr lang="en-US" b="1" dirty="0">
+              <a:latin typeface="Inconsolata" panose="020B0609030003000000" pitchFamily="49" charset="77"/>
+            </a:endParaRPr>
+          </a:p>
+          <a:p>
+            <a:pPr marL="0" indent="0">
+              <a:buNone/>
+            </a:pPr>
+            <a:endParaRPr lang="en-US" dirty="0"/>
+          </a:p>
+          <a:p>
+            <a:pPr marL="0" indent="0">
+              <a:buNone/>
+            </a:pPr>
+            <a:endParaRPr lang="en-US" dirty="0"/>
+          </a:p>
+          <a:p>
+            <a:pPr marL="0" indent="0">
+              <a:buNone/>
+            </a:pPr>
+            <a:r>
+              <a:rPr lang="en-US" dirty="0"/>
+              <a:t> </a:t>
+            </a:r>
+          </a:p>
+          <a:p>
+            <a:pPr marL="0" indent="0">
+              <a:buNone/>
+            </a:pPr>
+            <a:endParaRPr lang="en-US" dirty="0"/>
+          </a:p>
+          <a:p>
+            <a:pPr marL="0" indent="0">
+              <a:buNone/>
+            </a:pPr>
+            <a:endParaRPr lang="en-US" dirty="0"/>
+          </a:p>
+        </p:txBody>
+      </p:sp>
+    </p:spTree>
+    <p:extLst>
+      <p:ext uri="{BB962C8B-B14F-4D97-AF65-F5344CB8AC3E}">
+        <p14:creationId xmlns:p14="http://schemas.microsoft.com/office/powerpoint/2010/main" val="2211977495"/>
+      </p:ext>
+    </p:extLst>
+  </p:cSld>
+  <p:clrMapOvr>
+    <a:masterClrMapping/>
+  </p:clrMapOvr>
+  <p:timing>
+    <p:tnLst>
+      <p:par>
+        <p:cTn id="1" dur="indefinite" restart="never" nodeType="tmRoot">
+          <p:childTnLst>
+            <p:seq concurrent="1" nextAc="seek">
+              <p:cTn id="2" dur="indefinite" nodeType="mainSeq">
+                <p:childTnLst>
+                  <p:par>
+                    <p:cTn id="3" fill="hold">
+                      <p:stCondLst>
+                        <p:cond delay="indefinite"/>
+                      </p:stCondLst>
+                      <p:childTnLst>
+                        <p:par>
+                          <p:cTn id="4" fill="hold">
+                            <p:stCondLst>
+                              <p:cond delay="0"/>
+                            </p:stCondLst>
+                            <p:childTnLst>
+                              <p:par>
+                                <p:cTn id="5" presetID="1" presetClass="entr" presetSubtype="0" fill="hold" nodeType="clickEffect">
+                                  <p:stCondLst>
+                                    <p:cond delay="0"/>
+                                  </p:stCondLst>
+                                  <p:childTnLst>
+                                    <p:set>
+                                      <p:cBhvr>
+                                        <p:cTn id="6" dur="1" fill="hold">
+                                          <p:stCondLst>
+                                            <p:cond delay="0"/>
+                                          </p:stCondLst>
+                                        </p:cTn>
+                                        <p:tgtEl>
+                                          <p:spTgt spid="9">
+                                            <p:txEl>
+                                              <p:pRg st="2" end="2"/>
+                                            </p:txEl>
+                                          </p:spTgt>
+                                        </p:tgtEl>
+                                        <p:attrNameLst>
+                                          <p:attrName>style.visibility</p:attrName>
+                                        </p:attrNameLst>
+                                      </p:cBhvr>
+                                      <p:to>
+                                        <p:strVal val="visible"/>
+                                      </p:to>
+                                    </p:set>
+                                  </p:childTnLst>
+                                </p:cTn>
+                              </p:par>
+                            </p:childTnLst>
+                          </p:cTn>
+                        </p:par>
+                      </p:childTnLst>
+                    </p:cTn>
+                  </p:par>
+                  <p:par>
+                    <p:cTn id="7" fill="hold">
+                      <p:stCondLst>
+                        <p:cond delay="indefinite"/>
+                      </p:stCondLst>
+                      <p:childTnLst>
+                        <p:par>
+                          <p:cTn id="8" fill="hold">
+                            <p:stCondLst>
+                              <p:cond delay="0"/>
+                            </p:stCondLst>
+                            <p:childTnLst>
+                              <p:par>
+                                <p:cTn id="9" presetID="1" presetClass="entr" presetSubtype="0" fill="hold" nodeType="clickEffect">
+                                  <p:stCondLst>
+                                    <p:cond delay="0"/>
+                                  </p:stCondLst>
+                                  <p:childTnLst>
+                                    <p:set>
+                                      <p:cBhvr>
+                                        <p:cTn id="10" dur="1" fill="hold">
+                                          <p:stCondLst>
+                                            <p:cond delay="0"/>
+                                          </p:stCondLst>
+                                        </p:cTn>
+                                        <p:tgtEl>
+                                          <p:spTgt spid="9">
+                                            <p:txEl>
+                                              <p:pRg st="3" end="3"/>
+                                            </p:txEl>
+                                          </p:spTgt>
+                                        </p:tgtEl>
+                                        <p:attrNameLst>
+                                          <p:attrName>style.visibility</p:attrName>
+                                        </p:attrNameLst>
+                                      </p:cBhvr>
+                                      <p:to>
+                                        <p:strVal val="visible"/>
+                                      </p:to>
+                                    </p:set>
+                                  </p:childTnLst>
+                                </p:cTn>
+                              </p:par>
+                              <p:par>
+                                <p:cTn id="11" presetID="1" presetClass="entr" presetSubtype="0" fill="hold" nodeType="withEffect">
+                                  <p:stCondLst>
+                                    <p:cond delay="0"/>
+                                  </p:stCondLst>
+                                  <p:childTnLst>
+                                    <p:set>
+                                      <p:cBhvr>
+                                        <p:cTn id="12" dur="1" fill="hold">
+                                          <p:stCondLst>
+                                            <p:cond delay="0"/>
+                                          </p:stCondLst>
+                                        </p:cTn>
+                                        <p:tgtEl>
+                                          <p:spTgt spid="9">
+                                            <p:txEl>
+                                              <p:pRg st="4" end="4"/>
+                                            </p:txEl>
+                                          </p:spTgt>
+                                        </p:tgtEl>
+                                        <p:attrNameLst>
+                                          <p:attrName>style.visibility</p:attrName>
+                                        </p:attrNameLst>
+                                      </p:cBhvr>
+                                      <p:to>
+                                        <p:strVal val="visible"/>
+                                      </p:to>
+                                    </p:set>
+                                  </p:childTnLst>
+                                </p:cTn>
+                              </p:par>
+                            </p:childTnLst>
+                          </p:cTn>
+                        </p:par>
+                      </p:childTnLst>
+                    </p:cTn>
+                  </p:par>
+                  <p:par>
+                    <p:cTn id="13" fill="hold">
+                      <p:stCondLst>
+                        <p:cond delay="indefinite"/>
+                      </p:stCondLst>
+                      <p:childTnLst>
+                        <p:par>
+                          <p:cTn id="14" fill="hold">
+                            <p:stCondLst>
+                              <p:cond delay="0"/>
+                            </p:stCondLst>
+                            <p:childTnLst>
+                              <p:par>
+                                <p:cTn id="15" presetID="1" presetClass="entr" presetSubtype="0" fill="hold" nodeType="clickEffect">
+                                  <p:stCondLst>
+                                    <p:cond delay="0"/>
+                                  </p:stCondLst>
+                                  <p:childTnLst>
+                                    <p:set>
+                                      <p:cBhvr>
+                                        <p:cTn id="16" dur="1" fill="hold">
+                                          <p:stCondLst>
+                                            <p:cond delay="0"/>
+                                          </p:stCondLst>
+                                        </p:cTn>
+                                        <p:tgtEl>
+                                          <p:spTgt spid="9">
+                                            <p:txEl>
+                                              <p:pRg st="6" end="6"/>
+                                            </p:txEl>
+                                          </p:spTgt>
+                                        </p:tgtEl>
+                                        <p:attrNameLst>
+                                          <p:attrName>style.visibility</p:attrName>
+                                        </p:attrNameLst>
+                                      </p:cBhvr>
+                                      <p:to>
+                                        <p:strVal val="visible"/>
+                                      </p:to>
+                                    </p:set>
+                                  </p:childTnLst>
+                                </p:cTn>
+                              </p:par>
+                            </p:childTnLst>
+                          </p:cTn>
+                        </p:par>
+                      </p:childTnLst>
+                    </p:cTn>
+                  </p:par>
+                  <p:par>
+                    <p:cTn id="17" fill="hold">
+                      <p:stCondLst>
+                        <p:cond delay="indefinite"/>
+                      </p:stCondLst>
+                      <p:childTnLst>
+                        <p:par>
+                          <p:cTn id="18" fill="hold">
+                            <p:stCondLst>
+                              <p:cond delay="0"/>
+                            </p:stCondLst>
+                            <p:childTnLst>
+                              <p:par>
+                                <p:cTn id="19" presetID="1" presetClass="entr" presetSubtype="0" fill="hold" nodeType="clickEffect">
+                                  <p:stCondLst>
+                                    <p:cond delay="0"/>
+                                  </p:stCondLst>
+                                  <p:childTnLst>
+                                    <p:set>
+                                      <p:cBhvr>
+                                        <p:cTn id="20" dur="1" fill="hold">
+                                          <p:stCondLst>
+                                            <p:cond delay="0"/>
+                                          </p:stCondLst>
+                                        </p:cTn>
+                                        <p:tgtEl>
+                                          <p:spTgt spid="9">
+                                            <p:txEl>
+                                              <p:pRg st="7" end="7"/>
+                                            </p:txEl>
+                                          </p:spTgt>
+                                        </p:tgtEl>
+                                        <p:attrNameLst>
+                                          <p:attrName>style.visibility</p:attrName>
+                                        </p:attrNameLst>
+                                      </p:cBhvr>
+                                      <p:to>
+                                        <p:strVal val="visible"/>
+                                      </p:to>
+                                    </p:set>
+                                  </p:childTnLst>
+                                </p:cTn>
+                              </p:par>
+                              <p:par>
+                                <p:cTn id="21" presetID="1" presetClass="entr" presetSubtype="0" fill="hold" nodeType="withEffect">
+                                  <p:stCondLst>
+                                    <p:cond delay="0"/>
+                                  </p:stCondLst>
+                                  <p:childTnLst>
+                                    <p:set>
+                                      <p:cBhvr>
+                                        <p:cTn id="22" dur="1" fill="hold">
+                                          <p:stCondLst>
+                                            <p:cond delay="0"/>
+                                          </p:stCondLst>
+                                        </p:cTn>
+                                        <p:tgtEl>
+                                          <p:spTgt spid="9">
+                                            <p:txEl>
+                                              <p:pRg st="8" end="8"/>
+                                            </p:txEl>
+                                          </p:spTgt>
+                                        </p:tgtEl>
+                                        <p:attrNameLst>
+                                          <p:attrName>style.visibility</p:attrName>
+                                        </p:attrNameLst>
+                                      </p:cBhvr>
+                                      <p:to>
+                                        <p:strVal val="visible"/>
+                                      </p:to>
+                                    </p:set>
+                                  </p:childTnLst>
+                                </p:cTn>
+                              </p:par>
+                            </p:childTnLst>
+                          </p:cTn>
+                        </p:par>
+                      </p:childTnLst>
+                    </p:cTn>
+                  </p:par>
+                </p:childTnLst>
+              </p:cTn>
+              <p:prevCondLst>
+                <p:cond evt="onPrev" delay="0">
+                  <p:tgtEl>
+                    <p:sldTgt/>
+                  </p:tgtEl>
+                </p:cond>
+              </p:prevCondLst>
+              <p:nextCondLst>
+                <p:cond evt="onNext" delay="0">
+                  <p:tgtEl>
+                    <p:sldTgt/>
+                  </p:tgtEl>
+                </p:cond>
+              </p:nextCondLst>
+            </p:seq>
+          </p:childTnLst>
+        </p:cTn>
+      </p:par>
+    </p:tnLst>
+  </p:timing>
+</p:sld>
+</file>
+
+<file path=ppt/slides/slide22.xml><?xml version="1.0" encoding="utf-8"?>
+<p:sld xmlns:a="http://schemas.openxmlformats.org/drawingml/2006/main" xmlns:r="http://schemas.openxmlformats.org/officeDocument/2006/relationships" xmlns:p="http://schemas.openxmlformats.org/presentationml/2006/main">
+  <p:cSld>
+    <p:spTree>
+      <p:nvGrpSpPr>
+        <p:cNvPr id="1" name=""/>
+        <p:cNvGrpSpPr/>
+        <p:nvPr/>
+      </p:nvGrpSpPr>
+      <p:grpSpPr>
+        <a:xfrm>
+          <a:off x="0" y="0"/>
+          <a:ext cx="0" cy="0"/>
+          <a:chOff x="0" y="0"/>
+          <a:chExt cx="0" cy="0"/>
+        </a:xfrm>
+      </p:grpSpPr>
+      <p:sp>
+        <p:nvSpPr>
+          <p:cNvPr id="2" name="Title 1">
+            <a:extLst>
+              <a:ext uri="{FF2B5EF4-FFF2-40B4-BE49-F238E27FC236}">
+                <a16:creationId xmlns:a16="http://schemas.microsoft.com/office/drawing/2014/main" id="{AA3A228F-61D0-D949-A5E7-F83756230BF8}"/>
+              </a:ext>
+            </a:extLst>
+          </p:cNvPr>
+          <p:cNvSpPr>
+            <a:spLocks noGrp="1"/>
+          </p:cNvSpPr>
+          <p:nvPr>
+            <p:ph type="title"/>
+          </p:nvPr>
+        </p:nvSpPr>
+        <p:spPr>
+          <a:xfrm>
             <a:off x="96552" y="84791"/>
             <a:ext cx="7053542" cy="683886"/>
           </a:xfrm>
@@ -14791,7 +15565,7 @@
 </p:sld>
 </file>
 
-<file path=ppt/slides/slide22.xml><?xml version="1.0" encoding="utf-8"?>
+<file path=ppt/slides/slide23.xml><?xml version="1.0" encoding="utf-8"?>
 <p:sld xmlns:a="http://schemas.openxmlformats.org/drawingml/2006/main" xmlns:r="http://schemas.openxmlformats.org/officeDocument/2006/relationships" xmlns:p="http://schemas.openxmlformats.org/presentationml/2006/main">
   <p:cSld>
     <p:spTree>
@@ -14988,7 +15762,7 @@
 </p:sld>
 </file>
 
-<file path=ppt/slides/slide23.xml><?xml version="1.0" encoding="utf-8"?>
+<file path=ppt/slides/slide24.xml><?xml version="1.0" encoding="utf-8"?>
 <p:sld xmlns:a="http://schemas.openxmlformats.org/drawingml/2006/main" xmlns:r="http://schemas.openxmlformats.org/officeDocument/2006/relationships" xmlns:p="http://schemas.openxmlformats.org/presentationml/2006/main">
   <p:cSld>
     <p:spTree>

--- a/courses/apcsp/lect6.pptx
+++ b/courses/apcsp/lect6.pptx
@@ -15,20 +15,22 @@
     <p:sldId id="310" r:id="rId9"/>
     <p:sldId id="349" r:id="rId10"/>
     <p:sldId id="354" r:id="rId11"/>
-    <p:sldId id="355" r:id="rId12"/>
-    <p:sldId id="350" r:id="rId13"/>
-    <p:sldId id="331" r:id="rId14"/>
-    <p:sldId id="347" r:id="rId15"/>
-    <p:sldId id="348" r:id="rId16"/>
-    <p:sldId id="353" r:id="rId17"/>
-    <p:sldId id="351" r:id="rId18"/>
-    <p:sldId id="352" r:id="rId19"/>
-    <p:sldId id="300" r:id="rId20"/>
-    <p:sldId id="332" r:id="rId21"/>
-    <p:sldId id="337" r:id="rId22"/>
-    <p:sldId id="341" r:id="rId23"/>
-    <p:sldId id="346" r:id="rId24"/>
-    <p:sldId id="284" r:id="rId25"/>
+    <p:sldId id="357" r:id="rId12"/>
+    <p:sldId id="355" r:id="rId13"/>
+    <p:sldId id="358" r:id="rId14"/>
+    <p:sldId id="350" r:id="rId15"/>
+    <p:sldId id="331" r:id="rId16"/>
+    <p:sldId id="347" r:id="rId17"/>
+    <p:sldId id="348" r:id="rId18"/>
+    <p:sldId id="353" r:id="rId19"/>
+    <p:sldId id="351" r:id="rId20"/>
+    <p:sldId id="352" r:id="rId21"/>
+    <p:sldId id="300" r:id="rId22"/>
+    <p:sldId id="332" r:id="rId23"/>
+    <p:sldId id="337" r:id="rId24"/>
+    <p:sldId id="341" r:id="rId25"/>
+    <p:sldId id="346" r:id="rId26"/>
+    <p:sldId id="284" r:id="rId27"/>
   </p:sldIdLst>
   <p:sldSz cx="9144000" cy="5715000" type="screen16x10"/>
   <p:notesSz cx="6858000" cy="9144000"/>
@@ -138,8 +140,7 @@
 <file path=ppt/revisionInfo.xml><?xml version="1.0" encoding="utf-8"?>
 <p1510:revInfo xmlns:a="http://schemas.openxmlformats.org/drawingml/2006/main" xmlns:r="http://schemas.openxmlformats.org/officeDocument/2006/relationships" xmlns:p1510="http://schemas.microsoft.com/office/powerpoint/2015/10/main">
   <p1510:revLst>
-    <p1510:client id="{4D565438-72D8-7342-B7D9-79686A2899D7}" v="183" dt="2021-06-05T15:24:20.423"/>
-    <p1510:client id="{7279A8A5-2AEE-8349-A56F-AA85D50C2543}" v="2463" dt="2021-06-05T03:47:47.906"/>
+    <p1510:client id="{8A4B0ED0-F44B-9E45-9C40-AF9BE57AB4D6}" v="946" dt="2021-10-22T13:19:35.587"/>
   </p1510:revLst>
 </p1510:revInfo>
 </file>
@@ -2527,6 +2528,241 @@
       </pc:sldChg>
     </pc:docChg>
   </pc:docChgLst>
+  <pc:docChgLst>
+    <pc:chgData name="Long B Nguyen" userId="f59fb8f3-a021-417a-8bc1-65c8d471c621" providerId="ADAL" clId="{8A4B0ED0-F44B-9E45-9C40-AF9BE57AB4D6}"/>
+    <pc:docChg chg="custSel addSld delSld modSld">
+      <pc:chgData name="Long B Nguyen" userId="f59fb8f3-a021-417a-8bc1-65c8d471c621" providerId="ADAL" clId="{8A4B0ED0-F44B-9E45-9C40-AF9BE57AB4D6}" dt="2021-10-22T13:20:51.207" v="1079" actId="2696"/>
+      <pc:docMkLst>
+        <pc:docMk/>
+      </pc:docMkLst>
+      <pc:sldChg chg="modSp modAnim">
+        <pc:chgData name="Long B Nguyen" userId="f59fb8f3-a021-417a-8bc1-65c8d471c621" providerId="ADAL" clId="{8A4B0ED0-F44B-9E45-9C40-AF9BE57AB4D6}" dt="2021-10-22T12:45:37.211" v="4" actId="20577"/>
+        <pc:sldMkLst>
+          <pc:docMk/>
+          <pc:sldMk cId="278045358" sldId="257"/>
+        </pc:sldMkLst>
+        <pc:spChg chg="mod">
+          <ac:chgData name="Long B Nguyen" userId="f59fb8f3-a021-417a-8bc1-65c8d471c621" providerId="ADAL" clId="{8A4B0ED0-F44B-9E45-9C40-AF9BE57AB4D6}" dt="2021-10-22T12:45:37.211" v="4" actId="20577"/>
+          <ac:spMkLst>
+            <pc:docMk/>
+            <pc:sldMk cId="278045358" sldId="257"/>
+            <ac:spMk id="9" creationId="{E3B2E017-30B2-884B-A113-B419A2ED51AD}"/>
+          </ac:spMkLst>
+        </pc:spChg>
+      </pc:sldChg>
+      <pc:sldChg chg="modAnim">
+        <pc:chgData name="Long B Nguyen" userId="f59fb8f3-a021-417a-8bc1-65c8d471c621" providerId="ADAL" clId="{8A4B0ED0-F44B-9E45-9C40-AF9BE57AB4D6}" dt="2021-10-22T13:18:25.295" v="1064"/>
+        <pc:sldMkLst>
+          <pc:docMk/>
+          <pc:sldMk cId="3647198221" sldId="308"/>
+        </pc:sldMkLst>
+      </pc:sldChg>
+      <pc:sldChg chg="modAnim">
+        <pc:chgData name="Long B Nguyen" userId="f59fb8f3-a021-417a-8bc1-65c8d471c621" providerId="ADAL" clId="{8A4B0ED0-F44B-9E45-9C40-AF9BE57AB4D6}" dt="2021-10-22T13:19:05.082" v="1068"/>
+        <pc:sldMkLst>
+          <pc:docMk/>
+          <pc:sldMk cId="3718152399" sldId="310"/>
+        </pc:sldMkLst>
+      </pc:sldChg>
+      <pc:sldChg chg="modAnim">
+        <pc:chgData name="Long B Nguyen" userId="f59fb8f3-a021-417a-8bc1-65c8d471c621" providerId="ADAL" clId="{8A4B0ED0-F44B-9E45-9C40-AF9BE57AB4D6}" dt="2021-10-22T13:18:43.918" v="1066"/>
+        <pc:sldMkLst>
+          <pc:docMk/>
+          <pc:sldMk cId="725508398" sldId="327"/>
+        </pc:sldMkLst>
+      </pc:sldChg>
+      <pc:sldChg chg="modSp mod">
+        <pc:chgData name="Long B Nguyen" userId="f59fb8f3-a021-417a-8bc1-65c8d471c621" providerId="ADAL" clId="{8A4B0ED0-F44B-9E45-9C40-AF9BE57AB4D6}" dt="2021-10-22T12:54:14.911" v="354" actId="20577"/>
+        <pc:sldMkLst>
+          <pc:docMk/>
+          <pc:sldMk cId="121458461" sldId="332"/>
+        </pc:sldMkLst>
+        <pc:spChg chg="mod">
+          <ac:chgData name="Long B Nguyen" userId="f59fb8f3-a021-417a-8bc1-65c8d471c621" providerId="ADAL" clId="{8A4B0ED0-F44B-9E45-9C40-AF9BE57AB4D6}" dt="2021-10-22T12:54:14.911" v="354" actId="20577"/>
+          <ac:spMkLst>
+            <pc:docMk/>
+            <pc:sldMk cId="121458461" sldId="332"/>
+            <ac:spMk id="9" creationId="{E3B2E017-30B2-884B-A113-B419A2ED51AD}"/>
+          </ac:spMkLst>
+        </pc:spChg>
+      </pc:sldChg>
+      <pc:sldChg chg="modSp mod modAnim">
+        <pc:chgData name="Long B Nguyen" userId="f59fb8f3-a021-417a-8bc1-65c8d471c621" providerId="ADAL" clId="{8A4B0ED0-F44B-9E45-9C40-AF9BE57AB4D6}" dt="2021-10-22T12:56:20.310" v="451" actId="20577"/>
+        <pc:sldMkLst>
+          <pc:docMk/>
+          <pc:sldMk cId="2211977495" sldId="337"/>
+        </pc:sldMkLst>
+        <pc:spChg chg="mod">
+          <ac:chgData name="Long B Nguyen" userId="f59fb8f3-a021-417a-8bc1-65c8d471c621" providerId="ADAL" clId="{8A4B0ED0-F44B-9E45-9C40-AF9BE57AB4D6}" dt="2021-10-22T12:56:20.310" v="451" actId="20577"/>
+          <ac:spMkLst>
+            <pc:docMk/>
+            <pc:sldMk cId="2211977495" sldId="337"/>
+            <ac:spMk id="9" creationId="{E3B2E017-30B2-884B-A113-B419A2ED51AD}"/>
+          </ac:spMkLst>
+        </pc:spChg>
+      </pc:sldChg>
+      <pc:sldChg chg="addSp modSp mod modAnim">
+        <pc:chgData name="Long B Nguyen" userId="f59fb8f3-a021-417a-8bc1-65c8d471c621" providerId="ADAL" clId="{8A4B0ED0-F44B-9E45-9C40-AF9BE57AB4D6}" dt="2021-10-22T13:19:35.586" v="1078"/>
+        <pc:sldMkLst>
+          <pc:docMk/>
+          <pc:sldMk cId="3729583877" sldId="349"/>
+        </pc:sldMkLst>
+        <pc:spChg chg="add mod">
+          <ac:chgData name="Long B Nguyen" userId="f59fb8f3-a021-417a-8bc1-65c8d471c621" providerId="ADAL" clId="{8A4B0ED0-F44B-9E45-9C40-AF9BE57AB4D6}" dt="2021-10-22T12:48:29.611" v="78" actId="1076"/>
+          <ac:spMkLst>
+            <pc:docMk/>
+            <pc:sldMk cId="3729583877" sldId="349"/>
+            <ac:spMk id="3" creationId="{C77A5CB3-B148-5340-A0A6-33CA45A5ECF0}"/>
+          </ac:spMkLst>
+        </pc:spChg>
+        <pc:spChg chg="add mod">
+          <ac:chgData name="Long B Nguyen" userId="f59fb8f3-a021-417a-8bc1-65c8d471c621" providerId="ADAL" clId="{8A4B0ED0-F44B-9E45-9C40-AF9BE57AB4D6}" dt="2021-10-22T12:48:26.759" v="77" actId="1076"/>
+          <ac:spMkLst>
+            <pc:docMk/>
+            <pc:sldMk cId="3729583877" sldId="349"/>
+            <ac:spMk id="5" creationId="{2F3F9120-5C92-854C-9256-BD21C8AA9871}"/>
+          </ac:spMkLst>
+        </pc:spChg>
+        <pc:spChg chg="mod">
+          <ac:chgData name="Long B Nguyen" userId="f59fb8f3-a021-417a-8bc1-65c8d471c621" providerId="ADAL" clId="{8A4B0ED0-F44B-9E45-9C40-AF9BE57AB4D6}" dt="2021-10-22T12:47:29.842" v="29"/>
+          <ac:spMkLst>
+            <pc:docMk/>
+            <pc:sldMk cId="3729583877" sldId="349"/>
+            <ac:spMk id="9" creationId="{E3B2E017-30B2-884B-A113-B419A2ED51AD}"/>
+          </ac:spMkLst>
+        </pc:spChg>
+      </pc:sldChg>
+      <pc:sldChg chg="addSp delSp modSp mod">
+        <pc:chgData name="Long B Nguyen" userId="f59fb8f3-a021-417a-8bc1-65c8d471c621" providerId="ADAL" clId="{8A4B0ED0-F44B-9E45-9C40-AF9BE57AB4D6}" dt="2021-10-22T12:51:25.758" v="114" actId="1076"/>
+        <pc:sldMkLst>
+          <pc:docMk/>
+          <pc:sldMk cId="4017324179" sldId="351"/>
+        </pc:sldMkLst>
+        <pc:spChg chg="mod">
+          <ac:chgData name="Long B Nguyen" userId="f59fb8f3-a021-417a-8bc1-65c8d471c621" providerId="ADAL" clId="{8A4B0ED0-F44B-9E45-9C40-AF9BE57AB4D6}" dt="2021-10-22T12:51:25.758" v="114" actId="1076"/>
+          <ac:spMkLst>
+            <pc:docMk/>
+            <pc:sldMk cId="4017324179" sldId="351"/>
+            <ac:spMk id="3" creationId="{D153B6FA-682D-9E41-9C1C-7C6215883E2A}"/>
+          </ac:spMkLst>
+        </pc:spChg>
+        <pc:spChg chg="add del mod">
+          <ac:chgData name="Long B Nguyen" userId="f59fb8f3-a021-417a-8bc1-65c8d471c621" providerId="ADAL" clId="{8A4B0ED0-F44B-9E45-9C40-AF9BE57AB4D6}" dt="2021-10-22T12:51:02.875" v="111"/>
+          <ac:spMkLst>
+            <pc:docMk/>
+            <pc:sldMk cId="4017324179" sldId="351"/>
+            <ac:spMk id="5" creationId="{25928EEE-3AB1-0D4D-88D2-A7C3EF8B31A9}"/>
+          </ac:spMkLst>
+        </pc:spChg>
+        <pc:spChg chg="mod">
+          <ac:chgData name="Long B Nguyen" userId="f59fb8f3-a021-417a-8bc1-65c8d471c621" providerId="ADAL" clId="{8A4B0ED0-F44B-9E45-9C40-AF9BE57AB4D6}" dt="2021-10-22T12:51:08.365" v="113"/>
+          <ac:spMkLst>
+            <pc:docMk/>
+            <pc:sldMk cId="4017324179" sldId="351"/>
+            <ac:spMk id="9" creationId="{E3B2E017-30B2-884B-A113-B419A2ED51AD}"/>
+          </ac:spMkLst>
+        </pc:spChg>
+      </pc:sldChg>
+      <pc:sldChg chg="modSp">
+        <pc:chgData name="Long B Nguyen" userId="f59fb8f3-a021-417a-8bc1-65c8d471c621" providerId="ADAL" clId="{8A4B0ED0-F44B-9E45-9C40-AF9BE57AB4D6}" dt="2021-10-22T12:52:11.067" v="263" actId="20577"/>
+        <pc:sldMkLst>
+          <pc:docMk/>
+          <pc:sldMk cId="4281858866" sldId="352"/>
+        </pc:sldMkLst>
+        <pc:spChg chg="mod">
+          <ac:chgData name="Long B Nguyen" userId="f59fb8f3-a021-417a-8bc1-65c8d471c621" providerId="ADAL" clId="{8A4B0ED0-F44B-9E45-9C40-AF9BE57AB4D6}" dt="2021-10-22T12:52:11.067" v="263" actId="20577"/>
+          <ac:spMkLst>
+            <pc:docMk/>
+            <pc:sldMk cId="4281858866" sldId="352"/>
+            <ac:spMk id="9" creationId="{E3B2E017-30B2-884B-A113-B419A2ED51AD}"/>
+          </ac:spMkLst>
+        </pc:spChg>
+      </pc:sldChg>
+      <pc:sldChg chg="modSp mod modAnim">
+        <pc:chgData name="Long B Nguyen" userId="f59fb8f3-a021-417a-8bc1-65c8d471c621" providerId="ADAL" clId="{8A4B0ED0-F44B-9E45-9C40-AF9BE57AB4D6}" dt="2021-10-22T13:11:21.355" v="684" actId="20577"/>
+        <pc:sldMkLst>
+          <pc:docMk/>
+          <pc:sldMk cId="1702508325" sldId="355"/>
+        </pc:sldMkLst>
+        <pc:spChg chg="mod">
+          <ac:chgData name="Long B Nguyen" userId="f59fb8f3-a021-417a-8bc1-65c8d471c621" providerId="ADAL" clId="{8A4B0ED0-F44B-9E45-9C40-AF9BE57AB4D6}" dt="2021-10-22T13:11:21.355" v="684" actId="20577"/>
+          <ac:spMkLst>
+            <pc:docMk/>
+            <pc:sldMk cId="1702508325" sldId="355"/>
+            <ac:spMk id="2" creationId="{AA3A228F-61D0-D949-A5E7-F83756230BF8}"/>
+          </ac:spMkLst>
+        </pc:spChg>
+        <pc:spChg chg="mod">
+          <ac:chgData name="Long B Nguyen" userId="f59fb8f3-a021-417a-8bc1-65c8d471c621" providerId="ADAL" clId="{8A4B0ED0-F44B-9E45-9C40-AF9BE57AB4D6}" dt="2021-10-22T13:11:01.902" v="647" actId="20577"/>
+          <ac:spMkLst>
+            <pc:docMk/>
+            <pc:sldMk cId="1702508325" sldId="355"/>
+            <ac:spMk id="9" creationId="{E3B2E017-30B2-884B-A113-B419A2ED51AD}"/>
+          </ac:spMkLst>
+        </pc:spChg>
+      </pc:sldChg>
+      <pc:sldChg chg="add del">
+        <pc:chgData name="Long B Nguyen" userId="f59fb8f3-a021-417a-8bc1-65c8d471c621" providerId="ADAL" clId="{8A4B0ED0-F44B-9E45-9C40-AF9BE57AB4D6}" dt="2021-10-22T13:20:51.207" v="1079" actId="2696"/>
+        <pc:sldMkLst>
+          <pc:docMk/>
+          <pc:sldMk cId="3559104057" sldId="356"/>
+        </pc:sldMkLst>
+      </pc:sldChg>
+      <pc:sldChg chg="modSp add mod">
+        <pc:chgData name="Long B Nguyen" userId="f59fb8f3-a021-417a-8bc1-65c8d471c621" providerId="ADAL" clId="{8A4B0ED0-F44B-9E45-9C40-AF9BE57AB4D6}" dt="2021-10-22T13:11:16.524" v="666" actId="20577"/>
+        <pc:sldMkLst>
+          <pc:docMk/>
+          <pc:sldMk cId="172231082" sldId="357"/>
+        </pc:sldMkLst>
+        <pc:spChg chg="mod">
+          <ac:chgData name="Long B Nguyen" userId="f59fb8f3-a021-417a-8bc1-65c8d471c621" providerId="ADAL" clId="{8A4B0ED0-F44B-9E45-9C40-AF9BE57AB4D6}" dt="2021-10-22T13:11:16.524" v="666" actId="20577"/>
+          <ac:spMkLst>
+            <pc:docMk/>
+            <pc:sldMk cId="172231082" sldId="357"/>
+            <ac:spMk id="2" creationId="{AA3A228F-61D0-D949-A5E7-F83756230BF8}"/>
+          </ac:spMkLst>
+        </pc:spChg>
+      </pc:sldChg>
+      <pc:sldChg chg="modSp add del mod">
+        <pc:chgData name="Long B Nguyen" userId="f59fb8f3-a021-417a-8bc1-65c8d471c621" providerId="ADAL" clId="{8A4B0ED0-F44B-9E45-9C40-AF9BE57AB4D6}" dt="2021-10-22T13:11:09.919" v="648" actId="2696"/>
+        <pc:sldMkLst>
+          <pc:docMk/>
+          <pc:sldMk cId="2478956223" sldId="357"/>
+        </pc:sldMkLst>
+        <pc:spChg chg="mod">
+          <ac:chgData name="Long B Nguyen" userId="f59fb8f3-a021-417a-8bc1-65c8d471c621" providerId="ADAL" clId="{8A4B0ED0-F44B-9E45-9C40-AF9BE57AB4D6}" dt="2021-10-22T13:07:39.967" v="461" actId="20577"/>
+          <ac:spMkLst>
+            <pc:docMk/>
+            <pc:sldMk cId="2478956223" sldId="357"/>
+            <ac:spMk id="2" creationId="{AA3A228F-61D0-D949-A5E7-F83756230BF8}"/>
+          </ac:spMkLst>
+        </pc:spChg>
+      </pc:sldChg>
+      <pc:sldChg chg="modSp add mod modAnim">
+        <pc:chgData name="Long B Nguyen" userId="f59fb8f3-a021-417a-8bc1-65c8d471c621" providerId="ADAL" clId="{8A4B0ED0-F44B-9E45-9C40-AF9BE57AB4D6}" dt="2021-10-22T13:16:43.418" v="1056" actId="207"/>
+        <pc:sldMkLst>
+          <pc:docMk/>
+          <pc:sldMk cId="1293658452" sldId="358"/>
+        </pc:sldMkLst>
+        <pc:spChg chg="mod">
+          <ac:chgData name="Long B Nguyen" userId="f59fb8f3-a021-417a-8bc1-65c8d471c621" providerId="ADAL" clId="{8A4B0ED0-F44B-9E45-9C40-AF9BE57AB4D6}" dt="2021-10-22T13:16:43.418" v="1056" actId="207"/>
+          <ac:spMkLst>
+            <pc:docMk/>
+            <pc:sldMk cId="1293658452" sldId="358"/>
+            <ac:spMk id="2" creationId="{AA3A228F-61D0-D949-A5E7-F83756230BF8}"/>
+          </ac:spMkLst>
+        </pc:spChg>
+        <pc:spChg chg="mod">
+          <ac:chgData name="Long B Nguyen" userId="f59fb8f3-a021-417a-8bc1-65c8d471c621" providerId="ADAL" clId="{8A4B0ED0-F44B-9E45-9C40-AF9BE57AB4D6}" dt="2021-10-22T13:16:22.266" v="1055" actId="20577"/>
+          <ac:spMkLst>
+            <pc:docMk/>
+            <pc:sldMk cId="1293658452" sldId="358"/>
+            <ac:spMk id="9" creationId="{E3B2E017-30B2-884B-A113-B419A2ED51AD}"/>
+          </ac:spMkLst>
+        </pc:spChg>
+      </pc:sldChg>
+    </pc:docChg>
+  </pc:docChgLst>
 </pc:chgInfo>
 </file>
 
@@ -2661,7 +2897,7 @@
           <a:p>
             <a:fld id="{4AAD347D-5ACD-4C99-B74B-A9C85AD731AF}" type="datetimeFigureOut">
               <a:rPr lang="en-US" smtClean="0"/>
-              <a:t>6/5/21</a:t>
+              <a:t>10/22/21</a:t>
             </a:fld>
             <a:endParaRPr lang="en-US" dirty="0"/>
           </a:p>
@@ -2831,7 +3067,7 @@
           <a:p>
             <a:fld id="{4509A250-FF31-4206-8172-F9D3106AACB1}" type="datetimeFigureOut">
               <a:rPr lang="en-US" smtClean="0"/>
-              <a:t>6/5/21</a:t>
+              <a:t>10/22/21</a:t>
             </a:fld>
             <a:endParaRPr lang="en-US" dirty="0"/>
           </a:p>
@@ -3011,7 +3247,7 @@
           <a:p>
             <a:fld id="{4509A250-FF31-4206-8172-F9D3106AACB1}" type="datetimeFigureOut">
               <a:rPr lang="en-US" smtClean="0"/>
-              <a:t>6/5/21</a:t>
+              <a:t>10/22/21</a:t>
             </a:fld>
             <a:endParaRPr lang="en-US" dirty="0"/>
           </a:p>
@@ -3181,7 +3417,7 @@
           <a:p>
             <a:fld id="{4509A250-FF31-4206-8172-F9D3106AACB1}" type="datetimeFigureOut">
               <a:rPr lang="en-US" smtClean="0"/>
-              <a:t>6/5/21</a:t>
+              <a:t>10/22/21</a:t>
             </a:fld>
             <a:endParaRPr lang="en-US" dirty="0"/>
           </a:p>
@@ -3427,7 +3663,7 @@
           <a:p>
             <a:fld id="{9796027F-7875-4030-9381-8BD8C4F21935}" type="datetimeFigureOut">
               <a:rPr lang="en-US" smtClean="0"/>
-              <a:t>6/5/21</a:t>
+              <a:t>10/22/21</a:t>
             </a:fld>
             <a:endParaRPr lang="en-US" dirty="0"/>
           </a:p>
@@ -3659,7 +3895,7 @@
           <a:p>
             <a:fld id="{9796027F-7875-4030-9381-8BD8C4F21935}" type="datetimeFigureOut">
               <a:rPr lang="en-US" smtClean="0"/>
-              <a:t>6/5/21</a:t>
+              <a:t>10/22/21</a:t>
             </a:fld>
             <a:endParaRPr lang="en-US" dirty="0"/>
           </a:p>
@@ -4026,7 +4262,7 @@
           <a:p>
             <a:fld id="{9796027F-7875-4030-9381-8BD8C4F21935}" type="datetimeFigureOut">
               <a:rPr lang="en-US" smtClean="0"/>
-              <a:t>6/5/21</a:t>
+              <a:t>10/22/21</a:t>
             </a:fld>
             <a:endParaRPr lang="en-US" dirty="0"/>
           </a:p>
@@ -4144,7 +4380,7 @@
           <a:p>
             <a:fld id="{4509A250-FF31-4206-8172-F9D3106AACB1}" type="datetimeFigureOut">
               <a:rPr lang="en-US" smtClean="0"/>
-              <a:t>6/5/21</a:t>
+              <a:t>10/22/21</a:t>
             </a:fld>
             <a:endParaRPr lang="en-US" dirty="0"/>
           </a:p>
@@ -4239,7 +4475,7 @@
           <a:p>
             <a:fld id="{4509A250-FF31-4206-8172-F9D3106AACB1}" type="datetimeFigureOut">
               <a:rPr lang="en-US" smtClean="0"/>
-              <a:t>6/5/21</a:t>
+              <a:t>10/22/21</a:t>
             </a:fld>
             <a:endParaRPr lang="en-US" dirty="0"/>
           </a:p>
@@ -4516,7 +4752,7 @@
           <a:p>
             <a:fld id="{4509A250-FF31-4206-8172-F9D3106AACB1}" type="datetimeFigureOut">
               <a:rPr lang="en-US" smtClean="0"/>
-              <a:t>6/5/21</a:t>
+              <a:t>10/22/21</a:t>
             </a:fld>
             <a:endParaRPr lang="en-US" dirty="0"/>
           </a:p>
@@ -4773,7 +5009,7 @@
           <a:p>
             <a:fld id="{4509A250-FF31-4206-8172-F9D3106AACB1}" type="datetimeFigureOut">
               <a:rPr lang="en-US" smtClean="0"/>
-              <a:t>6/5/21</a:t>
+              <a:t>10/22/21</a:t>
             </a:fld>
             <a:endParaRPr lang="en-US" dirty="0"/>
           </a:p>
@@ -4986,7 +5222,7 @@
           <a:p>
             <a:fld id="{4AAD347D-5ACD-4C99-B74B-A9C85AD731AF}" type="datetimeFigureOut">
               <a:rPr lang="en-US" smtClean="0"/>
-              <a:t>6/5/21</a:t>
+              <a:t>10/22/21</a:t>
             </a:fld>
             <a:endParaRPr lang="en-US" dirty="0"/>
           </a:p>
@@ -7023,7 +7259,7 @@
     </p:spTree>
     <p:extLst>
       <p:ext uri="{BB962C8B-B14F-4D97-AF65-F5344CB8AC3E}">
-        <p14:creationId xmlns:p14="http://schemas.microsoft.com/office/powerpoint/2010/main" val="1702508325"/>
+        <p14:creationId xmlns:p14="http://schemas.microsoft.com/office/powerpoint/2010/main" val="172231082"/>
       </p:ext>
     </p:extLst>
   </p:cSld>
@@ -7539,6 +7775,1639 @@
         </p:nvSpPr>
         <p:spPr>
           <a:xfrm>
+            <a:off x="144483" y="134008"/>
+            <a:ext cx="7053542" cy="683886"/>
+          </a:xfrm>
+        </p:spPr>
+        <p:txBody>
+          <a:bodyPr/>
+          <a:lstStyle/>
+          <a:p>
+            <a:r>
+              <a:rPr lang="en-US" dirty="0"/>
+              <a:t>Creating a list</a:t>
+            </a:r>
+          </a:p>
+        </p:txBody>
+      </p:sp>
+      <p:sp>
+        <p:nvSpPr>
+          <p:cNvPr id="9" name="Content Placeholder 8">
+            <a:extLst>
+              <a:ext uri="{FF2B5EF4-FFF2-40B4-BE49-F238E27FC236}">
+                <a16:creationId xmlns:a16="http://schemas.microsoft.com/office/drawing/2014/main" id="{E3B2E017-30B2-884B-A113-B419A2ED51AD}"/>
+              </a:ext>
+            </a:extLst>
+          </p:cNvPr>
+          <p:cNvSpPr>
+            <a:spLocks noGrp="1"/>
+          </p:cNvSpPr>
+          <p:nvPr>
+            <p:ph idx="1"/>
+          </p:nvPr>
+        </p:nvSpPr>
+        <p:spPr>
+          <a:xfrm>
+            <a:off x="144483" y="748223"/>
+            <a:ext cx="8999517" cy="4897105"/>
+          </a:xfrm>
+        </p:spPr>
+        <p:txBody>
+          <a:bodyPr>
+            <a:normAutofit/>
+          </a:bodyPr>
+          <a:lstStyle/>
+          <a:p>
+            <a:pPr marL="0" indent="0">
+              <a:buNone/>
+            </a:pPr>
+            <a:r>
+              <a:rPr lang="en-US" dirty="0"/>
+              <a:t>If you want to create a list containing the first five perfect squares, then you can complete these steps in three lines of code:</a:t>
+            </a:r>
+          </a:p>
+          <a:p>
+            <a:pPr marL="0" indent="0">
+              <a:buNone/>
+            </a:pPr>
+            <a:endParaRPr lang="en-US" b="1" dirty="0">
+              <a:solidFill>
+                <a:srgbClr val="34A327"/>
+              </a:solidFill>
+              <a:latin typeface="Inconsolata" panose="020B0609030003000000" pitchFamily="49" charset="77"/>
+            </a:endParaRPr>
+          </a:p>
+          <a:p>
+            <a:pPr marL="0" indent="0">
+              <a:buNone/>
+            </a:pPr>
+            <a:r>
+              <a:rPr lang="en-US" b="1" dirty="0">
+                <a:solidFill>
+                  <a:srgbClr val="000087"/>
+                </a:solidFill>
+                <a:latin typeface="INCONSOLATA" panose="020B0609030003000000" pitchFamily="49" charset="77"/>
+              </a:rPr>
+              <a:t>squares </a:t>
+            </a:r>
+            <a:r>
+              <a:rPr lang="en-US" b="1" dirty="0">
+                <a:solidFill>
+                  <a:srgbClr val="545454"/>
+                </a:solidFill>
+                <a:latin typeface="INCONSOLATA" panose="020B0609030003000000" pitchFamily="49" charset="77"/>
+              </a:rPr>
+              <a:t>= </a:t>
+            </a:r>
+            <a:r>
+              <a:rPr lang="en-US" b="1" dirty="0">
+                <a:latin typeface="INCONSOLATA" panose="020B0609030003000000" pitchFamily="49" charset="77"/>
+              </a:rPr>
+              <a:t>[]		</a:t>
+            </a:r>
+            <a:r>
+              <a:rPr lang="en-US" b="1" dirty="0">
+                <a:solidFill>
+                  <a:schemeClr val="accent5"/>
+                </a:solidFill>
+                <a:latin typeface="INCONSOLATA" panose="020B0609030003000000" pitchFamily="49" charset="77"/>
+              </a:rPr>
+              <a:t># create empty list</a:t>
+            </a:r>
+          </a:p>
+          <a:p>
+            <a:pPr marL="0" indent="0">
+              <a:buNone/>
+            </a:pPr>
+            <a:r>
+              <a:rPr lang="en-US" b="1" dirty="0">
+                <a:latin typeface="INCONSOLATA" panose="020B0609030003000000" pitchFamily="49" charset="77"/>
+              </a:rPr>
+              <a:t>for </a:t>
+            </a:r>
+            <a:r>
+              <a:rPr lang="en-US" b="1" dirty="0" err="1">
+                <a:latin typeface="INCONSOLATA" panose="020B0609030003000000" pitchFamily="49" charset="77"/>
+              </a:rPr>
+              <a:t>i</a:t>
+            </a:r>
+            <a:r>
+              <a:rPr lang="en-US" b="1" dirty="0">
+                <a:latin typeface="INCONSOLATA" panose="020B0609030003000000" pitchFamily="49" charset="77"/>
+              </a:rPr>
+              <a:t> in range(5):</a:t>
+            </a:r>
+          </a:p>
+          <a:p>
+            <a:pPr marL="0" indent="0">
+              <a:buNone/>
+            </a:pPr>
+            <a:r>
+              <a:rPr lang="en-US" b="1" dirty="0">
+                <a:latin typeface="INCONSOLATA" panose="020B0609030003000000" pitchFamily="49" charset="77"/>
+              </a:rPr>
+              <a:t>	</a:t>
+            </a:r>
+            <a:r>
+              <a:rPr lang="en-US" b="1" dirty="0" err="1">
+                <a:solidFill>
+                  <a:srgbClr val="000087"/>
+                </a:solidFill>
+                <a:latin typeface="INCONSOLATA" panose="020B0609030003000000" pitchFamily="49" charset="77"/>
+              </a:rPr>
+              <a:t>squares</a:t>
+            </a:r>
+            <a:r>
+              <a:rPr lang="en-US" b="1" dirty="0" err="1">
+                <a:latin typeface="INCONSOLATA" panose="020B0609030003000000" pitchFamily="49" charset="77"/>
+              </a:rPr>
+              <a:t>.append</a:t>
+            </a:r>
+            <a:r>
+              <a:rPr lang="en-US" b="1" dirty="0">
+                <a:latin typeface="INCONSOLATA" panose="020B0609030003000000" pitchFamily="49" charset="77"/>
+              </a:rPr>
+              <a:t>(</a:t>
+            </a:r>
+            <a:r>
+              <a:rPr lang="en-US" b="1" dirty="0" err="1">
+                <a:latin typeface="INCONSOLATA" panose="020B0609030003000000" pitchFamily="49" charset="77"/>
+              </a:rPr>
+              <a:t>i</a:t>
+            </a:r>
+            <a:r>
+              <a:rPr lang="en-US" b="1" dirty="0">
+                <a:latin typeface="INCONSOLATA" panose="020B0609030003000000" pitchFamily="49" charset="77"/>
+              </a:rPr>
+              <a:t> ** 2)	</a:t>
+            </a:r>
+            <a:r>
+              <a:rPr lang="en-US" b="1" dirty="0">
+                <a:solidFill>
+                  <a:schemeClr val="accent5"/>
+                </a:solidFill>
+                <a:latin typeface="INCONSOLATA" panose="020B0609030003000000" pitchFamily="49" charset="77"/>
+              </a:rPr>
+              <a:t># add each square to list</a:t>
+            </a:r>
+            <a:endParaRPr lang="en-US" b="1" dirty="0">
+              <a:latin typeface="INCONSOLATA" panose="020B0609030003000000" pitchFamily="49" charset="77"/>
+            </a:endParaRPr>
+          </a:p>
+          <a:p>
+            <a:pPr marL="0" indent="0">
+              <a:buNone/>
+            </a:pPr>
+            <a:r>
+              <a:rPr lang="en-US" b="1" dirty="0">
+                <a:latin typeface="INCONSOLATA" panose="020B0609030003000000" pitchFamily="49" charset="77"/>
+              </a:rPr>
+              <a:t>print(squares)</a:t>
+            </a:r>
+          </a:p>
+          <a:p>
+            <a:pPr marL="0" indent="0">
+              <a:buNone/>
+            </a:pPr>
+            <a:endParaRPr lang="en-US" b="1" dirty="0">
+              <a:latin typeface="INCONSOLATA" panose="020B0609030003000000" pitchFamily="49" charset="77"/>
+            </a:endParaRPr>
+          </a:p>
+          <a:p>
+            <a:pPr marL="0" indent="0">
+              <a:buNone/>
+            </a:pPr>
+            <a:r>
+              <a:rPr lang="en-US" b="1" dirty="0">
+                <a:latin typeface="INCONSOLATA" panose="020B0609030003000000" pitchFamily="49" charset="77"/>
+              </a:rPr>
+              <a:t>Output:</a:t>
+            </a:r>
+          </a:p>
+          <a:p>
+            <a:pPr marL="0" indent="0">
+              <a:buNone/>
+            </a:pPr>
+            <a:r>
+              <a:rPr lang="en-US" b="1" dirty="0">
+                <a:latin typeface="INCONSOLATA" panose="020B0609030003000000" pitchFamily="49" charset="77"/>
+              </a:rPr>
+              <a:t>[0, 1, 4, 9, 16]</a:t>
+            </a:r>
+          </a:p>
+          <a:p>
+            <a:pPr marL="0" indent="0">
+              <a:buNone/>
+            </a:pPr>
+            <a:endParaRPr lang="en-US" b="1" dirty="0">
+              <a:latin typeface="INCONSOLATA" panose="020B0609030003000000" pitchFamily="49" charset="77"/>
+            </a:endParaRPr>
+          </a:p>
+          <a:p>
+            <a:pPr marL="0" indent="0">
+              <a:buNone/>
+            </a:pPr>
+            <a:endParaRPr lang="en-US" b="1" dirty="0">
+              <a:latin typeface="INCONSOLATA" panose="020B0609030003000000" pitchFamily="49" charset="77"/>
+            </a:endParaRPr>
+          </a:p>
+          <a:p>
+            <a:pPr marL="0" indent="0">
+              <a:buNone/>
+            </a:pPr>
+            <a:endParaRPr lang="en-US" b="1" dirty="0">
+              <a:latin typeface="Inconsolata" panose="020B0609030003000000" pitchFamily="49" charset="77"/>
+            </a:endParaRPr>
+          </a:p>
+          <a:p>
+            <a:pPr marL="0" indent="0">
+              <a:buNone/>
+            </a:pPr>
+            <a:r>
+              <a:rPr lang="en-US" dirty="0">
+                <a:latin typeface="Gill Sans MT" panose="020B0502020104020203" pitchFamily="34" charset="77"/>
+              </a:rPr>
+              <a:t>	</a:t>
+            </a:r>
+          </a:p>
+        </p:txBody>
+      </p:sp>
+    </p:spTree>
+    <p:extLst>
+      <p:ext uri="{BB962C8B-B14F-4D97-AF65-F5344CB8AC3E}">
+        <p14:creationId xmlns:p14="http://schemas.microsoft.com/office/powerpoint/2010/main" val="1702508325"/>
+      </p:ext>
+    </p:extLst>
+  </p:cSld>
+  <p:clrMapOvr>
+    <a:masterClrMapping/>
+  </p:clrMapOvr>
+  <p:timing>
+    <p:tnLst>
+      <p:par>
+        <p:cTn id="1" dur="indefinite" restart="never" nodeType="tmRoot">
+          <p:childTnLst>
+            <p:seq concurrent="1" nextAc="seek">
+              <p:cTn id="2" dur="indefinite" nodeType="mainSeq">
+                <p:childTnLst>
+                  <p:par>
+                    <p:cTn id="3" fill="hold">
+                      <p:stCondLst>
+                        <p:cond delay="indefinite"/>
+                      </p:stCondLst>
+                      <p:childTnLst>
+                        <p:par>
+                          <p:cTn id="4" fill="hold">
+                            <p:stCondLst>
+                              <p:cond delay="0"/>
+                            </p:stCondLst>
+                            <p:childTnLst>
+                              <p:par>
+                                <p:cTn id="5" presetID="1" presetClass="entr" presetSubtype="0" fill="hold" nodeType="clickEffect">
+                                  <p:stCondLst>
+                                    <p:cond delay="0"/>
+                                  </p:stCondLst>
+                                  <p:childTnLst>
+                                    <p:set>
+                                      <p:cBhvr>
+                                        <p:cTn id="6" dur="1" fill="hold">
+                                          <p:stCondLst>
+                                            <p:cond delay="0"/>
+                                          </p:stCondLst>
+                                        </p:cTn>
+                                        <p:tgtEl>
+                                          <p:spTgt spid="9">
+                                            <p:txEl>
+                                              <p:pRg st="2" end="2"/>
+                                            </p:txEl>
+                                          </p:spTgt>
+                                        </p:tgtEl>
+                                        <p:attrNameLst>
+                                          <p:attrName>style.visibility</p:attrName>
+                                        </p:attrNameLst>
+                                      </p:cBhvr>
+                                      <p:to>
+                                        <p:strVal val="visible"/>
+                                      </p:to>
+                                    </p:set>
+                                  </p:childTnLst>
+                                </p:cTn>
+                              </p:par>
+                            </p:childTnLst>
+                          </p:cTn>
+                        </p:par>
+                      </p:childTnLst>
+                    </p:cTn>
+                  </p:par>
+                  <p:par>
+                    <p:cTn id="7" fill="hold">
+                      <p:stCondLst>
+                        <p:cond delay="indefinite"/>
+                      </p:stCondLst>
+                      <p:childTnLst>
+                        <p:par>
+                          <p:cTn id="8" fill="hold">
+                            <p:stCondLst>
+                              <p:cond delay="0"/>
+                            </p:stCondLst>
+                            <p:childTnLst>
+                              <p:par>
+                                <p:cTn id="9" presetID="1" presetClass="entr" presetSubtype="0" fill="hold" nodeType="clickEffect">
+                                  <p:stCondLst>
+                                    <p:cond delay="0"/>
+                                  </p:stCondLst>
+                                  <p:childTnLst>
+                                    <p:set>
+                                      <p:cBhvr>
+                                        <p:cTn id="10" dur="1" fill="hold">
+                                          <p:stCondLst>
+                                            <p:cond delay="0"/>
+                                          </p:stCondLst>
+                                        </p:cTn>
+                                        <p:tgtEl>
+                                          <p:spTgt spid="9">
+                                            <p:txEl>
+                                              <p:pRg st="3" end="3"/>
+                                            </p:txEl>
+                                          </p:spTgt>
+                                        </p:tgtEl>
+                                        <p:attrNameLst>
+                                          <p:attrName>style.visibility</p:attrName>
+                                        </p:attrNameLst>
+                                      </p:cBhvr>
+                                      <p:to>
+                                        <p:strVal val="visible"/>
+                                      </p:to>
+                                    </p:set>
+                                  </p:childTnLst>
+                                </p:cTn>
+                              </p:par>
+                            </p:childTnLst>
+                          </p:cTn>
+                        </p:par>
+                      </p:childTnLst>
+                    </p:cTn>
+                  </p:par>
+                  <p:par>
+                    <p:cTn id="11" fill="hold">
+                      <p:stCondLst>
+                        <p:cond delay="indefinite"/>
+                      </p:stCondLst>
+                      <p:childTnLst>
+                        <p:par>
+                          <p:cTn id="12" fill="hold">
+                            <p:stCondLst>
+                              <p:cond delay="0"/>
+                            </p:stCondLst>
+                            <p:childTnLst>
+                              <p:par>
+                                <p:cTn id="13" presetID="1" presetClass="entr" presetSubtype="0" fill="hold" nodeType="clickEffect">
+                                  <p:stCondLst>
+                                    <p:cond delay="0"/>
+                                  </p:stCondLst>
+                                  <p:childTnLst>
+                                    <p:set>
+                                      <p:cBhvr>
+                                        <p:cTn id="14" dur="1" fill="hold">
+                                          <p:stCondLst>
+                                            <p:cond delay="0"/>
+                                          </p:stCondLst>
+                                        </p:cTn>
+                                        <p:tgtEl>
+                                          <p:spTgt spid="9">
+                                            <p:txEl>
+                                              <p:pRg st="4" end="4"/>
+                                            </p:txEl>
+                                          </p:spTgt>
+                                        </p:tgtEl>
+                                        <p:attrNameLst>
+                                          <p:attrName>style.visibility</p:attrName>
+                                        </p:attrNameLst>
+                                      </p:cBhvr>
+                                      <p:to>
+                                        <p:strVal val="visible"/>
+                                      </p:to>
+                                    </p:set>
+                                  </p:childTnLst>
+                                </p:cTn>
+                              </p:par>
+                            </p:childTnLst>
+                          </p:cTn>
+                        </p:par>
+                      </p:childTnLst>
+                    </p:cTn>
+                  </p:par>
+                  <p:par>
+                    <p:cTn id="15" fill="hold">
+                      <p:stCondLst>
+                        <p:cond delay="indefinite"/>
+                      </p:stCondLst>
+                      <p:childTnLst>
+                        <p:par>
+                          <p:cTn id="16" fill="hold">
+                            <p:stCondLst>
+                              <p:cond delay="0"/>
+                            </p:stCondLst>
+                            <p:childTnLst>
+                              <p:par>
+                                <p:cTn id="17" presetID="1" presetClass="entr" presetSubtype="0" fill="hold" nodeType="clickEffect">
+                                  <p:stCondLst>
+                                    <p:cond delay="0"/>
+                                  </p:stCondLst>
+                                  <p:childTnLst>
+                                    <p:set>
+                                      <p:cBhvr>
+                                        <p:cTn id="18" dur="1" fill="hold">
+                                          <p:stCondLst>
+                                            <p:cond delay="0"/>
+                                          </p:stCondLst>
+                                        </p:cTn>
+                                        <p:tgtEl>
+                                          <p:spTgt spid="9">
+                                            <p:txEl>
+                                              <p:pRg st="5" end="5"/>
+                                            </p:txEl>
+                                          </p:spTgt>
+                                        </p:tgtEl>
+                                        <p:attrNameLst>
+                                          <p:attrName>style.visibility</p:attrName>
+                                        </p:attrNameLst>
+                                      </p:cBhvr>
+                                      <p:to>
+                                        <p:strVal val="visible"/>
+                                      </p:to>
+                                    </p:set>
+                                  </p:childTnLst>
+                                </p:cTn>
+                              </p:par>
+                            </p:childTnLst>
+                          </p:cTn>
+                        </p:par>
+                      </p:childTnLst>
+                    </p:cTn>
+                  </p:par>
+                  <p:par>
+                    <p:cTn id="19" fill="hold">
+                      <p:stCondLst>
+                        <p:cond delay="indefinite"/>
+                      </p:stCondLst>
+                      <p:childTnLst>
+                        <p:par>
+                          <p:cTn id="20" fill="hold">
+                            <p:stCondLst>
+                              <p:cond delay="0"/>
+                            </p:stCondLst>
+                            <p:childTnLst>
+                              <p:par>
+                                <p:cTn id="21" presetID="1" presetClass="entr" presetSubtype="0" fill="hold" nodeType="clickEffect">
+                                  <p:stCondLst>
+                                    <p:cond delay="0"/>
+                                  </p:stCondLst>
+                                  <p:childTnLst>
+                                    <p:set>
+                                      <p:cBhvr>
+                                        <p:cTn id="22" dur="1" fill="hold">
+                                          <p:stCondLst>
+                                            <p:cond delay="0"/>
+                                          </p:stCondLst>
+                                        </p:cTn>
+                                        <p:tgtEl>
+                                          <p:spTgt spid="9">
+                                            <p:txEl>
+                                              <p:pRg st="7" end="7"/>
+                                            </p:txEl>
+                                          </p:spTgt>
+                                        </p:tgtEl>
+                                        <p:attrNameLst>
+                                          <p:attrName>style.visibility</p:attrName>
+                                        </p:attrNameLst>
+                                      </p:cBhvr>
+                                      <p:to>
+                                        <p:strVal val="visible"/>
+                                      </p:to>
+                                    </p:set>
+                                  </p:childTnLst>
+                                </p:cTn>
+                              </p:par>
+                            </p:childTnLst>
+                          </p:cTn>
+                        </p:par>
+                      </p:childTnLst>
+                    </p:cTn>
+                  </p:par>
+                  <p:par>
+                    <p:cTn id="23" fill="hold">
+                      <p:stCondLst>
+                        <p:cond delay="indefinite"/>
+                      </p:stCondLst>
+                      <p:childTnLst>
+                        <p:par>
+                          <p:cTn id="24" fill="hold">
+                            <p:stCondLst>
+                              <p:cond delay="0"/>
+                            </p:stCondLst>
+                            <p:childTnLst>
+                              <p:par>
+                                <p:cTn id="25" presetID="1" presetClass="entr" presetSubtype="0" fill="hold" nodeType="clickEffect">
+                                  <p:stCondLst>
+                                    <p:cond delay="0"/>
+                                  </p:stCondLst>
+                                  <p:childTnLst>
+                                    <p:set>
+                                      <p:cBhvr>
+                                        <p:cTn id="26" dur="1" fill="hold">
+                                          <p:stCondLst>
+                                            <p:cond delay="0"/>
+                                          </p:stCondLst>
+                                        </p:cTn>
+                                        <p:tgtEl>
+                                          <p:spTgt spid="9">
+                                            <p:txEl>
+                                              <p:pRg st="8" end="8"/>
+                                            </p:txEl>
+                                          </p:spTgt>
+                                        </p:tgtEl>
+                                        <p:attrNameLst>
+                                          <p:attrName>style.visibility</p:attrName>
+                                        </p:attrNameLst>
+                                      </p:cBhvr>
+                                      <p:to>
+                                        <p:strVal val="visible"/>
+                                      </p:to>
+                                    </p:set>
+                                  </p:childTnLst>
+                                </p:cTn>
+                              </p:par>
+                            </p:childTnLst>
+                          </p:cTn>
+                        </p:par>
+                      </p:childTnLst>
+                    </p:cTn>
+                  </p:par>
+                  <p:par>
+                    <p:cTn id="27" fill="hold">
+                      <p:stCondLst>
+                        <p:cond delay="indefinite"/>
+                      </p:stCondLst>
+                      <p:childTnLst>
+                        <p:par>
+                          <p:cTn id="28" fill="hold">
+                            <p:stCondLst>
+                              <p:cond delay="0"/>
+                            </p:stCondLst>
+                            <p:childTnLst>
+                              <p:par>
+                                <p:cTn id="29" presetID="1" presetClass="entr" presetSubtype="0" fill="hold" nodeType="clickEffect">
+                                  <p:stCondLst>
+                                    <p:cond delay="0"/>
+                                  </p:stCondLst>
+                                  <p:childTnLst>
+                                    <p:set>
+                                      <p:cBhvr>
+                                        <p:cTn id="30" dur="1" fill="hold">
+                                          <p:stCondLst>
+                                            <p:cond delay="0"/>
+                                          </p:stCondLst>
+                                        </p:cTn>
+                                        <p:tgtEl>
+                                          <p:spTgt spid="9">
+                                            <p:txEl>
+                                              <p:pRg st="12" end="12"/>
+                                            </p:txEl>
+                                          </p:spTgt>
+                                        </p:tgtEl>
+                                        <p:attrNameLst>
+                                          <p:attrName>style.visibility</p:attrName>
+                                        </p:attrNameLst>
+                                      </p:cBhvr>
+                                      <p:to>
+                                        <p:strVal val="visible"/>
+                                      </p:to>
+                                    </p:set>
+                                  </p:childTnLst>
+                                </p:cTn>
+                              </p:par>
+                            </p:childTnLst>
+                          </p:cTn>
+                        </p:par>
+                      </p:childTnLst>
+                    </p:cTn>
+                  </p:par>
+                </p:childTnLst>
+              </p:cTn>
+              <p:prevCondLst>
+                <p:cond evt="onPrev" delay="0">
+                  <p:tgtEl>
+                    <p:sldTgt/>
+                  </p:tgtEl>
+                </p:cond>
+              </p:prevCondLst>
+              <p:nextCondLst>
+                <p:cond evt="onNext" delay="0">
+                  <p:tgtEl>
+                    <p:sldTgt/>
+                  </p:tgtEl>
+                </p:cond>
+              </p:nextCondLst>
+            </p:seq>
+          </p:childTnLst>
+        </p:cTn>
+      </p:par>
+    </p:tnLst>
+  </p:timing>
+</p:sld>
+</file>
+
+<file path=ppt/slides/slide13.xml><?xml version="1.0" encoding="utf-8"?>
+<p:sld xmlns:a="http://schemas.openxmlformats.org/drawingml/2006/main" xmlns:r="http://schemas.openxmlformats.org/officeDocument/2006/relationships" xmlns:p="http://schemas.openxmlformats.org/presentationml/2006/main">
+  <p:cSld>
+    <p:spTree>
+      <p:nvGrpSpPr>
+        <p:cNvPr id="1" name=""/>
+        <p:cNvGrpSpPr/>
+        <p:nvPr/>
+      </p:nvGrpSpPr>
+      <p:grpSpPr>
+        <a:xfrm>
+          <a:off x="0" y="0"/>
+          <a:ext cx="0" cy="0"/>
+          <a:chOff x="0" y="0"/>
+          <a:chExt cx="0" cy="0"/>
+        </a:xfrm>
+      </p:grpSpPr>
+      <p:sp>
+        <p:nvSpPr>
+          <p:cNvPr id="2" name="Title 1">
+            <a:extLst>
+              <a:ext uri="{FF2B5EF4-FFF2-40B4-BE49-F238E27FC236}">
+                <a16:creationId xmlns:a16="http://schemas.microsoft.com/office/drawing/2014/main" id="{AA3A228F-61D0-D949-A5E7-F83756230BF8}"/>
+              </a:ext>
+            </a:extLst>
+          </p:cNvPr>
+          <p:cNvSpPr>
+            <a:spLocks noGrp="1"/>
+          </p:cNvSpPr>
+          <p:nvPr>
+            <p:ph type="title"/>
+          </p:nvPr>
+        </p:nvSpPr>
+        <p:spPr>
+          <a:xfrm>
+            <a:off x="144482" y="134008"/>
+            <a:ext cx="8491517" cy="719432"/>
+          </a:xfrm>
+        </p:spPr>
+        <p:txBody>
+          <a:bodyPr/>
+          <a:lstStyle/>
+          <a:p>
+            <a:r>
+              <a:rPr lang="en-US" dirty="0"/>
+              <a:t>Creating a list with list comprehension(</a:t>
+            </a:r>
+            <a:r>
+              <a:rPr lang="en-US" dirty="0">
+                <a:solidFill>
+                  <a:srgbClr val="FF0000"/>
+                </a:solidFill>
+              </a:rPr>
+              <a:t>optional</a:t>
+            </a:r>
+            <a:r>
+              <a:rPr lang="en-US" dirty="0"/>
+              <a:t>)</a:t>
+            </a:r>
+          </a:p>
+        </p:txBody>
+      </p:sp>
+      <p:sp>
+        <p:nvSpPr>
+          <p:cNvPr id="9" name="Content Placeholder 8">
+            <a:extLst>
+              <a:ext uri="{FF2B5EF4-FFF2-40B4-BE49-F238E27FC236}">
+                <a16:creationId xmlns:a16="http://schemas.microsoft.com/office/drawing/2014/main" id="{E3B2E017-30B2-884B-A113-B419A2ED51AD}"/>
+              </a:ext>
+            </a:extLst>
+          </p:cNvPr>
+          <p:cNvSpPr>
+            <a:spLocks noGrp="1"/>
+          </p:cNvSpPr>
+          <p:nvPr>
+            <p:ph idx="1"/>
+          </p:nvPr>
+        </p:nvSpPr>
+        <p:spPr>
+          <a:xfrm>
+            <a:off x="144483" y="748223"/>
+            <a:ext cx="8999517" cy="4897105"/>
+          </a:xfrm>
+        </p:spPr>
+        <p:txBody>
+          <a:bodyPr>
+            <a:normAutofit/>
+          </a:bodyPr>
+          <a:lstStyle/>
+          <a:p>
+            <a:pPr marL="0" indent="0">
+              <a:buNone/>
+            </a:pPr>
+            <a:r>
+              <a:rPr lang="en-US" dirty="0"/>
+              <a:t>List comprehensions is a way to create a list in Python that is concise and elegant. </a:t>
+            </a:r>
+            <a:endParaRPr lang="en-US" b="1" dirty="0">
+              <a:solidFill>
+                <a:srgbClr val="FF0000"/>
+              </a:solidFill>
+              <a:latin typeface="Inconsolata" panose="020B0609030003000000" pitchFamily="49" charset="77"/>
+            </a:endParaRPr>
+          </a:p>
+          <a:p>
+            <a:pPr marL="0" indent="0">
+              <a:buNone/>
+            </a:pPr>
+            <a:r>
+              <a:rPr lang="en-US" b="1" dirty="0">
+                <a:solidFill>
+                  <a:srgbClr val="FF0000"/>
+                </a:solidFill>
+                <a:latin typeface="Inconsolata" panose="020B0609030003000000" pitchFamily="49" charset="77"/>
+              </a:rPr>
+              <a:t>Instead of:</a:t>
+            </a:r>
+          </a:p>
+          <a:p>
+            <a:pPr marL="0" indent="0">
+              <a:buNone/>
+            </a:pPr>
+            <a:r>
+              <a:rPr lang="en-US" b="1" dirty="0">
+                <a:solidFill>
+                  <a:srgbClr val="000087"/>
+                </a:solidFill>
+                <a:latin typeface="INCONSOLATA" panose="020B0609030003000000" pitchFamily="49" charset="77"/>
+              </a:rPr>
+              <a:t>squares </a:t>
+            </a:r>
+            <a:r>
+              <a:rPr lang="en-US" b="1" dirty="0">
+                <a:solidFill>
+                  <a:srgbClr val="545454"/>
+                </a:solidFill>
+                <a:latin typeface="INCONSOLATA" panose="020B0609030003000000" pitchFamily="49" charset="77"/>
+              </a:rPr>
+              <a:t>= </a:t>
+            </a:r>
+            <a:r>
+              <a:rPr lang="en-US" b="1" dirty="0">
+                <a:latin typeface="INCONSOLATA" panose="020B0609030003000000" pitchFamily="49" charset="77"/>
+              </a:rPr>
+              <a:t>[]		</a:t>
+            </a:r>
+            <a:r>
+              <a:rPr lang="en-US" b="1" dirty="0">
+                <a:solidFill>
+                  <a:schemeClr val="accent5"/>
+                </a:solidFill>
+                <a:latin typeface="INCONSOLATA" panose="020B0609030003000000" pitchFamily="49" charset="77"/>
+              </a:rPr>
+              <a:t># create empty list</a:t>
+            </a:r>
+          </a:p>
+          <a:p>
+            <a:pPr marL="0" indent="0">
+              <a:buNone/>
+            </a:pPr>
+            <a:r>
+              <a:rPr lang="en-US" b="1" dirty="0">
+                <a:latin typeface="INCONSOLATA" panose="020B0609030003000000" pitchFamily="49" charset="77"/>
+              </a:rPr>
+              <a:t>for </a:t>
+            </a:r>
+            <a:r>
+              <a:rPr lang="en-US" b="1" dirty="0" err="1">
+                <a:latin typeface="INCONSOLATA" panose="020B0609030003000000" pitchFamily="49" charset="77"/>
+              </a:rPr>
+              <a:t>i</a:t>
+            </a:r>
+            <a:r>
+              <a:rPr lang="en-US" b="1" dirty="0">
+                <a:latin typeface="INCONSOLATA" panose="020B0609030003000000" pitchFamily="49" charset="77"/>
+              </a:rPr>
+              <a:t> in range(5):</a:t>
+            </a:r>
+          </a:p>
+          <a:p>
+            <a:pPr marL="0" indent="0">
+              <a:buNone/>
+            </a:pPr>
+            <a:r>
+              <a:rPr lang="en-US" b="1" dirty="0">
+                <a:latin typeface="INCONSOLATA" panose="020B0609030003000000" pitchFamily="49" charset="77"/>
+              </a:rPr>
+              <a:t>	</a:t>
+            </a:r>
+            <a:r>
+              <a:rPr lang="en-US" b="1" dirty="0" err="1">
+                <a:solidFill>
+                  <a:srgbClr val="000087"/>
+                </a:solidFill>
+                <a:latin typeface="INCONSOLATA" panose="020B0609030003000000" pitchFamily="49" charset="77"/>
+              </a:rPr>
+              <a:t>squares</a:t>
+            </a:r>
+            <a:r>
+              <a:rPr lang="en-US" b="1" dirty="0" err="1">
+                <a:latin typeface="INCONSOLATA" panose="020B0609030003000000" pitchFamily="49" charset="77"/>
+              </a:rPr>
+              <a:t>.append</a:t>
+            </a:r>
+            <a:r>
+              <a:rPr lang="en-US" b="1" dirty="0">
+                <a:latin typeface="INCONSOLATA" panose="020B0609030003000000" pitchFamily="49" charset="77"/>
+              </a:rPr>
+              <a:t>(</a:t>
+            </a:r>
+            <a:r>
+              <a:rPr lang="en-US" b="1" dirty="0" err="1">
+                <a:latin typeface="INCONSOLATA" panose="020B0609030003000000" pitchFamily="49" charset="77"/>
+              </a:rPr>
+              <a:t>i</a:t>
+            </a:r>
+            <a:r>
+              <a:rPr lang="en-US" b="1" dirty="0">
+                <a:latin typeface="INCONSOLATA" panose="020B0609030003000000" pitchFamily="49" charset="77"/>
+              </a:rPr>
+              <a:t> ** 2)	</a:t>
+            </a:r>
+            <a:r>
+              <a:rPr lang="en-US" b="1" dirty="0">
+                <a:solidFill>
+                  <a:schemeClr val="accent5"/>
+                </a:solidFill>
+                <a:latin typeface="INCONSOLATA" panose="020B0609030003000000" pitchFamily="49" charset="77"/>
+              </a:rPr>
+              <a:t># add each square to list</a:t>
+            </a:r>
+            <a:endParaRPr lang="en-US" b="1" dirty="0">
+              <a:latin typeface="INCONSOLATA" panose="020B0609030003000000" pitchFamily="49" charset="77"/>
+            </a:endParaRPr>
+          </a:p>
+          <a:p>
+            <a:pPr marL="0" indent="0">
+              <a:buNone/>
+            </a:pPr>
+            <a:r>
+              <a:rPr lang="en-US" b="1" dirty="0">
+                <a:solidFill>
+                  <a:srgbClr val="FF0000"/>
+                </a:solidFill>
+                <a:latin typeface="Inconsolata" panose="020B0609030003000000" pitchFamily="49" charset="77"/>
+              </a:rPr>
+              <a:t>Do this:</a:t>
+            </a:r>
+          </a:p>
+          <a:p>
+            <a:pPr marL="0" indent="0">
+              <a:buNone/>
+            </a:pPr>
+            <a:r>
+              <a:rPr lang="en-US" b="1" dirty="0">
+                <a:solidFill>
+                  <a:srgbClr val="000087"/>
+                </a:solidFill>
+                <a:latin typeface="INCONSOLATA" panose="020B0609030003000000" pitchFamily="49" charset="77"/>
+              </a:rPr>
+              <a:t>squares </a:t>
+            </a:r>
+            <a:r>
+              <a:rPr lang="en-US" b="1" dirty="0">
+                <a:solidFill>
+                  <a:srgbClr val="545454"/>
+                </a:solidFill>
+                <a:latin typeface="INCONSOLATA" panose="020B0609030003000000" pitchFamily="49" charset="77"/>
+              </a:rPr>
+              <a:t>= </a:t>
+            </a:r>
+            <a:r>
+              <a:rPr lang="en-US" b="1" dirty="0">
+                <a:latin typeface="INCONSOLATA" panose="020B0609030003000000" pitchFamily="49" charset="77"/>
+              </a:rPr>
+              <a:t>[</a:t>
+            </a:r>
+            <a:r>
+              <a:rPr lang="en-US" b="1" dirty="0" err="1">
+                <a:latin typeface="INCONSOLATA" panose="020B0609030003000000" pitchFamily="49" charset="77"/>
+              </a:rPr>
+              <a:t>i</a:t>
+            </a:r>
+            <a:r>
+              <a:rPr lang="en-US" b="1" dirty="0">
+                <a:latin typeface="INCONSOLATA" panose="020B0609030003000000" pitchFamily="49" charset="77"/>
+              </a:rPr>
+              <a:t> ** 2 for </a:t>
+            </a:r>
+            <a:r>
+              <a:rPr lang="en-US" b="1" dirty="0" err="1">
+                <a:latin typeface="INCONSOLATA" panose="020B0609030003000000" pitchFamily="49" charset="77"/>
+              </a:rPr>
+              <a:t>i</a:t>
+            </a:r>
+            <a:r>
+              <a:rPr lang="en-US" b="1" dirty="0">
+                <a:latin typeface="INCONSOLATA" panose="020B0609030003000000" pitchFamily="49" charset="77"/>
+              </a:rPr>
+              <a:t> in range(5)]		</a:t>
+            </a:r>
+            <a:r>
+              <a:rPr lang="en-US" b="1" dirty="0">
+                <a:solidFill>
+                  <a:schemeClr val="accent5"/>
+                </a:solidFill>
+                <a:latin typeface="INCONSOLATA" panose="020B0609030003000000" pitchFamily="49" charset="77"/>
+              </a:rPr>
+              <a:t># one line!</a:t>
+            </a:r>
+          </a:p>
+          <a:p>
+            <a:pPr marL="0" indent="0">
+              <a:buNone/>
+            </a:pPr>
+            <a:endParaRPr lang="en-US" b="1" dirty="0">
+              <a:latin typeface="INCONSOLATA" panose="020B0609030003000000" pitchFamily="49" charset="77"/>
+            </a:endParaRPr>
+          </a:p>
+          <a:p>
+            <a:pPr marL="0" indent="0">
+              <a:buNone/>
+            </a:pPr>
+            <a:r>
+              <a:rPr lang="en-US" dirty="0"/>
+              <a:t>List comprehensions allow you to use a conditional. </a:t>
+            </a:r>
+            <a:endParaRPr lang="en-US" b="1" dirty="0">
+              <a:solidFill>
+                <a:srgbClr val="FF0000"/>
+              </a:solidFill>
+              <a:latin typeface="Inconsolata" panose="020B0609030003000000" pitchFamily="49" charset="77"/>
+            </a:endParaRPr>
+          </a:p>
+          <a:p>
+            <a:pPr marL="0" indent="0">
+              <a:buNone/>
+            </a:pPr>
+            <a:r>
+              <a:rPr lang="en-US" b="1" dirty="0" err="1">
+                <a:solidFill>
+                  <a:srgbClr val="000087"/>
+                </a:solidFill>
+                <a:latin typeface="INCONSOLATA" panose="020B0609030003000000" pitchFamily="49" charset="77"/>
+              </a:rPr>
+              <a:t>even_squares</a:t>
+            </a:r>
+            <a:r>
+              <a:rPr lang="en-US" b="1" dirty="0">
+                <a:solidFill>
+                  <a:srgbClr val="000087"/>
+                </a:solidFill>
+                <a:latin typeface="INCONSOLATA" panose="020B0609030003000000" pitchFamily="49" charset="77"/>
+              </a:rPr>
+              <a:t> </a:t>
+            </a:r>
+            <a:r>
+              <a:rPr lang="en-US" b="1" dirty="0">
+                <a:solidFill>
+                  <a:srgbClr val="545454"/>
+                </a:solidFill>
+                <a:latin typeface="INCONSOLATA" panose="020B0609030003000000" pitchFamily="49" charset="77"/>
+              </a:rPr>
+              <a:t>= </a:t>
+            </a:r>
+            <a:r>
+              <a:rPr lang="en-US" b="1" dirty="0">
+                <a:latin typeface="INCONSOLATA" panose="020B0609030003000000" pitchFamily="49" charset="77"/>
+              </a:rPr>
+              <a:t>[</a:t>
+            </a:r>
+            <a:r>
+              <a:rPr lang="en-US" b="1" dirty="0" err="1">
+                <a:latin typeface="INCONSOLATA" panose="020B0609030003000000" pitchFamily="49" charset="77"/>
+              </a:rPr>
+              <a:t>i</a:t>
+            </a:r>
+            <a:r>
+              <a:rPr lang="en-US" b="1" dirty="0">
+                <a:latin typeface="INCONSOLATA" panose="020B0609030003000000" pitchFamily="49" charset="77"/>
+              </a:rPr>
+              <a:t> ** 2 for </a:t>
+            </a:r>
+            <a:r>
+              <a:rPr lang="en-US" b="1" dirty="0" err="1">
+                <a:latin typeface="INCONSOLATA" panose="020B0609030003000000" pitchFamily="49" charset="77"/>
+              </a:rPr>
+              <a:t>i</a:t>
+            </a:r>
+            <a:r>
+              <a:rPr lang="en-US" b="1" dirty="0">
+                <a:latin typeface="INCONSOLATA" panose="020B0609030003000000" pitchFamily="49" charset="77"/>
+              </a:rPr>
+              <a:t> in range(5) if </a:t>
+            </a:r>
+            <a:r>
+              <a:rPr lang="en-US" b="1" dirty="0" err="1">
+                <a:latin typeface="INCONSOLATA" panose="020B0609030003000000" pitchFamily="49" charset="77"/>
+              </a:rPr>
+              <a:t>i</a:t>
+            </a:r>
+            <a:r>
+              <a:rPr lang="en-US" b="1" dirty="0">
+                <a:latin typeface="INCONSOLATA" panose="020B0609030003000000" pitchFamily="49" charset="77"/>
+              </a:rPr>
+              <a:t> % 2 == 0]</a:t>
+            </a:r>
+          </a:p>
+          <a:p>
+            <a:pPr marL="0" indent="0">
+              <a:buNone/>
+            </a:pPr>
+            <a:r>
+              <a:rPr lang="en-US" b="1" dirty="0">
+                <a:latin typeface="INCONSOLATA" panose="020B0609030003000000" pitchFamily="49" charset="77"/>
+              </a:rPr>
+              <a:t>print(</a:t>
+            </a:r>
+            <a:r>
+              <a:rPr lang="en-US" b="1" dirty="0" err="1">
+                <a:latin typeface="INCONSOLATA" panose="020B0609030003000000" pitchFamily="49" charset="77"/>
+              </a:rPr>
+              <a:t>even_squares</a:t>
+            </a:r>
+            <a:r>
+              <a:rPr lang="en-US" b="1" dirty="0">
+                <a:latin typeface="INCONSOLATA" panose="020B0609030003000000" pitchFamily="49" charset="77"/>
+              </a:rPr>
+              <a:t>)   # [0, 4, 16]</a:t>
+            </a:r>
+          </a:p>
+          <a:p>
+            <a:pPr marL="0" indent="0">
+              <a:buNone/>
+            </a:pPr>
+            <a:endParaRPr lang="en-US" b="1" dirty="0">
+              <a:solidFill>
+                <a:schemeClr val="accent5"/>
+              </a:solidFill>
+              <a:latin typeface="INCONSOLATA" panose="020B0609030003000000" pitchFamily="49" charset="77"/>
+            </a:endParaRPr>
+          </a:p>
+          <a:p>
+            <a:pPr marL="0" indent="0">
+              <a:buNone/>
+            </a:pPr>
+            <a:endParaRPr lang="en-US" b="1" dirty="0">
+              <a:latin typeface="INCONSOLATA" panose="020B0609030003000000" pitchFamily="49" charset="77"/>
+            </a:endParaRPr>
+          </a:p>
+          <a:p>
+            <a:pPr marL="0" indent="0">
+              <a:buNone/>
+            </a:pPr>
+            <a:endParaRPr lang="en-US" b="1" dirty="0">
+              <a:latin typeface="Inconsolata" panose="020B0609030003000000" pitchFamily="49" charset="77"/>
+            </a:endParaRPr>
+          </a:p>
+          <a:p>
+            <a:pPr marL="0" indent="0">
+              <a:buNone/>
+            </a:pPr>
+            <a:r>
+              <a:rPr lang="en-US" dirty="0">
+                <a:latin typeface="Gill Sans MT" panose="020B0502020104020203" pitchFamily="34" charset="77"/>
+              </a:rPr>
+              <a:t>	</a:t>
+            </a:r>
+          </a:p>
+        </p:txBody>
+      </p:sp>
+    </p:spTree>
+    <p:extLst>
+      <p:ext uri="{BB962C8B-B14F-4D97-AF65-F5344CB8AC3E}">
+        <p14:creationId xmlns:p14="http://schemas.microsoft.com/office/powerpoint/2010/main" val="1293658452"/>
+      </p:ext>
+    </p:extLst>
+  </p:cSld>
+  <p:clrMapOvr>
+    <a:masterClrMapping/>
+  </p:clrMapOvr>
+  <p:timing>
+    <p:tnLst>
+      <p:par>
+        <p:cTn id="1" dur="indefinite" restart="never" nodeType="tmRoot">
+          <p:childTnLst>
+            <p:seq concurrent="1" nextAc="seek">
+              <p:cTn id="2" dur="indefinite" nodeType="mainSeq">
+                <p:childTnLst>
+                  <p:par>
+                    <p:cTn id="3" fill="hold">
+                      <p:stCondLst>
+                        <p:cond delay="indefinite"/>
+                      </p:stCondLst>
+                      <p:childTnLst>
+                        <p:par>
+                          <p:cTn id="4" fill="hold">
+                            <p:stCondLst>
+                              <p:cond delay="0"/>
+                            </p:stCondLst>
+                            <p:childTnLst>
+                              <p:par>
+                                <p:cTn id="5" presetID="1" presetClass="entr" presetSubtype="0" fill="hold" nodeType="clickEffect">
+                                  <p:stCondLst>
+                                    <p:cond delay="0"/>
+                                  </p:stCondLst>
+                                  <p:childTnLst>
+                                    <p:set>
+                                      <p:cBhvr>
+                                        <p:cTn id="6" dur="1" fill="hold">
+                                          <p:stCondLst>
+                                            <p:cond delay="0"/>
+                                          </p:stCondLst>
+                                        </p:cTn>
+                                        <p:tgtEl>
+                                          <p:spTgt spid="9">
+                                            <p:txEl>
+                                              <p:pRg st="2" end="2"/>
+                                            </p:txEl>
+                                          </p:spTgt>
+                                        </p:tgtEl>
+                                        <p:attrNameLst>
+                                          <p:attrName>style.visibility</p:attrName>
+                                        </p:attrNameLst>
+                                      </p:cBhvr>
+                                      <p:to>
+                                        <p:strVal val="visible"/>
+                                      </p:to>
+                                    </p:set>
+                                  </p:childTnLst>
+                                </p:cTn>
+                              </p:par>
+                            </p:childTnLst>
+                          </p:cTn>
+                        </p:par>
+                      </p:childTnLst>
+                    </p:cTn>
+                  </p:par>
+                  <p:par>
+                    <p:cTn id="7" fill="hold">
+                      <p:stCondLst>
+                        <p:cond delay="indefinite"/>
+                      </p:stCondLst>
+                      <p:childTnLst>
+                        <p:par>
+                          <p:cTn id="8" fill="hold">
+                            <p:stCondLst>
+                              <p:cond delay="0"/>
+                            </p:stCondLst>
+                            <p:childTnLst>
+                              <p:par>
+                                <p:cTn id="9" presetID="1" presetClass="entr" presetSubtype="0" fill="hold" nodeType="clickEffect">
+                                  <p:stCondLst>
+                                    <p:cond delay="0"/>
+                                  </p:stCondLst>
+                                  <p:childTnLst>
+                                    <p:set>
+                                      <p:cBhvr>
+                                        <p:cTn id="10" dur="1" fill="hold">
+                                          <p:stCondLst>
+                                            <p:cond delay="0"/>
+                                          </p:stCondLst>
+                                        </p:cTn>
+                                        <p:tgtEl>
+                                          <p:spTgt spid="9">
+                                            <p:txEl>
+                                              <p:pRg st="3" end="3"/>
+                                            </p:txEl>
+                                          </p:spTgt>
+                                        </p:tgtEl>
+                                        <p:attrNameLst>
+                                          <p:attrName>style.visibility</p:attrName>
+                                        </p:attrNameLst>
+                                      </p:cBhvr>
+                                      <p:to>
+                                        <p:strVal val="visible"/>
+                                      </p:to>
+                                    </p:set>
+                                  </p:childTnLst>
+                                </p:cTn>
+                              </p:par>
+                            </p:childTnLst>
+                          </p:cTn>
+                        </p:par>
+                      </p:childTnLst>
+                    </p:cTn>
+                  </p:par>
+                  <p:par>
+                    <p:cTn id="11" fill="hold">
+                      <p:stCondLst>
+                        <p:cond delay="indefinite"/>
+                      </p:stCondLst>
+                      <p:childTnLst>
+                        <p:par>
+                          <p:cTn id="12" fill="hold">
+                            <p:stCondLst>
+                              <p:cond delay="0"/>
+                            </p:stCondLst>
+                            <p:childTnLst>
+                              <p:par>
+                                <p:cTn id="13" presetID="1" presetClass="entr" presetSubtype="0" fill="hold" nodeType="clickEffect">
+                                  <p:stCondLst>
+                                    <p:cond delay="0"/>
+                                  </p:stCondLst>
+                                  <p:childTnLst>
+                                    <p:set>
+                                      <p:cBhvr>
+                                        <p:cTn id="14" dur="1" fill="hold">
+                                          <p:stCondLst>
+                                            <p:cond delay="0"/>
+                                          </p:stCondLst>
+                                        </p:cTn>
+                                        <p:tgtEl>
+                                          <p:spTgt spid="9">
+                                            <p:txEl>
+                                              <p:pRg st="4" end="4"/>
+                                            </p:txEl>
+                                          </p:spTgt>
+                                        </p:tgtEl>
+                                        <p:attrNameLst>
+                                          <p:attrName>style.visibility</p:attrName>
+                                        </p:attrNameLst>
+                                      </p:cBhvr>
+                                      <p:to>
+                                        <p:strVal val="visible"/>
+                                      </p:to>
+                                    </p:set>
+                                  </p:childTnLst>
+                                </p:cTn>
+                              </p:par>
+                            </p:childTnLst>
+                          </p:cTn>
+                        </p:par>
+                      </p:childTnLst>
+                    </p:cTn>
+                  </p:par>
+                  <p:par>
+                    <p:cTn id="15" fill="hold">
+                      <p:stCondLst>
+                        <p:cond delay="indefinite"/>
+                      </p:stCondLst>
+                      <p:childTnLst>
+                        <p:par>
+                          <p:cTn id="16" fill="hold">
+                            <p:stCondLst>
+                              <p:cond delay="0"/>
+                            </p:stCondLst>
+                            <p:childTnLst>
+                              <p:par>
+                                <p:cTn id="17" presetID="1" presetClass="entr" presetSubtype="0" fill="hold" nodeType="clickEffect">
+                                  <p:stCondLst>
+                                    <p:cond delay="0"/>
+                                  </p:stCondLst>
+                                  <p:childTnLst>
+                                    <p:set>
+                                      <p:cBhvr>
+                                        <p:cTn id="18" dur="1" fill="hold">
+                                          <p:stCondLst>
+                                            <p:cond delay="0"/>
+                                          </p:stCondLst>
+                                        </p:cTn>
+                                        <p:tgtEl>
+                                          <p:spTgt spid="9">
+                                            <p:txEl>
+                                              <p:pRg st="5" end="5"/>
+                                            </p:txEl>
+                                          </p:spTgt>
+                                        </p:tgtEl>
+                                        <p:attrNameLst>
+                                          <p:attrName>style.visibility</p:attrName>
+                                        </p:attrNameLst>
+                                      </p:cBhvr>
+                                      <p:to>
+                                        <p:strVal val="visible"/>
+                                      </p:to>
+                                    </p:set>
+                                  </p:childTnLst>
+                                </p:cTn>
+                              </p:par>
+                            </p:childTnLst>
+                          </p:cTn>
+                        </p:par>
+                      </p:childTnLst>
+                    </p:cTn>
+                  </p:par>
+                  <p:par>
+                    <p:cTn id="19" fill="hold">
+                      <p:stCondLst>
+                        <p:cond delay="indefinite"/>
+                      </p:stCondLst>
+                      <p:childTnLst>
+                        <p:par>
+                          <p:cTn id="20" fill="hold">
+                            <p:stCondLst>
+                              <p:cond delay="0"/>
+                            </p:stCondLst>
+                            <p:childTnLst>
+                              <p:par>
+                                <p:cTn id="21" presetID="1" presetClass="entr" presetSubtype="0" fill="hold" nodeType="clickEffect">
+                                  <p:stCondLst>
+                                    <p:cond delay="0"/>
+                                  </p:stCondLst>
+                                  <p:childTnLst>
+                                    <p:set>
+                                      <p:cBhvr>
+                                        <p:cTn id="22" dur="1" fill="hold">
+                                          <p:stCondLst>
+                                            <p:cond delay="0"/>
+                                          </p:stCondLst>
+                                        </p:cTn>
+                                        <p:tgtEl>
+                                          <p:spTgt spid="9">
+                                            <p:txEl>
+                                              <p:pRg st="6" end="6"/>
+                                            </p:txEl>
+                                          </p:spTgt>
+                                        </p:tgtEl>
+                                        <p:attrNameLst>
+                                          <p:attrName>style.visibility</p:attrName>
+                                        </p:attrNameLst>
+                                      </p:cBhvr>
+                                      <p:to>
+                                        <p:strVal val="visible"/>
+                                      </p:to>
+                                    </p:set>
+                                  </p:childTnLst>
+                                </p:cTn>
+                              </p:par>
+                            </p:childTnLst>
+                          </p:cTn>
+                        </p:par>
+                      </p:childTnLst>
+                    </p:cTn>
+                  </p:par>
+                  <p:par>
+                    <p:cTn id="23" fill="hold">
+                      <p:stCondLst>
+                        <p:cond delay="indefinite"/>
+                      </p:stCondLst>
+                      <p:childTnLst>
+                        <p:par>
+                          <p:cTn id="24" fill="hold">
+                            <p:stCondLst>
+                              <p:cond delay="0"/>
+                            </p:stCondLst>
+                            <p:childTnLst>
+                              <p:par>
+                                <p:cTn id="25" presetID="1" presetClass="entr" presetSubtype="0" fill="hold" nodeType="clickEffect">
+                                  <p:stCondLst>
+                                    <p:cond delay="0"/>
+                                  </p:stCondLst>
+                                  <p:childTnLst>
+                                    <p:set>
+                                      <p:cBhvr>
+                                        <p:cTn id="26" dur="1" fill="hold">
+                                          <p:stCondLst>
+                                            <p:cond delay="0"/>
+                                          </p:stCondLst>
+                                        </p:cTn>
+                                        <p:tgtEl>
+                                          <p:spTgt spid="9">
+                                            <p:txEl>
+                                              <p:pRg st="8" end="8"/>
+                                            </p:txEl>
+                                          </p:spTgt>
+                                        </p:tgtEl>
+                                        <p:attrNameLst>
+                                          <p:attrName>style.visibility</p:attrName>
+                                        </p:attrNameLst>
+                                      </p:cBhvr>
+                                      <p:to>
+                                        <p:strVal val="visible"/>
+                                      </p:to>
+                                    </p:set>
+                                  </p:childTnLst>
+                                </p:cTn>
+                              </p:par>
+                            </p:childTnLst>
+                          </p:cTn>
+                        </p:par>
+                      </p:childTnLst>
+                    </p:cTn>
+                  </p:par>
+                  <p:par>
+                    <p:cTn id="27" fill="hold">
+                      <p:stCondLst>
+                        <p:cond delay="indefinite"/>
+                      </p:stCondLst>
+                      <p:childTnLst>
+                        <p:par>
+                          <p:cTn id="28" fill="hold">
+                            <p:stCondLst>
+                              <p:cond delay="0"/>
+                            </p:stCondLst>
+                            <p:childTnLst>
+                              <p:par>
+                                <p:cTn id="29" presetID="1" presetClass="entr" presetSubtype="0" fill="hold" nodeType="clickEffect">
+                                  <p:stCondLst>
+                                    <p:cond delay="0"/>
+                                  </p:stCondLst>
+                                  <p:childTnLst>
+                                    <p:set>
+                                      <p:cBhvr>
+                                        <p:cTn id="30" dur="1" fill="hold">
+                                          <p:stCondLst>
+                                            <p:cond delay="0"/>
+                                          </p:stCondLst>
+                                        </p:cTn>
+                                        <p:tgtEl>
+                                          <p:spTgt spid="9">
+                                            <p:txEl>
+                                              <p:pRg st="9" end="9"/>
+                                            </p:txEl>
+                                          </p:spTgt>
+                                        </p:tgtEl>
+                                        <p:attrNameLst>
+                                          <p:attrName>style.visibility</p:attrName>
+                                        </p:attrNameLst>
+                                      </p:cBhvr>
+                                      <p:to>
+                                        <p:strVal val="visible"/>
+                                      </p:to>
+                                    </p:set>
+                                  </p:childTnLst>
+                                </p:cTn>
+                              </p:par>
+                            </p:childTnLst>
+                          </p:cTn>
+                        </p:par>
+                      </p:childTnLst>
+                    </p:cTn>
+                  </p:par>
+                  <p:par>
+                    <p:cTn id="31" fill="hold">
+                      <p:stCondLst>
+                        <p:cond delay="indefinite"/>
+                      </p:stCondLst>
+                      <p:childTnLst>
+                        <p:par>
+                          <p:cTn id="32" fill="hold">
+                            <p:stCondLst>
+                              <p:cond delay="0"/>
+                            </p:stCondLst>
+                            <p:childTnLst>
+                              <p:par>
+                                <p:cTn id="33" presetID="1" presetClass="entr" presetSubtype="0" fill="hold" nodeType="clickEffect">
+                                  <p:stCondLst>
+                                    <p:cond delay="0"/>
+                                  </p:stCondLst>
+                                  <p:childTnLst>
+                                    <p:set>
+                                      <p:cBhvr>
+                                        <p:cTn id="34" dur="1" fill="hold">
+                                          <p:stCondLst>
+                                            <p:cond delay="0"/>
+                                          </p:stCondLst>
+                                        </p:cTn>
+                                        <p:tgtEl>
+                                          <p:spTgt spid="9">
+                                            <p:txEl>
+                                              <p:pRg st="10" end="10"/>
+                                            </p:txEl>
+                                          </p:spTgt>
+                                        </p:tgtEl>
+                                        <p:attrNameLst>
+                                          <p:attrName>style.visibility</p:attrName>
+                                        </p:attrNameLst>
+                                      </p:cBhvr>
+                                      <p:to>
+                                        <p:strVal val="visible"/>
+                                      </p:to>
+                                    </p:set>
+                                  </p:childTnLst>
+                                </p:cTn>
+                              </p:par>
+                            </p:childTnLst>
+                          </p:cTn>
+                        </p:par>
+                      </p:childTnLst>
+                    </p:cTn>
+                  </p:par>
+                  <p:par>
+                    <p:cTn id="35" fill="hold">
+                      <p:stCondLst>
+                        <p:cond delay="indefinite"/>
+                      </p:stCondLst>
+                      <p:childTnLst>
+                        <p:par>
+                          <p:cTn id="36" fill="hold">
+                            <p:stCondLst>
+                              <p:cond delay="0"/>
+                            </p:stCondLst>
+                            <p:childTnLst>
+                              <p:par>
+                                <p:cTn id="37" presetID="1" presetClass="entr" presetSubtype="0" fill="hold" nodeType="clickEffect">
+                                  <p:stCondLst>
+                                    <p:cond delay="0"/>
+                                  </p:stCondLst>
+                                  <p:childTnLst>
+                                    <p:set>
+                                      <p:cBhvr>
+                                        <p:cTn id="38" dur="1" fill="hold">
+                                          <p:stCondLst>
+                                            <p:cond delay="0"/>
+                                          </p:stCondLst>
+                                        </p:cTn>
+                                        <p:tgtEl>
+                                          <p:spTgt spid="9">
+                                            <p:txEl>
+                                              <p:pRg st="14" end="14"/>
+                                            </p:txEl>
+                                          </p:spTgt>
+                                        </p:tgtEl>
+                                        <p:attrNameLst>
+                                          <p:attrName>style.visibility</p:attrName>
+                                        </p:attrNameLst>
+                                      </p:cBhvr>
+                                      <p:to>
+                                        <p:strVal val="visible"/>
+                                      </p:to>
+                                    </p:set>
+                                  </p:childTnLst>
+                                </p:cTn>
+                              </p:par>
+                            </p:childTnLst>
+                          </p:cTn>
+                        </p:par>
+                      </p:childTnLst>
+                    </p:cTn>
+                  </p:par>
+                </p:childTnLst>
+              </p:cTn>
+              <p:prevCondLst>
+                <p:cond evt="onPrev" delay="0">
+                  <p:tgtEl>
+                    <p:sldTgt/>
+                  </p:tgtEl>
+                </p:cond>
+              </p:prevCondLst>
+              <p:nextCondLst>
+                <p:cond evt="onNext" delay="0">
+                  <p:tgtEl>
+                    <p:sldTgt/>
+                  </p:tgtEl>
+                </p:cond>
+              </p:nextCondLst>
+            </p:seq>
+          </p:childTnLst>
+        </p:cTn>
+      </p:par>
+    </p:tnLst>
+  </p:timing>
+</p:sld>
+</file>
+
+<file path=ppt/slides/slide14.xml><?xml version="1.0" encoding="utf-8"?>
+<p:sld xmlns:a="http://schemas.openxmlformats.org/drawingml/2006/main" xmlns:r="http://schemas.openxmlformats.org/officeDocument/2006/relationships" xmlns:p="http://schemas.openxmlformats.org/presentationml/2006/main">
+  <p:cSld>
+    <p:spTree>
+      <p:nvGrpSpPr>
+        <p:cNvPr id="1" name=""/>
+        <p:cNvGrpSpPr/>
+        <p:nvPr/>
+      </p:nvGrpSpPr>
+      <p:grpSpPr>
+        <a:xfrm>
+          <a:off x="0" y="0"/>
+          <a:ext cx="0" cy="0"/>
+          <a:chOff x="0" y="0"/>
+          <a:chExt cx="0" cy="0"/>
+        </a:xfrm>
+      </p:grpSpPr>
+      <p:sp>
+        <p:nvSpPr>
+          <p:cNvPr id="2" name="Title 1">
+            <a:extLst>
+              <a:ext uri="{FF2B5EF4-FFF2-40B4-BE49-F238E27FC236}">
+                <a16:creationId xmlns:a16="http://schemas.microsoft.com/office/drawing/2014/main" id="{AA3A228F-61D0-D949-A5E7-F83756230BF8}"/>
+              </a:ext>
+            </a:extLst>
+          </p:cNvPr>
+          <p:cNvSpPr>
+            <a:spLocks noGrp="1"/>
+          </p:cNvSpPr>
+          <p:nvPr>
+            <p:ph type="title"/>
+          </p:nvPr>
+        </p:nvSpPr>
+        <p:spPr>
+          <a:xfrm>
             <a:off x="125629" y="134008"/>
             <a:ext cx="7053542" cy="683886"/>
           </a:xfrm>
@@ -7656,7 +9525,7 @@
 </p:sld>
 </file>
 
-<file path=ppt/slides/slide13.xml><?xml version="1.0" encoding="utf-8"?>
+<file path=ppt/slides/slide15.xml><?xml version="1.0" encoding="utf-8"?>
 <p:sld xmlns:a="http://schemas.openxmlformats.org/drawingml/2006/main" xmlns:r="http://schemas.openxmlformats.org/officeDocument/2006/relationships" xmlns:p="http://schemas.openxmlformats.org/presentationml/2006/main">
   <p:cSld>
     <p:spTree>
@@ -8380,7 +10249,7 @@
 </p:sld>
 </file>
 
-<file path=ppt/slides/slide14.xml><?xml version="1.0" encoding="utf-8"?>
+<file path=ppt/slides/slide16.xml><?xml version="1.0" encoding="utf-8"?>
 <p:sld xmlns:a="http://schemas.openxmlformats.org/drawingml/2006/main" xmlns:r="http://schemas.openxmlformats.org/officeDocument/2006/relationships" xmlns:p="http://schemas.openxmlformats.org/presentationml/2006/main">
   <p:cSld>
     <p:spTree>
@@ -9521,7 +11390,7 @@
 </p:sld>
 </file>
 
-<file path=ppt/slides/slide15.xml><?xml version="1.0" encoding="utf-8"?>
+<file path=ppt/slides/slide17.xml><?xml version="1.0" encoding="utf-8"?>
 <p:sld xmlns:a="http://schemas.openxmlformats.org/drawingml/2006/main" xmlns:r="http://schemas.openxmlformats.org/officeDocument/2006/relationships" xmlns:p="http://schemas.openxmlformats.org/presentationml/2006/main">
   <p:cSld>
     <p:spTree>
@@ -10475,7 +12344,7 @@
 </p:sld>
 </file>
 
-<file path=ppt/slides/slide16.xml><?xml version="1.0" encoding="utf-8"?>
+<file path=ppt/slides/slide18.xml><?xml version="1.0" encoding="utf-8"?>
 <p:sld xmlns:a="http://schemas.openxmlformats.org/drawingml/2006/main" xmlns:r="http://schemas.openxmlformats.org/officeDocument/2006/relationships" xmlns:p="http://schemas.openxmlformats.org/presentationml/2006/main">
   <p:cSld>
     <p:spTree>
@@ -11218,7 +13087,7 @@
 </p:sld>
 </file>
 
-<file path=ppt/slides/slide17.xml><?xml version="1.0" encoding="utf-8"?>
+<file path=ppt/slides/slide19.xml><?xml version="1.0" encoding="utf-8"?>
 <p:sld xmlns:a="http://schemas.openxmlformats.org/drawingml/2006/main" xmlns:r="http://schemas.openxmlformats.org/officeDocument/2006/relationships" xmlns:p="http://schemas.openxmlformats.org/presentationml/2006/main">
   <p:cSld>
     <p:spTree>
@@ -11630,7 +13499,7 @@
                 </a:solidFill>
                 <a:latin typeface="INCONSOLATA" panose="020B0609030003000000" pitchFamily="49" charset="77"/>
               </a:rPr>
-              <a:t>2</a:t>
+              <a:t>-2</a:t>
             </a:r>
             <a:r>
               <a:rPr lang="en-US" b="1" dirty="0">
@@ -11645,7 +13514,7 @@
                 </a:solidFill>
                 <a:latin typeface="INCONSOLATA" panose="020B0609030003000000" pitchFamily="49" charset="77"/>
               </a:rPr>
-              <a:t>5, 12, 3, 4, 11</a:t>
+              <a:t>-5, -12, -3</a:t>
             </a:r>
             <a:r>
               <a:rPr lang="en-US" b="1" dirty="0">
@@ -11694,7 +13563,7 @@
                 </a:solidFill>
                 <a:latin typeface="Inconsolata" panose="020B0609030003000000" pitchFamily="49" charset="77"/>
               </a:rPr>
-              <a:t># 12</a:t>
+              <a:t># 0 INCORRECT!</a:t>
             </a:r>
           </a:p>
           <a:p>
@@ -11732,7 +13601,7 @@
         </p:nvSpPr>
         <p:spPr>
           <a:xfrm>
-            <a:off x="4754880" y="1841837"/>
+            <a:off x="4744720" y="4209117"/>
             <a:ext cx="4137928" cy="1015663"/>
           </a:xfrm>
           <a:prstGeom prst="rect">
@@ -12326,7 +14195,214 @@
 </p:sld>
 </file>
 
-<file path=ppt/slides/slide18.xml><?xml version="1.0" encoding="utf-8"?>
+<file path=ppt/slides/slide2.xml><?xml version="1.0" encoding="utf-8"?>
+<p:sld xmlns:a="http://schemas.openxmlformats.org/drawingml/2006/main" xmlns:r="http://schemas.openxmlformats.org/officeDocument/2006/relationships" xmlns:p="http://schemas.openxmlformats.org/presentationml/2006/main">
+  <p:cSld>
+    <p:spTree>
+      <p:nvGrpSpPr>
+        <p:cNvPr id="1" name=""/>
+        <p:cNvGrpSpPr/>
+        <p:nvPr/>
+      </p:nvGrpSpPr>
+      <p:grpSpPr>
+        <a:xfrm>
+          <a:off x="0" y="0"/>
+          <a:ext cx="0" cy="0"/>
+          <a:chOff x="0" y="0"/>
+          <a:chExt cx="0" cy="0"/>
+        </a:xfrm>
+      </p:grpSpPr>
+      <p:sp>
+        <p:nvSpPr>
+          <p:cNvPr id="2" name="Title 1">
+            <a:extLst>
+              <a:ext uri="{FF2B5EF4-FFF2-40B4-BE49-F238E27FC236}">
+                <a16:creationId xmlns:a16="http://schemas.microsoft.com/office/drawing/2014/main" id="{AA3A228F-61D0-D949-A5E7-F83756230BF8}"/>
+              </a:ext>
+            </a:extLst>
+          </p:cNvPr>
+          <p:cNvSpPr>
+            <a:spLocks noGrp="1"/>
+          </p:cNvSpPr>
+          <p:nvPr>
+            <p:ph type="title"/>
+          </p:nvPr>
+        </p:nvSpPr>
+        <p:spPr>
+          <a:xfrm>
+            <a:off x="483848" y="467027"/>
+            <a:ext cx="7053542" cy="683886"/>
+          </a:xfrm>
+        </p:spPr>
+        <p:txBody>
+          <a:bodyPr/>
+          <a:lstStyle/>
+          <a:p>
+            <a:r>
+              <a:rPr lang="en-US" dirty="0"/>
+              <a:t>Topics</a:t>
+            </a:r>
+          </a:p>
+        </p:txBody>
+      </p:sp>
+      <p:sp>
+        <p:nvSpPr>
+          <p:cNvPr id="9" name="Content Placeholder 8">
+            <a:extLst>
+              <a:ext uri="{FF2B5EF4-FFF2-40B4-BE49-F238E27FC236}">
+                <a16:creationId xmlns:a16="http://schemas.microsoft.com/office/drawing/2014/main" id="{E3B2E017-30B2-884B-A113-B419A2ED51AD}"/>
+              </a:ext>
+            </a:extLst>
+          </p:cNvPr>
+          <p:cNvSpPr>
+            <a:spLocks noGrp="1"/>
+          </p:cNvSpPr>
+          <p:nvPr>
+            <p:ph idx="1"/>
+          </p:nvPr>
+        </p:nvSpPr>
+        <p:spPr>
+          <a:xfrm>
+            <a:off x="483848" y="1288073"/>
+            <a:ext cx="8051725" cy="4303429"/>
+          </a:xfrm>
+        </p:spPr>
+        <p:txBody>
+          <a:bodyPr/>
+          <a:lstStyle/>
+          <a:p>
+            <a:pPr marL="0" indent="0">
+              <a:buNone/>
+            </a:pPr>
+            <a:endParaRPr lang="en-US" dirty="0">
+              <a:latin typeface="Gill Sans MT" panose="020B0502020104020203" pitchFamily="34" charset="77"/>
+            </a:endParaRPr>
+          </a:p>
+          <a:p>
+            <a:pPr marL="457200" indent="-457200">
+              <a:buAutoNum type="arabicParenR"/>
+            </a:pPr>
+            <a:r>
+              <a:rPr lang="en-US" dirty="0">
+                <a:latin typeface="Gill Sans MT" panose="020B0502020104020203" pitchFamily="34" charset="77"/>
+              </a:rPr>
+              <a:t>Lists</a:t>
+            </a:r>
+          </a:p>
+          <a:p>
+            <a:pPr marL="457200" indent="-457200">
+              <a:buAutoNum type="arabicParenR"/>
+            </a:pPr>
+            <a:r>
+              <a:rPr lang="en-US" sz="2000" dirty="0">
+                <a:latin typeface="Gill Sans MT" panose="020B0502020104020203" pitchFamily="34" charset="77"/>
+              </a:rPr>
+              <a:t>List indexing</a:t>
+            </a:r>
+          </a:p>
+          <a:p>
+            <a:pPr marL="457200" indent="-457200">
+              <a:buAutoNum type="arabicParenR"/>
+            </a:pPr>
+            <a:r>
+              <a:rPr lang="en-US" sz="2000" dirty="0">
+                <a:latin typeface="Gill Sans MT" panose="020B0502020104020203" pitchFamily="34" charset="77"/>
+              </a:rPr>
+              <a:t>Traversing and modifying a list</a:t>
+            </a:r>
+          </a:p>
+          <a:p>
+            <a:pPr marL="457200" indent="-457200">
+              <a:buAutoNum type="arabicParenR"/>
+            </a:pPr>
+            <a:r>
+              <a:rPr lang="en-US" sz="2000" dirty="0">
+                <a:latin typeface="Gill Sans MT" panose="020B0502020104020203" pitchFamily="34" charset="77"/>
+              </a:rPr>
+              <a:t>Summing a list</a:t>
+            </a:r>
+          </a:p>
+          <a:p>
+            <a:pPr marL="457200" indent="-457200">
+              <a:buAutoNum type="arabicParenR"/>
+            </a:pPr>
+            <a:r>
+              <a:rPr lang="en-US" sz="2000" dirty="0">
+                <a:latin typeface="Gill Sans MT" panose="020B0502020104020203" pitchFamily="34" charset="77"/>
+              </a:rPr>
+              <a:t>Maximum/Minimum of a list</a:t>
+            </a:r>
+          </a:p>
+          <a:p>
+            <a:pPr marL="457200" indent="-457200">
+              <a:buAutoNum type="arabicParenR"/>
+            </a:pPr>
+            <a:r>
+              <a:rPr lang="en-US" sz="2000">
+                <a:latin typeface="Gill Sans MT" panose="020B0502020104020203" pitchFamily="34" charset="77"/>
+              </a:rPr>
+              <a:t>List Methods</a:t>
+            </a:r>
+            <a:endParaRPr lang="en-US" sz="2000" dirty="0">
+              <a:latin typeface="Gill Sans MT" panose="020B0502020104020203" pitchFamily="34" charset="77"/>
+            </a:endParaRPr>
+          </a:p>
+          <a:p>
+            <a:pPr marL="0" indent="0">
+              <a:buNone/>
+            </a:pPr>
+            <a:endParaRPr lang="en-US" dirty="0">
+              <a:latin typeface="Gill Sans MT" panose="020B0502020104020203" pitchFamily="34" charset="77"/>
+            </a:endParaRPr>
+          </a:p>
+          <a:p>
+            <a:pPr marL="457200" indent="-457200">
+              <a:buAutoNum type="arabicParenR"/>
+            </a:pPr>
+            <a:endParaRPr lang="en-US" dirty="0">
+              <a:latin typeface="Gill Sans MT" panose="020B0502020104020203" pitchFamily="34" charset="77"/>
+            </a:endParaRPr>
+          </a:p>
+          <a:p>
+            <a:pPr marL="457200" indent="-457200">
+              <a:buAutoNum type="arabicParenR"/>
+            </a:pPr>
+            <a:endParaRPr lang="en-US" dirty="0">
+              <a:latin typeface="Gill Sans MT" panose="020B0502020104020203" pitchFamily="34" charset="77"/>
+            </a:endParaRPr>
+          </a:p>
+          <a:p>
+            <a:pPr marL="0" indent="0">
+              <a:buNone/>
+            </a:pPr>
+            <a:endParaRPr lang="en-US" dirty="0">
+              <a:latin typeface="Gill Sans MT" panose="020B0502020104020203" pitchFamily="34" charset="77"/>
+            </a:endParaRPr>
+          </a:p>
+          <a:p>
+            <a:pPr marL="0" indent="0">
+              <a:buNone/>
+            </a:pPr>
+            <a:endParaRPr lang="en-US" b="1" dirty="0">
+              <a:latin typeface="Gill Sans MT" panose="020B0502020104020203" pitchFamily="34" charset="77"/>
+            </a:endParaRPr>
+          </a:p>
+        </p:txBody>
+      </p:sp>
+    </p:spTree>
+    <p:extLst>
+      <p:ext uri="{BB962C8B-B14F-4D97-AF65-F5344CB8AC3E}">
+        <p14:creationId xmlns:p14="http://schemas.microsoft.com/office/powerpoint/2010/main" val="131840209"/>
+      </p:ext>
+    </p:extLst>
+  </p:cSld>
+  <p:clrMapOvr>
+    <a:masterClrMapping/>
+  </p:clrMapOvr>
+</p:sld>
+</file>
+
+<file path=ppt/slides/slide20.xml><?xml version="1.0" encoding="utf-8"?>
 <p:sld xmlns:a="http://schemas.openxmlformats.org/drawingml/2006/main" xmlns:r="http://schemas.openxmlformats.org/officeDocument/2006/relationships" xmlns:p="http://schemas.openxmlformats.org/presentationml/2006/main">
   <p:cSld>
     <p:spTree>
@@ -12553,7 +14629,7 @@
                 </a:solidFill>
                 <a:latin typeface="Inconsolata" panose="020B0609030003000000" pitchFamily="49" charset="77"/>
               </a:rPr>
-              <a:t>[0]</a:t>
+              <a:t>[0]	# the first value is maximum</a:t>
             </a:r>
             <a:endParaRPr lang="en-US" b="1" dirty="0">
               <a:latin typeface="Inconsolata" panose="020B0609030003000000" pitchFamily="49" charset="77"/>
@@ -12597,7 +14673,16 @@
               <a:rPr lang="en-US" b="1" dirty="0">
                 <a:latin typeface="Inconsolata" panose="020B0609030003000000" pitchFamily="49" charset="77"/>
               </a:rPr>
-              <a:t>:</a:t>
+              <a:t>:			</a:t>
+            </a:r>
+            <a:r>
+              <a:rPr lang="en-US" b="1" dirty="0">
+                <a:solidFill>
+                  <a:srgbClr val="006699"/>
+                </a:solidFill>
+                <a:latin typeface="Inconsolata" panose="020B0609030003000000" pitchFamily="49" charset="77"/>
+              </a:rPr>
+              <a:t># until a bigger value shows up</a:t>
             </a:r>
             <a:br>
               <a:rPr lang="en-US" b="1" dirty="0">
@@ -13384,7 +15469,7 @@
 </p:sld>
 </file>
 
-<file path=ppt/slides/slide19.xml><?xml version="1.0" encoding="utf-8"?>
+<file path=ppt/slides/slide21.xml><?xml version="1.0" encoding="utf-8"?>
 <p:sld xmlns:a="http://schemas.openxmlformats.org/drawingml/2006/main" xmlns:r="http://schemas.openxmlformats.org/officeDocument/2006/relationships" xmlns:p="http://schemas.openxmlformats.org/presentationml/2006/main">
   <p:cSld>
     <p:spTree>
@@ -13758,214 +15843,7 @@
 </p:sld>
 </file>
 
-<file path=ppt/slides/slide2.xml><?xml version="1.0" encoding="utf-8"?>
-<p:sld xmlns:a="http://schemas.openxmlformats.org/drawingml/2006/main" xmlns:r="http://schemas.openxmlformats.org/officeDocument/2006/relationships" xmlns:p="http://schemas.openxmlformats.org/presentationml/2006/main">
-  <p:cSld>
-    <p:spTree>
-      <p:nvGrpSpPr>
-        <p:cNvPr id="1" name=""/>
-        <p:cNvGrpSpPr/>
-        <p:nvPr/>
-      </p:nvGrpSpPr>
-      <p:grpSpPr>
-        <a:xfrm>
-          <a:off x="0" y="0"/>
-          <a:ext cx="0" cy="0"/>
-          <a:chOff x="0" y="0"/>
-          <a:chExt cx="0" cy="0"/>
-        </a:xfrm>
-      </p:grpSpPr>
-      <p:sp>
-        <p:nvSpPr>
-          <p:cNvPr id="2" name="Title 1">
-            <a:extLst>
-              <a:ext uri="{FF2B5EF4-FFF2-40B4-BE49-F238E27FC236}">
-                <a16:creationId xmlns:a16="http://schemas.microsoft.com/office/drawing/2014/main" id="{AA3A228F-61D0-D949-A5E7-F83756230BF8}"/>
-              </a:ext>
-            </a:extLst>
-          </p:cNvPr>
-          <p:cNvSpPr>
-            <a:spLocks noGrp="1"/>
-          </p:cNvSpPr>
-          <p:nvPr>
-            <p:ph type="title"/>
-          </p:nvPr>
-        </p:nvSpPr>
-        <p:spPr>
-          <a:xfrm>
-            <a:off x="483848" y="467027"/>
-            <a:ext cx="7053542" cy="683886"/>
-          </a:xfrm>
-        </p:spPr>
-        <p:txBody>
-          <a:bodyPr/>
-          <a:lstStyle/>
-          <a:p>
-            <a:r>
-              <a:rPr lang="en-US" dirty="0"/>
-              <a:t>Topics</a:t>
-            </a:r>
-          </a:p>
-        </p:txBody>
-      </p:sp>
-      <p:sp>
-        <p:nvSpPr>
-          <p:cNvPr id="9" name="Content Placeholder 8">
-            <a:extLst>
-              <a:ext uri="{FF2B5EF4-FFF2-40B4-BE49-F238E27FC236}">
-                <a16:creationId xmlns:a16="http://schemas.microsoft.com/office/drawing/2014/main" id="{E3B2E017-30B2-884B-A113-B419A2ED51AD}"/>
-              </a:ext>
-            </a:extLst>
-          </p:cNvPr>
-          <p:cNvSpPr>
-            <a:spLocks noGrp="1"/>
-          </p:cNvSpPr>
-          <p:nvPr>
-            <p:ph idx="1"/>
-          </p:nvPr>
-        </p:nvSpPr>
-        <p:spPr>
-          <a:xfrm>
-            <a:off x="483848" y="1288073"/>
-            <a:ext cx="8051725" cy="4303429"/>
-          </a:xfrm>
-        </p:spPr>
-        <p:txBody>
-          <a:bodyPr/>
-          <a:lstStyle/>
-          <a:p>
-            <a:pPr marL="0" indent="0">
-              <a:buNone/>
-            </a:pPr>
-            <a:endParaRPr lang="en-US" dirty="0">
-              <a:latin typeface="Gill Sans MT" panose="020B0502020104020203" pitchFamily="34" charset="77"/>
-            </a:endParaRPr>
-          </a:p>
-          <a:p>
-            <a:pPr marL="457200" indent="-457200">
-              <a:buAutoNum type="arabicParenR"/>
-            </a:pPr>
-            <a:r>
-              <a:rPr lang="en-US" dirty="0">
-                <a:latin typeface="Gill Sans MT" panose="020B0502020104020203" pitchFamily="34" charset="77"/>
-              </a:rPr>
-              <a:t>Lists</a:t>
-            </a:r>
-          </a:p>
-          <a:p>
-            <a:pPr marL="457200" indent="-457200">
-              <a:buAutoNum type="arabicParenR"/>
-            </a:pPr>
-            <a:r>
-              <a:rPr lang="en-US" sz="2000" dirty="0">
-                <a:latin typeface="Gill Sans MT" panose="020B0502020104020203" pitchFamily="34" charset="77"/>
-              </a:rPr>
-              <a:t>List indexing</a:t>
-            </a:r>
-          </a:p>
-          <a:p>
-            <a:pPr marL="457200" indent="-457200">
-              <a:buAutoNum type="arabicParenR"/>
-            </a:pPr>
-            <a:r>
-              <a:rPr lang="en-US" sz="2000" dirty="0">
-                <a:latin typeface="Gill Sans MT" panose="020B0502020104020203" pitchFamily="34" charset="77"/>
-              </a:rPr>
-              <a:t>Traversing and modifying a list</a:t>
-            </a:r>
-          </a:p>
-          <a:p>
-            <a:pPr marL="457200" indent="-457200">
-              <a:buAutoNum type="arabicParenR"/>
-            </a:pPr>
-            <a:r>
-              <a:rPr lang="en-US" sz="2000" dirty="0">
-                <a:latin typeface="Gill Sans MT" panose="020B0502020104020203" pitchFamily="34" charset="77"/>
-              </a:rPr>
-              <a:t>Summing a list</a:t>
-            </a:r>
-          </a:p>
-          <a:p>
-            <a:pPr marL="457200" indent="-457200">
-              <a:buAutoNum type="arabicParenR"/>
-            </a:pPr>
-            <a:r>
-              <a:rPr lang="en-US" sz="2000" dirty="0">
-                <a:latin typeface="Gill Sans MT" panose="020B0502020104020203" pitchFamily="34" charset="77"/>
-              </a:rPr>
-              <a:t>Maximum/Minimum of a list</a:t>
-            </a:r>
-          </a:p>
-          <a:p>
-            <a:pPr marL="457200" indent="-457200">
-              <a:buAutoNum type="arabicParenR"/>
-            </a:pPr>
-            <a:r>
-              <a:rPr lang="en-US" sz="2000">
-                <a:latin typeface="Gill Sans MT" panose="020B0502020104020203" pitchFamily="34" charset="77"/>
-              </a:rPr>
-              <a:t>List Methods</a:t>
-            </a:r>
-            <a:endParaRPr lang="en-US" sz="2000" dirty="0">
-              <a:latin typeface="Gill Sans MT" panose="020B0502020104020203" pitchFamily="34" charset="77"/>
-            </a:endParaRPr>
-          </a:p>
-          <a:p>
-            <a:pPr marL="0" indent="0">
-              <a:buNone/>
-            </a:pPr>
-            <a:endParaRPr lang="en-US" dirty="0">
-              <a:latin typeface="Gill Sans MT" panose="020B0502020104020203" pitchFamily="34" charset="77"/>
-            </a:endParaRPr>
-          </a:p>
-          <a:p>
-            <a:pPr marL="457200" indent="-457200">
-              <a:buAutoNum type="arabicParenR"/>
-            </a:pPr>
-            <a:endParaRPr lang="en-US" dirty="0">
-              <a:latin typeface="Gill Sans MT" panose="020B0502020104020203" pitchFamily="34" charset="77"/>
-            </a:endParaRPr>
-          </a:p>
-          <a:p>
-            <a:pPr marL="457200" indent="-457200">
-              <a:buAutoNum type="arabicParenR"/>
-            </a:pPr>
-            <a:endParaRPr lang="en-US" dirty="0">
-              <a:latin typeface="Gill Sans MT" panose="020B0502020104020203" pitchFamily="34" charset="77"/>
-            </a:endParaRPr>
-          </a:p>
-          <a:p>
-            <a:pPr marL="0" indent="0">
-              <a:buNone/>
-            </a:pPr>
-            <a:endParaRPr lang="en-US" dirty="0">
-              <a:latin typeface="Gill Sans MT" panose="020B0502020104020203" pitchFamily="34" charset="77"/>
-            </a:endParaRPr>
-          </a:p>
-          <a:p>
-            <a:pPr marL="0" indent="0">
-              <a:buNone/>
-            </a:pPr>
-            <a:endParaRPr lang="en-US" b="1" dirty="0">
-              <a:latin typeface="Gill Sans MT" panose="020B0502020104020203" pitchFamily="34" charset="77"/>
-            </a:endParaRPr>
-          </a:p>
-        </p:txBody>
-      </p:sp>
-    </p:spTree>
-    <p:extLst>
-      <p:ext uri="{BB962C8B-B14F-4D97-AF65-F5344CB8AC3E}">
-        <p14:creationId xmlns:p14="http://schemas.microsoft.com/office/powerpoint/2010/main" val="131840209"/>
-      </p:ext>
-    </p:extLst>
-  </p:cSld>
-  <p:clrMapOvr>
-    <a:masterClrMapping/>
-  </p:clrMapOvr>
-</p:sld>
-</file>
-
-<file path=ppt/slides/slide20.xml><?xml version="1.0" encoding="utf-8"?>
+<file path=ppt/slides/slide22.xml><?xml version="1.0" encoding="utf-8"?>
 <p:sld xmlns:a="http://schemas.openxmlformats.org/drawingml/2006/main" xmlns:r="http://schemas.openxmlformats.org/officeDocument/2006/relationships" xmlns:p="http://schemas.openxmlformats.org/presentationml/2006/main">
   <p:cSld>
     <p:spTree>
@@ -14034,7 +15912,7 @@
         <p:spPr>
           <a:xfrm>
             <a:off x="287384" y="835574"/>
-            <a:ext cx="8248190" cy="4727738"/>
+            <a:ext cx="8651442" cy="4727738"/>
           </a:xfrm>
         </p:spPr>
         <p:txBody>
@@ -14347,6 +16225,21 @@
                 <a:latin typeface="Inconsolata" panose="020B0609030003000000" pitchFamily="49" charset="77"/>
               </a:rPr>
               <a:t> 				</a:t>
+            </a:r>
+            <a:r>
+              <a:rPr lang="en-US" b="1" i="1" dirty="0">
+                <a:solidFill>
+                  <a:srgbClr val="33566B"/>
+                </a:solidFill>
+                <a:latin typeface="Inconsolata" panose="020B0609030003000000" pitchFamily="49" charset="77"/>
+              </a:rPr>
+              <a:t># ok to not store popped value</a:t>
+            </a:r>
+            <a:r>
+              <a:rPr lang="en-US" b="1" dirty="0">
+                <a:latin typeface="Inconsolata" panose="020B0609030003000000" pitchFamily="49" charset="77"/>
+              </a:rPr>
+              <a:t>	</a:t>
             </a:r>
           </a:p>
           <a:p>
@@ -14735,7 +16628,7 @@
 </p:sld>
 </file>
 
-<file path=ppt/slides/slide21.xml><?xml version="1.0" encoding="utf-8"?>
+<file path=ppt/slides/slide23.xml><?xml version="1.0" encoding="utf-8"?>
 <p:sld xmlns:a="http://schemas.openxmlformats.org/drawingml/2006/main" xmlns:r="http://schemas.openxmlformats.org/officeDocument/2006/relationships" xmlns:p="http://schemas.openxmlformats.org/presentationml/2006/main">
   <p:cSld>
     <p:spTree>
@@ -14803,8 +16696,8 @@
         </p:nvSpPr>
         <p:spPr>
           <a:xfrm>
-            <a:off x="172732" y="841967"/>
-            <a:ext cx="8900148" cy="4738815"/>
+            <a:off x="0" y="707749"/>
+            <a:ext cx="9144000" cy="4873033"/>
           </a:xfrm>
         </p:spPr>
         <p:txBody>
@@ -14825,12 +16718,6 @@
             <a:pPr marL="0" indent="0">
               <a:buNone/>
             </a:pPr>
-            <a:endParaRPr lang="en-US" dirty="0"/>
-          </a:p>
-          <a:p>
-            <a:pPr marL="0" indent="0">
-              <a:buNone/>
-            </a:pPr>
             <a:r>
               <a:rPr lang="en-US" b="1" dirty="0">
                 <a:solidFill>
@@ -15044,6 +16931,127 @@
               </a:rPr>
               <a:t># [‘hi’, ‘I am Mike’, ‘I just graduate.’] </a:t>
             </a:r>
+          </a:p>
+          <a:p>
+            <a:pPr marL="0" indent="0">
+              <a:buNone/>
+            </a:pPr>
+            <a:endParaRPr lang="en-US" b="1" dirty="0">
+              <a:latin typeface="Inconsolata" panose="020B0609030003000000" pitchFamily="49" charset="77"/>
+            </a:endParaRPr>
+          </a:p>
+          <a:p>
+            <a:pPr marL="0" indent="0">
+              <a:buNone/>
+            </a:pPr>
+            <a:r>
+              <a:rPr lang="en-US" b="1" dirty="0">
+                <a:solidFill>
+                  <a:srgbClr val="000087"/>
+                </a:solidFill>
+                <a:latin typeface="INCONSOLATA" panose="020B0609030003000000" pitchFamily="49" charset="77"/>
+              </a:rPr>
+              <a:t>timer = </a:t>
+            </a:r>
+            <a:r>
+              <a:rPr lang="en-US" b="1" dirty="0">
+                <a:solidFill>
+                  <a:srgbClr val="CC3300"/>
+                </a:solidFill>
+                <a:latin typeface="INCONSOLATA" panose="020B0609030003000000" pitchFamily="49" charset="77"/>
+              </a:rPr>
+              <a:t>“4:24:12” </a:t>
+            </a:r>
+            <a:endParaRPr lang="en-US" b="1" dirty="0">
+              <a:solidFill>
+                <a:srgbClr val="000087"/>
+              </a:solidFill>
+              <a:latin typeface="INCONSOLATA" panose="020B0609030003000000" pitchFamily="49" charset="77"/>
+            </a:endParaRPr>
+          </a:p>
+          <a:p>
+            <a:pPr marL="0" indent="0">
+              <a:buNone/>
+            </a:pPr>
+            <a:r>
+              <a:rPr lang="en-US" b="1" dirty="0" err="1">
+                <a:solidFill>
+                  <a:srgbClr val="000087"/>
+                </a:solidFill>
+                <a:latin typeface="INCONSOLATA" panose="020B0609030003000000" pitchFamily="49" charset="77"/>
+              </a:rPr>
+              <a:t>timer_lst</a:t>
+            </a:r>
+            <a:r>
+              <a:rPr lang="en-US" b="1" dirty="0">
+                <a:solidFill>
+                  <a:srgbClr val="000087"/>
+                </a:solidFill>
+                <a:latin typeface="INCONSOLATA" panose="020B0609030003000000" pitchFamily="49" charset="77"/>
+              </a:rPr>
+              <a:t> = </a:t>
+            </a:r>
+            <a:r>
+              <a:rPr lang="en-US" b="1" dirty="0" err="1">
+                <a:solidFill>
+                  <a:srgbClr val="000087"/>
+                </a:solidFill>
+                <a:latin typeface="INCONSOLATA" panose="020B0609030003000000" pitchFamily="49" charset="77"/>
+              </a:rPr>
+              <a:t>timer.split</a:t>
+            </a:r>
+            <a:r>
+              <a:rPr lang="en-US" b="1" dirty="0">
+                <a:solidFill>
+                  <a:srgbClr val="000087"/>
+                </a:solidFill>
+                <a:latin typeface="INCONSOLATA" panose="020B0609030003000000" pitchFamily="49" charset="77"/>
+              </a:rPr>
+              <a:t>(":")</a:t>
+            </a:r>
+            <a:endParaRPr lang="en-US" b="1" dirty="0">
+              <a:latin typeface="INCONSOLATA" panose="020B0609030003000000" pitchFamily="49" charset="77"/>
+            </a:endParaRPr>
+          </a:p>
+          <a:p>
+            <a:pPr marL="0" indent="0">
+              <a:buNone/>
+            </a:pPr>
+            <a:r>
+              <a:rPr lang="en-US" b="1" dirty="0">
+                <a:latin typeface="INCONSOLATA" panose="020B0609030003000000" pitchFamily="49" charset="77"/>
+              </a:rPr>
+              <a:t>print(</a:t>
+            </a:r>
+            <a:r>
+              <a:rPr lang="en-US" b="1" dirty="0" err="1">
+                <a:latin typeface="INCONSOLATA" panose="020B0609030003000000" pitchFamily="49" charset="77"/>
+              </a:rPr>
+              <a:t>timer_lst</a:t>
+            </a:r>
+            <a:r>
+              <a:rPr lang="en-US" b="1" dirty="0">
+                <a:latin typeface="INCONSOLATA" panose="020B0609030003000000" pitchFamily="49" charset="77"/>
+              </a:rPr>
+              <a:t>)    </a:t>
+            </a:r>
+            <a:r>
+              <a:rPr lang="en-US" b="1" dirty="0">
+                <a:solidFill>
+                  <a:schemeClr val="accent1"/>
+                </a:solidFill>
+                <a:latin typeface="INCONSOLATA" panose="020B0609030003000000" pitchFamily="49" charset="77"/>
+              </a:rPr>
+              <a:t># [‘4’, ‘24’, ‘12’], these are still strings </a:t>
+            </a:r>
+          </a:p>
+          <a:p>
+            <a:pPr marL="0" indent="0">
+              <a:buNone/>
+            </a:pPr>
+            <a:endParaRPr lang="en-US" b="1" dirty="0">
+              <a:latin typeface="Inconsolata" panose="020B0609030003000000" pitchFamily="49" charset="77"/>
+            </a:endParaRPr>
           </a:p>
           <a:p>
             <a:pPr marL="0" indent="0">
@@ -15134,7 +17142,7 @@
                                         <p:tgtEl>
                                           <p:spTgt spid="9">
                                             <p:txEl>
-                                              <p:pRg st="2" end="2"/>
+                                              <p:pRg st="1" end="1"/>
                                             </p:txEl>
                                           </p:spTgt>
                                         </p:tgtEl>
@@ -15183,7 +17191,7 @@
                                         <p:tgtEl>
                                           <p:spTgt spid="9">
                                             <p:txEl>
-                                              <p:pRg st="3" end="3"/>
+                                              <p:pRg st="2" end="2"/>
                                             </p:txEl>
                                           </p:spTgt>
                                         </p:tgtEl>
@@ -15214,7 +17222,7 @@
                                         <p:tgtEl>
                                           <p:spTgt spid="9">
                                             <p:txEl>
-                                              <p:pRg st="4" end="4"/>
+                                              <p:pRg st="3" end="3"/>
                                             </p:txEl>
                                           </p:spTgt>
                                         </p:tgtEl>
@@ -15263,7 +17271,7 @@
                                         <p:tgtEl>
                                           <p:spTgt spid="9">
                                             <p:txEl>
-                                              <p:pRg st="6" end="6"/>
+                                              <p:pRg st="5" end="5"/>
                                             </p:txEl>
                                           </p:spTgt>
                                         </p:tgtEl>
@@ -15312,7 +17320,7 @@
                                         <p:tgtEl>
                                           <p:spTgt spid="9">
                                             <p:txEl>
-                                              <p:pRg st="7" end="7"/>
+                                              <p:pRg st="6" end="6"/>
                                             </p:txEl>
                                           </p:spTgt>
                                         </p:tgtEl>
@@ -15343,7 +17351,100 @@
                                         <p:tgtEl>
                                           <p:spTgt spid="9">
                                             <p:txEl>
-                                              <p:pRg st="8" end="8"/>
+                                              <p:pRg st="7" end="7"/>
+                                            </p:txEl>
+                                          </p:spTgt>
+                                        </p:tgtEl>
+                                        <p:attrNameLst>
+                                          <p:attrName>style.visibility</p:attrName>
+                                        </p:attrNameLst>
+                                      </p:cBhvr>
+                                      <p:to>
+                                        <p:strVal val="visible"/>
+                                      </p:to>
+                                    </p:set>
+                                  </p:childTnLst>
+                                </p:cTn>
+                              </p:par>
+                              <p:par>
+                                <p:cTn id="23" presetID="1" presetClass="entr" presetSubtype="0" fill="hold" nodeType="withEffect">
+                                  <p:stCondLst>
+                                    <p:cond delay="0"/>
+                                  </p:stCondLst>
+                                  <p:childTnLst>
+                                    <p:set>
+                                      <p:cBhvr>
+                                        <p:cTn id="24" dur="1" fill="hold">
+                                          <p:stCondLst>
+                                            <p:cond delay="0"/>
+                                          </p:stCondLst>
+                                        </p:cTn>
+                                        <p:tgtEl>
+                                          <p:spTgt spid="9">
+                                            <p:txEl>
+                                              <p:pRg st="9" end="9"/>
+                                            </p:txEl>
+                                          </p:spTgt>
+                                        </p:tgtEl>
+                                        <p:attrNameLst>
+                                          <p:attrName>style.visibility</p:attrName>
+                                        </p:attrNameLst>
+                                      </p:cBhvr>
+                                      <p:to>
+                                        <p:strVal val="visible"/>
+                                      </p:to>
+                                    </p:set>
+                                  </p:childTnLst>
+                                </p:cTn>
+                              </p:par>
+                              <p:par>
+                                <p:cTn id="25" presetID="1" presetClass="entr" presetSubtype="0" fill="hold" nodeType="withEffect">
+                                  <p:stCondLst>
+                                    <p:cond delay="0"/>
+                                  </p:stCondLst>
+                                  <p:childTnLst>
+                                    <p:set>
+                                      <p:cBhvr>
+                                        <p:cTn id="26" dur="1" fill="hold">
+                                          <p:stCondLst>
+                                            <p:cond delay="0"/>
+                                          </p:stCondLst>
+                                        </p:cTn>
+                                        <p:tgtEl>
+                                          <p:spTgt spid="9">
+                                            <p:txEl>
+                                              <p:pRg st="10" end="10"/>
+                                            </p:txEl>
+                                          </p:spTgt>
+                                        </p:tgtEl>
+                                        <p:attrNameLst>
+                                          <p:attrName>style.visibility</p:attrName>
+                                        </p:attrNameLst>
+                                      </p:cBhvr>
+                                      <p:to>
+                                        <p:strVal val="visible"/>
+                                      </p:to>
+                                    </p:set>
+                                  </p:childTnLst>
+                                </p:cTn>
+                              </p:par>
+                              <p:par>
+                                <p:cTn id="27" presetID="1" presetClass="entr" presetSubtype="0" fill="hold" nodeType="withEffect">
+                                  <p:stCondLst>
+                                    <p:cond delay="0"/>
+                                  </p:stCondLst>
+                                  <p:childTnLst>
+                                    <p:set>
+                                      <p:cBhvr>
+                                        <p:cTn id="28" dur="1" fill="hold">
+                                          <p:stCondLst>
+                                            <p:cond delay="0"/>
+                                          </p:stCondLst>
+                                        </p:cTn>
+                                        <p:tgtEl>
+                                          <p:spTgt spid="9">
+                                            <p:txEl>
+                                              <p:pRg st="11" end="11"/>
                                             </p:txEl>
                                           </p:spTgt>
                                         </p:tgtEl>
@@ -15389,7 +17490,7 @@
 </p:sld>
 </file>
 
-<file path=ppt/slides/slide22.xml><?xml version="1.0" encoding="utf-8"?>
+<file path=ppt/slides/slide24.xml><?xml version="1.0" encoding="utf-8"?>
 <p:sld xmlns:a="http://schemas.openxmlformats.org/drawingml/2006/main" xmlns:r="http://schemas.openxmlformats.org/officeDocument/2006/relationships" xmlns:p="http://schemas.openxmlformats.org/presentationml/2006/main">
   <p:cSld>
     <p:spTree>
@@ -15565,7 +17666,7 @@
 </p:sld>
 </file>
 
-<file path=ppt/slides/slide23.xml><?xml version="1.0" encoding="utf-8"?>
+<file path=ppt/slides/slide25.xml><?xml version="1.0" encoding="utf-8"?>
 <p:sld xmlns:a="http://schemas.openxmlformats.org/drawingml/2006/main" xmlns:r="http://schemas.openxmlformats.org/officeDocument/2006/relationships" xmlns:p="http://schemas.openxmlformats.org/presentationml/2006/main">
   <p:cSld>
     <p:spTree>
@@ -15762,7 +17863,7 @@
 </p:sld>
 </file>
 
-<file path=ppt/slides/slide24.xml><?xml version="1.0" encoding="utf-8"?>
+<file path=ppt/slides/slide26.xml><?xml version="1.0" encoding="utf-8"?>
 <p:sld xmlns:a="http://schemas.openxmlformats.org/drawingml/2006/main" xmlns:r="http://schemas.openxmlformats.org/officeDocument/2006/relationships" xmlns:p="http://schemas.openxmlformats.org/presentationml/2006/main">
   <p:cSld>
     <p:spTree>
@@ -16022,6 +18123,12 @@
             <a:pPr marL="0" indent="0">
               <a:buNone/>
             </a:pPr>
+            <a:endParaRPr lang="en-US" dirty="0"/>
+          </a:p>
+          <a:p>
+            <a:pPr marL="0" indent="0">
+              <a:buNone/>
+            </a:pPr>
             <a:r>
               <a:rPr lang="en-US" i="1" dirty="0"/>
               <a:t>Lists</a:t>
@@ -16044,7 +18151,16 @@
             </a:r>
             <a:r>
               <a:rPr lang="en-US" dirty="0"/>
-              <a:t>, which can hold items of different type. They hold references to objects they contain(more on this later).</a:t>
+              <a:t>, which can hold items of different type. </a:t>
+            </a:r>
+          </a:p>
+          <a:p>
+            <a:pPr marL="0" indent="0">
+              <a:buNone/>
+            </a:pPr>
+            <a:r>
+              <a:rPr lang="en-US" dirty="0"/>
+              <a:t>String is a flat sequence which holds item of one type(characters). </a:t>
             </a:r>
           </a:p>
           <a:p>
@@ -16052,15 +18168,6 @@
               <a:buNone/>
             </a:pPr>
             <a:endParaRPr lang="en-US" dirty="0"/>
-          </a:p>
-          <a:p>
-            <a:pPr marL="0" indent="0">
-              <a:buNone/>
-            </a:pPr>
-            <a:r>
-              <a:rPr lang="en-US" dirty="0"/>
-              <a:t>String is a flat sequence which holds item of one type(characters). Flat sequences physically store the value of each item within its own memory space.</a:t>
-            </a:r>
           </a:p>
           <a:p>
             <a:pPr marL="0" indent="0">
@@ -16204,7 +18311,7 @@
                                         <p:tgtEl>
                                           <p:spTgt spid="9">
                                             <p:txEl>
-                                              <p:pRg st="2" end="2"/>
+                                              <p:pRg st="3" end="3"/>
                                             </p:txEl>
                                           </p:spTgt>
                                         </p:tgtEl>
@@ -16302,7 +18409,7 @@
                                         <p:tgtEl>
                                           <p:spTgt spid="9">
                                             <p:txEl>
-                                              <p:pRg st="6" end="6"/>
+                                              <p:pRg st="7" end="7"/>
                                             </p:txEl>
                                           </p:spTgt>
                                         </p:tgtEl>
@@ -17433,15 +19540,82 @@
                                   </p:childTnLst>
                                 </p:cTn>
                               </p:par>
+                            </p:childTnLst>
+                          </p:cTn>
+                        </p:par>
+                      </p:childTnLst>
+                    </p:cTn>
+                  </p:par>
+                  <p:par>
+                    <p:cTn id="7" fill="hold">
+                      <p:stCondLst>
+                        <p:cond delay="indefinite"/>
+                      </p:stCondLst>
+                      <p:childTnLst>
+                        <p:par>
+                          <p:cTn id="8" fill="hold">
+                            <p:stCondLst>
+                              <p:cond delay="0"/>
+                            </p:stCondLst>
+                            <p:childTnLst>
                               <p:par>
-                                <p:cTn id="7" presetID="1" presetClass="entr" presetSubtype="0" fill="hold" nodeType="withEffect">
+                                <p:cTn id="9" presetID="1" presetClass="entr" presetSubtype="0" fill="hold" nodeType="clickEffect">
                                   <p:stCondLst>
                                     <p:cond delay="0"/>
                                   </p:stCondLst>
                                   <p:childTnLst>
                                     <p:set>
                                       <p:cBhvr>
-                                        <p:cTn id="8" dur="1" fill="hold">
+                                        <p:cTn id="10" dur="1" fill="hold">
+                                          <p:stCondLst>
+                                            <p:cond delay="0"/>
+                                          </p:stCondLst>
+                                        </p:cTn>
+                                        <p:tgtEl>
+                                          <p:spTgt spid="9">
+                                            <p:txEl>
+                                              <p:pRg st="4" end="4"/>
+                                            </p:txEl>
+                                          </p:spTgt>
+                                        </p:tgtEl>
+                                        <p:attrNameLst>
+                                          <p:attrName>style.visibility</p:attrName>
+                                        </p:attrNameLst>
+                                      </p:cBhvr>
+                                      <p:to>
+                                        <p:strVal val="visible"/>
+                                      </p:to>
+                                    </p:set>
+                                  </p:childTnLst>
+                                </p:cTn>
+                              </p:par>
+                            </p:childTnLst>
+                          </p:cTn>
+                        </p:par>
+                      </p:childTnLst>
+                    </p:cTn>
+                  </p:par>
+                  <p:par>
+                    <p:cTn id="11" fill="hold">
+                      <p:stCondLst>
+                        <p:cond delay="indefinite"/>
+                      </p:stCondLst>
+                      <p:childTnLst>
+                        <p:par>
+                          <p:cTn id="12" fill="hold">
+                            <p:stCondLst>
+                              <p:cond delay="0"/>
+                            </p:stCondLst>
+                            <p:childTnLst>
+                              <p:par>
+                                <p:cTn id="13" presetID="1" presetClass="entr" presetSubtype="0" fill="hold" nodeType="clickEffect">
+                                  <p:stCondLst>
+                                    <p:cond delay="0"/>
+                                  </p:stCondLst>
+                                  <p:childTnLst>
+                                    <p:set>
+                                      <p:cBhvr>
+                                        <p:cTn id="14" dur="1" fill="hold">
                                           <p:stCondLst>
                                             <p:cond delay="0"/>
                                           </p:stCondLst>
@@ -17471,26 +19645,26 @@
                     </p:cTn>
                   </p:par>
                   <p:par>
-                    <p:cTn id="9" fill="hold">
+                    <p:cTn id="15" fill="hold">
                       <p:stCondLst>
                         <p:cond delay="indefinite"/>
                       </p:stCondLst>
                       <p:childTnLst>
                         <p:par>
-                          <p:cTn id="10" fill="hold">
+                          <p:cTn id="16" fill="hold">
                             <p:stCondLst>
                               <p:cond delay="0"/>
                             </p:stCondLst>
                             <p:childTnLst>
                               <p:par>
-                                <p:cTn id="11" presetID="1" presetClass="entr" presetSubtype="0" fill="hold" nodeType="clickEffect">
+                                <p:cTn id="17" presetID="1" presetClass="entr" presetSubtype="0" fill="hold" nodeType="clickEffect">
                                   <p:stCondLst>
                                     <p:cond delay="0"/>
                                   </p:stCondLst>
                                   <p:childTnLst>
                                     <p:set>
                                       <p:cBhvr>
-                                        <p:cTn id="12" dur="1" fill="hold">
+                                        <p:cTn id="18" dur="1" fill="hold">
                                           <p:stCondLst>
                                             <p:cond delay="0"/>
                                           </p:stCondLst>
@@ -17977,6 +20151,104 @@
                                           <p:spTgt spid="9">
                                             <p:txEl>
                                               <p:pRg st="5" end="5"/>
+                                            </p:txEl>
+                                          </p:spTgt>
+                                        </p:tgtEl>
+                                        <p:attrNameLst>
+                                          <p:attrName>style.visibility</p:attrName>
+                                        </p:attrNameLst>
+                                      </p:cBhvr>
+                                      <p:to>
+                                        <p:strVal val="visible"/>
+                                      </p:to>
+                                    </p:set>
+                                  </p:childTnLst>
+                                </p:cTn>
+                              </p:par>
+                            </p:childTnLst>
+                          </p:cTn>
+                        </p:par>
+                      </p:childTnLst>
+                    </p:cTn>
+                  </p:par>
+                  <p:par>
+                    <p:cTn id="7" fill="hold">
+                      <p:stCondLst>
+                        <p:cond delay="indefinite"/>
+                      </p:stCondLst>
+                      <p:childTnLst>
+                        <p:par>
+                          <p:cTn id="8" fill="hold">
+                            <p:stCondLst>
+                              <p:cond delay="0"/>
+                            </p:stCondLst>
+                            <p:childTnLst>
+                              <p:par>
+                                <p:cTn id="9" presetID="1" presetClass="entr" presetSubtype="0" fill="hold" nodeType="clickEffect">
+                                  <p:stCondLst>
+                                    <p:cond delay="0"/>
+                                  </p:stCondLst>
+                                  <p:childTnLst>
+                                    <p:set>
+                                      <p:cBhvr>
+                                        <p:cTn id="10" dur="1" fill="hold">
+                                          <p:stCondLst>
+                                            <p:cond delay="0"/>
+                                          </p:stCondLst>
+                                        </p:cTn>
+                                        <p:tgtEl>
+                                          <p:spTgt spid="9">
+                                            <p:txEl>
+                                              <p:pRg st="5" end="5"/>
+                                            </p:txEl>
+                                          </p:spTgt>
+                                        </p:tgtEl>
+                                        <p:attrNameLst>
+                                          <p:attrName>style.visibility</p:attrName>
+                                        </p:attrNameLst>
+                                      </p:cBhvr>
+                                      <p:to>
+                                        <p:strVal val="visible"/>
+                                      </p:to>
+                                    </p:set>
+                                  </p:childTnLst>
+                                </p:cTn>
+                              </p:par>
+                            </p:childTnLst>
+                          </p:cTn>
+                        </p:par>
+                      </p:childTnLst>
+                    </p:cTn>
+                  </p:par>
+                  <p:par>
+                    <p:cTn id="11" fill="hold">
+                      <p:stCondLst>
+                        <p:cond delay="indefinite"/>
+                      </p:stCondLst>
+                      <p:childTnLst>
+                        <p:par>
+                          <p:cTn id="12" fill="hold">
+                            <p:stCondLst>
+                              <p:cond delay="0"/>
+                            </p:stCondLst>
+                            <p:childTnLst>
+                              <p:par>
+                                <p:cTn id="13" presetID="1" presetClass="entr" presetSubtype="0" fill="hold" nodeType="clickEffect">
+                                  <p:stCondLst>
+                                    <p:cond delay="0"/>
+                                  </p:stCondLst>
+                                  <p:childTnLst>
+                                    <p:set>
+                                      <p:cBhvr>
+                                        <p:cTn id="14" dur="1" fill="hold">
+                                          <p:stCondLst>
+                                            <p:cond delay="0"/>
+                                          </p:stCondLst>
+                                        </p:cTn>
+                                        <p:tgtEl>
+                                          <p:spTgt spid="9">
+                                            <p:txEl>
+                                              <p:pRg st="6" end="6"/>
                                             </p:txEl>
                                           </p:spTgt>
                                         </p:tgtEl>
@@ -19637,15 +21909,33 @@
                                   </p:childTnLst>
                                 </p:cTn>
                               </p:par>
+                            </p:childTnLst>
+                          </p:cTn>
+                        </p:par>
+                      </p:childTnLst>
+                    </p:cTn>
+                  </p:par>
+                  <p:par>
+                    <p:cTn id="9" fill="hold">
+                      <p:stCondLst>
+                        <p:cond delay="indefinite"/>
+                      </p:stCondLst>
+                      <p:childTnLst>
+                        <p:par>
+                          <p:cTn id="10" fill="hold">
+                            <p:stCondLst>
+                              <p:cond delay="0"/>
+                            </p:stCondLst>
+                            <p:childTnLst>
                               <p:par>
-                                <p:cTn id="9" presetID="1" presetClass="entr" presetSubtype="0" fill="hold" nodeType="withEffect">
+                                <p:cTn id="11" presetID="1" presetClass="entr" presetSubtype="0" fill="hold" nodeType="clickEffect">
                                   <p:stCondLst>
                                     <p:cond delay="0"/>
                                   </p:stCondLst>
                                   <p:childTnLst>
                                     <p:set>
                                       <p:cBhvr>
-                                        <p:cTn id="10" dur="1" fill="hold">
+                                        <p:cTn id="12" dur="1" fill="hold">
                                           <p:stCondLst>
                                             <p:cond delay="0"/>
                                           </p:stCondLst>
@@ -19669,14 +21959,14 @@
                                 </p:cTn>
                               </p:par>
                               <p:par>
-                                <p:cTn id="11" presetID="1" presetClass="entr" presetSubtype="0" fill="hold" nodeType="withEffect">
+                                <p:cTn id="13" presetID="1" presetClass="entr" presetSubtype="0" fill="hold" nodeType="withEffect">
                                   <p:stCondLst>
                                     <p:cond delay="0"/>
                                   </p:stCondLst>
                                   <p:childTnLst>
                                     <p:set>
                                       <p:cBhvr>
-                                        <p:cTn id="12" dur="1" fill="hold">
+                                        <p:cTn id="14" dur="1" fill="hold">
                                           <p:stCondLst>
                                             <p:cond delay="0"/>
                                           </p:stCondLst>
@@ -19798,8 +22088,8 @@
         </p:nvSpPr>
         <p:spPr>
           <a:xfrm>
-            <a:off x="144483" y="817895"/>
-            <a:ext cx="8726139" cy="4763097"/>
+            <a:off x="144483" y="711201"/>
+            <a:ext cx="9080797" cy="5003800"/>
           </a:xfrm>
         </p:spPr>
         <p:txBody>
@@ -19822,389 +22112,481 @@
             <a:pPr marL="0" indent="0">
               <a:buNone/>
             </a:pPr>
+            <a:r>
+              <a:rPr lang="en-US" dirty="0">
+                <a:latin typeface="Gill Sans MT" panose="020B0502020104020203" pitchFamily="34" charset="77"/>
+              </a:rPr>
+              <a:t>1) for each loop:</a:t>
+            </a:r>
+          </a:p>
+          <a:p>
+            <a:pPr marL="0" indent="0">
+              <a:buNone/>
+            </a:pPr>
+            <a:r>
+              <a:rPr lang="en-US" b="1" dirty="0" err="1">
+                <a:solidFill>
+                  <a:srgbClr val="000087"/>
+                </a:solidFill>
+                <a:latin typeface="INCONSOLATA" panose="020B0609030003000000" pitchFamily="49" charset="77"/>
+              </a:rPr>
+              <a:t>nums</a:t>
+            </a:r>
+            <a:r>
+              <a:rPr lang="en-US" b="1" dirty="0">
+                <a:solidFill>
+                  <a:srgbClr val="000087"/>
+                </a:solidFill>
+                <a:latin typeface="INCONSOLATA" panose="020B0609030003000000" pitchFamily="49" charset="77"/>
+              </a:rPr>
+              <a:t> </a:t>
+            </a:r>
+            <a:r>
+              <a:rPr lang="en-US" b="1" dirty="0">
+                <a:solidFill>
+                  <a:srgbClr val="545454"/>
+                </a:solidFill>
+                <a:latin typeface="INCONSOLATA" panose="020B0609030003000000" pitchFamily="49" charset="77"/>
+              </a:rPr>
+              <a:t>= </a:t>
+            </a:r>
+            <a:r>
+              <a:rPr lang="en-US" b="1" dirty="0">
+                <a:latin typeface="INCONSOLATA" panose="020B0609030003000000" pitchFamily="49" charset="77"/>
+              </a:rPr>
+              <a:t>[</a:t>
+            </a:r>
+            <a:r>
+              <a:rPr lang="en-US" b="1" dirty="0">
+                <a:solidFill>
+                  <a:srgbClr val="FF6600"/>
+                </a:solidFill>
+                <a:latin typeface="INCONSOLATA" panose="020B0609030003000000" pitchFamily="49" charset="77"/>
+              </a:rPr>
+              <a:t>2</a:t>
+            </a:r>
+            <a:r>
+              <a:rPr lang="en-US" b="1" dirty="0">
+                <a:latin typeface="INCONSOLATA" panose="020B0609030003000000" pitchFamily="49" charset="77"/>
+              </a:rPr>
+              <a:t>, </a:t>
+            </a:r>
+            <a:r>
+              <a:rPr lang="en-US" b="1" dirty="0">
+                <a:solidFill>
+                  <a:srgbClr val="FF6600"/>
+                </a:solidFill>
+                <a:latin typeface="INCONSOLATA" panose="020B0609030003000000" pitchFamily="49" charset="77"/>
+              </a:rPr>
+              <a:t>-1</a:t>
+            </a:r>
+            <a:r>
+              <a:rPr lang="en-US" b="1" dirty="0">
+                <a:latin typeface="INCONSOLATA" panose="020B0609030003000000" pitchFamily="49" charset="77"/>
+              </a:rPr>
+              <a:t>, </a:t>
+            </a:r>
+            <a:r>
+              <a:rPr lang="en-US" b="1" dirty="0">
+                <a:solidFill>
+                  <a:srgbClr val="FF6600"/>
+                </a:solidFill>
+                <a:latin typeface="INCONSOLATA" panose="020B0609030003000000" pitchFamily="49" charset="77"/>
+              </a:rPr>
+              <a:t>3</a:t>
+            </a:r>
+            <a:r>
+              <a:rPr lang="en-US" b="1" dirty="0">
+                <a:latin typeface="INCONSOLATA" panose="020B0609030003000000" pitchFamily="49" charset="77"/>
+              </a:rPr>
+              <a:t>, </a:t>
+            </a:r>
+            <a:r>
+              <a:rPr lang="en-US" b="1" dirty="0">
+                <a:solidFill>
+                  <a:srgbClr val="FF6600"/>
+                </a:solidFill>
+                <a:latin typeface="INCONSOLATA" panose="020B0609030003000000" pitchFamily="49" charset="77"/>
+              </a:rPr>
+              <a:t>4</a:t>
+            </a:r>
+            <a:r>
+              <a:rPr lang="en-US" b="1" dirty="0">
+                <a:latin typeface="INCONSOLATA" panose="020B0609030003000000" pitchFamily="49" charset="77"/>
+              </a:rPr>
+              <a:t>, </a:t>
+            </a:r>
+            <a:r>
+              <a:rPr lang="en-US" b="1" dirty="0">
+                <a:solidFill>
+                  <a:srgbClr val="FF6600"/>
+                </a:solidFill>
+                <a:latin typeface="INCONSOLATA" panose="020B0609030003000000" pitchFamily="49" charset="77"/>
+              </a:rPr>
+              <a:t>-3</a:t>
+            </a:r>
+            <a:r>
+              <a:rPr lang="en-US" b="1" dirty="0">
+                <a:latin typeface="INCONSOLATA" panose="020B0609030003000000" pitchFamily="49" charset="77"/>
+              </a:rPr>
+              <a:t>]</a:t>
+            </a:r>
+          </a:p>
+          <a:p>
+            <a:pPr marL="0" indent="0">
+              <a:buNone/>
+            </a:pPr>
+            <a:r>
+              <a:rPr lang="en-US" b="1" dirty="0">
+                <a:latin typeface="INCONSOLATA" panose="020B0609030003000000" pitchFamily="49" charset="77"/>
+              </a:rPr>
+              <a:t>for x in </a:t>
+            </a:r>
+            <a:r>
+              <a:rPr lang="en-US" b="1" dirty="0" err="1">
+                <a:latin typeface="INCONSOLATA" panose="020B0609030003000000" pitchFamily="49" charset="77"/>
+              </a:rPr>
+              <a:t>nums</a:t>
+            </a:r>
+            <a:r>
+              <a:rPr lang="en-US" b="1" dirty="0">
+                <a:latin typeface="INCONSOLATA" panose="020B0609030003000000" pitchFamily="49" charset="77"/>
+              </a:rPr>
+              <a:t>:</a:t>
+            </a:r>
+          </a:p>
+          <a:p>
+            <a:pPr marL="0" indent="0">
+              <a:buNone/>
+            </a:pPr>
+            <a:r>
+              <a:rPr lang="en-US" b="1" dirty="0">
+                <a:latin typeface="INCONSOLATA" panose="020B0609030003000000" pitchFamily="49" charset="77"/>
+              </a:rPr>
+              <a:t>	print(x, end=" ")</a:t>
+            </a:r>
+          </a:p>
+          <a:p>
+            <a:pPr marL="0" indent="0">
+              <a:buNone/>
+            </a:pPr>
+            <a:r>
+              <a:rPr lang="en-US" b="1" dirty="0">
+                <a:latin typeface="INCONSOLATA" panose="020B0609030003000000" pitchFamily="49" charset="77"/>
+              </a:rPr>
+              <a:t>2 -1 3 4 -3</a:t>
+            </a:r>
+          </a:p>
+          <a:p>
+            <a:pPr marL="0" indent="0">
+              <a:buNone/>
+            </a:pPr>
+            <a:endParaRPr lang="en-US" b="1" dirty="0">
+              <a:latin typeface="INCONSOLATA" panose="020B0609030003000000" pitchFamily="49" charset="77"/>
+            </a:endParaRPr>
+          </a:p>
+          <a:p>
+            <a:pPr marL="0" indent="0">
+              <a:buNone/>
+            </a:pPr>
+            <a:r>
+              <a:rPr lang="en-US" dirty="0">
+                <a:latin typeface="Gill Sans MT" panose="020B0502020104020203" pitchFamily="34" charset="77"/>
+              </a:rPr>
+              <a:t>2) loop using indices</a:t>
+            </a:r>
+          </a:p>
+          <a:p>
+            <a:pPr marL="0" indent="0">
+              <a:buNone/>
+            </a:pPr>
+            <a:r>
+              <a:rPr lang="en-US" b="1" dirty="0" err="1">
+                <a:solidFill>
+                  <a:srgbClr val="000087"/>
+                </a:solidFill>
+                <a:latin typeface="INCONSOLATA" panose="020B0609030003000000" pitchFamily="49" charset="77"/>
+              </a:rPr>
+              <a:t>nums</a:t>
+            </a:r>
+            <a:r>
+              <a:rPr lang="en-US" b="1" dirty="0">
+                <a:solidFill>
+                  <a:srgbClr val="000087"/>
+                </a:solidFill>
+                <a:latin typeface="INCONSOLATA" panose="020B0609030003000000" pitchFamily="49" charset="77"/>
+              </a:rPr>
+              <a:t> </a:t>
+            </a:r>
+            <a:r>
+              <a:rPr lang="en-US" b="1" dirty="0">
+                <a:solidFill>
+                  <a:srgbClr val="545454"/>
+                </a:solidFill>
+                <a:latin typeface="INCONSOLATA" panose="020B0609030003000000" pitchFamily="49" charset="77"/>
+              </a:rPr>
+              <a:t>= </a:t>
+            </a:r>
+            <a:r>
+              <a:rPr lang="en-US" b="1" dirty="0">
+                <a:latin typeface="INCONSOLATA" panose="020B0609030003000000" pitchFamily="49" charset="77"/>
+              </a:rPr>
+              <a:t>[</a:t>
+            </a:r>
+            <a:r>
+              <a:rPr lang="en-US" b="1" dirty="0">
+                <a:solidFill>
+                  <a:srgbClr val="FF6600"/>
+                </a:solidFill>
+                <a:latin typeface="INCONSOLATA" panose="020B0609030003000000" pitchFamily="49" charset="77"/>
+              </a:rPr>
+              <a:t>2</a:t>
+            </a:r>
+            <a:r>
+              <a:rPr lang="en-US" b="1" dirty="0">
+                <a:latin typeface="INCONSOLATA" panose="020B0609030003000000" pitchFamily="49" charset="77"/>
+              </a:rPr>
+              <a:t>, </a:t>
+            </a:r>
+            <a:r>
+              <a:rPr lang="en-US" b="1" dirty="0">
+                <a:solidFill>
+                  <a:srgbClr val="FF6600"/>
+                </a:solidFill>
+                <a:latin typeface="INCONSOLATA" panose="020B0609030003000000" pitchFamily="49" charset="77"/>
+              </a:rPr>
+              <a:t>-1</a:t>
+            </a:r>
+            <a:r>
+              <a:rPr lang="en-US" b="1" dirty="0">
+                <a:latin typeface="INCONSOLATA" panose="020B0609030003000000" pitchFamily="49" charset="77"/>
+              </a:rPr>
+              <a:t>, </a:t>
+            </a:r>
+            <a:r>
+              <a:rPr lang="en-US" b="1" dirty="0">
+                <a:solidFill>
+                  <a:srgbClr val="FF6600"/>
+                </a:solidFill>
+                <a:latin typeface="INCONSOLATA" panose="020B0609030003000000" pitchFamily="49" charset="77"/>
+              </a:rPr>
+              <a:t>3</a:t>
+            </a:r>
+            <a:r>
+              <a:rPr lang="en-US" b="1" dirty="0">
+                <a:latin typeface="INCONSOLATA" panose="020B0609030003000000" pitchFamily="49" charset="77"/>
+              </a:rPr>
+              <a:t>, </a:t>
+            </a:r>
+            <a:r>
+              <a:rPr lang="en-US" b="1" dirty="0">
+                <a:solidFill>
+                  <a:srgbClr val="FF6600"/>
+                </a:solidFill>
+                <a:latin typeface="INCONSOLATA" panose="020B0609030003000000" pitchFamily="49" charset="77"/>
+              </a:rPr>
+              <a:t>4</a:t>
+            </a:r>
+            <a:r>
+              <a:rPr lang="en-US" b="1" dirty="0">
+                <a:latin typeface="INCONSOLATA" panose="020B0609030003000000" pitchFamily="49" charset="77"/>
+              </a:rPr>
+              <a:t>, </a:t>
+            </a:r>
+            <a:r>
+              <a:rPr lang="en-US" b="1" dirty="0">
+                <a:solidFill>
+                  <a:srgbClr val="FF6600"/>
+                </a:solidFill>
+                <a:latin typeface="INCONSOLATA" panose="020B0609030003000000" pitchFamily="49" charset="77"/>
+              </a:rPr>
+              <a:t>-3</a:t>
+            </a:r>
+            <a:r>
+              <a:rPr lang="en-US" b="1" dirty="0">
+                <a:latin typeface="INCONSOLATA" panose="020B0609030003000000" pitchFamily="49" charset="77"/>
+              </a:rPr>
+              <a:t>]</a:t>
+            </a:r>
+          </a:p>
+          <a:p>
+            <a:pPr marL="0" indent="0">
+              <a:buNone/>
+            </a:pPr>
+            <a:r>
+              <a:rPr lang="en-US" b="1" dirty="0">
+                <a:latin typeface="INCONSOLATA" panose="020B0609030003000000" pitchFamily="49" charset="77"/>
+              </a:rPr>
+              <a:t>for </a:t>
+            </a:r>
+            <a:r>
+              <a:rPr lang="en-US" b="1" dirty="0" err="1">
+                <a:latin typeface="INCONSOLATA" panose="020B0609030003000000" pitchFamily="49" charset="77"/>
+              </a:rPr>
+              <a:t>i</a:t>
+            </a:r>
+            <a:r>
+              <a:rPr lang="en-US" b="1" dirty="0">
+                <a:latin typeface="INCONSOLATA" panose="020B0609030003000000" pitchFamily="49" charset="77"/>
+              </a:rPr>
+              <a:t> in range(</a:t>
+            </a:r>
+            <a:r>
+              <a:rPr lang="en-US" b="1" dirty="0" err="1">
+                <a:latin typeface="INCONSOLATA" panose="020B0609030003000000" pitchFamily="49" charset="77"/>
+              </a:rPr>
+              <a:t>len</a:t>
+            </a:r>
+            <a:r>
+              <a:rPr lang="en-US" b="1" dirty="0">
+                <a:latin typeface="INCONSOLATA" panose="020B0609030003000000" pitchFamily="49" charset="77"/>
+              </a:rPr>
+              <a:t>(</a:t>
+            </a:r>
+            <a:r>
+              <a:rPr lang="en-US" b="1" dirty="0" err="1">
+                <a:latin typeface="INCONSOLATA" panose="020B0609030003000000" pitchFamily="49" charset="77"/>
+              </a:rPr>
+              <a:t>nums</a:t>
+            </a:r>
+            <a:r>
+              <a:rPr lang="en-US" b="1" dirty="0">
+                <a:latin typeface="INCONSOLATA" panose="020B0609030003000000" pitchFamily="49" charset="77"/>
+              </a:rPr>
+              <a:t>)):</a:t>
+            </a:r>
+          </a:p>
+          <a:p>
+            <a:pPr marL="0" indent="0">
+              <a:buNone/>
+            </a:pPr>
+            <a:r>
+              <a:rPr lang="en-US" b="1" dirty="0">
+                <a:latin typeface="INCONSOLATA" panose="020B0609030003000000" pitchFamily="49" charset="77"/>
+              </a:rPr>
+              <a:t>	print(</a:t>
+            </a:r>
+            <a:r>
+              <a:rPr lang="en-US" b="1" dirty="0" err="1">
+                <a:latin typeface="INCONSOLATA" panose="020B0609030003000000" pitchFamily="49" charset="77"/>
+              </a:rPr>
+              <a:t>nums</a:t>
+            </a:r>
+            <a:r>
+              <a:rPr lang="en-US" b="1" dirty="0">
+                <a:latin typeface="INCONSOLATA" panose="020B0609030003000000" pitchFamily="49" charset="77"/>
+              </a:rPr>
+              <a:t>[</a:t>
+            </a:r>
+            <a:r>
+              <a:rPr lang="en-US" b="1" dirty="0" err="1">
+                <a:latin typeface="INCONSOLATA" panose="020B0609030003000000" pitchFamily="49" charset="77"/>
+              </a:rPr>
+              <a:t>i</a:t>
+            </a:r>
+            <a:r>
+              <a:rPr lang="en-US" b="1" dirty="0">
+                <a:latin typeface="INCONSOLATA" panose="020B0609030003000000" pitchFamily="49" charset="77"/>
+              </a:rPr>
+              <a:t>], end=" ")</a:t>
+            </a:r>
+          </a:p>
+          <a:p>
+            <a:pPr marL="0" indent="0">
+              <a:buNone/>
+            </a:pPr>
+            <a:r>
+              <a:rPr lang="en-US" b="1" dirty="0">
+                <a:latin typeface="INCONSOLATA" panose="020B0609030003000000" pitchFamily="49" charset="77"/>
+              </a:rPr>
+              <a:t>2 -1 3 4 -3</a:t>
+            </a:r>
+          </a:p>
+          <a:p>
+            <a:pPr marL="0" indent="0">
+              <a:buNone/>
+            </a:pPr>
             <a:endParaRPr lang="en-US" dirty="0">
               <a:latin typeface="Gill Sans MT" panose="020B0502020104020203" pitchFamily="34" charset="77"/>
             </a:endParaRPr>
           </a:p>
-          <a:p>
-            <a:pPr marL="0" indent="0">
-              <a:buNone/>
-            </a:pPr>
-            <a:r>
-              <a:rPr lang="en-US" dirty="0">
-                <a:latin typeface="Gill Sans MT" panose="020B0502020104020203" pitchFamily="34" charset="77"/>
-              </a:rPr>
-              <a:t>1) for each loop:</a:t>
-            </a:r>
-          </a:p>
-          <a:p>
-            <a:pPr marL="0" indent="0">
-              <a:buNone/>
-            </a:pPr>
-            <a:r>
-              <a:rPr lang="en-US" b="1" dirty="0" err="1">
-                <a:solidFill>
-                  <a:srgbClr val="000087"/>
-                </a:solidFill>
-                <a:latin typeface="INCONSOLATA" panose="020B0609030003000000" pitchFamily="49" charset="77"/>
-              </a:rPr>
-              <a:t>nums</a:t>
-            </a:r>
-            <a:r>
-              <a:rPr lang="en-US" b="1" dirty="0">
-                <a:solidFill>
-                  <a:srgbClr val="000087"/>
-                </a:solidFill>
-                <a:latin typeface="INCONSOLATA" panose="020B0609030003000000" pitchFamily="49" charset="77"/>
-              </a:rPr>
-              <a:t> </a:t>
-            </a:r>
-            <a:r>
-              <a:rPr lang="en-US" b="1" dirty="0">
-                <a:solidFill>
-                  <a:srgbClr val="545454"/>
-                </a:solidFill>
-                <a:latin typeface="INCONSOLATA" panose="020B0609030003000000" pitchFamily="49" charset="77"/>
-              </a:rPr>
-              <a:t>= </a:t>
-            </a:r>
-            <a:r>
-              <a:rPr lang="en-US" b="1" dirty="0">
-                <a:latin typeface="INCONSOLATA" panose="020B0609030003000000" pitchFamily="49" charset="77"/>
-              </a:rPr>
-              <a:t>[</a:t>
-            </a:r>
-            <a:r>
-              <a:rPr lang="en-US" b="1" dirty="0">
-                <a:solidFill>
-                  <a:srgbClr val="FF6600"/>
-                </a:solidFill>
-                <a:latin typeface="INCONSOLATA" panose="020B0609030003000000" pitchFamily="49" charset="77"/>
-              </a:rPr>
-              <a:t>2</a:t>
-            </a:r>
-            <a:r>
-              <a:rPr lang="en-US" b="1" dirty="0">
-                <a:latin typeface="INCONSOLATA" panose="020B0609030003000000" pitchFamily="49" charset="77"/>
-              </a:rPr>
-              <a:t>, </a:t>
-            </a:r>
-            <a:r>
-              <a:rPr lang="en-US" b="1" dirty="0">
-                <a:solidFill>
-                  <a:srgbClr val="FF6600"/>
-                </a:solidFill>
-                <a:latin typeface="INCONSOLATA" panose="020B0609030003000000" pitchFamily="49" charset="77"/>
-              </a:rPr>
-              <a:t>-1</a:t>
-            </a:r>
-            <a:r>
-              <a:rPr lang="en-US" b="1" dirty="0">
-                <a:latin typeface="INCONSOLATA" panose="020B0609030003000000" pitchFamily="49" charset="77"/>
-              </a:rPr>
-              <a:t>, </a:t>
-            </a:r>
-            <a:r>
-              <a:rPr lang="en-US" b="1" dirty="0">
-                <a:solidFill>
-                  <a:srgbClr val="FF6600"/>
-                </a:solidFill>
-                <a:latin typeface="INCONSOLATA" panose="020B0609030003000000" pitchFamily="49" charset="77"/>
-              </a:rPr>
-              <a:t>3</a:t>
-            </a:r>
-            <a:r>
-              <a:rPr lang="en-US" b="1" dirty="0">
-                <a:latin typeface="INCONSOLATA" panose="020B0609030003000000" pitchFamily="49" charset="77"/>
-              </a:rPr>
-              <a:t>, </a:t>
-            </a:r>
-            <a:r>
-              <a:rPr lang="en-US" b="1" dirty="0">
-                <a:solidFill>
-                  <a:srgbClr val="FF6600"/>
-                </a:solidFill>
-                <a:latin typeface="INCONSOLATA" panose="020B0609030003000000" pitchFamily="49" charset="77"/>
-              </a:rPr>
-              <a:t>4</a:t>
-            </a:r>
-            <a:r>
-              <a:rPr lang="en-US" b="1" dirty="0">
-                <a:latin typeface="INCONSOLATA" panose="020B0609030003000000" pitchFamily="49" charset="77"/>
-              </a:rPr>
-              <a:t>, </a:t>
-            </a:r>
-            <a:r>
-              <a:rPr lang="en-US" b="1" dirty="0">
-                <a:solidFill>
-                  <a:srgbClr val="FF6600"/>
-                </a:solidFill>
-                <a:latin typeface="INCONSOLATA" panose="020B0609030003000000" pitchFamily="49" charset="77"/>
-              </a:rPr>
-              <a:t>-3</a:t>
-            </a:r>
-            <a:r>
-              <a:rPr lang="en-US" b="1" dirty="0">
-                <a:latin typeface="INCONSOLATA" panose="020B0609030003000000" pitchFamily="49" charset="77"/>
-              </a:rPr>
-              <a:t>]</a:t>
-            </a:r>
-          </a:p>
-          <a:p>
-            <a:pPr marL="0" indent="0">
-              <a:buNone/>
-            </a:pPr>
-            <a:r>
-              <a:rPr lang="en-US" b="1" dirty="0">
-                <a:latin typeface="INCONSOLATA" panose="020B0609030003000000" pitchFamily="49" charset="77"/>
-              </a:rPr>
-              <a:t>for x in </a:t>
-            </a:r>
-            <a:r>
-              <a:rPr lang="en-US" b="1" dirty="0" err="1">
-                <a:latin typeface="INCONSOLATA" panose="020B0609030003000000" pitchFamily="49" charset="77"/>
-              </a:rPr>
-              <a:t>nums</a:t>
-            </a:r>
-            <a:r>
-              <a:rPr lang="en-US" b="1" dirty="0">
-                <a:latin typeface="INCONSOLATA" panose="020B0609030003000000" pitchFamily="49" charset="77"/>
-              </a:rPr>
-              <a:t>:</a:t>
-            </a:r>
-          </a:p>
-          <a:p>
-            <a:pPr marL="0" indent="0">
-              <a:buNone/>
-            </a:pPr>
-            <a:r>
-              <a:rPr lang="en-US" b="1" dirty="0">
-                <a:latin typeface="INCONSOLATA" panose="020B0609030003000000" pitchFamily="49" charset="77"/>
-              </a:rPr>
-              <a:t>	print(x, end=" ")</a:t>
-            </a:r>
-          </a:p>
-          <a:p>
-            <a:pPr marL="0" indent="0">
-              <a:buNone/>
-            </a:pPr>
-            <a:endParaRPr lang="en-US" b="1" dirty="0">
-              <a:latin typeface="INCONSOLATA" panose="020B0609030003000000" pitchFamily="49" charset="77"/>
-            </a:endParaRPr>
-          </a:p>
-          <a:p>
-            <a:pPr marL="0" indent="0">
-              <a:buNone/>
-            </a:pPr>
-            <a:r>
-              <a:rPr lang="en-US" dirty="0">
-                <a:latin typeface="Gill Sans MT" panose="020B0502020104020203" pitchFamily="34" charset="77"/>
-              </a:rPr>
-              <a:t>2) loop using indices</a:t>
-            </a:r>
-          </a:p>
-          <a:p>
-            <a:pPr marL="0" indent="0">
-              <a:buNone/>
-            </a:pPr>
-            <a:r>
-              <a:rPr lang="en-US" b="1" dirty="0" err="1">
-                <a:solidFill>
-                  <a:srgbClr val="000087"/>
-                </a:solidFill>
-                <a:latin typeface="INCONSOLATA" panose="020B0609030003000000" pitchFamily="49" charset="77"/>
-              </a:rPr>
-              <a:t>nums</a:t>
-            </a:r>
-            <a:r>
-              <a:rPr lang="en-US" b="1" dirty="0">
-                <a:solidFill>
-                  <a:srgbClr val="000087"/>
-                </a:solidFill>
-                <a:latin typeface="INCONSOLATA" panose="020B0609030003000000" pitchFamily="49" charset="77"/>
-              </a:rPr>
-              <a:t> </a:t>
-            </a:r>
-            <a:r>
-              <a:rPr lang="en-US" b="1" dirty="0">
-                <a:solidFill>
-                  <a:srgbClr val="545454"/>
-                </a:solidFill>
-                <a:latin typeface="INCONSOLATA" panose="020B0609030003000000" pitchFamily="49" charset="77"/>
-              </a:rPr>
-              <a:t>= </a:t>
-            </a:r>
-            <a:r>
-              <a:rPr lang="en-US" b="1" dirty="0">
-                <a:latin typeface="INCONSOLATA" panose="020B0609030003000000" pitchFamily="49" charset="77"/>
-              </a:rPr>
-              <a:t>[</a:t>
-            </a:r>
-            <a:r>
-              <a:rPr lang="en-US" b="1" dirty="0">
-                <a:solidFill>
-                  <a:srgbClr val="FF6600"/>
-                </a:solidFill>
-                <a:latin typeface="INCONSOLATA" panose="020B0609030003000000" pitchFamily="49" charset="77"/>
-              </a:rPr>
-              <a:t>2</a:t>
-            </a:r>
-            <a:r>
-              <a:rPr lang="en-US" b="1" dirty="0">
-                <a:latin typeface="INCONSOLATA" panose="020B0609030003000000" pitchFamily="49" charset="77"/>
-              </a:rPr>
-              <a:t>, </a:t>
-            </a:r>
-            <a:r>
-              <a:rPr lang="en-US" b="1" dirty="0">
-                <a:solidFill>
-                  <a:srgbClr val="FF6600"/>
-                </a:solidFill>
-                <a:latin typeface="INCONSOLATA" panose="020B0609030003000000" pitchFamily="49" charset="77"/>
-              </a:rPr>
-              <a:t>-1</a:t>
-            </a:r>
-            <a:r>
-              <a:rPr lang="en-US" b="1" dirty="0">
-                <a:latin typeface="INCONSOLATA" panose="020B0609030003000000" pitchFamily="49" charset="77"/>
-              </a:rPr>
-              <a:t>, </a:t>
-            </a:r>
-            <a:r>
-              <a:rPr lang="en-US" b="1" dirty="0">
-                <a:solidFill>
-                  <a:srgbClr val="FF6600"/>
-                </a:solidFill>
-                <a:latin typeface="INCONSOLATA" panose="020B0609030003000000" pitchFamily="49" charset="77"/>
-              </a:rPr>
-              <a:t>3</a:t>
-            </a:r>
-            <a:r>
-              <a:rPr lang="en-US" b="1" dirty="0">
-                <a:latin typeface="INCONSOLATA" panose="020B0609030003000000" pitchFamily="49" charset="77"/>
-              </a:rPr>
-              <a:t>, </a:t>
-            </a:r>
-            <a:r>
-              <a:rPr lang="en-US" b="1" dirty="0">
-                <a:solidFill>
-                  <a:srgbClr val="FF6600"/>
-                </a:solidFill>
-                <a:latin typeface="INCONSOLATA" panose="020B0609030003000000" pitchFamily="49" charset="77"/>
-              </a:rPr>
-              <a:t>4</a:t>
-            </a:r>
-            <a:r>
-              <a:rPr lang="en-US" b="1" dirty="0">
-                <a:latin typeface="INCONSOLATA" panose="020B0609030003000000" pitchFamily="49" charset="77"/>
-              </a:rPr>
-              <a:t>, </a:t>
-            </a:r>
-            <a:r>
-              <a:rPr lang="en-US" b="1" dirty="0">
-                <a:solidFill>
-                  <a:srgbClr val="FF6600"/>
-                </a:solidFill>
-                <a:latin typeface="INCONSOLATA" panose="020B0609030003000000" pitchFamily="49" charset="77"/>
-              </a:rPr>
-              <a:t>-3</a:t>
-            </a:r>
-            <a:r>
-              <a:rPr lang="en-US" b="1" dirty="0">
-                <a:latin typeface="INCONSOLATA" panose="020B0609030003000000" pitchFamily="49" charset="77"/>
-              </a:rPr>
-              <a:t>]</a:t>
-            </a:r>
-          </a:p>
-          <a:p>
-            <a:pPr marL="0" indent="0">
-              <a:buNone/>
-            </a:pPr>
-            <a:r>
-              <a:rPr lang="en-US" b="1" dirty="0">
-                <a:latin typeface="INCONSOLATA" panose="020B0609030003000000" pitchFamily="49" charset="77"/>
-              </a:rPr>
-              <a:t>for </a:t>
-            </a:r>
-            <a:r>
-              <a:rPr lang="en-US" b="1" dirty="0" err="1">
-                <a:latin typeface="INCONSOLATA" panose="020B0609030003000000" pitchFamily="49" charset="77"/>
-              </a:rPr>
-              <a:t>i</a:t>
-            </a:r>
-            <a:r>
-              <a:rPr lang="en-US" b="1" dirty="0">
-                <a:latin typeface="INCONSOLATA" panose="020B0609030003000000" pitchFamily="49" charset="77"/>
-              </a:rPr>
-              <a:t> in range(</a:t>
-            </a:r>
-            <a:r>
-              <a:rPr lang="en-US" b="1" dirty="0" err="1">
-                <a:latin typeface="INCONSOLATA" panose="020B0609030003000000" pitchFamily="49" charset="77"/>
-              </a:rPr>
-              <a:t>len</a:t>
-            </a:r>
-            <a:r>
-              <a:rPr lang="en-US" b="1" dirty="0">
-                <a:latin typeface="INCONSOLATA" panose="020B0609030003000000" pitchFamily="49" charset="77"/>
-              </a:rPr>
-              <a:t>(</a:t>
-            </a:r>
-            <a:r>
-              <a:rPr lang="en-US" b="1" dirty="0" err="1">
-                <a:latin typeface="INCONSOLATA" panose="020B0609030003000000" pitchFamily="49" charset="77"/>
-              </a:rPr>
-              <a:t>nums</a:t>
-            </a:r>
-            <a:r>
-              <a:rPr lang="en-US" b="1" dirty="0">
-                <a:latin typeface="INCONSOLATA" panose="020B0609030003000000" pitchFamily="49" charset="77"/>
-              </a:rPr>
-              <a:t>)):</a:t>
-            </a:r>
-          </a:p>
-          <a:p>
-            <a:pPr marL="0" indent="0">
-              <a:buNone/>
-            </a:pPr>
-            <a:r>
-              <a:rPr lang="en-US" b="1" dirty="0">
-                <a:latin typeface="INCONSOLATA" panose="020B0609030003000000" pitchFamily="49" charset="77"/>
-              </a:rPr>
-              <a:t>	print(</a:t>
-            </a:r>
-            <a:r>
-              <a:rPr lang="en-US" b="1" dirty="0" err="1">
-                <a:latin typeface="INCONSOLATA" panose="020B0609030003000000" pitchFamily="49" charset="77"/>
-              </a:rPr>
-              <a:t>nums</a:t>
-            </a:r>
-            <a:r>
-              <a:rPr lang="en-US" b="1" dirty="0">
-                <a:latin typeface="INCONSOLATA" panose="020B0609030003000000" pitchFamily="49" charset="77"/>
-              </a:rPr>
-              <a:t>[</a:t>
-            </a:r>
-            <a:r>
-              <a:rPr lang="en-US" b="1" dirty="0" err="1">
-                <a:latin typeface="INCONSOLATA" panose="020B0609030003000000" pitchFamily="49" charset="77"/>
-              </a:rPr>
-              <a:t>i</a:t>
-            </a:r>
-            <a:r>
-              <a:rPr lang="en-US" b="1" dirty="0">
-                <a:latin typeface="INCONSOLATA" panose="020B0609030003000000" pitchFamily="49" charset="77"/>
-              </a:rPr>
-              <a:t>], end=" ")</a:t>
-            </a:r>
-          </a:p>
-          <a:p>
-            <a:pPr marL="0" indent="0">
-              <a:buNone/>
-            </a:pPr>
-            <a:endParaRPr lang="en-US" dirty="0">
-              <a:latin typeface="Gill Sans MT" panose="020B0502020104020203" pitchFamily="34" charset="77"/>
-            </a:endParaRPr>
+        </p:txBody>
+      </p:sp>
+      <p:sp>
+        <p:nvSpPr>
+          <p:cNvPr id="3" name="TextBox 2">
+            <a:extLst>
+              <a:ext uri="{FF2B5EF4-FFF2-40B4-BE49-F238E27FC236}">
+                <a16:creationId xmlns:a16="http://schemas.microsoft.com/office/drawing/2014/main" id="{C77A5CB3-B148-5340-A0A6-33CA45A5ECF0}"/>
+              </a:ext>
+            </a:extLst>
+          </p:cNvPr>
+          <p:cNvSpPr txBox="1"/>
+          <p:nvPr/>
+        </p:nvSpPr>
+        <p:spPr>
+          <a:xfrm>
+            <a:off x="3671254" y="1911902"/>
+            <a:ext cx="3041217" cy="400110"/>
+          </a:xfrm>
+          <a:prstGeom prst="rect">
+            <a:avLst/>
+          </a:prstGeom>
+          <a:noFill/>
+        </p:spPr>
+        <p:txBody>
+          <a:bodyPr wrap="none" rtlCol="0">
+            <a:spAutoFit/>
+          </a:bodyPr>
+          <a:lstStyle/>
+          <a:p>
+            <a:r>
+              <a:rPr lang="en-US" sz="2000" dirty="0">
+                <a:solidFill>
+                  <a:srgbClr val="FF0000"/>
+                </a:solidFill>
+              </a:rPr>
+              <a:t>Looping through each value</a:t>
+            </a:r>
+          </a:p>
+        </p:txBody>
+      </p:sp>
+      <p:sp>
+        <p:nvSpPr>
+          <p:cNvPr id="5" name="TextBox 4">
+            <a:extLst>
+              <a:ext uri="{FF2B5EF4-FFF2-40B4-BE49-F238E27FC236}">
+                <a16:creationId xmlns:a16="http://schemas.microsoft.com/office/drawing/2014/main" id="{2F3F9120-5C92-854C-9256-BD21C8AA9871}"/>
+              </a:ext>
+            </a:extLst>
+          </p:cNvPr>
+          <p:cNvSpPr txBox="1"/>
+          <p:nvPr/>
+        </p:nvSpPr>
+        <p:spPr>
+          <a:xfrm>
+            <a:off x="4062230" y="4206240"/>
+            <a:ext cx="3135795" cy="400110"/>
+          </a:xfrm>
+          <a:prstGeom prst="rect">
+            <a:avLst/>
+          </a:prstGeom>
+          <a:noFill/>
+        </p:spPr>
+        <p:txBody>
+          <a:bodyPr wrap="none" rtlCol="0">
+            <a:spAutoFit/>
+          </a:bodyPr>
+          <a:lstStyle/>
+          <a:p>
+            <a:r>
+              <a:rPr lang="en-US" sz="2000" dirty="0">
+                <a:solidFill>
+                  <a:srgbClr val="FF0000"/>
+                </a:solidFill>
+              </a:rPr>
+              <a:t>Looping through each index</a:t>
+            </a:r>
           </a:p>
         </p:txBody>
       </p:sp>
@@ -20303,7 +22685,7 @@
                                         <p:tgtEl>
                                           <p:spTgt spid="9">
                                             <p:txEl>
-                                              <p:pRg st="2" end="2"/>
+                                              <p:pRg st="1" end="1"/>
                                             </p:txEl>
                                           </p:spTgt>
                                         </p:tgtEl>
@@ -20352,7 +22734,7 @@
                                         <p:tgtEl>
                                           <p:spTgt spid="9">
                                             <p:txEl>
-                                              <p:pRg st="3" end="3"/>
+                                              <p:pRg st="2" end="2"/>
                                             </p:txEl>
                                           </p:spTgt>
                                         </p:tgtEl>
@@ -20401,7 +22783,7 @@
                                         <p:tgtEl>
                                           <p:spTgt spid="9">
                                             <p:txEl>
-                                              <p:pRg st="4" end="4"/>
+                                              <p:pRg st="3" end="3"/>
                                             </p:txEl>
                                           </p:spTgt>
                                         </p:tgtEl>
@@ -20450,7 +22832,7 @@
                                         <p:tgtEl>
                                           <p:spTgt spid="9">
                                             <p:txEl>
-                                              <p:pRg st="5" end="5"/>
+                                              <p:pRg st="4" end="4"/>
                                             </p:txEl>
                                           </p:spTgt>
                                         </p:tgtEl>
@@ -20499,6 +22881,82 @@
                                         <p:tgtEl>
                                           <p:spTgt spid="9">
                                             <p:txEl>
+                                              <p:pRg st="5" end="5"/>
+                                            </p:txEl>
+                                          </p:spTgt>
+                                        </p:tgtEl>
+                                        <p:attrNameLst>
+                                          <p:attrName>style.visibility</p:attrName>
+                                        </p:attrNameLst>
+                                      </p:cBhvr>
+                                      <p:to>
+                                        <p:strVal val="visible"/>
+                                      </p:to>
+                                    </p:set>
+                                  </p:childTnLst>
+                                </p:cTn>
+                              </p:par>
+                              <p:par>
+                                <p:cTn id="27" presetID="1" presetClass="entr" presetSubtype="0" fill="hold" grpId="0" nodeType="withEffect">
+                                  <p:stCondLst>
+                                    <p:cond delay="0"/>
+                                  </p:stCondLst>
+                                  <p:childTnLst>
+                                    <p:set>
+                                      <p:cBhvr>
+                                        <p:cTn id="28" dur="1" fill="hold">
+                                          <p:stCondLst>
+                                            <p:cond delay="0"/>
+                                          </p:stCondLst>
+                                        </p:cTn>
+                                        <p:tgtEl>
+                                          <p:spTgt spid="3"/>
+                                        </p:tgtEl>
+                                        <p:attrNameLst>
+                                          <p:attrName>style.visibility</p:attrName>
+                                        </p:attrNameLst>
+                                      </p:cBhvr>
+                                      <p:to>
+                                        <p:strVal val="visible"/>
+                                      </p:to>
+                                    </p:set>
+                                  </p:childTnLst>
+                                </p:cTn>
+                              </p:par>
+                            </p:childTnLst>
+                          </p:cTn>
+                        </p:par>
+                      </p:childTnLst>
+                    </p:cTn>
+                  </p:par>
+                  <p:par>
+                    <p:cTn id="29" fill="hold">
+                      <p:stCondLst>
+                        <p:cond delay="indefinite"/>
+                      </p:stCondLst>
+                      <p:childTnLst>
+                        <p:par>
+                          <p:cTn id="30" fill="hold">
+                            <p:stCondLst>
+                              <p:cond delay="0"/>
+                            </p:stCondLst>
+                            <p:childTnLst>
+                              <p:par>
+                                <p:cTn id="31" presetID="1" presetClass="entr" presetSubtype="0" fill="hold" nodeType="clickEffect">
+                                  <p:stCondLst>
+                                    <p:cond delay="0"/>
+                                  </p:stCondLst>
+                                  <p:childTnLst>
+                                    <p:set>
+                                      <p:cBhvr>
+                                        <p:cTn id="32" dur="1" fill="hold">
+                                          <p:stCondLst>
+                                            <p:cond delay="0"/>
+                                          </p:stCondLst>
+                                        </p:cTn>
+                                        <p:tgtEl>
+                                          <p:spTgt spid="9">
+                                            <p:txEl>
                                               <p:pRg st="7" end="7"/>
                                             </p:txEl>
                                           </p:spTgt>
@@ -20521,26 +22979,26 @@
                     </p:cTn>
                   </p:par>
                   <p:par>
-                    <p:cTn id="27" fill="hold">
+                    <p:cTn id="33" fill="hold">
                       <p:stCondLst>
                         <p:cond delay="indefinite"/>
                       </p:stCondLst>
                       <p:childTnLst>
                         <p:par>
-                          <p:cTn id="28" fill="hold">
+                          <p:cTn id="34" fill="hold">
                             <p:stCondLst>
                               <p:cond delay="0"/>
                             </p:stCondLst>
                             <p:childTnLst>
                               <p:par>
-                                <p:cTn id="29" presetID="1" presetClass="entr" presetSubtype="0" fill="hold" nodeType="clickEffect">
+                                <p:cTn id="35" presetID="1" presetClass="entr" presetSubtype="0" fill="hold" nodeType="clickEffect">
                                   <p:stCondLst>
                                     <p:cond delay="0"/>
                                   </p:stCondLst>
                                   <p:childTnLst>
                                     <p:set>
                                       <p:cBhvr>
-                                        <p:cTn id="30" dur="1" fill="hold">
+                                        <p:cTn id="36" dur="1" fill="hold">
                                           <p:stCondLst>
                                             <p:cond delay="0"/>
                                           </p:stCondLst>
@@ -20570,26 +23028,26 @@
                     </p:cTn>
                   </p:par>
                   <p:par>
-                    <p:cTn id="31" fill="hold">
+                    <p:cTn id="37" fill="hold">
                       <p:stCondLst>
                         <p:cond delay="indefinite"/>
                       </p:stCondLst>
                       <p:childTnLst>
                         <p:par>
-                          <p:cTn id="32" fill="hold">
+                          <p:cTn id="38" fill="hold">
                             <p:stCondLst>
                               <p:cond delay="0"/>
                             </p:stCondLst>
                             <p:childTnLst>
                               <p:par>
-                                <p:cTn id="33" presetID="1" presetClass="entr" presetSubtype="0" fill="hold" nodeType="clickEffect">
+                                <p:cTn id="39" presetID="1" presetClass="entr" presetSubtype="0" fill="hold" nodeType="clickEffect">
                                   <p:stCondLst>
                                     <p:cond delay="0"/>
                                   </p:stCondLst>
                                   <p:childTnLst>
                                     <p:set>
                                       <p:cBhvr>
-                                        <p:cTn id="34" dur="1" fill="hold">
+                                        <p:cTn id="40" dur="1" fill="hold">
                                           <p:stCondLst>
                                             <p:cond delay="0"/>
                                           </p:stCondLst>
@@ -20619,26 +23077,26 @@
                     </p:cTn>
                   </p:par>
                   <p:par>
-                    <p:cTn id="35" fill="hold">
+                    <p:cTn id="41" fill="hold">
                       <p:stCondLst>
                         <p:cond delay="indefinite"/>
                       </p:stCondLst>
                       <p:childTnLst>
                         <p:par>
-                          <p:cTn id="36" fill="hold">
+                          <p:cTn id="42" fill="hold">
                             <p:stCondLst>
                               <p:cond delay="0"/>
                             </p:stCondLst>
                             <p:childTnLst>
                               <p:par>
-                                <p:cTn id="37" presetID="1" presetClass="entr" presetSubtype="0" fill="hold" nodeType="clickEffect">
+                                <p:cTn id="43" presetID="1" presetClass="entr" presetSubtype="0" fill="hold" nodeType="clickEffect">
                                   <p:stCondLst>
                                     <p:cond delay="0"/>
                                   </p:stCondLst>
                                   <p:childTnLst>
                                     <p:set>
                                       <p:cBhvr>
-                                        <p:cTn id="38" dur="1" fill="hold">
+                                        <p:cTn id="44" dur="1" fill="hold">
                                           <p:stCondLst>
                                             <p:cond delay="0"/>
                                           </p:stCondLst>
@@ -20649,6 +23107,100 @@
                                               <p:pRg st="10" end="10"/>
                                             </p:txEl>
                                           </p:spTgt>
+                                        </p:tgtEl>
+                                        <p:attrNameLst>
+                                          <p:attrName>style.visibility</p:attrName>
+                                        </p:attrNameLst>
+                                      </p:cBhvr>
+                                      <p:to>
+                                        <p:strVal val="visible"/>
+                                      </p:to>
+                                    </p:set>
+                                  </p:childTnLst>
+                                </p:cTn>
+                              </p:par>
+                            </p:childTnLst>
+                          </p:cTn>
+                        </p:par>
+                      </p:childTnLst>
+                    </p:cTn>
+                  </p:par>
+                  <p:par>
+                    <p:cTn id="45" fill="hold">
+                      <p:stCondLst>
+                        <p:cond delay="indefinite"/>
+                      </p:stCondLst>
+                      <p:childTnLst>
+                        <p:par>
+                          <p:cTn id="46" fill="hold">
+                            <p:stCondLst>
+                              <p:cond delay="0"/>
+                            </p:stCondLst>
+                            <p:childTnLst>
+                              <p:par>
+                                <p:cTn id="47" presetID="1" presetClass="entr" presetSubtype="0" fill="hold" nodeType="clickEffect">
+                                  <p:stCondLst>
+                                    <p:cond delay="0"/>
+                                  </p:stCondLst>
+                                  <p:childTnLst>
+                                    <p:set>
+                                      <p:cBhvr>
+                                        <p:cTn id="48" dur="1" fill="hold">
+                                          <p:stCondLst>
+                                            <p:cond delay="0"/>
+                                          </p:stCondLst>
+                                        </p:cTn>
+                                        <p:tgtEl>
+                                          <p:spTgt spid="9">
+                                            <p:txEl>
+                                              <p:pRg st="11" end="11"/>
+                                            </p:txEl>
+                                          </p:spTgt>
+                                        </p:tgtEl>
+                                        <p:attrNameLst>
+                                          <p:attrName>style.visibility</p:attrName>
+                                        </p:attrNameLst>
+                                      </p:cBhvr>
+                                      <p:to>
+                                        <p:strVal val="visible"/>
+                                      </p:to>
+                                    </p:set>
+                                  </p:childTnLst>
+                                </p:cTn>
+                              </p:par>
+                            </p:childTnLst>
+                          </p:cTn>
+                        </p:par>
+                      </p:childTnLst>
+                    </p:cTn>
+                  </p:par>
+                  <p:par>
+                    <p:cTn id="49" fill="hold">
+                      <p:stCondLst>
+                        <p:cond delay="indefinite"/>
+                      </p:stCondLst>
+                      <p:childTnLst>
+                        <p:par>
+                          <p:cTn id="50" fill="hold">
+                            <p:stCondLst>
+                              <p:cond delay="0"/>
+                            </p:stCondLst>
+                            <p:childTnLst>
+                              <p:par>
+                                <p:cTn id="51" presetID="1" presetClass="entr" presetSubtype="0" fill="hold" grpId="0" nodeType="clickEffect">
+                                  <p:stCondLst>
+                                    <p:cond delay="0"/>
+                                  </p:stCondLst>
+                                  <p:childTnLst>
+                                    <p:set>
+                                      <p:cBhvr>
+                                        <p:cTn id="52" dur="1" fill="hold">
+                                          <p:stCondLst>
+                                            <p:cond delay="0"/>
+                                          </p:stCondLst>
+                                        </p:cTn>
+                                        <p:tgtEl>
+                                          <p:spTgt spid="5"/>
                                         </p:tgtEl>
                                         <p:attrNameLst>
                                           <p:attrName>style.visibility</p:attrName>
@@ -20688,6 +23240,10 @@
         </p:cTn>
       </p:par>
     </p:tnLst>
+    <p:bldLst>
+      <p:bldP spid="3" grpId="0"/>
+      <p:bldP spid="5" grpId="0"/>
+    </p:bldLst>
   </p:timing>
 </p:sld>
 </file>

--- a/courses/apcsp/lect6.pptx
+++ b/courses/apcsp/lect6.pptx
@@ -2531,7 +2531,7 @@
   <pc:docChgLst>
     <pc:chgData name="Long B Nguyen" userId="f59fb8f3-a021-417a-8bc1-65c8d471c621" providerId="ADAL" clId="{8A4B0ED0-F44B-9E45-9C40-AF9BE57AB4D6}"/>
     <pc:docChg chg="custSel addSld delSld modSld">
-      <pc:chgData name="Long B Nguyen" userId="f59fb8f3-a021-417a-8bc1-65c8d471c621" providerId="ADAL" clId="{8A4B0ED0-F44B-9E45-9C40-AF9BE57AB4D6}" dt="2021-10-22T13:20:51.207" v="1079" actId="2696"/>
+      <pc:chgData name="Long B Nguyen" userId="f59fb8f3-a021-417a-8bc1-65c8d471c621" providerId="ADAL" clId="{8A4B0ED0-F44B-9E45-9C40-AF9BE57AB4D6}" dt="2021-10-22T13:27:26.463" v="1081" actId="14100"/>
       <pc:docMkLst>
         <pc:docMk/>
       </pc:docMkLst>
@@ -2739,13 +2739,13 @@
         </pc:spChg>
       </pc:sldChg>
       <pc:sldChg chg="modSp add mod modAnim">
-        <pc:chgData name="Long B Nguyen" userId="f59fb8f3-a021-417a-8bc1-65c8d471c621" providerId="ADAL" clId="{8A4B0ED0-F44B-9E45-9C40-AF9BE57AB4D6}" dt="2021-10-22T13:16:43.418" v="1056" actId="207"/>
+        <pc:chgData name="Long B Nguyen" userId="f59fb8f3-a021-417a-8bc1-65c8d471c621" providerId="ADAL" clId="{8A4B0ED0-F44B-9E45-9C40-AF9BE57AB4D6}" dt="2021-10-22T13:27:26.463" v="1081" actId="14100"/>
         <pc:sldMkLst>
           <pc:docMk/>
           <pc:sldMk cId="1293658452" sldId="358"/>
         </pc:sldMkLst>
         <pc:spChg chg="mod">
-          <ac:chgData name="Long B Nguyen" userId="f59fb8f3-a021-417a-8bc1-65c8d471c621" providerId="ADAL" clId="{8A4B0ED0-F44B-9E45-9C40-AF9BE57AB4D6}" dt="2021-10-22T13:16:43.418" v="1056" actId="207"/>
+          <ac:chgData name="Long B Nguyen" userId="f59fb8f3-a021-417a-8bc1-65c8d471c621" providerId="ADAL" clId="{8A4B0ED0-F44B-9E45-9C40-AF9BE57AB4D6}" dt="2021-10-22T13:27:26.463" v="1081" actId="14100"/>
           <ac:spMkLst>
             <pc:docMk/>
             <pc:sldMk cId="1293658452" sldId="358"/>
@@ -8454,7 +8454,7 @@
         <p:spPr>
           <a:xfrm>
             <a:off x="144482" y="134008"/>
-            <a:ext cx="8491517" cy="719432"/>
+            <a:ext cx="8709062" cy="719432"/>
           </a:xfrm>
         </p:spPr>
         <p:txBody>
@@ -8463,7 +8463,7 @@
           <a:p>
             <a:r>
               <a:rPr lang="en-US" dirty="0"/>
-              <a:t>Creating a list with list comprehension(</a:t>
+              <a:t>Creating a list with list comprehensions(</a:t>
             </a:r>
             <a:r>
               <a:rPr lang="en-US" dirty="0">

--- a/courses/apcsp/lect6.pptx
+++ b/courses/apcsp/lect6.pptx
@@ -28,9 +28,11 @@
     <p:sldId id="300" r:id="rId22"/>
     <p:sldId id="332" r:id="rId23"/>
     <p:sldId id="337" r:id="rId24"/>
-    <p:sldId id="341" r:id="rId25"/>
-    <p:sldId id="346" r:id="rId26"/>
-    <p:sldId id="284" r:id="rId27"/>
+    <p:sldId id="359" r:id="rId25"/>
+    <p:sldId id="360" r:id="rId26"/>
+    <p:sldId id="341" r:id="rId27"/>
+    <p:sldId id="346" r:id="rId28"/>
+    <p:sldId id="284" r:id="rId29"/>
   </p:sldIdLst>
   <p:sldSz cx="9144000" cy="5715000" type="screen16x10"/>
   <p:notesSz cx="6858000" cy="9144000"/>
@@ -140,7 +142,7 @@
 <file path=ppt/revisionInfo.xml><?xml version="1.0" encoding="utf-8"?>
 <p1510:revInfo xmlns:a="http://schemas.openxmlformats.org/drawingml/2006/main" xmlns:r="http://schemas.openxmlformats.org/officeDocument/2006/relationships" xmlns:p1510="http://schemas.microsoft.com/office/powerpoint/2015/10/main">
   <p1510:revLst>
-    <p1510:client id="{8A4B0ED0-F44B-9E45-9C40-AF9BE57AB4D6}" v="946" dt="2021-10-22T13:19:35.587"/>
+    <p1510:client id="{8A4B0ED0-F44B-9E45-9C40-AF9BE57AB4D6}" v="1580" dt="2021-10-26T14:27:52.946"/>
   </p1510:revLst>
 </p1510:revInfo>
 </file>
@@ -2531,7 +2533,7 @@
   <pc:docChgLst>
     <pc:chgData name="Long B Nguyen" userId="f59fb8f3-a021-417a-8bc1-65c8d471c621" providerId="ADAL" clId="{8A4B0ED0-F44B-9E45-9C40-AF9BE57AB4D6}"/>
     <pc:docChg chg="custSel addSld delSld modSld">
-      <pc:chgData name="Long B Nguyen" userId="f59fb8f3-a021-417a-8bc1-65c8d471c621" providerId="ADAL" clId="{8A4B0ED0-F44B-9E45-9C40-AF9BE57AB4D6}" dt="2021-10-22T13:27:26.463" v="1081" actId="14100"/>
+      <pc:chgData name="Long B Nguyen" userId="f59fb8f3-a021-417a-8bc1-65c8d471c621" providerId="ADAL" clId="{8A4B0ED0-F44B-9E45-9C40-AF9BE57AB4D6}" dt="2021-10-26T14:27:52.946" v="2514" actId="20577"/>
       <pc:docMkLst>
         <pc:docMk/>
       </pc:docMkLst>
@@ -2587,13 +2589,13 @@
         </pc:spChg>
       </pc:sldChg>
       <pc:sldChg chg="modSp mod modAnim">
-        <pc:chgData name="Long B Nguyen" userId="f59fb8f3-a021-417a-8bc1-65c8d471c621" providerId="ADAL" clId="{8A4B0ED0-F44B-9E45-9C40-AF9BE57AB4D6}" dt="2021-10-22T12:56:20.310" v="451" actId="20577"/>
+        <pc:chgData name="Long B Nguyen" userId="f59fb8f3-a021-417a-8bc1-65c8d471c621" providerId="ADAL" clId="{8A4B0ED0-F44B-9E45-9C40-AF9BE57AB4D6}" dt="2021-10-26T12:45:21.701" v="1147" actId="20577"/>
         <pc:sldMkLst>
           <pc:docMk/>
           <pc:sldMk cId="2211977495" sldId="337"/>
         </pc:sldMkLst>
         <pc:spChg chg="mod">
-          <ac:chgData name="Long B Nguyen" userId="f59fb8f3-a021-417a-8bc1-65c8d471c621" providerId="ADAL" clId="{8A4B0ED0-F44B-9E45-9C40-AF9BE57AB4D6}" dt="2021-10-22T12:56:20.310" v="451" actId="20577"/>
+          <ac:chgData name="Long B Nguyen" userId="f59fb8f3-a021-417a-8bc1-65c8d471c621" providerId="ADAL" clId="{8A4B0ED0-F44B-9E45-9C40-AF9BE57AB4D6}" dt="2021-10-26T12:45:21.701" v="1147" actId="20577"/>
           <ac:spMkLst>
             <pc:docMk/>
             <pc:sldMk cId="2211977495" sldId="337"/>
@@ -2739,7 +2741,7 @@
         </pc:spChg>
       </pc:sldChg>
       <pc:sldChg chg="modSp add mod modAnim">
-        <pc:chgData name="Long B Nguyen" userId="f59fb8f3-a021-417a-8bc1-65c8d471c621" providerId="ADAL" clId="{8A4B0ED0-F44B-9E45-9C40-AF9BE57AB4D6}" dt="2021-10-22T13:27:26.463" v="1081" actId="14100"/>
+        <pc:chgData name="Long B Nguyen" userId="f59fb8f3-a021-417a-8bc1-65c8d471c621" providerId="ADAL" clId="{8A4B0ED0-F44B-9E45-9C40-AF9BE57AB4D6}" dt="2021-10-26T13:06:27.574" v="1209" actId="20577"/>
         <pc:sldMkLst>
           <pc:docMk/>
           <pc:sldMk cId="1293658452" sldId="358"/>
@@ -2753,10 +2755,71 @@
           </ac:spMkLst>
         </pc:spChg>
         <pc:spChg chg="mod">
-          <ac:chgData name="Long B Nguyen" userId="f59fb8f3-a021-417a-8bc1-65c8d471c621" providerId="ADAL" clId="{8A4B0ED0-F44B-9E45-9C40-AF9BE57AB4D6}" dt="2021-10-22T13:16:22.266" v="1055" actId="20577"/>
+          <ac:chgData name="Long B Nguyen" userId="f59fb8f3-a021-417a-8bc1-65c8d471c621" providerId="ADAL" clId="{8A4B0ED0-F44B-9E45-9C40-AF9BE57AB4D6}" dt="2021-10-26T13:06:27.574" v="1209" actId="20577"/>
           <ac:spMkLst>
             <pc:docMk/>
             <pc:sldMk cId="1293658452" sldId="358"/>
+            <ac:spMk id="9" creationId="{E3B2E017-30B2-884B-A113-B419A2ED51AD}"/>
+          </ac:spMkLst>
+        </pc:spChg>
+      </pc:sldChg>
+      <pc:sldChg chg="modSp add mod modAnim">
+        <pc:chgData name="Long B Nguyen" userId="f59fb8f3-a021-417a-8bc1-65c8d471c621" providerId="ADAL" clId="{8A4B0ED0-F44B-9E45-9C40-AF9BE57AB4D6}" dt="2021-10-26T14:26:55.614" v="2495"/>
+        <pc:sldMkLst>
+          <pc:docMk/>
+          <pc:sldMk cId="3445465213" sldId="359"/>
+        </pc:sldMkLst>
+        <pc:spChg chg="mod">
+          <ac:chgData name="Long B Nguyen" userId="f59fb8f3-a021-417a-8bc1-65c8d471c621" providerId="ADAL" clId="{8A4B0ED0-F44B-9E45-9C40-AF9BE57AB4D6}" dt="2021-10-26T13:42:31.844" v="1245" actId="1076"/>
+          <ac:spMkLst>
+            <pc:docMk/>
+            <pc:sldMk cId="3445465213" sldId="359"/>
+            <ac:spMk id="2" creationId="{AA3A228F-61D0-D949-A5E7-F83756230BF8}"/>
+          </ac:spMkLst>
+        </pc:spChg>
+        <pc:spChg chg="mod">
+          <ac:chgData name="Long B Nguyen" userId="f59fb8f3-a021-417a-8bc1-65c8d471c621" providerId="ADAL" clId="{8A4B0ED0-F44B-9E45-9C40-AF9BE57AB4D6}" dt="2021-10-26T14:17:10.198" v="1724" actId="207"/>
+          <ac:spMkLst>
+            <pc:docMk/>
+            <pc:sldMk cId="3445465213" sldId="359"/>
+            <ac:spMk id="9" creationId="{E3B2E017-30B2-884B-A113-B419A2ED51AD}"/>
+          </ac:spMkLst>
+        </pc:spChg>
+      </pc:sldChg>
+      <pc:sldChg chg="modSp add mod modAnim">
+        <pc:chgData name="Long B Nguyen" userId="f59fb8f3-a021-417a-8bc1-65c8d471c621" providerId="ADAL" clId="{8A4B0ED0-F44B-9E45-9C40-AF9BE57AB4D6}" dt="2021-10-26T14:27:52.946" v="2514" actId="20577"/>
+        <pc:sldMkLst>
+          <pc:docMk/>
+          <pc:sldMk cId="2098191079" sldId="360"/>
+        </pc:sldMkLst>
+        <pc:spChg chg="mod">
+          <ac:chgData name="Long B Nguyen" userId="f59fb8f3-a021-417a-8bc1-65c8d471c621" providerId="ADAL" clId="{8A4B0ED0-F44B-9E45-9C40-AF9BE57AB4D6}" dt="2021-10-26T14:26:24.372" v="2492" actId="1076"/>
+          <ac:spMkLst>
+            <pc:docMk/>
+            <pc:sldMk cId="2098191079" sldId="360"/>
+            <ac:spMk id="2" creationId="{AA3A228F-61D0-D949-A5E7-F83756230BF8}"/>
+          </ac:spMkLst>
+        </pc:spChg>
+        <pc:spChg chg="mod">
+          <ac:chgData name="Long B Nguyen" userId="f59fb8f3-a021-417a-8bc1-65c8d471c621" providerId="ADAL" clId="{8A4B0ED0-F44B-9E45-9C40-AF9BE57AB4D6}" dt="2021-10-26T14:27:52.946" v="2514" actId="20577"/>
+          <ac:spMkLst>
+            <pc:docMk/>
+            <pc:sldMk cId="2098191079" sldId="360"/>
+            <ac:spMk id="9" creationId="{E3B2E017-30B2-884B-A113-B419A2ED51AD}"/>
+          </ac:spMkLst>
+        </pc:spChg>
+      </pc:sldChg>
+      <pc:sldChg chg="modSp add del mod">
+        <pc:chgData name="Long B Nguyen" userId="f59fb8f3-a021-417a-8bc1-65c8d471c621" providerId="ADAL" clId="{8A4B0ED0-F44B-9E45-9C40-AF9BE57AB4D6}" dt="2021-10-26T14:25:01.069" v="2340" actId="2696"/>
+        <pc:sldMkLst>
+          <pc:docMk/>
+          <pc:sldMk cId="2527198172" sldId="361"/>
+        </pc:sldMkLst>
+        <pc:spChg chg="mod">
+          <ac:chgData name="Long B Nguyen" userId="f59fb8f3-a021-417a-8bc1-65c8d471c621" providerId="ADAL" clId="{8A4B0ED0-F44B-9E45-9C40-AF9BE57AB4D6}" dt="2021-10-26T14:24:07.429" v="2339" actId="20577"/>
+          <ac:spMkLst>
+            <pc:docMk/>
+            <pc:sldMk cId="2527198172" sldId="361"/>
             <ac:spMk id="9" creationId="{E3B2E017-30B2-884B-A113-B419A2ED51AD}"/>
           </ac:spMkLst>
         </pc:spChg>
@@ -2897,7 +2960,7 @@
           <a:p>
             <a:fld id="{4AAD347D-5ACD-4C99-B74B-A9C85AD731AF}" type="datetimeFigureOut">
               <a:rPr lang="en-US" smtClean="0"/>
-              <a:t>10/22/21</a:t>
+              <a:t>10/26/21</a:t>
             </a:fld>
             <a:endParaRPr lang="en-US" dirty="0"/>
           </a:p>
@@ -3067,7 +3130,7 @@
           <a:p>
             <a:fld id="{4509A250-FF31-4206-8172-F9D3106AACB1}" type="datetimeFigureOut">
               <a:rPr lang="en-US" smtClean="0"/>
-              <a:t>10/22/21</a:t>
+              <a:t>10/26/21</a:t>
             </a:fld>
             <a:endParaRPr lang="en-US" dirty="0"/>
           </a:p>
@@ -3247,7 +3310,7 @@
           <a:p>
             <a:fld id="{4509A250-FF31-4206-8172-F9D3106AACB1}" type="datetimeFigureOut">
               <a:rPr lang="en-US" smtClean="0"/>
-              <a:t>10/22/21</a:t>
+              <a:t>10/26/21</a:t>
             </a:fld>
             <a:endParaRPr lang="en-US" dirty="0"/>
           </a:p>
@@ -3417,7 +3480,7 @@
           <a:p>
             <a:fld id="{4509A250-FF31-4206-8172-F9D3106AACB1}" type="datetimeFigureOut">
               <a:rPr lang="en-US" smtClean="0"/>
-              <a:t>10/22/21</a:t>
+              <a:t>10/26/21</a:t>
             </a:fld>
             <a:endParaRPr lang="en-US" dirty="0"/>
           </a:p>
@@ -3663,7 +3726,7 @@
           <a:p>
             <a:fld id="{9796027F-7875-4030-9381-8BD8C4F21935}" type="datetimeFigureOut">
               <a:rPr lang="en-US" smtClean="0"/>
-              <a:t>10/22/21</a:t>
+              <a:t>10/26/21</a:t>
             </a:fld>
             <a:endParaRPr lang="en-US" dirty="0"/>
           </a:p>
@@ -3895,7 +3958,7 @@
           <a:p>
             <a:fld id="{9796027F-7875-4030-9381-8BD8C4F21935}" type="datetimeFigureOut">
               <a:rPr lang="en-US" smtClean="0"/>
-              <a:t>10/22/21</a:t>
+              <a:t>10/26/21</a:t>
             </a:fld>
             <a:endParaRPr lang="en-US" dirty="0"/>
           </a:p>
@@ -4262,7 +4325,7 @@
           <a:p>
             <a:fld id="{9796027F-7875-4030-9381-8BD8C4F21935}" type="datetimeFigureOut">
               <a:rPr lang="en-US" smtClean="0"/>
-              <a:t>10/22/21</a:t>
+              <a:t>10/26/21</a:t>
             </a:fld>
             <a:endParaRPr lang="en-US" dirty="0"/>
           </a:p>
@@ -4380,7 +4443,7 @@
           <a:p>
             <a:fld id="{4509A250-FF31-4206-8172-F9D3106AACB1}" type="datetimeFigureOut">
               <a:rPr lang="en-US" smtClean="0"/>
-              <a:t>10/22/21</a:t>
+              <a:t>10/26/21</a:t>
             </a:fld>
             <a:endParaRPr lang="en-US" dirty="0"/>
           </a:p>
@@ -4475,7 +4538,7 @@
           <a:p>
             <a:fld id="{4509A250-FF31-4206-8172-F9D3106AACB1}" type="datetimeFigureOut">
               <a:rPr lang="en-US" smtClean="0"/>
-              <a:t>10/22/21</a:t>
+              <a:t>10/26/21</a:t>
             </a:fld>
             <a:endParaRPr lang="en-US" dirty="0"/>
           </a:p>
@@ -4752,7 +4815,7 @@
           <a:p>
             <a:fld id="{4509A250-FF31-4206-8172-F9D3106AACB1}" type="datetimeFigureOut">
               <a:rPr lang="en-US" smtClean="0"/>
-              <a:t>10/22/21</a:t>
+              <a:t>10/26/21</a:t>
             </a:fld>
             <a:endParaRPr lang="en-US" dirty="0"/>
           </a:p>
@@ -5009,7 +5072,7 @@
           <a:p>
             <a:fld id="{4509A250-FF31-4206-8172-F9D3106AACB1}" type="datetimeFigureOut">
               <a:rPr lang="en-US" smtClean="0"/>
-              <a:t>10/22/21</a:t>
+              <a:t>10/26/21</a:t>
             </a:fld>
             <a:endParaRPr lang="en-US" dirty="0"/>
           </a:p>
@@ -5222,7 +5285,7 @@
           <a:p>
             <a:fld id="{4AAD347D-5ACD-4C99-B74B-A9C85AD731AF}" type="datetimeFigureOut">
               <a:rPr lang="en-US" smtClean="0"/>
-              <a:t>10/22/21</a:t>
+              <a:t>10/26/21</a:t>
             </a:fld>
             <a:endParaRPr lang="en-US" dirty="0"/>
           </a:p>
@@ -8513,7 +8576,7 @@
             </a:pPr>
             <a:r>
               <a:rPr lang="en-US" dirty="0"/>
-              <a:t>List comprehensions is a way to create a list in Python that is concise and elegant. </a:t>
+              <a:t>List comprehensions is a way to create a list in Python that is concise and elegant. Its main use is to create a new list from a given list. </a:t>
             </a:r>
             <a:endParaRPr lang="en-US" b="1" dirty="0">
               <a:solidFill>
@@ -16945,13 +17008,22 @@
               <a:buNone/>
             </a:pPr>
             <a:r>
-              <a:rPr lang="en-US" b="1" dirty="0">
+              <a:rPr lang="en-US" b="1" dirty="0" err="1">
                 <a:solidFill>
                   <a:srgbClr val="000087"/>
                 </a:solidFill>
                 <a:latin typeface="INCONSOLATA" panose="020B0609030003000000" pitchFamily="49" charset="77"/>
               </a:rPr>
-              <a:t>timer = </a:t>
+              <a:t>nums</a:t>
+            </a:r>
+            <a:r>
+              <a:rPr lang="en-US" b="1" dirty="0">
+                <a:solidFill>
+                  <a:srgbClr val="000087"/>
+                </a:solidFill>
+                <a:latin typeface="INCONSOLATA" panose="020B0609030003000000" pitchFamily="49" charset="77"/>
+              </a:rPr>
+              <a:t> = </a:t>
             </a:r>
             <a:r>
               <a:rPr lang="en-US" b="1" dirty="0">
@@ -16960,7 +17032,7 @@
                 </a:solidFill>
                 <a:latin typeface="INCONSOLATA" panose="020B0609030003000000" pitchFamily="49" charset="77"/>
               </a:rPr>
-              <a:t>“4:24:12” </a:t>
+              <a:t>“4 24 12” </a:t>
             </a:r>
             <a:endParaRPr lang="en-US" b="1" dirty="0">
               <a:solidFill>
@@ -16980,7 +17052,7 @@
                 </a:solidFill>
                 <a:latin typeface="INCONSOLATA" panose="020B0609030003000000" pitchFamily="49" charset="77"/>
               </a:rPr>
-              <a:t>timer_lst</a:t>
+              <a:t>nums_lst</a:t>
             </a:r>
             <a:r>
               <a:rPr lang="en-US" b="1" dirty="0">
@@ -16998,7 +17070,7 @@
                 </a:solidFill>
                 <a:latin typeface="INCONSOLATA" panose="020B0609030003000000" pitchFamily="49" charset="77"/>
               </a:rPr>
-              <a:t>timer.split</a:t>
+              <a:t>nums.split</a:t>
             </a:r>
             <a:r>
               <a:rPr lang="en-US" b="1" dirty="0">
@@ -17007,7 +17079,7 @@
                 </a:solidFill>
                 <a:latin typeface="INCONSOLATA" panose="020B0609030003000000" pitchFamily="49" charset="77"/>
               </a:rPr>
-              <a:t>(":")</a:t>
+              <a:t>()</a:t>
             </a:r>
             <a:endParaRPr lang="en-US" b="1" dirty="0">
               <a:latin typeface="INCONSOLATA" panose="020B0609030003000000" pitchFamily="49" charset="77"/>
@@ -17027,7 +17099,7 @@
               <a:rPr lang="en-US" b="1" dirty="0" err="1">
                 <a:latin typeface="INCONSOLATA" panose="020B0609030003000000" pitchFamily="49" charset="77"/>
               </a:rPr>
-              <a:t>timer_lst</a:t>
+              <a:t>nums_lst</a:t>
             </a:r>
             <a:r>
               <a:rPr lang="en-US" b="1" dirty="0">
@@ -17525,6 +17597,1302 @@
         </p:nvSpPr>
         <p:spPr>
           <a:xfrm>
+            <a:off x="161364" y="134218"/>
+            <a:ext cx="7053542" cy="683886"/>
+          </a:xfrm>
+        </p:spPr>
+        <p:txBody>
+          <a:bodyPr/>
+          <a:lstStyle/>
+          <a:p>
+            <a:r>
+              <a:rPr lang="en-US" dirty="0"/>
+              <a:t>Create a list from user inputs</a:t>
+            </a:r>
+          </a:p>
+        </p:txBody>
+      </p:sp>
+      <p:sp>
+        <p:nvSpPr>
+          <p:cNvPr id="9" name="Content Placeholder 8">
+            <a:extLst>
+              <a:ext uri="{FF2B5EF4-FFF2-40B4-BE49-F238E27FC236}">
+                <a16:creationId xmlns:a16="http://schemas.microsoft.com/office/drawing/2014/main" id="{E3B2E017-30B2-884B-A113-B419A2ED51AD}"/>
+              </a:ext>
+            </a:extLst>
+          </p:cNvPr>
+          <p:cNvSpPr>
+            <a:spLocks noGrp="1"/>
+          </p:cNvSpPr>
+          <p:nvPr>
+            <p:ph idx="1"/>
+          </p:nvPr>
+        </p:nvSpPr>
+        <p:spPr>
+          <a:xfrm>
+            <a:off x="161364" y="818104"/>
+            <a:ext cx="8821271" cy="4762678"/>
+          </a:xfrm>
+        </p:spPr>
+        <p:txBody>
+          <a:bodyPr>
+            <a:noAutofit/>
+          </a:bodyPr>
+          <a:lstStyle/>
+          <a:p>
+            <a:pPr marL="0" indent="0">
+              <a:buNone/>
+            </a:pPr>
+            <a:r>
+              <a:rPr lang="en-US" dirty="0"/>
+              <a:t> Ask the user to enter a list of numbers </a:t>
+            </a:r>
+            <a:r>
+              <a:rPr lang="en-US" b="1" dirty="0"/>
+              <a:t>of any length</a:t>
+            </a:r>
+            <a:r>
+              <a:rPr lang="en-US" dirty="0"/>
+              <a:t> separated by spaces. Generate a list containing those numbers. The split() function can be used here.</a:t>
+            </a:r>
+          </a:p>
+          <a:p>
+            <a:pPr marL="0" indent="0">
+              <a:buNone/>
+            </a:pPr>
+            <a:endParaRPr lang="en-US" dirty="0"/>
+          </a:p>
+          <a:p>
+            <a:pPr marL="0" indent="0">
+              <a:buNone/>
+            </a:pPr>
+            <a:r>
+              <a:rPr lang="en-US" sz="2000" dirty="0" err="1">
+                <a:latin typeface="INCONSOLATA" panose="020B0609030003000000" pitchFamily="49" charset="77"/>
+              </a:rPr>
+              <a:t>nums</a:t>
+            </a:r>
+            <a:r>
+              <a:rPr lang="en-US" sz="2000" dirty="0">
+                <a:latin typeface="INCONSOLATA" panose="020B0609030003000000" pitchFamily="49" charset="77"/>
+              </a:rPr>
+              <a:t> = input(</a:t>
+            </a:r>
+            <a:r>
+              <a:rPr lang="en-US" sz="2000" dirty="0">
+                <a:solidFill>
+                  <a:srgbClr val="FF0000"/>
+                </a:solidFill>
+                <a:latin typeface="INCONSOLATA" panose="020B0609030003000000" pitchFamily="49" charset="77"/>
+              </a:rPr>
+              <a:t>"Enter list of numbers separated by spaces: "</a:t>
+            </a:r>
+            <a:r>
+              <a:rPr lang="en-US" sz="2000" dirty="0">
+                <a:latin typeface="INCONSOLATA" panose="020B0609030003000000" pitchFamily="49" charset="77"/>
+              </a:rPr>
+              <a:t>).split()</a:t>
+            </a:r>
+          </a:p>
+          <a:p>
+            <a:pPr marL="0" indent="0">
+              <a:buNone/>
+            </a:pPr>
+            <a:r>
+              <a:rPr lang="en-US" sz="2000" dirty="0">
+                <a:latin typeface="INCONSOLATA" panose="020B0609030003000000" pitchFamily="49" charset="77"/>
+              </a:rPr>
+              <a:t>print(</a:t>
+            </a:r>
+            <a:r>
+              <a:rPr lang="en-US" sz="2000" dirty="0" err="1">
+                <a:latin typeface="INCONSOLATA" panose="020B0609030003000000" pitchFamily="49" charset="77"/>
+              </a:rPr>
+              <a:t>nums</a:t>
+            </a:r>
+            <a:r>
+              <a:rPr lang="en-US" sz="2000" dirty="0">
+                <a:latin typeface="INCONSOLATA" panose="020B0609030003000000" pitchFamily="49" charset="77"/>
+              </a:rPr>
+              <a:t>)</a:t>
+            </a:r>
+          </a:p>
+          <a:p>
+            <a:pPr marL="0" indent="0">
+              <a:buNone/>
+            </a:pPr>
+            <a:endParaRPr lang="en-US" sz="2000" dirty="0">
+              <a:latin typeface="INCONSOLATA" panose="020B0609030003000000" pitchFamily="49" charset="77"/>
+            </a:endParaRPr>
+          </a:p>
+          <a:p>
+            <a:pPr marL="0" indent="0">
+              <a:buNone/>
+            </a:pPr>
+            <a:endParaRPr lang="en-US" sz="2000" dirty="0">
+              <a:latin typeface="INCONSOLATA" panose="020B0609030003000000" pitchFamily="49" charset="77"/>
+            </a:endParaRPr>
+          </a:p>
+          <a:p>
+            <a:pPr marL="0" indent="0">
+              <a:buNone/>
+            </a:pPr>
+            <a:r>
+              <a:rPr lang="en-US" sz="2000" dirty="0">
+                <a:latin typeface="Gill Sans MT" panose="020B0502020104020203" pitchFamily="34" charset="77"/>
+              </a:rPr>
+              <a:t>Sample output:</a:t>
+            </a:r>
+            <a:endParaRPr lang="en-US" sz="2000" dirty="0">
+              <a:latin typeface="INCONSOLATA" panose="020B0609030003000000" pitchFamily="49" charset="77"/>
+            </a:endParaRPr>
+          </a:p>
+          <a:p>
+            <a:pPr marL="0" indent="0">
+              <a:buNone/>
+            </a:pPr>
+            <a:r>
+              <a:rPr lang="en-US" sz="2000" dirty="0">
+                <a:latin typeface="Gill Sans MT" panose="020B0502020104020203" pitchFamily="34" charset="77"/>
+              </a:rPr>
+              <a:t>Enter list of numbers separated by spaces: 4 6 1 23</a:t>
+            </a:r>
+          </a:p>
+          <a:p>
+            <a:pPr marL="0" indent="0">
+              <a:buNone/>
+            </a:pPr>
+            <a:r>
+              <a:rPr lang="en-US" sz="2000" dirty="0">
+                <a:latin typeface="Gill Sans MT" panose="020B0502020104020203" pitchFamily="34" charset="77"/>
+              </a:rPr>
+              <a:t>['4', '6', '1', '23']</a:t>
+            </a:r>
+          </a:p>
+          <a:p>
+            <a:pPr marL="0" indent="0">
+              <a:buNone/>
+            </a:pPr>
+            <a:endParaRPr lang="en-US" sz="2000" dirty="0">
+              <a:latin typeface="Gill Sans MT" panose="020B0502020104020203" pitchFamily="34" charset="77"/>
+            </a:endParaRPr>
+          </a:p>
+          <a:p>
+            <a:pPr marL="0" indent="0">
+              <a:buNone/>
+            </a:pPr>
+            <a:r>
+              <a:rPr lang="en-US" sz="2000" dirty="0">
+                <a:solidFill>
+                  <a:srgbClr val="FF0000"/>
+                </a:solidFill>
+                <a:latin typeface="Gill Sans MT" panose="020B0502020104020203" pitchFamily="34" charset="77"/>
+              </a:rPr>
+              <a:t>Note that the list above is a list of strings! We like this to be a list of integers. </a:t>
+            </a:r>
+          </a:p>
+        </p:txBody>
+      </p:sp>
+    </p:spTree>
+    <p:extLst>
+      <p:ext uri="{BB962C8B-B14F-4D97-AF65-F5344CB8AC3E}">
+        <p14:creationId xmlns:p14="http://schemas.microsoft.com/office/powerpoint/2010/main" val="3445465213"/>
+      </p:ext>
+    </p:extLst>
+  </p:cSld>
+  <p:clrMapOvr>
+    <a:masterClrMapping/>
+  </p:clrMapOvr>
+  <p:timing>
+    <p:tnLst>
+      <p:par>
+        <p:cTn id="1" dur="indefinite" restart="never" nodeType="tmRoot">
+          <p:childTnLst>
+            <p:seq concurrent="1" nextAc="seek">
+              <p:cTn id="2" dur="indefinite" nodeType="mainSeq">
+                <p:childTnLst>
+                  <p:par>
+                    <p:cTn id="3" fill="hold">
+                      <p:stCondLst>
+                        <p:cond delay="indefinite"/>
+                      </p:stCondLst>
+                      <p:childTnLst>
+                        <p:par>
+                          <p:cTn id="4" fill="hold">
+                            <p:stCondLst>
+                              <p:cond delay="0"/>
+                            </p:stCondLst>
+                            <p:childTnLst>
+                              <p:par>
+                                <p:cTn id="5" presetID="1" presetClass="entr" presetSubtype="0" fill="hold" nodeType="clickEffect">
+                                  <p:stCondLst>
+                                    <p:cond delay="0"/>
+                                  </p:stCondLst>
+                                  <p:childTnLst>
+                                    <p:set>
+                                      <p:cBhvr>
+                                        <p:cTn id="6" dur="1" fill="hold">
+                                          <p:stCondLst>
+                                            <p:cond delay="0"/>
+                                          </p:stCondLst>
+                                        </p:cTn>
+                                        <p:tgtEl>
+                                          <p:spTgt spid="9">
+                                            <p:txEl>
+                                              <p:pRg st="2" end="2"/>
+                                            </p:txEl>
+                                          </p:spTgt>
+                                        </p:tgtEl>
+                                        <p:attrNameLst>
+                                          <p:attrName>style.visibility</p:attrName>
+                                        </p:attrNameLst>
+                                      </p:cBhvr>
+                                      <p:to>
+                                        <p:strVal val="visible"/>
+                                      </p:to>
+                                    </p:set>
+                                  </p:childTnLst>
+                                </p:cTn>
+                              </p:par>
+                              <p:par>
+                                <p:cTn id="7" presetID="1" presetClass="entr" presetSubtype="0" fill="hold" nodeType="withEffect">
+                                  <p:stCondLst>
+                                    <p:cond delay="0"/>
+                                  </p:stCondLst>
+                                  <p:childTnLst>
+                                    <p:set>
+                                      <p:cBhvr>
+                                        <p:cTn id="8" dur="1" fill="hold">
+                                          <p:stCondLst>
+                                            <p:cond delay="0"/>
+                                          </p:stCondLst>
+                                        </p:cTn>
+                                        <p:tgtEl>
+                                          <p:spTgt spid="9">
+                                            <p:txEl>
+                                              <p:pRg st="3" end="3"/>
+                                            </p:txEl>
+                                          </p:spTgt>
+                                        </p:tgtEl>
+                                        <p:attrNameLst>
+                                          <p:attrName>style.visibility</p:attrName>
+                                        </p:attrNameLst>
+                                      </p:cBhvr>
+                                      <p:to>
+                                        <p:strVal val="visible"/>
+                                      </p:to>
+                                    </p:set>
+                                  </p:childTnLst>
+                                </p:cTn>
+                              </p:par>
+                            </p:childTnLst>
+                          </p:cTn>
+                        </p:par>
+                      </p:childTnLst>
+                    </p:cTn>
+                  </p:par>
+                  <p:par>
+                    <p:cTn id="9" fill="hold">
+                      <p:stCondLst>
+                        <p:cond delay="indefinite"/>
+                      </p:stCondLst>
+                      <p:childTnLst>
+                        <p:par>
+                          <p:cTn id="10" fill="hold">
+                            <p:stCondLst>
+                              <p:cond delay="0"/>
+                            </p:stCondLst>
+                            <p:childTnLst>
+                              <p:par>
+                                <p:cTn id="11" presetID="1" presetClass="entr" presetSubtype="0" fill="hold" nodeType="clickEffect">
+                                  <p:stCondLst>
+                                    <p:cond delay="0"/>
+                                  </p:stCondLst>
+                                  <p:childTnLst>
+                                    <p:set>
+                                      <p:cBhvr>
+                                        <p:cTn id="12" dur="1" fill="hold">
+                                          <p:stCondLst>
+                                            <p:cond delay="0"/>
+                                          </p:stCondLst>
+                                        </p:cTn>
+                                        <p:tgtEl>
+                                          <p:spTgt spid="9">
+                                            <p:txEl>
+                                              <p:pRg st="6" end="6"/>
+                                            </p:txEl>
+                                          </p:spTgt>
+                                        </p:tgtEl>
+                                        <p:attrNameLst>
+                                          <p:attrName>style.visibility</p:attrName>
+                                        </p:attrNameLst>
+                                      </p:cBhvr>
+                                      <p:to>
+                                        <p:strVal val="visible"/>
+                                      </p:to>
+                                    </p:set>
+                                  </p:childTnLst>
+                                </p:cTn>
+                              </p:par>
+                              <p:par>
+                                <p:cTn id="13" presetID="1" presetClass="entr" presetSubtype="0" fill="hold" nodeType="withEffect">
+                                  <p:stCondLst>
+                                    <p:cond delay="0"/>
+                                  </p:stCondLst>
+                                  <p:childTnLst>
+                                    <p:set>
+                                      <p:cBhvr>
+                                        <p:cTn id="14" dur="1" fill="hold">
+                                          <p:stCondLst>
+                                            <p:cond delay="0"/>
+                                          </p:stCondLst>
+                                        </p:cTn>
+                                        <p:tgtEl>
+                                          <p:spTgt spid="9">
+                                            <p:txEl>
+                                              <p:pRg st="7" end="7"/>
+                                            </p:txEl>
+                                          </p:spTgt>
+                                        </p:tgtEl>
+                                        <p:attrNameLst>
+                                          <p:attrName>style.visibility</p:attrName>
+                                        </p:attrNameLst>
+                                      </p:cBhvr>
+                                      <p:to>
+                                        <p:strVal val="visible"/>
+                                      </p:to>
+                                    </p:set>
+                                  </p:childTnLst>
+                                </p:cTn>
+                              </p:par>
+                              <p:par>
+                                <p:cTn id="15" presetID="1" presetClass="entr" presetSubtype="0" fill="hold" nodeType="withEffect">
+                                  <p:stCondLst>
+                                    <p:cond delay="0"/>
+                                  </p:stCondLst>
+                                  <p:childTnLst>
+                                    <p:set>
+                                      <p:cBhvr>
+                                        <p:cTn id="16" dur="1" fill="hold">
+                                          <p:stCondLst>
+                                            <p:cond delay="0"/>
+                                          </p:stCondLst>
+                                        </p:cTn>
+                                        <p:tgtEl>
+                                          <p:spTgt spid="9">
+                                            <p:txEl>
+                                              <p:pRg st="8" end="8"/>
+                                            </p:txEl>
+                                          </p:spTgt>
+                                        </p:tgtEl>
+                                        <p:attrNameLst>
+                                          <p:attrName>style.visibility</p:attrName>
+                                        </p:attrNameLst>
+                                      </p:cBhvr>
+                                      <p:to>
+                                        <p:strVal val="visible"/>
+                                      </p:to>
+                                    </p:set>
+                                  </p:childTnLst>
+                                </p:cTn>
+                              </p:par>
+                            </p:childTnLst>
+                          </p:cTn>
+                        </p:par>
+                      </p:childTnLst>
+                    </p:cTn>
+                  </p:par>
+                  <p:par>
+                    <p:cTn id="17" fill="hold">
+                      <p:stCondLst>
+                        <p:cond delay="indefinite"/>
+                      </p:stCondLst>
+                      <p:childTnLst>
+                        <p:par>
+                          <p:cTn id="18" fill="hold">
+                            <p:stCondLst>
+                              <p:cond delay="0"/>
+                            </p:stCondLst>
+                            <p:childTnLst>
+                              <p:par>
+                                <p:cTn id="19" presetID="1" presetClass="entr" presetSubtype="0" fill="hold" nodeType="clickEffect">
+                                  <p:stCondLst>
+                                    <p:cond delay="0"/>
+                                  </p:stCondLst>
+                                  <p:childTnLst>
+                                    <p:set>
+                                      <p:cBhvr>
+                                        <p:cTn id="20" dur="1" fill="hold">
+                                          <p:stCondLst>
+                                            <p:cond delay="0"/>
+                                          </p:stCondLst>
+                                        </p:cTn>
+                                        <p:tgtEl>
+                                          <p:spTgt spid="9">
+                                            <p:txEl>
+                                              <p:pRg st="10" end="10"/>
+                                            </p:txEl>
+                                          </p:spTgt>
+                                        </p:tgtEl>
+                                        <p:attrNameLst>
+                                          <p:attrName>style.visibility</p:attrName>
+                                        </p:attrNameLst>
+                                      </p:cBhvr>
+                                      <p:to>
+                                        <p:strVal val="visible"/>
+                                      </p:to>
+                                    </p:set>
+                                  </p:childTnLst>
+                                </p:cTn>
+                              </p:par>
+                            </p:childTnLst>
+                          </p:cTn>
+                        </p:par>
+                      </p:childTnLst>
+                    </p:cTn>
+                  </p:par>
+                </p:childTnLst>
+              </p:cTn>
+              <p:prevCondLst>
+                <p:cond evt="onPrev" delay="0">
+                  <p:tgtEl>
+                    <p:sldTgt/>
+                  </p:tgtEl>
+                </p:cond>
+              </p:prevCondLst>
+              <p:nextCondLst>
+                <p:cond evt="onNext" delay="0">
+                  <p:tgtEl>
+                    <p:sldTgt/>
+                  </p:tgtEl>
+                </p:cond>
+              </p:nextCondLst>
+            </p:seq>
+          </p:childTnLst>
+        </p:cTn>
+      </p:par>
+    </p:tnLst>
+  </p:timing>
+</p:sld>
+</file>
+
+<file path=ppt/slides/slide25.xml><?xml version="1.0" encoding="utf-8"?>
+<p:sld xmlns:a="http://schemas.openxmlformats.org/drawingml/2006/main" xmlns:r="http://schemas.openxmlformats.org/officeDocument/2006/relationships" xmlns:p="http://schemas.openxmlformats.org/presentationml/2006/main">
+  <p:cSld>
+    <p:spTree>
+      <p:nvGrpSpPr>
+        <p:cNvPr id="1" name=""/>
+        <p:cNvGrpSpPr/>
+        <p:nvPr/>
+      </p:nvGrpSpPr>
+      <p:grpSpPr>
+        <a:xfrm>
+          <a:off x="0" y="0"/>
+          <a:ext cx="0" cy="0"/>
+          <a:chOff x="0" y="0"/>
+          <a:chExt cx="0" cy="0"/>
+        </a:xfrm>
+      </p:grpSpPr>
+      <p:sp>
+        <p:nvSpPr>
+          <p:cNvPr id="2" name="Title 1">
+            <a:extLst>
+              <a:ext uri="{FF2B5EF4-FFF2-40B4-BE49-F238E27FC236}">
+                <a16:creationId xmlns:a16="http://schemas.microsoft.com/office/drawing/2014/main" id="{AA3A228F-61D0-D949-A5E7-F83756230BF8}"/>
+              </a:ext>
+            </a:extLst>
+          </p:cNvPr>
+          <p:cNvSpPr>
+            <a:spLocks noGrp="1"/>
+          </p:cNvSpPr>
+          <p:nvPr>
+            <p:ph type="title"/>
+          </p:nvPr>
+        </p:nvSpPr>
+        <p:spPr>
+          <a:xfrm>
+            <a:off x="129091" y="48157"/>
+            <a:ext cx="7053542" cy="683886"/>
+          </a:xfrm>
+        </p:spPr>
+        <p:txBody>
+          <a:bodyPr/>
+          <a:lstStyle/>
+          <a:p>
+            <a:r>
+              <a:rPr lang="en-US" dirty="0"/>
+              <a:t>Create a list from user inputs</a:t>
+            </a:r>
+          </a:p>
+        </p:txBody>
+      </p:sp>
+      <p:sp>
+        <p:nvSpPr>
+          <p:cNvPr id="9" name="Content Placeholder 8">
+            <a:extLst>
+              <a:ext uri="{FF2B5EF4-FFF2-40B4-BE49-F238E27FC236}">
+                <a16:creationId xmlns:a16="http://schemas.microsoft.com/office/drawing/2014/main" id="{E3B2E017-30B2-884B-A113-B419A2ED51AD}"/>
+              </a:ext>
+            </a:extLst>
+          </p:cNvPr>
+          <p:cNvSpPr>
+            <a:spLocks noGrp="1"/>
+          </p:cNvSpPr>
+          <p:nvPr>
+            <p:ph idx="1"/>
+          </p:nvPr>
+        </p:nvSpPr>
+        <p:spPr>
+          <a:xfrm>
+            <a:off x="0" y="656216"/>
+            <a:ext cx="9144000" cy="4924566"/>
+          </a:xfrm>
+        </p:spPr>
+        <p:txBody>
+          <a:bodyPr>
+            <a:noAutofit/>
+          </a:bodyPr>
+          <a:lstStyle/>
+          <a:p>
+            <a:pPr marL="0" indent="0">
+              <a:buNone/>
+            </a:pPr>
+            <a:r>
+              <a:rPr lang="en-US" dirty="0"/>
+              <a:t>From the previous example, we can change each string in the list by manually casting it to an integer. </a:t>
+            </a:r>
+          </a:p>
+          <a:p>
+            <a:pPr marL="0" indent="0">
+              <a:buNone/>
+            </a:pPr>
+            <a:r>
+              <a:rPr lang="en-US" sz="2000" dirty="0" err="1">
+                <a:latin typeface="INCONSOLATA" panose="020B0609030003000000" pitchFamily="49" charset="77"/>
+              </a:rPr>
+              <a:t>nums</a:t>
+            </a:r>
+            <a:r>
+              <a:rPr lang="en-US" sz="2000" dirty="0">
+                <a:latin typeface="INCONSOLATA" panose="020B0609030003000000" pitchFamily="49" charset="77"/>
+              </a:rPr>
+              <a:t> = input().split()</a:t>
+            </a:r>
+          </a:p>
+          <a:p>
+            <a:pPr marL="0" indent="0">
+              <a:buNone/>
+            </a:pPr>
+            <a:r>
+              <a:rPr lang="en-US" sz="2000" dirty="0">
+                <a:latin typeface="INCONSOLATA" panose="020B0609030003000000" pitchFamily="49" charset="77"/>
+              </a:rPr>
+              <a:t>for </a:t>
+            </a:r>
+            <a:r>
+              <a:rPr lang="en-US" sz="2000" dirty="0" err="1">
+                <a:latin typeface="INCONSOLATA" panose="020B0609030003000000" pitchFamily="49" charset="77"/>
+              </a:rPr>
+              <a:t>i</a:t>
+            </a:r>
+            <a:r>
+              <a:rPr lang="en-US" sz="2000" dirty="0">
+                <a:latin typeface="INCONSOLATA" panose="020B0609030003000000" pitchFamily="49" charset="77"/>
+              </a:rPr>
+              <a:t> in range(</a:t>
+            </a:r>
+            <a:r>
+              <a:rPr lang="en-US" sz="2000" dirty="0" err="1">
+                <a:latin typeface="INCONSOLATA" panose="020B0609030003000000" pitchFamily="49" charset="77"/>
+              </a:rPr>
+              <a:t>len</a:t>
+            </a:r>
+            <a:r>
+              <a:rPr lang="en-US" sz="2000" dirty="0">
+                <a:latin typeface="INCONSOLATA" panose="020B0609030003000000" pitchFamily="49" charset="77"/>
+              </a:rPr>
+              <a:t>(</a:t>
+            </a:r>
+            <a:r>
+              <a:rPr lang="en-US" sz="2000" dirty="0" err="1">
+                <a:latin typeface="INCONSOLATA" panose="020B0609030003000000" pitchFamily="49" charset="77"/>
+              </a:rPr>
+              <a:t>nums</a:t>
+            </a:r>
+            <a:r>
+              <a:rPr lang="en-US" sz="2000" dirty="0">
+                <a:latin typeface="INCONSOLATA" panose="020B0609030003000000" pitchFamily="49" charset="77"/>
+              </a:rPr>
+              <a:t>)):</a:t>
+            </a:r>
+          </a:p>
+          <a:p>
+            <a:pPr marL="0" indent="0">
+              <a:buNone/>
+            </a:pPr>
+            <a:r>
+              <a:rPr lang="en-US" sz="2000" dirty="0">
+                <a:latin typeface="INCONSOLATA" panose="020B0609030003000000" pitchFamily="49" charset="77"/>
+              </a:rPr>
+              <a:t>	</a:t>
+            </a:r>
+            <a:r>
+              <a:rPr lang="en-US" sz="2000" dirty="0" err="1">
+                <a:latin typeface="INCONSOLATA" panose="020B0609030003000000" pitchFamily="49" charset="77"/>
+              </a:rPr>
+              <a:t>nums</a:t>
+            </a:r>
+            <a:r>
+              <a:rPr lang="en-US" sz="2000" dirty="0">
+                <a:latin typeface="INCONSOLATA" panose="020B0609030003000000" pitchFamily="49" charset="77"/>
+              </a:rPr>
+              <a:t>[</a:t>
+            </a:r>
+            <a:r>
+              <a:rPr lang="en-US" sz="2000" dirty="0" err="1">
+                <a:latin typeface="INCONSOLATA" panose="020B0609030003000000" pitchFamily="49" charset="77"/>
+              </a:rPr>
+              <a:t>i</a:t>
+            </a:r>
+            <a:r>
+              <a:rPr lang="en-US" sz="2000" dirty="0">
+                <a:latin typeface="INCONSOLATA" panose="020B0609030003000000" pitchFamily="49" charset="77"/>
+              </a:rPr>
+              <a:t>] = int(num[</a:t>
+            </a:r>
+            <a:r>
+              <a:rPr lang="en-US" sz="2000" dirty="0" err="1">
+                <a:latin typeface="INCONSOLATA" panose="020B0609030003000000" pitchFamily="49" charset="77"/>
+              </a:rPr>
+              <a:t>i</a:t>
+            </a:r>
+            <a:r>
+              <a:rPr lang="en-US" sz="2000" dirty="0">
+                <a:latin typeface="INCONSOLATA" panose="020B0609030003000000" pitchFamily="49" charset="77"/>
+              </a:rPr>
+              <a:t>])		</a:t>
+            </a:r>
+            <a:r>
+              <a:rPr lang="en-US" sz="2000" dirty="0">
+                <a:solidFill>
+                  <a:schemeClr val="accent1"/>
+                </a:solidFill>
+                <a:latin typeface="INCONSOLATA" panose="020B0609030003000000" pitchFamily="49" charset="77"/>
+              </a:rPr>
+              <a:t># cast string to integer</a:t>
+            </a:r>
+          </a:p>
+          <a:p>
+            <a:pPr marL="0" indent="0">
+              <a:buNone/>
+            </a:pPr>
+            <a:r>
+              <a:rPr lang="en-US" sz="2000" dirty="0">
+                <a:latin typeface="INCONSOLATA" panose="020B0609030003000000" pitchFamily="49" charset="77"/>
+              </a:rPr>
+              <a:t>print(</a:t>
+            </a:r>
+            <a:r>
+              <a:rPr lang="en-US" sz="2000" dirty="0" err="1">
+                <a:latin typeface="INCONSOLATA" panose="020B0609030003000000" pitchFamily="49" charset="77"/>
+              </a:rPr>
+              <a:t>nums</a:t>
+            </a:r>
+            <a:r>
+              <a:rPr lang="en-US" sz="2000" dirty="0">
+                <a:latin typeface="INCONSOLATA" panose="020B0609030003000000" pitchFamily="49" charset="77"/>
+              </a:rPr>
+              <a:t>)</a:t>
+            </a:r>
+          </a:p>
+          <a:p>
+            <a:pPr marL="0" indent="0">
+              <a:buNone/>
+            </a:pPr>
+            <a:r>
+              <a:rPr lang="en-US" sz="2000" dirty="0">
+                <a:latin typeface="Gill Sans MT" panose="020B0502020104020203" pitchFamily="34" charset="77"/>
+              </a:rPr>
+              <a:t>Sample output:</a:t>
+            </a:r>
+            <a:endParaRPr lang="en-US" sz="2000" dirty="0">
+              <a:latin typeface="INCONSOLATA" panose="020B0609030003000000" pitchFamily="49" charset="77"/>
+            </a:endParaRPr>
+          </a:p>
+          <a:p>
+            <a:pPr marL="0" indent="0">
+              <a:buNone/>
+            </a:pPr>
+            <a:r>
+              <a:rPr lang="en-US" sz="2000" dirty="0">
+                <a:latin typeface="Gill Sans MT" panose="020B0502020104020203" pitchFamily="34" charset="77"/>
+              </a:rPr>
+              <a:t>4 6 1 23</a:t>
+            </a:r>
+          </a:p>
+          <a:p>
+            <a:pPr marL="0" indent="0">
+              <a:buNone/>
+            </a:pPr>
+            <a:r>
+              <a:rPr lang="en-US" sz="2000" dirty="0">
+                <a:latin typeface="Gill Sans MT" panose="020B0502020104020203" pitchFamily="34" charset="77"/>
+              </a:rPr>
+              <a:t>[4, 6, 1, 23]</a:t>
+            </a:r>
+          </a:p>
+          <a:p>
+            <a:pPr marL="0" indent="0">
+              <a:buNone/>
+            </a:pPr>
+            <a:endParaRPr lang="en-US" sz="2000" dirty="0">
+              <a:latin typeface="Gill Sans MT" panose="020B0502020104020203" pitchFamily="34" charset="77"/>
+            </a:endParaRPr>
+          </a:p>
+          <a:p>
+            <a:pPr marL="0" indent="0">
+              <a:buNone/>
+            </a:pPr>
+            <a:r>
+              <a:rPr lang="en-US" dirty="0">
+                <a:latin typeface="Gill Sans MT" panose="020B0502020104020203" pitchFamily="34" charset="77"/>
+              </a:rPr>
+              <a:t>We can further simplify the code above using </a:t>
+            </a:r>
+            <a:r>
+              <a:rPr lang="en-US">
+                <a:latin typeface="Gill Sans MT" panose="020B0502020104020203" pitchFamily="34" charset="77"/>
+              </a:rPr>
+              <a:t>list comprehensions! </a:t>
+            </a:r>
+            <a:r>
+              <a:rPr lang="en-US" dirty="0">
+                <a:solidFill>
+                  <a:srgbClr val="FF0000"/>
+                </a:solidFill>
+                <a:latin typeface="Gill Sans MT" panose="020B0502020104020203" pitchFamily="34" charset="77"/>
+              </a:rPr>
+              <a:t>This code below can used in many of the </a:t>
+            </a:r>
+            <a:r>
+              <a:rPr lang="en-US" dirty="0" err="1">
+                <a:solidFill>
+                  <a:srgbClr val="FF0000"/>
+                </a:solidFill>
+                <a:latin typeface="Gill Sans MT" panose="020B0502020104020203" pitchFamily="34" charset="77"/>
+              </a:rPr>
+              <a:t>replit</a:t>
+            </a:r>
+            <a:r>
+              <a:rPr lang="en-US" dirty="0">
+                <a:solidFill>
+                  <a:srgbClr val="FF0000"/>
+                </a:solidFill>
+                <a:latin typeface="Gill Sans MT" panose="020B0502020104020203" pitchFamily="34" charset="77"/>
+              </a:rPr>
+              <a:t> Teams problems for this lecture. </a:t>
+            </a:r>
+          </a:p>
+          <a:p>
+            <a:pPr marL="0" indent="0">
+              <a:buNone/>
+            </a:pPr>
+            <a:r>
+              <a:rPr lang="en-US" sz="2000" dirty="0" err="1">
+                <a:latin typeface="INCONSOLATA" panose="020B0609030003000000" pitchFamily="49" charset="77"/>
+              </a:rPr>
+              <a:t>nums</a:t>
+            </a:r>
+            <a:r>
+              <a:rPr lang="en-US" sz="2000" dirty="0">
+                <a:latin typeface="INCONSOLATA" panose="020B0609030003000000" pitchFamily="49" charset="77"/>
+              </a:rPr>
+              <a:t> = [int(x) for x in input().split()]</a:t>
+            </a:r>
+          </a:p>
+          <a:p>
+            <a:pPr marL="0" indent="0">
+              <a:buNone/>
+            </a:pPr>
+            <a:endParaRPr lang="en-US" sz="2000" dirty="0">
+              <a:latin typeface="Gill Sans MT" panose="020B0502020104020203" pitchFamily="34" charset="77"/>
+            </a:endParaRPr>
+          </a:p>
+          <a:p>
+            <a:pPr marL="0" indent="0">
+              <a:buNone/>
+            </a:pPr>
+            <a:endParaRPr lang="en-US" sz="2000" dirty="0">
+              <a:latin typeface="Gill Sans MT" panose="020B0502020104020203" pitchFamily="34" charset="77"/>
+            </a:endParaRPr>
+          </a:p>
+        </p:txBody>
+      </p:sp>
+    </p:spTree>
+    <p:extLst>
+      <p:ext uri="{BB962C8B-B14F-4D97-AF65-F5344CB8AC3E}">
+        <p14:creationId xmlns:p14="http://schemas.microsoft.com/office/powerpoint/2010/main" val="2098191079"/>
+      </p:ext>
+    </p:extLst>
+  </p:cSld>
+  <p:clrMapOvr>
+    <a:masterClrMapping/>
+  </p:clrMapOvr>
+  <p:timing>
+    <p:tnLst>
+      <p:par>
+        <p:cTn id="1" dur="indefinite" restart="never" nodeType="tmRoot">
+          <p:childTnLst>
+            <p:seq concurrent="1" nextAc="seek">
+              <p:cTn id="2" dur="indefinite" nodeType="mainSeq">
+                <p:childTnLst>
+                  <p:par>
+                    <p:cTn id="3" fill="hold">
+                      <p:stCondLst>
+                        <p:cond delay="indefinite"/>
+                      </p:stCondLst>
+                      <p:childTnLst>
+                        <p:par>
+                          <p:cTn id="4" fill="hold">
+                            <p:stCondLst>
+                              <p:cond delay="0"/>
+                            </p:stCondLst>
+                            <p:childTnLst>
+                              <p:par>
+                                <p:cTn id="5" presetID="1" presetClass="entr" presetSubtype="0" fill="hold" nodeType="clickEffect">
+                                  <p:stCondLst>
+                                    <p:cond delay="0"/>
+                                  </p:stCondLst>
+                                  <p:childTnLst>
+                                    <p:set>
+                                      <p:cBhvr>
+                                        <p:cTn id="6" dur="1" fill="hold">
+                                          <p:stCondLst>
+                                            <p:cond delay="0"/>
+                                          </p:stCondLst>
+                                        </p:cTn>
+                                        <p:tgtEl>
+                                          <p:spTgt spid="9">
+                                            <p:txEl>
+                                              <p:pRg st="1" end="1"/>
+                                            </p:txEl>
+                                          </p:spTgt>
+                                        </p:tgtEl>
+                                        <p:attrNameLst>
+                                          <p:attrName>style.visibility</p:attrName>
+                                        </p:attrNameLst>
+                                      </p:cBhvr>
+                                      <p:to>
+                                        <p:strVal val="visible"/>
+                                      </p:to>
+                                    </p:set>
+                                  </p:childTnLst>
+                                </p:cTn>
+                              </p:par>
+                            </p:childTnLst>
+                          </p:cTn>
+                        </p:par>
+                      </p:childTnLst>
+                    </p:cTn>
+                  </p:par>
+                  <p:par>
+                    <p:cTn id="7" fill="hold">
+                      <p:stCondLst>
+                        <p:cond delay="indefinite"/>
+                      </p:stCondLst>
+                      <p:childTnLst>
+                        <p:par>
+                          <p:cTn id="8" fill="hold">
+                            <p:stCondLst>
+                              <p:cond delay="0"/>
+                            </p:stCondLst>
+                            <p:childTnLst>
+                              <p:par>
+                                <p:cTn id="9" presetID="1" presetClass="entr" presetSubtype="0" fill="hold" nodeType="clickEffect">
+                                  <p:stCondLst>
+                                    <p:cond delay="0"/>
+                                  </p:stCondLst>
+                                  <p:childTnLst>
+                                    <p:set>
+                                      <p:cBhvr>
+                                        <p:cTn id="10" dur="1" fill="hold">
+                                          <p:stCondLst>
+                                            <p:cond delay="0"/>
+                                          </p:stCondLst>
+                                        </p:cTn>
+                                        <p:tgtEl>
+                                          <p:spTgt spid="9">
+                                            <p:txEl>
+                                              <p:pRg st="2" end="2"/>
+                                            </p:txEl>
+                                          </p:spTgt>
+                                        </p:tgtEl>
+                                        <p:attrNameLst>
+                                          <p:attrName>style.visibility</p:attrName>
+                                        </p:attrNameLst>
+                                      </p:cBhvr>
+                                      <p:to>
+                                        <p:strVal val="visible"/>
+                                      </p:to>
+                                    </p:set>
+                                  </p:childTnLst>
+                                </p:cTn>
+                              </p:par>
+                              <p:par>
+                                <p:cTn id="11" presetID="1" presetClass="entr" presetSubtype="0" fill="hold" nodeType="withEffect">
+                                  <p:stCondLst>
+                                    <p:cond delay="0"/>
+                                  </p:stCondLst>
+                                  <p:childTnLst>
+                                    <p:set>
+                                      <p:cBhvr>
+                                        <p:cTn id="12" dur="1" fill="hold">
+                                          <p:stCondLst>
+                                            <p:cond delay="0"/>
+                                          </p:stCondLst>
+                                        </p:cTn>
+                                        <p:tgtEl>
+                                          <p:spTgt spid="9">
+                                            <p:txEl>
+                                              <p:pRg st="3" end="3"/>
+                                            </p:txEl>
+                                          </p:spTgt>
+                                        </p:tgtEl>
+                                        <p:attrNameLst>
+                                          <p:attrName>style.visibility</p:attrName>
+                                        </p:attrNameLst>
+                                      </p:cBhvr>
+                                      <p:to>
+                                        <p:strVal val="visible"/>
+                                      </p:to>
+                                    </p:set>
+                                  </p:childTnLst>
+                                </p:cTn>
+                              </p:par>
+                            </p:childTnLst>
+                          </p:cTn>
+                        </p:par>
+                      </p:childTnLst>
+                    </p:cTn>
+                  </p:par>
+                  <p:par>
+                    <p:cTn id="13" fill="hold">
+                      <p:stCondLst>
+                        <p:cond delay="indefinite"/>
+                      </p:stCondLst>
+                      <p:childTnLst>
+                        <p:par>
+                          <p:cTn id="14" fill="hold">
+                            <p:stCondLst>
+                              <p:cond delay="0"/>
+                            </p:stCondLst>
+                            <p:childTnLst>
+                              <p:par>
+                                <p:cTn id="15" presetID="1" presetClass="entr" presetSubtype="0" fill="hold" nodeType="clickEffect">
+                                  <p:stCondLst>
+                                    <p:cond delay="0"/>
+                                  </p:stCondLst>
+                                  <p:childTnLst>
+                                    <p:set>
+                                      <p:cBhvr>
+                                        <p:cTn id="16" dur="1" fill="hold">
+                                          <p:stCondLst>
+                                            <p:cond delay="0"/>
+                                          </p:stCondLst>
+                                        </p:cTn>
+                                        <p:tgtEl>
+                                          <p:spTgt spid="9">
+                                            <p:txEl>
+                                              <p:pRg st="4" end="4"/>
+                                            </p:txEl>
+                                          </p:spTgt>
+                                        </p:tgtEl>
+                                        <p:attrNameLst>
+                                          <p:attrName>style.visibility</p:attrName>
+                                        </p:attrNameLst>
+                                      </p:cBhvr>
+                                      <p:to>
+                                        <p:strVal val="visible"/>
+                                      </p:to>
+                                    </p:set>
+                                  </p:childTnLst>
+                                </p:cTn>
+                              </p:par>
+                            </p:childTnLst>
+                          </p:cTn>
+                        </p:par>
+                      </p:childTnLst>
+                    </p:cTn>
+                  </p:par>
+                  <p:par>
+                    <p:cTn id="17" fill="hold">
+                      <p:stCondLst>
+                        <p:cond delay="indefinite"/>
+                      </p:stCondLst>
+                      <p:childTnLst>
+                        <p:par>
+                          <p:cTn id="18" fill="hold">
+                            <p:stCondLst>
+                              <p:cond delay="0"/>
+                            </p:stCondLst>
+                            <p:childTnLst>
+                              <p:par>
+                                <p:cTn id="19" presetID="1" presetClass="entr" presetSubtype="0" fill="hold" nodeType="clickEffect">
+                                  <p:stCondLst>
+                                    <p:cond delay="0"/>
+                                  </p:stCondLst>
+                                  <p:childTnLst>
+                                    <p:set>
+                                      <p:cBhvr>
+                                        <p:cTn id="20" dur="1" fill="hold">
+                                          <p:stCondLst>
+                                            <p:cond delay="0"/>
+                                          </p:stCondLst>
+                                        </p:cTn>
+                                        <p:tgtEl>
+                                          <p:spTgt spid="9">
+                                            <p:txEl>
+                                              <p:pRg st="5" end="5"/>
+                                            </p:txEl>
+                                          </p:spTgt>
+                                        </p:tgtEl>
+                                        <p:attrNameLst>
+                                          <p:attrName>style.visibility</p:attrName>
+                                        </p:attrNameLst>
+                                      </p:cBhvr>
+                                      <p:to>
+                                        <p:strVal val="visible"/>
+                                      </p:to>
+                                    </p:set>
+                                  </p:childTnLst>
+                                </p:cTn>
+                              </p:par>
+                              <p:par>
+                                <p:cTn id="21" presetID="1" presetClass="entr" presetSubtype="0" fill="hold" nodeType="withEffect">
+                                  <p:stCondLst>
+                                    <p:cond delay="0"/>
+                                  </p:stCondLst>
+                                  <p:childTnLst>
+                                    <p:set>
+                                      <p:cBhvr>
+                                        <p:cTn id="22" dur="1" fill="hold">
+                                          <p:stCondLst>
+                                            <p:cond delay="0"/>
+                                          </p:stCondLst>
+                                        </p:cTn>
+                                        <p:tgtEl>
+                                          <p:spTgt spid="9">
+                                            <p:txEl>
+                                              <p:pRg st="6" end="6"/>
+                                            </p:txEl>
+                                          </p:spTgt>
+                                        </p:tgtEl>
+                                        <p:attrNameLst>
+                                          <p:attrName>style.visibility</p:attrName>
+                                        </p:attrNameLst>
+                                      </p:cBhvr>
+                                      <p:to>
+                                        <p:strVal val="visible"/>
+                                      </p:to>
+                                    </p:set>
+                                  </p:childTnLst>
+                                </p:cTn>
+                              </p:par>
+                              <p:par>
+                                <p:cTn id="23" presetID="1" presetClass="entr" presetSubtype="0" fill="hold" nodeType="withEffect">
+                                  <p:stCondLst>
+                                    <p:cond delay="0"/>
+                                  </p:stCondLst>
+                                  <p:childTnLst>
+                                    <p:set>
+                                      <p:cBhvr>
+                                        <p:cTn id="24" dur="1" fill="hold">
+                                          <p:stCondLst>
+                                            <p:cond delay="0"/>
+                                          </p:stCondLst>
+                                        </p:cTn>
+                                        <p:tgtEl>
+                                          <p:spTgt spid="9">
+                                            <p:txEl>
+                                              <p:pRg st="7" end="7"/>
+                                            </p:txEl>
+                                          </p:spTgt>
+                                        </p:tgtEl>
+                                        <p:attrNameLst>
+                                          <p:attrName>style.visibility</p:attrName>
+                                        </p:attrNameLst>
+                                      </p:cBhvr>
+                                      <p:to>
+                                        <p:strVal val="visible"/>
+                                      </p:to>
+                                    </p:set>
+                                  </p:childTnLst>
+                                </p:cTn>
+                              </p:par>
+                            </p:childTnLst>
+                          </p:cTn>
+                        </p:par>
+                      </p:childTnLst>
+                    </p:cTn>
+                  </p:par>
+                  <p:par>
+                    <p:cTn id="25" fill="hold">
+                      <p:stCondLst>
+                        <p:cond delay="indefinite"/>
+                      </p:stCondLst>
+                      <p:childTnLst>
+                        <p:par>
+                          <p:cTn id="26" fill="hold">
+                            <p:stCondLst>
+                              <p:cond delay="0"/>
+                            </p:stCondLst>
+                            <p:childTnLst>
+                              <p:par>
+                                <p:cTn id="27" presetID="1" presetClass="entr" presetSubtype="0" fill="hold" nodeType="clickEffect">
+                                  <p:stCondLst>
+                                    <p:cond delay="0"/>
+                                  </p:stCondLst>
+                                  <p:childTnLst>
+                                    <p:set>
+                                      <p:cBhvr>
+                                        <p:cTn id="28" dur="1" fill="hold">
+                                          <p:stCondLst>
+                                            <p:cond delay="0"/>
+                                          </p:stCondLst>
+                                        </p:cTn>
+                                        <p:tgtEl>
+                                          <p:spTgt spid="9">
+                                            <p:txEl>
+                                              <p:pRg st="9" end="9"/>
+                                            </p:txEl>
+                                          </p:spTgt>
+                                        </p:tgtEl>
+                                        <p:attrNameLst>
+                                          <p:attrName>style.visibility</p:attrName>
+                                        </p:attrNameLst>
+                                      </p:cBhvr>
+                                      <p:to>
+                                        <p:strVal val="visible"/>
+                                      </p:to>
+                                    </p:set>
+                                  </p:childTnLst>
+                                </p:cTn>
+                              </p:par>
+                            </p:childTnLst>
+                          </p:cTn>
+                        </p:par>
+                      </p:childTnLst>
+                    </p:cTn>
+                  </p:par>
+                  <p:par>
+                    <p:cTn id="29" fill="hold">
+                      <p:stCondLst>
+                        <p:cond delay="indefinite"/>
+                      </p:stCondLst>
+                      <p:childTnLst>
+                        <p:par>
+                          <p:cTn id="30" fill="hold">
+                            <p:stCondLst>
+                              <p:cond delay="0"/>
+                            </p:stCondLst>
+                            <p:childTnLst>
+                              <p:par>
+                                <p:cTn id="31" presetID="1" presetClass="entr" presetSubtype="0" fill="hold" nodeType="clickEffect">
+                                  <p:stCondLst>
+                                    <p:cond delay="0"/>
+                                  </p:stCondLst>
+                                  <p:childTnLst>
+                                    <p:set>
+                                      <p:cBhvr>
+                                        <p:cTn id="32" dur="1" fill="hold">
+                                          <p:stCondLst>
+                                            <p:cond delay="0"/>
+                                          </p:stCondLst>
+                                        </p:cTn>
+                                        <p:tgtEl>
+                                          <p:spTgt spid="9">
+                                            <p:txEl>
+                                              <p:pRg st="10" end="10"/>
+                                            </p:txEl>
+                                          </p:spTgt>
+                                        </p:tgtEl>
+                                        <p:attrNameLst>
+                                          <p:attrName>style.visibility</p:attrName>
+                                        </p:attrNameLst>
+                                      </p:cBhvr>
+                                      <p:to>
+                                        <p:strVal val="visible"/>
+                                      </p:to>
+                                    </p:set>
+                                  </p:childTnLst>
+                                </p:cTn>
+                              </p:par>
+                            </p:childTnLst>
+                          </p:cTn>
+                        </p:par>
+                      </p:childTnLst>
+                    </p:cTn>
+                  </p:par>
+                </p:childTnLst>
+              </p:cTn>
+              <p:prevCondLst>
+                <p:cond evt="onPrev" delay="0">
+                  <p:tgtEl>
+                    <p:sldTgt/>
+                  </p:tgtEl>
+                </p:cond>
+              </p:prevCondLst>
+              <p:nextCondLst>
+                <p:cond evt="onNext" delay="0">
+                  <p:tgtEl>
+                    <p:sldTgt/>
+                  </p:tgtEl>
+                </p:cond>
+              </p:nextCondLst>
+            </p:seq>
+          </p:childTnLst>
+        </p:cTn>
+      </p:par>
+    </p:tnLst>
+  </p:timing>
+</p:sld>
+</file>
+
+<file path=ppt/slides/slide26.xml><?xml version="1.0" encoding="utf-8"?>
+<p:sld xmlns:a="http://schemas.openxmlformats.org/drawingml/2006/main" xmlns:r="http://schemas.openxmlformats.org/officeDocument/2006/relationships" xmlns:p="http://schemas.openxmlformats.org/presentationml/2006/main">
+  <p:cSld>
+    <p:spTree>
+      <p:nvGrpSpPr>
+        <p:cNvPr id="1" name=""/>
+        <p:cNvGrpSpPr/>
+        <p:nvPr/>
+      </p:nvGrpSpPr>
+      <p:grpSpPr>
+        <a:xfrm>
+          <a:off x="0" y="0"/>
+          <a:ext cx="0" cy="0"/>
+          <a:chOff x="0" y="0"/>
+          <a:chExt cx="0" cy="0"/>
+        </a:xfrm>
+      </p:grpSpPr>
+      <p:sp>
+        <p:nvSpPr>
+          <p:cNvPr id="2" name="Title 1">
+            <a:extLst>
+              <a:ext uri="{FF2B5EF4-FFF2-40B4-BE49-F238E27FC236}">
+                <a16:creationId xmlns:a16="http://schemas.microsoft.com/office/drawing/2014/main" id="{AA3A228F-61D0-D949-A5E7-F83756230BF8}"/>
+              </a:ext>
+            </a:extLst>
+          </p:cNvPr>
+          <p:cNvSpPr>
+            <a:spLocks noGrp="1"/>
+          </p:cNvSpPr>
+          <p:nvPr>
+            <p:ph type="title"/>
+          </p:nvPr>
+        </p:nvSpPr>
+        <p:spPr>
+          <a:xfrm>
             <a:off x="96552" y="84791"/>
             <a:ext cx="7053542" cy="683886"/>
           </a:xfrm>
@@ -17666,7 +19034,7 @@
 </p:sld>
 </file>
 
-<file path=ppt/slides/slide25.xml><?xml version="1.0" encoding="utf-8"?>
+<file path=ppt/slides/slide27.xml><?xml version="1.0" encoding="utf-8"?>
 <p:sld xmlns:a="http://schemas.openxmlformats.org/drawingml/2006/main" xmlns:r="http://schemas.openxmlformats.org/officeDocument/2006/relationships" xmlns:p="http://schemas.openxmlformats.org/presentationml/2006/main">
   <p:cSld>
     <p:spTree>
@@ -17863,7 +19231,7 @@
 </p:sld>
 </file>
 
-<file path=ppt/slides/slide26.xml><?xml version="1.0" encoding="utf-8"?>
+<file path=ppt/slides/slide28.xml><?xml version="1.0" encoding="utf-8"?>
 <p:sld xmlns:a="http://schemas.openxmlformats.org/drawingml/2006/main" xmlns:r="http://schemas.openxmlformats.org/officeDocument/2006/relationships" xmlns:p="http://schemas.openxmlformats.org/presentationml/2006/main">
   <p:cSld>
     <p:spTree>

--- a/courses/apcsp/lect6.pptx
+++ b/courses/apcsp/lect6.pptx
@@ -4,6 +4,9 @@
   <p:sldMasterIdLst>
     <p:sldMasterId id="2147483791" r:id="rId1"/>
   </p:sldMasterIdLst>
+  <p:notesMasterIdLst>
+    <p:notesMasterId r:id="rId30"/>
+  </p:notesMasterIdLst>
   <p:sldIdLst>
     <p:sldId id="256" r:id="rId2"/>
     <p:sldId id="286" r:id="rId3"/>
@@ -142,7 +145,7 @@
 <file path=ppt/revisionInfo.xml><?xml version="1.0" encoding="utf-8"?>
 <p1510:revInfo xmlns:a="http://schemas.openxmlformats.org/drawingml/2006/main" xmlns:r="http://schemas.openxmlformats.org/officeDocument/2006/relationships" xmlns:p1510="http://schemas.microsoft.com/office/powerpoint/2015/10/main">
   <p1510:revLst>
-    <p1510:client id="{8A4B0ED0-F44B-9E45-9C40-AF9BE57AB4D6}" v="1580" dt="2021-10-26T14:27:52.946"/>
+    <p1510:client id="{8A4B0ED0-F44B-9E45-9C40-AF9BE57AB4D6}" v="1591" dt="2021-10-26T14:48:16.240"/>
   </p1510:revLst>
 </p1510:revInfo>
 </file>
@@ -2533,16 +2536,39 @@
   <pc:docChgLst>
     <pc:chgData name="Long B Nguyen" userId="f59fb8f3-a021-417a-8bc1-65c8d471c621" providerId="ADAL" clId="{8A4B0ED0-F44B-9E45-9C40-AF9BE57AB4D6}"/>
     <pc:docChg chg="custSel addSld delSld modSld">
-      <pc:chgData name="Long B Nguyen" userId="f59fb8f3-a021-417a-8bc1-65c8d471c621" providerId="ADAL" clId="{8A4B0ED0-F44B-9E45-9C40-AF9BE57AB4D6}" dt="2021-10-26T14:27:52.946" v="2514" actId="20577"/>
+      <pc:chgData name="Long B Nguyen" userId="f59fb8f3-a021-417a-8bc1-65c8d471c621" providerId="ADAL" clId="{8A4B0ED0-F44B-9E45-9C40-AF9BE57AB4D6}" dt="2021-10-26T14:50:03.236" v="2529" actId="20577"/>
       <pc:docMkLst>
         <pc:docMk/>
       </pc:docMkLst>
-      <pc:sldChg chg="modSp modAnim">
-        <pc:chgData name="Long B Nguyen" userId="f59fb8f3-a021-417a-8bc1-65c8d471c621" providerId="ADAL" clId="{8A4B0ED0-F44B-9E45-9C40-AF9BE57AB4D6}" dt="2021-10-22T12:45:37.211" v="4" actId="20577"/>
+      <pc:sldChg chg="addSp modSp">
+        <pc:chgData name="Long B Nguyen" userId="f59fb8f3-a021-417a-8bc1-65c8d471c621" providerId="ADAL" clId="{8A4B0ED0-F44B-9E45-9C40-AF9BE57AB4D6}" dt="2021-10-26T14:43:31.294" v="2515"/>
+        <pc:sldMkLst>
+          <pc:docMk/>
+          <pc:sldMk cId="4247104139" sldId="256"/>
+        </pc:sldMkLst>
+        <pc:spChg chg="add mod">
+          <ac:chgData name="Long B Nguyen" userId="f59fb8f3-a021-417a-8bc1-65c8d471c621" providerId="ADAL" clId="{8A4B0ED0-F44B-9E45-9C40-AF9BE57AB4D6}" dt="2021-10-26T14:43:31.294" v="2515"/>
+          <ac:spMkLst>
+            <pc:docMk/>
+            <pc:sldMk cId="4247104139" sldId="256"/>
+            <ac:spMk id="5" creationId="{64277D80-286B-7D4B-BDDC-EEC46EEFB52E}"/>
+          </ac:spMkLst>
+        </pc:spChg>
+      </pc:sldChg>
+      <pc:sldChg chg="addSp modSp modAnim">
+        <pc:chgData name="Long B Nguyen" userId="f59fb8f3-a021-417a-8bc1-65c8d471c621" providerId="ADAL" clId="{8A4B0ED0-F44B-9E45-9C40-AF9BE57AB4D6}" dt="2021-10-26T14:43:31.294" v="2515"/>
         <pc:sldMkLst>
           <pc:docMk/>
           <pc:sldMk cId="278045358" sldId="257"/>
         </pc:sldMkLst>
+        <pc:spChg chg="add mod">
+          <ac:chgData name="Long B Nguyen" userId="f59fb8f3-a021-417a-8bc1-65c8d471c621" providerId="ADAL" clId="{8A4B0ED0-F44B-9E45-9C40-AF9BE57AB4D6}" dt="2021-10-26T14:43:31.294" v="2515"/>
+          <ac:spMkLst>
+            <pc:docMk/>
+            <pc:sldMk cId="278045358" sldId="257"/>
+            <ac:spMk id="3" creationId="{AE6B85C7-EDFB-314B-AAFB-5D3F83DD4C1F}"/>
+          </ac:spMkLst>
+        </pc:spChg>
         <pc:spChg chg="mod">
           <ac:chgData name="Long B Nguyen" userId="f59fb8f3-a021-417a-8bc1-65c8d471c621" providerId="ADAL" clId="{8A4B0ED0-F44B-9E45-9C40-AF9BE57AB4D6}" dt="2021-10-22T12:45:37.211" v="4" actId="20577"/>
           <ac:spMkLst>
@@ -2552,33 +2578,163 @@
           </ac:spMkLst>
         </pc:spChg>
       </pc:sldChg>
-      <pc:sldChg chg="modAnim">
-        <pc:chgData name="Long B Nguyen" userId="f59fb8f3-a021-417a-8bc1-65c8d471c621" providerId="ADAL" clId="{8A4B0ED0-F44B-9E45-9C40-AF9BE57AB4D6}" dt="2021-10-22T13:18:25.295" v="1064"/>
+      <pc:sldChg chg="addSp modSp">
+        <pc:chgData name="Long B Nguyen" userId="f59fb8f3-a021-417a-8bc1-65c8d471c621" providerId="ADAL" clId="{8A4B0ED0-F44B-9E45-9C40-AF9BE57AB4D6}" dt="2021-10-26T14:43:31.294" v="2515"/>
+        <pc:sldMkLst>
+          <pc:docMk/>
+          <pc:sldMk cId="1438711869" sldId="284"/>
+        </pc:sldMkLst>
+        <pc:spChg chg="add mod">
+          <ac:chgData name="Long B Nguyen" userId="f59fb8f3-a021-417a-8bc1-65c8d471c621" providerId="ADAL" clId="{8A4B0ED0-F44B-9E45-9C40-AF9BE57AB4D6}" dt="2021-10-26T14:43:31.294" v="2515"/>
+          <ac:spMkLst>
+            <pc:docMk/>
+            <pc:sldMk cId="1438711869" sldId="284"/>
+            <ac:spMk id="3" creationId="{A47A3CFA-6396-F949-A695-9BC50BFA07A1}"/>
+          </ac:spMkLst>
+        </pc:spChg>
+      </pc:sldChg>
+      <pc:sldChg chg="addSp modSp">
+        <pc:chgData name="Long B Nguyen" userId="f59fb8f3-a021-417a-8bc1-65c8d471c621" providerId="ADAL" clId="{8A4B0ED0-F44B-9E45-9C40-AF9BE57AB4D6}" dt="2021-10-26T14:43:31.294" v="2515"/>
+        <pc:sldMkLst>
+          <pc:docMk/>
+          <pc:sldMk cId="131840209" sldId="286"/>
+        </pc:sldMkLst>
+        <pc:spChg chg="add mod">
+          <ac:chgData name="Long B Nguyen" userId="f59fb8f3-a021-417a-8bc1-65c8d471c621" providerId="ADAL" clId="{8A4B0ED0-F44B-9E45-9C40-AF9BE57AB4D6}" dt="2021-10-26T14:43:31.294" v="2515"/>
+          <ac:spMkLst>
+            <pc:docMk/>
+            <pc:sldMk cId="131840209" sldId="286"/>
+            <ac:spMk id="3" creationId="{AB4498B4-2671-F84E-A06A-E8154979A877}"/>
+          </ac:spMkLst>
+        </pc:spChg>
+      </pc:sldChg>
+      <pc:sldChg chg="addSp modSp">
+        <pc:chgData name="Long B Nguyen" userId="f59fb8f3-a021-417a-8bc1-65c8d471c621" providerId="ADAL" clId="{8A4B0ED0-F44B-9E45-9C40-AF9BE57AB4D6}" dt="2021-10-26T14:43:31.294" v="2515"/>
+        <pc:sldMkLst>
+          <pc:docMk/>
+          <pc:sldMk cId="1313115290" sldId="287"/>
+        </pc:sldMkLst>
+        <pc:spChg chg="add mod">
+          <ac:chgData name="Long B Nguyen" userId="f59fb8f3-a021-417a-8bc1-65c8d471c621" providerId="ADAL" clId="{8A4B0ED0-F44B-9E45-9C40-AF9BE57AB4D6}" dt="2021-10-26T14:43:31.294" v="2515"/>
+          <ac:spMkLst>
+            <pc:docMk/>
+            <pc:sldMk cId="1313115290" sldId="287"/>
+            <ac:spMk id="3" creationId="{52148BEF-A6B2-C642-BA93-CF6C60791163}"/>
+          </ac:spMkLst>
+        </pc:spChg>
+      </pc:sldChg>
+      <pc:sldChg chg="addSp modSp mod">
+        <pc:chgData name="Long B Nguyen" userId="f59fb8f3-a021-417a-8bc1-65c8d471c621" providerId="ADAL" clId="{8A4B0ED0-F44B-9E45-9C40-AF9BE57AB4D6}" dt="2021-10-26T14:47:12.067" v="2521" actId="20577"/>
+        <pc:sldMkLst>
+          <pc:docMk/>
+          <pc:sldMk cId="2259044443" sldId="300"/>
+        </pc:sldMkLst>
+        <pc:spChg chg="add mod">
+          <ac:chgData name="Long B Nguyen" userId="f59fb8f3-a021-417a-8bc1-65c8d471c621" providerId="ADAL" clId="{8A4B0ED0-F44B-9E45-9C40-AF9BE57AB4D6}" dt="2021-10-26T14:43:31.294" v="2515"/>
+          <ac:spMkLst>
+            <pc:docMk/>
+            <pc:sldMk cId="2259044443" sldId="300"/>
+            <ac:spMk id="4" creationId="{3FB26BCC-B97F-1446-928A-0D2EDB4FEB01}"/>
+          </ac:spMkLst>
+        </pc:spChg>
+        <pc:graphicFrameChg chg="modGraphic">
+          <ac:chgData name="Long B Nguyen" userId="f59fb8f3-a021-417a-8bc1-65c8d471c621" providerId="ADAL" clId="{8A4B0ED0-F44B-9E45-9C40-AF9BE57AB4D6}" dt="2021-10-26T14:47:12.067" v="2521" actId="20577"/>
+          <ac:graphicFrameMkLst>
+            <pc:docMk/>
+            <pc:sldMk cId="2259044443" sldId="300"/>
+            <ac:graphicFrameMk id="3" creationId="{57EBABBC-BF53-D54B-B535-A6EEF3CDBAF8}"/>
+          </ac:graphicFrameMkLst>
+        </pc:graphicFrameChg>
+      </pc:sldChg>
+      <pc:sldChg chg="addSp modSp modAnim">
+        <pc:chgData name="Long B Nguyen" userId="f59fb8f3-a021-417a-8bc1-65c8d471c621" providerId="ADAL" clId="{8A4B0ED0-F44B-9E45-9C40-AF9BE57AB4D6}" dt="2021-10-26T14:43:31.294" v="2515"/>
         <pc:sldMkLst>
           <pc:docMk/>
           <pc:sldMk cId="3647198221" sldId="308"/>
         </pc:sldMkLst>
+        <pc:spChg chg="add mod">
+          <ac:chgData name="Long B Nguyen" userId="f59fb8f3-a021-417a-8bc1-65c8d471c621" providerId="ADAL" clId="{8A4B0ED0-F44B-9E45-9C40-AF9BE57AB4D6}" dt="2021-10-26T14:43:31.294" v="2515"/>
+          <ac:spMkLst>
+            <pc:docMk/>
+            <pc:sldMk cId="3647198221" sldId="308"/>
+            <ac:spMk id="3" creationId="{14008401-9D4E-9745-843F-CEFD42BBE477}"/>
+          </ac:spMkLst>
+        </pc:spChg>
       </pc:sldChg>
-      <pc:sldChg chg="modAnim">
-        <pc:chgData name="Long B Nguyen" userId="f59fb8f3-a021-417a-8bc1-65c8d471c621" providerId="ADAL" clId="{8A4B0ED0-F44B-9E45-9C40-AF9BE57AB4D6}" dt="2021-10-22T13:19:05.082" v="1068"/>
+      <pc:sldChg chg="addSp modSp modAnim">
+        <pc:chgData name="Long B Nguyen" userId="f59fb8f3-a021-417a-8bc1-65c8d471c621" providerId="ADAL" clId="{8A4B0ED0-F44B-9E45-9C40-AF9BE57AB4D6}" dt="2021-10-26T14:43:31.294" v="2515"/>
         <pc:sldMkLst>
           <pc:docMk/>
           <pc:sldMk cId="3718152399" sldId="310"/>
         </pc:sldMkLst>
+        <pc:spChg chg="add mod">
+          <ac:chgData name="Long B Nguyen" userId="f59fb8f3-a021-417a-8bc1-65c8d471c621" providerId="ADAL" clId="{8A4B0ED0-F44B-9E45-9C40-AF9BE57AB4D6}" dt="2021-10-26T14:43:31.294" v="2515"/>
+          <ac:spMkLst>
+            <pc:docMk/>
+            <pc:sldMk cId="3718152399" sldId="310"/>
+            <ac:spMk id="4" creationId="{01FE68D9-AEA4-C24B-AD3E-683E24FCBE29}"/>
+          </ac:spMkLst>
+        </pc:spChg>
       </pc:sldChg>
-      <pc:sldChg chg="modAnim">
-        <pc:chgData name="Long B Nguyen" userId="f59fb8f3-a021-417a-8bc1-65c8d471c621" providerId="ADAL" clId="{8A4B0ED0-F44B-9E45-9C40-AF9BE57AB4D6}" dt="2021-10-22T13:18:43.918" v="1066"/>
+      <pc:sldChg chg="addSp modSp">
+        <pc:chgData name="Long B Nguyen" userId="f59fb8f3-a021-417a-8bc1-65c8d471c621" providerId="ADAL" clId="{8A4B0ED0-F44B-9E45-9C40-AF9BE57AB4D6}" dt="2021-10-26T14:43:31.294" v="2515"/>
+        <pc:sldMkLst>
+          <pc:docMk/>
+          <pc:sldMk cId="2224964763" sldId="326"/>
+        </pc:sldMkLst>
+        <pc:spChg chg="add mod">
+          <ac:chgData name="Long B Nguyen" userId="f59fb8f3-a021-417a-8bc1-65c8d471c621" providerId="ADAL" clId="{8A4B0ED0-F44B-9E45-9C40-AF9BE57AB4D6}" dt="2021-10-26T14:43:31.294" v="2515"/>
+          <ac:spMkLst>
+            <pc:docMk/>
+            <pc:sldMk cId="2224964763" sldId="326"/>
+            <ac:spMk id="3" creationId="{9BA33657-5640-2F44-83C9-0C61B9D25B60}"/>
+          </ac:spMkLst>
+        </pc:spChg>
+      </pc:sldChg>
+      <pc:sldChg chg="addSp modSp modAnim">
+        <pc:chgData name="Long B Nguyen" userId="f59fb8f3-a021-417a-8bc1-65c8d471c621" providerId="ADAL" clId="{8A4B0ED0-F44B-9E45-9C40-AF9BE57AB4D6}" dt="2021-10-26T14:43:31.294" v="2515"/>
         <pc:sldMkLst>
           <pc:docMk/>
           <pc:sldMk cId="725508398" sldId="327"/>
         </pc:sldMkLst>
+        <pc:spChg chg="add mod">
+          <ac:chgData name="Long B Nguyen" userId="f59fb8f3-a021-417a-8bc1-65c8d471c621" providerId="ADAL" clId="{8A4B0ED0-F44B-9E45-9C40-AF9BE57AB4D6}" dt="2021-10-26T14:43:31.294" v="2515"/>
+          <ac:spMkLst>
+            <pc:docMk/>
+            <pc:sldMk cId="725508398" sldId="327"/>
+            <ac:spMk id="3" creationId="{1337AC18-9786-B641-BED6-8ADC73DA405F}"/>
+          </ac:spMkLst>
+        </pc:spChg>
       </pc:sldChg>
-      <pc:sldChg chg="modSp mod">
-        <pc:chgData name="Long B Nguyen" userId="f59fb8f3-a021-417a-8bc1-65c8d471c621" providerId="ADAL" clId="{8A4B0ED0-F44B-9E45-9C40-AF9BE57AB4D6}" dt="2021-10-22T12:54:14.911" v="354" actId="20577"/>
+      <pc:sldChg chg="addSp modSp">
+        <pc:chgData name="Long B Nguyen" userId="f59fb8f3-a021-417a-8bc1-65c8d471c621" providerId="ADAL" clId="{8A4B0ED0-F44B-9E45-9C40-AF9BE57AB4D6}" dt="2021-10-26T14:43:31.294" v="2515"/>
+        <pc:sldMkLst>
+          <pc:docMk/>
+          <pc:sldMk cId="3976972109" sldId="331"/>
+        </pc:sldMkLst>
+        <pc:spChg chg="add mod">
+          <ac:chgData name="Long B Nguyen" userId="f59fb8f3-a021-417a-8bc1-65c8d471c621" providerId="ADAL" clId="{8A4B0ED0-F44B-9E45-9C40-AF9BE57AB4D6}" dt="2021-10-26T14:43:31.294" v="2515"/>
+          <ac:spMkLst>
+            <pc:docMk/>
+            <pc:sldMk cId="3976972109" sldId="331"/>
+            <ac:spMk id="3" creationId="{2C73E1A8-2E71-3848-A997-E1A5FD0A04DD}"/>
+          </ac:spMkLst>
+        </pc:spChg>
+      </pc:sldChg>
+      <pc:sldChg chg="addSp modSp mod">
+        <pc:chgData name="Long B Nguyen" userId="f59fb8f3-a021-417a-8bc1-65c8d471c621" providerId="ADAL" clId="{8A4B0ED0-F44B-9E45-9C40-AF9BE57AB4D6}" dt="2021-10-26T14:43:31.294" v="2515"/>
         <pc:sldMkLst>
           <pc:docMk/>
           <pc:sldMk cId="121458461" sldId="332"/>
         </pc:sldMkLst>
+        <pc:spChg chg="add mod">
+          <ac:chgData name="Long B Nguyen" userId="f59fb8f3-a021-417a-8bc1-65c8d471c621" providerId="ADAL" clId="{8A4B0ED0-F44B-9E45-9C40-AF9BE57AB4D6}" dt="2021-10-26T14:43:31.294" v="2515"/>
+          <ac:spMkLst>
+            <pc:docMk/>
+            <pc:sldMk cId="121458461" sldId="332"/>
+            <ac:spMk id="3" creationId="{7DB872CB-9045-CB4E-845B-0669530DF051}"/>
+          </ac:spMkLst>
+        </pc:spChg>
         <pc:spChg chg="mod">
           <ac:chgData name="Long B Nguyen" userId="f59fb8f3-a021-417a-8bc1-65c8d471c621" providerId="ADAL" clId="{8A4B0ED0-F44B-9E45-9C40-AF9BE57AB4D6}" dt="2021-10-22T12:54:14.911" v="354" actId="20577"/>
           <ac:spMkLst>
@@ -2588,12 +2744,20 @@
           </ac:spMkLst>
         </pc:spChg>
       </pc:sldChg>
-      <pc:sldChg chg="modSp mod modAnim">
-        <pc:chgData name="Long B Nguyen" userId="f59fb8f3-a021-417a-8bc1-65c8d471c621" providerId="ADAL" clId="{8A4B0ED0-F44B-9E45-9C40-AF9BE57AB4D6}" dt="2021-10-26T12:45:21.701" v="1147" actId="20577"/>
+      <pc:sldChg chg="addSp modSp mod modAnim">
+        <pc:chgData name="Long B Nguyen" userId="f59fb8f3-a021-417a-8bc1-65c8d471c621" providerId="ADAL" clId="{8A4B0ED0-F44B-9E45-9C40-AF9BE57AB4D6}" dt="2021-10-26T14:48:16.239" v="2528"/>
         <pc:sldMkLst>
           <pc:docMk/>
           <pc:sldMk cId="2211977495" sldId="337"/>
         </pc:sldMkLst>
+        <pc:spChg chg="add mod">
+          <ac:chgData name="Long B Nguyen" userId="f59fb8f3-a021-417a-8bc1-65c8d471c621" providerId="ADAL" clId="{8A4B0ED0-F44B-9E45-9C40-AF9BE57AB4D6}" dt="2021-10-26T14:43:31.294" v="2515"/>
+          <ac:spMkLst>
+            <pc:docMk/>
+            <pc:sldMk cId="2211977495" sldId="337"/>
+            <ac:spMk id="3" creationId="{F8E48946-B2D8-1D47-AE6B-414BE18F389E}"/>
+          </ac:spMkLst>
+        </pc:spChg>
         <pc:spChg chg="mod">
           <ac:chgData name="Long B Nguyen" userId="f59fb8f3-a021-417a-8bc1-65c8d471c621" providerId="ADAL" clId="{8A4B0ED0-F44B-9E45-9C40-AF9BE57AB4D6}" dt="2021-10-26T12:45:21.701" v="1147" actId="20577"/>
           <ac:spMkLst>
@@ -2603,8 +2767,76 @@
           </ac:spMkLst>
         </pc:spChg>
       </pc:sldChg>
+      <pc:sldChg chg="addSp modSp">
+        <pc:chgData name="Long B Nguyen" userId="f59fb8f3-a021-417a-8bc1-65c8d471c621" providerId="ADAL" clId="{8A4B0ED0-F44B-9E45-9C40-AF9BE57AB4D6}" dt="2021-10-26T14:43:31.294" v="2515"/>
+        <pc:sldMkLst>
+          <pc:docMk/>
+          <pc:sldMk cId="2050208201" sldId="341"/>
+        </pc:sldMkLst>
+        <pc:spChg chg="add mod">
+          <ac:chgData name="Long B Nguyen" userId="f59fb8f3-a021-417a-8bc1-65c8d471c621" providerId="ADAL" clId="{8A4B0ED0-F44B-9E45-9C40-AF9BE57AB4D6}" dt="2021-10-26T14:43:31.294" v="2515"/>
+          <ac:spMkLst>
+            <pc:docMk/>
+            <pc:sldMk cId="2050208201" sldId="341"/>
+            <ac:spMk id="3" creationId="{ED2A38B3-21FF-4A47-8803-168BFAF0955E}"/>
+          </ac:spMkLst>
+        </pc:spChg>
+      </pc:sldChg>
+      <pc:sldChg chg="addSp modSp mod">
+        <pc:chgData name="Long B Nguyen" userId="f59fb8f3-a021-417a-8bc1-65c8d471c621" providerId="ADAL" clId="{8A4B0ED0-F44B-9E45-9C40-AF9BE57AB4D6}" dt="2021-10-26T14:50:03.236" v="2529" actId="20577"/>
+        <pc:sldMkLst>
+          <pc:docMk/>
+          <pc:sldMk cId="3549579413" sldId="346"/>
+        </pc:sldMkLst>
+        <pc:spChg chg="add mod">
+          <ac:chgData name="Long B Nguyen" userId="f59fb8f3-a021-417a-8bc1-65c8d471c621" providerId="ADAL" clId="{8A4B0ED0-F44B-9E45-9C40-AF9BE57AB4D6}" dt="2021-10-26T14:43:31.294" v="2515"/>
+          <ac:spMkLst>
+            <pc:docMk/>
+            <pc:sldMk cId="3549579413" sldId="346"/>
+            <ac:spMk id="3" creationId="{39D700A7-D1AC-AD43-8C1D-E59396E5DFAA}"/>
+          </ac:spMkLst>
+        </pc:spChg>
+        <pc:spChg chg="mod">
+          <ac:chgData name="Long B Nguyen" userId="f59fb8f3-a021-417a-8bc1-65c8d471c621" providerId="ADAL" clId="{8A4B0ED0-F44B-9E45-9C40-AF9BE57AB4D6}" dt="2021-10-26T14:50:03.236" v="2529" actId="20577"/>
+          <ac:spMkLst>
+            <pc:docMk/>
+            <pc:sldMk cId="3549579413" sldId="346"/>
+            <ac:spMk id="9" creationId="{E3B2E017-30B2-884B-A113-B419A2ED51AD}"/>
+          </ac:spMkLst>
+        </pc:spChg>
+      </pc:sldChg>
+      <pc:sldChg chg="addSp modSp">
+        <pc:chgData name="Long B Nguyen" userId="f59fb8f3-a021-417a-8bc1-65c8d471c621" providerId="ADAL" clId="{8A4B0ED0-F44B-9E45-9C40-AF9BE57AB4D6}" dt="2021-10-26T14:43:31.294" v="2515"/>
+        <pc:sldMkLst>
+          <pc:docMk/>
+          <pc:sldMk cId="3892704054" sldId="347"/>
+        </pc:sldMkLst>
+        <pc:spChg chg="add mod">
+          <ac:chgData name="Long B Nguyen" userId="f59fb8f3-a021-417a-8bc1-65c8d471c621" providerId="ADAL" clId="{8A4B0ED0-F44B-9E45-9C40-AF9BE57AB4D6}" dt="2021-10-26T14:43:31.294" v="2515"/>
+          <ac:spMkLst>
+            <pc:docMk/>
+            <pc:sldMk cId="3892704054" sldId="347"/>
+            <ac:spMk id="3" creationId="{BC18823F-43C5-E341-AD35-A3E74702E1A0}"/>
+          </ac:spMkLst>
+        </pc:spChg>
+      </pc:sldChg>
+      <pc:sldChg chg="addSp modSp">
+        <pc:chgData name="Long B Nguyen" userId="f59fb8f3-a021-417a-8bc1-65c8d471c621" providerId="ADAL" clId="{8A4B0ED0-F44B-9E45-9C40-AF9BE57AB4D6}" dt="2021-10-26T14:43:31.294" v="2515"/>
+        <pc:sldMkLst>
+          <pc:docMk/>
+          <pc:sldMk cId="2710176601" sldId="348"/>
+        </pc:sldMkLst>
+        <pc:spChg chg="add mod">
+          <ac:chgData name="Long B Nguyen" userId="f59fb8f3-a021-417a-8bc1-65c8d471c621" providerId="ADAL" clId="{8A4B0ED0-F44B-9E45-9C40-AF9BE57AB4D6}" dt="2021-10-26T14:43:31.294" v="2515"/>
+          <ac:spMkLst>
+            <pc:docMk/>
+            <pc:sldMk cId="2710176601" sldId="348"/>
+            <ac:spMk id="3" creationId="{DA1BE029-D8EC-C744-94FC-18D8AAE45507}"/>
+          </ac:spMkLst>
+        </pc:spChg>
+      </pc:sldChg>
       <pc:sldChg chg="addSp modSp mod modAnim">
-        <pc:chgData name="Long B Nguyen" userId="f59fb8f3-a021-417a-8bc1-65c8d471c621" providerId="ADAL" clId="{8A4B0ED0-F44B-9E45-9C40-AF9BE57AB4D6}" dt="2021-10-22T13:19:35.586" v="1078"/>
+        <pc:chgData name="Long B Nguyen" userId="f59fb8f3-a021-417a-8bc1-65c8d471c621" providerId="ADAL" clId="{8A4B0ED0-F44B-9E45-9C40-AF9BE57AB4D6}" dt="2021-10-26T14:43:31.294" v="2515"/>
         <pc:sldMkLst>
           <pc:docMk/>
           <pc:sldMk cId="3729583877" sldId="349"/>
@@ -2615,6 +2847,14 @@
             <pc:docMk/>
             <pc:sldMk cId="3729583877" sldId="349"/>
             <ac:spMk id="3" creationId="{C77A5CB3-B148-5340-A0A6-33CA45A5ECF0}"/>
+          </ac:spMkLst>
+        </pc:spChg>
+        <pc:spChg chg="add mod">
+          <ac:chgData name="Long B Nguyen" userId="f59fb8f3-a021-417a-8bc1-65c8d471c621" providerId="ADAL" clId="{8A4B0ED0-F44B-9E45-9C40-AF9BE57AB4D6}" dt="2021-10-26T14:43:31.294" v="2515"/>
+          <ac:spMkLst>
+            <pc:docMk/>
+            <pc:sldMk cId="3729583877" sldId="349"/>
+            <ac:spMk id="4" creationId="{0AFDDB27-B047-B544-A4AA-DBF37C708643}"/>
           </ac:spMkLst>
         </pc:spChg>
         <pc:spChg chg="add mod">
@@ -2634,18 +2874,41 @@
           </ac:spMkLst>
         </pc:spChg>
       </pc:sldChg>
-      <pc:sldChg chg="addSp delSp modSp mod">
-        <pc:chgData name="Long B Nguyen" userId="f59fb8f3-a021-417a-8bc1-65c8d471c621" providerId="ADAL" clId="{8A4B0ED0-F44B-9E45-9C40-AF9BE57AB4D6}" dt="2021-10-22T12:51:25.758" v="114" actId="1076"/>
+      <pc:sldChg chg="addSp modSp">
+        <pc:chgData name="Long B Nguyen" userId="f59fb8f3-a021-417a-8bc1-65c8d471c621" providerId="ADAL" clId="{8A4B0ED0-F44B-9E45-9C40-AF9BE57AB4D6}" dt="2021-10-26T14:43:31.294" v="2515"/>
+        <pc:sldMkLst>
+          <pc:docMk/>
+          <pc:sldMk cId="791465431" sldId="350"/>
+        </pc:sldMkLst>
+        <pc:spChg chg="add mod">
+          <ac:chgData name="Long B Nguyen" userId="f59fb8f3-a021-417a-8bc1-65c8d471c621" providerId="ADAL" clId="{8A4B0ED0-F44B-9E45-9C40-AF9BE57AB4D6}" dt="2021-10-26T14:43:31.294" v="2515"/>
+          <ac:spMkLst>
+            <pc:docMk/>
+            <pc:sldMk cId="791465431" sldId="350"/>
+            <ac:spMk id="3" creationId="{F0E8188F-36CC-954F-A5B6-7B67C02C9495}"/>
+          </ac:spMkLst>
+        </pc:spChg>
+      </pc:sldChg>
+      <pc:sldChg chg="addSp delSp modSp mod modAnim">
+        <pc:chgData name="Long B Nguyen" userId="f59fb8f3-a021-417a-8bc1-65c8d471c621" providerId="ADAL" clId="{8A4B0ED0-F44B-9E45-9C40-AF9BE57AB4D6}" dt="2021-10-26T14:46:29.645" v="2518" actId="20577"/>
         <pc:sldMkLst>
           <pc:docMk/>
           <pc:sldMk cId="4017324179" sldId="351"/>
         </pc:sldMkLst>
         <pc:spChg chg="mod">
-          <ac:chgData name="Long B Nguyen" userId="f59fb8f3-a021-417a-8bc1-65c8d471c621" providerId="ADAL" clId="{8A4B0ED0-F44B-9E45-9C40-AF9BE57AB4D6}" dt="2021-10-22T12:51:25.758" v="114" actId="1076"/>
+          <ac:chgData name="Long B Nguyen" userId="f59fb8f3-a021-417a-8bc1-65c8d471c621" providerId="ADAL" clId="{8A4B0ED0-F44B-9E45-9C40-AF9BE57AB4D6}" dt="2021-10-26T14:46:29.645" v="2518" actId="20577"/>
           <ac:spMkLst>
             <pc:docMk/>
             <pc:sldMk cId="4017324179" sldId="351"/>
             <ac:spMk id="3" creationId="{D153B6FA-682D-9E41-9C1C-7C6215883E2A}"/>
+          </ac:spMkLst>
+        </pc:spChg>
+        <pc:spChg chg="add mod">
+          <ac:chgData name="Long B Nguyen" userId="f59fb8f3-a021-417a-8bc1-65c8d471c621" providerId="ADAL" clId="{8A4B0ED0-F44B-9E45-9C40-AF9BE57AB4D6}" dt="2021-10-26T14:43:31.294" v="2515"/>
+          <ac:spMkLst>
+            <pc:docMk/>
+            <pc:sldMk cId="4017324179" sldId="351"/>
+            <ac:spMk id="4" creationId="{E73A380B-A37A-7341-959F-5497D326048C}"/>
           </ac:spMkLst>
         </pc:spChg>
         <pc:spChg chg="add del mod">
@@ -2665,12 +2928,20 @@
           </ac:spMkLst>
         </pc:spChg>
       </pc:sldChg>
-      <pc:sldChg chg="modSp">
-        <pc:chgData name="Long B Nguyen" userId="f59fb8f3-a021-417a-8bc1-65c8d471c621" providerId="ADAL" clId="{8A4B0ED0-F44B-9E45-9C40-AF9BE57AB4D6}" dt="2021-10-22T12:52:11.067" v="263" actId="20577"/>
+      <pc:sldChg chg="addSp modSp">
+        <pc:chgData name="Long B Nguyen" userId="f59fb8f3-a021-417a-8bc1-65c8d471c621" providerId="ADAL" clId="{8A4B0ED0-F44B-9E45-9C40-AF9BE57AB4D6}" dt="2021-10-26T14:43:31.294" v="2515"/>
         <pc:sldMkLst>
           <pc:docMk/>
           <pc:sldMk cId="4281858866" sldId="352"/>
         </pc:sldMkLst>
+        <pc:spChg chg="add mod">
+          <ac:chgData name="Long B Nguyen" userId="f59fb8f3-a021-417a-8bc1-65c8d471c621" providerId="ADAL" clId="{8A4B0ED0-F44B-9E45-9C40-AF9BE57AB4D6}" dt="2021-10-26T14:43:31.294" v="2515"/>
+          <ac:spMkLst>
+            <pc:docMk/>
+            <pc:sldMk cId="4281858866" sldId="352"/>
+            <ac:spMk id="3" creationId="{343572F7-329A-B64C-A7A6-F00AEE4E9DA0}"/>
+          </ac:spMkLst>
+        </pc:spChg>
         <pc:spChg chg="mod">
           <ac:chgData name="Long B Nguyen" userId="f59fb8f3-a021-417a-8bc1-65c8d471c621" providerId="ADAL" clId="{8A4B0ED0-F44B-9E45-9C40-AF9BE57AB4D6}" dt="2021-10-22T12:52:11.067" v="263" actId="20577"/>
           <ac:spMkLst>
@@ -2680,8 +2951,38 @@
           </ac:spMkLst>
         </pc:spChg>
       </pc:sldChg>
-      <pc:sldChg chg="modSp mod modAnim">
-        <pc:chgData name="Long B Nguyen" userId="f59fb8f3-a021-417a-8bc1-65c8d471c621" providerId="ADAL" clId="{8A4B0ED0-F44B-9E45-9C40-AF9BE57AB4D6}" dt="2021-10-22T13:11:21.355" v="684" actId="20577"/>
+      <pc:sldChg chg="addSp modSp">
+        <pc:chgData name="Long B Nguyen" userId="f59fb8f3-a021-417a-8bc1-65c8d471c621" providerId="ADAL" clId="{8A4B0ED0-F44B-9E45-9C40-AF9BE57AB4D6}" dt="2021-10-26T14:43:31.294" v="2515"/>
+        <pc:sldMkLst>
+          <pc:docMk/>
+          <pc:sldMk cId="2319331468" sldId="353"/>
+        </pc:sldMkLst>
+        <pc:spChg chg="add mod">
+          <ac:chgData name="Long B Nguyen" userId="f59fb8f3-a021-417a-8bc1-65c8d471c621" providerId="ADAL" clId="{8A4B0ED0-F44B-9E45-9C40-AF9BE57AB4D6}" dt="2021-10-26T14:43:31.294" v="2515"/>
+          <ac:spMkLst>
+            <pc:docMk/>
+            <pc:sldMk cId="2319331468" sldId="353"/>
+            <ac:spMk id="3" creationId="{72B7C0E3-B420-F844-9F9F-E8E0AA1EB7B5}"/>
+          </ac:spMkLst>
+        </pc:spChg>
+      </pc:sldChg>
+      <pc:sldChg chg="addSp modSp">
+        <pc:chgData name="Long B Nguyen" userId="f59fb8f3-a021-417a-8bc1-65c8d471c621" providerId="ADAL" clId="{8A4B0ED0-F44B-9E45-9C40-AF9BE57AB4D6}" dt="2021-10-26T14:43:31.294" v="2515"/>
+        <pc:sldMkLst>
+          <pc:docMk/>
+          <pc:sldMk cId="2687856344" sldId="354"/>
+        </pc:sldMkLst>
+        <pc:spChg chg="add mod">
+          <ac:chgData name="Long B Nguyen" userId="f59fb8f3-a021-417a-8bc1-65c8d471c621" providerId="ADAL" clId="{8A4B0ED0-F44B-9E45-9C40-AF9BE57AB4D6}" dt="2021-10-26T14:43:31.294" v="2515"/>
+          <ac:spMkLst>
+            <pc:docMk/>
+            <pc:sldMk cId="2687856344" sldId="354"/>
+            <ac:spMk id="3" creationId="{A1E0CA33-F168-BE47-A64C-ABE769BF76DC}"/>
+          </ac:spMkLst>
+        </pc:spChg>
+      </pc:sldChg>
+      <pc:sldChg chg="addSp modSp mod modAnim">
+        <pc:chgData name="Long B Nguyen" userId="f59fb8f3-a021-417a-8bc1-65c8d471c621" providerId="ADAL" clId="{8A4B0ED0-F44B-9E45-9C40-AF9BE57AB4D6}" dt="2021-10-26T14:43:31.294" v="2515"/>
         <pc:sldMkLst>
           <pc:docMk/>
           <pc:sldMk cId="1702508325" sldId="355"/>
@@ -2692,6 +2993,14 @@
             <pc:docMk/>
             <pc:sldMk cId="1702508325" sldId="355"/>
             <ac:spMk id="2" creationId="{AA3A228F-61D0-D949-A5E7-F83756230BF8}"/>
+          </ac:spMkLst>
+        </pc:spChg>
+        <pc:spChg chg="add mod">
+          <ac:chgData name="Long B Nguyen" userId="f59fb8f3-a021-417a-8bc1-65c8d471c621" providerId="ADAL" clId="{8A4B0ED0-F44B-9E45-9C40-AF9BE57AB4D6}" dt="2021-10-26T14:43:31.294" v="2515"/>
+          <ac:spMkLst>
+            <pc:docMk/>
+            <pc:sldMk cId="1702508325" sldId="355"/>
+            <ac:spMk id="3" creationId="{524E4D21-F215-0E4A-ACED-B8D7B1DA1692}"/>
           </ac:spMkLst>
         </pc:spChg>
         <pc:spChg chg="mod">
@@ -2710,8 +3019,8 @@
           <pc:sldMk cId="3559104057" sldId="356"/>
         </pc:sldMkLst>
       </pc:sldChg>
-      <pc:sldChg chg="modSp add mod">
-        <pc:chgData name="Long B Nguyen" userId="f59fb8f3-a021-417a-8bc1-65c8d471c621" providerId="ADAL" clId="{8A4B0ED0-F44B-9E45-9C40-AF9BE57AB4D6}" dt="2021-10-22T13:11:16.524" v="666" actId="20577"/>
+      <pc:sldChg chg="addSp modSp add mod">
+        <pc:chgData name="Long B Nguyen" userId="f59fb8f3-a021-417a-8bc1-65c8d471c621" providerId="ADAL" clId="{8A4B0ED0-F44B-9E45-9C40-AF9BE57AB4D6}" dt="2021-10-26T14:43:31.294" v="2515"/>
         <pc:sldMkLst>
           <pc:docMk/>
           <pc:sldMk cId="172231082" sldId="357"/>
@@ -2722,6 +3031,14 @@
             <pc:docMk/>
             <pc:sldMk cId="172231082" sldId="357"/>
             <ac:spMk id="2" creationId="{AA3A228F-61D0-D949-A5E7-F83756230BF8}"/>
+          </ac:spMkLst>
+        </pc:spChg>
+        <pc:spChg chg="add mod">
+          <ac:chgData name="Long B Nguyen" userId="f59fb8f3-a021-417a-8bc1-65c8d471c621" providerId="ADAL" clId="{8A4B0ED0-F44B-9E45-9C40-AF9BE57AB4D6}" dt="2021-10-26T14:43:31.294" v="2515"/>
+          <ac:spMkLst>
+            <pc:docMk/>
+            <pc:sldMk cId="172231082" sldId="357"/>
+            <ac:spMk id="3" creationId="{275ABB21-F718-ED45-8BB9-F854B4DFB593}"/>
           </ac:spMkLst>
         </pc:spChg>
       </pc:sldChg>
@@ -2740,8 +3057,8 @@
           </ac:spMkLst>
         </pc:spChg>
       </pc:sldChg>
-      <pc:sldChg chg="modSp add mod modAnim">
-        <pc:chgData name="Long B Nguyen" userId="f59fb8f3-a021-417a-8bc1-65c8d471c621" providerId="ADAL" clId="{8A4B0ED0-F44B-9E45-9C40-AF9BE57AB4D6}" dt="2021-10-26T13:06:27.574" v="1209" actId="20577"/>
+      <pc:sldChg chg="addSp modSp add mod modAnim">
+        <pc:chgData name="Long B Nguyen" userId="f59fb8f3-a021-417a-8bc1-65c8d471c621" providerId="ADAL" clId="{8A4B0ED0-F44B-9E45-9C40-AF9BE57AB4D6}" dt="2021-10-26T14:43:31.294" v="2515"/>
         <pc:sldMkLst>
           <pc:docMk/>
           <pc:sldMk cId="1293658452" sldId="358"/>
@@ -2754,6 +3071,14 @@
             <ac:spMk id="2" creationId="{AA3A228F-61D0-D949-A5E7-F83756230BF8}"/>
           </ac:spMkLst>
         </pc:spChg>
+        <pc:spChg chg="add mod">
+          <ac:chgData name="Long B Nguyen" userId="f59fb8f3-a021-417a-8bc1-65c8d471c621" providerId="ADAL" clId="{8A4B0ED0-F44B-9E45-9C40-AF9BE57AB4D6}" dt="2021-10-26T14:43:31.294" v="2515"/>
+          <ac:spMkLst>
+            <pc:docMk/>
+            <pc:sldMk cId="1293658452" sldId="358"/>
+            <ac:spMk id="3" creationId="{A94BDFB5-3154-6646-ADA3-4DD116E09CFD}"/>
+          </ac:spMkLst>
+        </pc:spChg>
         <pc:spChg chg="mod">
           <ac:chgData name="Long B Nguyen" userId="f59fb8f3-a021-417a-8bc1-65c8d471c621" providerId="ADAL" clId="{8A4B0ED0-F44B-9E45-9C40-AF9BE57AB4D6}" dt="2021-10-26T13:06:27.574" v="1209" actId="20577"/>
           <ac:spMkLst>
@@ -2763,8 +3088,8 @@
           </ac:spMkLst>
         </pc:spChg>
       </pc:sldChg>
-      <pc:sldChg chg="modSp add mod modAnim">
-        <pc:chgData name="Long B Nguyen" userId="f59fb8f3-a021-417a-8bc1-65c8d471c621" providerId="ADAL" clId="{8A4B0ED0-F44B-9E45-9C40-AF9BE57AB4D6}" dt="2021-10-26T14:26:55.614" v="2495"/>
+      <pc:sldChg chg="addSp modSp add mod modAnim">
+        <pc:chgData name="Long B Nguyen" userId="f59fb8f3-a021-417a-8bc1-65c8d471c621" providerId="ADAL" clId="{8A4B0ED0-F44B-9E45-9C40-AF9BE57AB4D6}" dt="2021-10-26T14:43:31.294" v="2515"/>
         <pc:sldMkLst>
           <pc:docMk/>
           <pc:sldMk cId="3445465213" sldId="359"/>
@@ -2777,6 +3102,14 @@
             <ac:spMk id="2" creationId="{AA3A228F-61D0-D949-A5E7-F83756230BF8}"/>
           </ac:spMkLst>
         </pc:spChg>
+        <pc:spChg chg="add mod">
+          <ac:chgData name="Long B Nguyen" userId="f59fb8f3-a021-417a-8bc1-65c8d471c621" providerId="ADAL" clId="{8A4B0ED0-F44B-9E45-9C40-AF9BE57AB4D6}" dt="2021-10-26T14:43:31.294" v="2515"/>
+          <ac:spMkLst>
+            <pc:docMk/>
+            <pc:sldMk cId="3445465213" sldId="359"/>
+            <ac:spMk id="3" creationId="{2BE6D05A-0A6D-584C-9629-AB4BBCD5CD9B}"/>
+          </ac:spMkLst>
+        </pc:spChg>
         <pc:spChg chg="mod">
           <ac:chgData name="Long B Nguyen" userId="f59fb8f3-a021-417a-8bc1-65c8d471c621" providerId="ADAL" clId="{8A4B0ED0-F44B-9E45-9C40-AF9BE57AB4D6}" dt="2021-10-26T14:17:10.198" v="1724" actId="207"/>
           <ac:spMkLst>
@@ -2786,8 +3119,8 @@
           </ac:spMkLst>
         </pc:spChg>
       </pc:sldChg>
-      <pc:sldChg chg="modSp add mod modAnim">
-        <pc:chgData name="Long B Nguyen" userId="f59fb8f3-a021-417a-8bc1-65c8d471c621" providerId="ADAL" clId="{8A4B0ED0-F44B-9E45-9C40-AF9BE57AB4D6}" dt="2021-10-26T14:27:52.946" v="2514" actId="20577"/>
+      <pc:sldChg chg="addSp modSp add mod modAnim">
+        <pc:chgData name="Long B Nguyen" userId="f59fb8f3-a021-417a-8bc1-65c8d471c621" providerId="ADAL" clId="{8A4B0ED0-F44B-9E45-9C40-AF9BE57AB4D6}" dt="2021-10-26T14:43:31.294" v="2515"/>
         <pc:sldMkLst>
           <pc:docMk/>
           <pc:sldMk cId="2098191079" sldId="360"/>
@@ -2798,6 +3131,14 @@
             <pc:docMk/>
             <pc:sldMk cId="2098191079" sldId="360"/>
             <ac:spMk id="2" creationId="{AA3A228F-61D0-D949-A5E7-F83756230BF8}"/>
+          </ac:spMkLst>
+        </pc:spChg>
+        <pc:spChg chg="add mod">
+          <ac:chgData name="Long B Nguyen" userId="f59fb8f3-a021-417a-8bc1-65c8d471c621" providerId="ADAL" clId="{8A4B0ED0-F44B-9E45-9C40-AF9BE57AB4D6}" dt="2021-10-26T14:43:31.294" v="2515"/>
+          <ac:spMkLst>
+            <pc:docMk/>
+            <pc:sldMk cId="2098191079" sldId="360"/>
+            <ac:spMk id="3" creationId="{CF73FC4F-3516-0E4B-BA2F-BDD289A31863}"/>
           </ac:spMkLst>
         </pc:spChg>
         <pc:spChg chg="mod">
@@ -2827,6 +3168,355 @@
     </pc:docChg>
   </pc:docChgLst>
 </pc:chgInfo>
+</file>
+
+<file path=ppt/notesMasters/notesMaster1.xml><?xml version="1.0" encoding="utf-8"?>
+<p:notesMaster xmlns:a="http://schemas.openxmlformats.org/drawingml/2006/main" xmlns:r="http://schemas.openxmlformats.org/officeDocument/2006/relationships" xmlns:p="http://schemas.openxmlformats.org/presentationml/2006/main">
+  <p:cSld>
+    <p:bg>
+      <p:bgRef idx="1001">
+        <a:schemeClr val="bg1"/>
+      </p:bgRef>
+    </p:bg>
+    <p:spTree>
+      <p:nvGrpSpPr>
+        <p:cNvPr id="1" name=""/>
+        <p:cNvGrpSpPr/>
+        <p:nvPr/>
+      </p:nvGrpSpPr>
+      <p:grpSpPr>
+        <a:xfrm>
+          <a:off x="0" y="0"/>
+          <a:ext cx="0" cy="0"/>
+          <a:chOff x="0" y="0"/>
+          <a:chExt cx="0" cy="0"/>
+        </a:xfrm>
+      </p:grpSpPr>
+      <p:sp>
+        <p:nvSpPr>
+          <p:cNvPr id="2" name="Header Placeholder 1"/>
+          <p:cNvSpPr>
+            <a:spLocks noGrp="1"/>
+          </p:cNvSpPr>
+          <p:nvPr>
+            <p:ph type="hdr" sz="quarter"/>
+          </p:nvPr>
+        </p:nvSpPr>
+        <p:spPr>
+          <a:xfrm>
+            <a:off x="0" y="0"/>
+            <a:ext cx="2971800" cy="458788"/>
+          </a:xfrm>
+          <a:prstGeom prst="rect">
+            <a:avLst/>
+          </a:prstGeom>
+        </p:spPr>
+        <p:txBody>
+          <a:bodyPr vert="horz" lIns="91440" tIns="45720" rIns="91440" bIns="45720" rtlCol="0"/>
+          <a:lstStyle>
+            <a:lvl1pPr algn="l">
+              <a:defRPr sz="1200"/>
+            </a:lvl1pPr>
+          </a:lstStyle>
+          <a:p>
+            <a:endParaRPr lang="en-US"/>
+          </a:p>
+        </p:txBody>
+      </p:sp>
+      <p:sp>
+        <p:nvSpPr>
+          <p:cNvPr id="3" name="Date Placeholder 2"/>
+          <p:cNvSpPr>
+            <a:spLocks noGrp="1"/>
+          </p:cNvSpPr>
+          <p:nvPr>
+            <p:ph type="dt" idx="1"/>
+          </p:nvPr>
+        </p:nvSpPr>
+        <p:spPr>
+          <a:xfrm>
+            <a:off x="3884613" y="0"/>
+            <a:ext cx="2971800" cy="458788"/>
+          </a:xfrm>
+          <a:prstGeom prst="rect">
+            <a:avLst/>
+          </a:prstGeom>
+        </p:spPr>
+        <p:txBody>
+          <a:bodyPr vert="horz" lIns="91440" tIns="45720" rIns="91440" bIns="45720" rtlCol="0"/>
+          <a:lstStyle>
+            <a:lvl1pPr algn="r">
+              <a:defRPr sz="1200"/>
+            </a:lvl1pPr>
+          </a:lstStyle>
+          <a:p>
+            <a:fld id="{472A3191-A823-3A4C-BAE2-BFE2B900BE07}" type="datetimeFigureOut">
+              <a:rPr lang="en-US" smtClean="0"/>
+              <a:t>10/26/21</a:t>
+            </a:fld>
+            <a:endParaRPr lang="en-US"/>
+          </a:p>
+        </p:txBody>
+      </p:sp>
+      <p:sp>
+        <p:nvSpPr>
+          <p:cNvPr id="4" name="Slide Image Placeholder 3"/>
+          <p:cNvSpPr>
+            <a:spLocks noGrp="1" noRot="1" noChangeAspect="1"/>
+          </p:cNvSpPr>
+          <p:nvPr>
+            <p:ph type="sldImg" idx="2"/>
+          </p:nvPr>
+        </p:nvSpPr>
+        <p:spPr>
+          <a:xfrm>
+            <a:off x="960438" y="1143000"/>
+            <a:ext cx="4937125" cy="3086100"/>
+          </a:xfrm>
+          <a:prstGeom prst="rect">
+            <a:avLst/>
+          </a:prstGeom>
+          <a:noFill/>
+          <a:ln w="12700">
+            <a:solidFill>
+              <a:prstClr val="black"/>
+            </a:solidFill>
+          </a:ln>
+        </p:spPr>
+        <p:txBody>
+          <a:bodyPr vert="horz" lIns="91440" tIns="45720" rIns="91440" bIns="45720" rtlCol="0" anchor="ctr"/>
+          <a:lstStyle/>
+          <a:p>
+            <a:endParaRPr lang="en-US"/>
+          </a:p>
+        </p:txBody>
+      </p:sp>
+      <p:sp>
+        <p:nvSpPr>
+          <p:cNvPr id="5" name="Notes Placeholder 4"/>
+          <p:cNvSpPr>
+            <a:spLocks noGrp="1"/>
+          </p:cNvSpPr>
+          <p:nvPr>
+            <p:ph type="body" sz="quarter" idx="3"/>
+          </p:nvPr>
+        </p:nvSpPr>
+        <p:spPr>
+          <a:xfrm>
+            <a:off x="685800" y="4400550"/>
+            <a:ext cx="5486400" cy="3600450"/>
+          </a:xfrm>
+          <a:prstGeom prst="rect">
+            <a:avLst/>
+          </a:prstGeom>
+        </p:spPr>
+        <p:txBody>
+          <a:bodyPr vert="horz" lIns="91440" tIns="45720" rIns="91440" bIns="45720" rtlCol="0"/>
+          <a:lstStyle/>
+          <a:p>
+            <a:pPr lvl="0"/>
+            <a:r>
+              <a:rPr lang="en-US"/>
+              <a:t>Click to edit Master text styles</a:t>
+            </a:r>
+          </a:p>
+          <a:p>
+            <a:pPr lvl="1"/>
+            <a:r>
+              <a:rPr lang="en-US"/>
+              <a:t>Second level</a:t>
+            </a:r>
+          </a:p>
+          <a:p>
+            <a:pPr lvl="2"/>
+            <a:r>
+              <a:rPr lang="en-US"/>
+              <a:t>Third level</a:t>
+            </a:r>
+          </a:p>
+          <a:p>
+            <a:pPr lvl="3"/>
+            <a:r>
+              <a:rPr lang="en-US"/>
+              <a:t>Fourth level</a:t>
+            </a:r>
+          </a:p>
+          <a:p>
+            <a:pPr lvl="4"/>
+            <a:r>
+              <a:rPr lang="en-US"/>
+              <a:t>Fifth level</a:t>
+            </a:r>
+          </a:p>
+        </p:txBody>
+      </p:sp>
+      <p:sp>
+        <p:nvSpPr>
+          <p:cNvPr id="6" name="Footer Placeholder 5"/>
+          <p:cNvSpPr>
+            <a:spLocks noGrp="1"/>
+          </p:cNvSpPr>
+          <p:nvPr>
+            <p:ph type="ftr" sz="quarter" idx="4"/>
+          </p:nvPr>
+        </p:nvSpPr>
+        <p:spPr>
+          <a:xfrm>
+            <a:off x="0" y="8685213"/>
+            <a:ext cx="2971800" cy="458787"/>
+          </a:xfrm>
+          <a:prstGeom prst="rect">
+            <a:avLst/>
+          </a:prstGeom>
+        </p:spPr>
+        <p:txBody>
+          <a:bodyPr vert="horz" lIns="91440" tIns="45720" rIns="91440" bIns="45720" rtlCol="0" anchor="b"/>
+          <a:lstStyle>
+            <a:lvl1pPr algn="l">
+              <a:defRPr sz="1200"/>
+            </a:lvl1pPr>
+          </a:lstStyle>
+          <a:p>
+            <a:endParaRPr lang="en-US"/>
+          </a:p>
+        </p:txBody>
+      </p:sp>
+      <p:sp>
+        <p:nvSpPr>
+          <p:cNvPr id="7" name="Slide Number Placeholder 6"/>
+          <p:cNvSpPr>
+            <a:spLocks noGrp="1"/>
+          </p:cNvSpPr>
+          <p:nvPr>
+            <p:ph type="sldNum" sz="quarter" idx="5"/>
+          </p:nvPr>
+        </p:nvSpPr>
+        <p:spPr>
+          <a:xfrm>
+            <a:off x="3884613" y="8685213"/>
+            <a:ext cx="2971800" cy="458787"/>
+          </a:xfrm>
+          <a:prstGeom prst="rect">
+            <a:avLst/>
+          </a:prstGeom>
+        </p:spPr>
+        <p:txBody>
+          <a:bodyPr vert="horz" lIns="91440" tIns="45720" rIns="91440" bIns="45720" rtlCol="0" anchor="b"/>
+          <a:lstStyle>
+            <a:lvl1pPr algn="r">
+              <a:defRPr sz="1200"/>
+            </a:lvl1pPr>
+          </a:lstStyle>
+          <a:p>
+            <a:fld id="{74D68857-6B54-F642-8EB5-D2F1879F1B76}" type="slidenum">
+              <a:rPr lang="en-US" smtClean="0"/>
+              <a:t>‹#›</a:t>
+            </a:fld>
+            <a:endParaRPr lang="en-US"/>
+          </a:p>
+        </p:txBody>
+      </p:sp>
+    </p:spTree>
+    <p:extLst>
+      <p:ext uri="{BB962C8B-B14F-4D97-AF65-F5344CB8AC3E}">
+        <p14:creationId xmlns:p14="http://schemas.microsoft.com/office/powerpoint/2010/main" val="783128514"/>
+      </p:ext>
+    </p:extLst>
+  </p:cSld>
+  <p:clrMap bg1="lt1" tx1="dk1" bg2="lt2" tx2="dk2" accent1="accent1" accent2="accent2" accent3="accent3" accent4="accent4" accent5="accent5" accent6="accent6" hlink="hlink" folHlink="folHlink"/>
+  <p:notesStyle>
+    <a:lvl1pPr marL="0" algn="l" defTabSz="914400" rtl="0" eaLnBrk="1" latinLnBrk="0" hangingPunct="1">
+      <a:defRPr sz="1200" kern="1200">
+        <a:solidFill>
+          <a:schemeClr val="tx1"/>
+        </a:solidFill>
+        <a:latin typeface="+mn-lt"/>
+        <a:ea typeface="+mn-ea"/>
+        <a:cs typeface="+mn-cs"/>
+      </a:defRPr>
+    </a:lvl1pPr>
+    <a:lvl2pPr marL="457200" algn="l" defTabSz="914400" rtl="0" eaLnBrk="1" latinLnBrk="0" hangingPunct="1">
+      <a:defRPr sz="1200" kern="1200">
+        <a:solidFill>
+          <a:schemeClr val="tx1"/>
+        </a:solidFill>
+        <a:latin typeface="+mn-lt"/>
+        <a:ea typeface="+mn-ea"/>
+        <a:cs typeface="+mn-cs"/>
+      </a:defRPr>
+    </a:lvl2pPr>
+    <a:lvl3pPr marL="914400" algn="l" defTabSz="914400" rtl="0" eaLnBrk="1" latinLnBrk="0" hangingPunct="1">
+      <a:defRPr sz="1200" kern="1200">
+        <a:solidFill>
+          <a:schemeClr val="tx1"/>
+        </a:solidFill>
+        <a:latin typeface="+mn-lt"/>
+        <a:ea typeface="+mn-ea"/>
+        <a:cs typeface="+mn-cs"/>
+      </a:defRPr>
+    </a:lvl3pPr>
+    <a:lvl4pPr marL="1371600" algn="l" defTabSz="914400" rtl="0" eaLnBrk="1" latinLnBrk="0" hangingPunct="1">
+      <a:defRPr sz="1200" kern="1200">
+        <a:solidFill>
+          <a:schemeClr val="tx1"/>
+        </a:solidFill>
+        <a:latin typeface="+mn-lt"/>
+        <a:ea typeface="+mn-ea"/>
+        <a:cs typeface="+mn-cs"/>
+      </a:defRPr>
+    </a:lvl4pPr>
+    <a:lvl5pPr marL="1828800" algn="l" defTabSz="914400" rtl="0" eaLnBrk="1" latinLnBrk="0" hangingPunct="1">
+      <a:defRPr sz="1200" kern="1200">
+        <a:solidFill>
+          <a:schemeClr val="tx1"/>
+        </a:solidFill>
+        <a:latin typeface="+mn-lt"/>
+        <a:ea typeface="+mn-ea"/>
+        <a:cs typeface="+mn-cs"/>
+      </a:defRPr>
+    </a:lvl5pPr>
+    <a:lvl6pPr marL="2286000" algn="l" defTabSz="914400" rtl="0" eaLnBrk="1" latinLnBrk="0" hangingPunct="1">
+      <a:defRPr sz="1200" kern="1200">
+        <a:solidFill>
+          <a:schemeClr val="tx1"/>
+        </a:solidFill>
+        <a:latin typeface="+mn-lt"/>
+        <a:ea typeface="+mn-ea"/>
+        <a:cs typeface="+mn-cs"/>
+      </a:defRPr>
+    </a:lvl6pPr>
+    <a:lvl7pPr marL="2743200" algn="l" defTabSz="914400" rtl="0" eaLnBrk="1" latinLnBrk="0" hangingPunct="1">
+      <a:defRPr sz="1200" kern="1200">
+        <a:solidFill>
+          <a:schemeClr val="tx1"/>
+        </a:solidFill>
+        <a:latin typeface="+mn-lt"/>
+        <a:ea typeface="+mn-ea"/>
+        <a:cs typeface="+mn-cs"/>
+      </a:defRPr>
+    </a:lvl7pPr>
+    <a:lvl8pPr marL="3200400" algn="l" defTabSz="914400" rtl="0" eaLnBrk="1" latinLnBrk="0" hangingPunct="1">
+      <a:defRPr sz="1200" kern="1200">
+        <a:solidFill>
+          <a:schemeClr val="tx1"/>
+        </a:solidFill>
+        <a:latin typeface="+mn-lt"/>
+        <a:ea typeface="+mn-ea"/>
+        <a:cs typeface="+mn-cs"/>
+      </a:defRPr>
+    </a:lvl8pPr>
+    <a:lvl9pPr marL="3657600" algn="l" defTabSz="914400" rtl="0" eaLnBrk="1" latinLnBrk="0" hangingPunct="1">
+      <a:defRPr sz="1200" kern="1200">
+        <a:solidFill>
+          <a:schemeClr val="tx1"/>
+        </a:solidFill>
+        <a:latin typeface="+mn-lt"/>
+        <a:ea typeface="+mn-ea"/>
+        <a:cs typeface="+mn-cs"/>
+      </a:defRPr>
+    </a:lvl9pPr>
+  </p:notesStyle>
+</p:notesMaster>
 </file>
 
 <file path=ppt/slideLayouts/slideLayout1.xml><?xml version="1.0" encoding="utf-8"?>
@@ -2958,7 +3648,7 @@
           <a:bodyPr/>
           <a:lstStyle/>
           <a:p>
-            <a:fld id="{4AAD347D-5ACD-4C99-B74B-A9C85AD731AF}" type="datetimeFigureOut">
+            <a:fld id="{47BA3DDC-075C-4A4D-A54B-95D98B8D478A}" type="datetime1">
               <a:rPr lang="en-US" smtClean="0"/>
               <a:t>10/26/21</a:t>
             </a:fld>
@@ -3128,7 +3818,7 @@
           <a:bodyPr/>
           <a:lstStyle/>
           <a:p>
-            <a:fld id="{4509A250-FF31-4206-8172-F9D3106AACB1}" type="datetimeFigureOut">
+            <a:fld id="{3B0FA794-F06E-FD4C-A124-E975800EFC4E}" type="datetime1">
               <a:rPr lang="en-US" smtClean="0"/>
               <a:t>10/26/21</a:t>
             </a:fld>
@@ -3308,7 +3998,7 @@
           <a:bodyPr/>
           <a:lstStyle/>
           <a:p>
-            <a:fld id="{4509A250-FF31-4206-8172-F9D3106AACB1}" type="datetimeFigureOut">
+            <a:fld id="{75640BA0-BAEC-B84C-9495-6C34748904F6}" type="datetime1">
               <a:rPr lang="en-US" smtClean="0"/>
               <a:t>10/26/21</a:t>
             </a:fld>
@@ -3478,7 +4168,7 @@
           <a:bodyPr/>
           <a:lstStyle/>
           <a:p>
-            <a:fld id="{4509A250-FF31-4206-8172-F9D3106AACB1}" type="datetimeFigureOut">
+            <a:fld id="{AEE200F8-8645-EA46-9425-DBABAFD1112F}" type="datetime1">
               <a:rPr lang="en-US" smtClean="0"/>
               <a:t>10/26/21</a:t>
             </a:fld>
@@ -3724,7 +4414,7 @@
           <a:bodyPr/>
           <a:lstStyle/>
           <a:p>
-            <a:fld id="{9796027F-7875-4030-9381-8BD8C4F21935}" type="datetimeFigureOut">
+            <a:fld id="{86F38B6D-1830-6645-B8A8-B1EA68162AEB}" type="datetime1">
               <a:rPr lang="en-US" smtClean="0"/>
               <a:t>10/26/21</a:t>
             </a:fld>
@@ -3956,7 +4646,7 @@
           <a:bodyPr/>
           <a:lstStyle/>
           <a:p>
-            <a:fld id="{9796027F-7875-4030-9381-8BD8C4F21935}" type="datetimeFigureOut">
+            <a:fld id="{FBDB30CD-8874-1849-8C07-31C574BD0F00}" type="datetime1">
               <a:rPr lang="en-US" smtClean="0"/>
               <a:t>10/26/21</a:t>
             </a:fld>
@@ -4323,7 +5013,7 @@
           <a:bodyPr/>
           <a:lstStyle/>
           <a:p>
-            <a:fld id="{9796027F-7875-4030-9381-8BD8C4F21935}" type="datetimeFigureOut">
+            <a:fld id="{9CD31F1E-F5EC-8A4E-89B7-DCE834C81DCA}" type="datetime1">
               <a:rPr lang="en-US" smtClean="0"/>
               <a:t>10/26/21</a:t>
             </a:fld>
@@ -4441,7 +5131,7 @@
           <a:bodyPr/>
           <a:lstStyle/>
           <a:p>
-            <a:fld id="{4509A250-FF31-4206-8172-F9D3106AACB1}" type="datetimeFigureOut">
+            <a:fld id="{858DAD96-FF74-1C4D-B421-2B1A1D78B7A3}" type="datetime1">
               <a:rPr lang="en-US" smtClean="0"/>
               <a:t>10/26/21</a:t>
             </a:fld>
@@ -4536,7 +5226,7 @@
           <a:bodyPr/>
           <a:lstStyle/>
           <a:p>
-            <a:fld id="{4509A250-FF31-4206-8172-F9D3106AACB1}" type="datetimeFigureOut">
+            <a:fld id="{0422F68F-8F3D-A243-BF92-BEC91234D28D}" type="datetime1">
               <a:rPr lang="en-US" smtClean="0"/>
               <a:t>10/26/21</a:t>
             </a:fld>
@@ -4813,7 +5503,7 @@
           <a:bodyPr/>
           <a:lstStyle/>
           <a:p>
-            <a:fld id="{4509A250-FF31-4206-8172-F9D3106AACB1}" type="datetimeFigureOut">
+            <a:fld id="{3E84CF79-FEE6-5147-B1B6-0510538F2C2F}" type="datetime1">
               <a:rPr lang="en-US" smtClean="0"/>
               <a:t>10/26/21</a:t>
             </a:fld>
@@ -5070,7 +5760,7 @@
           <a:bodyPr/>
           <a:lstStyle/>
           <a:p>
-            <a:fld id="{4509A250-FF31-4206-8172-F9D3106AACB1}" type="datetimeFigureOut">
+            <a:fld id="{53DFDDFB-467B-F842-B523-CB6956E2725F}" type="datetime1">
               <a:rPr lang="en-US" smtClean="0"/>
               <a:t>10/26/21</a:t>
             </a:fld>
@@ -5283,7 +5973,7 @@
             </a:lvl1pPr>
           </a:lstStyle>
           <a:p>
-            <a:fld id="{4AAD347D-5ACD-4C99-B74B-A9C85AD731AF}" type="datetimeFigureOut">
+            <a:fld id="{A6BEBF30-A8B2-7F48-95AD-DD4EBFBBC815}" type="datetime1">
               <a:rPr lang="en-US" smtClean="0"/>
               <a:t>10/26/21</a:t>
             </a:fld>
@@ -5390,7 +6080,7 @@
     <p:sldLayoutId id="2147483801" r:id="rId10"/>
     <p:sldLayoutId id="2147483802" r:id="rId11"/>
   </p:sldLayoutIdLst>
-  <p:hf sldNum="0" hdr="0" ftr="0" dt="0"/>
+  <p:hf hdr="0" ftr="0" dt="0"/>
   <p:txStyles>
     <p:titleStyle>
       <a:lvl1pPr algn="l" defTabSz="685800" rtl="0" eaLnBrk="1" latinLnBrk="0" hangingPunct="1">
@@ -5963,6 +6653,35 @@
           </a:p>
         </p:txBody>
       </p:sp>
+      <p:sp>
+        <p:nvSpPr>
+          <p:cNvPr id="5" name="Slide Number Placeholder 4">
+            <a:extLst>
+              <a:ext uri="{FF2B5EF4-FFF2-40B4-BE49-F238E27FC236}">
+                <a16:creationId xmlns:a16="http://schemas.microsoft.com/office/drawing/2014/main" id="{64277D80-286B-7D4B-BDDC-EEC46EEFB52E}"/>
+              </a:ext>
+            </a:extLst>
+          </p:cNvPr>
+          <p:cNvSpPr>
+            <a:spLocks noGrp="1"/>
+          </p:cNvSpPr>
+          <p:nvPr>
+            <p:ph type="sldNum" sz="quarter" idx="12"/>
+          </p:nvPr>
+        </p:nvSpPr>
+        <p:spPr/>
+        <p:txBody>
+          <a:bodyPr/>
+          <a:lstStyle/>
+          <a:p>
+            <a:fld id="{D57F1E4F-1CFF-5643-939E-02111984F565}" type="slidenum">
+              <a:rPr lang="en-US" smtClean="0"/>
+              <a:t>1</a:t>
+            </a:fld>
+            <a:endParaRPr lang="en-US" dirty="0"/>
+          </a:p>
+        </p:txBody>
+      </p:sp>
     </p:spTree>
     <p:extLst>
       <p:ext uri="{BB962C8B-B14F-4D97-AF65-F5344CB8AC3E}">
@@ -6349,6 +7068,35 @@
               </a:rPr>
               <a:t>	</a:t>
             </a:r>
+          </a:p>
+        </p:txBody>
+      </p:sp>
+      <p:sp>
+        <p:nvSpPr>
+          <p:cNvPr id="3" name="Slide Number Placeholder 2">
+            <a:extLst>
+              <a:ext uri="{FF2B5EF4-FFF2-40B4-BE49-F238E27FC236}">
+                <a16:creationId xmlns:a16="http://schemas.microsoft.com/office/drawing/2014/main" id="{A1E0CA33-F168-BE47-A64C-ABE769BF76DC}"/>
+              </a:ext>
+            </a:extLst>
+          </p:cNvPr>
+          <p:cNvSpPr>
+            <a:spLocks noGrp="1"/>
+          </p:cNvSpPr>
+          <p:nvPr>
+            <p:ph type="sldNum" sz="quarter" idx="12"/>
+          </p:nvPr>
+        </p:nvSpPr>
+        <p:spPr/>
+        <p:txBody>
+          <a:bodyPr/>
+          <a:lstStyle/>
+          <a:p>
+            <a:fld id="{D57F1E4F-1CFF-5643-939E-02111984F565}" type="slidenum">
+              <a:rPr lang="en-US" smtClean="0"/>
+              <a:t>10</a:t>
+            </a:fld>
+            <a:endParaRPr lang="en-US" dirty="0"/>
           </a:p>
         </p:txBody>
       </p:sp>
@@ -7319,6 +8067,35 @@
           </a:p>
         </p:txBody>
       </p:sp>
+      <p:sp>
+        <p:nvSpPr>
+          <p:cNvPr id="3" name="Slide Number Placeholder 2">
+            <a:extLst>
+              <a:ext uri="{FF2B5EF4-FFF2-40B4-BE49-F238E27FC236}">
+                <a16:creationId xmlns:a16="http://schemas.microsoft.com/office/drawing/2014/main" id="{275ABB21-F718-ED45-8BB9-F854B4DFB593}"/>
+              </a:ext>
+            </a:extLst>
+          </p:cNvPr>
+          <p:cNvSpPr>
+            <a:spLocks noGrp="1"/>
+          </p:cNvSpPr>
+          <p:nvPr>
+            <p:ph type="sldNum" sz="quarter" idx="12"/>
+          </p:nvPr>
+        </p:nvSpPr>
+        <p:spPr/>
+        <p:txBody>
+          <a:bodyPr/>
+          <a:lstStyle/>
+          <a:p>
+            <a:fld id="{D57F1E4F-1CFF-5643-939E-02111984F565}" type="slidenum">
+              <a:rPr lang="en-US" smtClean="0"/>
+              <a:t>11</a:t>
+            </a:fld>
+            <a:endParaRPr lang="en-US" dirty="0"/>
+          </a:p>
+        </p:txBody>
+      </p:sp>
     </p:spTree>
     <p:extLst>
       <p:ext uri="{BB962C8B-B14F-4D97-AF65-F5344CB8AC3E}">
@@ -8095,6 +8872,35 @@
           </a:p>
         </p:txBody>
       </p:sp>
+      <p:sp>
+        <p:nvSpPr>
+          <p:cNvPr id="3" name="Slide Number Placeholder 2">
+            <a:extLst>
+              <a:ext uri="{FF2B5EF4-FFF2-40B4-BE49-F238E27FC236}">
+                <a16:creationId xmlns:a16="http://schemas.microsoft.com/office/drawing/2014/main" id="{524E4D21-F215-0E4A-ACED-B8D7B1DA1692}"/>
+              </a:ext>
+            </a:extLst>
+          </p:cNvPr>
+          <p:cNvSpPr>
+            <a:spLocks noGrp="1"/>
+          </p:cNvSpPr>
+          <p:nvPr>
+            <p:ph type="sldNum" sz="quarter" idx="12"/>
+          </p:nvPr>
+        </p:nvSpPr>
+        <p:spPr/>
+        <p:txBody>
+          <a:bodyPr/>
+          <a:lstStyle/>
+          <a:p>
+            <a:fld id="{D57F1E4F-1CFF-5643-939E-02111984F565}" type="slidenum">
+              <a:rPr lang="en-US" smtClean="0"/>
+              <a:t>12</a:t>
+            </a:fld>
+            <a:endParaRPr lang="en-US" dirty="0"/>
+          </a:p>
+        </p:txBody>
+      </p:sp>
     </p:spTree>
     <p:extLst>
       <p:ext uri="{BB962C8B-B14F-4D97-AF65-F5344CB8AC3E}">
@@ -8949,6 +9755,35 @@
               </a:rPr>
               <a:t>	</a:t>
             </a:r>
+          </a:p>
+        </p:txBody>
+      </p:sp>
+      <p:sp>
+        <p:nvSpPr>
+          <p:cNvPr id="3" name="Slide Number Placeholder 2">
+            <a:extLst>
+              <a:ext uri="{FF2B5EF4-FFF2-40B4-BE49-F238E27FC236}">
+                <a16:creationId xmlns:a16="http://schemas.microsoft.com/office/drawing/2014/main" id="{A94BDFB5-3154-6646-ADA3-4DD116E09CFD}"/>
+              </a:ext>
+            </a:extLst>
+          </p:cNvPr>
+          <p:cNvSpPr>
+            <a:spLocks noGrp="1"/>
+          </p:cNvSpPr>
+          <p:nvPr>
+            <p:ph type="sldNum" sz="quarter" idx="12"/>
+          </p:nvPr>
+        </p:nvSpPr>
+        <p:spPr/>
+        <p:txBody>
+          <a:bodyPr/>
+          <a:lstStyle/>
+          <a:p>
+            <a:fld id="{D57F1E4F-1CFF-5643-939E-02111984F565}" type="slidenum">
+              <a:rPr lang="en-US" smtClean="0"/>
+              <a:t>13</a:t>
+            </a:fld>
+            <a:endParaRPr lang="en-US" dirty="0"/>
           </a:p>
         </p:txBody>
       </p:sp>
@@ -9575,6 +10410,35 @@
           </a:p>
         </p:txBody>
       </p:sp>
+      <p:sp>
+        <p:nvSpPr>
+          <p:cNvPr id="3" name="Slide Number Placeholder 2">
+            <a:extLst>
+              <a:ext uri="{FF2B5EF4-FFF2-40B4-BE49-F238E27FC236}">
+                <a16:creationId xmlns:a16="http://schemas.microsoft.com/office/drawing/2014/main" id="{F0E8188F-36CC-954F-A5B6-7B67C02C9495}"/>
+              </a:ext>
+            </a:extLst>
+          </p:cNvPr>
+          <p:cNvSpPr>
+            <a:spLocks noGrp="1"/>
+          </p:cNvSpPr>
+          <p:nvPr>
+            <p:ph type="sldNum" sz="quarter" idx="12"/>
+          </p:nvPr>
+        </p:nvSpPr>
+        <p:spPr/>
+        <p:txBody>
+          <a:bodyPr/>
+          <a:lstStyle/>
+          <a:p>
+            <a:fld id="{D57F1E4F-1CFF-5643-939E-02111984F565}" type="slidenum">
+              <a:rPr lang="en-US" smtClean="0"/>
+              <a:t>14</a:t>
+            </a:fld>
+            <a:endParaRPr lang="en-US" dirty="0"/>
+          </a:p>
+        </p:txBody>
+      </p:sp>
     </p:spTree>
     <p:extLst>
       <p:ext uri="{BB962C8B-B14F-4D97-AF65-F5344CB8AC3E}">
@@ -9874,6 +10738,35 @@
               </a:rPr>
               <a:t>Whenever we have a piece of code that accomplish a useful task, we should put it in a function. </a:t>
             </a:r>
+          </a:p>
+        </p:txBody>
+      </p:sp>
+      <p:sp>
+        <p:nvSpPr>
+          <p:cNvPr id="3" name="Slide Number Placeholder 2">
+            <a:extLst>
+              <a:ext uri="{FF2B5EF4-FFF2-40B4-BE49-F238E27FC236}">
+                <a16:creationId xmlns:a16="http://schemas.microsoft.com/office/drawing/2014/main" id="{2C73E1A8-2E71-3848-A997-E1A5FD0A04DD}"/>
+              </a:ext>
+            </a:extLst>
+          </p:cNvPr>
+          <p:cNvSpPr>
+            <a:spLocks noGrp="1"/>
+          </p:cNvSpPr>
+          <p:nvPr>
+            <p:ph type="sldNum" sz="quarter" idx="12"/>
+          </p:nvPr>
+        </p:nvSpPr>
+        <p:spPr/>
+        <p:txBody>
+          <a:bodyPr/>
+          <a:lstStyle/>
+          <a:p>
+            <a:fld id="{D57F1E4F-1CFF-5643-939E-02111984F565}" type="slidenum">
+              <a:rPr lang="en-US" smtClean="0"/>
+              <a:t>15</a:t>
+            </a:fld>
+            <a:endParaRPr lang="en-US" dirty="0"/>
           </a:p>
         </p:txBody>
       </p:sp>
@@ -10819,6 +11712,35 @@
               </a:rPr>
               <a:t>	</a:t>
             </a:r>
+          </a:p>
+        </p:txBody>
+      </p:sp>
+      <p:sp>
+        <p:nvSpPr>
+          <p:cNvPr id="3" name="Slide Number Placeholder 2">
+            <a:extLst>
+              <a:ext uri="{FF2B5EF4-FFF2-40B4-BE49-F238E27FC236}">
+                <a16:creationId xmlns:a16="http://schemas.microsoft.com/office/drawing/2014/main" id="{BC18823F-43C5-E341-AD35-A3E74702E1A0}"/>
+              </a:ext>
+            </a:extLst>
+          </p:cNvPr>
+          <p:cNvSpPr>
+            <a:spLocks noGrp="1"/>
+          </p:cNvSpPr>
+          <p:nvPr>
+            <p:ph type="sldNum" sz="quarter" idx="12"/>
+          </p:nvPr>
+        </p:nvSpPr>
+        <p:spPr/>
+        <p:txBody>
+          <a:bodyPr/>
+          <a:lstStyle/>
+          <a:p>
+            <a:fld id="{D57F1E4F-1CFF-5643-939E-02111984F565}" type="slidenum">
+              <a:rPr lang="en-US" smtClean="0"/>
+              <a:t>16</a:t>
+            </a:fld>
+            <a:endParaRPr lang="en-US" dirty="0"/>
           </a:p>
         </p:txBody>
       </p:sp>
@@ -11874,6 +12796,35 @@
           </a:p>
         </p:txBody>
       </p:sp>
+      <p:sp>
+        <p:nvSpPr>
+          <p:cNvPr id="3" name="Slide Number Placeholder 2">
+            <a:extLst>
+              <a:ext uri="{FF2B5EF4-FFF2-40B4-BE49-F238E27FC236}">
+                <a16:creationId xmlns:a16="http://schemas.microsoft.com/office/drawing/2014/main" id="{DA1BE029-D8EC-C744-94FC-18D8AAE45507}"/>
+              </a:ext>
+            </a:extLst>
+          </p:cNvPr>
+          <p:cNvSpPr>
+            <a:spLocks noGrp="1"/>
+          </p:cNvSpPr>
+          <p:nvPr>
+            <p:ph type="sldNum" sz="quarter" idx="12"/>
+          </p:nvPr>
+        </p:nvSpPr>
+        <p:spPr/>
+        <p:txBody>
+          <a:bodyPr/>
+          <a:lstStyle/>
+          <a:p>
+            <a:fld id="{D57F1E4F-1CFF-5643-939E-02111984F565}" type="slidenum">
+              <a:rPr lang="en-US" smtClean="0"/>
+              <a:t>17</a:t>
+            </a:fld>
+            <a:endParaRPr lang="en-US" dirty="0"/>
+          </a:p>
+        </p:txBody>
+      </p:sp>
     </p:spTree>
     <p:extLst>
       <p:ext uri="{BB962C8B-B14F-4D97-AF65-F5344CB8AC3E}">
@@ -12715,6 +13666,35 @@
           </a:p>
         </p:txBody>
       </p:sp>
+      <p:sp>
+        <p:nvSpPr>
+          <p:cNvPr id="3" name="Slide Number Placeholder 2">
+            <a:extLst>
+              <a:ext uri="{FF2B5EF4-FFF2-40B4-BE49-F238E27FC236}">
+                <a16:creationId xmlns:a16="http://schemas.microsoft.com/office/drawing/2014/main" id="{72B7C0E3-B420-F844-9F9F-E8E0AA1EB7B5}"/>
+              </a:ext>
+            </a:extLst>
+          </p:cNvPr>
+          <p:cNvSpPr>
+            <a:spLocks noGrp="1"/>
+          </p:cNvSpPr>
+          <p:nvPr>
+            <p:ph type="sldNum" sz="quarter" idx="12"/>
+          </p:nvPr>
+        </p:nvSpPr>
+        <p:spPr/>
+        <p:txBody>
+          <a:bodyPr/>
+          <a:lstStyle/>
+          <a:p>
+            <a:fld id="{D57F1E4F-1CFF-5643-939E-02111984F565}" type="slidenum">
+              <a:rPr lang="en-US" smtClean="0"/>
+              <a:t>18</a:t>
+            </a:fld>
+            <a:endParaRPr lang="en-US" dirty="0"/>
+          </a:p>
+        </p:txBody>
+      </p:sp>
     </p:spTree>
     <p:extLst>
       <p:ext uri="{BB962C8B-B14F-4D97-AF65-F5344CB8AC3E}">
@@ -13720,8 +14700,37 @@
                   <a:srgbClr val="FF0000"/>
                 </a:solidFill>
               </a:rPr>
-              <a:t>returns 0 which is not even in the list?</a:t>
-            </a:r>
+              <a:t>returns 0 which is not even in the list!</a:t>
+            </a:r>
+          </a:p>
+        </p:txBody>
+      </p:sp>
+      <p:sp>
+        <p:nvSpPr>
+          <p:cNvPr id="4" name="Slide Number Placeholder 3">
+            <a:extLst>
+              <a:ext uri="{FF2B5EF4-FFF2-40B4-BE49-F238E27FC236}">
+                <a16:creationId xmlns:a16="http://schemas.microsoft.com/office/drawing/2014/main" id="{E73A380B-A37A-7341-959F-5497D326048C}"/>
+              </a:ext>
+            </a:extLst>
+          </p:cNvPr>
+          <p:cNvSpPr>
+            <a:spLocks noGrp="1"/>
+          </p:cNvSpPr>
+          <p:nvPr>
+            <p:ph type="sldNum" sz="quarter" idx="12"/>
+          </p:nvPr>
+        </p:nvSpPr>
+        <p:spPr/>
+        <p:txBody>
+          <a:bodyPr/>
+          <a:lstStyle/>
+          <a:p>
+            <a:fld id="{D57F1E4F-1CFF-5643-939E-02111984F565}" type="slidenum">
+              <a:rPr lang="en-US" smtClean="0"/>
+              <a:t>19</a:t>
+            </a:fld>
+            <a:endParaRPr lang="en-US" dirty="0"/>
           </a:p>
         </p:txBody>
       </p:sp>
@@ -14233,6 +15242,51 @@
                       </p:childTnLst>
                     </p:cTn>
                   </p:par>
+                  <p:par>
+                    <p:cTn id="43" fill="hold">
+                      <p:stCondLst>
+                        <p:cond delay="indefinite"/>
+                      </p:stCondLst>
+                      <p:childTnLst>
+                        <p:par>
+                          <p:cTn id="44" fill="hold">
+                            <p:stCondLst>
+                              <p:cond delay="0"/>
+                            </p:stCondLst>
+                            <p:childTnLst>
+                              <p:par>
+                                <p:cTn id="45" presetID="1" presetClass="entr" presetSubtype="0" fill="hold" grpId="0" nodeType="clickEffect">
+                                  <p:stCondLst>
+                                    <p:cond delay="0"/>
+                                  </p:stCondLst>
+                                  <p:childTnLst>
+                                    <p:set>
+                                      <p:cBhvr>
+                                        <p:cTn id="46" dur="1" fill="hold">
+                                          <p:stCondLst>
+                                            <p:cond delay="0"/>
+                                          </p:stCondLst>
+                                        </p:cTn>
+                                        <p:tgtEl>
+                                          <p:spTgt spid="3"/>
+                                        </p:tgtEl>
+                                        <p:attrNameLst>
+                                          <p:attrName>style.visibility</p:attrName>
+                                        </p:attrNameLst>
+                                      </p:cBhvr>
+                                      <p:to>
+                                        <p:strVal val="visible"/>
+                                      </p:to>
+                                    </p:set>
+                                  </p:childTnLst>
+                                </p:cTn>
+                              </p:par>
+                            </p:childTnLst>
+                          </p:cTn>
+                        </p:par>
+                      </p:childTnLst>
+                    </p:cTn>
+                  </p:par>
                 </p:childTnLst>
               </p:cTn>
               <p:prevCondLst>
@@ -14254,6 +15308,9 @@
         </p:cTn>
       </p:par>
     </p:tnLst>
+    <p:bldLst>
+      <p:bldP spid="3" grpId="0"/>
+    </p:bldLst>
   </p:timing>
 </p:sld>
 </file>
@@ -14449,6 +15506,35 @@
             <a:endParaRPr lang="en-US" b="1" dirty="0">
               <a:latin typeface="Gill Sans MT" panose="020B0502020104020203" pitchFamily="34" charset="77"/>
             </a:endParaRPr>
+          </a:p>
+        </p:txBody>
+      </p:sp>
+      <p:sp>
+        <p:nvSpPr>
+          <p:cNvPr id="3" name="Slide Number Placeholder 2">
+            <a:extLst>
+              <a:ext uri="{FF2B5EF4-FFF2-40B4-BE49-F238E27FC236}">
+                <a16:creationId xmlns:a16="http://schemas.microsoft.com/office/drawing/2014/main" id="{AB4498B4-2671-F84E-A06A-E8154979A877}"/>
+              </a:ext>
+            </a:extLst>
+          </p:cNvPr>
+          <p:cNvSpPr>
+            <a:spLocks noGrp="1"/>
+          </p:cNvSpPr>
+          <p:nvPr>
+            <p:ph type="sldNum" sz="quarter" idx="12"/>
+          </p:nvPr>
+        </p:nvSpPr>
+        <p:spPr/>
+        <p:txBody>
+          <a:bodyPr/>
+          <a:lstStyle/>
+          <a:p>
+            <a:fld id="{D57F1E4F-1CFF-5643-939E-02111984F565}" type="slidenum">
+              <a:rPr lang="en-US" smtClean="0"/>
+              <a:t>2</a:t>
+            </a:fld>
+            <a:endParaRPr lang="en-US" dirty="0"/>
           </a:p>
         </p:txBody>
       </p:sp>
@@ -14996,6 +16082,35 @@
               </a:rPr>
               <a:t>	</a:t>
             </a:r>
+          </a:p>
+        </p:txBody>
+      </p:sp>
+      <p:sp>
+        <p:nvSpPr>
+          <p:cNvPr id="3" name="Slide Number Placeholder 2">
+            <a:extLst>
+              <a:ext uri="{FF2B5EF4-FFF2-40B4-BE49-F238E27FC236}">
+                <a16:creationId xmlns:a16="http://schemas.microsoft.com/office/drawing/2014/main" id="{343572F7-329A-B64C-A7A6-F00AEE4E9DA0}"/>
+              </a:ext>
+            </a:extLst>
+          </p:cNvPr>
+          <p:cNvSpPr>
+            <a:spLocks noGrp="1"/>
+          </p:cNvSpPr>
+          <p:nvPr>
+            <p:ph type="sldNum" sz="quarter" idx="12"/>
+          </p:nvPr>
+        </p:nvSpPr>
+        <p:spPr/>
+        <p:txBody>
+          <a:bodyPr/>
+          <a:lstStyle/>
+          <a:p>
+            <a:fld id="{D57F1E4F-1CFF-5643-939E-02111984F565}" type="slidenum">
+              <a:rPr lang="en-US" smtClean="0"/>
+              <a:t>20</a:t>
+            </a:fld>
+            <a:endParaRPr lang="en-US" dirty="0"/>
           </a:p>
         </p:txBody>
       </p:sp>
@@ -15673,7 +16788,7 @@
           <p:nvPr>
             <p:extLst>
               <p:ext uri="{D42A27DB-BD31-4B8C-83A1-F6EECF244321}">
-                <p14:modId xmlns:p14="http://schemas.microsoft.com/office/powerpoint/2010/main" val="2744525486"/>
+                <p14:modId xmlns:p14="http://schemas.microsoft.com/office/powerpoint/2010/main" val="2780242689"/>
               </p:ext>
             </p:extLst>
           </p:nvPr>
@@ -15807,7 +16922,7 @@
                             <a:srgbClr val="FF0000"/>
                           </a:solidFill>
                         </a:rPr>
-                        <a:t>pop(index)</a:t>
+                        <a:t>pop(index=-1)</a:t>
                       </a:r>
                     </a:p>
                   </a:txBody>
@@ -15893,6 +17008,35 @@
           </a:graphicData>
         </a:graphic>
       </p:graphicFrame>
+      <p:sp>
+        <p:nvSpPr>
+          <p:cNvPr id="4" name="Slide Number Placeholder 3">
+            <a:extLst>
+              <a:ext uri="{FF2B5EF4-FFF2-40B4-BE49-F238E27FC236}">
+                <a16:creationId xmlns:a16="http://schemas.microsoft.com/office/drawing/2014/main" id="{3FB26BCC-B97F-1446-928A-0D2EDB4FEB01}"/>
+              </a:ext>
+            </a:extLst>
+          </p:cNvPr>
+          <p:cNvSpPr>
+            <a:spLocks noGrp="1"/>
+          </p:cNvSpPr>
+          <p:nvPr>
+            <p:ph type="sldNum" sz="quarter" idx="12"/>
+          </p:nvPr>
+        </p:nvSpPr>
+        <p:spPr/>
+        <p:txBody>
+          <a:bodyPr/>
+          <a:lstStyle/>
+          <a:p>
+            <a:fld id="{D57F1E4F-1CFF-5643-939E-02111984F565}" type="slidenum">
+              <a:rPr lang="en-US" smtClean="0"/>
+              <a:t>21</a:t>
+            </a:fld>
+            <a:endParaRPr lang="en-US" dirty="0"/>
+          </a:p>
+        </p:txBody>
+      </p:sp>
     </p:spTree>
     <p:extLst>
       <p:ext uri="{BB962C8B-B14F-4D97-AF65-F5344CB8AC3E}">
@@ -16351,6 +17495,35 @@
             <a:endParaRPr lang="en-US" b="1" dirty="0">
               <a:latin typeface="Inconsolata" panose="020B0609030003000000" pitchFamily="49" charset="77"/>
             </a:endParaRPr>
+          </a:p>
+        </p:txBody>
+      </p:sp>
+      <p:sp>
+        <p:nvSpPr>
+          <p:cNvPr id="3" name="Slide Number Placeholder 2">
+            <a:extLst>
+              <a:ext uri="{FF2B5EF4-FFF2-40B4-BE49-F238E27FC236}">
+                <a16:creationId xmlns:a16="http://schemas.microsoft.com/office/drawing/2014/main" id="{7DB872CB-9045-CB4E-845B-0669530DF051}"/>
+              </a:ext>
+            </a:extLst>
+          </p:cNvPr>
+          <p:cNvSpPr>
+            <a:spLocks noGrp="1"/>
+          </p:cNvSpPr>
+          <p:nvPr>
+            <p:ph type="sldNum" sz="quarter" idx="12"/>
+          </p:nvPr>
+        </p:nvSpPr>
+        <p:spPr/>
+        <p:txBody>
+          <a:bodyPr/>
+          <a:lstStyle/>
+          <a:p>
+            <a:fld id="{D57F1E4F-1CFF-5643-939E-02111984F565}" type="slidenum">
+              <a:rPr lang="en-US" smtClean="0"/>
+              <a:t>22</a:t>
+            </a:fld>
+            <a:endParaRPr lang="en-US" dirty="0"/>
           </a:p>
         </p:txBody>
       </p:sp>
@@ -17168,6 +18341,35 @@
           </a:p>
         </p:txBody>
       </p:sp>
+      <p:sp>
+        <p:nvSpPr>
+          <p:cNvPr id="3" name="Slide Number Placeholder 2">
+            <a:extLst>
+              <a:ext uri="{FF2B5EF4-FFF2-40B4-BE49-F238E27FC236}">
+                <a16:creationId xmlns:a16="http://schemas.microsoft.com/office/drawing/2014/main" id="{F8E48946-B2D8-1D47-AE6B-414BE18F389E}"/>
+              </a:ext>
+            </a:extLst>
+          </p:cNvPr>
+          <p:cNvSpPr>
+            <a:spLocks noGrp="1"/>
+          </p:cNvSpPr>
+          <p:nvPr>
+            <p:ph type="sldNum" sz="quarter" idx="12"/>
+          </p:nvPr>
+        </p:nvSpPr>
+        <p:spPr/>
+        <p:txBody>
+          <a:bodyPr/>
+          <a:lstStyle/>
+          <a:p>
+            <a:fld id="{D57F1E4F-1CFF-5643-939E-02111984F565}" type="slidenum">
+              <a:rPr lang="en-US" smtClean="0"/>
+              <a:t>23</a:t>
+            </a:fld>
+            <a:endParaRPr lang="en-US" dirty="0"/>
+          </a:p>
+        </p:txBody>
+      </p:sp>
     </p:spTree>
     <p:extLst>
       <p:ext uri="{BB962C8B-B14F-4D97-AF65-F5344CB8AC3E}">
@@ -17229,33 +18431,15 @@
                                   </p:childTnLst>
                                 </p:cTn>
                               </p:par>
-                            </p:childTnLst>
-                          </p:cTn>
-                        </p:par>
-                      </p:childTnLst>
-                    </p:cTn>
-                  </p:par>
-                  <p:par>
-                    <p:cTn id="7" fill="hold">
-                      <p:stCondLst>
-                        <p:cond delay="indefinite"/>
-                      </p:stCondLst>
-                      <p:childTnLst>
-                        <p:par>
-                          <p:cTn id="8" fill="hold">
-                            <p:stCondLst>
-                              <p:cond delay="0"/>
-                            </p:stCondLst>
-                            <p:childTnLst>
                               <p:par>
-                                <p:cTn id="9" presetID="1" presetClass="entr" presetSubtype="0" fill="hold" nodeType="clickEffect">
+                                <p:cTn id="7" presetID="1" presetClass="entr" presetSubtype="0" fill="hold" nodeType="withEffect">
                                   <p:stCondLst>
                                     <p:cond delay="0"/>
                                   </p:stCondLst>
                                   <p:childTnLst>
                                     <p:set>
                                       <p:cBhvr>
-                                        <p:cTn id="10" dur="1" fill="hold">
+                                        <p:cTn id="8" dur="1" fill="hold">
                                           <p:stCondLst>
                                             <p:cond delay="0"/>
                                           </p:stCondLst>
@@ -17278,8 +18462,26 @@
                                   </p:childTnLst>
                                 </p:cTn>
                               </p:par>
+                            </p:childTnLst>
+                          </p:cTn>
+                        </p:par>
+                      </p:childTnLst>
+                    </p:cTn>
+                  </p:par>
+                  <p:par>
+                    <p:cTn id="9" fill="hold">
+                      <p:stCondLst>
+                        <p:cond delay="indefinite"/>
+                      </p:stCondLst>
+                      <p:childTnLst>
+                        <p:par>
+                          <p:cTn id="10" fill="hold">
+                            <p:stCondLst>
+                              <p:cond delay="0"/>
+                            </p:stCondLst>
+                            <p:childTnLst>
                               <p:par>
-                                <p:cTn id="11" presetID="1" presetClass="entr" presetSubtype="0" fill="hold" nodeType="withEffect">
+                                <p:cTn id="11" presetID="1" presetClass="entr" presetSubtype="0" fill="hold" nodeType="clickEffect">
                                   <p:stCondLst>
                                     <p:cond delay="0"/>
                                   </p:stCondLst>
@@ -17358,33 +18560,15 @@
                                   </p:childTnLst>
                                 </p:cTn>
                               </p:par>
-                            </p:childTnLst>
-                          </p:cTn>
-                        </p:par>
-                      </p:childTnLst>
-                    </p:cTn>
-                  </p:par>
-                  <p:par>
-                    <p:cTn id="17" fill="hold">
-                      <p:stCondLst>
-                        <p:cond delay="indefinite"/>
-                      </p:stCondLst>
-                      <p:childTnLst>
-                        <p:par>
-                          <p:cTn id="18" fill="hold">
-                            <p:stCondLst>
-                              <p:cond delay="0"/>
-                            </p:stCondLst>
-                            <p:childTnLst>
                               <p:par>
-                                <p:cTn id="19" presetID="1" presetClass="entr" presetSubtype="0" fill="hold" nodeType="clickEffect">
+                                <p:cTn id="17" presetID="1" presetClass="entr" presetSubtype="0" fill="hold" nodeType="withEffect">
                                   <p:stCondLst>
                                     <p:cond delay="0"/>
                                   </p:stCondLst>
                                   <p:childTnLst>
                                     <p:set>
                                       <p:cBhvr>
-                                        <p:cTn id="20" dur="1" fill="hold">
+                                        <p:cTn id="18" dur="1" fill="hold">
                                           <p:stCondLst>
                                             <p:cond delay="0"/>
                                           </p:stCondLst>
@@ -17407,8 +18591,26 @@
                                   </p:childTnLst>
                                 </p:cTn>
                               </p:par>
+                            </p:childTnLst>
+                          </p:cTn>
+                        </p:par>
+                      </p:childTnLst>
+                    </p:cTn>
+                  </p:par>
+                  <p:par>
+                    <p:cTn id="19" fill="hold">
+                      <p:stCondLst>
+                        <p:cond delay="indefinite"/>
+                      </p:stCondLst>
+                      <p:childTnLst>
+                        <p:par>
+                          <p:cTn id="20" fill="hold">
+                            <p:stCondLst>
+                              <p:cond delay="0"/>
+                            </p:stCondLst>
+                            <p:childTnLst>
                               <p:par>
-                                <p:cTn id="21" presetID="1" presetClass="entr" presetSubtype="0" fill="hold" nodeType="withEffect">
+                                <p:cTn id="21" presetID="1" presetClass="entr" presetSubtype="0" fill="hold" nodeType="clickEffect">
                                   <p:stCondLst>
                                     <p:cond delay="0"/>
                                   </p:stCondLst>
@@ -17438,15 +18640,33 @@
                                   </p:childTnLst>
                                 </p:cTn>
                               </p:par>
+                            </p:childTnLst>
+                          </p:cTn>
+                        </p:par>
+                      </p:childTnLst>
+                    </p:cTn>
+                  </p:par>
+                  <p:par>
+                    <p:cTn id="23" fill="hold">
+                      <p:stCondLst>
+                        <p:cond delay="indefinite"/>
+                      </p:stCondLst>
+                      <p:childTnLst>
+                        <p:par>
+                          <p:cTn id="24" fill="hold">
+                            <p:stCondLst>
+                              <p:cond delay="0"/>
+                            </p:stCondLst>
+                            <p:childTnLst>
                               <p:par>
-                                <p:cTn id="23" presetID="1" presetClass="entr" presetSubtype="0" fill="hold" nodeType="withEffect">
+                                <p:cTn id="25" presetID="1" presetClass="entr" presetSubtype="0" fill="hold" nodeType="clickEffect">
                                   <p:stCondLst>
                                     <p:cond delay="0"/>
                                   </p:stCondLst>
                                   <p:childTnLst>
                                     <p:set>
                                       <p:cBhvr>
-                                        <p:cTn id="24" dur="1" fill="hold">
+                                        <p:cTn id="26" dur="1" fill="hold">
                                           <p:stCondLst>
                                             <p:cond delay="0"/>
                                           </p:stCondLst>
@@ -17470,14 +18690,14 @@
                                 </p:cTn>
                               </p:par>
                               <p:par>
-                                <p:cTn id="25" presetID="1" presetClass="entr" presetSubtype="0" fill="hold" nodeType="withEffect">
+                                <p:cTn id="27" presetID="1" presetClass="entr" presetSubtype="0" fill="hold" nodeType="withEffect">
                                   <p:stCondLst>
                                     <p:cond delay="0"/>
                                   </p:stCondLst>
                                   <p:childTnLst>
                                     <p:set>
                                       <p:cBhvr>
-                                        <p:cTn id="26" dur="1" fill="hold">
+                                        <p:cTn id="28" dur="1" fill="hold">
                                           <p:stCondLst>
                                             <p:cond delay="0"/>
                                           </p:stCondLst>
@@ -17500,15 +18720,33 @@
                                   </p:childTnLst>
                                 </p:cTn>
                               </p:par>
+                            </p:childTnLst>
+                          </p:cTn>
+                        </p:par>
+                      </p:childTnLst>
+                    </p:cTn>
+                  </p:par>
+                  <p:par>
+                    <p:cTn id="29" fill="hold">
+                      <p:stCondLst>
+                        <p:cond delay="indefinite"/>
+                      </p:stCondLst>
+                      <p:childTnLst>
+                        <p:par>
+                          <p:cTn id="30" fill="hold">
+                            <p:stCondLst>
+                              <p:cond delay="0"/>
+                            </p:stCondLst>
+                            <p:childTnLst>
                               <p:par>
-                                <p:cTn id="27" presetID="1" presetClass="entr" presetSubtype="0" fill="hold" nodeType="withEffect">
+                                <p:cTn id="31" presetID="1" presetClass="entr" presetSubtype="0" fill="hold" nodeType="clickEffect">
                                   <p:stCondLst>
                                     <p:cond delay="0"/>
                                   </p:stCondLst>
                                   <p:childTnLst>
                                     <p:set>
                                       <p:cBhvr>
-                                        <p:cTn id="28" dur="1" fill="hold">
+                                        <p:cTn id="32" dur="1" fill="hold">
                                           <p:stCondLst>
                                             <p:cond delay="0"/>
                                           </p:stCondLst>
@@ -17790,6 +19028,35 @@
               </a:rPr>
               <a:t>Note that the list above is a list of strings! We like this to be a list of integers. </a:t>
             </a:r>
+          </a:p>
+        </p:txBody>
+      </p:sp>
+      <p:sp>
+        <p:nvSpPr>
+          <p:cNvPr id="3" name="Slide Number Placeholder 2">
+            <a:extLst>
+              <a:ext uri="{FF2B5EF4-FFF2-40B4-BE49-F238E27FC236}">
+                <a16:creationId xmlns:a16="http://schemas.microsoft.com/office/drawing/2014/main" id="{2BE6D05A-0A6D-584C-9629-AB4BBCD5CD9B}"/>
+              </a:ext>
+            </a:extLst>
+          </p:cNvPr>
+          <p:cNvSpPr>
+            <a:spLocks noGrp="1"/>
+          </p:cNvSpPr>
+          <p:nvPr>
+            <p:ph type="sldNum" sz="quarter" idx="12"/>
+          </p:nvPr>
+        </p:nvSpPr>
+        <p:spPr/>
+        <p:txBody>
+          <a:bodyPr/>
+          <a:lstStyle/>
+          <a:p>
+            <a:fld id="{D57F1E4F-1CFF-5643-939E-02111984F565}" type="slidenum">
+              <a:rPr lang="en-US" smtClean="0"/>
+              <a:t>24</a:t>
+            </a:fld>
+            <a:endParaRPr lang="en-US" dirty="0"/>
           </a:p>
         </p:txBody>
       </p:sp>
@@ -18357,13 +19624,7 @@
               <a:rPr lang="en-US" dirty="0">
                 <a:latin typeface="Gill Sans MT" panose="020B0502020104020203" pitchFamily="34" charset="77"/>
               </a:rPr>
-              <a:t>We can further simplify the code above using </a:t>
-            </a:r>
-            <a:r>
-              <a:rPr lang="en-US">
-                <a:latin typeface="Gill Sans MT" panose="020B0502020104020203" pitchFamily="34" charset="77"/>
-              </a:rPr>
-              <a:t>list comprehensions! </a:t>
+              <a:t>We can further simplify the code above using list comprehensions! </a:t>
             </a:r>
             <a:r>
               <a:rPr lang="en-US" dirty="0">
@@ -18425,6 +19686,35 @@
             <a:endParaRPr lang="en-US" sz="2000" dirty="0">
               <a:latin typeface="Gill Sans MT" panose="020B0502020104020203" pitchFamily="34" charset="77"/>
             </a:endParaRPr>
+          </a:p>
+        </p:txBody>
+      </p:sp>
+      <p:sp>
+        <p:nvSpPr>
+          <p:cNvPr id="3" name="Slide Number Placeholder 2">
+            <a:extLst>
+              <a:ext uri="{FF2B5EF4-FFF2-40B4-BE49-F238E27FC236}">
+                <a16:creationId xmlns:a16="http://schemas.microsoft.com/office/drawing/2014/main" id="{CF73FC4F-3516-0E4B-BA2F-BDD289A31863}"/>
+              </a:ext>
+            </a:extLst>
+          </p:cNvPr>
+          <p:cNvSpPr>
+            <a:spLocks noGrp="1"/>
+          </p:cNvSpPr>
+          <p:nvPr>
+            <p:ph type="sldNum" sz="quarter" idx="12"/>
+          </p:nvPr>
+        </p:nvSpPr>
+        <p:spPr/>
+        <p:txBody>
+          <a:bodyPr/>
+          <a:lstStyle/>
+          <a:p>
+            <a:fld id="{D57F1E4F-1CFF-5643-939E-02111984F565}" type="slidenum">
+              <a:rPr lang="en-US" smtClean="0"/>
+              <a:t>25</a:t>
+            </a:fld>
+            <a:endParaRPr lang="en-US" dirty="0"/>
           </a:p>
         </p:txBody>
       </p:sp>
@@ -19021,6 +20311,35 @@
           </a:p>
         </p:txBody>
       </p:sp>
+      <p:sp>
+        <p:nvSpPr>
+          <p:cNvPr id="3" name="Slide Number Placeholder 2">
+            <a:extLst>
+              <a:ext uri="{FF2B5EF4-FFF2-40B4-BE49-F238E27FC236}">
+                <a16:creationId xmlns:a16="http://schemas.microsoft.com/office/drawing/2014/main" id="{ED2A38B3-21FF-4A47-8803-168BFAF0955E}"/>
+              </a:ext>
+            </a:extLst>
+          </p:cNvPr>
+          <p:cNvSpPr>
+            <a:spLocks noGrp="1"/>
+          </p:cNvSpPr>
+          <p:nvPr>
+            <p:ph type="sldNum" sz="quarter" idx="12"/>
+          </p:nvPr>
+        </p:nvSpPr>
+        <p:spPr/>
+        <p:txBody>
+          <a:bodyPr/>
+          <a:lstStyle/>
+          <a:p>
+            <a:fld id="{D57F1E4F-1CFF-5643-939E-02111984F565}" type="slidenum">
+              <a:rPr lang="en-US" smtClean="0"/>
+              <a:t>26</a:t>
+            </a:fld>
+            <a:endParaRPr lang="en-US" dirty="0"/>
+          </a:p>
+        </p:txBody>
+      </p:sp>
     </p:spTree>
     <p:extLst>
       <p:ext uri="{BB962C8B-B14F-4D97-AF65-F5344CB8AC3E}">
@@ -19191,30 +20510,46 @@
               <a:rPr lang="en-US" b="1" dirty="0">
                 <a:latin typeface="Inconsolata" panose="020B0609030003000000" pitchFamily="49" charset="77"/>
               </a:rPr>
-              <a:t>[1,3,5,7,9,…,99]. Must use condition in the list comprehension.</a:t>
-            </a:r>
-          </a:p>
-          <a:p>
-            <a:pPr marL="457200" indent="-457200">
-              <a:buAutoNum type="arabicParenR"/>
-            </a:pPr>
-            <a:r>
-              <a:rPr lang="en-US" b="1" dirty="0">
-                <a:latin typeface="Inconsolata" panose="020B0609030003000000" pitchFamily="49" charset="77"/>
-              </a:rPr>
-              <a:t>The nested 2D list: [1,2,3,4,5] repeated 10 times.</a:t>
-            </a:r>
-          </a:p>
-          <a:p>
-            <a:pPr marL="457200" indent="-457200">
-              <a:buAutoNum type="arabicParenR"/>
-            </a:pPr>
-            <a:r>
-              <a:rPr lang="en-US" b="1" dirty="0">
-                <a:latin typeface="Inconsolata" panose="020B0609030003000000" pitchFamily="49" charset="77"/>
-              </a:rPr>
-              <a:t>The nested 2D list: [0,0,0,0,0] repeated 20 times.</a:t>
-            </a:r>
+              <a:t>[1,3,5,7,9,…,99]. Must use condition in the list </a:t>
+            </a:r>
+            <a:r>
+              <a:rPr lang="en-US" b="1">
+                <a:latin typeface="Inconsolata" panose="020B0609030003000000" pitchFamily="49" charset="77"/>
+              </a:rPr>
+              <a:t>comprehension.</a:t>
+            </a:r>
+            <a:endParaRPr lang="en-US" b="1" dirty="0">
+              <a:latin typeface="Inconsolata" panose="020B0609030003000000" pitchFamily="49" charset="77"/>
+            </a:endParaRPr>
+          </a:p>
+        </p:txBody>
+      </p:sp>
+      <p:sp>
+        <p:nvSpPr>
+          <p:cNvPr id="3" name="Slide Number Placeholder 2">
+            <a:extLst>
+              <a:ext uri="{FF2B5EF4-FFF2-40B4-BE49-F238E27FC236}">
+                <a16:creationId xmlns:a16="http://schemas.microsoft.com/office/drawing/2014/main" id="{39D700A7-D1AC-AD43-8C1D-E59396E5DFAA}"/>
+              </a:ext>
+            </a:extLst>
+          </p:cNvPr>
+          <p:cNvSpPr>
+            <a:spLocks noGrp="1"/>
+          </p:cNvSpPr>
+          <p:nvPr>
+            <p:ph type="sldNum" sz="quarter" idx="12"/>
+          </p:nvPr>
+        </p:nvSpPr>
+        <p:spPr/>
+        <p:txBody>
+          <a:bodyPr/>
+          <a:lstStyle/>
+          <a:p>
+            <a:fld id="{D57F1E4F-1CFF-5643-939E-02111984F565}" type="slidenum">
+              <a:rPr lang="en-US" smtClean="0"/>
+              <a:t>27</a:t>
+            </a:fld>
+            <a:endParaRPr lang="en-US" dirty="0"/>
           </a:p>
         </p:txBody>
       </p:sp>
@@ -19374,6 +20709,35 @@
           </a:p>
         </p:txBody>
       </p:sp>
+      <p:sp>
+        <p:nvSpPr>
+          <p:cNvPr id="3" name="Slide Number Placeholder 2">
+            <a:extLst>
+              <a:ext uri="{FF2B5EF4-FFF2-40B4-BE49-F238E27FC236}">
+                <a16:creationId xmlns:a16="http://schemas.microsoft.com/office/drawing/2014/main" id="{A47A3CFA-6396-F949-A695-9BC50BFA07A1}"/>
+              </a:ext>
+            </a:extLst>
+          </p:cNvPr>
+          <p:cNvSpPr>
+            <a:spLocks noGrp="1"/>
+          </p:cNvSpPr>
+          <p:nvPr>
+            <p:ph type="sldNum" sz="quarter" idx="12"/>
+          </p:nvPr>
+        </p:nvSpPr>
+        <p:spPr/>
+        <p:txBody>
+          <a:bodyPr/>
+          <a:lstStyle/>
+          <a:p>
+            <a:fld id="{D57F1E4F-1CFF-5643-939E-02111984F565}" type="slidenum">
+              <a:rPr lang="en-US" smtClean="0"/>
+              <a:t>28</a:t>
+            </a:fld>
+            <a:endParaRPr lang="en-US" dirty="0"/>
+          </a:p>
+        </p:txBody>
+      </p:sp>
     </p:spTree>
     <p:extLst>
       <p:ext uri="{BB962C8B-B14F-4D97-AF65-F5344CB8AC3E}">
@@ -19578,6 +20942,35 @@
             <a:endParaRPr lang="en-US" b="1" dirty="0">
               <a:latin typeface="Inconsolata" panose="020B0609030003000000" pitchFamily="49" charset="77"/>
             </a:endParaRPr>
+          </a:p>
+        </p:txBody>
+      </p:sp>
+      <p:sp>
+        <p:nvSpPr>
+          <p:cNvPr id="3" name="Slide Number Placeholder 2">
+            <a:extLst>
+              <a:ext uri="{FF2B5EF4-FFF2-40B4-BE49-F238E27FC236}">
+                <a16:creationId xmlns:a16="http://schemas.microsoft.com/office/drawing/2014/main" id="{AE6B85C7-EDFB-314B-AAFB-5D3F83DD4C1F}"/>
+              </a:ext>
+            </a:extLst>
+          </p:cNvPr>
+          <p:cNvSpPr>
+            <a:spLocks noGrp="1"/>
+          </p:cNvSpPr>
+          <p:nvPr>
+            <p:ph type="sldNum" sz="quarter" idx="12"/>
+          </p:nvPr>
+        </p:nvSpPr>
+        <p:spPr/>
+        <p:txBody>
+          <a:bodyPr/>
+          <a:lstStyle/>
+          <a:p>
+            <a:fld id="{D57F1E4F-1CFF-5643-939E-02111984F565}" type="slidenum">
+              <a:rPr lang="en-US" smtClean="0"/>
+              <a:t>3</a:t>
+            </a:fld>
+            <a:endParaRPr lang="en-US" dirty="0"/>
           </a:p>
         </p:txBody>
       </p:sp>
@@ -20209,6 +21602,35 @@
           </a:p>
         </p:txBody>
       </p:sp>
+      <p:sp>
+        <p:nvSpPr>
+          <p:cNvPr id="3" name="Slide Number Placeholder 2">
+            <a:extLst>
+              <a:ext uri="{FF2B5EF4-FFF2-40B4-BE49-F238E27FC236}">
+                <a16:creationId xmlns:a16="http://schemas.microsoft.com/office/drawing/2014/main" id="{52148BEF-A6B2-C642-BA93-CF6C60791163}"/>
+              </a:ext>
+            </a:extLst>
+          </p:cNvPr>
+          <p:cNvSpPr>
+            <a:spLocks noGrp="1"/>
+          </p:cNvSpPr>
+          <p:nvPr>
+            <p:ph type="sldNum" sz="quarter" idx="12"/>
+          </p:nvPr>
+        </p:nvSpPr>
+        <p:spPr/>
+        <p:txBody>
+          <a:bodyPr/>
+          <a:lstStyle/>
+          <a:p>
+            <a:fld id="{D57F1E4F-1CFF-5643-939E-02111984F565}" type="slidenum">
+              <a:rPr lang="en-US" smtClean="0"/>
+              <a:t>4</a:t>
+            </a:fld>
+            <a:endParaRPr lang="en-US" dirty="0"/>
+          </a:p>
+        </p:txBody>
+      </p:sp>
     </p:spTree>
     <p:extLst>
       <p:ext uri="{BB962C8B-B14F-4D97-AF65-F5344CB8AC3E}">
@@ -20847,6 +22269,35 @@
           </a:prstGeom>
         </p:spPr>
       </p:pic>
+      <p:sp>
+        <p:nvSpPr>
+          <p:cNvPr id="3" name="Slide Number Placeholder 2">
+            <a:extLst>
+              <a:ext uri="{FF2B5EF4-FFF2-40B4-BE49-F238E27FC236}">
+                <a16:creationId xmlns:a16="http://schemas.microsoft.com/office/drawing/2014/main" id="{14008401-9D4E-9745-843F-CEFD42BBE477}"/>
+              </a:ext>
+            </a:extLst>
+          </p:cNvPr>
+          <p:cNvSpPr>
+            <a:spLocks noGrp="1"/>
+          </p:cNvSpPr>
+          <p:nvPr>
+            <p:ph type="sldNum" sz="quarter" idx="12"/>
+          </p:nvPr>
+        </p:nvSpPr>
+        <p:spPr/>
+        <p:txBody>
+          <a:bodyPr/>
+          <a:lstStyle/>
+          <a:p>
+            <a:fld id="{D57F1E4F-1CFF-5643-939E-02111984F565}" type="slidenum">
+              <a:rPr lang="en-US" smtClean="0"/>
+              <a:t>5</a:t>
+            </a:fld>
+            <a:endParaRPr lang="en-US" dirty="0"/>
+          </a:p>
+        </p:txBody>
+      </p:sp>
     </p:spTree>
     <p:extLst>
       <p:ext uri="{BB962C8B-B14F-4D97-AF65-F5344CB8AC3E}">
@@ -21472,6 +22923,35 @@
           </a:prstGeom>
         </p:spPr>
       </p:pic>
+      <p:sp>
+        <p:nvSpPr>
+          <p:cNvPr id="3" name="Slide Number Placeholder 2">
+            <a:extLst>
+              <a:ext uri="{FF2B5EF4-FFF2-40B4-BE49-F238E27FC236}">
+                <a16:creationId xmlns:a16="http://schemas.microsoft.com/office/drawing/2014/main" id="{1337AC18-9786-B641-BED6-8ADC73DA405F}"/>
+              </a:ext>
+            </a:extLst>
+          </p:cNvPr>
+          <p:cNvSpPr>
+            <a:spLocks noGrp="1"/>
+          </p:cNvSpPr>
+          <p:nvPr>
+            <p:ph type="sldNum" sz="quarter" idx="12"/>
+          </p:nvPr>
+        </p:nvSpPr>
+        <p:spPr/>
+        <p:txBody>
+          <a:bodyPr/>
+          <a:lstStyle/>
+          <a:p>
+            <a:fld id="{D57F1E4F-1CFF-5643-939E-02111984F565}" type="slidenum">
+              <a:rPr lang="en-US" smtClean="0"/>
+              <a:t>6</a:t>
+            </a:fld>
+            <a:endParaRPr lang="en-US" dirty="0"/>
+          </a:p>
+        </p:txBody>
+      </p:sp>
     </p:spTree>
     <p:extLst>
       <p:ext uri="{BB962C8B-B14F-4D97-AF65-F5344CB8AC3E}">
@@ -22215,6 +23695,35 @@
             <a:endParaRPr lang="en-US" b="1" dirty="0">
               <a:latin typeface="Inconsolata" panose="020B0609030003000000" pitchFamily="49" charset="77"/>
             </a:endParaRPr>
+          </a:p>
+        </p:txBody>
+      </p:sp>
+      <p:sp>
+        <p:nvSpPr>
+          <p:cNvPr id="3" name="Slide Number Placeholder 2">
+            <a:extLst>
+              <a:ext uri="{FF2B5EF4-FFF2-40B4-BE49-F238E27FC236}">
+                <a16:creationId xmlns:a16="http://schemas.microsoft.com/office/drawing/2014/main" id="{9BA33657-5640-2F44-83C9-0C61B9D25B60}"/>
+              </a:ext>
+            </a:extLst>
+          </p:cNvPr>
+          <p:cNvSpPr>
+            <a:spLocks noGrp="1"/>
+          </p:cNvSpPr>
+          <p:nvPr>
+            <p:ph type="sldNum" sz="quarter" idx="12"/>
+          </p:nvPr>
+        </p:nvSpPr>
+        <p:spPr/>
+        <p:txBody>
+          <a:bodyPr/>
+          <a:lstStyle/>
+          <a:p>
+            <a:fld id="{D57F1E4F-1CFF-5643-939E-02111984F565}" type="slidenum">
+              <a:rPr lang="en-US" smtClean="0"/>
+              <a:t>7</a:t>
+            </a:fld>
+            <a:endParaRPr lang="en-US" dirty="0"/>
           </a:p>
         </p:txBody>
       </p:sp>
@@ -23185,6 +24694,35 @@
           </a:prstGeom>
         </p:spPr>
       </p:pic>
+      <p:sp>
+        <p:nvSpPr>
+          <p:cNvPr id="4" name="Slide Number Placeholder 3">
+            <a:extLst>
+              <a:ext uri="{FF2B5EF4-FFF2-40B4-BE49-F238E27FC236}">
+                <a16:creationId xmlns:a16="http://schemas.microsoft.com/office/drawing/2014/main" id="{01FE68D9-AEA4-C24B-AD3E-683E24FCBE29}"/>
+              </a:ext>
+            </a:extLst>
+          </p:cNvPr>
+          <p:cNvSpPr>
+            <a:spLocks noGrp="1"/>
+          </p:cNvSpPr>
+          <p:nvPr>
+            <p:ph type="sldNum" sz="quarter" idx="12"/>
+          </p:nvPr>
+        </p:nvSpPr>
+        <p:spPr/>
+        <p:txBody>
+          <a:bodyPr/>
+          <a:lstStyle/>
+          <a:p>
+            <a:fld id="{D57F1E4F-1CFF-5643-939E-02111984F565}" type="slidenum">
+              <a:rPr lang="en-US" smtClean="0"/>
+              <a:t>8</a:t>
+            </a:fld>
+            <a:endParaRPr lang="en-US" dirty="0"/>
+          </a:p>
+        </p:txBody>
+      </p:sp>
     </p:spTree>
     <p:extLst>
       <p:ext uri="{BB962C8B-B14F-4D97-AF65-F5344CB8AC3E}">
@@ -23955,6 +25493,35 @@
               </a:rPr>
               <a:t>Looping through each index</a:t>
             </a:r>
+          </a:p>
+        </p:txBody>
+      </p:sp>
+      <p:sp>
+        <p:nvSpPr>
+          <p:cNvPr id="4" name="Slide Number Placeholder 3">
+            <a:extLst>
+              <a:ext uri="{FF2B5EF4-FFF2-40B4-BE49-F238E27FC236}">
+                <a16:creationId xmlns:a16="http://schemas.microsoft.com/office/drawing/2014/main" id="{0AFDDB27-B047-B544-A4AA-DBF37C708643}"/>
+              </a:ext>
+            </a:extLst>
+          </p:cNvPr>
+          <p:cNvSpPr>
+            <a:spLocks noGrp="1"/>
+          </p:cNvSpPr>
+          <p:nvPr>
+            <p:ph type="sldNum" sz="quarter" idx="12"/>
+          </p:nvPr>
+        </p:nvSpPr>
+        <p:spPr/>
+        <p:txBody>
+          <a:bodyPr/>
+          <a:lstStyle/>
+          <a:p>
+            <a:fld id="{D57F1E4F-1CFF-5643-939E-02111984F565}" type="slidenum">
+              <a:rPr lang="en-US" smtClean="0"/>
+              <a:t>9</a:t>
+            </a:fld>
+            <a:endParaRPr lang="en-US" dirty="0"/>
           </a:p>
         </p:txBody>
       </p:sp>
@@ -24879,4 +26446,299 @@
     </a:ext>
   </a:extLst>
 </a:theme>
+</file>
+
+<file path=ppt/theme/theme2.xml><?xml version="1.0" encoding="utf-8"?>
+<a:theme xmlns:a="http://schemas.openxmlformats.org/drawingml/2006/main" name="Office Theme">
+  <a:themeElements>
+    <a:clrScheme name="Office">
+      <a:dk1>
+        <a:sysClr val="windowText" lastClr="000000"/>
+      </a:dk1>
+      <a:lt1>
+        <a:sysClr val="window" lastClr="FFFFFF"/>
+      </a:lt1>
+      <a:dk2>
+        <a:srgbClr val="44546A"/>
+      </a:dk2>
+      <a:lt2>
+        <a:srgbClr val="E7E6E6"/>
+      </a:lt2>
+      <a:accent1>
+        <a:srgbClr val="4472C4"/>
+      </a:accent1>
+      <a:accent2>
+        <a:srgbClr val="ED7D31"/>
+      </a:accent2>
+      <a:accent3>
+        <a:srgbClr val="A5A5A5"/>
+      </a:accent3>
+      <a:accent4>
+        <a:srgbClr val="FFC000"/>
+      </a:accent4>
+      <a:accent5>
+        <a:srgbClr val="5B9BD5"/>
+      </a:accent5>
+      <a:accent6>
+        <a:srgbClr val="70AD47"/>
+      </a:accent6>
+      <a:hlink>
+        <a:srgbClr val="0563C1"/>
+      </a:hlink>
+      <a:folHlink>
+        <a:srgbClr val="954F72"/>
+      </a:folHlink>
+    </a:clrScheme>
+    <a:fontScheme name="Office">
+      <a:majorFont>
+        <a:latin typeface="Calibri Light" panose="020F0302020204030204"/>
+        <a:ea typeface=""/>
+        <a:cs typeface=""/>
+        <a:font script="Jpan" typeface="游ゴシック Light"/>
+        <a:font script="Hang" typeface="맑은 고딕"/>
+        <a:font script="Hans" typeface="等线 Light"/>
+        <a:font script="Hant" typeface="新細明體"/>
+        <a:font script="Arab" typeface="Times New Roman"/>
+        <a:font script="Hebr" typeface="Times New Roman"/>
+        <a:font script="Thai" typeface="Angsana New"/>
+        <a:font script="Ethi" typeface="Nyala"/>
+        <a:font script="Beng" typeface="Vrinda"/>
+        <a:font script="Gujr" typeface="Shruti"/>
+        <a:font script="Khmr" typeface="MoolBoran"/>
+        <a:font script="Knda" typeface="Tunga"/>
+        <a:font script="Guru" typeface="Raavi"/>
+        <a:font script="Cans" typeface="Euphemia"/>
+        <a:font script="Cher" typeface="Plantagenet Cherokee"/>
+        <a:font script="Yiii" typeface="Microsoft Yi Baiti"/>
+        <a:font script="Tibt" typeface="Microsoft Himalaya"/>
+        <a:font script="Thaa" typeface="MV Boli"/>
+        <a:font script="Deva" typeface="Mangal"/>
+        <a:font script="Telu" typeface="Gautami"/>
+        <a:font script="Taml" typeface="Latha"/>
+        <a:font script="Syrc" typeface="Estrangelo Edessa"/>
+        <a:font script="Orya" typeface="Kalinga"/>
+        <a:font script="Mlym" typeface="Kartika"/>
+        <a:font script="Laoo" typeface="DokChampa"/>
+        <a:font script="Sinh" typeface="Iskoola Pota"/>
+        <a:font script="Mong" typeface="Mongolian Baiti"/>
+        <a:font script="Viet" typeface="Times New Roman"/>
+        <a:font script="Uigh" typeface="Microsoft Uighur"/>
+        <a:font script="Geor" typeface="Sylfaen"/>
+        <a:font script="Armn" typeface="Arial"/>
+        <a:font script="Bugi" typeface="Leelawadee UI"/>
+        <a:font script="Bopo" typeface="Microsoft JhengHei"/>
+        <a:font script="Java" typeface="Javanese Text"/>
+        <a:font script="Lisu" typeface="Segoe UI"/>
+        <a:font script="Mymr" typeface="Myanmar Text"/>
+        <a:font script="Nkoo" typeface="Ebrima"/>
+        <a:font script="Olck" typeface="Nirmala UI"/>
+        <a:font script="Osma" typeface="Ebrima"/>
+        <a:font script="Phag" typeface="Phagspa"/>
+        <a:font script="Syrn" typeface="Estrangelo Edessa"/>
+        <a:font script="Syrj" typeface="Estrangelo Edessa"/>
+        <a:font script="Syre" typeface="Estrangelo Edessa"/>
+        <a:font script="Sora" typeface="Nirmala UI"/>
+        <a:font script="Tale" typeface="Microsoft Tai Le"/>
+        <a:font script="Talu" typeface="Microsoft New Tai Lue"/>
+        <a:font script="Tfng" typeface="Ebrima"/>
+      </a:majorFont>
+      <a:minorFont>
+        <a:latin typeface="Calibri" panose="020F0502020204030204"/>
+        <a:ea typeface=""/>
+        <a:cs typeface=""/>
+        <a:font script="Jpan" typeface="游ゴシック"/>
+        <a:font script="Hang" typeface="맑은 고딕"/>
+        <a:font script="Hans" typeface="等线"/>
+        <a:font script="Hant" typeface="新細明體"/>
+        <a:font script="Arab" typeface="Arial"/>
+        <a:font script="Hebr" typeface="Arial"/>
+        <a:font script="Thai" typeface="Cordia New"/>
+        <a:font script="Ethi" typeface="Nyala"/>
+        <a:font script="Beng" typeface="Vrinda"/>
+        <a:font script="Gujr" typeface="Shruti"/>
+        <a:font script="Khmr" typeface="DaunPenh"/>
+        <a:font script="Knda" typeface="Tunga"/>
+        <a:font script="Guru" typeface="Raavi"/>
+        <a:font script="Cans" typeface="Euphemia"/>
+        <a:font script="Cher" typeface="Plantagenet Cherokee"/>
+        <a:font script="Yiii" typeface="Microsoft Yi Baiti"/>
+        <a:font script="Tibt" typeface="Microsoft Himalaya"/>
+        <a:font script="Thaa" typeface="MV Boli"/>
+        <a:font script="Deva" typeface="Mangal"/>
+        <a:font script="Telu" typeface="Gautami"/>
+        <a:font script="Taml" typeface="Latha"/>
+        <a:font script="Syrc" typeface="Estrangelo Edessa"/>
+        <a:font script="Orya" typeface="Kalinga"/>
+        <a:font script="Mlym" typeface="Kartika"/>
+        <a:font script="Laoo" typeface="DokChampa"/>
+        <a:font script="Sinh" typeface="Iskoola Pota"/>
+        <a:font script="Mong" typeface="Mongolian Baiti"/>
+        <a:font script="Viet" typeface="Arial"/>
+        <a:font script="Uigh" typeface="Microsoft Uighur"/>
+        <a:font script="Geor" typeface="Sylfaen"/>
+        <a:font script="Armn" typeface="Arial"/>
+        <a:font script="Bugi" typeface="Leelawadee UI"/>
+        <a:font script="Bopo" typeface="Microsoft JhengHei"/>
+        <a:font script="Java" typeface="Javanese Text"/>
+        <a:font script="Lisu" typeface="Segoe UI"/>
+        <a:font script="Mymr" typeface="Myanmar Text"/>
+        <a:font script="Nkoo" typeface="Ebrima"/>
+        <a:font script="Olck" typeface="Nirmala UI"/>
+        <a:font script="Osma" typeface="Ebrima"/>
+        <a:font script="Phag" typeface="Phagspa"/>
+        <a:font script="Syrn" typeface="Estrangelo Edessa"/>
+        <a:font script="Syrj" typeface="Estrangelo Edessa"/>
+        <a:font script="Syre" typeface="Estrangelo Edessa"/>
+        <a:font script="Sora" typeface="Nirmala UI"/>
+        <a:font script="Tale" typeface="Microsoft Tai Le"/>
+        <a:font script="Talu" typeface="Microsoft New Tai Lue"/>
+        <a:font script="Tfng" typeface="Ebrima"/>
+      </a:minorFont>
+    </a:fontScheme>
+    <a:fmtScheme name="Office">
+      <a:fillStyleLst>
+        <a:solidFill>
+          <a:schemeClr val="phClr"/>
+        </a:solidFill>
+        <a:gradFill rotWithShape="1">
+          <a:gsLst>
+            <a:gs pos="0">
+              <a:schemeClr val="phClr">
+                <a:lumMod val="110000"/>
+                <a:satMod val="105000"/>
+                <a:tint val="67000"/>
+              </a:schemeClr>
+            </a:gs>
+            <a:gs pos="50000">
+              <a:schemeClr val="phClr">
+                <a:lumMod val="105000"/>
+                <a:satMod val="103000"/>
+                <a:tint val="73000"/>
+              </a:schemeClr>
+            </a:gs>
+            <a:gs pos="100000">
+              <a:schemeClr val="phClr">
+                <a:lumMod val="105000"/>
+                <a:satMod val="109000"/>
+                <a:tint val="81000"/>
+              </a:schemeClr>
+            </a:gs>
+          </a:gsLst>
+          <a:lin ang="5400000" scaled="0"/>
+        </a:gradFill>
+        <a:gradFill rotWithShape="1">
+          <a:gsLst>
+            <a:gs pos="0">
+              <a:schemeClr val="phClr">
+                <a:satMod val="103000"/>
+                <a:lumMod val="102000"/>
+                <a:tint val="94000"/>
+              </a:schemeClr>
+            </a:gs>
+            <a:gs pos="50000">
+              <a:schemeClr val="phClr">
+                <a:satMod val="110000"/>
+                <a:lumMod val="100000"/>
+                <a:shade val="100000"/>
+              </a:schemeClr>
+            </a:gs>
+            <a:gs pos="100000">
+              <a:schemeClr val="phClr">
+                <a:lumMod val="99000"/>
+                <a:satMod val="120000"/>
+                <a:shade val="78000"/>
+              </a:schemeClr>
+            </a:gs>
+          </a:gsLst>
+          <a:lin ang="5400000" scaled="0"/>
+        </a:gradFill>
+      </a:fillStyleLst>
+      <a:lnStyleLst>
+        <a:ln w="6350" cap="flat" cmpd="sng" algn="ctr">
+          <a:solidFill>
+            <a:schemeClr val="phClr"/>
+          </a:solidFill>
+          <a:prstDash val="solid"/>
+          <a:miter lim="800000"/>
+        </a:ln>
+        <a:ln w="12700" cap="flat" cmpd="sng" algn="ctr">
+          <a:solidFill>
+            <a:schemeClr val="phClr"/>
+          </a:solidFill>
+          <a:prstDash val="solid"/>
+          <a:miter lim="800000"/>
+        </a:ln>
+        <a:ln w="19050" cap="flat" cmpd="sng" algn="ctr">
+          <a:solidFill>
+            <a:schemeClr val="phClr"/>
+          </a:solidFill>
+          <a:prstDash val="solid"/>
+          <a:miter lim="800000"/>
+        </a:ln>
+      </a:lnStyleLst>
+      <a:effectStyleLst>
+        <a:effectStyle>
+          <a:effectLst/>
+        </a:effectStyle>
+        <a:effectStyle>
+          <a:effectLst/>
+        </a:effectStyle>
+        <a:effectStyle>
+          <a:effectLst>
+            <a:outerShdw blurRad="57150" dist="19050" dir="5400000" algn="ctr" rotWithShape="0">
+              <a:srgbClr val="000000">
+                <a:alpha val="63000"/>
+              </a:srgbClr>
+            </a:outerShdw>
+          </a:effectLst>
+        </a:effectStyle>
+      </a:effectStyleLst>
+      <a:bgFillStyleLst>
+        <a:solidFill>
+          <a:schemeClr val="phClr"/>
+        </a:solidFill>
+        <a:solidFill>
+          <a:schemeClr val="phClr">
+            <a:tint val="95000"/>
+            <a:satMod val="170000"/>
+          </a:schemeClr>
+        </a:solidFill>
+        <a:gradFill rotWithShape="1">
+          <a:gsLst>
+            <a:gs pos="0">
+              <a:schemeClr val="phClr">
+                <a:tint val="93000"/>
+                <a:satMod val="150000"/>
+                <a:shade val="98000"/>
+                <a:lumMod val="102000"/>
+              </a:schemeClr>
+            </a:gs>
+            <a:gs pos="50000">
+              <a:schemeClr val="phClr">
+                <a:tint val="98000"/>
+                <a:satMod val="130000"/>
+                <a:shade val="90000"/>
+                <a:lumMod val="103000"/>
+              </a:schemeClr>
+            </a:gs>
+            <a:gs pos="100000">
+              <a:schemeClr val="phClr">
+                <a:shade val="63000"/>
+                <a:satMod val="120000"/>
+              </a:schemeClr>
+            </a:gs>
+          </a:gsLst>
+          <a:lin ang="5400000" scaled="0"/>
+        </a:gradFill>
+      </a:bgFillStyleLst>
+    </a:fmtScheme>
+  </a:themeElements>
+  <a:objectDefaults/>
+  <a:extraClrSchemeLst/>
+  <a:extLst>
+    <a:ext uri="{05A4C25C-085E-4340-85A3-A5531E510DB2}">
+      <thm15:themeFamily xmlns:thm15="http://schemas.microsoft.com/office/thememl/2012/main" name="Office Theme" id="{62F939B6-93AF-4DB8-9C6B-D6C7DFDC589F}" vid="{4A3C46E8-61CC-4603-A589-7422A47A8E4A}"/>
+    </a:ext>
+  </a:extLst>
+</a:theme>
 </file>
--- a/courses/apcsp/lect6.pptx
+++ b/courses/apcsp/lect6.pptx
@@ -145,7 +145,7 @@
 <file path=ppt/revisionInfo.xml><?xml version="1.0" encoding="utf-8"?>
 <p1510:revInfo xmlns:a="http://schemas.openxmlformats.org/drawingml/2006/main" xmlns:r="http://schemas.openxmlformats.org/officeDocument/2006/relationships" xmlns:p1510="http://schemas.microsoft.com/office/powerpoint/2015/10/main">
   <p1510:revLst>
-    <p1510:client id="{8A4B0ED0-F44B-9E45-9C40-AF9BE57AB4D6}" v="1591" dt="2021-10-26T14:48:16.240"/>
+    <p1510:client id="{8A4B0ED0-F44B-9E45-9C40-AF9BE57AB4D6}" v="1731" dt="2021-10-28T12:26:03.838"/>
   </p1510:revLst>
 </p1510:revInfo>
 </file>
@@ -2536,7 +2536,7 @@
   <pc:docChgLst>
     <pc:chgData name="Long B Nguyen" userId="f59fb8f3-a021-417a-8bc1-65c8d471c621" providerId="ADAL" clId="{8A4B0ED0-F44B-9E45-9C40-AF9BE57AB4D6}"/>
     <pc:docChg chg="custSel addSld delSld modSld">
-      <pc:chgData name="Long B Nguyen" userId="f59fb8f3-a021-417a-8bc1-65c8d471c621" providerId="ADAL" clId="{8A4B0ED0-F44B-9E45-9C40-AF9BE57AB4D6}" dt="2021-10-26T14:50:03.236" v="2529" actId="20577"/>
+      <pc:chgData name="Long B Nguyen" userId="f59fb8f3-a021-417a-8bc1-65c8d471c621" providerId="ADAL" clId="{8A4B0ED0-F44B-9E45-9C40-AF9BE57AB4D6}" dt="2021-10-28T12:26:03.838" v="2670" actId="2711"/>
       <pc:docMkLst>
         <pc:docMk/>
       </pc:docMkLst>
@@ -2692,7 +2692,7 @@
         </pc:spChg>
       </pc:sldChg>
       <pc:sldChg chg="addSp modSp modAnim">
-        <pc:chgData name="Long B Nguyen" userId="f59fb8f3-a021-417a-8bc1-65c8d471c621" providerId="ADAL" clId="{8A4B0ED0-F44B-9E45-9C40-AF9BE57AB4D6}" dt="2021-10-26T14:43:31.294" v="2515"/>
+        <pc:chgData name="Long B Nguyen" userId="f59fb8f3-a021-417a-8bc1-65c8d471c621" providerId="ADAL" clId="{8A4B0ED0-F44B-9E45-9C40-AF9BE57AB4D6}" dt="2021-10-28T12:24:09.792" v="2587" actId="20577"/>
         <pc:sldMkLst>
           <pc:docMk/>
           <pc:sldMk cId="725508398" sldId="327"/>
@@ -2703,6 +2703,14 @@
             <pc:docMk/>
             <pc:sldMk cId="725508398" sldId="327"/>
             <ac:spMk id="3" creationId="{1337AC18-9786-B641-BED6-8ADC73DA405F}"/>
+          </ac:spMkLst>
+        </pc:spChg>
+        <pc:spChg chg="mod">
+          <ac:chgData name="Long B Nguyen" userId="f59fb8f3-a021-417a-8bc1-65c8d471c621" providerId="ADAL" clId="{8A4B0ED0-F44B-9E45-9C40-AF9BE57AB4D6}" dt="2021-10-28T12:24:09.792" v="2587" actId="20577"/>
+          <ac:spMkLst>
+            <pc:docMk/>
+            <pc:sldMk cId="725508398" sldId="327"/>
+            <ac:spMk id="9" creationId="{E3B2E017-30B2-884B-A113-B419A2ED51AD}"/>
           </ac:spMkLst>
         </pc:spChg>
       </pc:sldChg>
@@ -2836,7 +2844,7 @@
         </pc:spChg>
       </pc:sldChg>
       <pc:sldChg chg="addSp modSp mod modAnim">
-        <pc:chgData name="Long B Nguyen" userId="f59fb8f3-a021-417a-8bc1-65c8d471c621" providerId="ADAL" clId="{8A4B0ED0-F44B-9E45-9C40-AF9BE57AB4D6}" dt="2021-10-26T14:43:31.294" v="2515"/>
+        <pc:chgData name="Long B Nguyen" userId="f59fb8f3-a021-417a-8bc1-65c8d471c621" providerId="ADAL" clId="{8A4B0ED0-F44B-9E45-9C40-AF9BE57AB4D6}" dt="2021-10-28T12:23:26.691" v="2560" actId="1076"/>
         <pc:sldMkLst>
           <pc:docMk/>
           <pc:sldMk cId="3729583877" sldId="349"/>
@@ -2858,7 +2866,7 @@
           </ac:spMkLst>
         </pc:spChg>
         <pc:spChg chg="add mod">
-          <ac:chgData name="Long B Nguyen" userId="f59fb8f3-a021-417a-8bc1-65c8d471c621" providerId="ADAL" clId="{8A4B0ED0-F44B-9E45-9C40-AF9BE57AB4D6}" dt="2021-10-22T12:48:26.759" v="77" actId="1076"/>
+          <ac:chgData name="Long B Nguyen" userId="f59fb8f3-a021-417a-8bc1-65c8d471c621" providerId="ADAL" clId="{8A4B0ED0-F44B-9E45-9C40-AF9BE57AB4D6}" dt="2021-10-28T12:23:26.691" v="2560" actId="1076"/>
           <ac:spMkLst>
             <pc:docMk/>
             <pc:sldMk cId="3729583877" sldId="349"/>
@@ -2982,7 +2990,7 @@
         </pc:spChg>
       </pc:sldChg>
       <pc:sldChg chg="addSp modSp mod modAnim">
-        <pc:chgData name="Long B Nguyen" userId="f59fb8f3-a021-417a-8bc1-65c8d471c621" providerId="ADAL" clId="{8A4B0ED0-F44B-9E45-9C40-AF9BE57AB4D6}" dt="2021-10-26T14:43:31.294" v="2515"/>
+        <pc:chgData name="Long B Nguyen" userId="f59fb8f3-a021-417a-8bc1-65c8d471c621" providerId="ADAL" clId="{8A4B0ED0-F44B-9E45-9C40-AF9BE57AB4D6}" dt="2021-10-28T12:26:03.838" v="2670" actId="2711"/>
         <pc:sldMkLst>
           <pc:docMk/>
           <pc:sldMk cId="1702508325" sldId="355"/>
@@ -3004,7 +3012,7 @@
           </ac:spMkLst>
         </pc:spChg>
         <pc:spChg chg="mod">
-          <ac:chgData name="Long B Nguyen" userId="f59fb8f3-a021-417a-8bc1-65c8d471c621" providerId="ADAL" clId="{8A4B0ED0-F44B-9E45-9C40-AF9BE57AB4D6}" dt="2021-10-22T13:11:01.902" v="647" actId="20577"/>
+          <ac:chgData name="Long B Nguyen" userId="f59fb8f3-a021-417a-8bc1-65c8d471c621" providerId="ADAL" clId="{8A4B0ED0-F44B-9E45-9C40-AF9BE57AB4D6}" dt="2021-10-28T12:26:03.838" v="2670" actId="2711"/>
           <ac:spMkLst>
             <pc:docMk/>
             <pc:sldMk cId="1702508325" sldId="355"/>
@@ -3252,7 +3260,7 @@
           <a:p>
             <a:fld id="{472A3191-A823-3A4C-BAE2-BFE2B900BE07}" type="datetimeFigureOut">
               <a:rPr lang="en-US" smtClean="0"/>
-              <a:t>10/26/21</a:t>
+              <a:t>10/28/21</a:t>
             </a:fld>
             <a:endParaRPr lang="en-US"/>
           </a:p>
@@ -3650,7 +3658,7 @@
           <a:p>
             <a:fld id="{47BA3DDC-075C-4A4D-A54B-95D98B8D478A}" type="datetime1">
               <a:rPr lang="en-US" smtClean="0"/>
-              <a:t>10/26/21</a:t>
+              <a:t>10/28/21</a:t>
             </a:fld>
             <a:endParaRPr lang="en-US" dirty="0"/>
           </a:p>
@@ -3820,7 +3828,7 @@
           <a:p>
             <a:fld id="{3B0FA794-F06E-FD4C-A124-E975800EFC4E}" type="datetime1">
               <a:rPr lang="en-US" smtClean="0"/>
-              <a:t>10/26/21</a:t>
+              <a:t>10/28/21</a:t>
             </a:fld>
             <a:endParaRPr lang="en-US" dirty="0"/>
           </a:p>
@@ -4000,7 +4008,7 @@
           <a:p>
             <a:fld id="{75640BA0-BAEC-B84C-9495-6C34748904F6}" type="datetime1">
               <a:rPr lang="en-US" smtClean="0"/>
-              <a:t>10/26/21</a:t>
+              <a:t>10/28/21</a:t>
             </a:fld>
             <a:endParaRPr lang="en-US" dirty="0"/>
           </a:p>
@@ -4170,7 +4178,7 @@
           <a:p>
             <a:fld id="{AEE200F8-8645-EA46-9425-DBABAFD1112F}" type="datetime1">
               <a:rPr lang="en-US" smtClean="0"/>
-              <a:t>10/26/21</a:t>
+              <a:t>10/28/21</a:t>
             </a:fld>
             <a:endParaRPr lang="en-US" dirty="0"/>
           </a:p>
@@ -4416,7 +4424,7 @@
           <a:p>
             <a:fld id="{86F38B6D-1830-6645-B8A8-B1EA68162AEB}" type="datetime1">
               <a:rPr lang="en-US" smtClean="0"/>
-              <a:t>10/26/21</a:t>
+              <a:t>10/28/21</a:t>
             </a:fld>
             <a:endParaRPr lang="en-US" dirty="0"/>
           </a:p>
@@ -4648,7 +4656,7 @@
           <a:p>
             <a:fld id="{FBDB30CD-8874-1849-8C07-31C574BD0F00}" type="datetime1">
               <a:rPr lang="en-US" smtClean="0"/>
-              <a:t>10/26/21</a:t>
+              <a:t>10/28/21</a:t>
             </a:fld>
             <a:endParaRPr lang="en-US" dirty="0"/>
           </a:p>
@@ -5015,7 +5023,7 @@
           <a:p>
             <a:fld id="{9CD31F1E-F5EC-8A4E-89B7-DCE834C81DCA}" type="datetime1">
               <a:rPr lang="en-US" smtClean="0"/>
-              <a:t>10/26/21</a:t>
+              <a:t>10/28/21</a:t>
             </a:fld>
             <a:endParaRPr lang="en-US" dirty="0"/>
           </a:p>
@@ -5133,7 +5141,7 @@
           <a:p>
             <a:fld id="{858DAD96-FF74-1C4D-B421-2B1A1D78B7A3}" type="datetime1">
               <a:rPr lang="en-US" smtClean="0"/>
-              <a:t>10/26/21</a:t>
+              <a:t>10/28/21</a:t>
             </a:fld>
             <a:endParaRPr lang="en-US" dirty="0"/>
           </a:p>
@@ -5228,7 +5236,7 @@
           <a:p>
             <a:fld id="{0422F68F-8F3D-A243-BF92-BEC91234D28D}" type="datetime1">
               <a:rPr lang="en-US" smtClean="0"/>
-              <a:t>10/26/21</a:t>
+              <a:t>10/28/21</a:t>
             </a:fld>
             <a:endParaRPr lang="en-US" dirty="0"/>
           </a:p>
@@ -5505,7 +5513,7 @@
           <a:p>
             <a:fld id="{3E84CF79-FEE6-5147-B1B6-0510538F2C2F}" type="datetime1">
               <a:rPr lang="en-US" smtClean="0"/>
-              <a:t>10/26/21</a:t>
+              <a:t>10/28/21</a:t>
             </a:fld>
             <a:endParaRPr lang="en-US" dirty="0"/>
           </a:p>
@@ -5762,7 +5770,7 @@
           <a:p>
             <a:fld id="{53DFDDFB-467B-F842-B523-CB6956E2725F}" type="datetime1">
               <a:rPr lang="en-US" smtClean="0"/>
-              <a:t>10/26/21</a:t>
+              <a:t>10/28/21</a:t>
             </a:fld>
             <a:endParaRPr lang="en-US" dirty="0"/>
           </a:p>
@@ -5975,7 +5983,7 @@
           <a:p>
             <a:fld id="{A6BEBF30-A8B2-7F48-95AD-DD4EBFBBC815}" type="datetime1">
               <a:rPr lang="en-US" smtClean="0"/>
-              <a:t>10/26/21</a:t>
+              <a:t>10/28/21</a:t>
             </a:fld>
             <a:endParaRPr lang="en-US" dirty="0"/>
           </a:p>
@@ -8847,6 +8855,25 @@
             <a:pPr marL="0" indent="0">
               <a:buNone/>
             </a:pPr>
+            <a:r>
+              <a:rPr lang="en-US" dirty="0">
+                <a:latin typeface="Gill Sans MT" panose="020B0502020104020203" pitchFamily="34" charset="77"/>
+              </a:rPr>
+              <a:t>There is a much simpler way to create this list using list comprehensions. </a:t>
+            </a:r>
+          </a:p>
+          <a:p>
+            <a:pPr marL="0" indent="0">
+              <a:buNone/>
+            </a:pPr>
+            <a:endParaRPr lang="en-US" b="1" dirty="0">
+              <a:latin typeface="INCONSOLATA" panose="020B0609030003000000" pitchFamily="49" charset="77"/>
+            </a:endParaRPr>
+          </a:p>
+          <a:p>
+            <a:pPr marL="0" indent="0">
+              <a:buNone/>
+            </a:pPr>
             <a:endParaRPr lang="en-US" b="1" dirty="0">
               <a:latin typeface="INCONSOLATA" panose="020B0609030003000000" pitchFamily="49" charset="77"/>
             </a:endParaRPr>
@@ -9241,7 +9268,56 @@
                                         <p:tgtEl>
                                           <p:spTgt spid="9">
                                             <p:txEl>
-                                              <p:pRg st="12" end="12"/>
+                                              <p:pRg st="10" end="10"/>
+                                            </p:txEl>
+                                          </p:spTgt>
+                                        </p:tgtEl>
+                                        <p:attrNameLst>
+                                          <p:attrName>style.visibility</p:attrName>
+                                        </p:attrNameLst>
+                                      </p:cBhvr>
+                                      <p:to>
+                                        <p:strVal val="visible"/>
+                                      </p:to>
+                                    </p:set>
+                                  </p:childTnLst>
+                                </p:cTn>
+                              </p:par>
+                            </p:childTnLst>
+                          </p:cTn>
+                        </p:par>
+                      </p:childTnLst>
+                    </p:cTn>
+                  </p:par>
+                  <p:par>
+                    <p:cTn id="31" fill="hold">
+                      <p:stCondLst>
+                        <p:cond delay="indefinite"/>
+                      </p:stCondLst>
+                      <p:childTnLst>
+                        <p:par>
+                          <p:cTn id="32" fill="hold">
+                            <p:stCondLst>
+                              <p:cond delay="0"/>
+                            </p:stCondLst>
+                            <p:childTnLst>
+                              <p:par>
+                                <p:cTn id="33" presetID="1" presetClass="entr" presetSubtype="0" fill="hold" nodeType="clickEffect">
+                                  <p:stCondLst>
+                                    <p:cond delay="0"/>
+                                  </p:stCondLst>
+                                  <p:childTnLst>
+                                    <p:set>
+                                      <p:cBhvr>
+                                        <p:cTn id="34" dur="1" fill="hold">
+                                          <p:stCondLst>
+                                            <p:cond delay="0"/>
+                                          </p:stCondLst>
+                                        </p:cTn>
+                                        <p:tgtEl>
+                                          <p:spTgt spid="9">
+                                            <p:txEl>
+                                              <p:pRg st="14" end="14"/>
                                             </p:txEl>
                                           </p:spTgt>
                                         </p:tgtEl>
@@ -22887,6 +22963,72 @@
               </a:rPr>
               <a:t># 7</a:t>
             </a:r>
+          </a:p>
+          <a:p>
+            <a:pPr marL="0" indent="0">
+              <a:buNone/>
+            </a:pPr>
+            <a:r>
+              <a:rPr lang="en-US" sz="2000" b="1" dirty="0">
+                <a:solidFill>
+                  <a:srgbClr val="000087"/>
+                </a:solidFill>
+                <a:latin typeface="Inconsolata" panose="020B0609030003000000" pitchFamily="49" charset="77"/>
+              </a:rPr>
+              <a:t>print(L</a:t>
+            </a:r>
+            <a:r>
+              <a:rPr lang="en-US" sz="2000" b="1" dirty="0">
+                <a:latin typeface="Inconsolata" panose="020B0609030003000000" pitchFamily="49" charset="77"/>
+              </a:rPr>
+              <a:t>[</a:t>
+            </a:r>
+            <a:r>
+              <a:rPr lang="en-US" sz="2000" b="1" dirty="0">
+                <a:solidFill>
+                  <a:srgbClr val="545454"/>
+                </a:solidFill>
+                <a:latin typeface="Inconsolata" panose="020B0609030003000000" pitchFamily="49" charset="77"/>
+              </a:rPr>
+              <a:t>-</a:t>
+            </a:r>
+            <a:r>
+              <a:rPr lang="en-US" sz="2000" b="1" dirty="0">
+                <a:solidFill>
+                  <a:srgbClr val="FF6600"/>
+                </a:solidFill>
+                <a:latin typeface="Inconsolata" panose="020B0609030003000000" pitchFamily="49" charset="77"/>
+              </a:rPr>
+              <a:t>6</a:t>
+            </a:r>
+            <a:r>
+              <a:rPr lang="en-US" sz="2000" b="1" dirty="0">
+                <a:latin typeface="Inconsolata" panose="020B0609030003000000" pitchFamily="49" charset="77"/>
+              </a:rPr>
+              <a:t>]) 		</a:t>
+            </a:r>
+            <a:r>
+              <a:rPr lang="en-US" sz="2000" b="1" dirty="0">
+                <a:solidFill>
+                  <a:schemeClr val="accent1"/>
+                </a:solidFill>
+                <a:latin typeface="Inconsolata" panose="020B0609030003000000" pitchFamily="49" charset="77"/>
+              </a:rPr>
+              <a:t># Out of bounds</a:t>
+            </a:r>
+          </a:p>
+          <a:p>
+            <a:pPr marL="0" indent="0">
+              <a:buNone/>
+            </a:pPr>
+            <a:endParaRPr lang="en-US" sz="2000" b="1" dirty="0">
+              <a:latin typeface="Inconsolata" panose="020B0609030003000000" pitchFamily="49" charset="77"/>
+            </a:endParaRPr>
+          </a:p>
+          <a:p>
+            <a:pPr marL="0" indent="0">
+              <a:buNone/>
+            </a:pPr>
             <a:endParaRPr lang="en-US" sz="2000" b="1" dirty="0">
               <a:latin typeface="Inconsolata" panose="020B0609030003000000" pitchFamily="49" charset="77"/>
             </a:endParaRPr>
@@ -23097,6 +23239,55 @@
                                           <p:spTgt spid="9">
                                             <p:txEl>
                                               <p:pRg st="6" end="6"/>
+                                            </p:txEl>
+                                          </p:spTgt>
+                                        </p:tgtEl>
+                                        <p:attrNameLst>
+                                          <p:attrName>style.visibility</p:attrName>
+                                        </p:attrNameLst>
+                                      </p:cBhvr>
+                                      <p:to>
+                                        <p:strVal val="visible"/>
+                                      </p:to>
+                                    </p:set>
+                                  </p:childTnLst>
+                                </p:cTn>
+                              </p:par>
+                            </p:childTnLst>
+                          </p:cTn>
+                        </p:par>
+                      </p:childTnLst>
+                    </p:cTn>
+                  </p:par>
+                  <p:par>
+                    <p:cTn id="15" fill="hold">
+                      <p:stCondLst>
+                        <p:cond delay="indefinite"/>
+                      </p:stCondLst>
+                      <p:childTnLst>
+                        <p:par>
+                          <p:cTn id="16" fill="hold">
+                            <p:stCondLst>
+                              <p:cond delay="0"/>
+                            </p:stCondLst>
+                            <p:childTnLst>
+                              <p:par>
+                                <p:cTn id="17" presetID="1" presetClass="entr" presetSubtype="0" fill="hold" nodeType="clickEffect">
+                                  <p:stCondLst>
+                                    <p:cond delay="0"/>
+                                  </p:stCondLst>
+                                  <p:childTnLst>
+                                    <p:set>
+                                      <p:cBhvr>
+                                        <p:cTn id="18" dur="1" fill="hold">
+                                          <p:stCondLst>
+                                            <p:cond delay="0"/>
+                                          </p:stCondLst>
+                                        </p:cTn>
+                                        <p:tgtEl>
+                                          <p:spTgt spid="9">
+                                            <p:txEl>
+                                              <p:pRg st="7" end="7"/>
                                             </p:txEl>
                                           </p:spTgt>
                                         </p:tgtEl>
@@ -25471,8 +25662,8 @@
         </p:nvSpPr>
         <p:spPr>
           <a:xfrm>
-            <a:off x="4062230" y="4206240"/>
-            <a:ext cx="3135795" cy="400110"/>
+            <a:off x="4290830" y="4126230"/>
+            <a:ext cx="3079689" cy="707886"/>
           </a:xfrm>
           <a:prstGeom prst="rect">
             <a:avLst/>
@@ -25492,6 +25683,24 @@
                 </a:solidFill>
               </a:rPr>
               <a:t>Looping through each index</a:t>
+            </a:r>
+          </a:p>
+          <a:p>
+            <a:r>
+              <a:rPr lang="en-US" sz="2000" dirty="0" err="1">
+                <a:solidFill>
+                  <a:srgbClr val="FF0000"/>
+                </a:solidFill>
+              </a:rPr>
+              <a:t>i</a:t>
+            </a:r>
+            <a:r>
+              <a:rPr lang="en-US" sz="2000" dirty="0">
+                <a:solidFill>
+                  <a:srgbClr val="FF0000"/>
+                </a:solidFill>
+              </a:rPr>
+              <a:t> takes on values: 0,1,2,3,4.</a:t>
             </a:r>
           </a:p>
         </p:txBody>

--- a/courses/apcsp/lect6.pptx
+++ b/courses/apcsp/lect6.pptx
@@ -145,7 +145,7 @@
 <file path=ppt/revisionInfo.xml><?xml version="1.0" encoding="utf-8"?>
 <p1510:revInfo xmlns:a="http://schemas.openxmlformats.org/drawingml/2006/main" xmlns:r="http://schemas.openxmlformats.org/officeDocument/2006/relationships" xmlns:p1510="http://schemas.microsoft.com/office/powerpoint/2015/10/main">
   <p1510:revLst>
-    <p1510:client id="{8A4B0ED0-F44B-9E45-9C40-AF9BE57AB4D6}" v="1731" dt="2021-10-28T12:26:03.838"/>
+    <p1510:client id="{8A4B0ED0-F44B-9E45-9C40-AF9BE57AB4D6}" v="1734" dt="2021-10-28T17:28:17.848"/>
   </p1510:revLst>
 </p1510:revInfo>
 </file>
@@ -2536,7 +2536,7 @@
   <pc:docChgLst>
     <pc:chgData name="Long B Nguyen" userId="f59fb8f3-a021-417a-8bc1-65c8d471c621" providerId="ADAL" clId="{8A4B0ED0-F44B-9E45-9C40-AF9BE57AB4D6}"/>
     <pc:docChg chg="custSel addSld delSld modSld">
-      <pc:chgData name="Long B Nguyen" userId="f59fb8f3-a021-417a-8bc1-65c8d471c621" providerId="ADAL" clId="{8A4B0ED0-F44B-9E45-9C40-AF9BE57AB4D6}" dt="2021-10-28T12:26:03.838" v="2670" actId="2711"/>
+      <pc:chgData name="Long B Nguyen" userId="f59fb8f3-a021-417a-8bc1-65c8d471c621" providerId="ADAL" clId="{8A4B0ED0-F44B-9E45-9C40-AF9BE57AB4D6}" dt="2021-10-28T17:28:17.847" v="2673" actId="20577"/>
       <pc:docMkLst>
         <pc:docMk/>
       </pc:docMkLst>
@@ -2753,7 +2753,7 @@
         </pc:spChg>
       </pc:sldChg>
       <pc:sldChg chg="addSp modSp mod modAnim">
-        <pc:chgData name="Long B Nguyen" userId="f59fb8f3-a021-417a-8bc1-65c8d471c621" providerId="ADAL" clId="{8A4B0ED0-F44B-9E45-9C40-AF9BE57AB4D6}" dt="2021-10-26T14:48:16.239" v="2528"/>
+        <pc:chgData name="Long B Nguyen" userId="f59fb8f3-a021-417a-8bc1-65c8d471c621" providerId="ADAL" clId="{8A4B0ED0-F44B-9E45-9C40-AF9BE57AB4D6}" dt="2021-10-28T17:28:17.847" v="2673" actId="20577"/>
         <pc:sldMkLst>
           <pc:docMk/>
           <pc:sldMk cId="2211977495" sldId="337"/>
@@ -2767,7 +2767,7 @@
           </ac:spMkLst>
         </pc:spChg>
         <pc:spChg chg="mod">
-          <ac:chgData name="Long B Nguyen" userId="f59fb8f3-a021-417a-8bc1-65c8d471c621" providerId="ADAL" clId="{8A4B0ED0-F44B-9E45-9C40-AF9BE57AB4D6}" dt="2021-10-26T12:45:21.701" v="1147" actId="20577"/>
+          <ac:chgData name="Long B Nguyen" userId="f59fb8f3-a021-417a-8bc1-65c8d471c621" providerId="ADAL" clId="{8A4B0ED0-F44B-9E45-9C40-AF9BE57AB4D6}" dt="2021-10-28T17:28:17.847" v="2673" actId="20577"/>
           <ac:spMkLst>
             <pc:docMk/>
             <pc:sldMk cId="2211977495" sldId="337"/>
@@ -18159,7 +18159,43 @@
                 </a:solidFill>
                 <a:latin typeface="INCONSOLATA" panose="020B0609030003000000" pitchFamily="49" charset="77"/>
               </a:rPr>
-              <a:t>“hi, I am Mike, I just graduate.” </a:t>
+              <a:t>“</a:t>
+            </a:r>
+            <a:r>
+              <a:rPr lang="en-US" b="1" dirty="0" err="1">
+                <a:solidFill>
+                  <a:srgbClr val="CC3300"/>
+                </a:solidFill>
+                <a:latin typeface="INCONSOLATA" panose="020B0609030003000000" pitchFamily="49" charset="77"/>
+              </a:rPr>
+              <a:t>hi,I</a:t>
+            </a:r>
+            <a:r>
+              <a:rPr lang="en-US" b="1" dirty="0">
+                <a:solidFill>
+                  <a:srgbClr val="CC3300"/>
+                </a:solidFill>
+                <a:latin typeface="INCONSOLATA" panose="020B0609030003000000" pitchFamily="49" charset="77"/>
+              </a:rPr>
+              <a:t> am </a:t>
+            </a:r>
+            <a:r>
+              <a:rPr lang="en-US" b="1" dirty="0" err="1">
+                <a:solidFill>
+                  <a:srgbClr val="CC3300"/>
+                </a:solidFill>
+                <a:latin typeface="INCONSOLATA" panose="020B0609030003000000" pitchFamily="49" charset="77"/>
+              </a:rPr>
+              <a:t>Mike,I</a:t>
+            </a:r>
+            <a:r>
+              <a:rPr lang="en-US" b="1" dirty="0">
+                <a:solidFill>
+                  <a:srgbClr val="CC3300"/>
+                </a:solidFill>
+                <a:latin typeface="INCONSOLATA" panose="020B0609030003000000" pitchFamily="49" charset="77"/>
+              </a:rPr>
+              <a:t> just graduate.” </a:t>
             </a:r>
             <a:endParaRPr lang="en-US" b="1" dirty="0">
               <a:solidFill>
@@ -18200,13 +18236,13 @@
               <a:t>greeting.split</a:t>
             </a:r>
             <a:r>
-              <a:rPr lang="en-US" b="1" dirty="0">
+              <a:rPr lang="en-US" b="1">
                 <a:solidFill>
                   <a:srgbClr val="000087"/>
                 </a:solidFill>
                 <a:latin typeface="INCONSOLATA" panose="020B0609030003000000" pitchFamily="49" charset="77"/>
               </a:rPr>
-              <a:t>(", ")</a:t>
+              <a:t>(",")</a:t>
             </a:r>
             <a:endParaRPr lang="en-US" b="1" dirty="0">
               <a:latin typeface="INCONSOLATA" panose="020B0609030003000000" pitchFamily="49" charset="77"/>

--- a/courses/apcsp/lect6.pptx
+++ b/courses/apcsp/lect6.pptx
@@ -2536,7 +2536,7 @@
   <pc:docChgLst>
     <pc:chgData name="Long B Nguyen" userId="f59fb8f3-a021-417a-8bc1-65c8d471c621" providerId="ADAL" clId="{8A4B0ED0-F44B-9E45-9C40-AF9BE57AB4D6}"/>
     <pc:docChg chg="custSel addSld delSld modSld">
-      <pc:chgData name="Long B Nguyen" userId="f59fb8f3-a021-417a-8bc1-65c8d471c621" providerId="ADAL" clId="{8A4B0ED0-F44B-9E45-9C40-AF9BE57AB4D6}" dt="2021-10-28T17:28:17.847" v="2673" actId="20577"/>
+      <pc:chgData name="Long B Nguyen" userId="f59fb8f3-a021-417a-8bc1-65c8d471c621" providerId="ADAL" clId="{8A4B0ED0-F44B-9E45-9C40-AF9BE57AB4D6}" dt="2021-10-29T11:37:37.804" v="2683" actId="20577"/>
       <pc:docMkLst>
         <pc:docMk/>
       </pc:docMkLst>
@@ -3066,13 +3066,13 @@
         </pc:spChg>
       </pc:sldChg>
       <pc:sldChg chg="addSp modSp add mod modAnim">
-        <pc:chgData name="Long B Nguyen" userId="f59fb8f3-a021-417a-8bc1-65c8d471c621" providerId="ADAL" clId="{8A4B0ED0-F44B-9E45-9C40-AF9BE57AB4D6}" dt="2021-10-26T14:43:31.294" v="2515"/>
+        <pc:chgData name="Long B Nguyen" userId="f59fb8f3-a021-417a-8bc1-65c8d471c621" providerId="ADAL" clId="{8A4B0ED0-F44B-9E45-9C40-AF9BE57AB4D6}" dt="2021-10-29T11:37:37.804" v="2683" actId="20577"/>
         <pc:sldMkLst>
           <pc:docMk/>
           <pc:sldMk cId="1293658452" sldId="358"/>
         </pc:sldMkLst>
         <pc:spChg chg="mod">
-          <ac:chgData name="Long B Nguyen" userId="f59fb8f3-a021-417a-8bc1-65c8d471c621" providerId="ADAL" clId="{8A4B0ED0-F44B-9E45-9C40-AF9BE57AB4D6}" dt="2021-10-22T13:27:26.463" v="1081" actId="14100"/>
+          <ac:chgData name="Long B Nguyen" userId="f59fb8f3-a021-417a-8bc1-65c8d471c621" providerId="ADAL" clId="{8A4B0ED0-F44B-9E45-9C40-AF9BE57AB4D6}" dt="2021-10-29T11:37:37.804" v="2683" actId="20577"/>
           <ac:spMkLst>
             <pc:docMk/>
             <pc:sldMk cId="1293658452" sldId="358"/>
@@ -3260,7 +3260,7 @@
           <a:p>
             <a:fld id="{472A3191-A823-3A4C-BAE2-BFE2B900BE07}" type="datetimeFigureOut">
               <a:rPr lang="en-US" smtClean="0"/>
-              <a:t>10/28/21</a:t>
+              <a:t>10/29/21</a:t>
             </a:fld>
             <a:endParaRPr lang="en-US"/>
           </a:p>
@@ -3658,7 +3658,7 @@
           <a:p>
             <a:fld id="{47BA3DDC-075C-4A4D-A54B-95D98B8D478A}" type="datetime1">
               <a:rPr lang="en-US" smtClean="0"/>
-              <a:t>10/28/21</a:t>
+              <a:t>10/29/21</a:t>
             </a:fld>
             <a:endParaRPr lang="en-US" dirty="0"/>
           </a:p>
@@ -3828,7 +3828,7 @@
           <a:p>
             <a:fld id="{3B0FA794-F06E-FD4C-A124-E975800EFC4E}" type="datetime1">
               <a:rPr lang="en-US" smtClean="0"/>
-              <a:t>10/28/21</a:t>
+              <a:t>10/29/21</a:t>
             </a:fld>
             <a:endParaRPr lang="en-US" dirty="0"/>
           </a:p>
@@ -4008,7 +4008,7 @@
           <a:p>
             <a:fld id="{75640BA0-BAEC-B84C-9495-6C34748904F6}" type="datetime1">
               <a:rPr lang="en-US" smtClean="0"/>
-              <a:t>10/28/21</a:t>
+              <a:t>10/29/21</a:t>
             </a:fld>
             <a:endParaRPr lang="en-US" dirty="0"/>
           </a:p>
@@ -4178,7 +4178,7 @@
           <a:p>
             <a:fld id="{AEE200F8-8645-EA46-9425-DBABAFD1112F}" type="datetime1">
               <a:rPr lang="en-US" smtClean="0"/>
-              <a:t>10/28/21</a:t>
+              <a:t>10/29/21</a:t>
             </a:fld>
             <a:endParaRPr lang="en-US" dirty="0"/>
           </a:p>
@@ -4424,7 +4424,7 @@
           <a:p>
             <a:fld id="{86F38B6D-1830-6645-B8A8-B1EA68162AEB}" type="datetime1">
               <a:rPr lang="en-US" smtClean="0"/>
-              <a:t>10/28/21</a:t>
+              <a:t>10/29/21</a:t>
             </a:fld>
             <a:endParaRPr lang="en-US" dirty="0"/>
           </a:p>
@@ -4656,7 +4656,7 @@
           <a:p>
             <a:fld id="{FBDB30CD-8874-1849-8C07-31C574BD0F00}" type="datetime1">
               <a:rPr lang="en-US" smtClean="0"/>
-              <a:t>10/28/21</a:t>
+              <a:t>10/29/21</a:t>
             </a:fld>
             <a:endParaRPr lang="en-US" dirty="0"/>
           </a:p>
@@ -5023,7 +5023,7 @@
           <a:p>
             <a:fld id="{9CD31F1E-F5EC-8A4E-89B7-DCE834C81DCA}" type="datetime1">
               <a:rPr lang="en-US" smtClean="0"/>
-              <a:t>10/28/21</a:t>
+              <a:t>10/29/21</a:t>
             </a:fld>
             <a:endParaRPr lang="en-US" dirty="0"/>
           </a:p>
@@ -5141,7 +5141,7 @@
           <a:p>
             <a:fld id="{858DAD96-FF74-1C4D-B421-2B1A1D78B7A3}" type="datetime1">
               <a:rPr lang="en-US" smtClean="0"/>
-              <a:t>10/28/21</a:t>
+              <a:t>10/29/21</a:t>
             </a:fld>
             <a:endParaRPr lang="en-US" dirty="0"/>
           </a:p>
@@ -5236,7 +5236,7 @@
           <a:p>
             <a:fld id="{0422F68F-8F3D-A243-BF92-BEC91234D28D}" type="datetime1">
               <a:rPr lang="en-US" smtClean="0"/>
-              <a:t>10/28/21</a:t>
+              <a:t>10/29/21</a:t>
             </a:fld>
             <a:endParaRPr lang="en-US" dirty="0"/>
           </a:p>
@@ -5513,7 +5513,7 @@
           <a:p>
             <a:fld id="{3E84CF79-FEE6-5147-B1B6-0510538F2C2F}" type="datetime1">
               <a:rPr lang="en-US" smtClean="0"/>
-              <a:t>10/28/21</a:t>
+              <a:t>10/29/21</a:t>
             </a:fld>
             <a:endParaRPr lang="en-US" dirty="0"/>
           </a:p>
@@ -5770,7 +5770,7 @@
           <a:p>
             <a:fld id="{53DFDDFB-467B-F842-B523-CB6956E2725F}" type="datetime1">
               <a:rPr lang="en-US" smtClean="0"/>
-              <a:t>10/28/21</a:t>
+              <a:t>10/29/21</a:t>
             </a:fld>
             <a:endParaRPr lang="en-US" dirty="0"/>
           </a:p>
@@ -5983,7 +5983,7 @@
           <a:p>
             <a:fld id="{A6BEBF30-A8B2-7F48-95AD-DD4EBFBBC815}" type="datetime1">
               <a:rPr lang="en-US" smtClean="0"/>
-              <a:t>10/28/21</a:t>
+              <a:t>10/29/21</a:t>
             </a:fld>
             <a:endParaRPr lang="en-US" dirty="0"/>
           </a:p>
@@ -9408,20 +9408,13 @@
           <a:p>
             <a:r>
               <a:rPr lang="en-US" dirty="0"/>
-              <a:t>Creating a list with list comprehensions(</a:t>
-            </a:r>
-            <a:r>
-              <a:rPr lang="en-US" dirty="0">
-                <a:solidFill>
-                  <a:srgbClr val="FF0000"/>
-                </a:solidFill>
-              </a:rPr>
-              <a:t>optional</a:t>
-            </a:r>
-            <a:r>
-              <a:rPr lang="en-US" dirty="0"/>
-              <a:t>)</a:t>
-            </a:r>
+              <a:t>Creating a list with </a:t>
+            </a:r>
+            <a:r>
+              <a:rPr lang="en-US"/>
+              <a:t>list comprehensions</a:t>
+            </a:r>
+            <a:endParaRPr lang="en-US" dirty="0"/>
           </a:p>
         </p:txBody>
       </p:sp>

--- a/courses/apcsp/lect6.pptx
+++ b/courses/apcsp/lect6.pptx
@@ -145,7 +145,7 @@
 <file path=ppt/revisionInfo.xml><?xml version="1.0" encoding="utf-8"?>
 <p1510:revInfo xmlns:a="http://schemas.openxmlformats.org/drawingml/2006/main" xmlns:r="http://schemas.openxmlformats.org/officeDocument/2006/relationships" xmlns:p1510="http://schemas.microsoft.com/office/powerpoint/2015/10/main">
   <p1510:revLst>
-    <p1510:client id="{8A4B0ED0-F44B-9E45-9C40-AF9BE57AB4D6}" v="1734" dt="2021-10-28T17:28:17.848"/>
+    <p1510:client id="{8A4B0ED0-F44B-9E45-9C40-AF9BE57AB4D6}" v="1735" dt="2021-10-29T17:14:11.736"/>
   </p1510:revLst>
 </p1510:revInfo>
 </file>
@@ -2536,7 +2536,7 @@
   <pc:docChgLst>
     <pc:chgData name="Long B Nguyen" userId="f59fb8f3-a021-417a-8bc1-65c8d471c621" providerId="ADAL" clId="{8A4B0ED0-F44B-9E45-9C40-AF9BE57AB4D6}"/>
     <pc:docChg chg="custSel addSld delSld modSld">
-      <pc:chgData name="Long B Nguyen" userId="f59fb8f3-a021-417a-8bc1-65c8d471c621" providerId="ADAL" clId="{8A4B0ED0-F44B-9E45-9C40-AF9BE57AB4D6}" dt="2021-10-29T11:37:37.804" v="2683" actId="20577"/>
+      <pc:chgData name="Long B Nguyen" userId="f59fb8f3-a021-417a-8bc1-65c8d471c621" providerId="ADAL" clId="{8A4B0ED0-F44B-9E45-9C40-AF9BE57AB4D6}" dt="2021-10-29T17:14:11.736" v="2684" actId="207"/>
       <pc:docMkLst>
         <pc:docMk/>
       </pc:docMkLst>
@@ -3128,7 +3128,7 @@
         </pc:spChg>
       </pc:sldChg>
       <pc:sldChg chg="addSp modSp add mod modAnim">
-        <pc:chgData name="Long B Nguyen" userId="f59fb8f3-a021-417a-8bc1-65c8d471c621" providerId="ADAL" clId="{8A4B0ED0-F44B-9E45-9C40-AF9BE57AB4D6}" dt="2021-10-26T14:43:31.294" v="2515"/>
+        <pc:chgData name="Long B Nguyen" userId="f59fb8f3-a021-417a-8bc1-65c8d471c621" providerId="ADAL" clId="{8A4B0ED0-F44B-9E45-9C40-AF9BE57AB4D6}" dt="2021-10-29T17:14:11.736" v="2684" actId="207"/>
         <pc:sldMkLst>
           <pc:docMk/>
           <pc:sldMk cId="2098191079" sldId="360"/>
@@ -3150,7 +3150,7 @@
           </ac:spMkLst>
         </pc:spChg>
         <pc:spChg chg="mod">
-          <ac:chgData name="Long B Nguyen" userId="f59fb8f3-a021-417a-8bc1-65c8d471c621" providerId="ADAL" clId="{8A4B0ED0-F44B-9E45-9C40-AF9BE57AB4D6}" dt="2021-10-26T14:27:52.946" v="2514" actId="20577"/>
+          <ac:chgData name="Long B Nguyen" userId="f59fb8f3-a021-417a-8bc1-65c8d471c621" providerId="ADAL" clId="{8A4B0ED0-F44B-9E45-9C40-AF9BE57AB4D6}" dt="2021-10-29T17:14:11.736" v="2684" actId="207"/>
           <ac:spMkLst>
             <pc:docMk/>
             <pc:sldMk cId="2098191079" sldId="360"/>
@@ -19773,7 +19773,22 @@
               <a:rPr lang="en-US" sz="2000" dirty="0">
                 <a:latin typeface="INCONSOLATA" panose="020B0609030003000000" pitchFamily="49" charset="77"/>
               </a:rPr>
-              <a:t> = [int(x) for x in input().split()]</a:t>
+              <a:t> = [int(x) for x in </a:t>
+            </a:r>
+            <a:r>
+              <a:rPr lang="en-US" sz="2000" dirty="0">
+                <a:solidFill>
+                  <a:srgbClr val="FF0000"/>
+                </a:solidFill>
+                <a:latin typeface="INCONSOLATA" panose="020B0609030003000000" pitchFamily="49" charset="77"/>
+              </a:rPr>
+              <a:t>input()</a:t>
+            </a:r>
+            <a:r>
+              <a:rPr lang="en-US" sz="2000" dirty="0">
+                <a:latin typeface="INCONSOLATA" panose="020B0609030003000000" pitchFamily="49" charset="77"/>
+              </a:rPr>
+              <a:t>.split()]</a:t>
             </a:r>
           </a:p>
           <a:p>

--- a/courses/apcsp/lect6.pptx
+++ b/courses/apcsp/lect6.pptx
@@ -5,7 +5,7 @@
     <p:sldMasterId id="2147483791" r:id="rId1"/>
   </p:sldMasterIdLst>
   <p:notesMasterIdLst>
-    <p:notesMasterId r:id="rId32"/>
+    <p:notesMasterId r:id="rId31"/>
   </p:notesMasterIdLst>
   <p:sldIdLst>
     <p:sldId id="256" r:id="rId2"/>
@@ -13,31 +13,30 @@
     <p:sldId id="257" r:id="rId4"/>
     <p:sldId id="287" r:id="rId5"/>
     <p:sldId id="308" r:id="rId6"/>
-    <p:sldId id="327" r:id="rId7"/>
-    <p:sldId id="326" r:id="rId8"/>
-    <p:sldId id="310" r:id="rId9"/>
-    <p:sldId id="276" r:id="rId10"/>
-    <p:sldId id="361" r:id="rId11"/>
-    <p:sldId id="349" r:id="rId12"/>
-    <p:sldId id="354" r:id="rId13"/>
-    <p:sldId id="357" r:id="rId14"/>
-    <p:sldId id="355" r:id="rId15"/>
-    <p:sldId id="358" r:id="rId16"/>
-    <p:sldId id="350" r:id="rId17"/>
-    <p:sldId id="331" r:id="rId18"/>
-    <p:sldId id="347" r:id="rId19"/>
-    <p:sldId id="348" r:id="rId20"/>
-    <p:sldId id="353" r:id="rId21"/>
-    <p:sldId id="351" r:id="rId22"/>
-    <p:sldId id="352" r:id="rId23"/>
-    <p:sldId id="300" r:id="rId24"/>
-    <p:sldId id="332" r:id="rId25"/>
-    <p:sldId id="337" r:id="rId26"/>
-    <p:sldId id="359" r:id="rId27"/>
-    <p:sldId id="360" r:id="rId28"/>
-    <p:sldId id="341" r:id="rId29"/>
-    <p:sldId id="346" r:id="rId30"/>
-    <p:sldId id="284" r:id="rId31"/>
+    <p:sldId id="326" r:id="rId7"/>
+    <p:sldId id="310" r:id="rId8"/>
+    <p:sldId id="276" r:id="rId9"/>
+    <p:sldId id="361" r:id="rId10"/>
+    <p:sldId id="349" r:id="rId11"/>
+    <p:sldId id="354" r:id="rId12"/>
+    <p:sldId id="357" r:id="rId13"/>
+    <p:sldId id="355" r:id="rId14"/>
+    <p:sldId id="358" r:id="rId15"/>
+    <p:sldId id="350" r:id="rId16"/>
+    <p:sldId id="331" r:id="rId17"/>
+    <p:sldId id="347" r:id="rId18"/>
+    <p:sldId id="348" r:id="rId19"/>
+    <p:sldId id="353" r:id="rId20"/>
+    <p:sldId id="351" r:id="rId21"/>
+    <p:sldId id="352" r:id="rId22"/>
+    <p:sldId id="300" r:id="rId23"/>
+    <p:sldId id="332" r:id="rId24"/>
+    <p:sldId id="337" r:id="rId25"/>
+    <p:sldId id="359" r:id="rId26"/>
+    <p:sldId id="360" r:id="rId27"/>
+    <p:sldId id="341" r:id="rId28"/>
+    <p:sldId id="346" r:id="rId29"/>
+    <p:sldId id="284" r:id="rId30"/>
   </p:sldIdLst>
   <p:sldSz cx="9144000" cy="5715000" type="screen16x10"/>
   <p:notesSz cx="6858000" cy="9144000"/>
@@ -144,16 +143,24 @@
 </p:presentation>
 </file>
 
-<file path=ppt/revisionInfo.xml><?xml version="1.0" encoding="utf-8"?>
-<p1510:revInfo xmlns:a="http://schemas.openxmlformats.org/drawingml/2006/main" xmlns:r="http://schemas.openxmlformats.org/officeDocument/2006/relationships" xmlns:p1510="http://schemas.microsoft.com/office/powerpoint/2015/10/main">
-  <p1510:revLst>
-    <p1510:client id="{4D503971-DD15-2143-9B79-D6BD0DA6B18E}" v="327" dt="2022-09-30T13:34:44.286"/>
-  </p1510:revLst>
-</p1510:revInfo>
-</file>
-
 <file path=ppt/changesInfos/changesInfo1.xml><?xml version="1.0" encoding="utf-8"?>
 <pc:chgInfo xmlns:a="http://schemas.openxmlformats.org/drawingml/2006/main" xmlns:r="http://schemas.openxmlformats.org/officeDocument/2006/relationships" xmlns:ac="http://schemas.microsoft.com/office/drawing/2013/main/command" xmlns:pc="http://schemas.microsoft.com/office/powerpoint/2013/main/command">
+  <pc:docChgLst>
+    <pc:chgData name="Long Nguyen" userId="f59fb8f3-a021-417a-8bc1-65c8d471c621" providerId="ADAL" clId="{572F5AE3-38E5-E148-BAA5-C3A513756EA3}"/>
+    <pc:docChg chg="delSld">
+      <pc:chgData name="Long Nguyen" userId="f59fb8f3-a021-417a-8bc1-65c8d471c621" providerId="ADAL" clId="{572F5AE3-38E5-E148-BAA5-C3A513756EA3}" dt="2022-11-14T14:49:26.277" v="0" actId="2696"/>
+      <pc:docMkLst>
+        <pc:docMk/>
+      </pc:docMkLst>
+      <pc:sldChg chg="del">
+        <pc:chgData name="Long Nguyen" userId="f59fb8f3-a021-417a-8bc1-65c8d471c621" providerId="ADAL" clId="{572F5AE3-38E5-E148-BAA5-C3A513756EA3}" dt="2022-11-14T14:49:26.277" v="0" actId="2696"/>
+        <pc:sldMkLst>
+          <pc:docMk/>
+          <pc:sldMk cId="725508398" sldId="327"/>
+        </pc:sldMkLst>
+      </pc:sldChg>
+    </pc:docChg>
+  </pc:docChgLst>
   <pc:docChgLst>
     <pc:chgData name="Long B Nguyen" userId="f59fb8f3-a021-417a-8bc1-65c8d471c621" providerId="ADAL" clId="{02F9CDFD-8058-E747-90F1-869B904FA8AE}"/>
     <pc:docChg chg="delSld">
@@ -3464,7 +3471,7 @@
           <a:p>
             <a:fld id="{472A3191-A823-3A4C-BAE2-BFE2B900BE07}" type="datetimeFigureOut">
               <a:rPr lang="en-US" smtClean="0"/>
-              <a:t>9/30/22</a:t>
+              <a:t>11/14/22</a:t>
             </a:fld>
             <a:endParaRPr lang="en-US"/>
           </a:p>
@@ -3862,7 +3869,7 @@
           <a:p>
             <a:fld id="{47BA3DDC-075C-4A4D-A54B-95D98B8D478A}" type="datetime1">
               <a:rPr lang="en-US" smtClean="0"/>
-              <a:t>9/30/22</a:t>
+              <a:t>11/14/22</a:t>
             </a:fld>
             <a:endParaRPr lang="en-US" dirty="0"/>
           </a:p>
@@ -4032,7 +4039,7 @@
           <a:p>
             <a:fld id="{3B0FA794-F06E-FD4C-A124-E975800EFC4E}" type="datetime1">
               <a:rPr lang="en-US" smtClean="0"/>
-              <a:t>9/30/22</a:t>
+              <a:t>11/14/22</a:t>
             </a:fld>
             <a:endParaRPr lang="en-US" dirty="0"/>
           </a:p>
@@ -4212,7 +4219,7 @@
           <a:p>
             <a:fld id="{75640BA0-BAEC-B84C-9495-6C34748904F6}" type="datetime1">
               <a:rPr lang="en-US" smtClean="0"/>
-              <a:t>9/30/22</a:t>
+              <a:t>11/14/22</a:t>
             </a:fld>
             <a:endParaRPr lang="en-US" dirty="0"/>
           </a:p>
@@ -4382,7 +4389,7 @@
           <a:p>
             <a:fld id="{AEE200F8-8645-EA46-9425-DBABAFD1112F}" type="datetime1">
               <a:rPr lang="en-US" smtClean="0"/>
-              <a:t>9/30/22</a:t>
+              <a:t>11/14/22</a:t>
             </a:fld>
             <a:endParaRPr lang="en-US" dirty="0"/>
           </a:p>
@@ -4628,7 +4635,7 @@
           <a:p>
             <a:fld id="{86F38B6D-1830-6645-B8A8-B1EA68162AEB}" type="datetime1">
               <a:rPr lang="en-US" smtClean="0"/>
-              <a:t>9/30/22</a:t>
+              <a:t>11/14/22</a:t>
             </a:fld>
             <a:endParaRPr lang="en-US" dirty="0"/>
           </a:p>
@@ -4860,7 +4867,7 @@
           <a:p>
             <a:fld id="{FBDB30CD-8874-1849-8C07-31C574BD0F00}" type="datetime1">
               <a:rPr lang="en-US" smtClean="0"/>
-              <a:t>9/30/22</a:t>
+              <a:t>11/14/22</a:t>
             </a:fld>
             <a:endParaRPr lang="en-US" dirty="0"/>
           </a:p>
@@ -5227,7 +5234,7 @@
           <a:p>
             <a:fld id="{9CD31F1E-F5EC-8A4E-89B7-DCE834C81DCA}" type="datetime1">
               <a:rPr lang="en-US" smtClean="0"/>
-              <a:t>9/30/22</a:t>
+              <a:t>11/14/22</a:t>
             </a:fld>
             <a:endParaRPr lang="en-US" dirty="0"/>
           </a:p>
@@ -5345,7 +5352,7 @@
           <a:p>
             <a:fld id="{858DAD96-FF74-1C4D-B421-2B1A1D78B7A3}" type="datetime1">
               <a:rPr lang="en-US" smtClean="0"/>
-              <a:t>9/30/22</a:t>
+              <a:t>11/14/22</a:t>
             </a:fld>
             <a:endParaRPr lang="en-US" dirty="0"/>
           </a:p>
@@ -5440,7 +5447,7 @@
           <a:p>
             <a:fld id="{0422F68F-8F3D-A243-BF92-BEC91234D28D}" type="datetime1">
               <a:rPr lang="en-US" smtClean="0"/>
-              <a:t>9/30/22</a:t>
+              <a:t>11/14/22</a:t>
             </a:fld>
             <a:endParaRPr lang="en-US" dirty="0"/>
           </a:p>
@@ -5717,7 +5724,7 @@
           <a:p>
             <a:fld id="{3E84CF79-FEE6-5147-B1B6-0510538F2C2F}" type="datetime1">
               <a:rPr lang="en-US" smtClean="0"/>
-              <a:t>9/30/22</a:t>
+              <a:t>11/14/22</a:t>
             </a:fld>
             <a:endParaRPr lang="en-US" dirty="0"/>
           </a:p>
@@ -5974,7 +5981,7 @@
           <a:p>
             <a:fld id="{53DFDDFB-467B-F842-B523-CB6956E2725F}" type="datetime1">
               <a:rPr lang="en-US" smtClean="0"/>
-              <a:t>9/30/22</a:t>
+              <a:t>11/14/22</a:t>
             </a:fld>
             <a:endParaRPr lang="en-US" dirty="0"/>
           </a:p>
@@ -6187,7 +6194,7 @@
           <a:p>
             <a:fld id="{A6BEBF30-A8B2-7F48-95AD-DD4EBFBBC815}" type="datetime1">
               <a:rPr lang="en-US" smtClean="0"/>
-              <a:t>9/30/22</a:t>
+              <a:t>11/14/22</a:t>
             </a:fld>
             <a:endParaRPr lang="en-US" dirty="0"/>
           </a:p>
@@ -6942,614 +6949,6 @@
         </p:nvSpPr>
         <p:spPr>
           <a:xfrm>
-            <a:off x="100788" y="112801"/>
-            <a:ext cx="7053542" cy="683886"/>
-          </a:xfrm>
-        </p:spPr>
-        <p:txBody>
-          <a:bodyPr/>
-          <a:lstStyle/>
-          <a:p>
-            <a:r>
-              <a:rPr lang="en-US" dirty="0"/>
-              <a:t>List Slicing</a:t>
-            </a:r>
-          </a:p>
-        </p:txBody>
-      </p:sp>
-      <p:sp>
-        <p:nvSpPr>
-          <p:cNvPr id="9" name="Content Placeholder 8">
-            <a:extLst>
-              <a:ext uri="{FF2B5EF4-FFF2-40B4-BE49-F238E27FC236}">
-                <a16:creationId xmlns:a16="http://schemas.microsoft.com/office/drawing/2014/main" id="{E3B2E017-30B2-884B-A113-B419A2ED51AD}"/>
-              </a:ext>
-            </a:extLst>
-          </p:cNvPr>
-          <p:cNvSpPr>
-            <a:spLocks noGrp="1"/>
-          </p:cNvSpPr>
-          <p:nvPr>
-            <p:ph idx="1"/>
-          </p:nvPr>
-        </p:nvSpPr>
-        <p:spPr>
-          <a:xfrm>
-            <a:off x="191284" y="796687"/>
-            <a:ext cx="8344289" cy="4715350"/>
-          </a:xfrm>
-        </p:spPr>
-        <p:txBody>
-          <a:bodyPr>
-            <a:normAutofit/>
-          </a:bodyPr>
-          <a:lstStyle/>
-          <a:p>
-            <a:pPr marL="0" indent="0">
-              <a:buNone/>
-            </a:pPr>
-            <a:endParaRPr lang="en-US" b="1" dirty="0">
-              <a:latin typeface="Inconsolata" panose="020B0609030003000000" pitchFamily="49" charset="77"/>
-            </a:endParaRPr>
-          </a:p>
-          <a:p>
-            <a:pPr marL="0" indent="0">
-              <a:buNone/>
-            </a:pPr>
-            <a:endParaRPr lang="en-US" b="1" dirty="0">
-              <a:latin typeface="Inconsolata" panose="020B0609030003000000" pitchFamily="49" charset="77"/>
-            </a:endParaRPr>
-          </a:p>
-          <a:p>
-            <a:pPr marL="0" indent="0">
-              <a:buNone/>
-            </a:pPr>
-            <a:endParaRPr lang="en-US" b="1" dirty="0">
-              <a:latin typeface="Inconsolata" panose="020B0609030003000000" pitchFamily="49" charset="77"/>
-            </a:endParaRPr>
-          </a:p>
-          <a:p>
-            <a:pPr marL="0" indent="0">
-              <a:buNone/>
-            </a:pPr>
-            <a:r>
-              <a:rPr lang="en-US" b="1" dirty="0">
-                <a:solidFill>
-                  <a:srgbClr val="000087"/>
-                </a:solidFill>
-                <a:latin typeface="Inconsolata" panose="020B0609030003000000" pitchFamily="49" charset="77"/>
-              </a:rPr>
-              <a:t>L </a:t>
-            </a:r>
-            <a:r>
-              <a:rPr lang="en-US" b="1" dirty="0">
-                <a:solidFill>
-                  <a:srgbClr val="545454"/>
-                </a:solidFill>
-                <a:latin typeface="Inconsolata" panose="020B0609030003000000" pitchFamily="49" charset="77"/>
-              </a:rPr>
-              <a:t>= </a:t>
-            </a:r>
-            <a:r>
-              <a:rPr lang="en-US" b="1" dirty="0">
-                <a:latin typeface="Inconsolata" panose="020B0609030003000000" pitchFamily="49" charset="77"/>
-              </a:rPr>
-              <a:t>[</a:t>
-            </a:r>
-            <a:r>
-              <a:rPr lang="en-US" b="1" dirty="0">
-                <a:solidFill>
-                  <a:srgbClr val="FF6600"/>
-                </a:solidFill>
-                <a:latin typeface="Inconsolata" panose="020B0609030003000000" pitchFamily="49" charset="77"/>
-              </a:rPr>
-              <a:t>10</a:t>
-            </a:r>
-            <a:r>
-              <a:rPr lang="en-US" b="1" dirty="0">
-                <a:latin typeface="Inconsolata" panose="020B0609030003000000" pitchFamily="49" charset="77"/>
-              </a:rPr>
-              <a:t>, </a:t>
-            </a:r>
-            <a:r>
-              <a:rPr lang="en-US" b="1" dirty="0">
-                <a:solidFill>
-                  <a:srgbClr val="FF6600"/>
-                </a:solidFill>
-                <a:latin typeface="Inconsolata" panose="020B0609030003000000" pitchFamily="49" charset="77"/>
-              </a:rPr>
-              <a:t>-2</a:t>
-            </a:r>
-            <a:r>
-              <a:rPr lang="en-US" b="1" dirty="0">
-                <a:latin typeface="Inconsolata" panose="020B0609030003000000" pitchFamily="49" charset="77"/>
-              </a:rPr>
-              <a:t>, </a:t>
-            </a:r>
-            <a:r>
-              <a:rPr lang="en-US" b="1" dirty="0">
-                <a:solidFill>
-                  <a:srgbClr val="FF6600"/>
-                </a:solidFill>
-                <a:latin typeface="Inconsolata" panose="020B0609030003000000" pitchFamily="49" charset="77"/>
-              </a:rPr>
-              <a:t>1</a:t>
-            </a:r>
-            <a:r>
-              <a:rPr lang="en-US" b="1" dirty="0">
-                <a:latin typeface="Inconsolata" panose="020B0609030003000000" pitchFamily="49" charset="77"/>
-              </a:rPr>
-              <a:t>, </a:t>
-            </a:r>
-            <a:r>
-              <a:rPr lang="en-US" b="1" dirty="0">
-                <a:solidFill>
-                  <a:srgbClr val="FF6600"/>
-                </a:solidFill>
-                <a:latin typeface="Inconsolata" panose="020B0609030003000000" pitchFamily="49" charset="77"/>
-              </a:rPr>
-              <a:t>6</a:t>
-            </a:r>
-            <a:r>
-              <a:rPr lang="en-US" b="1" dirty="0">
-                <a:latin typeface="Inconsolata" panose="020B0609030003000000" pitchFamily="49" charset="77"/>
-              </a:rPr>
-              <a:t>, </a:t>
-            </a:r>
-            <a:r>
-              <a:rPr lang="en-US" b="1" dirty="0">
-                <a:solidFill>
-                  <a:srgbClr val="FF6600"/>
-                </a:solidFill>
-                <a:latin typeface="Inconsolata" panose="020B0609030003000000" pitchFamily="49" charset="77"/>
-              </a:rPr>
-              <a:t>2</a:t>
-            </a:r>
-            <a:r>
-              <a:rPr lang="en-US" b="1" dirty="0">
-                <a:latin typeface="Inconsolata" panose="020B0609030003000000" pitchFamily="49" charset="77"/>
-              </a:rPr>
-              <a:t>]</a:t>
-            </a:r>
-          </a:p>
-          <a:p>
-            <a:pPr marL="0" indent="0">
-              <a:buNone/>
-            </a:pPr>
-            <a:r>
-              <a:rPr lang="en-US" b="1" dirty="0">
-                <a:solidFill>
-                  <a:srgbClr val="000087"/>
-                </a:solidFill>
-                <a:latin typeface="Inconsolata" panose="020B0609030003000000" pitchFamily="49" charset="77"/>
-              </a:rPr>
-              <a:t>print(L</a:t>
-            </a:r>
-            <a:r>
-              <a:rPr lang="en-US" b="1" dirty="0">
-                <a:latin typeface="Inconsolata" panose="020B0609030003000000" pitchFamily="49" charset="77"/>
-              </a:rPr>
-              <a:t>[</a:t>
-            </a:r>
-            <a:r>
-              <a:rPr lang="en-US" b="1" dirty="0">
-                <a:solidFill>
-                  <a:srgbClr val="FF6600"/>
-                </a:solidFill>
-                <a:latin typeface="Inconsolata" panose="020B0609030003000000" pitchFamily="49" charset="77"/>
-              </a:rPr>
-              <a:t>1</a:t>
-            </a:r>
-            <a:r>
-              <a:rPr lang="en-US" b="1" dirty="0">
-                <a:latin typeface="Inconsolata" panose="020B0609030003000000" pitchFamily="49" charset="77"/>
-              </a:rPr>
-              <a:t>:</a:t>
-            </a:r>
-            <a:r>
-              <a:rPr lang="en-US" b="1" dirty="0">
-                <a:solidFill>
-                  <a:srgbClr val="FF6600"/>
-                </a:solidFill>
-                <a:latin typeface="Inconsolata" panose="020B0609030003000000" pitchFamily="49" charset="77"/>
-              </a:rPr>
-              <a:t>3</a:t>
-            </a:r>
-            <a:r>
-              <a:rPr lang="en-US" b="1" dirty="0">
-                <a:latin typeface="Inconsolata" panose="020B0609030003000000" pitchFamily="49" charset="77"/>
-              </a:rPr>
-              <a:t>]) </a:t>
-            </a:r>
-            <a:r>
-              <a:rPr lang="en-US" b="1" dirty="0">
-                <a:solidFill>
-                  <a:srgbClr val="33566B"/>
-                </a:solidFill>
-                <a:latin typeface="Inconsolata" panose="020B0609030003000000" pitchFamily="49" charset="77"/>
-              </a:rPr>
-              <a:t>		# </a:t>
-            </a:r>
-            <a:r>
-              <a:rPr lang="en-US" b="1" dirty="0">
-                <a:latin typeface="Inconsolata" panose="020B0609030003000000" pitchFamily="49" charset="77"/>
-              </a:rPr>
-              <a:t>[-2, 1] </a:t>
-            </a:r>
-          </a:p>
-          <a:p>
-            <a:pPr marL="0" indent="0">
-              <a:buNone/>
-            </a:pPr>
-            <a:r>
-              <a:rPr lang="en-US" b="1" dirty="0">
-                <a:solidFill>
-                  <a:srgbClr val="000087"/>
-                </a:solidFill>
-                <a:latin typeface="Inconsolata" panose="020B0609030003000000" pitchFamily="49" charset="77"/>
-              </a:rPr>
-              <a:t>print(L</a:t>
-            </a:r>
-            <a:r>
-              <a:rPr lang="en-US" b="1" dirty="0">
-                <a:latin typeface="Inconsolata" panose="020B0609030003000000" pitchFamily="49" charset="77"/>
-              </a:rPr>
-              <a:t>[:</a:t>
-            </a:r>
-            <a:r>
-              <a:rPr lang="en-US" b="1" dirty="0">
-                <a:solidFill>
-                  <a:srgbClr val="FF6600"/>
-                </a:solidFill>
-                <a:latin typeface="Inconsolata" panose="020B0609030003000000" pitchFamily="49" charset="77"/>
-              </a:rPr>
-              <a:t>3</a:t>
-            </a:r>
-            <a:r>
-              <a:rPr lang="en-US" b="1" dirty="0">
-                <a:latin typeface="Inconsolata" panose="020B0609030003000000" pitchFamily="49" charset="77"/>
-              </a:rPr>
-              <a:t>]) </a:t>
-            </a:r>
-            <a:r>
-              <a:rPr lang="en-US" b="1" dirty="0">
-                <a:solidFill>
-                  <a:srgbClr val="33566B"/>
-                </a:solidFill>
-                <a:latin typeface="Inconsolata" panose="020B0609030003000000" pitchFamily="49" charset="77"/>
-              </a:rPr>
-              <a:t>		# </a:t>
-            </a:r>
-            <a:r>
-              <a:rPr lang="en-US" b="1" dirty="0">
-                <a:latin typeface="Inconsolata" panose="020B0609030003000000" pitchFamily="49" charset="77"/>
-              </a:rPr>
-              <a:t>[10, -2, 1] </a:t>
-            </a:r>
-          </a:p>
-          <a:p>
-            <a:pPr marL="0" indent="0">
-              <a:buNone/>
-            </a:pPr>
-            <a:r>
-              <a:rPr lang="en-US" b="1" dirty="0">
-                <a:solidFill>
-                  <a:srgbClr val="000087"/>
-                </a:solidFill>
-                <a:latin typeface="Inconsolata" panose="020B0609030003000000" pitchFamily="49" charset="77"/>
-              </a:rPr>
-              <a:t>print(L</a:t>
-            </a:r>
-            <a:r>
-              <a:rPr lang="en-US" b="1" dirty="0">
-                <a:latin typeface="Inconsolata" panose="020B0609030003000000" pitchFamily="49" charset="77"/>
-              </a:rPr>
-              <a:t>[</a:t>
-            </a:r>
-            <a:r>
-              <a:rPr lang="en-US" b="1" dirty="0">
-                <a:solidFill>
-                  <a:srgbClr val="FF6600"/>
-                </a:solidFill>
-                <a:latin typeface="Inconsolata" panose="020B0609030003000000" pitchFamily="49" charset="77"/>
-              </a:rPr>
-              <a:t>1</a:t>
-            </a:r>
-            <a:r>
-              <a:rPr lang="en-US" b="1" dirty="0">
-                <a:latin typeface="Inconsolata" panose="020B0609030003000000" pitchFamily="49" charset="77"/>
-              </a:rPr>
-              <a:t>:]) </a:t>
-            </a:r>
-            <a:r>
-              <a:rPr lang="en-US" b="1" dirty="0">
-                <a:solidFill>
-                  <a:srgbClr val="33566B"/>
-                </a:solidFill>
-                <a:latin typeface="Inconsolata" panose="020B0609030003000000" pitchFamily="49" charset="77"/>
-              </a:rPr>
-              <a:t>		# </a:t>
-            </a:r>
-            <a:r>
-              <a:rPr lang="en-US" b="1" dirty="0">
-                <a:latin typeface="Inconsolata" panose="020B0609030003000000" pitchFamily="49" charset="77"/>
-              </a:rPr>
-              <a:t>[-2, 1, 6, 2] </a:t>
-            </a:r>
-          </a:p>
-          <a:p>
-            <a:pPr marL="0" indent="0">
-              <a:buNone/>
-            </a:pPr>
-            <a:r>
-              <a:rPr lang="en-US" b="1" dirty="0">
-                <a:solidFill>
-                  <a:srgbClr val="000087"/>
-                </a:solidFill>
-                <a:latin typeface="Inconsolata" panose="020B0609030003000000" pitchFamily="49" charset="77"/>
-              </a:rPr>
-              <a:t>print(L</a:t>
-            </a:r>
-            <a:r>
-              <a:rPr lang="en-US" b="1" dirty="0">
-                <a:latin typeface="Inconsolata" panose="020B0609030003000000" pitchFamily="49" charset="77"/>
-              </a:rPr>
-              <a:t>[</a:t>
-            </a:r>
-            <a:r>
-              <a:rPr lang="en-US" b="1" dirty="0">
-                <a:solidFill>
-                  <a:srgbClr val="FF6600"/>
-                </a:solidFill>
-                <a:latin typeface="Inconsolata" panose="020B0609030003000000" pitchFamily="49" charset="77"/>
-              </a:rPr>
-              <a:t>0</a:t>
-            </a:r>
-            <a:r>
-              <a:rPr lang="en-US" b="1" dirty="0">
-                <a:latin typeface="Inconsolata" panose="020B0609030003000000" pitchFamily="49" charset="77"/>
-              </a:rPr>
-              <a:t>:</a:t>
-            </a:r>
-            <a:r>
-              <a:rPr lang="en-US" b="1" dirty="0">
-                <a:solidFill>
-                  <a:srgbClr val="FF6600"/>
-                </a:solidFill>
-                <a:latin typeface="Inconsolata" panose="020B0609030003000000" pitchFamily="49" charset="77"/>
-              </a:rPr>
-              <a:t>4</a:t>
-            </a:r>
-            <a:r>
-              <a:rPr lang="en-US" b="1" dirty="0">
-                <a:latin typeface="Inconsolata" panose="020B0609030003000000" pitchFamily="49" charset="77"/>
-              </a:rPr>
-              <a:t>:</a:t>
-            </a:r>
-            <a:r>
-              <a:rPr lang="en-US" b="1" dirty="0">
-                <a:solidFill>
-                  <a:srgbClr val="FF6600"/>
-                </a:solidFill>
-                <a:latin typeface="Inconsolata" panose="020B0609030003000000" pitchFamily="49" charset="77"/>
-              </a:rPr>
-              <a:t>2</a:t>
-            </a:r>
-            <a:r>
-              <a:rPr lang="en-US" b="1" dirty="0">
-                <a:latin typeface="Inconsolata" panose="020B0609030003000000" pitchFamily="49" charset="77"/>
-              </a:rPr>
-              <a:t>]) </a:t>
-            </a:r>
-            <a:r>
-              <a:rPr lang="en-US" b="1" dirty="0">
-                <a:solidFill>
-                  <a:srgbClr val="33566B"/>
-                </a:solidFill>
-                <a:latin typeface="Inconsolata" panose="020B0609030003000000" pitchFamily="49" charset="77"/>
-              </a:rPr>
-              <a:t>	# </a:t>
-            </a:r>
-            <a:r>
-              <a:rPr lang="en-US" b="1" dirty="0">
-                <a:latin typeface="Inconsolata" panose="020B0609030003000000" pitchFamily="49" charset="77"/>
-              </a:rPr>
-              <a:t>[1, 3] </a:t>
-            </a:r>
-          </a:p>
-          <a:p>
-            <a:pPr marL="0" indent="0">
-              <a:buNone/>
-            </a:pPr>
-            <a:r>
-              <a:rPr lang="en-US" b="1" dirty="0">
-                <a:solidFill>
-                  <a:srgbClr val="000087"/>
-                </a:solidFill>
-                <a:latin typeface="Inconsolata" panose="020B0609030003000000" pitchFamily="49" charset="77"/>
-              </a:rPr>
-              <a:t>print(L</a:t>
-            </a:r>
-            <a:r>
-              <a:rPr lang="en-US" b="1" dirty="0">
-                <a:latin typeface="Inconsolata" panose="020B0609030003000000" pitchFamily="49" charset="77"/>
-              </a:rPr>
-              <a:t>[:]) </a:t>
-            </a:r>
-            <a:r>
-              <a:rPr lang="en-US" b="1" dirty="0">
-                <a:solidFill>
-                  <a:srgbClr val="33566B"/>
-                </a:solidFill>
-                <a:latin typeface="Inconsolata" panose="020B0609030003000000" pitchFamily="49" charset="77"/>
-              </a:rPr>
-              <a:t>		# </a:t>
-            </a:r>
-            <a:r>
-              <a:rPr lang="en-US" b="1" dirty="0">
-                <a:latin typeface="Inconsolata" panose="020B0609030003000000" pitchFamily="49" charset="77"/>
-              </a:rPr>
-              <a:t>[1, 2, 3, 4, 5]</a:t>
-            </a:r>
-            <a:endParaRPr lang="en-US" b="1" dirty="0">
-              <a:solidFill>
-                <a:srgbClr val="000087"/>
-              </a:solidFill>
-              <a:latin typeface="Inconsolata" panose="020B0609030003000000" pitchFamily="49" charset="77"/>
-            </a:endParaRPr>
-          </a:p>
-          <a:p>
-            <a:pPr marL="0" indent="0">
-              <a:buNone/>
-            </a:pPr>
-            <a:r>
-              <a:rPr lang="en-US" b="1" dirty="0">
-                <a:solidFill>
-                  <a:srgbClr val="000087"/>
-                </a:solidFill>
-                <a:latin typeface="Inconsolata" panose="020B0609030003000000" pitchFamily="49" charset="77"/>
-              </a:rPr>
-              <a:t>print(L</a:t>
-            </a:r>
-            <a:r>
-              <a:rPr lang="en-US" b="1" dirty="0">
-                <a:latin typeface="Inconsolata" panose="020B0609030003000000" pitchFamily="49" charset="77"/>
-              </a:rPr>
-              <a:t>[::</a:t>
-            </a:r>
-            <a:r>
-              <a:rPr lang="en-US" b="1" dirty="0">
-                <a:solidFill>
-                  <a:srgbClr val="545454"/>
-                </a:solidFill>
-                <a:latin typeface="Inconsolata" panose="020B0609030003000000" pitchFamily="49" charset="77"/>
-              </a:rPr>
-              <a:t>-</a:t>
-            </a:r>
-            <a:r>
-              <a:rPr lang="en-US" b="1" dirty="0">
-                <a:solidFill>
-                  <a:srgbClr val="FF6600"/>
-                </a:solidFill>
-                <a:latin typeface="Inconsolata" panose="020B0609030003000000" pitchFamily="49" charset="77"/>
-              </a:rPr>
-              <a:t>1</a:t>
-            </a:r>
-            <a:r>
-              <a:rPr lang="en-US" b="1" dirty="0">
-                <a:latin typeface="Inconsolata" panose="020B0609030003000000" pitchFamily="49" charset="77"/>
-              </a:rPr>
-              <a:t>]) </a:t>
-            </a:r>
-            <a:r>
-              <a:rPr lang="en-US" b="1" dirty="0">
-                <a:solidFill>
-                  <a:srgbClr val="33566B"/>
-                </a:solidFill>
-                <a:latin typeface="Inconsolata" panose="020B0609030003000000" pitchFamily="49" charset="77"/>
-              </a:rPr>
-              <a:t>		# </a:t>
-            </a:r>
-            <a:r>
-              <a:rPr lang="en-US" b="1" dirty="0">
-                <a:latin typeface="Inconsolata" panose="020B0609030003000000" pitchFamily="49" charset="77"/>
-              </a:rPr>
-              <a:t>[5, 4, 3, 2, 1] </a:t>
-            </a:r>
-          </a:p>
-          <a:p>
-            <a:pPr marL="0" indent="0">
-              <a:buNone/>
-            </a:pPr>
-            <a:endParaRPr lang="en-US" b="1" dirty="0">
-              <a:solidFill>
-                <a:srgbClr val="000087"/>
-              </a:solidFill>
-              <a:latin typeface="Inconsolata" panose="020B0609030003000000" pitchFamily="49" charset="77"/>
-            </a:endParaRPr>
-          </a:p>
-        </p:txBody>
-      </p:sp>
-      <p:sp>
-        <p:nvSpPr>
-          <p:cNvPr id="3" name="TextBox 2">
-            <a:extLst>
-              <a:ext uri="{FF2B5EF4-FFF2-40B4-BE49-F238E27FC236}">
-                <a16:creationId xmlns:a16="http://schemas.microsoft.com/office/drawing/2014/main" id="{173E9F05-B64E-E749-8B7B-230BB7FDAB0C}"/>
-              </a:ext>
-            </a:extLst>
-          </p:cNvPr>
-          <p:cNvSpPr txBox="1"/>
-          <p:nvPr/>
-        </p:nvSpPr>
-        <p:spPr>
-          <a:xfrm>
-            <a:off x="8767985" y="2076628"/>
-            <a:ext cx="184731" cy="308418"/>
-          </a:xfrm>
-          <a:prstGeom prst="rect">
-            <a:avLst/>
-          </a:prstGeom>
-          <a:noFill/>
-        </p:spPr>
-        <p:txBody>
-          <a:bodyPr wrap="none" rtlCol="0">
-            <a:spAutoFit/>
-          </a:bodyPr>
-          <a:lstStyle/>
-          <a:p>
-            <a:endParaRPr lang="en-US" dirty="0"/>
-          </a:p>
-        </p:txBody>
-      </p:sp>
-    </p:spTree>
-    <p:extLst>
-      <p:ext uri="{BB962C8B-B14F-4D97-AF65-F5344CB8AC3E}">
-        <p14:creationId xmlns:p14="http://schemas.microsoft.com/office/powerpoint/2010/main" val="4250405753"/>
-      </p:ext>
-    </p:extLst>
-  </p:cSld>
-  <p:clrMapOvr>
-    <a:masterClrMapping/>
-  </p:clrMapOvr>
-</p:sld>
-</file>
-
-<file path=ppt/slides/slide11.xml><?xml version="1.0" encoding="utf-8"?>
-<p:sld xmlns:a="http://schemas.openxmlformats.org/drawingml/2006/main" xmlns:r="http://schemas.openxmlformats.org/officeDocument/2006/relationships" xmlns:p="http://schemas.openxmlformats.org/presentationml/2006/main">
-  <p:cSld>
-    <p:spTree>
-      <p:nvGrpSpPr>
-        <p:cNvPr id="1" name=""/>
-        <p:cNvGrpSpPr/>
-        <p:nvPr/>
-      </p:nvGrpSpPr>
-      <p:grpSpPr>
-        <a:xfrm>
-          <a:off x="0" y="0"/>
-          <a:ext cx="0" cy="0"/>
-          <a:chOff x="0" y="0"/>
-          <a:chExt cx="0" cy="0"/>
-        </a:xfrm>
-      </p:grpSpPr>
-      <p:sp>
-        <p:nvSpPr>
-          <p:cNvPr id="2" name="Title 1">
-            <a:extLst>
-              <a:ext uri="{FF2B5EF4-FFF2-40B4-BE49-F238E27FC236}">
-                <a16:creationId xmlns:a16="http://schemas.microsoft.com/office/drawing/2014/main" id="{AA3A228F-61D0-D949-A5E7-F83756230BF8}"/>
-              </a:ext>
-            </a:extLst>
-          </p:cNvPr>
-          <p:cNvSpPr>
-            <a:spLocks noGrp="1"/>
-          </p:cNvSpPr>
-          <p:nvPr>
-            <p:ph type="title"/>
-          </p:nvPr>
-        </p:nvSpPr>
-        <p:spPr>
-          <a:xfrm>
             <a:off x="144483" y="134008"/>
             <a:ext cx="7053542" cy="683886"/>
           </a:xfrm>
@@ -8126,7 +7525,7 @@
           <a:p>
             <a:fld id="{D57F1E4F-1CFF-5643-939E-02111984F565}" type="slidenum">
               <a:rPr lang="en-US" smtClean="0"/>
-              <a:t>11</a:t>
+              <a:t>10</a:t>
             </a:fld>
             <a:endParaRPr lang="en-US" dirty="0"/>
           </a:p>
@@ -8790,7 +8189,7 @@
 </p:sld>
 </file>
 
-<file path=ppt/slides/slide12.xml><?xml version="1.0" encoding="utf-8"?>
+<file path=ppt/slides/slide11.xml><?xml version="1.0" encoding="utf-8"?>
 <p:sld xmlns:a="http://schemas.openxmlformats.org/drawingml/2006/main" xmlns:r="http://schemas.openxmlformats.org/officeDocument/2006/relationships" xmlns:p="http://schemas.openxmlformats.org/presentationml/2006/main">
   <p:cSld>
     <p:spTree>
@@ -9189,7 +8588,7 @@
           <a:p>
             <a:fld id="{D57F1E4F-1CFF-5643-939E-02111984F565}" type="slidenum">
               <a:rPr lang="en-US" smtClean="0"/>
-              <a:t>12</a:t>
+              <a:t>11</a:t>
             </a:fld>
             <a:endParaRPr lang="en-US" dirty="0"/>
           </a:p>
@@ -9728,7 +9127,7 @@
 </p:sld>
 </file>
 
-<file path=ppt/slides/slide13.xml><?xml version="1.0" encoding="utf-8"?>
+<file path=ppt/slides/slide12.xml><?xml version="1.0" encoding="utf-8"?>
 <p:sld xmlns:a="http://schemas.openxmlformats.org/drawingml/2006/main" xmlns:r="http://schemas.openxmlformats.org/officeDocument/2006/relationships" xmlns:p="http://schemas.openxmlformats.org/presentationml/2006/main">
   <p:cSld>
     <p:spTree>
@@ -10185,7 +9584,7 @@
           <a:p>
             <a:fld id="{D57F1E4F-1CFF-5643-939E-02111984F565}" type="slidenum">
               <a:rPr lang="en-US" smtClean="0"/>
-              <a:t>13</a:t>
+              <a:t>12</a:t>
             </a:fld>
             <a:endParaRPr lang="en-US" dirty="0"/>
           </a:p>
@@ -10675,7 +10074,7 @@
 </p:sld>
 </file>
 
-<file path=ppt/slides/slide14.xml><?xml version="1.0" encoding="utf-8"?>
+<file path=ppt/slides/slide13.xml><?xml version="1.0" encoding="utf-8"?>
 <p:sld xmlns:a="http://schemas.openxmlformats.org/drawingml/2006/main" xmlns:r="http://schemas.openxmlformats.org/officeDocument/2006/relationships" xmlns:p="http://schemas.openxmlformats.org/presentationml/2006/main">
   <p:cSld>
     <p:spTree>
@@ -11009,7 +10408,7 @@
           <a:p>
             <a:fld id="{D57F1E4F-1CFF-5643-939E-02111984F565}" type="slidenum">
               <a:rPr lang="en-US" smtClean="0"/>
-              <a:t>14</a:t>
+              <a:t>13</a:t>
             </a:fld>
             <a:endParaRPr lang="en-US" dirty="0"/>
           </a:p>
@@ -11450,7 +10849,7 @@
 </p:sld>
 </file>
 
-<file path=ppt/slides/slide15.xml><?xml version="1.0" encoding="utf-8"?>
+<file path=ppt/slides/slide14.xml><?xml version="1.0" encoding="utf-8"?>
 <p:sld xmlns:a="http://schemas.openxmlformats.org/drawingml/2006/main" xmlns:r="http://schemas.openxmlformats.org/officeDocument/2006/relationships" xmlns:p="http://schemas.openxmlformats.org/presentationml/2006/main">
   <p:cSld>
     <p:spTree>
@@ -11937,7 +11336,7 @@
           <a:p>
             <a:fld id="{D57F1E4F-1CFF-5643-939E-02111984F565}" type="slidenum">
               <a:rPr lang="en-US" smtClean="0"/>
-              <a:t>15</a:t>
+              <a:t>14</a:t>
             </a:fld>
             <a:endParaRPr lang="en-US" dirty="0"/>
           </a:p>
@@ -12427,7 +11826,7 @@
 </p:sld>
 </file>
 
-<file path=ppt/slides/slide16.xml><?xml version="1.0" encoding="utf-8"?>
+<file path=ppt/slides/slide15.xml><?xml version="1.0" encoding="utf-8"?>
 <p:sld xmlns:a="http://schemas.openxmlformats.org/drawingml/2006/main" xmlns:r="http://schemas.openxmlformats.org/officeDocument/2006/relationships" xmlns:p="http://schemas.openxmlformats.org/presentationml/2006/main">
   <p:cSld>
     <p:spTree>
@@ -12589,7 +11988,7 @@
           <a:p>
             <a:fld id="{D57F1E4F-1CFF-5643-939E-02111984F565}" type="slidenum">
               <a:rPr lang="en-US" smtClean="0"/>
-              <a:t>16</a:t>
+              <a:t>15</a:t>
             </a:fld>
             <a:endParaRPr lang="en-US" dirty="0"/>
           </a:p>
@@ -12608,7 +12007,7 @@
 </p:sld>
 </file>
 
-<file path=ppt/slides/slide17.xml><?xml version="1.0" encoding="utf-8"?>
+<file path=ppt/slides/slide16.xml><?xml version="1.0" encoding="utf-8"?>
 <p:sld xmlns:a="http://schemas.openxmlformats.org/drawingml/2006/main" xmlns:r="http://schemas.openxmlformats.org/officeDocument/2006/relationships" xmlns:p="http://schemas.openxmlformats.org/presentationml/2006/main">
   <p:cSld>
     <p:spTree>
@@ -12920,7 +12319,7 @@
           <a:p>
             <a:fld id="{D57F1E4F-1CFF-5643-939E-02111984F565}" type="slidenum">
               <a:rPr lang="en-US" smtClean="0"/>
-              <a:t>17</a:t>
+              <a:t>16</a:t>
             </a:fld>
             <a:endParaRPr lang="en-US" dirty="0"/>
           </a:p>
@@ -13361,7 +12760,7 @@
 </p:sld>
 </file>
 
-<file path=ppt/slides/slide18.xml><?xml version="1.0" encoding="utf-8"?>
+<file path=ppt/slides/slide17.xml><?xml version="1.0" encoding="utf-8"?>
 <p:sld xmlns:a="http://schemas.openxmlformats.org/drawingml/2006/main" xmlns:r="http://schemas.openxmlformats.org/officeDocument/2006/relationships" xmlns:p="http://schemas.openxmlformats.org/presentationml/2006/main">
   <p:cSld>
     <p:spTree>
@@ -13894,7 +13293,7 @@
           <a:p>
             <a:fld id="{D57F1E4F-1CFF-5643-939E-02111984F565}" type="slidenum">
               <a:rPr lang="en-US" smtClean="0"/>
-              <a:t>18</a:t>
+              <a:t>17</a:t>
             </a:fld>
             <a:endParaRPr lang="en-US" dirty="0"/>
           </a:p>
@@ -14531,7 +13930,7 @@
 </p:sld>
 </file>
 
-<file path=ppt/slides/slide19.xml><?xml version="1.0" encoding="utf-8"?>
+<file path=ppt/slides/slide18.xml><?xml version="1.0" encoding="utf-8"?>
 <p:sld xmlns:a="http://schemas.openxmlformats.org/drawingml/2006/main" xmlns:r="http://schemas.openxmlformats.org/officeDocument/2006/relationships" xmlns:p="http://schemas.openxmlformats.org/presentationml/2006/main">
   <p:cSld>
     <p:spTree>
@@ -14975,7 +14374,7 @@
           <a:p>
             <a:fld id="{D57F1E4F-1CFF-5643-939E-02111984F565}" type="slidenum">
               <a:rPr lang="en-US" smtClean="0"/>
-              <a:t>19</a:t>
+              <a:t>18</a:t>
             </a:fld>
             <a:endParaRPr lang="en-US" dirty="0"/>
           </a:p>
@@ -15514,243 +14913,7 @@
 </p:sld>
 </file>
 
-<file path=ppt/slides/slide2.xml><?xml version="1.0" encoding="utf-8"?>
-<p:sld xmlns:a="http://schemas.openxmlformats.org/drawingml/2006/main" xmlns:r="http://schemas.openxmlformats.org/officeDocument/2006/relationships" xmlns:p="http://schemas.openxmlformats.org/presentationml/2006/main">
-  <p:cSld>
-    <p:spTree>
-      <p:nvGrpSpPr>
-        <p:cNvPr id="1" name=""/>
-        <p:cNvGrpSpPr/>
-        <p:nvPr/>
-      </p:nvGrpSpPr>
-      <p:grpSpPr>
-        <a:xfrm>
-          <a:off x="0" y="0"/>
-          <a:ext cx="0" cy="0"/>
-          <a:chOff x="0" y="0"/>
-          <a:chExt cx="0" cy="0"/>
-        </a:xfrm>
-      </p:grpSpPr>
-      <p:sp>
-        <p:nvSpPr>
-          <p:cNvPr id="2" name="Title 1">
-            <a:extLst>
-              <a:ext uri="{FF2B5EF4-FFF2-40B4-BE49-F238E27FC236}">
-                <a16:creationId xmlns:a16="http://schemas.microsoft.com/office/drawing/2014/main" id="{AA3A228F-61D0-D949-A5E7-F83756230BF8}"/>
-              </a:ext>
-            </a:extLst>
-          </p:cNvPr>
-          <p:cNvSpPr>
-            <a:spLocks noGrp="1"/>
-          </p:cNvSpPr>
-          <p:nvPr>
-            <p:ph type="title"/>
-          </p:nvPr>
-        </p:nvSpPr>
-        <p:spPr>
-          <a:xfrm>
-            <a:off x="483848" y="467027"/>
-            <a:ext cx="7053542" cy="683886"/>
-          </a:xfrm>
-        </p:spPr>
-        <p:txBody>
-          <a:bodyPr/>
-          <a:lstStyle/>
-          <a:p>
-            <a:r>
-              <a:rPr lang="en-US" dirty="0"/>
-              <a:t>Topics</a:t>
-            </a:r>
-          </a:p>
-        </p:txBody>
-      </p:sp>
-      <p:sp>
-        <p:nvSpPr>
-          <p:cNvPr id="9" name="Content Placeholder 8">
-            <a:extLst>
-              <a:ext uri="{FF2B5EF4-FFF2-40B4-BE49-F238E27FC236}">
-                <a16:creationId xmlns:a16="http://schemas.microsoft.com/office/drawing/2014/main" id="{E3B2E017-30B2-884B-A113-B419A2ED51AD}"/>
-              </a:ext>
-            </a:extLst>
-          </p:cNvPr>
-          <p:cNvSpPr>
-            <a:spLocks noGrp="1"/>
-          </p:cNvSpPr>
-          <p:nvPr>
-            <p:ph idx="1"/>
-          </p:nvPr>
-        </p:nvSpPr>
-        <p:spPr>
-          <a:xfrm>
-            <a:off x="483848" y="1288073"/>
-            <a:ext cx="8051725" cy="4303429"/>
-          </a:xfrm>
-        </p:spPr>
-        <p:txBody>
-          <a:bodyPr/>
-          <a:lstStyle/>
-          <a:p>
-            <a:pPr marL="0" indent="0">
-              <a:buNone/>
-            </a:pPr>
-            <a:endParaRPr lang="en-US" dirty="0">
-              <a:latin typeface="Gill Sans MT" panose="020B0502020104020203" pitchFamily="34" charset="77"/>
-            </a:endParaRPr>
-          </a:p>
-          <a:p>
-            <a:pPr marL="457200" indent="-457200">
-              <a:buAutoNum type="arabicParenR"/>
-            </a:pPr>
-            <a:r>
-              <a:rPr lang="en-US" dirty="0">
-                <a:latin typeface="Gill Sans MT" panose="020B0502020104020203" pitchFamily="34" charset="77"/>
-              </a:rPr>
-              <a:t>Lists</a:t>
-            </a:r>
-          </a:p>
-          <a:p>
-            <a:pPr marL="457200" indent="-457200">
-              <a:buAutoNum type="arabicParenR"/>
-            </a:pPr>
-            <a:r>
-              <a:rPr lang="en-US" sz="2000" dirty="0">
-                <a:latin typeface="Gill Sans MT" panose="020B0502020104020203" pitchFamily="34" charset="77"/>
-              </a:rPr>
-              <a:t>List indexing</a:t>
-            </a:r>
-          </a:p>
-          <a:p>
-            <a:pPr marL="457200" indent="-457200">
-              <a:buAutoNum type="arabicParenR"/>
-            </a:pPr>
-            <a:r>
-              <a:rPr lang="en-US" sz="2000" dirty="0">
-                <a:latin typeface="Gill Sans MT" panose="020B0502020104020203" pitchFamily="34" charset="77"/>
-              </a:rPr>
-              <a:t>Traversing and modifying a list</a:t>
-            </a:r>
-          </a:p>
-          <a:p>
-            <a:pPr marL="457200" indent="-457200">
-              <a:buAutoNum type="arabicParenR"/>
-            </a:pPr>
-            <a:r>
-              <a:rPr lang="en-US" sz="2000" dirty="0">
-                <a:latin typeface="Gill Sans MT" panose="020B0502020104020203" pitchFamily="34" charset="77"/>
-              </a:rPr>
-              <a:t>Summing a list</a:t>
-            </a:r>
-          </a:p>
-          <a:p>
-            <a:pPr marL="457200" indent="-457200">
-              <a:buAutoNum type="arabicParenR"/>
-            </a:pPr>
-            <a:r>
-              <a:rPr lang="en-US" sz="2000" dirty="0">
-                <a:latin typeface="Gill Sans MT" panose="020B0502020104020203" pitchFamily="34" charset="77"/>
-              </a:rPr>
-              <a:t>Maximum/Minimum of a list</a:t>
-            </a:r>
-          </a:p>
-          <a:p>
-            <a:pPr marL="457200" indent="-457200">
-              <a:buAutoNum type="arabicParenR"/>
-            </a:pPr>
-            <a:r>
-              <a:rPr lang="en-US" sz="2000">
-                <a:latin typeface="Gill Sans MT" panose="020B0502020104020203" pitchFamily="34" charset="77"/>
-              </a:rPr>
-              <a:t>List Methods</a:t>
-            </a:r>
-            <a:endParaRPr lang="en-US" sz="2000" dirty="0">
-              <a:latin typeface="Gill Sans MT" panose="020B0502020104020203" pitchFamily="34" charset="77"/>
-            </a:endParaRPr>
-          </a:p>
-          <a:p>
-            <a:pPr marL="0" indent="0">
-              <a:buNone/>
-            </a:pPr>
-            <a:endParaRPr lang="en-US" dirty="0">
-              <a:latin typeface="Gill Sans MT" panose="020B0502020104020203" pitchFamily="34" charset="77"/>
-            </a:endParaRPr>
-          </a:p>
-          <a:p>
-            <a:pPr marL="457200" indent="-457200">
-              <a:buAutoNum type="arabicParenR"/>
-            </a:pPr>
-            <a:endParaRPr lang="en-US" dirty="0">
-              <a:latin typeface="Gill Sans MT" panose="020B0502020104020203" pitchFamily="34" charset="77"/>
-            </a:endParaRPr>
-          </a:p>
-          <a:p>
-            <a:pPr marL="457200" indent="-457200">
-              <a:buAutoNum type="arabicParenR"/>
-            </a:pPr>
-            <a:endParaRPr lang="en-US" dirty="0">
-              <a:latin typeface="Gill Sans MT" panose="020B0502020104020203" pitchFamily="34" charset="77"/>
-            </a:endParaRPr>
-          </a:p>
-          <a:p>
-            <a:pPr marL="0" indent="0">
-              <a:buNone/>
-            </a:pPr>
-            <a:endParaRPr lang="en-US" dirty="0">
-              <a:latin typeface="Gill Sans MT" panose="020B0502020104020203" pitchFamily="34" charset="77"/>
-            </a:endParaRPr>
-          </a:p>
-          <a:p>
-            <a:pPr marL="0" indent="0">
-              <a:buNone/>
-            </a:pPr>
-            <a:endParaRPr lang="en-US" b="1" dirty="0">
-              <a:latin typeface="Gill Sans MT" panose="020B0502020104020203" pitchFamily="34" charset="77"/>
-            </a:endParaRPr>
-          </a:p>
-        </p:txBody>
-      </p:sp>
-      <p:sp>
-        <p:nvSpPr>
-          <p:cNvPr id="3" name="Slide Number Placeholder 2">
-            <a:extLst>
-              <a:ext uri="{FF2B5EF4-FFF2-40B4-BE49-F238E27FC236}">
-                <a16:creationId xmlns:a16="http://schemas.microsoft.com/office/drawing/2014/main" id="{AB4498B4-2671-F84E-A06A-E8154979A877}"/>
-              </a:ext>
-            </a:extLst>
-          </p:cNvPr>
-          <p:cNvSpPr>
-            <a:spLocks noGrp="1"/>
-          </p:cNvSpPr>
-          <p:nvPr>
-            <p:ph type="sldNum" sz="quarter" idx="12"/>
-          </p:nvPr>
-        </p:nvSpPr>
-        <p:spPr/>
-        <p:txBody>
-          <a:bodyPr/>
-          <a:lstStyle/>
-          <a:p>
-            <a:fld id="{D57F1E4F-1CFF-5643-939E-02111984F565}" type="slidenum">
-              <a:rPr lang="en-US" smtClean="0"/>
-              <a:t>2</a:t>
-            </a:fld>
-            <a:endParaRPr lang="en-US" dirty="0"/>
-          </a:p>
-        </p:txBody>
-      </p:sp>
-    </p:spTree>
-    <p:extLst>
-      <p:ext uri="{BB962C8B-B14F-4D97-AF65-F5344CB8AC3E}">
-        <p14:creationId xmlns:p14="http://schemas.microsoft.com/office/powerpoint/2010/main" val="131840209"/>
-      </p:ext>
-    </p:extLst>
-  </p:cSld>
-  <p:clrMapOvr>
-    <a:masterClrMapping/>
-  </p:clrMapOvr>
-</p:sld>
-</file>
-
-<file path=ppt/slides/slide20.xml><?xml version="1.0" encoding="utf-8"?>
+<file path=ppt/slides/slide19.xml><?xml version="1.0" encoding="utf-8"?>
 <p:sld xmlns:a="http://schemas.openxmlformats.org/drawingml/2006/main" xmlns:r="http://schemas.openxmlformats.org/officeDocument/2006/relationships" xmlns:p="http://schemas.openxmlformats.org/presentationml/2006/main">
   <p:cSld>
     <p:spTree>
@@ -16081,7 +15244,7 @@
           <a:p>
             <a:fld id="{D57F1E4F-1CFF-5643-939E-02111984F565}" type="slidenum">
               <a:rPr lang="en-US" smtClean="0"/>
-              <a:t>20</a:t>
+              <a:t>19</a:t>
             </a:fld>
             <a:endParaRPr lang="en-US" dirty="0"/>
           </a:p>
@@ -16522,7 +15685,243 @@
 </p:sld>
 </file>
 
-<file path=ppt/slides/slide21.xml><?xml version="1.0" encoding="utf-8"?>
+<file path=ppt/slides/slide2.xml><?xml version="1.0" encoding="utf-8"?>
+<p:sld xmlns:a="http://schemas.openxmlformats.org/drawingml/2006/main" xmlns:r="http://schemas.openxmlformats.org/officeDocument/2006/relationships" xmlns:p="http://schemas.openxmlformats.org/presentationml/2006/main">
+  <p:cSld>
+    <p:spTree>
+      <p:nvGrpSpPr>
+        <p:cNvPr id="1" name=""/>
+        <p:cNvGrpSpPr/>
+        <p:nvPr/>
+      </p:nvGrpSpPr>
+      <p:grpSpPr>
+        <a:xfrm>
+          <a:off x="0" y="0"/>
+          <a:ext cx="0" cy="0"/>
+          <a:chOff x="0" y="0"/>
+          <a:chExt cx="0" cy="0"/>
+        </a:xfrm>
+      </p:grpSpPr>
+      <p:sp>
+        <p:nvSpPr>
+          <p:cNvPr id="2" name="Title 1">
+            <a:extLst>
+              <a:ext uri="{FF2B5EF4-FFF2-40B4-BE49-F238E27FC236}">
+                <a16:creationId xmlns:a16="http://schemas.microsoft.com/office/drawing/2014/main" id="{AA3A228F-61D0-D949-A5E7-F83756230BF8}"/>
+              </a:ext>
+            </a:extLst>
+          </p:cNvPr>
+          <p:cNvSpPr>
+            <a:spLocks noGrp="1"/>
+          </p:cNvSpPr>
+          <p:nvPr>
+            <p:ph type="title"/>
+          </p:nvPr>
+        </p:nvSpPr>
+        <p:spPr>
+          <a:xfrm>
+            <a:off x="483848" y="467027"/>
+            <a:ext cx="7053542" cy="683886"/>
+          </a:xfrm>
+        </p:spPr>
+        <p:txBody>
+          <a:bodyPr/>
+          <a:lstStyle/>
+          <a:p>
+            <a:r>
+              <a:rPr lang="en-US" dirty="0"/>
+              <a:t>Topics</a:t>
+            </a:r>
+          </a:p>
+        </p:txBody>
+      </p:sp>
+      <p:sp>
+        <p:nvSpPr>
+          <p:cNvPr id="9" name="Content Placeholder 8">
+            <a:extLst>
+              <a:ext uri="{FF2B5EF4-FFF2-40B4-BE49-F238E27FC236}">
+                <a16:creationId xmlns:a16="http://schemas.microsoft.com/office/drawing/2014/main" id="{E3B2E017-30B2-884B-A113-B419A2ED51AD}"/>
+              </a:ext>
+            </a:extLst>
+          </p:cNvPr>
+          <p:cNvSpPr>
+            <a:spLocks noGrp="1"/>
+          </p:cNvSpPr>
+          <p:nvPr>
+            <p:ph idx="1"/>
+          </p:nvPr>
+        </p:nvSpPr>
+        <p:spPr>
+          <a:xfrm>
+            <a:off x="483848" y="1288073"/>
+            <a:ext cx="8051725" cy="4303429"/>
+          </a:xfrm>
+        </p:spPr>
+        <p:txBody>
+          <a:bodyPr/>
+          <a:lstStyle/>
+          <a:p>
+            <a:pPr marL="0" indent="0">
+              <a:buNone/>
+            </a:pPr>
+            <a:endParaRPr lang="en-US" dirty="0">
+              <a:latin typeface="Gill Sans MT" panose="020B0502020104020203" pitchFamily="34" charset="77"/>
+            </a:endParaRPr>
+          </a:p>
+          <a:p>
+            <a:pPr marL="457200" indent="-457200">
+              <a:buAutoNum type="arabicParenR"/>
+            </a:pPr>
+            <a:r>
+              <a:rPr lang="en-US" dirty="0">
+                <a:latin typeface="Gill Sans MT" panose="020B0502020104020203" pitchFamily="34" charset="77"/>
+              </a:rPr>
+              <a:t>Lists</a:t>
+            </a:r>
+          </a:p>
+          <a:p>
+            <a:pPr marL="457200" indent="-457200">
+              <a:buAutoNum type="arabicParenR"/>
+            </a:pPr>
+            <a:r>
+              <a:rPr lang="en-US" sz="2000" dirty="0">
+                <a:latin typeface="Gill Sans MT" panose="020B0502020104020203" pitchFamily="34" charset="77"/>
+              </a:rPr>
+              <a:t>List indexing</a:t>
+            </a:r>
+          </a:p>
+          <a:p>
+            <a:pPr marL="457200" indent="-457200">
+              <a:buAutoNum type="arabicParenR"/>
+            </a:pPr>
+            <a:r>
+              <a:rPr lang="en-US" sz="2000" dirty="0">
+                <a:latin typeface="Gill Sans MT" panose="020B0502020104020203" pitchFamily="34" charset="77"/>
+              </a:rPr>
+              <a:t>Traversing and modifying a list</a:t>
+            </a:r>
+          </a:p>
+          <a:p>
+            <a:pPr marL="457200" indent="-457200">
+              <a:buAutoNum type="arabicParenR"/>
+            </a:pPr>
+            <a:r>
+              <a:rPr lang="en-US" sz="2000" dirty="0">
+                <a:latin typeface="Gill Sans MT" panose="020B0502020104020203" pitchFamily="34" charset="77"/>
+              </a:rPr>
+              <a:t>Summing a list</a:t>
+            </a:r>
+          </a:p>
+          <a:p>
+            <a:pPr marL="457200" indent="-457200">
+              <a:buAutoNum type="arabicParenR"/>
+            </a:pPr>
+            <a:r>
+              <a:rPr lang="en-US" sz="2000" dirty="0">
+                <a:latin typeface="Gill Sans MT" panose="020B0502020104020203" pitchFamily="34" charset="77"/>
+              </a:rPr>
+              <a:t>Maximum/Minimum of a list</a:t>
+            </a:r>
+          </a:p>
+          <a:p>
+            <a:pPr marL="457200" indent="-457200">
+              <a:buAutoNum type="arabicParenR"/>
+            </a:pPr>
+            <a:r>
+              <a:rPr lang="en-US" sz="2000">
+                <a:latin typeface="Gill Sans MT" panose="020B0502020104020203" pitchFamily="34" charset="77"/>
+              </a:rPr>
+              <a:t>List Methods</a:t>
+            </a:r>
+            <a:endParaRPr lang="en-US" sz="2000" dirty="0">
+              <a:latin typeface="Gill Sans MT" panose="020B0502020104020203" pitchFamily="34" charset="77"/>
+            </a:endParaRPr>
+          </a:p>
+          <a:p>
+            <a:pPr marL="0" indent="0">
+              <a:buNone/>
+            </a:pPr>
+            <a:endParaRPr lang="en-US" dirty="0">
+              <a:latin typeface="Gill Sans MT" panose="020B0502020104020203" pitchFamily="34" charset="77"/>
+            </a:endParaRPr>
+          </a:p>
+          <a:p>
+            <a:pPr marL="457200" indent="-457200">
+              <a:buAutoNum type="arabicParenR"/>
+            </a:pPr>
+            <a:endParaRPr lang="en-US" dirty="0">
+              <a:latin typeface="Gill Sans MT" panose="020B0502020104020203" pitchFamily="34" charset="77"/>
+            </a:endParaRPr>
+          </a:p>
+          <a:p>
+            <a:pPr marL="457200" indent="-457200">
+              <a:buAutoNum type="arabicParenR"/>
+            </a:pPr>
+            <a:endParaRPr lang="en-US" dirty="0">
+              <a:latin typeface="Gill Sans MT" panose="020B0502020104020203" pitchFamily="34" charset="77"/>
+            </a:endParaRPr>
+          </a:p>
+          <a:p>
+            <a:pPr marL="0" indent="0">
+              <a:buNone/>
+            </a:pPr>
+            <a:endParaRPr lang="en-US" dirty="0">
+              <a:latin typeface="Gill Sans MT" panose="020B0502020104020203" pitchFamily="34" charset="77"/>
+            </a:endParaRPr>
+          </a:p>
+          <a:p>
+            <a:pPr marL="0" indent="0">
+              <a:buNone/>
+            </a:pPr>
+            <a:endParaRPr lang="en-US" b="1" dirty="0">
+              <a:latin typeface="Gill Sans MT" panose="020B0502020104020203" pitchFamily="34" charset="77"/>
+            </a:endParaRPr>
+          </a:p>
+        </p:txBody>
+      </p:sp>
+      <p:sp>
+        <p:nvSpPr>
+          <p:cNvPr id="3" name="Slide Number Placeholder 2">
+            <a:extLst>
+              <a:ext uri="{FF2B5EF4-FFF2-40B4-BE49-F238E27FC236}">
+                <a16:creationId xmlns:a16="http://schemas.microsoft.com/office/drawing/2014/main" id="{AB4498B4-2671-F84E-A06A-E8154979A877}"/>
+              </a:ext>
+            </a:extLst>
+          </p:cNvPr>
+          <p:cNvSpPr>
+            <a:spLocks noGrp="1"/>
+          </p:cNvSpPr>
+          <p:nvPr>
+            <p:ph type="sldNum" sz="quarter" idx="12"/>
+          </p:nvPr>
+        </p:nvSpPr>
+        <p:spPr/>
+        <p:txBody>
+          <a:bodyPr/>
+          <a:lstStyle/>
+          <a:p>
+            <a:fld id="{D57F1E4F-1CFF-5643-939E-02111984F565}" type="slidenum">
+              <a:rPr lang="en-US" smtClean="0"/>
+              <a:t>2</a:t>
+            </a:fld>
+            <a:endParaRPr lang="en-US" dirty="0"/>
+          </a:p>
+        </p:txBody>
+      </p:sp>
+    </p:spTree>
+    <p:extLst>
+      <p:ext uri="{BB962C8B-B14F-4D97-AF65-F5344CB8AC3E}">
+        <p14:creationId xmlns:p14="http://schemas.microsoft.com/office/powerpoint/2010/main" val="131840209"/>
+      </p:ext>
+    </p:extLst>
+  </p:cSld>
+  <p:clrMapOvr>
+    <a:masterClrMapping/>
+  </p:clrMapOvr>
+</p:sld>
+</file>
+
+<file path=ppt/slides/slide20.xml><?xml version="1.0" encoding="utf-8"?>
 <p:sld xmlns:a="http://schemas.openxmlformats.org/drawingml/2006/main" xmlns:r="http://schemas.openxmlformats.org/officeDocument/2006/relationships" xmlns:p="http://schemas.openxmlformats.org/presentationml/2006/main">
   <p:cSld>
     <p:spTree>
@@ -17120,7 +16519,7 @@
           <a:p>
             <a:fld id="{D57F1E4F-1CFF-5643-939E-02111984F565}" type="slidenum">
               <a:rPr lang="en-US" smtClean="0"/>
-              <a:t>21</a:t>
+              <a:t>20</a:t>
             </a:fld>
             <a:endParaRPr lang="en-US" dirty="0"/>
           </a:p>
@@ -17707,7 +17106,7 @@
 </p:sld>
 </file>
 
-<file path=ppt/slides/slide22.xml><?xml version="1.0" encoding="utf-8"?>
+<file path=ppt/slides/slide21.xml><?xml version="1.0" encoding="utf-8"?>
 <p:sld xmlns:a="http://schemas.openxmlformats.org/drawingml/2006/main" xmlns:r="http://schemas.openxmlformats.org/officeDocument/2006/relationships" xmlns:p="http://schemas.openxmlformats.org/presentationml/2006/main">
   <p:cSld>
     <p:spTree>
@@ -18264,7 +17663,7 @@
           <a:p>
             <a:fld id="{D57F1E4F-1CFF-5643-939E-02111984F565}" type="slidenum">
               <a:rPr lang="en-US" smtClean="0"/>
-              <a:t>22</a:t>
+              <a:t>21</a:t>
             </a:fld>
             <a:endParaRPr lang="en-US" dirty="0"/>
           </a:p>
@@ -18803,7 +18202,7 @@
 </p:sld>
 </file>
 
-<file path=ppt/slides/slide23.xml><?xml version="1.0" encoding="utf-8"?>
+<file path=ppt/slides/slide22.xml><?xml version="1.0" encoding="utf-8"?>
 <p:sld xmlns:a="http://schemas.openxmlformats.org/drawingml/2006/main" xmlns:r="http://schemas.openxmlformats.org/officeDocument/2006/relationships" xmlns:p="http://schemas.openxmlformats.org/presentationml/2006/main">
   <p:cSld>
     <p:spTree>
@@ -19187,7 +18586,7 @@
           <a:p>
             <a:fld id="{D57F1E4F-1CFF-5643-939E-02111984F565}" type="slidenum">
               <a:rPr lang="en-US" smtClean="0"/>
-              <a:t>23</a:t>
+              <a:t>22</a:t>
             </a:fld>
             <a:endParaRPr lang="en-US" dirty="0"/>
           </a:p>
@@ -19206,7 +18605,7 @@
 </p:sld>
 </file>
 
-<file path=ppt/slides/slide24.xml><?xml version="1.0" encoding="utf-8"?>
+<file path=ppt/slides/slide23.xml><?xml version="1.0" encoding="utf-8"?>
 <p:sld xmlns:a="http://schemas.openxmlformats.org/drawingml/2006/main" xmlns:r="http://schemas.openxmlformats.org/officeDocument/2006/relationships" xmlns:p="http://schemas.openxmlformats.org/presentationml/2006/main">
   <p:cSld>
     <p:spTree>
@@ -19677,7 +19076,7 @@
           <a:p>
             <a:fld id="{D57F1E4F-1CFF-5643-939E-02111984F565}" type="slidenum">
               <a:rPr lang="en-US" smtClean="0"/>
-              <a:t>24</a:t>
+              <a:t>23</a:t>
             </a:fld>
             <a:endParaRPr lang="en-US" dirty="0"/>
           </a:p>
@@ -20020,7 +19419,7 @@
 </p:sld>
 </file>
 
-<file path=ppt/slides/slide25.xml><?xml version="1.0" encoding="utf-8"?>
+<file path=ppt/slides/slide24.xml><?xml version="1.0" encoding="utf-8"?>
 <p:sld xmlns:a="http://schemas.openxmlformats.org/drawingml/2006/main" xmlns:r="http://schemas.openxmlformats.org/officeDocument/2006/relationships" xmlns:p="http://schemas.openxmlformats.org/presentationml/2006/main">
   <p:cSld>
     <p:spTree>
@@ -20556,7 +19955,7 @@
           <a:p>
             <a:fld id="{D57F1E4F-1CFF-5643-939E-02111984F565}" type="slidenum">
               <a:rPr lang="en-US" smtClean="0"/>
-              <a:t>25</a:t>
+              <a:t>24</a:t>
             </a:fld>
             <a:endParaRPr lang="en-US" dirty="0"/>
           </a:p>
@@ -20992,7 +20391,7 @@
 </p:sld>
 </file>
 
-<file path=ppt/slides/slide26.xml><?xml version="1.0" encoding="utf-8"?>
+<file path=ppt/slides/slide25.xml><?xml version="1.0" encoding="utf-8"?>
 <p:sld xmlns:a="http://schemas.openxmlformats.org/drawingml/2006/main" xmlns:r="http://schemas.openxmlformats.org/officeDocument/2006/relationships" xmlns:p="http://schemas.openxmlformats.org/presentationml/2006/main">
   <p:cSld>
     <p:spTree>
@@ -21246,7 +20645,7 @@
           <a:p>
             <a:fld id="{D57F1E4F-1CFF-5643-939E-02111984F565}" type="slidenum">
               <a:rPr lang="en-US" smtClean="0"/>
-              <a:t>26</a:t>
+              <a:t>25</a:t>
             </a:fld>
             <a:endParaRPr lang="en-US" dirty="0"/>
           </a:p>
@@ -21535,7 +20934,7 @@
 </p:sld>
 </file>
 
-<file path=ppt/slides/slide27.xml><?xml version="1.0" encoding="utf-8"?>
+<file path=ppt/slides/slide26.xml><?xml version="1.0" encoding="utf-8"?>
 <p:sld xmlns:a="http://schemas.openxmlformats.org/drawingml/2006/main" xmlns:r="http://schemas.openxmlformats.org/officeDocument/2006/relationships" xmlns:p="http://schemas.openxmlformats.org/presentationml/2006/main">
   <p:cSld>
     <p:spTree>
@@ -21919,7 +21318,7 @@
           <a:p>
             <a:fld id="{D57F1E4F-1CFF-5643-939E-02111984F565}" type="slidenum">
               <a:rPr lang="en-US" smtClean="0"/>
-              <a:t>27</a:t>
+              <a:t>26</a:t>
             </a:fld>
             <a:endParaRPr lang="en-US" dirty="0"/>
           </a:p>
@@ -22355,7 +21754,7 @@
 </p:sld>
 </file>
 
-<file path=ppt/slides/slide28.xml><?xml version="1.0" encoding="utf-8"?>
+<file path=ppt/slides/slide27.xml><?xml version="1.0" encoding="utf-8"?>
 <p:sld xmlns:a="http://schemas.openxmlformats.org/drawingml/2006/main" xmlns:r="http://schemas.openxmlformats.org/officeDocument/2006/relationships" xmlns:p="http://schemas.openxmlformats.org/presentationml/2006/main">
   <p:cSld>
     <p:spTree>
@@ -22541,7 +21940,7 @@
           <a:p>
             <a:fld id="{D57F1E4F-1CFF-5643-939E-02111984F565}" type="slidenum">
               <a:rPr lang="en-US" smtClean="0"/>
-              <a:t>28</a:t>
+              <a:t>27</a:t>
             </a:fld>
             <a:endParaRPr lang="en-US" dirty="0"/>
           </a:p>
@@ -22551,6 +21950,219 @@
     <p:extLst>
       <p:ext uri="{BB962C8B-B14F-4D97-AF65-F5344CB8AC3E}">
         <p14:creationId xmlns:p14="http://schemas.microsoft.com/office/powerpoint/2010/main" val="2050208201"/>
+      </p:ext>
+    </p:extLst>
+  </p:cSld>
+  <p:clrMapOvr>
+    <a:masterClrMapping/>
+  </p:clrMapOvr>
+</p:sld>
+</file>
+
+<file path=ppt/slides/slide28.xml><?xml version="1.0" encoding="utf-8"?>
+<p:sld xmlns:a="http://schemas.openxmlformats.org/drawingml/2006/main" xmlns:r="http://schemas.openxmlformats.org/officeDocument/2006/relationships" xmlns:p="http://schemas.openxmlformats.org/presentationml/2006/main">
+  <p:cSld>
+    <p:spTree>
+      <p:nvGrpSpPr>
+        <p:cNvPr id="1" name=""/>
+        <p:cNvGrpSpPr/>
+        <p:nvPr/>
+      </p:nvGrpSpPr>
+      <p:grpSpPr>
+        <a:xfrm>
+          <a:off x="0" y="0"/>
+          <a:ext cx="0" cy="0"/>
+          <a:chOff x="0" y="0"/>
+          <a:chExt cx="0" cy="0"/>
+        </a:xfrm>
+      </p:grpSpPr>
+      <p:sp>
+        <p:nvSpPr>
+          <p:cNvPr id="2" name="Title 1">
+            <a:extLst>
+              <a:ext uri="{FF2B5EF4-FFF2-40B4-BE49-F238E27FC236}">
+                <a16:creationId xmlns:a16="http://schemas.microsoft.com/office/drawing/2014/main" id="{AA3A228F-61D0-D949-A5E7-F83756230BF8}"/>
+              </a:ext>
+            </a:extLst>
+          </p:cNvPr>
+          <p:cNvSpPr>
+            <a:spLocks noGrp="1"/>
+          </p:cNvSpPr>
+          <p:nvPr>
+            <p:ph type="title"/>
+          </p:nvPr>
+        </p:nvSpPr>
+        <p:spPr>
+          <a:xfrm>
+            <a:off x="174929" y="145751"/>
+            <a:ext cx="7053542" cy="683886"/>
+          </a:xfrm>
+        </p:spPr>
+        <p:txBody>
+          <a:bodyPr/>
+          <a:lstStyle/>
+          <a:p>
+            <a:r>
+              <a:rPr lang="en-US" dirty="0"/>
+              <a:t>Lab 2</a:t>
+            </a:r>
+          </a:p>
+        </p:txBody>
+      </p:sp>
+      <p:sp>
+        <p:nvSpPr>
+          <p:cNvPr id="9" name="Content Placeholder 8">
+            <a:extLst>
+              <a:ext uri="{FF2B5EF4-FFF2-40B4-BE49-F238E27FC236}">
+                <a16:creationId xmlns:a16="http://schemas.microsoft.com/office/drawing/2014/main" id="{E3B2E017-30B2-884B-A113-B419A2ED51AD}"/>
+              </a:ext>
+            </a:extLst>
+          </p:cNvPr>
+          <p:cNvSpPr>
+            <a:spLocks noGrp="1"/>
+          </p:cNvSpPr>
+          <p:nvPr>
+            <p:ph idx="1"/>
+          </p:nvPr>
+        </p:nvSpPr>
+        <p:spPr>
+          <a:xfrm>
+            <a:off x="308920" y="926758"/>
+            <a:ext cx="8226654" cy="4788242"/>
+          </a:xfrm>
+        </p:spPr>
+        <p:txBody>
+          <a:bodyPr>
+            <a:noAutofit/>
+          </a:bodyPr>
+          <a:lstStyle/>
+          <a:p>
+            <a:pPr marL="0" indent="0">
+              <a:buNone/>
+            </a:pPr>
+            <a:r>
+              <a:rPr lang="en-US" dirty="0"/>
+              <a:t>Create a new </a:t>
+            </a:r>
+            <a:r>
+              <a:rPr lang="en-US" dirty="0" err="1"/>
+              <a:t>repl</a:t>
+            </a:r>
+            <a:r>
+              <a:rPr lang="en-US" dirty="0"/>
+              <a:t> on </a:t>
+            </a:r>
+            <a:r>
+              <a:rPr lang="en-US" dirty="0" err="1"/>
+              <a:t>repl.it</a:t>
+            </a:r>
+            <a:r>
+              <a:rPr lang="en-US" dirty="0"/>
+              <a:t> Use list comprehensions to create the following lists.</a:t>
+            </a:r>
+            <a:endParaRPr lang="en-US" b="1" dirty="0">
+              <a:latin typeface="Inconsolata" panose="020B0609030003000000" pitchFamily="49" charset="77"/>
+            </a:endParaRPr>
+          </a:p>
+          <a:p>
+            <a:pPr marL="457200" indent="-457200">
+              <a:buAutoNum type="arabicParenR"/>
+            </a:pPr>
+            <a:r>
+              <a:rPr lang="en-US" b="1" dirty="0">
+                <a:latin typeface="Inconsolata" panose="020B0609030003000000" pitchFamily="49" charset="77"/>
+              </a:rPr>
+              <a:t>[2,4,6,8,10,…,20]</a:t>
+            </a:r>
+          </a:p>
+          <a:p>
+            <a:pPr marL="457200" indent="-457200">
+              <a:buAutoNum type="arabicParenR"/>
+            </a:pPr>
+            <a:r>
+              <a:rPr lang="en-US" b="1" dirty="0">
+                <a:latin typeface="Inconsolata" panose="020B0609030003000000" pitchFamily="49" charset="77"/>
+              </a:rPr>
+              <a:t>[1,8,27,64,125]</a:t>
+            </a:r>
+          </a:p>
+          <a:p>
+            <a:pPr marL="457200" indent="-457200">
+              <a:buAutoNum type="arabicParenR"/>
+            </a:pPr>
+            <a:r>
+              <a:rPr lang="en-US" b="1" dirty="0">
+                <a:latin typeface="Inconsolata" panose="020B0609030003000000" pitchFamily="49" charset="77"/>
+              </a:rPr>
+              <a:t>[0.5,1.0,1.5,2.0,2.5,3.0]</a:t>
+            </a:r>
+          </a:p>
+          <a:p>
+            <a:pPr marL="457200" indent="-457200">
+              <a:buAutoNum type="arabicParenR"/>
+            </a:pPr>
+            <a:r>
+              <a:rPr lang="en-US" b="1" dirty="0">
+                <a:latin typeface="Inconsolata" panose="020B0609030003000000" pitchFamily="49" charset="77"/>
+              </a:rPr>
+              <a:t>['1','2','3','4','5']</a:t>
+            </a:r>
+          </a:p>
+          <a:p>
+            <a:pPr marL="457200" indent="-457200">
+              <a:buAutoNum type="arabicParenR"/>
+            </a:pPr>
+            <a:r>
+              <a:rPr lang="en-US" b="1" dirty="0">
+                <a:latin typeface="Inconsolata" panose="020B0609030003000000" pitchFamily="49" charset="77"/>
+              </a:rPr>
+              <a:t>[1,3,5,7,9,…,99]. Must use condition in the list </a:t>
+            </a:r>
+            <a:r>
+              <a:rPr lang="en-US" b="1">
+                <a:latin typeface="Inconsolata" panose="020B0609030003000000" pitchFamily="49" charset="77"/>
+              </a:rPr>
+              <a:t>comprehension.</a:t>
+            </a:r>
+            <a:endParaRPr lang="en-US" b="1" dirty="0">
+              <a:latin typeface="Inconsolata" panose="020B0609030003000000" pitchFamily="49" charset="77"/>
+            </a:endParaRPr>
+          </a:p>
+        </p:txBody>
+      </p:sp>
+      <p:sp>
+        <p:nvSpPr>
+          <p:cNvPr id="3" name="Slide Number Placeholder 2">
+            <a:extLst>
+              <a:ext uri="{FF2B5EF4-FFF2-40B4-BE49-F238E27FC236}">
+                <a16:creationId xmlns:a16="http://schemas.microsoft.com/office/drawing/2014/main" id="{39D700A7-D1AC-AD43-8C1D-E59396E5DFAA}"/>
+              </a:ext>
+            </a:extLst>
+          </p:cNvPr>
+          <p:cNvSpPr>
+            <a:spLocks noGrp="1"/>
+          </p:cNvSpPr>
+          <p:nvPr>
+            <p:ph type="sldNum" sz="quarter" idx="12"/>
+          </p:nvPr>
+        </p:nvSpPr>
+        <p:spPr/>
+        <p:txBody>
+          <a:bodyPr/>
+          <a:lstStyle/>
+          <a:p>
+            <a:fld id="{D57F1E4F-1CFF-5643-939E-02111984F565}" type="slidenum">
+              <a:rPr lang="en-US" smtClean="0"/>
+              <a:t>28</a:t>
+            </a:fld>
+            <a:endParaRPr lang="en-US" dirty="0"/>
+          </a:p>
+        </p:txBody>
+      </p:sp>
+    </p:spTree>
+    <p:extLst>
+      <p:ext uri="{BB962C8B-B14F-4D97-AF65-F5344CB8AC3E}">
+        <p14:creationId xmlns:p14="http://schemas.microsoft.com/office/powerpoint/2010/main" val="3549579413"/>
       </p:ext>
     </p:extLst>
   </p:cSld>
@@ -22595,7 +22207,7 @@
         </p:nvSpPr>
         <p:spPr>
           <a:xfrm>
-            <a:off x="174929" y="145751"/>
+            <a:off x="483848" y="467027"/>
             <a:ext cx="7053542" cy="683886"/>
           </a:xfrm>
         </p:spPr>
@@ -22605,7 +22217,7 @@
           <a:p>
             <a:r>
               <a:rPr lang="en-US" dirty="0"/>
-              <a:t>Lab 2</a:t>
+              <a:t>References</a:t>
             </a:r>
           </a:p>
         </p:txBody>
@@ -22628,8 +22240,8 @@
         </p:nvSpPr>
         <p:spPr>
           <a:xfrm>
-            <a:off x="308920" y="926758"/>
-            <a:ext cx="8226654" cy="4788242"/>
+            <a:off x="483848" y="1150913"/>
+            <a:ext cx="8051725" cy="4440590"/>
           </a:xfrm>
         </p:spPr>
         <p:txBody>
@@ -22641,39 +22253,33 @@
             <a:pPr marL="0" indent="0">
               <a:buNone/>
             </a:pPr>
-            <a:r>
-              <a:rPr lang="en-US" dirty="0"/>
-              <a:t>Create a new </a:t>
-            </a:r>
-            <a:r>
-              <a:rPr lang="en-US" dirty="0" err="1"/>
-              <a:t>repl</a:t>
-            </a:r>
-            <a:r>
-              <a:rPr lang="en-US" dirty="0"/>
-              <a:t> on </a:t>
-            </a:r>
-            <a:r>
-              <a:rPr lang="en-US" dirty="0" err="1"/>
-              <a:t>repl.it</a:t>
-            </a:r>
-            <a:r>
-              <a:rPr lang="en-US" dirty="0"/>
-              <a:t> Use list comprehensions to create the following lists.</a:t>
-            </a:r>
-            <a:endParaRPr lang="en-US" b="1" dirty="0">
-              <a:latin typeface="Inconsolata" panose="020B0609030003000000" pitchFamily="49" charset="77"/>
-            </a:endParaRPr>
+            <a:endParaRPr lang="en-US" dirty="0"/>
+          </a:p>
+          <a:p>
+            <a:pPr marL="0" indent="0">
+              <a:buNone/>
+            </a:pPr>
+            <a:endParaRPr lang="en-US" dirty="0"/>
           </a:p>
           <a:p>
             <a:pPr marL="457200" indent="-457200">
               <a:buAutoNum type="arabicParenR"/>
             </a:pPr>
             <a:r>
-              <a:rPr lang="en-US" b="1" dirty="0">
-                <a:latin typeface="Inconsolata" panose="020B0609030003000000" pitchFamily="49" charset="77"/>
-              </a:rPr>
-              <a:t>[2,4,6,8,10,…,20]</a:t>
+              <a:rPr lang="en-US" dirty="0" err="1"/>
+              <a:t>Vanderplas</a:t>
+            </a:r>
+            <a:r>
+              <a:rPr lang="en-US" dirty="0"/>
+              <a:t>, Jake,  A Whirlwind Tour of Python, </a:t>
+            </a:r>
+            <a:r>
+              <a:rPr lang="en-US" dirty="0" err="1"/>
+              <a:t>O’reilly</a:t>
+            </a:r>
+            <a:r>
+              <a:rPr lang="en-US" dirty="0"/>
+              <a:t> Media. </a:t>
             </a:r>
           </a:p>
           <a:p>
@@ -22681,53 +22287,31 @@
               <a:buAutoNum type="arabicParenR"/>
             </a:pPr>
             <a:r>
-              <a:rPr lang="en-US" b="1" dirty="0">
-                <a:latin typeface="Inconsolata" panose="020B0609030003000000" pitchFamily="49" charset="77"/>
-              </a:rPr>
-              <a:t>[1,8,27,64,125]</a:t>
-            </a:r>
-          </a:p>
-          <a:p>
-            <a:pPr marL="457200" indent="-457200">
-              <a:buAutoNum type="arabicParenR"/>
-            </a:pPr>
-            <a:r>
-              <a:rPr lang="en-US" b="1" dirty="0">
-                <a:latin typeface="Inconsolata" panose="020B0609030003000000" pitchFamily="49" charset="77"/>
-              </a:rPr>
-              <a:t>[0.5,1.0,1.5,2.0,2.5,3.0]</a:t>
-            </a:r>
-          </a:p>
-          <a:p>
-            <a:pPr marL="457200" indent="-457200">
-              <a:buAutoNum type="arabicParenR"/>
-            </a:pPr>
-            <a:r>
-              <a:rPr lang="en-US" b="1" dirty="0">
-                <a:latin typeface="Inconsolata" panose="020B0609030003000000" pitchFamily="49" charset="77"/>
-              </a:rPr>
-              <a:t>['1','2','3','4','5']</a:t>
-            </a:r>
-          </a:p>
-          <a:p>
-            <a:pPr marL="457200" indent="-457200">
-              <a:buAutoNum type="arabicParenR"/>
-            </a:pPr>
-            <a:r>
-              <a:rPr lang="en-US" b="1" dirty="0">
-                <a:latin typeface="Inconsolata" panose="020B0609030003000000" pitchFamily="49" charset="77"/>
-              </a:rPr>
-              <a:t>[1,3,5,7,9,…,99]. Must use condition in the list </a:t>
-            </a:r>
-            <a:r>
-              <a:rPr lang="en-US" b="1">
-                <a:latin typeface="Inconsolata" panose="020B0609030003000000" pitchFamily="49" charset="77"/>
-              </a:rPr>
-              <a:t>comprehension.</a:t>
-            </a:r>
-            <a:endParaRPr lang="en-US" b="1" dirty="0">
-              <a:latin typeface="Inconsolata" panose="020B0609030003000000" pitchFamily="49" charset="77"/>
-            </a:endParaRPr>
+              <a:rPr lang="en-US" dirty="0"/>
+              <a:t>Luciano, </a:t>
+            </a:r>
+            <a:r>
+              <a:rPr lang="en-US" dirty="0" err="1"/>
+              <a:t>Ramalho</a:t>
+            </a:r>
+            <a:r>
+              <a:rPr lang="en-US" dirty="0"/>
+              <a:t>, Fluent Python, </a:t>
+            </a:r>
+            <a:r>
+              <a:rPr lang="en-US" dirty="0" err="1"/>
+              <a:t>O'reilly</a:t>
+            </a:r>
+            <a:r>
+              <a:rPr lang="en-US" dirty="0"/>
+              <a:t> Media.</a:t>
+            </a:r>
+          </a:p>
+          <a:p>
+            <a:pPr marL="0" indent="0">
+              <a:buNone/>
+            </a:pPr>
+            <a:endParaRPr lang="en-US" dirty="0"/>
           </a:p>
         </p:txBody>
       </p:sp>
@@ -22736,7 +22320,7 @@
           <p:cNvPr id="3" name="Slide Number Placeholder 2">
             <a:extLst>
               <a:ext uri="{FF2B5EF4-FFF2-40B4-BE49-F238E27FC236}">
-                <a16:creationId xmlns:a16="http://schemas.microsoft.com/office/drawing/2014/main" id="{39D700A7-D1AC-AD43-8C1D-E59396E5DFAA}"/>
+                <a16:creationId xmlns:a16="http://schemas.microsoft.com/office/drawing/2014/main" id="{A47A3CFA-6396-F949-A695-9BC50BFA07A1}"/>
               </a:ext>
             </a:extLst>
           </p:cNvPr>
@@ -22763,7 +22347,7 @@
     </p:spTree>
     <p:extLst>
       <p:ext uri="{BB962C8B-B14F-4D97-AF65-F5344CB8AC3E}">
-        <p14:creationId xmlns:p14="http://schemas.microsoft.com/office/powerpoint/2010/main" val="3549579413"/>
+        <p14:creationId xmlns:p14="http://schemas.microsoft.com/office/powerpoint/2010/main" val="1438711869"/>
       </p:ext>
     </p:extLst>
   </p:cSld>
@@ -23238,191 +22822,6 @@
       <p:bldP spid="9" grpId="0" uiExpand="1" build="p"/>
     </p:bldLst>
   </p:timing>
-</p:sld>
-</file>
-
-<file path=ppt/slides/slide30.xml><?xml version="1.0" encoding="utf-8"?>
-<p:sld xmlns:a="http://schemas.openxmlformats.org/drawingml/2006/main" xmlns:r="http://schemas.openxmlformats.org/officeDocument/2006/relationships" xmlns:p="http://schemas.openxmlformats.org/presentationml/2006/main">
-  <p:cSld>
-    <p:spTree>
-      <p:nvGrpSpPr>
-        <p:cNvPr id="1" name=""/>
-        <p:cNvGrpSpPr/>
-        <p:nvPr/>
-      </p:nvGrpSpPr>
-      <p:grpSpPr>
-        <a:xfrm>
-          <a:off x="0" y="0"/>
-          <a:ext cx="0" cy="0"/>
-          <a:chOff x="0" y="0"/>
-          <a:chExt cx="0" cy="0"/>
-        </a:xfrm>
-      </p:grpSpPr>
-      <p:sp>
-        <p:nvSpPr>
-          <p:cNvPr id="2" name="Title 1">
-            <a:extLst>
-              <a:ext uri="{FF2B5EF4-FFF2-40B4-BE49-F238E27FC236}">
-                <a16:creationId xmlns:a16="http://schemas.microsoft.com/office/drawing/2014/main" id="{AA3A228F-61D0-D949-A5E7-F83756230BF8}"/>
-              </a:ext>
-            </a:extLst>
-          </p:cNvPr>
-          <p:cNvSpPr>
-            <a:spLocks noGrp="1"/>
-          </p:cNvSpPr>
-          <p:nvPr>
-            <p:ph type="title"/>
-          </p:nvPr>
-        </p:nvSpPr>
-        <p:spPr>
-          <a:xfrm>
-            <a:off x="483848" y="467027"/>
-            <a:ext cx="7053542" cy="683886"/>
-          </a:xfrm>
-        </p:spPr>
-        <p:txBody>
-          <a:bodyPr/>
-          <a:lstStyle/>
-          <a:p>
-            <a:r>
-              <a:rPr lang="en-US" dirty="0"/>
-              <a:t>References</a:t>
-            </a:r>
-          </a:p>
-        </p:txBody>
-      </p:sp>
-      <p:sp>
-        <p:nvSpPr>
-          <p:cNvPr id="9" name="Content Placeholder 8">
-            <a:extLst>
-              <a:ext uri="{FF2B5EF4-FFF2-40B4-BE49-F238E27FC236}">
-                <a16:creationId xmlns:a16="http://schemas.microsoft.com/office/drawing/2014/main" id="{E3B2E017-30B2-884B-A113-B419A2ED51AD}"/>
-              </a:ext>
-            </a:extLst>
-          </p:cNvPr>
-          <p:cNvSpPr>
-            <a:spLocks noGrp="1"/>
-          </p:cNvSpPr>
-          <p:nvPr>
-            <p:ph idx="1"/>
-          </p:nvPr>
-        </p:nvSpPr>
-        <p:spPr>
-          <a:xfrm>
-            <a:off x="483848" y="1150913"/>
-            <a:ext cx="8051725" cy="4440590"/>
-          </a:xfrm>
-        </p:spPr>
-        <p:txBody>
-          <a:bodyPr>
-            <a:noAutofit/>
-          </a:bodyPr>
-          <a:lstStyle/>
-          <a:p>
-            <a:pPr marL="0" indent="0">
-              <a:buNone/>
-            </a:pPr>
-            <a:endParaRPr lang="en-US" dirty="0"/>
-          </a:p>
-          <a:p>
-            <a:pPr marL="0" indent="0">
-              <a:buNone/>
-            </a:pPr>
-            <a:endParaRPr lang="en-US" dirty="0"/>
-          </a:p>
-          <a:p>
-            <a:pPr marL="457200" indent="-457200">
-              <a:buAutoNum type="arabicParenR"/>
-            </a:pPr>
-            <a:r>
-              <a:rPr lang="en-US" dirty="0" err="1"/>
-              <a:t>Vanderplas</a:t>
-            </a:r>
-            <a:r>
-              <a:rPr lang="en-US" dirty="0"/>
-              <a:t>, Jake,  A Whirlwind Tour of Python, </a:t>
-            </a:r>
-            <a:r>
-              <a:rPr lang="en-US" dirty="0" err="1"/>
-              <a:t>O’reilly</a:t>
-            </a:r>
-            <a:r>
-              <a:rPr lang="en-US" dirty="0"/>
-              <a:t> Media. </a:t>
-            </a:r>
-          </a:p>
-          <a:p>
-            <a:pPr marL="457200" indent="-457200">
-              <a:buAutoNum type="arabicParenR"/>
-            </a:pPr>
-            <a:r>
-              <a:rPr lang="en-US" dirty="0"/>
-              <a:t>Luciano, </a:t>
-            </a:r>
-            <a:r>
-              <a:rPr lang="en-US" dirty="0" err="1"/>
-              <a:t>Ramalho</a:t>
-            </a:r>
-            <a:r>
-              <a:rPr lang="en-US" dirty="0"/>
-              <a:t>, Fluent Python, </a:t>
-            </a:r>
-            <a:r>
-              <a:rPr lang="en-US" dirty="0" err="1"/>
-              <a:t>O'reilly</a:t>
-            </a:r>
-            <a:r>
-              <a:rPr lang="en-US" dirty="0"/>
-              <a:t> Media.</a:t>
-            </a:r>
-          </a:p>
-          <a:p>
-            <a:pPr marL="0" indent="0">
-              <a:buNone/>
-            </a:pPr>
-            <a:endParaRPr lang="en-US" dirty="0"/>
-          </a:p>
-        </p:txBody>
-      </p:sp>
-      <p:sp>
-        <p:nvSpPr>
-          <p:cNvPr id="3" name="Slide Number Placeholder 2">
-            <a:extLst>
-              <a:ext uri="{FF2B5EF4-FFF2-40B4-BE49-F238E27FC236}">
-                <a16:creationId xmlns:a16="http://schemas.microsoft.com/office/drawing/2014/main" id="{A47A3CFA-6396-F949-A695-9BC50BFA07A1}"/>
-              </a:ext>
-            </a:extLst>
-          </p:cNvPr>
-          <p:cNvSpPr>
-            <a:spLocks noGrp="1"/>
-          </p:cNvSpPr>
-          <p:nvPr>
-            <p:ph type="sldNum" sz="quarter" idx="12"/>
-          </p:nvPr>
-        </p:nvSpPr>
-        <p:spPr/>
-        <p:txBody>
-          <a:bodyPr/>
-          <a:lstStyle/>
-          <a:p>
-            <a:fld id="{D57F1E4F-1CFF-5643-939E-02111984F565}" type="slidenum">
-              <a:rPr lang="en-US" smtClean="0"/>
-              <a:t>30</a:t>
-            </a:fld>
-            <a:endParaRPr lang="en-US" dirty="0"/>
-          </a:p>
-        </p:txBody>
-      </p:sp>
-    </p:spTree>
-    <p:extLst>
-      <p:ext uri="{BB962C8B-B14F-4D97-AF65-F5344CB8AC3E}">
-        <p14:creationId xmlns:p14="http://schemas.microsoft.com/office/powerpoint/2010/main" val="1438711869"/>
-      </p:ext>
-    </p:extLst>
-  </p:cSld>
-  <p:clrMapOvr>
-    <a:masterClrMapping/>
-  </p:clrMapOvr>
 </p:sld>
 </file>
 
@@ -24779,726 +24178,6 @@
         </p:nvSpPr>
         <p:spPr>
           <a:xfrm>
-            <a:off x="174930" y="195178"/>
-            <a:ext cx="7053542" cy="683886"/>
-          </a:xfrm>
-        </p:spPr>
-        <p:txBody>
-          <a:bodyPr/>
-          <a:lstStyle/>
-          <a:p>
-            <a:r>
-              <a:rPr lang="en-US" dirty="0"/>
-              <a:t>Indexing </a:t>
-            </a:r>
-          </a:p>
-        </p:txBody>
-      </p:sp>
-      <p:sp>
-        <p:nvSpPr>
-          <p:cNvPr id="9" name="Content Placeholder 8">
-            <a:extLst>
-              <a:ext uri="{FF2B5EF4-FFF2-40B4-BE49-F238E27FC236}">
-                <a16:creationId xmlns:a16="http://schemas.microsoft.com/office/drawing/2014/main" id="{E3B2E017-30B2-884B-A113-B419A2ED51AD}"/>
-              </a:ext>
-            </a:extLst>
-          </p:cNvPr>
-          <p:cNvSpPr>
-            <a:spLocks noGrp="1"/>
-          </p:cNvSpPr>
-          <p:nvPr>
-            <p:ph idx="1"/>
-          </p:nvPr>
-        </p:nvSpPr>
-        <p:spPr>
-          <a:xfrm>
-            <a:off x="174930" y="879065"/>
-            <a:ext cx="8845502" cy="4545551"/>
-          </a:xfrm>
-        </p:spPr>
-        <p:txBody>
-          <a:bodyPr>
-            <a:normAutofit/>
-          </a:bodyPr>
-          <a:lstStyle/>
-          <a:p>
-            <a:pPr marL="0" indent="0">
-              <a:buNone/>
-            </a:pPr>
-            <a:r>
-              <a:rPr lang="en-US" sz="2000" dirty="0">
-                <a:latin typeface="Gill Sans MT" panose="020B0502020104020203" pitchFamily="34" charset="77"/>
-              </a:rPr>
-              <a:t>Negative index wraps around the end. </a:t>
-            </a:r>
-            <a:endParaRPr lang="en-US" sz="2000" dirty="0">
-              <a:solidFill>
-                <a:srgbClr val="000087"/>
-              </a:solidFill>
-              <a:latin typeface="Gill Sans MT" panose="020B0502020104020203" pitchFamily="34" charset="77"/>
-            </a:endParaRPr>
-          </a:p>
-          <a:p>
-            <a:pPr marL="0" indent="0">
-              <a:buNone/>
-            </a:pPr>
-            <a:endParaRPr lang="en-US" sz="2000" b="1" dirty="0">
-              <a:solidFill>
-                <a:srgbClr val="000087"/>
-              </a:solidFill>
-              <a:latin typeface="Inconsolata" panose="020B0609030003000000" pitchFamily="49" charset="77"/>
-            </a:endParaRPr>
-          </a:p>
-          <a:p>
-            <a:pPr marL="0" indent="0">
-              <a:buNone/>
-            </a:pPr>
-            <a:endParaRPr lang="en-US" sz="2000" b="1" dirty="0">
-              <a:solidFill>
-                <a:srgbClr val="000087"/>
-              </a:solidFill>
-              <a:latin typeface="Inconsolata" panose="020B0609030003000000" pitchFamily="49" charset="77"/>
-            </a:endParaRPr>
-          </a:p>
-          <a:p>
-            <a:pPr marL="0" indent="0">
-              <a:buNone/>
-            </a:pPr>
-            <a:endParaRPr lang="en-US" sz="2000" b="1" dirty="0">
-              <a:solidFill>
-                <a:srgbClr val="000087"/>
-              </a:solidFill>
-              <a:latin typeface="Inconsolata" panose="020B0609030003000000" pitchFamily="49" charset="77"/>
-            </a:endParaRPr>
-          </a:p>
-          <a:p>
-            <a:pPr marL="0" indent="0">
-              <a:buNone/>
-            </a:pPr>
-            <a:endParaRPr lang="en-US" sz="2000" b="1" dirty="0">
-              <a:solidFill>
-                <a:srgbClr val="000087"/>
-              </a:solidFill>
-              <a:latin typeface="Inconsolata" panose="020B0609030003000000" pitchFamily="49" charset="77"/>
-            </a:endParaRPr>
-          </a:p>
-          <a:p>
-            <a:pPr marL="0" indent="0">
-              <a:buNone/>
-            </a:pPr>
-            <a:r>
-              <a:rPr lang="en-US" sz="2000" b="1" dirty="0">
-                <a:solidFill>
-                  <a:srgbClr val="000087"/>
-                </a:solidFill>
-                <a:latin typeface="Inconsolata" panose="020B0609030003000000" pitchFamily="49" charset="77"/>
-              </a:rPr>
-              <a:t>L </a:t>
-            </a:r>
-            <a:r>
-              <a:rPr lang="en-US" sz="2000" b="1" dirty="0">
-                <a:solidFill>
-                  <a:srgbClr val="545454"/>
-                </a:solidFill>
-                <a:latin typeface="Inconsolata" panose="020B0609030003000000" pitchFamily="49" charset="77"/>
-              </a:rPr>
-              <a:t>= </a:t>
-            </a:r>
-            <a:r>
-              <a:rPr lang="en-US" sz="2000" b="1" dirty="0">
-                <a:latin typeface="Inconsolata" panose="020B0609030003000000" pitchFamily="49" charset="77"/>
-              </a:rPr>
-              <a:t>[</a:t>
-            </a:r>
-            <a:r>
-              <a:rPr lang="en-US" sz="2000" b="1" dirty="0">
-                <a:solidFill>
-                  <a:srgbClr val="FF6600"/>
-                </a:solidFill>
-                <a:latin typeface="Inconsolata" panose="020B0609030003000000" pitchFamily="49" charset="77"/>
-              </a:rPr>
-              <a:t>2</a:t>
-            </a:r>
-            <a:r>
-              <a:rPr lang="en-US" sz="2000" b="1" dirty="0">
-                <a:latin typeface="Inconsolata" panose="020B0609030003000000" pitchFamily="49" charset="77"/>
-              </a:rPr>
-              <a:t>, </a:t>
-            </a:r>
-            <a:r>
-              <a:rPr lang="en-US" sz="2000" b="1" dirty="0">
-                <a:solidFill>
-                  <a:srgbClr val="FF6600"/>
-                </a:solidFill>
-                <a:latin typeface="Inconsolata" panose="020B0609030003000000" pitchFamily="49" charset="77"/>
-              </a:rPr>
-              <a:t>3</a:t>
-            </a:r>
-            <a:r>
-              <a:rPr lang="en-US" sz="2000" b="1" dirty="0">
-                <a:latin typeface="Inconsolata" panose="020B0609030003000000" pitchFamily="49" charset="77"/>
-              </a:rPr>
-              <a:t>, </a:t>
-            </a:r>
-            <a:r>
-              <a:rPr lang="en-US" sz="2000" b="1" dirty="0">
-                <a:solidFill>
-                  <a:srgbClr val="FF6600"/>
-                </a:solidFill>
-                <a:latin typeface="Inconsolata" panose="020B0609030003000000" pitchFamily="49" charset="77"/>
-              </a:rPr>
-              <a:t>5</a:t>
-            </a:r>
-            <a:r>
-              <a:rPr lang="en-US" sz="2000" b="1" dirty="0">
-                <a:latin typeface="Inconsolata" panose="020B0609030003000000" pitchFamily="49" charset="77"/>
-              </a:rPr>
-              <a:t>, </a:t>
-            </a:r>
-            <a:r>
-              <a:rPr lang="en-US" sz="2000" b="1" dirty="0">
-                <a:solidFill>
-                  <a:srgbClr val="FF6600"/>
-                </a:solidFill>
-                <a:latin typeface="Inconsolata" panose="020B0609030003000000" pitchFamily="49" charset="77"/>
-              </a:rPr>
-              <a:t>7</a:t>
-            </a:r>
-            <a:r>
-              <a:rPr lang="en-US" sz="2000" b="1" dirty="0">
-                <a:latin typeface="Inconsolata" panose="020B0609030003000000" pitchFamily="49" charset="77"/>
-              </a:rPr>
-              <a:t>, </a:t>
-            </a:r>
-            <a:r>
-              <a:rPr lang="en-US" sz="2000" b="1" dirty="0">
-                <a:solidFill>
-                  <a:srgbClr val="FF6600"/>
-                </a:solidFill>
-                <a:latin typeface="Inconsolata" panose="020B0609030003000000" pitchFamily="49" charset="77"/>
-              </a:rPr>
-              <a:t>11</a:t>
-            </a:r>
-            <a:r>
-              <a:rPr lang="en-US" sz="2000" b="1" dirty="0">
-                <a:latin typeface="Inconsolata" panose="020B0609030003000000" pitchFamily="49" charset="77"/>
-              </a:rPr>
-              <a:t>]</a:t>
-            </a:r>
-            <a:br>
-              <a:rPr lang="en-US" sz="2000" b="1" dirty="0">
-                <a:latin typeface="Inconsolata" panose="020B0609030003000000" pitchFamily="49" charset="77"/>
-              </a:rPr>
-            </a:br>
-            <a:r>
-              <a:rPr lang="en-US" sz="2000" b="1" dirty="0">
-                <a:solidFill>
-                  <a:srgbClr val="000087"/>
-                </a:solidFill>
-                <a:latin typeface="Inconsolata" panose="020B0609030003000000" pitchFamily="49" charset="77"/>
-              </a:rPr>
-              <a:t>print(L</a:t>
-            </a:r>
-            <a:r>
-              <a:rPr lang="en-US" sz="2000" b="1" dirty="0">
-                <a:latin typeface="Inconsolata" panose="020B0609030003000000" pitchFamily="49" charset="77"/>
-              </a:rPr>
-              <a:t>[</a:t>
-            </a:r>
-            <a:r>
-              <a:rPr lang="en-US" sz="2000" b="1" dirty="0">
-                <a:solidFill>
-                  <a:srgbClr val="545454"/>
-                </a:solidFill>
-                <a:latin typeface="Inconsolata" panose="020B0609030003000000" pitchFamily="49" charset="77"/>
-              </a:rPr>
-              <a:t>-</a:t>
-            </a:r>
-            <a:r>
-              <a:rPr lang="en-US" sz="2000" b="1" dirty="0">
-                <a:solidFill>
-                  <a:srgbClr val="FF6600"/>
-                </a:solidFill>
-                <a:latin typeface="Inconsolata" panose="020B0609030003000000" pitchFamily="49" charset="77"/>
-              </a:rPr>
-              <a:t>1</a:t>
-            </a:r>
-            <a:r>
-              <a:rPr lang="en-US" sz="2000" b="1" dirty="0">
-                <a:latin typeface="Inconsolata" panose="020B0609030003000000" pitchFamily="49" charset="77"/>
-              </a:rPr>
-              <a:t>]) 		</a:t>
-            </a:r>
-            <a:r>
-              <a:rPr lang="en-US" sz="2000" b="1" dirty="0">
-                <a:solidFill>
-                  <a:schemeClr val="accent1"/>
-                </a:solidFill>
-                <a:latin typeface="Inconsolata" panose="020B0609030003000000" pitchFamily="49" charset="77"/>
-              </a:rPr>
-              <a:t># 11</a:t>
-            </a:r>
-            <a:endParaRPr lang="en-US" sz="2000" b="1" dirty="0">
-              <a:latin typeface="Inconsolata" panose="020B0609030003000000" pitchFamily="49" charset="77"/>
-            </a:endParaRPr>
-          </a:p>
-          <a:p>
-            <a:pPr marL="0" indent="0">
-              <a:buNone/>
-            </a:pPr>
-            <a:r>
-              <a:rPr lang="en-US" sz="2000" b="1" dirty="0">
-                <a:solidFill>
-                  <a:srgbClr val="000087"/>
-                </a:solidFill>
-                <a:latin typeface="Inconsolata" panose="020B0609030003000000" pitchFamily="49" charset="77"/>
-              </a:rPr>
-              <a:t>print(L</a:t>
-            </a:r>
-            <a:r>
-              <a:rPr lang="en-US" sz="2000" b="1" dirty="0">
-                <a:latin typeface="Inconsolata" panose="020B0609030003000000" pitchFamily="49" charset="77"/>
-              </a:rPr>
-              <a:t>[</a:t>
-            </a:r>
-            <a:r>
-              <a:rPr lang="en-US" sz="2000" b="1" dirty="0">
-                <a:solidFill>
-                  <a:srgbClr val="545454"/>
-                </a:solidFill>
-                <a:latin typeface="Inconsolata" panose="020B0609030003000000" pitchFamily="49" charset="77"/>
-              </a:rPr>
-              <a:t>-</a:t>
-            </a:r>
-            <a:r>
-              <a:rPr lang="en-US" sz="2000" b="1" dirty="0">
-                <a:solidFill>
-                  <a:srgbClr val="FF6600"/>
-                </a:solidFill>
-                <a:latin typeface="Inconsolata" panose="020B0609030003000000" pitchFamily="49" charset="77"/>
-              </a:rPr>
-              <a:t>2</a:t>
-            </a:r>
-            <a:r>
-              <a:rPr lang="en-US" sz="2000" b="1" dirty="0">
-                <a:latin typeface="Inconsolata" panose="020B0609030003000000" pitchFamily="49" charset="77"/>
-              </a:rPr>
-              <a:t>]) 		</a:t>
-            </a:r>
-            <a:r>
-              <a:rPr lang="en-US" sz="2000" b="1" dirty="0">
-                <a:solidFill>
-                  <a:schemeClr val="accent1"/>
-                </a:solidFill>
-                <a:latin typeface="Inconsolata" panose="020B0609030003000000" pitchFamily="49" charset="77"/>
-              </a:rPr>
-              <a:t># 7</a:t>
-            </a:r>
-          </a:p>
-          <a:p>
-            <a:pPr marL="0" indent="0">
-              <a:buNone/>
-            </a:pPr>
-            <a:r>
-              <a:rPr lang="en-US" sz="2000" b="1" dirty="0">
-                <a:solidFill>
-                  <a:srgbClr val="000087"/>
-                </a:solidFill>
-                <a:latin typeface="Inconsolata" panose="020B0609030003000000" pitchFamily="49" charset="77"/>
-              </a:rPr>
-              <a:t>print(L</a:t>
-            </a:r>
-            <a:r>
-              <a:rPr lang="en-US" sz="2000" b="1" dirty="0">
-                <a:latin typeface="Inconsolata" panose="020B0609030003000000" pitchFamily="49" charset="77"/>
-              </a:rPr>
-              <a:t>[</a:t>
-            </a:r>
-            <a:r>
-              <a:rPr lang="en-US" sz="2000" b="1" dirty="0">
-                <a:solidFill>
-                  <a:srgbClr val="545454"/>
-                </a:solidFill>
-                <a:latin typeface="Inconsolata" panose="020B0609030003000000" pitchFamily="49" charset="77"/>
-              </a:rPr>
-              <a:t>-</a:t>
-            </a:r>
-            <a:r>
-              <a:rPr lang="en-US" sz="2000" b="1" dirty="0">
-                <a:solidFill>
-                  <a:srgbClr val="FF6600"/>
-                </a:solidFill>
-                <a:latin typeface="Inconsolata" panose="020B0609030003000000" pitchFamily="49" charset="77"/>
-              </a:rPr>
-              <a:t>6</a:t>
-            </a:r>
-            <a:r>
-              <a:rPr lang="en-US" sz="2000" b="1" dirty="0">
-                <a:latin typeface="Inconsolata" panose="020B0609030003000000" pitchFamily="49" charset="77"/>
-              </a:rPr>
-              <a:t>]) 		</a:t>
-            </a:r>
-            <a:r>
-              <a:rPr lang="en-US" sz="2000" b="1" dirty="0">
-                <a:solidFill>
-                  <a:schemeClr val="accent1"/>
-                </a:solidFill>
-                <a:latin typeface="Inconsolata" panose="020B0609030003000000" pitchFamily="49" charset="77"/>
-              </a:rPr>
-              <a:t># Out of bounds</a:t>
-            </a:r>
-          </a:p>
-          <a:p>
-            <a:pPr marL="0" indent="0">
-              <a:buNone/>
-            </a:pPr>
-            <a:endParaRPr lang="en-US" sz="2000" b="1" dirty="0">
-              <a:latin typeface="Inconsolata" panose="020B0609030003000000" pitchFamily="49" charset="77"/>
-            </a:endParaRPr>
-          </a:p>
-          <a:p>
-            <a:pPr marL="0" indent="0">
-              <a:buNone/>
-            </a:pPr>
-            <a:endParaRPr lang="en-US" sz="2000" b="1" dirty="0">
-              <a:latin typeface="Inconsolata" panose="020B0609030003000000" pitchFamily="49" charset="77"/>
-            </a:endParaRPr>
-          </a:p>
-        </p:txBody>
-      </p:sp>
-      <p:pic>
-        <p:nvPicPr>
-          <p:cNvPr id="4" name="Picture 3">
-            <a:extLst>
-              <a:ext uri="{FF2B5EF4-FFF2-40B4-BE49-F238E27FC236}">
-                <a16:creationId xmlns:a16="http://schemas.microsoft.com/office/drawing/2014/main" id="{3FBDC7CC-417A-BA40-9869-3D5C905BEB42}"/>
-              </a:ext>
-            </a:extLst>
-          </p:cNvPr>
-          <p:cNvPicPr>
-            <a:picLocks noChangeAspect="1"/>
-          </p:cNvPicPr>
-          <p:nvPr/>
-        </p:nvPicPr>
-        <p:blipFill>
-          <a:blip r:embed="rId2"/>
-          <a:stretch>
-            <a:fillRect/>
-          </a:stretch>
-        </p:blipFill>
-        <p:spPr>
-          <a:xfrm>
-            <a:off x="3913554" y="1493644"/>
-            <a:ext cx="3684796" cy="1093924"/>
-          </a:xfrm>
-          <a:prstGeom prst="rect">
-            <a:avLst/>
-          </a:prstGeom>
-        </p:spPr>
-      </p:pic>
-      <p:sp>
-        <p:nvSpPr>
-          <p:cNvPr id="3" name="Slide Number Placeholder 2">
-            <a:extLst>
-              <a:ext uri="{FF2B5EF4-FFF2-40B4-BE49-F238E27FC236}">
-                <a16:creationId xmlns:a16="http://schemas.microsoft.com/office/drawing/2014/main" id="{1337AC18-9786-B641-BED6-8ADC73DA405F}"/>
-              </a:ext>
-            </a:extLst>
-          </p:cNvPr>
-          <p:cNvSpPr>
-            <a:spLocks noGrp="1"/>
-          </p:cNvSpPr>
-          <p:nvPr>
-            <p:ph type="sldNum" sz="quarter" idx="12"/>
-          </p:nvPr>
-        </p:nvSpPr>
-        <p:spPr/>
-        <p:txBody>
-          <a:bodyPr/>
-          <a:lstStyle/>
-          <a:p>
-            <a:fld id="{D57F1E4F-1CFF-5643-939E-02111984F565}" type="slidenum">
-              <a:rPr lang="en-US" smtClean="0"/>
-              <a:t>6</a:t>
-            </a:fld>
-            <a:endParaRPr lang="en-US" dirty="0"/>
-          </a:p>
-        </p:txBody>
-      </p:sp>
-    </p:spTree>
-    <p:extLst>
-      <p:ext uri="{BB962C8B-B14F-4D97-AF65-F5344CB8AC3E}">
-        <p14:creationId xmlns:p14="http://schemas.microsoft.com/office/powerpoint/2010/main" val="725508398"/>
-      </p:ext>
-    </p:extLst>
-  </p:cSld>
-  <p:clrMapOvr>
-    <a:masterClrMapping/>
-  </p:clrMapOvr>
-  <p:timing>
-    <p:tnLst>
-      <p:par>
-        <p:cTn id="1" dur="indefinite" restart="never" nodeType="tmRoot">
-          <p:childTnLst>
-            <p:seq concurrent="1" nextAc="seek">
-              <p:cTn id="2" dur="indefinite" nodeType="mainSeq">
-                <p:childTnLst>
-                  <p:par>
-                    <p:cTn id="3" fill="hold">
-                      <p:stCondLst>
-                        <p:cond delay="indefinite"/>
-                      </p:stCondLst>
-                      <p:childTnLst>
-                        <p:par>
-                          <p:cTn id="4" fill="hold">
-                            <p:stCondLst>
-                              <p:cond delay="0"/>
-                            </p:stCondLst>
-                            <p:childTnLst>
-                              <p:par>
-                                <p:cTn id="5" presetID="1" presetClass="entr" presetSubtype="0" fill="hold" nodeType="clickEffect">
-                                  <p:stCondLst>
-                                    <p:cond delay="0"/>
-                                  </p:stCondLst>
-                                  <p:childTnLst>
-                                    <p:set>
-                                      <p:cBhvr>
-                                        <p:cTn id="6" dur="1" fill="hold">
-                                          <p:stCondLst>
-                                            <p:cond delay="0"/>
-                                          </p:stCondLst>
-                                        </p:cTn>
-                                        <p:tgtEl>
-                                          <p:spTgt spid="9">
-                                            <p:txEl>
-                                              <p:pRg st="5" end="5"/>
-                                            </p:txEl>
-                                          </p:spTgt>
-                                        </p:tgtEl>
-                                        <p:attrNameLst>
-                                          <p:attrName>style.visibility</p:attrName>
-                                        </p:attrNameLst>
-                                      </p:cBhvr>
-                                      <p:to>
-                                        <p:strVal val="visible"/>
-                                      </p:to>
-                                    </p:set>
-                                  </p:childTnLst>
-                                </p:cTn>
-                              </p:par>
-                            </p:childTnLst>
-                          </p:cTn>
-                        </p:par>
-                      </p:childTnLst>
-                    </p:cTn>
-                  </p:par>
-                  <p:par>
-                    <p:cTn id="7" fill="hold">
-                      <p:stCondLst>
-                        <p:cond delay="indefinite"/>
-                      </p:stCondLst>
-                      <p:childTnLst>
-                        <p:par>
-                          <p:cTn id="8" fill="hold">
-                            <p:stCondLst>
-                              <p:cond delay="0"/>
-                            </p:stCondLst>
-                            <p:childTnLst>
-                              <p:par>
-                                <p:cTn id="9" presetID="1" presetClass="entr" presetSubtype="0" fill="hold" nodeType="clickEffect">
-                                  <p:stCondLst>
-                                    <p:cond delay="0"/>
-                                  </p:stCondLst>
-                                  <p:childTnLst>
-                                    <p:set>
-                                      <p:cBhvr>
-                                        <p:cTn id="10" dur="1" fill="hold">
-                                          <p:stCondLst>
-                                            <p:cond delay="0"/>
-                                          </p:stCondLst>
-                                        </p:cTn>
-                                        <p:tgtEl>
-                                          <p:spTgt spid="9">
-                                            <p:txEl>
-                                              <p:pRg st="5" end="5"/>
-                                            </p:txEl>
-                                          </p:spTgt>
-                                        </p:tgtEl>
-                                        <p:attrNameLst>
-                                          <p:attrName>style.visibility</p:attrName>
-                                        </p:attrNameLst>
-                                      </p:cBhvr>
-                                      <p:to>
-                                        <p:strVal val="visible"/>
-                                      </p:to>
-                                    </p:set>
-                                  </p:childTnLst>
-                                </p:cTn>
-                              </p:par>
-                            </p:childTnLst>
-                          </p:cTn>
-                        </p:par>
-                      </p:childTnLst>
-                    </p:cTn>
-                  </p:par>
-                  <p:par>
-                    <p:cTn id="11" fill="hold">
-                      <p:stCondLst>
-                        <p:cond delay="indefinite"/>
-                      </p:stCondLst>
-                      <p:childTnLst>
-                        <p:par>
-                          <p:cTn id="12" fill="hold">
-                            <p:stCondLst>
-                              <p:cond delay="0"/>
-                            </p:stCondLst>
-                            <p:childTnLst>
-                              <p:par>
-                                <p:cTn id="13" presetID="1" presetClass="entr" presetSubtype="0" fill="hold" nodeType="clickEffect">
-                                  <p:stCondLst>
-                                    <p:cond delay="0"/>
-                                  </p:stCondLst>
-                                  <p:childTnLst>
-                                    <p:set>
-                                      <p:cBhvr>
-                                        <p:cTn id="14" dur="1" fill="hold">
-                                          <p:stCondLst>
-                                            <p:cond delay="0"/>
-                                          </p:stCondLst>
-                                        </p:cTn>
-                                        <p:tgtEl>
-                                          <p:spTgt spid="9">
-                                            <p:txEl>
-                                              <p:pRg st="6" end="6"/>
-                                            </p:txEl>
-                                          </p:spTgt>
-                                        </p:tgtEl>
-                                        <p:attrNameLst>
-                                          <p:attrName>style.visibility</p:attrName>
-                                        </p:attrNameLst>
-                                      </p:cBhvr>
-                                      <p:to>
-                                        <p:strVal val="visible"/>
-                                      </p:to>
-                                    </p:set>
-                                  </p:childTnLst>
-                                </p:cTn>
-                              </p:par>
-                            </p:childTnLst>
-                          </p:cTn>
-                        </p:par>
-                      </p:childTnLst>
-                    </p:cTn>
-                  </p:par>
-                  <p:par>
-                    <p:cTn id="15" fill="hold">
-                      <p:stCondLst>
-                        <p:cond delay="indefinite"/>
-                      </p:stCondLst>
-                      <p:childTnLst>
-                        <p:par>
-                          <p:cTn id="16" fill="hold">
-                            <p:stCondLst>
-                              <p:cond delay="0"/>
-                            </p:stCondLst>
-                            <p:childTnLst>
-                              <p:par>
-                                <p:cTn id="17" presetID="1" presetClass="entr" presetSubtype="0" fill="hold" nodeType="clickEffect">
-                                  <p:stCondLst>
-                                    <p:cond delay="0"/>
-                                  </p:stCondLst>
-                                  <p:childTnLst>
-                                    <p:set>
-                                      <p:cBhvr>
-                                        <p:cTn id="18" dur="1" fill="hold">
-                                          <p:stCondLst>
-                                            <p:cond delay="0"/>
-                                          </p:stCondLst>
-                                        </p:cTn>
-                                        <p:tgtEl>
-                                          <p:spTgt spid="9">
-                                            <p:txEl>
-                                              <p:pRg st="7" end="7"/>
-                                            </p:txEl>
-                                          </p:spTgt>
-                                        </p:tgtEl>
-                                        <p:attrNameLst>
-                                          <p:attrName>style.visibility</p:attrName>
-                                        </p:attrNameLst>
-                                      </p:cBhvr>
-                                      <p:to>
-                                        <p:strVal val="visible"/>
-                                      </p:to>
-                                    </p:set>
-                                  </p:childTnLst>
-                                </p:cTn>
-                              </p:par>
-                            </p:childTnLst>
-                          </p:cTn>
-                        </p:par>
-                      </p:childTnLst>
-                    </p:cTn>
-                  </p:par>
-                </p:childTnLst>
-              </p:cTn>
-              <p:prevCondLst>
-                <p:cond evt="onPrev" delay="0">
-                  <p:tgtEl>
-                    <p:sldTgt/>
-                  </p:tgtEl>
-                </p:cond>
-              </p:prevCondLst>
-              <p:nextCondLst>
-                <p:cond evt="onNext" delay="0">
-                  <p:tgtEl>
-                    <p:sldTgt/>
-                  </p:tgtEl>
-                </p:cond>
-              </p:nextCondLst>
-            </p:seq>
-          </p:childTnLst>
-        </p:cTn>
-      </p:par>
-    </p:tnLst>
-  </p:timing>
-</p:sld>
-</file>
-
-<file path=ppt/slides/slide7.xml><?xml version="1.0" encoding="utf-8"?>
-<p:sld xmlns:a="http://schemas.openxmlformats.org/drawingml/2006/main" xmlns:r="http://schemas.openxmlformats.org/officeDocument/2006/relationships" xmlns:p="http://schemas.openxmlformats.org/presentationml/2006/main">
-  <p:cSld>
-    <p:spTree>
-      <p:nvGrpSpPr>
-        <p:cNvPr id="1" name=""/>
-        <p:cNvGrpSpPr/>
-        <p:nvPr/>
-      </p:nvGrpSpPr>
-      <p:grpSpPr>
-        <a:xfrm>
-          <a:off x="0" y="0"/>
-          <a:ext cx="0" cy="0"/>
-          <a:chOff x="0" y="0"/>
-          <a:chExt cx="0" cy="0"/>
-        </a:xfrm>
-      </p:grpSpPr>
-      <p:sp>
-        <p:nvSpPr>
-          <p:cNvPr id="2" name="Title 1">
-            <a:extLst>
-              <a:ext uri="{FF2B5EF4-FFF2-40B4-BE49-F238E27FC236}">
-                <a16:creationId xmlns:a16="http://schemas.microsoft.com/office/drawing/2014/main" id="{AA3A228F-61D0-D949-A5E7-F83756230BF8}"/>
-              </a:ext>
-            </a:extLst>
-          </p:cNvPr>
-          <p:cNvSpPr>
-            <a:spLocks noGrp="1"/>
-          </p:cNvSpPr>
-          <p:nvPr>
-            <p:ph type="title"/>
-          </p:nvPr>
-        </p:nvSpPr>
-        <p:spPr>
-          <a:xfrm>
             <a:off x="212000" y="158108"/>
             <a:ext cx="7053542" cy="683886"/>
           </a:xfrm>
@@ -26043,7 +24722,7 @@
           <a:p>
             <a:fld id="{D57F1E4F-1CFF-5643-939E-02111984F565}" type="slidenum">
               <a:rPr lang="en-US" smtClean="0"/>
-              <a:t>7</a:t>
+              <a:t>6</a:t>
             </a:fld>
             <a:endParaRPr lang="en-US" dirty="0"/>
           </a:p>
@@ -26487,7 +25166,7 @@
 </p:sld>
 </file>
 
-<file path=ppt/slides/slide8.xml><?xml version="1.0" encoding="utf-8"?>
+<file path=ppt/slides/slide7.xml><?xml version="1.0" encoding="utf-8"?>
 <p:sld xmlns:a="http://schemas.openxmlformats.org/drawingml/2006/main" xmlns:r="http://schemas.openxmlformats.org/officeDocument/2006/relationships" xmlns:p="http://schemas.openxmlformats.org/presentationml/2006/main">
   <p:cSld>
     <p:spTree>
@@ -27039,7 +25718,7 @@
           <a:p>
             <a:fld id="{D57F1E4F-1CFF-5643-939E-02111984F565}" type="slidenum">
               <a:rPr lang="en-US" smtClean="0"/>
-              <a:t>8</a:t>
+              <a:t>7</a:t>
             </a:fld>
             <a:endParaRPr lang="en-US" dirty="0"/>
           </a:p>
@@ -27248,7 +25927,7 @@
 </p:sld>
 </file>
 
-<file path=ppt/slides/slide9.xml><?xml version="1.0" encoding="utf-8"?>
+<file path=ppt/slides/slide8.xml><?xml version="1.0" encoding="utf-8"?>
 <p:sld xmlns:a="http://schemas.openxmlformats.org/drawingml/2006/main" xmlns:r="http://schemas.openxmlformats.org/officeDocument/2006/relationships" xmlns:p="http://schemas.openxmlformats.org/presentationml/2006/main">
   <p:cSld>
     <p:spTree>
@@ -27518,6 +26197,614 @@
     <p:extLst>
       <p:ext uri="{BB962C8B-B14F-4D97-AF65-F5344CB8AC3E}">
         <p14:creationId xmlns:p14="http://schemas.microsoft.com/office/powerpoint/2010/main" val="1114720448"/>
+      </p:ext>
+    </p:extLst>
+  </p:cSld>
+  <p:clrMapOvr>
+    <a:masterClrMapping/>
+  </p:clrMapOvr>
+</p:sld>
+</file>
+
+<file path=ppt/slides/slide9.xml><?xml version="1.0" encoding="utf-8"?>
+<p:sld xmlns:a="http://schemas.openxmlformats.org/drawingml/2006/main" xmlns:r="http://schemas.openxmlformats.org/officeDocument/2006/relationships" xmlns:p="http://schemas.openxmlformats.org/presentationml/2006/main">
+  <p:cSld>
+    <p:spTree>
+      <p:nvGrpSpPr>
+        <p:cNvPr id="1" name=""/>
+        <p:cNvGrpSpPr/>
+        <p:nvPr/>
+      </p:nvGrpSpPr>
+      <p:grpSpPr>
+        <a:xfrm>
+          <a:off x="0" y="0"/>
+          <a:ext cx="0" cy="0"/>
+          <a:chOff x="0" y="0"/>
+          <a:chExt cx="0" cy="0"/>
+        </a:xfrm>
+      </p:grpSpPr>
+      <p:sp>
+        <p:nvSpPr>
+          <p:cNvPr id="2" name="Title 1">
+            <a:extLst>
+              <a:ext uri="{FF2B5EF4-FFF2-40B4-BE49-F238E27FC236}">
+                <a16:creationId xmlns:a16="http://schemas.microsoft.com/office/drawing/2014/main" id="{AA3A228F-61D0-D949-A5E7-F83756230BF8}"/>
+              </a:ext>
+            </a:extLst>
+          </p:cNvPr>
+          <p:cNvSpPr>
+            <a:spLocks noGrp="1"/>
+          </p:cNvSpPr>
+          <p:nvPr>
+            <p:ph type="title"/>
+          </p:nvPr>
+        </p:nvSpPr>
+        <p:spPr>
+          <a:xfrm>
+            <a:off x="100788" y="112801"/>
+            <a:ext cx="7053542" cy="683886"/>
+          </a:xfrm>
+        </p:spPr>
+        <p:txBody>
+          <a:bodyPr/>
+          <a:lstStyle/>
+          <a:p>
+            <a:r>
+              <a:rPr lang="en-US" dirty="0"/>
+              <a:t>List Slicing</a:t>
+            </a:r>
+          </a:p>
+        </p:txBody>
+      </p:sp>
+      <p:sp>
+        <p:nvSpPr>
+          <p:cNvPr id="9" name="Content Placeholder 8">
+            <a:extLst>
+              <a:ext uri="{FF2B5EF4-FFF2-40B4-BE49-F238E27FC236}">
+                <a16:creationId xmlns:a16="http://schemas.microsoft.com/office/drawing/2014/main" id="{E3B2E017-30B2-884B-A113-B419A2ED51AD}"/>
+              </a:ext>
+            </a:extLst>
+          </p:cNvPr>
+          <p:cNvSpPr>
+            <a:spLocks noGrp="1"/>
+          </p:cNvSpPr>
+          <p:nvPr>
+            <p:ph idx="1"/>
+          </p:nvPr>
+        </p:nvSpPr>
+        <p:spPr>
+          <a:xfrm>
+            <a:off x="191284" y="796687"/>
+            <a:ext cx="8344289" cy="4715350"/>
+          </a:xfrm>
+        </p:spPr>
+        <p:txBody>
+          <a:bodyPr>
+            <a:normAutofit/>
+          </a:bodyPr>
+          <a:lstStyle/>
+          <a:p>
+            <a:pPr marL="0" indent="0">
+              <a:buNone/>
+            </a:pPr>
+            <a:endParaRPr lang="en-US" b="1" dirty="0">
+              <a:latin typeface="Inconsolata" panose="020B0609030003000000" pitchFamily="49" charset="77"/>
+            </a:endParaRPr>
+          </a:p>
+          <a:p>
+            <a:pPr marL="0" indent="0">
+              <a:buNone/>
+            </a:pPr>
+            <a:endParaRPr lang="en-US" b="1" dirty="0">
+              <a:latin typeface="Inconsolata" panose="020B0609030003000000" pitchFamily="49" charset="77"/>
+            </a:endParaRPr>
+          </a:p>
+          <a:p>
+            <a:pPr marL="0" indent="0">
+              <a:buNone/>
+            </a:pPr>
+            <a:endParaRPr lang="en-US" b="1" dirty="0">
+              <a:latin typeface="Inconsolata" panose="020B0609030003000000" pitchFamily="49" charset="77"/>
+            </a:endParaRPr>
+          </a:p>
+          <a:p>
+            <a:pPr marL="0" indent="0">
+              <a:buNone/>
+            </a:pPr>
+            <a:r>
+              <a:rPr lang="en-US" b="1" dirty="0">
+                <a:solidFill>
+                  <a:srgbClr val="000087"/>
+                </a:solidFill>
+                <a:latin typeface="Inconsolata" panose="020B0609030003000000" pitchFamily="49" charset="77"/>
+              </a:rPr>
+              <a:t>L </a:t>
+            </a:r>
+            <a:r>
+              <a:rPr lang="en-US" b="1" dirty="0">
+                <a:solidFill>
+                  <a:srgbClr val="545454"/>
+                </a:solidFill>
+                <a:latin typeface="Inconsolata" panose="020B0609030003000000" pitchFamily="49" charset="77"/>
+              </a:rPr>
+              <a:t>= </a:t>
+            </a:r>
+            <a:r>
+              <a:rPr lang="en-US" b="1" dirty="0">
+                <a:latin typeface="Inconsolata" panose="020B0609030003000000" pitchFamily="49" charset="77"/>
+              </a:rPr>
+              <a:t>[</a:t>
+            </a:r>
+            <a:r>
+              <a:rPr lang="en-US" b="1" dirty="0">
+                <a:solidFill>
+                  <a:srgbClr val="FF6600"/>
+                </a:solidFill>
+                <a:latin typeface="Inconsolata" panose="020B0609030003000000" pitchFamily="49" charset="77"/>
+              </a:rPr>
+              <a:t>10</a:t>
+            </a:r>
+            <a:r>
+              <a:rPr lang="en-US" b="1" dirty="0">
+                <a:latin typeface="Inconsolata" panose="020B0609030003000000" pitchFamily="49" charset="77"/>
+              </a:rPr>
+              <a:t>, </a:t>
+            </a:r>
+            <a:r>
+              <a:rPr lang="en-US" b="1" dirty="0">
+                <a:solidFill>
+                  <a:srgbClr val="FF6600"/>
+                </a:solidFill>
+                <a:latin typeface="Inconsolata" panose="020B0609030003000000" pitchFamily="49" charset="77"/>
+              </a:rPr>
+              <a:t>-2</a:t>
+            </a:r>
+            <a:r>
+              <a:rPr lang="en-US" b="1" dirty="0">
+                <a:latin typeface="Inconsolata" panose="020B0609030003000000" pitchFamily="49" charset="77"/>
+              </a:rPr>
+              <a:t>, </a:t>
+            </a:r>
+            <a:r>
+              <a:rPr lang="en-US" b="1" dirty="0">
+                <a:solidFill>
+                  <a:srgbClr val="FF6600"/>
+                </a:solidFill>
+                <a:latin typeface="Inconsolata" panose="020B0609030003000000" pitchFamily="49" charset="77"/>
+              </a:rPr>
+              <a:t>1</a:t>
+            </a:r>
+            <a:r>
+              <a:rPr lang="en-US" b="1" dirty="0">
+                <a:latin typeface="Inconsolata" panose="020B0609030003000000" pitchFamily="49" charset="77"/>
+              </a:rPr>
+              <a:t>, </a:t>
+            </a:r>
+            <a:r>
+              <a:rPr lang="en-US" b="1" dirty="0">
+                <a:solidFill>
+                  <a:srgbClr val="FF6600"/>
+                </a:solidFill>
+                <a:latin typeface="Inconsolata" panose="020B0609030003000000" pitchFamily="49" charset="77"/>
+              </a:rPr>
+              <a:t>6</a:t>
+            </a:r>
+            <a:r>
+              <a:rPr lang="en-US" b="1" dirty="0">
+                <a:latin typeface="Inconsolata" panose="020B0609030003000000" pitchFamily="49" charset="77"/>
+              </a:rPr>
+              <a:t>, </a:t>
+            </a:r>
+            <a:r>
+              <a:rPr lang="en-US" b="1" dirty="0">
+                <a:solidFill>
+                  <a:srgbClr val="FF6600"/>
+                </a:solidFill>
+                <a:latin typeface="Inconsolata" panose="020B0609030003000000" pitchFamily="49" charset="77"/>
+              </a:rPr>
+              <a:t>2</a:t>
+            </a:r>
+            <a:r>
+              <a:rPr lang="en-US" b="1" dirty="0">
+                <a:latin typeface="Inconsolata" panose="020B0609030003000000" pitchFamily="49" charset="77"/>
+              </a:rPr>
+              <a:t>]</a:t>
+            </a:r>
+          </a:p>
+          <a:p>
+            <a:pPr marL="0" indent="0">
+              <a:buNone/>
+            </a:pPr>
+            <a:r>
+              <a:rPr lang="en-US" b="1" dirty="0">
+                <a:solidFill>
+                  <a:srgbClr val="000087"/>
+                </a:solidFill>
+                <a:latin typeface="Inconsolata" panose="020B0609030003000000" pitchFamily="49" charset="77"/>
+              </a:rPr>
+              <a:t>print(L</a:t>
+            </a:r>
+            <a:r>
+              <a:rPr lang="en-US" b="1" dirty="0">
+                <a:latin typeface="Inconsolata" panose="020B0609030003000000" pitchFamily="49" charset="77"/>
+              </a:rPr>
+              <a:t>[</a:t>
+            </a:r>
+            <a:r>
+              <a:rPr lang="en-US" b="1" dirty="0">
+                <a:solidFill>
+                  <a:srgbClr val="FF6600"/>
+                </a:solidFill>
+                <a:latin typeface="Inconsolata" panose="020B0609030003000000" pitchFamily="49" charset="77"/>
+              </a:rPr>
+              <a:t>1</a:t>
+            </a:r>
+            <a:r>
+              <a:rPr lang="en-US" b="1" dirty="0">
+                <a:latin typeface="Inconsolata" panose="020B0609030003000000" pitchFamily="49" charset="77"/>
+              </a:rPr>
+              <a:t>:</a:t>
+            </a:r>
+            <a:r>
+              <a:rPr lang="en-US" b="1" dirty="0">
+                <a:solidFill>
+                  <a:srgbClr val="FF6600"/>
+                </a:solidFill>
+                <a:latin typeface="Inconsolata" panose="020B0609030003000000" pitchFamily="49" charset="77"/>
+              </a:rPr>
+              <a:t>3</a:t>
+            </a:r>
+            <a:r>
+              <a:rPr lang="en-US" b="1" dirty="0">
+                <a:latin typeface="Inconsolata" panose="020B0609030003000000" pitchFamily="49" charset="77"/>
+              </a:rPr>
+              <a:t>]) </a:t>
+            </a:r>
+            <a:r>
+              <a:rPr lang="en-US" b="1" dirty="0">
+                <a:solidFill>
+                  <a:srgbClr val="33566B"/>
+                </a:solidFill>
+                <a:latin typeface="Inconsolata" panose="020B0609030003000000" pitchFamily="49" charset="77"/>
+              </a:rPr>
+              <a:t>		# </a:t>
+            </a:r>
+            <a:r>
+              <a:rPr lang="en-US" b="1" dirty="0">
+                <a:latin typeface="Inconsolata" panose="020B0609030003000000" pitchFamily="49" charset="77"/>
+              </a:rPr>
+              <a:t>[-2, 1] </a:t>
+            </a:r>
+          </a:p>
+          <a:p>
+            <a:pPr marL="0" indent="0">
+              <a:buNone/>
+            </a:pPr>
+            <a:r>
+              <a:rPr lang="en-US" b="1" dirty="0">
+                <a:solidFill>
+                  <a:srgbClr val="000087"/>
+                </a:solidFill>
+                <a:latin typeface="Inconsolata" panose="020B0609030003000000" pitchFamily="49" charset="77"/>
+              </a:rPr>
+              <a:t>print(L</a:t>
+            </a:r>
+            <a:r>
+              <a:rPr lang="en-US" b="1" dirty="0">
+                <a:latin typeface="Inconsolata" panose="020B0609030003000000" pitchFamily="49" charset="77"/>
+              </a:rPr>
+              <a:t>[:</a:t>
+            </a:r>
+            <a:r>
+              <a:rPr lang="en-US" b="1" dirty="0">
+                <a:solidFill>
+                  <a:srgbClr val="FF6600"/>
+                </a:solidFill>
+                <a:latin typeface="Inconsolata" panose="020B0609030003000000" pitchFamily="49" charset="77"/>
+              </a:rPr>
+              <a:t>3</a:t>
+            </a:r>
+            <a:r>
+              <a:rPr lang="en-US" b="1" dirty="0">
+                <a:latin typeface="Inconsolata" panose="020B0609030003000000" pitchFamily="49" charset="77"/>
+              </a:rPr>
+              <a:t>]) </a:t>
+            </a:r>
+            <a:r>
+              <a:rPr lang="en-US" b="1" dirty="0">
+                <a:solidFill>
+                  <a:srgbClr val="33566B"/>
+                </a:solidFill>
+                <a:latin typeface="Inconsolata" panose="020B0609030003000000" pitchFamily="49" charset="77"/>
+              </a:rPr>
+              <a:t>		# </a:t>
+            </a:r>
+            <a:r>
+              <a:rPr lang="en-US" b="1" dirty="0">
+                <a:latin typeface="Inconsolata" panose="020B0609030003000000" pitchFamily="49" charset="77"/>
+              </a:rPr>
+              <a:t>[10, -2, 1] </a:t>
+            </a:r>
+          </a:p>
+          <a:p>
+            <a:pPr marL="0" indent="0">
+              <a:buNone/>
+            </a:pPr>
+            <a:r>
+              <a:rPr lang="en-US" b="1" dirty="0">
+                <a:solidFill>
+                  <a:srgbClr val="000087"/>
+                </a:solidFill>
+                <a:latin typeface="Inconsolata" panose="020B0609030003000000" pitchFamily="49" charset="77"/>
+              </a:rPr>
+              <a:t>print(L</a:t>
+            </a:r>
+            <a:r>
+              <a:rPr lang="en-US" b="1" dirty="0">
+                <a:latin typeface="Inconsolata" panose="020B0609030003000000" pitchFamily="49" charset="77"/>
+              </a:rPr>
+              <a:t>[</a:t>
+            </a:r>
+            <a:r>
+              <a:rPr lang="en-US" b="1" dirty="0">
+                <a:solidFill>
+                  <a:srgbClr val="FF6600"/>
+                </a:solidFill>
+                <a:latin typeface="Inconsolata" panose="020B0609030003000000" pitchFamily="49" charset="77"/>
+              </a:rPr>
+              <a:t>1</a:t>
+            </a:r>
+            <a:r>
+              <a:rPr lang="en-US" b="1" dirty="0">
+                <a:latin typeface="Inconsolata" panose="020B0609030003000000" pitchFamily="49" charset="77"/>
+              </a:rPr>
+              <a:t>:]) </a:t>
+            </a:r>
+            <a:r>
+              <a:rPr lang="en-US" b="1" dirty="0">
+                <a:solidFill>
+                  <a:srgbClr val="33566B"/>
+                </a:solidFill>
+                <a:latin typeface="Inconsolata" panose="020B0609030003000000" pitchFamily="49" charset="77"/>
+              </a:rPr>
+              <a:t>		# </a:t>
+            </a:r>
+            <a:r>
+              <a:rPr lang="en-US" b="1" dirty="0">
+                <a:latin typeface="Inconsolata" panose="020B0609030003000000" pitchFamily="49" charset="77"/>
+              </a:rPr>
+              <a:t>[-2, 1, 6, 2] </a:t>
+            </a:r>
+          </a:p>
+          <a:p>
+            <a:pPr marL="0" indent="0">
+              <a:buNone/>
+            </a:pPr>
+            <a:r>
+              <a:rPr lang="en-US" b="1" dirty="0">
+                <a:solidFill>
+                  <a:srgbClr val="000087"/>
+                </a:solidFill>
+                <a:latin typeface="Inconsolata" panose="020B0609030003000000" pitchFamily="49" charset="77"/>
+              </a:rPr>
+              <a:t>print(L</a:t>
+            </a:r>
+            <a:r>
+              <a:rPr lang="en-US" b="1" dirty="0">
+                <a:latin typeface="Inconsolata" panose="020B0609030003000000" pitchFamily="49" charset="77"/>
+              </a:rPr>
+              <a:t>[</a:t>
+            </a:r>
+            <a:r>
+              <a:rPr lang="en-US" b="1" dirty="0">
+                <a:solidFill>
+                  <a:srgbClr val="FF6600"/>
+                </a:solidFill>
+                <a:latin typeface="Inconsolata" panose="020B0609030003000000" pitchFamily="49" charset="77"/>
+              </a:rPr>
+              <a:t>0</a:t>
+            </a:r>
+            <a:r>
+              <a:rPr lang="en-US" b="1" dirty="0">
+                <a:latin typeface="Inconsolata" panose="020B0609030003000000" pitchFamily="49" charset="77"/>
+              </a:rPr>
+              <a:t>:</a:t>
+            </a:r>
+            <a:r>
+              <a:rPr lang="en-US" b="1" dirty="0">
+                <a:solidFill>
+                  <a:srgbClr val="FF6600"/>
+                </a:solidFill>
+                <a:latin typeface="Inconsolata" panose="020B0609030003000000" pitchFamily="49" charset="77"/>
+              </a:rPr>
+              <a:t>4</a:t>
+            </a:r>
+            <a:r>
+              <a:rPr lang="en-US" b="1" dirty="0">
+                <a:latin typeface="Inconsolata" panose="020B0609030003000000" pitchFamily="49" charset="77"/>
+              </a:rPr>
+              <a:t>:</a:t>
+            </a:r>
+            <a:r>
+              <a:rPr lang="en-US" b="1" dirty="0">
+                <a:solidFill>
+                  <a:srgbClr val="FF6600"/>
+                </a:solidFill>
+                <a:latin typeface="Inconsolata" panose="020B0609030003000000" pitchFamily="49" charset="77"/>
+              </a:rPr>
+              <a:t>2</a:t>
+            </a:r>
+            <a:r>
+              <a:rPr lang="en-US" b="1" dirty="0">
+                <a:latin typeface="Inconsolata" panose="020B0609030003000000" pitchFamily="49" charset="77"/>
+              </a:rPr>
+              <a:t>]) </a:t>
+            </a:r>
+            <a:r>
+              <a:rPr lang="en-US" b="1" dirty="0">
+                <a:solidFill>
+                  <a:srgbClr val="33566B"/>
+                </a:solidFill>
+                <a:latin typeface="Inconsolata" panose="020B0609030003000000" pitchFamily="49" charset="77"/>
+              </a:rPr>
+              <a:t>	# </a:t>
+            </a:r>
+            <a:r>
+              <a:rPr lang="en-US" b="1" dirty="0">
+                <a:latin typeface="Inconsolata" panose="020B0609030003000000" pitchFamily="49" charset="77"/>
+              </a:rPr>
+              <a:t>[1, 3] </a:t>
+            </a:r>
+          </a:p>
+          <a:p>
+            <a:pPr marL="0" indent="0">
+              <a:buNone/>
+            </a:pPr>
+            <a:r>
+              <a:rPr lang="en-US" b="1" dirty="0">
+                <a:solidFill>
+                  <a:srgbClr val="000087"/>
+                </a:solidFill>
+                <a:latin typeface="Inconsolata" panose="020B0609030003000000" pitchFamily="49" charset="77"/>
+              </a:rPr>
+              <a:t>print(L</a:t>
+            </a:r>
+            <a:r>
+              <a:rPr lang="en-US" b="1" dirty="0">
+                <a:latin typeface="Inconsolata" panose="020B0609030003000000" pitchFamily="49" charset="77"/>
+              </a:rPr>
+              <a:t>[:]) </a:t>
+            </a:r>
+            <a:r>
+              <a:rPr lang="en-US" b="1" dirty="0">
+                <a:solidFill>
+                  <a:srgbClr val="33566B"/>
+                </a:solidFill>
+                <a:latin typeface="Inconsolata" panose="020B0609030003000000" pitchFamily="49" charset="77"/>
+              </a:rPr>
+              <a:t>		# </a:t>
+            </a:r>
+            <a:r>
+              <a:rPr lang="en-US" b="1" dirty="0">
+                <a:latin typeface="Inconsolata" panose="020B0609030003000000" pitchFamily="49" charset="77"/>
+              </a:rPr>
+              <a:t>[1, 2, 3, 4, 5]</a:t>
+            </a:r>
+            <a:endParaRPr lang="en-US" b="1" dirty="0">
+              <a:solidFill>
+                <a:srgbClr val="000087"/>
+              </a:solidFill>
+              <a:latin typeface="Inconsolata" panose="020B0609030003000000" pitchFamily="49" charset="77"/>
+            </a:endParaRPr>
+          </a:p>
+          <a:p>
+            <a:pPr marL="0" indent="0">
+              <a:buNone/>
+            </a:pPr>
+            <a:r>
+              <a:rPr lang="en-US" b="1" dirty="0">
+                <a:solidFill>
+                  <a:srgbClr val="000087"/>
+                </a:solidFill>
+                <a:latin typeface="Inconsolata" panose="020B0609030003000000" pitchFamily="49" charset="77"/>
+              </a:rPr>
+              <a:t>print(L</a:t>
+            </a:r>
+            <a:r>
+              <a:rPr lang="en-US" b="1" dirty="0">
+                <a:latin typeface="Inconsolata" panose="020B0609030003000000" pitchFamily="49" charset="77"/>
+              </a:rPr>
+              <a:t>[::</a:t>
+            </a:r>
+            <a:r>
+              <a:rPr lang="en-US" b="1" dirty="0">
+                <a:solidFill>
+                  <a:srgbClr val="545454"/>
+                </a:solidFill>
+                <a:latin typeface="Inconsolata" panose="020B0609030003000000" pitchFamily="49" charset="77"/>
+              </a:rPr>
+              <a:t>-</a:t>
+            </a:r>
+            <a:r>
+              <a:rPr lang="en-US" b="1" dirty="0">
+                <a:solidFill>
+                  <a:srgbClr val="FF6600"/>
+                </a:solidFill>
+                <a:latin typeface="Inconsolata" panose="020B0609030003000000" pitchFamily="49" charset="77"/>
+              </a:rPr>
+              <a:t>1</a:t>
+            </a:r>
+            <a:r>
+              <a:rPr lang="en-US" b="1" dirty="0">
+                <a:latin typeface="Inconsolata" panose="020B0609030003000000" pitchFamily="49" charset="77"/>
+              </a:rPr>
+              <a:t>]) </a:t>
+            </a:r>
+            <a:r>
+              <a:rPr lang="en-US" b="1" dirty="0">
+                <a:solidFill>
+                  <a:srgbClr val="33566B"/>
+                </a:solidFill>
+                <a:latin typeface="Inconsolata" panose="020B0609030003000000" pitchFamily="49" charset="77"/>
+              </a:rPr>
+              <a:t>		# </a:t>
+            </a:r>
+            <a:r>
+              <a:rPr lang="en-US" b="1" dirty="0">
+                <a:latin typeface="Inconsolata" panose="020B0609030003000000" pitchFamily="49" charset="77"/>
+              </a:rPr>
+              <a:t>[5, 4, 3, 2, 1] </a:t>
+            </a:r>
+          </a:p>
+          <a:p>
+            <a:pPr marL="0" indent="0">
+              <a:buNone/>
+            </a:pPr>
+            <a:endParaRPr lang="en-US" b="1" dirty="0">
+              <a:solidFill>
+                <a:srgbClr val="000087"/>
+              </a:solidFill>
+              <a:latin typeface="Inconsolata" panose="020B0609030003000000" pitchFamily="49" charset="77"/>
+            </a:endParaRPr>
+          </a:p>
+        </p:txBody>
+      </p:sp>
+      <p:sp>
+        <p:nvSpPr>
+          <p:cNvPr id="3" name="TextBox 2">
+            <a:extLst>
+              <a:ext uri="{FF2B5EF4-FFF2-40B4-BE49-F238E27FC236}">
+                <a16:creationId xmlns:a16="http://schemas.microsoft.com/office/drawing/2014/main" id="{173E9F05-B64E-E749-8B7B-230BB7FDAB0C}"/>
+              </a:ext>
+            </a:extLst>
+          </p:cNvPr>
+          <p:cNvSpPr txBox="1"/>
+          <p:nvPr/>
+        </p:nvSpPr>
+        <p:spPr>
+          <a:xfrm>
+            <a:off x="8767985" y="2076628"/>
+            <a:ext cx="184731" cy="308418"/>
+          </a:xfrm>
+          <a:prstGeom prst="rect">
+            <a:avLst/>
+          </a:prstGeom>
+          <a:noFill/>
+        </p:spPr>
+        <p:txBody>
+          <a:bodyPr wrap="none" rtlCol="0">
+            <a:spAutoFit/>
+          </a:bodyPr>
+          <a:lstStyle/>
+          <a:p>
+            <a:endParaRPr lang="en-US" dirty="0"/>
+          </a:p>
+        </p:txBody>
+      </p:sp>
+    </p:spTree>
+    <p:extLst>
+      <p:ext uri="{BB962C8B-B14F-4D97-AF65-F5344CB8AC3E}">
+        <p14:creationId xmlns:p14="http://schemas.microsoft.com/office/powerpoint/2010/main" val="4250405753"/>
       </p:ext>
     </p:extLst>
   </p:cSld>

--- a/courses/apcsp/lect6.pptx
+++ b/courses/apcsp/lect6.pptx
@@ -147,8 +147,8 @@
 <pc:chgInfo xmlns:a="http://schemas.openxmlformats.org/drawingml/2006/main" xmlns:r="http://schemas.openxmlformats.org/officeDocument/2006/relationships" xmlns:ac="http://schemas.microsoft.com/office/drawing/2013/main/command" xmlns:pc="http://schemas.microsoft.com/office/powerpoint/2013/main/command">
   <pc:docChgLst>
     <pc:chgData name="Long Nguyen" userId="f59fb8f3-a021-417a-8bc1-65c8d471c621" providerId="ADAL" clId="{572F5AE3-38E5-E148-BAA5-C3A513756EA3}"/>
-    <pc:docChg chg="delSld">
-      <pc:chgData name="Long Nguyen" userId="f59fb8f3-a021-417a-8bc1-65c8d471c621" providerId="ADAL" clId="{572F5AE3-38E5-E148-BAA5-C3A513756EA3}" dt="2022-11-14T14:49:26.277" v="0" actId="2696"/>
+    <pc:docChg chg="delSld modSld">
+      <pc:chgData name="Long Nguyen" userId="f59fb8f3-a021-417a-8bc1-65c8d471c621" providerId="ADAL" clId="{572F5AE3-38E5-E148-BAA5-C3A513756EA3}" dt="2022-11-15T16:45:02.065" v="19" actId="20577"/>
       <pc:docMkLst>
         <pc:docMk/>
       </pc:docMkLst>
@@ -158,6 +158,21 @@
           <pc:docMk/>
           <pc:sldMk cId="725508398" sldId="327"/>
         </pc:sldMkLst>
+      </pc:sldChg>
+      <pc:sldChg chg="modSp mod">
+        <pc:chgData name="Long Nguyen" userId="f59fb8f3-a021-417a-8bc1-65c8d471c621" providerId="ADAL" clId="{572F5AE3-38E5-E148-BAA5-C3A513756EA3}" dt="2022-11-15T16:45:02.065" v="19" actId="20577"/>
+        <pc:sldMkLst>
+          <pc:docMk/>
+          <pc:sldMk cId="4250405753" sldId="361"/>
+        </pc:sldMkLst>
+        <pc:spChg chg="mod">
+          <ac:chgData name="Long Nguyen" userId="f59fb8f3-a021-417a-8bc1-65c8d471c621" providerId="ADAL" clId="{572F5AE3-38E5-E148-BAA5-C3A513756EA3}" dt="2022-11-15T16:45:02.065" v="19" actId="20577"/>
+          <ac:spMkLst>
+            <pc:docMk/>
+            <pc:sldMk cId="4250405753" sldId="361"/>
+            <ac:spMk id="9" creationId="{E3B2E017-30B2-884B-A113-B419A2ED51AD}"/>
+          </ac:spMkLst>
+        </pc:spChg>
       </pc:sldChg>
     </pc:docChg>
   </pc:docChgLst>
@@ -3471,7 +3486,7 @@
           <a:p>
             <a:fld id="{472A3191-A823-3A4C-BAE2-BFE2B900BE07}" type="datetimeFigureOut">
               <a:rPr lang="en-US" smtClean="0"/>
-              <a:t>11/14/22</a:t>
+              <a:t>11/15/22</a:t>
             </a:fld>
             <a:endParaRPr lang="en-US"/>
           </a:p>
@@ -3869,7 +3884,7 @@
           <a:p>
             <a:fld id="{47BA3DDC-075C-4A4D-A54B-95D98B8D478A}" type="datetime1">
               <a:rPr lang="en-US" smtClean="0"/>
-              <a:t>11/14/22</a:t>
+              <a:t>11/15/22</a:t>
             </a:fld>
             <a:endParaRPr lang="en-US" dirty="0"/>
           </a:p>
@@ -4039,7 +4054,7 @@
           <a:p>
             <a:fld id="{3B0FA794-F06E-FD4C-A124-E975800EFC4E}" type="datetime1">
               <a:rPr lang="en-US" smtClean="0"/>
-              <a:t>11/14/22</a:t>
+              <a:t>11/15/22</a:t>
             </a:fld>
             <a:endParaRPr lang="en-US" dirty="0"/>
           </a:p>
@@ -4219,7 +4234,7 @@
           <a:p>
             <a:fld id="{75640BA0-BAEC-B84C-9495-6C34748904F6}" type="datetime1">
               <a:rPr lang="en-US" smtClean="0"/>
-              <a:t>11/14/22</a:t>
+              <a:t>11/15/22</a:t>
             </a:fld>
             <a:endParaRPr lang="en-US" dirty="0"/>
           </a:p>
@@ -4389,7 +4404,7 @@
           <a:p>
             <a:fld id="{AEE200F8-8645-EA46-9425-DBABAFD1112F}" type="datetime1">
               <a:rPr lang="en-US" smtClean="0"/>
-              <a:t>11/14/22</a:t>
+              <a:t>11/15/22</a:t>
             </a:fld>
             <a:endParaRPr lang="en-US" dirty="0"/>
           </a:p>
@@ -4635,7 +4650,7 @@
           <a:p>
             <a:fld id="{86F38B6D-1830-6645-B8A8-B1EA68162AEB}" type="datetime1">
               <a:rPr lang="en-US" smtClean="0"/>
-              <a:t>11/14/22</a:t>
+              <a:t>11/15/22</a:t>
             </a:fld>
             <a:endParaRPr lang="en-US" dirty="0"/>
           </a:p>
@@ -4867,7 +4882,7 @@
           <a:p>
             <a:fld id="{FBDB30CD-8874-1849-8C07-31C574BD0F00}" type="datetime1">
               <a:rPr lang="en-US" smtClean="0"/>
-              <a:t>11/14/22</a:t>
+              <a:t>11/15/22</a:t>
             </a:fld>
             <a:endParaRPr lang="en-US" dirty="0"/>
           </a:p>
@@ -5234,7 +5249,7 @@
           <a:p>
             <a:fld id="{9CD31F1E-F5EC-8A4E-89B7-DCE834C81DCA}" type="datetime1">
               <a:rPr lang="en-US" smtClean="0"/>
-              <a:t>11/14/22</a:t>
+              <a:t>11/15/22</a:t>
             </a:fld>
             <a:endParaRPr lang="en-US" dirty="0"/>
           </a:p>
@@ -5352,7 +5367,7 @@
           <a:p>
             <a:fld id="{858DAD96-FF74-1C4D-B421-2B1A1D78B7A3}" type="datetime1">
               <a:rPr lang="en-US" smtClean="0"/>
-              <a:t>11/14/22</a:t>
+              <a:t>11/15/22</a:t>
             </a:fld>
             <a:endParaRPr lang="en-US" dirty="0"/>
           </a:p>
@@ -5447,7 +5462,7 @@
           <a:p>
             <a:fld id="{0422F68F-8F3D-A243-BF92-BEC91234D28D}" type="datetime1">
               <a:rPr lang="en-US" smtClean="0"/>
-              <a:t>11/14/22</a:t>
+              <a:t>11/15/22</a:t>
             </a:fld>
             <a:endParaRPr lang="en-US" dirty="0"/>
           </a:p>
@@ -5724,7 +5739,7 @@
           <a:p>
             <a:fld id="{3E84CF79-FEE6-5147-B1B6-0510538F2C2F}" type="datetime1">
               <a:rPr lang="en-US" smtClean="0"/>
-              <a:t>11/14/22</a:t>
+              <a:t>11/15/22</a:t>
             </a:fld>
             <a:endParaRPr lang="en-US" dirty="0"/>
           </a:p>
@@ -5981,7 +5996,7 @@
           <a:p>
             <a:fld id="{53DFDDFB-467B-F842-B523-CB6956E2725F}" type="datetime1">
               <a:rPr lang="en-US" smtClean="0"/>
-              <a:t>11/14/22</a:t>
+              <a:t>11/15/22</a:t>
             </a:fld>
             <a:endParaRPr lang="en-US" dirty="0"/>
           </a:p>
@@ -6194,7 +6209,7 @@
           <a:p>
             <a:fld id="{A6BEBF30-A8B2-7F48-95AD-DD4EBFBBC815}" type="datetime1">
               <a:rPr lang="en-US" smtClean="0"/>
-              <a:t>11/14/22</a:t>
+              <a:t>11/15/22</a:t>
             </a:fld>
             <a:endParaRPr lang="en-US" dirty="0"/>
           </a:p>
@@ -26653,7 +26668,7 @@
               <a:rPr lang="en-US" b="1" dirty="0">
                 <a:latin typeface="Inconsolata" panose="020B0609030003000000" pitchFamily="49" charset="77"/>
               </a:rPr>
-              <a:t>[1, 3] </a:t>
+              <a:t>[10, 1] </a:t>
             </a:r>
           </a:p>
           <a:p>
@@ -26688,7 +26703,7 @@
               <a:rPr lang="en-US" b="1" dirty="0">
                 <a:latin typeface="Inconsolata" panose="020B0609030003000000" pitchFamily="49" charset="77"/>
               </a:rPr>
-              <a:t>[1, 2, 3, 4, 5]</a:t>
+              <a:t>[10, -2, 1, 6, 2]</a:t>
             </a:r>
             <a:endParaRPr lang="en-US" b="1" dirty="0">
               <a:solidFill>
@@ -26753,7 +26768,7 @@
               <a:rPr lang="en-US" b="1" dirty="0">
                 <a:latin typeface="Inconsolata" panose="020B0609030003000000" pitchFamily="49" charset="77"/>
               </a:rPr>
-              <a:t>[5, 4, 3, 2, 1] </a:t>
+              <a:t>[2, 6, 1, -2, 10] </a:t>
             </a:r>
           </a:p>
           <a:p>

--- a/courses/apcsp/lect6.pptx
+++ b/courses/apcsp/lect6.pptx
@@ -5,7 +5,7 @@
     <p:sldMasterId id="2147483791" r:id="rId1"/>
   </p:sldMasterIdLst>
   <p:notesMasterIdLst>
-    <p:notesMasterId r:id="rId31"/>
+    <p:notesMasterId r:id="rId35"/>
   </p:notesMasterIdLst>
   <p:sldIdLst>
     <p:sldId id="256" r:id="rId2"/>
@@ -34,9 +34,13 @@
     <p:sldId id="337" r:id="rId25"/>
     <p:sldId id="359" r:id="rId26"/>
     <p:sldId id="360" r:id="rId27"/>
-    <p:sldId id="341" r:id="rId28"/>
-    <p:sldId id="346" r:id="rId29"/>
-    <p:sldId id="284" r:id="rId30"/>
+    <p:sldId id="363" r:id="rId28"/>
+    <p:sldId id="364" r:id="rId29"/>
+    <p:sldId id="365" r:id="rId30"/>
+    <p:sldId id="366" r:id="rId31"/>
+    <p:sldId id="341" r:id="rId32"/>
+    <p:sldId id="346" r:id="rId33"/>
+    <p:sldId id="284" r:id="rId34"/>
   </p:sldIdLst>
   <p:sldSz cx="9144000" cy="5715000" type="screen16x10"/>
   <p:notesSz cx="6858000" cy="9144000"/>
@@ -143,15 +147,38 @@
 </p:presentation>
 </file>
 
+<file path=ppt/revisionInfo.xml><?xml version="1.0" encoding="utf-8"?>
+<p1510:revInfo xmlns:a="http://schemas.openxmlformats.org/drawingml/2006/main" xmlns:r="http://schemas.openxmlformats.org/officeDocument/2006/relationships" xmlns:p1510="http://schemas.microsoft.com/office/powerpoint/2015/10/main">
+  <p1510:revLst>
+    <p1510:client id="{572F5AE3-38E5-E148-BAA5-C3A513756EA3}" v="12" dt="2022-11-15T17:05:21.325"/>
+  </p1510:revLst>
+</p1510:revInfo>
+</file>
+
 <file path=ppt/changesInfos/changesInfo1.xml><?xml version="1.0" encoding="utf-8"?>
 <pc:chgInfo xmlns:a="http://schemas.openxmlformats.org/drawingml/2006/main" xmlns:r="http://schemas.openxmlformats.org/officeDocument/2006/relationships" xmlns:ac="http://schemas.microsoft.com/office/drawing/2013/main/command" xmlns:pc="http://schemas.microsoft.com/office/powerpoint/2013/main/command">
   <pc:docChgLst>
     <pc:chgData name="Long Nguyen" userId="f59fb8f3-a021-417a-8bc1-65c8d471c621" providerId="ADAL" clId="{572F5AE3-38E5-E148-BAA5-C3A513756EA3}"/>
-    <pc:docChg chg="delSld modSld">
-      <pc:chgData name="Long Nguyen" userId="f59fb8f3-a021-417a-8bc1-65c8d471c621" providerId="ADAL" clId="{572F5AE3-38E5-E148-BAA5-C3A513756EA3}" dt="2022-11-15T16:45:02.065" v="19" actId="20577"/>
+    <pc:docChg chg="undo custSel addSld delSld modSld">
+      <pc:chgData name="Long Nguyen" userId="f59fb8f3-a021-417a-8bc1-65c8d471c621" providerId="ADAL" clId="{572F5AE3-38E5-E148-BAA5-C3A513756EA3}" dt="2022-11-15T17:05:29.668" v="95" actId="2696"/>
       <pc:docMkLst>
         <pc:docMk/>
       </pc:docMkLst>
+      <pc:sldChg chg="modSp mod">
+        <pc:chgData name="Long Nguyen" userId="f59fb8f3-a021-417a-8bc1-65c8d471c621" providerId="ADAL" clId="{572F5AE3-38E5-E148-BAA5-C3A513756EA3}" dt="2022-11-15T16:57:03.470" v="46" actId="20577"/>
+        <pc:sldMkLst>
+          <pc:docMk/>
+          <pc:sldMk cId="2259044443" sldId="300"/>
+        </pc:sldMkLst>
+        <pc:graphicFrameChg chg="mod modGraphic">
+          <ac:chgData name="Long Nguyen" userId="f59fb8f3-a021-417a-8bc1-65c8d471c621" providerId="ADAL" clId="{572F5AE3-38E5-E148-BAA5-C3A513756EA3}" dt="2022-11-15T16:57:03.470" v="46" actId="20577"/>
+          <ac:graphicFrameMkLst>
+            <pc:docMk/>
+            <pc:sldMk cId="2259044443" sldId="300"/>
+            <ac:graphicFrameMk id="3" creationId="{57EBABBC-BF53-D54B-B535-A6EEF3CDBAF8}"/>
+          </ac:graphicFrameMkLst>
+        </pc:graphicFrameChg>
+      </pc:sldChg>
       <pc:sldChg chg="del">
         <pc:chgData name="Long Nguyen" userId="f59fb8f3-a021-417a-8bc1-65c8d471c621" providerId="ADAL" clId="{572F5AE3-38E5-E148-BAA5-C3A513756EA3}" dt="2022-11-14T14:49:26.277" v="0" actId="2696"/>
         <pc:sldMkLst>
@@ -173,6 +200,129 @@
             <ac:spMk id="9" creationId="{E3B2E017-30B2-884B-A113-B419A2ED51AD}"/>
           </ac:spMkLst>
         </pc:spChg>
+      </pc:sldChg>
+      <pc:sldChg chg="addSp delSp modSp new del mod">
+        <pc:chgData name="Long Nguyen" userId="f59fb8f3-a021-417a-8bc1-65c8d471c621" providerId="ADAL" clId="{572F5AE3-38E5-E148-BAA5-C3A513756EA3}" dt="2022-11-15T17:05:29.668" v="95" actId="2696"/>
+        <pc:sldMkLst>
+          <pc:docMk/>
+          <pc:sldMk cId="4141950365" sldId="362"/>
+        </pc:sldMkLst>
+        <pc:picChg chg="add del mod">
+          <ac:chgData name="Long Nguyen" userId="f59fb8f3-a021-417a-8bc1-65c8d471c621" providerId="ADAL" clId="{572F5AE3-38E5-E148-BAA5-C3A513756EA3}" dt="2022-11-15T17:05:13.409" v="86" actId="478"/>
+          <ac:picMkLst>
+            <pc:docMk/>
+            <pc:sldMk cId="4141950365" sldId="362"/>
+            <ac:picMk id="5" creationId="{CC26E8F9-A302-3560-474A-6034CC71EC05}"/>
+          </ac:picMkLst>
+        </pc:picChg>
+        <pc:picChg chg="add del mod">
+          <ac:chgData name="Long Nguyen" userId="f59fb8f3-a021-417a-8bc1-65c8d471c621" providerId="ADAL" clId="{572F5AE3-38E5-E148-BAA5-C3A513756EA3}" dt="2022-11-15T17:05:19.075" v="89" actId="21"/>
+          <ac:picMkLst>
+            <pc:docMk/>
+            <pc:sldMk cId="4141950365" sldId="362"/>
+            <ac:picMk id="6" creationId="{8122B7DA-A254-2E4A-FA11-16D4CFAB2871}"/>
+          </ac:picMkLst>
+        </pc:picChg>
+      </pc:sldChg>
+      <pc:sldChg chg="addSp modSp add mod modAnim">
+        <pc:chgData name="Long Nguyen" userId="f59fb8f3-a021-417a-8bc1-65c8d471c621" providerId="ADAL" clId="{572F5AE3-38E5-E148-BAA5-C3A513756EA3}" dt="2022-11-15T17:03:36.712" v="73" actId="14100"/>
+        <pc:sldMkLst>
+          <pc:docMk/>
+          <pc:sldMk cId="2969689730" sldId="363"/>
+        </pc:sldMkLst>
+        <pc:spChg chg="mod">
+          <ac:chgData name="Long Nguyen" userId="f59fb8f3-a021-417a-8bc1-65c8d471c621" providerId="ADAL" clId="{572F5AE3-38E5-E148-BAA5-C3A513756EA3}" dt="2022-11-15T16:59:22.588" v="70" actId="20577"/>
+          <ac:spMkLst>
+            <pc:docMk/>
+            <pc:sldMk cId="2969689730" sldId="363"/>
+            <ac:spMk id="2" creationId="{AA3A228F-61D0-D949-A5E7-F83756230BF8}"/>
+          </ac:spMkLst>
+        </pc:spChg>
+        <pc:spChg chg="mod">
+          <ac:chgData name="Long Nguyen" userId="f59fb8f3-a021-417a-8bc1-65c8d471c621" providerId="ADAL" clId="{572F5AE3-38E5-E148-BAA5-C3A513756EA3}" dt="2022-11-15T16:59:14.181" v="50" actId="20577"/>
+          <ac:spMkLst>
+            <pc:docMk/>
+            <pc:sldMk cId="2969689730" sldId="363"/>
+            <ac:spMk id="9" creationId="{E3B2E017-30B2-884B-A113-B419A2ED51AD}"/>
+          </ac:spMkLst>
+        </pc:spChg>
+        <pc:picChg chg="add mod">
+          <ac:chgData name="Long Nguyen" userId="f59fb8f3-a021-417a-8bc1-65c8d471c621" providerId="ADAL" clId="{572F5AE3-38E5-E148-BAA5-C3A513756EA3}" dt="2022-11-15T17:03:36.712" v="73" actId="14100"/>
+          <ac:picMkLst>
+            <pc:docMk/>
+            <pc:sldMk cId="2969689730" sldId="363"/>
+            <ac:picMk id="4" creationId="{97F6A7AB-5082-9135-7770-31E9FAC05D73}"/>
+          </ac:picMkLst>
+        </pc:picChg>
+      </pc:sldChg>
+      <pc:sldChg chg="addSp delSp modSp add mod">
+        <pc:chgData name="Long Nguyen" userId="f59fb8f3-a021-417a-8bc1-65c8d471c621" providerId="ADAL" clId="{572F5AE3-38E5-E148-BAA5-C3A513756EA3}" dt="2022-11-15T17:04:08.543" v="79" actId="14100"/>
+        <pc:sldMkLst>
+          <pc:docMk/>
+          <pc:sldMk cId="195093262" sldId="364"/>
+        </pc:sldMkLst>
+        <pc:picChg chg="del">
+          <ac:chgData name="Long Nguyen" userId="f59fb8f3-a021-417a-8bc1-65c8d471c621" providerId="ADAL" clId="{572F5AE3-38E5-E148-BAA5-C3A513756EA3}" dt="2022-11-15T17:03:40.694" v="75" actId="478"/>
+          <ac:picMkLst>
+            <pc:docMk/>
+            <pc:sldMk cId="195093262" sldId="364"/>
+            <ac:picMk id="4" creationId="{97F6A7AB-5082-9135-7770-31E9FAC05D73}"/>
+          </ac:picMkLst>
+        </pc:picChg>
+        <pc:picChg chg="add mod">
+          <ac:chgData name="Long Nguyen" userId="f59fb8f3-a021-417a-8bc1-65c8d471c621" providerId="ADAL" clId="{572F5AE3-38E5-E148-BAA5-C3A513756EA3}" dt="2022-11-15T17:04:08.543" v="79" actId="14100"/>
+          <ac:picMkLst>
+            <pc:docMk/>
+            <pc:sldMk cId="195093262" sldId="364"/>
+            <ac:picMk id="5" creationId="{2D5FCEC5-9180-E14E-CEB9-28A39E5E04FB}"/>
+          </ac:picMkLst>
+        </pc:picChg>
+      </pc:sldChg>
+      <pc:sldChg chg="addSp delSp modSp add mod">
+        <pc:chgData name="Long Nguyen" userId="f59fb8f3-a021-417a-8bc1-65c8d471c621" providerId="ADAL" clId="{572F5AE3-38E5-E148-BAA5-C3A513756EA3}" dt="2022-11-15T17:04:35.410" v="84" actId="14100"/>
+        <pc:sldMkLst>
+          <pc:docMk/>
+          <pc:sldMk cId="2171160877" sldId="365"/>
+        </pc:sldMkLst>
+        <pc:picChg chg="add mod">
+          <ac:chgData name="Long Nguyen" userId="f59fb8f3-a021-417a-8bc1-65c8d471c621" providerId="ADAL" clId="{572F5AE3-38E5-E148-BAA5-C3A513756EA3}" dt="2022-11-15T17:04:35.410" v="84" actId="14100"/>
+          <ac:picMkLst>
+            <pc:docMk/>
+            <pc:sldMk cId="2171160877" sldId="365"/>
+            <ac:picMk id="4" creationId="{DA4B0978-4B51-ADA8-E558-73D64272BD86}"/>
+          </ac:picMkLst>
+        </pc:picChg>
+        <pc:picChg chg="del">
+          <ac:chgData name="Long Nguyen" userId="f59fb8f3-a021-417a-8bc1-65c8d471c621" providerId="ADAL" clId="{572F5AE3-38E5-E148-BAA5-C3A513756EA3}" dt="2022-11-15T17:04:12.474" v="81" actId="478"/>
+          <ac:picMkLst>
+            <pc:docMk/>
+            <pc:sldMk cId="2171160877" sldId="365"/>
+            <ac:picMk id="5" creationId="{2D5FCEC5-9180-E14E-CEB9-28A39E5E04FB}"/>
+          </ac:picMkLst>
+        </pc:picChg>
+      </pc:sldChg>
+      <pc:sldChg chg="addSp delSp modSp add mod">
+        <pc:chgData name="Long Nguyen" userId="f59fb8f3-a021-417a-8bc1-65c8d471c621" providerId="ADAL" clId="{572F5AE3-38E5-E148-BAA5-C3A513756EA3}" dt="2022-11-15T17:05:27.354" v="94" actId="1076"/>
+        <pc:sldMkLst>
+          <pc:docMk/>
+          <pc:sldMk cId="2732714418" sldId="366"/>
+        </pc:sldMkLst>
+        <pc:picChg chg="del">
+          <ac:chgData name="Long Nguyen" userId="f59fb8f3-a021-417a-8bc1-65c8d471c621" providerId="ADAL" clId="{572F5AE3-38E5-E148-BAA5-C3A513756EA3}" dt="2022-11-15T17:05:20.893" v="90" actId="478"/>
+          <ac:picMkLst>
+            <pc:docMk/>
+            <pc:sldMk cId="2732714418" sldId="366"/>
+            <ac:picMk id="4" creationId="{DA4B0978-4B51-ADA8-E558-73D64272BD86}"/>
+          </ac:picMkLst>
+        </pc:picChg>
+        <pc:picChg chg="add mod">
+          <ac:chgData name="Long Nguyen" userId="f59fb8f3-a021-417a-8bc1-65c8d471c621" providerId="ADAL" clId="{572F5AE3-38E5-E148-BAA5-C3A513756EA3}" dt="2022-11-15T17:05:27.354" v="94" actId="1076"/>
+          <ac:picMkLst>
+            <pc:docMk/>
+            <pc:sldMk cId="2732714418" sldId="366"/>
+            <ac:picMk id="5" creationId="{6583F853-355A-9932-94C8-BF50C6E0433A}"/>
+          </ac:picMkLst>
+        </pc:picChg>
       </pc:sldChg>
     </pc:docChg>
   </pc:docChgLst>
@@ -18358,14 +18508,14 @@
           <p:nvPr>
             <p:extLst>
               <p:ext uri="{D42A27DB-BD31-4B8C-83A1-F6EECF244321}">
-                <p14:modId xmlns:p14="http://schemas.microsoft.com/office/powerpoint/2010/main" val="2780242689"/>
+                <p14:modId xmlns:p14="http://schemas.microsoft.com/office/powerpoint/2010/main" val="593147432"/>
               </p:ext>
             </p:extLst>
           </p:nvPr>
         </p:nvGraphicFramePr>
         <p:xfrm>
-          <a:off x="564883" y="2033726"/>
-          <a:ext cx="8293100" cy="3073400"/>
+          <a:off x="222250" y="1686884"/>
+          <a:ext cx="8293100" cy="3336889"/>
         </p:xfrm>
         <a:graphic>
           <a:graphicData uri="http://schemas.openxmlformats.org/drawingml/2006/table">
@@ -18389,7 +18539,7 @@
                   </a:extLst>
                 </a:gridCol>
               </a:tblGrid>
-              <a:tr h="604520">
+              <a:tr h="593689">
                 <a:tc>
                   <a:txBody>
                     <a:bodyPr/>
@@ -18492,7 +18642,7 @@
                             <a:srgbClr val="FF0000"/>
                           </a:solidFill>
                         </a:rPr>
-                        <a:t>pop(index=-1)</a:t>
+                        <a:t>pop(index)</a:t>
                       </a:r>
                     </a:p>
                   </a:txBody>
@@ -18505,7 +18655,7 @@
                     <a:p>
                       <a:r>
                         <a:rPr lang="en-US" sz="1800" dirty="0"/>
-                        <a:t>removes object at index from list, shifts elements left and returns removed object. Returns last element if index is omitted. The index parameter is optional(default = -1)</a:t>
+                        <a:t>removes object at index from list, shifts elements left and returns removed object. Returns last element if index is omitted. The index parameter is optional(default to last element).</a:t>
                       </a:r>
                     </a:p>
                   </a:txBody>
@@ -21804,7 +21954,7 @@
         </p:nvSpPr>
         <p:spPr>
           <a:xfrm>
-            <a:off x="96552" y="84791"/>
+            <a:off x="129091" y="48157"/>
             <a:ext cx="7053542" cy="683886"/>
           </a:xfrm>
         </p:spPr>
@@ -21814,7 +21964,7 @@
           <a:p>
             <a:r>
               <a:rPr lang="en-US" dirty="0"/>
-              <a:t>Lab 1</a:t>
+              <a:t>AP Exam: Lists API</a:t>
             </a:r>
           </a:p>
         </p:txBody>
@@ -21837,8 +21987,8 @@
         </p:nvSpPr>
         <p:spPr>
           <a:xfrm>
-            <a:off x="174929" y="829637"/>
-            <a:ext cx="8360645" cy="4885363"/>
+            <a:off x="0" y="656216"/>
+            <a:ext cx="9144000" cy="4924566"/>
           </a:xfrm>
         </p:spPr>
         <p:txBody>
@@ -21850,84 +22000,8 @@
             <a:pPr marL="0" indent="0">
               <a:buNone/>
             </a:pPr>
-            <a:r>
-              <a:rPr lang="en-US" dirty="0"/>
-              <a:t>Create a new </a:t>
-            </a:r>
-            <a:r>
-              <a:rPr lang="en-US" dirty="0" err="1"/>
-              <a:t>repl</a:t>
-            </a:r>
-            <a:r>
-              <a:rPr lang="en-US" dirty="0"/>
-              <a:t> on </a:t>
-            </a:r>
-            <a:r>
-              <a:rPr lang="en-US" dirty="0" err="1"/>
-              <a:t>repl.it</a:t>
-            </a:r>
-            <a:r>
-              <a:rPr lang="en-US" dirty="0"/>
-              <a:t> </a:t>
-            </a:r>
-          </a:p>
-          <a:p>
-            <a:pPr marL="0" indent="0">
-              <a:buNone/>
-            </a:pPr>
-            <a:endParaRPr lang="en-US" dirty="0"/>
-          </a:p>
-          <a:p>
-            <a:pPr marL="457200" indent="-457200">
-              <a:buAutoNum type="arabicParenR"/>
-            </a:pPr>
-            <a:r>
-              <a:rPr lang="en-US" b="1" dirty="0">
-                <a:latin typeface="Inconsolata" panose="020B0609030003000000" pitchFamily="49" charset="77"/>
-              </a:rPr>
-              <a:t>Create this list and assign it to a variable [3,41,62,87,101, 88]. Use a for loop to compute the sum. Print out the sum.</a:t>
-            </a:r>
-          </a:p>
-          <a:p>
-            <a:pPr marL="457200" indent="-457200">
-              <a:buAutoNum type="arabicParenR"/>
-            </a:pPr>
-            <a:r>
-              <a:rPr lang="en-US" b="1" dirty="0">
-                <a:latin typeface="Inconsolata" panose="020B0609030003000000" pitchFamily="49" charset="77"/>
-              </a:rPr>
-              <a:t>Use a for loop to compute the sum of odd numbers from the list above. </a:t>
-            </a:r>
-          </a:p>
-          <a:p>
-            <a:pPr marL="457200" indent="-457200">
-              <a:buAutoNum type="arabicParenR"/>
-            </a:pPr>
-            <a:r>
-              <a:rPr lang="en-US" b="1" dirty="0">
-                <a:latin typeface="Inconsolata" panose="020B0609030003000000" pitchFamily="49" charset="77"/>
-              </a:rPr>
-              <a:t>Use a for loop to compute the sum of values located at even indices.(Use the </a:t>
-            </a:r>
-            <a:r>
-              <a:rPr lang="en-US" b="1" dirty="0" err="1">
-                <a:latin typeface="Inconsolata" panose="020B0609030003000000" pitchFamily="49" charset="77"/>
-              </a:rPr>
-              <a:t>len</a:t>
-            </a:r>
-            <a:r>
-              <a:rPr lang="en-US" b="1" dirty="0">
-                <a:latin typeface="Inconsolata" panose="020B0609030003000000" pitchFamily="49" charset="77"/>
-              </a:rPr>
-              <a:t>() function).</a:t>
-            </a:r>
-          </a:p>
-          <a:p>
-            <a:pPr marL="457200" indent="-457200">
-              <a:buAutoNum type="arabicParenR"/>
-            </a:pPr>
-            <a:endParaRPr lang="en-US" b="1" dirty="0">
-              <a:latin typeface="Inconsolata" panose="020B0609030003000000" pitchFamily="49" charset="77"/>
+            <a:endParaRPr lang="en-US" sz="2000" dirty="0">
+              <a:latin typeface="Gill Sans MT" panose="020B0502020104020203" pitchFamily="34" charset="77"/>
             </a:endParaRPr>
           </a:p>
         </p:txBody>
@@ -21937,7 +22011,7 @@
           <p:cNvPr id="3" name="Slide Number Placeholder 2">
             <a:extLst>
               <a:ext uri="{FF2B5EF4-FFF2-40B4-BE49-F238E27FC236}">
-                <a16:creationId xmlns:a16="http://schemas.microsoft.com/office/drawing/2014/main" id="{ED2A38B3-21FF-4A47-8803-168BFAF0955E}"/>
+                <a16:creationId xmlns:a16="http://schemas.microsoft.com/office/drawing/2014/main" id="{CF73FC4F-3516-0E4B-BA2F-BDD289A31863}"/>
               </a:ext>
             </a:extLst>
           </p:cNvPr>
@@ -21961,10 +22035,40 @@
           </a:p>
         </p:txBody>
       </p:sp>
+      <p:pic>
+        <p:nvPicPr>
+          <p:cNvPr id="4" name="Picture 3">
+            <a:extLst>
+              <a:ext uri="{FF2B5EF4-FFF2-40B4-BE49-F238E27FC236}">
+                <a16:creationId xmlns:a16="http://schemas.microsoft.com/office/drawing/2014/main" id="{97F6A7AB-5082-9135-7770-31E9FAC05D73}"/>
+              </a:ext>
+            </a:extLst>
+          </p:cNvPr>
+          <p:cNvPicPr>
+            <a:picLocks noChangeAspect="1"/>
+          </p:cNvPicPr>
+          <p:nvPr/>
+        </p:nvPicPr>
+        <p:blipFill>
+          <a:blip r:embed="rId2"/>
+          <a:stretch>
+            <a:fillRect/>
+          </a:stretch>
+        </p:blipFill>
+        <p:spPr>
+          <a:xfrm>
+            <a:off x="129090" y="732043"/>
+            <a:ext cx="8471483" cy="4544468"/>
+          </a:xfrm>
+          <a:prstGeom prst="rect">
+            <a:avLst/>
+          </a:prstGeom>
+        </p:spPr>
+      </p:pic>
     </p:spTree>
     <p:extLst>
       <p:ext uri="{BB962C8B-B14F-4D97-AF65-F5344CB8AC3E}">
-        <p14:creationId xmlns:p14="http://schemas.microsoft.com/office/powerpoint/2010/main" val="2050208201"/>
+        <p14:creationId xmlns:p14="http://schemas.microsoft.com/office/powerpoint/2010/main" val="2969689730"/>
       </p:ext>
     </p:extLst>
   </p:cSld>
@@ -22009,7 +22113,7 @@
         </p:nvSpPr>
         <p:spPr>
           <a:xfrm>
-            <a:off x="174929" y="145751"/>
+            <a:off x="129091" y="48157"/>
             <a:ext cx="7053542" cy="683886"/>
           </a:xfrm>
         </p:spPr>
@@ -22019,7 +22123,7 @@
           <a:p>
             <a:r>
               <a:rPr lang="en-US" dirty="0"/>
-              <a:t>Lab 2</a:t>
+              <a:t>AP Exam: Lists API</a:t>
             </a:r>
           </a:p>
         </p:txBody>
@@ -22042,8 +22146,8 @@
         </p:nvSpPr>
         <p:spPr>
           <a:xfrm>
-            <a:off x="308920" y="926758"/>
-            <a:ext cx="8226654" cy="4788242"/>
+            <a:off x="0" y="656216"/>
+            <a:ext cx="9144000" cy="4924566"/>
           </a:xfrm>
         </p:spPr>
         <p:txBody>
@@ -22055,92 +22159,8 @@
             <a:pPr marL="0" indent="0">
               <a:buNone/>
             </a:pPr>
-            <a:r>
-              <a:rPr lang="en-US" dirty="0"/>
-              <a:t>Create a new </a:t>
-            </a:r>
-            <a:r>
-              <a:rPr lang="en-US" dirty="0" err="1"/>
-              <a:t>repl</a:t>
-            </a:r>
-            <a:r>
-              <a:rPr lang="en-US" dirty="0"/>
-              <a:t> on </a:t>
-            </a:r>
-            <a:r>
-              <a:rPr lang="en-US" dirty="0" err="1"/>
-              <a:t>repl.it</a:t>
-            </a:r>
-            <a:r>
-              <a:rPr lang="en-US" dirty="0"/>
-              <a:t> Use list comprehensions to create the following lists.</a:t>
-            </a:r>
-            <a:endParaRPr lang="en-US" b="1" dirty="0">
-              <a:latin typeface="Inconsolata" panose="020B0609030003000000" pitchFamily="49" charset="77"/>
-            </a:endParaRPr>
-          </a:p>
-          <a:p>
-            <a:pPr marL="457200" indent="-457200">
-              <a:buAutoNum type="arabicParenR"/>
-            </a:pPr>
-            <a:r>
-              <a:rPr lang="en-US" b="1" dirty="0">
-                <a:latin typeface="Inconsolata" panose="020B0609030003000000" pitchFamily="49" charset="77"/>
-              </a:rPr>
-              <a:t>[2,4,6,8,10,…,20]</a:t>
-            </a:r>
-          </a:p>
-          <a:p>
-            <a:pPr marL="457200" indent="-457200">
-              <a:buAutoNum type="arabicParenR"/>
-            </a:pPr>
-            <a:r>
-              <a:rPr lang="en-US" b="1" dirty="0">
-                <a:latin typeface="Inconsolata" panose="020B0609030003000000" pitchFamily="49" charset="77"/>
-              </a:rPr>
-              <a:t>[1,8,27,64,125]</a:t>
-            </a:r>
-          </a:p>
-          <a:p>
-            <a:pPr marL="457200" indent="-457200">
-              <a:buAutoNum type="arabicParenR"/>
-            </a:pPr>
-            <a:r>
-              <a:rPr lang="en-US" b="1" dirty="0">
-                <a:latin typeface="Inconsolata" panose="020B0609030003000000" pitchFamily="49" charset="77"/>
-              </a:rPr>
-              <a:t>[0.5,1.0,1.5,2.0,2.5,3.0]</a:t>
-            </a:r>
-          </a:p>
-          <a:p>
-            <a:pPr marL="457200" indent="-457200">
-              <a:buAutoNum type="arabicParenR"/>
-            </a:pPr>
-            <a:r>
-              <a:rPr lang="en-US" b="1" dirty="0">
-                <a:latin typeface="Inconsolata" panose="020B0609030003000000" pitchFamily="49" charset="77"/>
-              </a:rPr>
-              <a:t>['1','2','3','4','5']</a:t>
-            </a:r>
-          </a:p>
-          <a:p>
-            <a:pPr marL="457200" indent="-457200">
-              <a:buAutoNum type="arabicParenR"/>
-            </a:pPr>
-            <a:r>
-              <a:rPr lang="en-US" b="1" dirty="0">
-                <a:latin typeface="Inconsolata" panose="020B0609030003000000" pitchFamily="49" charset="77"/>
-              </a:rPr>
-              <a:t>[1,3,5,7,9,…,99]. Must use condition in the list </a:t>
-            </a:r>
-            <a:r>
-              <a:rPr lang="en-US" b="1">
-                <a:latin typeface="Inconsolata" panose="020B0609030003000000" pitchFamily="49" charset="77"/>
-              </a:rPr>
-              <a:t>comprehension.</a:t>
-            </a:r>
-            <a:endParaRPr lang="en-US" b="1" dirty="0">
-              <a:latin typeface="Inconsolata" panose="020B0609030003000000" pitchFamily="49" charset="77"/>
+            <a:endParaRPr lang="en-US" sz="2000" dirty="0">
+              <a:latin typeface="Gill Sans MT" panose="020B0502020104020203" pitchFamily="34" charset="77"/>
             </a:endParaRPr>
           </a:p>
         </p:txBody>
@@ -22150,7 +22170,7 @@
           <p:cNvPr id="3" name="Slide Number Placeholder 2">
             <a:extLst>
               <a:ext uri="{FF2B5EF4-FFF2-40B4-BE49-F238E27FC236}">
-                <a16:creationId xmlns:a16="http://schemas.microsoft.com/office/drawing/2014/main" id="{39D700A7-D1AC-AD43-8C1D-E59396E5DFAA}"/>
+                <a16:creationId xmlns:a16="http://schemas.microsoft.com/office/drawing/2014/main" id="{CF73FC4F-3516-0E4B-BA2F-BDD289A31863}"/>
               </a:ext>
             </a:extLst>
           </p:cNvPr>
@@ -22174,10 +22194,40 @@
           </a:p>
         </p:txBody>
       </p:sp>
+      <p:pic>
+        <p:nvPicPr>
+          <p:cNvPr id="5" name="Picture 4">
+            <a:extLst>
+              <a:ext uri="{FF2B5EF4-FFF2-40B4-BE49-F238E27FC236}">
+                <a16:creationId xmlns:a16="http://schemas.microsoft.com/office/drawing/2014/main" id="{2D5FCEC5-9180-E14E-CEB9-28A39E5E04FB}"/>
+              </a:ext>
+            </a:extLst>
+          </p:cNvPr>
+          <p:cNvPicPr>
+            <a:picLocks noChangeAspect="1"/>
+          </p:cNvPicPr>
+          <p:nvPr/>
+        </p:nvPicPr>
+        <p:blipFill>
+          <a:blip r:embed="rId2"/>
+          <a:stretch>
+            <a:fillRect/>
+          </a:stretch>
+        </p:blipFill>
+        <p:spPr>
+          <a:xfrm>
+            <a:off x="129091" y="973429"/>
+            <a:ext cx="8935476" cy="3906796"/>
+          </a:xfrm>
+          <a:prstGeom prst="rect">
+            <a:avLst/>
+          </a:prstGeom>
+        </p:spPr>
+      </p:pic>
     </p:spTree>
     <p:extLst>
       <p:ext uri="{BB962C8B-B14F-4D97-AF65-F5344CB8AC3E}">
-        <p14:creationId xmlns:p14="http://schemas.microsoft.com/office/powerpoint/2010/main" val="3549579413"/>
+        <p14:creationId xmlns:p14="http://schemas.microsoft.com/office/powerpoint/2010/main" val="195093262"/>
       </p:ext>
     </p:extLst>
   </p:cSld>
@@ -22222,7 +22272,7 @@
         </p:nvSpPr>
         <p:spPr>
           <a:xfrm>
-            <a:off x="483848" y="467027"/>
+            <a:off x="129091" y="48157"/>
             <a:ext cx="7053542" cy="683886"/>
           </a:xfrm>
         </p:spPr>
@@ -22232,7 +22282,7 @@
           <a:p>
             <a:r>
               <a:rPr lang="en-US" dirty="0"/>
-              <a:t>References</a:t>
+              <a:t>AP Exam: Lists API</a:t>
             </a:r>
           </a:p>
         </p:txBody>
@@ -22255,8 +22305,8 @@
         </p:nvSpPr>
         <p:spPr>
           <a:xfrm>
-            <a:off x="483848" y="1150913"/>
-            <a:ext cx="8051725" cy="4440590"/>
+            <a:off x="0" y="656216"/>
+            <a:ext cx="9144000" cy="4924566"/>
           </a:xfrm>
         </p:spPr>
         <p:txBody>
@@ -22268,65 +22318,9 @@
             <a:pPr marL="0" indent="0">
               <a:buNone/>
             </a:pPr>
-            <a:endParaRPr lang="en-US" dirty="0"/>
-          </a:p>
-          <a:p>
-            <a:pPr marL="0" indent="0">
-              <a:buNone/>
-            </a:pPr>
-            <a:endParaRPr lang="en-US" dirty="0"/>
-          </a:p>
-          <a:p>
-            <a:pPr marL="457200" indent="-457200">
-              <a:buAutoNum type="arabicParenR"/>
-            </a:pPr>
-            <a:r>
-              <a:rPr lang="en-US" dirty="0" err="1"/>
-              <a:t>Vanderplas</a:t>
-            </a:r>
-            <a:r>
-              <a:rPr lang="en-US" dirty="0"/>
-              <a:t>, Jake,  A Whirlwind Tour of Python, </a:t>
-            </a:r>
-            <a:r>
-              <a:rPr lang="en-US" dirty="0" err="1"/>
-              <a:t>O’reilly</a:t>
-            </a:r>
-            <a:r>
-              <a:rPr lang="en-US" dirty="0"/>
-              <a:t> Media. </a:t>
-            </a:r>
-          </a:p>
-          <a:p>
-            <a:pPr marL="457200" indent="-457200">
-              <a:buAutoNum type="arabicParenR"/>
-            </a:pPr>
-            <a:r>
-              <a:rPr lang="en-US" dirty="0"/>
-              <a:t>Luciano, </a:t>
-            </a:r>
-            <a:r>
-              <a:rPr lang="en-US" dirty="0" err="1"/>
-              <a:t>Ramalho</a:t>
-            </a:r>
-            <a:r>
-              <a:rPr lang="en-US" dirty="0"/>
-              <a:t>, Fluent Python, </a:t>
-            </a:r>
-            <a:r>
-              <a:rPr lang="en-US" dirty="0" err="1"/>
-              <a:t>O'reilly</a:t>
-            </a:r>
-            <a:r>
-              <a:rPr lang="en-US" dirty="0"/>
-              <a:t> Media.</a:t>
-            </a:r>
-          </a:p>
-          <a:p>
-            <a:pPr marL="0" indent="0">
-              <a:buNone/>
-            </a:pPr>
-            <a:endParaRPr lang="en-US" dirty="0"/>
+            <a:endParaRPr lang="en-US" sz="2000" dirty="0">
+              <a:latin typeface="Gill Sans MT" panose="020B0502020104020203" pitchFamily="34" charset="77"/>
+            </a:endParaRPr>
           </a:p>
         </p:txBody>
       </p:sp>
@@ -22335,7 +22329,7 @@
           <p:cNvPr id="3" name="Slide Number Placeholder 2">
             <a:extLst>
               <a:ext uri="{FF2B5EF4-FFF2-40B4-BE49-F238E27FC236}">
-                <a16:creationId xmlns:a16="http://schemas.microsoft.com/office/drawing/2014/main" id="{A47A3CFA-6396-F949-A695-9BC50BFA07A1}"/>
+                <a16:creationId xmlns:a16="http://schemas.microsoft.com/office/drawing/2014/main" id="{CF73FC4F-3516-0E4B-BA2F-BDD289A31863}"/>
               </a:ext>
             </a:extLst>
           </p:cNvPr>
@@ -22359,10 +22353,40 @@
           </a:p>
         </p:txBody>
       </p:sp>
+      <p:pic>
+        <p:nvPicPr>
+          <p:cNvPr id="4" name="Picture 3">
+            <a:extLst>
+              <a:ext uri="{FF2B5EF4-FFF2-40B4-BE49-F238E27FC236}">
+                <a16:creationId xmlns:a16="http://schemas.microsoft.com/office/drawing/2014/main" id="{DA4B0978-4B51-ADA8-E558-73D64272BD86}"/>
+              </a:ext>
+            </a:extLst>
+          </p:cNvPr>
+          <p:cNvPicPr>
+            <a:picLocks noChangeAspect="1"/>
+          </p:cNvPicPr>
+          <p:nvPr/>
+        </p:nvPicPr>
+        <p:blipFill>
+          <a:blip r:embed="rId2"/>
+          <a:stretch>
+            <a:fillRect/>
+          </a:stretch>
+        </p:blipFill>
+        <p:spPr>
+          <a:xfrm>
+            <a:off x="129090" y="746270"/>
+            <a:ext cx="8386259" cy="4582057"/>
+          </a:xfrm>
+          <a:prstGeom prst="rect">
+            <a:avLst/>
+          </a:prstGeom>
+        </p:spPr>
+      </p:pic>
     </p:spTree>
     <p:extLst>
       <p:ext uri="{BB962C8B-B14F-4D97-AF65-F5344CB8AC3E}">
-        <p14:creationId xmlns:p14="http://schemas.microsoft.com/office/powerpoint/2010/main" val="1438711869"/>
+        <p14:creationId xmlns:p14="http://schemas.microsoft.com/office/powerpoint/2010/main" val="2171160877"/>
       </p:ext>
     </p:extLst>
   </p:cSld>
@@ -22837,6 +22861,768 @@
       <p:bldP spid="9" grpId="0" uiExpand="1" build="p"/>
     </p:bldLst>
   </p:timing>
+</p:sld>
+</file>
+
+<file path=ppt/slides/slide30.xml><?xml version="1.0" encoding="utf-8"?>
+<p:sld xmlns:a="http://schemas.openxmlformats.org/drawingml/2006/main" xmlns:r="http://schemas.openxmlformats.org/officeDocument/2006/relationships" xmlns:p="http://schemas.openxmlformats.org/presentationml/2006/main">
+  <p:cSld>
+    <p:spTree>
+      <p:nvGrpSpPr>
+        <p:cNvPr id="1" name=""/>
+        <p:cNvGrpSpPr/>
+        <p:nvPr/>
+      </p:nvGrpSpPr>
+      <p:grpSpPr>
+        <a:xfrm>
+          <a:off x="0" y="0"/>
+          <a:ext cx="0" cy="0"/>
+          <a:chOff x="0" y="0"/>
+          <a:chExt cx="0" cy="0"/>
+        </a:xfrm>
+      </p:grpSpPr>
+      <p:sp>
+        <p:nvSpPr>
+          <p:cNvPr id="2" name="Title 1">
+            <a:extLst>
+              <a:ext uri="{FF2B5EF4-FFF2-40B4-BE49-F238E27FC236}">
+                <a16:creationId xmlns:a16="http://schemas.microsoft.com/office/drawing/2014/main" id="{AA3A228F-61D0-D949-A5E7-F83756230BF8}"/>
+              </a:ext>
+            </a:extLst>
+          </p:cNvPr>
+          <p:cNvSpPr>
+            <a:spLocks noGrp="1"/>
+          </p:cNvSpPr>
+          <p:nvPr>
+            <p:ph type="title"/>
+          </p:nvPr>
+        </p:nvSpPr>
+        <p:spPr>
+          <a:xfrm>
+            <a:off x="129091" y="48157"/>
+            <a:ext cx="7053542" cy="683886"/>
+          </a:xfrm>
+        </p:spPr>
+        <p:txBody>
+          <a:bodyPr/>
+          <a:lstStyle/>
+          <a:p>
+            <a:r>
+              <a:rPr lang="en-US" dirty="0"/>
+              <a:t>AP Exam: Lists API</a:t>
+            </a:r>
+          </a:p>
+        </p:txBody>
+      </p:sp>
+      <p:sp>
+        <p:nvSpPr>
+          <p:cNvPr id="9" name="Content Placeholder 8">
+            <a:extLst>
+              <a:ext uri="{FF2B5EF4-FFF2-40B4-BE49-F238E27FC236}">
+                <a16:creationId xmlns:a16="http://schemas.microsoft.com/office/drawing/2014/main" id="{E3B2E017-30B2-884B-A113-B419A2ED51AD}"/>
+              </a:ext>
+            </a:extLst>
+          </p:cNvPr>
+          <p:cNvSpPr>
+            <a:spLocks noGrp="1"/>
+          </p:cNvSpPr>
+          <p:nvPr>
+            <p:ph idx="1"/>
+          </p:nvPr>
+        </p:nvSpPr>
+        <p:spPr>
+          <a:xfrm>
+            <a:off x="0" y="656216"/>
+            <a:ext cx="9144000" cy="4924566"/>
+          </a:xfrm>
+        </p:spPr>
+        <p:txBody>
+          <a:bodyPr>
+            <a:noAutofit/>
+          </a:bodyPr>
+          <a:lstStyle/>
+          <a:p>
+            <a:pPr marL="0" indent="0">
+              <a:buNone/>
+            </a:pPr>
+            <a:endParaRPr lang="en-US" sz="2000" dirty="0">
+              <a:latin typeface="Gill Sans MT" panose="020B0502020104020203" pitchFamily="34" charset="77"/>
+            </a:endParaRPr>
+          </a:p>
+        </p:txBody>
+      </p:sp>
+      <p:sp>
+        <p:nvSpPr>
+          <p:cNvPr id="3" name="Slide Number Placeholder 2">
+            <a:extLst>
+              <a:ext uri="{FF2B5EF4-FFF2-40B4-BE49-F238E27FC236}">
+                <a16:creationId xmlns:a16="http://schemas.microsoft.com/office/drawing/2014/main" id="{CF73FC4F-3516-0E4B-BA2F-BDD289A31863}"/>
+              </a:ext>
+            </a:extLst>
+          </p:cNvPr>
+          <p:cNvSpPr>
+            <a:spLocks noGrp="1"/>
+          </p:cNvSpPr>
+          <p:nvPr>
+            <p:ph type="sldNum" sz="quarter" idx="12"/>
+          </p:nvPr>
+        </p:nvSpPr>
+        <p:spPr/>
+        <p:txBody>
+          <a:bodyPr/>
+          <a:lstStyle/>
+          <a:p>
+            <a:fld id="{D57F1E4F-1CFF-5643-939E-02111984F565}" type="slidenum">
+              <a:rPr lang="en-US" smtClean="0"/>
+              <a:t>30</a:t>
+            </a:fld>
+            <a:endParaRPr lang="en-US" dirty="0"/>
+          </a:p>
+        </p:txBody>
+      </p:sp>
+      <p:pic>
+        <p:nvPicPr>
+          <p:cNvPr id="5" name="Picture 4">
+            <a:extLst>
+              <a:ext uri="{FF2B5EF4-FFF2-40B4-BE49-F238E27FC236}">
+                <a16:creationId xmlns:a16="http://schemas.microsoft.com/office/drawing/2014/main" id="{6583F853-355A-9932-94C8-BF50C6E0433A}"/>
+              </a:ext>
+            </a:extLst>
+          </p:cNvPr>
+          <p:cNvPicPr>
+            <a:picLocks noChangeAspect="1"/>
+          </p:cNvPicPr>
+          <p:nvPr/>
+        </p:nvPicPr>
+        <p:blipFill>
+          <a:blip r:embed="rId2"/>
+          <a:stretch>
+            <a:fillRect/>
+          </a:stretch>
+        </p:blipFill>
+        <p:spPr>
+          <a:xfrm>
+            <a:off x="129091" y="1753587"/>
+            <a:ext cx="8592048" cy="2446002"/>
+          </a:xfrm>
+          <a:prstGeom prst="rect">
+            <a:avLst/>
+          </a:prstGeom>
+        </p:spPr>
+      </p:pic>
+    </p:spTree>
+    <p:extLst>
+      <p:ext uri="{BB962C8B-B14F-4D97-AF65-F5344CB8AC3E}">
+        <p14:creationId xmlns:p14="http://schemas.microsoft.com/office/powerpoint/2010/main" val="2732714418"/>
+      </p:ext>
+    </p:extLst>
+  </p:cSld>
+  <p:clrMapOvr>
+    <a:masterClrMapping/>
+  </p:clrMapOvr>
+</p:sld>
+</file>
+
+<file path=ppt/slides/slide31.xml><?xml version="1.0" encoding="utf-8"?>
+<p:sld xmlns:a="http://schemas.openxmlformats.org/drawingml/2006/main" xmlns:r="http://schemas.openxmlformats.org/officeDocument/2006/relationships" xmlns:p="http://schemas.openxmlformats.org/presentationml/2006/main">
+  <p:cSld>
+    <p:spTree>
+      <p:nvGrpSpPr>
+        <p:cNvPr id="1" name=""/>
+        <p:cNvGrpSpPr/>
+        <p:nvPr/>
+      </p:nvGrpSpPr>
+      <p:grpSpPr>
+        <a:xfrm>
+          <a:off x="0" y="0"/>
+          <a:ext cx="0" cy="0"/>
+          <a:chOff x="0" y="0"/>
+          <a:chExt cx="0" cy="0"/>
+        </a:xfrm>
+      </p:grpSpPr>
+      <p:sp>
+        <p:nvSpPr>
+          <p:cNvPr id="2" name="Title 1">
+            <a:extLst>
+              <a:ext uri="{FF2B5EF4-FFF2-40B4-BE49-F238E27FC236}">
+                <a16:creationId xmlns:a16="http://schemas.microsoft.com/office/drawing/2014/main" id="{AA3A228F-61D0-D949-A5E7-F83756230BF8}"/>
+              </a:ext>
+            </a:extLst>
+          </p:cNvPr>
+          <p:cNvSpPr>
+            <a:spLocks noGrp="1"/>
+          </p:cNvSpPr>
+          <p:nvPr>
+            <p:ph type="title"/>
+          </p:nvPr>
+        </p:nvSpPr>
+        <p:spPr>
+          <a:xfrm>
+            <a:off x="96552" y="84791"/>
+            <a:ext cx="7053542" cy="683886"/>
+          </a:xfrm>
+        </p:spPr>
+        <p:txBody>
+          <a:bodyPr/>
+          <a:lstStyle/>
+          <a:p>
+            <a:r>
+              <a:rPr lang="en-US" dirty="0"/>
+              <a:t>Lab 1</a:t>
+            </a:r>
+          </a:p>
+        </p:txBody>
+      </p:sp>
+      <p:sp>
+        <p:nvSpPr>
+          <p:cNvPr id="9" name="Content Placeholder 8">
+            <a:extLst>
+              <a:ext uri="{FF2B5EF4-FFF2-40B4-BE49-F238E27FC236}">
+                <a16:creationId xmlns:a16="http://schemas.microsoft.com/office/drawing/2014/main" id="{E3B2E017-30B2-884B-A113-B419A2ED51AD}"/>
+              </a:ext>
+            </a:extLst>
+          </p:cNvPr>
+          <p:cNvSpPr>
+            <a:spLocks noGrp="1"/>
+          </p:cNvSpPr>
+          <p:nvPr>
+            <p:ph idx="1"/>
+          </p:nvPr>
+        </p:nvSpPr>
+        <p:spPr>
+          <a:xfrm>
+            <a:off x="174929" y="829637"/>
+            <a:ext cx="8360645" cy="4885363"/>
+          </a:xfrm>
+        </p:spPr>
+        <p:txBody>
+          <a:bodyPr>
+            <a:noAutofit/>
+          </a:bodyPr>
+          <a:lstStyle/>
+          <a:p>
+            <a:pPr marL="0" indent="0">
+              <a:buNone/>
+            </a:pPr>
+            <a:r>
+              <a:rPr lang="en-US" dirty="0"/>
+              <a:t>Create a new </a:t>
+            </a:r>
+            <a:r>
+              <a:rPr lang="en-US" dirty="0" err="1"/>
+              <a:t>repl</a:t>
+            </a:r>
+            <a:r>
+              <a:rPr lang="en-US" dirty="0"/>
+              <a:t> on </a:t>
+            </a:r>
+            <a:r>
+              <a:rPr lang="en-US" dirty="0" err="1"/>
+              <a:t>repl.it</a:t>
+            </a:r>
+            <a:r>
+              <a:rPr lang="en-US" dirty="0"/>
+              <a:t> </a:t>
+            </a:r>
+          </a:p>
+          <a:p>
+            <a:pPr marL="0" indent="0">
+              <a:buNone/>
+            </a:pPr>
+            <a:endParaRPr lang="en-US" dirty="0"/>
+          </a:p>
+          <a:p>
+            <a:pPr marL="457200" indent="-457200">
+              <a:buAutoNum type="arabicParenR"/>
+            </a:pPr>
+            <a:r>
+              <a:rPr lang="en-US" b="1" dirty="0">
+                <a:latin typeface="Inconsolata" panose="020B0609030003000000" pitchFamily="49" charset="77"/>
+              </a:rPr>
+              <a:t>Create this list and assign it to a variable [3,41,62,87,101, 88]. Use a for loop to compute the sum. Print out the sum.</a:t>
+            </a:r>
+          </a:p>
+          <a:p>
+            <a:pPr marL="457200" indent="-457200">
+              <a:buAutoNum type="arabicParenR"/>
+            </a:pPr>
+            <a:r>
+              <a:rPr lang="en-US" b="1" dirty="0">
+                <a:latin typeface="Inconsolata" panose="020B0609030003000000" pitchFamily="49" charset="77"/>
+              </a:rPr>
+              <a:t>Use a for loop to compute the sum of odd numbers from the list above. </a:t>
+            </a:r>
+          </a:p>
+          <a:p>
+            <a:pPr marL="457200" indent="-457200">
+              <a:buAutoNum type="arabicParenR"/>
+            </a:pPr>
+            <a:r>
+              <a:rPr lang="en-US" b="1" dirty="0">
+                <a:latin typeface="Inconsolata" panose="020B0609030003000000" pitchFamily="49" charset="77"/>
+              </a:rPr>
+              <a:t>Use a for loop to compute the sum of values located at even indices.(Use the </a:t>
+            </a:r>
+            <a:r>
+              <a:rPr lang="en-US" b="1" dirty="0" err="1">
+                <a:latin typeface="Inconsolata" panose="020B0609030003000000" pitchFamily="49" charset="77"/>
+              </a:rPr>
+              <a:t>len</a:t>
+            </a:r>
+            <a:r>
+              <a:rPr lang="en-US" b="1" dirty="0">
+                <a:latin typeface="Inconsolata" panose="020B0609030003000000" pitchFamily="49" charset="77"/>
+              </a:rPr>
+              <a:t>() function).</a:t>
+            </a:r>
+          </a:p>
+          <a:p>
+            <a:pPr marL="457200" indent="-457200">
+              <a:buAutoNum type="arabicParenR"/>
+            </a:pPr>
+            <a:endParaRPr lang="en-US" b="1" dirty="0">
+              <a:latin typeface="Inconsolata" panose="020B0609030003000000" pitchFamily="49" charset="77"/>
+            </a:endParaRPr>
+          </a:p>
+        </p:txBody>
+      </p:sp>
+      <p:sp>
+        <p:nvSpPr>
+          <p:cNvPr id="3" name="Slide Number Placeholder 2">
+            <a:extLst>
+              <a:ext uri="{FF2B5EF4-FFF2-40B4-BE49-F238E27FC236}">
+                <a16:creationId xmlns:a16="http://schemas.microsoft.com/office/drawing/2014/main" id="{ED2A38B3-21FF-4A47-8803-168BFAF0955E}"/>
+              </a:ext>
+            </a:extLst>
+          </p:cNvPr>
+          <p:cNvSpPr>
+            <a:spLocks noGrp="1"/>
+          </p:cNvSpPr>
+          <p:nvPr>
+            <p:ph type="sldNum" sz="quarter" idx="12"/>
+          </p:nvPr>
+        </p:nvSpPr>
+        <p:spPr/>
+        <p:txBody>
+          <a:bodyPr/>
+          <a:lstStyle/>
+          <a:p>
+            <a:fld id="{D57F1E4F-1CFF-5643-939E-02111984F565}" type="slidenum">
+              <a:rPr lang="en-US" smtClean="0"/>
+              <a:t>31</a:t>
+            </a:fld>
+            <a:endParaRPr lang="en-US" dirty="0"/>
+          </a:p>
+        </p:txBody>
+      </p:sp>
+    </p:spTree>
+    <p:extLst>
+      <p:ext uri="{BB962C8B-B14F-4D97-AF65-F5344CB8AC3E}">
+        <p14:creationId xmlns:p14="http://schemas.microsoft.com/office/powerpoint/2010/main" val="2050208201"/>
+      </p:ext>
+    </p:extLst>
+  </p:cSld>
+  <p:clrMapOvr>
+    <a:masterClrMapping/>
+  </p:clrMapOvr>
+</p:sld>
+</file>
+
+<file path=ppt/slides/slide32.xml><?xml version="1.0" encoding="utf-8"?>
+<p:sld xmlns:a="http://schemas.openxmlformats.org/drawingml/2006/main" xmlns:r="http://schemas.openxmlformats.org/officeDocument/2006/relationships" xmlns:p="http://schemas.openxmlformats.org/presentationml/2006/main">
+  <p:cSld>
+    <p:spTree>
+      <p:nvGrpSpPr>
+        <p:cNvPr id="1" name=""/>
+        <p:cNvGrpSpPr/>
+        <p:nvPr/>
+      </p:nvGrpSpPr>
+      <p:grpSpPr>
+        <a:xfrm>
+          <a:off x="0" y="0"/>
+          <a:ext cx="0" cy="0"/>
+          <a:chOff x="0" y="0"/>
+          <a:chExt cx="0" cy="0"/>
+        </a:xfrm>
+      </p:grpSpPr>
+      <p:sp>
+        <p:nvSpPr>
+          <p:cNvPr id="2" name="Title 1">
+            <a:extLst>
+              <a:ext uri="{FF2B5EF4-FFF2-40B4-BE49-F238E27FC236}">
+                <a16:creationId xmlns:a16="http://schemas.microsoft.com/office/drawing/2014/main" id="{AA3A228F-61D0-D949-A5E7-F83756230BF8}"/>
+              </a:ext>
+            </a:extLst>
+          </p:cNvPr>
+          <p:cNvSpPr>
+            <a:spLocks noGrp="1"/>
+          </p:cNvSpPr>
+          <p:nvPr>
+            <p:ph type="title"/>
+          </p:nvPr>
+        </p:nvSpPr>
+        <p:spPr>
+          <a:xfrm>
+            <a:off x="174929" y="145751"/>
+            <a:ext cx="7053542" cy="683886"/>
+          </a:xfrm>
+        </p:spPr>
+        <p:txBody>
+          <a:bodyPr/>
+          <a:lstStyle/>
+          <a:p>
+            <a:r>
+              <a:rPr lang="en-US" dirty="0"/>
+              <a:t>Lab 2</a:t>
+            </a:r>
+          </a:p>
+        </p:txBody>
+      </p:sp>
+      <p:sp>
+        <p:nvSpPr>
+          <p:cNvPr id="9" name="Content Placeholder 8">
+            <a:extLst>
+              <a:ext uri="{FF2B5EF4-FFF2-40B4-BE49-F238E27FC236}">
+                <a16:creationId xmlns:a16="http://schemas.microsoft.com/office/drawing/2014/main" id="{E3B2E017-30B2-884B-A113-B419A2ED51AD}"/>
+              </a:ext>
+            </a:extLst>
+          </p:cNvPr>
+          <p:cNvSpPr>
+            <a:spLocks noGrp="1"/>
+          </p:cNvSpPr>
+          <p:nvPr>
+            <p:ph idx="1"/>
+          </p:nvPr>
+        </p:nvSpPr>
+        <p:spPr>
+          <a:xfrm>
+            <a:off x="308920" y="926758"/>
+            <a:ext cx="8226654" cy="4788242"/>
+          </a:xfrm>
+        </p:spPr>
+        <p:txBody>
+          <a:bodyPr>
+            <a:noAutofit/>
+          </a:bodyPr>
+          <a:lstStyle/>
+          <a:p>
+            <a:pPr marL="0" indent="0">
+              <a:buNone/>
+            </a:pPr>
+            <a:r>
+              <a:rPr lang="en-US" dirty="0"/>
+              <a:t>Create a new </a:t>
+            </a:r>
+            <a:r>
+              <a:rPr lang="en-US" dirty="0" err="1"/>
+              <a:t>repl</a:t>
+            </a:r>
+            <a:r>
+              <a:rPr lang="en-US" dirty="0"/>
+              <a:t> on </a:t>
+            </a:r>
+            <a:r>
+              <a:rPr lang="en-US" dirty="0" err="1"/>
+              <a:t>repl.it</a:t>
+            </a:r>
+            <a:r>
+              <a:rPr lang="en-US" dirty="0"/>
+              <a:t> Use list comprehensions to create the following lists.</a:t>
+            </a:r>
+            <a:endParaRPr lang="en-US" b="1" dirty="0">
+              <a:latin typeface="Inconsolata" panose="020B0609030003000000" pitchFamily="49" charset="77"/>
+            </a:endParaRPr>
+          </a:p>
+          <a:p>
+            <a:pPr marL="457200" indent="-457200">
+              <a:buAutoNum type="arabicParenR"/>
+            </a:pPr>
+            <a:r>
+              <a:rPr lang="en-US" b="1" dirty="0">
+                <a:latin typeface="Inconsolata" panose="020B0609030003000000" pitchFamily="49" charset="77"/>
+              </a:rPr>
+              <a:t>[2,4,6,8,10,…,20]</a:t>
+            </a:r>
+          </a:p>
+          <a:p>
+            <a:pPr marL="457200" indent="-457200">
+              <a:buAutoNum type="arabicParenR"/>
+            </a:pPr>
+            <a:r>
+              <a:rPr lang="en-US" b="1" dirty="0">
+                <a:latin typeface="Inconsolata" panose="020B0609030003000000" pitchFamily="49" charset="77"/>
+              </a:rPr>
+              <a:t>[1,8,27,64,125]</a:t>
+            </a:r>
+          </a:p>
+          <a:p>
+            <a:pPr marL="457200" indent="-457200">
+              <a:buAutoNum type="arabicParenR"/>
+            </a:pPr>
+            <a:r>
+              <a:rPr lang="en-US" b="1" dirty="0">
+                <a:latin typeface="Inconsolata" panose="020B0609030003000000" pitchFamily="49" charset="77"/>
+              </a:rPr>
+              <a:t>[0.5,1.0,1.5,2.0,2.5,3.0]</a:t>
+            </a:r>
+          </a:p>
+          <a:p>
+            <a:pPr marL="457200" indent="-457200">
+              <a:buAutoNum type="arabicParenR"/>
+            </a:pPr>
+            <a:r>
+              <a:rPr lang="en-US" b="1" dirty="0">
+                <a:latin typeface="Inconsolata" panose="020B0609030003000000" pitchFamily="49" charset="77"/>
+              </a:rPr>
+              <a:t>['1','2','3','4','5']</a:t>
+            </a:r>
+          </a:p>
+          <a:p>
+            <a:pPr marL="457200" indent="-457200">
+              <a:buAutoNum type="arabicParenR"/>
+            </a:pPr>
+            <a:r>
+              <a:rPr lang="en-US" b="1" dirty="0">
+                <a:latin typeface="Inconsolata" panose="020B0609030003000000" pitchFamily="49" charset="77"/>
+              </a:rPr>
+              <a:t>[1,3,5,7,9,…,99]. Must use condition in the list </a:t>
+            </a:r>
+            <a:r>
+              <a:rPr lang="en-US" b="1">
+                <a:latin typeface="Inconsolata" panose="020B0609030003000000" pitchFamily="49" charset="77"/>
+              </a:rPr>
+              <a:t>comprehension.</a:t>
+            </a:r>
+            <a:endParaRPr lang="en-US" b="1" dirty="0">
+              <a:latin typeface="Inconsolata" panose="020B0609030003000000" pitchFamily="49" charset="77"/>
+            </a:endParaRPr>
+          </a:p>
+        </p:txBody>
+      </p:sp>
+      <p:sp>
+        <p:nvSpPr>
+          <p:cNvPr id="3" name="Slide Number Placeholder 2">
+            <a:extLst>
+              <a:ext uri="{FF2B5EF4-FFF2-40B4-BE49-F238E27FC236}">
+                <a16:creationId xmlns:a16="http://schemas.microsoft.com/office/drawing/2014/main" id="{39D700A7-D1AC-AD43-8C1D-E59396E5DFAA}"/>
+              </a:ext>
+            </a:extLst>
+          </p:cNvPr>
+          <p:cNvSpPr>
+            <a:spLocks noGrp="1"/>
+          </p:cNvSpPr>
+          <p:nvPr>
+            <p:ph type="sldNum" sz="quarter" idx="12"/>
+          </p:nvPr>
+        </p:nvSpPr>
+        <p:spPr/>
+        <p:txBody>
+          <a:bodyPr/>
+          <a:lstStyle/>
+          <a:p>
+            <a:fld id="{D57F1E4F-1CFF-5643-939E-02111984F565}" type="slidenum">
+              <a:rPr lang="en-US" smtClean="0"/>
+              <a:t>32</a:t>
+            </a:fld>
+            <a:endParaRPr lang="en-US" dirty="0"/>
+          </a:p>
+        </p:txBody>
+      </p:sp>
+    </p:spTree>
+    <p:extLst>
+      <p:ext uri="{BB962C8B-B14F-4D97-AF65-F5344CB8AC3E}">
+        <p14:creationId xmlns:p14="http://schemas.microsoft.com/office/powerpoint/2010/main" val="3549579413"/>
+      </p:ext>
+    </p:extLst>
+  </p:cSld>
+  <p:clrMapOvr>
+    <a:masterClrMapping/>
+  </p:clrMapOvr>
+</p:sld>
+</file>
+
+<file path=ppt/slides/slide33.xml><?xml version="1.0" encoding="utf-8"?>
+<p:sld xmlns:a="http://schemas.openxmlformats.org/drawingml/2006/main" xmlns:r="http://schemas.openxmlformats.org/officeDocument/2006/relationships" xmlns:p="http://schemas.openxmlformats.org/presentationml/2006/main">
+  <p:cSld>
+    <p:spTree>
+      <p:nvGrpSpPr>
+        <p:cNvPr id="1" name=""/>
+        <p:cNvGrpSpPr/>
+        <p:nvPr/>
+      </p:nvGrpSpPr>
+      <p:grpSpPr>
+        <a:xfrm>
+          <a:off x="0" y="0"/>
+          <a:ext cx="0" cy="0"/>
+          <a:chOff x="0" y="0"/>
+          <a:chExt cx="0" cy="0"/>
+        </a:xfrm>
+      </p:grpSpPr>
+      <p:sp>
+        <p:nvSpPr>
+          <p:cNvPr id="2" name="Title 1">
+            <a:extLst>
+              <a:ext uri="{FF2B5EF4-FFF2-40B4-BE49-F238E27FC236}">
+                <a16:creationId xmlns:a16="http://schemas.microsoft.com/office/drawing/2014/main" id="{AA3A228F-61D0-D949-A5E7-F83756230BF8}"/>
+              </a:ext>
+            </a:extLst>
+          </p:cNvPr>
+          <p:cNvSpPr>
+            <a:spLocks noGrp="1"/>
+          </p:cNvSpPr>
+          <p:nvPr>
+            <p:ph type="title"/>
+          </p:nvPr>
+        </p:nvSpPr>
+        <p:spPr>
+          <a:xfrm>
+            <a:off x="483848" y="467027"/>
+            <a:ext cx="7053542" cy="683886"/>
+          </a:xfrm>
+        </p:spPr>
+        <p:txBody>
+          <a:bodyPr/>
+          <a:lstStyle/>
+          <a:p>
+            <a:r>
+              <a:rPr lang="en-US" dirty="0"/>
+              <a:t>References</a:t>
+            </a:r>
+          </a:p>
+        </p:txBody>
+      </p:sp>
+      <p:sp>
+        <p:nvSpPr>
+          <p:cNvPr id="9" name="Content Placeholder 8">
+            <a:extLst>
+              <a:ext uri="{FF2B5EF4-FFF2-40B4-BE49-F238E27FC236}">
+                <a16:creationId xmlns:a16="http://schemas.microsoft.com/office/drawing/2014/main" id="{E3B2E017-30B2-884B-A113-B419A2ED51AD}"/>
+              </a:ext>
+            </a:extLst>
+          </p:cNvPr>
+          <p:cNvSpPr>
+            <a:spLocks noGrp="1"/>
+          </p:cNvSpPr>
+          <p:nvPr>
+            <p:ph idx="1"/>
+          </p:nvPr>
+        </p:nvSpPr>
+        <p:spPr>
+          <a:xfrm>
+            <a:off x="483848" y="1150913"/>
+            <a:ext cx="8051725" cy="4440590"/>
+          </a:xfrm>
+        </p:spPr>
+        <p:txBody>
+          <a:bodyPr>
+            <a:noAutofit/>
+          </a:bodyPr>
+          <a:lstStyle/>
+          <a:p>
+            <a:pPr marL="0" indent="0">
+              <a:buNone/>
+            </a:pPr>
+            <a:endParaRPr lang="en-US" dirty="0"/>
+          </a:p>
+          <a:p>
+            <a:pPr marL="0" indent="0">
+              <a:buNone/>
+            </a:pPr>
+            <a:endParaRPr lang="en-US" dirty="0"/>
+          </a:p>
+          <a:p>
+            <a:pPr marL="457200" indent="-457200">
+              <a:buAutoNum type="arabicParenR"/>
+            </a:pPr>
+            <a:r>
+              <a:rPr lang="en-US" dirty="0" err="1"/>
+              <a:t>Vanderplas</a:t>
+            </a:r>
+            <a:r>
+              <a:rPr lang="en-US" dirty="0"/>
+              <a:t>, Jake,  A Whirlwind Tour of Python, </a:t>
+            </a:r>
+            <a:r>
+              <a:rPr lang="en-US" dirty="0" err="1"/>
+              <a:t>O’reilly</a:t>
+            </a:r>
+            <a:r>
+              <a:rPr lang="en-US" dirty="0"/>
+              <a:t> Media. </a:t>
+            </a:r>
+          </a:p>
+          <a:p>
+            <a:pPr marL="457200" indent="-457200">
+              <a:buAutoNum type="arabicParenR"/>
+            </a:pPr>
+            <a:r>
+              <a:rPr lang="en-US" dirty="0"/>
+              <a:t>Luciano, </a:t>
+            </a:r>
+            <a:r>
+              <a:rPr lang="en-US" dirty="0" err="1"/>
+              <a:t>Ramalho</a:t>
+            </a:r>
+            <a:r>
+              <a:rPr lang="en-US" dirty="0"/>
+              <a:t>, Fluent Python, </a:t>
+            </a:r>
+            <a:r>
+              <a:rPr lang="en-US" dirty="0" err="1"/>
+              <a:t>O'reilly</a:t>
+            </a:r>
+            <a:r>
+              <a:rPr lang="en-US" dirty="0"/>
+              <a:t> Media.</a:t>
+            </a:r>
+          </a:p>
+          <a:p>
+            <a:pPr marL="0" indent="0">
+              <a:buNone/>
+            </a:pPr>
+            <a:endParaRPr lang="en-US" dirty="0"/>
+          </a:p>
+        </p:txBody>
+      </p:sp>
+      <p:sp>
+        <p:nvSpPr>
+          <p:cNvPr id="3" name="Slide Number Placeholder 2">
+            <a:extLst>
+              <a:ext uri="{FF2B5EF4-FFF2-40B4-BE49-F238E27FC236}">
+                <a16:creationId xmlns:a16="http://schemas.microsoft.com/office/drawing/2014/main" id="{A47A3CFA-6396-F949-A695-9BC50BFA07A1}"/>
+              </a:ext>
+            </a:extLst>
+          </p:cNvPr>
+          <p:cNvSpPr>
+            <a:spLocks noGrp="1"/>
+          </p:cNvSpPr>
+          <p:nvPr>
+            <p:ph type="sldNum" sz="quarter" idx="12"/>
+          </p:nvPr>
+        </p:nvSpPr>
+        <p:spPr/>
+        <p:txBody>
+          <a:bodyPr/>
+          <a:lstStyle/>
+          <a:p>
+            <a:fld id="{D57F1E4F-1CFF-5643-939E-02111984F565}" type="slidenum">
+              <a:rPr lang="en-US" smtClean="0"/>
+              <a:t>33</a:t>
+            </a:fld>
+            <a:endParaRPr lang="en-US" dirty="0"/>
+          </a:p>
+        </p:txBody>
+      </p:sp>
+    </p:spTree>
+    <p:extLst>
+      <p:ext uri="{BB962C8B-B14F-4D97-AF65-F5344CB8AC3E}">
+        <p14:creationId xmlns:p14="http://schemas.microsoft.com/office/powerpoint/2010/main" val="1438711869"/>
+      </p:ext>
+    </p:extLst>
+  </p:cSld>
+  <p:clrMapOvr>
+    <a:masterClrMapping/>
+  </p:clrMapOvr>
 </p:sld>
 </file>
 

--- a/courses/apcsp/lect6.pptx
+++ b/courses/apcsp/lect6.pptx
@@ -5,7 +5,7 @@
     <p:sldMasterId id="2147483791" r:id="rId1"/>
   </p:sldMasterIdLst>
   <p:notesMasterIdLst>
-    <p:notesMasterId r:id="rId35"/>
+    <p:notesMasterId r:id="rId34"/>
   </p:notesMasterIdLst>
   <p:sldIdLst>
     <p:sldId id="256" r:id="rId2"/>
@@ -39,8 +39,7 @@
     <p:sldId id="365" r:id="rId30"/>
     <p:sldId id="366" r:id="rId31"/>
     <p:sldId id="341" r:id="rId32"/>
-    <p:sldId id="346" r:id="rId33"/>
-    <p:sldId id="284" r:id="rId34"/>
+    <p:sldId id="284" r:id="rId33"/>
   </p:sldIdLst>
   <p:sldSz cx="9144000" cy="5715000" type="screen16x10"/>
   <p:notesSz cx="6858000" cy="9144000"/>
@@ -160,18 +159,18 @@
   <pc:docChgLst>
     <pc:chgData name="Long Nguyen" userId="f59fb8f3-a021-417a-8bc1-65c8d471c621" providerId="ADAL" clId="{572F5AE3-38E5-E148-BAA5-C3A513756EA3}"/>
     <pc:docChg chg="undo custSel addSld delSld modSld">
-      <pc:chgData name="Long Nguyen" userId="f59fb8f3-a021-417a-8bc1-65c8d471c621" providerId="ADAL" clId="{572F5AE3-38E5-E148-BAA5-C3A513756EA3}" dt="2022-11-15T17:05:29.668" v="95" actId="2696"/>
+      <pc:chgData name="Long Nguyen" userId="f59fb8f3-a021-417a-8bc1-65c8d471c621" providerId="ADAL" clId="{572F5AE3-38E5-E148-BAA5-C3A513756EA3}" dt="2022-11-19T16:41:25.975" v="156" actId="2696"/>
       <pc:docMkLst>
         <pc:docMk/>
       </pc:docMkLst>
       <pc:sldChg chg="modSp mod">
-        <pc:chgData name="Long Nguyen" userId="f59fb8f3-a021-417a-8bc1-65c8d471c621" providerId="ADAL" clId="{572F5AE3-38E5-E148-BAA5-C3A513756EA3}" dt="2022-11-15T16:57:03.470" v="46" actId="20577"/>
+        <pc:chgData name="Long Nguyen" userId="f59fb8f3-a021-417a-8bc1-65c8d471c621" providerId="ADAL" clId="{572F5AE3-38E5-E148-BAA5-C3A513756EA3}" dt="2022-11-19T16:38:56.819" v="155" actId="207"/>
         <pc:sldMkLst>
           <pc:docMk/>
           <pc:sldMk cId="2259044443" sldId="300"/>
         </pc:sldMkLst>
         <pc:graphicFrameChg chg="mod modGraphic">
-          <ac:chgData name="Long Nguyen" userId="f59fb8f3-a021-417a-8bc1-65c8d471c621" providerId="ADAL" clId="{572F5AE3-38E5-E148-BAA5-C3A513756EA3}" dt="2022-11-15T16:57:03.470" v="46" actId="20577"/>
+          <ac:chgData name="Long Nguyen" userId="f59fb8f3-a021-417a-8bc1-65c8d471c621" providerId="ADAL" clId="{572F5AE3-38E5-E148-BAA5-C3A513756EA3}" dt="2022-11-19T16:38:56.819" v="155" actId="207"/>
           <ac:graphicFrameMkLst>
             <pc:docMk/>
             <pc:sldMk cId="2259044443" sldId="300"/>
@@ -184,6 +183,13 @@
         <pc:sldMkLst>
           <pc:docMk/>
           <pc:sldMk cId="725508398" sldId="327"/>
+        </pc:sldMkLst>
+      </pc:sldChg>
+      <pc:sldChg chg="del">
+        <pc:chgData name="Long Nguyen" userId="f59fb8f3-a021-417a-8bc1-65c8d471c621" providerId="ADAL" clId="{572F5AE3-38E5-E148-BAA5-C3A513756EA3}" dt="2022-11-19T16:41:25.975" v="156" actId="2696"/>
+        <pc:sldMkLst>
+          <pc:docMk/>
+          <pc:sldMk cId="3549579413" sldId="346"/>
         </pc:sldMkLst>
       </pc:sldChg>
       <pc:sldChg chg="modSp mod">
@@ -3636,7 +3642,7 @@
           <a:p>
             <a:fld id="{472A3191-A823-3A4C-BAE2-BFE2B900BE07}" type="datetimeFigureOut">
               <a:rPr lang="en-US" smtClean="0"/>
-              <a:t>11/15/22</a:t>
+              <a:t>11/19/22</a:t>
             </a:fld>
             <a:endParaRPr lang="en-US"/>
           </a:p>
@@ -4034,7 +4040,7 @@
           <a:p>
             <a:fld id="{47BA3DDC-075C-4A4D-A54B-95D98B8D478A}" type="datetime1">
               <a:rPr lang="en-US" smtClean="0"/>
-              <a:t>11/15/22</a:t>
+              <a:t>11/19/22</a:t>
             </a:fld>
             <a:endParaRPr lang="en-US" dirty="0"/>
           </a:p>
@@ -4204,7 +4210,7 @@
           <a:p>
             <a:fld id="{3B0FA794-F06E-FD4C-A124-E975800EFC4E}" type="datetime1">
               <a:rPr lang="en-US" smtClean="0"/>
-              <a:t>11/15/22</a:t>
+              <a:t>11/19/22</a:t>
             </a:fld>
             <a:endParaRPr lang="en-US" dirty="0"/>
           </a:p>
@@ -4384,7 +4390,7 @@
           <a:p>
             <a:fld id="{75640BA0-BAEC-B84C-9495-6C34748904F6}" type="datetime1">
               <a:rPr lang="en-US" smtClean="0"/>
-              <a:t>11/15/22</a:t>
+              <a:t>11/19/22</a:t>
             </a:fld>
             <a:endParaRPr lang="en-US" dirty="0"/>
           </a:p>
@@ -4554,7 +4560,7 @@
           <a:p>
             <a:fld id="{AEE200F8-8645-EA46-9425-DBABAFD1112F}" type="datetime1">
               <a:rPr lang="en-US" smtClean="0"/>
-              <a:t>11/15/22</a:t>
+              <a:t>11/19/22</a:t>
             </a:fld>
             <a:endParaRPr lang="en-US" dirty="0"/>
           </a:p>
@@ -4800,7 +4806,7 @@
           <a:p>
             <a:fld id="{86F38B6D-1830-6645-B8A8-B1EA68162AEB}" type="datetime1">
               <a:rPr lang="en-US" smtClean="0"/>
-              <a:t>11/15/22</a:t>
+              <a:t>11/19/22</a:t>
             </a:fld>
             <a:endParaRPr lang="en-US" dirty="0"/>
           </a:p>
@@ -5032,7 +5038,7 @@
           <a:p>
             <a:fld id="{FBDB30CD-8874-1849-8C07-31C574BD0F00}" type="datetime1">
               <a:rPr lang="en-US" smtClean="0"/>
-              <a:t>11/15/22</a:t>
+              <a:t>11/19/22</a:t>
             </a:fld>
             <a:endParaRPr lang="en-US" dirty="0"/>
           </a:p>
@@ -5399,7 +5405,7 @@
           <a:p>
             <a:fld id="{9CD31F1E-F5EC-8A4E-89B7-DCE834C81DCA}" type="datetime1">
               <a:rPr lang="en-US" smtClean="0"/>
-              <a:t>11/15/22</a:t>
+              <a:t>11/19/22</a:t>
             </a:fld>
             <a:endParaRPr lang="en-US" dirty="0"/>
           </a:p>
@@ -5517,7 +5523,7 @@
           <a:p>
             <a:fld id="{858DAD96-FF74-1C4D-B421-2B1A1D78B7A3}" type="datetime1">
               <a:rPr lang="en-US" smtClean="0"/>
-              <a:t>11/15/22</a:t>
+              <a:t>11/19/22</a:t>
             </a:fld>
             <a:endParaRPr lang="en-US" dirty="0"/>
           </a:p>
@@ -5612,7 +5618,7 @@
           <a:p>
             <a:fld id="{0422F68F-8F3D-A243-BF92-BEC91234D28D}" type="datetime1">
               <a:rPr lang="en-US" smtClean="0"/>
-              <a:t>11/15/22</a:t>
+              <a:t>11/19/22</a:t>
             </a:fld>
             <a:endParaRPr lang="en-US" dirty="0"/>
           </a:p>
@@ -5889,7 +5895,7 @@
           <a:p>
             <a:fld id="{3E84CF79-FEE6-5147-B1B6-0510538F2C2F}" type="datetime1">
               <a:rPr lang="en-US" smtClean="0"/>
-              <a:t>11/15/22</a:t>
+              <a:t>11/19/22</a:t>
             </a:fld>
             <a:endParaRPr lang="en-US" dirty="0"/>
           </a:p>
@@ -6146,7 +6152,7 @@
           <a:p>
             <a:fld id="{53DFDDFB-467B-F842-B523-CB6956E2725F}" type="datetime1">
               <a:rPr lang="en-US" smtClean="0"/>
-              <a:t>11/15/22</a:t>
+              <a:t>11/19/22</a:t>
             </a:fld>
             <a:endParaRPr lang="en-US" dirty="0"/>
           </a:p>
@@ -6359,7 +6365,7 @@
           <a:p>
             <a:fld id="{A6BEBF30-A8B2-7F48-95AD-DD4EBFBBC815}" type="datetime1">
               <a:rPr lang="en-US" smtClean="0"/>
-              <a:t>11/15/22</a:t>
+              <a:t>11/19/22</a:t>
             </a:fld>
             <a:endParaRPr lang="en-US" dirty="0"/>
           </a:p>
@@ -18508,7 +18514,7 @@
           <p:nvPr>
             <p:extLst>
               <p:ext uri="{D42A27DB-BD31-4B8C-83A1-F6EECF244321}">
-                <p14:modId xmlns:p14="http://schemas.microsoft.com/office/powerpoint/2010/main" val="593147432"/>
+                <p14:modId xmlns:p14="http://schemas.microsoft.com/office/powerpoint/2010/main" val="2293748494"/>
               </p:ext>
             </p:extLst>
           </p:nvPr>
@@ -18711,9 +18717,14 @@
                         <a:rPr lang="en-US" sz="1800" dirty="0"/>
                         <a:t>splits a string into a list.  A separator can be specified. The default separator is any whitespace. </a:t>
                       </a:r>
-                    </a:p>
-                    <a:p>
-                      <a:endParaRPr lang="en-US" sz="1800" dirty="0"/>
+                      <a:r>
+                        <a:rPr lang="en-US" sz="1800" dirty="0">
+                          <a:solidFill>
+                            <a:srgbClr val="FF0000"/>
+                          </a:solidFill>
+                        </a:rPr>
+                        <a:t>Note that this is a string method not a list method.</a:t>
+                      </a:r>
                     </a:p>
                   </a:txBody>
                   <a:tcPr/>
@@ -23263,219 +23274,6 @@
         </p:nvSpPr>
         <p:spPr>
           <a:xfrm>
-            <a:off x="174929" y="145751"/>
-            <a:ext cx="7053542" cy="683886"/>
-          </a:xfrm>
-        </p:spPr>
-        <p:txBody>
-          <a:bodyPr/>
-          <a:lstStyle/>
-          <a:p>
-            <a:r>
-              <a:rPr lang="en-US" dirty="0"/>
-              <a:t>Lab 2</a:t>
-            </a:r>
-          </a:p>
-        </p:txBody>
-      </p:sp>
-      <p:sp>
-        <p:nvSpPr>
-          <p:cNvPr id="9" name="Content Placeholder 8">
-            <a:extLst>
-              <a:ext uri="{FF2B5EF4-FFF2-40B4-BE49-F238E27FC236}">
-                <a16:creationId xmlns:a16="http://schemas.microsoft.com/office/drawing/2014/main" id="{E3B2E017-30B2-884B-A113-B419A2ED51AD}"/>
-              </a:ext>
-            </a:extLst>
-          </p:cNvPr>
-          <p:cNvSpPr>
-            <a:spLocks noGrp="1"/>
-          </p:cNvSpPr>
-          <p:nvPr>
-            <p:ph idx="1"/>
-          </p:nvPr>
-        </p:nvSpPr>
-        <p:spPr>
-          <a:xfrm>
-            <a:off x="308920" y="926758"/>
-            <a:ext cx="8226654" cy="4788242"/>
-          </a:xfrm>
-        </p:spPr>
-        <p:txBody>
-          <a:bodyPr>
-            <a:noAutofit/>
-          </a:bodyPr>
-          <a:lstStyle/>
-          <a:p>
-            <a:pPr marL="0" indent="0">
-              <a:buNone/>
-            </a:pPr>
-            <a:r>
-              <a:rPr lang="en-US" dirty="0"/>
-              <a:t>Create a new </a:t>
-            </a:r>
-            <a:r>
-              <a:rPr lang="en-US" dirty="0" err="1"/>
-              <a:t>repl</a:t>
-            </a:r>
-            <a:r>
-              <a:rPr lang="en-US" dirty="0"/>
-              <a:t> on </a:t>
-            </a:r>
-            <a:r>
-              <a:rPr lang="en-US" dirty="0" err="1"/>
-              <a:t>repl.it</a:t>
-            </a:r>
-            <a:r>
-              <a:rPr lang="en-US" dirty="0"/>
-              <a:t> Use list comprehensions to create the following lists.</a:t>
-            </a:r>
-            <a:endParaRPr lang="en-US" b="1" dirty="0">
-              <a:latin typeface="Inconsolata" panose="020B0609030003000000" pitchFamily="49" charset="77"/>
-            </a:endParaRPr>
-          </a:p>
-          <a:p>
-            <a:pPr marL="457200" indent="-457200">
-              <a:buAutoNum type="arabicParenR"/>
-            </a:pPr>
-            <a:r>
-              <a:rPr lang="en-US" b="1" dirty="0">
-                <a:latin typeface="Inconsolata" panose="020B0609030003000000" pitchFamily="49" charset="77"/>
-              </a:rPr>
-              <a:t>[2,4,6,8,10,…,20]</a:t>
-            </a:r>
-          </a:p>
-          <a:p>
-            <a:pPr marL="457200" indent="-457200">
-              <a:buAutoNum type="arabicParenR"/>
-            </a:pPr>
-            <a:r>
-              <a:rPr lang="en-US" b="1" dirty="0">
-                <a:latin typeface="Inconsolata" panose="020B0609030003000000" pitchFamily="49" charset="77"/>
-              </a:rPr>
-              <a:t>[1,8,27,64,125]</a:t>
-            </a:r>
-          </a:p>
-          <a:p>
-            <a:pPr marL="457200" indent="-457200">
-              <a:buAutoNum type="arabicParenR"/>
-            </a:pPr>
-            <a:r>
-              <a:rPr lang="en-US" b="1" dirty="0">
-                <a:latin typeface="Inconsolata" panose="020B0609030003000000" pitchFamily="49" charset="77"/>
-              </a:rPr>
-              <a:t>[0.5,1.0,1.5,2.0,2.5,3.0]</a:t>
-            </a:r>
-          </a:p>
-          <a:p>
-            <a:pPr marL="457200" indent="-457200">
-              <a:buAutoNum type="arabicParenR"/>
-            </a:pPr>
-            <a:r>
-              <a:rPr lang="en-US" b="1" dirty="0">
-                <a:latin typeface="Inconsolata" panose="020B0609030003000000" pitchFamily="49" charset="77"/>
-              </a:rPr>
-              <a:t>['1','2','3','4','5']</a:t>
-            </a:r>
-          </a:p>
-          <a:p>
-            <a:pPr marL="457200" indent="-457200">
-              <a:buAutoNum type="arabicParenR"/>
-            </a:pPr>
-            <a:r>
-              <a:rPr lang="en-US" b="1" dirty="0">
-                <a:latin typeface="Inconsolata" panose="020B0609030003000000" pitchFamily="49" charset="77"/>
-              </a:rPr>
-              <a:t>[1,3,5,7,9,…,99]. Must use condition in the list </a:t>
-            </a:r>
-            <a:r>
-              <a:rPr lang="en-US" b="1">
-                <a:latin typeface="Inconsolata" panose="020B0609030003000000" pitchFamily="49" charset="77"/>
-              </a:rPr>
-              <a:t>comprehension.</a:t>
-            </a:r>
-            <a:endParaRPr lang="en-US" b="1" dirty="0">
-              <a:latin typeface="Inconsolata" panose="020B0609030003000000" pitchFamily="49" charset="77"/>
-            </a:endParaRPr>
-          </a:p>
-        </p:txBody>
-      </p:sp>
-      <p:sp>
-        <p:nvSpPr>
-          <p:cNvPr id="3" name="Slide Number Placeholder 2">
-            <a:extLst>
-              <a:ext uri="{FF2B5EF4-FFF2-40B4-BE49-F238E27FC236}">
-                <a16:creationId xmlns:a16="http://schemas.microsoft.com/office/drawing/2014/main" id="{39D700A7-D1AC-AD43-8C1D-E59396E5DFAA}"/>
-              </a:ext>
-            </a:extLst>
-          </p:cNvPr>
-          <p:cNvSpPr>
-            <a:spLocks noGrp="1"/>
-          </p:cNvSpPr>
-          <p:nvPr>
-            <p:ph type="sldNum" sz="quarter" idx="12"/>
-          </p:nvPr>
-        </p:nvSpPr>
-        <p:spPr/>
-        <p:txBody>
-          <a:bodyPr/>
-          <a:lstStyle/>
-          <a:p>
-            <a:fld id="{D57F1E4F-1CFF-5643-939E-02111984F565}" type="slidenum">
-              <a:rPr lang="en-US" smtClean="0"/>
-              <a:t>32</a:t>
-            </a:fld>
-            <a:endParaRPr lang="en-US" dirty="0"/>
-          </a:p>
-        </p:txBody>
-      </p:sp>
-    </p:spTree>
-    <p:extLst>
-      <p:ext uri="{BB962C8B-B14F-4D97-AF65-F5344CB8AC3E}">
-        <p14:creationId xmlns:p14="http://schemas.microsoft.com/office/powerpoint/2010/main" val="3549579413"/>
-      </p:ext>
-    </p:extLst>
-  </p:cSld>
-  <p:clrMapOvr>
-    <a:masterClrMapping/>
-  </p:clrMapOvr>
-</p:sld>
-</file>
-
-<file path=ppt/slides/slide33.xml><?xml version="1.0" encoding="utf-8"?>
-<p:sld xmlns:a="http://schemas.openxmlformats.org/drawingml/2006/main" xmlns:r="http://schemas.openxmlformats.org/officeDocument/2006/relationships" xmlns:p="http://schemas.openxmlformats.org/presentationml/2006/main">
-  <p:cSld>
-    <p:spTree>
-      <p:nvGrpSpPr>
-        <p:cNvPr id="1" name=""/>
-        <p:cNvGrpSpPr/>
-        <p:nvPr/>
-      </p:nvGrpSpPr>
-      <p:grpSpPr>
-        <a:xfrm>
-          <a:off x="0" y="0"/>
-          <a:ext cx="0" cy="0"/>
-          <a:chOff x="0" y="0"/>
-          <a:chExt cx="0" cy="0"/>
-        </a:xfrm>
-      </p:grpSpPr>
-      <p:sp>
-        <p:nvSpPr>
-          <p:cNvPr id="2" name="Title 1">
-            <a:extLst>
-              <a:ext uri="{FF2B5EF4-FFF2-40B4-BE49-F238E27FC236}">
-                <a16:creationId xmlns:a16="http://schemas.microsoft.com/office/drawing/2014/main" id="{AA3A228F-61D0-D949-A5E7-F83756230BF8}"/>
-              </a:ext>
-            </a:extLst>
-          </p:cNvPr>
-          <p:cNvSpPr>
-            <a:spLocks noGrp="1"/>
-          </p:cNvSpPr>
-          <p:nvPr>
-            <p:ph type="title"/>
-          </p:nvPr>
-        </p:nvSpPr>
-        <p:spPr>
-          <a:xfrm>
             <a:off x="483848" y="467027"/>
             <a:ext cx="7053542" cy="683886"/>
           </a:xfrm>
@@ -23607,7 +23405,7 @@
           <a:p>
             <a:fld id="{D57F1E4F-1CFF-5643-939E-02111984F565}" type="slidenum">
               <a:rPr lang="en-US" smtClean="0"/>
-              <a:t>33</a:t>
+              <a:t>32</a:t>
             </a:fld>
             <a:endParaRPr lang="en-US" dirty="0"/>
           </a:p>

--- a/courses/apcsp/lect6.pptx
+++ b/courses/apcsp/lect6.pptx
@@ -149,7 +149,7 @@
 <file path=ppt/revisionInfo.xml><?xml version="1.0" encoding="utf-8"?>
 <p1510:revInfo xmlns:a="http://schemas.openxmlformats.org/drawingml/2006/main" xmlns:r="http://schemas.openxmlformats.org/officeDocument/2006/relationships" xmlns:p1510="http://schemas.microsoft.com/office/powerpoint/2015/10/main">
   <p1510:revLst>
-    <p1510:client id="{572F5AE3-38E5-E148-BAA5-C3A513756EA3}" v="12" dt="2022-11-15T17:05:21.325"/>
+    <p1510:client id="{3CFC921F-BC08-3B47-84DC-833630E61C5F}" v="8" dt="2023-11-06T12:56:41.933"/>
   </p1510:revLst>
 </p1510:revInfo>
 </file>
@@ -333,12 +333,1546 @@
     </pc:docChg>
   </pc:docChgLst>
   <pc:docChgLst>
-    <pc:chgData name="Long B Nguyen" userId="f59fb8f3-a021-417a-8bc1-65c8d471c621" providerId="ADAL" clId="{02F9CDFD-8058-E747-90F1-869B904FA8AE}"/>
-    <pc:docChg chg="delSld">
-      <pc:chgData name="Long B Nguyen" userId="f59fb8f3-a021-417a-8bc1-65c8d471c621" providerId="ADAL" clId="{02F9CDFD-8058-E747-90F1-869B904FA8AE}" dt="2019-10-06T14:42:51.433" v="0" actId="2696"/>
+    <pc:chgData name="Long B Nguyen" userId="f59fb8f3-a021-417a-8bc1-65c8d471c621" providerId="ADAL" clId="{4D565438-72D8-7342-B7D9-79686A2899D7}"/>
+    <pc:docChg chg="addSld delSld modSld">
+      <pc:chgData name="Long B Nguyen" userId="f59fb8f3-a021-417a-8bc1-65c8d471c621" providerId="ADAL" clId="{4D565438-72D8-7342-B7D9-79686A2899D7}" dt="2021-06-05T15:24:20.423" v="390"/>
       <pc:docMkLst>
         <pc:docMk/>
       </pc:docMkLst>
+      <pc:sldChg chg="modSp mod">
+        <pc:chgData name="Long B Nguyen" userId="f59fb8f3-a021-417a-8bc1-65c8d471c621" providerId="ADAL" clId="{4D565438-72D8-7342-B7D9-79686A2899D7}" dt="2021-06-05T03:51:14.693" v="19" actId="20577"/>
+        <pc:sldMkLst>
+          <pc:docMk/>
+          <pc:sldMk cId="4247104139" sldId="256"/>
+        </pc:sldMkLst>
+        <pc:spChg chg="mod">
+          <ac:chgData name="Long B Nguyen" userId="f59fb8f3-a021-417a-8bc1-65c8d471c621" providerId="ADAL" clId="{4D565438-72D8-7342-B7D9-79686A2899D7}" dt="2021-06-05T03:51:14.693" v="19" actId="20577"/>
+          <ac:spMkLst>
+            <pc:docMk/>
+            <pc:sldMk cId="4247104139" sldId="256"/>
+            <ac:spMk id="3" creationId="{1BDC47C8-6776-7B44-9CD4-95FC91452D62}"/>
+          </ac:spMkLst>
+        </pc:spChg>
+      </pc:sldChg>
+      <pc:sldChg chg="modSp mod">
+        <pc:chgData name="Long B Nguyen" userId="f59fb8f3-a021-417a-8bc1-65c8d471c621" providerId="ADAL" clId="{4D565438-72D8-7342-B7D9-79686A2899D7}" dt="2021-06-05T03:52:52.775" v="192" actId="20577"/>
+        <pc:sldMkLst>
+          <pc:docMk/>
+          <pc:sldMk cId="131840209" sldId="286"/>
+        </pc:sldMkLst>
+        <pc:spChg chg="mod">
+          <ac:chgData name="Long B Nguyen" userId="f59fb8f3-a021-417a-8bc1-65c8d471c621" providerId="ADAL" clId="{4D565438-72D8-7342-B7D9-79686A2899D7}" dt="2021-06-05T03:52:52.775" v="192" actId="20577"/>
+          <ac:spMkLst>
+            <pc:docMk/>
+            <pc:sldMk cId="131840209" sldId="286"/>
+            <ac:spMk id="9" creationId="{E3B2E017-30B2-884B-A113-B419A2ED51AD}"/>
+          </ac:spMkLst>
+        </pc:spChg>
+      </pc:sldChg>
+      <pc:sldChg chg="modSp mod">
+        <pc:chgData name="Long B Nguyen" userId="f59fb8f3-a021-417a-8bc1-65c8d471c621" providerId="ADAL" clId="{4D565438-72D8-7342-B7D9-79686A2899D7}" dt="2021-06-05T15:24:20.423" v="390"/>
+        <pc:sldMkLst>
+          <pc:docMk/>
+          <pc:sldMk cId="2259044443" sldId="300"/>
+        </pc:sldMkLst>
+        <pc:graphicFrameChg chg="mod modGraphic">
+          <ac:chgData name="Long B Nguyen" userId="f59fb8f3-a021-417a-8bc1-65c8d471c621" providerId="ADAL" clId="{4D565438-72D8-7342-B7D9-79686A2899D7}" dt="2021-06-05T15:24:20.423" v="390"/>
+          <ac:graphicFrameMkLst>
+            <pc:docMk/>
+            <pc:sldMk cId="2259044443" sldId="300"/>
+            <ac:graphicFrameMk id="3" creationId="{57EBABBC-BF53-D54B-B535-A6EEF3CDBAF8}"/>
+          </ac:graphicFrameMkLst>
+        </pc:graphicFrameChg>
+      </pc:sldChg>
+      <pc:sldChg chg="modSp add mod modAnim">
+        <pc:chgData name="Long B Nguyen" userId="f59fb8f3-a021-417a-8bc1-65c8d471c621" providerId="ADAL" clId="{4D565438-72D8-7342-B7D9-79686A2899D7}" dt="2021-06-05T15:21:33.001" v="379" actId="207"/>
+        <pc:sldMkLst>
+          <pc:docMk/>
+          <pc:sldMk cId="2211977495" sldId="337"/>
+        </pc:sldMkLst>
+        <pc:spChg chg="mod">
+          <ac:chgData name="Long B Nguyen" userId="f59fb8f3-a021-417a-8bc1-65c8d471c621" providerId="ADAL" clId="{4D565438-72D8-7342-B7D9-79686A2899D7}" dt="2021-06-05T15:19:26.350" v="195" actId="1076"/>
+          <ac:spMkLst>
+            <pc:docMk/>
+            <pc:sldMk cId="2211977495" sldId="337"/>
+            <ac:spMk id="2" creationId="{AA3A228F-61D0-D949-A5E7-F83756230BF8}"/>
+          </ac:spMkLst>
+        </pc:spChg>
+        <pc:spChg chg="mod">
+          <ac:chgData name="Long B Nguyen" userId="f59fb8f3-a021-417a-8bc1-65c8d471c621" providerId="ADAL" clId="{4D565438-72D8-7342-B7D9-79686A2899D7}" dt="2021-06-05T15:21:33.001" v="379" actId="207"/>
+          <ac:spMkLst>
+            <pc:docMk/>
+            <pc:sldMk cId="2211977495" sldId="337"/>
+            <ac:spMk id="9" creationId="{E3B2E017-30B2-884B-A113-B419A2ED51AD}"/>
+          </ac:spMkLst>
+        </pc:spChg>
+      </pc:sldChg>
+      <pc:sldChg chg="modSp add del mod">
+        <pc:chgData name="Long B Nguyen" userId="f59fb8f3-a021-417a-8bc1-65c8d471c621" providerId="ADAL" clId="{4D565438-72D8-7342-B7D9-79686A2899D7}" dt="2021-06-05T15:22:30.914" v="381" actId="2696"/>
+        <pc:sldMkLst>
+          <pc:docMk/>
+          <pc:sldMk cId="2945958577" sldId="338"/>
+        </pc:sldMkLst>
+        <pc:spChg chg="mod">
+          <ac:chgData name="Long B Nguyen" userId="f59fb8f3-a021-417a-8bc1-65c8d471c621" providerId="ADAL" clId="{4D565438-72D8-7342-B7D9-79686A2899D7}" dt="2021-06-05T15:21:44.133" v="380" actId="1076"/>
+          <ac:spMkLst>
+            <pc:docMk/>
+            <pc:sldMk cId="2945958577" sldId="338"/>
+            <ac:spMk id="2" creationId="{AA3A228F-61D0-D949-A5E7-F83756230BF8}"/>
+          </ac:spMkLst>
+        </pc:spChg>
+        <pc:spChg chg="mod">
+          <ac:chgData name="Long B Nguyen" userId="f59fb8f3-a021-417a-8bc1-65c8d471c621" providerId="ADAL" clId="{4D565438-72D8-7342-B7D9-79686A2899D7}" dt="2021-06-05T15:19:16.249" v="194" actId="1076"/>
+          <ac:spMkLst>
+            <pc:docMk/>
+            <pc:sldMk cId="2945958577" sldId="338"/>
+            <ac:spMk id="9" creationId="{E3B2E017-30B2-884B-A113-B419A2ED51AD}"/>
+          </ac:spMkLst>
+        </pc:spChg>
+      </pc:sldChg>
+    </pc:docChg>
+  </pc:docChgLst>
+  <pc:docChgLst>
+    <pc:chgData name="Long B Nguyen" userId="f59fb8f3-a021-417a-8bc1-65c8d471c621" providerId="ADAL" clId="{7279A8A5-2AEE-8349-A56F-AA85D50C2543}"/>
+    <pc:docChg chg="undo custSel addSld delSld modSld">
+      <pc:chgData name="Long B Nguyen" userId="f59fb8f3-a021-417a-8bc1-65c8d471c621" providerId="ADAL" clId="{7279A8A5-2AEE-8349-A56F-AA85D50C2543}" dt="2021-06-05T03:47:47.906" v="3276" actId="20577"/>
+      <pc:docMkLst>
+        <pc:docMk/>
+      </pc:docMkLst>
+      <pc:sldChg chg="modSp mod modAnim">
+        <pc:chgData name="Long B Nguyen" userId="f59fb8f3-a021-417a-8bc1-65c8d471c621" providerId="ADAL" clId="{7279A8A5-2AEE-8349-A56F-AA85D50C2543}" dt="2021-06-04T17:50:45.874" v="93" actId="20577"/>
+        <pc:sldMkLst>
+          <pc:docMk/>
+          <pc:sldMk cId="278045358" sldId="257"/>
+        </pc:sldMkLst>
+        <pc:spChg chg="mod">
+          <ac:chgData name="Long B Nguyen" userId="f59fb8f3-a021-417a-8bc1-65c8d471c621" providerId="ADAL" clId="{7279A8A5-2AEE-8349-A56F-AA85D50C2543}" dt="2021-06-04T17:50:45.874" v="93" actId="20577"/>
+          <ac:spMkLst>
+            <pc:docMk/>
+            <pc:sldMk cId="278045358" sldId="257"/>
+            <ac:spMk id="9" creationId="{E3B2E017-30B2-884B-A113-B419A2ED51AD}"/>
+          </ac:spMkLst>
+        </pc:spChg>
+      </pc:sldChg>
+      <pc:sldChg chg="del">
+        <pc:chgData name="Long B Nguyen" userId="f59fb8f3-a021-417a-8bc1-65c8d471c621" providerId="ADAL" clId="{7279A8A5-2AEE-8349-A56F-AA85D50C2543}" dt="2021-06-04T17:53:53.345" v="101" actId="2696"/>
+        <pc:sldMkLst>
+          <pc:docMk/>
+          <pc:sldMk cId="15889227" sldId="266"/>
+        </pc:sldMkLst>
+      </pc:sldChg>
+      <pc:sldChg chg="modSp modAnim">
+        <pc:chgData name="Long B Nguyen" userId="f59fb8f3-a021-417a-8bc1-65c8d471c621" providerId="ADAL" clId="{7279A8A5-2AEE-8349-A56F-AA85D50C2543}" dt="2021-06-04T18:04:10.026" v="184" actId="20577"/>
+        <pc:sldMkLst>
+          <pc:docMk/>
+          <pc:sldMk cId="1313115290" sldId="287"/>
+        </pc:sldMkLst>
+        <pc:spChg chg="mod">
+          <ac:chgData name="Long B Nguyen" userId="f59fb8f3-a021-417a-8bc1-65c8d471c621" providerId="ADAL" clId="{7279A8A5-2AEE-8349-A56F-AA85D50C2543}" dt="2021-06-04T18:04:10.026" v="184" actId="20577"/>
+          <ac:spMkLst>
+            <pc:docMk/>
+            <pc:sldMk cId="1313115290" sldId="287"/>
+            <ac:spMk id="9" creationId="{E3B2E017-30B2-884B-A113-B419A2ED51AD}"/>
+          </ac:spMkLst>
+        </pc:spChg>
+      </pc:sldChg>
+      <pc:sldChg chg="del">
+        <pc:chgData name="Long B Nguyen" userId="f59fb8f3-a021-417a-8bc1-65c8d471c621" providerId="ADAL" clId="{7279A8A5-2AEE-8349-A56F-AA85D50C2543}" dt="2021-06-04T18:13:43.940" v="518" actId="2696"/>
+        <pc:sldMkLst>
+          <pc:docMk/>
+          <pc:sldMk cId="1552642527" sldId="288"/>
+        </pc:sldMkLst>
+      </pc:sldChg>
+      <pc:sldChg chg="modSp mod">
+        <pc:chgData name="Long B Nguyen" userId="f59fb8f3-a021-417a-8bc1-65c8d471c621" providerId="ADAL" clId="{7279A8A5-2AEE-8349-A56F-AA85D50C2543}" dt="2021-06-05T03:16:05.949" v="1646" actId="1076"/>
+        <pc:sldMkLst>
+          <pc:docMk/>
+          <pc:sldMk cId="2259044443" sldId="300"/>
+        </pc:sldMkLst>
+        <pc:spChg chg="mod">
+          <ac:chgData name="Long B Nguyen" userId="f59fb8f3-a021-417a-8bc1-65c8d471c621" providerId="ADAL" clId="{7279A8A5-2AEE-8349-A56F-AA85D50C2543}" dt="2021-06-04T17:51:51.671" v="97" actId="1076"/>
+          <ac:spMkLst>
+            <pc:docMk/>
+            <pc:sldMk cId="2259044443" sldId="300"/>
+            <ac:spMk id="2" creationId="{AA3A228F-61D0-D949-A5E7-F83756230BF8}"/>
+          </ac:spMkLst>
+        </pc:spChg>
+        <pc:spChg chg="mod">
+          <ac:chgData name="Long B Nguyen" userId="f59fb8f3-a021-417a-8bc1-65c8d471c621" providerId="ADAL" clId="{7279A8A5-2AEE-8349-A56F-AA85D50C2543}" dt="2021-06-05T03:16:01.263" v="1645" actId="20577"/>
+          <ac:spMkLst>
+            <pc:docMk/>
+            <pc:sldMk cId="2259044443" sldId="300"/>
+            <ac:spMk id="9" creationId="{E3B2E017-30B2-884B-A113-B419A2ED51AD}"/>
+          </ac:spMkLst>
+        </pc:spChg>
+        <pc:graphicFrameChg chg="mod modGraphic">
+          <ac:chgData name="Long B Nguyen" userId="f59fb8f3-a021-417a-8bc1-65c8d471c621" providerId="ADAL" clId="{7279A8A5-2AEE-8349-A56F-AA85D50C2543}" dt="2021-06-05T03:16:05.949" v="1646" actId="1076"/>
+          <ac:graphicFrameMkLst>
+            <pc:docMk/>
+            <pc:sldMk cId="2259044443" sldId="300"/>
+            <ac:graphicFrameMk id="3" creationId="{57EBABBC-BF53-D54B-B535-A6EEF3CDBAF8}"/>
+          </ac:graphicFrameMkLst>
+        </pc:graphicFrameChg>
+      </pc:sldChg>
+      <pc:sldChg chg="modSp del">
+        <pc:chgData name="Long B Nguyen" userId="f59fb8f3-a021-417a-8bc1-65c8d471c621" providerId="ADAL" clId="{7279A8A5-2AEE-8349-A56F-AA85D50C2543}" dt="2021-06-04T18:14:27.293" v="521" actId="2696"/>
+        <pc:sldMkLst>
+          <pc:docMk/>
+          <pc:sldMk cId="2979282" sldId="306"/>
+        </pc:sldMkLst>
+        <pc:spChg chg="mod">
+          <ac:chgData name="Long B Nguyen" userId="f59fb8f3-a021-417a-8bc1-65c8d471c621" providerId="ADAL" clId="{7279A8A5-2AEE-8349-A56F-AA85D50C2543}" dt="2021-06-04T18:13:05.152" v="517" actId="20577"/>
+          <ac:spMkLst>
+            <pc:docMk/>
+            <pc:sldMk cId="2979282" sldId="306"/>
+            <ac:spMk id="9" creationId="{E3B2E017-30B2-884B-A113-B419A2ED51AD}"/>
+          </ac:spMkLst>
+        </pc:spChg>
+      </pc:sldChg>
+      <pc:sldChg chg="del">
+        <pc:chgData name="Long B Nguyen" userId="f59fb8f3-a021-417a-8bc1-65c8d471c621" providerId="ADAL" clId="{7279A8A5-2AEE-8349-A56F-AA85D50C2543}" dt="2021-06-04T17:51:35.092" v="95" actId="2696"/>
+        <pc:sldMkLst>
+          <pc:docMk/>
+          <pc:sldMk cId="2816034367" sldId="307"/>
+        </pc:sldMkLst>
+      </pc:sldChg>
+      <pc:sldChg chg="modSp mod modAnim">
+        <pc:chgData name="Long B Nguyen" userId="f59fb8f3-a021-417a-8bc1-65c8d471c621" providerId="ADAL" clId="{7279A8A5-2AEE-8349-A56F-AA85D50C2543}" dt="2021-06-04T18:05:35.124" v="276" actId="1076"/>
+        <pc:sldMkLst>
+          <pc:docMk/>
+          <pc:sldMk cId="3647198221" sldId="308"/>
+        </pc:sldMkLst>
+        <pc:spChg chg="mod">
+          <ac:chgData name="Long B Nguyen" userId="f59fb8f3-a021-417a-8bc1-65c8d471c621" providerId="ADAL" clId="{7279A8A5-2AEE-8349-A56F-AA85D50C2543}" dt="2021-06-04T18:05:32.857" v="275" actId="20577"/>
+          <ac:spMkLst>
+            <pc:docMk/>
+            <pc:sldMk cId="3647198221" sldId="308"/>
+            <ac:spMk id="9" creationId="{E3B2E017-30B2-884B-A113-B419A2ED51AD}"/>
+          </ac:spMkLst>
+        </pc:spChg>
+        <pc:picChg chg="mod">
+          <ac:chgData name="Long B Nguyen" userId="f59fb8f3-a021-417a-8bc1-65c8d471c621" providerId="ADAL" clId="{7279A8A5-2AEE-8349-A56F-AA85D50C2543}" dt="2021-06-04T18:05:35.124" v="276" actId="1076"/>
+          <ac:picMkLst>
+            <pc:docMk/>
+            <pc:sldMk cId="3647198221" sldId="308"/>
+            <ac:picMk id="5" creationId="{E0FFF880-C4B5-8F48-BCDD-3A8604715F1F}"/>
+          </ac:picMkLst>
+        </pc:picChg>
+      </pc:sldChg>
+      <pc:sldChg chg="del">
+        <pc:chgData name="Long B Nguyen" userId="f59fb8f3-a021-417a-8bc1-65c8d471c621" providerId="ADAL" clId="{7279A8A5-2AEE-8349-A56F-AA85D50C2543}" dt="2021-06-04T17:51:35.092" v="95" actId="2696"/>
+        <pc:sldMkLst>
+          <pc:docMk/>
+          <pc:sldMk cId="3130680389" sldId="309"/>
+        </pc:sldMkLst>
+      </pc:sldChg>
+      <pc:sldChg chg="modSp mod modAnim">
+        <pc:chgData name="Long B Nguyen" userId="f59fb8f3-a021-417a-8bc1-65c8d471c621" providerId="ADAL" clId="{7279A8A5-2AEE-8349-A56F-AA85D50C2543}" dt="2021-06-04T23:50:36.165" v="559" actId="20577"/>
+        <pc:sldMkLst>
+          <pc:docMk/>
+          <pc:sldMk cId="3718152399" sldId="310"/>
+        </pc:sldMkLst>
+        <pc:spChg chg="mod">
+          <ac:chgData name="Long B Nguyen" userId="f59fb8f3-a021-417a-8bc1-65c8d471c621" providerId="ADAL" clId="{7279A8A5-2AEE-8349-A56F-AA85D50C2543}" dt="2021-06-04T23:50:36.165" v="559" actId="20577"/>
+          <ac:spMkLst>
+            <pc:docMk/>
+            <pc:sldMk cId="3718152399" sldId="310"/>
+            <ac:spMk id="9" creationId="{E3B2E017-30B2-884B-A113-B419A2ED51AD}"/>
+          </ac:spMkLst>
+        </pc:spChg>
+        <pc:picChg chg="mod">
+          <ac:chgData name="Long B Nguyen" userId="f59fb8f3-a021-417a-8bc1-65c8d471c621" providerId="ADAL" clId="{7279A8A5-2AEE-8349-A56F-AA85D50C2543}" dt="2021-06-04T18:08:58.720" v="421" actId="1076"/>
+          <ac:picMkLst>
+            <pc:docMk/>
+            <pc:sldMk cId="3718152399" sldId="310"/>
+            <ac:picMk id="3" creationId="{01205C96-4873-E74D-9647-F792C437AC65}"/>
+          </ac:picMkLst>
+        </pc:picChg>
+      </pc:sldChg>
+      <pc:sldChg chg="del">
+        <pc:chgData name="Long B Nguyen" userId="f59fb8f3-a021-417a-8bc1-65c8d471c621" providerId="ADAL" clId="{7279A8A5-2AEE-8349-A56F-AA85D50C2543}" dt="2021-06-04T18:12:01.510" v="515" actId="2696"/>
+        <pc:sldMkLst>
+          <pc:docMk/>
+          <pc:sldMk cId="908349489" sldId="315"/>
+        </pc:sldMkLst>
+      </pc:sldChg>
+      <pc:sldChg chg="modSp del mod">
+        <pc:chgData name="Long B Nguyen" userId="f59fb8f3-a021-417a-8bc1-65c8d471c621" providerId="ADAL" clId="{7279A8A5-2AEE-8349-A56F-AA85D50C2543}" dt="2021-06-04T18:13:53.196" v="519" actId="2696"/>
+        <pc:sldMkLst>
+          <pc:docMk/>
+          <pc:sldMk cId="1974827690" sldId="319"/>
+        </pc:sldMkLst>
+        <pc:spChg chg="mod">
+          <ac:chgData name="Long B Nguyen" userId="f59fb8f3-a021-417a-8bc1-65c8d471c621" providerId="ADAL" clId="{7279A8A5-2AEE-8349-A56F-AA85D50C2543}" dt="2021-06-04T18:12:43.353" v="516" actId="14100"/>
+          <ac:spMkLst>
+            <pc:docMk/>
+            <pc:sldMk cId="1974827690" sldId="319"/>
+            <ac:spMk id="9" creationId="{E3B2E017-30B2-884B-A113-B419A2ED51AD}"/>
+          </ac:spMkLst>
+        </pc:spChg>
+      </pc:sldChg>
+      <pc:sldChg chg="del">
+        <pc:chgData name="Long B Nguyen" userId="f59fb8f3-a021-417a-8bc1-65c8d471c621" providerId="ADAL" clId="{7279A8A5-2AEE-8349-A56F-AA85D50C2543}" dt="2021-06-04T17:52:33.195" v="100" actId="2696"/>
+        <pc:sldMkLst>
+          <pc:docMk/>
+          <pc:sldMk cId="2404797560" sldId="321"/>
+        </pc:sldMkLst>
+      </pc:sldChg>
+      <pc:sldChg chg="del">
+        <pc:chgData name="Long B Nguyen" userId="f59fb8f3-a021-417a-8bc1-65c8d471c621" providerId="ADAL" clId="{7279A8A5-2AEE-8349-A56F-AA85D50C2543}" dt="2021-06-04T17:52:33.195" v="100" actId="2696"/>
+        <pc:sldMkLst>
+          <pc:docMk/>
+          <pc:sldMk cId="866882917" sldId="322"/>
+        </pc:sldMkLst>
+      </pc:sldChg>
+      <pc:sldChg chg="del">
+        <pc:chgData name="Long B Nguyen" userId="f59fb8f3-a021-417a-8bc1-65c8d471c621" providerId="ADAL" clId="{7279A8A5-2AEE-8349-A56F-AA85D50C2543}" dt="2021-06-04T18:13:43.940" v="518" actId="2696"/>
+        <pc:sldMkLst>
+          <pc:docMk/>
+          <pc:sldMk cId="3883735123" sldId="324"/>
+        </pc:sldMkLst>
+      </pc:sldChg>
+      <pc:sldChg chg="del">
+        <pc:chgData name="Long B Nguyen" userId="f59fb8f3-a021-417a-8bc1-65c8d471c621" providerId="ADAL" clId="{7279A8A5-2AEE-8349-A56F-AA85D50C2543}" dt="2021-06-04T18:13:43.940" v="518" actId="2696"/>
+        <pc:sldMkLst>
+          <pc:docMk/>
+          <pc:sldMk cId="97464883" sldId="325"/>
+        </pc:sldMkLst>
+      </pc:sldChg>
+      <pc:sldChg chg="modSp modAnim">
+        <pc:chgData name="Long B Nguyen" userId="f59fb8f3-a021-417a-8bc1-65c8d471c621" providerId="ADAL" clId="{7279A8A5-2AEE-8349-A56F-AA85D50C2543}" dt="2021-06-04T18:08:49.259" v="420" actId="20577"/>
+        <pc:sldMkLst>
+          <pc:docMk/>
+          <pc:sldMk cId="2224964763" sldId="326"/>
+        </pc:sldMkLst>
+        <pc:spChg chg="mod">
+          <ac:chgData name="Long B Nguyen" userId="f59fb8f3-a021-417a-8bc1-65c8d471c621" providerId="ADAL" clId="{7279A8A5-2AEE-8349-A56F-AA85D50C2543}" dt="2021-06-04T18:08:49.259" v="420" actId="20577"/>
+          <ac:spMkLst>
+            <pc:docMk/>
+            <pc:sldMk cId="2224964763" sldId="326"/>
+            <ac:spMk id="9" creationId="{E3B2E017-30B2-884B-A113-B419A2ED51AD}"/>
+          </ac:spMkLst>
+        </pc:spChg>
+      </pc:sldChg>
+      <pc:sldChg chg="addSp modSp mod modAnim">
+        <pc:chgData name="Long B Nguyen" userId="f59fb8f3-a021-417a-8bc1-65c8d471c621" providerId="ADAL" clId="{7279A8A5-2AEE-8349-A56F-AA85D50C2543}" dt="2021-06-04T18:06:46.747" v="343" actId="1076"/>
+        <pc:sldMkLst>
+          <pc:docMk/>
+          <pc:sldMk cId="725508398" sldId="327"/>
+        </pc:sldMkLst>
+        <pc:spChg chg="mod">
+          <ac:chgData name="Long B Nguyen" userId="f59fb8f3-a021-417a-8bc1-65c8d471c621" providerId="ADAL" clId="{7279A8A5-2AEE-8349-A56F-AA85D50C2543}" dt="2021-06-04T18:06:44.710" v="341" actId="20577"/>
+          <ac:spMkLst>
+            <pc:docMk/>
+            <pc:sldMk cId="725508398" sldId="327"/>
+            <ac:spMk id="9" creationId="{E3B2E017-30B2-884B-A113-B419A2ED51AD}"/>
+          </ac:spMkLst>
+        </pc:spChg>
+        <pc:picChg chg="add mod">
+          <ac:chgData name="Long B Nguyen" userId="f59fb8f3-a021-417a-8bc1-65c8d471c621" providerId="ADAL" clId="{7279A8A5-2AEE-8349-A56F-AA85D50C2543}" dt="2021-06-04T18:06:46.747" v="343" actId="1076"/>
+          <ac:picMkLst>
+            <pc:docMk/>
+            <pc:sldMk cId="725508398" sldId="327"/>
+            <ac:picMk id="4" creationId="{3FBDC7CC-417A-BA40-9869-3D5C905BEB42}"/>
+          </ac:picMkLst>
+        </pc:picChg>
+      </pc:sldChg>
+      <pc:sldChg chg="del">
+        <pc:chgData name="Long B Nguyen" userId="f59fb8f3-a021-417a-8bc1-65c8d471c621" providerId="ADAL" clId="{7279A8A5-2AEE-8349-A56F-AA85D50C2543}" dt="2021-06-04T18:11:56.081" v="514" actId="2696"/>
+        <pc:sldMkLst>
+          <pc:docMk/>
+          <pc:sldMk cId="771839009" sldId="329"/>
+        </pc:sldMkLst>
+      </pc:sldChg>
+      <pc:sldChg chg="del">
+        <pc:chgData name="Long B Nguyen" userId="f59fb8f3-a021-417a-8bc1-65c8d471c621" providerId="ADAL" clId="{7279A8A5-2AEE-8349-A56F-AA85D50C2543}" dt="2021-06-04T17:52:33.195" v="100" actId="2696"/>
+        <pc:sldMkLst>
+          <pc:docMk/>
+          <pc:sldMk cId="1160750792" sldId="330"/>
+        </pc:sldMkLst>
+      </pc:sldChg>
+      <pc:sldChg chg="modSp add mod modAnim">
+        <pc:chgData name="Long B Nguyen" userId="f59fb8f3-a021-417a-8bc1-65c8d471c621" providerId="ADAL" clId="{7279A8A5-2AEE-8349-A56F-AA85D50C2543}" dt="2021-06-05T00:12:31.095" v="1212" actId="20577"/>
+        <pc:sldMkLst>
+          <pc:docMk/>
+          <pc:sldMk cId="3976972109" sldId="331"/>
+        </pc:sldMkLst>
+        <pc:spChg chg="mod">
+          <ac:chgData name="Long B Nguyen" userId="f59fb8f3-a021-417a-8bc1-65c8d471c621" providerId="ADAL" clId="{7279A8A5-2AEE-8349-A56F-AA85D50C2543}" dt="2021-06-05T00:12:31.095" v="1212" actId="20577"/>
+          <ac:spMkLst>
+            <pc:docMk/>
+            <pc:sldMk cId="3976972109" sldId="331"/>
+            <ac:spMk id="2" creationId="{AA3A228F-61D0-D949-A5E7-F83756230BF8}"/>
+          </ac:spMkLst>
+        </pc:spChg>
+        <pc:spChg chg="mod">
+          <ac:chgData name="Long B Nguyen" userId="f59fb8f3-a021-417a-8bc1-65c8d471c621" providerId="ADAL" clId="{7279A8A5-2AEE-8349-A56F-AA85D50C2543}" dt="2021-06-05T00:05:57.082" v="1005" actId="20577"/>
+          <ac:spMkLst>
+            <pc:docMk/>
+            <pc:sldMk cId="3976972109" sldId="331"/>
+            <ac:spMk id="9" creationId="{E3B2E017-30B2-884B-A113-B419A2ED51AD}"/>
+          </ac:spMkLst>
+        </pc:spChg>
+      </pc:sldChg>
+      <pc:sldChg chg="modSp mod modAnim">
+        <pc:chgData name="Long B Nguyen" userId="f59fb8f3-a021-417a-8bc1-65c8d471c621" providerId="ADAL" clId="{7279A8A5-2AEE-8349-A56F-AA85D50C2543}" dt="2021-06-05T03:41:21.867" v="2760" actId="20577"/>
+        <pc:sldMkLst>
+          <pc:docMk/>
+          <pc:sldMk cId="121458461" sldId="332"/>
+        </pc:sldMkLst>
+        <pc:spChg chg="mod">
+          <ac:chgData name="Long B Nguyen" userId="f59fb8f3-a021-417a-8bc1-65c8d471c621" providerId="ADAL" clId="{7279A8A5-2AEE-8349-A56F-AA85D50C2543}" dt="2021-06-04T17:51:57.175" v="98" actId="1076"/>
+          <ac:spMkLst>
+            <pc:docMk/>
+            <pc:sldMk cId="121458461" sldId="332"/>
+            <ac:spMk id="2" creationId="{AA3A228F-61D0-D949-A5E7-F83756230BF8}"/>
+          </ac:spMkLst>
+        </pc:spChg>
+        <pc:spChg chg="mod">
+          <ac:chgData name="Long B Nguyen" userId="f59fb8f3-a021-417a-8bc1-65c8d471c621" providerId="ADAL" clId="{7279A8A5-2AEE-8349-A56F-AA85D50C2543}" dt="2021-06-05T03:41:21.867" v="2760" actId="20577"/>
+          <ac:spMkLst>
+            <pc:docMk/>
+            <pc:sldMk cId="121458461" sldId="332"/>
+            <ac:spMk id="9" creationId="{E3B2E017-30B2-884B-A113-B419A2ED51AD}"/>
+          </ac:spMkLst>
+        </pc:spChg>
+      </pc:sldChg>
+      <pc:sldChg chg="del">
+        <pc:chgData name="Long B Nguyen" userId="f59fb8f3-a021-417a-8bc1-65c8d471c621" providerId="ADAL" clId="{7279A8A5-2AEE-8349-A56F-AA85D50C2543}" dt="2021-06-04T17:52:33.195" v="100" actId="2696"/>
+        <pc:sldMkLst>
+          <pc:docMk/>
+          <pc:sldMk cId="3377374440" sldId="333"/>
+        </pc:sldMkLst>
+      </pc:sldChg>
+      <pc:sldChg chg="del">
+        <pc:chgData name="Long B Nguyen" userId="f59fb8f3-a021-417a-8bc1-65c8d471c621" providerId="ADAL" clId="{7279A8A5-2AEE-8349-A56F-AA85D50C2543}" dt="2021-06-04T18:13:43.940" v="518" actId="2696"/>
+        <pc:sldMkLst>
+          <pc:docMk/>
+          <pc:sldMk cId="1297630579" sldId="334"/>
+        </pc:sldMkLst>
+      </pc:sldChg>
+      <pc:sldChg chg="del">
+        <pc:chgData name="Long B Nguyen" userId="f59fb8f3-a021-417a-8bc1-65c8d471c621" providerId="ADAL" clId="{7279A8A5-2AEE-8349-A56F-AA85D50C2543}" dt="2021-06-04T17:54:02.645" v="102" actId="2696"/>
+        <pc:sldMkLst>
+          <pc:docMk/>
+          <pc:sldMk cId="3679420171" sldId="335"/>
+        </pc:sldMkLst>
+      </pc:sldChg>
+      <pc:sldChg chg="del">
+        <pc:chgData name="Long B Nguyen" userId="f59fb8f3-a021-417a-8bc1-65c8d471c621" providerId="ADAL" clId="{7279A8A5-2AEE-8349-A56F-AA85D50C2543}" dt="2021-06-04T17:51:35.092" v="95" actId="2696"/>
+        <pc:sldMkLst>
+          <pc:docMk/>
+          <pc:sldMk cId="4200601291" sldId="336"/>
+        </pc:sldMkLst>
+      </pc:sldChg>
+      <pc:sldChg chg="del">
+        <pc:chgData name="Long B Nguyen" userId="f59fb8f3-a021-417a-8bc1-65c8d471c621" providerId="ADAL" clId="{7279A8A5-2AEE-8349-A56F-AA85D50C2543}" dt="2021-06-04T18:14:10.298" v="520" actId="2696"/>
+        <pc:sldMkLst>
+          <pc:docMk/>
+          <pc:sldMk cId="3893998552" sldId="337"/>
+        </pc:sldMkLst>
+      </pc:sldChg>
+      <pc:sldChg chg="del">
+        <pc:chgData name="Long B Nguyen" userId="f59fb8f3-a021-417a-8bc1-65c8d471c621" providerId="ADAL" clId="{7279A8A5-2AEE-8349-A56F-AA85D50C2543}" dt="2021-06-04T18:14:10.298" v="520" actId="2696"/>
+        <pc:sldMkLst>
+          <pc:docMk/>
+          <pc:sldMk cId="1222806230" sldId="338"/>
+        </pc:sldMkLst>
+      </pc:sldChg>
+      <pc:sldChg chg="del">
+        <pc:chgData name="Long B Nguyen" userId="f59fb8f3-a021-417a-8bc1-65c8d471c621" providerId="ADAL" clId="{7279A8A5-2AEE-8349-A56F-AA85D50C2543}" dt="2021-06-04T17:53:53.345" v="101" actId="2696"/>
+        <pc:sldMkLst>
+          <pc:docMk/>
+          <pc:sldMk cId="2049074062" sldId="339"/>
+        </pc:sldMkLst>
+      </pc:sldChg>
+      <pc:sldChg chg="del">
+        <pc:chgData name="Long B Nguyen" userId="f59fb8f3-a021-417a-8bc1-65c8d471c621" providerId="ADAL" clId="{7279A8A5-2AEE-8349-A56F-AA85D50C2543}" dt="2021-06-04T17:53:53.345" v="101" actId="2696"/>
+        <pc:sldMkLst>
+          <pc:docMk/>
+          <pc:sldMk cId="3520320687" sldId="340"/>
+        </pc:sldMkLst>
+      </pc:sldChg>
+      <pc:sldChg chg="modSp mod">
+        <pc:chgData name="Long B Nguyen" userId="f59fb8f3-a021-417a-8bc1-65c8d471c621" providerId="ADAL" clId="{7279A8A5-2AEE-8349-A56F-AA85D50C2543}" dt="2021-06-05T03:37:38.417" v="2733" actId="1076"/>
+        <pc:sldMkLst>
+          <pc:docMk/>
+          <pc:sldMk cId="2050208201" sldId="341"/>
+        </pc:sldMkLst>
+        <pc:spChg chg="mod">
+          <ac:chgData name="Long B Nguyen" userId="f59fb8f3-a021-417a-8bc1-65c8d471c621" providerId="ADAL" clId="{7279A8A5-2AEE-8349-A56F-AA85D50C2543}" dt="2021-06-05T03:37:38.417" v="2733" actId="1076"/>
+          <ac:spMkLst>
+            <pc:docMk/>
+            <pc:sldMk cId="2050208201" sldId="341"/>
+            <ac:spMk id="2" creationId="{AA3A228F-61D0-D949-A5E7-F83756230BF8}"/>
+          </ac:spMkLst>
+        </pc:spChg>
+        <pc:spChg chg="mod">
+          <ac:chgData name="Long B Nguyen" userId="f59fb8f3-a021-417a-8bc1-65c8d471c621" providerId="ADAL" clId="{7279A8A5-2AEE-8349-A56F-AA85D50C2543}" dt="2021-06-05T03:37:36.201" v="2732" actId="14100"/>
+          <ac:spMkLst>
+            <pc:docMk/>
+            <pc:sldMk cId="2050208201" sldId="341"/>
+            <ac:spMk id="9" creationId="{E3B2E017-30B2-884B-A113-B419A2ED51AD}"/>
+          </ac:spMkLst>
+        </pc:spChg>
+      </pc:sldChg>
+      <pc:sldChg chg="del">
+        <pc:chgData name="Long B Nguyen" userId="f59fb8f3-a021-417a-8bc1-65c8d471c621" providerId="ADAL" clId="{7279A8A5-2AEE-8349-A56F-AA85D50C2543}" dt="2021-06-05T03:22:01.855" v="1647" actId="2696"/>
+        <pc:sldMkLst>
+          <pc:docMk/>
+          <pc:sldMk cId="2433533531" sldId="342"/>
+        </pc:sldMkLst>
+      </pc:sldChg>
+      <pc:sldChg chg="del">
+        <pc:chgData name="Long B Nguyen" userId="f59fb8f3-a021-417a-8bc1-65c8d471c621" providerId="ADAL" clId="{7279A8A5-2AEE-8349-A56F-AA85D50C2543}" dt="2021-06-05T03:22:02.557" v="1648" actId="2696"/>
+        <pc:sldMkLst>
+          <pc:docMk/>
+          <pc:sldMk cId="2916621840" sldId="343"/>
+        </pc:sldMkLst>
+      </pc:sldChg>
+      <pc:sldChg chg="del">
+        <pc:chgData name="Long B Nguyen" userId="f59fb8f3-a021-417a-8bc1-65c8d471c621" providerId="ADAL" clId="{7279A8A5-2AEE-8349-A56F-AA85D50C2543}" dt="2021-06-05T03:24:41.453" v="1736" actId="2696"/>
+        <pc:sldMkLst>
+          <pc:docMk/>
+          <pc:sldMk cId="422445672" sldId="344"/>
+        </pc:sldMkLst>
+      </pc:sldChg>
+      <pc:sldChg chg="del">
+        <pc:chgData name="Long B Nguyen" userId="f59fb8f3-a021-417a-8bc1-65c8d471c621" providerId="ADAL" clId="{7279A8A5-2AEE-8349-A56F-AA85D50C2543}" dt="2021-06-04T17:51:24.876" v="94" actId="2696"/>
+        <pc:sldMkLst>
+          <pc:docMk/>
+          <pc:sldMk cId="2355424310" sldId="345"/>
+        </pc:sldMkLst>
+      </pc:sldChg>
+      <pc:sldChg chg="modSp add mod modAnim">
+        <pc:chgData name="Long B Nguyen" userId="f59fb8f3-a021-417a-8bc1-65c8d471c621" providerId="ADAL" clId="{7279A8A5-2AEE-8349-A56F-AA85D50C2543}" dt="2021-06-05T03:36:48.753" v="2724" actId="20577"/>
+        <pc:sldMkLst>
+          <pc:docMk/>
+          <pc:sldMk cId="3892704054" sldId="347"/>
+        </pc:sldMkLst>
+        <pc:spChg chg="mod">
+          <ac:chgData name="Long B Nguyen" userId="f59fb8f3-a021-417a-8bc1-65c8d471c621" providerId="ADAL" clId="{7279A8A5-2AEE-8349-A56F-AA85D50C2543}" dt="2021-06-05T00:12:43.452" v="1230" actId="20577"/>
+          <ac:spMkLst>
+            <pc:docMk/>
+            <pc:sldMk cId="3892704054" sldId="347"/>
+            <ac:spMk id="2" creationId="{AA3A228F-61D0-D949-A5E7-F83756230BF8}"/>
+          </ac:spMkLst>
+        </pc:spChg>
+        <pc:spChg chg="mod">
+          <ac:chgData name="Long B Nguyen" userId="f59fb8f3-a021-417a-8bc1-65c8d471c621" providerId="ADAL" clId="{7279A8A5-2AEE-8349-A56F-AA85D50C2543}" dt="2021-06-05T03:36:48.753" v="2724" actId="20577"/>
+          <ac:spMkLst>
+            <pc:docMk/>
+            <pc:sldMk cId="3892704054" sldId="347"/>
+            <ac:spMk id="9" creationId="{E3B2E017-30B2-884B-A113-B419A2ED51AD}"/>
+          </ac:spMkLst>
+        </pc:spChg>
+      </pc:sldChg>
+      <pc:sldChg chg="modSp add mod modAnim">
+        <pc:chgData name="Long B Nguyen" userId="f59fb8f3-a021-417a-8bc1-65c8d471c621" providerId="ADAL" clId="{7279A8A5-2AEE-8349-A56F-AA85D50C2543}" dt="2021-06-05T03:36:55.420" v="2730" actId="20577"/>
+        <pc:sldMkLst>
+          <pc:docMk/>
+          <pc:sldMk cId="2710176601" sldId="348"/>
+        </pc:sldMkLst>
+        <pc:spChg chg="mod">
+          <ac:chgData name="Long B Nguyen" userId="f59fb8f3-a021-417a-8bc1-65c8d471c621" providerId="ADAL" clId="{7279A8A5-2AEE-8349-A56F-AA85D50C2543}" dt="2021-06-05T00:13:06.526" v="1241" actId="20577"/>
+          <ac:spMkLst>
+            <pc:docMk/>
+            <pc:sldMk cId="2710176601" sldId="348"/>
+            <ac:spMk id="2" creationId="{AA3A228F-61D0-D949-A5E7-F83756230BF8}"/>
+          </ac:spMkLst>
+        </pc:spChg>
+        <pc:spChg chg="mod">
+          <ac:chgData name="Long B Nguyen" userId="f59fb8f3-a021-417a-8bc1-65c8d471c621" providerId="ADAL" clId="{7279A8A5-2AEE-8349-A56F-AA85D50C2543}" dt="2021-06-05T03:36:55.420" v="2730" actId="20577"/>
+          <ac:spMkLst>
+            <pc:docMk/>
+            <pc:sldMk cId="2710176601" sldId="348"/>
+            <ac:spMk id="9" creationId="{E3B2E017-30B2-884B-A113-B419A2ED51AD}"/>
+          </ac:spMkLst>
+        </pc:spChg>
+      </pc:sldChg>
+      <pc:sldChg chg="modSp new del mod">
+        <pc:chgData name="Long B Nguyen" userId="f59fb8f3-a021-417a-8bc1-65c8d471c621" providerId="ADAL" clId="{7279A8A5-2AEE-8349-A56F-AA85D50C2543}" dt="2021-06-05T02:47:20.317" v="1342" actId="2696"/>
+        <pc:sldMkLst>
+          <pc:docMk/>
+          <pc:sldMk cId="1099653188" sldId="349"/>
+        </pc:sldMkLst>
+        <pc:spChg chg="mod">
+          <ac:chgData name="Long B Nguyen" userId="f59fb8f3-a021-417a-8bc1-65c8d471c621" providerId="ADAL" clId="{7279A8A5-2AEE-8349-A56F-AA85D50C2543}" dt="2021-06-05T00:17:41.819" v="1285" actId="20577"/>
+          <ac:spMkLst>
+            <pc:docMk/>
+            <pc:sldMk cId="1099653188" sldId="349"/>
+            <ac:spMk id="3" creationId="{D361E55F-9526-5C46-B407-68723D32D67A}"/>
+          </ac:spMkLst>
+        </pc:spChg>
+      </pc:sldChg>
+      <pc:sldChg chg="modSp add mod modAnim">
+        <pc:chgData name="Long B Nguyen" userId="f59fb8f3-a021-417a-8bc1-65c8d471c621" providerId="ADAL" clId="{7279A8A5-2AEE-8349-A56F-AA85D50C2543}" dt="2021-06-05T02:49:30.014" v="1635" actId="20577"/>
+        <pc:sldMkLst>
+          <pc:docMk/>
+          <pc:sldMk cId="3729583877" sldId="349"/>
+        </pc:sldMkLst>
+        <pc:spChg chg="mod">
+          <ac:chgData name="Long B Nguyen" userId="f59fb8f3-a021-417a-8bc1-65c8d471c621" providerId="ADAL" clId="{7279A8A5-2AEE-8349-A56F-AA85D50C2543}" dt="2021-06-05T02:47:30.248" v="1360" actId="20577"/>
+          <ac:spMkLst>
+            <pc:docMk/>
+            <pc:sldMk cId="3729583877" sldId="349"/>
+            <ac:spMk id="2" creationId="{AA3A228F-61D0-D949-A5E7-F83756230BF8}"/>
+          </ac:spMkLst>
+        </pc:spChg>
+        <pc:spChg chg="mod">
+          <ac:chgData name="Long B Nguyen" userId="f59fb8f3-a021-417a-8bc1-65c8d471c621" providerId="ADAL" clId="{7279A8A5-2AEE-8349-A56F-AA85D50C2543}" dt="2021-06-05T02:49:30.014" v="1635" actId="20577"/>
+          <ac:spMkLst>
+            <pc:docMk/>
+            <pc:sldMk cId="3729583877" sldId="349"/>
+            <ac:spMk id="9" creationId="{E3B2E017-30B2-884B-A113-B419A2ED51AD}"/>
+          </ac:spMkLst>
+        </pc:spChg>
+      </pc:sldChg>
+      <pc:sldChg chg="modSp add mod">
+        <pc:chgData name="Long B Nguyen" userId="f59fb8f3-a021-417a-8bc1-65c8d471c621" providerId="ADAL" clId="{7279A8A5-2AEE-8349-A56F-AA85D50C2543}" dt="2021-06-05T03:28:06.159" v="2139" actId="20577"/>
+        <pc:sldMkLst>
+          <pc:docMk/>
+          <pc:sldMk cId="791465431" sldId="350"/>
+        </pc:sldMkLst>
+        <pc:spChg chg="mod">
+          <ac:chgData name="Long B Nguyen" userId="f59fb8f3-a021-417a-8bc1-65c8d471c621" providerId="ADAL" clId="{7279A8A5-2AEE-8349-A56F-AA85D50C2543}" dt="2021-06-05T03:25:36.716" v="1763" actId="20577"/>
+          <ac:spMkLst>
+            <pc:docMk/>
+            <pc:sldMk cId="791465431" sldId="350"/>
+            <ac:spMk id="2" creationId="{AA3A228F-61D0-D949-A5E7-F83756230BF8}"/>
+          </ac:spMkLst>
+        </pc:spChg>
+        <pc:spChg chg="mod">
+          <ac:chgData name="Long B Nguyen" userId="f59fb8f3-a021-417a-8bc1-65c8d471c621" providerId="ADAL" clId="{7279A8A5-2AEE-8349-A56F-AA85D50C2543}" dt="2021-06-05T03:28:06.159" v="2139" actId="20577"/>
+          <ac:spMkLst>
+            <pc:docMk/>
+            <pc:sldMk cId="791465431" sldId="350"/>
+            <ac:spMk id="9" creationId="{E3B2E017-30B2-884B-A113-B419A2ED51AD}"/>
+          </ac:spMkLst>
+        </pc:spChg>
+      </pc:sldChg>
+      <pc:sldChg chg="addSp modSp add mod modAnim">
+        <pc:chgData name="Long B Nguyen" userId="f59fb8f3-a021-417a-8bc1-65c8d471c621" providerId="ADAL" clId="{7279A8A5-2AEE-8349-A56F-AA85D50C2543}" dt="2021-06-05T03:33:06.899" v="2511" actId="20577"/>
+        <pc:sldMkLst>
+          <pc:docMk/>
+          <pc:sldMk cId="4017324179" sldId="351"/>
+        </pc:sldMkLst>
+        <pc:spChg chg="mod">
+          <ac:chgData name="Long B Nguyen" userId="f59fb8f3-a021-417a-8bc1-65c8d471c621" providerId="ADAL" clId="{7279A8A5-2AEE-8349-A56F-AA85D50C2543}" dt="2021-06-05T03:28:48.845" v="2159" actId="20577"/>
+          <ac:spMkLst>
+            <pc:docMk/>
+            <pc:sldMk cId="4017324179" sldId="351"/>
+            <ac:spMk id="2" creationId="{AA3A228F-61D0-D949-A5E7-F83756230BF8}"/>
+          </ac:spMkLst>
+        </pc:spChg>
+        <pc:spChg chg="add mod">
+          <ac:chgData name="Long B Nguyen" userId="f59fb8f3-a021-417a-8bc1-65c8d471c621" providerId="ADAL" clId="{7279A8A5-2AEE-8349-A56F-AA85D50C2543}" dt="2021-06-05T03:33:06.899" v="2511" actId="20577"/>
+          <ac:spMkLst>
+            <pc:docMk/>
+            <pc:sldMk cId="4017324179" sldId="351"/>
+            <ac:spMk id="3" creationId="{D153B6FA-682D-9E41-9C1C-7C6215883E2A}"/>
+          </ac:spMkLst>
+        </pc:spChg>
+        <pc:spChg chg="mod">
+          <ac:chgData name="Long B Nguyen" userId="f59fb8f3-a021-417a-8bc1-65c8d471c621" providerId="ADAL" clId="{7279A8A5-2AEE-8349-A56F-AA85D50C2543}" dt="2021-06-05T03:31:38.485" v="2387" actId="20577"/>
+          <ac:spMkLst>
+            <pc:docMk/>
+            <pc:sldMk cId="4017324179" sldId="351"/>
+            <ac:spMk id="9" creationId="{E3B2E017-30B2-884B-A113-B419A2ED51AD}"/>
+          </ac:spMkLst>
+        </pc:spChg>
+      </pc:sldChg>
+      <pc:sldChg chg="del">
+        <pc:chgData name="Long B Nguyen" userId="f59fb8f3-a021-417a-8bc1-65c8d471c621" providerId="ADAL" clId="{7279A8A5-2AEE-8349-A56F-AA85D50C2543}" dt="2021-06-04T17:51:24.876" v="94" actId="2696"/>
+        <pc:sldMkLst>
+          <pc:docMk/>
+          <pc:sldMk cId="291122115" sldId="352"/>
+        </pc:sldMkLst>
+      </pc:sldChg>
+      <pc:sldChg chg="addSp delSp modSp add mod modAnim">
+        <pc:chgData name="Long B Nguyen" userId="f59fb8f3-a021-417a-8bc1-65c8d471c621" providerId="ADAL" clId="{7279A8A5-2AEE-8349-A56F-AA85D50C2543}" dt="2021-06-05T03:34:36.513" v="2620"/>
+        <pc:sldMkLst>
+          <pc:docMk/>
+          <pc:sldMk cId="4281858866" sldId="352"/>
+        </pc:sldMkLst>
+        <pc:spChg chg="add del mod">
+          <ac:chgData name="Long B Nguyen" userId="f59fb8f3-a021-417a-8bc1-65c8d471c621" providerId="ADAL" clId="{7279A8A5-2AEE-8349-A56F-AA85D50C2543}" dt="2021-06-05T03:34:36.513" v="2620"/>
+          <ac:spMkLst>
+            <pc:docMk/>
+            <pc:sldMk cId="4281858866" sldId="352"/>
+            <ac:spMk id="4" creationId="{053CE48B-7221-4646-8AA6-DBAEAFD92B6F}"/>
+          </ac:spMkLst>
+        </pc:spChg>
+        <pc:spChg chg="mod">
+          <ac:chgData name="Long B Nguyen" userId="f59fb8f3-a021-417a-8bc1-65c8d471c621" providerId="ADAL" clId="{7279A8A5-2AEE-8349-A56F-AA85D50C2543}" dt="2021-06-05T03:34:08.601" v="2618" actId="20577"/>
+          <ac:spMkLst>
+            <pc:docMk/>
+            <pc:sldMk cId="4281858866" sldId="352"/>
+            <ac:spMk id="9" creationId="{E3B2E017-30B2-884B-A113-B419A2ED51AD}"/>
+          </ac:spMkLst>
+        </pc:spChg>
+      </pc:sldChg>
+      <pc:sldChg chg="modSp add mod modAnim">
+        <pc:chgData name="Long B Nguyen" userId="f59fb8f3-a021-417a-8bc1-65c8d471c621" providerId="ADAL" clId="{7279A8A5-2AEE-8349-A56F-AA85D50C2543}" dt="2021-06-05T03:36:42.698" v="2718" actId="20577"/>
+        <pc:sldMkLst>
+          <pc:docMk/>
+          <pc:sldMk cId="2319331468" sldId="353"/>
+        </pc:sldMkLst>
+        <pc:spChg chg="mod">
+          <ac:chgData name="Long B Nguyen" userId="f59fb8f3-a021-417a-8bc1-65c8d471c621" providerId="ADAL" clId="{7279A8A5-2AEE-8349-A56F-AA85D50C2543}" dt="2021-06-05T03:36:03.129" v="2640" actId="20577"/>
+          <ac:spMkLst>
+            <pc:docMk/>
+            <pc:sldMk cId="2319331468" sldId="353"/>
+            <ac:spMk id="2" creationId="{AA3A228F-61D0-D949-A5E7-F83756230BF8}"/>
+          </ac:spMkLst>
+        </pc:spChg>
+        <pc:spChg chg="mod">
+          <ac:chgData name="Long B Nguyen" userId="f59fb8f3-a021-417a-8bc1-65c8d471c621" providerId="ADAL" clId="{7279A8A5-2AEE-8349-A56F-AA85D50C2543}" dt="2021-06-05T03:36:42.698" v="2718" actId="20577"/>
+          <ac:spMkLst>
+            <pc:docMk/>
+            <pc:sldMk cId="2319331468" sldId="353"/>
+            <ac:spMk id="9" creationId="{E3B2E017-30B2-884B-A113-B419A2ED51AD}"/>
+          </ac:spMkLst>
+        </pc:spChg>
+      </pc:sldChg>
+      <pc:sldChg chg="modSp add mod modAnim">
+        <pc:chgData name="Long B Nguyen" userId="f59fb8f3-a021-417a-8bc1-65c8d471c621" providerId="ADAL" clId="{7279A8A5-2AEE-8349-A56F-AA85D50C2543}" dt="2021-06-05T03:47:18.172" v="3209" actId="14100"/>
+        <pc:sldMkLst>
+          <pc:docMk/>
+          <pc:sldMk cId="2687856344" sldId="354"/>
+        </pc:sldMkLst>
+        <pc:spChg chg="mod">
+          <ac:chgData name="Long B Nguyen" userId="f59fb8f3-a021-417a-8bc1-65c8d471c621" providerId="ADAL" clId="{7279A8A5-2AEE-8349-A56F-AA85D50C2543}" dt="2021-06-05T03:47:11.167" v="3207" actId="1076"/>
+          <ac:spMkLst>
+            <pc:docMk/>
+            <pc:sldMk cId="2687856344" sldId="354"/>
+            <ac:spMk id="2" creationId="{AA3A228F-61D0-D949-A5E7-F83756230BF8}"/>
+          </ac:spMkLst>
+        </pc:spChg>
+        <pc:spChg chg="mod">
+          <ac:chgData name="Long B Nguyen" userId="f59fb8f3-a021-417a-8bc1-65c8d471c621" providerId="ADAL" clId="{7279A8A5-2AEE-8349-A56F-AA85D50C2543}" dt="2021-06-05T03:47:18.172" v="3209" actId="14100"/>
+          <ac:spMkLst>
+            <pc:docMk/>
+            <pc:sldMk cId="2687856344" sldId="354"/>
+            <ac:spMk id="9" creationId="{E3B2E017-30B2-884B-A113-B419A2ED51AD}"/>
+          </ac:spMkLst>
+        </pc:spChg>
+      </pc:sldChg>
+      <pc:sldChg chg="add del">
+        <pc:chgData name="Long B Nguyen" userId="f59fb8f3-a021-417a-8bc1-65c8d471c621" providerId="ADAL" clId="{7279A8A5-2AEE-8349-A56F-AA85D50C2543}" dt="2021-06-05T03:42:07.553" v="2762" actId="2696"/>
+        <pc:sldMkLst>
+          <pc:docMk/>
+          <pc:sldMk cId="3216578157" sldId="354"/>
+        </pc:sldMkLst>
+      </pc:sldChg>
+      <pc:sldChg chg="modSp add modAnim">
+        <pc:chgData name="Long B Nguyen" userId="f59fb8f3-a021-417a-8bc1-65c8d471c621" providerId="ADAL" clId="{7279A8A5-2AEE-8349-A56F-AA85D50C2543}" dt="2021-06-05T03:47:47.906" v="3276" actId="20577"/>
+        <pc:sldMkLst>
+          <pc:docMk/>
+          <pc:sldMk cId="1702508325" sldId="355"/>
+        </pc:sldMkLst>
+        <pc:spChg chg="mod">
+          <ac:chgData name="Long B Nguyen" userId="f59fb8f3-a021-417a-8bc1-65c8d471c621" providerId="ADAL" clId="{7279A8A5-2AEE-8349-A56F-AA85D50C2543}" dt="2021-06-05T03:47:47.906" v="3276" actId="20577"/>
+          <ac:spMkLst>
+            <pc:docMk/>
+            <pc:sldMk cId="1702508325" sldId="355"/>
+            <ac:spMk id="9" creationId="{E3B2E017-30B2-884B-A113-B419A2ED51AD}"/>
+          </ac:spMkLst>
+        </pc:spChg>
+      </pc:sldChg>
+    </pc:docChg>
+  </pc:docChgLst>
+  <pc:docChgLst>
+    <pc:chgData name="Long B Nguyen" userId="f59fb8f3-a021-417a-8bc1-65c8d471c621" providerId="ADAL" clId="{E8D3279B-BE7F-DC4A-8AF1-4A9A7D6CF1FB}"/>
+    <pc:docChg chg="undo custSel addSld delSld modSld">
+      <pc:chgData name="Long B Nguyen" userId="f59fb8f3-a021-417a-8bc1-65c8d471c621" providerId="ADAL" clId="{E8D3279B-BE7F-DC4A-8AF1-4A9A7D6CF1FB}" dt="2020-12-17T15:28:59.513" v="873" actId="20577"/>
+      <pc:docMkLst>
+        <pc:docMk/>
+      </pc:docMkLst>
+      <pc:sldChg chg="modSp mod">
+        <pc:chgData name="Long B Nguyen" userId="f59fb8f3-a021-417a-8bc1-65c8d471c621" providerId="ADAL" clId="{E8D3279B-BE7F-DC4A-8AF1-4A9A7D6CF1FB}" dt="2020-12-15T13:44:57.088" v="2" actId="14100"/>
+        <pc:sldMkLst>
+          <pc:docMk/>
+          <pc:sldMk cId="278045358" sldId="257"/>
+        </pc:sldMkLst>
+        <pc:spChg chg="mod">
+          <ac:chgData name="Long B Nguyen" userId="f59fb8f3-a021-417a-8bc1-65c8d471c621" providerId="ADAL" clId="{E8D3279B-BE7F-DC4A-8AF1-4A9A7D6CF1FB}" dt="2020-12-15T13:44:51.652" v="0" actId="1076"/>
+          <ac:spMkLst>
+            <pc:docMk/>
+            <pc:sldMk cId="278045358" sldId="257"/>
+            <ac:spMk id="2" creationId="{AA3A228F-61D0-D949-A5E7-F83756230BF8}"/>
+          </ac:spMkLst>
+        </pc:spChg>
+        <pc:spChg chg="mod">
+          <ac:chgData name="Long B Nguyen" userId="f59fb8f3-a021-417a-8bc1-65c8d471c621" providerId="ADAL" clId="{E8D3279B-BE7F-DC4A-8AF1-4A9A7D6CF1FB}" dt="2020-12-15T13:44:57.088" v="2" actId="14100"/>
+          <ac:spMkLst>
+            <pc:docMk/>
+            <pc:sldMk cId="278045358" sldId="257"/>
+            <ac:spMk id="9" creationId="{E3B2E017-30B2-884B-A113-B419A2ED51AD}"/>
+          </ac:spMkLst>
+        </pc:spChg>
+      </pc:sldChg>
+      <pc:sldChg chg="modSp mod">
+        <pc:chgData name="Long B Nguyen" userId="f59fb8f3-a021-417a-8bc1-65c8d471c621" providerId="ADAL" clId="{E8D3279B-BE7F-DC4A-8AF1-4A9A7D6CF1FB}" dt="2020-12-15T14:26:34.606" v="469" actId="113"/>
+        <pc:sldMkLst>
+          <pc:docMk/>
+          <pc:sldMk cId="15889227" sldId="266"/>
+        </pc:sldMkLst>
+        <pc:spChg chg="mod">
+          <ac:chgData name="Long B Nguyen" userId="f59fb8f3-a021-417a-8bc1-65c8d471c621" providerId="ADAL" clId="{E8D3279B-BE7F-DC4A-8AF1-4A9A7D6CF1FB}" dt="2020-12-15T14:26:21.529" v="466" actId="1076"/>
+          <ac:spMkLst>
+            <pc:docMk/>
+            <pc:sldMk cId="15889227" sldId="266"/>
+            <ac:spMk id="2" creationId="{AA3A228F-61D0-D949-A5E7-F83756230BF8}"/>
+          </ac:spMkLst>
+        </pc:spChg>
+        <pc:spChg chg="mod">
+          <ac:chgData name="Long B Nguyen" userId="f59fb8f3-a021-417a-8bc1-65c8d471c621" providerId="ADAL" clId="{E8D3279B-BE7F-DC4A-8AF1-4A9A7D6CF1FB}" dt="2020-12-15T14:26:34.606" v="469" actId="113"/>
+          <ac:spMkLst>
+            <pc:docMk/>
+            <pc:sldMk cId="15889227" sldId="266"/>
+            <ac:spMk id="9" creationId="{E3B2E017-30B2-884B-A113-B419A2ED51AD}"/>
+          </ac:spMkLst>
+        </pc:spChg>
+      </pc:sldChg>
+      <pc:sldChg chg="modSp mod">
+        <pc:chgData name="Long B Nguyen" userId="f59fb8f3-a021-417a-8bc1-65c8d471c621" providerId="ADAL" clId="{E8D3279B-BE7F-DC4A-8AF1-4A9A7D6CF1FB}" dt="2020-12-15T13:45:07.791" v="5" actId="14100"/>
+        <pc:sldMkLst>
+          <pc:docMk/>
+          <pc:sldMk cId="1313115290" sldId="287"/>
+        </pc:sldMkLst>
+        <pc:spChg chg="mod">
+          <ac:chgData name="Long B Nguyen" userId="f59fb8f3-a021-417a-8bc1-65c8d471c621" providerId="ADAL" clId="{E8D3279B-BE7F-DC4A-8AF1-4A9A7D6CF1FB}" dt="2020-12-15T13:45:02.564" v="3" actId="1076"/>
+          <ac:spMkLst>
+            <pc:docMk/>
+            <pc:sldMk cId="1313115290" sldId="287"/>
+            <ac:spMk id="2" creationId="{AA3A228F-61D0-D949-A5E7-F83756230BF8}"/>
+          </ac:spMkLst>
+        </pc:spChg>
+        <pc:spChg chg="mod">
+          <ac:chgData name="Long B Nguyen" userId="f59fb8f3-a021-417a-8bc1-65c8d471c621" providerId="ADAL" clId="{E8D3279B-BE7F-DC4A-8AF1-4A9A7D6CF1FB}" dt="2020-12-15T13:45:07.791" v="5" actId="14100"/>
+          <ac:spMkLst>
+            <pc:docMk/>
+            <pc:sldMk cId="1313115290" sldId="287"/>
+            <ac:spMk id="9" creationId="{E3B2E017-30B2-884B-A113-B419A2ED51AD}"/>
+          </ac:spMkLst>
+        </pc:spChg>
+      </pc:sldChg>
+      <pc:sldChg chg="modSp mod">
+        <pc:chgData name="Long B Nguyen" userId="f59fb8f3-a021-417a-8bc1-65c8d471c621" providerId="ADAL" clId="{E8D3279B-BE7F-DC4A-8AF1-4A9A7D6CF1FB}" dt="2020-12-15T14:26:12.693" v="465" actId="14100"/>
+        <pc:sldMkLst>
+          <pc:docMk/>
+          <pc:sldMk cId="1552642527" sldId="288"/>
+        </pc:sldMkLst>
+        <pc:spChg chg="mod">
+          <ac:chgData name="Long B Nguyen" userId="f59fb8f3-a021-417a-8bc1-65c8d471c621" providerId="ADAL" clId="{E8D3279B-BE7F-DC4A-8AF1-4A9A7D6CF1FB}" dt="2020-12-15T14:26:10.400" v="464" actId="1076"/>
+          <ac:spMkLst>
+            <pc:docMk/>
+            <pc:sldMk cId="1552642527" sldId="288"/>
+            <ac:spMk id="2" creationId="{AA3A228F-61D0-D949-A5E7-F83756230BF8}"/>
+          </ac:spMkLst>
+        </pc:spChg>
+        <pc:spChg chg="mod">
+          <ac:chgData name="Long B Nguyen" userId="f59fb8f3-a021-417a-8bc1-65c8d471c621" providerId="ADAL" clId="{E8D3279B-BE7F-DC4A-8AF1-4A9A7D6CF1FB}" dt="2020-12-15T14:26:12.693" v="465" actId="14100"/>
+          <ac:spMkLst>
+            <pc:docMk/>
+            <pc:sldMk cId="1552642527" sldId="288"/>
+            <ac:spMk id="9" creationId="{E3B2E017-30B2-884B-A113-B419A2ED51AD}"/>
+          </ac:spMkLst>
+        </pc:spChg>
+      </pc:sldChg>
+      <pc:sldChg chg="modSp mod">
+        <pc:chgData name="Long B Nguyen" userId="f59fb8f3-a021-417a-8bc1-65c8d471c621" providerId="ADAL" clId="{E8D3279B-BE7F-DC4A-8AF1-4A9A7D6CF1FB}" dt="2020-12-15T13:56:11.679" v="195" actId="207"/>
+        <pc:sldMkLst>
+          <pc:docMk/>
+          <pc:sldMk cId="2259044443" sldId="300"/>
+        </pc:sldMkLst>
+        <pc:spChg chg="mod">
+          <ac:chgData name="Long B Nguyen" userId="f59fb8f3-a021-417a-8bc1-65c8d471c621" providerId="ADAL" clId="{E8D3279B-BE7F-DC4A-8AF1-4A9A7D6CF1FB}" dt="2020-12-15T13:52:31.775" v="89" actId="1076"/>
+          <ac:spMkLst>
+            <pc:docMk/>
+            <pc:sldMk cId="2259044443" sldId="300"/>
+            <ac:spMk id="2" creationId="{AA3A228F-61D0-D949-A5E7-F83756230BF8}"/>
+          </ac:spMkLst>
+        </pc:spChg>
+        <pc:spChg chg="mod">
+          <ac:chgData name="Long B Nguyen" userId="f59fb8f3-a021-417a-8bc1-65c8d471c621" providerId="ADAL" clId="{E8D3279B-BE7F-DC4A-8AF1-4A9A7D6CF1FB}" dt="2020-12-15T13:56:11.679" v="195" actId="207"/>
+          <ac:spMkLst>
+            <pc:docMk/>
+            <pc:sldMk cId="2259044443" sldId="300"/>
+            <ac:spMk id="9" creationId="{E3B2E017-30B2-884B-A113-B419A2ED51AD}"/>
+          </ac:spMkLst>
+        </pc:spChg>
+        <pc:graphicFrameChg chg="modGraphic">
+          <ac:chgData name="Long B Nguyen" userId="f59fb8f3-a021-417a-8bc1-65c8d471c621" providerId="ADAL" clId="{E8D3279B-BE7F-DC4A-8AF1-4A9A7D6CF1FB}" dt="2020-12-15T13:55:42.434" v="143" actId="207"/>
+          <ac:graphicFrameMkLst>
+            <pc:docMk/>
+            <pc:sldMk cId="2259044443" sldId="300"/>
+            <ac:graphicFrameMk id="3" creationId="{57EBABBC-BF53-D54B-B535-A6EEF3CDBAF8}"/>
+          </ac:graphicFrameMkLst>
+        </pc:graphicFrameChg>
+      </pc:sldChg>
+      <pc:sldChg chg="modSp mod">
+        <pc:chgData name="Long B Nguyen" userId="f59fb8f3-a021-417a-8bc1-65c8d471c621" providerId="ADAL" clId="{E8D3279B-BE7F-DC4A-8AF1-4A9A7D6CF1FB}" dt="2020-12-15T13:51:37.284" v="88" actId="14100"/>
+        <pc:sldMkLst>
+          <pc:docMk/>
+          <pc:sldMk cId="2979282" sldId="306"/>
+        </pc:sldMkLst>
+        <pc:spChg chg="mod">
+          <ac:chgData name="Long B Nguyen" userId="f59fb8f3-a021-417a-8bc1-65c8d471c621" providerId="ADAL" clId="{E8D3279B-BE7F-DC4A-8AF1-4A9A7D6CF1FB}" dt="2020-12-15T13:51:31.146" v="86" actId="1076"/>
+          <ac:spMkLst>
+            <pc:docMk/>
+            <pc:sldMk cId="2979282" sldId="306"/>
+            <ac:spMk id="2" creationId="{AA3A228F-61D0-D949-A5E7-F83756230BF8}"/>
+          </ac:spMkLst>
+        </pc:spChg>
+        <pc:spChg chg="mod">
+          <ac:chgData name="Long B Nguyen" userId="f59fb8f3-a021-417a-8bc1-65c8d471c621" providerId="ADAL" clId="{E8D3279B-BE7F-DC4A-8AF1-4A9A7D6CF1FB}" dt="2020-12-15T13:51:37.284" v="88" actId="14100"/>
+          <ac:spMkLst>
+            <pc:docMk/>
+            <pc:sldMk cId="2979282" sldId="306"/>
+            <ac:spMk id="9" creationId="{E3B2E017-30B2-884B-A113-B419A2ED51AD}"/>
+          </ac:spMkLst>
+        </pc:spChg>
+      </pc:sldChg>
+      <pc:sldChg chg="modSp mod">
+        <pc:chgData name="Long B Nguyen" userId="f59fb8f3-a021-417a-8bc1-65c8d471c621" providerId="ADAL" clId="{E8D3279B-BE7F-DC4A-8AF1-4A9A7D6CF1FB}" dt="2020-12-15T13:47:23.539" v="18" actId="1076"/>
+        <pc:sldMkLst>
+          <pc:docMk/>
+          <pc:sldMk cId="2816034367" sldId="307"/>
+        </pc:sldMkLst>
+        <pc:spChg chg="mod">
+          <ac:chgData name="Long B Nguyen" userId="f59fb8f3-a021-417a-8bc1-65c8d471c621" providerId="ADAL" clId="{E8D3279B-BE7F-DC4A-8AF1-4A9A7D6CF1FB}" dt="2020-12-15T13:47:14.791" v="15" actId="1076"/>
+          <ac:spMkLst>
+            <pc:docMk/>
+            <pc:sldMk cId="2816034367" sldId="307"/>
+            <ac:spMk id="2" creationId="{AA3A228F-61D0-D949-A5E7-F83756230BF8}"/>
+          </ac:spMkLst>
+        </pc:spChg>
+        <pc:spChg chg="mod">
+          <ac:chgData name="Long B Nguyen" userId="f59fb8f3-a021-417a-8bc1-65c8d471c621" providerId="ADAL" clId="{E8D3279B-BE7F-DC4A-8AF1-4A9A7D6CF1FB}" dt="2020-12-15T13:47:20.988" v="17" actId="1076"/>
+          <ac:spMkLst>
+            <pc:docMk/>
+            <pc:sldMk cId="2816034367" sldId="307"/>
+            <ac:spMk id="4" creationId="{05D0FF44-ED85-F649-9E37-57AC59AB411C}"/>
+          </ac:spMkLst>
+        </pc:spChg>
+        <pc:spChg chg="mod">
+          <ac:chgData name="Long B Nguyen" userId="f59fb8f3-a021-417a-8bc1-65c8d471c621" providerId="ADAL" clId="{E8D3279B-BE7F-DC4A-8AF1-4A9A7D6CF1FB}" dt="2020-12-15T13:47:23.539" v="18" actId="1076"/>
+          <ac:spMkLst>
+            <pc:docMk/>
+            <pc:sldMk cId="2816034367" sldId="307"/>
+            <ac:spMk id="6" creationId="{3B49FF43-4D4F-704B-A9F1-A113EABE5440}"/>
+          </ac:spMkLst>
+        </pc:spChg>
+        <pc:spChg chg="mod">
+          <ac:chgData name="Long B Nguyen" userId="f59fb8f3-a021-417a-8bc1-65c8d471c621" providerId="ADAL" clId="{E8D3279B-BE7F-DC4A-8AF1-4A9A7D6CF1FB}" dt="2020-12-15T13:47:17.951" v="16" actId="14100"/>
+          <ac:spMkLst>
+            <pc:docMk/>
+            <pc:sldMk cId="2816034367" sldId="307"/>
+            <ac:spMk id="9" creationId="{E3B2E017-30B2-884B-A113-B419A2ED51AD}"/>
+          </ac:spMkLst>
+        </pc:spChg>
+      </pc:sldChg>
+      <pc:sldChg chg="modSp mod">
+        <pc:chgData name="Long B Nguyen" userId="f59fb8f3-a021-417a-8bc1-65c8d471c621" providerId="ADAL" clId="{E8D3279B-BE7F-DC4A-8AF1-4A9A7D6CF1FB}" dt="2020-12-15T13:45:37.661" v="8" actId="14100"/>
+        <pc:sldMkLst>
+          <pc:docMk/>
+          <pc:sldMk cId="3647198221" sldId="308"/>
+        </pc:sldMkLst>
+        <pc:spChg chg="mod">
+          <ac:chgData name="Long B Nguyen" userId="f59fb8f3-a021-417a-8bc1-65c8d471c621" providerId="ADAL" clId="{E8D3279B-BE7F-DC4A-8AF1-4A9A7D6CF1FB}" dt="2020-12-15T13:45:32.587" v="6" actId="1076"/>
+          <ac:spMkLst>
+            <pc:docMk/>
+            <pc:sldMk cId="3647198221" sldId="308"/>
+            <ac:spMk id="2" creationId="{AA3A228F-61D0-D949-A5E7-F83756230BF8}"/>
+          </ac:spMkLst>
+        </pc:spChg>
+        <pc:spChg chg="mod">
+          <ac:chgData name="Long B Nguyen" userId="f59fb8f3-a021-417a-8bc1-65c8d471c621" providerId="ADAL" clId="{E8D3279B-BE7F-DC4A-8AF1-4A9A7D6CF1FB}" dt="2020-12-15T13:45:37.661" v="8" actId="14100"/>
+          <ac:spMkLst>
+            <pc:docMk/>
+            <pc:sldMk cId="3647198221" sldId="308"/>
+            <ac:spMk id="9" creationId="{E3B2E017-30B2-884B-A113-B419A2ED51AD}"/>
+          </ac:spMkLst>
+        </pc:spChg>
+      </pc:sldChg>
+      <pc:sldChg chg="modSp mod">
+        <pc:chgData name="Long B Nguyen" userId="f59fb8f3-a021-417a-8bc1-65c8d471c621" providerId="ADAL" clId="{E8D3279B-BE7F-DC4A-8AF1-4A9A7D6CF1FB}" dt="2020-12-15T13:47:34.086" v="21" actId="14100"/>
+        <pc:sldMkLst>
+          <pc:docMk/>
+          <pc:sldMk cId="3130680389" sldId="309"/>
+        </pc:sldMkLst>
+        <pc:spChg chg="mod">
+          <ac:chgData name="Long B Nguyen" userId="f59fb8f3-a021-417a-8bc1-65c8d471c621" providerId="ADAL" clId="{E8D3279B-BE7F-DC4A-8AF1-4A9A7D6CF1FB}" dt="2020-12-15T13:47:28.902" v="19" actId="1076"/>
+          <ac:spMkLst>
+            <pc:docMk/>
+            <pc:sldMk cId="3130680389" sldId="309"/>
+            <ac:spMk id="2" creationId="{AA3A228F-61D0-D949-A5E7-F83756230BF8}"/>
+          </ac:spMkLst>
+        </pc:spChg>
+        <pc:spChg chg="mod">
+          <ac:chgData name="Long B Nguyen" userId="f59fb8f3-a021-417a-8bc1-65c8d471c621" providerId="ADAL" clId="{E8D3279B-BE7F-DC4A-8AF1-4A9A7D6CF1FB}" dt="2020-12-15T13:47:34.086" v="21" actId="14100"/>
+          <ac:spMkLst>
+            <pc:docMk/>
+            <pc:sldMk cId="3130680389" sldId="309"/>
+            <ac:spMk id="9" creationId="{E3B2E017-30B2-884B-A113-B419A2ED51AD}"/>
+          </ac:spMkLst>
+        </pc:spChg>
+      </pc:sldChg>
+      <pc:sldChg chg="modSp mod">
+        <pc:chgData name="Long B Nguyen" userId="f59fb8f3-a021-417a-8bc1-65c8d471c621" providerId="ADAL" clId="{E8D3279B-BE7F-DC4A-8AF1-4A9A7D6CF1FB}" dt="2020-12-15T13:51:25.355" v="85" actId="20577"/>
+        <pc:sldMkLst>
+          <pc:docMk/>
+          <pc:sldMk cId="3718152399" sldId="310"/>
+        </pc:sldMkLst>
+        <pc:spChg chg="mod">
+          <ac:chgData name="Long B Nguyen" userId="f59fb8f3-a021-417a-8bc1-65c8d471c621" providerId="ADAL" clId="{E8D3279B-BE7F-DC4A-8AF1-4A9A7D6CF1FB}" dt="2020-12-15T13:51:25.355" v="85" actId="20577"/>
+          <ac:spMkLst>
+            <pc:docMk/>
+            <pc:sldMk cId="3718152399" sldId="310"/>
+            <ac:spMk id="2" creationId="{AA3A228F-61D0-D949-A5E7-F83756230BF8}"/>
+          </ac:spMkLst>
+        </pc:spChg>
+        <pc:spChg chg="mod">
+          <ac:chgData name="Long B Nguyen" userId="f59fb8f3-a021-417a-8bc1-65c8d471c621" providerId="ADAL" clId="{E8D3279B-BE7F-DC4A-8AF1-4A9A7D6CF1FB}" dt="2020-12-15T13:51:05.783" v="66" actId="14100"/>
+          <ac:spMkLst>
+            <pc:docMk/>
+            <pc:sldMk cId="3718152399" sldId="310"/>
+            <ac:spMk id="9" creationId="{E3B2E017-30B2-884B-A113-B419A2ED51AD}"/>
+          </ac:spMkLst>
+        </pc:spChg>
+        <pc:picChg chg="mod">
+          <ac:chgData name="Long B Nguyen" userId="f59fb8f3-a021-417a-8bc1-65c8d471c621" providerId="ADAL" clId="{E8D3279B-BE7F-DC4A-8AF1-4A9A7D6CF1FB}" dt="2020-12-15T13:51:08.280" v="67" actId="1076"/>
+          <ac:picMkLst>
+            <pc:docMk/>
+            <pc:sldMk cId="3718152399" sldId="310"/>
+            <ac:picMk id="3" creationId="{01205C96-4873-E74D-9647-F792C437AC65}"/>
+          </ac:picMkLst>
+        </pc:picChg>
+      </pc:sldChg>
+      <pc:sldChg chg="modSp mod">
+        <pc:chgData name="Long B Nguyen" userId="f59fb8f3-a021-417a-8bc1-65c8d471c621" providerId="ADAL" clId="{E8D3279B-BE7F-DC4A-8AF1-4A9A7D6CF1FB}" dt="2020-12-15T14:24:48.846" v="458" actId="113"/>
+        <pc:sldMkLst>
+          <pc:docMk/>
+          <pc:sldMk cId="908349489" sldId="315"/>
+        </pc:sldMkLst>
+        <pc:spChg chg="mod">
+          <ac:chgData name="Long B Nguyen" userId="f59fb8f3-a021-417a-8bc1-65c8d471c621" providerId="ADAL" clId="{E8D3279B-BE7F-DC4A-8AF1-4A9A7D6CF1FB}" dt="2020-12-15T14:24:36.664" v="456" actId="1076"/>
+          <ac:spMkLst>
+            <pc:docMk/>
+            <pc:sldMk cId="908349489" sldId="315"/>
+            <ac:spMk id="2" creationId="{AA3A228F-61D0-D949-A5E7-F83756230BF8}"/>
+          </ac:spMkLst>
+        </pc:spChg>
+        <pc:spChg chg="mod">
+          <ac:chgData name="Long B Nguyen" userId="f59fb8f3-a021-417a-8bc1-65c8d471c621" providerId="ADAL" clId="{E8D3279B-BE7F-DC4A-8AF1-4A9A7D6CF1FB}" dt="2020-12-15T14:24:48.846" v="458" actId="113"/>
+          <ac:spMkLst>
+            <pc:docMk/>
+            <pc:sldMk cId="908349489" sldId="315"/>
+            <ac:spMk id="9" creationId="{E3B2E017-30B2-884B-A113-B419A2ED51AD}"/>
+          </ac:spMkLst>
+        </pc:spChg>
+      </pc:sldChg>
+      <pc:sldChg chg="add">
+        <pc:chgData name="Long B Nguyen" userId="f59fb8f3-a021-417a-8bc1-65c8d471c621" providerId="ADAL" clId="{E8D3279B-BE7F-DC4A-8AF1-4A9A7D6CF1FB}" dt="2020-12-15T14:30:24.294" v="487"/>
+        <pc:sldMkLst>
+          <pc:docMk/>
+          <pc:sldMk cId="1974827690" sldId="319"/>
+        </pc:sldMkLst>
+      </pc:sldChg>
+      <pc:sldChg chg="addSp delSp modSp del mod addAnim delAnim">
+        <pc:chgData name="Long B Nguyen" userId="f59fb8f3-a021-417a-8bc1-65c8d471c621" providerId="ADAL" clId="{E8D3279B-BE7F-DC4A-8AF1-4A9A7D6CF1FB}" dt="2020-12-15T14:30:14.913" v="486" actId="2696"/>
+        <pc:sldMkLst>
+          <pc:docMk/>
+          <pc:sldMk cId="1997478848" sldId="319"/>
+        </pc:sldMkLst>
+        <pc:spChg chg="mod">
+          <ac:chgData name="Long B Nguyen" userId="f59fb8f3-a021-417a-8bc1-65c8d471c621" providerId="ADAL" clId="{E8D3279B-BE7F-DC4A-8AF1-4A9A7D6CF1FB}" dt="2020-12-15T14:29:48.630" v="481" actId="1076"/>
+          <ac:spMkLst>
+            <pc:docMk/>
+            <pc:sldMk cId="1997478848" sldId="319"/>
+            <ac:spMk id="2" creationId="{AA3A228F-61D0-D949-A5E7-F83756230BF8}"/>
+          </ac:spMkLst>
+        </pc:spChg>
+        <pc:spChg chg="add del mod">
+          <ac:chgData name="Long B Nguyen" userId="f59fb8f3-a021-417a-8bc1-65c8d471c621" providerId="ADAL" clId="{E8D3279B-BE7F-DC4A-8AF1-4A9A7D6CF1FB}" dt="2020-12-15T14:30:12.714" v="485" actId="21"/>
+          <ac:spMkLst>
+            <pc:docMk/>
+            <pc:sldMk cId="1997478848" sldId="319"/>
+            <ac:spMk id="4" creationId="{28E28F37-D2A6-234D-B4A3-A7D5924FA88A}"/>
+          </ac:spMkLst>
+        </pc:spChg>
+        <pc:spChg chg="add del mod">
+          <ac:chgData name="Long B Nguyen" userId="f59fb8f3-a021-417a-8bc1-65c8d471c621" providerId="ADAL" clId="{E8D3279B-BE7F-DC4A-8AF1-4A9A7D6CF1FB}" dt="2020-12-15T14:30:12.714" v="485" actId="21"/>
+          <ac:spMkLst>
+            <pc:docMk/>
+            <pc:sldMk cId="1997478848" sldId="319"/>
+            <ac:spMk id="9" creationId="{E3B2E017-30B2-884B-A113-B419A2ED51AD}"/>
+          </ac:spMkLst>
+        </pc:spChg>
+      </pc:sldChg>
+      <pc:sldChg chg="modSp mod">
+        <pc:chgData name="Long B Nguyen" userId="f59fb8f3-a021-417a-8bc1-65c8d471c621" providerId="ADAL" clId="{E8D3279B-BE7F-DC4A-8AF1-4A9A7D6CF1FB}" dt="2020-12-15T14:23:26.866" v="438" actId="14100"/>
+        <pc:sldMkLst>
+          <pc:docMk/>
+          <pc:sldMk cId="2404797560" sldId="321"/>
+        </pc:sldMkLst>
+        <pc:spChg chg="mod">
+          <ac:chgData name="Long B Nguyen" userId="f59fb8f3-a021-417a-8bc1-65c8d471c621" providerId="ADAL" clId="{E8D3279B-BE7F-DC4A-8AF1-4A9A7D6CF1FB}" dt="2020-12-15T14:23:24.375" v="437" actId="1076"/>
+          <ac:spMkLst>
+            <pc:docMk/>
+            <pc:sldMk cId="2404797560" sldId="321"/>
+            <ac:spMk id="2" creationId="{AA3A228F-61D0-D949-A5E7-F83756230BF8}"/>
+          </ac:spMkLst>
+        </pc:spChg>
+        <pc:spChg chg="mod">
+          <ac:chgData name="Long B Nguyen" userId="f59fb8f3-a021-417a-8bc1-65c8d471c621" providerId="ADAL" clId="{E8D3279B-BE7F-DC4A-8AF1-4A9A7D6CF1FB}" dt="2020-12-15T14:23:26.866" v="438" actId="14100"/>
+          <ac:spMkLst>
+            <pc:docMk/>
+            <pc:sldMk cId="2404797560" sldId="321"/>
+            <ac:spMk id="9" creationId="{E3B2E017-30B2-884B-A113-B419A2ED51AD}"/>
+          </ac:spMkLst>
+        </pc:spChg>
+      </pc:sldChg>
+      <pc:sldChg chg="modSp mod">
+        <pc:chgData name="Long B Nguyen" userId="f59fb8f3-a021-417a-8bc1-65c8d471c621" providerId="ADAL" clId="{E8D3279B-BE7F-DC4A-8AF1-4A9A7D6CF1FB}" dt="2020-12-15T14:24:08.435" v="444" actId="20577"/>
+        <pc:sldMkLst>
+          <pc:docMk/>
+          <pc:sldMk cId="866882917" sldId="322"/>
+        </pc:sldMkLst>
+        <pc:spChg chg="mod">
+          <ac:chgData name="Long B Nguyen" userId="f59fb8f3-a021-417a-8bc1-65c8d471c621" providerId="ADAL" clId="{E8D3279B-BE7F-DC4A-8AF1-4A9A7D6CF1FB}" dt="2020-12-15T14:24:02.952" v="441" actId="1076"/>
+          <ac:spMkLst>
+            <pc:docMk/>
+            <pc:sldMk cId="866882917" sldId="322"/>
+            <ac:spMk id="2" creationId="{AA3A228F-61D0-D949-A5E7-F83756230BF8}"/>
+          </ac:spMkLst>
+        </pc:spChg>
+        <pc:spChg chg="mod">
+          <ac:chgData name="Long B Nguyen" userId="f59fb8f3-a021-417a-8bc1-65c8d471c621" providerId="ADAL" clId="{E8D3279B-BE7F-DC4A-8AF1-4A9A7D6CF1FB}" dt="2020-12-15T14:24:08.435" v="444" actId="20577"/>
+          <ac:spMkLst>
+            <pc:docMk/>
+            <pc:sldMk cId="866882917" sldId="322"/>
+            <ac:spMk id="9" creationId="{E3B2E017-30B2-884B-A113-B419A2ED51AD}"/>
+          </ac:spMkLst>
+        </pc:spChg>
+      </pc:sldChg>
+      <pc:sldChg chg="modSp mod modAnim">
+        <pc:chgData name="Long B Nguyen" userId="f59fb8f3-a021-417a-8bc1-65c8d471c621" providerId="ADAL" clId="{E8D3279B-BE7F-DC4A-8AF1-4A9A7D6CF1FB}" dt="2020-12-15T14:45:48.450" v="489" actId="20577"/>
+        <pc:sldMkLst>
+          <pc:docMk/>
+          <pc:sldMk cId="2224964763" sldId="326"/>
+        </pc:sldMkLst>
+        <pc:spChg chg="mod">
+          <ac:chgData name="Long B Nguyen" userId="f59fb8f3-a021-417a-8bc1-65c8d471c621" providerId="ADAL" clId="{E8D3279B-BE7F-DC4A-8AF1-4A9A7D6CF1FB}" dt="2020-12-15T13:46:12.118" v="12" actId="1076"/>
+          <ac:spMkLst>
+            <pc:docMk/>
+            <pc:sldMk cId="2224964763" sldId="326"/>
+            <ac:spMk id="2" creationId="{AA3A228F-61D0-D949-A5E7-F83756230BF8}"/>
+          </ac:spMkLst>
+        </pc:spChg>
+        <pc:spChg chg="mod">
+          <ac:chgData name="Long B Nguyen" userId="f59fb8f3-a021-417a-8bc1-65c8d471c621" providerId="ADAL" clId="{E8D3279B-BE7F-DC4A-8AF1-4A9A7D6CF1FB}" dt="2020-12-15T14:45:48.450" v="489" actId="20577"/>
+          <ac:spMkLst>
+            <pc:docMk/>
+            <pc:sldMk cId="2224964763" sldId="326"/>
+            <ac:spMk id="9" creationId="{E3B2E017-30B2-884B-A113-B419A2ED51AD}"/>
+          </ac:spMkLst>
+        </pc:spChg>
+      </pc:sldChg>
+      <pc:sldChg chg="modSp mod">
+        <pc:chgData name="Long B Nguyen" userId="f59fb8f3-a021-417a-8bc1-65c8d471c621" providerId="ADAL" clId="{E8D3279B-BE7F-DC4A-8AF1-4A9A7D6CF1FB}" dt="2020-12-15T13:46:03.867" v="11" actId="14100"/>
+        <pc:sldMkLst>
+          <pc:docMk/>
+          <pc:sldMk cId="725508398" sldId="327"/>
+        </pc:sldMkLst>
+        <pc:spChg chg="mod">
+          <ac:chgData name="Long B Nguyen" userId="f59fb8f3-a021-417a-8bc1-65c8d471c621" providerId="ADAL" clId="{E8D3279B-BE7F-DC4A-8AF1-4A9A7D6CF1FB}" dt="2020-12-15T13:45:58.228" v="9" actId="1076"/>
+          <ac:spMkLst>
+            <pc:docMk/>
+            <pc:sldMk cId="725508398" sldId="327"/>
+            <ac:spMk id="2" creationId="{AA3A228F-61D0-D949-A5E7-F83756230BF8}"/>
+          </ac:spMkLst>
+        </pc:spChg>
+        <pc:spChg chg="mod">
+          <ac:chgData name="Long B Nguyen" userId="f59fb8f3-a021-417a-8bc1-65c8d471c621" providerId="ADAL" clId="{E8D3279B-BE7F-DC4A-8AF1-4A9A7D6CF1FB}" dt="2020-12-15T13:46:03.867" v="11" actId="14100"/>
+          <ac:spMkLst>
+            <pc:docMk/>
+            <pc:sldMk cId="725508398" sldId="327"/>
+            <ac:spMk id="9" creationId="{E3B2E017-30B2-884B-A113-B419A2ED51AD}"/>
+          </ac:spMkLst>
+        </pc:spChg>
+      </pc:sldChg>
+      <pc:sldChg chg="modSp mod">
+        <pc:chgData name="Long B Nguyen" userId="f59fb8f3-a021-417a-8bc1-65c8d471c621" providerId="ADAL" clId="{E8D3279B-BE7F-DC4A-8AF1-4A9A7D6CF1FB}" dt="2020-12-15T14:24:24.463" v="455" actId="20577"/>
+        <pc:sldMkLst>
+          <pc:docMk/>
+          <pc:sldMk cId="1160750792" sldId="330"/>
+        </pc:sldMkLst>
+        <pc:spChg chg="mod">
+          <ac:chgData name="Long B Nguyen" userId="f59fb8f3-a021-417a-8bc1-65c8d471c621" providerId="ADAL" clId="{E8D3279B-BE7F-DC4A-8AF1-4A9A7D6CF1FB}" dt="2020-12-15T14:24:16.791" v="445" actId="1076"/>
+          <ac:spMkLst>
+            <pc:docMk/>
+            <pc:sldMk cId="1160750792" sldId="330"/>
+            <ac:spMk id="2" creationId="{AA3A228F-61D0-D949-A5E7-F83756230BF8}"/>
+          </ac:spMkLst>
+        </pc:spChg>
+        <pc:spChg chg="mod">
+          <ac:chgData name="Long B Nguyen" userId="f59fb8f3-a021-417a-8bc1-65c8d471c621" providerId="ADAL" clId="{E8D3279B-BE7F-DC4A-8AF1-4A9A7D6CF1FB}" dt="2020-12-15T14:24:24.463" v="455" actId="20577"/>
+          <ac:spMkLst>
+            <pc:docMk/>
+            <pc:sldMk cId="1160750792" sldId="330"/>
+            <ac:spMk id="9" creationId="{E3B2E017-30B2-884B-A113-B419A2ED51AD}"/>
+          </ac:spMkLst>
+        </pc:spChg>
+      </pc:sldChg>
+      <pc:sldChg chg="modSp mod">
+        <pc:chgData name="Long B Nguyen" userId="f59fb8f3-a021-417a-8bc1-65c8d471c621" providerId="ADAL" clId="{E8D3279B-BE7F-DC4A-8AF1-4A9A7D6CF1FB}" dt="2020-12-15T14:23:43.691" v="440" actId="14100"/>
+        <pc:sldMkLst>
+          <pc:docMk/>
+          <pc:sldMk cId="3377374440" sldId="333"/>
+        </pc:sldMkLst>
+        <pc:spChg chg="mod">
+          <ac:chgData name="Long B Nguyen" userId="f59fb8f3-a021-417a-8bc1-65c8d471c621" providerId="ADAL" clId="{E8D3279B-BE7F-DC4A-8AF1-4A9A7D6CF1FB}" dt="2020-12-15T14:23:41.466" v="439" actId="1076"/>
+          <ac:spMkLst>
+            <pc:docMk/>
+            <pc:sldMk cId="3377374440" sldId="333"/>
+            <ac:spMk id="2" creationId="{AA3A228F-61D0-D949-A5E7-F83756230BF8}"/>
+          </ac:spMkLst>
+        </pc:spChg>
+        <pc:spChg chg="mod">
+          <ac:chgData name="Long B Nguyen" userId="f59fb8f3-a021-417a-8bc1-65c8d471c621" providerId="ADAL" clId="{E8D3279B-BE7F-DC4A-8AF1-4A9A7D6CF1FB}" dt="2020-12-15T14:23:43.691" v="440" actId="14100"/>
+          <ac:spMkLst>
+            <pc:docMk/>
+            <pc:sldMk cId="3377374440" sldId="333"/>
+            <ac:spMk id="9" creationId="{E3B2E017-30B2-884B-A113-B419A2ED51AD}"/>
+          </ac:spMkLst>
+        </pc:spChg>
+      </pc:sldChg>
+      <pc:sldChg chg="modSp">
+        <pc:chgData name="Long B Nguyen" userId="f59fb8f3-a021-417a-8bc1-65c8d471c621" providerId="ADAL" clId="{E8D3279B-BE7F-DC4A-8AF1-4A9A7D6CF1FB}" dt="2020-12-15T14:26:00.044" v="463" actId="113"/>
+        <pc:sldMkLst>
+          <pc:docMk/>
+          <pc:sldMk cId="1297630579" sldId="334"/>
+        </pc:sldMkLst>
+        <pc:spChg chg="mod">
+          <ac:chgData name="Long B Nguyen" userId="f59fb8f3-a021-417a-8bc1-65c8d471c621" providerId="ADAL" clId="{E8D3279B-BE7F-DC4A-8AF1-4A9A7D6CF1FB}" dt="2020-12-15T14:26:00.044" v="463" actId="113"/>
+          <ac:spMkLst>
+            <pc:docMk/>
+            <pc:sldMk cId="1297630579" sldId="334"/>
+            <ac:spMk id="9" creationId="{E3B2E017-30B2-884B-A113-B419A2ED51AD}"/>
+          </ac:spMkLst>
+        </pc:spChg>
+      </pc:sldChg>
+      <pc:sldChg chg="modSp mod">
+        <pc:chgData name="Long B Nguyen" userId="f59fb8f3-a021-417a-8bc1-65c8d471c621" providerId="ADAL" clId="{E8D3279B-BE7F-DC4A-8AF1-4A9A7D6CF1FB}" dt="2020-12-15T14:27:44.622" v="476" actId="14100"/>
+        <pc:sldMkLst>
+          <pc:docMk/>
+          <pc:sldMk cId="3679420171" sldId="335"/>
+        </pc:sldMkLst>
+        <pc:spChg chg="mod">
+          <ac:chgData name="Long B Nguyen" userId="f59fb8f3-a021-417a-8bc1-65c8d471c621" providerId="ADAL" clId="{E8D3279B-BE7F-DC4A-8AF1-4A9A7D6CF1FB}" dt="2020-12-15T14:27:41.470" v="475" actId="1076"/>
+          <ac:spMkLst>
+            <pc:docMk/>
+            <pc:sldMk cId="3679420171" sldId="335"/>
+            <ac:spMk id="2" creationId="{AA3A228F-61D0-D949-A5E7-F83756230BF8}"/>
+          </ac:spMkLst>
+        </pc:spChg>
+        <pc:spChg chg="mod">
+          <ac:chgData name="Long B Nguyen" userId="f59fb8f3-a021-417a-8bc1-65c8d471c621" providerId="ADAL" clId="{E8D3279B-BE7F-DC4A-8AF1-4A9A7D6CF1FB}" dt="2020-12-15T14:27:44.622" v="476" actId="14100"/>
+          <ac:spMkLst>
+            <pc:docMk/>
+            <pc:sldMk cId="3679420171" sldId="335"/>
+            <ac:spMk id="9" creationId="{E3B2E017-30B2-884B-A113-B419A2ED51AD}"/>
+          </ac:spMkLst>
+        </pc:spChg>
+      </pc:sldChg>
+      <pc:sldChg chg="modSp mod">
+        <pc:chgData name="Long B Nguyen" userId="f59fb8f3-a021-417a-8bc1-65c8d471c621" providerId="ADAL" clId="{E8D3279B-BE7F-DC4A-8AF1-4A9A7D6CF1FB}" dt="2020-12-15T13:50:36.745" v="64" actId="1076"/>
+        <pc:sldMkLst>
+          <pc:docMk/>
+          <pc:sldMk cId="4200601291" sldId="336"/>
+        </pc:sldMkLst>
+        <pc:spChg chg="mod">
+          <ac:chgData name="Long B Nguyen" userId="f59fb8f3-a021-417a-8bc1-65c8d471c621" providerId="ADAL" clId="{E8D3279B-BE7F-DC4A-8AF1-4A9A7D6CF1FB}" dt="2020-12-15T13:50:11.555" v="59" actId="1076"/>
+          <ac:spMkLst>
+            <pc:docMk/>
+            <pc:sldMk cId="4200601291" sldId="336"/>
+            <ac:spMk id="2" creationId="{AA3A228F-61D0-D949-A5E7-F83756230BF8}"/>
+          </ac:spMkLst>
+        </pc:spChg>
+        <pc:spChg chg="mod">
+          <ac:chgData name="Long B Nguyen" userId="f59fb8f3-a021-417a-8bc1-65c8d471c621" providerId="ADAL" clId="{E8D3279B-BE7F-DC4A-8AF1-4A9A7D6CF1FB}" dt="2020-12-15T13:50:25.078" v="61" actId="1076"/>
+          <ac:spMkLst>
+            <pc:docMk/>
+            <pc:sldMk cId="4200601291" sldId="336"/>
+            <ac:spMk id="4" creationId="{42731CB2-C74B-2442-916C-3C51C2CD9B58}"/>
+          </ac:spMkLst>
+        </pc:spChg>
+        <pc:spChg chg="mod">
+          <ac:chgData name="Long B Nguyen" userId="f59fb8f3-a021-417a-8bc1-65c8d471c621" providerId="ADAL" clId="{E8D3279B-BE7F-DC4A-8AF1-4A9A7D6CF1FB}" dt="2020-12-15T13:50:28.934" v="62" actId="1076"/>
+          <ac:spMkLst>
+            <pc:docMk/>
+            <pc:sldMk cId="4200601291" sldId="336"/>
+            <ac:spMk id="6" creationId="{15EA9413-4DF1-674A-A4A8-6163F4F1D022}"/>
+          </ac:spMkLst>
+        </pc:spChg>
+        <pc:spChg chg="mod">
+          <ac:chgData name="Long B Nguyen" userId="f59fb8f3-a021-417a-8bc1-65c8d471c621" providerId="ADAL" clId="{E8D3279B-BE7F-DC4A-8AF1-4A9A7D6CF1FB}" dt="2020-12-15T13:50:32.952" v="63" actId="1076"/>
+          <ac:spMkLst>
+            <pc:docMk/>
+            <pc:sldMk cId="4200601291" sldId="336"/>
+            <ac:spMk id="7" creationId="{3A370C33-776E-B041-9FF0-69E39873A4A4}"/>
+          </ac:spMkLst>
+        </pc:spChg>
+        <pc:spChg chg="mod">
+          <ac:chgData name="Long B Nguyen" userId="f59fb8f3-a021-417a-8bc1-65c8d471c621" providerId="ADAL" clId="{E8D3279B-BE7F-DC4A-8AF1-4A9A7D6CF1FB}" dt="2020-12-15T13:50:36.745" v="64" actId="1076"/>
+          <ac:spMkLst>
+            <pc:docMk/>
+            <pc:sldMk cId="4200601291" sldId="336"/>
+            <ac:spMk id="8" creationId="{3C29331E-90C2-3A40-8F47-70CC36C0A6F5}"/>
+          </ac:spMkLst>
+        </pc:spChg>
+        <pc:spChg chg="mod">
+          <ac:chgData name="Long B Nguyen" userId="f59fb8f3-a021-417a-8bc1-65c8d471c621" providerId="ADAL" clId="{E8D3279B-BE7F-DC4A-8AF1-4A9A7D6CF1FB}" dt="2020-12-15T13:50:14.890" v="60" actId="14100"/>
+          <ac:spMkLst>
+            <pc:docMk/>
+            <pc:sldMk cId="4200601291" sldId="336"/>
+            <ac:spMk id="9" creationId="{E3B2E017-30B2-884B-A113-B419A2ED51AD}"/>
+          </ac:spMkLst>
+        </pc:spChg>
+      </pc:sldChg>
+      <pc:sldChg chg="modSp mod">
+        <pc:chgData name="Long B Nguyen" userId="f59fb8f3-a021-417a-8bc1-65c8d471c621" providerId="ADAL" clId="{E8D3279B-BE7F-DC4A-8AF1-4A9A7D6CF1FB}" dt="2020-12-15T14:24:56.429" v="460" actId="14100"/>
+        <pc:sldMkLst>
+          <pc:docMk/>
+          <pc:sldMk cId="3893998552" sldId="337"/>
+        </pc:sldMkLst>
+        <pc:spChg chg="mod">
+          <ac:chgData name="Long B Nguyen" userId="f59fb8f3-a021-417a-8bc1-65c8d471c621" providerId="ADAL" clId="{E8D3279B-BE7F-DC4A-8AF1-4A9A7D6CF1FB}" dt="2020-12-15T14:24:54.362" v="459" actId="1076"/>
+          <ac:spMkLst>
+            <pc:docMk/>
+            <pc:sldMk cId="3893998552" sldId="337"/>
+            <ac:spMk id="2" creationId="{AA3A228F-61D0-D949-A5E7-F83756230BF8}"/>
+          </ac:spMkLst>
+        </pc:spChg>
+        <pc:spChg chg="mod">
+          <ac:chgData name="Long B Nguyen" userId="f59fb8f3-a021-417a-8bc1-65c8d471c621" providerId="ADAL" clId="{E8D3279B-BE7F-DC4A-8AF1-4A9A7D6CF1FB}" dt="2020-12-15T14:24:56.429" v="460" actId="14100"/>
+          <ac:spMkLst>
+            <pc:docMk/>
+            <pc:sldMk cId="3893998552" sldId="337"/>
+            <ac:spMk id="9" creationId="{E3B2E017-30B2-884B-A113-B419A2ED51AD}"/>
+          </ac:spMkLst>
+        </pc:spChg>
+      </pc:sldChg>
+      <pc:sldChg chg="modSp mod">
+        <pc:chgData name="Long B Nguyen" userId="f59fb8f3-a021-417a-8bc1-65c8d471c621" providerId="ADAL" clId="{E8D3279B-BE7F-DC4A-8AF1-4A9A7D6CF1FB}" dt="2020-12-15T14:25:17.392" v="462" actId="14100"/>
+        <pc:sldMkLst>
+          <pc:docMk/>
+          <pc:sldMk cId="1222806230" sldId="338"/>
+        </pc:sldMkLst>
+        <pc:spChg chg="mod">
+          <ac:chgData name="Long B Nguyen" userId="f59fb8f3-a021-417a-8bc1-65c8d471c621" providerId="ADAL" clId="{E8D3279B-BE7F-DC4A-8AF1-4A9A7D6CF1FB}" dt="2020-12-15T14:25:14.822" v="461" actId="1076"/>
+          <ac:spMkLst>
+            <pc:docMk/>
+            <pc:sldMk cId="1222806230" sldId="338"/>
+            <ac:spMk id="2" creationId="{AA3A228F-61D0-D949-A5E7-F83756230BF8}"/>
+          </ac:spMkLst>
+        </pc:spChg>
+        <pc:spChg chg="mod">
+          <ac:chgData name="Long B Nguyen" userId="f59fb8f3-a021-417a-8bc1-65c8d471c621" providerId="ADAL" clId="{E8D3279B-BE7F-DC4A-8AF1-4A9A7D6CF1FB}" dt="2020-12-15T14:25:17.392" v="462" actId="14100"/>
+          <ac:spMkLst>
+            <pc:docMk/>
+            <pc:sldMk cId="1222806230" sldId="338"/>
+            <ac:spMk id="9" creationId="{E3B2E017-30B2-884B-A113-B419A2ED51AD}"/>
+          </ac:spMkLst>
+        </pc:spChg>
+      </pc:sldChg>
+      <pc:sldChg chg="modSp mod">
+        <pc:chgData name="Long B Nguyen" userId="f59fb8f3-a021-417a-8bc1-65c8d471c621" providerId="ADAL" clId="{E8D3279B-BE7F-DC4A-8AF1-4A9A7D6CF1FB}" dt="2020-12-15T14:27:02.742" v="472" actId="1076"/>
+        <pc:sldMkLst>
+          <pc:docMk/>
+          <pc:sldMk cId="2049074062" sldId="339"/>
+        </pc:sldMkLst>
+        <pc:spChg chg="mod">
+          <ac:chgData name="Long B Nguyen" userId="f59fb8f3-a021-417a-8bc1-65c8d471c621" providerId="ADAL" clId="{E8D3279B-BE7F-DC4A-8AF1-4A9A7D6CF1FB}" dt="2020-12-15T14:26:50.731" v="470" actId="1076"/>
+          <ac:spMkLst>
+            <pc:docMk/>
+            <pc:sldMk cId="2049074062" sldId="339"/>
+            <ac:spMk id="2" creationId="{AA3A228F-61D0-D949-A5E7-F83756230BF8}"/>
+          </ac:spMkLst>
+        </pc:spChg>
+        <pc:spChg chg="mod">
+          <ac:chgData name="Long B Nguyen" userId="f59fb8f3-a021-417a-8bc1-65c8d471c621" providerId="ADAL" clId="{E8D3279B-BE7F-DC4A-8AF1-4A9A7D6CF1FB}" dt="2020-12-15T14:27:02.742" v="472" actId="1076"/>
+          <ac:spMkLst>
+            <pc:docMk/>
+            <pc:sldMk cId="2049074062" sldId="339"/>
+            <ac:spMk id="3" creationId="{CEA124DC-F312-EC4E-8F44-AE7209FAD9D2}"/>
+          </ac:spMkLst>
+        </pc:spChg>
+        <pc:spChg chg="mod">
+          <ac:chgData name="Long B Nguyen" userId="f59fb8f3-a021-417a-8bc1-65c8d471c621" providerId="ADAL" clId="{E8D3279B-BE7F-DC4A-8AF1-4A9A7D6CF1FB}" dt="2020-12-15T14:26:53.429" v="471" actId="14100"/>
+          <ac:spMkLst>
+            <pc:docMk/>
+            <pc:sldMk cId="2049074062" sldId="339"/>
+            <ac:spMk id="9" creationId="{E3B2E017-30B2-884B-A113-B419A2ED51AD}"/>
+          </ac:spMkLst>
+        </pc:spChg>
+      </pc:sldChg>
+      <pc:sldChg chg="modSp mod">
+        <pc:chgData name="Long B Nguyen" userId="f59fb8f3-a021-417a-8bc1-65c8d471c621" providerId="ADAL" clId="{E8D3279B-BE7F-DC4A-8AF1-4A9A7D6CF1FB}" dt="2020-12-16T15:24:43.192" v="497" actId="20577"/>
+        <pc:sldMkLst>
+          <pc:docMk/>
+          <pc:sldMk cId="3520320687" sldId="340"/>
+        </pc:sldMkLst>
+        <pc:spChg chg="mod">
+          <ac:chgData name="Long B Nguyen" userId="f59fb8f3-a021-417a-8bc1-65c8d471c621" providerId="ADAL" clId="{E8D3279B-BE7F-DC4A-8AF1-4A9A7D6CF1FB}" dt="2020-12-15T14:27:12.631" v="473" actId="1076"/>
+          <ac:spMkLst>
+            <pc:docMk/>
+            <pc:sldMk cId="3520320687" sldId="340"/>
+            <ac:spMk id="2" creationId="{AA3A228F-61D0-D949-A5E7-F83756230BF8}"/>
+          </ac:spMkLst>
+        </pc:spChg>
+        <pc:spChg chg="mod">
+          <ac:chgData name="Long B Nguyen" userId="f59fb8f3-a021-417a-8bc1-65c8d471c621" providerId="ADAL" clId="{E8D3279B-BE7F-DC4A-8AF1-4A9A7D6CF1FB}" dt="2020-12-16T15:24:43.192" v="497" actId="20577"/>
+          <ac:spMkLst>
+            <pc:docMk/>
+            <pc:sldMk cId="3520320687" sldId="340"/>
+            <ac:spMk id="9" creationId="{E3B2E017-30B2-884B-A113-B419A2ED51AD}"/>
+          </ac:spMkLst>
+        </pc:spChg>
+      </pc:sldChg>
+      <pc:sldChg chg="modSp mod">
+        <pc:chgData name="Long B Nguyen" userId="f59fb8f3-a021-417a-8bc1-65c8d471c621" providerId="ADAL" clId="{E8D3279B-BE7F-DC4A-8AF1-4A9A7D6CF1FB}" dt="2020-12-17T15:28:59.513" v="873" actId="20577"/>
+        <pc:sldMkLst>
+          <pc:docMk/>
+          <pc:sldMk cId="2050208201" sldId="341"/>
+        </pc:sldMkLst>
+        <pc:spChg chg="mod">
+          <ac:chgData name="Long B Nguyen" userId="f59fb8f3-a021-417a-8bc1-65c8d471c621" providerId="ADAL" clId="{E8D3279B-BE7F-DC4A-8AF1-4A9A7D6CF1FB}" dt="2020-12-17T15:01:07.043" v="502" actId="20577"/>
+          <ac:spMkLst>
+            <pc:docMk/>
+            <pc:sldMk cId="2050208201" sldId="341"/>
+            <ac:spMk id="2" creationId="{AA3A228F-61D0-D949-A5E7-F83756230BF8}"/>
+          </ac:spMkLst>
+        </pc:spChg>
+        <pc:spChg chg="mod">
+          <ac:chgData name="Long B Nguyen" userId="f59fb8f3-a021-417a-8bc1-65c8d471c621" providerId="ADAL" clId="{E8D3279B-BE7F-DC4A-8AF1-4A9A7D6CF1FB}" dt="2020-12-17T15:28:59.513" v="873" actId="20577"/>
+          <ac:spMkLst>
+            <pc:docMk/>
+            <pc:sldMk cId="2050208201" sldId="341"/>
+            <ac:spMk id="9" creationId="{E3B2E017-30B2-884B-A113-B419A2ED51AD}"/>
+          </ac:spMkLst>
+        </pc:spChg>
+      </pc:sldChg>
+      <pc:sldChg chg="modSp mod modAnim">
+        <pc:chgData name="Long B Nguyen" userId="f59fb8f3-a021-417a-8bc1-65c8d471c621" providerId="ADAL" clId="{E8D3279B-BE7F-DC4A-8AF1-4A9A7D6CF1FB}" dt="2020-12-15T13:56:59.360" v="200" actId="207"/>
+        <pc:sldMkLst>
+          <pc:docMk/>
+          <pc:sldMk cId="2433533531" sldId="342"/>
+        </pc:sldMkLst>
+        <pc:spChg chg="mod">
+          <ac:chgData name="Long B Nguyen" userId="f59fb8f3-a021-417a-8bc1-65c8d471c621" providerId="ADAL" clId="{E8D3279B-BE7F-DC4A-8AF1-4A9A7D6CF1FB}" dt="2020-12-15T13:56:32.161" v="196" actId="1076"/>
+          <ac:spMkLst>
+            <pc:docMk/>
+            <pc:sldMk cId="2433533531" sldId="342"/>
+            <ac:spMk id="2" creationId="{AA3A228F-61D0-D949-A5E7-F83756230BF8}"/>
+          </ac:spMkLst>
+        </pc:spChg>
+        <pc:spChg chg="mod">
+          <ac:chgData name="Long B Nguyen" userId="f59fb8f3-a021-417a-8bc1-65c8d471c621" providerId="ADAL" clId="{E8D3279B-BE7F-DC4A-8AF1-4A9A7D6CF1FB}" dt="2020-12-15T13:56:59.360" v="200" actId="207"/>
+          <ac:spMkLst>
+            <pc:docMk/>
+            <pc:sldMk cId="2433533531" sldId="342"/>
+            <ac:spMk id="9" creationId="{E3B2E017-30B2-884B-A113-B419A2ED51AD}"/>
+          </ac:spMkLst>
+        </pc:spChg>
+      </pc:sldChg>
+      <pc:sldChg chg="modSp mod">
+        <pc:chgData name="Long B Nguyen" userId="f59fb8f3-a021-417a-8bc1-65c8d471c621" providerId="ADAL" clId="{E8D3279B-BE7F-DC4A-8AF1-4A9A7D6CF1FB}" dt="2020-12-15T13:57:06.893" v="202" actId="14100"/>
+        <pc:sldMkLst>
+          <pc:docMk/>
+          <pc:sldMk cId="2916621840" sldId="343"/>
+        </pc:sldMkLst>
+        <pc:spChg chg="mod">
+          <ac:chgData name="Long B Nguyen" userId="f59fb8f3-a021-417a-8bc1-65c8d471c621" providerId="ADAL" clId="{E8D3279B-BE7F-DC4A-8AF1-4A9A7D6CF1FB}" dt="2020-12-15T13:57:03.870" v="201" actId="1076"/>
+          <ac:spMkLst>
+            <pc:docMk/>
+            <pc:sldMk cId="2916621840" sldId="343"/>
+            <ac:spMk id="2" creationId="{AA3A228F-61D0-D949-A5E7-F83756230BF8}"/>
+          </ac:spMkLst>
+        </pc:spChg>
+        <pc:spChg chg="mod">
+          <ac:chgData name="Long B Nguyen" userId="f59fb8f3-a021-417a-8bc1-65c8d471c621" providerId="ADAL" clId="{E8D3279B-BE7F-DC4A-8AF1-4A9A7D6CF1FB}" dt="2020-12-15T13:57:06.893" v="202" actId="14100"/>
+          <ac:spMkLst>
+            <pc:docMk/>
+            <pc:sldMk cId="2916621840" sldId="343"/>
+            <ac:spMk id="9" creationId="{E3B2E017-30B2-884B-A113-B419A2ED51AD}"/>
+          </ac:spMkLst>
+        </pc:spChg>
+      </pc:sldChg>
+      <pc:sldChg chg="modSp mod modAnim">
+        <pc:chgData name="Long B Nguyen" userId="f59fb8f3-a021-417a-8bc1-65c8d471c621" providerId="ADAL" clId="{E8D3279B-BE7F-DC4A-8AF1-4A9A7D6CF1FB}" dt="2020-12-15T14:22:59.674" v="436" actId="20577"/>
+        <pc:sldMkLst>
+          <pc:docMk/>
+          <pc:sldMk cId="422445672" sldId="344"/>
+        </pc:sldMkLst>
+        <pc:spChg chg="mod">
+          <ac:chgData name="Long B Nguyen" userId="f59fb8f3-a021-417a-8bc1-65c8d471c621" providerId="ADAL" clId="{E8D3279B-BE7F-DC4A-8AF1-4A9A7D6CF1FB}" dt="2020-12-15T14:22:01.996" v="368" actId="1076"/>
+          <ac:spMkLst>
+            <pc:docMk/>
+            <pc:sldMk cId="422445672" sldId="344"/>
+            <ac:spMk id="2" creationId="{AA3A228F-61D0-D949-A5E7-F83756230BF8}"/>
+          </ac:spMkLst>
+        </pc:spChg>
+        <pc:spChg chg="mod">
+          <ac:chgData name="Long B Nguyen" userId="f59fb8f3-a021-417a-8bc1-65c8d471c621" providerId="ADAL" clId="{E8D3279B-BE7F-DC4A-8AF1-4A9A7D6CF1FB}" dt="2020-12-15T14:22:59.674" v="436" actId="20577"/>
+          <ac:spMkLst>
+            <pc:docMk/>
+            <pc:sldMk cId="422445672" sldId="344"/>
+            <ac:spMk id="9" creationId="{E3B2E017-30B2-884B-A113-B419A2ED51AD}"/>
+          </ac:spMkLst>
+        </pc:spChg>
+      </pc:sldChg>
+      <pc:sldChg chg="modSp add mod modAnim">
+        <pc:chgData name="Long B Nguyen" userId="f59fb8f3-a021-417a-8bc1-65c8d471c621" providerId="ADAL" clId="{E8D3279B-BE7F-DC4A-8AF1-4A9A7D6CF1FB}" dt="2020-12-15T14:29:04.584" v="480"/>
+        <pc:sldMkLst>
+          <pc:docMk/>
+          <pc:sldMk cId="2355424310" sldId="345"/>
+        </pc:sldMkLst>
+        <pc:spChg chg="mod">
+          <ac:chgData name="Long B Nguyen" userId="f59fb8f3-a021-417a-8bc1-65c8d471c621" providerId="ADAL" clId="{E8D3279B-BE7F-DC4A-8AF1-4A9A7D6CF1FB}" dt="2020-12-15T14:03:40.528" v="367" actId="20577"/>
+          <ac:spMkLst>
+            <pc:docMk/>
+            <pc:sldMk cId="2355424310" sldId="345"/>
+            <ac:spMk id="2" creationId="{AA3A228F-61D0-D949-A5E7-F83756230BF8}"/>
+          </ac:spMkLst>
+        </pc:spChg>
+        <pc:spChg chg="mod">
+          <ac:chgData name="Long B Nguyen" userId="f59fb8f3-a021-417a-8bc1-65c8d471c621" providerId="ADAL" clId="{E8D3279B-BE7F-DC4A-8AF1-4A9A7D6CF1FB}" dt="2020-12-15T14:03:32.184" v="344" actId="20577"/>
+          <ac:spMkLst>
+            <pc:docMk/>
+            <pc:sldMk cId="2355424310" sldId="345"/>
+            <ac:spMk id="9" creationId="{E3B2E017-30B2-884B-A113-B419A2ED51AD}"/>
+          </ac:spMkLst>
+        </pc:spChg>
+      </pc:sldChg>
+      <pc:sldChg chg="modSp add mod">
+        <pc:chgData name="Long B Nguyen" userId="f59fb8f3-a021-417a-8bc1-65c8d471c621" providerId="ADAL" clId="{E8D3279B-BE7F-DC4A-8AF1-4A9A7D6CF1FB}" dt="2020-12-17T15:01:03.692" v="500" actId="20577"/>
+        <pc:sldMkLst>
+          <pc:docMk/>
+          <pc:sldMk cId="3549579413" sldId="346"/>
+        </pc:sldMkLst>
+        <pc:spChg chg="mod">
+          <ac:chgData name="Long B Nguyen" userId="f59fb8f3-a021-417a-8bc1-65c8d471c621" providerId="ADAL" clId="{E8D3279B-BE7F-DC4A-8AF1-4A9A7D6CF1FB}" dt="2020-12-17T15:01:03.692" v="500" actId="20577"/>
+          <ac:spMkLst>
+            <pc:docMk/>
+            <pc:sldMk cId="3549579413" sldId="346"/>
+            <ac:spMk id="2" creationId="{AA3A228F-61D0-D949-A5E7-F83756230BF8}"/>
+          </ac:spMkLst>
+        </pc:spChg>
+      </pc:sldChg>
     </pc:docChg>
   </pc:docChgLst>
   <pc:docChgLst>
@@ -1139,824 +2673,68 @@
     </pc:docChg>
   </pc:docChgLst>
   <pc:docChgLst>
-    <pc:chgData name="Long B Nguyen" userId="f59fb8f3-a021-417a-8bc1-65c8d471c621" providerId="ADAL" clId="{E8D3279B-BE7F-DC4A-8AF1-4A9A7D6CF1FB}"/>
-    <pc:docChg chg="undo custSel addSld delSld modSld">
-      <pc:chgData name="Long B Nguyen" userId="f59fb8f3-a021-417a-8bc1-65c8d471c621" providerId="ADAL" clId="{E8D3279B-BE7F-DC4A-8AF1-4A9A7D6CF1FB}" dt="2020-12-17T15:28:59.513" v="873" actId="20577"/>
+    <pc:chgData name="Long B Nguyen" userId="f59fb8f3-a021-417a-8bc1-65c8d471c621" providerId="ADAL" clId="{3CFC921F-BC08-3B47-84DC-833630E61C5F}"/>
+    <pc:docChg chg="modSld">
+      <pc:chgData name="Long B Nguyen" userId="f59fb8f3-a021-417a-8bc1-65c8d471c621" providerId="ADAL" clId="{3CFC921F-BC08-3B47-84DC-833630E61C5F}" dt="2023-11-06T12:56:41.932" v="50"/>
       <pc:docMkLst>
         <pc:docMk/>
       </pc:docMkLst>
       <pc:sldChg chg="modSp mod">
-        <pc:chgData name="Long B Nguyen" userId="f59fb8f3-a021-417a-8bc1-65c8d471c621" providerId="ADAL" clId="{E8D3279B-BE7F-DC4A-8AF1-4A9A7D6CF1FB}" dt="2020-12-15T13:44:57.088" v="2" actId="14100"/>
+        <pc:chgData name="Long B Nguyen" userId="f59fb8f3-a021-417a-8bc1-65c8d471c621" providerId="ADAL" clId="{3CFC921F-BC08-3B47-84DC-833630E61C5F}" dt="2023-11-06T12:51:00.355" v="20" actId="20577"/>
         <pc:sldMkLst>
           <pc:docMk/>
-          <pc:sldMk cId="278045358" sldId="257"/>
+          <pc:sldMk cId="1114720448" sldId="276"/>
         </pc:sldMkLst>
         <pc:spChg chg="mod">
-          <ac:chgData name="Long B Nguyen" userId="f59fb8f3-a021-417a-8bc1-65c8d471c621" providerId="ADAL" clId="{E8D3279B-BE7F-DC4A-8AF1-4A9A7D6CF1FB}" dt="2020-12-15T13:44:51.652" v="0" actId="1076"/>
+          <ac:chgData name="Long B Nguyen" userId="f59fb8f3-a021-417a-8bc1-65c8d471c621" providerId="ADAL" clId="{3CFC921F-BC08-3B47-84DC-833630E61C5F}" dt="2023-11-06T12:51:00.355" v="20" actId="20577"/>
           <ac:spMkLst>
             <pc:docMk/>
-            <pc:sldMk cId="278045358" sldId="257"/>
+            <pc:sldMk cId="1114720448" sldId="276"/>
             <ac:spMk id="2" creationId="{AA3A228F-61D0-D949-A5E7-F83756230BF8}"/>
           </ac:spMkLst>
         </pc:spChg>
-        <pc:spChg chg="mod">
-          <ac:chgData name="Long B Nguyen" userId="f59fb8f3-a021-417a-8bc1-65c8d471c621" providerId="ADAL" clId="{E8D3279B-BE7F-DC4A-8AF1-4A9A7D6CF1FB}" dt="2020-12-15T13:44:57.088" v="2" actId="14100"/>
+      </pc:sldChg>
+      <pc:sldChg chg="addSp modSp mod modAnim">
+        <pc:chgData name="Long B Nguyen" userId="f59fb8f3-a021-417a-8bc1-65c8d471c621" providerId="ADAL" clId="{3CFC921F-BC08-3B47-84DC-833630E61C5F}" dt="2023-11-06T12:56:41.932" v="50"/>
+        <pc:sldMkLst>
+          <pc:docMk/>
+          <pc:sldMk cId="4017324179" sldId="351"/>
+        </pc:sldMkLst>
+        <pc:spChg chg="add mod">
+          <ac:chgData name="Long B Nguyen" userId="f59fb8f3-a021-417a-8bc1-65c8d471c621" providerId="ADAL" clId="{3CFC921F-BC08-3B47-84DC-833630E61C5F}" dt="2023-11-06T12:55:00.591" v="39" actId="207"/>
           <ac:spMkLst>
             <pc:docMk/>
-            <pc:sldMk cId="278045358" sldId="257"/>
-            <ac:spMk id="9" creationId="{E3B2E017-30B2-884B-A113-B419A2ED51AD}"/>
+            <pc:sldMk cId="4017324179" sldId="351"/>
+            <ac:spMk id="5" creationId="{DD1EF413-5068-F5E8-9308-046A85292130}"/>
           </ac:spMkLst>
         </pc:spChg>
       </pc:sldChg>
       <pc:sldChg chg="modSp mod">
-        <pc:chgData name="Long B Nguyen" userId="f59fb8f3-a021-417a-8bc1-65c8d471c621" providerId="ADAL" clId="{E8D3279B-BE7F-DC4A-8AF1-4A9A7D6CF1FB}" dt="2020-12-15T14:26:34.606" v="469" actId="113"/>
+        <pc:chgData name="Long B Nguyen" userId="f59fb8f3-a021-417a-8bc1-65c8d471c621" providerId="ADAL" clId="{3CFC921F-BC08-3B47-84DC-833630E61C5F}" dt="2023-11-06T12:56:12.141" v="48" actId="20577"/>
         <pc:sldMkLst>
           <pc:docMk/>
-          <pc:sldMk cId="15889227" sldId="266"/>
+          <pc:sldMk cId="4281858866" sldId="352"/>
         </pc:sldMkLst>
         <pc:spChg chg="mod">
-          <ac:chgData name="Long B Nguyen" userId="f59fb8f3-a021-417a-8bc1-65c8d471c621" providerId="ADAL" clId="{E8D3279B-BE7F-DC4A-8AF1-4A9A7D6CF1FB}" dt="2020-12-15T14:26:21.529" v="466" actId="1076"/>
+          <ac:chgData name="Long B Nguyen" userId="f59fb8f3-a021-417a-8bc1-65c8d471c621" providerId="ADAL" clId="{3CFC921F-BC08-3B47-84DC-833630E61C5F}" dt="2023-11-06T12:56:12.141" v="48" actId="20577"/>
           <ac:spMkLst>
             <pc:docMk/>
-            <pc:sldMk cId="15889227" sldId="266"/>
+            <pc:sldMk cId="4281858866" sldId="352"/>
             <ac:spMk id="2" creationId="{AA3A228F-61D0-D949-A5E7-F83756230BF8}"/>
-          </ac:spMkLst>
-        </pc:spChg>
-        <pc:spChg chg="mod">
-          <ac:chgData name="Long B Nguyen" userId="f59fb8f3-a021-417a-8bc1-65c8d471c621" providerId="ADAL" clId="{E8D3279B-BE7F-DC4A-8AF1-4A9A7D6CF1FB}" dt="2020-12-15T14:26:34.606" v="469" actId="113"/>
-          <ac:spMkLst>
-            <pc:docMk/>
-            <pc:sldMk cId="15889227" sldId="266"/>
-            <ac:spMk id="9" creationId="{E3B2E017-30B2-884B-A113-B419A2ED51AD}"/>
-          </ac:spMkLst>
-        </pc:spChg>
-      </pc:sldChg>
-      <pc:sldChg chg="modSp mod">
-        <pc:chgData name="Long B Nguyen" userId="f59fb8f3-a021-417a-8bc1-65c8d471c621" providerId="ADAL" clId="{E8D3279B-BE7F-DC4A-8AF1-4A9A7D6CF1FB}" dt="2020-12-15T13:45:07.791" v="5" actId="14100"/>
-        <pc:sldMkLst>
-          <pc:docMk/>
-          <pc:sldMk cId="1313115290" sldId="287"/>
-        </pc:sldMkLst>
-        <pc:spChg chg="mod">
-          <ac:chgData name="Long B Nguyen" userId="f59fb8f3-a021-417a-8bc1-65c8d471c621" providerId="ADAL" clId="{E8D3279B-BE7F-DC4A-8AF1-4A9A7D6CF1FB}" dt="2020-12-15T13:45:02.564" v="3" actId="1076"/>
-          <ac:spMkLst>
-            <pc:docMk/>
-            <pc:sldMk cId="1313115290" sldId="287"/>
-            <ac:spMk id="2" creationId="{AA3A228F-61D0-D949-A5E7-F83756230BF8}"/>
-          </ac:spMkLst>
-        </pc:spChg>
-        <pc:spChg chg="mod">
-          <ac:chgData name="Long B Nguyen" userId="f59fb8f3-a021-417a-8bc1-65c8d471c621" providerId="ADAL" clId="{E8D3279B-BE7F-DC4A-8AF1-4A9A7D6CF1FB}" dt="2020-12-15T13:45:07.791" v="5" actId="14100"/>
-          <ac:spMkLst>
-            <pc:docMk/>
-            <pc:sldMk cId="1313115290" sldId="287"/>
-            <ac:spMk id="9" creationId="{E3B2E017-30B2-884B-A113-B419A2ED51AD}"/>
-          </ac:spMkLst>
-        </pc:spChg>
-      </pc:sldChg>
-      <pc:sldChg chg="modSp mod">
-        <pc:chgData name="Long B Nguyen" userId="f59fb8f3-a021-417a-8bc1-65c8d471c621" providerId="ADAL" clId="{E8D3279B-BE7F-DC4A-8AF1-4A9A7D6CF1FB}" dt="2020-12-15T14:26:12.693" v="465" actId="14100"/>
-        <pc:sldMkLst>
-          <pc:docMk/>
-          <pc:sldMk cId="1552642527" sldId="288"/>
-        </pc:sldMkLst>
-        <pc:spChg chg="mod">
-          <ac:chgData name="Long B Nguyen" userId="f59fb8f3-a021-417a-8bc1-65c8d471c621" providerId="ADAL" clId="{E8D3279B-BE7F-DC4A-8AF1-4A9A7D6CF1FB}" dt="2020-12-15T14:26:10.400" v="464" actId="1076"/>
-          <ac:spMkLst>
-            <pc:docMk/>
-            <pc:sldMk cId="1552642527" sldId="288"/>
-            <ac:spMk id="2" creationId="{AA3A228F-61D0-D949-A5E7-F83756230BF8}"/>
-          </ac:spMkLst>
-        </pc:spChg>
-        <pc:spChg chg="mod">
-          <ac:chgData name="Long B Nguyen" userId="f59fb8f3-a021-417a-8bc1-65c8d471c621" providerId="ADAL" clId="{E8D3279B-BE7F-DC4A-8AF1-4A9A7D6CF1FB}" dt="2020-12-15T14:26:12.693" v="465" actId="14100"/>
-          <ac:spMkLst>
-            <pc:docMk/>
-            <pc:sldMk cId="1552642527" sldId="288"/>
-            <ac:spMk id="9" creationId="{E3B2E017-30B2-884B-A113-B419A2ED51AD}"/>
-          </ac:spMkLst>
-        </pc:spChg>
-      </pc:sldChg>
-      <pc:sldChg chg="modSp mod">
-        <pc:chgData name="Long B Nguyen" userId="f59fb8f3-a021-417a-8bc1-65c8d471c621" providerId="ADAL" clId="{E8D3279B-BE7F-DC4A-8AF1-4A9A7D6CF1FB}" dt="2020-12-15T13:56:11.679" v="195" actId="207"/>
-        <pc:sldMkLst>
-          <pc:docMk/>
-          <pc:sldMk cId="2259044443" sldId="300"/>
-        </pc:sldMkLst>
-        <pc:spChg chg="mod">
-          <ac:chgData name="Long B Nguyen" userId="f59fb8f3-a021-417a-8bc1-65c8d471c621" providerId="ADAL" clId="{E8D3279B-BE7F-DC4A-8AF1-4A9A7D6CF1FB}" dt="2020-12-15T13:52:31.775" v="89" actId="1076"/>
-          <ac:spMkLst>
-            <pc:docMk/>
-            <pc:sldMk cId="2259044443" sldId="300"/>
-            <ac:spMk id="2" creationId="{AA3A228F-61D0-D949-A5E7-F83756230BF8}"/>
-          </ac:spMkLst>
-        </pc:spChg>
-        <pc:spChg chg="mod">
-          <ac:chgData name="Long B Nguyen" userId="f59fb8f3-a021-417a-8bc1-65c8d471c621" providerId="ADAL" clId="{E8D3279B-BE7F-DC4A-8AF1-4A9A7D6CF1FB}" dt="2020-12-15T13:56:11.679" v="195" actId="207"/>
-          <ac:spMkLst>
-            <pc:docMk/>
-            <pc:sldMk cId="2259044443" sldId="300"/>
-            <ac:spMk id="9" creationId="{E3B2E017-30B2-884B-A113-B419A2ED51AD}"/>
-          </ac:spMkLst>
-        </pc:spChg>
-        <pc:graphicFrameChg chg="modGraphic">
-          <ac:chgData name="Long B Nguyen" userId="f59fb8f3-a021-417a-8bc1-65c8d471c621" providerId="ADAL" clId="{E8D3279B-BE7F-DC4A-8AF1-4A9A7D6CF1FB}" dt="2020-12-15T13:55:42.434" v="143" actId="207"/>
-          <ac:graphicFrameMkLst>
-            <pc:docMk/>
-            <pc:sldMk cId="2259044443" sldId="300"/>
-            <ac:graphicFrameMk id="3" creationId="{57EBABBC-BF53-D54B-B535-A6EEF3CDBAF8}"/>
-          </ac:graphicFrameMkLst>
-        </pc:graphicFrameChg>
-      </pc:sldChg>
-      <pc:sldChg chg="modSp mod">
-        <pc:chgData name="Long B Nguyen" userId="f59fb8f3-a021-417a-8bc1-65c8d471c621" providerId="ADAL" clId="{E8D3279B-BE7F-DC4A-8AF1-4A9A7D6CF1FB}" dt="2020-12-15T13:51:37.284" v="88" actId="14100"/>
-        <pc:sldMkLst>
-          <pc:docMk/>
-          <pc:sldMk cId="2979282" sldId="306"/>
-        </pc:sldMkLst>
-        <pc:spChg chg="mod">
-          <ac:chgData name="Long B Nguyen" userId="f59fb8f3-a021-417a-8bc1-65c8d471c621" providerId="ADAL" clId="{E8D3279B-BE7F-DC4A-8AF1-4A9A7D6CF1FB}" dt="2020-12-15T13:51:31.146" v="86" actId="1076"/>
-          <ac:spMkLst>
-            <pc:docMk/>
-            <pc:sldMk cId="2979282" sldId="306"/>
-            <ac:spMk id="2" creationId="{AA3A228F-61D0-D949-A5E7-F83756230BF8}"/>
-          </ac:spMkLst>
-        </pc:spChg>
-        <pc:spChg chg="mod">
-          <ac:chgData name="Long B Nguyen" userId="f59fb8f3-a021-417a-8bc1-65c8d471c621" providerId="ADAL" clId="{E8D3279B-BE7F-DC4A-8AF1-4A9A7D6CF1FB}" dt="2020-12-15T13:51:37.284" v="88" actId="14100"/>
-          <ac:spMkLst>
-            <pc:docMk/>
-            <pc:sldMk cId="2979282" sldId="306"/>
-            <ac:spMk id="9" creationId="{E3B2E017-30B2-884B-A113-B419A2ED51AD}"/>
-          </ac:spMkLst>
-        </pc:spChg>
-      </pc:sldChg>
-      <pc:sldChg chg="modSp mod">
-        <pc:chgData name="Long B Nguyen" userId="f59fb8f3-a021-417a-8bc1-65c8d471c621" providerId="ADAL" clId="{E8D3279B-BE7F-DC4A-8AF1-4A9A7D6CF1FB}" dt="2020-12-15T13:47:23.539" v="18" actId="1076"/>
-        <pc:sldMkLst>
-          <pc:docMk/>
-          <pc:sldMk cId="2816034367" sldId="307"/>
-        </pc:sldMkLst>
-        <pc:spChg chg="mod">
-          <ac:chgData name="Long B Nguyen" userId="f59fb8f3-a021-417a-8bc1-65c8d471c621" providerId="ADAL" clId="{E8D3279B-BE7F-DC4A-8AF1-4A9A7D6CF1FB}" dt="2020-12-15T13:47:14.791" v="15" actId="1076"/>
-          <ac:spMkLst>
-            <pc:docMk/>
-            <pc:sldMk cId="2816034367" sldId="307"/>
-            <ac:spMk id="2" creationId="{AA3A228F-61D0-D949-A5E7-F83756230BF8}"/>
-          </ac:spMkLst>
-        </pc:spChg>
-        <pc:spChg chg="mod">
-          <ac:chgData name="Long B Nguyen" userId="f59fb8f3-a021-417a-8bc1-65c8d471c621" providerId="ADAL" clId="{E8D3279B-BE7F-DC4A-8AF1-4A9A7D6CF1FB}" dt="2020-12-15T13:47:20.988" v="17" actId="1076"/>
-          <ac:spMkLst>
-            <pc:docMk/>
-            <pc:sldMk cId="2816034367" sldId="307"/>
-            <ac:spMk id="4" creationId="{05D0FF44-ED85-F649-9E37-57AC59AB411C}"/>
-          </ac:spMkLst>
-        </pc:spChg>
-        <pc:spChg chg="mod">
-          <ac:chgData name="Long B Nguyen" userId="f59fb8f3-a021-417a-8bc1-65c8d471c621" providerId="ADAL" clId="{E8D3279B-BE7F-DC4A-8AF1-4A9A7D6CF1FB}" dt="2020-12-15T13:47:23.539" v="18" actId="1076"/>
-          <ac:spMkLst>
-            <pc:docMk/>
-            <pc:sldMk cId="2816034367" sldId="307"/>
-            <ac:spMk id="6" creationId="{3B49FF43-4D4F-704B-A9F1-A113EABE5440}"/>
-          </ac:spMkLst>
-        </pc:spChg>
-        <pc:spChg chg="mod">
-          <ac:chgData name="Long B Nguyen" userId="f59fb8f3-a021-417a-8bc1-65c8d471c621" providerId="ADAL" clId="{E8D3279B-BE7F-DC4A-8AF1-4A9A7D6CF1FB}" dt="2020-12-15T13:47:17.951" v="16" actId="14100"/>
-          <ac:spMkLst>
-            <pc:docMk/>
-            <pc:sldMk cId="2816034367" sldId="307"/>
-            <ac:spMk id="9" creationId="{E3B2E017-30B2-884B-A113-B419A2ED51AD}"/>
-          </ac:spMkLst>
-        </pc:spChg>
-      </pc:sldChg>
-      <pc:sldChg chg="modSp mod">
-        <pc:chgData name="Long B Nguyen" userId="f59fb8f3-a021-417a-8bc1-65c8d471c621" providerId="ADAL" clId="{E8D3279B-BE7F-DC4A-8AF1-4A9A7D6CF1FB}" dt="2020-12-15T13:45:37.661" v="8" actId="14100"/>
-        <pc:sldMkLst>
-          <pc:docMk/>
-          <pc:sldMk cId="3647198221" sldId="308"/>
-        </pc:sldMkLst>
-        <pc:spChg chg="mod">
-          <ac:chgData name="Long B Nguyen" userId="f59fb8f3-a021-417a-8bc1-65c8d471c621" providerId="ADAL" clId="{E8D3279B-BE7F-DC4A-8AF1-4A9A7D6CF1FB}" dt="2020-12-15T13:45:32.587" v="6" actId="1076"/>
-          <ac:spMkLst>
-            <pc:docMk/>
-            <pc:sldMk cId="3647198221" sldId="308"/>
-            <ac:spMk id="2" creationId="{AA3A228F-61D0-D949-A5E7-F83756230BF8}"/>
-          </ac:spMkLst>
-        </pc:spChg>
-        <pc:spChg chg="mod">
-          <ac:chgData name="Long B Nguyen" userId="f59fb8f3-a021-417a-8bc1-65c8d471c621" providerId="ADAL" clId="{E8D3279B-BE7F-DC4A-8AF1-4A9A7D6CF1FB}" dt="2020-12-15T13:45:37.661" v="8" actId="14100"/>
-          <ac:spMkLst>
-            <pc:docMk/>
-            <pc:sldMk cId="3647198221" sldId="308"/>
-            <ac:spMk id="9" creationId="{E3B2E017-30B2-884B-A113-B419A2ED51AD}"/>
-          </ac:spMkLst>
-        </pc:spChg>
-      </pc:sldChg>
-      <pc:sldChg chg="modSp mod">
-        <pc:chgData name="Long B Nguyen" userId="f59fb8f3-a021-417a-8bc1-65c8d471c621" providerId="ADAL" clId="{E8D3279B-BE7F-DC4A-8AF1-4A9A7D6CF1FB}" dt="2020-12-15T13:47:34.086" v="21" actId="14100"/>
-        <pc:sldMkLst>
-          <pc:docMk/>
-          <pc:sldMk cId="3130680389" sldId="309"/>
-        </pc:sldMkLst>
-        <pc:spChg chg="mod">
-          <ac:chgData name="Long B Nguyen" userId="f59fb8f3-a021-417a-8bc1-65c8d471c621" providerId="ADAL" clId="{E8D3279B-BE7F-DC4A-8AF1-4A9A7D6CF1FB}" dt="2020-12-15T13:47:28.902" v="19" actId="1076"/>
-          <ac:spMkLst>
-            <pc:docMk/>
-            <pc:sldMk cId="3130680389" sldId="309"/>
-            <ac:spMk id="2" creationId="{AA3A228F-61D0-D949-A5E7-F83756230BF8}"/>
-          </ac:spMkLst>
-        </pc:spChg>
-        <pc:spChg chg="mod">
-          <ac:chgData name="Long B Nguyen" userId="f59fb8f3-a021-417a-8bc1-65c8d471c621" providerId="ADAL" clId="{E8D3279B-BE7F-DC4A-8AF1-4A9A7D6CF1FB}" dt="2020-12-15T13:47:34.086" v="21" actId="14100"/>
-          <ac:spMkLst>
-            <pc:docMk/>
-            <pc:sldMk cId="3130680389" sldId="309"/>
-            <ac:spMk id="9" creationId="{E3B2E017-30B2-884B-A113-B419A2ED51AD}"/>
-          </ac:spMkLst>
-        </pc:spChg>
-      </pc:sldChg>
-      <pc:sldChg chg="modSp mod">
-        <pc:chgData name="Long B Nguyen" userId="f59fb8f3-a021-417a-8bc1-65c8d471c621" providerId="ADAL" clId="{E8D3279B-BE7F-DC4A-8AF1-4A9A7D6CF1FB}" dt="2020-12-15T13:51:25.355" v="85" actId="20577"/>
-        <pc:sldMkLst>
-          <pc:docMk/>
-          <pc:sldMk cId="3718152399" sldId="310"/>
-        </pc:sldMkLst>
-        <pc:spChg chg="mod">
-          <ac:chgData name="Long B Nguyen" userId="f59fb8f3-a021-417a-8bc1-65c8d471c621" providerId="ADAL" clId="{E8D3279B-BE7F-DC4A-8AF1-4A9A7D6CF1FB}" dt="2020-12-15T13:51:25.355" v="85" actId="20577"/>
-          <ac:spMkLst>
-            <pc:docMk/>
-            <pc:sldMk cId="3718152399" sldId="310"/>
-            <ac:spMk id="2" creationId="{AA3A228F-61D0-D949-A5E7-F83756230BF8}"/>
-          </ac:spMkLst>
-        </pc:spChg>
-        <pc:spChg chg="mod">
-          <ac:chgData name="Long B Nguyen" userId="f59fb8f3-a021-417a-8bc1-65c8d471c621" providerId="ADAL" clId="{E8D3279B-BE7F-DC4A-8AF1-4A9A7D6CF1FB}" dt="2020-12-15T13:51:05.783" v="66" actId="14100"/>
-          <ac:spMkLst>
-            <pc:docMk/>
-            <pc:sldMk cId="3718152399" sldId="310"/>
-            <ac:spMk id="9" creationId="{E3B2E017-30B2-884B-A113-B419A2ED51AD}"/>
-          </ac:spMkLst>
-        </pc:spChg>
-        <pc:picChg chg="mod">
-          <ac:chgData name="Long B Nguyen" userId="f59fb8f3-a021-417a-8bc1-65c8d471c621" providerId="ADAL" clId="{E8D3279B-BE7F-DC4A-8AF1-4A9A7D6CF1FB}" dt="2020-12-15T13:51:08.280" v="67" actId="1076"/>
-          <ac:picMkLst>
-            <pc:docMk/>
-            <pc:sldMk cId="3718152399" sldId="310"/>
-            <ac:picMk id="3" creationId="{01205C96-4873-E74D-9647-F792C437AC65}"/>
-          </ac:picMkLst>
-        </pc:picChg>
-      </pc:sldChg>
-      <pc:sldChg chg="modSp mod">
-        <pc:chgData name="Long B Nguyen" userId="f59fb8f3-a021-417a-8bc1-65c8d471c621" providerId="ADAL" clId="{E8D3279B-BE7F-DC4A-8AF1-4A9A7D6CF1FB}" dt="2020-12-15T14:24:48.846" v="458" actId="113"/>
-        <pc:sldMkLst>
-          <pc:docMk/>
-          <pc:sldMk cId="908349489" sldId="315"/>
-        </pc:sldMkLst>
-        <pc:spChg chg="mod">
-          <ac:chgData name="Long B Nguyen" userId="f59fb8f3-a021-417a-8bc1-65c8d471c621" providerId="ADAL" clId="{E8D3279B-BE7F-DC4A-8AF1-4A9A7D6CF1FB}" dt="2020-12-15T14:24:36.664" v="456" actId="1076"/>
-          <ac:spMkLst>
-            <pc:docMk/>
-            <pc:sldMk cId="908349489" sldId="315"/>
-            <ac:spMk id="2" creationId="{AA3A228F-61D0-D949-A5E7-F83756230BF8}"/>
-          </ac:spMkLst>
-        </pc:spChg>
-        <pc:spChg chg="mod">
-          <ac:chgData name="Long B Nguyen" userId="f59fb8f3-a021-417a-8bc1-65c8d471c621" providerId="ADAL" clId="{E8D3279B-BE7F-DC4A-8AF1-4A9A7D6CF1FB}" dt="2020-12-15T14:24:48.846" v="458" actId="113"/>
-          <ac:spMkLst>
-            <pc:docMk/>
-            <pc:sldMk cId="908349489" sldId="315"/>
-            <ac:spMk id="9" creationId="{E3B2E017-30B2-884B-A113-B419A2ED51AD}"/>
-          </ac:spMkLst>
-        </pc:spChg>
-      </pc:sldChg>
-      <pc:sldChg chg="add">
-        <pc:chgData name="Long B Nguyen" userId="f59fb8f3-a021-417a-8bc1-65c8d471c621" providerId="ADAL" clId="{E8D3279B-BE7F-DC4A-8AF1-4A9A7D6CF1FB}" dt="2020-12-15T14:30:24.294" v="487"/>
-        <pc:sldMkLst>
-          <pc:docMk/>
-          <pc:sldMk cId="1974827690" sldId="319"/>
-        </pc:sldMkLst>
-      </pc:sldChg>
-      <pc:sldChg chg="addSp delSp modSp del mod addAnim delAnim">
-        <pc:chgData name="Long B Nguyen" userId="f59fb8f3-a021-417a-8bc1-65c8d471c621" providerId="ADAL" clId="{E8D3279B-BE7F-DC4A-8AF1-4A9A7D6CF1FB}" dt="2020-12-15T14:30:14.913" v="486" actId="2696"/>
-        <pc:sldMkLst>
-          <pc:docMk/>
-          <pc:sldMk cId="1997478848" sldId="319"/>
-        </pc:sldMkLst>
-        <pc:spChg chg="mod">
-          <ac:chgData name="Long B Nguyen" userId="f59fb8f3-a021-417a-8bc1-65c8d471c621" providerId="ADAL" clId="{E8D3279B-BE7F-DC4A-8AF1-4A9A7D6CF1FB}" dt="2020-12-15T14:29:48.630" v="481" actId="1076"/>
-          <ac:spMkLst>
-            <pc:docMk/>
-            <pc:sldMk cId="1997478848" sldId="319"/>
-            <ac:spMk id="2" creationId="{AA3A228F-61D0-D949-A5E7-F83756230BF8}"/>
-          </ac:spMkLst>
-        </pc:spChg>
-        <pc:spChg chg="add del mod">
-          <ac:chgData name="Long B Nguyen" userId="f59fb8f3-a021-417a-8bc1-65c8d471c621" providerId="ADAL" clId="{E8D3279B-BE7F-DC4A-8AF1-4A9A7D6CF1FB}" dt="2020-12-15T14:30:12.714" v="485" actId="21"/>
-          <ac:spMkLst>
-            <pc:docMk/>
-            <pc:sldMk cId="1997478848" sldId="319"/>
-            <ac:spMk id="4" creationId="{28E28F37-D2A6-234D-B4A3-A7D5924FA88A}"/>
-          </ac:spMkLst>
-        </pc:spChg>
-        <pc:spChg chg="add del mod">
-          <ac:chgData name="Long B Nguyen" userId="f59fb8f3-a021-417a-8bc1-65c8d471c621" providerId="ADAL" clId="{E8D3279B-BE7F-DC4A-8AF1-4A9A7D6CF1FB}" dt="2020-12-15T14:30:12.714" v="485" actId="21"/>
-          <ac:spMkLst>
-            <pc:docMk/>
-            <pc:sldMk cId="1997478848" sldId="319"/>
-            <ac:spMk id="9" creationId="{E3B2E017-30B2-884B-A113-B419A2ED51AD}"/>
-          </ac:spMkLst>
-        </pc:spChg>
-      </pc:sldChg>
-      <pc:sldChg chg="modSp mod">
-        <pc:chgData name="Long B Nguyen" userId="f59fb8f3-a021-417a-8bc1-65c8d471c621" providerId="ADAL" clId="{E8D3279B-BE7F-DC4A-8AF1-4A9A7D6CF1FB}" dt="2020-12-15T14:23:26.866" v="438" actId="14100"/>
-        <pc:sldMkLst>
-          <pc:docMk/>
-          <pc:sldMk cId="2404797560" sldId="321"/>
-        </pc:sldMkLst>
-        <pc:spChg chg="mod">
-          <ac:chgData name="Long B Nguyen" userId="f59fb8f3-a021-417a-8bc1-65c8d471c621" providerId="ADAL" clId="{E8D3279B-BE7F-DC4A-8AF1-4A9A7D6CF1FB}" dt="2020-12-15T14:23:24.375" v="437" actId="1076"/>
-          <ac:spMkLst>
-            <pc:docMk/>
-            <pc:sldMk cId="2404797560" sldId="321"/>
-            <ac:spMk id="2" creationId="{AA3A228F-61D0-D949-A5E7-F83756230BF8}"/>
-          </ac:spMkLst>
-        </pc:spChg>
-        <pc:spChg chg="mod">
-          <ac:chgData name="Long B Nguyen" userId="f59fb8f3-a021-417a-8bc1-65c8d471c621" providerId="ADAL" clId="{E8D3279B-BE7F-DC4A-8AF1-4A9A7D6CF1FB}" dt="2020-12-15T14:23:26.866" v="438" actId="14100"/>
-          <ac:spMkLst>
-            <pc:docMk/>
-            <pc:sldMk cId="2404797560" sldId="321"/>
-            <ac:spMk id="9" creationId="{E3B2E017-30B2-884B-A113-B419A2ED51AD}"/>
-          </ac:spMkLst>
-        </pc:spChg>
-      </pc:sldChg>
-      <pc:sldChg chg="modSp mod">
-        <pc:chgData name="Long B Nguyen" userId="f59fb8f3-a021-417a-8bc1-65c8d471c621" providerId="ADAL" clId="{E8D3279B-BE7F-DC4A-8AF1-4A9A7D6CF1FB}" dt="2020-12-15T14:24:08.435" v="444" actId="20577"/>
-        <pc:sldMkLst>
-          <pc:docMk/>
-          <pc:sldMk cId="866882917" sldId="322"/>
-        </pc:sldMkLst>
-        <pc:spChg chg="mod">
-          <ac:chgData name="Long B Nguyen" userId="f59fb8f3-a021-417a-8bc1-65c8d471c621" providerId="ADAL" clId="{E8D3279B-BE7F-DC4A-8AF1-4A9A7D6CF1FB}" dt="2020-12-15T14:24:02.952" v="441" actId="1076"/>
-          <ac:spMkLst>
-            <pc:docMk/>
-            <pc:sldMk cId="866882917" sldId="322"/>
-            <ac:spMk id="2" creationId="{AA3A228F-61D0-D949-A5E7-F83756230BF8}"/>
-          </ac:spMkLst>
-        </pc:spChg>
-        <pc:spChg chg="mod">
-          <ac:chgData name="Long B Nguyen" userId="f59fb8f3-a021-417a-8bc1-65c8d471c621" providerId="ADAL" clId="{E8D3279B-BE7F-DC4A-8AF1-4A9A7D6CF1FB}" dt="2020-12-15T14:24:08.435" v="444" actId="20577"/>
-          <ac:spMkLst>
-            <pc:docMk/>
-            <pc:sldMk cId="866882917" sldId="322"/>
-            <ac:spMk id="9" creationId="{E3B2E017-30B2-884B-A113-B419A2ED51AD}"/>
-          </ac:spMkLst>
-        </pc:spChg>
-      </pc:sldChg>
-      <pc:sldChg chg="modSp mod modAnim">
-        <pc:chgData name="Long B Nguyen" userId="f59fb8f3-a021-417a-8bc1-65c8d471c621" providerId="ADAL" clId="{E8D3279B-BE7F-DC4A-8AF1-4A9A7D6CF1FB}" dt="2020-12-15T14:45:48.450" v="489" actId="20577"/>
-        <pc:sldMkLst>
-          <pc:docMk/>
-          <pc:sldMk cId="2224964763" sldId="326"/>
-        </pc:sldMkLst>
-        <pc:spChg chg="mod">
-          <ac:chgData name="Long B Nguyen" userId="f59fb8f3-a021-417a-8bc1-65c8d471c621" providerId="ADAL" clId="{E8D3279B-BE7F-DC4A-8AF1-4A9A7D6CF1FB}" dt="2020-12-15T13:46:12.118" v="12" actId="1076"/>
-          <ac:spMkLst>
-            <pc:docMk/>
-            <pc:sldMk cId="2224964763" sldId="326"/>
-            <ac:spMk id="2" creationId="{AA3A228F-61D0-D949-A5E7-F83756230BF8}"/>
-          </ac:spMkLst>
-        </pc:spChg>
-        <pc:spChg chg="mod">
-          <ac:chgData name="Long B Nguyen" userId="f59fb8f3-a021-417a-8bc1-65c8d471c621" providerId="ADAL" clId="{E8D3279B-BE7F-DC4A-8AF1-4A9A7D6CF1FB}" dt="2020-12-15T14:45:48.450" v="489" actId="20577"/>
-          <ac:spMkLst>
-            <pc:docMk/>
-            <pc:sldMk cId="2224964763" sldId="326"/>
-            <ac:spMk id="9" creationId="{E3B2E017-30B2-884B-A113-B419A2ED51AD}"/>
-          </ac:spMkLst>
-        </pc:spChg>
-      </pc:sldChg>
-      <pc:sldChg chg="modSp mod">
-        <pc:chgData name="Long B Nguyen" userId="f59fb8f3-a021-417a-8bc1-65c8d471c621" providerId="ADAL" clId="{E8D3279B-BE7F-DC4A-8AF1-4A9A7D6CF1FB}" dt="2020-12-15T13:46:03.867" v="11" actId="14100"/>
-        <pc:sldMkLst>
-          <pc:docMk/>
-          <pc:sldMk cId="725508398" sldId="327"/>
-        </pc:sldMkLst>
-        <pc:spChg chg="mod">
-          <ac:chgData name="Long B Nguyen" userId="f59fb8f3-a021-417a-8bc1-65c8d471c621" providerId="ADAL" clId="{E8D3279B-BE7F-DC4A-8AF1-4A9A7D6CF1FB}" dt="2020-12-15T13:45:58.228" v="9" actId="1076"/>
-          <ac:spMkLst>
-            <pc:docMk/>
-            <pc:sldMk cId="725508398" sldId="327"/>
-            <ac:spMk id="2" creationId="{AA3A228F-61D0-D949-A5E7-F83756230BF8}"/>
-          </ac:spMkLst>
-        </pc:spChg>
-        <pc:spChg chg="mod">
-          <ac:chgData name="Long B Nguyen" userId="f59fb8f3-a021-417a-8bc1-65c8d471c621" providerId="ADAL" clId="{E8D3279B-BE7F-DC4A-8AF1-4A9A7D6CF1FB}" dt="2020-12-15T13:46:03.867" v="11" actId="14100"/>
-          <ac:spMkLst>
-            <pc:docMk/>
-            <pc:sldMk cId="725508398" sldId="327"/>
-            <ac:spMk id="9" creationId="{E3B2E017-30B2-884B-A113-B419A2ED51AD}"/>
-          </ac:spMkLst>
-        </pc:spChg>
-      </pc:sldChg>
-      <pc:sldChg chg="modSp mod">
-        <pc:chgData name="Long B Nguyen" userId="f59fb8f3-a021-417a-8bc1-65c8d471c621" providerId="ADAL" clId="{E8D3279B-BE7F-DC4A-8AF1-4A9A7D6CF1FB}" dt="2020-12-15T14:24:24.463" v="455" actId="20577"/>
-        <pc:sldMkLst>
-          <pc:docMk/>
-          <pc:sldMk cId="1160750792" sldId="330"/>
-        </pc:sldMkLst>
-        <pc:spChg chg="mod">
-          <ac:chgData name="Long B Nguyen" userId="f59fb8f3-a021-417a-8bc1-65c8d471c621" providerId="ADAL" clId="{E8D3279B-BE7F-DC4A-8AF1-4A9A7D6CF1FB}" dt="2020-12-15T14:24:16.791" v="445" actId="1076"/>
-          <ac:spMkLst>
-            <pc:docMk/>
-            <pc:sldMk cId="1160750792" sldId="330"/>
-            <ac:spMk id="2" creationId="{AA3A228F-61D0-D949-A5E7-F83756230BF8}"/>
-          </ac:spMkLst>
-        </pc:spChg>
-        <pc:spChg chg="mod">
-          <ac:chgData name="Long B Nguyen" userId="f59fb8f3-a021-417a-8bc1-65c8d471c621" providerId="ADAL" clId="{E8D3279B-BE7F-DC4A-8AF1-4A9A7D6CF1FB}" dt="2020-12-15T14:24:24.463" v="455" actId="20577"/>
-          <ac:spMkLst>
-            <pc:docMk/>
-            <pc:sldMk cId="1160750792" sldId="330"/>
-            <ac:spMk id="9" creationId="{E3B2E017-30B2-884B-A113-B419A2ED51AD}"/>
-          </ac:spMkLst>
-        </pc:spChg>
-      </pc:sldChg>
-      <pc:sldChg chg="modSp mod">
-        <pc:chgData name="Long B Nguyen" userId="f59fb8f3-a021-417a-8bc1-65c8d471c621" providerId="ADAL" clId="{E8D3279B-BE7F-DC4A-8AF1-4A9A7D6CF1FB}" dt="2020-12-15T14:23:43.691" v="440" actId="14100"/>
-        <pc:sldMkLst>
-          <pc:docMk/>
-          <pc:sldMk cId="3377374440" sldId="333"/>
-        </pc:sldMkLst>
-        <pc:spChg chg="mod">
-          <ac:chgData name="Long B Nguyen" userId="f59fb8f3-a021-417a-8bc1-65c8d471c621" providerId="ADAL" clId="{E8D3279B-BE7F-DC4A-8AF1-4A9A7D6CF1FB}" dt="2020-12-15T14:23:41.466" v="439" actId="1076"/>
-          <ac:spMkLst>
-            <pc:docMk/>
-            <pc:sldMk cId="3377374440" sldId="333"/>
-            <ac:spMk id="2" creationId="{AA3A228F-61D0-D949-A5E7-F83756230BF8}"/>
-          </ac:spMkLst>
-        </pc:spChg>
-        <pc:spChg chg="mod">
-          <ac:chgData name="Long B Nguyen" userId="f59fb8f3-a021-417a-8bc1-65c8d471c621" providerId="ADAL" clId="{E8D3279B-BE7F-DC4A-8AF1-4A9A7D6CF1FB}" dt="2020-12-15T14:23:43.691" v="440" actId="14100"/>
-          <ac:spMkLst>
-            <pc:docMk/>
-            <pc:sldMk cId="3377374440" sldId="333"/>
-            <ac:spMk id="9" creationId="{E3B2E017-30B2-884B-A113-B419A2ED51AD}"/>
           </ac:spMkLst>
         </pc:spChg>
       </pc:sldChg>
       <pc:sldChg chg="modSp">
-        <pc:chgData name="Long B Nguyen" userId="f59fb8f3-a021-417a-8bc1-65c8d471c621" providerId="ADAL" clId="{E8D3279B-BE7F-DC4A-8AF1-4A9A7D6CF1FB}" dt="2020-12-15T14:26:00.044" v="463" actId="113"/>
+        <pc:chgData name="Long B Nguyen" userId="f59fb8f3-a021-417a-8bc1-65c8d471c621" providerId="ADAL" clId="{3CFC921F-BC08-3B47-84DC-833630E61C5F}" dt="2023-11-06T12:54:29.041" v="25" actId="20577"/>
         <pc:sldMkLst>
           <pc:docMk/>
-          <pc:sldMk cId="1297630579" sldId="334"/>
+          <pc:sldMk cId="2319331468" sldId="353"/>
         </pc:sldMkLst>
         <pc:spChg chg="mod">
-          <ac:chgData name="Long B Nguyen" userId="f59fb8f3-a021-417a-8bc1-65c8d471c621" providerId="ADAL" clId="{E8D3279B-BE7F-DC4A-8AF1-4A9A7D6CF1FB}" dt="2020-12-15T14:26:00.044" v="463" actId="113"/>
+          <ac:chgData name="Long B Nguyen" userId="f59fb8f3-a021-417a-8bc1-65c8d471c621" providerId="ADAL" clId="{3CFC921F-BC08-3B47-84DC-833630E61C5F}" dt="2023-11-06T12:54:29.041" v="25" actId="20577"/>
           <ac:spMkLst>
             <pc:docMk/>
-            <pc:sldMk cId="1297630579" sldId="334"/>
-            <ac:spMk id="9" creationId="{E3B2E017-30B2-884B-A113-B419A2ED51AD}"/>
-          </ac:spMkLst>
-        </pc:spChg>
-      </pc:sldChg>
-      <pc:sldChg chg="modSp mod">
-        <pc:chgData name="Long B Nguyen" userId="f59fb8f3-a021-417a-8bc1-65c8d471c621" providerId="ADAL" clId="{E8D3279B-BE7F-DC4A-8AF1-4A9A7D6CF1FB}" dt="2020-12-15T14:27:44.622" v="476" actId="14100"/>
-        <pc:sldMkLst>
-          <pc:docMk/>
-          <pc:sldMk cId="3679420171" sldId="335"/>
-        </pc:sldMkLst>
-        <pc:spChg chg="mod">
-          <ac:chgData name="Long B Nguyen" userId="f59fb8f3-a021-417a-8bc1-65c8d471c621" providerId="ADAL" clId="{E8D3279B-BE7F-DC4A-8AF1-4A9A7D6CF1FB}" dt="2020-12-15T14:27:41.470" v="475" actId="1076"/>
-          <ac:spMkLst>
-            <pc:docMk/>
-            <pc:sldMk cId="3679420171" sldId="335"/>
-            <ac:spMk id="2" creationId="{AA3A228F-61D0-D949-A5E7-F83756230BF8}"/>
-          </ac:spMkLst>
-        </pc:spChg>
-        <pc:spChg chg="mod">
-          <ac:chgData name="Long B Nguyen" userId="f59fb8f3-a021-417a-8bc1-65c8d471c621" providerId="ADAL" clId="{E8D3279B-BE7F-DC4A-8AF1-4A9A7D6CF1FB}" dt="2020-12-15T14:27:44.622" v="476" actId="14100"/>
-          <ac:spMkLst>
-            <pc:docMk/>
-            <pc:sldMk cId="3679420171" sldId="335"/>
-            <ac:spMk id="9" creationId="{E3B2E017-30B2-884B-A113-B419A2ED51AD}"/>
-          </ac:spMkLst>
-        </pc:spChg>
-      </pc:sldChg>
-      <pc:sldChg chg="modSp mod">
-        <pc:chgData name="Long B Nguyen" userId="f59fb8f3-a021-417a-8bc1-65c8d471c621" providerId="ADAL" clId="{E8D3279B-BE7F-DC4A-8AF1-4A9A7D6CF1FB}" dt="2020-12-15T13:50:36.745" v="64" actId="1076"/>
-        <pc:sldMkLst>
-          <pc:docMk/>
-          <pc:sldMk cId="4200601291" sldId="336"/>
-        </pc:sldMkLst>
-        <pc:spChg chg="mod">
-          <ac:chgData name="Long B Nguyen" userId="f59fb8f3-a021-417a-8bc1-65c8d471c621" providerId="ADAL" clId="{E8D3279B-BE7F-DC4A-8AF1-4A9A7D6CF1FB}" dt="2020-12-15T13:50:11.555" v="59" actId="1076"/>
-          <ac:spMkLst>
-            <pc:docMk/>
-            <pc:sldMk cId="4200601291" sldId="336"/>
-            <ac:spMk id="2" creationId="{AA3A228F-61D0-D949-A5E7-F83756230BF8}"/>
-          </ac:spMkLst>
-        </pc:spChg>
-        <pc:spChg chg="mod">
-          <ac:chgData name="Long B Nguyen" userId="f59fb8f3-a021-417a-8bc1-65c8d471c621" providerId="ADAL" clId="{E8D3279B-BE7F-DC4A-8AF1-4A9A7D6CF1FB}" dt="2020-12-15T13:50:25.078" v="61" actId="1076"/>
-          <ac:spMkLst>
-            <pc:docMk/>
-            <pc:sldMk cId="4200601291" sldId="336"/>
-            <ac:spMk id="4" creationId="{42731CB2-C74B-2442-916C-3C51C2CD9B58}"/>
-          </ac:spMkLst>
-        </pc:spChg>
-        <pc:spChg chg="mod">
-          <ac:chgData name="Long B Nguyen" userId="f59fb8f3-a021-417a-8bc1-65c8d471c621" providerId="ADAL" clId="{E8D3279B-BE7F-DC4A-8AF1-4A9A7D6CF1FB}" dt="2020-12-15T13:50:28.934" v="62" actId="1076"/>
-          <ac:spMkLst>
-            <pc:docMk/>
-            <pc:sldMk cId="4200601291" sldId="336"/>
-            <ac:spMk id="6" creationId="{15EA9413-4DF1-674A-A4A8-6163F4F1D022}"/>
-          </ac:spMkLst>
-        </pc:spChg>
-        <pc:spChg chg="mod">
-          <ac:chgData name="Long B Nguyen" userId="f59fb8f3-a021-417a-8bc1-65c8d471c621" providerId="ADAL" clId="{E8D3279B-BE7F-DC4A-8AF1-4A9A7D6CF1FB}" dt="2020-12-15T13:50:32.952" v="63" actId="1076"/>
-          <ac:spMkLst>
-            <pc:docMk/>
-            <pc:sldMk cId="4200601291" sldId="336"/>
-            <ac:spMk id="7" creationId="{3A370C33-776E-B041-9FF0-69E39873A4A4}"/>
-          </ac:spMkLst>
-        </pc:spChg>
-        <pc:spChg chg="mod">
-          <ac:chgData name="Long B Nguyen" userId="f59fb8f3-a021-417a-8bc1-65c8d471c621" providerId="ADAL" clId="{E8D3279B-BE7F-DC4A-8AF1-4A9A7D6CF1FB}" dt="2020-12-15T13:50:36.745" v="64" actId="1076"/>
-          <ac:spMkLst>
-            <pc:docMk/>
-            <pc:sldMk cId="4200601291" sldId="336"/>
-            <ac:spMk id="8" creationId="{3C29331E-90C2-3A40-8F47-70CC36C0A6F5}"/>
-          </ac:spMkLst>
-        </pc:spChg>
-        <pc:spChg chg="mod">
-          <ac:chgData name="Long B Nguyen" userId="f59fb8f3-a021-417a-8bc1-65c8d471c621" providerId="ADAL" clId="{E8D3279B-BE7F-DC4A-8AF1-4A9A7D6CF1FB}" dt="2020-12-15T13:50:14.890" v="60" actId="14100"/>
-          <ac:spMkLst>
-            <pc:docMk/>
-            <pc:sldMk cId="4200601291" sldId="336"/>
-            <ac:spMk id="9" creationId="{E3B2E017-30B2-884B-A113-B419A2ED51AD}"/>
-          </ac:spMkLst>
-        </pc:spChg>
-      </pc:sldChg>
-      <pc:sldChg chg="modSp mod">
-        <pc:chgData name="Long B Nguyen" userId="f59fb8f3-a021-417a-8bc1-65c8d471c621" providerId="ADAL" clId="{E8D3279B-BE7F-DC4A-8AF1-4A9A7D6CF1FB}" dt="2020-12-15T14:24:56.429" v="460" actId="14100"/>
-        <pc:sldMkLst>
-          <pc:docMk/>
-          <pc:sldMk cId="3893998552" sldId="337"/>
-        </pc:sldMkLst>
-        <pc:spChg chg="mod">
-          <ac:chgData name="Long B Nguyen" userId="f59fb8f3-a021-417a-8bc1-65c8d471c621" providerId="ADAL" clId="{E8D3279B-BE7F-DC4A-8AF1-4A9A7D6CF1FB}" dt="2020-12-15T14:24:54.362" v="459" actId="1076"/>
-          <ac:spMkLst>
-            <pc:docMk/>
-            <pc:sldMk cId="3893998552" sldId="337"/>
-            <ac:spMk id="2" creationId="{AA3A228F-61D0-D949-A5E7-F83756230BF8}"/>
-          </ac:spMkLst>
-        </pc:spChg>
-        <pc:spChg chg="mod">
-          <ac:chgData name="Long B Nguyen" userId="f59fb8f3-a021-417a-8bc1-65c8d471c621" providerId="ADAL" clId="{E8D3279B-BE7F-DC4A-8AF1-4A9A7D6CF1FB}" dt="2020-12-15T14:24:56.429" v="460" actId="14100"/>
-          <ac:spMkLst>
-            <pc:docMk/>
-            <pc:sldMk cId="3893998552" sldId="337"/>
-            <ac:spMk id="9" creationId="{E3B2E017-30B2-884B-A113-B419A2ED51AD}"/>
-          </ac:spMkLst>
-        </pc:spChg>
-      </pc:sldChg>
-      <pc:sldChg chg="modSp mod">
-        <pc:chgData name="Long B Nguyen" userId="f59fb8f3-a021-417a-8bc1-65c8d471c621" providerId="ADAL" clId="{E8D3279B-BE7F-DC4A-8AF1-4A9A7D6CF1FB}" dt="2020-12-15T14:25:17.392" v="462" actId="14100"/>
-        <pc:sldMkLst>
-          <pc:docMk/>
-          <pc:sldMk cId="1222806230" sldId="338"/>
-        </pc:sldMkLst>
-        <pc:spChg chg="mod">
-          <ac:chgData name="Long B Nguyen" userId="f59fb8f3-a021-417a-8bc1-65c8d471c621" providerId="ADAL" clId="{E8D3279B-BE7F-DC4A-8AF1-4A9A7D6CF1FB}" dt="2020-12-15T14:25:14.822" v="461" actId="1076"/>
-          <ac:spMkLst>
-            <pc:docMk/>
-            <pc:sldMk cId="1222806230" sldId="338"/>
-            <ac:spMk id="2" creationId="{AA3A228F-61D0-D949-A5E7-F83756230BF8}"/>
-          </ac:spMkLst>
-        </pc:spChg>
-        <pc:spChg chg="mod">
-          <ac:chgData name="Long B Nguyen" userId="f59fb8f3-a021-417a-8bc1-65c8d471c621" providerId="ADAL" clId="{E8D3279B-BE7F-DC4A-8AF1-4A9A7D6CF1FB}" dt="2020-12-15T14:25:17.392" v="462" actId="14100"/>
-          <ac:spMkLst>
-            <pc:docMk/>
-            <pc:sldMk cId="1222806230" sldId="338"/>
-            <ac:spMk id="9" creationId="{E3B2E017-30B2-884B-A113-B419A2ED51AD}"/>
-          </ac:spMkLst>
-        </pc:spChg>
-      </pc:sldChg>
-      <pc:sldChg chg="modSp mod">
-        <pc:chgData name="Long B Nguyen" userId="f59fb8f3-a021-417a-8bc1-65c8d471c621" providerId="ADAL" clId="{E8D3279B-BE7F-DC4A-8AF1-4A9A7D6CF1FB}" dt="2020-12-15T14:27:02.742" v="472" actId="1076"/>
-        <pc:sldMkLst>
-          <pc:docMk/>
-          <pc:sldMk cId="2049074062" sldId="339"/>
-        </pc:sldMkLst>
-        <pc:spChg chg="mod">
-          <ac:chgData name="Long B Nguyen" userId="f59fb8f3-a021-417a-8bc1-65c8d471c621" providerId="ADAL" clId="{E8D3279B-BE7F-DC4A-8AF1-4A9A7D6CF1FB}" dt="2020-12-15T14:26:50.731" v="470" actId="1076"/>
-          <ac:spMkLst>
-            <pc:docMk/>
-            <pc:sldMk cId="2049074062" sldId="339"/>
-            <ac:spMk id="2" creationId="{AA3A228F-61D0-D949-A5E7-F83756230BF8}"/>
-          </ac:spMkLst>
-        </pc:spChg>
-        <pc:spChg chg="mod">
-          <ac:chgData name="Long B Nguyen" userId="f59fb8f3-a021-417a-8bc1-65c8d471c621" providerId="ADAL" clId="{E8D3279B-BE7F-DC4A-8AF1-4A9A7D6CF1FB}" dt="2020-12-15T14:27:02.742" v="472" actId="1076"/>
-          <ac:spMkLst>
-            <pc:docMk/>
-            <pc:sldMk cId="2049074062" sldId="339"/>
-            <ac:spMk id="3" creationId="{CEA124DC-F312-EC4E-8F44-AE7209FAD9D2}"/>
-          </ac:spMkLst>
-        </pc:spChg>
-        <pc:spChg chg="mod">
-          <ac:chgData name="Long B Nguyen" userId="f59fb8f3-a021-417a-8bc1-65c8d471c621" providerId="ADAL" clId="{E8D3279B-BE7F-DC4A-8AF1-4A9A7D6CF1FB}" dt="2020-12-15T14:26:53.429" v="471" actId="14100"/>
-          <ac:spMkLst>
-            <pc:docMk/>
-            <pc:sldMk cId="2049074062" sldId="339"/>
-            <ac:spMk id="9" creationId="{E3B2E017-30B2-884B-A113-B419A2ED51AD}"/>
-          </ac:spMkLst>
-        </pc:spChg>
-      </pc:sldChg>
-      <pc:sldChg chg="modSp mod">
-        <pc:chgData name="Long B Nguyen" userId="f59fb8f3-a021-417a-8bc1-65c8d471c621" providerId="ADAL" clId="{E8D3279B-BE7F-DC4A-8AF1-4A9A7D6CF1FB}" dt="2020-12-16T15:24:43.192" v="497" actId="20577"/>
-        <pc:sldMkLst>
-          <pc:docMk/>
-          <pc:sldMk cId="3520320687" sldId="340"/>
-        </pc:sldMkLst>
-        <pc:spChg chg="mod">
-          <ac:chgData name="Long B Nguyen" userId="f59fb8f3-a021-417a-8bc1-65c8d471c621" providerId="ADAL" clId="{E8D3279B-BE7F-DC4A-8AF1-4A9A7D6CF1FB}" dt="2020-12-15T14:27:12.631" v="473" actId="1076"/>
-          <ac:spMkLst>
-            <pc:docMk/>
-            <pc:sldMk cId="3520320687" sldId="340"/>
-            <ac:spMk id="2" creationId="{AA3A228F-61D0-D949-A5E7-F83756230BF8}"/>
-          </ac:spMkLst>
-        </pc:spChg>
-        <pc:spChg chg="mod">
-          <ac:chgData name="Long B Nguyen" userId="f59fb8f3-a021-417a-8bc1-65c8d471c621" providerId="ADAL" clId="{E8D3279B-BE7F-DC4A-8AF1-4A9A7D6CF1FB}" dt="2020-12-16T15:24:43.192" v="497" actId="20577"/>
-          <ac:spMkLst>
-            <pc:docMk/>
-            <pc:sldMk cId="3520320687" sldId="340"/>
-            <ac:spMk id="9" creationId="{E3B2E017-30B2-884B-A113-B419A2ED51AD}"/>
-          </ac:spMkLst>
-        </pc:spChg>
-      </pc:sldChg>
-      <pc:sldChg chg="modSp mod">
-        <pc:chgData name="Long B Nguyen" userId="f59fb8f3-a021-417a-8bc1-65c8d471c621" providerId="ADAL" clId="{E8D3279B-BE7F-DC4A-8AF1-4A9A7D6CF1FB}" dt="2020-12-17T15:28:59.513" v="873" actId="20577"/>
-        <pc:sldMkLst>
-          <pc:docMk/>
-          <pc:sldMk cId="2050208201" sldId="341"/>
-        </pc:sldMkLst>
-        <pc:spChg chg="mod">
-          <ac:chgData name="Long B Nguyen" userId="f59fb8f3-a021-417a-8bc1-65c8d471c621" providerId="ADAL" clId="{E8D3279B-BE7F-DC4A-8AF1-4A9A7D6CF1FB}" dt="2020-12-17T15:01:07.043" v="502" actId="20577"/>
-          <ac:spMkLst>
-            <pc:docMk/>
-            <pc:sldMk cId="2050208201" sldId="341"/>
-            <ac:spMk id="2" creationId="{AA3A228F-61D0-D949-A5E7-F83756230BF8}"/>
-          </ac:spMkLst>
-        </pc:spChg>
-        <pc:spChg chg="mod">
-          <ac:chgData name="Long B Nguyen" userId="f59fb8f3-a021-417a-8bc1-65c8d471c621" providerId="ADAL" clId="{E8D3279B-BE7F-DC4A-8AF1-4A9A7D6CF1FB}" dt="2020-12-17T15:28:59.513" v="873" actId="20577"/>
-          <ac:spMkLst>
-            <pc:docMk/>
-            <pc:sldMk cId="2050208201" sldId="341"/>
-            <ac:spMk id="9" creationId="{E3B2E017-30B2-884B-A113-B419A2ED51AD}"/>
-          </ac:spMkLst>
-        </pc:spChg>
-      </pc:sldChg>
-      <pc:sldChg chg="modSp mod modAnim">
-        <pc:chgData name="Long B Nguyen" userId="f59fb8f3-a021-417a-8bc1-65c8d471c621" providerId="ADAL" clId="{E8D3279B-BE7F-DC4A-8AF1-4A9A7D6CF1FB}" dt="2020-12-15T13:56:59.360" v="200" actId="207"/>
-        <pc:sldMkLst>
-          <pc:docMk/>
-          <pc:sldMk cId="2433533531" sldId="342"/>
-        </pc:sldMkLst>
-        <pc:spChg chg="mod">
-          <ac:chgData name="Long B Nguyen" userId="f59fb8f3-a021-417a-8bc1-65c8d471c621" providerId="ADAL" clId="{E8D3279B-BE7F-DC4A-8AF1-4A9A7D6CF1FB}" dt="2020-12-15T13:56:32.161" v="196" actId="1076"/>
-          <ac:spMkLst>
-            <pc:docMk/>
-            <pc:sldMk cId="2433533531" sldId="342"/>
-            <ac:spMk id="2" creationId="{AA3A228F-61D0-D949-A5E7-F83756230BF8}"/>
-          </ac:spMkLst>
-        </pc:spChg>
-        <pc:spChg chg="mod">
-          <ac:chgData name="Long B Nguyen" userId="f59fb8f3-a021-417a-8bc1-65c8d471c621" providerId="ADAL" clId="{E8D3279B-BE7F-DC4A-8AF1-4A9A7D6CF1FB}" dt="2020-12-15T13:56:59.360" v="200" actId="207"/>
-          <ac:spMkLst>
-            <pc:docMk/>
-            <pc:sldMk cId="2433533531" sldId="342"/>
-            <ac:spMk id="9" creationId="{E3B2E017-30B2-884B-A113-B419A2ED51AD}"/>
-          </ac:spMkLst>
-        </pc:spChg>
-      </pc:sldChg>
-      <pc:sldChg chg="modSp mod">
-        <pc:chgData name="Long B Nguyen" userId="f59fb8f3-a021-417a-8bc1-65c8d471c621" providerId="ADAL" clId="{E8D3279B-BE7F-DC4A-8AF1-4A9A7D6CF1FB}" dt="2020-12-15T13:57:06.893" v="202" actId="14100"/>
-        <pc:sldMkLst>
-          <pc:docMk/>
-          <pc:sldMk cId="2916621840" sldId="343"/>
-        </pc:sldMkLst>
-        <pc:spChg chg="mod">
-          <ac:chgData name="Long B Nguyen" userId="f59fb8f3-a021-417a-8bc1-65c8d471c621" providerId="ADAL" clId="{E8D3279B-BE7F-DC4A-8AF1-4A9A7D6CF1FB}" dt="2020-12-15T13:57:03.870" v="201" actId="1076"/>
-          <ac:spMkLst>
-            <pc:docMk/>
-            <pc:sldMk cId="2916621840" sldId="343"/>
-            <ac:spMk id="2" creationId="{AA3A228F-61D0-D949-A5E7-F83756230BF8}"/>
-          </ac:spMkLst>
-        </pc:spChg>
-        <pc:spChg chg="mod">
-          <ac:chgData name="Long B Nguyen" userId="f59fb8f3-a021-417a-8bc1-65c8d471c621" providerId="ADAL" clId="{E8D3279B-BE7F-DC4A-8AF1-4A9A7D6CF1FB}" dt="2020-12-15T13:57:06.893" v="202" actId="14100"/>
-          <ac:spMkLst>
-            <pc:docMk/>
-            <pc:sldMk cId="2916621840" sldId="343"/>
-            <ac:spMk id="9" creationId="{E3B2E017-30B2-884B-A113-B419A2ED51AD}"/>
-          </ac:spMkLst>
-        </pc:spChg>
-      </pc:sldChg>
-      <pc:sldChg chg="modSp mod modAnim">
-        <pc:chgData name="Long B Nguyen" userId="f59fb8f3-a021-417a-8bc1-65c8d471c621" providerId="ADAL" clId="{E8D3279B-BE7F-DC4A-8AF1-4A9A7D6CF1FB}" dt="2020-12-15T14:22:59.674" v="436" actId="20577"/>
-        <pc:sldMkLst>
-          <pc:docMk/>
-          <pc:sldMk cId="422445672" sldId="344"/>
-        </pc:sldMkLst>
-        <pc:spChg chg="mod">
-          <ac:chgData name="Long B Nguyen" userId="f59fb8f3-a021-417a-8bc1-65c8d471c621" providerId="ADAL" clId="{E8D3279B-BE7F-DC4A-8AF1-4A9A7D6CF1FB}" dt="2020-12-15T14:22:01.996" v="368" actId="1076"/>
-          <ac:spMkLst>
-            <pc:docMk/>
-            <pc:sldMk cId="422445672" sldId="344"/>
-            <ac:spMk id="2" creationId="{AA3A228F-61D0-D949-A5E7-F83756230BF8}"/>
-          </ac:spMkLst>
-        </pc:spChg>
-        <pc:spChg chg="mod">
-          <ac:chgData name="Long B Nguyen" userId="f59fb8f3-a021-417a-8bc1-65c8d471c621" providerId="ADAL" clId="{E8D3279B-BE7F-DC4A-8AF1-4A9A7D6CF1FB}" dt="2020-12-15T14:22:59.674" v="436" actId="20577"/>
-          <ac:spMkLst>
-            <pc:docMk/>
-            <pc:sldMk cId="422445672" sldId="344"/>
-            <ac:spMk id="9" creationId="{E3B2E017-30B2-884B-A113-B419A2ED51AD}"/>
-          </ac:spMkLst>
-        </pc:spChg>
-      </pc:sldChg>
-      <pc:sldChg chg="modSp add mod modAnim">
-        <pc:chgData name="Long B Nguyen" userId="f59fb8f3-a021-417a-8bc1-65c8d471c621" providerId="ADAL" clId="{E8D3279B-BE7F-DC4A-8AF1-4A9A7D6CF1FB}" dt="2020-12-15T14:29:04.584" v="480"/>
-        <pc:sldMkLst>
-          <pc:docMk/>
-          <pc:sldMk cId="2355424310" sldId="345"/>
-        </pc:sldMkLst>
-        <pc:spChg chg="mod">
-          <ac:chgData name="Long B Nguyen" userId="f59fb8f3-a021-417a-8bc1-65c8d471c621" providerId="ADAL" clId="{E8D3279B-BE7F-DC4A-8AF1-4A9A7D6CF1FB}" dt="2020-12-15T14:03:40.528" v="367" actId="20577"/>
-          <ac:spMkLst>
-            <pc:docMk/>
-            <pc:sldMk cId="2355424310" sldId="345"/>
-            <ac:spMk id="2" creationId="{AA3A228F-61D0-D949-A5E7-F83756230BF8}"/>
-          </ac:spMkLst>
-        </pc:spChg>
-        <pc:spChg chg="mod">
-          <ac:chgData name="Long B Nguyen" userId="f59fb8f3-a021-417a-8bc1-65c8d471c621" providerId="ADAL" clId="{E8D3279B-BE7F-DC4A-8AF1-4A9A7D6CF1FB}" dt="2020-12-15T14:03:32.184" v="344" actId="20577"/>
-          <ac:spMkLst>
-            <pc:docMk/>
-            <pc:sldMk cId="2355424310" sldId="345"/>
-            <ac:spMk id="9" creationId="{E3B2E017-30B2-884B-A113-B419A2ED51AD}"/>
-          </ac:spMkLst>
-        </pc:spChg>
-      </pc:sldChg>
-      <pc:sldChg chg="modSp add mod">
-        <pc:chgData name="Long B Nguyen" userId="f59fb8f3-a021-417a-8bc1-65c8d471c621" providerId="ADAL" clId="{E8D3279B-BE7F-DC4A-8AF1-4A9A7D6CF1FB}" dt="2020-12-17T15:01:03.692" v="500" actId="20577"/>
-        <pc:sldMkLst>
-          <pc:docMk/>
-          <pc:sldMk cId="3549579413" sldId="346"/>
-        </pc:sldMkLst>
-        <pc:spChg chg="mod">
-          <ac:chgData name="Long B Nguyen" userId="f59fb8f3-a021-417a-8bc1-65c8d471c621" providerId="ADAL" clId="{E8D3279B-BE7F-DC4A-8AF1-4A9A7D6CF1FB}" dt="2020-12-17T15:01:03.692" v="500" actId="20577"/>
-          <ac:spMkLst>
-            <pc:docMk/>
-            <pc:sldMk cId="3549579413" sldId="346"/>
-            <ac:spMk id="2" creationId="{AA3A228F-61D0-D949-A5E7-F83756230BF8}"/>
-          </ac:spMkLst>
-        </pc:spChg>
-      </pc:sldChg>
-    </pc:docChg>
-  </pc:docChgLst>
-  <pc:docChgLst>
-    <pc:chgData name="Long B Nguyen" userId="f59fb8f3-a021-417a-8bc1-65c8d471c621" providerId="ADAL" clId="{C2DBDEAB-F9E9-2A4E-837A-14AD33E68FC8}"/>
-    <pc:docChg chg="addSld modSld">
-      <pc:chgData name="Long B Nguyen" userId="f59fb8f3-a021-417a-8bc1-65c8d471c621" providerId="ADAL" clId="{C2DBDEAB-F9E9-2A4E-837A-14AD33E68FC8}" dt="2021-01-05T13:50:39.900" v="26" actId="20577"/>
-      <pc:docMkLst>
-        <pc:docMk/>
-      </pc:docMkLst>
-      <pc:sldChg chg="modSp add mod">
-        <pc:chgData name="Long B Nguyen" userId="f59fb8f3-a021-417a-8bc1-65c8d471c621" providerId="ADAL" clId="{C2DBDEAB-F9E9-2A4E-837A-14AD33E68FC8}" dt="2021-01-05T13:50:39.900" v="26" actId="20577"/>
-        <pc:sldMkLst>
-          <pc:docMk/>
-          <pc:sldMk cId="291122115" sldId="352"/>
-        </pc:sldMkLst>
-        <pc:spChg chg="mod">
-          <ac:chgData name="Long B Nguyen" userId="f59fb8f3-a021-417a-8bc1-65c8d471c621" providerId="ADAL" clId="{C2DBDEAB-F9E9-2A4E-837A-14AD33E68FC8}" dt="2021-01-05T13:50:26.486" v="1" actId="1076"/>
-          <ac:spMkLst>
-            <pc:docMk/>
-            <pc:sldMk cId="291122115" sldId="352"/>
-            <ac:spMk id="2" creationId="{AA3A228F-61D0-D949-A5E7-F83756230BF8}"/>
-          </ac:spMkLst>
-        </pc:spChg>
-        <pc:spChg chg="mod">
-          <ac:chgData name="Long B Nguyen" userId="f59fb8f3-a021-417a-8bc1-65c8d471c621" providerId="ADAL" clId="{C2DBDEAB-F9E9-2A4E-837A-14AD33E68FC8}" dt="2021-01-05T13:50:39.900" v="26" actId="20577"/>
-          <ac:spMkLst>
-            <pc:docMk/>
-            <pc:sldMk cId="291122115" sldId="352"/>
+            <pc:sldMk cId="2319331468" sldId="353"/>
             <ac:spMk id="9" creationId="{E3B2E017-30B2-884B-A113-B419A2ED51AD}"/>
           </ac:spMkLst>
         </pc:spChg>
@@ -1964,103 +2742,12 @@
     </pc:docChg>
   </pc:docChgLst>
   <pc:docChgLst>
-    <pc:chgData name="Long B Nguyen" userId="f59fb8f3-a021-417a-8bc1-65c8d471c621" providerId="ADAL" clId="{4D565438-72D8-7342-B7D9-79686A2899D7}"/>
-    <pc:docChg chg="addSld delSld modSld">
-      <pc:chgData name="Long B Nguyen" userId="f59fb8f3-a021-417a-8bc1-65c8d471c621" providerId="ADAL" clId="{4D565438-72D8-7342-B7D9-79686A2899D7}" dt="2021-06-05T15:24:20.423" v="390"/>
+    <pc:chgData name="Long B Nguyen" userId="f59fb8f3-a021-417a-8bc1-65c8d471c621" providerId="ADAL" clId="{02F9CDFD-8058-E747-90F1-869B904FA8AE}"/>
+    <pc:docChg chg="delSld">
+      <pc:chgData name="Long B Nguyen" userId="f59fb8f3-a021-417a-8bc1-65c8d471c621" providerId="ADAL" clId="{02F9CDFD-8058-E747-90F1-869B904FA8AE}" dt="2019-10-06T14:42:51.433" v="0" actId="2696"/>
       <pc:docMkLst>
         <pc:docMk/>
       </pc:docMkLst>
-      <pc:sldChg chg="modSp mod">
-        <pc:chgData name="Long B Nguyen" userId="f59fb8f3-a021-417a-8bc1-65c8d471c621" providerId="ADAL" clId="{4D565438-72D8-7342-B7D9-79686A2899D7}" dt="2021-06-05T03:51:14.693" v="19" actId="20577"/>
-        <pc:sldMkLst>
-          <pc:docMk/>
-          <pc:sldMk cId="4247104139" sldId="256"/>
-        </pc:sldMkLst>
-        <pc:spChg chg="mod">
-          <ac:chgData name="Long B Nguyen" userId="f59fb8f3-a021-417a-8bc1-65c8d471c621" providerId="ADAL" clId="{4D565438-72D8-7342-B7D9-79686A2899D7}" dt="2021-06-05T03:51:14.693" v="19" actId="20577"/>
-          <ac:spMkLst>
-            <pc:docMk/>
-            <pc:sldMk cId="4247104139" sldId="256"/>
-            <ac:spMk id="3" creationId="{1BDC47C8-6776-7B44-9CD4-95FC91452D62}"/>
-          </ac:spMkLst>
-        </pc:spChg>
-      </pc:sldChg>
-      <pc:sldChg chg="modSp mod">
-        <pc:chgData name="Long B Nguyen" userId="f59fb8f3-a021-417a-8bc1-65c8d471c621" providerId="ADAL" clId="{4D565438-72D8-7342-B7D9-79686A2899D7}" dt="2021-06-05T03:52:52.775" v="192" actId="20577"/>
-        <pc:sldMkLst>
-          <pc:docMk/>
-          <pc:sldMk cId="131840209" sldId="286"/>
-        </pc:sldMkLst>
-        <pc:spChg chg="mod">
-          <ac:chgData name="Long B Nguyen" userId="f59fb8f3-a021-417a-8bc1-65c8d471c621" providerId="ADAL" clId="{4D565438-72D8-7342-B7D9-79686A2899D7}" dt="2021-06-05T03:52:52.775" v="192" actId="20577"/>
-          <ac:spMkLst>
-            <pc:docMk/>
-            <pc:sldMk cId="131840209" sldId="286"/>
-            <ac:spMk id="9" creationId="{E3B2E017-30B2-884B-A113-B419A2ED51AD}"/>
-          </ac:spMkLst>
-        </pc:spChg>
-      </pc:sldChg>
-      <pc:sldChg chg="modSp mod">
-        <pc:chgData name="Long B Nguyen" userId="f59fb8f3-a021-417a-8bc1-65c8d471c621" providerId="ADAL" clId="{4D565438-72D8-7342-B7D9-79686A2899D7}" dt="2021-06-05T15:24:20.423" v="390"/>
-        <pc:sldMkLst>
-          <pc:docMk/>
-          <pc:sldMk cId="2259044443" sldId="300"/>
-        </pc:sldMkLst>
-        <pc:graphicFrameChg chg="mod modGraphic">
-          <ac:chgData name="Long B Nguyen" userId="f59fb8f3-a021-417a-8bc1-65c8d471c621" providerId="ADAL" clId="{4D565438-72D8-7342-B7D9-79686A2899D7}" dt="2021-06-05T15:24:20.423" v="390"/>
-          <ac:graphicFrameMkLst>
-            <pc:docMk/>
-            <pc:sldMk cId="2259044443" sldId="300"/>
-            <ac:graphicFrameMk id="3" creationId="{57EBABBC-BF53-D54B-B535-A6EEF3CDBAF8}"/>
-          </ac:graphicFrameMkLst>
-        </pc:graphicFrameChg>
-      </pc:sldChg>
-      <pc:sldChg chg="modSp add mod modAnim">
-        <pc:chgData name="Long B Nguyen" userId="f59fb8f3-a021-417a-8bc1-65c8d471c621" providerId="ADAL" clId="{4D565438-72D8-7342-B7D9-79686A2899D7}" dt="2021-06-05T15:21:33.001" v="379" actId="207"/>
-        <pc:sldMkLst>
-          <pc:docMk/>
-          <pc:sldMk cId="2211977495" sldId="337"/>
-        </pc:sldMkLst>
-        <pc:spChg chg="mod">
-          <ac:chgData name="Long B Nguyen" userId="f59fb8f3-a021-417a-8bc1-65c8d471c621" providerId="ADAL" clId="{4D565438-72D8-7342-B7D9-79686A2899D7}" dt="2021-06-05T15:19:26.350" v="195" actId="1076"/>
-          <ac:spMkLst>
-            <pc:docMk/>
-            <pc:sldMk cId="2211977495" sldId="337"/>
-            <ac:spMk id="2" creationId="{AA3A228F-61D0-D949-A5E7-F83756230BF8}"/>
-          </ac:spMkLst>
-        </pc:spChg>
-        <pc:spChg chg="mod">
-          <ac:chgData name="Long B Nguyen" userId="f59fb8f3-a021-417a-8bc1-65c8d471c621" providerId="ADAL" clId="{4D565438-72D8-7342-B7D9-79686A2899D7}" dt="2021-06-05T15:21:33.001" v="379" actId="207"/>
-          <ac:spMkLst>
-            <pc:docMk/>
-            <pc:sldMk cId="2211977495" sldId="337"/>
-            <ac:spMk id="9" creationId="{E3B2E017-30B2-884B-A113-B419A2ED51AD}"/>
-          </ac:spMkLst>
-        </pc:spChg>
-      </pc:sldChg>
-      <pc:sldChg chg="modSp add del mod">
-        <pc:chgData name="Long B Nguyen" userId="f59fb8f3-a021-417a-8bc1-65c8d471c621" providerId="ADAL" clId="{4D565438-72D8-7342-B7D9-79686A2899D7}" dt="2021-06-05T15:22:30.914" v="381" actId="2696"/>
-        <pc:sldMkLst>
-          <pc:docMk/>
-          <pc:sldMk cId="2945958577" sldId="338"/>
-        </pc:sldMkLst>
-        <pc:spChg chg="mod">
-          <ac:chgData name="Long B Nguyen" userId="f59fb8f3-a021-417a-8bc1-65c8d471c621" providerId="ADAL" clId="{4D565438-72D8-7342-B7D9-79686A2899D7}" dt="2021-06-05T15:21:44.133" v="380" actId="1076"/>
-          <ac:spMkLst>
-            <pc:docMk/>
-            <pc:sldMk cId="2945958577" sldId="338"/>
-            <ac:spMk id="2" creationId="{AA3A228F-61D0-D949-A5E7-F83756230BF8}"/>
-          </ac:spMkLst>
-        </pc:spChg>
-        <pc:spChg chg="mod">
-          <ac:chgData name="Long B Nguyen" userId="f59fb8f3-a021-417a-8bc1-65c8d471c621" providerId="ADAL" clId="{4D565438-72D8-7342-B7D9-79686A2899D7}" dt="2021-06-05T15:19:16.249" v="194" actId="1076"/>
-          <ac:spMkLst>
-            <pc:docMk/>
-            <pc:sldMk cId="2945958577" sldId="338"/>
-            <ac:spMk id="9" creationId="{E3B2E017-30B2-884B-A113-B419A2ED51AD}"/>
-          </ac:spMkLst>
-        </pc:spChg>
-      </pc:sldChg>
     </pc:docChg>
   </pc:docChgLst>
   <pc:docChgLst>
@@ -2266,649 +2953,31 @@
     </pc:docChg>
   </pc:docChgLst>
   <pc:docChgLst>
-    <pc:chgData name="Long B Nguyen" userId="f59fb8f3-a021-417a-8bc1-65c8d471c621" providerId="ADAL" clId="{7279A8A5-2AEE-8349-A56F-AA85D50C2543}"/>
-    <pc:docChg chg="undo custSel addSld delSld modSld">
-      <pc:chgData name="Long B Nguyen" userId="f59fb8f3-a021-417a-8bc1-65c8d471c621" providerId="ADAL" clId="{7279A8A5-2AEE-8349-A56F-AA85D50C2543}" dt="2021-06-05T03:47:47.906" v="3276" actId="20577"/>
+    <pc:chgData name="Long B Nguyen" userId="f59fb8f3-a021-417a-8bc1-65c8d471c621" providerId="ADAL" clId="{C2DBDEAB-F9E9-2A4E-837A-14AD33E68FC8}"/>
+    <pc:docChg chg="addSld modSld">
+      <pc:chgData name="Long B Nguyen" userId="f59fb8f3-a021-417a-8bc1-65c8d471c621" providerId="ADAL" clId="{C2DBDEAB-F9E9-2A4E-837A-14AD33E68FC8}" dt="2021-01-05T13:50:39.900" v="26" actId="20577"/>
       <pc:docMkLst>
         <pc:docMk/>
       </pc:docMkLst>
-      <pc:sldChg chg="modSp mod modAnim">
-        <pc:chgData name="Long B Nguyen" userId="f59fb8f3-a021-417a-8bc1-65c8d471c621" providerId="ADAL" clId="{7279A8A5-2AEE-8349-A56F-AA85D50C2543}" dt="2021-06-04T17:50:45.874" v="93" actId="20577"/>
+      <pc:sldChg chg="modSp add mod">
+        <pc:chgData name="Long B Nguyen" userId="f59fb8f3-a021-417a-8bc1-65c8d471c621" providerId="ADAL" clId="{C2DBDEAB-F9E9-2A4E-837A-14AD33E68FC8}" dt="2021-01-05T13:50:39.900" v="26" actId="20577"/>
         <pc:sldMkLst>
           <pc:docMk/>
-          <pc:sldMk cId="278045358" sldId="257"/>
+          <pc:sldMk cId="291122115" sldId="352"/>
         </pc:sldMkLst>
         <pc:spChg chg="mod">
-          <ac:chgData name="Long B Nguyen" userId="f59fb8f3-a021-417a-8bc1-65c8d471c621" providerId="ADAL" clId="{7279A8A5-2AEE-8349-A56F-AA85D50C2543}" dt="2021-06-04T17:50:45.874" v="93" actId="20577"/>
+          <ac:chgData name="Long B Nguyen" userId="f59fb8f3-a021-417a-8bc1-65c8d471c621" providerId="ADAL" clId="{C2DBDEAB-F9E9-2A4E-837A-14AD33E68FC8}" dt="2021-01-05T13:50:26.486" v="1" actId="1076"/>
           <ac:spMkLst>
             <pc:docMk/>
-            <pc:sldMk cId="278045358" sldId="257"/>
-            <ac:spMk id="9" creationId="{E3B2E017-30B2-884B-A113-B419A2ED51AD}"/>
-          </ac:spMkLst>
-        </pc:spChg>
-      </pc:sldChg>
-      <pc:sldChg chg="del">
-        <pc:chgData name="Long B Nguyen" userId="f59fb8f3-a021-417a-8bc1-65c8d471c621" providerId="ADAL" clId="{7279A8A5-2AEE-8349-A56F-AA85D50C2543}" dt="2021-06-04T17:53:53.345" v="101" actId="2696"/>
-        <pc:sldMkLst>
-          <pc:docMk/>
-          <pc:sldMk cId="15889227" sldId="266"/>
-        </pc:sldMkLst>
-      </pc:sldChg>
-      <pc:sldChg chg="modSp modAnim">
-        <pc:chgData name="Long B Nguyen" userId="f59fb8f3-a021-417a-8bc1-65c8d471c621" providerId="ADAL" clId="{7279A8A5-2AEE-8349-A56F-AA85D50C2543}" dt="2021-06-04T18:04:10.026" v="184" actId="20577"/>
-        <pc:sldMkLst>
-          <pc:docMk/>
-          <pc:sldMk cId="1313115290" sldId="287"/>
-        </pc:sldMkLst>
-        <pc:spChg chg="mod">
-          <ac:chgData name="Long B Nguyen" userId="f59fb8f3-a021-417a-8bc1-65c8d471c621" providerId="ADAL" clId="{7279A8A5-2AEE-8349-A56F-AA85D50C2543}" dt="2021-06-04T18:04:10.026" v="184" actId="20577"/>
-          <ac:spMkLst>
-            <pc:docMk/>
-            <pc:sldMk cId="1313115290" sldId="287"/>
-            <ac:spMk id="9" creationId="{E3B2E017-30B2-884B-A113-B419A2ED51AD}"/>
-          </ac:spMkLst>
-        </pc:spChg>
-      </pc:sldChg>
-      <pc:sldChg chg="del">
-        <pc:chgData name="Long B Nguyen" userId="f59fb8f3-a021-417a-8bc1-65c8d471c621" providerId="ADAL" clId="{7279A8A5-2AEE-8349-A56F-AA85D50C2543}" dt="2021-06-04T18:13:43.940" v="518" actId="2696"/>
-        <pc:sldMkLst>
-          <pc:docMk/>
-          <pc:sldMk cId="1552642527" sldId="288"/>
-        </pc:sldMkLst>
-      </pc:sldChg>
-      <pc:sldChg chg="modSp mod">
-        <pc:chgData name="Long B Nguyen" userId="f59fb8f3-a021-417a-8bc1-65c8d471c621" providerId="ADAL" clId="{7279A8A5-2AEE-8349-A56F-AA85D50C2543}" dt="2021-06-05T03:16:05.949" v="1646" actId="1076"/>
-        <pc:sldMkLst>
-          <pc:docMk/>
-          <pc:sldMk cId="2259044443" sldId="300"/>
-        </pc:sldMkLst>
-        <pc:spChg chg="mod">
-          <ac:chgData name="Long B Nguyen" userId="f59fb8f3-a021-417a-8bc1-65c8d471c621" providerId="ADAL" clId="{7279A8A5-2AEE-8349-A56F-AA85D50C2543}" dt="2021-06-04T17:51:51.671" v="97" actId="1076"/>
-          <ac:spMkLst>
-            <pc:docMk/>
-            <pc:sldMk cId="2259044443" sldId="300"/>
+            <pc:sldMk cId="291122115" sldId="352"/>
             <ac:spMk id="2" creationId="{AA3A228F-61D0-D949-A5E7-F83756230BF8}"/>
           </ac:spMkLst>
         </pc:spChg>
         <pc:spChg chg="mod">
-          <ac:chgData name="Long B Nguyen" userId="f59fb8f3-a021-417a-8bc1-65c8d471c621" providerId="ADAL" clId="{7279A8A5-2AEE-8349-A56F-AA85D50C2543}" dt="2021-06-05T03:16:01.263" v="1645" actId="20577"/>
+          <ac:chgData name="Long B Nguyen" userId="f59fb8f3-a021-417a-8bc1-65c8d471c621" providerId="ADAL" clId="{C2DBDEAB-F9E9-2A4E-837A-14AD33E68FC8}" dt="2021-01-05T13:50:39.900" v="26" actId="20577"/>
           <ac:spMkLst>
             <pc:docMk/>
-            <pc:sldMk cId="2259044443" sldId="300"/>
-            <ac:spMk id="9" creationId="{E3B2E017-30B2-884B-A113-B419A2ED51AD}"/>
-          </ac:spMkLst>
-        </pc:spChg>
-        <pc:graphicFrameChg chg="mod modGraphic">
-          <ac:chgData name="Long B Nguyen" userId="f59fb8f3-a021-417a-8bc1-65c8d471c621" providerId="ADAL" clId="{7279A8A5-2AEE-8349-A56F-AA85D50C2543}" dt="2021-06-05T03:16:05.949" v="1646" actId="1076"/>
-          <ac:graphicFrameMkLst>
-            <pc:docMk/>
-            <pc:sldMk cId="2259044443" sldId="300"/>
-            <ac:graphicFrameMk id="3" creationId="{57EBABBC-BF53-D54B-B535-A6EEF3CDBAF8}"/>
-          </ac:graphicFrameMkLst>
-        </pc:graphicFrameChg>
-      </pc:sldChg>
-      <pc:sldChg chg="modSp del">
-        <pc:chgData name="Long B Nguyen" userId="f59fb8f3-a021-417a-8bc1-65c8d471c621" providerId="ADAL" clId="{7279A8A5-2AEE-8349-A56F-AA85D50C2543}" dt="2021-06-04T18:14:27.293" v="521" actId="2696"/>
-        <pc:sldMkLst>
-          <pc:docMk/>
-          <pc:sldMk cId="2979282" sldId="306"/>
-        </pc:sldMkLst>
-        <pc:spChg chg="mod">
-          <ac:chgData name="Long B Nguyen" userId="f59fb8f3-a021-417a-8bc1-65c8d471c621" providerId="ADAL" clId="{7279A8A5-2AEE-8349-A56F-AA85D50C2543}" dt="2021-06-04T18:13:05.152" v="517" actId="20577"/>
-          <ac:spMkLst>
-            <pc:docMk/>
-            <pc:sldMk cId="2979282" sldId="306"/>
-            <ac:spMk id="9" creationId="{E3B2E017-30B2-884B-A113-B419A2ED51AD}"/>
-          </ac:spMkLst>
-        </pc:spChg>
-      </pc:sldChg>
-      <pc:sldChg chg="del">
-        <pc:chgData name="Long B Nguyen" userId="f59fb8f3-a021-417a-8bc1-65c8d471c621" providerId="ADAL" clId="{7279A8A5-2AEE-8349-A56F-AA85D50C2543}" dt="2021-06-04T17:51:35.092" v="95" actId="2696"/>
-        <pc:sldMkLst>
-          <pc:docMk/>
-          <pc:sldMk cId="2816034367" sldId="307"/>
-        </pc:sldMkLst>
-      </pc:sldChg>
-      <pc:sldChg chg="modSp mod modAnim">
-        <pc:chgData name="Long B Nguyen" userId="f59fb8f3-a021-417a-8bc1-65c8d471c621" providerId="ADAL" clId="{7279A8A5-2AEE-8349-A56F-AA85D50C2543}" dt="2021-06-04T18:05:35.124" v="276" actId="1076"/>
-        <pc:sldMkLst>
-          <pc:docMk/>
-          <pc:sldMk cId="3647198221" sldId="308"/>
-        </pc:sldMkLst>
-        <pc:spChg chg="mod">
-          <ac:chgData name="Long B Nguyen" userId="f59fb8f3-a021-417a-8bc1-65c8d471c621" providerId="ADAL" clId="{7279A8A5-2AEE-8349-A56F-AA85D50C2543}" dt="2021-06-04T18:05:32.857" v="275" actId="20577"/>
-          <ac:spMkLst>
-            <pc:docMk/>
-            <pc:sldMk cId="3647198221" sldId="308"/>
-            <ac:spMk id="9" creationId="{E3B2E017-30B2-884B-A113-B419A2ED51AD}"/>
-          </ac:spMkLst>
-        </pc:spChg>
-        <pc:picChg chg="mod">
-          <ac:chgData name="Long B Nguyen" userId="f59fb8f3-a021-417a-8bc1-65c8d471c621" providerId="ADAL" clId="{7279A8A5-2AEE-8349-A56F-AA85D50C2543}" dt="2021-06-04T18:05:35.124" v="276" actId="1076"/>
-          <ac:picMkLst>
-            <pc:docMk/>
-            <pc:sldMk cId="3647198221" sldId="308"/>
-            <ac:picMk id="5" creationId="{E0FFF880-C4B5-8F48-BCDD-3A8604715F1F}"/>
-          </ac:picMkLst>
-        </pc:picChg>
-      </pc:sldChg>
-      <pc:sldChg chg="del">
-        <pc:chgData name="Long B Nguyen" userId="f59fb8f3-a021-417a-8bc1-65c8d471c621" providerId="ADAL" clId="{7279A8A5-2AEE-8349-A56F-AA85D50C2543}" dt="2021-06-04T17:51:35.092" v="95" actId="2696"/>
-        <pc:sldMkLst>
-          <pc:docMk/>
-          <pc:sldMk cId="3130680389" sldId="309"/>
-        </pc:sldMkLst>
-      </pc:sldChg>
-      <pc:sldChg chg="modSp mod modAnim">
-        <pc:chgData name="Long B Nguyen" userId="f59fb8f3-a021-417a-8bc1-65c8d471c621" providerId="ADAL" clId="{7279A8A5-2AEE-8349-A56F-AA85D50C2543}" dt="2021-06-04T23:50:36.165" v="559" actId="20577"/>
-        <pc:sldMkLst>
-          <pc:docMk/>
-          <pc:sldMk cId="3718152399" sldId="310"/>
-        </pc:sldMkLst>
-        <pc:spChg chg="mod">
-          <ac:chgData name="Long B Nguyen" userId="f59fb8f3-a021-417a-8bc1-65c8d471c621" providerId="ADAL" clId="{7279A8A5-2AEE-8349-A56F-AA85D50C2543}" dt="2021-06-04T23:50:36.165" v="559" actId="20577"/>
-          <ac:spMkLst>
-            <pc:docMk/>
-            <pc:sldMk cId="3718152399" sldId="310"/>
-            <ac:spMk id="9" creationId="{E3B2E017-30B2-884B-A113-B419A2ED51AD}"/>
-          </ac:spMkLst>
-        </pc:spChg>
-        <pc:picChg chg="mod">
-          <ac:chgData name="Long B Nguyen" userId="f59fb8f3-a021-417a-8bc1-65c8d471c621" providerId="ADAL" clId="{7279A8A5-2AEE-8349-A56F-AA85D50C2543}" dt="2021-06-04T18:08:58.720" v="421" actId="1076"/>
-          <ac:picMkLst>
-            <pc:docMk/>
-            <pc:sldMk cId="3718152399" sldId="310"/>
-            <ac:picMk id="3" creationId="{01205C96-4873-E74D-9647-F792C437AC65}"/>
-          </ac:picMkLst>
-        </pc:picChg>
-      </pc:sldChg>
-      <pc:sldChg chg="del">
-        <pc:chgData name="Long B Nguyen" userId="f59fb8f3-a021-417a-8bc1-65c8d471c621" providerId="ADAL" clId="{7279A8A5-2AEE-8349-A56F-AA85D50C2543}" dt="2021-06-04T18:12:01.510" v="515" actId="2696"/>
-        <pc:sldMkLst>
-          <pc:docMk/>
-          <pc:sldMk cId="908349489" sldId="315"/>
-        </pc:sldMkLst>
-      </pc:sldChg>
-      <pc:sldChg chg="modSp del mod">
-        <pc:chgData name="Long B Nguyen" userId="f59fb8f3-a021-417a-8bc1-65c8d471c621" providerId="ADAL" clId="{7279A8A5-2AEE-8349-A56F-AA85D50C2543}" dt="2021-06-04T18:13:53.196" v="519" actId="2696"/>
-        <pc:sldMkLst>
-          <pc:docMk/>
-          <pc:sldMk cId="1974827690" sldId="319"/>
-        </pc:sldMkLst>
-        <pc:spChg chg="mod">
-          <ac:chgData name="Long B Nguyen" userId="f59fb8f3-a021-417a-8bc1-65c8d471c621" providerId="ADAL" clId="{7279A8A5-2AEE-8349-A56F-AA85D50C2543}" dt="2021-06-04T18:12:43.353" v="516" actId="14100"/>
-          <ac:spMkLst>
-            <pc:docMk/>
-            <pc:sldMk cId="1974827690" sldId="319"/>
-            <ac:spMk id="9" creationId="{E3B2E017-30B2-884B-A113-B419A2ED51AD}"/>
-          </ac:spMkLst>
-        </pc:spChg>
-      </pc:sldChg>
-      <pc:sldChg chg="del">
-        <pc:chgData name="Long B Nguyen" userId="f59fb8f3-a021-417a-8bc1-65c8d471c621" providerId="ADAL" clId="{7279A8A5-2AEE-8349-A56F-AA85D50C2543}" dt="2021-06-04T17:52:33.195" v="100" actId="2696"/>
-        <pc:sldMkLst>
-          <pc:docMk/>
-          <pc:sldMk cId="2404797560" sldId="321"/>
-        </pc:sldMkLst>
-      </pc:sldChg>
-      <pc:sldChg chg="del">
-        <pc:chgData name="Long B Nguyen" userId="f59fb8f3-a021-417a-8bc1-65c8d471c621" providerId="ADAL" clId="{7279A8A5-2AEE-8349-A56F-AA85D50C2543}" dt="2021-06-04T17:52:33.195" v="100" actId="2696"/>
-        <pc:sldMkLst>
-          <pc:docMk/>
-          <pc:sldMk cId="866882917" sldId="322"/>
-        </pc:sldMkLst>
-      </pc:sldChg>
-      <pc:sldChg chg="del">
-        <pc:chgData name="Long B Nguyen" userId="f59fb8f3-a021-417a-8bc1-65c8d471c621" providerId="ADAL" clId="{7279A8A5-2AEE-8349-A56F-AA85D50C2543}" dt="2021-06-04T18:13:43.940" v="518" actId="2696"/>
-        <pc:sldMkLst>
-          <pc:docMk/>
-          <pc:sldMk cId="3883735123" sldId="324"/>
-        </pc:sldMkLst>
-      </pc:sldChg>
-      <pc:sldChg chg="del">
-        <pc:chgData name="Long B Nguyen" userId="f59fb8f3-a021-417a-8bc1-65c8d471c621" providerId="ADAL" clId="{7279A8A5-2AEE-8349-A56F-AA85D50C2543}" dt="2021-06-04T18:13:43.940" v="518" actId="2696"/>
-        <pc:sldMkLst>
-          <pc:docMk/>
-          <pc:sldMk cId="97464883" sldId="325"/>
-        </pc:sldMkLst>
-      </pc:sldChg>
-      <pc:sldChg chg="modSp modAnim">
-        <pc:chgData name="Long B Nguyen" userId="f59fb8f3-a021-417a-8bc1-65c8d471c621" providerId="ADAL" clId="{7279A8A5-2AEE-8349-A56F-AA85D50C2543}" dt="2021-06-04T18:08:49.259" v="420" actId="20577"/>
-        <pc:sldMkLst>
-          <pc:docMk/>
-          <pc:sldMk cId="2224964763" sldId="326"/>
-        </pc:sldMkLst>
-        <pc:spChg chg="mod">
-          <ac:chgData name="Long B Nguyen" userId="f59fb8f3-a021-417a-8bc1-65c8d471c621" providerId="ADAL" clId="{7279A8A5-2AEE-8349-A56F-AA85D50C2543}" dt="2021-06-04T18:08:49.259" v="420" actId="20577"/>
-          <ac:spMkLst>
-            <pc:docMk/>
-            <pc:sldMk cId="2224964763" sldId="326"/>
-            <ac:spMk id="9" creationId="{E3B2E017-30B2-884B-A113-B419A2ED51AD}"/>
-          </ac:spMkLst>
-        </pc:spChg>
-      </pc:sldChg>
-      <pc:sldChg chg="addSp modSp mod modAnim">
-        <pc:chgData name="Long B Nguyen" userId="f59fb8f3-a021-417a-8bc1-65c8d471c621" providerId="ADAL" clId="{7279A8A5-2AEE-8349-A56F-AA85D50C2543}" dt="2021-06-04T18:06:46.747" v="343" actId="1076"/>
-        <pc:sldMkLst>
-          <pc:docMk/>
-          <pc:sldMk cId="725508398" sldId="327"/>
-        </pc:sldMkLst>
-        <pc:spChg chg="mod">
-          <ac:chgData name="Long B Nguyen" userId="f59fb8f3-a021-417a-8bc1-65c8d471c621" providerId="ADAL" clId="{7279A8A5-2AEE-8349-A56F-AA85D50C2543}" dt="2021-06-04T18:06:44.710" v="341" actId="20577"/>
-          <ac:spMkLst>
-            <pc:docMk/>
-            <pc:sldMk cId="725508398" sldId="327"/>
-            <ac:spMk id="9" creationId="{E3B2E017-30B2-884B-A113-B419A2ED51AD}"/>
-          </ac:spMkLst>
-        </pc:spChg>
-        <pc:picChg chg="add mod">
-          <ac:chgData name="Long B Nguyen" userId="f59fb8f3-a021-417a-8bc1-65c8d471c621" providerId="ADAL" clId="{7279A8A5-2AEE-8349-A56F-AA85D50C2543}" dt="2021-06-04T18:06:46.747" v="343" actId="1076"/>
-          <ac:picMkLst>
-            <pc:docMk/>
-            <pc:sldMk cId="725508398" sldId="327"/>
-            <ac:picMk id="4" creationId="{3FBDC7CC-417A-BA40-9869-3D5C905BEB42}"/>
-          </ac:picMkLst>
-        </pc:picChg>
-      </pc:sldChg>
-      <pc:sldChg chg="del">
-        <pc:chgData name="Long B Nguyen" userId="f59fb8f3-a021-417a-8bc1-65c8d471c621" providerId="ADAL" clId="{7279A8A5-2AEE-8349-A56F-AA85D50C2543}" dt="2021-06-04T18:11:56.081" v="514" actId="2696"/>
-        <pc:sldMkLst>
-          <pc:docMk/>
-          <pc:sldMk cId="771839009" sldId="329"/>
-        </pc:sldMkLst>
-      </pc:sldChg>
-      <pc:sldChg chg="del">
-        <pc:chgData name="Long B Nguyen" userId="f59fb8f3-a021-417a-8bc1-65c8d471c621" providerId="ADAL" clId="{7279A8A5-2AEE-8349-A56F-AA85D50C2543}" dt="2021-06-04T17:52:33.195" v="100" actId="2696"/>
-        <pc:sldMkLst>
-          <pc:docMk/>
-          <pc:sldMk cId="1160750792" sldId="330"/>
-        </pc:sldMkLst>
-      </pc:sldChg>
-      <pc:sldChg chg="modSp add mod modAnim">
-        <pc:chgData name="Long B Nguyen" userId="f59fb8f3-a021-417a-8bc1-65c8d471c621" providerId="ADAL" clId="{7279A8A5-2AEE-8349-A56F-AA85D50C2543}" dt="2021-06-05T00:12:31.095" v="1212" actId="20577"/>
-        <pc:sldMkLst>
-          <pc:docMk/>
-          <pc:sldMk cId="3976972109" sldId="331"/>
-        </pc:sldMkLst>
-        <pc:spChg chg="mod">
-          <ac:chgData name="Long B Nguyen" userId="f59fb8f3-a021-417a-8bc1-65c8d471c621" providerId="ADAL" clId="{7279A8A5-2AEE-8349-A56F-AA85D50C2543}" dt="2021-06-05T00:12:31.095" v="1212" actId="20577"/>
-          <ac:spMkLst>
-            <pc:docMk/>
-            <pc:sldMk cId="3976972109" sldId="331"/>
-            <ac:spMk id="2" creationId="{AA3A228F-61D0-D949-A5E7-F83756230BF8}"/>
-          </ac:spMkLst>
-        </pc:spChg>
-        <pc:spChg chg="mod">
-          <ac:chgData name="Long B Nguyen" userId="f59fb8f3-a021-417a-8bc1-65c8d471c621" providerId="ADAL" clId="{7279A8A5-2AEE-8349-A56F-AA85D50C2543}" dt="2021-06-05T00:05:57.082" v="1005" actId="20577"/>
-          <ac:spMkLst>
-            <pc:docMk/>
-            <pc:sldMk cId="3976972109" sldId="331"/>
-            <ac:spMk id="9" creationId="{E3B2E017-30B2-884B-A113-B419A2ED51AD}"/>
-          </ac:spMkLst>
-        </pc:spChg>
-      </pc:sldChg>
-      <pc:sldChg chg="modSp mod modAnim">
-        <pc:chgData name="Long B Nguyen" userId="f59fb8f3-a021-417a-8bc1-65c8d471c621" providerId="ADAL" clId="{7279A8A5-2AEE-8349-A56F-AA85D50C2543}" dt="2021-06-05T03:41:21.867" v="2760" actId="20577"/>
-        <pc:sldMkLst>
-          <pc:docMk/>
-          <pc:sldMk cId="121458461" sldId="332"/>
-        </pc:sldMkLst>
-        <pc:spChg chg="mod">
-          <ac:chgData name="Long B Nguyen" userId="f59fb8f3-a021-417a-8bc1-65c8d471c621" providerId="ADAL" clId="{7279A8A5-2AEE-8349-A56F-AA85D50C2543}" dt="2021-06-04T17:51:57.175" v="98" actId="1076"/>
-          <ac:spMkLst>
-            <pc:docMk/>
-            <pc:sldMk cId="121458461" sldId="332"/>
-            <ac:spMk id="2" creationId="{AA3A228F-61D0-D949-A5E7-F83756230BF8}"/>
-          </ac:spMkLst>
-        </pc:spChg>
-        <pc:spChg chg="mod">
-          <ac:chgData name="Long B Nguyen" userId="f59fb8f3-a021-417a-8bc1-65c8d471c621" providerId="ADAL" clId="{7279A8A5-2AEE-8349-A56F-AA85D50C2543}" dt="2021-06-05T03:41:21.867" v="2760" actId="20577"/>
-          <ac:spMkLst>
-            <pc:docMk/>
-            <pc:sldMk cId="121458461" sldId="332"/>
-            <ac:spMk id="9" creationId="{E3B2E017-30B2-884B-A113-B419A2ED51AD}"/>
-          </ac:spMkLst>
-        </pc:spChg>
-      </pc:sldChg>
-      <pc:sldChg chg="del">
-        <pc:chgData name="Long B Nguyen" userId="f59fb8f3-a021-417a-8bc1-65c8d471c621" providerId="ADAL" clId="{7279A8A5-2AEE-8349-A56F-AA85D50C2543}" dt="2021-06-04T17:52:33.195" v="100" actId="2696"/>
-        <pc:sldMkLst>
-          <pc:docMk/>
-          <pc:sldMk cId="3377374440" sldId="333"/>
-        </pc:sldMkLst>
-      </pc:sldChg>
-      <pc:sldChg chg="del">
-        <pc:chgData name="Long B Nguyen" userId="f59fb8f3-a021-417a-8bc1-65c8d471c621" providerId="ADAL" clId="{7279A8A5-2AEE-8349-A56F-AA85D50C2543}" dt="2021-06-04T18:13:43.940" v="518" actId="2696"/>
-        <pc:sldMkLst>
-          <pc:docMk/>
-          <pc:sldMk cId="1297630579" sldId="334"/>
-        </pc:sldMkLst>
-      </pc:sldChg>
-      <pc:sldChg chg="del">
-        <pc:chgData name="Long B Nguyen" userId="f59fb8f3-a021-417a-8bc1-65c8d471c621" providerId="ADAL" clId="{7279A8A5-2AEE-8349-A56F-AA85D50C2543}" dt="2021-06-04T17:54:02.645" v="102" actId="2696"/>
-        <pc:sldMkLst>
-          <pc:docMk/>
-          <pc:sldMk cId="3679420171" sldId="335"/>
-        </pc:sldMkLst>
-      </pc:sldChg>
-      <pc:sldChg chg="del">
-        <pc:chgData name="Long B Nguyen" userId="f59fb8f3-a021-417a-8bc1-65c8d471c621" providerId="ADAL" clId="{7279A8A5-2AEE-8349-A56F-AA85D50C2543}" dt="2021-06-04T17:51:35.092" v="95" actId="2696"/>
-        <pc:sldMkLst>
-          <pc:docMk/>
-          <pc:sldMk cId="4200601291" sldId="336"/>
-        </pc:sldMkLst>
-      </pc:sldChg>
-      <pc:sldChg chg="del">
-        <pc:chgData name="Long B Nguyen" userId="f59fb8f3-a021-417a-8bc1-65c8d471c621" providerId="ADAL" clId="{7279A8A5-2AEE-8349-A56F-AA85D50C2543}" dt="2021-06-04T18:14:10.298" v="520" actId="2696"/>
-        <pc:sldMkLst>
-          <pc:docMk/>
-          <pc:sldMk cId="3893998552" sldId="337"/>
-        </pc:sldMkLst>
-      </pc:sldChg>
-      <pc:sldChg chg="del">
-        <pc:chgData name="Long B Nguyen" userId="f59fb8f3-a021-417a-8bc1-65c8d471c621" providerId="ADAL" clId="{7279A8A5-2AEE-8349-A56F-AA85D50C2543}" dt="2021-06-04T18:14:10.298" v="520" actId="2696"/>
-        <pc:sldMkLst>
-          <pc:docMk/>
-          <pc:sldMk cId="1222806230" sldId="338"/>
-        </pc:sldMkLst>
-      </pc:sldChg>
-      <pc:sldChg chg="del">
-        <pc:chgData name="Long B Nguyen" userId="f59fb8f3-a021-417a-8bc1-65c8d471c621" providerId="ADAL" clId="{7279A8A5-2AEE-8349-A56F-AA85D50C2543}" dt="2021-06-04T17:53:53.345" v="101" actId="2696"/>
-        <pc:sldMkLst>
-          <pc:docMk/>
-          <pc:sldMk cId="2049074062" sldId="339"/>
-        </pc:sldMkLst>
-      </pc:sldChg>
-      <pc:sldChg chg="del">
-        <pc:chgData name="Long B Nguyen" userId="f59fb8f3-a021-417a-8bc1-65c8d471c621" providerId="ADAL" clId="{7279A8A5-2AEE-8349-A56F-AA85D50C2543}" dt="2021-06-04T17:53:53.345" v="101" actId="2696"/>
-        <pc:sldMkLst>
-          <pc:docMk/>
-          <pc:sldMk cId="3520320687" sldId="340"/>
-        </pc:sldMkLst>
-      </pc:sldChg>
-      <pc:sldChg chg="modSp mod">
-        <pc:chgData name="Long B Nguyen" userId="f59fb8f3-a021-417a-8bc1-65c8d471c621" providerId="ADAL" clId="{7279A8A5-2AEE-8349-A56F-AA85D50C2543}" dt="2021-06-05T03:37:38.417" v="2733" actId="1076"/>
-        <pc:sldMkLst>
-          <pc:docMk/>
-          <pc:sldMk cId="2050208201" sldId="341"/>
-        </pc:sldMkLst>
-        <pc:spChg chg="mod">
-          <ac:chgData name="Long B Nguyen" userId="f59fb8f3-a021-417a-8bc1-65c8d471c621" providerId="ADAL" clId="{7279A8A5-2AEE-8349-A56F-AA85D50C2543}" dt="2021-06-05T03:37:38.417" v="2733" actId="1076"/>
-          <ac:spMkLst>
-            <pc:docMk/>
-            <pc:sldMk cId="2050208201" sldId="341"/>
-            <ac:spMk id="2" creationId="{AA3A228F-61D0-D949-A5E7-F83756230BF8}"/>
-          </ac:spMkLst>
-        </pc:spChg>
-        <pc:spChg chg="mod">
-          <ac:chgData name="Long B Nguyen" userId="f59fb8f3-a021-417a-8bc1-65c8d471c621" providerId="ADAL" clId="{7279A8A5-2AEE-8349-A56F-AA85D50C2543}" dt="2021-06-05T03:37:36.201" v="2732" actId="14100"/>
-          <ac:spMkLst>
-            <pc:docMk/>
-            <pc:sldMk cId="2050208201" sldId="341"/>
-            <ac:spMk id="9" creationId="{E3B2E017-30B2-884B-A113-B419A2ED51AD}"/>
-          </ac:spMkLst>
-        </pc:spChg>
-      </pc:sldChg>
-      <pc:sldChg chg="del">
-        <pc:chgData name="Long B Nguyen" userId="f59fb8f3-a021-417a-8bc1-65c8d471c621" providerId="ADAL" clId="{7279A8A5-2AEE-8349-A56F-AA85D50C2543}" dt="2021-06-05T03:22:01.855" v="1647" actId="2696"/>
-        <pc:sldMkLst>
-          <pc:docMk/>
-          <pc:sldMk cId="2433533531" sldId="342"/>
-        </pc:sldMkLst>
-      </pc:sldChg>
-      <pc:sldChg chg="del">
-        <pc:chgData name="Long B Nguyen" userId="f59fb8f3-a021-417a-8bc1-65c8d471c621" providerId="ADAL" clId="{7279A8A5-2AEE-8349-A56F-AA85D50C2543}" dt="2021-06-05T03:22:02.557" v="1648" actId="2696"/>
-        <pc:sldMkLst>
-          <pc:docMk/>
-          <pc:sldMk cId="2916621840" sldId="343"/>
-        </pc:sldMkLst>
-      </pc:sldChg>
-      <pc:sldChg chg="del">
-        <pc:chgData name="Long B Nguyen" userId="f59fb8f3-a021-417a-8bc1-65c8d471c621" providerId="ADAL" clId="{7279A8A5-2AEE-8349-A56F-AA85D50C2543}" dt="2021-06-05T03:24:41.453" v="1736" actId="2696"/>
-        <pc:sldMkLst>
-          <pc:docMk/>
-          <pc:sldMk cId="422445672" sldId="344"/>
-        </pc:sldMkLst>
-      </pc:sldChg>
-      <pc:sldChg chg="del">
-        <pc:chgData name="Long B Nguyen" userId="f59fb8f3-a021-417a-8bc1-65c8d471c621" providerId="ADAL" clId="{7279A8A5-2AEE-8349-A56F-AA85D50C2543}" dt="2021-06-04T17:51:24.876" v="94" actId="2696"/>
-        <pc:sldMkLst>
-          <pc:docMk/>
-          <pc:sldMk cId="2355424310" sldId="345"/>
-        </pc:sldMkLst>
-      </pc:sldChg>
-      <pc:sldChg chg="modSp add mod modAnim">
-        <pc:chgData name="Long B Nguyen" userId="f59fb8f3-a021-417a-8bc1-65c8d471c621" providerId="ADAL" clId="{7279A8A5-2AEE-8349-A56F-AA85D50C2543}" dt="2021-06-05T03:36:48.753" v="2724" actId="20577"/>
-        <pc:sldMkLst>
-          <pc:docMk/>
-          <pc:sldMk cId="3892704054" sldId="347"/>
-        </pc:sldMkLst>
-        <pc:spChg chg="mod">
-          <ac:chgData name="Long B Nguyen" userId="f59fb8f3-a021-417a-8bc1-65c8d471c621" providerId="ADAL" clId="{7279A8A5-2AEE-8349-A56F-AA85D50C2543}" dt="2021-06-05T00:12:43.452" v="1230" actId="20577"/>
-          <ac:spMkLst>
-            <pc:docMk/>
-            <pc:sldMk cId="3892704054" sldId="347"/>
-            <ac:spMk id="2" creationId="{AA3A228F-61D0-D949-A5E7-F83756230BF8}"/>
-          </ac:spMkLst>
-        </pc:spChg>
-        <pc:spChg chg="mod">
-          <ac:chgData name="Long B Nguyen" userId="f59fb8f3-a021-417a-8bc1-65c8d471c621" providerId="ADAL" clId="{7279A8A5-2AEE-8349-A56F-AA85D50C2543}" dt="2021-06-05T03:36:48.753" v="2724" actId="20577"/>
-          <ac:spMkLst>
-            <pc:docMk/>
-            <pc:sldMk cId="3892704054" sldId="347"/>
-            <ac:spMk id="9" creationId="{E3B2E017-30B2-884B-A113-B419A2ED51AD}"/>
-          </ac:spMkLst>
-        </pc:spChg>
-      </pc:sldChg>
-      <pc:sldChg chg="modSp add mod modAnim">
-        <pc:chgData name="Long B Nguyen" userId="f59fb8f3-a021-417a-8bc1-65c8d471c621" providerId="ADAL" clId="{7279A8A5-2AEE-8349-A56F-AA85D50C2543}" dt="2021-06-05T03:36:55.420" v="2730" actId="20577"/>
-        <pc:sldMkLst>
-          <pc:docMk/>
-          <pc:sldMk cId="2710176601" sldId="348"/>
-        </pc:sldMkLst>
-        <pc:spChg chg="mod">
-          <ac:chgData name="Long B Nguyen" userId="f59fb8f3-a021-417a-8bc1-65c8d471c621" providerId="ADAL" clId="{7279A8A5-2AEE-8349-A56F-AA85D50C2543}" dt="2021-06-05T00:13:06.526" v="1241" actId="20577"/>
-          <ac:spMkLst>
-            <pc:docMk/>
-            <pc:sldMk cId="2710176601" sldId="348"/>
-            <ac:spMk id="2" creationId="{AA3A228F-61D0-D949-A5E7-F83756230BF8}"/>
-          </ac:spMkLst>
-        </pc:spChg>
-        <pc:spChg chg="mod">
-          <ac:chgData name="Long B Nguyen" userId="f59fb8f3-a021-417a-8bc1-65c8d471c621" providerId="ADAL" clId="{7279A8A5-2AEE-8349-A56F-AA85D50C2543}" dt="2021-06-05T03:36:55.420" v="2730" actId="20577"/>
-          <ac:spMkLst>
-            <pc:docMk/>
-            <pc:sldMk cId="2710176601" sldId="348"/>
-            <ac:spMk id="9" creationId="{E3B2E017-30B2-884B-A113-B419A2ED51AD}"/>
-          </ac:spMkLst>
-        </pc:spChg>
-      </pc:sldChg>
-      <pc:sldChg chg="modSp new del mod">
-        <pc:chgData name="Long B Nguyen" userId="f59fb8f3-a021-417a-8bc1-65c8d471c621" providerId="ADAL" clId="{7279A8A5-2AEE-8349-A56F-AA85D50C2543}" dt="2021-06-05T02:47:20.317" v="1342" actId="2696"/>
-        <pc:sldMkLst>
-          <pc:docMk/>
-          <pc:sldMk cId="1099653188" sldId="349"/>
-        </pc:sldMkLst>
-        <pc:spChg chg="mod">
-          <ac:chgData name="Long B Nguyen" userId="f59fb8f3-a021-417a-8bc1-65c8d471c621" providerId="ADAL" clId="{7279A8A5-2AEE-8349-A56F-AA85D50C2543}" dt="2021-06-05T00:17:41.819" v="1285" actId="20577"/>
-          <ac:spMkLst>
-            <pc:docMk/>
-            <pc:sldMk cId="1099653188" sldId="349"/>
-            <ac:spMk id="3" creationId="{D361E55F-9526-5C46-B407-68723D32D67A}"/>
-          </ac:spMkLst>
-        </pc:spChg>
-      </pc:sldChg>
-      <pc:sldChg chg="modSp add mod modAnim">
-        <pc:chgData name="Long B Nguyen" userId="f59fb8f3-a021-417a-8bc1-65c8d471c621" providerId="ADAL" clId="{7279A8A5-2AEE-8349-A56F-AA85D50C2543}" dt="2021-06-05T02:49:30.014" v="1635" actId="20577"/>
-        <pc:sldMkLst>
-          <pc:docMk/>
-          <pc:sldMk cId="3729583877" sldId="349"/>
-        </pc:sldMkLst>
-        <pc:spChg chg="mod">
-          <ac:chgData name="Long B Nguyen" userId="f59fb8f3-a021-417a-8bc1-65c8d471c621" providerId="ADAL" clId="{7279A8A5-2AEE-8349-A56F-AA85D50C2543}" dt="2021-06-05T02:47:30.248" v="1360" actId="20577"/>
-          <ac:spMkLst>
-            <pc:docMk/>
-            <pc:sldMk cId="3729583877" sldId="349"/>
-            <ac:spMk id="2" creationId="{AA3A228F-61D0-D949-A5E7-F83756230BF8}"/>
-          </ac:spMkLst>
-        </pc:spChg>
-        <pc:spChg chg="mod">
-          <ac:chgData name="Long B Nguyen" userId="f59fb8f3-a021-417a-8bc1-65c8d471c621" providerId="ADAL" clId="{7279A8A5-2AEE-8349-A56F-AA85D50C2543}" dt="2021-06-05T02:49:30.014" v="1635" actId="20577"/>
-          <ac:spMkLst>
-            <pc:docMk/>
-            <pc:sldMk cId="3729583877" sldId="349"/>
-            <ac:spMk id="9" creationId="{E3B2E017-30B2-884B-A113-B419A2ED51AD}"/>
-          </ac:spMkLst>
-        </pc:spChg>
-      </pc:sldChg>
-      <pc:sldChg chg="modSp add mod">
-        <pc:chgData name="Long B Nguyen" userId="f59fb8f3-a021-417a-8bc1-65c8d471c621" providerId="ADAL" clId="{7279A8A5-2AEE-8349-A56F-AA85D50C2543}" dt="2021-06-05T03:28:06.159" v="2139" actId="20577"/>
-        <pc:sldMkLst>
-          <pc:docMk/>
-          <pc:sldMk cId="791465431" sldId="350"/>
-        </pc:sldMkLst>
-        <pc:spChg chg="mod">
-          <ac:chgData name="Long B Nguyen" userId="f59fb8f3-a021-417a-8bc1-65c8d471c621" providerId="ADAL" clId="{7279A8A5-2AEE-8349-A56F-AA85D50C2543}" dt="2021-06-05T03:25:36.716" v="1763" actId="20577"/>
-          <ac:spMkLst>
-            <pc:docMk/>
-            <pc:sldMk cId="791465431" sldId="350"/>
-            <ac:spMk id="2" creationId="{AA3A228F-61D0-D949-A5E7-F83756230BF8}"/>
-          </ac:spMkLst>
-        </pc:spChg>
-        <pc:spChg chg="mod">
-          <ac:chgData name="Long B Nguyen" userId="f59fb8f3-a021-417a-8bc1-65c8d471c621" providerId="ADAL" clId="{7279A8A5-2AEE-8349-A56F-AA85D50C2543}" dt="2021-06-05T03:28:06.159" v="2139" actId="20577"/>
-          <ac:spMkLst>
-            <pc:docMk/>
-            <pc:sldMk cId="791465431" sldId="350"/>
-            <ac:spMk id="9" creationId="{E3B2E017-30B2-884B-A113-B419A2ED51AD}"/>
-          </ac:spMkLst>
-        </pc:spChg>
-      </pc:sldChg>
-      <pc:sldChg chg="addSp modSp add mod modAnim">
-        <pc:chgData name="Long B Nguyen" userId="f59fb8f3-a021-417a-8bc1-65c8d471c621" providerId="ADAL" clId="{7279A8A5-2AEE-8349-A56F-AA85D50C2543}" dt="2021-06-05T03:33:06.899" v="2511" actId="20577"/>
-        <pc:sldMkLst>
-          <pc:docMk/>
-          <pc:sldMk cId="4017324179" sldId="351"/>
-        </pc:sldMkLst>
-        <pc:spChg chg="mod">
-          <ac:chgData name="Long B Nguyen" userId="f59fb8f3-a021-417a-8bc1-65c8d471c621" providerId="ADAL" clId="{7279A8A5-2AEE-8349-A56F-AA85D50C2543}" dt="2021-06-05T03:28:48.845" v="2159" actId="20577"/>
-          <ac:spMkLst>
-            <pc:docMk/>
-            <pc:sldMk cId="4017324179" sldId="351"/>
-            <ac:spMk id="2" creationId="{AA3A228F-61D0-D949-A5E7-F83756230BF8}"/>
-          </ac:spMkLst>
-        </pc:spChg>
-        <pc:spChg chg="add mod">
-          <ac:chgData name="Long B Nguyen" userId="f59fb8f3-a021-417a-8bc1-65c8d471c621" providerId="ADAL" clId="{7279A8A5-2AEE-8349-A56F-AA85D50C2543}" dt="2021-06-05T03:33:06.899" v="2511" actId="20577"/>
-          <ac:spMkLst>
-            <pc:docMk/>
-            <pc:sldMk cId="4017324179" sldId="351"/>
-            <ac:spMk id="3" creationId="{D153B6FA-682D-9E41-9C1C-7C6215883E2A}"/>
-          </ac:spMkLst>
-        </pc:spChg>
-        <pc:spChg chg="mod">
-          <ac:chgData name="Long B Nguyen" userId="f59fb8f3-a021-417a-8bc1-65c8d471c621" providerId="ADAL" clId="{7279A8A5-2AEE-8349-A56F-AA85D50C2543}" dt="2021-06-05T03:31:38.485" v="2387" actId="20577"/>
-          <ac:spMkLst>
-            <pc:docMk/>
-            <pc:sldMk cId="4017324179" sldId="351"/>
-            <ac:spMk id="9" creationId="{E3B2E017-30B2-884B-A113-B419A2ED51AD}"/>
-          </ac:spMkLst>
-        </pc:spChg>
-      </pc:sldChg>
-      <pc:sldChg chg="del">
-        <pc:chgData name="Long B Nguyen" userId="f59fb8f3-a021-417a-8bc1-65c8d471c621" providerId="ADAL" clId="{7279A8A5-2AEE-8349-A56F-AA85D50C2543}" dt="2021-06-04T17:51:24.876" v="94" actId="2696"/>
-        <pc:sldMkLst>
-          <pc:docMk/>
-          <pc:sldMk cId="291122115" sldId="352"/>
-        </pc:sldMkLst>
-      </pc:sldChg>
-      <pc:sldChg chg="addSp delSp modSp add mod modAnim">
-        <pc:chgData name="Long B Nguyen" userId="f59fb8f3-a021-417a-8bc1-65c8d471c621" providerId="ADAL" clId="{7279A8A5-2AEE-8349-A56F-AA85D50C2543}" dt="2021-06-05T03:34:36.513" v="2620"/>
-        <pc:sldMkLst>
-          <pc:docMk/>
-          <pc:sldMk cId="4281858866" sldId="352"/>
-        </pc:sldMkLst>
-        <pc:spChg chg="add del mod">
-          <ac:chgData name="Long B Nguyen" userId="f59fb8f3-a021-417a-8bc1-65c8d471c621" providerId="ADAL" clId="{7279A8A5-2AEE-8349-A56F-AA85D50C2543}" dt="2021-06-05T03:34:36.513" v="2620"/>
-          <ac:spMkLst>
-            <pc:docMk/>
-            <pc:sldMk cId="4281858866" sldId="352"/>
-            <ac:spMk id="4" creationId="{053CE48B-7221-4646-8AA6-DBAEAFD92B6F}"/>
-          </ac:spMkLst>
-        </pc:spChg>
-        <pc:spChg chg="mod">
-          <ac:chgData name="Long B Nguyen" userId="f59fb8f3-a021-417a-8bc1-65c8d471c621" providerId="ADAL" clId="{7279A8A5-2AEE-8349-A56F-AA85D50C2543}" dt="2021-06-05T03:34:08.601" v="2618" actId="20577"/>
-          <ac:spMkLst>
-            <pc:docMk/>
-            <pc:sldMk cId="4281858866" sldId="352"/>
-            <ac:spMk id="9" creationId="{E3B2E017-30B2-884B-A113-B419A2ED51AD}"/>
-          </ac:spMkLst>
-        </pc:spChg>
-      </pc:sldChg>
-      <pc:sldChg chg="modSp add mod modAnim">
-        <pc:chgData name="Long B Nguyen" userId="f59fb8f3-a021-417a-8bc1-65c8d471c621" providerId="ADAL" clId="{7279A8A5-2AEE-8349-A56F-AA85D50C2543}" dt="2021-06-05T03:36:42.698" v="2718" actId="20577"/>
-        <pc:sldMkLst>
-          <pc:docMk/>
-          <pc:sldMk cId="2319331468" sldId="353"/>
-        </pc:sldMkLst>
-        <pc:spChg chg="mod">
-          <ac:chgData name="Long B Nguyen" userId="f59fb8f3-a021-417a-8bc1-65c8d471c621" providerId="ADAL" clId="{7279A8A5-2AEE-8349-A56F-AA85D50C2543}" dt="2021-06-05T03:36:03.129" v="2640" actId="20577"/>
-          <ac:spMkLst>
-            <pc:docMk/>
-            <pc:sldMk cId="2319331468" sldId="353"/>
-            <ac:spMk id="2" creationId="{AA3A228F-61D0-D949-A5E7-F83756230BF8}"/>
-          </ac:spMkLst>
-        </pc:spChg>
-        <pc:spChg chg="mod">
-          <ac:chgData name="Long B Nguyen" userId="f59fb8f3-a021-417a-8bc1-65c8d471c621" providerId="ADAL" clId="{7279A8A5-2AEE-8349-A56F-AA85D50C2543}" dt="2021-06-05T03:36:42.698" v="2718" actId="20577"/>
-          <ac:spMkLst>
-            <pc:docMk/>
-            <pc:sldMk cId="2319331468" sldId="353"/>
-            <ac:spMk id="9" creationId="{E3B2E017-30B2-884B-A113-B419A2ED51AD}"/>
-          </ac:spMkLst>
-        </pc:spChg>
-      </pc:sldChg>
-      <pc:sldChg chg="modSp add mod modAnim">
-        <pc:chgData name="Long B Nguyen" userId="f59fb8f3-a021-417a-8bc1-65c8d471c621" providerId="ADAL" clId="{7279A8A5-2AEE-8349-A56F-AA85D50C2543}" dt="2021-06-05T03:47:18.172" v="3209" actId="14100"/>
-        <pc:sldMkLst>
-          <pc:docMk/>
-          <pc:sldMk cId="2687856344" sldId="354"/>
-        </pc:sldMkLst>
-        <pc:spChg chg="mod">
-          <ac:chgData name="Long B Nguyen" userId="f59fb8f3-a021-417a-8bc1-65c8d471c621" providerId="ADAL" clId="{7279A8A5-2AEE-8349-A56F-AA85D50C2543}" dt="2021-06-05T03:47:11.167" v="3207" actId="1076"/>
-          <ac:spMkLst>
-            <pc:docMk/>
-            <pc:sldMk cId="2687856344" sldId="354"/>
-            <ac:spMk id="2" creationId="{AA3A228F-61D0-D949-A5E7-F83756230BF8}"/>
-          </ac:spMkLst>
-        </pc:spChg>
-        <pc:spChg chg="mod">
-          <ac:chgData name="Long B Nguyen" userId="f59fb8f3-a021-417a-8bc1-65c8d471c621" providerId="ADAL" clId="{7279A8A5-2AEE-8349-A56F-AA85D50C2543}" dt="2021-06-05T03:47:18.172" v="3209" actId="14100"/>
-          <ac:spMkLst>
-            <pc:docMk/>
-            <pc:sldMk cId="2687856344" sldId="354"/>
-            <ac:spMk id="9" creationId="{E3B2E017-30B2-884B-A113-B419A2ED51AD}"/>
-          </ac:spMkLst>
-        </pc:spChg>
-      </pc:sldChg>
-      <pc:sldChg chg="add del">
-        <pc:chgData name="Long B Nguyen" userId="f59fb8f3-a021-417a-8bc1-65c8d471c621" providerId="ADAL" clId="{7279A8A5-2AEE-8349-A56F-AA85D50C2543}" dt="2021-06-05T03:42:07.553" v="2762" actId="2696"/>
-        <pc:sldMkLst>
-          <pc:docMk/>
-          <pc:sldMk cId="3216578157" sldId="354"/>
-        </pc:sldMkLst>
-      </pc:sldChg>
-      <pc:sldChg chg="modSp add modAnim">
-        <pc:chgData name="Long B Nguyen" userId="f59fb8f3-a021-417a-8bc1-65c8d471c621" providerId="ADAL" clId="{7279A8A5-2AEE-8349-A56F-AA85D50C2543}" dt="2021-06-05T03:47:47.906" v="3276" actId="20577"/>
-        <pc:sldMkLst>
-          <pc:docMk/>
-          <pc:sldMk cId="1702508325" sldId="355"/>
-        </pc:sldMkLst>
-        <pc:spChg chg="mod">
-          <ac:chgData name="Long B Nguyen" userId="f59fb8f3-a021-417a-8bc1-65c8d471c621" providerId="ADAL" clId="{7279A8A5-2AEE-8349-A56F-AA85D50C2543}" dt="2021-06-05T03:47:47.906" v="3276" actId="20577"/>
-          <ac:spMkLst>
-            <pc:docMk/>
-            <pc:sldMk cId="1702508325" sldId="355"/>
+            <pc:sldMk cId="291122115" sldId="352"/>
             <ac:spMk id="9" creationId="{E3B2E017-30B2-884B-A113-B419A2ED51AD}"/>
           </ac:spMkLst>
         </pc:spChg>
@@ -3642,7 +3711,7 @@
           <a:p>
             <a:fld id="{472A3191-A823-3A4C-BAE2-BFE2B900BE07}" type="datetimeFigureOut">
               <a:rPr lang="en-US" smtClean="0"/>
-              <a:t>11/19/22</a:t>
+              <a:t>11/6/23</a:t>
             </a:fld>
             <a:endParaRPr lang="en-US"/>
           </a:p>
@@ -4040,7 +4109,7 @@
           <a:p>
             <a:fld id="{47BA3DDC-075C-4A4D-A54B-95D98B8D478A}" type="datetime1">
               <a:rPr lang="en-US" smtClean="0"/>
-              <a:t>11/19/22</a:t>
+              <a:t>11/6/23</a:t>
             </a:fld>
             <a:endParaRPr lang="en-US" dirty="0"/>
           </a:p>
@@ -4210,7 +4279,7 @@
           <a:p>
             <a:fld id="{3B0FA794-F06E-FD4C-A124-E975800EFC4E}" type="datetime1">
               <a:rPr lang="en-US" smtClean="0"/>
-              <a:t>11/19/22</a:t>
+              <a:t>11/6/23</a:t>
             </a:fld>
             <a:endParaRPr lang="en-US" dirty="0"/>
           </a:p>
@@ -4390,7 +4459,7 @@
           <a:p>
             <a:fld id="{75640BA0-BAEC-B84C-9495-6C34748904F6}" type="datetime1">
               <a:rPr lang="en-US" smtClean="0"/>
-              <a:t>11/19/22</a:t>
+              <a:t>11/6/23</a:t>
             </a:fld>
             <a:endParaRPr lang="en-US" dirty="0"/>
           </a:p>
@@ -4560,7 +4629,7 @@
           <a:p>
             <a:fld id="{AEE200F8-8645-EA46-9425-DBABAFD1112F}" type="datetime1">
               <a:rPr lang="en-US" smtClean="0"/>
-              <a:t>11/19/22</a:t>
+              <a:t>11/6/23</a:t>
             </a:fld>
             <a:endParaRPr lang="en-US" dirty="0"/>
           </a:p>
@@ -4806,7 +4875,7 @@
           <a:p>
             <a:fld id="{86F38B6D-1830-6645-B8A8-B1EA68162AEB}" type="datetime1">
               <a:rPr lang="en-US" smtClean="0"/>
-              <a:t>11/19/22</a:t>
+              <a:t>11/6/23</a:t>
             </a:fld>
             <a:endParaRPr lang="en-US" dirty="0"/>
           </a:p>
@@ -5038,7 +5107,7 @@
           <a:p>
             <a:fld id="{FBDB30CD-8874-1849-8C07-31C574BD0F00}" type="datetime1">
               <a:rPr lang="en-US" smtClean="0"/>
-              <a:t>11/19/22</a:t>
+              <a:t>11/6/23</a:t>
             </a:fld>
             <a:endParaRPr lang="en-US" dirty="0"/>
           </a:p>
@@ -5405,7 +5474,7 @@
           <a:p>
             <a:fld id="{9CD31F1E-F5EC-8A4E-89B7-DCE834C81DCA}" type="datetime1">
               <a:rPr lang="en-US" smtClean="0"/>
-              <a:t>11/19/22</a:t>
+              <a:t>11/6/23</a:t>
             </a:fld>
             <a:endParaRPr lang="en-US" dirty="0"/>
           </a:p>
@@ -5523,7 +5592,7 @@
           <a:p>
             <a:fld id="{858DAD96-FF74-1C4D-B421-2B1A1D78B7A3}" type="datetime1">
               <a:rPr lang="en-US" smtClean="0"/>
-              <a:t>11/19/22</a:t>
+              <a:t>11/6/23</a:t>
             </a:fld>
             <a:endParaRPr lang="en-US" dirty="0"/>
           </a:p>
@@ -5618,7 +5687,7 @@
           <a:p>
             <a:fld id="{0422F68F-8F3D-A243-BF92-BEC91234D28D}" type="datetime1">
               <a:rPr lang="en-US" smtClean="0"/>
-              <a:t>11/19/22</a:t>
+              <a:t>11/6/23</a:t>
             </a:fld>
             <a:endParaRPr lang="en-US" dirty="0"/>
           </a:p>
@@ -5895,7 +5964,7 @@
           <a:p>
             <a:fld id="{3E84CF79-FEE6-5147-B1B6-0510538F2C2F}" type="datetime1">
               <a:rPr lang="en-US" smtClean="0"/>
-              <a:t>11/19/22</a:t>
+              <a:t>11/6/23</a:t>
             </a:fld>
             <a:endParaRPr lang="en-US" dirty="0"/>
           </a:p>
@@ -6152,7 +6221,7 @@
           <a:p>
             <a:fld id="{53DFDDFB-467B-F842-B523-CB6956E2725F}" type="datetime1">
               <a:rPr lang="en-US" smtClean="0"/>
-              <a:t>11/19/22</a:t>
+              <a:t>11/6/23</a:t>
             </a:fld>
             <a:endParaRPr lang="en-US" dirty="0"/>
           </a:p>
@@ -6365,7 +6434,7 @@
           <a:p>
             <a:fld id="{A6BEBF30-A8B2-7F48-95AD-DD4EBFBBC815}" type="datetime1">
               <a:rPr lang="en-US" smtClean="0"/>
-              <a:t>11/19/22</a:t>
+              <a:t>11/6/23</a:t>
             </a:fld>
             <a:endParaRPr lang="en-US" dirty="0"/>
           </a:p>
@@ -15212,7 +15281,7 @@
                 </a:solidFill>
                 <a:latin typeface="Inconsolata" panose="020B0609030003000000" pitchFamily="49" charset="77"/>
               </a:rPr>
-              <a:t>sum</a:t>
+              <a:t>sum_even</a:t>
             </a:r>
             <a:r>
               <a:rPr lang="en-US" b="1" dirty="0">
@@ -16693,6 +16762,45 @@
               <a:t>20</a:t>
             </a:fld>
             <a:endParaRPr lang="en-US" dirty="0"/>
+          </a:p>
+        </p:txBody>
+      </p:sp>
+      <p:sp>
+        <p:nvSpPr>
+          <p:cNvPr id="5" name="TextBox 4">
+            <a:extLst>
+              <a:ext uri="{FF2B5EF4-FFF2-40B4-BE49-F238E27FC236}">
+                <a16:creationId xmlns:a16="http://schemas.microsoft.com/office/drawing/2014/main" id="{DD1EF413-5068-F5E8-9308-046A85292130}"/>
+              </a:ext>
+            </a:extLst>
+          </p:cNvPr>
+          <p:cNvSpPr txBox="1"/>
+          <p:nvPr/>
+        </p:nvSpPr>
+        <p:spPr>
+          <a:xfrm>
+            <a:off x="4744720" y="2527443"/>
+            <a:ext cx="1320811" cy="430887"/>
+          </a:xfrm>
+          <a:prstGeom prst="rect">
+            <a:avLst/>
+          </a:prstGeom>
+          <a:noFill/>
+        </p:spPr>
+        <p:txBody>
+          <a:bodyPr wrap="none" rtlCol="0">
+            <a:spAutoFit/>
+          </a:bodyPr>
+          <a:lstStyle/>
+          <a:p>
+            <a:r>
+              <a:rPr lang="en-US" sz="2200">
+                <a:solidFill>
+                  <a:srgbClr val="FF0000"/>
+                </a:solidFill>
+              </a:rPr>
+              <a:t>Incorrect!</a:t>
+            </a:r>
           </a:p>
         </p:txBody>
       </p:sp>
@@ -17230,6 +17338,51 @@
                                           </p:stCondLst>
                                         </p:cTn>
                                         <p:tgtEl>
+                                          <p:spTgt spid="5"/>
+                                        </p:tgtEl>
+                                        <p:attrNameLst>
+                                          <p:attrName>style.visibility</p:attrName>
+                                        </p:attrNameLst>
+                                      </p:cBhvr>
+                                      <p:to>
+                                        <p:strVal val="visible"/>
+                                      </p:to>
+                                    </p:set>
+                                  </p:childTnLst>
+                                </p:cTn>
+                              </p:par>
+                            </p:childTnLst>
+                          </p:cTn>
+                        </p:par>
+                      </p:childTnLst>
+                    </p:cTn>
+                  </p:par>
+                  <p:par>
+                    <p:cTn id="47" fill="hold">
+                      <p:stCondLst>
+                        <p:cond delay="indefinite"/>
+                      </p:stCondLst>
+                      <p:childTnLst>
+                        <p:par>
+                          <p:cTn id="48" fill="hold">
+                            <p:stCondLst>
+                              <p:cond delay="0"/>
+                            </p:stCondLst>
+                            <p:childTnLst>
+                              <p:par>
+                                <p:cTn id="49" presetID="1" presetClass="entr" presetSubtype="0" fill="hold" grpId="0" nodeType="clickEffect">
+                                  <p:stCondLst>
+                                    <p:cond delay="0"/>
+                                  </p:stCondLst>
+                                  <p:childTnLst>
+                                    <p:set>
+                                      <p:cBhvr>
+                                        <p:cTn id="50" dur="1" fill="hold">
+                                          <p:stCondLst>
+                                            <p:cond delay="0"/>
+                                          </p:stCondLst>
+                                        </p:cTn>
+                                        <p:tgtEl>
                                           <p:spTgt spid="3"/>
                                         </p:tgtEl>
                                         <p:attrNameLst>
@@ -17272,6 +17425,7 @@
     </p:tnLst>
     <p:bldLst>
       <p:bldP spid="3" grpId="0"/>
+      <p:bldP spid="5" grpId="0"/>
     </p:bldLst>
   </p:timing>
 </p:sld>
@@ -17322,7 +17476,7 @@
           <a:p>
             <a:r>
               <a:rPr lang="en-US" dirty="0"/>
-              <a:t>Find Maximum Function</a:t>
+              <a:t>Find Maximum Function(Correct)</a:t>
             </a:r>
           </a:p>
         </p:txBody>
@@ -26571,7 +26725,7 @@
           <a:p>
             <a:r>
               <a:rPr lang="en-US" dirty="0"/>
-              <a:t>Slicing</a:t>
+              <a:t>Slicing(same as for Strings)</a:t>
             </a:r>
           </a:p>
         </p:txBody>
